--- a/presentazione_discussione.pptx
+++ b/presentazione_discussione.pptx
@@ -5,40 +5,39 @@
     <p:sldMasterId id="2147483652" r:id="rId4"/>
   </p:sldMasterIdLst>
   <p:notesMasterIdLst>
-    <p:notesMasterId r:id="rId28"/>
+    <p:notesMasterId r:id="rId27"/>
   </p:notesMasterIdLst>
   <p:handoutMasterIdLst>
-    <p:handoutMasterId r:id="rId29"/>
+    <p:handoutMasterId r:id="rId28"/>
   </p:handoutMasterIdLst>
   <p:sldIdLst>
     <p:sldId id="277" r:id="rId5"/>
     <p:sldId id="278" r:id="rId6"/>
     <p:sldId id="279" r:id="rId7"/>
     <p:sldId id="298" r:id="rId8"/>
-    <p:sldId id="280" r:id="rId9"/>
-    <p:sldId id="281" r:id="rId10"/>
-    <p:sldId id="299" r:id="rId11"/>
-    <p:sldId id="282" r:id="rId12"/>
-    <p:sldId id="283" r:id="rId13"/>
-    <p:sldId id="284" r:id="rId14"/>
-    <p:sldId id="285" r:id="rId15"/>
-    <p:sldId id="286" r:id="rId16"/>
-    <p:sldId id="287" r:id="rId17"/>
-    <p:sldId id="288" r:id="rId18"/>
-    <p:sldId id="289" r:id="rId19"/>
-    <p:sldId id="290" r:id="rId20"/>
-    <p:sldId id="291" r:id="rId21"/>
-    <p:sldId id="292" r:id="rId22"/>
-    <p:sldId id="293" r:id="rId23"/>
-    <p:sldId id="294" r:id="rId24"/>
-    <p:sldId id="295" r:id="rId25"/>
-    <p:sldId id="297" r:id="rId26"/>
-    <p:sldId id="296" r:id="rId27"/>
+    <p:sldId id="281" r:id="rId9"/>
+    <p:sldId id="299" r:id="rId10"/>
+    <p:sldId id="283" r:id="rId11"/>
+    <p:sldId id="284" r:id="rId12"/>
+    <p:sldId id="285" r:id="rId13"/>
+    <p:sldId id="287" r:id="rId14"/>
+    <p:sldId id="286" r:id="rId15"/>
+    <p:sldId id="288" r:id="rId16"/>
+    <p:sldId id="289" r:id="rId17"/>
+    <p:sldId id="290" r:id="rId18"/>
+    <p:sldId id="291" r:id="rId19"/>
+    <p:sldId id="292" r:id="rId20"/>
+    <p:sldId id="293" r:id="rId21"/>
+    <p:sldId id="294" r:id="rId22"/>
+    <p:sldId id="295" r:id="rId23"/>
+    <p:sldId id="297" r:id="rId24"/>
+    <p:sldId id="296" r:id="rId25"/>
+    <p:sldId id="300" r:id="rId26"/>
   </p:sldIdLst>
   <p:sldSz cx="9144000" cy="6858000" type="screen4x3"/>
   <p:notesSz cx="7099300" cy="10234613"/>
   <p:custDataLst>
-    <p:tags r:id="rId30"/>
+    <p:tags r:id="rId29"/>
   </p:custDataLst>
   <p:defaultTextStyle>
     <a:defPPr>
@@ -400,7 +399,7 @@
             <a:fld id="{09D1D7E3-DE3F-4B7A-BF5B-A3735BF12F5F}" type="slidenum">
               <a:rPr lang="en-US" altLang="nl-NL"/>
               <a:pPr/>
-              <a:t>‹N›</a:t>
+              <a:t>‹n.›</a:t>
             </a:fld>
             <a:endParaRPr lang="en-US" altLang="nl-NL"/>
           </a:p>
@@ -739,7 +738,7 @@
             <a:fld id="{88C0D9CF-78A8-4FBE-960E-41C6F5A4AF95}" type="slidenum">
               <a:rPr lang="en-US" altLang="nl-NL"/>
               <a:pPr/>
-              <a:t>‹N›</a:t>
+              <a:t>‹n.›</a:t>
             </a:fld>
             <a:endParaRPr lang="en-US" altLang="nl-NL"/>
           </a:p>
@@ -2098,7 +2097,7 @@
             <a:fld id="{2A6090BC-14A4-4032-A8EA-D874EB653524}" type="slidenum">
               <a:rPr lang="en-US" altLang="nl-NL"/>
               <a:pPr/>
-              <a:t>‹N›</a:t>
+              <a:t>‹n.›</a:t>
             </a:fld>
             <a:endParaRPr lang="en-US" altLang="nl-NL"/>
           </a:p>
@@ -2246,7 +2245,7 @@
             <a:fld id="{BA594880-8A78-40E1-8D62-51F97D4059C0}" type="slidenum">
               <a:rPr lang="en-US" altLang="nl-NL"/>
               <a:pPr/>
-              <a:t>‹N›</a:t>
+              <a:t>‹n.›</a:t>
             </a:fld>
             <a:endParaRPr lang="en-US" altLang="nl-NL"/>
           </a:p>
@@ -2431,7 +2430,7 @@
             <a:fld id="{C503DA3A-0C6B-48FC-931E-2C786AAFD5C1}" type="slidenum">
               <a:rPr lang="en-US" altLang="nl-NL"/>
               <a:pPr/>
-              <a:t>‹N›</a:t>
+              <a:t>‹n.›</a:t>
             </a:fld>
             <a:endParaRPr lang="en-US" altLang="nl-NL"/>
           </a:p>
@@ -2621,7 +2620,7 @@
             <a:fld id="{22038E9A-44DA-4A7D-8119-4DEABABB9975}" type="slidenum">
               <a:rPr lang="en-US" altLang="nl-NL"/>
               <a:pPr/>
-              <a:t>‹N›</a:t>
+              <a:t>‹n.›</a:t>
             </a:fld>
             <a:endParaRPr lang="en-US" altLang="nl-NL"/>
           </a:p>
@@ -2877,7 +2876,7 @@
             <a:fld id="{003F0B5A-3573-418F-94B3-BD5F75DB60BD}" type="slidenum">
               <a:rPr lang="en-US" altLang="nl-NL"/>
               <a:pPr/>
-              <a:t>‹N›</a:t>
+              <a:t>‹n.›</a:t>
             </a:fld>
             <a:endParaRPr lang="en-US" altLang="nl-NL"/>
           </a:p>
@@ -3272,7 +3271,7 @@
             <a:fld id="{42D42EED-7338-48C6-AA31-2E9FCA4532B1}" type="slidenum">
               <a:rPr lang="en-US" altLang="nl-NL"/>
               <a:pPr/>
-              <a:t>‹N›</a:t>
+              <a:t>‹n.›</a:t>
             </a:fld>
             <a:endParaRPr lang="en-US" altLang="nl-NL"/>
           </a:p>
@@ -3358,7 +3357,7 @@
             <a:fld id="{BBD7032E-400A-4C6B-9075-7A7CB7960EE8}" type="slidenum">
               <a:rPr lang="en-US" altLang="nl-NL"/>
               <a:pPr/>
-              <a:t>‹N›</a:t>
+              <a:t>‹n.›</a:t>
             </a:fld>
             <a:endParaRPr lang="en-US" altLang="nl-NL"/>
           </a:p>
@@ -3421,7 +3420,7 @@
             <a:fld id="{ED3AC776-BC4C-444F-A902-0153286FE118}" type="slidenum">
               <a:rPr lang="en-US" altLang="nl-NL"/>
               <a:pPr/>
-              <a:t>‹N›</a:t>
+              <a:t>‹n.›</a:t>
             </a:fld>
             <a:endParaRPr lang="en-US" altLang="nl-NL"/>
           </a:p>
@@ -3666,7 +3665,7 @@
             <a:fld id="{E5F65DD3-3E3C-40FA-A044-BE029E819A96}" type="slidenum">
               <a:rPr lang="en-US" altLang="nl-NL"/>
               <a:pPr/>
-              <a:t>‹N›</a:t>
+              <a:t>‹n.›</a:t>
             </a:fld>
             <a:endParaRPr lang="en-US" altLang="nl-NL"/>
           </a:p>
@@ -3892,7 +3891,7 @@
             <a:fld id="{D32360F0-7900-4280-B4D3-DB562730877F}" type="slidenum">
               <a:rPr lang="en-US" altLang="nl-NL"/>
               <a:pPr/>
-              <a:t>‹N›</a:t>
+              <a:t>‹n.›</a:t>
             </a:fld>
             <a:endParaRPr lang="en-US" altLang="nl-NL"/>
           </a:p>
@@ -4236,7 +4235,7 @@
             <a:fld id="{D11F1AE1-4445-46D7-BD14-4F1456A53146}" type="slidenum">
               <a:rPr lang="en-US" altLang="nl-NL"/>
               <a:pPr/>
-              <a:t>‹N›</a:t>
+              <a:t>‹n.›</a:t>
             </a:fld>
             <a:endParaRPr lang="en-US" altLang="nl-NL"/>
           </a:p>
@@ -5094,43 +5093,14 @@
       </p:grpSpPr>
       <p:sp>
         <p:nvSpPr>
-          <p:cNvPr id="2050" name="Rectangle 2"/>
+          <p:cNvPr id="15363" name="Rectangle 3"/>
           <p:cNvSpPr>
             <a:spLocks noGrp="1" noChangeArrowheads="1"/>
           </p:cNvSpPr>
           <p:nvPr>
-            <p:ph type="ctrTitle"/>
+            <p:ph type="subTitle" idx="1"/>
             <p:custDataLst>
               <p:tags r:id="rId2"/>
-            </p:custDataLst>
-          </p:nvPr>
-        </p:nvSpPr>
-        <p:spPr/>
-        <p:txBody>
-          <a:bodyPr/>
-          <a:lstStyle/>
-          <a:p>
-            <a:pPr eaLnBrk="1" hangingPunct="1"/>
-            <a:endParaRPr lang="en-US" altLang="nl-NL" sz="3200" dirty="0" smtClean="0">
-              <a:effectLst>
-                <a:outerShdw blurRad="38100" dist="38100" dir="2700000" algn="tl">
-                  <a:srgbClr val="C0C0C0"/>
-                </a:outerShdw>
-              </a:effectLst>
-            </a:endParaRPr>
-          </a:p>
-        </p:txBody>
-      </p:sp>
-      <p:sp>
-        <p:nvSpPr>
-          <p:cNvPr id="15363" name="Rectangle 3"/>
-          <p:cNvSpPr>
-            <a:spLocks noGrp="1" noChangeArrowheads="1"/>
-          </p:cNvSpPr>
-          <p:nvPr>
-            <p:ph type="subTitle" idx="1"/>
-            <p:custDataLst>
-              <p:tags r:id="rId3"/>
             </p:custDataLst>
           </p:nvPr>
         </p:nvSpPr>
@@ -5158,23 +5128,27 @@
             </a:r>
             <a:r>
               <a:rPr lang="en-US" altLang="nl-NL" dirty="0" smtClean="0"/>
-              <a:t> del firmware di un </a:t>
+              <a:t> </a:t>
+            </a:r>
+            <a:r>
+              <a:rPr lang="en-US" altLang="nl-NL" dirty="0" smtClean="0"/>
+              <a:t>firmware per </a:t>
             </a:r>
             <a:r>
               <a:rPr lang="en-US" altLang="nl-NL" dirty="0" err="1" smtClean="0"/>
-              <a:t>sensore</a:t>
+              <a:t>misuratore</a:t>
             </a:r>
             <a:r>
               <a:rPr lang="en-US" altLang="nl-NL" dirty="0" smtClean="0"/>
-              <a:t> di </a:t>
+              <a:t> laser di </a:t>
             </a:r>
             <a:r>
               <a:rPr lang="en-US" altLang="nl-NL" dirty="0" err="1" smtClean="0"/>
               <a:t>distanza</a:t>
             </a:r>
             <a:r>
-              <a:rPr lang="en-US" altLang="nl-NL" dirty="0" smtClean="0"/>
-              <a:t> laser </a:t>
+              <a:rPr lang="en-US" altLang="nl-NL" dirty="0"/>
+              <a:t> </a:t>
             </a:r>
             <a:r>
               <a:rPr lang="en-US" altLang="nl-NL" dirty="0" err="1" smtClean="0"/>
@@ -5193,44 +5167,6 @@
               <a:t> FPGA</a:t>
             </a:r>
             <a:endParaRPr lang="en-US" altLang="nl-NL" dirty="0"/>
-          </a:p>
-        </p:txBody>
-      </p:sp>
-      <p:sp>
-        <p:nvSpPr>
-          <p:cNvPr id="2" name="Rettangolo 1"/>
-          <p:cNvSpPr/>
-          <p:nvPr/>
-        </p:nvSpPr>
-        <p:spPr>
-          <a:xfrm>
-            <a:off x="6378575" y="5694363"/>
-            <a:ext cx="2611789" cy="914400"/>
-          </a:xfrm>
-          <a:prstGeom prst="rect">
-            <a:avLst/>
-          </a:prstGeom>
-        </p:spPr>
-        <p:style>
-          <a:lnRef idx="2">
-            <a:schemeClr val="accent3"/>
-          </a:lnRef>
-          <a:fillRef idx="1">
-            <a:schemeClr val="lt1"/>
-          </a:fillRef>
-          <a:effectRef idx="0">
-            <a:schemeClr val="accent3"/>
-          </a:effectRef>
-          <a:fontRef idx="minor">
-            <a:schemeClr val="dk1"/>
-          </a:fontRef>
-        </p:style>
-        <p:txBody>
-          <a:bodyPr rtlCol="0" anchor="ctr"/>
-          <a:lstStyle/>
-          <a:p>
-            <a:pPr algn="ctr"/>
-            <a:endParaRPr lang="it-IT" dirty="0"/>
           </a:p>
         </p:txBody>
       </p:sp>
@@ -5242,8 +5178,8 @@
         </p:nvSpPr>
         <p:spPr>
           <a:xfrm>
-            <a:off x="6965451" y="5962432"/>
-            <a:ext cx="2024913" cy="646331"/>
+            <a:off x="4319269" y="5486400"/>
+            <a:ext cx="4596131" cy="923330"/>
           </a:xfrm>
           <a:prstGeom prst="rect">
             <a:avLst/>
@@ -5258,24 +5194,48 @@
           <a:p>
             <a:pPr algn="r"/>
             <a:r>
-              <a:rPr lang="it-IT" sz="1200" dirty="0" smtClean="0"/>
-              <a:t>Leonardo Cavagnis 8xxxxx</a:t>
+              <a:rPr lang="it-IT" sz="1800" b="1" dirty="0" smtClean="0"/>
+              <a:t>Leonardo </a:t>
+            </a:r>
+            <a:r>
+              <a:rPr lang="it-IT" sz="1800" b="1" dirty="0" err="1" smtClean="0"/>
+              <a:t>Cavagnis</a:t>
+            </a:r>
+            <a:r>
+              <a:rPr lang="it-IT" sz="1800" dirty="0" smtClean="0"/>
+              <a:t>, matricola 816646</a:t>
+            </a:r>
+            <a:r>
+              <a:rPr lang="it-IT" sz="1800" dirty="0" smtClean="0"/>
+              <a:t/>
             </a:r>
             <a:br>
-              <a:rPr lang="it-IT" sz="1200" dirty="0" smtClean="0"/>
+              <a:rPr lang="it-IT" sz="1800" dirty="0" smtClean="0"/>
             </a:br>
             <a:r>
-              <a:rPr lang="it-IT" sz="1200" dirty="0" smtClean="0"/>
-              <a:t>Diego Rondelli 817108</a:t>
+              <a:rPr lang="it-IT" sz="1800" b="1" dirty="0" smtClean="0"/>
+              <a:t>Diego </a:t>
+            </a:r>
+            <a:r>
+              <a:rPr lang="it-IT" sz="1800" b="1" dirty="0" smtClean="0"/>
+              <a:t>Rondelli</a:t>
+            </a:r>
+            <a:r>
+              <a:rPr lang="it-IT" sz="1800" dirty="0" smtClean="0"/>
+              <a:t>, matricola </a:t>
+            </a:r>
+            <a:r>
+              <a:rPr lang="it-IT" sz="1800" dirty="0" smtClean="0"/>
+              <a:t>817108</a:t>
             </a:r>
           </a:p>
           <a:p>
             <a:pPr algn="r"/>
             <a:r>
-              <a:rPr lang="it-IT" sz="1200" dirty="0" smtClean="0"/>
+              <a:rPr lang="it-IT" sz="1800" dirty="0" smtClean="0"/>
               <a:t>Relatore: Michele Norgia</a:t>
             </a:r>
-            <a:endParaRPr lang="it-IT" sz="1200" dirty="0"/>
+            <a:endParaRPr lang="it-IT" sz="1800" dirty="0"/>
           </a:p>
         </p:txBody>
       </p:sp>
@@ -5331,7 +5291,11 @@
           <a:p>
             <a:r>
               <a:rPr lang="it-IT" dirty="0" smtClean="0"/>
-              <a:t>Architettura hardware</a:t>
+              <a:t>Parte di </a:t>
+            </a:r>
+            <a:r>
+              <a:rPr lang="it-IT" dirty="0" smtClean="0"/>
+              <a:t>conversione</a:t>
             </a:r>
             <a:endParaRPr lang="it-IT" dirty="0"/>
           </a:p>
@@ -5353,28 +5317,10 @@
           <a:lstStyle/>
           <a:p>
             <a:r>
-              <a:rPr lang="it-IT" sz="2400" dirty="0" smtClean="0"/>
-              <a:t>Lo strumento è formato da una parte analogica, sviluppata internamente al laboratorio dall’ing. Samuele Disegna, e da una parte digitale, fornita da National Instruments.</a:t>
-            </a:r>
-          </a:p>
-          <a:p>
-            <a:r>
-              <a:rPr lang="it-IT" sz="2400" dirty="0" smtClean="0"/>
-              <a:t>La parte analogica si occupa (??)</a:t>
-            </a:r>
-          </a:p>
-          <a:p>
-            <a:r>
-              <a:rPr lang="it-IT" sz="2400" dirty="0" smtClean="0"/>
-              <a:t>La parte digitale si occupa dell’elaborazione numerica del segnale acquisito</a:t>
-            </a:r>
-          </a:p>
-          <a:p>
-            <a:r>
-              <a:rPr lang="it-IT" sz="2400" dirty="0" smtClean="0"/>
-              <a:t>I due mondi sono interfacciati da una scheda di conversione, equipaggiata con un DAC ed un ADC comandati dalla scheda digitale.</a:t>
-            </a:r>
-            <a:endParaRPr lang="it-IT" sz="2400" dirty="0"/>
+              <a:rPr lang="it-IT" dirty="0" smtClean="0"/>
+              <a:t>TODO</a:t>
+            </a:r>
+            <a:endParaRPr lang="it-IT" dirty="0"/>
           </a:p>
         </p:txBody>
       </p:sp>
@@ -5405,7 +5351,7 @@
     </p:spTree>
     <p:extLst>
       <p:ext uri="{BB962C8B-B14F-4D97-AF65-F5344CB8AC3E}">
-        <p14:creationId xmlns:p14="http://schemas.microsoft.com/office/powerpoint/2010/main" val="161935272"/>
+        <p14:creationId xmlns:p14="http://schemas.microsoft.com/office/powerpoint/2010/main" val="2372177897"/>
       </p:ext>
     </p:extLst>
   </p:cSld>
@@ -5449,7 +5395,7 @@
           <a:p>
             <a:r>
               <a:rPr lang="it-IT" dirty="0" smtClean="0"/>
-              <a:t>Parte analogica</a:t>
+              <a:t>Parte digitale</a:t>
             </a:r>
             <a:endParaRPr lang="it-IT" dirty="0"/>
           </a:p>
@@ -5471,10 +5417,93 @@
           <a:lstStyle/>
           <a:p>
             <a:r>
-              <a:rPr lang="it-IT" dirty="0" smtClean="0"/>
-              <a:t>TODO</a:t>
-            </a:r>
-            <a:endParaRPr lang="it-IT" dirty="0"/>
+              <a:rPr lang="it-IT" sz="2400" dirty="0" smtClean="0"/>
+              <a:t>La parte digitale del sensore è costituita da una scheda di sviluppo NI </a:t>
+            </a:r>
+            <a:r>
+              <a:rPr lang="it-IT" sz="2400" dirty="0" err="1" smtClean="0"/>
+              <a:t>sbRIO</a:t>
+            </a:r>
+            <a:r>
+              <a:rPr lang="it-IT" sz="2400" dirty="0" smtClean="0"/>
+              <a:t> 9636</a:t>
+            </a:r>
+          </a:p>
+          <a:p>
+            <a:r>
+              <a:rPr lang="it-IT" sz="2400" dirty="0" smtClean="0"/>
+              <a:t>La scheda è equipaggiata con un’FPGA ed un microcontrollore</a:t>
+            </a:r>
+          </a:p>
+          <a:p>
+            <a:r>
+              <a:rPr lang="it-IT" sz="2400" dirty="0" smtClean="0"/>
+              <a:t>L’FPGA si occupa di </a:t>
+            </a:r>
+            <a:br>
+              <a:rPr lang="it-IT" sz="2400" dirty="0" smtClean="0"/>
+            </a:br>
+            <a:r>
+              <a:rPr lang="it-IT" sz="2400" dirty="0" smtClean="0"/>
+              <a:t>comandare la scheda di </a:t>
+            </a:r>
+            <a:r>
+              <a:rPr lang="it-IT" sz="2400" dirty="0"/>
+              <a:t/>
+            </a:r>
+            <a:br>
+              <a:rPr lang="it-IT" sz="2400" dirty="0"/>
+            </a:br>
+            <a:r>
+              <a:rPr lang="it-IT" sz="2400" dirty="0" smtClean="0"/>
+              <a:t>conversione, di calcolare </a:t>
+            </a:r>
+            <a:r>
+              <a:rPr lang="it-IT" sz="2400" dirty="0"/>
+              <a:t/>
+            </a:r>
+            <a:br>
+              <a:rPr lang="it-IT" sz="2400" dirty="0"/>
+            </a:br>
+            <a:r>
+              <a:rPr lang="it-IT" sz="2400" dirty="0" smtClean="0"/>
+              <a:t>l’FFT del segnale acquisito e </a:t>
+            </a:r>
+            <a:br>
+              <a:rPr lang="it-IT" sz="2400" dirty="0" smtClean="0"/>
+            </a:br>
+            <a:r>
+              <a:rPr lang="it-IT" sz="2400" dirty="0" smtClean="0"/>
+              <a:t>dell’estrazione del tono </a:t>
+            </a:r>
+            <a:br>
+              <a:rPr lang="it-IT" sz="2400" dirty="0" smtClean="0"/>
+            </a:br>
+            <a:r>
+              <a:rPr lang="it-IT" sz="2400" dirty="0" smtClean="0"/>
+              <a:t>fondamentale del segnale</a:t>
+            </a:r>
+          </a:p>
+          <a:p>
+            <a:r>
+              <a:rPr lang="it-IT" sz="2400" dirty="0" smtClean="0"/>
+              <a:t>Il microcontrollore si </a:t>
+            </a:r>
+            <a:br>
+              <a:rPr lang="it-IT" sz="2400" dirty="0" smtClean="0"/>
+            </a:br>
+            <a:r>
+              <a:rPr lang="it-IT" sz="2400" dirty="0" smtClean="0"/>
+              <a:t>occupa del calcolo del bin </a:t>
+            </a:r>
+            <a:br>
+              <a:rPr lang="it-IT" sz="2400" dirty="0" smtClean="0"/>
+            </a:br>
+            <a:r>
+              <a:rPr lang="it-IT" sz="2400" dirty="0" smtClean="0"/>
+              <a:t>interpolato e del calcolo della distanza </a:t>
+            </a:r>
+            <a:endParaRPr lang="it-IT" sz="2400" dirty="0"/>
           </a:p>
         </p:txBody>
       </p:sp>
@@ -5497,189 +5526,6 @@
               <a:rPr lang="en-US" altLang="nl-NL" smtClean="0"/>
               <a:pPr/>
               <a:t>11</a:t>
-            </a:fld>
-            <a:endParaRPr lang="en-US" altLang="nl-NL"/>
-          </a:p>
-        </p:txBody>
-      </p:sp>
-    </p:spTree>
-    <p:extLst>
-      <p:ext uri="{BB962C8B-B14F-4D97-AF65-F5344CB8AC3E}">
-        <p14:creationId xmlns:p14="http://schemas.microsoft.com/office/powerpoint/2010/main" val="1662984036"/>
-      </p:ext>
-    </p:extLst>
-  </p:cSld>
-  <p:clrMapOvr>
-    <a:masterClrMapping/>
-  </p:clrMapOvr>
-</p:sld>
-</file>
-
-<file path=ppt/slides/slide12.xml><?xml version="1.0" encoding="utf-8"?>
-<p:sld xmlns:a="http://schemas.openxmlformats.org/drawingml/2006/main" xmlns:r="http://schemas.openxmlformats.org/officeDocument/2006/relationships" xmlns:p="http://schemas.openxmlformats.org/presentationml/2006/main">
-  <p:cSld>
-    <p:spTree>
-      <p:nvGrpSpPr>
-        <p:cNvPr id="1" name=""/>
-        <p:cNvGrpSpPr/>
-        <p:nvPr/>
-      </p:nvGrpSpPr>
-      <p:grpSpPr>
-        <a:xfrm>
-          <a:off x="0" y="0"/>
-          <a:ext cx="0" cy="0"/>
-          <a:chOff x="0" y="0"/>
-          <a:chExt cx="0" cy="0"/>
-        </a:xfrm>
-      </p:grpSpPr>
-      <p:sp>
-        <p:nvSpPr>
-          <p:cNvPr id="2" name="Titolo 1"/>
-          <p:cNvSpPr>
-            <a:spLocks noGrp="1"/>
-          </p:cNvSpPr>
-          <p:nvPr>
-            <p:ph type="title"/>
-          </p:nvPr>
-        </p:nvSpPr>
-        <p:spPr/>
-        <p:txBody>
-          <a:bodyPr/>
-          <a:lstStyle/>
-          <a:p>
-            <a:r>
-              <a:rPr lang="it-IT" dirty="0" smtClean="0"/>
-              <a:t>Parte digitale</a:t>
-            </a:r>
-            <a:endParaRPr lang="it-IT" dirty="0"/>
-          </a:p>
-        </p:txBody>
-      </p:sp>
-      <p:sp>
-        <p:nvSpPr>
-          <p:cNvPr id="3" name="Segnaposto contenuto 2"/>
-          <p:cNvSpPr>
-            <a:spLocks noGrp="1"/>
-          </p:cNvSpPr>
-          <p:nvPr>
-            <p:ph idx="1"/>
-          </p:nvPr>
-        </p:nvSpPr>
-        <p:spPr/>
-        <p:txBody>
-          <a:bodyPr/>
-          <a:lstStyle/>
-          <a:p>
-            <a:r>
-              <a:rPr lang="it-IT" sz="2400" dirty="0" smtClean="0"/>
-              <a:t>La parte digitale del sensore è costituita da una scheda di sviluppo NI </a:t>
-            </a:r>
-            <a:r>
-              <a:rPr lang="it-IT" sz="2400" dirty="0" err="1" smtClean="0"/>
-              <a:t>sbRIO</a:t>
-            </a:r>
-            <a:r>
-              <a:rPr lang="it-IT" sz="2400" dirty="0" smtClean="0"/>
-              <a:t> 9636</a:t>
-            </a:r>
-          </a:p>
-          <a:p>
-            <a:r>
-              <a:rPr lang="it-IT" sz="2400" dirty="0" smtClean="0"/>
-              <a:t>La scheda è equipaggiata con un’FPGA ed un microcontrollore</a:t>
-            </a:r>
-          </a:p>
-          <a:p>
-            <a:r>
-              <a:rPr lang="it-IT" sz="2400" dirty="0" smtClean="0"/>
-              <a:t>L’FPGA si occupa di </a:t>
-            </a:r>
-            <a:br>
-              <a:rPr lang="it-IT" sz="2400" dirty="0" smtClean="0"/>
-            </a:br>
-            <a:r>
-              <a:rPr lang="it-IT" sz="2400" dirty="0" smtClean="0"/>
-              <a:t>comandare la scheda di </a:t>
-            </a:r>
-            <a:r>
-              <a:rPr lang="it-IT" sz="2400" dirty="0"/>
-              <a:t/>
-            </a:r>
-            <a:br>
-              <a:rPr lang="it-IT" sz="2400" dirty="0"/>
-            </a:br>
-            <a:r>
-              <a:rPr lang="it-IT" sz="2400" dirty="0" smtClean="0"/>
-              <a:t>conversione, di calcolare </a:t>
-            </a:r>
-            <a:r>
-              <a:rPr lang="it-IT" sz="2400" dirty="0"/>
-              <a:t/>
-            </a:r>
-            <a:br>
-              <a:rPr lang="it-IT" sz="2400" dirty="0"/>
-            </a:br>
-            <a:r>
-              <a:rPr lang="it-IT" sz="2400" dirty="0" smtClean="0"/>
-              <a:t>l’FFT del segnale acquisito e </a:t>
-            </a:r>
-            <a:br>
-              <a:rPr lang="it-IT" sz="2400" dirty="0" smtClean="0"/>
-            </a:br>
-            <a:r>
-              <a:rPr lang="it-IT" sz="2400" dirty="0" smtClean="0"/>
-              <a:t>dell’estrazione del tono </a:t>
-            </a:r>
-            <a:br>
-              <a:rPr lang="it-IT" sz="2400" dirty="0" smtClean="0"/>
-            </a:br>
-            <a:r>
-              <a:rPr lang="it-IT" sz="2400" dirty="0" smtClean="0"/>
-              <a:t>fondamentale del segnale</a:t>
-            </a:r>
-          </a:p>
-          <a:p>
-            <a:r>
-              <a:rPr lang="it-IT" sz="2400" dirty="0" smtClean="0"/>
-              <a:t>Il microcontrollore si </a:t>
-            </a:r>
-            <a:br>
-              <a:rPr lang="it-IT" sz="2400" dirty="0" smtClean="0"/>
-            </a:br>
-            <a:r>
-              <a:rPr lang="it-IT" sz="2400" dirty="0" smtClean="0"/>
-              <a:t>occupa del calcolo del bin </a:t>
-            </a:r>
-            <a:br>
-              <a:rPr lang="it-IT" sz="2400" dirty="0" smtClean="0"/>
-            </a:br>
-            <a:r>
-              <a:rPr lang="it-IT" sz="2400" dirty="0" smtClean="0"/>
-              <a:t>interpolato e del calcolo della distanza </a:t>
-            </a:r>
-            <a:endParaRPr lang="it-IT" sz="2400" dirty="0"/>
-          </a:p>
-        </p:txBody>
-      </p:sp>
-      <p:sp>
-        <p:nvSpPr>
-          <p:cNvPr id="4" name="Segnaposto numero diapositiva 3"/>
-          <p:cNvSpPr>
-            <a:spLocks noGrp="1"/>
-          </p:cNvSpPr>
-          <p:nvPr>
-            <p:ph type="sldNum" sz="quarter" idx="11"/>
-          </p:nvPr>
-        </p:nvSpPr>
-        <p:spPr/>
-        <p:txBody>
-          <a:bodyPr/>
-          <a:lstStyle/>
-          <a:p>
-            <a:fld id="{C503DA3A-0C6B-48FC-931E-2C786AAFD5C1}" type="slidenum">
-              <a:rPr lang="en-US" altLang="nl-NL" smtClean="0"/>
-              <a:pPr/>
-              <a:t>12</a:t>
             </a:fld>
             <a:endParaRPr lang="en-US" altLang="nl-NL"/>
           </a:p>
@@ -5728,7 +5574,7 @@
 </p:sld>
 </file>
 
-<file path=ppt/slides/slide13.xml><?xml version="1.0" encoding="utf-8"?>
+<file path=ppt/slides/slide12.xml><?xml version="1.0" encoding="utf-8"?>
 <p:sld xmlns:a="http://schemas.openxmlformats.org/drawingml/2006/main" xmlns:r="http://schemas.openxmlformats.org/officeDocument/2006/relationships" xmlns:p="http://schemas.openxmlformats.org/presentationml/2006/main">
   <p:cSld>
     <p:spTree>
@@ -5762,7 +5608,7 @@
           <a:p>
             <a:r>
               <a:rPr lang="it-IT" dirty="0" smtClean="0"/>
-              <a:t>Scheda di conversione</a:t>
+              <a:t>Indice</a:t>
             </a:r>
             <a:endParaRPr lang="it-IT" dirty="0"/>
           </a:p>
@@ -5784,107 +5630,7 @@
           <a:lstStyle/>
           <a:p>
             <a:r>
-              <a:rPr lang="it-IT" dirty="0" smtClean="0"/>
-              <a:t>TODO</a:t>
-            </a:r>
-            <a:endParaRPr lang="it-IT" dirty="0"/>
-          </a:p>
-        </p:txBody>
-      </p:sp>
-      <p:sp>
-        <p:nvSpPr>
-          <p:cNvPr id="4" name="Segnaposto numero diapositiva 3"/>
-          <p:cNvSpPr>
-            <a:spLocks noGrp="1"/>
-          </p:cNvSpPr>
-          <p:nvPr>
-            <p:ph type="sldNum" sz="quarter" idx="11"/>
-          </p:nvPr>
-        </p:nvSpPr>
-        <p:spPr/>
-        <p:txBody>
-          <a:bodyPr/>
-          <a:lstStyle/>
-          <a:p>
-            <a:fld id="{C503DA3A-0C6B-48FC-931E-2C786AAFD5C1}" type="slidenum">
-              <a:rPr lang="en-US" altLang="nl-NL" smtClean="0"/>
-              <a:pPr/>
-              <a:t>13</a:t>
-            </a:fld>
-            <a:endParaRPr lang="en-US" altLang="nl-NL"/>
-          </a:p>
-        </p:txBody>
-      </p:sp>
-    </p:spTree>
-    <p:extLst>
-      <p:ext uri="{BB962C8B-B14F-4D97-AF65-F5344CB8AC3E}">
-        <p14:creationId xmlns:p14="http://schemas.microsoft.com/office/powerpoint/2010/main" val="2372177897"/>
-      </p:ext>
-    </p:extLst>
-  </p:cSld>
-  <p:clrMapOvr>
-    <a:masterClrMapping/>
-  </p:clrMapOvr>
-</p:sld>
-</file>
-
-<file path=ppt/slides/slide14.xml><?xml version="1.0" encoding="utf-8"?>
-<p:sld xmlns:a="http://schemas.openxmlformats.org/drawingml/2006/main" xmlns:r="http://schemas.openxmlformats.org/officeDocument/2006/relationships" xmlns:p="http://schemas.openxmlformats.org/presentationml/2006/main">
-  <p:cSld>
-    <p:spTree>
-      <p:nvGrpSpPr>
-        <p:cNvPr id="1" name=""/>
-        <p:cNvGrpSpPr/>
-        <p:nvPr/>
-      </p:nvGrpSpPr>
-      <p:grpSpPr>
-        <a:xfrm>
-          <a:off x="0" y="0"/>
-          <a:ext cx="0" cy="0"/>
-          <a:chOff x="0" y="0"/>
-          <a:chExt cx="0" cy="0"/>
-        </a:xfrm>
-      </p:grpSpPr>
-      <p:sp>
-        <p:nvSpPr>
-          <p:cNvPr id="2" name="Titolo 1"/>
-          <p:cNvSpPr>
-            <a:spLocks noGrp="1"/>
-          </p:cNvSpPr>
-          <p:nvPr>
-            <p:ph type="title"/>
-          </p:nvPr>
-        </p:nvSpPr>
-        <p:spPr/>
-        <p:txBody>
-          <a:bodyPr/>
-          <a:lstStyle/>
-          <a:p>
-            <a:r>
-              <a:rPr lang="it-IT" dirty="0" smtClean="0"/>
-              <a:t>Indice</a:t>
-            </a:r>
-            <a:endParaRPr lang="it-IT" dirty="0"/>
-          </a:p>
-        </p:txBody>
-      </p:sp>
-      <p:sp>
-        <p:nvSpPr>
-          <p:cNvPr id="3" name="Segnaposto contenuto 2"/>
-          <p:cNvSpPr>
-            <a:spLocks noGrp="1"/>
-          </p:cNvSpPr>
-          <p:nvPr>
-            <p:ph idx="1"/>
-          </p:nvPr>
-        </p:nvSpPr>
-        <p:spPr/>
-        <p:txBody>
-          <a:bodyPr/>
-          <a:lstStyle/>
-          <a:p>
-            <a:r>
-              <a:rPr lang="it-IT" sz="2400" dirty="0" smtClean="0">
+              <a:rPr lang="it-IT" sz="2400" dirty="0">
                 <a:solidFill>
                   <a:schemeClr val="bg2">
                     <a:lumMod val="40000"/>
@@ -5898,7 +5644,7 @@
           <a:p>
             <a:pPr lvl="1"/>
             <a:r>
-              <a:rPr lang="it-IT" sz="2000" dirty="0" smtClean="0">
+              <a:rPr lang="it-IT" sz="2000" dirty="0">
                 <a:solidFill>
                   <a:schemeClr val="bg2">
                     <a:lumMod val="40000"/>
@@ -5961,7 +5707,7 @@
                   </a:schemeClr>
                 </a:solidFill>
               </a:rPr>
-              <a:t>Parte digitale</a:t>
+              <a:t>Parte di conversione</a:t>
             </a:r>
           </a:p>
           <a:p>
@@ -5975,47 +5721,52 @@
                   </a:schemeClr>
                 </a:solidFill>
               </a:rPr>
-              <a:t>Scheda di conversione</a:t>
+              <a:t>Parte digitale</a:t>
             </a:r>
           </a:p>
           <a:p>
             <a:r>
               <a:rPr lang="it-IT" sz="2400" dirty="0" smtClean="0"/>
-              <a:t>Architettura software</a:t>
+              <a:t>Architettura </a:t>
+            </a:r>
+            <a:r>
+              <a:rPr lang="it-IT" sz="2400" dirty="0"/>
+              <a:t>software</a:t>
             </a:r>
           </a:p>
           <a:p>
             <a:pPr lvl="1"/>
             <a:r>
-              <a:rPr lang="it-IT" sz="2000" dirty="0" smtClean="0"/>
-              <a:t>Firmware FPGA</a:t>
+              <a:rPr lang="it-IT" sz="2000" dirty="0"/>
+              <a:t>FPGA</a:t>
             </a:r>
           </a:p>
           <a:p>
             <a:pPr lvl="1"/>
             <a:r>
-              <a:rPr lang="it-IT" sz="2000" dirty="0" smtClean="0"/>
-              <a:t>Firmware microcontrollore</a:t>
+              <a:rPr lang="it-IT" sz="2000" dirty="0"/>
+              <a:t>Microcontrollore</a:t>
             </a:r>
           </a:p>
           <a:p>
             <a:pPr lvl="1"/>
             <a:r>
-              <a:rPr lang="it-IT" sz="2000" dirty="0" smtClean="0"/>
+              <a:rPr lang="it-IT" sz="2000" dirty="0"/>
               <a:t>Analisi degli algoritmi</a:t>
             </a:r>
           </a:p>
           <a:p>
             <a:r>
-              <a:rPr lang="it-IT" sz="2400" dirty="0" smtClean="0"/>
+              <a:rPr lang="it-IT" sz="2400" dirty="0"/>
               <a:t>Risultati sperimentali</a:t>
             </a:r>
           </a:p>
           <a:p>
             <a:r>
-              <a:rPr lang="it-IT" sz="2400" dirty="0" smtClean="0"/>
+              <a:rPr lang="it-IT" sz="2400" dirty="0"/>
               <a:t>Sviluppi futuri e conclusioni</a:t>
             </a:r>
+            <a:endParaRPr lang="it-IT" sz="2400" dirty="0"/>
           </a:p>
         </p:txBody>
       </p:sp>
@@ -6037,7 +5788,7 @@
             <a:fld id="{C503DA3A-0C6B-48FC-931E-2C786AAFD5C1}" type="slidenum">
               <a:rPr lang="en-US" altLang="nl-NL" smtClean="0"/>
               <a:pPr/>
-              <a:t>14</a:t>
+              <a:t>12</a:t>
             </a:fld>
             <a:endParaRPr lang="en-US" altLang="nl-NL"/>
           </a:p>
@@ -6063,7 +5814,7 @@
 </p:sld>
 </file>
 
-<file path=ppt/slides/slide15.xml><?xml version="1.0" encoding="utf-8"?>
+<file path=ppt/slides/slide13.xml><?xml version="1.0" encoding="utf-8"?>
 <p:sld xmlns:a="http://schemas.openxmlformats.org/drawingml/2006/main" xmlns:r="http://schemas.openxmlformats.org/officeDocument/2006/relationships" xmlns:p="http://schemas.openxmlformats.org/presentationml/2006/main">
   <p:cSld>
     <p:spTree>
@@ -6124,7 +5875,7 @@
             </a:r>
             <a:r>
               <a:rPr lang="it-IT" sz="2400" dirty="0" err="1" smtClean="0"/>
-              <a:t>LabView</a:t>
+              <a:t>LabVIEW</a:t>
             </a:r>
             <a:endParaRPr lang="it-IT" sz="2400" dirty="0"/>
           </a:p>
@@ -6141,6 +5892,10 @@
               <a:rPr lang="it-IT" sz="2000" dirty="0" smtClean="0"/>
               <a:t>Instruments</a:t>
             </a:r>
+            <a:br>
+              <a:rPr lang="it-IT" sz="2000" dirty="0" smtClean="0"/>
+            </a:br>
+            <a:endParaRPr lang="it-IT" sz="2000" dirty="0" smtClean="0"/>
           </a:p>
           <a:p>
             <a:r>
@@ -6166,36 +5921,57 @@
             <a:pPr lvl="1"/>
             <a:r>
               <a:rPr lang="it-IT" sz="2000" dirty="0" smtClean="0"/>
-              <a:t>Pattern producer consumer</a:t>
-            </a:r>
+              <a:t>Pattern </a:t>
+            </a:r>
+            <a:r>
+              <a:rPr lang="it-IT" sz="2000" dirty="0" smtClean="0"/>
+              <a:t>producer-consumer</a:t>
+            </a:r>
+            <a:endParaRPr lang="it-IT" sz="2000" dirty="0" smtClean="0"/>
           </a:p>
           <a:p>
             <a:pPr lvl="1"/>
             <a:r>
               <a:rPr lang="it-IT" sz="2000" dirty="0" smtClean="0"/>
-              <a:t>Usato anche per lo scambio di dati tra FPGA e microcontrollore</a:t>
-            </a:r>
+              <a:t>Usato anche per lo scambio di dati tra FPGA e </a:t>
+            </a:r>
+            <a:r>
+              <a:rPr lang="it-IT" sz="2000" dirty="0" smtClean="0"/>
+              <a:t>microcontrollore (DMA)</a:t>
+            </a:r>
+            <a:br>
+              <a:rPr lang="it-IT" sz="2000" dirty="0" smtClean="0"/>
+            </a:br>
+            <a:endParaRPr lang="it-IT" sz="2000" dirty="0" smtClean="0"/>
           </a:p>
           <a:p>
             <a:r>
               <a:rPr lang="it-IT" sz="2400" dirty="0" smtClean="0"/>
-              <a:t>Uso dell’aritmetica </a:t>
-            </a:r>
-            <a:r>
-              <a:rPr lang="it-IT" sz="2400" dirty="0" err="1" smtClean="0"/>
+              <a:t>Uso </a:t>
+            </a:r>
+            <a:r>
+              <a:rPr lang="it-IT" sz="2400" dirty="0" smtClean="0"/>
+              <a:t>dell’aritmetica </a:t>
+            </a:r>
+            <a:r>
+              <a:rPr lang="it-IT" sz="2400" i="1" dirty="0" err="1" smtClean="0"/>
               <a:t>fixed</a:t>
             </a:r>
             <a:r>
+              <a:rPr lang="it-IT" sz="2400" i="1" dirty="0" smtClean="0"/>
+              <a:t> </a:t>
+            </a:r>
+            <a:r>
+              <a:rPr lang="it-IT" sz="2400" i="1" dirty="0" err="1" smtClean="0"/>
+              <a:t>point</a:t>
+            </a:r>
+            <a:r>
               <a:rPr lang="it-IT" sz="2400" dirty="0" smtClean="0"/>
-              <a:t> </a:t>
-            </a:r>
-            <a:r>
-              <a:rPr lang="it-IT" sz="2400" dirty="0" err="1" smtClean="0"/>
-              <a:t>point</a:t>
+              <a:t> (12-bit) per migliorare le prestazioni </a:t>
             </a:r>
             <a:r>
               <a:rPr lang="it-IT" sz="2400" dirty="0" smtClean="0"/>
-              <a:t> (12-bit) per migliorare le prestazioni dell’FPGA</a:t>
+              <a:t>su FPGA</a:t>
             </a:r>
             <a:endParaRPr lang="it-IT" sz="2400" dirty="0"/>
           </a:p>
@@ -6219,7 +5995,7 @@
             <a:fld id="{C503DA3A-0C6B-48FC-931E-2C786AAFD5C1}" type="slidenum">
               <a:rPr lang="en-US" altLang="nl-NL" smtClean="0"/>
               <a:pPr/>
-              <a:t>15</a:t>
+              <a:t>13</a:t>
             </a:fld>
             <a:endParaRPr lang="en-US" altLang="nl-NL"/>
           </a:p>
@@ -6227,7 +6003,7 @@
       </p:sp>
       <p:pic>
         <p:nvPicPr>
-          <p:cNvPr id="5" name="Immagine 4"/>
+          <p:cNvPr id="6" name="Immagine 5"/>
           <p:cNvPicPr>
             <a:picLocks noChangeAspect="1"/>
           </p:cNvPicPr>
@@ -6247,38 +6023,8 @@
         </p:blipFill>
         <p:spPr>
           <a:xfrm>
-            <a:off x="2644808" y="5404022"/>
-            <a:ext cx="3854384" cy="920578"/>
-          </a:xfrm>
-          <a:prstGeom prst="rect">
-            <a:avLst/>
-          </a:prstGeom>
-        </p:spPr>
-      </p:pic>
-      <p:pic>
-        <p:nvPicPr>
-          <p:cNvPr id="6" name="Immagine 5"/>
-          <p:cNvPicPr>
-            <a:picLocks noChangeAspect="1"/>
-          </p:cNvPicPr>
-          <p:nvPr/>
-        </p:nvPicPr>
-        <p:blipFill>
-          <a:blip r:embed="rId3">
-            <a:extLst>
-              <a:ext uri="{28A0092B-C50C-407E-A947-70E740481C1C}">
-                <a14:useLocalDpi xmlns:a14="http://schemas.microsoft.com/office/drawing/2010/main" val="0"/>
-              </a:ext>
-            </a:extLst>
-          </a:blip>
-          <a:stretch>
-            <a:fillRect/>
-          </a:stretch>
-        </p:blipFill>
-        <p:spPr>
-          <a:xfrm>
-            <a:off x="5066270" y="1143000"/>
-            <a:ext cx="4151870" cy="1777366"/>
+            <a:off x="5320934" y="1143000"/>
+            <a:ext cx="3137266" cy="1343026"/>
           </a:xfrm>
           <a:prstGeom prst="rect">
             <a:avLst/>
@@ -6305,7 +6051,7 @@
 </p:sld>
 </file>
 
-<file path=ppt/slides/slide16.xml><?xml version="1.0" encoding="utf-8"?>
+<file path=ppt/slides/slide14.xml><?xml version="1.0" encoding="utf-8"?>
 <p:sld xmlns:a="http://schemas.openxmlformats.org/drawingml/2006/main" xmlns:r="http://schemas.openxmlformats.org/officeDocument/2006/relationships" xmlns:p="http://schemas.openxmlformats.org/presentationml/2006/main">
   <p:cSld>
     <p:spTree>
@@ -6463,7 +6209,7 @@
             <a:fld id="{C503DA3A-0C6B-48FC-931E-2C786AAFD5C1}" type="slidenum">
               <a:rPr lang="en-US" altLang="nl-NL" smtClean="0"/>
               <a:pPr/>
-              <a:t>16</a:t>
+              <a:t>14</a:t>
             </a:fld>
             <a:endParaRPr lang="en-US" altLang="nl-NL"/>
           </a:p>
@@ -6519,6 +6265,282 @@
 </p:sld>
 </file>
 
+<file path=ppt/slides/slide15.xml><?xml version="1.0" encoding="utf-8"?>
+<p:sld xmlns:a="http://schemas.openxmlformats.org/drawingml/2006/main" xmlns:r="http://schemas.openxmlformats.org/officeDocument/2006/relationships" xmlns:p="http://schemas.openxmlformats.org/presentationml/2006/main">
+  <p:cSld>
+    <p:spTree>
+      <p:nvGrpSpPr>
+        <p:cNvPr id="1" name=""/>
+        <p:cNvGrpSpPr/>
+        <p:nvPr/>
+      </p:nvGrpSpPr>
+      <p:grpSpPr>
+        <a:xfrm>
+          <a:off x="0" y="0"/>
+          <a:ext cx="0" cy="0"/>
+          <a:chOff x="0" y="0"/>
+          <a:chExt cx="0" cy="0"/>
+        </a:xfrm>
+      </p:grpSpPr>
+      <p:sp>
+        <p:nvSpPr>
+          <p:cNvPr id="2" name="Titolo 1"/>
+          <p:cNvSpPr>
+            <a:spLocks noGrp="1"/>
+          </p:cNvSpPr>
+          <p:nvPr>
+            <p:ph type="title"/>
+          </p:nvPr>
+        </p:nvSpPr>
+        <p:spPr/>
+        <p:txBody>
+          <a:bodyPr/>
+          <a:lstStyle/>
+          <a:p>
+            <a:r>
+              <a:rPr lang="it-IT" dirty="0" smtClean="0"/>
+              <a:t>Firmware Microcontrollore</a:t>
+            </a:r>
+            <a:endParaRPr lang="it-IT" dirty="0"/>
+          </a:p>
+        </p:txBody>
+      </p:sp>
+      <p:sp>
+        <p:nvSpPr>
+          <p:cNvPr id="3" name="Segnaposto contenuto 2"/>
+          <p:cNvSpPr>
+            <a:spLocks noGrp="1"/>
+          </p:cNvSpPr>
+          <p:nvPr>
+            <p:ph idx="1"/>
+          </p:nvPr>
+        </p:nvSpPr>
+        <p:spPr/>
+        <p:txBody>
+          <a:bodyPr/>
+          <a:lstStyle/>
+          <a:p>
+            <a:r>
+              <a:rPr lang="it-IT" sz="2400" dirty="0" smtClean="0"/>
+              <a:t>Si compone di una parte di inizializzazione e configurazione dello strumento e da una parte di elaborazione dei dati:</a:t>
+            </a:r>
+          </a:p>
+          <a:p>
+            <a:pPr lvl="1"/>
+            <a:r>
+              <a:rPr lang="it-IT" sz="2000" dirty="0" smtClean="0"/>
+              <a:t>Inizialmente il </a:t>
+            </a:r>
+            <a:r>
+              <a:rPr lang="it-IT" sz="2000" dirty="0" smtClean="0"/>
+              <a:t>firmware </a:t>
+            </a:r>
+            <a:r>
+              <a:rPr lang="it-IT" sz="2000" dirty="0" smtClean="0"/>
+              <a:t>legge la configurazione fornita dall’utente e imposta i corretti parametri di funzionamento dell’FPGA</a:t>
+            </a:r>
+          </a:p>
+          <a:p>
+            <a:pPr lvl="1"/>
+            <a:r>
+              <a:rPr lang="it-IT" sz="2000" dirty="0" smtClean="0"/>
+              <a:t>Il secondo passo consiste nell’estrazione del fondo da sottrarre al segnale</a:t>
+            </a:r>
+          </a:p>
+          <a:p>
+            <a:pPr lvl="1"/>
+            <a:r>
+              <a:rPr lang="it-IT" sz="2000" dirty="0" smtClean="0"/>
+              <a:t>Infine ciclicamente si acquisiscono i risultati dell’elaborazione dell’FPGA e si calcola la distanza dal bersaglio.</a:t>
+            </a:r>
+          </a:p>
+        </p:txBody>
+      </p:sp>
+      <p:sp>
+        <p:nvSpPr>
+          <p:cNvPr id="4" name="Segnaposto numero diapositiva 3"/>
+          <p:cNvSpPr>
+            <a:spLocks noGrp="1"/>
+          </p:cNvSpPr>
+          <p:nvPr>
+            <p:ph type="sldNum" sz="quarter" idx="11"/>
+          </p:nvPr>
+        </p:nvSpPr>
+        <p:spPr/>
+        <p:txBody>
+          <a:bodyPr/>
+          <a:lstStyle/>
+          <a:p>
+            <a:fld id="{C503DA3A-0C6B-48FC-931E-2C786AAFD5C1}" type="slidenum">
+              <a:rPr lang="en-US" altLang="nl-NL" smtClean="0"/>
+              <a:pPr/>
+              <a:t>15</a:t>
+            </a:fld>
+            <a:endParaRPr lang="en-US" altLang="nl-NL"/>
+          </a:p>
+        </p:txBody>
+      </p:sp>
+    </p:spTree>
+    <p:extLst>
+      <p:ext uri="{BB962C8B-B14F-4D97-AF65-F5344CB8AC3E}">
+        <p14:creationId xmlns:p14="http://schemas.microsoft.com/office/powerpoint/2010/main" val="3813134160"/>
+      </p:ext>
+    </p:extLst>
+  </p:cSld>
+  <p:clrMapOvr>
+    <a:masterClrMapping/>
+  </p:clrMapOvr>
+</p:sld>
+</file>
+
+<file path=ppt/slides/slide16.xml><?xml version="1.0" encoding="utf-8"?>
+<p:sld xmlns:a="http://schemas.openxmlformats.org/drawingml/2006/main" xmlns:r="http://schemas.openxmlformats.org/officeDocument/2006/relationships" xmlns:p="http://schemas.openxmlformats.org/presentationml/2006/main">
+  <p:cSld>
+    <p:spTree>
+      <p:nvGrpSpPr>
+        <p:cNvPr id="1" name=""/>
+        <p:cNvGrpSpPr/>
+        <p:nvPr/>
+      </p:nvGrpSpPr>
+      <p:grpSpPr>
+        <a:xfrm>
+          <a:off x="0" y="0"/>
+          <a:ext cx="0" cy="0"/>
+          <a:chOff x="0" y="0"/>
+          <a:chExt cx="0" cy="0"/>
+        </a:xfrm>
+      </p:grpSpPr>
+      <p:sp>
+        <p:nvSpPr>
+          <p:cNvPr id="2" name="Titolo 1"/>
+          <p:cNvSpPr>
+            <a:spLocks noGrp="1"/>
+          </p:cNvSpPr>
+          <p:nvPr>
+            <p:ph type="title"/>
+          </p:nvPr>
+        </p:nvSpPr>
+        <p:spPr>
+          <a:xfrm>
+            <a:off x="609600" y="0"/>
+            <a:ext cx="8534400" cy="762000"/>
+          </a:xfrm>
+        </p:spPr>
+        <p:txBody>
+          <a:bodyPr/>
+          <a:lstStyle/>
+          <a:p>
+            <a:r>
+              <a:rPr lang="it-IT" dirty="0" smtClean="0"/>
+              <a:t>Analisi </a:t>
+            </a:r>
+            <a:r>
+              <a:rPr lang="it-IT" dirty="0" smtClean="0"/>
+              <a:t>algoritmi</a:t>
+            </a:r>
+            <a:endParaRPr lang="it-IT" dirty="0"/>
+          </a:p>
+        </p:txBody>
+      </p:sp>
+      <p:sp>
+        <p:nvSpPr>
+          <p:cNvPr id="3" name="Segnaposto contenuto 2"/>
+          <p:cNvSpPr>
+            <a:spLocks noGrp="1"/>
+          </p:cNvSpPr>
+          <p:nvPr>
+            <p:ph idx="1"/>
+          </p:nvPr>
+        </p:nvSpPr>
+        <p:spPr/>
+        <p:txBody>
+          <a:bodyPr/>
+          <a:lstStyle/>
+          <a:p>
+            <a:r>
+              <a:rPr lang="it-IT" sz="2400" dirty="0" smtClean="0"/>
+              <a:t>Sottrazione fondo</a:t>
+            </a:r>
+          </a:p>
+          <a:p>
+            <a:r>
+              <a:rPr lang="it-IT" sz="2400" dirty="0" smtClean="0"/>
+              <a:t>Finestratura</a:t>
+            </a:r>
+          </a:p>
+          <a:p>
+            <a:r>
+              <a:rPr lang="it-IT" sz="2400" dirty="0" smtClean="0"/>
+              <a:t>Accenno 5 triangolari</a:t>
+            </a:r>
+          </a:p>
+          <a:p>
+            <a:r>
+              <a:rPr lang="it-IT" sz="2400" dirty="0" smtClean="0"/>
+              <a:t>FFT</a:t>
+            </a:r>
+          </a:p>
+          <a:p>
+            <a:r>
+              <a:rPr lang="it-IT" sz="2400" dirty="0" smtClean="0"/>
+              <a:t>Interpolazione</a:t>
+            </a:r>
+          </a:p>
+          <a:p>
+            <a:r>
+              <a:rPr lang="it-IT" sz="2400" dirty="0" smtClean="0"/>
+              <a:t>Calcolo distanza</a:t>
+            </a:r>
+          </a:p>
+          <a:p>
+            <a:endParaRPr lang="it-IT" sz="2400" dirty="0"/>
+          </a:p>
+          <a:p>
+            <a:r>
+              <a:rPr lang="it-IT" sz="2400" dirty="0" smtClean="0"/>
+              <a:t>TODO!!</a:t>
+            </a:r>
+            <a:endParaRPr lang="it-IT" sz="2400" dirty="0"/>
+          </a:p>
+        </p:txBody>
+      </p:sp>
+      <p:sp>
+        <p:nvSpPr>
+          <p:cNvPr id="4" name="Segnaposto numero diapositiva 3"/>
+          <p:cNvSpPr>
+            <a:spLocks noGrp="1"/>
+          </p:cNvSpPr>
+          <p:nvPr>
+            <p:ph type="sldNum" sz="quarter" idx="11"/>
+          </p:nvPr>
+        </p:nvSpPr>
+        <p:spPr/>
+        <p:txBody>
+          <a:bodyPr/>
+          <a:lstStyle/>
+          <a:p>
+            <a:fld id="{C503DA3A-0C6B-48FC-931E-2C786AAFD5C1}" type="slidenum">
+              <a:rPr lang="en-US" altLang="nl-NL" smtClean="0"/>
+              <a:pPr/>
+              <a:t>16</a:t>
+            </a:fld>
+            <a:endParaRPr lang="en-US" altLang="nl-NL"/>
+          </a:p>
+        </p:txBody>
+      </p:sp>
+    </p:spTree>
+    <p:extLst>
+      <p:ext uri="{BB962C8B-B14F-4D97-AF65-F5344CB8AC3E}">
+        <p14:creationId xmlns:p14="http://schemas.microsoft.com/office/powerpoint/2010/main" val="1116657620"/>
+      </p:ext>
+    </p:extLst>
+  </p:cSld>
+  <p:clrMapOvr>
+    <a:masterClrMapping/>
+  </p:clrMapOvr>
+</p:sld>
+</file>
+
 <file path=ppt/slides/slide17.xml><?xml version="1.0" encoding="utf-8"?>
 <p:sld xmlns:a="http://schemas.openxmlformats.org/drawingml/2006/main" xmlns:r="http://schemas.openxmlformats.org/officeDocument/2006/relationships" xmlns:p="http://schemas.openxmlformats.org/presentationml/2006/main">
   <p:cSld>
@@ -6553,7 +6575,7 @@
           <a:p>
             <a:r>
               <a:rPr lang="it-IT" dirty="0" smtClean="0"/>
-              <a:t>Firmware Microcontrollore</a:t>
+              <a:t>Indice</a:t>
             </a:r>
             <a:endParaRPr lang="it-IT" dirty="0"/>
           </a:p>
@@ -6569,44 +6591,178 @@
             <p:ph idx="1"/>
           </p:nvPr>
         </p:nvSpPr>
-        <p:spPr/>
+        <p:spPr>
+          <a:xfrm>
+            <a:off x="685799" y="1142999"/>
+            <a:ext cx="7800975" cy="5172075"/>
+          </a:xfrm>
+        </p:spPr>
         <p:txBody>
           <a:bodyPr/>
           <a:lstStyle/>
           <a:p>
             <a:r>
-              <a:rPr lang="it-IT" sz="2400" dirty="0" smtClean="0"/>
-              <a:t>Si compone di una parte di inizializzazione e configurazione dello strumento e da una parte di elaborazione dei dati:</a:t>
+              <a:rPr lang="it-IT" sz="2400" dirty="0">
+                <a:solidFill>
+                  <a:schemeClr val="bg2">
+                    <a:lumMod val="40000"/>
+                    <a:lumOff val="60000"/>
+                  </a:schemeClr>
+                </a:solidFill>
+              </a:rPr>
+              <a:t>Cos’è l’interferometria</a:t>
             </a:r>
           </a:p>
           <a:p>
             <a:pPr lvl="1"/>
             <a:r>
-              <a:rPr lang="it-IT" sz="2000" dirty="0" smtClean="0"/>
-              <a:t>Inizialmente il </a:t>
-            </a:r>
-            <a:r>
-              <a:rPr lang="it-IT" sz="2000" dirty="0" err="1" smtClean="0"/>
-              <a:t>firmaware</a:t>
-            </a:r>
-            <a:r>
-              <a:rPr lang="it-IT" sz="2000" dirty="0" smtClean="0"/>
-              <a:t> legge la configurazione fornita dall’utente e imposta i corretti parametri di funzionamento dell’FPGA</a:t>
+              <a:rPr lang="it-IT" sz="2000" dirty="0">
+                <a:solidFill>
+                  <a:schemeClr val="bg2">
+                    <a:lumMod val="40000"/>
+                    <a:lumOff val="60000"/>
+                  </a:schemeClr>
+                </a:solidFill>
+              </a:rPr>
+              <a:t>Interferometria tradizionale</a:t>
             </a:r>
           </a:p>
           <a:p>
             <a:pPr lvl="1"/>
             <a:r>
-              <a:rPr lang="it-IT" sz="2000" dirty="0" smtClean="0"/>
-              <a:t>Il secondo passo consiste nell’estrazione del fondo da sottrarre al segnale</a:t>
+              <a:rPr lang="it-IT" sz="2000" dirty="0">
+                <a:solidFill>
+                  <a:schemeClr val="bg2">
+                    <a:lumMod val="40000"/>
+                    <a:lumOff val="60000"/>
+                  </a:schemeClr>
+                </a:solidFill>
+              </a:rPr>
+              <a:t>Interferometria a self-mixing</a:t>
+            </a:r>
+          </a:p>
+          <a:p>
+            <a:r>
+              <a:rPr lang="it-IT" sz="2400" dirty="0">
+                <a:solidFill>
+                  <a:schemeClr val="bg2">
+                    <a:lumMod val="40000"/>
+                    <a:lumOff val="60000"/>
+                  </a:schemeClr>
+                </a:solidFill>
+              </a:rPr>
+              <a:t>Architettura hardware</a:t>
             </a:r>
           </a:p>
           <a:p>
             <a:pPr lvl="1"/>
             <a:r>
-              <a:rPr lang="it-IT" sz="2000" dirty="0" smtClean="0"/>
-              <a:t>Infine ciclicamente si acquisiscono i risultati dell’elaborazione dell’FPGA e si calcola la distanza dal bersaglio.</a:t>
-            </a:r>
+              <a:rPr lang="it-IT" sz="2000" dirty="0">
+                <a:solidFill>
+                  <a:schemeClr val="bg2">
+                    <a:lumMod val="40000"/>
+                    <a:lumOff val="60000"/>
+                  </a:schemeClr>
+                </a:solidFill>
+              </a:rPr>
+              <a:t>Parte analogica</a:t>
+            </a:r>
+          </a:p>
+          <a:p>
+            <a:pPr lvl="1"/>
+            <a:r>
+              <a:rPr lang="it-IT" sz="2000" dirty="0">
+                <a:solidFill>
+                  <a:schemeClr val="bg2">
+                    <a:lumMod val="40000"/>
+                    <a:lumOff val="60000"/>
+                  </a:schemeClr>
+                </a:solidFill>
+              </a:rPr>
+              <a:t>Parte di conversione</a:t>
+            </a:r>
+          </a:p>
+          <a:p>
+            <a:pPr lvl="1"/>
+            <a:r>
+              <a:rPr lang="it-IT" sz="2000" dirty="0">
+                <a:solidFill>
+                  <a:schemeClr val="bg2">
+                    <a:lumMod val="40000"/>
+                    <a:lumOff val="60000"/>
+                  </a:schemeClr>
+                </a:solidFill>
+              </a:rPr>
+              <a:t>Parte digitale</a:t>
+            </a:r>
+          </a:p>
+          <a:p>
+            <a:r>
+              <a:rPr lang="it-IT" sz="2400" dirty="0">
+                <a:solidFill>
+                  <a:schemeClr val="bg2">
+                    <a:lumMod val="40000"/>
+                    <a:lumOff val="60000"/>
+                  </a:schemeClr>
+                </a:solidFill>
+              </a:rPr>
+              <a:t>Architettura software</a:t>
+            </a:r>
+          </a:p>
+          <a:p>
+            <a:pPr lvl="1"/>
+            <a:r>
+              <a:rPr lang="it-IT" sz="2000" dirty="0">
+                <a:solidFill>
+                  <a:schemeClr val="bg2">
+                    <a:lumMod val="40000"/>
+                    <a:lumOff val="60000"/>
+                  </a:schemeClr>
+                </a:solidFill>
+              </a:rPr>
+              <a:t>FPGA</a:t>
+            </a:r>
+          </a:p>
+          <a:p>
+            <a:pPr lvl="1"/>
+            <a:r>
+              <a:rPr lang="it-IT" sz="2000" dirty="0">
+                <a:solidFill>
+                  <a:schemeClr val="bg2">
+                    <a:lumMod val="40000"/>
+                    <a:lumOff val="60000"/>
+                  </a:schemeClr>
+                </a:solidFill>
+              </a:rPr>
+              <a:t>Microcontrollore</a:t>
+            </a:r>
+          </a:p>
+          <a:p>
+            <a:pPr lvl="1"/>
+            <a:r>
+              <a:rPr lang="it-IT" sz="2000" dirty="0">
+                <a:solidFill>
+                  <a:schemeClr val="bg2">
+                    <a:lumMod val="40000"/>
+                    <a:lumOff val="60000"/>
+                  </a:schemeClr>
+                </a:solidFill>
+              </a:rPr>
+              <a:t>Analisi degli algoritmi</a:t>
+            </a:r>
+          </a:p>
+          <a:p>
+            <a:r>
+              <a:rPr lang="it-IT" sz="2400" dirty="0"/>
+              <a:t>Risultati sperimentali</a:t>
+            </a:r>
+          </a:p>
+          <a:p>
+            <a:r>
+              <a:rPr lang="it-IT" sz="2400" dirty="0"/>
+              <a:t>Sviluppi futuri e conclusioni</a:t>
+            </a:r>
+            <a:endParaRPr lang="it-IT" sz="2400" dirty="0"/>
           </a:p>
         </p:txBody>
       </p:sp>
@@ -6637,13 +6793,20 @@
     </p:spTree>
     <p:extLst>
       <p:ext uri="{BB962C8B-B14F-4D97-AF65-F5344CB8AC3E}">
-        <p14:creationId xmlns:p14="http://schemas.microsoft.com/office/powerpoint/2010/main" val="3813134160"/>
+        <p14:creationId xmlns:p14="http://schemas.microsoft.com/office/powerpoint/2010/main" val="3967324833"/>
       </p:ext>
     </p:extLst>
   </p:cSld>
   <p:clrMapOvr>
     <a:masterClrMapping/>
   </p:clrMapOvr>
+  <p:timing>
+    <p:tnLst>
+      <p:par>
+        <p:cTn id="1" dur="indefinite" restart="never" nodeType="tmRoot"/>
+      </p:par>
+    </p:tnLst>
+  </p:timing>
 </p:sld>
 </file>
 
@@ -6681,7 +6844,7 @@
           <a:p>
             <a:r>
               <a:rPr lang="it-IT" dirty="0" smtClean="0"/>
-              <a:t>Analisi algoritmi implementati</a:t>
+              <a:t>Risultati sperimentali</a:t>
             </a:r>
             <a:endParaRPr lang="it-IT" dirty="0"/>
           </a:p>
@@ -6704,48 +6867,50 @@
           <a:p>
             <a:r>
               <a:rPr lang="it-IT" sz="2400" dirty="0" smtClean="0"/>
-              <a:t>Sottrazione fondo</a:t>
+              <a:t>Due tipologie di prove, effettuate ad ogni passo dello sviluppo:</a:t>
+            </a:r>
+          </a:p>
+          <a:p>
+            <a:pPr lvl="1"/>
+            <a:r>
+              <a:rPr lang="it-IT" sz="2000" dirty="0" smtClean="0"/>
+              <a:t>Bersaglio fisso</a:t>
+            </a:r>
+          </a:p>
+          <a:p>
+            <a:pPr lvl="1"/>
+            <a:r>
+              <a:rPr lang="it-IT" sz="2000" dirty="0" smtClean="0"/>
+              <a:t>Bersaglio mobile</a:t>
             </a:r>
           </a:p>
           <a:p>
             <a:r>
               <a:rPr lang="it-IT" sz="2400" dirty="0" smtClean="0"/>
-              <a:t>Finestratura</a:t>
-            </a:r>
-          </a:p>
-          <a:p>
-            <a:r>
-              <a:rPr lang="it-IT" sz="2400" dirty="0" smtClean="0"/>
-              <a:t>Accenno 5 triangolari</a:t>
-            </a:r>
-          </a:p>
-          <a:p>
-            <a:r>
-              <a:rPr lang="it-IT" sz="2400" dirty="0" smtClean="0"/>
-              <a:t>FFT</a:t>
-            </a:r>
-          </a:p>
-          <a:p>
-            <a:r>
-              <a:rPr lang="it-IT" sz="2400" dirty="0" smtClean="0"/>
-              <a:t>Interpolazione</a:t>
-            </a:r>
-          </a:p>
-          <a:p>
-            <a:r>
-              <a:rPr lang="it-IT" sz="2400" dirty="0" smtClean="0"/>
-              <a:t>Calcolo distanza</a:t>
-            </a:r>
-          </a:p>
-          <a:p>
-            <a:endParaRPr lang="it-IT" sz="2400" dirty="0"/>
-          </a:p>
-          <a:p>
-            <a:r>
-              <a:rPr lang="it-IT" sz="2400" dirty="0" smtClean="0"/>
-              <a:t>TODO!!</a:t>
-            </a:r>
-            <a:endParaRPr lang="it-IT" sz="2400" dirty="0"/>
+              <a:t>Risultati sintetici:</a:t>
+            </a:r>
+          </a:p>
+          <a:p>
+            <a:pPr lvl="1"/>
+            <a:r>
+              <a:rPr lang="it-IT" sz="2000" dirty="0" smtClean="0"/>
+              <a:t>Inserire dati di tutti i passi</a:t>
+            </a:r>
+            <a:br>
+              <a:rPr lang="it-IT" sz="2000" dirty="0" smtClean="0"/>
+            </a:br>
+            <a:r>
+              <a:rPr lang="it-IT" sz="2000" dirty="0" smtClean="0"/>
+              <a:t>sia per una che per l’altra</a:t>
+            </a:r>
+            <a:br>
+              <a:rPr lang="it-IT" sz="2000" dirty="0" smtClean="0"/>
+            </a:br>
+            <a:r>
+              <a:rPr lang="it-IT" sz="2000" dirty="0" smtClean="0"/>
+              <a:t>prova, poi si commentano a voce</a:t>
+            </a:r>
+            <a:endParaRPr lang="it-IT" sz="2000" dirty="0"/>
           </a:p>
         </p:txBody>
       </p:sp>
@@ -6773,10 +6938,40 @@
           </a:p>
         </p:txBody>
       </p:sp>
+      <p:pic>
+        <p:nvPicPr>
+          <p:cNvPr id="5" name="Immagine 4"/>
+          <p:cNvPicPr>
+            <a:picLocks noChangeAspect="1"/>
+          </p:cNvPicPr>
+          <p:nvPr/>
+        </p:nvPicPr>
+        <p:blipFill>
+          <a:blip r:embed="rId2">
+            <a:extLst>
+              <a:ext uri="{28A0092B-C50C-407E-A947-70E740481C1C}">
+                <a14:useLocalDpi xmlns:a14="http://schemas.microsoft.com/office/drawing/2010/main" val="0"/>
+              </a:ext>
+            </a:extLst>
+          </a:blip>
+          <a:stretch>
+            <a:fillRect/>
+          </a:stretch>
+        </p:blipFill>
+        <p:spPr>
+          <a:xfrm>
+            <a:off x="1356796" y="4161835"/>
+            <a:ext cx="3943865" cy="2162765"/>
+          </a:xfrm>
+          <a:prstGeom prst="rect">
+            <a:avLst/>
+          </a:prstGeom>
+        </p:spPr>
+      </p:pic>
     </p:spTree>
     <p:extLst>
       <p:ext uri="{BB962C8B-B14F-4D97-AF65-F5344CB8AC3E}">
-        <p14:creationId xmlns:p14="http://schemas.microsoft.com/office/powerpoint/2010/main" val="1116657620"/>
+        <p14:creationId xmlns:p14="http://schemas.microsoft.com/office/powerpoint/2010/main" val="2345925326"/>
       </p:ext>
     </p:extLst>
   </p:cSld>
@@ -6820,7 +7015,7 @@
           <a:p>
             <a:r>
               <a:rPr lang="it-IT" dirty="0" smtClean="0"/>
-              <a:t>Indice</a:t>
+              <a:t>Risultati sperimentali</a:t>
             </a:r>
             <a:endParaRPr lang="it-IT" dirty="0"/>
           </a:p>
@@ -6842,171 +7037,17 @@
           <a:lstStyle/>
           <a:p>
             <a:r>
-              <a:rPr lang="it-IT" sz="2400" dirty="0" smtClean="0">
-                <a:solidFill>
-                  <a:schemeClr val="bg2">
-                    <a:lumMod val="40000"/>
-                    <a:lumOff val="60000"/>
-                  </a:schemeClr>
-                </a:solidFill>
-              </a:rPr>
-              <a:t>Cos’è l’interferometria</a:t>
+              <a:rPr lang="it-IT" sz="2400" dirty="0" smtClean="0"/>
+              <a:t>Prove con la versione finale dello strumento:</a:t>
             </a:r>
           </a:p>
           <a:p>
             <a:pPr lvl="1"/>
             <a:r>
-              <a:rPr lang="it-IT" sz="2000" dirty="0" smtClean="0">
-                <a:solidFill>
-                  <a:schemeClr val="bg2">
-                    <a:lumMod val="40000"/>
-                    <a:lumOff val="60000"/>
-                  </a:schemeClr>
-                </a:solidFill>
-              </a:rPr>
-              <a:t>Interferometria tradizionale</a:t>
-            </a:r>
-          </a:p>
-          <a:p>
-            <a:pPr lvl="1"/>
-            <a:r>
-              <a:rPr lang="it-IT" sz="2000" dirty="0" smtClean="0">
-                <a:solidFill>
-                  <a:schemeClr val="bg2">
-                    <a:lumMod val="40000"/>
-                    <a:lumOff val="60000"/>
-                  </a:schemeClr>
-                </a:solidFill>
-              </a:rPr>
-              <a:t>Interferometria a self-mixing</a:t>
-            </a:r>
-          </a:p>
-          <a:p>
-            <a:r>
-              <a:rPr lang="it-IT" sz="2400" dirty="0" smtClean="0">
-                <a:solidFill>
-                  <a:schemeClr val="bg2">
-                    <a:lumMod val="40000"/>
-                    <a:lumOff val="60000"/>
-                  </a:schemeClr>
-                </a:solidFill>
-              </a:rPr>
-              <a:t>Architettura hardware</a:t>
-            </a:r>
-          </a:p>
-          <a:p>
-            <a:pPr lvl="1"/>
-            <a:r>
-              <a:rPr lang="it-IT" sz="2000" dirty="0" smtClean="0">
-                <a:solidFill>
-                  <a:schemeClr val="bg2">
-                    <a:lumMod val="40000"/>
-                    <a:lumOff val="60000"/>
-                  </a:schemeClr>
-                </a:solidFill>
-              </a:rPr>
-              <a:t>Parte analogica</a:t>
-            </a:r>
-          </a:p>
-          <a:p>
-            <a:pPr lvl="1"/>
-            <a:r>
-              <a:rPr lang="it-IT" sz="2000" dirty="0" smtClean="0">
-                <a:solidFill>
-                  <a:schemeClr val="bg2">
-                    <a:lumMod val="40000"/>
-                    <a:lumOff val="60000"/>
-                  </a:schemeClr>
-                </a:solidFill>
-              </a:rPr>
-              <a:t>Parte digitale</a:t>
-            </a:r>
-          </a:p>
-          <a:p>
-            <a:pPr lvl="1"/>
-            <a:r>
-              <a:rPr lang="it-IT" sz="2000" dirty="0" smtClean="0">
-                <a:solidFill>
-                  <a:schemeClr val="bg2">
-                    <a:lumMod val="40000"/>
-                    <a:lumOff val="60000"/>
-                  </a:schemeClr>
-                </a:solidFill>
-              </a:rPr>
-              <a:t>Scheda di conversione</a:t>
-            </a:r>
-          </a:p>
-          <a:p>
-            <a:r>
-              <a:rPr lang="it-IT" sz="2400" dirty="0" smtClean="0">
-                <a:solidFill>
-                  <a:schemeClr val="bg2">
-                    <a:lumMod val="40000"/>
-                    <a:lumOff val="60000"/>
-                  </a:schemeClr>
-                </a:solidFill>
-              </a:rPr>
-              <a:t>Architettura software</a:t>
-            </a:r>
-          </a:p>
-          <a:p>
-            <a:pPr lvl="1"/>
-            <a:r>
-              <a:rPr lang="it-IT" sz="2000" dirty="0" smtClean="0">
-                <a:solidFill>
-                  <a:schemeClr val="bg2">
-                    <a:lumMod val="40000"/>
-                    <a:lumOff val="60000"/>
-                  </a:schemeClr>
-                </a:solidFill>
-              </a:rPr>
-              <a:t>Firmware FPGA</a:t>
-            </a:r>
-          </a:p>
-          <a:p>
-            <a:pPr lvl="1"/>
-            <a:r>
-              <a:rPr lang="it-IT" sz="2000" dirty="0" smtClean="0">
-                <a:solidFill>
-                  <a:schemeClr val="bg2">
-                    <a:lumMod val="40000"/>
-                    <a:lumOff val="60000"/>
-                  </a:schemeClr>
-                </a:solidFill>
-              </a:rPr>
-              <a:t>Firmware microcontrollore</a:t>
-            </a:r>
-          </a:p>
-          <a:p>
-            <a:pPr lvl="1"/>
-            <a:r>
-              <a:rPr lang="it-IT" sz="2000" dirty="0" smtClean="0">
-                <a:solidFill>
-                  <a:schemeClr val="bg2">
-                    <a:lumMod val="40000"/>
-                    <a:lumOff val="60000"/>
-                  </a:schemeClr>
-                </a:solidFill>
-              </a:rPr>
-              <a:t>Analisi degli algoritmi</a:t>
-            </a:r>
-          </a:p>
-          <a:p>
-            <a:r>
-              <a:rPr lang="it-IT" sz="2400" dirty="0" smtClean="0"/>
-              <a:t>Risultati sperimentali</a:t>
-            </a:r>
-          </a:p>
-          <a:p>
-            <a:r>
-              <a:rPr lang="it-IT" sz="2400" dirty="0" smtClean="0"/>
-              <a:t>Sviluppi futuri e </a:t>
-            </a:r>
-            <a:r>
-              <a:rPr lang="it-IT" sz="2400" dirty="0" err="1" smtClean="0"/>
-              <a:t>conlcusioni</a:t>
-            </a:r>
-            <a:endParaRPr lang="it-IT" sz="2400" dirty="0" smtClean="0"/>
+              <a:rPr lang="it-IT" sz="2000" dirty="0" smtClean="0"/>
+              <a:t>Risultati con immagini</a:t>
+            </a:r>
+            <a:endParaRPr lang="it-IT" sz="2000" dirty="0"/>
           </a:p>
         </p:txBody>
       </p:sp>
@@ -7037,20 +7078,13 @@
     </p:spTree>
     <p:extLst>
       <p:ext uri="{BB962C8B-B14F-4D97-AF65-F5344CB8AC3E}">
-        <p14:creationId xmlns:p14="http://schemas.microsoft.com/office/powerpoint/2010/main" val="3967324833"/>
+        <p14:creationId xmlns:p14="http://schemas.microsoft.com/office/powerpoint/2010/main" val="676223027"/>
       </p:ext>
     </p:extLst>
   </p:cSld>
   <p:clrMapOvr>
     <a:masterClrMapping/>
   </p:clrMapOvr>
-  <p:timing>
-    <p:tnLst>
-      <p:par>
-        <p:cTn id="1" dur="indefinite" restart="never" nodeType="tmRoot"/>
-      </p:par>
-    </p:tnLst>
-  </p:timing>
 </p:sld>
 </file>
 
@@ -7104,7 +7138,12 @@
             <p:ph idx="1"/>
           </p:nvPr>
         </p:nvSpPr>
-        <p:spPr/>
+        <p:spPr>
+          <a:xfrm>
+            <a:off x="685799" y="1143000"/>
+            <a:ext cx="7815263" cy="5272088"/>
+          </a:xfrm>
+        </p:spPr>
         <p:txBody>
           <a:bodyPr/>
           <a:lstStyle/>
@@ -7230,6 +7269,13 @@
   <p:clrMapOvr>
     <a:masterClrMapping/>
   </p:clrMapOvr>
+  <p:timing>
+    <p:tnLst>
+      <p:par>
+        <p:cTn id="1" dur="indefinite" restart="never" nodeType="tmRoot"/>
+      </p:par>
+    </p:tnLst>
+  </p:timing>
 </p:sld>
 </file>
 
@@ -7267,7 +7313,7 @@
           <a:p>
             <a:r>
               <a:rPr lang="it-IT" dirty="0" smtClean="0"/>
-              <a:t>Risultati sperimentali</a:t>
+              <a:t>Indice</a:t>
             </a:r>
             <a:endParaRPr lang="it-IT" dirty="0"/>
           </a:p>
@@ -7283,57 +7329,185 @@
             <p:ph idx="1"/>
           </p:nvPr>
         </p:nvSpPr>
-        <p:spPr/>
+        <p:spPr>
+          <a:xfrm>
+            <a:off x="685800" y="1142999"/>
+            <a:ext cx="7086600" cy="5229225"/>
+          </a:xfrm>
+        </p:spPr>
         <p:txBody>
           <a:bodyPr/>
           <a:lstStyle/>
           <a:p>
             <a:r>
-              <a:rPr lang="it-IT" sz="2400" dirty="0" smtClean="0"/>
-              <a:t>Due tipologie di prove, effettuate ad ogni passo dello sviluppo:</a:t>
+              <a:rPr lang="it-IT" sz="2400" dirty="0">
+                <a:solidFill>
+                  <a:schemeClr val="bg2">
+                    <a:lumMod val="40000"/>
+                    <a:lumOff val="60000"/>
+                  </a:schemeClr>
+                </a:solidFill>
+              </a:rPr>
+              <a:t>Cos’è l’interferometria</a:t>
             </a:r>
           </a:p>
           <a:p>
             <a:pPr lvl="1"/>
             <a:r>
-              <a:rPr lang="it-IT" sz="2000" dirty="0" smtClean="0"/>
-              <a:t>Bersaglio fisso</a:t>
+              <a:rPr lang="it-IT" sz="2000" dirty="0">
+                <a:solidFill>
+                  <a:schemeClr val="bg2">
+                    <a:lumMod val="40000"/>
+                    <a:lumOff val="60000"/>
+                  </a:schemeClr>
+                </a:solidFill>
+              </a:rPr>
+              <a:t>Interferometria tradizionale</a:t>
             </a:r>
           </a:p>
           <a:p>
             <a:pPr lvl="1"/>
             <a:r>
-              <a:rPr lang="it-IT" sz="2000" dirty="0" smtClean="0"/>
-              <a:t>Bersaglio mobile</a:t>
-            </a:r>
-          </a:p>
-          <a:p>
-            <a:r>
-              <a:rPr lang="it-IT" sz="2400" dirty="0" smtClean="0"/>
-              <a:t>Risultati sintetici:</a:t>
+              <a:rPr lang="it-IT" sz="2000" dirty="0">
+                <a:solidFill>
+                  <a:schemeClr val="bg2">
+                    <a:lumMod val="40000"/>
+                    <a:lumOff val="60000"/>
+                  </a:schemeClr>
+                </a:solidFill>
+              </a:rPr>
+              <a:t>Interferometria a self-mixing</a:t>
+            </a:r>
+          </a:p>
+          <a:p>
+            <a:r>
+              <a:rPr lang="it-IT" sz="2400" dirty="0">
+                <a:solidFill>
+                  <a:schemeClr val="bg2">
+                    <a:lumMod val="40000"/>
+                    <a:lumOff val="60000"/>
+                  </a:schemeClr>
+                </a:solidFill>
+              </a:rPr>
+              <a:t>Architettura hardware</a:t>
             </a:r>
           </a:p>
           <a:p>
             <a:pPr lvl="1"/>
             <a:r>
-              <a:rPr lang="it-IT" sz="2000" dirty="0" smtClean="0"/>
-              <a:t>Inserire dati di tutti i passi</a:t>
-            </a:r>
-            <a:br>
-              <a:rPr lang="it-IT" sz="2000" dirty="0" smtClean="0"/>
-            </a:br>
-            <a:r>
-              <a:rPr lang="it-IT" sz="2000" dirty="0" smtClean="0"/>
-              <a:t>sia per una che per l’altra</a:t>
-            </a:r>
-            <a:br>
-              <a:rPr lang="it-IT" sz="2000" dirty="0" smtClean="0"/>
-            </a:br>
-            <a:r>
-              <a:rPr lang="it-IT" sz="2000" dirty="0" smtClean="0"/>
-              <a:t>prova, poi si commentano a voce</a:t>
-            </a:r>
-            <a:endParaRPr lang="it-IT" sz="2000" dirty="0"/>
+              <a:rPr lang="it-IT" sz="2000" dirty="0">
+                <a:solidFill>
+                  <a:schemeClr val="bg2">
+                    <a:lumMod val="40000"/>
+                    <a:lumOff val="60000"/>
+                  </a:schemeClr>
+                </a:solidFill>
+              </a:rPr>
+              <a:t>Parte analogica</a:t>
+            </a:r>
+          </a:p>
+          <a:p>
+            <a:pPr lvl="1"/>
+            <a:r>
+              <a:rPr lang="it-IT" sz="2000" dirty="0">
+                <a:solidFill>
+                  <a:schemeClr val="bg2">
+                    <a:lumMod val="40000"/>
+                    <a:lumOff val="60000"/>
+                  </a:schemeClr>
+                </a:solidFill>
+              </a:rPr>
+              <a:t>Parte di conversione</a:t>
+            </a:r>
+          </a:p>
+          <a:p>
+            <a:pPr lvl="1"/>
+            <a:r>
+              <a:rPr lang="it-IT" sz="2000" dirty="0">
+                <a:solidFill>
+                  <a:schemeClr val="bg2">
+                    <a:lumMod val="40000"/>
+                    <a:lumOff val="60000"/>
+                  </a:schemeClr>
+                </a:solidFill>
+              </a:rPr>
+              <a:t>Parte digitale</a:t>
+            </a:r>
+          </a:p>
+          <a:p>
+            <a:r>
+              <a:rPr lang="it-IT" sz="2400" dirty="0">
+                <a:solidFill>
+                  <a:schemeClr val="bg2">
+                    <a:lumMod val="40000"/>
+                    <a:lumOff val="60000"/>
+                  </a:schemeClr>
+                </a:solidFill>
+              </a:rPr>
+              <a:t>Architettura software</a:t>
+            </a:r>
+          </a:p>
+          <a:p>
+            <a:pPr lvl="1"/>
+            <a:r>
+              <a:rPr lang="it-IT" sz="2000" dirty="0">
+                <a:solidFill>
+                  <a:schemeClr val="bg2">
+                    <a:lumMod val="40000"/>
+                    <a:lumOff val="60000"/>
+                  </a:schemeClr>
+                </a:solidFill>
+              </a:rPr>
+              <a:t>FPGA</a:t>
+            </a:r>
+          </a:p>
+          <a:p>
+            <a:pPr lvl="1"/>
+            <a:r>
+              <a:rPr lang="it-IT" sz="2000" dirty="0">
+                <a:solidFill>
+                  <a:schemeClr val="bg2">
+                    <a:lumMod val="40000"/>
+                    <a:lumOff val="60000"/>
+                  </a:schemeClr>
+                </a:solidFill>
+              </a:rPr>
+              <a:t>Microcontrollore</a:t>
+            </a:r>
+          </a:p>
+          <a:p>
+            <a:pPr lvl="1"/>
+            <a:r>
+              <a:rPr lang="it-IT" sz="2000" dirty="0">
+                <a:solidFill>
+                  <a:schemeClr val="bg2">
+                    <a:lumMod val="40000"/>
+                    <a:lumOff val="60000"/>
+                  </a:schemeClr>
+                </a:solidFill>
+              </a:rPr>
+              <a:t>Analisi degli algoritmi</a:t>
+            </a:r>
+          </a:p>
+          <a:p>
+            <a:r>
+              <a:rPr lang="it-IT" sz="2400" dirty="0">
+                <a:solidFill>
+                  <a:schemeClr val="bg2">
+                    <a:lumMod val="40000"/>
+                    <a:lumOff val="60000"/>
+                  </a:schemeClr>
+                </a:solidFill>
+              </a:rPr>
+              <a:t>Risultati sperimentali</a:t>
+            </a:r>
+          </a:p>
+          <a:p>
+            <a:r>
+              <a:rPr lang="it-IT" sz="2400" dirty="0"/>
+              <a:t>Sviluppi futuri e conclusioni</a:t>
+            </a:r>
+            <a:endParaRPr lang="it-IT" sz="2400" dirty="0"/>
           </a:p>
         </p:txBody>
       </p:sp>
@@ -7361,46 +7535,23 @@
           </a:p>
         </p:txBody>
       </p:sp>
-      <p:pic>
-        <p:nvPicPr>
-          <p:cNvPr id="5" name="Immagine 4"/>
-          <p:cNvPicPr>
-            <a:picLocks noChangeAspect="1"/>
-          </p:cNvPicPr>
-          <p:nvPr/>
-        </p:nvPicPr>
-        <p:blipFill>
-          <a:blip r:embed="rId2">
-            <a:extLst>
-              <a:ext uri="{28A0092B-C50C-407E-A947-70E740481C1C}">
-                <a14:useLocalDpi xmlns:a14="http://schemas.microsoft.com/office/drawing/2010/main" val="0"/>
-              </a:ext>
-            </a:extLst>
-          </a:blip>
-          <a:stretch>
-            <a:fillRect/>
-          </a:stretch>
-        </p:blipFill>
-        <p:spPr>
-          <a:xfrm>
-            <a:off x="4514334" y="1707093"/>
-            <a:ext cx="3943865" cy="2162765"/>
-          </a:xfrm>
-          <a:prstGeom prst="rect">
-            <a:avLst/>
-          </a:prstGeom>
-        </p:spPr>
-      </p:pic>
     </p:spTree>
     <p:extLst>
       <p:ext uri="{BB962C8B-B14F-4D97-AF65-F5344CB8AC3E}">
-        <p14:creationId xmlns:p14="http://schemas.microsoft.com/office/powerpoint/2010/main" val="2345925326"/>
+        <p14:creationId xmlns:p14="http://schemas.microsoft.com/office/powerpoint/2010/main" val="2461533339"/>
       </p:ext>
     </p:extLst>
   </p:cSld>
   <p:clrMapOvr>
     <a:masterClrMapping/>
   </p:clrMapOvr>
+  <p:timing>
+    <p:tnLst>
+      <p:par>
+        <p:cTn id="1" dur="indefinite" restart="never" nodeType="tmRoot"/>
+      </p:par>
+    </p:tnLst>
+  </p:timing>
 </p:sld>
 </file>
 
@@ -7438,7 +7589,7 @@
           <a:p>
             <a:r>
               <a:rPr lang="it-IT" dirty="0" smtClean="0"/>
-              <a:t>Risultati sperimentali</a:t>
+              <a:t>Conclusioni e sviluppi futuri</a:t>
             </a:r>
             <a:endParaRPr lang="it-IT" dirty="0"/>
           </a:p>
@@ -7461,14 +7612,38 @@
           <a:p>
             <a:r>
               <a:rPr lang="it-IT" sz="2400" dirty="0" smtClean="0"/>
-              <a:t>Prove con la versione finale dello strumento:</a:t>
+              <a:t>I risultati ottenuti mostrano la possibilità di realizzare uno strumento di misura con buone prestazioni e a basso costo, sfruttando la tecnica di interferometria a self-mixing. </a:t>
+            </a:r>
+          </a:p>
+          <a:p>
+            <a:r>
+              <a:rPr lang="it-IT" sz="2400" dirty="0" smtClean="0"/>
+              <a:t>Lo strumento mostra ancora alcuni limiti:</a:t>
             </a:r>
           </a:p>
           <a:p>
             <a:pPr lvl="1"/>
             <a:r>
+              <a:rPr lang="it-IT" sz="2000" dirty="0" err="1" smtClean="0"/>
+              <a:t>Drift</a:t>
+            </a:r>
+            <a:r>
               <a:rPr lang="it-IT" sz="2000" dirty="0" smtClean="0"/>
-              <a:t>Risultati con immagini</a:t>
+              <a:t> termico</a:t>
+            </a:r>
+          </a:p>
+          <a:p>
+            <a:pPr lvl="1"/>
+            <a:r>
+              <a:rPr lang="it-IT" sz="2000" dirty="0" smtClean="0"/>
+              <a:t>Comunicazione tra PC e scheda di sviluppo</a:t>
+            </a:r>
+          </a:p>
+          <a:p>
+            <a:pPr lvl="1"/>
+            <a:r>
+              <a:rPr lang="it-IT" sz="2000" dirty="0" smtClean="0"/>
+              <a:t>Lettura della configurazione da file </a:t>
             </a:r>
             <a:endParaRPr lang="it-IT" sz="2000" dirty="0"/>
           </a:p>
@@ -7501,7 +7676,7 @@
     </p:spTree>
     <p:extLst>
       <p:ext uri="{BB962C8B-B14F-4D97-AF65-F5344CB8AC3E}">
-        <p14:creationId xmlns:p14="http://schemas.microsoft.com/office/powerpoint/2010/main" val="676223027"/>
+        <p14:creationId xmlns:p14="http://schemas.microsoft.com/office/powerpoint/2010/main" val="781321479"/>
       </p:ext>
     </p:extLst>
   </p:cSld>
@@ -7530,220 +7705,6 @@
       </p:grpSpPr>
       <p:sp>
         <p:nvSpPr>
-          <p:cNvPr id="2" name="Titolo 1"/>
-          <p:cNvSpPr>
-            <a:spLocks noGrp="1"/>
-          </p:cNvSpPr>
-          <p:nvPr>
-            <p:ph type="title"/>
-          </p:nvPr>
-        </p:nvSpPr>
-        <p:spPr/>
-        <p:txBody>
-          <a:bodyPr/>
-          <a:lstStyle/>
-          <a:p>
-            <a:r>
-              <a:rPr lang="it-IT" dirty="0" smtClean="0"/>
-              <a:t>Indice</a:t>
-            </a:r>
-            <a:endParaRPr lang="it-IT" dirty="0"/>
-          </a:p>
-        </p:txBody>
-      </p:sp>
-      <p:sp>
-        <p:nvSpPr>
-          <p:cNvPr id="3" name="Segnaposto contenuto 2"/>
-          <p:cNvSpPr>
-            <a:spLocks noGrp="1"/>
-          </p:cNvSpPr>
-          <p:nvPr>
-            <p:ph idx="1"/>
-          </p:nvPr>
-        </p:nvSpPr>
-        <p:spPr/>
-        <p:txBody>
-          <a:bodyPr/>
-          <a:lstStyle/>
-          <a:p>
-            <a:r>
-              <a:rPr lang="it-IT" sz="2400" dirty="0" smtClean="0">
-                <a:solidFill>
-                  <a:schemeClr val="bg2">
-                    <a:lumMod val="40000"/>
-                    <a:lumOff val="60000"/>
-                  </a:schemeClr>
-                </a:solidFill>
-              </a:rPr>
-              <a:t>Cos’è l’interferometria</a:t>
-            </a:r>
-          </a:p>
-          <a:p>
-            <a:pPr lvl="1"/>
-            <a:r>
-              <a:rPr lang="it-IT" sz="2000" dirty="0" smtClean="0">
-                <a:solidFill>
-                  <a:schemeClr val="bg2">
-                    <a:lumMod val="40000"/>
-                    <a:lumOff val="60000"/>
-                  </a:schemeClr>
-                </a:solidFill>
-              </a:rPr>
-              <a:t>Interferometria tradizionale</a:t>
-            </a:r>
-          </a:p>
-          <a:p>
-            <a:pPr lvl="1"/>
-            <a:r>
-              <a:rPr lang="it-IT" sz="2000" dirty="0" smtClean="0">
-                <a:solidFill>
-                  <a:schemeClr val="bg2">
-                    <a:lumMod val="40000"/>
-                    <a:lumOff val="60000"/>
-                  </a:schemeClr>
-                </a:solidFill>
-              </a:rPr>
-              <a:t>Interferometria a self-mixing</a:t>
-            </a:r>
-          </a:p>
-          <a:p>
-            <a:r>
-              <a:rPr lang="it-IT" sz="2400" dirty="0" smtClean="0">
-                <a:solidFill>
-                  <a:schemeClr val="bg2">
-                    <a:lumMod val="40000"/>
-                    <a:lumOff val="60000"/>
-                  </a:schemeClr>
-                </a:solidFill>
-              </a:rPr>
-              <a:t>Architettura hardware</a:t>
-            </a:r>
-          </a:p>
-          <a:p>
-            <a:pPr lvl="1"/>
-            <a:r>
-              <a:rPr lang="it-IT" sz="2000" dirty="0" smtClean="0">
-                <a:solidFill>
-                  <a:schemeClr val="bg2">
-                    <a:lumMod val="40000"/>
-                    <a:lumOff val="60000"/>
-                  </a:schemeClr>
-                </a:solidFill>
-              </a:rPr>
-              <a:t>Parte analogica</a:t>
-            </a:r>
-          </a:p>
-          <a:p>
-            <a:pPr lvl="1"/>
-            <a:r>
-              <a:rPr lang="it-IT" sz="2000" dirty="0" smtClean="0">
-                <a:solidFill>
-                  <a:schemeClr val="bg2">
-                    <a:lumMod val="40000"/>
-                    <a:lumOff val="60000"/>
-                  </a:schemeClr>
-                </a:solidFill>
-              </a:rPr>
-              <a:t>Parte digitale</a:t>
-            </a:r>
-          </a:p>
-          <a:p>
-            <a:pPr lvl="1"/>
-            <a:r>
-              <a:rPr lang="it-IT" sz="2000" dirty="0" smtClean="0">
-                <a:solidFill>
-                  <a:schemeClr val="bg2">
-                    <a:lumMod val="40000"/>
-                    <a:lumOff val="60000"/>
-                  </a:schemeClr>
-                </a:solidFill>
-              </a:rPr>
-              <a:t>Scheda di conversione</a:t>
-            </a:r>
-          </a:p>
-          <a:p>
-            <a:r>
-              <a:rPr lang="it-IT" sz="2400" dirty="0" smtClean="0">
-                <a:solidFill>
-                  <a:schemeClr val="bg2">
-                    <a:lumMod val="40000"/>
-                    <a:lumOff val="60000"/>
-                  </a:schemeClr>
-                </a:solidFill>
-              </a:rPr>
-              <a:t>Architettura software</a:t>
-            </a:r>
-          </a:p>
-          <a:p>
-            <a:pPr lvl="1"/>
-            <a:r>
-              <a:rPr lang="it-IT" sz="2000" dirty="0" smtClean="0">
-                <a:solidFill>
-                  <a:schemeClr val="bg2">
-                    <a:lumMod val="40000"/>
-                    <a:lumOff val="60000"/>
-                  </a:schemeClr>
-                </a:solidFill>
-              </a:rPr>
-              <a:t>Firmware FPGA</a:t>
-            </a:r>
-          </a:p>
-          <a:p>
-            <a:pPr lvl="1"/>
-            <a:r>
-              <a:rPr lang="it-IT" sz="2000" dirty="0" smtClean="0">
-                <a:solidFill>
-                  <a:schemeClr val="bg2">
-                    <a:lumMod val="40000"/>
-                    <a:lumOff val="60000"/>
-                  </a:schemeClr>
-                </a:solidFill>
-              </a:rPr>
-              <a:t>Firmware microcontrollore</a:t>
-            </a:r>
-          </a:p>
-          <a:p>
-            <a:pPr lvl="1"/>
-            <a:r>
-              <a:rPr lang="it-IT" sz="2000" dirty="0" smtClean="0">
-                <a:solidFill>
-                  <a:schemeClr val="bg2">
-                    <a:lumMod val="40000"/>
-                    <a:lumOff val="60000"/>
-                  </a:schemeClr>
-                </a:solidFill>
-              </a:rPr>
-              <a:t>Analisi degli algoritmi</a:t>
-            </a:r>
-          </a:p>
-          <a:p>
-            <a:r>
-              <a:rPr lang="it-IT" sz="2400" dirty="0" smtClean="0">
-                <a:solidFill>
-                  <a:schemeClr val="bg2">
-                    <a:lumMod val="40000"/>
-                    <a:lumOff val="60000"/>
-                  </a:schemeClr>
-                </a:solidFill>
-              </a:rPr>
-              <a:t>Risultati sperimentali</a:t>
-            </a:r>
-          </a:p>
-          <a:p>
-            <a:r>
-              <a:rPr lang="it-IT" sz="2400" dirty="0" smtClean="0"/>
-              <a:t>Sviluppi futuri e </a:t>
-            </a:r>
-            <a:r>
-              <a:rPr lang="it-IT" sz="2400" dirty="0" err="1" smtClean="0"/>
-              <a:t>conlcusioni</a:t>
-            </a:r>
-            <a:endParaRPr lang="it-IT" sz="2400" dirty="0" smtClean="0"/>
-          </a:p>
-        </p:txBody>
-      </p:sp>
-      <p:sp>
-        <p:nvSpPr>
           <p:cNvPr id="4" name="Segnaposto numero diapositiva 3"/>
           <p:cNvSpPr>
             <a:spLocks noGrp="1"/>
@@ -7766,148 +7727,41 @@
           </a:p>
         </p:txBody>
       </p:sp>
+      <p:sp>
+        <p:nvSpPr>
+          <p:cNvPr id="5" name="Segnaposto contenuto 4"/>
+          <p:cNvSpPr>
+            <a:spLocks noGrp="1"/>
+          </p:cNvSpPr>
+          <p:nvPr>
+            <p:ph idx="1"/>
+          </p:nvPr>
+        </p:nvSpPr>
+        <p:spPr>
+          <a:xfrm>
+            <a:off x="371475" y="3914776"/>
+            <a:ext cx="7158038" cy="1928812"/>
+          </a:xfrm>
+        </p:spPr>
+        <p:txBody>
+          <a:bodyPr/>
+          <a:lstStyle/>
+          <a:p>
+            <a:pPr marL="0" indent="0">
+              <a:buNone/>
+            </a:pPr>
+            <a:r>
+              <a:rPr lang="it-IT" sz="4800" dirty="0" smtClean="0"/>
+              <a:t>Grazie per l’attenzione</a:t>
+            </a:r>
+            <a:endParaRPr lang="it-IT" sz="2400" dirty="0"/>
+          </a:p>
+        </p:txBody>
+      </p:sp>
     </p:spTree>
     <p:extLst>
       <p:ext uri="{BB962C8B-B14F-4D97-AF65-F5344CB8AC3E}">
-        <p14:creationId xmlns:p14="http://schemas.microsoft.com/office/powerpoint/2010/main" val="2461533339"/>
-      </p:ext>
-    </p:extLst>
-  </p:cSld>
-  <p:clrMapOvr>
-    <a:masterClrMapping/>
-  </p:clrMapOvr>
-  <p:timing>
-    <p:tnLst>
-      <p:par>
-        <p:cTn id="1" dur="indefinite" restart="never" nodeType="tmRoot"/>
-      </p:par>
-    </p:tnLst>
-  </p:timing>
-</p:sld>
-</file>
-
-<file path=ppt/slides/slide23.xml><?xml version="1.0" encoding="utf-8"?>
-<p:sld xmlns:a="http://schemas.openxmlformats.org/drawingml/2006/main" xmlns:r="http://schemas.openxmlformats.org/officeDocument/2006/relationships" xmlns:p="http://schemas.openxmlformats.org/presentationml/2006/main">
-  <p:cSld>
-    <p:spTree>
-      <p:nvGrpSpPr>
-        <p:cNvPr id="1" name=""/>
-        <p:cNvGrpSpPr/>
-        <p:nvPr/>
-      </p:nvGrpSpPr>
-      <p:grpSpPr>
-        <a:xfrm>
-          <a:off x="0" y="0"/>
-          <a:ext cx="0" cy="0"/>
-          <a:chOff x="0" y="0"/>
-          <a:chExt cx="0" cy="0"/>
-        </a:xfrm>
-      </p:grpSpPr>
-      <p:sp>
-        <p:nvSpPr>
-          <p:cNvPr id="2" name="Titolo 1"/>
-          <p:cNvSpPr>
-            <a:spLocks noGrp="1"/>
-          </p:cNvSpPr>
-          <p:nvPr>
-            <p:ph type="title"/>
-          </p:nvPr>
-        </p:nvSpPr>
-        <p:spPr/>
-        <p:txBody>
-          <a:bodyPr/>
-          <a:lstStyle/>
-          <a:p>
-            <a:r>
-              <a:rPr lang="it-IT" dirty="0" smtClean="0"/>
-              <a:t>Conclusioni e sviluppi futuri</a:t>
-            </a:r>
-            <a:endParaRPr lang="it-IT" dirty="0"/>
-          </a:p>
-        </p:txBody>
-      </p:sp>
-      <p:sp>
-        <p:nvSpPr>
-          <p:cNvPr id="3" name="Segnaposto contenuto 2"/>
-          <p:cNvSpPr>
-            <a:spLocks noGrp="1"/>
-          </p:cNvSpPr>
-          <p:nvPr>
-            <p:ph idx="1"/>
-          </p:nvPr>
-        </p:nvSpPr>
-        <p:spPr/>
-        <p:txBody>
-          <a:bodyPr/>
-          <a:lstStyle/>
-          <a:p>
-            <a:r>
-              <a:rPr lang="it-IT" sz="2400" dirty="0" smtClean="0"/>
-              <a:t>I risultati ottenuti mostrano la possibilità di realizzare uno strumento di misura con buone prestazioni e a basso costo, sfruttando la tecnica di interferometria a self-mixing. </a:t>
-            </a:r>
-          </a:p>
-          <a:p>
-            <a:r>
-              <a:rPr lang="it-IT" sz="2400" dirty="0" smtClean="0"/>
-              <a:t>Lo strumento mostra ancora alcuni limiti:</a:t>
-            </a:r>
-          </a:p>
-          <a:p>
-            <a:pPr lvl="1"/>
-            <a:r>
-              <a:rPr lang="it-IT" sz="2000" dirty="0" err="1" smtClean="0"/>
-              <a:t>Drift</a:t>
-            </a:r>
-            <a:r>
-              <a:rPr lang="it-IT" sz="2000" dirty="0" smtClean="0"/>
-              <a:t> termico</a:t>
-            </a:r>
-          </a:p>
-          <a:p>
-            <a:pPr lvl="1"/>
-            <a:r>
-              <a:rPr lang="it-IT" sz="2000" dirty="0" smtClean="0"/>
-              <a:t>Comunicazione tra PC e scheda di sviluppo</a:t>
-            </a:r>
-          </a:p>
-          <a:p>
-            <a:pPr lvl="1"/>
-            <a:r>
-              <a:rPr lang="it-IT" sz="2000" dirty="0" smtClean="0"/>
-              <a:t>Lettura della configurazione da file </a:t>
-            </a:r>
-            <a:endParaRPr lang="it-IT" sz="2000" dirty="0"/>
-          </a:p>
-        </p:txBody>
-      </p:sp>
-      <p:sp>
-        <p:nvSpPr>
-          <p:cNvPr id="4" name="Segnaposto numero diapositiva 3"/>
-          <p:cNvSpPr>
-            <a:spLocks noGrp="1"/>
-          </p:cNvSpPr>
-          <p:nvPr>
-            <p:ph type="sldNum" sz="quarter" idx="11"/>
-          </p:nvPr>
-        </p:nvSpPr>
-        <p:spPr/>
-        <p:txBody>
-          <a:bodyPr/>
-          <a:lstStyle/>
-          <a:p>
-            <a:fld id="{C503DA3A-0C6B-48FC-931E-2C786AAFD5C1}" type="slidenum">
-              <a:rPr lang="en-US" altLang="nl-NL" smtClean="0"/>
-              <a:pPr/>
-              <a:t>23</a:t>
-            </a:fld>
-            <a:endParaRPr lang="en-US" altLang="nl-NL"/>
-          </a:p>
-        </p:txBody>
-      </p:sp>
-    </p:spTree>
-    <p:extLst>
-      <p:ext uri="{BB962C8B-B14F-4D97-AF65-F5344CB8AC3E}">
-        <p14:creationId xmlns:p14="http://schemas.microsoft.com/office/powerpoint/2010/main" val="781321479"/>
+        <p14:creationId xmlns:p14="http://schemas.microsoft.com/office/powerpoint/2010/main" val="1960709859"/>
       </p:ext>
     </p:extLst>
   </p:cSld>
@@ -7967,7 +7821,12 @@
             <p:ph idx="1"/>
           </p:nvPr>
         </p:nvSpPr>
-        <p:spPr/>
+        <p:spPr>
+          <a:xfrm>
+            <a:off x="609600" y="2286000"/>
+            <a:ext cx="7772400" cy="2486025"/>
+          </a:xfrm>
+        </p:spPr>
         <p:txBody>
           <a:bodyPr/>
           <a:lstStyle/>
@@ -8057,6 +7916,13 @@
   <p:clrMapOvr>
     <a:masterClrMapping/>
   </p:clrMapOvr>
+  <p:timing>
+    <p:tnLst>
+      <p:par>
+        <p:cTn id="1" dur="indefinite" restart="never" nodeType="tmRoot"/>
+      </p:par>
+    </p:tnLst>
+  </p:timing>
 </p:sld>
 </file>
 
@@ -8112,8 +7978,8 @@
         </p:nvSpPr>
         <p:spPr>
           <a:xfrm>
-            <a:off x="685800" y="1143000"/>
-            <a:ext cx="6145306" cy="4953000"/>
+            <a:off x="609599" y="1143000"/>
+            <a:ext cx="6477001" cy="3086100"/>
           </a:xfrm>
         </p:spPr>
         <p:txBody>
@@ -8125,23 +7991,35 @@
               <a:t>L’interferometro tradizionale è basato </a:t>
             </a:r>
             <a:r>
+              <a:rPr lang="it-IT" sz="2400" dirty="0" smtClean="0"/>
+              <a:t>sull’architettura </a:t>
+            </a:r>
+            <a:r>
               <a:rPr lang="it-IT" sz="2400" dirty="0"/>
+              <a:t>di </a:t>
+            </a:r>
+            <a:r>
+              <a:rPr lang="it-IT" sz="2400" i="1" dirty="0" err="1" smtClean="0"/>
+              <a:t>Michelson</a:t>
+            </a:r>
+            <a:r>
+              <a:rPr lang="it-IT" sz="2400" dirty="0" smtClean="0"/>
+              <a:t>. </a:t>
+            </a:r>
+            <a:r>
+              <a:rPr lang="it-IT" sz="2400" dirty="0" smtClean="0"/>
               <a:t/>
             </a:r>
             <a:br>
-              <a:rPr lang="it-IT" sz="2400" dirty="0"/>
+              <a:rPr lang="it-IT" sz="2400" dirty="0" smtClean="0"/>
             </a:br>
             <a:r>
-              <a:rPr lang="it-IT" sz="2400" dirty="0"/>
-              <a:t>sull’architettura di </a:t>
-            </a:r>
-            <a:r>
-              <a:rPr lang="it-IT" sz="2400" dirty="0" err="1" smtClean="0"/>
-              <a:t>Michelson</a:t>
-            </a:r>
-            <a:r>
               <a:rPr lang="it-IT" sz="2400" dirty="0" smtClean="0"/>
-              <a:t>. L’architettura è formata da:</a:t>
+              <a:t>L’architettura </a:t>
+            </a:r>
+            <a:r>
+              <a:rPr lang="it-IT" sz="2400" dirty="0" smtClean="0"/>
+              <a:t>è formata da:</a:t>
             </a:r>
           </a:p>
           <a:p>
@@ -8227,8 +8105,8 @@
         </p:blipFill>
         <p:spPr>
           <a:xfrm>
-            <a:off x="5383986" y="1269145"/>
-            <a:ext cx="3710027" cy="2553020"/>
+            <a:off x="5057776" y="3157538"/>
+            <a:ext cx="4036238" cy="2729072"/>
           </a:xfrm>
           <a:prstGeom prst="rect">
             <a:avLst/>
@@ -8245,11 +8123,18 @@
   <p:clrMapOvr>
     <a:masterClrMapping/>
   </p:clrMapOvr>
+  <p:timing>
+    <p:tnLst>
+      <p:par>
+        <p:cTn id="1" dur="indefinite" restart="never" nodeType="tmRoot"/>
+      </p:par>
+    </p:tnLst>
+  </p:timing>
 </p:sld>
 </file>
 
 <file path=ppt/slides/slide5.xml><?xml version="1.0" encoding="utf-8"?>
-<p:sld xmlns:a="http://schemas.openxmlformats.org/drawingml/2006/main" xmlns:r="http://schemas.openxmlformats.org/officeDocument/2006/relationships" xmlns:p="http://schemas.openxmlformats.org/presentationml/2006/main" show="0">
+<p:sld xmlns:a="http://schemas.openxmlformats.org/drawingml/2006/main" xmlns:r="http://schemas.openxmlformats.org/officeDocument/2006/relationships" xmlns:p="http://schemas.openxmlformats.org/presentationml/2006/main">
   <p:cSld>
     <p:spTree>
       <p:nvGrpSpPr>
@@ -8281,8 +8166,8 @@
           <a:lstStyle/>
           <a:p>
             <a:r>
-              <a:rPr lang="it-IT" dirty="0" smtClean="0"/>
-              <a:t>Interferometria tradizionale</a:t>
+              <a:rPr lang="it-IT" dirty="0"/>
+              <a:t>Interferometria a self-mixing</a:t>
             </a:r>
             <a:endParaRPr lang="it-IT" dirty="0"/>
           </a:p>
@@ -8298,61 +8183,44 @@
             <p:ph idx="1"/>
           </p:nvPr>
         </p:nvSpPr>
-        <p:spPr>
-          <a:xfrm>
-            <a:off x="685800" y="1143000"/>
-            <a:ext cx="6145306" cy="4953000"/>
-          </a:xfrm>
-        </p:spPr>
+        <p:spPr/>
         <p:txBody>
           <a:bodyPr/>
           <a:lstStyle/>
           <a:p>
             <a:r>
               <a:rPr lang="it-IT" sz="2400" dirty="0" smtClean="0"/>
-              <a:t>L’interferometro tradizionale è basato </a:t>
-            </a:r>
-            <a:r>
-              <a:rPr lang="it-IT" sz="2400" dirty="0"/>
-              <a:t/>
-            </a:r>
-            <a:br>
-              <a:rPr lang="it-IT" sz="2400" dirty="0"/>
-            </a:br>
-            <a:r>
-              <a:rPr lang="it-IT" sz="2400" dirty="0"/>
-              <a:t>sull’architettura di </a:t>
-            </a:r>
-            <a:r>
-              <a:rPr lang="it-IT" sz="2400" dirty="0" err="1" smtClean="0"/>
-              <a:t>Michelson</a:t>
-            </a:r>
-            <a:r>
-              <a:rPr lang="it-IT" sz="2400" dirty="0" smtClean="0"/>
-              <a:t>. L’architettura  si basa sulla divisione di un fascio laser, tramite un </a:t>
-            </a:r>
-            <a:br>
-              <a:rPr lang="it-IT" sz="2400" dirty="0" smtClean="0"/>
-            </a:br>
-            <a:r>
-              <a:rPr lang="it-IT" sz="2400" dirty="0" smtClean="0"/>
-              <a:t>divisore di fascio. Il fascio diviso</a:t>
-            </a:r>
-            <a:br>
-              <a:rPr lang="it-IT" sz="2400" dirty="0" smtClean="0"/>
-            </a:br>
-            <a:r>
-              <a:rPr lang="it-IT" sz="2400" dirty="0" smtClean="0"/>
-              <a:t>colpisce sia uno specchio di </a:t>
-            </a:r>
-            <a:br>
-              <a:rPr lang="it-IT" sz="2400" dirty="0" smtClean="0"/>
-            </a:br>
-            <a:r>
-              <a:rPr lang="it-IT" sz="2400" dirty="0" smtClean="0"/>
-              <a:t>riferimento (a distanza nota) che uno specchio solidale al bersaglio. I due fasci sono riflessi dai rispettivi specchi verso il divisore di fascio e sono indirizzati verso un fotodiodo, che è in grado di estrapolare l’informazione sulla distanza percorsa dai due fasci.</a:t>
-            </a:r>
-            <a:endParaRPr lang="it-IT" sz="2400" dirty="0"/>
+              <a:t>Motivazioni</a:t>
+            </a:r>
+          </a:p>
+          <a:p>
+            <a:pPr lvl="1"/>
+            <a:r>
+              <a:rPr lang="it-IT" sz="2000" dirty="0" smtClean="0"/>
+              <a:t>Possibilità di misura con bersaglio non cooperativo</a:t>
+            </a:r>
+          </a:p>
+          <a:p>
+            <a:pPr lvl="1"/>
+            <a:r>
+              <a:rPr lang="it-IT" sz="2000" dirty="0" smtClean="0"/>
+              <a:t>Più economico</a:t>
+            </a:r>
+          </a:p>
+          <a:p>
+            <a:pPr lvl="1"/>
+            <a:r>
+              <a:rPr lang="it-IT" sz="2000" dirty="0" smtClean="0"/>
+              <a:t>Più semplice realizzazione</a:t>
+            </a:r>
+          </a:p>
+          <a:p>
+            <a:pPr lvl="1"/>
+            <a:r>
+              <a:rPr lang="it-IT" sz="2000" dirty="0" smtClean="0"/>
+              <a:t>Non ambiguità del verso di spostamento</a:t>
+            </a:r>
+            <a:endParaRPr lang="it-IT" sz="2000" dirty="0"/>
           </a:p>
         </p:txBody>
       </p:sp>
@@ -8380,54 +8248,23 @@
           </a:p>
         </p:txBody>
       </p:sp>
-      <p:pic>
-        <p:nvPicPr>
-          <p:cNvPr id="8" name="Immagine 7"/>
-          <p:cNvPicPr>
-            <a:picLocks noChangeAspect="1"/>
-          </p:cNvPicPr>
-          <p:nvPr/>
-        </p:nvPicPr>
-        <p:blipFill>
-          <a:blip r:embed="rId2">
-            <a:extLst>
-              <a:ext uri="{28A0092B-C50C-407E-A947-70E740481C1C}">
-                <a14:useLocalDpi xmlns:a14="http://schemas.microsoft.com/office/drawing/2010/main" val="0"/>
-              </a:ext>
-            </a:extLst>
-          </a:blip>
-          <a:stretch>
-            <a:fillRect/>
-          </a:stretch>
-        </p:blipFill>
-        <p:spPr>
-          <a:xfrm>
-            <a:off x="5383986" y="1269145"/>
-            <a:ext cx="3710027" cy="2553020"/>
-          </a:xfrm>
-          <a:prstGeom prst="rect">
-            <a:avLst/>
-          </a:prstGeom>
-        </p:spPr>
-      </p:pic>
     </p:spTree>
     <p:extLst>
       <p:ext uri="{BB962C8B-B14F-4D97-AF65-F5344CB8AC3E}">
-        <p14:creationId xmlns:p14="http://schemas.microsoft.com/office/powerpoint/2010/main" val="3370869507"/>
+        <p14:creationId xmlns:p14="http://schemas.microsoft.com/office/powerpoint/2010/main" val="1028867880"/>
       </p:ext>
     </p:extLst>
   </p:cSld>
   <p:clrMapOvr>
     <a:masterClrMapping/>
   </p:clrMapOvr>
-  <mc:AlternateContent xmlns:mc="http://schemas.openxmlformats.org/markup-compatibility/2006" xmlns:p14="http://schemas.microsoft.com/office/powerpoint/2010/main">
-    <mc:Choice Requires="p14">
-      <p:transition spd="slow" p14:dur="2000"/>
-    </mc:Choice>
-    <mc:Fallback xmlns="">
-      <p:transition spd="slow"/>
-    </mc:Fallback>
-  </mc:AlternateContent>
+  <p:timing>
+    <p:tnLst>
+      <p:par>
+        <p:cTn id="1" dur="indefinite" restart="never" nodeType="tmRoot"/>
+      </p:par>
+    </p:tnLst>
+  </p:timing>
 </p:sld>
 </file>
 
@@ -8464,145 +8301,10 @@
           <a:lstStyle/>
           <a:p>
             <a:r>
-              <a:rPr lang="it-IT" dirty="0" err="1" smtClean="0"/>
-              <a:t>Interfermoetria</a:t>
-            </a:r>
-            <a:r>
               <a:rPr lang="it-IT" dirty="0" smtClean="0"/>
-              <a:t> self-mixing</a:t>
+              <a:t>Interferometria a self-mixing</a:t>
             </a:r>
             <a:endParaRPr lang="it-IT" dirty="0"/>
-          </a:p>
-        </p:txBody>
-      </p:sp>
-      <p:sp>
-        <p:nvSpPr>
-          <p:cNvPr id="3" name="Segnaposto contenuto 2"/>
-          <p:cNvSpPr>
-            <a:spLocks noGrp="1"/>
-          </p:cNvSpPr>
-          <p:nvPr>
-            <p:ph idx="1"/>
-          </p:nvPr>
-        </p:nvSpPr>
-        <p:spPr/>
-        <p:txBody>
-          <a:bodyPr/>
-          <a:lstStyle/>
-          <a:p>
-            <a:r>
-              <a:rPr lang="it-IT" sz="2400" dirty="0" smtClean="0"/>
-              <a:t>Motivazioni</a:t>
-            </a:r>
-          </a:p>
-          <a:p>
-            <a:pPr lvl="1"/>
-            <a:r>
-              <a:rPr lang="it-IT" sz="2000" dirty="0" smtClean="0"/>
-              <a:t>Possibilità di misura con bersaglio non cooperativo</a:t>
-            </a:r>
-          </a:p>
-          <a:p>
-            <a:pPr lvl="1"/>
-            <a:r>
-              <a:rPr lang="it-IT" sz="2000" dirty="0" smtClean="0"/>
-              <a:t>Più economico</a:t>
-            </a:r>
-          </a:p>
-          <a:p>
-            <a:pPr lvl="1"/>
-            <a:r>
-              <a:rPr lang="it-IT" sz="2000" dirty="0" smtClean="0"/>
-              <a:t>Più semplice realizzazione</a:t>
-            </a:r>
-          </a:p>
-          <a:p>
-            <a:pPr lvl="1"/>
-            <a:r>
-              <a:rPr lang="it-IT" sz="2000" dirty="0" smtClean="0"/>
-              <a:t>Non ambiguità del verso di spostamento</a:t>
-            </a:r>
-            <a:endParaRPr lang="it-IT" sz="2000" dirty="0"/>
-          </a:p>
-        </p:txBody>
-      </p:sp>
-      <p:sp>
-        <p:nvSpPr>
-          <p:cNvPr id="4" name="Segnaposto numero diapositiva 3"/>
-          <p:cNvSpPr>
-            <a:spLocks noGrp="1"/>
-          </p:cNvSpPr>
-          <p:nvPr>
-            <p:ph type="sldNum" sz="quarter" idx="11"/>
-          </p:nvPr>
-        </p:nvSpPr>
-        <p:spPr/>
-        <p:txBody>
-          <a:bodyPr/>
-          <a:lstStyle/>
-          <a:p>
-            <a:fld id="{C503DA3A-0C6B-48FC-931E-2C786AAFD5C1}" type="slidenum">
-              <a:rPr lang="en-US" altLang="nl-NL" smtClean="0"/>
-              <a:pPr/>
-              <a:t>6</a:t>
-            </a:fld>
-            <a:endParaRPr lang="en-US" altLang="nl-NL"/>
-          </a:p>
-        </p:txBody>
-      </p:sp>
-    </p:spTree>
-    <p:extLst>
-      <p:ext uri="{BB962C8B-B14F-4D97-AF65-F5344CB8AC3E}">
-        <p14:creationId xmlns:p14="http://schemas.microsoft.com/office/powerpoint/2010/main" val="1028867880"/>
-      </p:ext>
-    </p:extLst>
-  </p:cSld>
-  <p:clrMapOvr>
-    <a:masterClrMapping/>
-  </p:clrMapOvr>
-</p:sld>
-</file>
-
-<file path=ppt/slides/slide7.xml><?xml version="1.0" encoding="utf-8"?>
-<p:sld xmlns:a="http://schemas.openxmlformats.org/drawingml/2006/main" xmlns:r="http://schemas.openxmlformats.org/officeDocument/2006/relationships" xmlns:p="http://schemas.openxmlformats.org/presentationml/2006/main">
-  <p:cSld>
-    <p:spTree>
-      <p:nvGrpSpPr>
-        <p:cNvPr id="1" name=""/>
-        <p:cNvGrpSpPr/>
-        <p:nvPr/>
-      </p:nvGrpSpPr>
-      <p:grpSpPr>
-        <a:xfrm>
-          <a:off x="0" y="0"/>
-          <a:ext cx="0" cy="0"/>
-          <a:chOff x="0" y="0"/>
-          <a:chExt cx="0" cy="0"/>
-        </a:xfrm>
-      </p:grpSpPr>
-      <p:sp>
-        <p:nvSpPr>
-          <p:cNvPr id="2" name="Titolo 1"/>
-          <p:cNvSpPr>
-            <a:spLocks noGrp="1"/>
-          </p:cNvSpPr>
-          <p:nvPr>
-            <p:ph type="title"/>
-          </p:nvPr>
-        </p:nvSpPr>
-        <p:spPr/>
-        <p:txBody>
-          <a:bodyPr/>
-          <a:lstStyle/>
-          <a:p>
-            <a:r>
-              <a:rPr lang="it-IT" dirty="0" err="1"/>
-              <a:t>Interfermoetria</a:t>
-            </a:r>
-            <a:r>
-              <a:rPr lang="it-IT" dirty="0"/>
-              <a:t> self-mixing</a:t>
-            </a:r>
           </a:p>
         </p:txBody>
       </p:sp>
@@ -8677,7 +8379,15 @@
             <a:pPr lvl="1"/>
             <a:r>
               <a:rPr lang="it-IT" sz="2000" dirty="0" smtClean="0"/>
-              <a:t>rientrando nella cavità laser genera interferenza con l’onda già  presente.</a:t>
+              <a:t>rientrando nella cavità laser genera interferenza con l’onda già </a:t>
+            </a:r>
+            <a:r>
+              <a:rPr lang="it-IT" sz="2000" dirty="0" smtClean="0"/>
+              <a:t>presente</a:t>
+            </a:r>
+            <a:r>
+              <a:rPr lang="it-IT" sz="2000" dirty="0" smtClean="0"/>
+              <a:t>.</a:t>
             </a:r>
           </a:p>
           <a:p>
@@ -8734,7 +8444,7 @@
             <a:fld id="{C503DA3A-0C6B-48FC-931E-2C786AAFD5C1}" type="slidenum">
               <a:rPr lang="en-US" altLang="nl-NL" smtClean="0"/>
               <a:pPr/>
-              <a:t>7</a:t>
+              <a:t>6</a:t>
             </a:fld>
             <a:endParaRPr lang="en-US" altLang="nl-NL"/>
           </a:p>
@@ -8792,8 +8502,8 @@
         </p:blipFill>
         <p:spPr>
           <a:xfrm>
-            <a:off x="5107459" y="4858068"/>
-            <a:ext cx="3416415" cy="1583921"/>
+            <a:off x="5357813" y="5041483"/>
+            <a:ext cx="3100388" cy="1437404"/>
           </a:xfrm>
           <a:prstGeom prst="rect">
             <a:avLst/>
@@ -8821,8 +8531,8 @@
 </p:sld>
 </file>
 
-<file path=ppt/slides/slide8.xml><?xml version="1.0" encoding="utf-8"?>
-<p:sld xmlns:a="http://schemas.openxmlformats.org/drawingml/2006/main" xmlns:r="http://schemas.openxmlformats.org/officeDocument/2006/relationships" xmlns:p="http://schemas.openxmlformats.org/presentationml/2006/main" show="0">
+<file path=ppt/slides/slide7.xml><?xml version="1.0" encoding="utf-8"?>
+<p:sld xmlns:a="http://schemas.openxmlformats.org/drawingml/2006/main" xmlns:r="http://schemas.openxmlformats.org/officeDocument/2006/relationships" xmlns:p="http://schemas.openxmlformats.org/presentationml/2006/main">
   <p:cSld>
     <p:spTree>
       <p:nvGrpSpPr>
@@ -8854,13 +8564,10 @@
           <a:lstStyle/>
           <a:p>
             <a:r>
-              <a:rPr lang="it-IT" dirty="0" err="1"/>
-              <a:t>Interfermoetria</a:t>
-            </a:r>
-            <a:r>
-              <a:rPr lang="it-IT" dirty="0"/>
-              <a:t> self-mixing</a:t>
-            </a:r>
+              <a:rPr lang="it-IT" dirty="0" smtClean="0"/>
+              <a:t>Indice</a:t>
+            </a:r>
+            <a:endParaRPr lang="it-IT" dirty="0"/>
           </a:p>
         </p:txBody>
       </p:sp>
@@ -8874,74 +8581,252 @@
             <p:ph idx="1"/>
           </p:nvPr>
         </p:nvSpPr>
-        <p:spPr/>
+        <p:spPr>
+          <a:xfrm>
+            <a:off x="685800" y="1143000"/>
+            <a:ext cx="7758113" cy="5200650"/>
+          </a:xfrm>
+        </p:spPr>
         <p:txBody>
           <a:bodyPr/>
           <a:lstStyle/>
           <a:p>
             <a:r>
+              <a:rPr lang="it-IT" sz="2400" dirty="0" smtClean="0">
+                <a:solidFill>
+                  <a:schemeClr val="bg2">
+                    <a:lumMod val="40000"/>
+                    <a:lumOff val="60000"/>
+                  </a:schemeClr>
+                </a:solidFill>
+              </a:rPr>
+              <a:t>Cos’è l’interferometria</a:t>
+            </a:r>
+          </a:p>
+          <a:p>
+            <a:pPr lvl="1"/>
+            <a:r>
+              <a:rPr lang="it-IT" sz="2000" dirty="0" smtClean="0">
+                <a:solidFill>
+                  <a:schemeClr val="bg2">
+                    <a:lumMod val="40000"/>
+                    <a:lumOff val="60000"/>
+                  </a:schemeClr>
+                </a:solidFill>
+              </a:rPr>
+              <a:t>Interferometria tradizionale</a:t>
+            </a:r>
+          </a:p>
+          <a:p>
+            <a:pPr lvl="1"/>
+            <a:r>
+              <a:rPr lang="it-IT" sz="2000" dirty="0" smtClean="0">
+                <a:solidFill>
+                  <a:schemeClr val="bg2">
+                    <a:lumMod val="40000"/>
+                    <a:lumOff val="60000"/>
+                  </a:schemeClr>
+                </a:solidFill>
+              </a:rPr>
+              <a:t>Interferometria a self-mixing</a:t>
+            </a:r>
+          </a:p>
+          <a:p>
+            <a:r>
               <a:rPr lang="it-IT" sz="2400" dirty="0" smtClean="0"/>
-              <a:t>L’architettura a self-mixing è </a:t>
-            </a:r>
-            <a:br>
+              <a:t>Architettura hardware</a:t>
+            </a:r>
+          </a:p>
+          <a:p>
+            <a:pPr lvl="1"/>
+            <a:r>
+              <a:rPr lang="it-IT" sz="2000" dirty="0" smtClean="0"/>
+              <a:t>Parte analogica</a:t>
+            </a:r>
+          </a:p>
+          <a:p>
+            <a:pPr lvl="1"/>
+            <a:r>
+              <a:rPr lang="it-IT" sz="2000" dirty="0"/>
+              <a:t>Parte di </a:t>
+            </a:r>
+            <a:r>
+              <a:rPr lang="it-IT" sz="2000" dirty="0" smtClean="0"/>
+              <a:t>conversione</a:t>
+            </a:r>
+            <a:endParaRPr lang="it-IT" sz="2000" dirty="0" smtClean="0"/>
+          </a:p>
+          <a:p>
+            <a:pPr lvl="1"/>
+            <a:r>
+              <a:rPr lang="it-IT" sz="2000" dirty="0" smtClean="0"/>
+              <a:t>Parte </a:t>
+            </a:r>
+            <a:r>
+              <a:rPr lang="it-IT" sz="2000" dirty="0" smtClean="0"/>
+              <a:t>digitale</a:t>
+            </a:r>
+          </a:p>
+          <a:p>
+            <a:r>
               <a:rPr lang="it-IT" sz="2400" dirty="0" smtClean="0"/>
-            </a:br>
+              <a:t>Architettura </a:t>
+            </a:r>
             <a:r>
               <a:rPr lang="it-IT" sz="2400" dirty="0" smtClean="0"/>
-              <a:t>formata</a:t>
-            </a:r>
+              <a:t>software</a:t>
+            </a:r>
+          </a:p>
+          <a:p>
+            <a:pPr lvl="1"/>
+            <a:r>
+              <a:rPr lang="it-IT" sz="2000" dirty="0" smtClean="0"/>
+              <a:t>FPGA</a:t>
+            </a:r>
+            <a:endParaRPr lang="it-IT" sz="2000" dirty="0" smtClean="0"/>
+          </a:p>
+          <a:p>
+            <a:pPr lvl="1"/>
+            <a:r>
+              <a:rPr lang="it-IT" sz="2000" dirty="0" smtClean="0"/>
+              <a:t>Microcontrollore</a:t>
+            </a:r>
+            <a:endParaRPr lang="it-IT" sz="2000" dirty="0" smtClean="0"/>
+          </a:p>
+          <a:p>
+            <a:pPr lvl="1"/>
+            <a:r>
+              <a:rPr lang="it-IT" sz="2000" dirty="0" smtClean="0"/>
+              <a:t>Analisi degli algoritmi</a:t>
+            </a:r>
+          </a:p>
+          <a:p>
             <a:r>
               <a:rPr lang="it-IT" sz="2400" dirty="0"/>
-              <a:t> </a:t>
-            </a:r>
+              <a:t>Risultati sperimentali</a:t>
+            </a:r>
+          </a:p>
+          <a:p>
+            <a:r>
+              <a:rPr lang="it-IT" sz="2400" dirty="0"/>
+              <a:t>Sviluppi futuri e conclusioni</a:t>
+            </a:r>
+          </a:p>
+        </p:txBody>
+      </p:sp>
+      <p:sp>
+        <p:nvSpPr>
+          <p:cNvPr id="4" name="Segnaposto numero diapositiva 3"/>
+          <p:cNvSpPr>
+            <a:spLocks noGrp="1"/>
+          </p:cNvSpPr>
+          <p:nvPr>
+            <p:ph type="sldNum" sz="quarter" idx="11"/>
+          </p:nvPr>
+        </p:nvSpPr>
+        <p:spPr/>
+        <p:txBody>
+          <a:bodyPr/>
+          <a:lstStyle/>
+          <a:p>
+            <a:fld id="{C503DA3A-0C6B-48FC-931E-2C786AAFD5C1}" type="slidenum">
+              <a:rPr lang="en-US" altLang="nl-NL" smtClean="0"/>
+              <a:pPr/>
+              <a:t>7</a:t>
+            </a:fld>
+            <a:endParaRPr lang="en-US" altLang="nl-NL"/>
+          </a:p>
+        </p:txBody>
+      </p:sp>
+    </p:spTree>
+    <p:extLst>
+      <p:ext uri="{BB962C8B-B14F-4D97-AF65-F5344CB8AC3E}">
+        <p14:creationId xmlns:p14="http://schemas.microsoft.com/office/powerpoint/2010/main" val="1084510834"/>
+      </p:ext>
+    </p:extLst>
+  </p:cSld>
+  <p:clrMapOvr>
+    <a:masterClrMapping/>
+  </p:clrMapOvr>
+</p:sld>
+</file>
+
+<file path=ppt/slides/slide8.xml><?xml version="1.0" encoding="utf-8"?>
+<p:sld xmlns:a="http://schemas.openxmlformats.org/drawingml/2006/main" xmlns:r="http://schemas.openxmlformats.org/officeDocument/2006/relationships" xmlns:p="http://schemas.openxmlformats.org/presentationml/2006/main">
+  <p:cSld>
+    <p:spTree>
+      <p:nvGrpSpPr>
+        <p:cNvPr id="1" name=""/>
+        <p:cNvGrpSpPr/>
+        <p:nvPr/>
+      </p:nvGrpSpPr>
+      <p:grpSpPr>
+        <a:xfrm>
+          <a:off x="0" y="0"/>
+          <a:ext cx="0" cy="0"/>
+          <a:chOff x="0" y="0"/>
+          <a:chExt cx="0" cy="0"/>
+        </a:xfrm>
+      </p:grpSpPr>
+      <p:sp>
+        <p:nvSpPr>
+          <p:cNvPr id="2" name="Titolo 1"/>
+          <p:cNvSpPr>
+            <a:spLocks noGrp="1"/>
+          </p:cNvSpPr>
+          <p:nvPr>
+            <p:ph type="title"/>
+          </p:nvPr>
+        </p:nvSpPr>
+        <p:spPr/>
+        <p:txBody>
+          <a:bodyPr/>
+          <a:lstStyle/>
+          <a:p>
+            <a:r>
+              <a:rPr lang="it-IT" dirty="0" smtClean="0"/>
+              <a:t>Architettura hardware</a:t>
+            </a:r>
+            <a:endParaRPr lang="it-IT" dirty="0"/>
+          </a:p>
+        </p:txBody>
+      </p:sp>
+      <p:sp>
+        <p:nvSpPr>
+          <p:cNvPr id="3" name="Segnaposto contenuto 2"/>
+          <p:cNvSpPr>
+            <a:spLocks noGrp="1"/>
+          </p:cNvSpPr>
+          <p:nvPr>
+            <p:ph idx="1"/>
+          </p:nvPr>
+        </p:nvSpPr>
+        <p:spPr/>
+        <p:txBody>
+          <a:bodyPr/>
+          <a:lstStyle/>
+          <a:p>
             <a:r>
               <a:rPr lang="it-IT" sz="2400" dirty="0" smtClean="0"/>
-              <a:t>da un fotodiodo, una </a:t>
-            </a:r>
-            <a:br>
+              <a:t>Lo strumento è formato da una parte analogica, sviluppata internamente al laboratorio dall’ing. Samuele Disegna, e da una parte digitale, fornita da National Instruments.</a:t>
+            </a:r>
+          </a:p>
+          <a:p>
+            <a:r>
               <a:rPr lang="it-IT" sz="2400" dirty="0" smtClean="0"/>
-            </a:br>
-            <a:r>
-              <a:rPr lang="it-IT" sz="2400" dirty="0" err="1" smtClean="0"/>
-              <a:t>serogente</a:t>
-            </a:r>
+              <a:t>La parte analogica si occupa (??)</a:t>
+            </a:r>
+          </a:p>
+          <a:p>
             <a:r>
               <a:rPr lang="it-IT" sz="2400" dirty="0" smtClean="0"/>
-              <a:t> </a:t>
-            </a:r>
-            <a:r>
-              <a:rPr lang="it-IT" sz="2400" dirty="0" err="1" smtClean="0"/>
-              <a:t>lasered</a:t>
-            </a:r>
+              <a:t>La parte digitale si occupa dell’elaborazione numerica del segnale acquisito</a:t>
+            </a:r>
+          </a:p>
+          <a:p>
             <a:r>
               <a:rPr lang="it-IT" sz="2400" dirty="0" smtClean="0"/>
-              <a:t> una lente. </a:t>
-            </a:r>
-            <a:br>
-              <a:rPr lang="it-IT" sz="2400" dirty="0" smtClean="0"/>
-            </a:br>
-            <a:r>
-              <a:rPr lang="it-IT" sz="2400" dirty="0" smtClean="0"/>
-              <a:t>Per la misura di distanza si sfrutta la porzione di fascio riflesso dal bersaglio, che rientrando nella cavità laser genera interferenza con l’onda già presente. L’interferenza genera sia un cambiamento di fase che di ampiezza. Lo sfasamento è calcolabile</a:t>
-            </a:r>
-            <a:br>
-              <a:rPr lang="it-IT" sz="2400" dirty="0" smtClean="0"/>
-            </a:br>
-            <a:r>
-              <a:rPr lang="it-IT" sz="2400" dirty="0" smtClean="0"/>
-              <a:t>                                            come </a:t>
-            </a:r>
-            <a:r>
-              <a:rPr lang="el-GR" sz="2400" dirty="0"/>
-              <a:t>ϕ =2</a:t>
-            </a:r>
-            <a:r>
-              <a:rPr lang="it-IT" sz="2400" dirty="0" err="1" smtClean="0"/>
-              <a:t>ks</a:t>
-            </a:r>
-            <a:r>
-              <a:rPr lang="it-IT" sz="2400" dirty="0" smtClean="0"/>
-              <a:t>. </a:t>
+              <a:t>I due mondi sono interfacciati da una scheda di conversione, equipaggiata con un DAC ed un ADC comandati dalla scheda digitale.</a:t>
             </a:r>
             <a:endParaRPr lang="it-IT" sz="2400" dirty="0"/>
           </a:p>
@@ -8971,84 +8856,16 @@
           </a:p>
         </p:txBody>
       </p:sp>
-      <p:pic>
-        <p:nvPicPr>
-          <p:cNvPr id="5" name="Immagine 4"/>
-          <p:cNvPicPr>
-            <a:picLocks noChangeAspect="1"/>
-          </p:cNvPicPr>
-          <p:nvPr/>
-        </p:nvPicPr>
-        <p:blipFill>
-          <a:blip r:embed="rId2">
-            <a:extLst>
-              <a:ext uri="{28A0092B-C50C-407E-A947-70E740481C1C}">
-                <a14:useLocalDpi xmlns:a14="http://schemas.microsoft.com/office/drawing/2010/main" val="0"/>
-              </a:ext>
-            </a:extLst>
-          </a:blip>
-          <a:stretch>
-            <a:fillRect/>
-          </a:stretch>
-        </p:blipFill>
-        <p:spPr>
-          <a:xfrm>
-            <a:off x="5181143" y="1143000"/>
-            <a:ext cx="3277057" cy="1066800"/>
-          </a:xfrm>
-          <a:prstGeom prst="rect">
-            <a:avLst/>
-          </a:prstGeom>
-        </p:spPr>
-      </p:pic>
-      <p:pic>
-        <p:nvPicPr>
-          <p:cNvPr id="6" name="Immagine 5"/>
-          <p:cNvPicPr>
-            <a:picLocks noChangeAspect="1"/>
-          </p:cNvPicPr>
-          <p:nvPr/>
-        </p:nvPicPr>
-        <p:blipFill>
-          <a:blip r:embed="rId3">
-            <a:extLst>
-              <a:ext uri="{28A0092B-C50C-407E-A947-70E740481C1C}">
-                <a14:useLocalDpi xmlns:a14="http://schemas.microsoft.com/office/drawing/2010/main" val="0"/>
-              </a:ext>
-            </a:extLst>
-          </a:blip>
-          <a:stretch>
-            <a:fillRect/>
-          </a:stretch>
-        </p:blipFill>
-        <p:spPr>
-          <a:xfrm>
-            <a:off x="609600" y="4148548"/>
-            <a:ext cx="4200525" cy="1947452"/>
-          </a:xfrm>
-          <a:prstGeom prst="rect">
-            <a:avLst/>
-          </a:prstGeom>
-        </p:spPr>
-      </p:pic>
     </p:spTree>
     <p:extLst>
       <p:ext uri="{BB962C8B-B14F-4D97-AF65-F5344CB8AC3E}">
-        <p14:creationId xmlns:p14="http://schemas.microsoft.com/office/powerpoint/2010/main" val="4202686"/>
+        <p14:creationId xmlns:p14="http://schemas.microsoft.com/office/powerpoint/2010/main" val="161935272"/>
       </p:ext>
     </p:extLst>
   </p:cSld>
   <p:clrMapOvr>
     <a:masterClrMapping/>
   </p:clrMapOvr>
-  <mc:AlternateContent xmlns:mc="http://schemas.openxmlformats.org/markup-compatibility/2006" xmlns:p14="http://schemas.microsoft.com/office/powerpoint/2010/main">
-    <mc:Choice Requires="p14">
-      <p:transition spd="slow" p14:dur="2000"/>
-    </mc:Choice>
-    <mc:Fallback xmlns="">
-      <p:transition spd="slow"/>
-    </mc:Fallback>
-  </mc:AlternateContent>
 </p:sld>
 </file>
 
@@ -9086,7 +8903,7 @@
           <a:p>
             <a:r>
               <a:rPr lang="it-IT" dirty="0" smtClean="0"/>
-              <a:t>Indice</a:t>
+              <a:t>Parte analogica</a:t>
             </a:r>
             <a:endParaRPr lang="it-IT" dirty="0"/>
           </a:p>
@@ -9108,110 +8925,10 @@
           <a:lstStyle/>
           <a:p>
             <a:r>
-              <a:rPr lang="it-IT" sz="2400" dirty="0" smtClean="0">
-                <a:solidFill>
-                  <a:schemeClr val="bg2">
-                    <a:lumMod val="40000"/>
-                    <a:lumOff val="60000"/>
-                  </a:schemeClr>
-                </a:solidFill>
-              </a:rPr>
-              <a:t>Cos’è l’interferometria</a:t>
-            </a:r>
-          </a:p>
-          <a:p>
-            <a:pPr lvl="1"/>
-            <a:r>
-              <a:rPr lang="it-IT" sz="2000" dirty="0" smtClean="0">
-                <a:solidFill>
-                  <a:schemeClr val="bg2">
-                    <a:lumMod val="40000"/>
-                    <a:lumOff val="60000"/>
-                  </a:schemeClr>
-                </a:solidFill>
-              </a:rPr>
-              <a:t>Interferometria tradizionale</a:t>
-            </a:r>
-          </a:p>
-          <a:p>
-            <a:pPr lvl="1"/>
-            <a:r>
-              <a:rPr lang="it-IT" sz="2000" dirty="0" smtClean="0">
-                <a:solidFill>
-                  <a:schemeClr val="bg2">
-                    <a:lumMod val="40000"/>
-                    <a:lumOff val="60000"/>
-                  </a:schemeClr>
-                </a:solidFill>
-              </a:rPr>
-              <a:t>Interferometria a self-mixing</a:t>
-            </a:r>
-          </a:p>
-          <a:p>
-            <a:r>
-              <a:rPr lang="it-IT" sz="2400" dirty="0" smtClean="0"/>
-              <a:t>Architettura hardware</a:t>
-            </a:r>
-          </a:p>
-          <a:p>
-            <a:pPr lvl="1"/>
-            <a:r>
-              <a:rPr lang="it-IT" sz="2000" dirty="0" smtClean="0"/>
-              <a:t>Parte analogica</a:t>
-            </a:r>
-          </a:p>
-          <a:p>
-            <a:pPr lvl="1"/>
-            <a:r>
-              <a:rPr lang="it-IT" sz="2000" dirty="0" smtClean="0"/>
-              <a:t>Parte digitale</a:t>
-            </a:r>
-          </a:p>
-          <a:p>
-            <a:pPr lvl="1"/>
-            <a:r>
-              <a:rPr lang="it-IT" sz="2000" dirty="0" smtClean="0"/>
-              <a:t>Scheda di conversione</a:t>
-            </a:r>
-          </a:p>
-          <a:p>
-            <a:r>
-              <a:rPr lang="it-IT" sz="2400" dirty="0" smtClean="0"/>
-              <a:t>Architettura software</a:t>
-            </a:r>
-          </a:p>
-          <a:p>
-            <a:pPr lvl="1"/>
-            <a:r>
-              <a:rPr lang="it-IT" sz="2000" dirty="0" smtClean="0"/>
-              <a:t>Firmware FPGA</a:t>
-            </a:r>
-          </a:p>
-          <a:p>
-            <a:pPr lvl="1"/>
-            <a:r>
-              <a:rPr lang="it-IT" sz="2000" dirty="0" smtClean="0"/>
-              <a:t>Firmware microcontrollore</a:t>
-            </a:r>
-          </a:p>
-          <a:p>
-            <a:pPr lvl="1"/>
-            <a:r>
-              <a:rPr lang="it-IT" sz="2000" dirty="0" smtClean="0"/>
-              <a:t>Analisi degli algoritmi</a:t>
-            </a:r>
-          </a:p>
-          <a:p>
-            <a:r>
-              <a:rPr lang="it-IT" sz="2400" dirty="0"/>
-              <a:t>Risultati sperimentali</a:t>
-            </a:r>
-          </a:p>
-          <a:p>
-            <a:r>
-              <a:rPr lang="it-IT" sz="2400" dirty="0"/>
-              <a:t>Sviluppi futuri e conclusioni</a:t>
-            </a:r>
+              <a:rPr lang="it-IT" dirty="0" smtClean="0"/>
+              <a:t>TODO</a:t>
+            </a:r>
+            <a:endParaRPr lang="it-IT" dirty="0"/>
           </a:p>
         </p:txBody>
       </p:sp>
@@ -9242,7 +8959,7 @@
     </p:spTree>
     <p:extLst>
       <p:ext uri="{BB962C8B-B14F-4D97-AF65-F5344CB8AC3E}">
-        <p14:creationId xmlns:p14="http://schemas.microsoft.com/office/powerpoint/2010/main" val="1084510834"/>
+        <p14:creationId xmlns:p14="http://schemas.microsoft.com/office/powerpoint/2010/main" val="1662984036"/>
       </p:ext>
     </p:extLst>
   </p:cSld>
@@ -9355,12 +9072,6 @@
 </file>
 
 <file path=ppt/tags/tag23.xml><?xml version="1.0" encoding="utf-8"?>
-<p:tagLst xmlns:a="http://schemas.openxmlformats.org/drawingml/2006/main" xmlns:r="http://schemas.openxmlformats.org/officeDocument/2006/relationships" xmlns:p="http://schemas.openxmlformats.org/presentationml/2006/main">
-  <p:tag name="DVSHAPEID" val="L4MeKtVTEbbHYb01KwwGv9"/>
-</p:tagLst>
-</file>
-
-<file path=ppt/tags/tag24.xml><?xml version="1.0" encoding="utf-8"?>
 <p:tagLst xmlns:a="http://schemas.openxmlformats.org/drawingml/2006/main" xmlns:r="http://schemas.openxmlformats.org/officeDocument/2006/relationships" xmlns:p="http://schemas.openxmlformats.org/presentationml/2006/main">
   <p:tag name="DVSHAPEID" val="mvKRd28LyF4Yd1Yc6OU13Y"/>
 </p:tagLst>

--- a/presentazione_discussione.pptx
+++ b/presentazione_discussione.pptx
@@ -5,39 +5,38 @@
     <p:sldMasterId id="2147483652" r:id="rId4"/>
   </p:sldMasterIdLst>
   <p:notesMasterIdLst>
-    <p:notesMasterId r:id="rId27"/>
+    <p:notesMasterId r:id="rId26"/>
   </p:notesMasterIdLst>
   <p:handoutMasterIdLst>
-    <p:handoutMasterId r:id="rId28"/>
+    <p:handoutMasterId r:id="rId27"/>
   </p:handoutMasterIdLst>
   <p:sldIdLst>
     <p:sldId id="277" r:id="rId5"/>
     <p:sldId id="278" r:id="rId6"/>
     <p:sldId id="279" r:id="rId7"/>
-    <p:sldId id="298" r:id="rId8"/>
-    <p:sldId id="281" r:id="rId9"/>
-    <p:sldId id="299" r:id="rId10"/>
-    <p:sldId id="283" r:id="rId11"/>
-    <p:sldId id="284" r:id="rId12"/>
-    <p:sldId id="285" r:id="rId13"/>
-    <p:sldId id="287" r:id="rId14"/>
-    <p:sldId id="286" r:id="rId15"/>
-    <p:sldId id="288" r:id="rId16"/>
-    <p:sldId id="289" r:id="rId17"/>
-    <p:sldId id="290" r:id="rId18"/>
-    <p:sldId id="291" r:id="rId19"/>
-    <p:sldId id="292" r:id="rId20"/>
-    <p:sldId id="293" r:id="rId21"/>
-    <p:sldId id="294" r:id="rId22"/>
-    <p:sldId id="295" r:id="rId23"/>
-    <p:sldId id="297" r:id="rId24"/>
-    <p:sldId id="296" r:id="rId25"/>
-    <p:sldId id="300" r:id="rId26"/>
+    <p:sldId id="301" r:id="rId8"/>
+    <p:sldId id="302" r:id="rId9"/>
+    <p:sldId id="283" r:id="rId10"/>
+    <p:sldId id="284" r:id="rId11"/>
+    <p:sldId id="285" r:id="rId12"/>
+    <p:sldId id="287" r:id="rId13"/>
+    <p:sldId id="286" r:id="rId14"/>
+    <p:sldId id="288" r:id="rId15"/>
+    <p:sldId id="289" r:id="rId16"/>
+    <p:sldId id="290" r:id="rId17"/>
+    <p:sldId id="291" r:id="rId18"/>
+    <p:sldId id="292" r:id="rId19"/>
+    <p:sldId id="293" r:id="rId20"/>
+    <p:sldId id="294" r:id="rId21"/>
+    <p:sldId id="295" r:id="rId22"/>
+    <p:sldId id="297" r:id="rId23"/>
+    <p:sldId id="296" r:id="rId24"/>
+    <p:sldId id="300" r:id="rId25"/>
   </p:sldIdLst>
   <p:sldSz cx="9144000" cy="6858000" type="screen4x3"/>
   <p:notesSz cx="7099300" cy="10234613"/>
   <p:custDataLst>
-    <p:tags r:id="rId29"/>
+    <p:tags r:id="rId28"/>
   </p:custDataLst>
   <p:defaultTextStyle>
     <a:defPPr>
@@ -5128,11 +5127,7 @@
             </a:r>
             <a:r>
               <a:rPr lang="en-US" altLang="nl-NL" dirty="0" smtClean="0"/>
-              <a:t> </a:t>
-            </a:r>
-            <a:r>
-              <a:rPr lang="en-US" altLang="nl-NL" dirty="0" smtClean="0"/>
-              <a:t>firmware per </a:t>
+              <a:t> firmware per </a:t>
             </a:r>
             <a:r>
               <a:rPr lang="en-US" altLang="nl-NL" dirty="0" err="1" smtClean="0"/>
@@ -5205,28 +5200,16 @@
               <a:rPr lang="it-IT" sz="1800" dirty="0" smtClean="0"/>
               <a:t>, matricola 816646</a:t>
             </a:r>
-            <a:r>
-              <a:rPr lang="it-IT" sz="1800" dirty="0" smtClean="0"/>
-              <a:t/>
-            </a:r>
             <a:br>
               <a:rPr lang="it-IT" sz="1800" dirty="0" smtClean="0"/>
             </a:br>
             <a:r>
               <a:rPr lang="it-IT" sz="1800" b="1" dirty="0" smtClean="0"/>
-              <a:t>Diego </a:t>
-            </a:r>
-            <a:r>
-              <a:rPr lang="it-IT" sz="1800" b="1" dirty="0" smtClean="0"/>
-              <a:t>Rondelli</a:t>
+              <a:t>Diego Rondelli</a:t>
             </a:r>
             <a:r>
               <a:rPr lang="it-IT" sz="1800" dirty="0" smtClean="0"/>
-              <a:t>, matricola </a:t>
-            </a:r>
-            <a:r>
-              <a:rPr lang="it-IT" sz="1800" dirty="0" smtClean="0"/>
-              <a:t>817108</a:t>
+              <a:t>, matricola 817108</a:t>
             </a:r>
           </a:p>
           <a:p>
@@ -5291,11 +5274,7 @@
           <a:p>
             <a:r>
               <a:rPr lang="it-IT" dirty="0" smtClean="0"/>
-              <a:t>Parte di </a:t>
-            </a:r>
-            <a:r>
-              <a:rPr lang="it-IT" dirty="0" smtClean="0"/>
-              <a:t>conversione</a:t>
+              <a:t>Parte digitale</a:t>
             </a:r>
             <a:endParaRPr lang="it-IT" dirty="0"/>
           </a:p>
@@ -5317,10 +5296,93 @@
           <a:lstStyle/>
           <a:p>
             <a:r>
-              <a:rPr lang="it-IT" dirty="0" smtClean="0"/>
-              <a:t>TODO</a:t>
-            </a:r>
-            <a:endParaRPr lang="it-IT" dirty="0"/>
+              <a:rPr lang="it-IT" sz="2400" dirty="0" smtClean="0"/>
+              <a:t>La parte digitale del sensore è costituita da una scheda di sviluppo NI </a:t>
+            </a:r>
+            <a:r>
+              <a:rPr lang="it-IT" sz="2400" dirty="0" err="1" smtClean="0"/>
+              <a:t>sbRIO</a:t>
+            </a:r>
+            <a:r>
+              <a:rPr lang="it-IT" sz="2400" dirty="0" smtClean="0"/>
+              <a:t> 9636</a:t>
+            </a:r>
+          </a:p>
+          <a:p>
+            <a:r>
+              <a:rPr lang="it-IT" sz="2400" dirty="0" smtClean="0"/>
+              <a:t>La scheda è equipaggiata con un’FPGA ed un microcontrollore</a:t>
+            </a:r>
+          </a:p>
+          <a:p>
+            <a:r>
+              <a:rPr lang="it-IT" sz="2400" dirty="0" smtClean="0"/>
+              <a:t>L’FPGA si occupa di </a:t>
+            </a:r>
+            <a:br>
+              <a:rPr lang="it-IT" sz="2400" dirty="0" smtClean="0"/>
+            </a:br>
+            <a:r>
+              <a:rPr lang="it-IT" sz="2400" dirty="0" smtClean="0"/>
+              <a:t>comandare la scheda di </a:t>
+            </a:r>
+            <a:r>
+              <a:rPr lang="it-IT" sz="2400" dirty="0"/>
+              <a:t/>
+            </a:r>
+            <a:br>
+              <a:rPr lang="it-IT" sz="2400" dirty="0"/>
+            </a:br>
+            <a:r>
+              <a:rPr lang="it-IT" sz="2400" dirty="0" smtClean="0"/>
+              <a:t>conversione, di calcolare </a:t>
+            </a:r>
+            <a:r>
+              <a:rPr lang="it-IT" sz="2400" dirty="0"/>
+              <a:t/>
+            </a:r>
+            <a:br>
+              <a:rPr lang="it-IT" sz="2400" dirty="0"/>
+            </a:br>
+            <a:r>
+              <a:rPr lang="it-IT" sz="2400" dirty="0" smtClean="0"/>
+              <a:t>l’FFT del segnale acquisito e </a:t>
+            </a:r>
+            <a:br>
+              <a:rPr lang="it-IT" sz="2400" dirty="0" smtClean="0"/>
+            </a:br>
+            <a:r>
+              <a:rPr lang="it-IT" sz="2400" dirty="0" smtClean="0"/>
+              <a:t>dell’estrazione del tono </a:t>
+            </a:r>
+            <a:br>
+              <a:rPr lang="it-IT" sz="2400" dirty="0" smtClean="0"/>
+            </a:br>
+            <a:r>
+              <a:rPr lang="it-IT" sz="2400" dirty="0" smtClean="0"/>
+              <a:t>fondamentale del segnale</a:t>
+            </a:r>
+          </a:p>
+          <a:p>
+            <a:r>
+              <a:rPr lang="it-IT" sz="2400" dirty="0" smtClean="0"/>
+              <a:t>Il microcontrollore si </a:t>
+            </a:r>
+            <a:br>
+              <a:rPr lang="it-IT" sz="2400" dirty="0" smtClean="0"/>
+            </a:br>
+            <a:r>
+              <a:rPr lang="it-IT" sz="2400" dirty="0" smtClean="0"/>
+              <a:t>occupa del calcolo del bin </a:t>
+            </a:r>
+            <a:br>
+              <a:rPr lang="it-IT" sz="2400" dirty="0" smtClean="0"/>
+            </a:br>
+            <a:r>
+              <a:rPr lang="it-IT" sz="2400" dirty="0" smtClean="0"/>
+              <a:t>interpolato e del calcolo della distanza </a:t>
+            </a:r>
+            <a:endParaRPr lang="it-IT" sz="2400" dirty="0"/>
           </a:p>
         </p:txBody>
       </p:sp>
@@ -5343,189 +5405,6 @@
               <a:rPr lang="en-US" altLang="nl-NL" smtClean="0"/>
               <a:pPr/>
               <a:t>10</a:t>
-            </a:fld>
-            <a:endParaRPr lang="en-US" altLang="nl-NL"/>
-          </a:p>
-        </p:txBody>
-      </p:sp>
-    </p:spTree>
-    <p:extLst>
-      <p:ext uri="{BB962C8B-B14F-4D97-AF65-F5344CB8AC3E}">
-        <p14:creationId xmlns:p14="http://schemas.microsoft.com/office/powerpoint/2010/main" val="2372177897"/>
-      </p:ext>
-    </p:extLst>
-  </p:cSld>
-  <p:clrMapOvr>
-    <a:masterClrMapping/>
-  </p:clrMapOvr>
-</p:sld>
-</file>
-
-<file path=ppt/slides/slide11.xml><?xml version="1.0" encoding="utf-8"?>
-<p:sld xmlns:a="http://schemas.openxmlformats.org/drawingml/2006/main" xmlns:r="http://schemas.openxmlformats.org/officeDocument/2006/relationships" xmlns:p="http://schemas.openxmlformats.org/presentationml/2006/main">
-  <p:cSld>
-    <p:spTree>
-      <p:nvGrpSpPr>
-        <p:cNvPr id="1" name=""/>
-        <p:cNvGrpSpPr/>
-        <p:nvPr/>
-      </p:nvGrpSpPr>
-      <p:grpSpPr>
-        <a:xfrm>
-          <a:off x="0" y="0"/>
-          <a:ext cx="0" cy="0"/>
-          <a:chOff x="0" y="0"/>
-          <a:chExt cx="0" cy="0"/>
-        </a:xfrm>
-      </p:grpSpPr>
-      <p:sp>
-        <p:nvSpPr>
-          <p:cNvPr id="2" name="Titolo 1"/>
-          <p:cNvSpPr>
-            <a:spLocks noGrp="1"/>
-          </p:cNvSpPr>
-          <p:nvPr>
-            <p:ph type="title"/>
-          </p:nvPr>
-        </p:nvSpPr>
-        <p:spPr/>
-        <p:txBody>
-          <a:bodyPr/>
-          <a:lstStyle/>
-          <a:p>
-            <a:r>
-              <a:rPr lang="it-IT" dirty="0" smtClean="0"/>
-              <a:t>Parte digitale</a:t>
-            </a:r>
-            <a:endParaRPr lang="it-IT" dirty="0"/>
-          </a:p>
-        </p:txBody>
-      </p:sp>
-      <p:sp>
-        <p:nvSpPr>
-          <p:cNvPr id="3" name="Segnaposto contenuto 2"/>
-          <p:cNvSpPr>
-            <a:spLocks noGrp="1"/>
-          </p:cNvSpPr>
-          <p:nvPr>
-            <p:ph idx="1"/>
-          </p:nvPr>
-        </p:nvSpPr>
-        <p:spPr/>
-        <p:txBody>
-          <a:bodyPr/>
-          <a:lstStyle/>
-          <a:p>
-            <a:r>
-              <a:rPr lang="it-IT" sz="2400" dirty="0" smtClean="0"/>
-              <a:t>La parte digitale del sensore è costituita da una scheda di sviluppo NI </a:t>
-            </a:r>
-            <a:r>
-              <a:rPr lang="it-IT" sz="2400" dirty="0" err="1" smtClean="0"/>
-              <a:t>sbRIO</a:t>
-            </a:r>
-            <a:r>
-              <a:rPr lang="it-IT" sz="2400" dirty="0" smtClean="0"/>
-              <a:t> 9636</a:t>
-            </a:r>
-          </a:p>
-          <a:p>
-            <a:r>
-              <a:rPr lang="it-IT" sz="2400" dirty="0" smtClean="0"/>
-              <a:t>La scheda è equipaggiata con un’FPGA ed un microcontrollore</a:t>
-            </a:r>
-          </a:p>
-          <a:p>
-            <a:r>
-              <a:rPr lang="it-IT" sz="2400" dirty="0" smtClean="0"/>
-              <a:t>L’FPGA si occupa di </a:t>
-            </a:r>
-            <a:br>
-              <a:rPr lang="it-IT" sz="2400" dirty="0" smtClean="0"/>
-            </a:br>
-            <a:r>
-              <a:rPr lang="it-IT" sz="2400" dirty="0" smtClean="0"/>
-              <a:t>comandare la scheda di </a:t>
-            </a:r>
-            <a:r>
-              <a:rPr lang="it-IT" sz="2400" dirty="0"/>
-              <a:t/>
-            </a:r>
-            <a:br>
-              <a:rPr lang="it-IT" sz="2400" dirty="0"/>
-            </a:br>
-            <a:r>
-              <a:rPr lang="it-IT" sz="2400" dirty="0" smtClean="0"/>
-              <a:t>conversione, di calcolare </a:t>
-            </a:r>
-            <a:r>
-              <a:rPr lang="it-IT" sz="2400" dirty="0"/>
-              <a:t/>
-            </a:r>
-            <a:br>
-              <a:rPr lang="it-IT" sz="2400" dirty="0"/>
-            </a:br>
-            <a:r>
-              <a:rPr lang="it-IT" sz="2400" dirty="0" smtClean="0"/>
-              <a:t>l’FFT del segnale acquisito e </a:t>
-            </a:r>
-            <a:br>
-              <a:rPr lang="it-IT" sz="2400" dirty="0" smtClean="0"/>
-            </a:br>
-            <a:r>
-              <a:rPr lang="it-IT" sz="2400" dirty="0" smtClean="0"/>
-              <a:t>dell’estrazione del tono </a:t>
-            </a:r>
-            <a:br>
-              <a:rPr lang="it-IT" sz="2400" dirty="0" smtClean="0"/>
-            </a:br>
-            <a:r>
-              <a:rPr lang="it-IT" sz="2400" dirty="0" smtClean="0"/>
-              <a:t>fondamentale del segnale</a:t>
-            </a:r>
-          </a:p>
-          <a:p>
-            <a:r>
-              <a:rPr lang="it-IT" sz="2400" dirty="0" smtClean="0"/>
-              <a:t>Il microcontrollore si </a:t>
-            </a:r>
-            <a:br>
-              <a:rPr lang="it-IT" sz="2400" dirty="0" smtClean="0"/>
-            </a:br>
-            <a:r>
-              <a:rPr lang="it-IT" sz="2400" dirty="0" smtClean="0"/>
-              <a:t>occupa del calcolo del bin </a:t>
-            </a:r>
-            <a:br>
-              <a:rPr lang="it-IT" sz="2400" dirty="0" smtClean="0"/>
-            </a:br>
-            <a:r>
-              <a:rPr lang="it-IT" sz="2400" dirty="0" smtClean="0"/>
-              <a:t>interpolato e del calcolo della distanza </a:t>
-            </a:r>
-            <a:endParaRPr lang="it-IT" sz="2400" dirty="0"/>
-          </a:p>
-        </p:txBody>
-      </p:sp>
-      <p:sp>
-        <p:nvSpPr>
-          <p:cNvPr id="4" name="Segnaposto numero diapositiva 3"/>
-          <p:cNvSpPr>
-            <a:spLocks noGrp="1"/>
-          </p:cNvSpPr>
-          <p:nvPr>
-            <p:ph type="sldNum" sz="quarter" idx="11"/>
-          </p:nvPr>
-        </p:nvSpPr>
-        <p:spPr/>
-        <p:txBody>
-          <a:bodyPr/>
-          <a:lstStyle/>
-          <a:p>
-            <a:fld id="{C503DA3A-0C6B-48FC-931E-2C786AAFD5C1}" type="slidenum">
-              <a:rPr lang="en-US" altLang="nl-NL" smtClean="0"/>
-              <a:pPr/>
-              <a:t>11</a:t>
             </a:fld>
             <a:endParaRPr lang="en-US" altLang="nl-NL"/>
           </a:p>
@@ -5571,6 +5450,252 @@
   <p:clrMapOvr>
     <a:masterClrMapping/>
   </p:clrMapOvr>
+  <p:timing>
+    <p:tnLst>
+      <p:par>
+        <p:cTn id="1" dur="indefinite" restart="never" nodeType="tmRoot"/>
+      </p:par>
+    </p:tnLst>
+  </p:timing>
+</p:sld>
+</file>
+
+<file path=ppt/slides/slide11.xml><?xml version="1.0" encoding="utf-8"?>
+<p:sld xmlns:a="http://schemas.openxmlformats.org/drawingml/2006/main" xmlns:r="http://schemas.openxmlformats.org/officeDocument/2006/relationships" xmlns:p="http://schemas.openxmlformats.org/presentationml/2006/main">
+  <p:cSld>
+    <p:spTree>
+      <p:nvGrpSpPr>
+        <p:cNvPr id="1" name=""/>
+        <p:cNvGrpSpPr/>
+        <p:nvPr/>
+      </p:nvGrpSpPr>
+      <p:grpSpPr>
+        <a:xfrm>
+          <a:off x="0" y="0"/>
+          <a:ext cx="0" cy="0"/>
+          <a:chOff x="0" y="0"/>
+          <a:chExt cx="0" cy="0"/>
+        </a:xfrm>
+      </p:grpSpPr>
+      <p:sp>
+        <p:nvSpPr>
+          <p:cNvPr id="2" name="Titolo 1"/>
+          <p:cNvSpPr>
+            <a:spLocks noGrp="1"/>
+          </p:cNvSpPr>
+          <p:nvPr>
+            <p:ph type="title"/>
+          </p:nvPr>
+        </p:nvSpPr>
+        <p:spPr/>
+        <p:txBody>
+          <a:bodyPr/>
+          <a:lstStyle/>
+          <a:p>
+            <a:r>
+              <a:rPr lang="it-IT" dirty="0" smtClean="0"/>
+              <a:t>Indice</a:t>
+            </a:r>
+            <a:endParaRPr lang="it-IT" dirty="0"/>
+          </a:p>
+        </p:txBody>
+      </p:sp>
+      <p:sp>
+        <p:nvSpPr>
+          <p:cNvPr id="3" name="Segnaposto contenuto 2"/>
+          <p:cNvSpPr>
+            <a:spLocks noGrp="1"/>
+          </p:cNvSpPr>
+          <p:nvPr>
+            <p:ph idx="1"/>
+          </p:nvPr>
+        </p:nvSpPr>
+        <p:spPr/>
+        <p:txBody>
+          <a:bodyPr/>
+          <a:lstStyle/>
+          <a:p>
+            <a:r>
+              <a:rPr lang="it-IT" sz="2400" dirty="0">
+                <a:solidFill>
+                  <a:schemeClr val="bg2">
+                    <a:lumMod val="40000"/>
+                    <a:lumOff val="60000"/>
+                  </a:schemeClr>
+                </a:solidFill>
+              </a:rPr>
+              <a:t>Cos’è l’interferometria</a:t>
+            </a:r>
+          </a:p>
+          <a:p>
+            <a:pPr lvl="1"/>
+            <a:r>
+              <a:rPr lang="it-IT" sz="2000" dirty="0">
+                <a:solidFill>
+                  <a:schemeClr val="bg2">
+                    <a:lumMod val="40000"/>
+                    <a:lumOff val="60000"/>
+                  </a:schemeClr>
+                </a:solidFill>
+              </a:rPr>
+              <a:t>Interferometria tradizionale</a:t>
+            </a:r>
+          </a:p>
+          <a:p>
+            <a:pPr lvl="1"/>
+            <a:r>
+              <a:rPr lang="it-IT" sz="2000" dirty="0" smtClean="0">
+                <a:solidFill>
+                  <a:schemeClr val="bg2">
+                    <a:lumMod val="40000"/>
+                    <a:lumOff val="60000"/>
+                  </a:schemeClr>
+                </a:solidFill>
+              </a:rPr>
+              <a:t>Interferometria a self-mixing</a:t>
+            </a:r>
+          </a:p>
+          <a:p>
+            <a:r>
+              <a:rPr lang="it-IT" sz="2400" dirty="0" smtClean="0">
+                <a:solidFill>
+                  <a:schemeClr val="bg2">
+                    <a:lumMod val="40000"/>
+                    <a:lumOff val="60000"/>
+                  </a:schemeClr>
+                </a:solidFill>
+              </a:rPr>
+              <a:t>Architettura hardware</a:t>
+            </a:r>
+          </a:p>
+          <a:p>
+            <a:pPr lvl="1"/>
+            <a:r>
+              <a:rPr lang="it-IT" sz="2000" dirty="0" smtClean="0">
+                <a:solidFill>
+                  <a:schemeClr val="bg2">
+                    <a:lumMod val="40000"/>
+                    <a:lumOff val="60000"/>
+                  </a:schemeClr>
+                </a:solidFill>
+              </a:rPr>
+              <a:t>Parte analogica</a:t>
+            </a:r>
+          </a:p>
+          <a:p>
+            <a:pPr lvl="1"/>
+            <a:r>
+              <a:rPr lang="it-IT" sz="2000" dirty="0" smtClean="0">
+                <a:solidFill>
+                  <a:schemeClr val="bg2">
+                    <a:lumMod val="40000"/>
+                    <a:lumOff val="60000"/>
+                  </a:schemeClr>
+                </a:solidFill>
+              </a:rPr>
+              <a:t>Parte di conversione</a:t>
+            </a:r>
+          </a:p>
+          <a:p>
+            <a:pPr lvl="1"/>
+            <a:r>
+              <a:rPr lang="it-IT" sz="2000" dirty="0" smtClean="0">
+                <a:solidFill>
+                  <a:schemeClr val="bg2">
+                    <a:lumMod val="40000"/>
+                    <a:lumOff val="60000"/>
+                  </a:schemeClr>
+                </a:solidFill>
+              </a:rPr>
+              <a:t>Parte digitale</a:t>
+            </a:r>
+          </a:p>
+          <a:p>
+            <a:r>
+              <a:rPr lang="it-IT" sz="2400" dirty="0" smtClean="0"/>
+              <a:t>Architettura </a:t>
+            </a:r>
+            <a:r>
+              <a:rPr lang="it-IT" sz="2400" dirty="0"/>
+              <a:t>software</a:t>
+            </a:r>
+          </a:p>
+          <a:p>
+            <a:pPr lvl="1"/>
+            <a:r>
+              <a:rPr lang="it-IT" sz="2000" dirty="0"/>
+              <a:t>FPGA</a:t>
+            </a:r>
+          </a:p>
+          <a:p>
+            <a:pPr lvl="1"/>
+            <a:r>
+              <a:rPr lang="it-IT" sz="2000" dirty="0"/>
+              <a:t>Microcontrollore</a:t>
+            </a:r>
+          </a:p>
+          <a:p>
+            <a:pPr lvl="1"/>
+            <a:r>
+              <a:rPr lang="it-IT" sz="2000" dirty="0"/>
+              <a:t>Analisi degli algoritmi</a:t>
+            </a:r>
+          </a:p>
+          <a:p>
+            <a:r>
+              <a:rPr lang="it-IT" sz="2400" dirty="0"/>
+              <a:t>Risultati sperimentali</a:t>
+            </a:r>
+          </a:p>
+          <a:p>
+            <a:r>
+              <a:rPr lang="it-IT" sz="2400" dirty="0"/>
+              <a:t>Sviluppi futuri e conclusioni</a:t>
+            </a:r>
+          </a:p>
+        </p:txBody>
+      </p:sp>
+      <p:sp>
+        <p:nvSpPr>
+          <p:cNvPr id="4" name="Segnaposto numero diapositiva 3"/>
+          <p:cNvSpPr>
+            <a:spLocks noGrp="1"/>
+          </p:cNvSpPr>
+          <p:nvPr>
+            <p:ph type="sldNum" sz="quarter" idx="11"/>
+          </p:nvPr>
+        </p:nvSpPr>
+        <p:spPr/>
+        <p:txBody>
+          <a:bodyPr/>
+          <a:lstStyle/>
+          <a:p>
+            <a:fld id="{C503DA3A-0C6B-48FC-931E-2C786AAFD5C1}" type="slidenum">
+              <a:rPr lang="en-US" altLang="nl-NL" smtClean="0"/>
+              <a:pPr/>
+              <a:t>11</a:t>
+            </a:fld>
+            <a:endParaRPr lang="en-US" altLang="nl-NL"/>
+          </a:p>
+        </p:txBody>
+      </p:sp>
+    </p:spTree>
+    <p:extLst>
+      <p:ext uri="{BB962C8B-B14F-4D97-AF65-F5344CB8AC3E}">
+        <p14:creationId xmlns:p14="http://schemas.microsoft.com/office/powerpoint/2010/main" val="1931562395"/>
+      </p:ext>
+    </p:extLst>
+  </p:cSld>
+  <p:clrMapOvr>
+    <a:masterClrMapping/>
+  </p:clrMapOvr>
+  <p:timing>
+    <p:tnLst>
+      <p:par>
+        <p:cTn id="1" dur="indefinite" restart="never" nodeType="tmRoot"/>
+      </p:par>
+    </p:tnLst>
+  </p:timing>
 </p:sld>
 </file>
 
@@ -5608,7 +5733,7 @@
           <a:p>
             <a:r>
               <a:rPr lang="it-IT" dirty="0" smtClean="0"/>
-              <a:t>Indice</a:t>
+              <a:t>Architettura software</a:t>
             </a:r>
             <a:endParaRPr lang="it-IT" dirty="0"/>
           </a:p>
@@ -5630,141 +5755,91 @@
           <a:lstStyle/>
           <a:p>
             <a:r>
-              <a:rPr lang="it-IT" sz="2400" dirty="0">
-                <a:solidFill>
-                  <a:schemeClr val="bg2">
-                    <a:lumMod val="40000"/>
-                    <a:lumOff val="60000"/>
-                  </a:schemeClr>
-                </a:solidFill>
-              </a:rPr>
-              <a:t>Cos’è l’interferometria</a:t>
-            </a:r>
+              <a:rPr lang="it-IT" sz="2400" dirty="0" smtClean="0"/>
+              <a:t>Linguaggio </a:t>
+            </a:r>
+            <a:r>
+              <a:rPr lang="it-IT" sz="2400" dirty="0" err="1" smtClean="0"/>
+              <a:t>LabVIEW</a:t>
+            </a:r>
+            <a:endParaRPr lang="it-IT" sz="2400" dirty="0"/>
           </a:p>
           <a:p>
             <a:pPr lvl="1"/>
             <a:r>
-              <a:rPr lang="it-IT" sz="2000" dirty="0">
-                <a:solidFill>
-                  <a:schemeClr val="bg2">
-                    <a:lumMod val="40000"/>
-                    <a:lumOff val="60000"/>
-                  </a:schemeClr>
-                </a:solidFill>
-              </a:rPr>
-              <a:t>Interferometria tradizionale</a:t>
+              <a:rPr lang="it-IT" sz="2000" dirty="0" smtClean="0"/>
+              <a:t>Sviluppato da National </a:t>
+            </a:r>
+            <a:br>
+              <a:rPr lang="it-IT" sz="2000" dirty="0" smtClean="0"/>
+            </a:br>
+            <a:r>
+              <a:rPr lang="it-IT" sz="2000" dirty="0" smtClean="0"/>
+              <a:t>Instruments</a:t>
+            </a:r>
+            <a:br>
+              <a:rPr lang="it-IT" sz="2000" dirty="0" smtClean="0"/>
+            </a:br>
+            <a:endParaRPr lang="it-IT" sz="2000" dirty="0" smtClean="0"/>
+          </a:p>
+          <a:p>
+            <a:r>
+              <a:rPr lang="it-IT" sz="2400" dirty="0" smtClean="0"/>
+              <a:t>Struttura a cicli paralleli con</a:t>
+            </a:r>
+            <a:br>
+              <a:rPr lang="it-IT" sz="2400" dirty="0" smtClean="0"/>
+            </a:br>
+            <a:r>
+              <a:rPr lang="it-IT" sz="2400" dirty="0" smtClean="0"/>
+              <a:t>scambio di dati tramite code</a:t>
+            </a:r>
+            <a:br>
+              <a:rPr lang="it-IT" sz="2400" dirty="0" smtClean="0"/>
+            </a:br>
+            <a:r>
+              <a:rPr lang="it-IT" sz="2400" dirty="0" smtClean="0"/>
+              <a:t>FIFO</a:t>
             </a:r>
           </a:p>
           <a:p>
             <a:pPr lvl="1"/>
             <a:r>
-              <a:rPr lang="it-IT" sz="2000" dirty="0" smtClean="0">
-                <a:solidFill>
-                  <a:schemeClr val="bg2">
-                    <a:lumMod val="40000"/>
-                    <a:lumOff val="60000"/>
-                  </a:schemeClr>
-                </a:solidFill>
-              </a:rPr>
-              <a:t>Interferometria a self-mixing</a:t>
-            </a:r>
-          </a:p>
-          <a:p>
-            <a:r>
-              <a:rPr lang="it-IT" sz="2400" dirty="0" smtClean="0">
-                <a:solidFill>
-                  <a:schemeClr val="bg2">
-                    <a:lumMod val="40000"/>
-                    <a:lumOff val="60000"/>
-                  </a:schemeClr>
-                </a:solidFill>
-              </a:rPr>
-              <a:t>Architettura hardware</a:t>
+              <a:rPr lang="it-IT" sz="2000" dirty="0" smtClean="0"/>
+              <a:t>Pattern producer-consumer</a:t>
             </a:r>
           </a:p>
           <a:p>
             <a:pPr lvl="1"/>
             <a:r>
-              <a:rPr lang="it-IT" sz="2000" dirty="0" smtClean="0">
-                <a:solidFill>
-                  <a:schemeClr val="bg2">
-                    <a:lumMod val="40000"/>
-                    <a:lumOff val="60000"/>
-                  </a:schemeClr>
-                </a:solidFill>
-              </a:rPr>
-              <a:t>Parte analogica</a:t>
-            </a:r>
-          </a:p>
-          <a:p>
-            <a:pPr lvl="1"/>
-            <a:r>
-              <a:rPr lang="it-IT" sz="2000" dirty="0" smtClean="0">
-                <a:solidFill>
-                  <a:schemeClr val="bg2">
-                    <a:lumMod val="40000"/>
-                    <a:lumOff val="60000"/>
-                  </a:schemeClr>
-                </a:solidFill>
-              </a:rPr>
-              <a:t>Parte di conversione</a:t>
-            </a:r>
-          </a:p>
-          <a:p>
-            <a:pPr lvl="1"/>
-            <a:r>
-              <a:rPr lang="it-IT" sz="2000" dirty="0" smtClean="0">
-                <a:solidFill>
-                  <a:schemeClr val="bg2">
-                    <a:lumMod val="40000"/>
-                    <a:lumOff val="60000"/>
-                  </a:schemeClr>
-                </a:solidFill>
-              </a:rPr>
-              <a:t>Parte digitale</a:t>
-            </a:r>
+              <a:rPr lang="it-IT" sz="2000" dirty="0" smtClean="0"/>
+              <a:t>Usato anche per lo scambio di dati tra FPGA e microcontrollore (DMA)</a:t>
+            </a:r>
+            <a:br>
+              <a:rPr lang="it-IT" sz="2000" dirty="0" smtClean="0"/>
+            </a:br>
+            <a:endParaRPr lang="it-IT" sz="2000" dirty="0" smtClean="0"/>
           </a:p>
           <a:p>
             <a:r>
               <a:rPr lang="it-IT" sz="2400" dirty="0" smtClean="0"/>
-              <a:t>Architettura </a:t>
-            </a:r>
-            <a:r>
-              <a:rPr lang="it-IT" sz="2400" dirty="0"/>
-              <a:t>software</a:t>
-            </a:r>
-          </a:p>
-          <a:p>
-            <a:pPr lvl="1"/>
-            <a:r>
-              <a:rPr lang="it-IT" sz="2000" dirty="0"/>
-              <a:t>FPGA</a:t>
-            </a:r>
-          </a:p>
-          <a:p>
-            <a:pPr lvl="1"/>
-            <a:r>
-              <a:rPr lang="it-IT" sz="2000" dirty="0"/>
-              <a:t>Microcontrollore</a:t>
-            </a:r>
-          </a:p>
-          <a:p>
-            <a:pPr lvl="1"/>
-            <a:r>
-              <a:rPr lang="it-IT" sz="2000" dirty="0"/>
-              <a:t>Analisi degli algoritmi</a:t>
-            </a:r>
-          </a:p>
-          <a:p>
-            <a:r>
-              <a:rPr lang="it-IT" sz="2400" dirty="0"/>
-              <a:t>Risultati sperimentali</a:t>
-            </a:r>
-          </a:p>
-          <a:p>
-            <a:r>
-              <a:rPr lang="it-IT" sz="2400" dirty="0"/>
-              <a:t>Sviluppi futuri e conclusioni</a:t>
+              <a:t>Uso dell’aritmetica </a:t>
+            </a:r>
+            <a:r>
+              <a:rPr lang="it-IT" sz="2400" i="1" dirty="0" err="1" smtClean="0"/>
+              <a:t>fixed</a:t>
+            </a:r>
+            <a:r>
+              <a:rPr lang="it-IT" sz="2400" i="1" dirty="0" smtClean="0"/>
+              <a:t> </a:t>
+            </a:r>
+            <a:r>
+              <a:rPr lang="it-IT" sz="2400" i="1" dirty="0" err="1" smtClean="0"/>
+              <a:t>point</a:t>
+            </a:r>
+            <a:r>
+              <a:rPr lang="it-IT" sz="2400" dirty="0" smtClean="0"/>
+              <a:t> (12-bit) per migliorare le prestazioni su FPGA</a:t>
             </a:r>
             <a:endParaRPr lang="it-IT" sz="2400" dirty="0"/>
           </a:p>
@@ -5789,213 +5864,6 @@
               <a:rPr lang="en-US" altLang="nl-NL" smtClean="0"/>
               <a:pPr/>
               <a:t>12</a:t>
-            </a:fld>
-            <a:endParaRPr lang="en-US" altLang="nl-NL"/>
-          </a:p>
-        </p:txBody>
-      </p:sp>
-    </p:spTree>
-    <p:extLst>
-      <p:ext uri="{BB962C8B-B14F-4D97-AF65-F5344CB8AC3E}">
-        <p14:creationId xmlns:p14="http://schemas.microsoft.com/office/powerpoint/2010/main" val="1931562395"/>
-      </p:ext>
-    </p:extLst>
-  </p:cSld>
-  <p:clrMapOvr>
-    <a:masterClrMapping/>
-  </p:clrMapOvr>
-  <p:timing>
-    <p:tnLst>
-      <p:par>
-        <p:cTn id="1" dur="indefinite" restart="never" nodeType="tmRoot"/>
-      </p:par>
-    </p:tnLst>
-  </p:timing>
-</p:sld>
-</file>
-
-<file path=ppt/slides/slide13.xml><?xml version="1.0" encoding="utf-8"?>
-<p:sld xmlns:a="http://schemas.openxmlformats.org/drawingml/2006/main" xmlns:r="http://schemas.openxmlformats.org/officeDocument/2006/relationships" xmlns:p="http://schemas.openxmlformats.org/presentationml/2006/main">
-  <p:cSld>
-    <p:spTree>
-      <p:nvGrpSpPr>
-        <p:cNvPr id="1" name=""/>
-        <p:cNvGrpSpPr/>
-        <p:nvPr/>
-      </p:nvGrpSpPr>
-      <p:grpSpPr>
-        <a:xfrm>
-          <a:off x="0" y="0"/>
-          <a:ext cx="0" cy="0"/>
-          <a:chOff x="0" y="0"/>
-          <a:chExt cx="0" cy="0"/>
-        </a:xfrm>
-      </p:grpSpPr>
-      <p:sp>
-        <p:nvSpPr>
-          <p:cNvPr id="2" name="Titolo 1"/>
-          <p:cNvSpPr>
-            <a:spLocks noGrp="1"/>
-          </p:cNvSpPr>
-          <p:nvPr>
-            <p:ph type="title"/>
-          </p:nvPr>
-        </p:nvSpPr>
-        <p:spPr/>
-        <p:txBody>
-          <a:bodyPr/>
-          <a:lstStyle/>
-          <a:p>
-            <a:r>
-              <a:rPr lang="it-IT" dirty="0" smtClean="0"/>
-              <a:t>Architettura software</a:t>
-            </a:r>
-            <a:endParaRPr lang="it-IT" dirty="0"/>
-          </a:p>
-        </p:txBody>
-      </p:sp>
-      <p:sp>
-        <p:nvSpPr>
-          <p:cNvPr id="3" name="Segnaposto contenuto 2"/>
-          <p:cNvSpPr>
-            <a:spLocks noGrp="1"/>
-          </p:cNvSpPr>
-          <p:nvPr>
-            <p:ph idx="1"/>
-          </p:nvPr>
-        </p:nvSpPr>
-        <p:spPr/>
-        <p:txBody>
-          <a:bodyPr/>
-          <a:lstStyle/>
-          <a:p>
-            <a:r>
-              <a:rPr lang="it-IT" sz="2400" dirty="0" smtClean="0"/>
-              <a:t>Linguaggio </a:t>
-            </a:r>
-            <a:r>
-              <a:rPr lang="it-IT" sz="2400" dirty="0" err="1" smtClean="0"/>
-              <a:t>LabVIEW</a:t>
-            </a:r>
-            <a:endParaRPr lang="it-IT" sz="2400" dirty="0"/>
-          </a:p>
-          <a:p>
-            <a:pPr lvl="1"/>
-            <a:r>
-              <a:rPr lang="it-IT" sz="2000" dirty="0" smtClean="0"/>
-              <a:t>Sviluppato da National </a:t>
-            </a:r>
-            <a:br>
-              <a:rPr lang="it-IT" sz="2000" dirty="0" smtClean="0"/>
-            </a:br>
-            <a:r>
-              <a:rPr lang="it-IT" sz="2000" dirty="0" smtClean="0"/>
-              <a:t>Instruments</a:t>
-            </a:r>
-            <a:br>
-              <a:rPr lang="it-IT" sz="2000" dirty="0" smtClean="0"/>
-            </a:br>
-            <a:endParaRPr lang="it-IT" sz="2000" dirty="0" smtClean="0"/>
-          </a:p>
-          <a:p>
-            <a:r>
-              <a:rPr lang="it-IT" sz="2400" dirty="0" smtClean="0"/>
-              <a:t>Struttura a cicli paralleli con</a:t>
-            </a:r>
-            <a:br>
-              <a:rPr lang="it-IT" sz="2400" dirty="0" smtClean="0"/>
-            </a:br>
-            <a:r>
-              <a:rPr lang="it-IT" sz="2400" dirty="0" smtClean="0"/>
-              <a:t>scambio di dati tramite code</a:t>
-            </a:r>
-            <a:br>
-              <a:rPr lang="it-IT" sz="2400" dirty="0" smtClean="0"/>
-            </a:br>
-            <a:r>
-              <a:rPr lang="it-IT" sz="2400" dirty="0" smtClean="0"/>
-              <a:t>FIFO</a:t>
-            </a:r>
-          </a:p>
-          <a:p>
-            <a:pPr lvl="1"/>
-            <a:r>
-              <a:rPr lang="it-IT" sz="2000" dirty="0" smtClean="0"/>
-              <a:t>Pattern </a:t>
-            </a:r>
-            <a:r>
-              <a:rPr lang="it-IT" sz="2000" dirty="0" smtClean="0"/>
-              <a:t>producer-consumer</a:t>
-            </a:r>
-            <a:endParaRPr lang="it-IT" sz="2000" dirty="0" smtClean="0"/>
-          </a:p>
-          <a:p>
-            <a:pPr lvl="1"/>
-            <a:r>
-              <a:rPr lang="it-IT" sz="2000" dirty="0" smtClean="0"/>
-              <a:t>Usato anche per lo scambio di dati tra FPGA e </a:t>
-            </a:r>
-            <a:r>
-              <a:rPr lang="it-IT" sz="2000" dirty="0" smtClean="0"/>
-              <a:t>microcontrollore (DMA)</a:t>
-            </a:r>
-            <a:br>
-              <a:rPr lang="it-IT" sz="2000" dirty="0" smtClean="0"/>
-            </a:br>
-            <a:endParaRPr lang="it-IT" sz="2000" dirty="0" smtClean="0"/>
-          </a:p>
-          <a:p>
-            <a:r>
-              <a:rPr lang="it-IT" sz="2400" dirty="0" smtClean="0"/>
-              <a:t>Uso </a:t>
-            </a:r>
-            <a:r>
-              <a:rPr lang="it-IT" sz="2400" dirty="0" smtClean="0"/>
-              <a:t>dell’aritmetica </a:t>
-            </a:r>
-            <a:r>
-              <a:rPr lang="it-IT" sz="2400" i="1" dirty="0" err="1" smtClean="0"/>
-              <a:t>fixed</a:t>
-            </a:r>
-            <a:r>
-              <a:rPr lang="it-IT" sz="2400" i="1" dirty="0" smtClean="0"/>
-              <a:t> </a:t>
-            </a:r>
-            <a:r>
-              <a:rPr lang="it-IT" sz="2400" i="1" dirty="0" err="1" smtClean="0"/>
-              <a:t>point</a:t>
-            </a:r>
-            <a:r>
-              <a:rPr lang="it-IT" sz="2400" dirty="0" smtClean="0"/>
-              <a:t> (12-bit) per migliorare le prestazioni </a:t>
-            </a:r>
-            <a:r>
-              <a:rPr lang="it-IT" sz="2400" dirty="0" smtClean="0"/>
-              <a:t>su FPGA</a:t>
-            </a:r>
-            <a:endParaRPr lang="it-IT" sz="2400" dirty="0"/>
-          </a:p>
-        </p:txBody>
-      </p:sp>
-      <p:sp>
-        <p:nvSpPr>
-          <p:cNvPr id="4" name="Segnaposto numero diapositiva 3"/>
-          <p:cNvSpPr>
-            <a:spLocks noGrp="1"/>
-          </p:cNvSpPr>
-          <p:nvPr>
-            <p:ph type="sldNum" sz="quarter" idx="11"/>
-          </p:nvPr>
-        </p:nvSpPr>
-        <p:spPr/>
-        <p:txBody>
-          <a:bodyPr/>
-          <a:lstStyle/>
-          <a:p>
-            <a:fld id="{C503DA3A-0C6B-48FC-931E-2C786AAFD5C1}" type="slidenum">
-              <a:rPr lang="en-US" altLang="nl-NL" smtClean="0"/>
-              <a:pPr/>
-              <a:t>13</a:t>
             </a:fld>
             <a:endParaRPr lang="en-US" altLang="nl-NL"/>
           </a:p>
@@ -6051,7 +5919,7 @@
 </p:sld>
 </file>
 
-<file path=ppt/slides/slide14.xml><?xml version="1.0" encoding="utf-8"?>
+<file path=ppt/slides/slide13.xml><?xml version="1.0" encoding="utf-8"?>
 <p:sld xmlns:a="http://schemas.openxmlformats.org/drawingml/2006/main" xmlns:r="http://schemas.openxmlformats.org/officeDocument/2006/relationships" xmlns:p="http://schemas.openxmlformats.org/presentationml/2006/main">
   <p:cSld>
     <p:spTree>
@@ -6209,7 +6077,7 @@
             <a:fld id="{C503DA3A-0C6B-48FC-931E-2C786AAFD5C1}" type="slidenum">
               <a:rPr lang="en-US" altLang="nl-NL" smtClean="0"/>
               <a:pPr/>
-              <a:t>14</a:t>
+              <a:t>13</a:t>
             </a:fld>
             <a:endParaRPr lang="en-US" altLang="nl-NL"/>
           </a:p>
@@ -6265,6 +6133,133 @@
 </p:sld>
 </file>
 
+<file path=ppt/slides/slide14.xml><?xml version="1.0" encoding="utf-8"?>
+<p:sld xmlns:a="http://schemas.openxmlformats.org/drawingml/2006/main" xmlns:r="http://schemas.openxmlformats.org/officeDocument/2006/relationships" xmlns:p="http://schemas.openxmlformats.org/presentationml/2006/main">
+  <p:cSld>
+    <p:spTree>
+      <p:nvGrpSpPr>
+        <p:cNvPr id="1" name=""/>
+        <p:cNvGrpSpPr/>
+        <p:nvPr/>
+      </p:nvGrpSpPr>
+      <p:grpSpPr>
+        <a:xfrm>
+          <a:off x="0" y="0"/>
+          <a:ext cx="0" cy="0"/>
+          <a:chOff x="0" y="0"/>
+          <a:chExt cx="0" cy="0"/>
+        </a:xfrm>
+      </p:grpSpPr>
+      <p:sp>
+        <p:nvSpPr>
+          <p:cNvPr id="2" name="Titolo 1"/>
+          <p:cNvSpPr>
+            <a:spLocks noGrp="1"/>
+          </p:cNvSpPr>
+          <p:nvPr>
+            <p:ph type="title"/>
+          </p:nvPr>
+        </p:nvSpPr>
+        <p:spPr/>
+        <p:txBody>
+          <a:bodyPr/>
+          <a:lstStyle/>
+          <a:p>
+            <a:r>
+              <a:rPr lang="it-IT" dirty="0" smtClean="0"/>
+              <a:t>Firmware Microcontrollore</a:t>
+            </a:r>
+            <a:endParaRPr lang="it-IT" dirty="0"/>
+          </a:p>
+        </p:txBody>
+      </p:sp>
+      <p:sp>
+        <p:nvSpPr>
+          <p:cNvPr id="3" name="Segnaposto contenuto 2"/>
+          <p:cNvSpPr>
+            <a:spLocks noGrp="1"/>
+          </p:cNvSpPr>
+          <p:nvPr>
+            <p:ph idx="1"/>
+          </p:nvPr>
+        </p:nvSpPr>
+        <p:spPr/>
+        <p:txBody>
+          <a:bodyPr/>
+          <a:lstStyle/>
+          <a:p>
+            <a:r>
+              <a:rPr lang="it-IT" sz="2400" dirty="0" smtClean="0"/>
+              <a:t>Si compone di una parte di inizializzazione e configurazione dello strumento e da una parte di elaborazione dei dati:</a:t>
+            </a:r>
+          </a:p>
+          <a:p>
+            <a:pPr lvl="1"/>
+            <a:r>
+              <a:rPr lang="it-IT" sz="2000" dirty="0" smtClean="0"/>
+              <a:t>Inizialmente il firmware legge la configurazione fornita dall’utente e imposta i corretti parametri di funzionamento dell’FPGA</a:t>
+            </a:r>
+          </a:p>
+          <a:p>
+            <a:pPr lvl="1"/>
+            <a:r>
+              <a:rPr lang="it-IT" sz="2000" dirty="0" smtClean="0"/>
+              <a:t>Il secondo passo consiste nell’estrazione del fondo da sottrarre al segnale</a:t>
+            </a:r>
+          </a:p>
+          <a:p>
+            <a:pPr lvl="1"/>
+            <a:r>
+              <a:rPr lang="it-IT" sz="2000" dirty="0" smtClean="0"/>
+              <a:t>Infine ciclicamente si acquisiscono i risultati dell’elaborazione dell’FPGA e si calcola la distanza dal bersaglio.</a:t>
+            </a:r>
+          </a:p>
+        </p:txBody>
+      </p:sp>
+      <p:sp>
+        <p:nvSpPr>
+          <p:cNvPr id="4" name="Segnaposto numero diapositiva 3"/>
+          <p:cNvSpPr>
+            <a:spLocks noGrp="1"/>
+          </p:cNvSpPr>
+          <p:nvPr>
+            <p:ph type="sldNum" sz="quarter" idx="11"/>
+          </p:nvPr>
+        </p:nvSpPr>
+        <p:spPr/>
+        <p:txBody>
+          <a:bodyPr/>
+          <a:lstStyle/>
+          <a:p>
+            <a:fld id="{C503DA3A-0C6B-48FC-931E-2C786AAFD5C1}" type="slidenum">
+              <a:rPr lang="en-US" altLang="nl-NL" smtClean="0"/>
+              <a:pPr/>
+              <a:t>14</a:t>
+            </a:fld>
+            <a:endParaRPr lang="en-US" altLang="nl-NL"/>
+          </a:p>
+        </p:txBody>
+      </p:sp>
+    </p:spTree>
+    <p:extLst>
+      <p:ext uri="{BB962C8B-B14F-4D97-AF65-F5344CB8AC3E}">
+        <p14:creationId xmlns:p14="http://schemas.microsoft.com/office/powerpoint/2010/main" val="3813134160"/>
+      </p:ext>
+    </p:extLst>
+  </p:cSld>
+  <p:clrMapOvr>
+    <a:masterClrMapping/>
+  </p:clrMapOvr>
+  <p:timing>
+    <p:tnLst>
+      <p:par>
+        <p:cTn id="1" dur="indefinite" restart="never" nodeType="tmRoot"/>
+      </p:par>
+    </p:tnLst>
+  </p:timing>
+</p:sld>
+</file>
+
 <file path=ppt/slides/slide15.xml><?xml version="1.0" encoding="utf-8"?>
 <p:sld xmlns:a="http://schemas.openxmlformats.org/drawingml/2006/main" xmlns:r="http://schemas.openxmlformats.org/officeDocument/2006/relationships" xmlns:p="http://schemas.openxmlformats.org/presentationml/2006/main">
   <p:cSld>
@@ -6292,14 +6287,19 @@
             <p:ph type="title"/>
           </p:nvPr>
         </p:nvSpPr>
-        <p:spPr/>
+        <p:spPr>
+          <a:xfrm>
+            <a:off x="609600" y="0"/>
+            <a:ext cx="8534400" cy="762000"/>
+          </a:xfrm>
+        </p:spPr>
         <p:txBody>
           <a:bodyPr/>
           <a:lstStyle/>
           <a:p>
             <a:r>
               <a:rPr lang="it-IT" dirty="0" smtClean="0"/>
-              <a:t>Firmware Microcontrollore</a:t>
+              <a:t>Analisi algoritmi</a:t>
             </a:r>
             <a:endParaRPr lang="it-IT" dirty="0"/>
           </a:p>
@@ -6322,37 +6322,48 @@
           <a:p>
             <a:r>
               <a:rPr lang="it-IT" sz="2400" dirty="0" smtClean="0"/>
-              <a:t>Si compone di una parte di inizializzazione e configurazione dello strumento e da una parte di elaborazione dei dati:</a:t>
-            </a:r>
-          </a:p>
-          <a:p>
-            <a:pPr lvl="1"/>
-            <a:r>
-              <a:rPr lang="it-IT" sz="2000" dirty="0" smtClean="0"/>
-              <a:t>Inizialmente il </a:t>
-            </a:r>
-            <a:r>
-              <a:rPr lang="it-IT" sz="2000" dirty="0" smtClean="0"/>
-              <a:t>firmware </a:t>
-            </a:r>
-            <a:r>
-              <a:rPr lang="it-IT" sz="2000" dirty="0" smtClean="0"/>
-              <a:t>legge la configurazione fornita dall’utente e imposta i corretti parametri di funzionamento dell’FPGA</a:t>
-            </a:r>
-          </a:p>
-          <a:p>
-            <a:pPr lvl="1"/>
-            <a:r>
-              <a:rPr lang="it-IT" sz="2000" dirty="0" smtClean="0"/>
-              <a:t>Il secondo passo consiste nell’estrazione del fondo da sottrarre al segnale</a:t>
-            </a:r>
-          </a:p>
-          <a:p>
-            <a:pPr lvl="1"/>
-            <a:r>
-              <a:rPr lang="it-IT" sz="2000" dirty="0" smtClean="0"/>
-              <a:t>Infine ciclicamente si acquisiscono i risultati dell’elaborazione dell’FPGA e si calcola la distanza dal bersaglio.</a:t>
-            </a:r>
+              <a:t>Sottrazione fondo</a:t>
+            </a:r>
+          </a:p>
+          <a:p>
+            <a:r>
+              <a:rPr lang="it-IT" sz="2400" dirty="0" smtClean="0"/>
+              <a:t>Finestratura</a:t>
+            </a:r>
+          </a:p>
+          <a:p>
+            <a:r>
+              <a:rPr lang="it-IT" sz="2400" dirty="0" smtClean="0"/>
+              <a:t>Accenno 5 triangolari</a:t>
+            </a:r>
+          </a:p>
+          <a:p>
+            <a:r>
+              <a:rPr lang="it-IT" sz="2400" dirty="0" smtClean="0"/>
+              <a:t>FFT</a:t>
+            </a:r>
+          </a:p>
+          <a:p>
+            <a:r>
+              <a:rPr lang="it-IT" sz="2400" dirty="0" smtClean="0"/>
+              <a:t>Interpolazione</a:t>
+            </a:r>
+          </a:p>
+          <a:p>
+            <a:r>
+              <a:rPr lang="it-IT" sz="2400" dirty="0" smtClean="0"/>
+              <a:t>Calcolo distanza</a:t>
+            </a:r>
+          </a:p>
+          <a:p>
+            <a:endParaRPr lang="it-IT" sz="2400" dirty="0"/>
+          </a:p>
+          <a:p>
+            <a:r>
+              <a:rPr lang="it-IT" sz="2400" dirty="0" smtClean="0"/>
+              <a:t>TODO!!</a:t>
+            </a:r>
+            <a:endParaRPr lang="it-IT" sz="2400" dirty="0"/>
           </a:p>
         </p:txBody>
       </p:sp>
@@ -6383,13 +6394,20 @@
     </p:spTree>
     <p:extLst>
       <p:ext uri="{BB962C8B-B14F-4D97-AF65-F5344CB8AC3E}">
-        <p14:creationId xmlns:p14="http://schemas.microsoft.com/office/powerpoint/2010/main" val="3813134160"/>
+        <p14:creationId xmlns:p14="http://schemas.microsoft.com/office/powerpoint/2010/main" val="1116657620"/>
       </p:ext>
     </p:extLst>
   </p:cSld>
   <p:clrMapOvr>
     <a:masterClrMapping/>
   </p:clrMapOvr>
+  <p:timing>
+    <p:tnLst>
+      <p:par>
+        <p:cTn id="1" dur="indefinite" restart="never" nodeType="tmRoot"/>
+      </p:par>
+    </p:tnLst>
+  </p:timing>
 </p:sld>
 </file>
 
@@ -6420,23 +6438,14 @@
             <p:ph type="title"/>
           </p:nvPr>
         </p:nvSpPr>
-        <p:spPr>
-          <a:xfrm>
-            <a:off x="609600" y="0"/>
-            <a:ext cx="8534400" cy="762000"/>
-          </a:xfrm>
-        </p:spPr>
+        <p:spPr/>
         <p:txBody>
           <a:bodyPr/>
           <a:lstStyle/>
           <a:p>
             <a:r>
               <a:rPr lang="it-IT" dirty="0" smtClean="0"/>
-              <a:t>Analisi </a:t>
-            </a:r>
-            <a:r>
-              <a:rPr lang="it-IT" dirty="0" smtClean="0"/>
-              <a:t>algoritmi</a:t>
+              <a:t>Indice</a:t>
             </a:r>
             <a:endParaRPr lang="it-IT" dirty="0"/>
           </a:p>
@@ -6452,55 +6461,177 @@
             <p:ph idx="1"/>
           </p:nvPr>
         </p:nvSpPr>
-        <p:spPr/>
+        <p:spPr>
+          <a:xfrm>
+            <a:off x="685799" y="1142999"/>
+            <a:ext cx="7800975" cy="5172075"/>
+          </a:xfrm>
+        </p:spPr>
         <p:txBody>
           <a:bodyPr/>
           <a:lstStyle/>
           <a:p>
             <a:r>
-              <a:rPr lang="it-IT" sz="2400" dirty="0" smtClean="0"/>
-              <a:t>Sottrazione fondo</a:t>
-            </a:r>
-          </a:p>
-          <a:p>
-            <a:r>
-              <a:rPr lang="it-IT" sz="2400" dirty="0" smtClean="0"/>
-              <a:t>Finestratura</a:t>
-            </a:r>
-          </a:p>
-          <a:p>
-            <a:r>
-              <a:rPr lang="it-IT" sz="2400" dirty="0" smtClean="0"/>
-              <a:t>Accenno 5 triangolari</a:t>
-            </a:r>
-          </a:p>
-          <a:p>
-            <a:r>
-              <a:rPr lang="it-IT" sz="2400" dirty="0" smtClean="0"/>
-              <a:t>FFT</a:t>
-            </a:r>
-          </a:p>
-          <a:p>
-            <a:r>
-              <a:rPr lang="it-IT" sz="2400" dirty="0" smtClean="0"/>
-              <a:t>Interpolazione</a:t>
-            </a:r>
-          </a:p>
-          <a:p>
-            <a:r>
-              <a:rPr lang="it-IT" sz="2400" dirty="0" smtClean="0"/>
-              <a:t>Calcolo distanza</a:t>
-            </a:r>
-          </a:p>
-          <a:p>
-            <a:endParaRPr lang="it-IT" sz="2400" dirty="0"/>
-          </a:p>
-          <a:p>
-            <a:r>
-              <a:rPr lang="it-IT" sz="2400" dirty="0" smtClean="0"/>
-              <a:t>TODO!!</a:t>
-            </a:r>
-            <a:endParaRPr lang="it-IT" sz="2400" dirty="0"/>
+              <a:rPr lang="it-IT" sz="2400" dirty="0">
+                <a:solidFill>
+                  <a:schemeClr val="bg2">
+                    <a:lumMod val="40000"/>
+                    <a:lumOff val="60000"/>
+                  </a:schemeClr>
+                </a:solidFill>
+              </a:rPr>
+              <a:t>Cos’è l’interferometria</a:t>
+            </a:r>
+          </a:p>
+          <a:p>
+            <a:pPr lvl="1"/>
+            <a:r>
+              <a:rPr lang="it-IT" sz="2000" dirty="0">
+                <a:solidFill>
+                  <a:schemeClr val="bg2">
+                    <a:lumMod val="40000"/>
+                    <a:lumOff val="60000"/>
+                  </a:schemeClr>
+                </a:solidFill>
+              </a:rPr>
+              <a:t>Interferometria tradizionale</a:t>
+            </a:r>
+          </a:p>
+          <a:p>
+            <a:pPr lvl="1"/>
+            <a:r>
+              <a:rPr lang="it-IT" sz="2000" dirty="0">
+                <a:solidFill>
+                  <a:schemeClr val="bg2">
+                    <a:lumMod val="40000"/>
+                    <a:lumOff val="60000"/>
+                  </a:schemeClr>
+                </a:solidFill>
+              </a:rPr>
+              <a:t>Interferometria a self-mixing</a:t>
+            </a:r>
+          </a:p>
+          <a:p>
+            <a:r>
+              <a:rPr lang="it-IT" sz="2400" dirty="0">
+                <a:solidFill>
+                  <a:schemeClr val="bg2">
+                    <a:lumMod val="40000"/>
+                    <a:lumOff val="60000"/>
+                  </a:schemeClr>
+                </a:solidFill>
+              </a:rPr>
+              <a:t>Architettura hardware</a:t>
+            </a:r>
+          </a:p>
+          <a:p>
+            <a:pPr lvl="1"/>
+            <a:r>
+              <a:rPr lang="it-IT" sz="2000" dirty="0">
+                <a:solidFill>
+                  <a:schemeClr val="bg2">
+                    <a:lumMod val="40000"/>
+                    <a:lumOff val="60000"/>
+                  </a:schemeClr>
+                </a:solidFill>
+              </a:rPr>
+              <a:t>Parte analogica</a:t>
+            </a:r>
+          </a:p>
+          <a:p>
+            <a:pPr lvl="1"/>
+            <a:r>
+              <a:rPr lang="it-IT" sz="2000" dirty="0">
+                <a:solidFill>
+                  <a:schemeClr val="bg2">
+                    <a:lumMod val="40000"/>
+                    <a:lumOff val="60000"/>
+                  </a:schemeClr>
+                </a:solidFill>
+              </a:rPr>
+              <a:t>Parte di conversione</a:t>
+            </a:r>
+          </a:p>
+          <a:p>
+            <a:pPr lvl="1"/>
+            <a:r>
+              <a:rPr lang="it-IT" sz="2000" dirty="0">
+                <a:solidFill>
+                  <a:schemeClr val="bg2">
+                    <a:lumMod val="40000"/>
+                    <a:lumOff val="60000"/>
+                  </a:schemeClr>
+                </a:solidFill>
+              </a:rPr>
+              <a:t>Parte digitale</a:t>
+            </a:r>
+          </a:p>
+          <a:p>
+            <a:r>
+              <a:rPr lang="it-IT" sz="2400" dirty="0">
+                <a:solidFill>
+                  <a:schemeClr val="bg2">
+                    <a:lumMod val="40000"/>
+                    <a:lumOff val="60000"/>
+                  </a:schemeClr>
+                </a:solidFill>
+              </a:rPr>
+              <a:t>Architettura software</a:t>
+            </a:r>
+          </a:p>
+          <a:p>
+            <a:pPr lvl="1"/>
+            <a:r>
+              <a:rPr lang="it-IT" sz="2000" dirty="0">
+                <a:solidFill>
+                  <a:schemeClr val="bg2">
+                    <a:lumMod val="40000"/>
+                    <a:lumOff val="60000"/>
+                  </a:schemeClr>
+                </a:solidFill>
+              </a:rPr>
+              <a:t>FPGA</a:t>
+            </a:r>
+          </a:p>
+          <a:p>
+            <a:pPr lvl="1"/>
+            <a:r>
+              <a:rPr lang="it-IT" sz="2000" dirty="0">
+                <a:solidFill>
+                  <a:schemeClr val="bg2">
+                    <a:lumMod val="40000"/>
+                    <a:lumOff val="60000"/>
+                  </a:schemeClr>
+                </a:solidFill>
+              </a:rPr>
+              <a:t>Microcontrollore</a:t>
+            </a:r>
+          </a:p>
+          <a:p>
+            <a:pPr lvl="1"/>
+            <a:r>
+              <a:rPr lang="it-IT" sz="2000" dirty="0">
+                <a:solidFill>
+                  <a:schemeClr val="bg2">
+                    <a:lumMod val="40000"/>
+                    <a:lumOff val="60000"/>
+                  </a:schemeClr>
+                </a:solidFill>
+              </a:rPr>
+              <a:t>Analisi degli algoritmi</a:t>
+            </a:r>
+          </a:p>
+          <a:p>
+            <a:r>
+              <a:rPr lang="it-IT" sz="2400" dirty="0"/>
+              <a:t>Risultati sperimentali</a:t>
+            </a:r>
+          </a:p>
+          <a:p>
+            <a:r>
+              <a:rPr lang="it-IT" sz="2400" dirty="0"/>
+              <a:t>Sviluppi futuri e conclusioni</a:t>
+            </a:r>
           </a:p>
         </p:txBody>
       </p:sp>
@@ -6531,13 +6662,20 @@
     </p:spTree>
     <p:extLst>
       <p:ext uri="{BB962C8B-B14F-4D97-AF65-F5344CB8AC3E}">
-        <p14:creationId xmlns:p14="http://schemas.microsoft.com/office/powerpoint/2010/main" val="1116657620"/>
+        <p14:creationId xmlns:p14="http://schemas.microsoft.com/office/powerpoint/2010/main" val="3967324833"/>
       </p:ext>
     </p:extLst>
   </p:cSld>
   <p:clrMapOvr>
     <a:masterClrMapping/>
   </p:clrMapOvr>
+  <p:timing>
+    <p:tnLst>
+      <p:par>
+        <p:cTn id="1" dur="indefinite" restart="never" nodeType="tmRoot"/>
+      </p:par>
+    </p:tnLst>
+  </p:timing>
 </p:sld>
 </file>
 
@@ -6575,7 +6713,7 @@
           <a:p>
             <a:r>
               <a:rPr lang="it-IT" dirty="0" smtClean="0"/>
-              <a:t>Indice</a:t>
+              <a:t>Risultati sperimentali</a:t>
             </a:r>
             <a:endParaRPr lang="it-IT" dirty="0"/>
           </a:p>
@@ -6591,178 +6729,57 @@
             <p:ph idx="1"/>
           </p:nvPr>
         </p:nvSpPr>
-        <p:spPr>
-          <a:xfrm>
-            <a:off x="685799" y="1142999"/>
-            <a:ext cx="7800975" cy="5172075"/>
-          </a:xfrm>
-        </p:spPr>
+        <p:spPr/>
         <p:txBody>
           <a:bodyPr/>
           <a:lstStyle/>
           <a:p>
             <a:r>
-              <a:rPr lang="it-IT" sz="2400" dirty="0">
-                <a:solidFill>
-                  <a:schemeClr val="bg2">
-                    <a:lumMod val="40000"/>
-                    <a:lumOff val="60000"/>
-                  </a:schemeClr>
-                </a:solidFill>
-              </a:rPr>
-              <a:t>Cos’è l’interferometria</a:t>
+              <a:rPr lang="it-IT" sz="2400" dirty="0" smtClean="0"/>
+              <a:t>Due tipologie di prove, effettuate ad ogni passo dello sviluppo:</a:t>
             </a:r>
           </a:p>
           <a:p>
             <a:pPr lvl="1"/>
             <a:r>
-              <a:rPr lang="it-IT" sz="2000" dirty="0">
-                <a:solidFill>
-                  <a:schemeClr val="bg2">
-                    <a:lumMod val="40000"/>
-                    <a:lumOff val="60000"/>
-                  </a:schemeClr>
-                </a:solidFill>
-              </a:rPr>
-              <a:t>Interferometria tradizionale</a:t>
+              <a:rPr lang="it-IT" sz="2000" dirty="0" smtClean="0"/>
+              <a:t>Bersaglio fisso</a:t>
             </a:r>
           </a:p>
           <a:p>
             <a:pPr lvl="1"/>
             <a:r>
-              <a:rPr lang="it-IT" sz="2000" dirty="0">
-                <a:solidFill>
-                  <a:schemeClr val="bg2">
-                    <a:lumMod val="40000"/>
-                    <a:lumOff val="60000"/>
-                  </a:schemeClr>
-                </a:solidFill>
-              </a:rPr>
-              <a:t>Interferometria a self-mixing</a:t>
-            </a:r>
-          </a:p>
-          <a:p>
-            <a:r>
-              <a:rPr lang="it-IT" sz="2400" dirty="0">
-                <a:solidFill>
-                  <a:schemeClr val="bg2">
-                    <a:lumMod val="40000"/>
-                    <a:lumOff val="60000"/>
-                  </a:schemeClr>
-                </a:solidFill>
-              </a:rPr>
-              <a:t>Architettura hardware</a:t>
+              <a:rPr lang="it-IT" sz="2000" dirty="0" smtClean="0"/>
+              <a:t>Bersaglio mobile</a:t>
+            </a:r>
+          </a:p>
+          <a:p>
+            <a:r>
+              <a:rPr lang="it-IT" sz="2400" dirty="0" smtClean="0"/>
+              <a:t>Risultati sintetici:</a:t>
             </a:r>
           </a:p>
           <a:p>
             <a:pPr lvl="1"/>
             <a:r>
-              <a:rPr lang="it-IT" sz="2000" dirty="0">
-                <a:solidFill>
-                  <a:schemeClr val="bg2">
-                    <a:lumMod val="40000"/>
-                    <a:lumOff val="60000"/>
-                  </a:schemeClr>
-                </a:solidFill>
-              </a:rPr>
-              <a:t>Parte analogica</a:t>
-            </a:r>
-          </a:p>
-          <a:p>
-            <a:pPr lvl="1"/>
-            <a:r>
-              <a:rPr lang="it-IT" sz="2000" dirty="0">
-                <a:solidFill>
-                  <a:schemeClr val="bg2">
-                    <a:lumMod val="40000"/>
-                    <a:lumOff val="60000"/>
-                  </a:schemeClr>
-                </a:solidFill>
-              </a:rPr>
-              <a:t>Parte di conversione</a:t>
-            </a:r>
-          </a:p>
-          <a:p>
-            <a:pPr lvl="1"/>
-            <a:r>
-              <a:rPr lang="it-IT" sz="2000" dirty="0">
-                <a:solidFill>
-                  <a:schemeClr val="bg2">
-                    <a:lumMod val="40000"/>
-                    <a:lumOff val="60000"/>
-                  </a:schemeClr>
-                </a:solidFill>
-              </a:rPr>
-              <a:t>Parte digitale</a:t>
-            </a:r>
-          </a:p>
-          <a:p>
-            <a:r>
-              <a:rPr lang="it-IT" sz="2400" dirty="0">
-                <a:solidFill>
-                  <a:schemeClr val="bg2">
-                    <a:lumMod val="40000"/>
-                    <a:lumOff val="60000"/>
-                  </a:schemeClr>
-                </a:solidFill>
-              </a:rPr>
-              <a:t>Architettura software</a:t>
-            </a:r>
-          </a:p>
-          <a:p>
-            <a:pPr lvl="1"/>
-            <a:r>
-              <a:rPr lang="it-IT" sz="2000" dirty="0">
-                <a:solidFill>
-                  <a:schemeClr val="bg2">
-                    <a:lumMod val="40000"/>
-                    <a:lumOff val="60000"/>
-                  </a:schemeClr>
-                </a:solidFill>
-              </a:rPr>
-              <a:t>FPGA</a:t>
-            </a:r>
-          </a:p>
-          <a:p>
-            <a:pPr lvl="1"/>
-            <a:r>
-              <a:rPr lang="it-IT" sz="2000" dirty="0">
-                <a:solidFill>
-                  <a:schemeClr val="bg2">
-                    <a:lumMod val="40000"/>
-                    <a:lumOff val="60000"/>
-                  </a:schemeClr>
-                </a:solidFill>
-              </a:rPr>
-              <a:t>Microcontrollore</a:t>
-            </a:r>
-          </a:p>
-          <a:p>
-            <a:pPr lvl="1"/>
-            <a:r>
-              <a:rPr lang="it-IT" sz="2000" dirty="0">
-                <a:solidFill>
-                  <a:schemeClr val="bg2">
-                    <a:lumMod val="40000"/>
-                    <a:lumOff val="60000"/>
-                  </a:schemeClr>
-                </a:solidFill>
-              </a:rPr>
-              <a:t>Analisi degli algoritmi</a:t>
-            </a:r>
-          </a:p>
-          <a:p>
-            <a:r>
-              <a:rPr lang="it-IT" sz="2400" dirty="0"/>
-              <a:t>Risultati sperimentali</a:t>
-            </a:r>
-          </a:p>
-          <a:p>
-            <a:r>
-              <a:rPr lang="it-IT" sz="2400" dirty="0"/>
-              <a:t>Sviluppi futuri e conclusioni</a:t>
-            </a:r>
-            <a:endParaRPr lang="it-IT" sz="2400" dirty="0"/>
+              <a:rPr lang="it-IT" sz="2000" dirty="0" smtClean="0"/>
+              <a:t>Inserire dati di tutti i passi</a:t>
+            </a:r>
+            <a:br>
+              <a:rPr lang="it-IT" sz="2000" dirty="0" smtClean="0"/>
+            </a:br>
+            <a:r>
+              <a:rPr lang="it-IT" sz="2000" dirty="0" smtClean="0"/>
+              <a:t>sia per una che per l’altra</a:t>
+            </a:r>
+            <a:br>
+              <a:rPr lang="it-IT" sz="2000" dirty="0" smtClean="0"/>
+            </a:br>
+            <a:r>
+              <a:rPr lang="it-IT" sz="2000" dirty="0" smtClean="0"/>
+              <a:t>prova, poi si commentano a voce</a:t>
+            </a:r>
+            <a:endParaRPr lang="it-IT" sz="2000" dirty="0"/>
           </a:p>
         </p:txBody>
       </p:sp>
@@ -6785,154 +6802,6 @@
               <a:rPr lang="en-US" altLang="nl-NL" smtClean="0"/>
               <a:pPr/>
               <a:t>17</a:t>
-            </a:fld>
-            <a:endParaRPr lang="en-US" altLang="nl-NL"/>
-          </a:p>
-        </p:txBody>
-      </p:sp>
-    </p:spTree>
-    <p:extLst>
-      <p:ext uri="{BB962C8B-B14F-4D97-AF65-F5344CB8AC3E}">
-        <p14:creationId xmlns:p14="http://schemas.microsoft.com/office/powerpoint/2010/main" val="3967324833"/>
-      </p:ext>
-    </p:extLst>
-  </p:cSld>
-  <p:clrMapOvr>
-    <a:masterClrMapping/>
-  </p:clrMapOvr>
-  <p:timing>
-    <p:tnLst>
-      <p:par>
-        <p:cTn id="1" dur="indefinite" restart="never" nodeType="tmRoot"/>
-      </p:par>
-    </p:tnLst>
-  </p:timing>
-</p:sld>
-</file>
-
-<file path=ppt/slides/slide18.xml><?xml version="1.0" encoding="utf-8"?>
-<p:sld xmlns:a="http://schemas.openxmlformats.org/drawingml/2006/main" xmlns:r="http://schemas.openxmlformats.org/officeDocument/2006/relationships" xmlns:p="http://schemas.openxmlformats.org/presentationml/2006/main">
-  <p:cSld>
-    <p:spTree>
-      <p:nvGrpSpPr>
-        <p:cNvPr id="1" name=""/>
-        <p:cNvGrpSpPr/>
-        <p:nvPr/>
-      </p:nvGrpSpPr>
-      <p:grpSpPr>
-        <a:xfrm>
-          <a:off x="0" y="0"/>
-          <a:ext cx="0" cy="0"/>
-          <a:chOff x="0" y="0"/>
-          <a:chExt cx="0" cy="0"/>
-        </a:xfrm>
-      </p:grpSpPr>
-      <p:sp>
-        <p:nvSpPr>
-          <p:cNvPr id="2" name="Titolo 1"/>
-          <p:cNvSpPr>
-            <a:spLocks noGrp="1"/>
-          </p:cNvSpPr>
-          <p:nvPr>
-            <p:ph type="title"/>
-          </p:nvPr>
-        </p:nvSpPr>
-        <p:spPr/>
-        <p:txBody>
-          <a:bodyPr/>
-          <a:lstStyle/>
-          <a:p>
-            <a:r>
-              <a:rPr lang="it-IT" dirty="0" smtClean="0"/>
-              <a:t>Risultati sperimentali</a:t>
-            </a:r>
-            <a:endParaRPr lang="it-IT" dirty="0"/>
-          </a:p>
-        </p:txBody>
-      </p:sp>
-      <p:sp>
-        <p:nvSpPr>
-          <p:cNvPr id="3" name="Segnaposto contenuto 2"/>
-          <p:cNvSpPr>
-            <a:spLocks noGrp="1"/>
-          </p:cNvSpPr>
-          <p:nvPr>
-            <p:ph idx="1"/>
-          </p:nvPr>
-        </p:nvSpPr>
-        <p:spPr/>
-        <p:txBody>
-          <a:bodyPr/>
-          <a:lstStyle/>
-          <a:p>
-            <a:r>
-              <a:rPr lang="it-IT" sz="2400" dirty="0" smtClean="0"/>
-              <a:t>Due tipologie di prove, effettuate ad ogni passo dello sviluppo:</a:t>
-            </a:r>
-          </a:p>
-          <a:p>
-            <a:pPr lvl="1"/>
-            <a:r>
-              <a:rPr lang="it-IT" sz="2000" dirty="0" smtClean="0"/>
-              <a:t>Bersaglio fisso</a:t>
-            </a:r>
-          </a:p>
-          <a:p>
-            <a:pPr lvl="1"/>
-            <a:r>
-              <a:rPr lang="it-IT" sz="2000" dirty="0" smtClean="0"/>
-              <a:t>Bersaglio mobile</a:t>
-            </a:r>
-          </a:p>
-          <a:p>
-            <a:r>
-              <a:rPr lang="it-IT" sz="2400" dirty="0" smtClean="0"/>
-              <a:t>Risultati sintetici:</a:t>
-            </a:r>
-          </a:p>
-          <a:p>
-            <a:pPr lvl="1"/>
-            <a:r>
-              <a:rPr lang="it-IT" sz="2000" dirty="0" smtClean="0"/>
-              <a:t>Inserire dati di tutti i passi</a:t>
-            </a:r>
-            <a:br>
-              <a:rPr lang="it-IT" sz="2000" dirty="0" smtClean="0"/>
-            </a:br>
-            <a:r>
-              <a:rPr lang="it-IT" sz="2000" dirty="0" smtClean="0"/>
-              <a:t>sia per una che per l’altra</a:t>
-            </a:r>
-            <a:br>
-              <a:rPr lang="it-IT" sz="2000" dirty="0" smtClean="0"/>
-            </a:br>
-            <a:r>
-              <a:rPr lang="it-IT" sz="2000" dirty="0" smtClean="0"/>
-              <a:t>prova, poi si commentano a voce</a:t>
-            </a:r>
-            <a:endParaRPr lang="it-IT" sz="2000" dirty="0"/>
-          </a:p>
-        </p:txBody>
-      </p:sp>
-      <p:sp>
-        <p:nvSpPr>
-          <p:cNvPr id="4" name="Segnaposto numero diapositiva 3"/>
-          <p:cNvSpPr>
-            <a:spLocks noGrp="1"/>
-          </p:cNvSpPr>
-          <p:nvPr>
-            <p:ph type="sldNum" sz="quarter" idx="11"/>
-          </p:nvPr>
-        </p:nvSpPr>
-        <p:spPr/>
-        <p:txBody>
-          <a:bodyPr/>
-          <a:lstStyle/>
-          <a:p>
-            <a:fld id="{C503DA3A-0C6B-48FC-931E-2C786AAFD5C1}" type="slidenum">
-              <a:rPr lang="en-US" altLang="nl-NL" smtClean="0"/>
-              <a:pPr/>
-              <a:t>18</a:t>
             </a:fld>
             <a:endParaRPr lang="en-US" altLang="nl-NL"/>
           </a:p>
@@ -6978,6 +6847,127 @@
   <p:clrMapOvr>
     <a:masterClrMapping/>
   </p:clrMapOvr>
+  <p:timing>
+    <p:tnLst>
+      <p:par>
+        <p:cTn id="1" dur="indefinite" restart="never" nodeType="tmRoot"/>
+      </p:par>
+    </p:tnLst>
+  </p:timing>
+</p:sld>
+</file>
+
+<file path=ppt/slides/slide18.xml><?xml version="1.0" encoding="utf-8"?>
+<p:sld xmlns:a="http://schemas.openxmlformats.org/drawingml/2006/main" xmlns:r="http://schemas.openxmlformats.org/officeDocument/2006/relationships" xmlns:p="http://schemas.openxmlformats.org/presentationml/2006/main">
+  <p:cSld>
+    <p:spTree>
+      <p:nvGrpSpPr>
+        <p:cNvPr id="1" name=""/>
+        <p:cNvGrpSpPr/>
+        <p:nvPr/>
+      </p:nvGrpSpPr>
+      <p:grpSpPr>
+        <a:xfrm>
+          <a:off x="0" y="0"/>
+          <a:ext cx="0" cy="0"/>
+          <a:chOff x="0" y="0"/>
+          <a:chExt cx="0" cy="0"/>
+        </a:xfrm>
+      </p:grpSpPr>
+      <p:sp>
+        <p:nvSpPr>
+          <p:cNvPr id="2" name="Titolo 1"/>
+          <p:cNvSpPr>
+            <a:spLocks noGrp="1"/>
+          </p:cNvSpPr>
+          <p:nvPr>
+            <p:ph type="title"/>
+          </p:nvPr>
+        </p:nvSpPr>
+        <p:spPr/>
+        <p:txBody>
+          <a:bodyPr/>
+          <a:lstStyle/>
+          <a:p>
+            <a:r>
+              <a:rPr lang="it-IT" dirty="0" smtClean="0"/>
+              <a:t>Risultati sperimentali</a:t>
+            </a:r>
+            <a:endParaRPr lang="it-IT" dirty="0"/>
+          </a:p>
+        </p:txBody>
+      </p:sp>
+      <p:sp>
+        <p:nvSpPr>
+          <p:cNvPr id="3" name="Segnaposto contenuto 2"/>
+          <p:cNvSpPr>
+            <a:spLocks noGrp="1"/>
+          </p:cNvSpPr>
+          <p:nvPr>
+            <p:ph idx="1"/>
+          </p:nvPr>
+        </p:nvSpPr>
+        <p:spPr/>
+        <p:txBody>
+          <a:bodyPr/>
+          <a:lstStyle/>
+          <a:p>
+            <a:r>
+              <a:rPr lang="it-IT" sz="2400" dirty="0" smtClean="0"/>
+              <a:t>Prove con la versione finale dello strumento:</a:t>
+            </a:r>
+          </a:p>
+          <a:p>
+            <a:pPr lvl="1"/>
+            <a:r>
+              <a:rPr lang="it-IT" sz="2000" dirty="0" smtClean="0"/>
+              <a:t>Risultati con immagini</a:t>
+            </a:r>
+            <a:endParaRPr lang="it-IT" sz="2000" dirty="0"/>
+          </a:p>
+        </p:txBody>
+      </p:sp>
+      <p:sp>
+        <p:nvSpPr>
+          <p:cNvPr id="4" name="Segnaposto numero diapositiva 3"/>
+          <p:cNvSpPr>
+            <a:spLocks noGrp="1"/>
+          </p:cNvSpPr>
+          <p:nvPr>
+            <p:ph type="sldNum" sz="quarter" idx="11"/>
+          </p:nvPr>
+        </p:nvSpPr>
+        <p:spPr/>
+        <p:txBody>
+          <a:bodyPr/>
+          <a:lstStyle/>
+          <a:p>
+            <a:fld id="{C503DA3A-0C6B-48FC-931E-2C786AAFD5C1}" type="slidenum">
+              <a:rPr lang="en-US" altLang="nl-NL" smtClean="0"/>
+              <a:pPr/>
+              <a:t>18</a:t>
+            </a:fld>
+            <a:endParaRPr lang="en-US" altLang="nl-NL"/>
+          </a:p>
+        </p:txBody>
+      </p:sp>
+    </p:spTree>
+    <p:extLst>
+      <p:ext uri="{BB962C8B-B14F-4D97-AF65-F5344CB8AC3E}">
+        <p14:creationId xmlns:p14="http://schemas.microsoft.com/office/powerpoint/2010/main" val="676223027"/>
+      </p:ext>
+    </p:extLst>
+  </p:cSld>
+  <p:clrMapOvr>
+    <a:masterClrMapping/>
+  </p:clrMapOvr>
+  <p:timing>
+    <p:tnLst>
+      <p:par>
+        <p:cTn id="1" dur="indefinite" restart="never" nodeType="tmRoot"/>
+      </p:par>
+    </p:tnLst>
+  </p:timing>
 </p:sld>
 </file>
 
@@ -7015,7 +7005,7 @@
           <a:p>
             <a:r>
               <a:rPr lang="it-IT" dirty="0" smtClean="0"/>
-              <a:t>Risultati sperimentali</a:t>
+              <a:t>Indice</a:t>
             </a:r>
             <a:endParaRPr lang="it-IT" dirty="0"/>
           </a:p>
@@ -7031,23 +7021,184 @@
             <p:ph idx="1"/>
           </p:nvPr>
         </p:nvSpPr>
-        <p:spPr/>
+        <p:spPr>
+          <a:xfrm>
+            <a:off x="685800" y="1142999"/>
+            <a:ext cx="7086600" cy="5229225"/>
+          </a:xfrm>
+        </p:spPr>
         <p:txBody>
           <a:bodyPr/>
           <a:lstStyle/>
           <a:p>
             <a:r>
-              <a:rPr lang="it-IT" sz="2400" dirty="0" smtClean="0"/>
-              <a:t>Prove con la versione finale dello strumento:</a:t>
+              <a:rPr lang="it-IT" sz="2400" dirty="0">
+                <a:solidFill>
+                  <a:schemeClr val="bg2">
+                    <a:lumMod val="40000"/>
+                    <a:lumOff val="60000"/>
+                  </a:schemeClr>
+                </a:solidFill>
+              </a:rPr>
+              <a:t>Cos’è l’interferometria</a:t>
             </a:r>
           </a:p>
           <a:p>
             <a:pPr lvl="1"/>
             <a:r>
-              <a:rPr lang="it-IT" sz="2000" dirty="0" smtClean="0"/>
-              <a:t>Risultati con immagini</a:t>
-            </a:r>
-            <a:endParaRPr lang="it-IT" sz="2000" dirty="0"/>
+              <a:rPr lang="it-IT" sz="2000" dirty="0">
+                <a:solidFill>
+                  <a:schemeClr val="bg2">
+                    <a:lumMod val="40000"/>
+                    <a:lumOff val="60000"/>
+                  </a:schemeClr>
+                </a:solidFill>
+              </a:rPr>
+              <a:t>Interferometria tradizionale</a:t>
+            </a:r>
+          </a:p>
+          <a:p>
+            <a:pPr lvl="1"/>
+            <a:r>
+              <a:rPr lang="it-IT" sz="2000" dirty="0">
+                <a:solidFill>
+                  <a:schemeClr val="bg2">
+                    <a:lumMod val="40000"/>
+                    <a:lumOff val="60000"/>
+                  </a:schemeClr>
+                </a:solidFill>
+              </a:rPr>
+              <a:t>Interferometria a self-mixing</a:t>
+            </a:r>
+          </a:p>
+          <a:p>
+            <a:r>
+              <a:rPr lang="it-IT" sz="2400" dirty="0">
+                <a:solidFill>
+                  <a:schemeClr val="bg2">
+                    <a:lumMod val="40000"/>
+                    <a:lumOff val="60000"/>
+                  </a:schemeClr>
+                </a:solidFill>
+              </a:rPr>
+              <a:t>Architettura hardware</a:t>
+            </a:r>
+          </a:p>
+          <a:p>
+            <a:pPr lvl="1"/>
+            <a:r>
+              <a:rPr lang="it-IT" sz="2000" dirty="0">
+                <a:solidFill>
+                  <a:schemeClr val="bg2">
+                    <a:lumMod val="40000"/>
+                    <a:lumOff val="60000"/>
+                  </a:schemeClr>
+                </a:solidFill>
+              </a:rPr>
+              <a:t>Parte analogica</a:t>
+            </a:r>
+          </a:p>
+          <a:p>
+            <a:pPr lvl="1"/>
+            <a:r>
+              <a:rPr lang="it-IT" sz="2000" dirty="0">
+                <a:solidFill>
+                  <a:schemeClr val="bg2">
+                    <a:lumMod val="40000"/>
+                    <a:lumOff val="60000"/>
+                  </a:schemeClr>
+                </a:solidFill>
+              </a:rPr>
+              <a:t>Parte di conversione</a:t>
+            </a:r>
+          </a:p>
+          <a:p>
+            <a:pPr lvl="1"/>
+            <a:r>
+              <a:rPr lang="it-IT" sz="2000" dirty="0">
+                <a:solidFill>
+                  <a:schemeClr val="bg2">
+                    <a:lumMod val="40000"/>
+                    <a:lumOff val="60000"/>
+                  </a:schemeClr>
+                </a:solidFill>
+              </a:rPr>
+              <a:t>Parte digitale</a:t>
+            </a:r>
+          </a:p>
+          <a:p>
+            <a:r>
+              <a:rPr lang="it-IT" sz="2400" dirty="0">
+                <a:solidFill>
+                  <a:schemeClr val="bg2">
+                    <a:lumMod val="40000"/>
+                    <a:lumOff val="60000"/>
+                  </a:schemeClr>
+                </a:solidFill>
+              </a:rPr>
+              <a:t>Architettura software</a:t>
+            </a:r>
+          </a:p>
+          <a:p>
+            <a:pPr lvl="1"/>
+            <a:r>
+              <a:rPr lang="it-IT" sz="2000" dirty="0">
+                <a:solidFill>
+                  <a:schemeClr val="bg2">
+                    <a:lumMod val="40000"/>
+                    <a:lumOff val="60000"/>
+                  </a:schemeClr>
+                </a:solidFill>
+              </a:rPr>
+              <a:t>FPGA</a:t>
+            </a:r>
+          </a:p>
+          <a:p>
+            <a:pPr lvl="1"/>
+            <a:r>
+              <a:rPr lang="it-IT" sz="2000" dirty="0">
+                <a:solidFill>
+                  <a:schemeClr val="bg2">
+                    <a:lumMod val="40000"/>
+                    <a:lumOff val="60000"/>
+                  </a:schemeClr>
+                </a:solidFill>
+              </a:rPr>
+              <a:t>Microcontrollore</a:t>
+            </a:r>
+          </a:p>
+          <a:p>
+            <a:pPr lvl="1"/>
+            <a:r>
+              <a:rPr lang="it-IT" sz="2000" dirty="0">
+                <a:solidFill>
+                  <a:schemeClr val="bg2">
+                    <a:lumMod val="40000"/>
+                    <a:lumOff val="60000"/>
+                  </a:schemeClr>
+                </a:solidFill>
+              </a:rPr>
+              <a:t>Analisi degli algoritmi</a:t>
+            </a:r>
+          </a:p>
+          <a:p>
+            <a:r>
+              <a:rPr lang="it-IT" sz="2400" dirty="0">
+                <a:solidFill>
+                  <a:schemeClr val="bg2">
+                    <a:lumMod val="40000"/>
+                    <a:lumOff val="60000"/>
+                  </a:schemeClr>
+                </a:solidFill>
+              </a:rPr>
+              <a:t>Risultati sperimentali</a:t>
+            </a:r>
+          </a:p>
+          <a:p>
+            <a:r>
+              <a:rPr lang="it-IT" sz="2400" dirty="0"/>
+              <a:t>Sviluppi futuri e conclusioni</a:t>
+            </a:r>
           </a:p>
         </p:txBody>
       </p:sp>
@@ -7078,13 +7229,20 @@
     </p:spTree>
     <p:extLst>
       <p:ext uri="{BB962C8B-B14F-4D97-AF65-F5344CB8AC3E}">
-        <p14:creationId xmlns:p14="http://schemas.microsoft.com/office/powerpoint/2010/main" val="676223027"/>
+        <p14:creationId xmlns:p14="http://schemas.microsoft.com/office/powerpoint/2010/main" val="2461533339"/>
       </p:ext>
     </p:extLst>
   </p:cSld>
   <p:clrMapOvr>
     <a:masterClrMapping/>
   </p:clrMapOvr>
+  <p:timing>
+    <p:tnLst>
+      <p:par>
+        <p:cTn id="1" dur="indefinite" restart="never" nodeType="tmRoot"/>
+      </p:par>
+    </p:tnLst>
+  </p:timing>
 </p:sld>
 </file>
 
@@ -7150,81 +7308,94 @@
           <a:p>
             <a:r>
               <a:rPr lang="it-IT" sz="2400" dirty="0" smtClean="0"/>
-              <a:t>Cos’è l’interferometria</a:t>
+              <a:t>Interferometria</a:t>
             </a:r>
           </a:p>
           <a:p>
             <a:pPr lvl="1"/>
             <a:r>
               <a:rPr lang="it-IT" sz="2000" dirty="0" smtClean="0"/>
-              <a:t>Interferometria tradizionale</a:t>
+              <a:t>Interferometria </a:t>
+            </a:r>
+            <a:r>
+              <a:rPr lang="it-IT" sz="2000" dirty="0" smtClean="0"/>
+              <a:t>a </a:t>
+            </a:r>
+            <a:r>
+              <a:rPr lang="it-IT" sz="2000" dirty="0" smtClean="0"/>
+              <a:t>self-mixing</a:t>
             </a:r>
           </a:p>
           <a:p>
             <a:pPr lvl="1"/>
             <a:r>
               <a:rPr lang="it-IT" sz="2000" dirty="0" smtClean="0"/>
-              <a:t>Interferometria a self-mixing</a:t>
+              <a:t>Misura della distanza</a:t>
+            </a:r>
+            <a:endParaRPr lang="it-IT" sz="2000" dirty="0" smtClean="0"/>
+          </a:p>
+          <a:p>
+            <a:r>
+              <a:rPr lang="it-IT" sz="2400" dirty="0"/>
+              <a:t>Architettura hardware</a:t>
+            </a:r>
+          </a:p>
+          <a:p>
+            <a:pPr lvl="1"/>
+            <a:r>
+              <a:rPr lang="it-IT" sz="2000" dirty="0"/>
+              <a:t>Parte analogica</a:t>
+            </a:r>
+          </a:p>
+          <a:p>
+            <a:pPr lvl="1"/>
+            <a:r>
+              <a:rPr lang="it-IT" sz="2000" dirty="0"/>
+              <a:t>Parte di conversione</a:t>
+            </a:r>
+          </a:p>
+          <a:p>
+            <a:pPr lvl="1"/>
+            <a:r>
+              <a:rPr lang="it-IT" sz="2000" dirty="0"/>
+              <a:t>Parte digitale</a:t>
+            </a:r>
+          </a:p>
+          <a:p>
+            <a:r>
+              <a:rPr lang="it-IT" sz="2400" dirty="0"/>
+              <a:t>Architettura software</a:t>
+            </a:r>
+          </a:p>
+          <a:p>
+            <a:pPr lvl="1"/>
+            <a:r>
+              <a:rPr lang="it-IT" sz="2000" dirty="0"/>
+              <a:t>FPGA</a:t>
+            </a:r>
+          </a:p>
+          <a:p>
+            <a:pPr lvl="1"/>
+            <a:r>
+              <a:rPr lang="it-IT" sz="2000" dirty="0"/>
+              <a:t>Microcontrollore</a:t>
+            </a:r>
+          </a:p>
+          <a:p>
+            <a:pPr lvl="1"/>
+            <a:r>
+              <a:rPr lang="it-IT" sz="2000" dirty="0"/>
+              <a:t>Analisi degli algoritmi</a:t>
             </a:r>
           </a:p>
           <a:p>
             <a:r>
               <a:rPr lang="it-IT" sz="2400" dirty="0" smtClean="0"/>
-              <a:t>Architettura hardware dello strumento</a:t>
-            </a:r>
-          </a:p>
-          <a:p>
-            <a:pPr lvl="1"/>
-            <a:r>
-              <a:rPr lang="it-IT" sz="2000" dirty="0" smtClean="0"/>
-              <a:t>Parte analogica</a:t>
-            </a:r>
-          </a:p>
-          <a:p>
-            <a:pPr lvl="1"/>
-            <a:r>
-              <a:rPr lang="it-IT" sz="2000" dirty="0" smtClean="0"/>
-              <a:t>Parte digitale</a:t>
-            </a:r>
-          </a:p>
-          <a:p>
-            <a:pPr lvl="1"/>
-            <a:r>
-              <a:rPr lang="it-IT" sz="2000" dirty="0" smtClean="0"/>
-              <a:t>Scheda di conversione</a:t>
-            </a:r>
-          </a:p>
-          <a:p>
-            <a:r>
-              <a:rPr lang="it-IT" sz="2400" dirty="0" smtClean="0"/>
-              <a:t>Architettura software dello strumento</a:t>
-            </a:r>
-          </a:p>
-          <a:p>
-            <a:pPr lvl="1"/>
-            <a:r>
-              <a:rPr lang="it-IT" sz="2000" dirty="0" smtClean="0"/>
-              <a:t>Firmware FPGA</a:t>
-            </a:r>
-          </a:p>
-          <a:p>
-            <a:pPr lvl="1"/>
-            <a:r>
-              <a:rPr lang="it-IT" sz="2000" dirty="0" smtClean="0"/>
-              <a:t>Firmware microcontrollore</a:t>
-            </a:r>
-          </a:p>
-          <a:p>
-            <a:pPr lvl="1"/>
-            <a:r>
-              <a:rPr lang="it-IT" sz="2000" dirty="0" smtClean="0"/>
-              <a:t>Analisi degli algoritmi</a:t>
-            </a:r>
-          </a:p>
-          <a:p>
+              <a:t>Risultati </a:t>
+            </a:r>
             <a:r>
               <a:rPr lang="it-IT" sz="2400" dirty="0"/>
-              <a:t>Risultati sperimentali</a:t>
+              <a:t>sperimentali</a:t>
             </a:r>
           </a:p>
           <a:p>
@@ -7313,7 +7484,7 @@
           <a:p>
             <a:r>
               <a:rPr lang="it-IT" dirty="0" smtClean="0"/>
-              <a:t>Indice</a:t>
+              <a:t>Conclusioni e sviluppi futuri</a:t>
             </a:r>
             <a:endParaRPr lang="it-IT" dirty="0"/>
           </a:p>
@@ -7329,185 +7500,47 @@
             <p:ph idx="1"/>
           </p:nvPr>
         </p:nvSpPr>
-        <p:spPr>
-          <a:xfrm>
-            <a:off x="685800" y="1142999"/>
-            <a:ext cx="7086600" cy="5229225"/>
-          </a:xfrm>
-        </p:spPr>
+        <p:spPr/>
         <p:txBody>
           <a:bodyPr/>
           <a:lstStyle/>
           <a:p>
             <a:r>
-              <a:rPr lang="it-IT" sz="2400" dirty="0">
-                <a:solidFill>
-                  <a:schemeClr val="bg2">
-                    <a:lumMod val="40000"/>
-                    <a:lumOff val="60000"/>
-                  </a:schemeClr>
-                </a:solidFill>
-              </a:rPr>
-              <a:t>Cos’è l’interferometria</a:t>
+              <a:rPr lang="it-IT" sz="2400" dirty="0" smtClean="0"/>
+              <a:t>I risultati ottenuti mostrano la possibilità di realizzare uno strumento di misura con buone prestazioni e a basso costo, sfruttando la tecnica di interferometria a self-mixing. </a:t>
+            </a:r>
+          </a:p>
+          <a:p>
+            <a:r>
+              <a:rPr lang="it-IT" sz="2400" dirty="0" smtClean="0"/>
+              <a:t>Lo strumento mostra ancora alcuni limiti:</a:t>
             </a:r>
           </a:p>
           <a:p>
             <a:pPr lvl="1"/>
             <a:r>
-              <a:rPr lang="it-IT" sz="2000" dirty="0">
-                <a:solidFill>
-                  <a:schemeClr val="bg2">
-                    <a:lumMod val="40000"/>
-                    <a:lumOff val="60000"/>
-                  </a:schemeClr>
-                </a:solidFill>
-              </a:rPr>
-              <a:t>Interferometria tradizionale</a:t>
+              <a:rPr lang="it-IT" sz="2000" dirty="0" err="1" smtClean="0"/>
+              <a:t>Drift</a:t>
+            </a:r>
+            <a:r>
+              <a:rPr lang="it-IT" sz="2000" dirty="0" smtClean="0"/>
+              <a:t> termico</a:t>
             </a:r>
           </a:p>
           <a:p>
             <a:pPr lvl="1"/>
             <a:r>
-              <a:rPr lang="it-IT" sz="2000" dirty="0">
-                <a:solidFill>
-                  <a:schemeClr val="bg2">
-                    <a:lumMod val="40000"/>
-                    <a:lumOff val="60000"/>
-                  </a:schemeClr>
-                </a:solidFill>
-              </a:rPr>
-              <a:t>Interferometria a self-mixing</a:t>
-            </a:r>
-          </a:p>
-          <a:p>
-            <a:r>
-              <a:rPr lang="it-IT" sz="2400" dirty="0">
-                <a:solidFill>
-                  <a:schemeClr val="bg2">
-                    <a:lumMod val="40000"/>
-                    <a:lumOff val="60000"/>
-                  </a:schemeClr>
-                </a:solidFill>
-              </a:rPr>
-              <a:t>Architettura hardware</a:t>
+              <a:rPr lang="it-IT" sz="2000" dirty="0" smtClean="0"/>
+              <a:t>Comunicazione tra PC e scheda di sviluppo</a:t>
             </a:r>
           </a:p>
           <a:p>
             <a:pPr lvl="1"/>
             <a:r>
-              <a:rPr lang="it-IT" sz="2000" dirty="0">
-                <a:solidFill>
-                  <a:schemeClr val="bg2">
-                    <a:lumMod val="40000"/>
-                    <a:lumOff val="60000"/>
-                  </a:schemeClr>
-                </a:solidFill>
-              </a:rPr>
-              <a:t>Parte analogica</a:t>
-            </a:r>
-          </a:p>
-          <a:p>
-            <a:pPr lvl="1"/>
-            <a:r>
-              <a:rPr lang="it-IT" sz="2000" dirty="0">
-                <a:solidFill>
-                  <a:schemeClr val="bg2">
-                    <a:lumMod val="40000"/>
-                    <a:lumOff val="60000"/>
-                  </a:schemeClr>
-                </a:solidFill>
-              </a:rPr>
-              <a:t>Parte di conversione</a:t>
-            </a:r>
-          </a:p>
-          <a:p>
-            <a:pPr lvl="1"/>
-            <a:r>
-              <a:rPr lang="it-IT" sz="2000" dirty="0">
-                <a:solidFill>
-                  <a:schemeClr val="bg2">
-                    <a:lumMod val="40000"/>
-                    <a:lumOff val="60000"/>
-                  </a:schemeClr>
-                </a:solidFill>
-              </a:rPr>
-              <a:t>Parte digitale</a:t>
-            </a:r>
-          </a:p>
-          <a:p>
-            <a:r>
-              <a:rPr lang="it-IT" sz="2400" dirty="0">
-                <a:solidFill>
-                  <a:schemeClr val="bg2">
-                    <a:lumMod val="40000"/>
-                    <a:lumOff val="60000"/>
-                  </a:schemeClr>
-                </a:solidFill>
-              </a:rPr>
-              <a:t>Architettura software</a:t>
-            </a:r>
-          </a:p>
-          <a:p>
-            <a:pPr lvl="1"/>
-            <a:r>
-              <a:rPr lang="it-IT" sz="2000" dirty="0">
-                <a:solidFill>
-                  <a:schemeClr val="bg2">
-                    <a:lumMod val="40000"/>
-                    <a:lumOff val="60000"/>
-                  </a:schemeClr>
-                </a:solidFill>
-              </a:rPr>
-              <a:t>FPGA</a:t>
-            </a:r>
-          </a:p>
-          <a:p>
-            <a:pPr lvl="1"/>
-            <a:r>
-              <a:rPr lang="it-IT" sz="2000" dirty="0">
-                <a:solidFill>
-                  <a:schemeClr val="bg2">
-                    <a:lumMod val="40000"/>
-                    <a:lumOff val="60000"/>
-                  </a:schemeClr>
-                </a:solidFill>
-              </a:rPr>
-              <a:t>Microcontrollore</a:t>
-            </a:r>
-          </a:p>
-          <a:p>
-            <a:pPr lvl="1"/>
-            <a:r>
-              <a:rPr lang="it-IT" sz="2000" dirty="0">
-                <a:solidFill>
-                  <a:schemeClr val="bg2">
-                    <a:lumMod val="40000"/>
-                    <a:lumOff val="60000"/>
-                  </a:schemeClr>
-                </a:solidFill>
-              </a:rPr>
-              <a:t>Analisi degli algoritmi</a:t>
-            </a:r>
-          </a:p>
-          <a:p>
-            <a:r>
-              <a:rPr lang="it-IT" sz="2400" dirty="0">
-                <a:solidFill>
-                  <a:schemeClr val="bg2">
-                    <a:lumMod val="40000"/>
-                    <a:lumOff val="60000"/>
-                  </a:schemeClr>
-                </a:solidFill>
-              </a:rPr>
-              <a:t>Risultati sperimentali</a:t>
-            </a:r>
-          </a:p>
-          <a:p>
-            <a:r>
-              <a:rPr lang="it-IT" sz="2400" dirty="0"/>
-              <a:t>Sviluppi futuri e conclusioni</a:t>
-            </a:r>
-            <a:endParaRPr lang="it-IT" sz="2400" dirty="0"/>
+              <a:rPr lang="it-IT" sz="2000" dirty="0" smtClean="0"/>
+              <a:t>Lettura della configurazione da file </a:t>
+            </a:r>
+            <a:endParaRPr lang="it-IT" sz="2000" dirty="0"/>
           </a:p>
         </p:txBody>
       </p:sp>
@@ -7538,7 +7571,7 @@
     </p:spTree>
     <p:extLst>
       <p:ext uri="{BB962C8B-B14F-4D97-AF65-F5344CB8AC3E}">
-        <p14:creationId xmlns:p14="http://schemas.microsoft.com/office/powerpoint/2010/main" val="2461533339"/>
+        <p14:creationId xmlns:p14="http://schemas.microsoft.com/office/powerpoint/2010/main" val="781321479"/>
       </p:ext>
     </p:extLst>
   </p:cSld>
@@ -7574,83 +7607,6 @@
       </p:grpSpPr>
       <p:sp>
         <p:nvSpPr>
-          <p:cNvPr id="2" name="Titolo 1"/>
-          <p:cNvSpPr>
-            <a:spLocks noGrp="1"/>
-          </p:cNvSpPr>
-          <p:nvPr>
-            <p:ph type="title"/>
-          </p:nvPr>
-        </p:nvSpPr>
-        <p:spPr/>
-        <p:txBody>
-          <a:bodyPr/>
-          <a:lstStyle/>
-          <a:p>
-            <a:r>
-              <a:rPr lang="it-IT" dirty="0" smtClean="0"/>
-              <a:t>Conclusioni e sviluppi futuri</a:t>
-            </a:r>
-            <a:endParaRPr lang="it-IT" dirty="0"/>
-          </a:p>
-        </p:txBody>
-      </p:sp>
-      <p:sp>
-        <p:nvSpPr>
-          <p:cNvPr id="3" name="Segnaposto contenuto 2"/>
-          <p:cNvSpPr>
-            <a:spLocks noGrp="1"/>
-          </p:cNvSpPr>
-          <p:nvPr>
-            <p:ph idx="1"/>
-          </p:nvPr>
-        </p:nvSpPr>
-        <p:spPr/>
-        <p:txBody>
-          <a:bodyPr/>
-          <a:lstStyle/>
-          <a:p>
-            <a:r>
-              <a:rPr lang="it-IT" sz="2400" dirty="0" smtClean="0"/>
-              <a:t>I risultati ottenuti mostrano la possibilità di realizzare uno strumento di misura con buone prestazioni e a basso costo, sfruttando la tecnica di interferometria a self-mixing. </a:t>
-            </a:r>
-          </a:p>
-          <a:p>
-            <a:r>
-              <a:rPr lang="it-IT" sz="2400" dirty="0" smtClean="0"/>
-              <a:t>Lo strumento mostra ancora alcuni limiti:</a:t>
-            </a:r>
-          </a:p>
-          <a:p>
-            <a:pPr lvl="1"/>
-            <a:r>
-              <a:rPr lang="it-IT" sz="2000" dirty="0" err="1" smtClean="0"/>
-              <a:t>Drift</a:t>
-            </a:r>
-            <a:r>
-              <a:rPr lang="it-IT" sz="2000" dirty="0" smtClean="0"/>
-              <a:t> termico</a:t>
-            </a:r>
-          </a:p>
-          <a:p>
-            <a:pPr lvl="1"/>
-            <a:r>
-              <a:rPr lang="it-IT" sz="2000" dirty="0" smtClean="0"/>
-              <a:t>Comunicazione tra PC e scheda di sviluppo</a:t>
-            </a:r>
-          </a:p>
-          <a:p>
-            <a:pPr lvl="1"/>
-            <a:r>
-              <a:rPr lang="it-IT" sz="2000" dirty="0" smtClean="0"/>
-              <a:t>Lettura della configurazione da file </a:t>
-            </a:r>
-            <a:endParaRPr lang="it-IT" sz="2000" dirty="0"/>
-          </a:p>
-        </p:txBody>
-      </p:sp>
-      <p:sp>
-        <p:nvSpPr>
           <p:cNvPr id="4" name="Segnaposto numero diapositiva 3"/>
           <p:cNvSpPr>
             <a:spLocks noGrp="1"/>
@@ -7668,60 +7624,6 @@
               <a:rPr lang="en-US" altLang="nl-NL" smtClean="0"/>
               <a:pPr/>
               <a:t>21</a:t>
-            </a:fld>
-            <a:endParaRPr lang="en-US" altLang="nl-NL"/>
-          </a:p>
-        </p:txBody>
-      </p:sp>
-    </p:spTree>
-    <p:extLst>
-      <p:ext uri="{BB962C8B-B14F-4D97-AF65-F5344CB8AC3E}">
-        <p14:creationId xmlns:p14="http://schemas.microsoft.com/office/powerpoint/2010/main" val="781321479"/>
-      </p:ext>
-    </p:extLst>
-  </p:cSld>
-  <p:clrMapOvr>
-    <a:masterClrMapping/>
-  </p:clrMapOvr>
-</p:sld>
-</file>
-
-<file path=ppt/slides/slide22.xml><?xml version="1.0" encoding="utf-8"?>
-<p:sld xmlns:a="http://schemas.openxmlformats.org/drawingml/2006/main" xmlns:r="http://schemas.openxmlformats.org/officeDocument/2006/relationships" xmlns:p="http://schemas.openxmlformats.org/presentationml/2006/main">
-  <p:cSld>
-    <p:spTree>
-      <p:nvGrpSpPr>
-        <p:cNvPr id="1" name=""/>
-        <p:cNvGrpSpPr/>
-        <p:nvPr/>
-      </p:nvGrpSpPr>
-      <p:grpSpPr>
-        <a:xfrm>
-          <a:off x="0" y="0"/>
-          <a:ext cx="0" cy="0"/>
-          <a:chOff x="0" y="0"/>
-          <a:chExt cx="0" cy="0"/>
-        </a:xfrm>
-      </p:grpSpPr>
-      <p:sp>
-        <p:nvSpPr>
-          <p:cNvPr id="4" name="Segnaposto numero diapositiva 3"/>
-          <p:cNvSpPr>
-            <a:spLocks noGrp="1"/>
-          </p:cNvSpPr>
-          <p:nvPr>
-            <p:ph type="sldNum" sz="quarter" idx="11"/>
-          </p:nvPr>
-        </p:nvSpPr>
-        <p:spPr/>
-        <p:txBody>
-          <a:bodyPr/>
-          <a:lstStyle/>
-          <a:p>
-            <a:fld id="{C503DA3A-0C6B-48FC-931E-2C786AAFD5C1}" type="slidenum">
-              <a:rPr lang="en-US" altLang="nl-NL" smtClean="0"/>
-              <a:pPr/>
-              <a:t>22</a:t>
             </a:fld>
             <a:endParaRPr lang="en-US" altLang="nl-NL"/>
           </a:p>
@@ -7768,6 +7670,13 @@
   <p:clrMapOvr>
     <a:masterClrMapping/>
   </p:clrMapOvr>
+  <p:timing>
+    <p:tnLst>
+      <p:par>
+        <p:cTn id="1" dur="indefinite" restart="never" nodeType="tmRoot"/>
+      </p:par>
+    </p:tnLst>
+  </p:timing>
 </p:sld>
 </file>
 
@@ -7805,7 +7714,7 @@
           <a:p>
             <a:r>
               <a:rPr lang="it-IT" dirty="0" smtClean="0"/>
-              <a:t>Cos’è l’interferometria</a:t>
+              <a:t>Interferometria</a:t>
             </a:r>
             <a:endParaRPr lang="it-IT" dirty="0"/>
           </a:p>
@@ -7823,8 +7732,8 @@
         </p:nvSpPr>
         <p:spPr>
           <a:xfrm>
-            <a:off x="609600" y="2286000"/>
-            <a:ext cx="7772400" cy="2486025"/>
+            <a:off x="609600" y="1050130"/>
+            <a:ext cx="8134350" cy="871539"/>
           </a:xfrm>
         </p:spPr>
         <p:txBody>
@@ -7832,53 +7741,34 @@
           <a:lstStyle/>
           <a:p>
             <a:r>
+              <a:rPr lang="it-IT" sz="2400" dirty="0" smtClean="0"/>
+              <a:t>Tecnica </a:t>
+            </a:r>
+            <a:r>
               <a:rPr lang="it-IT" sz="2400" dirty="0"/>
-              <a:t>L’interferometria convenzionale è una tecnica che si basa sulla </a:t>
+              <a:t>che si </a:t>
+            </a:r>
+            <a:r>
+              <a:rPr lang="it-IT" sz="2400" dirty="0"/>
+              <a:t>basa sulla </a:t>
+            </a:r>
+            <a:r>
+              <a:rPr lang="it-IT" sz="2400" b="1" dirty="0"/>
+              <a:t>sovrapposizione di due fasci ottici </a:t>
+            </a:r>
+            <a:r>
+              <a:rPr lang="it-IT" sz="2400" dirty="0"/>
+              <a:t>emessi dalla </a:t>
             </a:r>
             <a:r>
               <a:rPr lang="it-IT" sz="2400" dirty="0" smtClean="0"/>
-              <a:t>sovrapposizione di due o più fasci ottici</a:t>
-            </a:r>
-            <a:r>
-              <a:rPr lang="it-IT" sz="2400" dirty="0"/>
-              <a:t>, </a:t>
+              <a:t>stessa </a:t>
             </a:r>
             <a:r>
               <a:rPr lang="it-IT" sz="2400" dirty="0" smtClean="0"/>
-              <a:t>emessi dalla stessa sorgente</a:t>
-            </a:r>
-            <a:r>
-              <a:rPr lang="it-IT" sz="2400" dirty="0"/>
-              <a:t>, </a:t>
-            </a:r>
-            <a:r>
-              <a:rPr lang="it-IT" sz="2400" dirty="0" smtClean="0"/>
-              <a:t>al </a:t>
-            </a:r>
-            <a:r>
-              <a:rPr lang="it-IT" sz="2400" dirty="0" err="1" smtClean="0"/>
-              <a:t>ﬁne</a:t>
-            </a:r>
-            <a:r>
-              <a:rPr lang="it-IT" sz="2400" dirty="0" smtClean="0"/>
-              <a:t> di ottenere una frequenza di battimento che contiene </a:t>
-            </a:r>
-            <a:r>
-              <a:rPr lang="it-IT" sz="2400" dirty="0"/>
-              <a:t>informazioni sui </a:t>
-            </a:r>
-            <a:r>
-              <a:rPr lang="it-IT" sz="2400" dirty="0" err="1" smtClean="0"/>
-              <a:t>diﬀerenti</a:t>
-            </a:r>
-            <a:r>
-              <a:rPr lang="it-IT" sz="2400" dirty="0" smtClean="0"/>
-              <a:t> </a:t>
-            </a:r>
-            <a:r>
-              <a:rPr lang="it-IT" sz="2400" dirty="0"/>
-              <a:t>cammini percorsi dai due fasci.</a:t>
-            </a:r>
+              <a:t>sorgente laser</a:t>
+            </a:r>
+            <a:endParaRPr lang="it-IT" sz="2400" dirty="0"/>
           </a:p>
         </p:txBody>
       </p:sp>
@@ -7903,6 +7793,528 @@
               <a:t>3</a:t>
             </a:fld>
             <a:endParaRPr lang="en-US" altLang="nl-NL"/>
+          </a:p>
+        </p:txBody>
+      </p:sp>
+      <p:pic>
+        <p:nvPicPr>
+          <p:cNvPr id="5" name="Immagine 4"/>
+          <p:cNvPicPr>
+            <a:picLocks noChangeAspect="1"/>
+          </p:cNvPicPr>
+          <p:nvPr/>
+        </p:nvPicPr>
+        <p:blipFill>
+          <a:blip r:embed="rId2">
+            <a:extLst>
+              <a:ext uri="{28A0092B-C50C-407E-A947-70E740481C1C}">
+                <a14:useLocalDpi xmlns:a14="http://schemas.microsoft.com/office/drawing/2010/main" val="0"/>
+              </a:ext>
+            </a:extLst>
+          </a:blip>
+          <a:stretch>
+            <a:fillRect/>
+          </a:stretch>
+        </p:blipFill>
+        <p:spPr>
+          <a:xfrm>
+            <a:off x="609599" y="2181224"/>
+            <a:ext cx="4219575" cy="2853034"/>
+          </a:xfrm>
+          <a:prstGeom prst="rect">
+            <a:avLst/>
+          </a:prstGeom>
+        </p:spPr>
+      </p:pic>
+      <p:sp>
+        <p:nvSpPr>
+          <p:cNvPr id="6" name="Segnaposto contenuto 2"/>
+          <p:cNvSpPr txBox="1">
+            <a:spLocks/>
+          </p:cNvSpPr>
+          <p:nvPr/>
+        </p:nvSpPr>
+        <p:spPr bwMode="auto">
+          <a:xfrm>
+            <a:off x="4829175" y="2709862"/>
+            <a:ext cx="3914775" cy="1800382"/>
+          </a:xfrm>
+          <a:prstGeom prst="rect">
+            <a:avLst/>
+          </a:prstGeom>
+          <a:noFill/>
+          <a:ln>
+            <a:noFill/>
+          </a:ln>
+          <a:extLst>
+            <a:ext uri="{909E8E84-426E-40DD-AFC4-6F175D3DCCD1}">
+              <a14:hiddenFill xmlns:a14="http://schemas.microsoft.com/office/drawing/2010/main">
+                <a:solidFill>
+                  <a:srgbClr val="FFFFFF"/>
+                </a:solidFill>
+              </a14:hiddenFill>
+            </a:ext>
+            <a:ext uri="{91240B29-F687-4F45-9708-019B960494DF}">
+              <a14:hiddenLine xmlns:a14="http://schemas.microsoft.com/office/drawing/2010/main" w="9525">
+                <a:solidFill>
+                  <a:srgbClr val="000000"/>
+                </a:solidFill>
+                <a:miter lim="800000"/>
+                <a:headEnd/>
+                <a:tailEnd/>
+              </a14:hiddenLine>
+            </a:ext>
+          </a:extLst>
+        </p:spPr>
+        <p:txBody>
+          <a:bodyPr vert="horz" wrap="square" lIns="91440" tIns="45720" rIns="91440" bIns="45720" numCol="1" anchor="t" anchorCtr="0" compatLnSpc="1">
+            <a:prstTxWarp prst="textNoShape">
+              <a:avLst/>
+            </a:prstTxWarp>
+          </a:bodyPr>
+          <a:lstStyle>
+            <a:lvl1pPr marL="342900" indent="-342900" algn="l" rtl="0" eaLnBrk="1" fontAlgn="base" hangingPunct="1">
+              <a:spcBef>
+                <a:spcPct val="20000"/>
+              </a:spcBef>
+              <a:spcAft>
+                <a:spcPct val="0"/>
+              </a:spcAft>
+              <a:buClr>
+                <a:srgbClr val="003366"/>
+              </a:buClr>
+              <a:buFont typeface="Times" panose="02020603050405020304" pitchFamily="18" charset="0"/>
+              <a:buChar char="•"/>
+              <a:defRPr sz="3200">
+                <a:solidFill>
+                  <a:schemeClr val="tx1"/>
+                </a:solidFill>
+                <a:latin typeface="+mn-lt"/>
+                <a:ea typeface="+mn-ea"/>
+                <a:cs typeface="+mn-cs"/>
+              </a:defRPr>
+            </a:lvl1pPr>
+            <a:lvl2pPr marL="742950" indent="-285750" algn="l" rtl="0" eaLnBrk="1" fontAlgn="base" hangingPunct="1">
+              <a:spcBef>
+                <a:spcPct val="20000"/>
+              </a:spcBef>
+              <a:spcAft>
+                <a:spcPct val="0"/>
+              </a:spcAft>
+              <a:buClr>
+                <a:srgbClr val="FF9900"/>
+              </a:buClr>
+              <a:buFont typeface="Wingdings" panose="05000000000000000000" pitchFamily="2" charset="2"/>
+              <a:buChar char="§"/>
+              <a:defRPr sz="2800">
+                <a:solidFill>
+                  <a:schemeClr val="tx1"/>
+                </a:solidFill>
+                <a:latin typeface="+mn-lt"/>
+                <a:ea typeface="+mn-ea"/>
+                <a:cs typeface="+mn-cs"/>
+              </a:defRPr>
+            </a:lvl2pPr>
+            <a:lvl3pPr marL="1143000" indent="-228600" algn="l" rtl="0" eaLnBrk="1" fontAlgn="base" hangingPunct="1">
+              <a:spcBef>
+                <a:spcPct val="20000"/>
+              </a:spcBef>
+              <a:spcAft>
+                <a:spcPct val="0"/>
+              </a:spcAft>
+              <a:buClr>
+                <a:srgbClr val="003366"/>
+              </a:buClr>
+              <a:buFont typeface="Times" panose="02020603050405020304" pitchFamily="18" charset="0"/>
+              <a:buChar char="•"/>
+              <a:defRPr sz="2400">
+                <a:solidFill>
+                  <a:schemeClr val="tx1"/>
+                </a:solidFill>
+                <a:latin typeface="+mn-lt"/>
+                <a:ea typeface="+mn-ea"/>
+                <a:cs typeface="+mn-cs"/>
+              </a:defRPr>
+            </a:lvl3pPr>
+            <a:lvl4pPr marL="1600200" indent="-228600" algn="l" rtl="0" eaLnBrk="1" fontAlgn="base" hangingPunct="1">
+              <a:spcBef>
+                <a:spcPct val="20000"/>
+              </a:spcBef>
+              <a:spcAft>
+                <a:spcPct val="0"/>
+              </a:spcAft>
+              <a:buClr>
+                <a:srgbClr val="003366"/>
+              </a:buClr>
+              <a:buChar char="–"/>
+              <a:defRPr sz="2000">
+                <a:solidFill>
+                  <a:schemeClr val="tx1"/>
+                </a:solidFill>
+                <a:latin typeface="+mn-lt"/>
+                <a:ea typeface="+mn-ea"/>
+                <a:cs typeface="+mn-cs"/>
+              </a:defRPr>
+            </a:lvl4pPr>
+            <a:lvl5pPr marL="2057400" indent="-228600" algn="l" rtl="0" eaLnBrk="1" fontAlgn="base" hangingPunct="1">
+              <a:spcBef>
+                <a:spcPct val="20000"/>
+              </a:spcBef>
+              <a:spcAft>
+                <a:spcPct val="0"/>
+              </a:spcAft>
+              <a:buChar char="»"/>
+              <a:defRPr sz="2000">
+                <a:solidFill>
+                  <a:schemeClr val="tx1"/>
+                </a:solidFill>
+                <a:latin typeface="+mn-lt"/>
+                <a:ea typeface="+mn-ea"/>
+                <a:cs typeface="+mn-cs"/>
+              </a:defRPr>
+            </a:lvl5pPr>
+            <a:lvl6pPr marL="2514600" indent="-228600" algn="l" rtl="0" eaLnBrk="1" fontAlgn="base" hangingPunct="1">
+              <a:spcBef>
+                <a:spcPct val="20000"/>
+              </a:spcBef>
+              <a:spcAft>
+                <a:spcPct val="0"/>
+              </a:spcAft>
+              <a:buChar char="»"/>
+              <a:defRPr sz="2000">
+                <a:solidFill>
+                  <a:schemeClr val="tx1"/>
+                </a:solidFill>
+                <a:latin typeface="+mn-lt"/>
+                <a:ea typeface="+mn-ea"/>
+                <a:cs typeface="+mn-cs"/>
+              </a:defRPr>
+            </a:lvl6pPr>
+            <a:lvl7pPr marL="2971800" indent="-228600" algn="l" rtl="0" eaLnBrk="1" fontAlgn="base" hangingPunct="1">
+              <a:spcBef>
+                <a:spcPct val="20000"/>
+              </a:spcBef>
+              <a:spcAft>
+                <a:spcPct val="0"/>
+              </a:spcAft>
+              <a:buChar char="»"/>
+              <a:defRPr sz="2000">
+                <a:solidFill>
+                  <a:schemeClr val="tx1"/>
+                </a:solidFill>
+                <a:latin typeface="+mn-lt"/>
+                <a:ea typeface="+mn-ea"/>
+                <a:cs typeface="+mn-cs"/>
+              </a:defRPr>
+            </a:lvl7pPr>
+            <a:lvl8pPr marL="3429000" indent="-228600" algn="l" rtl="0" eaLnBrk="1" fontAlgn="base" hangingPunct="1">
+              <a:spcBef>
+                <a:spcPct val="20000"/>
+              </a:spcBef>
+              <a:spcAft>
+                <a:spcPct val="0"/>
+              </a:spcAft>
+              <a:buChar char="»"/>
+              <a:defRPr sz="2000">
+                <a:solidFill>
+                  <a:schemeClr val="tx1"/>
+                </a:solidFill>
+                <a:latin typeface="+mn-lt"/>
+                <a:ea typeface="+mn-ea"/>
+                <a:cs typeface="+mn-cs"/>
+              </a:defRPr>
+            </a:lvl8pPr>
+            <a:lvl9pPr marL="3886200" indent="-228600" algn="l" rtl="0" eaLnBrk="1" fontAlgn="base" hangingPunct="1">
+              <a:spcBef>
+                <a:spcPct val="20000"/>
+              </a:spcBef>
+              <a:spcAft>
+                <a:spcPct val="0"/>
+              </a:spcAft>
+              <a:buChar char="»"/>
+              <a:defRPr sz="2000">
+                <a:solidFill>
+                  <a:schemeClr val="tx1"/>
+                </a:solidFill>
+                <a:latin typeface="+mn-lt"/>
+                <a:ea typeface="+mn-ea"/>
+                <a:cs typeface="+mn-cs"/>
+              </a:defRPr>
+            </a:lvl9pPr>
+          </a:lstStyle>
+          <a:p>
+            <a:r>
+              <a:rPr lang="it-IT" sz="2200" dirty="0" smtClean="0"/>
+              <a:t>Il </a:t>
+            </a:r>
+            <a:r>
+              <a:rPr lang="it-IT" sz="2200" i="1" dirty="0" smtClean="0"/>
+              <a:t>fotodiodo</a:t>
+            </a:r>
+            <a:r>
+              <a:rPr lang="it-IT" sz="2200" dirty="0" smtClean="0"/>
+              <a:t> genera una corrente contenente l’informazione </a:t>
+            </a:r>
+            <a:r>
+              <a:rPr lang="it-IT" sz="2200" dirty="0"/>
+              <a:t>sullo spostamento del bersaglio</a:t>
+            </a:r>
+            <a:endParaRPr lang="it-IT" sz="2200" kern="0" dirty="0"/>
+          </a:p>
+        </p:txBody>
+      </p:sp>
+      <p:sp>
+        <p:nvSpPr>
+          <p:cNvPr id="7" name="Segnaposto contenuto 2"/>
+          <p:cNvSpPr txBox="1">
+            <a:spLocks/>
+          </p:cNvSpPr>
+          <p:nvPr/>
+        </p:nvSpPr>
+        <p:spPr bwMode="auto">
+          <a:xfrm>
+            <a:off x="609601" y="5298437"/>
+            <a:ext cx="8134350" cy="871539"/>
+          </a:xfrm>
+          <a:prstGeom prst="rect">
+            <a:avLst/>
+          </a:prstGeom>
+          <a:noFill/>
+          <a:ln>
+            <a:noFill/>
+          </a:ln>
+          <a:extLst>
+            <a:ext uri="{909E8E84-426E-40DD-AFC4-6F175D3DCCD1}">
+              <a14:hiddenFill xmlns:a14="http://schemas.microsoft.com/office/drawing/2010/main">
+                <a:solidFill>
+                  <a:srgbClr val="FFFFFF"/>
+                </a:solidFill>
+              </a14:hiddenFill>
+            </a:ext>
+            <a:ext uri="{91240B29-F687-4F45-9708-019B960494DF}">
+              <a14:hiddenLine xmlns:a14="http://schemas.microsoft.com/office/drawing/2010/main" w="9525">
+                <a:solidFill>
+                  <a:srgbClr val="000000"/>
+                </a:solidFill>
+                <a:miter lim="800000"/>
+                <a:headEnd/>
+                <a:tailEnd/>
+              </a14:hiddenLine>
+            </a:ext>
+          </a:extLst>
+        </p:spPr>
+        <p:txBody>
+          <a:bodyPr vert="horz" wrap="square" lIns="91440" tIns="45720" rIns="91440" bIns="45720" numCol="1" anchor="t" anchorCtr="0" compatLnSpc="1">
+            <a:prstTxWarp prst="textNoShape">
+              <a:avLst/>
+            </a:prstTxWarp>
+          </a:bodyPr>
+          <a:lstStyle>
+            <a:lvl1pPr marL="342900" indent="-342900" algn="l" rtl="0" eaLnBrk="1" fontAlgn="base" hangingPunct="1">
+              <a:spcBef>
+                <a:spcPct val="20000"/>
+              </a:spcBef>
+              <a:spcAft>
+                <a:spcPct val="0"/>
+              </a:spcAft>
+              <a:buClr>
+                <a:srgbClr val="003366"/>
+              </a:buClr>
+              <a:buFont typeface="Times" panose="02020603050405020304" pitchFamily="18" charset="0"/>
+              <a:buChar char="•"/>
+              <a:defRPr sz="3200">
+                <a:solidFill>
+                  <a:schemeClr val="tx1"/>
+                </a:solidFill>
+                <a:latin typeface="+mn-lt"/>
+                <a:ea typeface="+mn-ea"/>
+                <a:cs typeface="+mn-cs"/>
+              </a:defRPr>
+            </a:lvl1pPr>
+            <a:lvl2pPr marL="742950" indent="-285750" algn="l" rtl="0" eaLnBrk="1" fontAlgn="base" hangingPunct="1">
+              <a:spcBef>
+                <a:spcPct val="20000"/>
+              </a:spcBef>
+              <a:spcAft>
+                <a:spcPct val="0"/>
+              </a:spcAft>
+              <a:buClr>
+                <a:srgbClr val="FF9900"/>
+              </a:buClr>
+              <a:buFont typeface="Wingdings" panose="05000000000000000000" pitchFamily="2" charset="2"/>
+              <a:buChar char="§"/>
+              <a:defRPr sz="2800">
+                <a:solidFill>
+                  <a:schemeClr val="tx1"/>
+                </a:solidFill>
+                <a:latin typeface="+mn-lt"/>
+                <a:ea typeface="+mn-ea"/>
+                <a:cs typeface="+mn-cs"/>
+              </a:defRPr>
+            </a:lvl2pPr>
+            <a:lvl3pPr marL="1143000" indent="-228600" algn="l" rtl="0" eaLnBrk="1" fontAlgn="base" hangingPunct="1">
+              <a:spcBef>
+                <a:spcPct val="20000"/>
+              </a:spcBef>
+              <a:spcAft>
+                <a:spcPct val="0"/>
+              </a:spcAft>
+              <a:buClr>
+                <a:srgbClr val="003366"/>
+              </a:buClr>
+              <a:buFont typeface="Times" panose="02020603050405020304" pitchFamily="18" charset="0"/>
+              <a:buChar char="•"/>
+              <a:defRPr sz="2400">
+                <a:solidFill>
+                  <a:schemeClr val="tx1"/>
+                </a:solidFill>
+                <a:latin typeface="+mn-lt"/>
+                <a:ea typeface="+mn-ea"/>
+                <a:cs typeface="+mn-cs"/>
+              </a:defRPr>
+            </a:lvl3pPr>
+            <a:lvl4pPr marL="1600200" indent="-228600" algn="l" rtl="0" eaLnBrk="1" fontAlgn="base" hangingPunct="1">
+              <a:spcBef>
+                <a:spcPct val="20000"/>
+              </a:spcBef>
+              <a:spcAft>
+                <a:spcPct val="0"/>
+              </a:spcAft>
+              <a:buClr>
+                <a:srgbClr val="003366"/>
+              </a:buClr>
+              <a:buChar char="–"/>
+              <a:defRPr sz="2000">
+                <a:solidFill>
+                  <a:schemeClr val="tx1"/>
+                </a:solidFill>
+                <a:latin typeface="+mn-lt"/>
+                <a:ea typeface="+mn-ea"/>
+                <a:cs typeface="+mn-cs"/>
+              </a:defRPr>
+            </a:lvl4pPr>
+            <a:lvl5pPr marL="2057400" indent="-228600" algn="l" rtl="0" eaLnBrk="1" fontAlgn="base" hangingPunct="1">
+              <a:spcBef>
+                <a:spcPct val="20000"/>
+              </a:spcBef>
+              <a:spcAft>
+                <a:spcPct val="0"/>
+              </a:spcAft>
+              <a:buChar char="»"/>
+              <a:defRPr sz="2000">
+                <a:solidFill>
+                  <a:schemeClr val="tx1"/>
+                </a:solidFill>
+                <a:latin typeface="+mn-lt"/>
+                <a:ea typeface="+mn-ea"/>
+                <a:cs typeface="+mn-cs"/>
+              </a:defRPr>
+            </a:lvl5pPr>
+            <a:lvl6pPr marL="2514600" indent="-228600" algn="l" rtl="0" eaLnBrk="1" fontAlgn="base" hangingPunct="1">
+              <a:spcBef>
+                <a:spcPct val="20000"/>
+              </a:spcBef>
+              <a:spcAft>
+                <a:spcPct val="0"/>
+              </a:spcAft>
+              <a:buChar char="»"/>
+              <a:defRPr sz="2000">
+                <a:solidFill>
+                  <a:schemeClr val="tx1"/>
+                </a:solidFill>
+                <a:latin typeface="+mn-lt"/>
+                <a:ea typeface="+mn-ea"/>
+                <a:cs typeface="+mn-cs"/>
+              </a:defRPr>
+            </a:lvl6pPr>
+            <a:lvl7pPr marL="2971800" indent="-228600" algn="l" rtl="0" eaLnBrk="1" fontAlgn="base" hangingPunct="1">
+              <a:spcBef>
+                <a:spcPct val="20000"/>
+              </a:spcBef>
+              <a:spcAft>
+                <a:spcPct val="0"/>
+              </a:spcAft>
+              <a:buChar char="»"/>
+              <a:defRPr sz="2000">
+                <a:solidFill>
+                  <a:schemeClr val="tx1"/>
+                </a:solidFill>
+                <a:latin typeface="+mn-lt"/>
+                <a:ea typeface="+mn-ea"/>
+                <a:cs typeface="+mn-cs"/>
+              </a:defRPr>
+            </a:lvl7pPr>
+            <a:lvl8pPr marL="3429000" indent="-228600" algn="l" rtl="0" eaLnBrk="1" fontAlgn="base" hangingPunct="1">
+              <a:spcBef>
+                <a:spcPct val="20000"/>
+              </a:spcBef>
+              <a:spcAft>
+                <a:spcPct val="0"/>
+              </a:spcAft>
+              <a:buChar char="»"/>
+              <a:defRPr sz="2000">
+                <a:solidFill>
+                  <a:schemeClr val="tx1"/>
+                </a:solidFill>
+                <a:latin typeface="+mn-lt"/>
+                <a:ea typeface="+mn-ea"/>
+                <a:cs typeface="+mn-cs"/>
+              </a:defRPr>
+            </a:lvl8pPr>
+            <a:lvl9pPr marL="3886200" indent="-228600" algn="l" rtl="0" eaLnBrk="1" fontAlgn="base" hangingPunct="1">
+              <a:spcBef>
+                <a:spcPct val="20000"/>
+              </a:spcBef>
+              <a:spcAft>
+                <a:spcPct val="0"/>
+              </a:spcAft>
+              <a:buChar char="»"/>
+              <a:defRPr sz="2000">
+                <a:solidFill>
+                  <a:schemeClr val="tx1"/>
+                </a:solidFill>
+                <a:latin typeface="+mn-lt"/>
+                <a:ea typeface="+mn-ea"/>
+                <a:cs typeface="+mn-cs"/>
+              </a:defRPr>
+            </a:lvl9pPr>
+          </a:lstStyle>
+          <a:p>
+            <a:r>
+              <a:rPr lang="it-IT" sz="2400" i="1" kern="0" dirty="0" smtClean="0"/>
+              <a:t>Pro</a:t>
+            </a:r>
+            <a:r>
+              <a:rPr lang="it-IT" sz="2400" kern="0" dirty="0" smtClean="0"/>
+              <a:t>: </a:t>
+            </a:r>
+            <a:r>
+              <a:rPr lang="it-IT" sz="2400" b="1" kern="0" dirty="0" smtClean="0"/>
+              <a:t>Semplicità</a:t>
+            </a:r>
+            <a:r>
+              <a:rPr lang="it-IT" sz="2400" kern="0" dirty="0" smtClean="0"/>
+              <a:t> di realizzazione</a:t>
+            </a:r>
+          </a:p>
+          <a:p>
+            <a:r>
+              <a:rPr lang="it-IT" sz="2400" i="1" kern="0" dirty="0" smtClean="0"/>
+              <a:t>Contro</a:t>
+            </a:r>
+            <a:r>
+              <a:rPr lang="it-IT" sz="2400" kern="0" dirty="0" smtClean="0"/>
+              <a:t>: </a:t>
+            </a:r>
+            <a:r>
+              <a:rPr lang="it-IT" sz="2400" b="1" kern="0" dirty="0" smtClean="0"/>
+              <a:t>Invasività </a:t>
+            </a:r>
+            <a:r>
+              <a:rPr lang="it-IT" sz="2400" kern="0" dirty="0" smtClean="0"/>
+              <a:t>della misura</a:t>
+            </a:r>
+            <a:endParaRPr lang="it-IT" sz="2400" b="1" kern="0" dirty="0"/>
           </a:p>
         </p:txBody>
       </p:sp>
@@ -7959,102 +8371,8 @@
           <a:lstStyle/>
           <a:p>
             <a:r>
-              <a:rPr lang="it-IT" dirty="0" smtClean="0"/>
-              <a:t>Interferometria tradizionale</a:t>
-            </a:r>
-            <a:endParaRPr lang="it-IT" dirty="0"/>
-          </a:p>
-        </p:txBody>
-      </p:sp>
-      <p:sp>
-        <p:nvSpPr>
-          <p:cNvPr id="3" name="Segnaposto contenuto 2"/>
-          <p:cNvSpPr>
-            <a:spLocks noGrp="1"/>
-          </p:cNvSpPr>
-          <p:nvPr>
-            <p:ph idx="1"/>
-          </p:nvPr>
-        </p:nvSpPr>
-        <p:spPr>
-          <a:xfrm>
-            <a:off x="609599" y="1143000"/>
-            <a:ext cx="6477001" cy="3086100"/>
-          </a:xfrm>
-        </p:spPr>
-        <p:txBody>
-          <a:bodyPr/>
-          <a:lstStyle/>
-          <a:p>
-            <a:r>
-              <a:rPr lang="it-IT" sz="2400" dirty="0" smtClean="0"/>
-              <a:t>L’interferometro tradizionale è basato </a:t>
-            </a:r>
-            <a:r>
-              <a:rPr lang="it-IT" sz="2400" dirty="0" smtClean="0"/>
-              <a:t>sull’architettura </a:t>
-            </a:r>
-            <a:r>
-              <a:rPr lang="it-IT" sz="2400" dirty="0"/>
-              <a:t>di </a:t>
-            </a:r>
-            <a:r>
-              <a:rPr lang="it-IT" sz="2400" i="1" dirty="0" err="1" smtClean="0"/>
-              <a:t>Michelson</a:t>
-            </a:r>
-            <a:r>
-              <a:rPr lang="it-IT" sz="2400" dirty="0" smtClean="0"/>
-              <a:t>. </a:t>
-            </a:r>
-            <a:r>
-              <a:rPr lang="it-IT" sz="2400" dirty="0" smtClean="0"/>
-              <a:t/>
-            </a:r>
-            <a:br>
-              <a:rPr lang="it-IT" sz="2400" dirty="0" smtClean="0"/>
-            </a:br>
-            <a:r>
-              <a:rPr lang="it-IT" sz="2400" dirty="0" smtClean="0"/>
-              <a:t>L’architettura </a:t>
-            </a:r>
-            <a:r>
-              <a:rPr lang="it-IT" sz="2400" dirty="0" smtClean="0"/>
-              <a:t>è formata da:</a:t>
-            </a:r>
-          </a:p>
-          <a:p>
-            <a:pPr lvl="1"/>
-            <a:r>
-              <a:rPr lang="it-IT" sz="2000" dirty="0" smtClean="0"/>
-              <a:t>Divisore di fascio</a:t>
-            </a:r>
-          </a:p>
-          <a:p>
-            <a:pPr lvl="1"/>
-            <a:r>
-              <a:rPr lang="it-IT" sz="2000" dirty="0" smtClean="0"/>
-              <a:t>Specchio di riferimento, posto a distanza</a:t>
-            </a:r>
-            <a:br>
-              <a:rPr lang="it-IT" sz="2000" dirty="0" smtClean="0"/>
-            </a:br>
-            <a:r>
-              <a:rPr lang="it-IT" sz="2000" dirty="0" smtClean="0"/>
-              <a:t>nota</a:t>
-            </a:r>
-          </a:p>
-          <a:p>
-            <a:pPr lvl="1"/>
-            <a:r>
-              <a:rPr lang="it-IT" sz="2000" dirty="0" smtClean="0"/>
-              <a:t>Specchio di misura, solidale al bersaglio</a:t>
-            </a:r>
-          </a:p>
-          <a:p>
-            <a:pPr lvl="1"/>
-            <a:r>
-              <a:rPr lang="it-IT" sz="2000" dirty="0" smtClean="0"/>
-              <a:t>Fotodiodo</a:t>
+              <a:rPr lang="it-IT" dirty="0"/>
+              <a:t>Interferometria a self-mixing</a:t>
             </a:r>
           </a:p>
         </p:txBody>
@@ -8085,7 +8403,7 @@
       </p:sp>
       <p:pic>
         <p:nvPicPr>
-          <p:cNvPr id="8" name="Immagine 7"/>
+          <p:cNvPr id="5" name="Immagine 4"/>
           <p:cNvPicPr>
             <a:picLocks noChangeAspect="1"/>
           </p:cNvPicPr>
@@ -8105,18 +8423,356 @@
         </p:blipFill>
         <p:spPr>
           <a:xfrm>
-            <a:off x="5057776" y="3157538"/>
-            <a:ext cx="4036238" cy="2729072"/>
+            <a:off x="1945963" y="3238785"/>
+            <a:ext cx="5733088" cy="1866327"/>
           </a:xfrm>
           <a:prstGeom prst="rect">
             <a:avLst/>
           </a:prstGeom>
         </p:spPr>
       </p:pic>
+      <p:sp>
+        <p:nvSpPr>
+          <p:cNvPr id="7" name="Segnaposto contenuto 2"/>
+          <p:cNvSpPr>
+            <a:spLocks noGrp="1"/>
+          </p:cNvSpPr>
+          <p:nvPr>
+            <p:ph idx="1"/>
+          </p:nvPr>
+        </p:nvSpPr>
+        <p:spPr>
+          <a:xfrm>
+            <a:off x="609600" y="1050131"/>
+            <a:ext cx="8405814" cy="2093120"/>
+          </a:xfrm>
+        </p:spPr>
+        <p:txBody>
+          <a:bodyPr/>
+          <a:lstStyle/>
+          <a:p>
+            <a:r>
+              <a:rPr lang="it-IT" sz="2400" dirty="0" smtClean="0"/>
+              <a:t>L’architettura è composta </a:t>
+            </a:r>
+            <a:r>
+              <a:rPr lang="it-IT" sz="2400" dirty="0"/>
+              <a:t>solamente</a:t>
+            </a:r>
+            <a:r>
+              <a:rPr lang="it-IT" sz="2400" dirty="0" smtClean="0"/>
+              <a:t> da:</a:t>
+            </a:r>
+            <a:br>
+              <a:rPr lang="it-IT" sz="2400" dirty="0" smtClean="0"/>
+            </a:br>
+            <a:r>
+              <a:rPr lang="it-IT" sz="2400" dirty="0" smtClean="0"/>
+              <a:t>un </a:t>
+            </a:r>
+            <a:r>
+              <a:rPr lang="it-IT" sz="2400" b="1" dirty="0"/>
+              <a:t>f</a:t>
+            </a:r>
+            <a:r>
+              <a:rPr lang="it-IT" sz="2400" b="1" dirty="0" smtClean="0"/>
+              <a:t>otodiodo</a:t>
+            </a:r>
+            <a:r>
+              <a:rPr lang="it-IT" sz="2400" dirty="0" smtClean="0"/>
+              <a:t>, una sorgente </a:t>
+            </a:r>
+            <a:r>
+              <a:rPr lang="it-IT" sz="2400" b="1" dirty="0"/>
+              <a:t>l</a:t>
+            </a:r>
+            <a:r>
+              <a:rPr lang="it-IT" sz="2400" b="1" dirty="0" smtClean="0"/>
+              <a:t>aser</a:t>
+            </a:r>
+            <a:r>
+              <a:rPr lang="it-IT" sz="2400" dirty="0" smtClean="0"/>
+              <a:t> e una </a:t>
+            </a:r>
+            <a:r>
+              <a:rPr lang="it-IT" sz="2400" b="1" dirty="0"/>
+              <a:t>l</a:t>
+            </a:r>
+            <a:r>
+              <a:rPr lang="it-IT" sz="2400" b="1" dirty="0" smtClean="0"/>
+              <a:t>ente</a:t>
+            </a:r>
+          </a:p>
+          <a:p>
+            <a:r>
+              <a:rPr lang="it-IT" sz="2400" dirty="0" smtClean="0"/>
+              <a:t>Il </a:t>
+            </a:r>
+            <a:r>
+              <a:rPr lang="it-IT" sz="2400" dirty="0"/>
+              <a:t>fascio laser emesso è riflesso dal bersaglio e rientra </a:t>
+            </a:r>
+            <a:r>
+              <a:rPr lang="it-IT" sz="2400" dirty="0" smtClean="0"/>
+              <a:t>nella cavità </a:t>
+            </a:r>
+            <a:r>
+              <a:rPr lang="it-IT" sz="2400" dirty="0"/>
+              <a:t>causando un fenomeno di </a:t>
+            </a:r>
+            <a:r>
+              <a:rPr lang="it-IT" sz="2400" b="1" dirty="0"/>
+              <a:t>interferenza</a:t>
+            </a:r>
+          </a:p>
+          <a:p>
+            <a:pPr marL="0" indent="0">
+              <a:buNone/>
+            </a:pPr>
+            <a:endParaRPr lang="it-IT" sz="2400" b="1" dirty="0" smtClean="0"/>
+          </a:p>
+        </p:txBody>
+      </p:sp>
+      <p:sp>
+        <p:nvSpPr>
+          <p:cNvPr id="11" name="Segnaposto contenuto 2"/>
+          <p:cNvSpPr txBox="1">
+            <a:spLocks/>
+          </p:cNvSpPr>
+          <p:nvPr/>
+        </p:nvSpPr>
+        <p:spPr bwMode="auto">
+          <a:xfrm>
+            <a:off x="609600" y="5352904"/>
+            <a:ext cx="8405814" cy="952503"/>
+          </a:xfrm>
+          <a:prstGeom prst="rect">
+            <a:avLst/>
+          </a:prstGeom>
+          <a:noFill/>
+          <a:ln>
+            <a:noFill/>
+          </a:ln>
+          <a:extLst>
+            <a:ext uri="{909E8E84-426E-40DD-AFC4-6F175D3DCCD1}">
+              <a14:hiddenFill xmlns:a14="http://schemas.microsoft.com/office/drawing/2010/main">
+                <a:solidFill>
+                  <a:srgbClr val="FFFFFF"/>
+                </a:solidFill>
+              </a14:hiddenFill>
+            </a:ext>
+            <a:ext uri="{91240B29-F687-4F45-9708-019B960494DF}">
+              <a14:hiddenLine xmlns:a14="http://schemas.microsoft.com/office/drawing/2010/main" w="9525">
+                <a:solidFill>
+                  <a:srgbClr val="000000"/>
+                </a:solidFill>
+                <a:miter lim="800000"/>
+                <a:headEnd/>
+                <a:tailEnd/>
+              </a14:hiddenLine>
+            </a:ext>
+          </a:extLst>
+        </p:spPr>
+        <p:txBody>
+          <a:bodyPr vert="horz" wrap="square" lIns="91440" tIns="45720" rIns="91440" bIns="45720" numCol="1" anchor="t" anchorCtr="0" compatLnSpc="1">
+            <a:prstTxWarp prst="textNoShape">
+              <a:avLst/>
+            </a:prstTxWarp>
+          </a:bodyPr>
+          <a:lstStyle>
+            <a:lvl1pPr marL="342900" indent="-342900" algn="l" rtl="0" eaLnBrk="1" fontAlgn="base" hangingPunct="1">
+              <a:spcBef>
+                <a:spcPct val="20000"/>
+              </a:spcBef>
+              <a:spcAft>
+                <a:spcPct val="0"/>
+              </a:spcAft>
+              <a:buClr>
+                <a:srgbClr val="003366"/>
+              </a:buClr>
+              <a:buFont typeface="Times" panose="02020603050405020304" pitchFamily="18" charset="0"/>
+              <a:buChar char="•"/>
+              <a:defRPr sz="3200">
+                <a:solidFill>
+                  <a:schemeClr val="tx1"/>
+                </a:solidFill>
+                <a:latin typeface="+mn-lt"/>
+                <a:ea typeface="+mn-ea"/>
+                <a:cs typeface="+mn-cs"/>
+              </a:defRPr>
+            </a:lvl1pPr>
+            <a:lvl2pPr marL="742950" indent="-285750" algn="l" rtl="0" eaLnBrk="1" fontAlgn="base" hangingPunct="1">
+              <a:spcBef>
+                <a:spcPct val="20000"/>
+              </a:spcBef>
+              <a:spcAft>
+                <a:spcPct val="0"/>
+              </a:spcAft>
+              <a:buClr>
+                <a:srgbClr val="FF9900"/>
+              </a:buClr>
+              <a:buFont typeface="Wingdings" panose="05000000000000000000" pitchFamily="2" charset="2"/>
+              <a:buChar char="§"/>
+              <a:defRPr sz="2800">
+                <a:solidFill>
+                  <a:schemeClr val="tx1"/>
+                </a:solidFill>
+                <a:latin typeface="+mn-lt"/>
+                <a:ea typeface="+mn-ea"/>
+                <a:cs typeface="+mn-cs"/>
+              </a:defRPr>
+            </a:lvl2pPr>
+            <a:lvl3pPr marL="1143000" indent="-228600" algn="l" rtl="0" eaLnBrk="1" fontAlgn="base" hangingPunct="1">
+              <a:spcBef>
+                <a:spcPct val="20000"/>
+              </a:spcBef>
+              <a:spcAft>
+                <a:spcPct val="0"/>
+              </a:spcAft>
+              <a:buClr>
+                <a:srgbClr val="003366"/>
+              </a:buClr>
+              <a:buFont typeface="Times" panose="02020603050405020304" pitchFamily="18" charset="0"/>
+              <a:buChar char="•"/>
+              <a:defRPr sz="2400">
+                <a:solidFill>
+                  <a:schemeClr val="tx1"/>
+                </a:solidFill>
+                <a:latin typeface="+mn-lt"/>
+                <a:ea typeface="+mn-ea"/>
+                <a:cs typeface="+mn-cs"/>
+              </a:defRPr>
+            </a:lvl3pPr>
+            <a:lvl4pPr marL="1600200" indent="-228600" algn="l" rtl="0" eaLnBrk="1" fontAlgn="base" hangingPunct="1">
+              <a:spcBef>
+                <a:spcPct val="20000"/>
+              </a:spcBef>
+              <a:spcAft>
+                <a:spcPct val="0"/>
+              </a:spcAft>
+              <a:buClr>
+                <a:srgbClr val="003366"/>
+              </a:buClr>
+              <a:buChar char="–"/>
+              <a:defRPr sz="2000">
+                <a:solidFill>
+                  <a:schemeClr val="tx1"/>
+                </a:solidFill>
+                <a:latin typeface="+mn-lt"/>
+                <a:ea typeface="+mn-ea"/>
+                <a:cs typeface="+mn-cs"/>
+              </a:defRPr>
+            </a:lvl4pPr>
+            <a:lvl5pPr marL="2057400" indent="-228600" algn="l" rtl="0" eaLnBrk="1" fontAlgn="base" hangingPunct="1">
+              <a:spcBef>
+                <a:spcPct val="20000"/>
+              </a:spcBef>
+              <a:spcAft>
+                <a:spcPct val="0"/>
+              </a:spcAft>
+              <a:buChar char="»"/>
+              <a:defRPr sz="2000">
+                <a:solidFill>
+                  <a:schemeClr val="tx1"/>
+                </a:solidFill>
+                <a:latin typeface="+mn-lt"/>
+                <a:ea typeface="+mn-ea"/>
+                <a:cs typeface="+mn-cs"/>
+              </a:defRPr>
+            </a:lvl5pPr>
+            <a:lvl6pPr marL="2514600" indent="-228600" algn="l" rtl="0" eaLnBrk="1" fontAlgn="base" hangingPunct="1">
+              <a:spcBef>
+                <a:spcPct val="20000"/>
+              </a:spcBef>
+              <a:spcAft>
+                <a:spcPct val="0"/>
+              </a:spcAft>
+              <a:buChar char="»"/>
+              <a:defRPr sz="2000">
+                <a:solidFill>
+                  <a:schemeClr val="tx1"/>
+                </a:solidFill>
+                <a:latin typeface="+mn-lt"/>
+                <a:ea typeface="+mn-ea"/>
+                <a:cs typeface="+mn-cs"/>
+              </a:defRPr>
+            </a:lvl6pPr>
+            <a:lvl7pPr marL="2971800" indent="-228600" algn="l" rtl="0" eaLnBrk="1" fontAlgn="base" hangingPunct="1">
+              <a:spcBef>
+                <a:spcPct val="20000"/>
+              </a:spcBef>
+              <a:spcAft>
+                <a:spcPct val="0"/>
+              </a:spcAft>
+              <a:buChar char="»"/>
+              <a:defRPr sz="2000">
+                <a:solidFill>
+                  <a:schemeClr val="tx1"/>
+                </a:solidFill>
+                <a:latin typeface="+mn-lt"/>
+                <a:ea typeface="+mn-ea"/>
+                <a:cs typeface="+mn-cs"/>
+              </a:defRPr>
+            </a:lvl7pPr>
+            <a:lvl8pPr marL="3429000" indent="-228600" algn="l" rtl="0" eaLnBrk="1" fontAlgn="base" hangingPunct="1">
+              <a:spcBef>
+                <a:spcPct val="20000"/>
+              </a:spcBef>
+              <a:spcAft>
+                <a:spcPct val="0"/>
+              </a:spcAft>
+              <a:buChar char="»"/>
+              <a:defRPr sz="2000">
+                <a:solidFill>
+                  <a:schemeClr val="tx1"/>
+                </a:solidFill>
+                <a:latin typeface="+mn-lt"/>
+                <a:ea typeface="+mn-ea"/>
+                <a:cs typeface="+mn-cs"/>
+              </a:defRPr>
+            </a:lvl8pPr>
+            <a:lvl9pPr marL="3886200" indent="-228600" algn="l" rtl="0" eaLnBrk="1" fontAlgn="base" hangingPunct="1">
+              <a:spcBef>
+                <a:spcPct val="20000"/>
+              </a:spcBef>
+              <a:spcAft>
+                <a:spcPct val="0"/>
+              </a:spcAft>
+              <a:buChar char="»"/>
+              <a:defRPr sz="2000">
+                <a:solidFill>
+                  <a:schemeClr val="tx1"/>
+                </a:solidFill>
+                <a:latin typeface="+mn-lt"/>
+                <a:ea typeface="+mn-ea"/>
+                <a:cs typeface="+mn-cs"/>
+              </a:defRPr>
+            </a:lvl9pPr>
+          </a:lstStyle>
+          <a:p>
+            <a:r>
+              <a:rPr lang="it-IT" sz="2400" dirty="0" smtClean="0"/>
+              <a:t>Risolve i </a:t>
+            </a:r>
+            <a:r>
+              <a:rPr lang="it-IT" sz="2400" dirty="0"/>
+              <a:t>problemi dell’interferometria </a:t>
+            </a:r>
+            <a:r>
+              <a:rPr lang="it-IT" sz="2400" dirty="0" smtClean="0"/>
+              <a:t>convenzionale 	⇒ non richiede un bersaglio cooperativo</a:t>
+            </a:r>
+            <a:endParaRPr lang="it-IT" sz="2400" dirty="0"/>
+          </a:p>
+          <a:p>
+            <a:endParaRPr lang="it-IT" sz="2400" b="1" kern="0" dirty="0" smtClean="0"/>
+          </a:p>
+        </p:txBody>
+      </p:sp>
     </p:spTree>
     <p:extLst>
       <p:ext uri="{BB962C8B-B14F-4D97-AF65-F5344CB8AC3E}">
-        <p14:creationId xmlns:p14="http://schemas.microsoft.com/office/powerpoint/2010/main" val="1479671013"/>
+        <p14:creationId xmlns:p14="http://schemas.microsoft.com/office/powerpoint/2010/main" val="820697697"/>
       </p:ext>
     </p:extLst>
   </p:cSld>
@@ -8166,61 +8822,10 @@
           <a:lstStyle/>
           <a:p>
             <a:r>
-              <a:rPr lang="it-IT" dirty="0"/>
-              <a:t>Interferometria a self-mixing</a:t>
+              <a:rPr lang="it-IT" dirty="0" smtClean="0"/>
+              <a:t>Misura della distanza</a:t>
             </a:r>
             <a:endParaRPr lang="it-IT" dirty="0"/>
-          </a:p>
-        </p:txBody>
-      </p:sp>
-      <p:sp>
-        <p:nvSpPr>
-          <p:cNvPr id="3" name="Segnaposto contenuto 2"/>
-          <p:cNvSpPr>
-            <a:spLocks noGrp="1"/>
-          </p:cNvSpPr>
-          <p:nvPr>
-            <p:ph idx="1"/>
-          </p:nvPr>
-        </p:nvSpPr>
-        <p:spPr/>
-        <p:txBody>
-          <a:bodyPr/>
-          <a:lstStyle/>
-          <a:p>
-            <a:r>
-              <a:rPr lang="it-IT" sz="2400" dirty="0" smtClean="0"/>
-              <a:t>Motivazioni</a:t>
-            </a:r>
-          </a:p>
-          <a:p>
-            <a:pPr lvl="1"/>
-            <a:r>
-              <a:rPr lang="it-IT" sz="2000" dirty="0" smtClean="0"/>
-              <a:t>Possibilità di misura con bersaglio non cooperativo</a:t>
-            </a:r>
-          </a:p>
-          <a:p>
-            <a:pPr lvl="1"/>
-            <a:r>
-              <a:rPr lang="it-IT" sz="2000" dirty="0" smtClean="0"/>
-              <a:t>Più economico</a:t>
-            </a:r>
-          </a:p>
-          <a:p>
-            <a:pPr lvl="1"/>
-            <a:r>
-              <a:rPr lang="it-IT" sz="2000" dirty="0" smtClean="0"/>
-              <a:t>Più semplice realizzazione</a:t>
-            </a:r>
-          </a:p>
-          <a:p>
-            <a:pPr lvl="1"/>
-            <a:r>
-              <a:rPr lang="it-IT" sz="2000" dirty="0" smtClean="0"/>
-              <a:t>Non ambiguità del verso di spostamento</a:t>
-            </a:r>
-            <a:endParaRPr lang="it-IT" sz="2000" dirty="0"/>
           </a:p>
         </p:txBody>
       </p:sp>
@@ -8248,10 +8853,592 @@
           </a:p>
         </p:txBody>
       </p:sp>
+      <mc:AlternateContent xmlns:mc="http://schemas.openxmlformats.org/markup-compatibility/2006">
+        <mc:Choice xmlns:a14="http://schemas.microsoft.com/office/drawing/2010/main" Requires="a14">
+          <p:sp>
+            <p:nvSpPr>
+              <p:cNvPr id="5" name="Segnaposto contenuto 2"/>
+              <p:cNvSpPr>
+                <a:spLocks noGrp="1"/>
+              </p:cNvSpPr>
+              <p:nvPr>
+                <p:ph idx="1"/>
+              </p:nvPr>
+            </p:nvSpPr>
+            <p:spPr>
+              <a:xfrm>
+                <a:off x="609600" y="1022506"/>
+                <a:ext cx="8405814" cy="1278257"/>
+              </a:xfrm>
+            </p:spPr>
+            <p:txBody>
+              <a:bodyPr/>
+              <a:lstStyle/>
+              <a:p>
+                <a:r>
+                  <a:rPr lang="it-IT" sz="2400" dirty="0" smtClean="0"/>
+                  <a:t>Modulando la corrente di pilotaggio del </a:t>
+                </a:r>
+                <a:r>
+                  <a:rPr lang="it-IT" sz="2400" dirty="0"/>
+                  <a:t>laser si </a:t>
+                </a:r>
+                <a:r>
+                  <a:rPr lang="it-IT" sz="2400" dirty="0" smtClean="0"/>
+                  <a:t>può̀ </a:t>
+                </a:r>
+                <a:r>
+                  <a:rPr lang="it-IT" sz="2400" dirty="0"/>
+                  <a:t>modulare la lunghezza </a:t>
+                </a:r>
+                <a:r>
+                  <a:rPr lang="it-IT" sz="2400" dirty="0" smtClean="0"/>
+                  <a:t>d'onda </a:t>
+                </a:r>
+                <a14:m>
+                  <m:oMath xmlns:m="http://schemas.openxmlformats.org/officeDocument/2006/math">
+                    <m:r>
+                      <a:rPr lang="it-IT" sz="2400" i="1" smtClean="0">
+                        <a:latin typeface="Cambria Math" charset="0"/>
+                        <a:ea typeface="Cambria Math" charset="0"/>
+                        <a:cs typeface="Cambria Math" charset="0"/>
+                      </a:rPr>
+                      <m:t>𝜆</m:t>
+                    </m:r>
+                  </m:oMath>
+                </a14:m>
+                <a:r>
+                  <a:rPr lang="it-IT" sz="2400" dirty="0" smtClean="0"/>
+                  <a:t> consentendo così di </a:t>
+                </a:r>
+                <a:r>
+                  <a:rPr lang="it-IT" sz="2400" dirty="0"/>
+                  <a:t>vedere </a:t>
+                </a:r>
+                <a:r>
+                  <a:rPr lang="it-IT" sz="2400" dirty="0" smtClean="0"/>
+                  <a:t>il </a:t>
+                </a:r>
+                <a:r>
+                  <a:rPr lang="it-IT" sz="2400" b="1" dirty="0" smtClean="0"/>
+                  <a:t>segnale </a:t>
+                </a:r>
+                <a:r>
+                  <a:rPr lang="it-IT" sz="2400" b="1" dirty="0" err="1" smtClean="0"/>
+                  <a:t>inteferometrico</a:t>
+                </a:r>
+                <a:endParaRPr lang="it-IT" sz="2400" b="1" dirty="0" smtClean="0"/>
+              </a:p>
+            </p:txBody>
+          </p:sp>
+        </mc:Choice>
+        <mc:Fallback>
+          <p:sp>
+            <p:nvSpPr>
+              <p:cNvPr id="5" name="Segnaposto contenuto 2"/>
+              <p:cNvSpPr>
+                <a:spLocks noGrp="1" noRot="1" noChangeAspect="1" noMove="1" noResize="1" noEditPoints="1" noAdjustHandles="1" noChangeArrowheads="1" noChangeShapeType="1" noTextEdit="1"/>
+              </p:cNvSpPr>
+              <p:nvPr>
+                <p:ph idx="1"/>
+              </p:nvPr>
+            </p:nvSpPr>
+            <p:spPr>
+              <a:xfrm>
+                <a:off x="609600" y="1022506"/>
+                <a:ext cx="8405814" cy="1278257"/>
+              </a:xfrm>
+              <a:blipFill rotWithShape="0">
+                <a:blip r:embed="rId2"/>
+                <a:stretch>
+                  <a:fillRect l="-1015" t="-3828" r="-1305" b="-4306"/>
+                </a:stretch>
+              </a:blipFill>
+            </p:spPr>
+            <p:txBody>
+              <a:bodyPr/>
+              <a:lstStyle/>
+              <a:p>
+                <a:r>
+                  <a:rPr lang="it-IT">
+                    <a:noFill/>
+                  </a:rPr>
+                  <a:t> </a:t>
+                </a:r>
+              </a:p>
+            </p:txBody>
+          </p:sp>
+        </mc:Fallback>
+      </mc:AlternateContent>
+      <mc:AlternateContent xmlns:mc="http://schemas.openxmlformats.org/markup-compatibility/2006">
+        <mc:Choice xmlns:a14="http://schemas.microsoft.com/office/drawing/2010/main" Requires="a14">
+          <p:sp>
+            <p:nvSpPr>
+              <p:cNvPr id="6" name="CasellaDiTesto 5"/>
+              <p:cNvSpPr txBox="1"/>
+              <p:nvPr/>
+            </p:nvSpPr>
+            <p:spPr>
+              <a:xfrm>
+                <a:off x="2939271" y="5665016"/>
+                <a:ext cx="2503457" cy="733855"/>
+              </a:xfrm>
+              <a:prstGeom prst="rect">
+                <a:avLst/>
+              </a:prstGeom>
+              <a:noFill/>
+            </p:spPr>
+            <p:txBody>
+              <a:bodyPr wrap="square" lIns="0" tIns="0" rIns="0" bIns="0" rtlCol="0">
+                <a:spAutoFit/>
+              </a:bodyPr>
+              <a:lstStyle/>
+              <a:p>
+                <a14:m>
+                  <m:oMathPara xmlns:m="http://schemas.openxmlformats.org/officeDocument/2006/math">
+                    <m:oMathParaPr>
+                      <m:jc m:val="centerGroup"/>
+                    </m:oMathParaPr>
+                    <m:oMath xmlns:m="http://schemas.openxmlformats.org/officeDocument/2006/math">
+                      <m:r>
+                        <a:rPr lang="it-IT" b="0" i="1" smtClean="0">
+                          <a:latin typeface="Cambria Math" charset="0"/>
+                          <a:ea typeface="Cambria Math" charset="0"/>
+                          <a:cs typeface="Cambria Math" charset="0"/>
+                        </a:rPr>
+                        <m:t>𝑑</m:t>
+                      </m:r>
+                      <m:r>
+                        <a:rPr lang="it-IT" i="1">
+                          <a:latin typeface="Cambria Math" charset="0"/>
+                          <a:ea typeface="Cambria Math" charset="0"/>
+                          <a:cs typeface="Cambria Math" charset="0"/>
+                        </a:rPr>
+                        <m:t>∝</m:t>
+                      </m:r>
+                      <m:r>
+                        <a:rPr lang="it-IT" b="0" i="1" smtClean="0">
+                          <a:latin typeface="Cambria Math" charset="0"/>
+                          <a:ea typeface="Cambria Math" charset="0"/>
+                          <a:cs typeface="Cambria Math" charset="0"/>
+                        </a:rPr>
+                        <m:t> </m:t>
+                      </m:r>
+                      <m:f>
+                        <m:fPr>
+                          <m:ctrlPr>
+                            <a:rPr lang="it-IT" i="1" smtClean="0">
+                              <a:latin typeface="Cambria Math" charset="0"/>
+                              <a:ea typeface="Cambria Math" charset="0"/>
+                              <a:cs typeface="Cambria Math" charset="0"/>
+                            </a:rPr>
+                          </m:ctrlPr>
+                        </m:fPr>
+                        <m:num>
+                          <m:sSub>
+                            <m:sSubPr>
+                              <m:ctrlPr>
+                                <a:rPr lang="it-IT" i="1" smtClean="0">
+                                  <a:latin typeface="Cambria Math" charset="0"/>
+                                  <a:ea typeface="Cambria Math" charset="0"/>
+                                  <a:cs typeface="Cambria Math" charset="0"/>
+                                </a:rPr>
+                              </m:ctrlPr>
+                            </m:sSubPr>
+                            <m:e>
+                              <m:r>
+                                <a:rPr lang="it-IT" b="0" i="1" smtClean="0">
+                                  <a:latin typeface="Cambria Math" charset="0"/>
+                                  <a:ea typeface="Cambria Math" charset="0"/>
+                                  <a:cs typeface="Cambria Math" charset="0"/>
+                                </a:rPr>
+                                <m:t>𝑓</m:t>
+                              </m:r>
+                            </m:e>
+                            <m:sub>
+                              <m:r>
+                                <a:rPr lang="it-IT" b="0" i="1" smtClean="0">
+                                  <a:latin typeface="Cambria Math" charset="0"/>
+                                  <a:ea typeface="Cambria Math" charset="0"/>
+                                  <a:cs typeface="Cambria Math" charset="0"/>
+                                </a:rPr>
+                                <m:t>𝑓𝑎𝑙𝑙</m:t>
+                              </m:r>
+                            </m:sub>
+                          </m:sSub>
+                          <m:r>
+                            <a:rPr lang="it-IT" b="0" i="1" smtClean="0">
+                              <a:latin typeface="Cambria Math" charset="0"/>
+                              <a:ea typeface="Cambria Math" charset="0"/>
+                              <a:cs typeface="Cambria Math" charset="0"/>
+                            </a:rPr>
+                            <m:t>+</m:t>
+                          </m:r>
+                          <m:sSub>
+                            <m:sSubPr>
+                              <m:ctrlPr>
+                                <a:rPr lang="it-IT" b="0" i="1" smtClean="0">
+                                  <a:latin typeface="Cambria Math" charset="0"/>
+                                  <a:ea typeface="Cambria Math" charset="0"/>
+                                  <a:cs typeface="Cambria Math" charset="0"/>
+                                </a:rPr>
+                              </m:ctrlPr>
+                            </m:sSubPr>
+                            <m:e>
+                              <m:r>
+                                <a:rPr lang="it-IT" b="0" i="1" smtClean="0">
+                                  <a:latin typeface="Cambria Math" charset="0"/>
+                                  <a:ea typeface="Cambria Math" charset="0"/>
+                                  <a:cs typeface="Cambria Math" charset="0"/>
+                                </a:rPr>
+                                <m:t>𝑓</m:t>
+                              </m:r>
+                            </m:e>
+                            <m:sub>
+                              <m:r>
+                                <a:rPr lang="it-IT" b="0" i="1" smtClean="0">
+                                  <a:latin typeface="Cambria Math" charset="0"/>
+                                  <a:ea typeface="Cambria Math" charset="0"/>
+                                  <a:cs typeface="Cambria Math" charset="0"/>
+                                </a:rPr>
+                                <m:t>𝑟𝑖𝑠𝑒</m:t>
+                              </m:r>
+                            </m:sub>
+                          </m:sSub>
+                        </m:num>
+                        <m:den>
+                          <m:r>
+                            <a:rPr lang="it-IT" b="0" i="1" smtClean="0">
+                              <a:latin typeface="Cambria Math" charset="0"/>
+                              <a:ea typeface="Cambria Math" charset="0"/>
+                              <a:cs typeface="Cambria Math" charset="0"/>
+                            </a:rPr>
+                            <m:t>2</m:t>
+                          </m:r>
+                        </m:den>
+                      </m:f>
+                    </m:oMath>
+                  </m:oMathPara>
+                </a14:m>
+                <a:endParaRPr lang="it-IT" dirty="0"/>
+              </a:p>
+            </p:txBody>
+          </p:sp>
+        </mc:Choice>
+        <mc:Fallback>
+          <p:sp>
+            <p:nvSpPr>
+              <p:cNvPr id="6" name="CasellaDiTesto 5"/>
+              <p:cNvSpPr txBox="1">
+                <a:spLocks noRot="1" noChangeAspect="1" noMove="1" noResize="1" noEditPoints="1" noAdjustHandles="1" noChangeArrowheads="1" noChangeShapeType="1" noTextEdit="1"/>
+              </p:cNvSpPr>
+              <p:nvPr/>
+            </p:nvSpPr>
+            <p:spPr>
+              <a:xfrm>
+                <a:off x="2939271" y="5665016"/>
+                <a:ext cx="2503457" cy="733855"/>
+              </a:xfrm>
+              <a:prstGeom prst="rect">
+                <a:avLst/>
+              </a:prstGeom>
+              <a:blipFill rotWithShape="0">
+                <a:blip r:embed="rId3"/>
+                <a:stretch>
+                  <a:fillRect/>
+                </a:stretch>
+              </a:blipFill>
+            </p:spPr>
+            <p:txBody>
+              <a:bodyPr/>
+              <a:lstStyle/>
+              <a:p>
+                <a:r>
+                  <a:rPr lang="it-IT">
+                    <a:noFill/>
+                  </a:rPr>
+                  <a:t> </a:t>
+                </a:r>
+              </a:p>
+            </p:txBody>
+          </p:sp>
+        </mc:Fallback>
+      </mc:AlternateContent>
+      <p:sp>
+        <p:nvSpPr>
+          <p:cNvPr id="7" name="Segnaposto contenuto 2"/>
+          <p:cNvSpPr txBox="1">
+            <a:spLocks/>
+          </p:cNvSpPr>
+          <p:nvPr/>
+        </p:nvSpPr>
+        <p:spPr bwMode="auto">
+          <a:xfrm>
+            <a:off x="609600" y="5013957"/>
+            <a:ext cx="8248650" cy="496731"/>
+          </a:xfrm>
+          <a:prstGeom prst="rect">
+            <a:avLst/>
+          </a:prstGeom>
+          <a:noFill/>
+          <a:ln>
+            <a:noFill/>
+          </a:ln>
+          <a:extLst>
+            <a:ext uri="{909E8E84-426E-40DD-AFC4-6F175D3DCCD1}">
+              <a14:hiddenFill xmlns:a14="http://schemas.microsoft.com/office/drawing/2010/main">
+                <a:solidFill>
+                  <a:srgbClr val="FFFFFF"/>
+                </a:solidFill>
+              </a14:hiddenFill>
+            </a:ext>
+            <a:ext uri="{91240B29-F687-4F45-9708-019B960494DF}">
+              <a14:hiddenLine xmlns:a14="http://schemas.microsoft.com/office/drawing/2010/main" w="9525">
+                <a:solidFill>
+                  <a:srgbClr val="000000"/>
+                </a:solidFill>
+                <a:miter lim="800000"/>
+                <a:headEnd/>
+                <a:tailEnd/>
+              </a14:hiddenLine>
+            </a:ext>
+          </a:extLst>
+        </p:spPr>
+        <p:txBody>
+          <a:bodyPr vert="horz" wrap="square" lIns="91440" tIns="45720" rIns="91440" bIns="45720" numCol="1" anchor="t" anchorCtr="0" compatLnSpc="1">
+            <a:prstTxWarp prst="textNoShape">
+              <a:avLst/>
+            </a:prstTxWarp>
+          </a:bodyPr>
+          <a:lstStyle>
+            <a:lvl1pPr marL="342900" indent="-342900" algn="l" rtl="0" eaLnBrk="1" fontAlgn="base" hangingPunct="1">
+              <a:spcBef>
+                <a:spcPct val="20000"/>
+              </a:spcBef>
+              <a:spcAft>
+                <a:spcPct val="0"/>
+              </a:spcAft>
+              <a:buClr>
+                <a:srgbClr val="003366"/>
+              </a:buClr>
+              <a:buFont typeface="Times" panose="02020603050405020304" pitchFamily="18" charset="0"/>
+              <a:buChar char="•"/>
+              <a:defRPr sz="3200">
+                <a:solidFill>
+                  <a:schemeClr val="tx1"/>
+                </a:solidFill>
+                <a:latin typeface="+mn-lt"/>
+                <a:ea typeface="+mn-ea"/>
+                <a:cs typeface="+mn-cs"/>
+              </a:defRPr>
+            </a:lvl1pPr>
+            <a:lvl2pPr marL="742950" indent="-285750" algn="l" rtl="0" eaLnBrk="1" fontAlgn="base" hangingPunct="1">
+              <a:spcBef>
+                <a:spcPct val="20000"/>
+              </a:spcBef>
+              <a:spcAft>
+                <a:spcPct val="0"/>
+              </a:spcAft>
+              <a:buClr>
+                <a:srgbClr val="FF9900"/>
+              </a:buClr>
+              <a:buFont typeface="Wingdings" panose="05000000000000000000" pitchFamily="2" charset="2"/>
+              <a:buChar char="§"/>
+              <a:defRPr sz="2800">
+                <a:solidFill>
+                  <a:schemeClr val="tx1"/>
+                </a:solidFill>
+                <a:latin typeface="+mn-lt"/>
+                <a:ea typeface="+mn-ea"/>
+                <a:cs typeface="+mn-cs"/>
+              </a:defRPr>
+            </a:lvl2pPr>
+            <a:lvl3pPr marL="1143000" indent="-228600" algn="l" rtl="0" eaLnBrk="1" fontAlgn="base" hangingPunct="1">
+              <a:spcBef>
+                <a:spcPct val="20000"/>
+              </a:spcBef>
+              <a:spcAft>
+                <a:spcPct val="0"/>
+              </a:spcAft>
+              <a:buClr>
+                <a:srgbClr val="003366"/>
+              </a:buClr>
+              <a:buFont typeface="Times" panose="02020603050405020304" pitchFamily="18" charset="0"/>
+              <a:buChar char="•"/>
+              <a:defRPr sz="2400">
+                <a:solidFill>
+                  <a:schemeClr val="tx1"/>
+                </a:solidFill>
+                <a:latin typeface="+mn-lt"/>
+                <a:ea typeface="+mn-ea"/>
+                <a:cs typeface="+mn-cs"/>
+              </a:defRPr>
+            </a:lvl3pPr>
+            <a:lvl4pPr marL="1600200" indent="-228600" algn="l" rtl="0" eaLnBrk="1" fontAlgn="base" hangingPunct="1">
+              <a:spcBef>
+                <a:spcPct val="20000"/>
+              </a:spcBef>
+              <a:spcAft>
+                <a:spcPct val="0"/>
+              </a:spcAft>
+              <a:buClr>
+                <a:srgbClr val="003366"/>
+              </a:buClr>
+              <a:buChar char="–"/>
+              <a:defRPr sz="2000">
+                <a:solidFill>
+                  <a:schemeClr val="tx1"/>
+                </a:solidFill>
+                <a:latin typeface="+mn-lt"/>
+                <a:ea typeface="+mn-ea"/>
+                <a:cs typeface="+mn-cs"/>
+              </a:defRPr>
+            </a:lvl4pPr>
+            <a:lvl5pPr marL="2057400" indent="-228600" algn="l" rtl="0" eaLnBrk="1" fontAlgn="base" hangingPunct="1">
+              <a:spcBef>
+                <a:spcPct val="20000"/>
+              </a:spcBef>
+              <a:spcAft>
+                <a:spcPct val="0"/>
+              </a:spcAft>
+              <a:buChar char="»"/>
+              <a:defRPr sz="2000">
+                <a:solidFill>
+                  <a:schemeClr val="tx1"/>
+                </a:solidFill>
+                <a:latin typeface="+mn-lt"/>
+                <a:ea typeface="+mn-ea"/>
+                <a:cs typeface="+mn-cs"/>
+              </a:defRPr>
+            </a:lvl5pPr>
+            <a:lvl6pPr marL="2514600" indent="-228600" algn="l" rtl="0" eaLnBrk="1" fontAlgn="base" hangingPunct="1">
+              <a:spcBef>
+                <a:spcPct val="20000"/>
+              </a:spcBef>
+              <a:spcAft>
+                <a:spcPct val="0"/>
+              </a:spcAft>
+              <a:buChar char="»"/>
+              <a:defRPr sz="2000">
+                <a:solidFill>
+                  <a:schemeClr val="tx1"/>
+                </a:solidFill>
+                <a:latin typeface="+mn-lt"/>
+                <a:ea typeface="+mn-ea"/>
+                <a:cs typeface="+mn-cs"/>
+              </a:defRPr>
+            </a:lvl6pPr>
+            <a:lvl7pPr marL="2971800" indent="-228600" algn="l" rtl="0" eaLnBrk="1" fontAlgn="base" hangingPunct="1">
+              <a:spcBef>
+                <a:spcPct val="20000"/>
+              </a:spcBef>
+              <a:spcAft>
+                <a:spcPct val="0"/>
+              </a:spcAft>
+              <a:buChar char="»"/>
+              <a:defRPr sz="2000">
+                <a:solidFill>
+                  <a:schemeClr val="tx1"/>
+                </a:solidFill>
+                <a:latin typeface="+mn-lt"/>
+                <a:ea typeface="+mn-ea"/>
+                <a:cs typeface="+mn-cs"/>
+              </a:defRPr>
+            </a:lvl7pPr>
+            <a:lvl8pPr marL="3429000" indent="-228600" algn="l" rtl="0" eaLnBrk="1" fontAlgn="base" hangingPunct="1">
+              <a:spcBef>
+                <a:spcPct val="20000"/>
+              </a:spcBef>
+              <a:spcAft>
+                <a:spcPct val="0"/>
+              </a:spcAft>
+              <a:buChar char="»"/>
+              <a:defRPr sz="2000">
+                <a:solidFill>
+                  <a:schemeClr val="tx1"/>
+                </a:solidFill>
+                <a:latin typeface="+mn-lt"/>
+                <a:ea typeface="+mn-ea"/>
+                <a:cs typeface="+mn-cs"/>
+              </a:defRPr>
+            </a:lvl8pPr>
+            <a:lvl9pPr marL="3886200" indent="-228600" algn="l" rtl="0" eaLnBrk="1" fontAlgn="base" hangingPunct="1">
+              <a:spcBef>
+                <a:spcPct val="20000"/>
+              </a:spcBef>
+              <a:spcAft>
+                <a:spcPct val="0"/>
+              </a:spcAft>
+              <a:buChar char="»"/>
+              <a:defRPr sz="2000">
+                <a:solidFill>
+                  <a:schemeClr val="tx1"/>
+                </a:solidFill>
+                <a:latin typeface="+mn-lt"/>
+                <a:ea typeface="+mn-ea"/>
+                <a:cs typeface="+mn-cs"/>
+              </a:defRPr>
+            </a:lvl9pPr>
+          </a:lstStyle>
+          <a:p>
+            <a:r>
+              <a:rPr lang="it-IT" sz="2400" kern="0" dirty="0" smtClean="0"/>
+              <a:t>La </a:t>
+            </a:r>
+            <a:r>
+              <a:rPr lang="it-IT" sz="2400" b="1" kern="0" dirty="0" smtClean="0"/>
+              <a:t>distanza</a:t>
+            </a:r>
+            <a:r>
+              <a:rPr lang="it-IT" sz="2400" kern="0" dirty="0" smtClean="0"/>
+              <a:t> </a:t>
+            </a:r>
+            <a:r>
+              <a:rPr lang="it-IT" sz="2400" i="1" kern="0" dirty="0" smtClean="0"/>
+              <a:t>d </a:t>
+            </a:r>
+            <a:r>
+              <a:rPr lang="it-IT" sz="2400" kern="0" dirty="0" smtClean="0"/>
+              <a:t>si ricava con la relazione:</a:t>
+            </a:r>
+            <a:endParaRPr lang="it-IT" sz="2400" b="1" i="1" kern="0" dirty="0"/>
+          </a:p>
+        </p:txBody>
+      </p:sp>
+      <p:pic>
+        <p:nvPicPr>
+          <p:cNvPr id="8" name="Immagine 7"/>
+          <p:cNvPicPr>
+            <a:picLocks noChangeAspect="1"/>
+          </p:cNvPicPr>
+          <p:nvPr/>
+        </p:nvPicPr>
+        <p:blipFill>
+          <a:blip r:embed="rId4">
+            <a:extLst>
+              <a:ext uri="{28A0092B-C50C-407E-A947-70E740481C1C}">
+                <a14:useLocalDpi xmlns:a14="http://schemas.microsoft.com/office/drawing/2010/main" val="0"/>
+              </a:ext>
+            </a:extLst>
+          </a:blip>
+          <a:stretch>
+            <a:fillRect/>
+          </a:stretch>
+        </p:blipFill>
+        <p:spPr>
+          <a:xfrm>
+            <a:off x="1925504" y="2561269"/>
+            <a:ext cx="5045339" cy="2297588"/>
+          </a:xfrm>
+          <a:prstGeom prst="rect">
+            <a:avLst/>
+          </a:prstGeom>
+        </p:spPr>
+      </p:pic>
     </p:spTree>
     <p:extLst>
       <p:ext uri="{BB962C8B-B14F-4D97-AF65-F5344CB8AC3E}">
-        <p14:creationId xmlns:p14="http://schemas.microsoft.com/office/powerpoint/2010/main" val="1028867880"/>
+        <p14:creationId xmlns:p14="http://schemas.microsoft.com/office/powerpoint/2010/main" val="1000372555"/>
       </p:ext>
     </p:extLst>
   </p:cSld>
@@ -8302,7 +9489,7 @@
           <a:p>
             <a:r>
               <a:rPr lang="it-IT" dirty="0" smtClean="0"/>
-              <a:t>Interferometria a self-mixing</a:t>
+              <a:t>Indice</a:t>
             </a:r>
             <a:endParaRPr lang="it-IT" dirty="0"/>
           </a:p>
@@ -8321,7 +9508,7 @@
         <p:spPr>
           <a:xfrm>
             <a:off x="685800" y="1143000"/>
-            <a:ext cx="7772400" cy="4953000"/>
+            <a:ext cx="7758113" cy="5200650"/>
           </a:xfrm>
         </p:spPr>
         <p:txBody>
@@ -8329,100 +9516,111 @@
           <a:lstStyle/>
           <a:p>
             <a:r>
-              <a:rPr lang="it-IT" sz="2400" dirty="0" smtClean="0"/>
-              <a:t>L’architettura a self-mixing è </a:t>
-            </a:r>
-            <a:br>
-              <a:rPr lang="it-IT" sz="2400" dirty="0" smtClean="0"/>
-            </a:br>
-            <a:r>
-              <a:rPr lang="it-IT" sz="2400" dirty="0" smtClean="0"/>
-              <a:t>formata</a:t>
-            </a:r>
+              <a:rPr lang="it-IT" sz="2400" dirty="0">
+                <a:solidFill>
+                  <a:schemeClr val="bg2">
+                    <a:lumMod val="40000"/>
+                    <a:lumOff val="60000"/>
+                  </a:schemeClr>
+                </a:solidFill>
+              </a:rPr>
+              <a:t>Interferometria</a:t>
+            </a:r>
+          </a:p>
+          <a:p>
+            <a:pPr lvl="1"/>
+            <a:r>
+              <a:rPr lang="it-IT" sz="2000" dirty="0">
+                <a:solidFill>
+                  <a:schemeClr val="bg2">
+                    <a:lumMod val="40000"/>
+                    <a:lumOff val="60000"/>
+                  </a:schemeClr>
+                </a:solidFill>
+              </a:rPr>
+              <a:t>Interferometria a self-mixing</a:t>
+            </a:r>
+          </a:p>
+          <a:p>
+            <a:pPr lvl="1"/>
+            <a:r>
+              <a:rPr lang="it-IT" sz="2000" dirty="0">
+                <a:solidFill>
+                  <a:schemeClr val="bg2">
+                    <a:lumMod val="40000"/>
+                    <a:lumOff val="60000"/>
+                  </a:schemeClr>
+                </a:solidFill>
+              </a:rPr>
+              <a:t>Misura della distanza</a:t>
+            </a:r>
+          </a:p>
+          <a:p>
             <a:r>
               <a:rPr lang="it-IT" sz="2400" dirty="0"/>
-              <a:t> </a:t>
-            </a:r>
-            <a:r>
-              <a:rPr lang="it-IT" sz="2400" dirty="0" smtClean="0"/>
-              <a:t>da: </a:t>
+              <a:t>Architettura hardware</a:t>
             </a:r>
           </a:p>
           <a:p>
             <a:pPr lvl="1"/>
             <a:r>
-              <a:rPr lang="it-IT" sz="2000" dirty="0" smtClean="0"/>
-              <a:t>un fotodiodo</a:t>
+              <a:rPr lang="it-IT" sz="2000" dirty="0"/>
+              <a:t>Parte analogica</a:t>
             </a:r>
           </a:p>
           <a:p>
             <a:pPr lvl="1"/>
             <a:r>
-              <a:rPr lang="it-IT" sz="2000" dirty="0" smtClean="0"/>
-              <a:t>una sorgente laser </a:t>
+              <a:rPr lang="it-IT" sz="2000" dirty="0"/>
+              <a:t>Parte di conversione</a:t>
             </a:r>
           </a:p>
           <a:p>
             <a:pPr lvl="1"/>
             <a:r>
-              <a:rPr lang="it-IT" sz="2000" dirty="0" smtClean="0"/>
-              <a:t>una lente. </a:t>
-            </a:r>
-          </a:p>
-          <a:p>
-            <a:r>
-              <a:rPr lang="it-IT" sz="2400" dirty="0" smtClean="0"/>
-              <a:t>Per la misura di distanza si sfrutta la porzione di fascio riflesso dal bersaglio </a:t>
+              <a:rPr lang="it-IT" sz="2000" dirty="0"/>
+              <a:t>Parte digitale</a:t>
+            </a:r>
+          </a:p>
+          <a:p>
+            <a:r>
+              <a:rPr lang="it-IT" sz="2400" dirty="0"/>
+              <a:t>Architettura software</a:t>
             </a:r>
           </a:p>
           <a:p>
             <a:pPr lvl="1"/>
             <a:r>
-              <a:rPr lang="it-IT" sz="2000" dirty="0" smtClean="0"/>
-              <a:t>rientrando nella cavità laser genera interferenza con l’onda già </a:t>
-            </a:r>
-            <a:r>
-              <a:rPr lang="it-IT" sz="2000" dirty="0" smtClean="0"/>
-              <a:t>presente</a:t>
-            </a:r>
-            <a:r>
-              <a:rPr lang="it-IT" sz="2000" dirty="0" smtClean="0"/>
-              <a:t>.</a:t>
+              <a:rPr lang="it-IT" sz="2000" dirty="0"/>
+              <a:t>FPGA</a:t>
             </a:r>
           </a:p>
           <a:p>
             <a:pPr lvl="1"/>
             <a:r>
-              <a:rPr lang="it-IT" sz="2000" dirty="0" smtClean="0"/>
-              <a:t>L’interferenza </a:t>
-            </a:r>
-            <a:r>
               <a:rPr lang="it-IT" sz="2000" dirty="0"/>
-              <a:t>genera sia un cambiamento di fase che di ampiezza. Lo sfasamento è </a:t>
-            </a:r>
-            <a:r>
-              <a:rPr lang="it-IT" sz="2000" dirty="0" smtClean="0"/>
-              <a:t/>
-            </a:r>
-            <a:br>
-              <a:rPr lang="it-IT" sz="2000" dirty="0" smtClean="0"/>
-            </a:br>
-            <a:r>
-              <a:rPr lang="it-IT" sz="2000" dirty="0" smtClean="0"/>
-              <a:t>calcolabile come </a:t>
-            </a:r>
-            <a:r>
-              <a:rPr lang="el-GR" sz="2000" i="1" dirty="0"/>
-              <a:t>ϕ =2</a:t>
-            </a:r>
-            <a:r>
-              <a:rPr lang="it-IT" sz="2000" i="1" dirty="0" err="1"/>
-              <a:t>ks</a:t>
-            </a:r>
+              <a:t>Microcontrollore</a:t>
+            </a:r>
+          </a:p>
+          <a:p>
+            <a:pPr lvl="1"/>
             <a:r>
               <a:rPr lang="it-IT" sz="2000" dirty="0"/>
-              <a:t>. </a:t>
-            </a:r>
+              <a:t>Analisi degli algoritmi</a:t>
+            </a:r>
+          </a:p>
+          <a:p>
+            <a:r>
+              <a:rPr lang="it-IT" sz="2400" dirty="0"/>
+              <a:t>Risultati sperimentali</a:t>
+            </a:r>
+          </a:p>
+          <a:p>
+            <a:r>
+              <a:rPr lang="it-IT" sz="2400" dirty="0"/>
+              <a:t>Sviluppi futuri e conclusioni</a:t>
+            </a:r>
+            <a:endParaRPr lang="it-IT" sz="2400" dirty="0"/>
           </a:p>
         </p:txBody>
       </p:sp>
@@ -8450,84 +9648,23 @@
           </a:p>
         </p:txBody>
       </p:sp>
-      <p:pic>
-        <p:nvPicPr>
-          <p:cNvPr id="5" name="Immagine 4"/>
-          <p:cNvPicPr>
-            <a:picLocks noChangeAspect="1"/>
-          </p:cNvPicPr>
-          <p:nvPr/>
-        </p:nvPicPr>
-        <p:blipFill>
-          <a:blip r:embed="rId2">
-            <a:extLst>
-              <a:ext uri="{28A0092B-C50C-407E-A947-70E740481C1C}">
-                <a14:useLocalDpi xmlns:a14="http://schemas.microsoft.com/office/drawing/2010/main" val="0"/>
-              </a:ext>
-            </a:extLst>
-          </a:blip>
-          <a:stretch>
-            <a:fillRect/>
-          </a:stretch>
-        </p:blipFill>
-        <p:spPr>
-          <a:xfrm>
-            <a:off x="5246817" y="1596081"/>
-            <a:ext cx="3277057" cy="1066800"/>
-          </a:xfrm>
-          <a:prstGeom prst="rect">
-            <a:avLst/>
-          </a:prstGeom>
-        </p:spPr>
-      </p:pic>
-      <p:pic>
-        <p:nvPicPr>
-          <p:cNvPr id="6" name="Immagine 5"/>
-          <p:cNvPicPr>
-            <a:picLocks noChangeAspect="1"/>
-          </p:cNvPicPr>
-          <p:nvPr/>
-        </p:nvPicPr>
-        <p:blipFill>
-          <a:blip r:embed="rId3">
-            <a:extLst>
-              <a:ext uri="{28A0092B-C50C-407E-A947-70E740481C1C}">
-                <a14:useLocalDpi xmlns:a14="http://schemas.microsoft.com/office/drawing/2010/main" val="0"/>
-              </a:ext>
-            </a:extLst>
-          </a:blip>
-          <a:stretch>
-            <a:fillRect/>
-          </a:stretch>
-        </p:blipFill>
-        <p:spPr>
-          <a:xfrm>
-            <a:off x="5357813" y="5041483"/>
-            <a:ext cx="3100388" cy="1437404"/>
-          </a:xfrm>
-          <a:prstGeom prst="rect">
-            <a:avLst/>
-          </a:prstGeom>
-        </p:spPr>
-      </p:pic>
     </p:spTree>
     <p:extLst>
       <p:ext uri="{BB962C8B-B14F-4D97-AF65-F5344CB8AC3E}">
-        <p14:creationId xmlns:p14="http://schemas.microsoft.com/office/powerpoint/2010/main" val="3960424187"/>
+        <p14:creationId xmlns:p14="http://schemas.microsoft.com/office/powerpoint/2010/main" val="1084510834"/>
       </p:ext>
     </p:extLst>
   </p:cSld>
   <p:clrMapOvr>
     <a:masterClrMapping/>
   </p:clrMapOvr>
-  <mc:AlternateContent xmlns:mc="http://schemas.openxmlformats.org/markup-compatibility/2006" xmlns:p14="http://schemas.microsoft.com/office/powerpoint/2010/main">
-    <mc:Choice Requires="p14">
-      <p:transition spd="slow" p14:dur="2000"/>
-    </mc:Choice>
-    <mc:Fallback xmlns="">
-      <p:transition spd="slow"/>
-    </mc:Fallback>
-  </mc:AlternateContent>
+  <p:timing>
+    <p:tnLst>
+      <p:par>
+        <p:cTn id="1" dur="indefinite" restart="never" nodeType="tmRoot"/>
+      </p:par>
+    </p:tnLst>
+  </p:timing>
 </p:sld>
 </file>
 
@@ -8565,7 +9702,7 @@
           <a:p>
             <a:r>
               <a:rPr lang="it-IT" dirty="0" smtClean="0"/>
-              <a:t>Indice</a:t>
+              <a:t>Architettura hardware</a:t>
             </a:r>
             <a:endParaRPr lang="it-IT" dirty="0"/>
           </a:p>
@@ -8581,136 +9718,34 @@
             <p:ph idx="1"/>
           </p:nvPr>
         </p:nvSpPr>
-        <p:spPr>
-          <a:xfrm>
-            <a:off x="685800" y="1143000"/>
-            <a:ext cx="7758113" cy="5200650"/>
-          </a:xfrm>
-        </p:spPr>
+        <p:spPr/>
         <p:txBody>
           <a:bodyPr/>
           <a:lstStyle/>
           <a:p>
             <a:r>
-              <a:rPr lang="it-IT" sz="2400" dirty="0" smtClean="0">
-                <a:solidFill>
-                  <a:schemeClr val="bg2">
-                    <a:lumMod val="40000"/>
-                    <a:lumOff val="60000"/>
-                  </a:schemeClr>
-                </a:solidFill>
-              </a:rPr>
-              <a:t>Cos’è l’interferometria</a:t>
-            </a:r>
-          </a:p>
-          <a:p>
-            <a:pPr lvl="1"/>
-            <a:r>
-              <a:rPr lang="it-IT" sz="2000" dirty="0" smtClean="0">
-                <a:solidFill>
-                  <a:schemeClr val="bg2">
-                    <a:lumMod val="40000"/>
-                    <a:lumOff val="60000"/>
-                  </a:schemeClr>
-                </a:solidFill>
-              </a:rPr>
-              <a:t>Interferometria tradizionale</a:t>
-            </a:r>
-          </a:p>
-          <a:p>
-            <a:pPr lvl="1"/>
-            <a:r>
-              <a:rPr lang="it-IT" sz="2000" dirty="0" smtClean="0">
-                <a:solidFill>
-                  <a:schemeClr val="bg2">
-                    <a:lumMod val="40000"/>
-                    <a:lumOff val="60000"/>
-                  </a:schemeClr>
-                </a:solidFill>
-              </a:rPr>
-              <a:t>Interferometria a self-mixing</a:t>
-            </a:r>
-          </a:p>
-          <a:p>
-            <a:r>
               <a:rPr lang="it-IT" sz="2400" dirty="0" smtClean="0"/>
-              <a:t>Architettura hardware</a:t>
-            </a:r>
-          </a:p>
-          <a:p>
-            <a:pPr lvl="1"/>
-            <a:r>
-              <a:rPr lang="it-IT" sz="2000" dirty="0" smtClean="0"/>
-              <a:t>Parte analogica</a:t>
-            </a:r>
-          </a:p>
-          <a:p>
-            <a:pPr lvl="1"/>
-            <a:r>
-              <a:rPr lang="it-IT" sz="2000" dirty="0"/>
-              <a:t>Parte di </a:t>
-            </a:r>
-            <a:r>
-              <a:rPr lang="it-IT" sz="2000" dirty="0" smtClean="0"/>
-              <a:t>conversione</a:t>
-            </a:r>
-            <a:endParaRPr lang="it-IT" sz="2000" dirty="0" smtClean="0"/>
-          </a:p>
-          <a:p>
-            <a:pPr lvl="1"/>
-            <a:r>
-              <a:rPr lang="it-IT" sz="2000" dirty="0" smtClean="0"/>
-              <a:t>Parte </a:t>
-            </a:r>
-            <a:r>
-              <a:rPr lang="it-IT" sz="2000" dirty="0" smtClean="0"/>
-              <a:t>digitale</a:t>
+              <a:t>Lo strumento è formato da una parte analogica, sviluppata internamente al laboratorio dall’ing. Samuele Disegna, e da una parte digitale, fornita da National Instruments.</a:t>
             </a:r>
           </a:p>
           <a:p>
             <a:r>
               <a:rPr lang="it-IT" sz="2400" dirty="0" smtClean="0"/>
-              <a:t>Architettura </a:t>
-            </a:r>
+              <a:t>La parte analogica si occupa (??)</a:t>
+            </a:r>
+          </a:p>
+          <a:p>
             <a:r>
               <a:rPr lang="it-IT" sz="2400" dirty="0" smtClean="0"/>
-              <a:t>software</a:t>
-            </a:r>
-          </a:p>
-          <a:p>
-            <a:pPr lvl="1"/>
-            <a:r>
-              <a:rPr lang="it-IT" sz="2000" dirty="0" smtClean="0"/>
-              <a:t>FPGA</a:t>
-            </a:r>
-            <a:endParaRPr lang="it-IT" sz="2000" dirty="0" smtClean="0"/>
-          </a:p>
-          <a:p>
-            <a:pPr lvl="1"/>
-            <a:r>
-              <a:rPr lang="it-IT" sz="2000" dirty="0" smtClean="0"/>
-              <a:t>Microcontrollore</a:t>
-            </a:r>
-            <a:endParaRPr lang="it-IT" sz="2000" dirty="0" smtClean="0"/>
-          </a:p>
-          <a:p>
-            <a:pPr lvl="1"/>
-            <a:r>
-              <a:rPr lang="it-IT" sz="2000" dirty="0" smtClean="0"/>
-              <a:t>Analisi degli algoritmi</a:t>
-            </a:r>
-          </a:p>
-          <a:p>
-            <a:r>
-              <a:rPr lang="it-IT" sz="2400" dirty="0"/>
-              <a:t>Risultati sperimentali</a:t>
-            </a:r>
-          </a:p>
-          <a:p>
-            <a:r>
-              <a:rPr lang="it-IT" sz="2400" dirty="0"/>
-              <a:t>Sviluppi futuri e conclusioni</a:t>
-            </a:r>
+              <a:t>La parte digitale si occupa dell’elaborazione numerica del segnale acquisito</a:t>
+            </a:r>
+          </a:p>
+          <a:p>
+            <a:r>
+              <a:rPr lang="it-IT" sz="2400" dirty="0" smtClean="0"/>
+              <a:t>I due mondi sono interfacciati da una scheda di conversione, equipaggiata con un DAC ed un ADC comandati dalla scheda digitale.</a:t>
+            </a:r>
+            <a:endParaRPr lang="it-IT" sz="2400" dirty="0"/>
           </a:p>
         </p:txBody>
       </p:sp>
@@ -8741,13 +9776,20 @@
     </p:spTree>
     <p:extLst>
       <p:ext uri="{BB962C8B-B14F-4D97-AF65-F5344CB8AC3E}">
-        <p14:creationId xmlns:p14="http://schemas.microsoft.com/office/powerpoint/2010/main" val="1084510834"/>
+        <p14:creationId xmlns:p14="http://schemas.microsoft.com/office/powerpoint/2010/main" val="161935272"/>
       </p:ext>
     </p:extLst>
   </p:cSld>
   <p:clrMapOvr>
     <a:masterClrMapping/>
   </p:clrMapOvr>
+  <p:timing>
+    <p:tnLst>
+      <p:par>
+        <p:cTn id="1" dur="indefinite" restart="never" nodeType="tmRoot"/>
+      </p:par>
+    </p:tnLst>
+  </p:timing>
 </p:sld>
 </file>
 
@@ -8785,7 +9827,7 @@
           <a:p>
             <a:r>
               <a:rPr lang="it-IT" dirty="0" smtClean="0"/>
-              <a:t>Architettura hardware</a:t>
+              <a:t>Parte analogica</a:t>
             </a:r>
             <a:endParaRPr lang="it-IT" dirty="0"/>
           </a:p>
@@ -8807,28 +9849,10 @@
           <a:lstStyle/>
           <a:p>
             <a:r>
-              <a:rPr lang="it-IT" sz="2400" dirty="0" smtClean="0"/>
-              <a:t>Lo strumento è formato da una parte analogica, sviluppata internamente al laboratorio dall’ing. Samuele Disegna, e da una parte digitale, fornita da National Instruments.</a:t>
-            </a:r>
-          </a:p>
-          <a:p>
-            <a:r>
-              <a:rPr lang="it-IT" sz="2400" dirty="0" smtClean="0"/>
-              <a:t>La parte analogica si occupa (??)</a:t>
-            </a:r>
-          </a:p>
-          <a:p>
-            <a:r>
-              <a:rPr lang="it-IT" sz="2400" dirty="0" smtClean="0"/>
-              <a:t>La parte digitale si occupa dell’elaborazione numerica del segnale acquisito</a:t>
-            </a:r>
-          </a:p>
-          <a:p>
-            <a:r>
-              <a:rPr lang="it-IT" sz="2400" dirty="0" smtClean="0"/>
-              <a:t>I due mondi sono interfacciati da una scheda di conversione, equipaggiata con un DAC ed un ADC comandati dalla scheda digitale.</a:t>
-            </a:r>
-            <a:endParaRPr lang="it-IT" sz="2400" dirty="0"/>
+              <a:rPr lang="it-IT" dirty="0" smtClean="0"/>
+              <a:t>TODO</a:t>
+            </a:r>
+            <a:endParaRPr lang="it-IT" dirty="0"/>
           </a:p>
         </p:txBody>
       </p:sp>
@@ -8859,13 +9883,20 @@
     </p:spTree>
     <p:extLst>
       <p:ext uri="{BB962C8B-B14F-4D97-AF65-F5344CB8AC3E}">
-        <p14:creationId xmlns:p14="http://schemas.microsoft.com/office/powerpoint/2010/main" val="161935272"/>
+        <p14:creationId xmlns:p14="http://schemas.microsoft.com/office/powerpoint/2010/main" val="1662984036"/>
       </p:ext>
     </p:extLst>
   </p:cSld>
   <p:clrMapOvr>
     <a:masterClrMapping/>
   </p:clrMapOvr>
+  <p:timing>
+    <p:tnLst>
+      <p:par>
+        <p:cTn id="1" dur="indefinite" restart="never" nodeType="tmRoot"/>
+      </p:par>
+    </p:tnLst>
+  </p:timing>
 </p:sld>
 </file>
 
@@ -8903,7 +9934,7 @@
           <a:p>
             <a:r>
               <a:rPr lang="it-IT" dirty="0" smtClean="0"/>
-              <a:t>Parte analogica</a:t>
+              <a:t>Parte di conversione</a:t>
             </a:r>
             <a:endParaRPr lang="it-IT" dirty="0"/>
           </a:p>
@@ -8959,13 +9990,20 @@
     </p:spTree>
     <p:extLst>
       <p:ext uri="{BB962C8B-B14F-4D97-AF65-F5344CB8AC3E}">
-        <p14:creationId xmlns:p14="http://schemas.microsoft.com/office/powerpoint/2010/main" val="1662984036"/>
+        <p14:creationId xmlns:p14="http://schemas.microsoft.com/office/powerpoint/2010/main" val="2372177897"/>
       </p:ext>
     </p:extLst>
   </p:cSld>
   <p:clrMapOvr>
     <a:masterClrMapping/>
   </p:clrMapOvr>
+  <p:timing>
+    <p:tnLst>
+      <p:par>
+        <p:cTn id="1" dur="indefinite" restart="never" nodeType="tmRoot"/>
+      </p:par>
+    </p:tnLst>
+  </p:timing>
 </p:sld>
 </file>
 

--- a/presentazione_discussione.pptx
+++ b/presentazione_discussione.pptx
@@ -19,8 +19,8 @@
     <p:sldId id="283" r:id="rId10"/>
     <p:sldId id="284" r:id="rId11"/>
     <p:sldId id="285" r:id="rId12"/>
-    <p:sldId id="287" r:id="rId13"/>
-    <p:sldId id="286" r:id="rId14"/>
+    <p:sldId id="286" r:id="rId13"/>
+    <p:sldId id="287" r:id="rId14"/>
     <p:sldId id="288" r:id="rId15"/>
     <p:sldId id="289" r:id="rId16"/>
     <p:sldId id="290" r:id="rId17"/>
@@ -1582,6 +1582,160 @@
     <p:extLst>
       <p:ext uri="{BB962C8B-B14F-4D97-AF65-F5344CB8AC3E}">
         <p14:creationId xmlns:p14="http://schemas.microsoft.com/office/powerpoint/2010/main" val="1452794700"/>
+      </p:ext>
+    </p:extLst>
+  </p:cSld>
+  <p:clrMapOvr>
+    <a:masterClrMapping/>
+  </p:clrMapOvr>
+</p:notes>
+</file>
+
+<file path=ppt/notesSlides/notesSlide2.xml><?xml version="1.0" encoding="utf-8"?>
+<p:notes xmlns:a="http://schemas.openxmlformats.org/drawingml/2006/main" xmlns:r="http://schemas.openxmlformats.org/officeDocument/2006/relationships" xmlns:p="http://schemas.openxmlformats.org/presentationml/2006/main">
+  <p:cSld>
+    <p:spTree>
+      <p:nvGrpSpPr>
+        <p:cNvPr id="1" name=""/>
+        <p:cNvGrpSpPr/>
+        <p:nvPr/>
+      </p:nvGrpSpPr>
+      <p:grpSpPr>
+        <a:xfrm>
+          <a:off x="0" y="0"/>
+          <a:ext cx="0" cy="0"/>
+          <a:chOff x="0" y="0"/>
+          <a:chExt cx="0" cy="0"/>
+        </a:xfrm>
+      </p:grpSpPr>
+      <p:sp>
+        <p:nvSpPr>
+          <p:cNvPr id="2" name="Segnaposto immagine diapositiva 1"/>
+          <p:cNvSpPr>
+            <a:spLocks noGrp="1" noRot="1" noChangeAspect="1"/>
+          </p:cNvSpPr>
+          <p:nvPr>
+            <p:ph type="sldImg"/>
+          </p:nvPr>
+        </p:nvSpPr>
+        <p:spPr/>
+      </p:sp>
+      <p:sp>
+        <p:nvSpPr>
+          <p:cNvPr id="3" name="Segnaposto note 2"/>
+          <p:cNvSpPr>
+            <a:spLocks noGrp="1"/>
+          </p:cNvSpPr>
+          <p:nvPr>
+            <p:ph type="body" idx="1"/>
+          </p:nvPr>
+        </p:nvSpPr>
+        <p:spPr/>
+        <p:txBody>
+          <a:bodyPr/>
+          <a:lstStyle/>
+          <a:p>
+            <a:endParaRPr lang="it-IT"/>
+          </a:p>
+        </p:txBody>
+      </p:sp>
+      <p:sp>
+        <p:nvSpPr>
+          <p:cNvPr id="4" name="Segnaposto intestazione 3"/>
+          <p:cNvSpPr>
+            <a:spLocks noGrp="1"/>
+          </p:cNvSpPr>
+          <p:nvPr>
+            <p:ph type="hdr" sz="quarter" idx="10"/>
+          </p:nvPr>
+        </p:nvSpPr>
+        <p:spPr/>
+        <p:txBody>
+          <a:bodyPr/>
+          <a:lstStyle/>
+          <a:p>
+            <a:r>
+              <a:rPr lang="en-US" altLang="nl-NL" smtClean="0"/>
+              <a:t>Process synchronization</a:t>
+            </a:r>
+            <a:endParaRPr lang="en-US" altLang="nl-NL"/>
+          </a:p>
+        </p:txBody>
+      </p:sp>
+      <p:sp>
+        <p:nvSpPr>
+          <p:cNvPr id="5" name="Segnaposto data 4"/>
+          <p:cNvSpPr>
+            <a:spLocks noGrp="1"/>
+          </p:cNvSpPr>
+          <p:nvPr>
+            <p:ph type="dt" idx="11"/>
+          </p:nvPr>
+        </p:nvSpPr>
+        <p:spPr/>
+        <p:txBody>
+          <a:bodyPr/>
+          <a:lstStyle/>
+          <a:p>
+            <a:r>
+              <a:rPr lang="en-US" altLang="nl-NL" smtClean="0"/>
+              <a:t>Operating System</a:t>
+            </a:r>
+            <a:endParaRPr lang="en-US" altLang="nl-NL"/>
+          </a:p>
+        </p:txBody>
+      </p:sp>
+      <p:sp>
+        <p:nvSpPr>
+          <p:cNvPr id="6" name="Segnaposto piè di pagina 5"/>
+          <p:cNvSpPr>
+            <a:spLocks noGrp="1"/>
+          </p:cNvSpPr>
+          <p:nvPr>
+            <p:ph type="ftr" sz="quarter" idx="12"/>
+          </p:nvPr>
+        </p:nvSpPr>
+        <p:spPr/>
+        <p:txBody>
+          <a:bodyPr/>
+          <a:lstStyle/>
+          <a:p>
+            <a:r>
+              <a:rPr lang="en-US" altLang="nl-NL" smtClean="0"/>
+              <a:t>© 2005 William Fornaciari</a:t>
+            </a:r>
+            <a:endParaRPr lang="en-US" altLang="nl-NL"/>
+          </a:p>
+        </p:txBody>
+      </p:sp>
+      <p:sp>
+        <p:nvSpPr>
+          <p:cNvPr id="7" name="Segnaposto numero diapositiva 6"/>
+          <p:cNvSpPr>
+            <a:spLocks noGrp="1"/>
+          </p:cNvSpPr>
+          <p:nvPr>
+            <p:ph type="sldNum" sz="quarter" idx="13"/>
+          </p:nvPr>
+        </p:nvSpPr>
+        <p:spPr/>
+        <p:txBody>
+          <a:bodyPr/>
+          <a:lstStyle/>
+          <a:p>
+            <a:fld id="{88C0D9CF-78A8-4FBE-960E-41C6F5A4AF95}" type="slidenum">
+              <a:rPr lang="en-US" altLang="nl-NL" smtClean="0"/>
+              <a:pPr/>
+              <a:t>7</a:t>
+            </a:fld>
+            <a:endParaRPr lang="en-US" altLang="nl-NL"/>
+          </a:p>
+        </p:txBody>
+      </p:sp>
+    </p:spTree>
+    <p:extLst>
+      <p:ext uri="{BB962C8B-B14F-4D97-AF65-F5344CB8AC3E}">
+        <p14:creationId xmlns:p14="http://schemas.microsoft.com/office/powerpoint/2010/main" val="1144522535"/>
       </p:ext>
     </p:extLst>
   </p:cSld>
@@ -5274,7 +5428,7 @@
           <a:p>
             <a:r>
               <a:rPr lang="it-IT" dirty="0" smtClean="0"/>
-              <a:t>Parte digitale</a:t>
+              <a:t>Parte di conversione</a:t>
             </a:r>
             <a:endParaRPr lang="it-IT" dirty="0"/>
           </a:p>
@@ -5290,97 +5444,27 @@
             <p:ph idx="1"/>
           </p:nvPr>
         </p:nvSpPr>
-        <p:spPr/>
+        <p:spPr>
+          <a:xfrm>
+            <a:off x="609600" y="1066800"/>
+            <a:ext cx="7772400" cy="1219200"/>
+          </a:xfrm>
+        </p:spPr>
         <p:txBody>
           <a:bodyPr/>
           <a:lstStyle/>
           <a:p>
             <a:r>
+              <a:rPr lang="it-IT" sz="2400" dirty="0"/>
+              <a:t>I due mondi sono interfacciati da una scheda di conversione, equipaggiata con un DAC ed un ADC comandati dalla </a:t>
+            </a:r>
+            <a:r>
               <a:rPr lang="it-IT" sz="2400" dirty="0" smtClean="0"/>
-              <a:t>La parte digitale del sensore è costituita da una scheda di sviluppo NI </a:t>
-            </a:r>
-            <a:r>
-              <a:rPr lang="it-IT" sz="2400" dirty="0" err="1" smtClean="0"/>
-              <a:t>sbRIO</a:t>
-            </a:r>
-            <a:r>
-              <a:rPr lang="it-IT" sz="2400" dirty="0" smtClean="0"/>
-              <a:t> 9636</a:t>
-            </a:r>
-          </a:p>
-          <a:p>
-            <a:r>
-              <a:rPr lang="it-IT" sz="2400" dirty="0" smtClean="0"/>
-              <a:t>La scheda è equipaggiata con un’FPGA ed un microcontrollore</a:t>
-            </a:r>
-          </a:p>
-          <a:p>
-            <a:r>
-              <a:rPr lang="it-IT" sz="2400" dirty="0" smtClean="0"/>
-              <a:t>L’FPGA si occupa di </a:t>
-            </a:r>
-            <a:br>
-              <a:rPr lang="it-IT" sz="2400" dirty="0" smtClean="0"/>
-            </a:br>
-            <a:r>
-              <a:rPr lang="it-IT" sz="2400" dirty="0" smtClean="0"/>
-              <a:t>comandare la scheda di </a:t>
+              <a:t>parte </a:t>
             </a:r>
             <a:r>
               <a:rPr lang="it-IT" sz="2400" dirty="0"/>
-              <a:t/>
-            </a:r>
-            <a:br>
-              <a:rPr lang="it-IT" sz="2400" dirty="0"/>
-            </a:br>
-            <a:r>
-              <a:rPr lang="it-IT" sz="2400" dirty="0" smtClean="0"/>
-              <a:t>conversione, di calcolare </a:t>
-            </a:r>
-            <a:r>
-              <a:rPr lang="it-IT" sz="2400" dirty="0"/>
-              <a:t/>
-            </a:r>
-            <a:br>
-              <a:rPr lang="it-IT" sz="2400" dirty="0"/>
-            </a:br>
-            <a:r>
-              <a:rPr lang="it-IT" sz="2400" dirty="0" smtClean="0"/>
-              <a:t>l’FFT del segnale acquisito e </a:t>
-            </a:r>
-            <a:br>
-              <a:rPr lang="it-IT" sz="2400" dirty="0" smtClean="0"/>
-            </a:br>
-            <a:r>
-              <a:rPr lang="it-IT" sz="2400" dirty="0" smtClean="0"/>
-              <a:t>dell’estrazione del tono </a:t>
-            </a:r>
-            <a:br>
-              <a:rPr lang="it-IT" sz="2400" dirty="0" smtClean="0"/>
-            </a:br>
-            <a:r>
-              <a:rPr lang="it-IT" sz="2400" dirty="0" smtClean="0"/>
-              <a:t>fondamentale del segnale</a:t>
-            </a:r>
-          </a:p>
-          <a:p>
-            <a:r>
-              <a:rPr lang="it-IT" sz="2400" dirty="0" smtClean="0"/>
-              <a:t>Il microcontrollore si </a:t>
-            </a:r>
-            <a:br>
-              <a:rPr lang="it-IT" sz="2400" dirty="0" smtClean="0"/>
-            </a:br>
-            <a:r>
-              <a:rPr lang="it-IT" sz="2400" dirty="0" smtClean="0"/>
-              <a:t>occupa del calcolo del bin </a:t>
-            </a:r>
-            <a:br>
-              <a:rPr lang="it-IT" sz="2400" dirty="0" smtClean="0"/>
-            </a:br>
-            <a:r>
-              <a:rPr lang="it-IT" sz="2400" dirty="0" smtClean="0"/>
-              <a:t>interpolato e del calcolo della distanza </a:t>
+              <a:t>digitale.</a:t>
             </a:r>
             <a:endParaRPr lang="it-IT" sz="2400" dirty="0"/>
           </a:p>
@@ -5410,9 +5494,261 @@
           </a:p>
         </p:txBody>
       </p:sp>
+      <p:sp>
+        <p:nvSpPr>
+          <p:cNvPr id="5" name="Segnaposto contenuto 2"/>
+          <p:cNvSpPr txBox="1">
+            <a:spLocks/>
+          </p:cNvSpPr>
+          <p:nvPr/>
+        </p:nvSpPr>
+        <p:spPr bwMode="auto">
+          <a:xfrm>
+            <a:off x="609600" y="5510212"/>
+            <a:ext cx="7772400" cy="1014413"/>
+          </a:xfrm>
+          <a:prstGeom prst="rect">
+            <a:avLst/>
+          </a:prstGeom>
+          <a:noFill/>
+          <a:ln>
+            <a:noFill/>
+          </a:ln>
+          <a:extLst>
+            <a:ext uri="{909E8E84-426E-40DD-AFC4-6F175D3DCCD1}">
+              <a14:hiddenFill xmlns:a14="http://schemas.microsoft.com/office/drawing/2010/main">
+                <a:solidFill>
+                  <a:srgbClr val="FFFFFF"/>
+                </a:solidFill>
+              </a14:hiddenFill>
+            </a:ext>
+            <a:ext uri="{91240B29-F687-4F45-9708-019B960494DF}">
+              <a14:hiddenLine xmlns:a14="http://schemas.microsoft.com/office/drawing/2010/main" w="9525">
+                <a:solidFill>
+                  <a:srgbClr val="000000"/>
+                </a:solidFill>
+                <a:miter lim="800000"/>
+                <a:headEnd/>
+                <a:tailEnd/>
+              </a14:hiddenLine>
+            </a:ext>
+          </a:extLst>
+        </p:spPr>
+        <p:txBody>
+          <a:bodyPr vert="horz" wrap="square" lIns="91440" tIns="45720" rIns="91440" bIns="45720" numCol="1" anchor="t" anchorCtr="0" compatLnSpc="1">
+            <a:prstTxWarp prst="textNoShape">
+              <a:avLst/>
+            </a:prstTxWarp>
+          </a:bodyPr>
+          <a:lstStyle>
+            <a:lvl1pPr marL="342900" indent="-342900" algn="l" rtl="0" eaLnBrk="1" fontAlgn="base" hangingPunct="1">
+              <a:spcBef>
+                <a:spcPct val="20000"/>
+              </a:spcBef>
+              <a:spcAft>
+                <a:spcPct val="0"/>
+              </a:spcAft>
+              <a:buClr>
+                <a:srgbClr val="003366"/>
+              </a:buClr>
+              <a:buFont typeface="Times" panose="02020603050405020304" pitchFamily="18" charset="0"/>
+              <a:buChar char="•"/>
+              <a:defRPr sz="3200">
+                <a:solidFill>
+                  <a:schemeClr val="tx1"/>
+                </a:solidFill>
+                <a:latin typeface="+mn-lt"/>
+                <a:ea typeface="+mn-ea"/>
+                <a:cs typeface="+mn-cs"/>
+              </a:defRPr>
+            </a:lvl1pPr>
+            <a:lvl2pPr marL="742950" indent="-285750" algn="l" rtl="0" eaLnBrk="1" fontAlgn="base" hangingPunct="1">
+              <a:spcBef>
+                <a:spcPct val="20000"/>
+              </a:spcBef>
+              <a:spcAft>
+                <a:spcPct val="0"/>
+              </a:spcAft>
+              <a:buClr>
+                <a:srgbClr val="FF9900"/>
+              </a:buClr>
+              <a:buFont typeface="Wingdings" panose="05000000000000000000" pitchFamily="2" charset="2"/>
+              <a:buChar char="§"/>
+              <a:defRPr sz="2800">
+                <a:solidFill>
+                  <a:schemeClr val="tx1"/>
+                </a:solidFill>
+                <a:latin typeface="+mn-lt"/>
+                <a:ea typeface="+mn-ea"/>
+                <a:cs typeface="+mn-cs"/>
+              </a:defRPr>
+            </a:lvl2pPr>
+            <a:lvl3pPr marL="1143000" indent="-228600" algn="l" rtl="0" eaLnBrk="1" fontAlgn="base" hangingPunct="1">
+              <a:spcBef>
+                <a:spcPct val="20000"/>
+              </a:spcBef>
+              <a:spcAft>
+                <a:spcPct val="0"/>
+              </a:spcAft>
+              <a:buClr>
+                <a:srgbClr val="003366"/>
+              </a:buClr>
+              <a:buFont typeface="Times" panose="02020603050405020304" pitchFamily="18" charset="0"/>
+              <a:buChar char="•"/>
+              <a:defRPr sz="2400">
+                <a:solidFill>
+                  <a:schemeClr val="tx1"/>
+                </a:solidFill>
+                <a:latin typeface="+mn-lt"/>
+                <a:ea typeface="+mn-ea"/>
+                <a:cs typeface="+mn-cs"/>
+              </a:defRPr>
+            </a:lvl3pPr>
+            <a:lvl4pPr marL="1600200" indent="-228600" algn="l" rtl="0" eaLnBrk="1" fontAlgn="base" hangingPunct="1">
+              <a:spcBef>
+                <a:spcPct val="20000"/>
+              </a:spcBef>
+              <a:spcAft>
+                <a:spcPct val="0"/>
+              </a:spcAft>
+              <a:buClr>
+                <a:srgbClr val="003366"/>
+              </a:buClr>
+              <a:buChar char="–"/>
+              <a:defRPr sz="2000">
+                <a:solidFill>
+                  <a:schemeClr val="tx1"/>
+                </a:solidFill>
+                <a:latin typeface="+mn-lt"/>
+                <a:ea typeface="+mn-ea"/>
+                <a:cs typeface="+mn-cs"/>
+              </a:defRPr>
+            </a:lvl4pPr>
+            <a:lvl5pPr marL="2057400" indent="-228600" algn="l" rtl="0" eaLnBrk="1" fontAlgn="base" hangingPunct="1">
+              <a:spcBef>
+                <a:spcPct val="20000"/>
+              </a:spcBef>
+              <a:spcAft>
+                <a:spcPct val="0"/>
+              </a:spcAft>
+              <a:buChar char="»"/>
+              <a:defRPr sz="2000">
+                <a:solidFill>
+                  <a:schemeClr val="tx1"/>
+                </a:solidFill>
+                <a:latin typeface="+mn-lt"/>
+                <a:ea typeface="+mn-ea"/>
+                <a:cs typeface="+mn-cs"/>
+              </a:defRPr>
+            </a:lvl5pPr>
+            <a:lvl6pPr marL="2514600" indent="-228600" algn="l" rtl="0" eaLnBrk="1" fontAlgn="base" hangingPunct="1">
+              <a:spcBef>
+                <a:spcPct val="20000"/>
+              </a:spcBef>
+              <a:spcAft>
+                <a:spcPct val="0"/>
+              </a:spcAft>
+              <a:buChar char="»"/>
+              <a:defRPr sz="2000">
+                <a:solidFill>
+                  <a:schemeClr val="tx1"/>
+                </a:solidFill>
+                <a:latin typeface="+mn-lt"/>
+                <a:ea typeface="+mn-ea"/>
+                <a:cs typeface="+mn-cs"/>
+              </a:defRPr>
+            </a:lvl6pPr>
+            <a:lvl7pPr marL="2971800" indent="-228600" algn="l" rtl="0" eaLnBrk="1" fontAlgn="base" hangingPunct="1">
+              <a:spcBef>
+                <a:spcPct val="20000"/>
+              </a:spcBef>
+              <a:spcAft>
+                <a:spcPct val="0"/>
+              </a:spcAft>
+              <a:buChar char="»"/>
+              <a:defRPr sz="2000">
+                <a:solidFill>
+                  <a:schemeClr val="tx1"/>
+                </a:solidFill>
+                <a:latin typeface="+mn-lt"/>
+                <a:ea typeface="+mn-ea"/>
+                <a:cs typeface="+mn-cs"/>
+              </a:defRPr>
+            </a:lvl7pPr>
+            <a:lvl8pPr marL="3429000" indent="-228600" algn="l" rtl="0" eaLnBrk="1" fontAlgn="base" hangingPunct="1">
+              <a:spcBef>
+                <a:spcPct val="20000"/>
+              </a:spcBef>
+              <a:spcAft>
+                <a:spcPct val="0"/>
+              </a:spcAft>
+              <a:buChar char="»"/>
+              <a:defRPr sz="2000">
+                <a:solidFill>
+                  <a:schemeClr val="tx1"/>
+                </a:solidFill>
+                <a:latin typeface="+mn-lt"/>
+                <a:ea typeface="+mn-ea"/>
+                <a:cs typeface="+mn-cs"/>
+              </a:defRPr>
+            </a:lvl8pPr>
+            <a:lvl9pPr marL="3886200" indent="-228600" algn="l" rtl="0" eaLnBrk="1" fontAlgn="base" hangingPunct="1">
+              <a:spcBef>
+                <a:spcPct val="20000"/>
+              </a:spcBef>
+              <a:spcAft>
+                <a:spcPct val="0"/>
+              </a:spcAft>
+              <a:buChar char="»"/>
+              <a:defRPr sz="2000">
+                <a:solidFill>
+                  <a:schemeClr val="tx1"/>
+                </a:solidFill>
+                <a:latin typeface="+mn-lt"/>
+                <a:ea typeface="+mn-ea"/>
+                <a:cs typeface="+mn-cs"/>
+              </a:defRPr>
+            </a:lvl9pPr>
+          </a:lstStyle>
+          <a:p>
+            <a:r>
+              <a:rPr lang="it-IT" sz="2400" kern="0" dirty="0" smtClean="0"/>
+              <a:t>Frequenza di campionamento </a:t>
+            </a:r>
+            <a:r>
+              <a:rPr lang="it-IT" sz="2400" kern="0" dirty="0" err="1" smtClean="0"/>
+              <a:t>max</a:t>
+            </a:r>
+            <a:r>
+              <a:rPr lang="it-IT" sz="2400" kern="0" dirty="0" smtClean="0"/>
+              <a:t>: </a:t>
+            </a:r>
+            <a:r>
+              <a:rPr lang="it-IT" sz="2400" b="1" kern="0" dirty="0" smtClean="0"/>
+              <a:t>50MSa/</a:t>
+            </a:r>
+            <a:r>
+              <a:rPr lang="it-IT" sz="2400" b="1" kern="0" dirty="0" err="1" smtClean="0"/>
+              <a:t>s</a:t>
+            </a:r>
+            <a:endParaRPr lang="it-IT" sz="2400" b="1" kern="0" dirty="0" smtClean="0"/>
+          </a:p>
+          <a:p>
+            <a:r>
+              <a:rPr lang="it-IT" sz="2400" kern="0" dirty="0" smtClean="0"/>
+              <a:t>Risoluzione: </a:t>
+            </a:r>
+            <a:r>
+              <a:rPr lang="it-IT" sz="2400" b="1" kern="0" dirty="0" smtClean="0"/>
+              <a:t>12 bit</a:t>
+            </a:r>
+            <a:endParaRPr lang="it-IT" sz="2400" b="1" kern="0" dirty="0"/>
+          </a:p>
+        </p:txBody>
+      </p:sp>
       <p:pic>
         <p:nvPicPr>
-          <p:cNvPr id="5" name="Immagine 4"/>
+          <p:cNvPr id="6" name="Immagine 5"/>
           <p:cNvPicPr>
             <a:picLocks noChangeAspect="1"/>
           </p:cNvPicPr>
@@ -5432,8 +5768,8 @@
         </p:blipFill>
         <p:spPr>
           <a:xfrm>
-            <a:off x="5114477" y="2439945"/>
-            <a:ext cx="3640285" cy="3293591"/>
+            <a:off x="1196574" y="2376480"/>
+            <a:ext cx="6598451" cy="3043251"/>
           </a:xfrm>
           <a:prstGeom prst="rect">
             <a:avLst/>
@@ -5443,7 +5779,7 @@
     </p:spTree>
     <p:extLst>
       <p:ext uri="{BB962C8B-B14F-4D97-AF65-F5344CB8AC3E}">
-        <p14:creationId xmlns:p14="http://schemas.microsoft.com/office/powerpoint/2010/main" val="594836213"/>
+        <p14:creationId xmlns:p14="http://schemas.microsoft.com/office/powerpoint/2010/main" val="2372177897"/>
       </p:ext>
     </p:extLst>
   </p:cSld>
@@ -5510,7 +5846,12 @@
             <p:ph idx="1"/>
           </p:nvPr>
         </p:nvSpPr>
-        <p:spPr/>
+        <p:spPr>
+          <a:xfrm>
+            <a:off x="685800" y="1142999"/>
+            <a:ext cx="7772400" cy="5229225"/>
+          </a:xfrm>
+        </p:spPr>
         <p:txBody>
           <a:bodyPr/>
           <a:lstStyle/>
@@ -5524,7 +5865,7 @@
                   </a:schemeClr>
                 </a:solidFill>
               </a:rPr>
-              <a:t>Cos’è l’interferometria</a:t>
+              <a:t>Interferometria</a:t>
             </a:r>
           </a:p>
           <a:p>
@@ -5538,13 +5879,13 @@
                   </a:schemeClr>
                 </a:solidFill>
               </a:rPr>
-              <a:t>Interferometria tradizionale</a:t>
+              <a:t>Interferometria a self-mixing</a:t>
             </a:r>
           </a:p>
           <a:p>
             <a:pPr lvl="1"/>
             <a:r>
-              <a:rPr lang="it-IT" sz="2000" dirty="0" smtClean="0">
+              <a:rPr lang="it-IT" sz="2000" dirty="0">
                 <a:solidFill>
                   <a:schemeClr val="bg2">
                     <a:lumMod val="40000"/>
@@ -5552,12 +5893,12 @@
                   </a:schemeClr>
                 </a:solidFill>
               </a:rPr>
-              <a:t>Interferometria a self-mixing</a:t>
-            </a:r>
-          </a:p>
-          <a:p>
-            <a:r>
-              <a:rPr lang="it-IT" sz="2400" dirty="0" smtClean="0">
+              <a:t>Misura della distanza</a:t>
+            </a:r>
+          </a:p>
+          <a:p>
+            <a:r>
+              <a:rPr lang="it-IT" sz="2400" dirty="0">
                 <a:solidFill>
                   <a:schemeClr val="bg2">
                     <a:lumMod val="40000"/>
@@ -5571,7 +5912,7 @@
           <a:p>
             <a:pPr lvl="1"/>
             <a:r>
-              <a:rPr lang="it-IT" sz="2000" dirty="0" smtClean="0">
+              <a:rPr lang="it-IT" sz="2000" dirty="0">
                 <a:solidFill>
                   <a:schemeClr val="bg2">
                     <a:lumMod val="40000"/>
@@ -5585,7 +5926,7 @@
           <a:p>
             <a:pPr lvl="1"/>
             <a:r>
-              <a:rPr lang="it-IT" sz="2000" dirty="0" smtClean="0">
+              <a:rPr lang="it-IT" sz="2000" dirty="0">
                 <a:solidFill>
                   <a:schemeClr val="bg2">
                     <a:lumMod val="40000"/>
@@ -5593,13 +5934,13 @@
                   </a:schemeClr>
                 </a:solidFill>
               </a:rPr>
-              <a:t>Parte di conversione</a:t>
+              <a:t>Parte digitale</a:t>
             </a:r>
           </a:p>
           <a:p>
             <a:pPr lvl="1"/>
             <a:r>
-              <a:rPr lang="it-IT" sz="2000" dirty="0" smtClean="0">
+              <a:rPr lang="it-IT" sz="2000" dirty="0">
                 <a:solidFill>
                   <a:schemeClr val="bg2">
                     <a:lumMod val="40000"/>
@@ -5607,17 +5948,13 @@
                   </a:schemeClr>
                 </a:solidFill>
               </a:rPr>
-              <a:t>Parte digitale</a:t>
-            </a:r>
-          </a:p>
-          <a:p>
-            <a:r>
-              <a:rPr lang="it-IT" sz="2400" dirty="0" smtClean="0"/>
-              <a:t>Architettura </a:t>
-            </a:r>
+              <a:t>Parte di conversione</a:t>
+            </a:r>
+          </a:p>
+          <a:p>
             <a:r>
               <a:rPr lang="it-IT" sz="2400" dirty="0"/>
-              <a:t>software</a:t>
+              <a:t>Architettura software</a:t>
             </a:r>
           </a:p>
           <a:p>
@@ -5652,6 +5989,7 @@
               <a:rPr lang="it-IT" sz="2400" dirty="0"/>
               <a:t>Sviluppi futuri e conclusioni</a:t>
             </a:r>
+            <a:endParaRPr lang="it-IT" sz="2400" dirty="0"/>
           </a:p>
         </p:txBody>
       </p:sp>
@@ -7315,15 +7653,7 @@
             <a:pPr lvl="1"/>
             <a:r>
               <a:rPr lang="it-IT" sz="2000" dirty="0" smtClean="0"/>
-              <a:t>Interferometria </a:t>
-            </a:r>
-            <a:r>
-              <a:rPr lang="it-IT" sz="2000" dirty="0" smtClean="0"/>
-              <a:t>a </a:t>
-            </a:r>
-            <a:r>
-              <a:rPr lang="it-IT" sz="2000" dirty="0" smtClean="0"/>
-              <a:t>self-mixing</a:t>
+              <a:t>Interferometria a self-mixing</a:t>
             </a:r>
           </a:p>
           <a:p>
@@ -7332,7 +7662,6 @@
               <a:rPr lang="it-IT" sz="2000" dirty="0" smtClean="0"/>
               <a:t>Misura della distanza</a:t>
             </a:r>
-            <a:endParaRPr lang="it-IT" sz="2000" dirty="0" smtClean="0"/>
           </a:p>
           <a:p>
             <a:r>
@@ -7746,11 +8075,7 @@
             </a:r>
             <a:r>
               <a:rPr lang="it-IT" sz="2400" dirty="0"/>
-              <a:t>che si </a:t>
-            </a:r>
-            <a:r>
-              <a:rPr lang="it-IT" sz="2400" dirty="0"/>
-              <a:t>basa sulla </a:t>
+              <a:t>che si basa sulla </a:t>
             </a:r>
             <a:r>
               <a:rPr lang="it-IT" sz="2400" b="1" dirty="0"/>
@@ -7762,11 +8087,7 @@
             </a:r>
             <a:r>
               <a:rPr lang="it-IT" sz="2400" dirty="0" smtClean="0"/>
-              <a:t>stessa </a:t>
-            </a:r>
-            <a:r>
-              <a:rPr lang="it-IT" sz="2400" dirty="0" smtClean="0"/>
-              <a:t>sorgente laser</a:t>
+              <a:t>stessa sorgente laser</a:t>
             </a:r>
             <a:endParaRPr lang="it-IT" sz="2400" dirty="0"/>
           </a:p>
@@ -8853,8 +9174,8 @@
           </a:p>
         </p:txBody>
       </p:sp>
-      <mc:AlternateContent xmlns:mc="http://schemas.openxmlformats.org/markup-compatibility/2006">
-        <mc:Choice xmlns:a14="http://schemas.microsoft.com/office/drawing/2010/main" Requires="a14">
+      <mc:AlternateContent xmlns:mc="http://schemas.openxmlformats.org/markup-compatibility/2006" xmlns:a14="http://schemas.microsoft.com/office/drawing/2010/main">
+        <mc:Choice Requires="a14">
           <p:sp>
             <p:nvSpPr>
               <p:cNvPr id="5" name="Segnaposto contenuto 2"/>
@@ -8932,7 +9253,7 @@
             </p:txBody>
           </p:sp>
         </mc:Choice>
-        <mc:Fallback>
+        <mc:Fallback xmlns="">
           <p:sp>
             <p:nvSpPr>
               <p:cNvPr id="5" name="Segnaposto contenuto 2"/>
@@ -8970,8 +9291,8 @@
           </p:sp>
         </mc:Fallback>
       </mc:AlternateContent>
-      <mc:AlternateContent xmlns:mc="http://schemas.openxmlformats.org/markup-compatibility/2006">
-        <mc:Choice xmlns:a14="http://schemas.microsoft.com/office/drawing/2010/main" Requires="a14">
+      <mc:AlternateContent xmlns:mc="http://schemas.openxmlformats.org/markup-compatibility/2006" xmlns:a14="http://schemas.microsoft.com/office/drawing/2010/main">
+        <mc:Choice Requires="a14">
           <p:sp>
             <p:nvSpPr>
               <p:cNvPr id="6" name="CasellaDiTesto 5"/>
@@ -8994,6 +9315,7 @@
               </a:bodyPr>
               <a:lstStyle/>
               <a:p>
+                <a:pPr/>
                 <a14:m>
                   <m:oMathPara xmlns:m="http://schemas.openxmlformats.org/officeDocument/2006/math">
                     <m:oMathParaPr>
@@ -9125,7 +9447,7 @@
             </p:txBody>
           </p:sp>
         </mc:Choice>
-        <mc:Fallback>
+        <mc:Fallback xmlns="">
           <p:sp>
             <p:nvSpPr>
               <p:cNvPr id="6" name="CasellaDiTesto 5"/>
@@ -9571,16 +9893,21 @@
           <a:p>
             <a:pPr lvl="1"/>
             <a:r>
+              <a:rPr lang="it-IT" sz="2000" dirty="0" smtClean="0"/>
+              <a:t>Parte digitale</a:t>
+            </a:r>
+          </a:p>
+          <a:p>
+            <a:pPr lvl="1"/>
+            <a:r>
               <a:rPr lang="it-IT" sz="2000" dirty="0"/>
-              <a:t>Parte di conversione</a:t>
-            </a:r>
-          </a:p>
-          <a:p>
-            <a:pPr lvl="1"/>
-            <a:r>
-              <a:rPr lang="it-IT" sz="2000" dirty="0"/>
-              <a:t>Parte digitale</a:t>
-            </a:r>
+              <a:t>Parte di </a:t>
+            </a:r>
+            <a:r>
+              <a:rPr lang="it-IT" sz="2000" dirty="0" smtClean="0"/>
+              <a:t>conversione</a:t>
+            </a:r>
+            <a:endParaRPr lang="it-IT" sz="2000" dirty="0"/>
           </a:p>
           <a:p>
             <a:r>
@@ -9620,7 +9947,6 @@
               <a:rPr lang="it-IT" sz="2400" dirty="0"/>
               <a:t>Sviluppi futuri e conclusioni</a:t>
             </a:r>
-            <a:endParaRPr lang="it-IT" sz="2400" dirty="0"/>
           </a:p>
         </p:txBody>
       </p:sp>
@@ -9710,47 +10036,6 @@
       </p:sp>
       <p:sp>
         <p:nvSpPr>
-          <p:cNvPr id="3" name="Segnaposto contenuto 2"/>
-          <p:cNvSpPr>
-            <a:spLocks noGrp="1"/>
-          </p:cNvSpPr>
-          <p:nvPr>
-            <p:ph idx="1"/>
-          </p:nvPr>
-        </p:nvSpPr>
-        <p:spPr/>
-        <p:txBody>
-          <a:bodyPr/>
-          <a:lstStyle/>
-          <a:p>
-            <a:r>
-              <a:rPr lang="it-IT" sz="2400" dirty="0" smtClean="0"/>
-              <a:t>Lo strumento è formato da una parte analogica, sviluppata internamente al laboratorio dall’ing. Samuele Disegna, e da una parte digitale, fornita da National Instruments.</a:t>
-            </a:r>
-          </a:p>
-          <a:p>
-            <a:r>
-              <a:rPr lang="it-IT" sz="2400" dirty="0" smtClean="0"/>
-              <a:t>La parte analogica si occupa (??)</a:t>
-            </a:r>
-          </a:p>
-          <a:p>
-            <a:r>
-              <a:rPr lang="it-IT" sz="2400" dirty="0" smtClean="0"/>
-              <a:t>La parte digitale si occupa dell’elaborazione numerica del segnale acquisito</a:t>
-            </a:r>
-          </a:p>
-          <a:p>
-            <a:r>
-              <a:rPr lang="it-IT" sz="2400" dirty="0" smtClean="0"/>
-              <a:t>I due mondi sono interfacciati da una scheda di conversione, equipaggiata con un DAC ed un ADC comandati dalla scheda digitale.</a:t>
-            </a:r>
-            <a:endParaRPr lang="it-IT" sz="2400" dirty="0"/>
-          </a:p>
-        </p:txBody>
-      </p:sp>
-      <p:sp>
-        <p:nvSpPr>
           <p:cNvPr id="4" name="Segnaposto numero diapositiva 3"/>
           <p:cNvSpPr>
             <a:spLocks noGrp="1"/>
@@ -9770,6 +10055,98 @@
               <a:t>7</a:t>
             </a:fld>
             <a:endParaRPr lang="en-US" altLang="nl-NL"/>
+          </a:p>
+        </p:txBody>
+      </p:sp>
+      <p:pic>
+        <p:nvPicPr>
+          <p:cNvPr id="5" name="Immagine 4"/>
+          <p:cNvPicPr>
+            <a:picLocks noChangeAspect="1"/>
+          </p:cNvPicPr>
+          <p:nvPr/>
+        </p:nvPicPr>
+        <p:blipFill>
+          <a:blip r:embed="rId3">
+            <a:extLst>
+              <a:ext uri="{28A0092B-C50C-407E-A947-70E740481C1C}">
+                <a14:useLocalDpi xmlns:a14="http://schemas.microsoft.com/office/drawing/2010/main" val="0"/>
+              </a:ext>
+            </a:extLst>
+          </a:blip>
+          <a:stretch>
+            <a:fillRect/>
+          </a:stretch>
+        </p:blipFill>
+        <p:spPr>
+          <a:xfrm>
+            <a:off x="1016794" y="1923377"/>
+            <a:ext cx="7162800" cy="4299442"/>
+          </a:xfrm>
+          <a:prstGeom prst="rect">
+            <a:avLst/>
+          </a:prstGeom>
+        </p:spPr>
+      </p:pic>
+      <p:sp>
+        <p:nvSpPr>
+          <p:cNvPr id="6" name="CasellaDiTesto 5"/>
+          <p:cNvSpPr txBox="1"/>
+          <p:nvPr/>
+        </p:nvSpPr>
+        <p:spPr>
+          <a:xfrm>
+            <a:off x="609600" y="1092380"/>
+            <a:ext cx="7977188" cy="830997"/>
+          </a:xfrm>
+          <a:prstGeom prst="rect">
+            <a:avLst/>
+          </a:prstGeom>
+          <a:noFill/>
+        </p:spPr>
+        <p:txBody>
+          <a:bodyPr wrap="square" rtlCol="0">
+            <a:spAutoFit/>
+          </a:bodyPr>
+          <a:lstStyle/>
+          <a:p>
+            <a:pPr marL="342900" indent="-342900">
+              <a:buFont typeface="Arial" charset="0"/>
+              <a:buChar char="•"/>
+            </a:pPr>
+            <a:r>
+              <a:rPr lang="it-IT" dirty="0"/>
+              <a:t>Lo strumento è </a:t>
+            </a:r>
+            <a:r>
+              <a:rPr lang="it-IT" dirty="0" smtClean="0"/>
+              <a:t>composto </a:t>
+            </a:r>
+            <a:r>
+              <a:rPr lang="it-IT" dirty="0"/>
+              <a:t>da una </a:t>
+            </a:r>
+            <a:r>
+              <a:rPr lang="it-IT" b="1" dirty="0"/>
+              <a:t>parte </a:t>
+            </a:r>
+            <a:r>
+              <a:rPr lang="it-IT" b="1" dirty="0" smtClean="0"/>
+              <a:t>analogica</a:t>
+            </a:r>
+            <a:r>
+              <a:rPr lang="it-IT" dirty="0" smtClean="0"/>
+              <a:t> e una </a:t>
+            </a:r>
+            <a:r>
+              <a:rPr lang="it-IT" b="1" dirty="0"/>
+              <a:t>parte </a:t>
+            </a:r>
+            <a:r>
+              <a:rPr lang="it-IT" b="1" dirty="0" smtClean="0"/>
+              <a:t>digitale</a:t>
+            </a:r>
+            <a:endParaRPr lang="it-IT" dirty="0"/>
           </a:p>
         </p:txBody>
       </p:sp>
@@ -9843,15 +10220,109 @@
             <p:ph idx="1"/>
           </p:nvPr>
         </p:nvSpPr>
-        <p:spPr/>
+        <p:spPr>
+          <a:xfrm>
+            <a:off x="609600" y="1028700"/>
+            <a:ext cx="7686675" cy="5410200"/>
+          </a:xfrm>
+        </p:spPr>
         <p:txBody>
           <a:bodyPr/>
           <a:lstStyle/>
           <a:p>
             <a:r>
-              <a:rPr lang="it-IT" dirty="0" smtClean="0"/>
-              <a:t>TODO</a:t>
-            </a:r>
+              <a:rPr lang="it-IT" sz="2400" dirty="0"/>
+              <a:t>La parte analogica è costituita da una </a:t>
+            </a:r>
+            <a:r>
+              <a:rPr lang="it-IT" sz="2400" b="1" dirty="0"/>
+              <a:t>sezione ottica </a:t>
+            </a:r>
+            <a:r>
+              <a:rPr lang="it-IT" sz="2400" dirty="0"/>
+              <a:t>e una </a:t>
+            </a:r>
+            <a:r>
+              <a:rPr lang="it-IT" sz="2400" b="1" dirty="0"/>
+              <a:t>sezione </a:t>
+            </a:r>
+            <a:r>
+              <a:rPr lang="it-IT" sz="2400" b="1" dirty="0" smtClean="0"/>
+              <a:t>analogica</a:t>
+            </a:r>
+          </a:p>
+          <a:p>
+            <a:endParaRPr lang="it-IT" sz="2400" dirty="0"/>
+          </a:p>
+          <a:p>
+            <a:endParaRPr lang="it-IT" sz="2400" dirty="0" smtClean="0"/>
+          </a:p>
+          <a:p>
+            <a:endParaRPr lang="it-IT" sz="2400" dirty="0"/>
+          </a:p>
+          <a:p>
+            <a:endParaRPr lang="it-IT" sz="2400" dirty="0" smtClean="0"/>
+          </a:p>
+          <a:p>
+            <a:endParaRPr lang="it-IT" sz="2400" dirty="0"/>
+          </a:p>
+          <a:p>
+            <a:endParaRPr lang="it-IT" sz="2400" dirty="0" smtClean="0"/>
+          </a:p>
+          <a:p>
+            <a:r>
+              <a:rPr lang="it-IT" sz="2400" dirty="0" smtClean="0"/>
+              <a:t>La </a:t>
+            </a:r>
+            <a:r>
+              <a:rPr lang="it-IT" sz="2400" b="1" dirty="0"/>
+              <a:t>sezione ottica</a:t>
+            </a:r>
+            <a:r>
+              <a:rPr lang="it-IT" sz="2400" dirty="0"/>
+              <a:t> </a:t>
+            </a:r>
+            <a:r>
+              <a:rPr lang="it-IT" sz="2400" dirty="0" smtClean="0"/>
+              <a:t>comprende il package </a:t>
+            </a:r>
+            <a:r>
+              <a:rPr lang="it-IT" sz="2400" dirty="0"/>
+              <a:t>della sorgente </a:t>
+            </a:r>
+            <a:r>
+              <a:rPr lang="it-IT" sz="2400" dirty="0" smtClean="0"/>
+              <a:t>laser</a:t>
+            </a:r>
+          </a:p>
+          <a:p>
+            <a:r>
+              <a:rPr lang="it-IT" sz="2400" dirty="0" smtClean="0"/>
+              <a:t>La </a:t>
+            </a:r>
+            <a:r>
+              <a:rPr lang="it-IT" sz="2400" b="1" dirty="0"/>
+              <a:t>sezione analogica </a:t>
+            </a:r>
+            <a:r>
+              <a:rPr lang="it-IT" sz="2400" dirty="0"/>
+              <a:t>comprende </a:t>
+            </a:r>
+            <a:r>
+              <a:rPr lang="it-IT" sz="2400" dirty="0" smtClean="0"/>
+              <a:t>gli </a:t>
+            </a:r>
+            <a:r>
+              <a:rPr lang="it-IT" sz="2400" dirty="0"/>
+              <a:t>stadi di condizionamento e amplificazione del segnale </a:t>
+            </a:r>
+            <a:r>
+              <a:rPr lang="it-IT" sz="2400" dirty="0" smtClean="0"/>
+              <a:t>interferometrico </a:t>
+            </a:r>
+            <a:endParaRPr lang="it-IT" sz="2400" dirty="0"/>
+          </a:p>
+          <a:p>
             <a:endParaRPr lang="it-IT" dirty="0"/>
           </a:p>
         </p:txBody>
@@ -9880,6 +10351,66 @@
           </a:p>
         </p:txBody>
       </p:sp>
+      <p:pic>
+        <p:nvPicPr>
+          <p:cNvPr id="5" name="Immagine 4"/>
+          <p:cNvPicPr>
+            <a:picLocks noChangeAspect="1"/>
+          </p:cNvPicPr>
+          <p:nvPr/>
+        </p:nvPicPr>
+        <p:blipFill>
+          <a:blip r:embed="rId2">
+            <a:extLst>
+              <a:ext uri="{28A0092B-C50C-407E-A947-70E740481C1C}">
+                <a14:useLocalDpi xmlns:a14="http://schemas.microsoft.com/office/drawing/2010/main" val="0"/>
+              </a:ext>
+            </a:extLst>
+          </a:blip>
+          <a:stretch>
+            <a:fillRect/>
+          </a:stretch>
+        </p:blipFill>
+        <p:spPr>
+          <a:xfrm>
+            <a:off x="4452937" y="2650331"/>
+            <a:ext cx="3277932" cy="1069975"/>
+          </a:xfrm>
+          <a:prstGeom prst="rect">
+            <a:avLst/>
+          </a:prstGeom>
+        </p:spPr>
+      </p:pic>
+      <p:pic>
+        <p:nvPicPr>
+          <p:cNvPr id="6" name="Immagine 5"/>
+          <p:cNvPicPr>
+            <a:picLocks noChangeAspect="1"/>
+          </p:cNvPicPr>
+          <p:nvPr/>
+        </p:nvPicPr>
+        <p:blipFill>
+          <a:blip r:embed="rId3">
+            <a:extLst>
+              <a:ext uri="{28A0092B-C50C-407E-A947-70E740481C1C}">
+                <a14:useLocalDpi xmlns:a14="http://schemas.microsoft.com/office/drawing/2010/main" val="0"/>
+              </a:ext>
+            </a:extLst>
+          </a:blip>
+          <a:stretch>
+            <a:fillRect/>
+          </a:stretch>
+        </p:blipFill>
+        <p:spPr>
+          <a:xfrm>
+            <a:off x="984449" y="2113755"/>
+            <a:ext cx="3468488" cy="2084388"/>
+          </a:xfrm>
+          <a:prstGeom prst="rect">
+            <a:avLst/>
+          </a:prstGeom>
+        </p:spPr>
+      </p:pic>
     </p:spTree>
     <p:extLst>
       <p:ext uri="{BB962C8B-B14F-4D97-AF65-F5344CB8AC3E}">
@@ -9934,7 +10465,7 @@
           <a:p>
             <a:r>
               <a:rPr lang="it-IT" dirty="0" smtClean="0"/>
-              <a:t>Parte di conversione</a:t>
+              <a:t>Parte digitale</a:t>
             </a:r>
             <a:endParaRPr lang="it-IT" dirty="0"/>
           </a:p>
@@ -9950,16 +10481,57 @@
             <p:ph idx="1"/>
           </p:nvPr>
         </p:nvSpPr>
-        <p:spPr/>
+        <p:spPr>
+          <a:xfrm>
+            <a:off x="685800" y="979884"/>
+            <a:ext cx="7772400" cy="942975"/>
+          </a:xfrm>
+        </p:spPr>
         <p:txBody>
           <a:bodyPr/>
           <a:lstStyle/>
           <a:p>
             <a:r>
-              <a:rPr lang="it-IT" dirty="0" smtClean="0"/>
-              <a:t>TODO</a:t>
-            </a:r>
-            <a:endParaRPr lang="it-IT" dirty="0"/>
+              <a:rPr lang="it-IT" sz="2400" dirty="0" smtClean="0"/>
+              <a:t>La parte digitale </a:t>
+            </a:r>
+            <a:r>
+              <a:rPr lang="it-IT" sz="2400" dirty="0" smtClean="0"/>
+              <a:t>è </a:t>
+            </a:r>
+            <a:r>
+              <a:rPr lang="it-IT" sz="2400" dirty="0" smtClean="0"/>
+              <a:t>costituita </a:t>
+            </a:r>
+            <a:r>
+              <a:rPr lang="it-IT" sz="2400" dirty="0" smtClean="0"/>
+              <a:t>dalla scheda </a:t>
+            </a:r>
+            <a:r>
+              <a:rPr lang="it-IT" sz="2400" dirty="0" smtClean="0"/>
+              <a:t>di </a:t>
+            </a:r>
+            <a:r>
+              <a:rPr lang="it-IT" sz="2400" dirty="0" smtClean="0"/>
+              <a:t>prototipazione: </a:t>
+            </a:r>
+            <a:r>
+              <a:rPr lang="it-IT" sz="2400" b="1" dirty="0" smtClean="0"/>
+              <a:t>NI </a:t>
+            </a:r>
+            <a:r>
+              <a:rPr lang="it-IT" sz="2400" b="1" dirty="0" err="1" smtClean="0"/>
+              <a:t>sbRIO</a:t>
+            </a:r>
+            <a:r>
+              <a:rPr lang="it-IT" sz="2400" b="1" dirty="0" smtClean="0"/>
+              <a:t> </a:t>
+            </a:r>
+            <a:r>
+              <a:rPr lang="it-IT" sz="2400" b="1" dirty="0" smtClean="0"/>
+              <a:t>9636</a:t>
+            </a:r>
+            <a:endParaRPr lang="it-IT" sz="2400" b="1" dirty="0" smtClean="0"/>
           </a:p>
         </p:txBody>
       </p:sp>
@@ -9987,10 +10559,130 @@
           </a:p>
         </p:txBody>
       </p:sp>
+      <p:pic>
+        <p:nvPicPr>
+          <p:cNvPr id="5" name="Immagine 4"/>
+          <p:cNvPicPr>
+            <a:picLocks noChangeAspect="1"/>
+          </p:cNvPicPr>
+          <p:nvPr/>
+        </p:nvPicPr>
+        <p:blipFill>
+          <a:blip r:embed="rId2">
+            <a:extLst>
+              <a:ext uri="{28A0092B-C50C-407E-A947-70E740481C1C}">
+                <a14:useLocalDpi xmlns:a14="http://schemas.microsoft.com/office/drawing/2010/main" val="0"/>
+              </a:ext>
+            </a:extLst>
+          </a:blip>
+          <a:stretch>
+            <a:fillRect/>
+          </a:stretch>
+        </p:blipFill>
+        <p:spPr>
+          <a:xfrm>
+            <a:off x="609600" y="1922859"/>
+            <a:ext cx="4556200" cy="4122276"/>
+          </a:xfrm>
+          <a:prstGeom prst="rect">
+            <a:avLst/>
+          </a:prstGeom>
+        </p:spPr>
+      </p:pic>
+      <p:sp>
+        <p:nvSpPr>
+          <p:cNvPr id="6" name="CasellaDiTesto 5"/>
+          <p:cNvSpPr txBox="1"/>
+          <p:nvPr/>
+        </p:nvSpPr>
+        <p:spPr>
+          <a:xfrm>
+            <a:off x="5208228" y="2140743"/>
+            <a:ext cx="3207544" cy="4154984"/>
+          </a:xfrm>
+          <a:prstGeom prst="rect">
+            <a:avLst/>
+          </a:prstGeom>
+          <a:noFill/>
+        </p:spPr>
+        <p:txBody>
+          <a:bodyPr wrap="square" rtlCol="0">
+            <a:spAutoFit/>
+          </a:bodyPr>
+          <a:lstStyle/>
+          <a:p>
+            <a:pPr marL="342900" indent="-342900">
+              <a:buFont typeface="Arial" charset="0"/>
+              <a:buChar char="•"/>
+            </a:pPr>
+            <a:r>
+              <a:rPr lang="it-IT" dirty="0"/>
+              <a:t>La scheda </a:t>
+            </a:r>
+            <a:r>
+              <a:rPr lang="it-IT" dirty="0" smtClean="0"/>
+              <a:t>comprende un </a:t>
+            </a:r>
+            <a:r>
+              <a:rPr lang="it-IT" b="1" dirty="0" smtClean="0"/>
+              <a:t>FPGA</a:t>
+            </a:r>
+            <a:r>
+              <a:rPr lang="it-IT" dirty="0" smtClean="0"/>
+              <a:t> </a:t>
+            </a:r>
+            <a:r>
+              <a:rPr lang="it-IT" dirty="0"/>
+              <a:t>ed un </a:t>
+            </a:r>
+            <a:r>
+              <a:rPr lang="it-IT" b="1" dirty="0" smtClean="0"/>
+              <a:t>microcontrollore</a:t>
+            </a:r>
+            <a:br>
+              <a:rPr lang="it-IT" b="1" dirty="0" smtClean="0"/>
+            </a:br>
+            <a:endParaRPr lang="it-IT" b="1" dirty="0" smtClean="0"/>
+          </a:p>
+          <a:p>
+            <a:pPr marL="342900" indent="-342900">
+              <a:buFont typeface="Arial" charset="0"/>
+              <a:buChar char="•"/>
+            </a:pPr>
+            <a:r>
+              <a:rPr lang="it-IT" dirty="0"/>
+              <a:t>S</a:t>
+            </a:r>
+            <a:r>
+              <a:rPr lang="it-IT" dirty="0" smtClean="0"/>
+              <a:t>i </a:t>
+            </a:r>
+            <a:r>
+              <a:rPr lang="it-IT" dirty="0"/>
+              <a:t>occupa dell’</a:t>
+            </a:r>
+            <a:r>
+              <a:rPr lang="it-IT" b="1" dirty="0"/>
+              <a:t>elaborazione </a:t>
+            </a:r>
+            <a:r>
+              <a:rPr lang="it-IT" b="1" dirty="0" smtClean="0"/>
+              <a:t>digitale </a:t>
+            </a:r>
+            <a:r>
+              <a:rPr lang="it-IT" dirty="0"/>
+              <a:t>del segnale interferometrico</a:t>
+            </a:r>
+          </a:p>
+          <a:p>
+            <a:endParaRPr lang="it-IT" dirty="0"/>
+          </a:p>
+        </p:txBody>
+      </p:sp>
     </p:spTree>
     <p:extLst>
       <p:ext uri="{BB962C8B-B14F-4D97-AF65-F5344CB8AC3E}">
-        <p14:creationId xmlns:p14="http://schemas.microsoft.com/office/powerpoint/2010/main" val="2372177897"/>
+        <p14:creationId xmlns:p14="http://schemas.microsoft.com/office/powerpoint/2010/main" val="594836213"/>
       </p:ext>
     </p:extLst>
   </p:cSld>

--- a/presentazione_discussione.pptx
+++ b/presentazione_discussione.pptx
@@ -5,10 +5,10 @@
     <p:sldMasterId id="2147483652" r:id="rId4"/>
   </p:sldMasterIdLst>
   <p:notesMasterIdLst>
-    <p:notesMasterId r:id="rId26"/>
+    <p:notesMasterId r:id="rId27"/>
   </p:notesMasterIdLst>
   <p:handoutMasterIdLst>
-    <p:handoutMasterId r:id="rId27"/>
+    <p:handoutMasterId r:id="rId28"/>
   </p:handoutMasterIdLst>
   <p:sldIdLst>
     <p:sldId id="277" r:id="rId5"/>
@@ -25,18 +25,19 @@
     <p:sldId id="289" r:id="rId16"/>
     <p:sldId id="290" r:id="rId17"/>
     <p:sldId id="291" r:id="rId18"/>
-    <p:sldId id="292" r:id="rId19"/>
-    <p:sldId id="293" r:id="rId20"/>
-    <p:sldId id="294" r:id="rId21"/>
-    <p:sldId id="295" r:id="rId22"/>
-    <p:sldId id="297" r:id="rId23"/>
-    <p:sldId id="296" r:id="rId24"/>
-    <p:sldId id="300" r:id="rId25"/>
+    <p:sldId id="293" r:id="rId19"/>
+    <p:sldId id="294" r:id="rId20"/>
+    <p:sldId id="295" r:id="rId21"/>
+    <p:sldId id="303" r:id="rId22"/>
+    <p:sldId id="304" r:id="rId23"/>
+    <p:sldId id="297" r:id="rId24"/>
+    <p:sldId id="296" r:id="rId25"/>
+    <p:sldId id="300" r:id="rId26"/>
   </p:sldIdLst>
   <p:sldSz cx="9144000" cy="6858000" type="screen4x3"/>
   <p:notesSz cx="7099300" cy="10234613"/>
   <p:custDataLst>
-    <p:tags r:id="rId28"/>
+    <p:tags r:id="rId29"/>
   </p:custDataLst>
   <p:defaultTextStyle>
     <a:defPPr>
@@ -1736,6 +1737,160 @@
     <p:extLst>
       <p:ext uri="{BB962C8B-B14F-4D97-AF65-F5344CB8AC3E}">
         <p14:creationId xmlns:p14="http://schemas.microsoft.com/office/powerpoint/2010/main" val="1144522535"/>
+      </p:ext>
+    </p:extLst>
+  </p:cSld>
+  <p:clrMapOvr>
+    <a:masterClrMapping/>
+  </p:clrMapOvr>
+</p:notes>
+</file>
+
+<file path=ppt/notesSlides/notesSlide3.xml><?xml version="1.0" encoding="utf-8"?>
+<p:notes xmlns:a="http://schemas.openxmlformats.org/drawingml/2006/main" xmlns:r="http://schemas.openxmlformats.org/officeDocument/2006/relationships" xmlns:p="http://schemas.openxmlformats.org/presentationml/2006/main">
+  <p:cSld>
+    <p:spTree>
+      <p:nvGrpSpPr>
+        <p:cNvPr id="1" name=""/>
+        <p:cNvGrpSpPr/>
+        <p:nvPr/>
+      </p:nvGrpSpPr>
+      <p:grpSpPr>
+        <a:xfrm>
+          <a:off x="0" y="0"/>
+          <a:ext cx="0" cy="0"/>
+          <a:chOff x="0" y="0"/>
+          <a:chExt cx="0" cy="0"/>
+        </a:xfrm>
+      </p:grpSpPr>
+      <p:sp>
+        <p:nvSpPr>
+          <p:cNvPr id="2" name="Segnaposto immagine diapositiva 1"/>
+          <p:cNvSpPr>
+            <a:spLocks noGrp="1" noRot="1" noChangeAspect="1"/>
+          </p:cNvSpPr>
+          <p:nvPr>
+            <p:ph type="sldImg"/>
+          </p:nvPr>
+        </p:nvSpPr>
+        <p:spPr/>
+      </p:sp>
+      <p:sp>
+        <p:nvSpPr>
+          <p:cNvPr id="3" name="Segnaposto note 2"/>
+          <p:cNvSpPr>
+            <a:spLocks noGrp="1"/>
+          </p:cNvSpPr>
+          <p:nvPr>
+            <p:ph type="body" idx="1"/>
+          </p:nvPr>
+        </p:nvSpPr>
+        <p:spPr/>
+        <p:txBody>
+          <a:bodyPr/>
+          <a:lstStyle/>
+          <a:p>
+            <a:endParaRPr lang="it-IT" dirty="0"/>
+          </a:p>
+        </p:txBody>
+      </p:sp>
+      <p:sp>
+        <p:nvSpPr>
+          <p:cNvPr id="4" name="Segnaposto intestazione 3"/>
+          <p:cNvSpPr>
+            <a:spLocks noGrp="1"/>
+          </p:cNvSpPr>
+          <p:nvPr>
+            <p:ph type="hdr" sz="quarter" idx="10"/>
+          </p:nvPr>
+        </p:nvSpPr>
+        <p:spPr/>
+        <p:txBody>
+          <a:bodyPr/>
+          <a:lstStyle/>
+          <a:p>
+            <a:r>
+              <a:rPr lang="en-US" altLang="nl-NL" smtClean="0"/>
+              <a:t>Process synchronization</a:t>
+            </a:r>
+            <a:endParaRPr lang="en-US" altLang="nl-NL"/>
+          </a:p>
+        </p:txBody>
+      </p:sp>
+      <p:sp>
+        <p:nvSpPr>
+          <p:cNvPr id="5" name="Segnaposto data 4"/>
+          <p:cNvSpPr>
+            <a:spLocks noGrp="1"/>
+          </p:cNvSpPr>
+          <p:nvPr>
+            <p:ph type="dt" idx="11"/>
+          </p:nvPr>
+        </p:nvSpPr>
+        <p:spPr/>
+        <p:txBody>
+          <a:bodyPr/>
+          <a:lstStyle/>
+          <a:p>
+            <a:r>
+              <a:rPr lang="en-US" altLang="nl-NL" smtClean="0"/>
+              <a:t>Operating System</a:t>
+            </a:r>
+            <a:endParaRPr lang="en-US" altLang="nl-NL"/>
+          </a:p>
+        </p:txBody>
+      </p:sp>
+      <p:sp>
+        <p:nvSpPr>
+          <p:cNvPr id="6" name="Segnaposto piè di pagina 5"/>
+          <p:cNvSpPr>
+            <a:spLocks noGrp="1"/>
+          </p:cNvSpPr>
+          <p:nvPr>
+            <p:ph type="ftr" sz="quarter" idx="12"/>
+          </p:nvPr>
+        </p:nvSpPr>
+        <p:spPr/>
+        <p:txBody>
+          <a:bodyPr/>
+          <a:lstStyle/>
+          <a:p>
+            <a:r>
+              <a:rPr lang="en-US" altLang="nl-NL" smtClean="0"/>
+              <a:t>© 2005 William Fornaciari</a:t>
+            </a:r>
+            <a:endParaRPr lang="en-US" altLang="nl-NL"/>
+          </a:p>
+        </p:txBody>
+      </p:sp>
+      <p:sp>
+        <p:nvSpPr>
+          <p:cNvPr id="7" name="Segnaposto numero diapositiva 6"/>
+          <p:cNvSpPr>
+            <a:spLocks noGrp="1"/>
+          </p:cNvSpPr>
+          <p:nvPr>
+            <p:ph type="sldNum" sz="quarter" idx="13"/>
+          </p:nvPr>
+        </p:nvSpPr>
+        <p:spPr/>
+        <p:txBody>
+          <a:bodyPr/>
+          <a:lstStyle/>
+          <a:p>
+            <a:fld id="{88C0D9CF-78A8-4FBE-960E-41C6F5A4AF95}" type="slidenum">
+              <a:rPr lang="en-US" altLang="nl-NL" smtClean="0"/>
+              <a:pPr/>
+              <a:t>13</a:t>
+            </a:fld>
+            <a:endParaRPr lang="en-US" altLang="nl-NL"/>
+          </a:p>
+        </p:txBody>
+      </p:sp>
+    </p:spTree>
+    <p:extLst>
+      <p:ext uri="{BB962C8B-B14F-4D97-AF65-F5344CB8AC3E}">
+        <p14:creationId xmlns:p14="http://schemas.microsoft.com/office/powerpoint/2010/main" val="2032454154"/>
       </p:ext>
     </p:extLst>
   </p:cSld>
@@ -5466,7 +5621,6 @@
               <a:rPr lang="it-IT" sz="2400" dirty="0"/>
               <a:t>digitale.</a:t>
             </a:r>
-            <a:endParaRPr lang="it-IT" sz="2400" dirty="0"/>
           </a:p>
         </p:txBody>
       </p:sp>
@@ -5972,22 +6126,19 @@
             </a:r>
           </a:p>
           <a:p>
-            <a:pPr lvl="1"/>
-            <a:r>
-              <a:rPr lang="it-IT" sz="2000" dirty="0"/>
-              <a:t>Analisi degli algoritmi</a:t>
-            </a:r>
-          </a:p>
-          <a:p>
+            <a:r>
+              <a:rPr lang="it-IT" sz="2400" dirty="0" smtClean="0"/>
+              <a:t>Risultati </a:t>
+            </a:r>
             <a:r>
               <a:rPr lang="it-IT" sz="2400" dirty="0"/>
-              <a:t>Risultati sperimentali</a:t>
+              <a:t>sperimentali</a:t>
             </a:r>
           </a:p>
           <a:p>
             <a:r>
               <a:rPr lang="it-IT" sz="2400" dirty="0"/>
-              <a:t>Sviluppi futuri e conclusioni</a:t>
+              <a:t>Conclusioni e sviluppi futuri</a:t>
             </a:r>
             <a:endParaRPr lang="it-IT" sz="2400" dirty="0"/>
           </a:p>
@@ -6087,99 +6238,35 @@
             <p:ph idx="1"/>
           </p:nvPr>
         </p:nvSpPr>
-        <p:spPr/>
+        <p:spPr>
+          <a:xfrm>
+            <a:off x="609600" y="5845290"/>
+            <a:ext cx="7772400" cy="528638"/>
+          </a:xfrm>
+        </p:spPr>
         <p:txBody>
           <a:bodyPr/>
           <a:lstStyle/>
           <a:p>
             <a:r>
               <a:rPr lang="it-IT" sz="2400" dirty="0" smtClean="0"/>
-              <a:t>Linguaggio </a:t>
-            </a:r>
-            <a:r>
-              <a:rPr lang="it-IT" sz="2400" dirty="0" err="1" smtClean="0"/>
+              <a:t>Ambiente di sviluppo: </a:t>
+            </a:r>
+            <a:r>
+              <a:rPr lang="it-IT" sz="2400" b="1" dirty="0" smtClean="0"/>
+              <a:t>NI </a:t>
+            </a:r>
+            <a:r>
+              <a:rPr lang="it-IT" sz="2400" b="1" dirty="0" err="1" smtClean="0"/>
               <a:t>LabVIEW</a:t>
             </a:r>
-            <a:endParaRPr lang="it-IT" sz="2400" dirty="0"/>
-          </a:p>
-          <a:p>
-            <a:pPr lvl="1"/>
-            <a:r>
-              <a:rPr lang="it-IT" sz="2000" dirty="0" smtClean="0"/>
-              <a:t>Sviluppato da National </a:t>
-            </a:r>
-            <a:br>
-              <a:rPr lang="it-IT" sz="2000" dirty="0" smtClean="0"/>
-            </a:br>
-            <a:r>
-              <a:rPr lang="it-IT" sz="2000" dirty="0" smtClean="0"/>
-              <a:t>Instruments</a:t>
-            </a:r>
-            <a:br>
-              <a:rPr lang="it-IT" sz="2000" dirty="0" smtClean="0"/>
-            </a:br>
+            <a:endParaRPr lang="it-IT" sz="2400" b="1" dirty="0"/>
+          </a:p>
+          <a:p>
+            <a:pPr marL="457200" lvl="1" indent="0">
+              <a:buNone/>
+            </a:pPr>
             <a:endParaRPr lang="it-IT" sz="2000" dirty="0" smtClean="0"/>
-          </a:p>
-          <a:p>
-            <a:r>
-              <a:rPr lang="it-IT" sz="2400" dirty="0" smtClean="0"/>
-              <a:t>Struttura a cicli paralleli con</a:t>
-            </a:r>
-            <a:br>
-              <a:rPr lang="it-IT" sz="2400" dirty="0" smtClean="0"/>
-            </a:br>
-            <a:r>
-              <a:rPr lang="it-IT" sz="2400" dirty="0" smtClean="0"/>
-              <a:t>scambio di dati tramite code</a:t>
-            </a:r>
-            <a:br>
-              <a:rPr lang="it-IT" sz="2400" dirty="0" smtClean="0"/>
-            </a:br>
-            <a:r>
-              <a:rPr lang="it-IT" sz="2400" dirty="0" smtClean="0"/>
-              <a:t>FIFO</a:t>
-            </a:r>
-          </a:p>
-          <a:p>
-            <a:pPr lvl="1"/>
-            <a:r>
-              <a:rPr lang="it-IT" sz="2000" dirty="0" smtClean="0"/>
-              <a:t>Pattern producer-consumer</a:t>
-            </a:r>
-          </a:p>
-          <a:p>
-            <a:pPr lvl="1"/>
-            <a:r>
-              <a:rPr lang="it-IT" sz="2000" dirty="0" smtClean="0"/>
-              <a:t>Usato anche per lo scambio di dati tra FPGA e microcontrollore (DMA)</a:t>
-            </a:r>
-            <a:br>
-              <a:rPr lang="it-IT" sz="2000" dirty="0" smtClean="0"/>
-            </a:br>
-            <a:endParaRPr lang="it-IT" sz="2000" dirty="0" smtClean="0"/>
-          </a:p>
-          <a:p>
-            <a:r>
-              <a:rPr lang="it-IT" sz="2400" dirty="0" smtClean="0"/>
-              <a:t>Uso dell’aritmetica </a:t>
-            </a:r>
-            <a:r>
-              <a:rPr lang="it-IT" sz="2400" i="1" dirty="0" err="1" smtClean="0"/>
-              <a:t>fixed</a:t>
-            </a:r>
-            <a:r>
-              <a:rPr lang="it-IT" sz="2400" i="1" dirty="0" smtClean="0"/>
-              <a:t> </a:t>
-            </a:r>
-            <a:r>
-              <a:rPr lang="it-IT" sz="2400" i="1" dirty="0" err="1" smtClean="0"/>
-              <a:t>point</a:t>
-            </a:r>
-            <a:r>
-              <a:rPr lang="it-IT" sz="2400" dirty="0" smtClean="0"/>
-              <a:t> (12-bit) per migliorare le prestazioni su FPGA</a:t>
-            </a:r>
-            <a:endParaRPr lang="it-IT" sz="2400" dirty="0"/>
           </a:p>
         </p:txBody>
       </p:sp>
@@ -6209,7 +6296,7 @@
       </p:sp>
       <p:pic>
         <p:nvPicPr>
-          <p:cNvPr id="6" name="Immagine 5"/>
+          <p:cNvPr id="8" name="Immagine 7"/>
           <p:cNvPicPr>
             <a:picLocks noChangeAspect="1"/>
           </p:cNvPicPr>
@@ -6229,14 +6316,297 @@
         </p:blipFill>
         <p:spPr>
           <a:xfrm>
-            <a:off x="5320934" y="1143000"/>
-            <a:ext cx="3137266" cy="1343026"/>
+            <a:off x="1443037" y="3013645"/>
+            <a:ext cx="6329363" cy="2709525"/>
           </a:xfrm>
           <a:prstGeom prst="rect">
             <a:avLst/>
           </a:prstGeom>
         </p:spPr>
       </p:pic>
+      <p:sp>
+        <p:nvSpPr>
+          <p:cNvPr id="9" name="Segnaposto contenuto 2"/>
+          <p:cNvSpPr txBox="1">
+            <a:spLocks/>
+          </p:cNvSpPr>
+          <p:nvPr/>
+        </p:nvSpPr>
+        <p:spPr bwMode="auto">
+          <a:xfrm>
+            <a:off x="528636" y="979379"/>
+            <a:ext cx="8158163" cy="1931191"/>
+          </a:xfrm>
+          <a:prstGeom prst="rect">
+            <a:avLst/>
+          </a:prstGeom>
+          <a:noFill/>
+          <a:ln>
+            <a:noFill/>
+          </a:ln>
+          <a:extLst>
+            <a:ext uri="{909E8E84-426E-40DD-AFC4-6F175D3DCCD1}">
+              <a14:hiddenFill xmlns:a14="http://schemas.microsoft.com/office/drawing/2010/main">
+                <a:solidFill>
+                  <a:srgbClr val="FFFFFF"/>
+                </a:solidFill>
+              </a14:hiddenFill>
+            </a:ext>
+            <a:ext uri="{91240B29-F687-4F45-9708-019B960494DF}">
+              <a14:hiddenLine xmlns:a14="http://schemas.microsoft.com/office/drawing/2010/main" w="9525">
+                <a:solidFill>
+                  <a:srgbClr val="000000"/>
+                </a:solidFill>
+                <a:miter lim="800000"/>
+                <a:headEnd/>
+                <a:tailEnd/>
+              </a14:hiddenLine>
+            </a:ext>
+          </a:extLst>
+        </p:spPr>
+        <p:txBody>
+          <a:bodyPr vert="horz" wrap="square" lIns="91440" tIns="45720" rIns="91440" bIns="45720" numCol="1" anchor="t" anchorCtr="0" compatLnSpc="1">
+            <a:prstTxWarp prst="textNoShape">
+              <a:avLst/>
+            </a:prstTxWarp>
+          </a:bodyPr>
+          <a:lstStyle>
+            <a:lvl1pPr marL="342900" indent="-342900" algn="l" rtl="0" eaLnBrk="1" fontAlgn="base" hangingPunct="1">
+              <a:spcBef>
+                <a:spcPct val="20000"/>
+              </a:spcBef>
+              <a:spcAft>
+                <a:spcPct val="0"/>
+              </a:spcAft>
+              <a:buClr>
+                <a:srgbClr val="003366"/>
+              </a:buClr>
+              <a:buFont typeface="Times" panose="02020603050405020304" pitchFamily="18" charset="0"/>
+              <a:buChar char="•"/>
+              <a:defRPr sz="3200">
+                <a:solidFill>
+                  <a:schemeClr val="tx1"/>
+                </a:solidFill>
+                <a:latin typeface="+mn-lt"/>
+                <a:ea typeface="+mn-ea"/>
+                <a:cs typeface="+mn-cs"/>
+              </a:defRPr>
+            </a:lvl1pPr>
+            <a:lvl2pPr marL="742950" indent="-285750" algn="l" rtl="0" eaLnBrk="1" fontAlgn="base" hangingPunct="1">
+              <a:spcBef>
+                <a:spcPct val="20000"/>
+              </a:spcBef>
+              <a:spcAft>
+                <a:spcPct val="0"/>
+              </a:spcAft>
+              <a:buClr>
+                <a:srgbClr val="FF9900"/>
+              </a:buClr>
+              <a:buFont typeface="Wingdings" panose="05000000000000000000" pitchFamily="2" charset="2"/>
+              <a:buChar char="§"/>
+              <a:defRPr sz="2800">
+                <a:solidFill>
+                  <a:schemeClr val="tx1"/>
+                </a:solidFill>
+                <a:latin typeface="+mn-lt"/>
+                <a:ea typeface="+mn-ea"/>
+                <a:cs typeface="+mn-cs"/>
+              </a:defRPr>
+            </a:lvl2pPr>
+            <a:lvl3pPr marL="1143000" indent="-228600" algn="l" rtl="0" eaLnBrk="1" fontAlgn="base" hangingPunct="1">
+              <a:spcBef>
+                <a:spcPct val="20000"/>
+              </a:spcBef>
+              <a:spcAft>
+                <a:spcPct val="0"/>
+              </a:spcAft>
+              <a:buClr>
+                <a:srgbClr val="003366"/>
+              </a:buClr>
+              <a:buFont typeface="Times" panose="02020603050405020304" pitchFamily="18" charset="0"/>
+              <a:buChar char="•"/>
+              <a:defRPr sz="2400">
+                <a:solidFill>
+                  <a:schemeClr val="tx1"/>
+                </a:solidFill>
+                <a:latin typeface="+mn-lt"/>
+                <a:ea typeface="+mn-ea"/>
+                <a:cs typeface="+mn-cs"/>
+              </a:defRPr>
+            </a:lvl3pPr>
+            <a:lvl4pPr marL="1600200" indent="-228600" algn="l" rtl="0" eaLnBrk="1" fontAlgn="base" hangingPunct="1">
+              <a:spcBef>
+                <a:spcPct val="20000"/>
+              </a:spcBef>
+              <a:spcAft>
+                <a:spcPct val="0"/>
+              </a:spcAft>
+              <a:buClr>
+                <a:srgbClr val="003366"/>
+              </a:buClr>
+              <a:buChar char="–"/>
+              <a:defRPr sz="2000">
+                <a:solidFill>
+                  <a:schemeClr val="tx1"/>
+                </a:solidFill>
+                <a:latin typeface="+mn-lt"/>
+                <a:ea typeface="+mn-ea"/>
+                <a:cs typeface="+mn-cs"/>
+              </a:defRPr>
+            </a:lvl4pPr>
+            <a:lvl5pPr marL="2057400" indent="-228600" algn="l" rtl="0" eaLnBrk="1" fontAlgn="base" hangingPunct="1">
+              <a:spcBef>
+                <a:spcPct val="20000"/>
+              </a:spcBef>
+              <a:spcAft>
+                <a:spcPct val="0"/>
+              </a:spcAft>
+              <a:buChar char="»"/>
+              <a:defRPr sz="2000">
+                <a:solidFill>
+                  <a:schemeClr val="tx1"/>
+                </a:solidFill>
+                <a:latin typeface="+mn-lt"/>
+                <a:ea typeface="+mn-ea"/>
+                <a:cs typeface="+mn-cs"/>
+              </a:defRPr>
+            </a:lvl5pPr>
+            <a:lvl6pPr marL="2514600" indent="-228600" algn="l" rtl="0" eaLnBrk="1" fontAlgn="base" hangingPunct="1">
+              <a:spcBef>
+                <a:spcPct val="20000"/>
+              </a:spcBef>
+              <a:spcAft>
+                <a:spcPct val="0"/>
+              </a:spcAft>
+              <a:buChar char="»"/>
+              <a:defRPr sz="2000">
+                <a:solidFill>
+                  <a:schemeClr val="tx1"/>
+                </a:solidFill>
+                <a:latin typeface="+mn-lt"/>
+                <a:ea typeface="+mn-ea"/>
+                <a:cs typeface="+mn-cs"/>
+              </a:defRPr>
+            </a:lvl6pPr>
+            <a:lvl7pPr marL="2971800" indent="-228600" algn="l" rtl="0" eaLnBrk="1" fontAlgn="base" hangingPunct="1">
+              <a:spcBef>
+                <a:spcPct val="20000"/>
+              </a:spcBef>
+              <a:spcAft>
+                <a:spcPct val="0"/>
+              </a:spcAft>
+              <a:buChar char="»"/>
+              <a:defRPr sz="2000">
+                <a:solidFill>
+                  <a:schemeClr val="tx1"/>
+                </a:solidFill>
+                <a:latin typeface="+mn-lt"/>
+                <a:ea typeface="+mn-ea"/>
+                <a:cs typeface="+mn-cs"/>
+              </a:defRPr>
+            </a:lvl7pPr>
+            <a:lvl8pPr marL="3429000" indent="-228600" algn="l" rtl="0" eaLnBrk="1" fontAlgn="base" hangingPunct="1">
+              <a:spcBef>
+                <a:spcPct val="20000"/>
+              </a:spcBef>
+              <a:spcAft>
+                <a:spcPct val="0"/>
+              </a:spcAft>
+              <a:buChar char="»"/>
+              <a:defRPr sz="2000">
+                <a:solidFill>
+                  <a:schemeClr val="tx1"/>
+                </a:solidFill>
+                <a:latin typeface="+mn-lt"/>
+                <a:ea typeface="+mn-ea"/>
+                <a:cs typeface="+mn-cs"/>
+              </a:defRPr>
+            </a:lvl8pPr>
+            <a:lvl9pPr marL="3886200" indent="-228600" algn="l" rtl="0" eaLnBrk="1" fontAlgn="base" hangingPunct="1">
+              <a:spcBef>
+                <a:spcPct val="20000"/>
+              </a:spcBef>
+              <a:spcAft>
+                <a:spcPct val="0"/>
+              </a:spcAft>
+              <a:buChar char="»"/>
+              <a:defRPr sz="2000">
+                <a:solidFill>
+                  <a:schemeClr val="tx1"/>
+                </a:solidFill>
+                <a:latin typeface="+mn-lt"/>
+                <a:ea typeface="+mn-ea"/>
+                <a:cs typeface="+mn-cs"/>
+              </a:defRPr>
+            </a:lvl9pPr>
+          </a:lstStyle>
+          <a:p>
+            <a:r>
+              <a:rPr lang="it-IT" sz="2400" kern="0" dirty="0" smtClean="0"/>
+              <a:t>L’elaborazione numerica del segnale interferometrico è eseguita </a:t>
+            </a:r>
+            <a:r>
+              <a:rPr lang="it-IT" sz="2400" dirty="0" smtClean="0"/>
+              <a:t>in </a:t>
+            </a:r>
+            <a:r>
+              <a:rPr lang="it-IT" sz="2400" dirty="0"/>
+              <a:t>parte su </a:t>
+            </a:r>
+            <a:r>
+              <a:rPr lang="it-IT" sz="2400" b="1" dirty="0"/>
+              <a:t>FPGA</a:t>
+            </a:r>
+            <a:r>
+              <a:rPr lang="it-IT" sz="2400" dirty="0"/>
+              <a:t> ed in parte su </a:t>
+            </a:r>
+            <a:r>
+              <a:rPr lang="it-IT" sz="2400" b="1" dirty="0" smtClean="0"/>
+              <a:t>microcontrollore</a:t>
+            </a:r>
+          </a:p>
+          <a:p>
+            <a:r>
+              <a:rPr lang="it-IT" sz="2400" dirty="0" smtClean="0"/>
+              <a:t>Il </a:t>
+            </a:r>
+            <a:r>
+              <a:rPr lang="it-IT" sz="2400" b="1" dirty="0" smtClean="0"/>
+              <a:t>PC</a:t>
+            </a:r>
+            <a:r>
+              <a:rPr lang="it-IT" sz="2400" dirty="0" smtClean="0"/>
+              <a:t> ha solo il compito di mostrare </a:t>
+            </a:r>
+            <a:r>
+              <a:rPr lang="it-IT" sz="2400" dirty="0"/>
+              <a:t>all’utente finale la misura </a:t>
+            </a:r>
+            <a:r>
+              <a:rPr lang="it-IT" sz="2400" dirty="0" smtClean="0"/>
+              <a:t>di distanza</a:t>
+            </a:r>
+            <a:endParaRPr lang="it-IT" sz="2400" kern="0" dirty="0"/>
+          </a:p>
+          <a:p>
+            <a:pPr marL="0" indent="0">
+              <a:buNone/>
+            </a:pPr>
+            <a:endParaRPr lang="it-IT" sz="2400" dirty="0"/>
+          </a:p>
+          <a:p>
+            <a:endParaRPr lang="it-IT" sz="2400" kern="0" dirty="0" smtClean="0"/>
+          </a:p>
+          <a:p>
+            <a:pPr marL="457200" lvl="1" indent="0">
+              <a:buFont typeface="Wingdings" panose="05000000000000000000" pitchFamily="2" charset="2"/>
+              <a:buNone/>
+            </a:pPr>
+            <a:endParaRPr lang="it-IT" sz="2000" kern="0" dirty="0" smtClean="0"/>
+          </a:p>
+        </p:txBody>
+      </p:sp>
     </p:spTree>
     <p:extLst>
       <p:ext uri="{BB962C8B-B14F-4D97-AF65-F5344CB8AC3E}">
@@ -6291,7 +6661,7 @@
           <a:p>
             <a:r>
               <a:rPr lang="it-IT" dirty="0" smtClean="0"/>
-              <a:t>Firmware FPGA</a:t>
+              <a:t>FPGA</a:t>
             </a:r>
             <a:endParaRPr lang="it-IT" dirty="0"/>
           </a:p>
@@ -6307,93 +6677,131 @@
             <p:ph idx="1"/>
           </p:nvPr>
         </p:nvSpPr>
-        <p:spPr/>
+        <p:spPr>
+          <a:xfrm>
+            <a:off x="609600" y="1024102"/>
+            <a:ext cx="8120063" cy="5093494"/>
+          </a:xfrm>
+        </p:spPr>
         <p:txBody>
           <a:bodyPr/>
           <a:lstStyle/>
           <a:p>
             <a:r>
               <a:rPr lang="it-IT" sz="2400" dirty="0" smtClean="0"/>
-              <a:t>Si compone di una parte di inizializzazione e di cinque cicli paralleli:</a:t>
-            </a:r>
+              <a:t>Le funzionalità svolte in hardware dal FPGA sono:</a:t>
+            </a:r>
+            <a:br>
+              <a:rPr lang="it-IT" sz="2400" dirty="0" smtClean="0"/>
+            </a:br>
+            <a:endParaRPr lang="it-IT" sz="2400" dirty="0" smtClean="0"/>
           </a:p>
           <a:p>
             <a:pPr lvl="1"/>
             <a:r>
               <a:rPr lang="it-IT" sz="2000" dirty="0" smtClean="0"/>
-              <a:t>Pilotaggio scheda conversione e</a:t>
+              <a:t>Generazione del </a:t>
             </a:r>
             <a:br>
               <a:rPr lang="it-IT" sz="2000" dirty="0" smtClean="0"/>
             </a:br>
             <a:r>
               <a:rPr lang="it-IT" sz="2000" dirty="0" smtClean="0"/>
-              <a:t>generazione/acquisizione</a:t>
-            </a:r>
-          </a:p>
-          <a:p>
-            <a:pPr lvl="1"/>
-            <a:r>
-              <a:rPr lang="it-IT" sz="2000" dirty="0" smtClean="0"/>
-              <a:t>Lettura della memoria del segnale</a:t>
+              <a:t>segnale di modulazione </a:t>
             </a:r>
             <a:br>
               <a:rPr lang="it-IT" sz="2000" dirty="0" smtClean="0"/>
             </a:br>
             <a:r>
               <a:rPr lang="it-IT" sz="2000" dirty="0" smtClean="0"/>
-              <a:t>di modulazione</a:t>
-            </a:r>
+              <a:t>a </a:t>
+            </a:r>
+            <a:r>
+              <a:rPr lang="it-IT" sz="2000" i="1" dirty="0" smtClean="0"/>
+              <a:t>24KHz</a:t>
+            </a:r>
+            <a:br>
+              <a:rPr lang="it-IT" sz="2000" i="1" dirty="0" smtClean="0"/>
+            </a:br>
+            <a:endParaRPr lang="it-IT" sz="2000" i="1" dirty="0" smtClean="0"/>
           </a:p>
           <a:p>
             <a:pPr lvl="1"/>
             <a:r>
               <a:rPr lang="it-IT" sz="2000" dirty="0" smtClean="0"/>
-              <a:t>Condizionamento digitale del</a:t>
+              <a:t>Campionamento </a:t>
             </a:r>
             <a:br>
               <a:rPr lang="it-IT" sz="2000" dirty="0" smtClean="0"/>
             </a:br>
             <a:r>
               <a:rPr lang="it-IT" sz="2000" dirty="0" smtClean="0"/>
-              <a:t>segnale (sottrazione del fondo e </a:t>
+              <a:t>del segnale interferometrico </a:t>
             </a:r>
             <a:br>
               <a:rPr lang="it-IT" sz="2000" dirty="0" smtClean="0"/>
             </a:br>
             <a:r>
               <a:rPr lang="it-IT" sz="2000" dirty="0" smtClean="0"/>
-              <a:t>finestratura) </a:t>
-            </a:r>
+              <a:t>a </a:t>
+            </a:r>
+            <a:r>
+              <a:rPr lang="it-IT" sz="2000" i="1" dirty="0" smtClean="0"/>
+              <a:t>30MHz</a:t>
+            </a:r>
+            <a:br>
+              <a:rPr lang="it-IT" sz="2000" i="1" dirty="0" smtClean="0"/>
+            </a:br>
+            <a:endParaRPr lang="it-IT" sz="2000" i="1" dirty="0" smtClean="0"/>
           </a:p>
           <a:p>
             <a:pPr lvl="1"/>
             <a:r>
               <a:rPr lang="it-IT" sz="2000" dirty="0" smtClean="0"/>
-              <a:t>Computazione della trasformata di </a:t>
+              <a:t>Calcolo </a:t>
             </a:r>
             <a:br>
               <a:rPr lang="it-IT" sz="2000" dirty="0" smtClean="0"/>
             </a:br>
             <a:r>
               <a:rPr lang="it-IT" sz="2000" dirty="0" smtClean="0"/>
-              <a:t>Fourier</a:t>
-            </a:r>
-          </a:p>
-          <a:p>
-            <a:pPr lvl="1"/>
+              <a:t>della </a:t>
+            </a:r>
+            <a:r>
+              <a:rPr lang="it-IT" sz="2000" b="1" dirty="0" smtClean="0"/>
+              <a:t>Fast Fourier </a:t>
+            </a:r>
+            <a:r>
+              <a:rPr lang="it-IT" sz="2000" b="1" dirty="0" err="1" smtClean="0"/>
+              <a:t>Transform</a:t>
+            </a:r>
+            <a:r>
+              <a:rPr lang="it-IT" sz="2000" b="1" dirty="0" smtClean="0"/>
+              <a:t> </a:t>
+            </a:r>
             <a:r>
               <a:rPr lang="it-IT" sz="2000" dirty="0" smtClean="0"/>
-              <a:t>Estrazione del tono fondamentale</a:t>
+              <a:t>(FFT)</a:t>
             </a:r>
             <a:br>
               <a:rPr lang="it-IT" sz="2000" dirty="0" smtClean="0"/>
             </a:br>
+            <a:endParaRPr lang="it-IT" sz="2000" dirty="0" smtClean="0"/>
+          </a:p>
+          <a:p>
+            <a:pPr lvl="1"/>
             <a:r>
               <a:rPr lang="it-IT" sz="2000" dirty="0" smtClean="0"/>
-              <a:t>della trasformata</a:t>
-            </a:r>
-            <a:endParaRPr lang="it-IT" sz="2000" dirty="0"/>
+              <a:t>Estrazione </a:t>
+            </a:r>
+            <a:br>
+              <a:rPr lang="it-IT" sz="2000" dirty="0" smtClean="0"/>
+            </a:br>
+            <a:r>
+              <a:rPr lang="it-IT" sz="2000" dirty="0" smtClean="0"/>
+              <a:t>del tono fondamentale dal FFT</a:t>
+            </a:r>
+            <a:endParaRPr lang="it-IT" sz="2000" dirty="0" smtClean="0"/>
           </a:p>
         </p:txBody>
       </p:sp>
@@ -6423,14 +6831,14 @@
       </p:sp>
       <p:pic>
         <p:nvPicPr>
-          <p:cNvPr id="5" name="Immagine 4"/>
+          <p:cNvPr id="9" name="Immagine 8"/>
           <p:cNvPicPr>
             <a:picLocks noChangeAspect="1"/>
           </p:cNvPicPr>
           <p:nvPr/>
         </p:nvPicPr>
         <p:blipFill>
-          <a:blip r:embed="rId2">
+          <a:blip r:embed="rId3">
             <a:extLst>
               <a:ext uri="{28A0092B-C50C-407E-A947-70E740481C1C}">
                 <a14:useLocalDpi xmlns:a14="http://schemas.microsoft.com/office/drawing/2010/main" val="0"/>
@@ -6443,8 +6851,8 @@
         </p:blipFill>
         <p:spPr>
           <a:xfrm>
-            <a:off x="5418027" y="2183027"/>
-            <a:ext cx="3719482" cy="4370172"/>
+            <a:off x="5666509" y="1486069"/>
+            <a:ext cx="3619664" cy="5136406"/>
           </a:xfrm>
           <a:prstGeom prst="rect">
             <a:avLst/>
@@ -6505,7 +6913,7 @@
           <a:p>
             <a:r>
               <a:rPr lang="it-IT" dirty="0" smtClean="0"/>
-              <a:t>Firmware Microcontrollore</a:t>
+              <a:t>Microcontrollore</a:t>
             </a:r>
             <a:endParaRPr lang="it-IT" dirty="0"/>
           </a:p>
@@ -6521,36 +6929,146 @@
             <p:ph idx="1"/>
           </p:nvPr>
         </p:nvSpPr>
-        <p:spPr/>
+        <p:spPr>
+          <a:xfrm>
+            <a:off x="609600" y="1143000"/>
+            <a:ext cx="7772400" cy="5286375"/>
+          </a:xfrm>
+        </p:spPr>
         <p:txBody>
           <a:bodyPr/>
           <a:lstStyle/>
           <a:p>
             <a:r>
+              <a:rPr lang="it-IT" sz="2400" dirty="0"/>
+              <a:t>Le funzionalità </a:t>
+            </a:r>
+            <a:r>
               <a:rPr lang="it-IT" sz="2400" dirty="0" smtClean="0"/>
-              <a:t>Si compone di una parte di inizializzazione e configurazione dello strumento e da una parte di elaborazione dei dati:</a:t>
-            </a:r>
+              <a:t>svolte dal microcontrollore sono: </a:t>
+            </a:r>
+            <a:br>
+              <a:rPr lang="it-IT" sz="2400" dirty="0" smtClean="0"/>
+            </a:br>
+            <a:endParaRPr lang="it-IT" sz="2400" dirty="0" smtClean="0"/>
           </a:p>
           <a:p>
             <a:pPr lvl="1"/>
             <a:r>
+              <a:rPr lang="it-IT" sz="2000" dirty="0"/>
+              <a:t>Calcolo </a:t>
+            </a:r>
+            <a:r>
               <a:rPr lang="it-IT" sz="2000" dirty="0" smtClean="0"/>
-              <a:t>Inizialmente il firmware legge la configurazione fornita dall’utente e imposta i corretti parametri di funzionamento dell’FPGA</a:t>
-            </a:r>
+              <a:t>dell’</a:t>
+            </a:r>
+            <a:r>
+              <a:rPr lang="it-IT" sz="2000" b="1" dirty="0" err="1" smtClean="0"/>
+              <a:t>Interpolated</a:t>
+            </a:r>
+            <a:r>
+              <a:rPr lang="it-IT" sz="2000" dirty="0" smtClean="0"/>
+              <a:t> </a:t>
+            </a:r>
+            <a:r>
+              <a:rPr lang="it-IT" sz="2000" b="1" dirty="0" smtClean="0"/>
+              <a:t>Fast </a:t>
+            </a:r>
+            <a:r>
+              <a:rPr lang="it-IT" sz="2000" b="1" dirty="0"/>
+              <a:t>Fourier </a:t>
+            </a:r>
+            <a:r>
+              <a:rPr lang="it-IT" sz="2000" b="1" dirty="0" err="1" smtClean="0"/>
+              <a:t>Transform</a:t>
+            </a:r>
+            <a:r>
+              <a:rPr lang="it-IT" sz="2000" b="1" dirty="0" smtClean="0"/>
+              <a:t> </a:t>
+            </a:r>
+            <a:r>
+              <a:rPr lang="it-IT" sz="2000" dirty="0" smtClean="0"/>
+              <a:t>(IFFT)</a:t>
+            </a:r>
+            <a:br>
+              <a:rPr lang="it-IT" sz="2000" dirty="0" smtClean="0"/>
+            </a:br>
+            <a:r>
+              <a:rPr lang="it-IT" sz="2000" dirty="0"/>
+              <a:t/>
+            </a:r>
+            <a:br>
+              <a:rPr lang="it-IT" sz="2000" dirty="0"/>
+            </a:br>
+            <a:r>
+              <a:rPr lang="it-IT" sz="2000" dirty="0"/>
+              <a:t/>
+            </a:r>
+            <a:br>
+              <a:rPr lang="it-IT" sz="2000" dirty="0"/>
+            </a:br>
+            <a:r>
+              <a:rPr lang="it-IT" sz="2000" dirty="0" smtClean="0"/>
+              <a:t/>
+            </a:r>
+            <a:br>
+              <a:rPr lang="it-IT" sz="2000" dirty="0" smtClean="0"/>
+            </a:br>
+            <a:endParaRPr lang="it-IT" sz="2000" dirty="0" smtClean="0"/>
+          </a:p>
+          <a:p>
+            <a:pPr marL="457200" lvl="1" indent="0">
+              <a:buNone/>
+            </a:pPr>
+            <a:endParaRPr lang="it-IT" sz="2000" dirty="0" smtClean="0"/>
+          </a:p>
+          <a:p>
+            <a:pPr marL="457200" lvl="1" indent="0">
+              <a:buNone/>
+            </a:pPr>
+            <a:endParaRPr lang="it-IT" sz="2000" dirty="0" smtClean="0"/>
+          </a:p>
+          <a:p>
+            <a:pPr marL="457200" lvl="1" indent="0">
+              <a:buNone/>
+            </a:pPr>
+            <a:endParaRPr lang="it-IT" sz="2000" dirty="0"/>
+          </a:p>
+          <a:p>
+            <a:pPr marL="457200" lvl="1" indent="0">
+              <a:buNone/>
+            </a:pPr>
+            <a:endParaRPr lang="it-IT" sz="2000" dirty="0" smtClean="0"/>
+          </a:p>
+          <a:p>
+            <a:pPr marL="457200" lvl="1" indent="0">
+              <a:buNone/>
+            </a:pPr>
+            <a:endParaRPr lang="it-IT" sz="2000" dirty="0" smtClean="0"/>
           </a:p>
           <a:p>
             <a:pPr lvl="1"/>
             <a:r>
               <a:rPr lang="it-IT" sz="2000" dirty="0" smtClean="0"/>
-              <a:t>Il secondo passo consiste nell’estrazione del fondo da sottrarre al segnale</a:t>
-            </a:r>
-          </a:p>
-          <a:p>
-            <a:pPr lvl="1"/>
+              <a:t>Calcolo </a:t>
+            </a:r>
+            <a:r>
+              <a:rPr lang="it-IT" sz="2000" dirty="0"/>
+              <a:t>della </a:t>
+            </a:r>
+            <a:r>
+              <a:rPr lang="it-IT" sz="2000" b="1" dirty="0"/>
+              <a:t>distanza </a:t>
+            </a:r>
+            <a:r>
+              <a:rPr lang="it-IT" sz="2000" b="1" dirty="0" smtClean="0"/>
+              <a:t>assoluta</a:t>
+            </a:r>
             <a:r>
               <a:rPr lang="it-IT" sz="2000" dirty="0" smtClean="0"/>
-              <a:t>Infine ciclicamente si acquisiscono i risultati dell’elaborazione dell’FPGA e si calcola la distanza dal bersaglio.</a:t>
-            </a:r>
+              <a:t>:</a:t>
+            </a:r>
+            <a:endParaRPr lang="it-IT" sz="2000" dirty="0"/>
           </a:p>
         </p:txBody>
       </p:sp>
@@ -6578,6 +7096,231 @@
           </a:p>
         </p:txBody>
       </p:sp>
+      <mc:AlternateContent xmlns:mc="http://schemas.openxmlformats.org/markup-compatibility/2006">
+        <mc:Choice xmlns:a14="http://schemas.microsoft.com/office/drawing/2010/main" Requires="a14">
+          <p:sp>
+            <p:nvSpPr>
+              <p:cNvPr id="7" name="CasellaDiTesto 6"/>
+              <p:cNvSpPr txBox="1"/>
+              <p:nvPr/>
+            </p:nvSpPr>
+            <p:spPr>
+              <a:xfrm>
+                <a:off x="5546043" y="5455607"/>
+                <a:ext cx="2503457" cy="733855"/>
+              </a:xfrm>
+              <a:prstGeom prst="rect">
+                <a:avLst/>
+              </a:prstGeom>
+              <a:noFill/>
+            </p:spPr>
+            <p:txBody>
+              <a:bodyPr wrap="square" lIns="0" tIns="0" rIns="0" bIns="0" rtlCol="0">
+                <a:spAutoFit/>
+              </a:bodyPr>
+              <a:lstStyle/>
+              <a:p>
+                <a:pPr/>
+                <a14:m>
+                  <m:oMathPara xmlns:m="http://schemas.openxmlformats.org/officeDocument/2006/math">
+                    <m:oMathParaPr>
+                      <m:jc m:val="centerGroup"/>
+                    </m:oMathParaPr>
+                    <m:oMath xmlns:m="http://schemas.openxmlformats.org/officeDocument/2006/math">
+                      <m:r>
+                        <a:rPr lang="it-IT" b="0" i="1" smtClean="0">
+                          <a:latin typeface="Cambria Math" charset="0"/>
+                          <a:ea typeface="Cambria Math" charset="0"/>
+                          <a:cs typeface="Cambria Math" charset="0"/>
+                        </a:rPr>
+                        <m:t>𝑑</m:t>
+                      </m:r>
+                      <m:r>
+                        <a:rPr lang="it-IT" i="1">
+                          <a:latin typeface="Cambria Math" charset="0"/>
+                          <a:ea typeface="Cambria Math" charset="0"/>
+                          <a:cs typeface="Cambria Math" charset="0"/>
+                        </a:rPr>
+                        <m:t>∝</m:t>
+                      </m:r>
+                      <m:r>
+                        <a:rPr lang="it-IT" b="0" i="1" smtClean="0">
+                          <a:latin typeface="Cambria Math" charset="0"/>
+                          <a:ea typeface="Cambria Math" charset="0"/>
+                          <a:cs typeface="Cambria Math" charset="0"/>
+                        </a:rPr>
+                        <m:t> </m:t>
+                      </m:r>
+                      <m:f>
+                        <m:fPr>
+                          <m:ctrlPr>
+                            <a:rPr lang="it-IT" i="1" smtClean="0">
+                              <a:latin typeface="Cambria Math" charset="0"/>
+                              <a:ea typeface="Cambria Math" charset="0"/>
+                              <a:cs typeface="Cambria Math" charset="0"/>
+                            </a:rPr>
+                          </m:ctrlPr>
+                        </m:fPr>
+                        <m:num>
+                          <m:sSub>
+                            <m:sSubPr>
+                              <m:ctrlPr>
+                                <a:rPr lang="it-IT" i="1" smtClean="0">
+                                  <a:latin typeface="Cambria Math" charset="0"/>
+                                  <a:ea typeface="Cambria Math" charset="0"/>
+                                  <a:cs typeface="Cambria Math" charset="0"/>
+                                </a:rPr>
+                              </m:ctrlPr>
+                            </m:sSubPr>
+                            <m:e>
+                              <m:r>
+                                <a:rPr lang="it-IT" b="0" i="1" smtClean="0">
+                                  <a:latin typeface="Cambria Math" charset="0"/>
+                                  <a:ea typeface="Cambria Math" charset="0"/>
+                                  <a:cs typeface="Cambria Math" charset="0"/>
+                                </a:rPr>
+                                <m:t>𝑓</m:t>
+                              </m:r>
+                            </m:e>
+                            <m:sub>
+                              <m:r>
+                                <a:rPr lang="it-IT" b="0" i="1" smtClean="0">
+                                  <a:latin typeface="Cambria Math" charset="0"/>
+                                  <a:ea typeface="Cambria Math" charset="0"/>
+                                  <a:cs typeface="Cambria Math" charset="0"/>
+                                </a:rPr>
+                                <m:t>𝑓𝑎𝑙𝑙</m:t>
+                              </m:r>
+                            </m:sub>
+                          </m:sSub>
+                          <m:r>
+                            <a:rPr lang="it-IT" b="0" i="1" smtClean="0">
+                              <a:latin typeface="Cambria Math" charset="0"/>
+                              <a:ea typeface="Cambria Math" charset="0"/>
+                              <a:cs typeface="Cambria Math" charset="0"/>
+                            </a:rPr>
+                            <m:t>+</m:t>
+                          </m:r>
+                          <m:sSub>
+                            <m:sSubPr>
+                              <m:ctrlPr>
+                                <a:rPr lang="it-IT" b="0" i="1" smtClean="0">
+                                  <a:latin typeface="Cambria Math" charset="0"/>
+                                  <a:ea typeface="Cambria Math" charset="0"/>
+                                  <a:cs typeface="Cambria Math" charset="0"/>
+                                </a:rPr>
+                              </m:ctrlPr>
+                            </m:sSubPr>
+                            <m:e>
+                              <m:r>
+                                <a:rPr lang="it-IT" b="0" i="1" smtClean="0">
+                                  <a:latin typeface="Cambria Math" charset="0"/>
+                                  <a:ea typeface="Cambria Math" charset="0"/>
+                                  <a:cs typeface="Cambria Math" charset="0"/>
+                                </a:rPr>
+                                <m:t>𝑓</m:t>
+                              </m:r>
+                            </m:e>
+                            <m:sub>
+                              <m:r>
+                                <a:rPr lang="it-IT" b="0" i="1" smtClean="0">
+                                  <a:latin typeface="Cambria Math" charset="0"/>
+                                  <a:ea typeface="Cambria Math" charset="0"/>
+                                  <a:cs typeface="Cambria Math" charset="0"/>
+                                </a:rPr>
+                                <m:t>𝑟𝑖𝑠𝑒</m:t>
+                              </m:r>
+                            </m:sub>
+                          </m:sSub>
+                        </m:num>
+                        <m:den>
+                          <m:r>
+                            <a:rPr lang="it-IT" b="0" i="1" smtClean="0">
+                              <a:latin typeface="Cambria Math" charset="0"/>
+                              <a:ea typeface="Cambria Math" charset="0"/>
+                              <a:cs typeface="Cambria Math" charset="0"/>
+                            </a:rPr>
+                            <m:t>2</m:t>
+                          </m:r>
+                        </m:den>
+                      </m:f>
+                    </m:oMath>
+                  </m:oMathPara>
+                </a14:m>
+                <a:endParaRPr lang="it-IT" dirty="0"/>
+              </a:p>
+            </p:txBody>
+          </p:sp>
+        </mc:Choice>
+        <mc:Fallback>
+          <p:sp>
+            <p:nvSpPr>
+              <p:cNvPr id="7" name="CasellaDiTesto 6"/>
+              <p:cNvSpPr txBox="1">
+                <a:spLocks noRot="1" noChangeAspect="1" noMove="1" noResize="1" noEditPoints="1" noAdjustHandles="1" noChangeArrowheads="1" noChangeShapeType="1" noTextEdit="1"/>
+              </p:cNvSpPr>
+              <p:nvPr/>
+            </p:nvSpPr>
+            <p:spPr>
+              <a:xfrm>
+                <a:off x="5546043" y="5455607"/>
+                <a:ext cx="2503457" cy="733855"/>
+              </a:xfrm>
+              <a:prstGeom prst="rect">
+                <a:avLst/>
+              </a:prstGeom>
+              <a:blipFill rotWithShape="0">
+                <a:blip r:embed="rId2"/>
+                <a:stretch>
+                  <a:fillRect/>
+                </a:stretch>
+              </a:blipFill>
+            </p:spPr>
+            <p:txBody>
+              <a:bodyPr/>
+              <a:lstStyle/>
+              <a:p>
+                <a:r>
+                  <a:rPr lang="it-IT">
+                    <a:noFill/>
+                  </a:rPr>
+                  <a:t> </a:t>
+                </a:r>
+              </a:p>
+            </p:txBody>
+          </p:sp>
+        </mc:Fallback>
+      </mc:AlternateContent>
+      <p:pic>
+        <p:nvPicPr>
+          <p:cNvPr id="9" name="Immagine 8"/>
+          <p:cNvPicPr>
+            <a:picLocks noChangeAspect="1"/>
+          </p:cNvPicPr>
+          <p:nvPr/>
+        </p:nvPicPr>
+        <p:blipFill>
+          <a:blip r:embed="rId3">
+            <a:extLst>
+              <a:ext uri="{28A0092B-C50C-407E-A947-70E740481C1C}">
+                <a14:useLocalDpi xmlns:a14="http://schemas.microsoft.com/office/drawing/2010/main" val="0"/>
+              </a:ext>
+            </a:extLst>
+          </a:blip>
+          <a:stretch>
+            <a:fillRect/>
+          </a:stretch>
+        </p:blipFill>
+        <p:spPr>
+          <a:xfrm>
+            <a:off x="2809049" y="2662808"/>
+            <a:ext cx="3373502" cy="2552320"/>
+          </a:xfrm>
+          <a:prstGeom prst="rect">
+            <a:avLst/>
+          </a:prstGeom>
+        </p:spPr>
+      </p:pic>
     </p:spTree>
     <p:extLst>
       <p:ext uri="{BB962C8B-B14F-4D97-AF65-F5344CB8AC3E}">
@@ -6625,19 +7368,14 @@
             <p:ph type="title"/>
           </p:nvPr>
         </p:nvSpPr>
-        <p:spPr>
-          <a:xfrm>
-            <a:off x="609600" y="0"/>
-            <a:ext cx="8534400" cy="762000"/>
-          </a:xfrm>
-        </p:spPr>
+        <p:spPr/>
         <p:txBody>
           <a:bodyPr/>
           <a:lstStyle/>
           <a:p>
             <a:r>
               <a:rPr lang="it-IT" dirty="0" smtClean="0"/>
-              <a:t>Analisi algoritmi</a:t>
+              <a:t>Indice</a:t>
             </a:r>
             <a:endParaRPr lang="it-IT" dirty="0"/>
           </a:p>
@@ -6653,53 +7391,162 @@
             <p:ph idx="1"/>
           </p:nvPr>
         </p:nvSpPr>
-        <p:spPr/>
+        <p:spPr>
+          <a:xfrm>
+            <a:off x="685799" y="1143000"/>
+            <a:ext cx="7800975" cy="5077692"/>
+          </a:xfrm>
+        </p:spPr>
         <p:txBody>
           <a:bodyPr/>
           <a:lstStyle/>
           <a:p>
             <a:r>
-              <a:rPr lang="it-IT" sz="2400" dirty="0" smtClean="0"/>
-              <a:t>Sottrazione fondo</a:t>
-            </a:r>
-          </a:p>
-          <a:p>
-            <a:r>
-              <a:rPr lang="it-IT" sz="2400" dirty="0" smtClean="0"/>
-              <a:t>Finestratura</a:t>
-            </a:r>
-          </a:p>
-          <a:p>
-            <a:r>
-              <a:rPr lang="it-IT" sz="2400" dirty="0" smtClean="0"/>
-              <a:t>Accenno 5 triangolari</a:t>
-            </a:r>
-          </a:p>
-          <a:p>
-            <a:r>
-              <a:rPr lang="it-IT" sz="2400" dirty="0" smtClean="0"/>
-              <a:t>FFT</a:t>
-            </a:r>
-          </a:p>
-          <a:p>
-            <a:r>
-              <a:rPr lang="it-IT" sz="2400" dirty="0" smtClean="0"/>
-              <a:t>Interpolazione</a:t>
-            </a:r>
-          </a:p>
-          <a:p>
-            <a:r>
-              <a:rPr lang="it-IT" sz="2400" dirty="0" smtClean="0"/>
-              <a:t>Calcolo distanza</a:t>
-            </a:r>
-          </a:p>
-          <a:p>
-            <a:endParaRPr lang="it-IT" sz="2400" dirty="0"/>
-          </a:p>
-          <a:p>
-            <a:r>
-              <a:rPr lang="it-IT" sz="2400" dirty="0" smtClean="0"/>
-              <a:t>TODO!!</a:t>
+              <a:rPr lang="it-IT" sz="2400" dirty="0">
+                <a:solidFill>
+                  <a:schemeClr val="bg2">
+                    <a:lumMod val="40000"/>
+                    <a:lumOff val="60000"/>
+                  </a:schemeClr>
+                </a:solidFill>
+              </a:rPr>
+              <a:t>Interferometria</a:t>
+            </a:r>
+          </a:p>
+          <a:p>
+            <a:pPr lvl="1"/>
+            <a:r>
+              <a:rPr lang="it-IT" sz="2000" dirty="0">
+                <a:solidFill>
+                  <a:schemeClr val="bg2">
+                    <a:lumMod val="40000"/>
+                    <a:lumOff val="60000"/>
+                  </a:schemeClr>
+                </a:solidFill>
+              </a:rPr>
+              <a:t>Interferometria a self-mixing</a:t>
+            </a:r>
+          </a:p>
+          <a:p>
+            <a:pPr lvl="1"/>
+            <a:r>
+              <a:rPr lang="it-IT" sz="2000" dirty="0">
+                <a:solidFill>
+                  <a:schemeClr val="bg2">
+                    <a:lumMod val="40000"/>
+                    <a:lumOff val="60000"/>
+                  </a:schemeClr>
+                </a:solidFill>
+              </a:rPr>
+              <a:t>Misura della distanza</a:t>
+            </a:r>
+          </a:p>
+          <a:p>
+            <a:r>
+              <a:rPr lang="it-IT" sz="2400" dirty="0">
+                <a:solidFill>
+                  <a:schemeClr val="bg2">
+                    <a:lumMod val="40000"/>
+                    <a:lumOff val="60000"/>
+                  </a:schemeClr>
+                </a:solidFill>
+              </a:rPr>
+              <a:t>Architettura hardware</a:t>
+            </a:r>
+          </a:p>
+          <a:p>
+            <a:pPr lvl="1"/>
+            <a:r>
+              <a:rPr lang="it-IT" sz="2000" dirty="0">
+                <a:solidFill>
+                  <a:schemeClr val="bg2">
+                    <a:lumMod val="40000"/>
+                    <a:lumOff val="60000"/>
+                  </a:schemeClr>
+                </a:solidFill>
+              </a:rPr>
+              <a:t>Parte analogica</a:t>
+            </a:r>
+          </a:p>
+          <a:p>
+            <a:pPr lvl="1"/>
+            <a:r>
+              <a:rPr lang="it-IT" sz="2000" dirty="0">
+                <a:solidFill>
+                  <a:schemeClr val="bg2">
+                    <a:lumMod val="40000"/>
+                    <a:lumOff val="60000"/>
+                  </a:schemeClr>
+                </a:solidFill>
+              </a:rPr>
+              <a:t>Parte digitale</a:t>
+            </a:r>
+          </a:p>
+          <a:p>
+            <a:pPr lvl="1"/>
+            <a:r>
+              <a:rPr lang="it-IT" sz="2000" dirty="0">
+                <a:solidFill>
+                  <a:schemeClr val="bg2">
+                    <a:lumMod val="40000"/>
+                    <a:lumOff val="60000"/>
+                  </a:schemeClr>
+                </a:solidFill>
+              </a:rPr>
+              <a:t>Parte di conversione</a:t>
+            </a:r>
+          </a:p>
+          <a:p>
+            <a:r>
+              <a:rPr lang="it-IT" sz="2400" dirty="0">
+                <a:solidFill>
+                  <a:schemeClr val="bg2">
+                    <a:lumMod val="40000"/>
+                    <a:lumOff val="60000"/>
+                  </a:schemeClr>
+                </a:solidFill>
+              </a:rPr>
+              <a:t>Architettura software</a:t>
+            </a:r>
+          </a:p>
+          <a:p>
+            <a:pPr lvl="1"/>
+            <a:r>
+              <a:rPr lang="it-IT" sz="2000" dirty="0">
+                <a:solidFill>
+                  <a:schemeClr val="bg2">
+                    <a:lumMod val="40000"/>
+                    <a:lumOff val="60000"/>
+                  </a:schemeClr>
+                </a:solidFill>
+              </a:rPr>
+              <a:t>FPGA</a:t>
+            </a:r>
+          </a:p>
+          <a:p>
+            <a:pPr lvl="1"/>
+            <a:r>
+              <a:rPr lang="it-IT" sz="2000" dirty="0">
+                <a:solidFill>
+                  <a:schemeClr val="bg2">
+                    <a:lumMod val="40000"/>
+                    <a:lumOff val="60000"/>
+                  </a:schemeClr>
+                </a:solidFill>
+              </a:rPr>
+              <a:t>Microcontrollore</a:t>
+            </a:r>
+          </a:p>
+          <a:p>
+            <a:r>
+              <a:rPr lang="it-IT" sz="2400" dirty="0"/>
+              <a:t>Risultati sperimentali</a:t>
+            </a:r>
+          </a:p>
+          <a:p>
+            <a:r>
+              <a:rPr lang="it-IT" sz="2400" dirty="0"/>
+              <a:t>Conclusioni e sviluppi futuri</a:t>
             </a:r>
             <a:endParaRPr lang="it-IT" sz="2400" dirty="0"/>
           </a:p>
@@ -6732,7 +7579,7 @@
     </p:spTree>
     <p:extLst>
       <p:ext uri="{BB962C8B-B14F-4D97-AF65-F5344CB8AC3E}">
-        <p14:creationId xmlns:p14="http://schemas.microsoft.com/office/powerpoint/2010/main" val="1116657620"/>
+        <p14:creationId xmlns:p14="http://schemas.microsoft.com/office/powerpoint/2010/main" val="3967324833"/>
       </p:ext>
     </p:extLst>
   </p:cSld>
@@ -6783,7 +7630,11 @@
           <a:p>
             <a:r>
               <a:rPr lang="it-IT" dirty="0" smtClean="0"/>
-              <a:t>Indice</a:t>
+              <a:t>Risultati </a:t>
+            </a:r>
+            <a:r>
+              <a:rPr lang="it-IT" dirty="0" smtClean="0"/>
+              <a:t>sperimentali (1)</a:t>
             </a:r>
             <a:endParaRPr lang="it-IT" dirty="0"/>
           </a:p>
@@ -6799,177 +7650,57 @@
             <p:ph idx="1"/>
           </p:nvPr>
         </p:nvSpPr>
-        <p:spPr>
-          <a:xfrm>
-            <a:off x="685799" y="1142999"/>
-            <a:ext cx="7800975" cy="5172075"/>
-          </a:xfrm>
-        </p:spPr>
+        <p:spPr/>
         <p:txBody>
           <a:bodyPr/>
           <a:lstStyle/>
           <a:p>
             <a:r>
-              <a:rPr lang="it-IT" sz="2400" dirty="0">
-                <a:solidFill>
-                  <a:schemeClr val="bg2">
-                    <a:lumMod val="40000"/>
-                    <a:lumOff val="60000"/>
-                  </a:schemeClr>
-                </a:solidFill>
-              </a:rPr>
-              <a:t>Cos’è l’interferometria</a:t>
+              <a:rPr lang="it-IT" sz="2400" dirty="0" smtClean="0"/>
+              <a:t>Due tipologie di prove, effettuate ad ogni passo dello sviluppo:</a:t>
             </a:r>
           </a:p>
           <a:p>
             <a:pPr lvl="1"/>
             <a:r>
-              <a:rPr lang="it-IT" sz="2000" dirty="0">
-                <a:solidFill>
-                  <a:schemeClr val="bg2">
-                    <a:lumMod val="40000"/>
-                    <a:lumOff val="60000"/>
-                  </a:schemeClr>
-                </a:solidFill>
-              </a:rPr>
-              <a:t>Interferometria tradizionale</a:t>
+              <a:rPr lang="it-IT" sz="2000" dirty="0" smtClean="0"/>
+              <a:t>Bersaglio fisso</a:t>
             </a:r>
           </a:p>
           <a:p>
             <a:pPr lvl="1"/>
             <a:r>
-              <a:rPr lang="it-IT" sz="2000" dirty="0">
-                <a:solidFill>
-                  <a:schemeClr val="bg2">
-                    <a:lumMod val="40000"/>
-                    <a:lumOff val="60000"/>
-                  </a:schemeClr>
-                </a:solidFill>
-              </a:rPr>
-              <a:t>Interferometria a self-mixing</a:t>
-            </a:r>
-          </a:p>
-          <a:p>
-            <a:r>
-              <a:rPr lang="it-IT" sz="2400" dirty="0">
-                <a:solidFill>
-                  <a:schemeClr val="bg2">
-                    <a:lumMod val="40000"/>
-                    <a:lumOff val="60000"/>
-                  </a:schemeClr>
-                </a:solidFill>
-              </a:rPr>
-              <a:t>Architettura hardware</a:t>
+              <a:rPr lang="it-IT" sz="2000" dirty="0" smtClean="0"/>
+              <a:t>Bersaglio mobile</a:t>
+            </a:r>
+          </a:p>
+          <a:p>
+            <a:r>
+              <a:rPr lang="it-IT" sz="2400" dirty="0" smtClean="0"/>
+              <a:t>Risultati sintetici:</a:t>
             </a:r>
           </a:p>
           <a:p>
             <a:pPr lvl="1"/>
             <a:r>
-              <a:rPr lang="it-IT" sz="2000" dirty="0">
-                <a:solidFill>
-                  <a:schemeClr val="bg2">
-                    <a:lumMod val="40000"/>
-                    <a:lumOff val="60000"/>
-                  </a:schemeClr>
-                </a:solidFill>
-              </a:rPr>
-              <a:t>Parte analogica</a:t>
-            </a:r>
-          </a:p>
-          <a:p>
-            <a:pPr lvl="1"/>
-            <a:r>
-              <a:rPr lang="it-IT" sz="2000" dirty="0">
-                <a:solidFill>
-                  <a:schemeClr val="bg2">
-                    <a:lumMod val="40000"/>
-                    <a:lumOff val="60000"/>
-                  </a:schemeClr>
-                </a:solidFill>
-              </a:rPr>
-              <a:t>Parte di conversione</a:t>
-            </a:r>
-          </a:p>
-          <a:p>
-            <a:pPr lvl="1"/>
-            <a:r>
-              <a:rPr lang="it-IT" sz="2000" dirty="0">
-                <a:solidFill>
-                  <a:schemeClr val="bg2">
-                    <a:lumMod val="40000"/>
-                    <a:lumOff val="60000"/>
-                  </a:schemeClr>
-                </a:solidFill>
-              </a:rPr>
-              <a:t>Parte digitale</a:t>
-            </a:r>
-          </a:p>
-          <a:p>
-            <a:r>
-              <a:rPr lang="it-IT" sz="2400" dirty="0">
-                <a:solidFill>
-                  <a:schemeClr val="bg2">
-                    <a:lumMod val="40000"/>
-                    <a:lumOff val="60000"/>
-                  </a:schemeClr>
-                </a:solidFill>
-              </a:rPr>
-              <a:t>Architettura software</a:t>
-            </a:r>
-          </a:p>
-          <a:p>
-            <a:pPr lvl="1"/>
-            <a:r>
-              <a:rPr lang="it-IT" sz="2000" dirty="0">
-                <a:solidFill>
-                  <a:schemeClr val="bg2">
-                    <a:lumMod val="40000"/>
-                    <a:lumOff val="60000"/>
-                  </a:schemeClr>
-                </a:solidFill>
-              </a:rPr>
-              <a:t>FPGA</a:t>
-            </a:r>
-          </a:p>
-          <a:p>
-            <a:pPr lvl="1"/>
-            <a:r>
-              <a:rPr lang="it-IT" sz="2000" dirty="0">
-                <a:solidFill>
-                  <a:schemeClr val="bg2">
-                    <a:lumMod val="40000"/>
-                    <a:lumOff val="60000"/>
-                  </a:schemeClr>
-                </a:solidFill>
-              </a:rPr>
-              <a:t>Microcontrollore</a:t>
-            </a:r>
-          </a:p>
-          <a:p>
-            <a:pPr lvl="1"/>
-            <a:r>
-              <a:rPr lang="it-IT" sz="2000" dirty="0">
-                <a:solidFill>
-                  <a:schemeClr val="bg2">
-                    <a:lumMod val="40000"/>
-                    <a:lumOff val="60000"/>
-                  </a:schemeClr>
-                </a:solidFill>
-              </a:rPr>
-              <a:t>Analisi degli algoritmi</a:t>
-            </a:r>
-          </a:p>
-          <a:p>
-            <a:r>
-              <a:rPr lang="it-IT" sz="2400" dirty="0"/>
-              <a:t>Risultati sperimentali</a:t>
-            </a:r>
-          </a:p>
-          <a:p>
-            <a:r>
-              <a:rPr lang="it-IT" sz="2400" dirty="0"/>
-              <a:t>Sviluppi futuri e conclusioni</a:t>
-            </a:r>
+              <a:rPr lang="it-IT" sz="2000" dirty="0" smtClean="0"/>
+              <a:t>Inserire dati di tutti i passi</a:t>
+            </a:r>
+            <a:br>
+              <a:rPr lang="it-IT" sz="2000" dirty="0" smtClean="0"/>
+            </a:br>
+            <a:r>
+              <a:rPr lang="it-IT" sz="2000" dirty="0" smtClean="0"/>
+              <a:t>sia per una che per l’altra</a:t>
+            </a:r>
+            <a:br>
+              <a:rPr lang="it-IT" sz="2000" dirty="0" smtClean="0"/>
+            </a:br>
+            <a:r>
+              <a:rPr lang="it-IT" sz="2000" dirty="0" smtClean="0"/>
+              <a:t>prova, poi si commentano a voce</a:t>
+            </a:r>
+            <a:endParaRPr lang="it-IT" sz="2000" dirty="0"/>
           </a:p>
         </p:txBody>
       </p:sp>
@@ -6992,154 +7723,6 @@
               <a:rPr lang="en-US" altLang="nl-NL" smtClean="0"/>
               <a:pPr/>
               <a:t>16</a:t>
-            </a:fld>
-            <a:endParaRPr lang="en-US" altLang="nl-NL"/>
-          </a:p>
-        </p:txBody>
-      </p:sp>
-    </p:spTree>
-    <p:extLst>
-      <p:ext uri="{BB962C8B-B14F-4D97-AF65-F5344CB8AC3E}">
-        <p14:creationId xmlns:p14="http://schemas.microsoft.com/office/powerpoint/2010/main" val="3967324833"/>
-      </p:ext>
-    </p:extLst>
-  </p:cSld>
-  <p:clrMapOvr>
-    <a:masterClrMapping/>
-  </p:clrMapOvr>
-  <p:timing>
-    <p:tnLst>
-      <p:par>
-        <p:cTn id="1" dur="indefinite" restart="never" nodeType="tmRoot"/>
-      </p:par>
-    </p:tnLst>
-  </p:timing>
-</p:sld>
-</file>
-
-<file path=ppt/slides/slide17.xml><?xml version="1.0" encoding="utf-8"?>
-<p:sld xmlns:a="http://schemas.openxmlformats.org/drawingml/2006/main" xmlns:r="http://schemas.openxmlformats.org/officeDocument/2006/relationships" xmlns:p="http://schemas.openxmlformats.org/presentationml/2006/main">
-  <p:cSld>
-    <p:spTree>
-      <p:nvGrpSpPr>
-        <p:cNvPr id="1" name=""/>
-        <p:cNvGrpSpPr/>
-        <p:nvPr/>
-      </p:nvGrpSpPr>
-      <p:grpSpPr>
-        <a:xfrm>
-          <a:off x="0" y="0"/>
-          <a:ext cx="0" cy="0"/>
-          <a:chOff x="0" y="0"/>
-          <a:chExt cx="0" cy="0"/>
-        </a:xfrm>
-      </p:grpSpPr>
-      <p:sp>
-        <p:nvSpPr>
-          <p:cNvPr id="2" name="Titolo 1"/>
-          <p:cNvSpPr>
-            <a:spLocks noGrp="1"/>
-          </p:cNvSpPr>
-          <p:nvPr>
-            <p:ph type="title"/>
-          </p:nvPr>
-        </p:nvSpPr>
-        <p:spPr/>
-        <p:txBody>
-          <a:bodyPr/>
-          <a:lstStyle/>
-          <a:p>
-            <a:r>
-              <a:rPr lang="it-IT" dirty="0" smtClean="0"/>
-              <a:t>Risultati sperimentali</a:t>
-            </a:r>
-            <a:endParaRPr lang="it-IT" dirty="0"/>
-          </a:p>
-        </p:txBody>
-      </p:sp>
-      <p:sp>
-        <p:nvSpPr>
-          <p:cNvPr id="3" name="Segnaposto contenuto 2"/>
-          <p:cNvSpPr>
-            <a:spLocks noGrp="1"/>
-          </p:cNvSpPr>
-          <p:nvPr>
-            <p:ph idx="1"/>
-          </p:nvPr>
-        </p:nvSpPr>
-        <p:spPr/>
-        <p:txBody>
-          <a:bodyPr/>
-          <a:lstStyle/>
-          <a:p>
-            <a:r>
-              <a:rPr lang="it-IT" sz="2400" dirty="0" smtClean="0"/>
-              <a:t>Due tipologie di prove, effettuate ad ogni passo dello sviluppo:</a:t>
-            </a:r>
-          </a:p>
-          <a:p>
-            <a:pPr lvl="1"/>
-            <a:r>
-              <a:rPr lang="it-IT" sz="2000" dirty="0" smtClean="0"/>
-              <a:t>Bersaglio fisso</a:t>
-            </a:r>
-          </a:p>
-          <a:p>
-            <a:pPr lvl="1"/>
-            <a:r>
-              <a:rPr lang="it-IT" sz="2000" dirty="0" smtClean="0"/>
-              <a:t>Bersaglio mobile</a:t>
-            </a:r>
-          </a:p>
-          <a:p>
-            <a:r>
-              <a:rPr lang="it-IT" sz="2400" dirty="0" smtClean="0"/>
-              <a:t>Risultati sintetici:</a:t>
-            </a:r>
-          </a:p>
-          <a:p>
-            <a:pPr lvl="1"/>
-            <a:r>
-              <a:rPr lang="it-IT" sz="2000" dirty="0" smtClean="0"/>
-              <a:t>Inserire dati di tutti i passi</a:t>
-            </a:r>
-            <a:br>
-              <a:rPr lang="it-IT" sz="2000" dirty="0" smtClean="0"/>
-            </a:br>
-            <a:r>
-              <a:rPr lang="it-IT" sz="2000" dirty="0" smtClean="0"/>
-              <a:t>sia per una che per l’altra</a:t>
-            </a:r>
-            <a:br>
-              <a:rPr lang="it-IT" sz="2000" dirty="0" smtClean="0"/>
-            </a:br>
-            <a:r>
-              <a:rPr lang="it-IT" sz="2000" dirty="0" smtClean="0"/>
-              <a:t>prova, poi si commentano a voce</a:t>
-            </a:r>
-            <a:endParaRPr lang="it-IT" sz="2000" dirty="0"/>
-          </a:p>
-        </p:txBody>
-      </p:sp>
-      <p:sp>
-        <p:nvSpPr>
-          <p:cNvPr id="4" name="Segnaposto numero diapositiva 3"/>
-          <p:cNvSpPr>
-            <a:spLocks noGrp="1"/>
-          </p:cNvSpPr>
-          <p:nvPr>
-            <p:ph type="sldNum" sz="quarter" idx="11"/>
-          </p:nvPr>
-        </p:nvSpPr>
-        <p:spPr/>
-        <p:txBody>
-          <a:bodyPr/>
-          <a:lstStyle/>
-          <a:p>
-            <a:fld id="{C503DA3A-0C6B-48FC-931E-2C786AAFD5C1}" type="slidenum">
-              <a:rPr lang="en-US" altLang="nl-NL" smtClean="0"/>
-              <a:pPr/>
-              <a:t>17</a:t>
             </a:fld>
             <a:endParaRPr lang="en-US" altLang="nl-NL"/>
           </a:p>
@@ -7195,6 +7778,124 @@
 </p:sld>
 </file>
 
+<file path=ppt/slides/slide17.xml><?xml version="1.0" encoding="utf-8"?>
+<p:sld xmlns:a="http://schemas.openxmlformats.org/drawingml/2006/main" xmlns:r="http://schemas.openxmlformats.org/officeDocument/2006/relationships" xmlns:p="http://schemas.openxmlformats.org/presentationml/2006/main">
+  <p:cSld>
+    <p:spTree>
+      <p:nvGrpSpPr>
+        <p:cNvPr id="1" name=""/>
+        <p:cNvGrpSpPr/>
+        <p:nvPr/>
+      </p:nvGrpSpPr>
+      <p:grpSpPr>
+        <a:xfrm>
+          <a:off x="0" y="0"/>
+          <a:ext cx="0" cy="0"/>
+          <a:chOff x="0" y="0"/>
+          <a:chExt cx="0" cy="0"/>
+        </a:xfrm>
+      </p:grpSpPr>
+      <p:sp>
+        <p:nvSpPr>
+          <p:cNvPr id="2" name="Titolo 1"/>
+          <p:cNvSpPr>
+            <a:spLocks noGrp="1"/>
+          </p:cNvSpPr>
+          <p:nvPr>
+            <p:ph type="title"/>
+          </p:nvPr>
+        </p:nvSpPr>
+        <p:spPr/>
+        <p:txBody>
+          <a:bodyPr/>
+          <a:lstStyle/>
+          <a:p>
+            <a:r>
+              <a:rPr lang="it-IT" dirty="0" smtClean="0"/>
+              <a:t>Risultati </a:t>
+            </a:r>
+            <a:r>
+              <a:rPr lang="it-IT" dirty="0" smtClean="0"/>
+              <a:t>sperimentali (2)</a:t>
+            </a:r>
+            <a:endParaRPr lang="it-IT" dirty="0"/>
+          </a:p>
+        </p:txBody>
+      </p:sp>
+      <p:sp>
+        <p:nvSpPr>
+          <p:cNvPr id="3" name="Segnaposto contenuto 2"/>
+          <p:cNvSpPr>
+            <a:spLocks noGrp="1"/>
+          </p:cNvSpPr>
+          <p:nvPr>
+            <p:ph idx="1"/>
+          </p:nvPr>
+        </p:nvSpPr>
+        <p:spPr/>
+        <p:txBody>
+          <a:bodyPr/>
+          <a:lstStyle/>
+          <a:p>
+            <a:r>
+              <a:rPr lang="it-IT" sz="2400" dirty="0" smtClean="0"/>
+              <a:t>Prove con la versione finale dello strumento:</a:t>
+            </a:r>
+          </a:p>
+          <a:p>
+            <a:pPr lvl="1"/>
+            <a:r>
+              <a:rPr lang="it-IT" sz="2000" dirty="0" smtClean="0"/>
+              <a:t>Risultati con immagini</a:t>
+            </a:r>
+            <a:endParaRPr lang="it-IT" sz="2000" dirty="0"/>
+          </a:p>
+        </p:txBody>
+      </p:sp>
+      <p:sp>
+        <p:nvSpPr>
+          <p:cNvPr id="4" name="Segnaposto numero diapositiva 3"/>
+          <p:cNvSpPr>
+            <a:spLocks noGrp="1"/>
+          </p:cNvSpPr>
+          <p:nvPr>
+            <p:ph type="sldNum" sz="quarter" idx="11"/>
+          </p:nvPr>
+        </p:nvSpPr>
+        <p:spPr/>
+        <p:txBody>
+          <a:bodyPr/>
+          <a:lstStyle/>
+          <a:p>
+            <a:fld id="{C503DA3A-0C6B-48FC-931E-2C786AAFD5C1}" type="slidenum">
+              <a:rPr lang="en-US" altLang="nl-NL" smtClean="0"/>
+              <a:pPr/>
+              <a:t>17</a:t>
+            </a:fld>
+            <a:endParaRPr lang="en-US" altLang="nl-NL"/>
+          </a:p>
+        </p:txBody>
+      </p:sp>
+    </p:spTree>
+    <p:extLst>
+      <p:ext uri="{BB962C8B-B14F-4D97-AF65-F5344CB8AC3E}">
+        <p14:creationId xmlns:p14="http://schemas.microsoft.com/office/powerpoint/2010/main" val="676223027"/>
+      </p:ext>
+    </p:extLst>
+  </p:cSld>
+  <p:clrMapOvr>
+    <a:masterClrMapping/>
+  </p:clrMapOvr>
+  <p:timing>
+    <p:tnLst>
+      <p:par>
+        <p:cTn id="1" dur="indefinite" restart="never" nodeType="tmRoot"/>
+      </p:par>
+    </p:tnLst>
+  </p:timing>
+</p:sld>
+</file>
+
 <file path=ppt/slides/slide18.xml><?xml version="1.0" encoding="utf-8"?>
 <p:sld xmlns:a="http://schemas.openxmlformats.org/drawingml/2006/main" xmlns:r="http://schemas.openxmlformats.org/officeDocument/2006/relationships" xmlns:p="http://schemas.openxmlformats.org/presentationml/2006/main">
   <p:cSld>
@@ -7229,7 +7930,11 @@
           <a:p>
             <a:r>
               <a:rPr lang="it-IT" dirty="0" smtClean="0"/>
-              <a:t>Risultati sperimentali</a:t>
+              <a:t>Risultati </a:t>
+            </a:r>
+            <a:r>
+              <a:rPr lang="it-IT" dirty="0" smtClean="0"/>
+              <a:t>sperimentali (3)</a:t>
             </a:r>
             <a:endParaRPr lang="it-IT" dirty="0"/>
           </a:p>
@@ -7292,7 +7997,7 @@
     </p:spTree>
     <p:extLst>
       <p:ext uri="{BB962C8B-B14F-4D97-AF65-F5344CB8AC3E}">
-        <p14:creationId xmlns:p14="http://schemas.microsoft.com/office/powerpoint/2010/main" val="676223027"/>
+        <p14:creationId xmlns:p14="http://schemas.microsoft.com/office/powerpoint/2010/main" val="1015857464"/>
       </p:ext>
     </p:extLst>
   </p:cSld>
@@ -7343,7 +8048,7 @@
           <a:p>
             <a:r>
               <a:rPr lang="it-IT" dirty="0" smtClean="0"/>
-              <a:t>Indice</a:t>
+              <a:t>Prestazioni</a:t>
             </a:r>
             <a:endParaRPr lang="it-IT" dirty="0"/>
           </a:p>
@@ -7359,184 +8064,12 @@
             <p:ph idx="1"/>
           </p:nvPr>
         </p:nvSpPr>
-        <p:spPr>
-          <a:xfrm>
-            <a:off x="685800" y="1142999"/>
-            <a:ext cx="7086600" cy="5229225"/>
-          </a:xfrm>
-        </p:spPr>
+        <p:spPr/>
         <p:txBody>
           <a:bodyPr/>
           <a:lstStyle/>
           <a:p>
-            <a:r>
-              <a:rPr lang="it-IT" sz="2400" dirty="0">
-                <a:solidFill>
-                  <a:schemeClr val="bg2">
-                    <a:lumMod val="40000"/>
-                    <a:lumOff val="60000"/>
-                  </a:schemeClr>
-                </a:solidFill>
-              </a:rPr>
-              <a:t>Cos’è l’interferometria</a:t>
-            </a:r>
-          </a:p>
-          <a:p>
-            <a:pPr lvl="1"/>
-            <a:r>
-              <a:rPr lang="it-IT" sz="2000" dirty="0">
-                <a:solidFill>
-                  <a:schemeClr val="bg2">
-                    <a:lumMod val="40000"/>
-                    <a:lumOff val="60000"/>
-                  </a:schemeClr>
-                </a:solidFill>
-              </a:rPr>
-              <a:t>Interferometria tradizionale</a:t>
-            </a:r>
-          </a:p>
-          <a:p>
-            <a:pPr lvl="1"/>
-            <a:r>
-              <a:rPr lang="it-IT" sz="2000" dirty="0">
-                <a:solidFill>
-                  <a:schemeClr val="bg2">
-                    <a:lumMod val="40000"/>
-                    <a:lumOff val="60000"/>
-                  </a:schemeClr>
-                </a:solidFill>
-              </a:rPr>
-              <a:t>Interferometria a self-mixing</a:t>
-            </a:r>
-          </a:p>
-          <a:p>
-            <a:r>
-              <a:rPr lang="it-IT" sz="2400" dirty="0">
-                <a:solidFill>
-                  <a:schemeClr val="bg2">
-                    <a:lumMod val="40000"/>
-                    <a:lumOff val="60000"/>
-                  </a:schemeClr>
-                </a:solidFill>
-              </a:rPr>
-              <a:t>Architettura hardware</a:t>
-            </a:r>
-          </a:p>
-          <a:p>
-            <a:pPr lvl="1"/>
-            <a:r>
-              <a:rPr lang="it-IT" sz="2000" dirty="0">
-                <a:solidFill>
-                  <a:schemeClr val="bg2">
-                    <a:lumMod val="40000"/>
-                    <a:lumOff val="60000"/>
-                  </a:schemeClr>
-                </a:solidFill>
-              </a:rPr>
-              <a:t>Parte analogica</a:t>
-            </a:r>
-          </a:p>
-          <a:p>
-            <a:pPr lvl="1"/>
-            <a:r>
-              <a:rPr lang="it-IT" sz="2000" dirty="0">
-                <a:solidFill>
-                  <a:schemeClr val="bg2">
-                    <a:lumMod val="40000"/>
-                    <a:lumOff val="60000"/>
-                  </a:schemeClr>
-                </a:solidFill>
-              </a:rPr>
-              <a:t>Parte di conversione</a:t>
-            </a:r>
-          </a:p>
-          <a:p>
-            <a:pPr lvl="1"/>
-            <a:r>
-              <a:rPr lang="it-IT" sz="2000" dirty="0">
-                <a:solidFill>
-                  <a:schemeClr val="bg2">
-                    <a:lumMod val="40000"/>
-                    <a:lumOff val="60000"/>
-                  </a:schemeClr>
-                </a:solidFill>
-              </a:rPr>
-              <a:t>Parte digitale</a:t>
-            </a:r>
-          </a:p>
-          <a:p>
-            <a:r>
-              <a:rPr lang="it-IT" sz="2400" dirty="0">
-                <a:solidFill>
-                  <a:schemeClr val="bg2">
-                    <a:lumMod val="40000"/>
-                    <a:lumOff val="60000"/>
-                  </a:schemeClr>
-                </a:solidFill>
-              </a:rPr>
-              <a:t>Architettura software</a:t>
-            </a:r>
-          </a:p>
-          <a:p>
-            <a:pPr lvl="1"/>
-            <a:r>
-              <a:rPr lang="it-IT" sz="2000" dirty="0">
-                <a:solidFill>
-                  <a:schemeClr val="bg2">
-                    <a:lumMod val="40000"/>
-                    <a:lumOff val="60000"/>
-                  </a:schemeClr>
-                </a:solidFill>
-              </a:rPr>
-              <a:t>FPGA</a:t>
-            </a:r>
-          </a:p>
-          <a:p>
-            <a:pPr lvl="1"/>
-            <a:r>
-              <a:rPr lang="it-IT" sz="2000" dirty="0">
-                <a:solidFill>
-                  <a:schemeClr val="bg2">
-                    <a:lumMod val="40000"/>
-                    <a:lumOff val="60000"/>
-                  </a:schemeClr>
-                </a:solidFill>
-              </a:rPr>
-              <a:t>Microcontrollore</a:t>
-            </a:r>
-          </a:p>
-          <a:p>
-            <a:pPr lvl="1"/>
-            <a:r>
-              <a:rPr lang="it-IT" sz="2000" dirty="0">
-                <a:solidFill>
-                  <a:schemeClr val="bg2">
-                    <a:lumMod val="40000"/>
-                    <a:lumOff val="60000"/>
-                  </a:schemeClr>
-                </a:solidFill>
-              </a:rPr>
-              <a:t>Analisi degli algoritmi</a:t>
-            </a:r>
-          </a:p>
-          <a:p>
-            <a:r>
-              <a:rPr lang="it-IT" sz="2400" dirty="0">
-                <a:solidFill>
-                  <a:schemeClr val="bg2">
-                    <a:lumMod val="40000"/>
-                    <a:lumOff val="60000"/>
-                  </a:schemeClr>
-                </a:solidFill>
-              </a:rPr>
-              <a:t>Risultati sperimentali</a:t>
-            </a:r>
-          </a:p>
-          <a:p>
-            <a:r>
-              <a:rPr lang="it-IT" sz="2400" dirty="0"/>
-              <a:t>Sviluppi futuri e conclusioni</a:t>
-            </a:r>
+            <a:endParaRPr lang="it-IT" sz="2000" dirty="0"/>
           </a:p>
         </p:txBody>
       </p:sp>
@@ -7567,7 +8100,7 @@
     </p:spTree>
     <p:extLst>
       <p:ext uri="{BB962C8B-B14F-4D97-AF65-F5344CB8AC3E}">
-        <p14:creationId xmlns:p14="http://schemas.microsoft.com/office/powerpoint/2010/main" val="2461533339"/>
+        <p14:creationId xmlns:p14="http://schemas.microsoft.com/office/powerpoint/2010/main" val="1195950186"/>
       </p:ext>
     </p:extLst>
   </p:cSld>
@@ -7645,21 +8178,21 @@
           <a:lstStyle/>
           <a:p>
             <a:r>
-              <a:rPr lang="it-IT" sz="2400" dirty="0" smtClean="0"/>
+              <a:rPr lang="it-IT" sz="2400" dirty="0"/>
               <a:t>Interferometria</a:t>
             </a:r>
           </a:p>
           <a:p>
             <a:pPr lvl="1"/>
             <a:r>
-              <a:rPr lang="it-IT" sz="2000" dirty="0" smtClean="0"/>
+              <a:rPr lang="it-IT" sz="2000" dirty="0"/>
               <a:t>Interferometria a self-mixing</a:t>
             </a:r>
           </a:p>
           <a:p>
             <a:pPr lvl="1"/>
             <a:r>
-              <a:rPr lang="it-IT" sz="2000" dirty="0" smtClean="0"/>
+              <a:rPr lang="it-IT" sz="2000" dirty="0"/>
               <a:t>Misura della distanza</a:t>
             </a:r>
           </a:p>
@@ -7680,14 +8213,14 @@
             <a:pPr lvl="1"/>
             <a:r>
               <a:rPr lang="it-IT" sz="2000" dirty="0"/>
+              <a:t>Parte digitale</a:t>
+            </a:r>
+          </a:p>
+          <a:p>
+            <a:pPr lvl="1"/>
+            <a:r>
+              <a:rPr lang="it-IT" sz="2000" dirty="0"/>
               <a:t>Parte di conversione</a:t>
-            </a:r>
-          </a:p>
-          <a:p>
-            <a:pPr lvl="1"/>
-            <a:r>
-              <a:rPr lang="it-IT" sz="2000" dirty="0"/>
-              <a:t>Parte digitale</a:t>
             </a:r>
           </a:p>
           <a:p>
@@ -7711,27 +8244,17 @@
             </a:r>
           </a:p>
           <a:p>
-            <a:pPr lvl="1"/>
-            <a:r>
-              <a:rPr lang="it-IT" sz="2000" dirty="0"/>
-              <a:t>Analisi degli algoritmi</a:t>
-            </a:r>
-          </a:p>
-          <a:p>
-            <a:r>
-              <a:rPr lang="it-IT" sz="2400" dirty="0" smtClean="0"/>
-              <a:t>Risultati </a:t>
-            </a:r>
             <a:r>
               <a:rPr lang="it-IT" sz="2400" dirty="0"/>
-              <a:t>sperimentali</a:t>
+              <a:t>Risultati sperimentali</a:t>
             </a:r>
           </a:p>
           <a:p>
             <a:r>
               <a:rPr lang="it-IT" sz="2400" dirty="0"/>
-              <a:t>Sviluppi futuri e conclusioni</a:t>
-            </a:r>
+              <a:t>Conclusioni e sviluppi futuri</a:t>
+            </a:r>
+            <a:endParaRPr lang="it-IT" sz="2400" dirty="0"/>
           </a:p>
         </p:txBody>
       </p:sp>
@@ -7813,7 +8336,7 @@
           <a:p>
             <a:r>
               <a:rPr lang="it-IT" dirty="0" smtClean="0"/>
-              <a:t>Conclusioni e sviluppi futuri</a:t>
+              <a:t>Indice</a:t>
             </a:r>
             <a:endParaRPr lang="it-IT" dirty="0"/>
           </a:p>
@@ -7829,47 +8352,171 @@
             <p:ph idx="1"/>
           </p:nvPr>
         </p:nvSpPr>
-        <p:spPr/>
+        <p:spPr>
+          <a:xfrm>
+            <a:off x="685800" y="1142999"/>
+            <a:ext cx="7086600" cy="5229225"/>
+          </a:xfrm>
+        </p:spPr>
         <p:txBody>
           <a:bodyPr/>
           <a:lstStyle/>
           <a:p>
             <a:r>
-              <a:rPr lang="it-IT" sz="2400" dirty="0" smtClean="0"/>
-              <a:t>I risultati ottenuti mostrano la possibilità di realizzare uno strumento di misura con buone prestazioni e a basso costo, sfruttando la tecnica di interferometria a self-mixing. </a:t>
-            </a:r>
-          </a:p>
-          <a:p>
-            <a:r>
-              <a:rPr lang="it-IT" sz="2400" dirty="0" smtClean="0"/>
-              <a:t>Lo strumento mostra ancora alcuni limiti:</a:t>
+              <a:rPr lang="it-IT" sz="2400" dirty="0">
+                <a:solidFill>
+                  <a:schemeClr val="bg2">
+                    <a:lumMod val="40000"/>
+                    <a:lumOff val="60000"/>
+                  </a:schemeClr>
+                </a:solidFill>
+              </a:rPr>
+              <a:t>Interferometria</a:t>
             </a:r>
           </a:p>
           <a:p>
             <a:pPr lvl="1"/>
             <a:r>
-              <a:rPr lang="it-IT" sz="2000" dirty="0" err="1" smtClean="0"/>
-              <a:t>Drift</a:t>
-            </a:r>
-            <a:r>
-              <a:rPr lang="it-IT" sz="2000" dirty="0" smtClean="0"/>
-              <a:t> termico</a:t>
+              <a:rPr lang="it-IT" sz="2000" dirty="0">
+                <a:solidFill>
+                  <a:schemeClr val="bg2">
+                    <a:lumMod val="40000"/>
+                    <a:lumOff val="60000"/>
+                  </a:schemeClr>
+                </a:solidFill>
+              </a:rPr>
+              <a:t>Interferometria a self-mixing</a:t>
             </a:r>
           </a:p>
           <a:p>
             <a:pPr lvl="1"/>
             <a:r>
-              <a:rPr lang="it-IT" sz="2000" dirty="0" smtClean="0"/>
-              <a:t>Comunicazione tra PC e scheda di sviluppo</a:t>
+              <a:rPr lang="it-IT" sz="2000" dirty="0">
+                <a:solidFill>
+                  <a:schemeClr val="bg2">
+                    <a:lumMod val="40000"/>
+                    <a:lumOff val="60000"/>
+                  </a:schemeClr>
+                </a:solidFill>
+              </a:rPr>
+              <a:t>Misura della distanza</a:t>
+            </a:r>
+          </a:p>
+          <a:p>
+            <a:r>
+              <a:rPr lang="it-IT" sz="2400" dirty="0">
+                <a:solidFill>
+                  <a:schemeClr val="bg2">
+                    <a:lumMod val="40000"/>
+                    <a:lumOff val="60000"/>
+                  </a:schemeClr>
+                </a:solidFill>
+              </a:rPr>
+              <a:t>Architettura hardware</a:t>
             </a:r>
           </a:p>
           <a:p>
             <a:pPr lvl="1"/>
             <a:r>
-              <a:rPr lang="it-IT" sz="2000" dirty="0" smtClean="0"/>
-              <a:t>Lettura della configurazione da file </a:t>
-            </a:r>
-            <a:endParaRPr lang="it-IT" sz="2000" dirty="0"/>
+              <a:rPr lang="it-IT" sz="2000" dirty="0">
+                <a:solidFill>
+                  <a:schemeClr val="bg2">
+                    <a:lumMod val="40000"/>
+                    <a:lumOff val="60000"/>
+                  </a:schemeClr>
+                </a:solidFill>
+              </a:rPr>
+              <a:t>Parte analogica</a:t>
+            </a:r>
+          </a:p>
+          <a:p>
+            <a:pPr lvl="1"/>
+            <a:r>
+              <a:rPr lang="it-IT" sz="2000" dirty="0">
+                <a:solidFill>
+                  <a:schemeClr val="bg2">
+                    <a:lumMod val="40000"/>
+                    <a:lumOff val="60000"/>
+                  </a:schemeClr>
+                </a:solidFill>
+              </a:rPr>
+              <a:t>Parte digitale</a:t>
+            </a:r>
+          </a:p>
+          <a:p>
+            <a:pPr lvl="1"/>
+            <a:r>
+              <a:rPr lang="it-IT" sz="2000" dirty="0">
+                <a:solidFill>
+                  <a:schemeClr val="bg2">
+                    <a:lumMod val="40000"/>
+                    <a:lumOff val="60000"/>
+                  </a:schemeClr>
+                </a:solidFill>
+              </a:rPr>
+              <a:t>Parte di conversione</a:t>
+            </a:r>
+          </a:p>
+          <a:p>
+            <a:r>
+              <a:rPr lang="it-IT" sz="2400" dirty="0">
+                <a:solidFill>
+                  <a:schemeClr val="bg2">
+                    <a:lumMod val="40000"/>
+                    <a:lumOff val="60000"/>
+                  </a:schemeClr>
+                </a:solidFill>
+              </a:rPr>
+              <a:t>Architettura software</a:t>
+            </a:r>
+          </a:p>
+          <a:p>
+            <a:pPr lvl="1"/>
+            <a:r>
+              <a:rPr lang="it-IT" sz="2000" dirty="0">
+                <a:solidFill>
+                  <a:schemeClr val="bg2">
+                    <a:lumMod val="40000"/>
+                    <a:lumOff val="60000"/>
+                  </a:schemeClr>
+                </a:solidFill>
+              </a:rPr>
+              <a:t>FPGA</a:t>
+            </a:r>
+          </a:p>
+          <a:p>
+            <a:pPr lvl="1"/>
+            <a:r>
+              <a:rPr lang="it-IT" sz="2000" dirty="0">
+                <a:solidFill>
+                  <a:schemeClr val="bg2">
+                    <a:lumMod val="40000"/>
+                    <a:lumOff val="60000"/>
+                  </a:schemeClr>
+                </a:solidFill>
+              </a:rPr>
+              <a:t>Microcontrollore</a:t>
+            </a:r>
+          </a:p>
+          <a:p>
+            <a:r>
+              <a:rPr lang="it-IT" sz="2400" dirty="0">
+                <a:solidFill>
+                  <a:schemeClr val="bg2">
+                    <a:lumMod val="40000"/>
+                    <a:lumOff val="60000"/>
+                  </a:schemeClr>
+                </a:solidFill>
+              </a:rPr>
+              <a:t>Risultati sperimentali</a:t>
+            </a:r>
+          </a:p>
+          <a:p>
+            <a:r>
+              <a:rPr lang="it-IT" sz="2400" dirty="0"/>
+              <a:t>Conclusioni e sviluppi futuri</a:t>
+            </a:r>
+            <a:endParaRPr lang="it-IT" sz="2400" dirty="0"/>
           </a:p>
         </p:txBody>
       </p:sp>
@@ -7900,7 +8547,7 @@
     </p:spTree>
     <p:extLst>
       <p:ext uri="{BB962C8B-B14F-4D97-AF65-F5344CB8AC3E}">
-        <p14:creationId xmlns:p14="http://schemas.microsoft.com/office/powerpoint/2010/main" val="781321479"/>
+        <p14:creationId xmlns:p14="http://schemas.microsoft.com/office/powerpoint/2010/main" val="2461533339"/>
       </p:ext>
     </p:extLst>
   </p:cSld>
@@ -7936,6 +8583,83 @@
       </p:grpSpPr>
       <p:sp>
         <p:nvSpPr>
+          <p:cNvPr id="2" name="Titolo 1"/>
+          <p:cNvSpPr>
+            <a:spLocks noGrp="1"/>
+          </p:cNvSpPr>
+          <p:nvPr>
+            <p:ph type="title"/>
+          </p:nvPr>
+        </p:nvSpPr>
+        <p:spPr/>
+        <p:txBody>
+          <a:bodyPr/>
+          <a:lstStyle/>
+          <a:p>
+            <a:r>
+              <a:rPr lang="it-IT" dirty="0" smtClean="0"/>
+              <a:t>Conclusioni e sviluppi futuri</a:t>
+            </a:r>
+            <a:endParaRPr lang="it-IT" dirty="0"/>
+          </a:p>
+        </p:txBody>
+      </p:sp>
+      <p:sp>
+        <p:nvSpPr>
+          <p:cNvPr id="3" name="Segnaposto contenuto 2"/>
+          <p:cNvSpPr>
+            <a:spLocks noGrp="1"/>
+          </p:cNvSpPr>
+          <p:nvPr>
+            <p:ph idx="1"/>
+          </p:nvPr>
+        </p:nvSpPr>
+        <p:spPr/>
+        <p:txBody>
+          <a:bodyPr/>
+          <a:lstStyle/>
+          <a:p>
+            <a:r>
+              <a:rPr lang="it-IT" sz="2400" dirty="0" smtClean="0"/>
+              <a:t>I risultati ottenuti mostrano la possibilità di realizzare uno strumento di misura con buone prestazioni e a basso costo, sfruttando la tecnica di interferometria a self-mixing. </a:t>
+            </a:r>
+          </a:p>
+          <a:p>
+            <a:r>
+              <a:rPr lang="it-IT" sz="2400" dirty="0" smtClean="0"/>
+              <a:t>Lo strumento mostra ancora alcuni limiti:</a:t>
+            </a:r>
+          </a:p>
+          <a:p>
+            <a:pPr lvl="1"/>
+            <a:r>
+              <a:rPr lang="it-IT" sz="2000" dirty="0" err="1" smtClean="0"/>
+              <a:t>Drift</a:t>
+            </a:r>
+            <a:r>
+              <a:rPr lang="it-IT" sz="2000" dirty="0" smtClean="0"/>
+              <a:t> termico</a:t>
+            </a:r>
+          </a:p>
+          <a:p>
+            <a:pPr lvl="1"/>
+            <a:r>
+              <a:rPr lang="it-IT" sz="2000" dirty="0" smtClean="0"/>
+              <a:t>Comunicazione tra PC e scheda di sviluppo</a:t>
+            </a:r>
+          </a:p>
+          <a:p>
+            <a:pPr lvl="1"/>
+            <a:r>
+              <a:rPr lang="it-IT" sz="2000" dirty="0" smtClean="0"/>
+              <a:t>Lettura della configurazione da file </a:t>
+            </a:r>
+            <a:endParaRPr lang="it-IT" sz="2000" dirty="0"/>
+          </a:p>
+        </p:txBody>
+      </p:sp>
+      <p:sp>
+        <p:nvSpPr>
           <p:cNvPr id="4" name="Segnaposto numero diapositiva 3"/>
           <p:cNvSpPr>
             <a:spLocks noGrp="1"/>
@@ -7953,6 +8677,67 @@
               <a:rPr lang="en-US" altLang="nl-NL" smtClean="0"/>
               <a:pPr/>
               <a:t>21</a:t>
+            </a:fld>
+            <a:endParaRPr lang="en-US" altLang="nl-NL"/>
+          </a:p>
+        </p:txBody>
+      </p:sp>
+    </p:spTree>
+    <p:extLst>
+      <p:ext uri="{BB962C8B-B14F-4D97-AF65-F5344CB8AC3E}">
+        <p14:creationId xmlns:p14="http://schemas.microsoft.com/office/powerpoint/2010/main" val="781321479"/>
+      </p:ext>
+    </p:extLst>
+  </p:cSld>
+  <p:clrMapOvr>
+    <a:masterClrMapping/>
+  </p:clrMapOvr>
+  <p:timing>
+    <p:tnLst>
+      <p:par>
+        <p:cTn id="1" dur="indefinite" restart="never" nodeType="tmRoot"/>
+      </p:par>
+    </p:tnLst>
+  </p:timing>
+</p:sld>
+</file>
+
+<file path=ppt/slides/slide22.xml><?xml version="1.0" encoding="utf-8"?>
+<p:sld xmlns:a="http://schemas.openxmlformats.org/drawingml/2006/main" xmlns:r="http://schemas.openxmlformats.org/officeDocument/2006/relationships" xmlns:p="http://schemas.openxmlformats.org/presentationml/2006/main">
+  <p:cSld>
+    <p:spTree>
+      <p:nvGrpSpPr>
+        <p:cNvPr id="1" name=""/>
+        <p:cNvGrpSpPr/>
+        <p:nvPr/>
+      </p:nvGrpSpPr>
+      <p:grpSpPr>
+        <a:xfrm>
+          <a:off x="0" y="0"/>
+          <a:ext cx="0" cy="0"/>
+          <a:chOff x="0" y="0"/>
+          <a:chExt cx="0" cy="0"/>
+        </a:xfrm>
+      </p:grpSpPr>
+      <p:sp>
+        <p:nvSpPr>
+          <p:cNvPr id="4" name="Segnaposto numero diapositiva 3"/>
+          <p:cNvSpPr>
+            <a:spLocks noGrp="1"/>
+          </p:cNvSpPr>
+          <p:nvPr>
+            <p:ph type="sldNum" sz="quarter" idx="11"/>
+          </p:nvPr>
+        </p:nvSpPr>
+        <p:spPr/>
+        <p:txBody>
+          <a:bodyPr/>
+          <a:lstStyle/>
+          <a:p>
+            <a:fld id="{C503DA3A-0C6B-48FC-931E-2C786AAFD5C1}" type="slidenum">
+              <a:rPr lang="en-US" altLang="nl-NL" smtClean="0"/>
+              <a:pPr/>
+              <a:t>22</a:t>
             </a:fld>
             <a:endParaRPr lang="en-US" altLang="nl-NL"/>
           </a:p>
@@ -9930,23 +10715,21 @@
             </a:r>
           </a:p>
           <a:p>
-            <a:pPr lvl="1"/>
-            <a:r>
-              <a:rPr lang="it-IT" sz="2000" dirty="0"/>
-              <a:t>Analisi degli algoritmi</a:t>
-            </a:r>
-          </a:p>
-          <a:p>
+            <a:r>
+              <a:rPr lang="it-IT" sz="2400" dirty="0" smtClean="0"/>
+              <a:t>Risultati </a:t>
+            </a:r>
             <a:r>
               <a:rPr lang="it-IT" sz="2400" dirty="0"/>
-              <a:t>Risultati sperimentali</a:t>
+              <a:t>sperimentali</a:t>
             </a:r>
           </a:p>
           <a:p>
             <a:r>
               <a:rPr lang="it-IT" sz="2400" dirty="0"/>
-              <a:t>Sviluppi futuri e conclusioni</a:t>
-            </a:r>
+              <a:t>Conclusioni e sviluppi futuri</a:t>
+            </a:r>
+            <a:endParaRPr lang="it-IT" sz="2400" dirty="0"/>
           </a:p>
         </p:txBody>
       </p:sp>
@@ -10493,27 +11276,7 @@
           <a:p>
             <a:r>
               <a:rPr lang="it-IT" sz="2400" dirty="0" smtClean="0"/>
-              <a:t>La parte digitale </a:t>
-            </a:r>
-            <a:r>
-              <a:rPr lang="it-IT" sz="2400" dirty="0" smtClean="0"/>
-              <a:t>è </a:t>
-            </a:r>
-            <a:r>
-              <a:rPr lang="it-IT" sz="2400" dirty="0" smtClean="0"/>
-              <a:t>costituita </a:t>
-            </a:r>
-            <a:r>
-              <a:rPr lang="it-IT" sz="2400" dirty="0" smtClean="0"/>
-              <a:t>dalla scheda </a:t>
-            </a:r>
-            <a:r>
-              <a:rPr lang="it-IT" sz="2400" dirty="0" smtClean="0"/>
-              <a:t>di </a:t>
-            </a:r>
-            <a:r>
-              <a:rPr lang="it-IT" sz="2400" dirty="0" smtClean="0"/>
-              <a:t>prototipazione: </a:t>
+              <a:t>La parte digitale è costituita dalla scheda di prototipazione: </a:t>
             </a:r>
             <a:r>
               <a:rPr lang="it-IT" sz="2400" b="1" dirty="0" smtClean="0"/>
@@ -10525,13 +11288,8 @@
             </a:r>
             <a:r>
               <a:rPr lang="it-IT" sz="2400" b="1" dirty="0" smtClean="0"/>
-              <a:t> </a:t>
-            </a:r>
-            <a:r>
-              <a:rPr lang="it-IT" sz="2400" b="1" dirty="0" smtClean="0"/>
-              <a:t>9636</a:t>
-            </a:r>
-            <a:endParaRPr lang="it-IT" sz="2400" b="1" dirty="0" smtClean="0"/>
+              <a:t> 9636</a:t>
+            </a:r>
           </a:p>
         </p:txBody>
       </p:sp>

--- a/presentazione_discussione.pptx
+++ b/presentazione_discussione.pptx
@@ -186,6 +186,32 @@
 </p:presentation>
 </file>
 
+<file path=ppt/commentAuthors.xml><?xml version="1.0" encoding="utf-8"?>
+<p:cmAuthorLst xmlns:a="http://schemas.openxmlformats.org/drawingml/2006/main" xmlns:r="http://schemas.openxmlformats.org/officeDocument/2006/relationships" xmlns:p="http://schemas.openxmlformats.org/presentationml/2006/main">
+  <p:cmAuthor id="1" name="Leonardo Cavagnis" initials="LC" lastIdx="1" clrIdx="0">
+    <p:extLst>
+      <p:ext uri="{19B8F6BF-5375-455C-9EA6-DF929625EA0E}">
+        <p15:presenceInfo xmlns:p15="http://schemas.microsoft.com/office/powerpoint/2012/main" userId="" providerId=""/>
+      </p:ext>
+    </p:extLst>
+  </p:cmAuthor>
+</p:cmAuthorLst>
+</file>
+
+<file path=ppt/comments/comment1.xml><?xml version="1.0" encoding="utf-8"?>
+<p:cmLst xmlns:a="http://schemas.openxmlformats.org/drawingml/2006/main" xmlns:r="http://schemas.openxmlformats.org/officeDocument/2006/relationships" xmlns:p="http://schemas.openxmlformats.org/presentationml/2006/main">
+  <p:cm authorId="1" dt="2015-12-05T16:05:50.877" idx="1">
+    <p:pos x="4896" y="1898"/>
+    <p:text>Sistemare immagine</p:text>
+    <p:extLst>
+      <p:ext uri="{C676402C-5697-4E1C-873F-D02D1690AC5C}">
+        <p15:threadingInfo xmlns:p15="http://schemas.microsoft.com/office/powerpoint/2012/main" timeZoneBias="-60"/>
+      </p:ext>
+    </p:extLst>
+  </p:cm>
+</p:cmLst>
+</file>
+
 <file path=ppt/handoutMasters/handoutMaster1.xml><?xml version="1.0" encoding="utf-8"?>
 <p:handoutMaster xmlns:a="http://schemas.openxmlformats.org/drawingml/2006/main" xmlns:r="http://schemas.openxmlformats.org/officeDocument/2006/relationships" xmlns:p="http://schemas.openxmlformats.org/presentationml/2006/main">
   <p:cSld>
@@ -1891,6 +1917,160 @@
     <p:extLst>
       <p:ext uri="{BB962C8B-B14F-4D97-AF65-F5344CB8AC3E}">
         <p14:creationId xmlns:p14="http://schemas.microsoft.com/office/powerpoint/2010/main" val="2032454154"/>
+      </p:ext>
+    </p:extLst>
+  </p:cSld>
+  <p:clrMapOvr>
+    <a:masterClrMapping/>
+  </p:clrMapOvr>
+</p:notes>
+</file>
+
+<file path=ppt/notesSlides/notesSlide4.xml><?xml version="1.0" encoding="utf-8"?>
+<p:notes xmlns:a="http://schemas.openxmlformats.org/drawingml/2006/main" xmlns:r="http://schemas.openxmlformats.org/officeDocument/2006/relationships" xmlns:p="http://schemas.openxmlformats.org/presentationml/2006/main">
+  <p:cSld>
+    <p:spTree>
+      <p:nvGrpSpPr>
+        <p:cNvPr id="1" name=""/>
+        <p:cNvGrpSpPr/>
+        <p:nvPr/>
+      </p:nvGrpSpPr>
+      <p:grpSpPr>
+        <a:xfrm>
+          <a:off x="0" y="0"/>
+          <a:ext cx="0" cy="0"/>
+          <a:chOff x="0" y="0"/>
+          <a:chExt cx="0" cy="0"/>
+        </a:xfrm>
+      </p:grpSpPr>
+      <p:sp>
+        <p:nvSpPr>
+          <p:cNvPr id="2" name="Segnaposto immagine diapositiva 1"/>
+          <p:cNvSpPr>
+            <a:spLocks noGrp="1" noRot="1" noChangeAspect="1"/>
+          </p:cNvSpPr>
+          <p:nvPr>
+            <p:ph type="sldImg"/>
+          </p:nvPr>
+        </p:nvSpPr>
+        <p:spPr/>
+      </p:sp>
+      <p:sp>
+        <p:nvSpPr>
+          <p:cNvPr id="3" name="Segnaposto note 2"/>
+          <p:cNvSpPr>
+            <a:spLocks noGrp="1"/>
+          </p:cNvSpPr>
+          <p:nvPr>
+            <p:ph type="body" idx="1"/>
+          </p:nvPr>
+        </p:nvSpPr>
+        <p:spPr/>
+        <p:txBody>
+          <a:bodyPr/>
+          <a:lstStyle/>
+          <a:p>
+            <a:endParaRPr lang="it-IT" dirty="0"/>
+          </a:p>
+        </p:txBody>
+      </p:sp>
+      <p:sp>
+        <p:nvSpPr>
+          <p:cNvPr id="4" name="Segnaposto intestazione 3"/>
+          <p:cNvSpPr>
+            <a:spLocks noGrp="1"/>
+          </p:cNvSpPr>
+          <p:nvPr>
+            <p:ph type="hdr" sz="quarter" idx="10"/>
+          </p:nvPr>
+        </p:nvSpPr>
+        <p:spPr/>
+        <p:txBody>
+          <a:bodyPr/>
+          <a:lstStyle/>
+          <a:p>
+            <a:r>
+              <a:rPr lang="en-US" altLang="nl-NL" smtClean="0"/>
+              <a:t>Process synchronization</a:t>
+            </a:r>
+            <a:endParaRPr lang="en-US" altLang="nl-NL"/>
+          </a:p>
+        </p:txBody>
+      </p:sp>
+      <p:sp>
+        <p:nvSpPr>
+          <p:cNvPr id="5" name="Segnaposto data 4"/>
+          <p:cNvSpPr>
+            <a:spLocks noGrp="1"/>
+          </p:cNvSpPr>
+          <p:nvPr>
+            <p:ph type="dt" idx="11"/>
+          </p:nvPr>
+        </p:nvSpPr>
+        <p:spPr/>
+        <p:txBody>
+          <a:bodyPr/>
+          <a:lstStyle/>
+          <a:p>
+            <a:r>
+              <a:rPr lang="en-US" altLang="nl-NL" smtClean="0"/>
+              <a:t>Operating System</a:t>
+            </a:r>
+            <a:endParaRPr lang="en-US" altLang="nl-NL"/>
+          </a:p>
+        </p:txBody>
+      </p:sp>
+      <p:sp>
+        <p:nvSpPr>
+          <p:cNvPr id="6" name="Segnaposto piè di pagina 5"/>
+          <p:cNvSpPr>
+            <a:spLocks noGrp="1"/>
+          </p:cNvSpPr>
+          <p:nvPr>
+            <p:ph type="ftr" sz="quarter" idx="12"/>
+          </p:nvPr>
+        </p:nvSpPr>
+        <p:spPr/>
+        <p:txBody>
+          <a:bodyPr/>
+          <a:lstStyle/>
+          <a:p>
+            <a:r>
+              <a:rPr lang="en-US" altLang="nl-NL" smtClean="0"/>
+              <a:t>© 2005 William Fornaciari</a:t>
+            </a:r>
+            <a:endParaRPr lang="en-US" altLang="nl-NL"/>
+          </a:p>
+        </p:txBody>
+      </p:sp>
+      <p:sp>
+        <p:nvSpPr>
+          <p:cNvPr id="7" name="Segnaposto numero diapositiva 6"/>
+          <p:cNvSpPr>
+            <a:spLocks noGrp="1"/>
+          </p:cNvSpPr>
+          <p:nvPr>
+            <p:ph type="sldNum" sz="quarter" idx="13"/>
+          </p:nvPr>
+        </p:nvSpPr>
+        <p:spPr/>
+        <p:txBody>
+          <a:bodyPr/>
+          <a:lstStyle/>
+          <a:p>
+            <a:fld id="{88C0D9CF-78A8-4FBE-960E-41C6F5A4AF95}" type="slidenum">
+              <a:rPr lang="en-US" altLang="nl-NL" smtClean="0"/>
+              <a:pPr/>
+              <a:t>19</a:t>
+            </a:fld>
+            <a:endParaRPr lang="en-US" altLang="nl-NL"/>
+          </a:p>
+        </p:txBody>
+      </p:sp>
+    </p:spTree>
+    <p:extLst>
+      <p:ext uri="{BB962C8B-B14F-4D97-AF65-F5344CB8AC3E}">
+        <p14:creationId xmlns:p14="http://schemas.microsoft.com/office/powerpoint/2010/main" val="1645933681"/>
       </p:ext>
     </p:extLst>
   </p:cSld>
@@ -6140,7 +6320,6 @@
               <a:rPr lang="it-IT" sz="2400" dirty="0"/>
               <a:t>Conclusioni e sviluppi futuri</a:t>
             </a:r>
-            <a:endParaRPr lang="it-IT" sz="2400" dirty="0"/>
           </a:p>
         </p:txBody>
       </p:sp>
@@ -6718,7 +6897,11 @@
             </a:r>
             <a:r>
               <a:rPr lang="it-IT" sz="2000" i="1" dirty="0" smtClean="0"/>
-              <a:t>24KHz</a:t>
+              <a:t>24kHz</a:t>
+            </a:r>
+            <a:r>
+              <a:rPr lang="it-IT" sz="2000" i="1" dirty="0" smtClean="0"/>
+              <a:t/>
             </a:r>
             <a:br>
               <a:rPr lang="it-IT" sz="2000" i="1" dirty="0" smtClean="0"/>
@@ -6749,6 +6932,10 @@
               <a:rPr lang="it-IT" sz="2000" i="1" dirty="0" smtClean="0"/>
               <a:t>30MHz</a:t>
             </a:r>
+            <a:r>
+              <a:rPr lang="it-IT" sz="2000" i="1" dirty="0" smtClean="0"/>
+              <a:t/>
+            </a:r>
             <a:br>
               <a:rPr lang="it-IT" sz="2000" i="1" dirty="0" smtClean="0"/>
             </a:br>
@@ -6801,7 +6988,6 @@
               <a:rPr lang="it-IT" sz="2000" dirty="0" smtClean="0"/>
               <a:t>del tono fondamentale dal FFT</a:t>
             </a:r>
-            <a:endParaRPr lang="it-IT" sz="2000" dirty="0" smtClean="0"/>
           </a:p>
         </p:txBody>
       </p:sp>
@@ -6931,7 +7117,7 @@
         </p:nvSpPr>
         <p:spPr>
           <a:xfrm>
-            <a:off x="609600" y="1143000"/>
+            <a:off x="609600" y="903087"/>
             <a:ext cx="7772400" cy="5286375"/>
           </a:xfrm>
         </p:spPr>
@@ -6939,6 +7125,11 @@
           <a:bodyPr/>
           <a:lstStyle/>
           <a:p>
+            <a:pPr>
+              <a:lnSpc>
+                <a:spcPct val="200000"/>
+              </a:lnSpc>
+            </a:pPr>
             <a:r>
               <a:rPr lang="it-IT" sz="2400" dirty="0"/>
               <a:t>Le funzionalità </a:t>
@@ -6947,10 +7138,6 @@
               <a:rPr lang="it-IT" sz="2400" dirty="0" smtClean="0"/>
               <a:t>svolte dal microcontrollore sono: </a:t>
             </a:r>
-            <a:br>
-              <a:rPr lang="it-IT" sz="2400" dirty="0" smtClean="0"/>
-            </a:br>
-            <a:endParaRPr lang="it-IT" sz="2400" dirty="0" smtClean="0"/>
           </a:p>
           <a:p>
             <a:pPr lvl="1"/>
@@ -6972,23 +7159,15 @@
             </a:r>
             <a:r>
               <a:rPr lang="it-IT" sz="2000" b="1" dirty="0" smtClean="0"/>
-              <a:t>Fast </a:t>
-            </a:r>
-            <a:r>
-              <a:rPr lang="it-IT" sz="2000" b="1" dirty="0"/>
-              <a:t>Fourier </a:t>
-            </a:r>
-            <a:r>
-              <a:rPr lang="it-IT" sz="2000" b="1" dirty="0" err="1" smtClean="0"/>
-              <a:t>Transform</a:t>
-            </a:r>
-            <a:r>
-              <a:rPr lang="it-IT" sz="2000" b="1" dirty="0" smtClean="0"/>
-              <a:t> </a:t>
+              <a:t>FFT</a:t>
             </a:r>
             <a:r>
               <a:rPr lang="it-IT" sz="2000" dirty="0" smtClean="0"/>
-              <a:t>(IFFT)</a:t>
+              <a:t> (IFFT</a:t>
+            </a:r>
+            <a:r>
+              <a:rPr lang="it-IT" sz="2000" dirty="0" smtClean="0"/>
+              <a:t>)</a:t>
             </a:r>
             <a:br>
               <a:rPr lang="it-IT" sz="2000" dirty="0" smtClean="0"/>
@@ -7033,6 +7212,12 @@
               <a:buNone/>
             </a:pPr>
             <a:endParaRPr lang="it-IT" sz="2000" dirty="0"/>
+          </a:p>
+          <a:p>
+            <a:pPr marL="457200" lvl="1" indent="0">
+              <a:buNone/>
+            </a:pPr>
+            <a:endParaRPr lang="it-IT" sz="2000" dirty="0" smtClean="0"/>
           </a:p>
           <a:p>
             <a:pPr marL="457200" lvl="1" indent="0">
@@ -7106,7 +7291,7 @@
             </p:nvSpPr>
             <p:spPr>
               <a:xfrm>
-                <a:off x="5546043" y="5455607"/>
+                <a:off x="5658580" y="5270549"/>
                 <a:ext cx="2503457" cy="733855"/>
               </a:xfrm>
               <a:prstGeom prst="rect">
@@ -7263,7 +7448,7 @@
             </p:nvSpPr>
             <p:spPr>
               <a:xfrm>
-                <a:off x="5546043" y="5455607"/>
+                <a:off x="5658580" y="5270549"/>
                 <a:ext cx="2503457" cy="733855"/>
               </a:xfrm>
               <a:prstGeom prst="rect">
@@ -7313,8 +7498,8 @@
         </p:blipFill>
         <p:spPr>
           <a:xfrm>
-            <a:off x="2809049" y="2662808"/>
-            <a:ext cx="3373502" cy="2552320"/>
+            <a:off x="2698318" y="2452200"/>
+            <a:ext cx="3594964" cy="2719873"/>
           </a:xfrm>
           <a:prstGeom prst="rect">
             <a:avLst/>
@@ -7548,7 +7733,6 @@
               <a:rPr lang="it-IT" sz="2400" dirty="0"/>
               <a:t>Conclusioni e sviluppi futuri</a:t>
             </a:r>
-            <a:endParaRPr lang="it-IT" sz="2400" dirty="0"/>
           </a:p>
         </p:txBody>
       </p:sp>
@@ -7630,11 +7814,7 @@
           <a:p>
             <a:r>
               <a:rPr lang="it-IT" dirty="0" smtClean="0"/>
-              <a:t>Risultati </a:t>
-            </a:r>
-            <a:r>
-              <a:rPr lang="it-IT" dirty="0" smtClean="0"/>
-              <a:t>sperimentali (1)</a:t>
+              <a:t>Risultati sperimentali (1)</a:t>
             </a:r>
             <a:endParaRPr lang="it-IT" dirty="0"/>
           </a:p>
@@ -7812,11 +7992,7 @@
           <a:p>
             <a:r>
               <a:rPr lang="it-IT" dirty="0" smtClean="0"/>
-              <a:t>Risultati </a:t>
-            </a:r>
-            <a:r>
-              <a:rPr lang="it-IT" dirty="0" smtClean="0"/>
-              <a:t>sperimentali (2)</a:t>
+              <a:t>Risultati sperimentali (2)</a:t>
             </a:r>
             <a:endParaRPr lang="it-IT" dirty="0"/>
           </a:p>
@@ -7839,14 +8015,7 @@
           <a:p>
             <a:r>
               <a:rPr lang="it-IT" sz="2400" dirty="0" smtClean="0"/>
-              <a:t>Prove con la versione finale dello strumento:</a:t>
-            </a:r>
-          </a:p>
-          <a:p>
-            <a:pPr lvl="1"/>
-            <a:r>
-              <a:rPr lang="it-IT" sz="2000" dirty="0" smtClean="0"/>
-              <a:t>Risultati con immagini</a:t>
+              <a:t>TODO</a:t>
             </a:r>
             <a:endParaRPr lang="it-IT" sz="2000" dirty="0"/>
           </a:p>
@@ -7930,11 +8099,7 @@
           <a:p>
             <a:r>
               <a:rPr lang="it-IT" dirty="0" smtClean="0"/>
-              <a:t>Risultati </a:t>
-            </a:r>
-            <a:r>
-              <a:rPr lang="it-IT" dirty="0" smtClean="0"/>
-              <a:t>sperimentali (3)</a:t>
+              <a:t>Risultati sperimentali (3)</a:t>
             </a:r>
             <a:endParaRPr lang="it-IT" dirty="0"/>
           </a:p>
@@ -7957,14 +8122,7 @@
           <a:p>
             <a:r>
               <a:rPr lang="it-IT" sz="2400" dirty="0" smtClean="0"/>
-              <a:t>Prove con la versione finale dello strumento:</a:t>
-            </a:r>
-          </a:p>
-          <a:p>
-            <a:pPr lvl="1"/>
-            <a:r>
-              <a:rPr lang="it-IT" sz="2000" dirty="0" smtClean="0"/>
-              <a:t>Risultati con immagini</a:t>
+              <a:t>TODO</a:t>
             </a:r>
             <a:endParaRPr lang="it-IT" sz="2000" dirty="0"/>
           </a:p>
@@ -8054,25 +8212,367 @@
           </a:p>
         </p:txBody>
       </p:sp>
-      <p:sp>
-        <p:nvSpPr>
-          <p:cNvPr id="3" name="Segnaposto contenuto 2"/>
-          <p:cNvSpPr>
-            <a:spLocks noGrp="1"/>
-          </p:cNvSpPr>
-          <p:nvPr>
-            <p:ph idx="1"/>
-          </p:nvPr>
-        </p:nvSpPr>
-        <p:spPr/>
-        <p:txBody>
-          <a:bodyPr/>
-          <a:lstStyle/>
-          <a:p>
-            <a:endParaRPr lang="it-IT" sz="2000" dirty="0"/>
-          </a:p>
-        </p:txBody>
-      </p:sp>
+      <mc:AlternateContent xmlns:mc="http://schemas.openxmlformats.org/markup-compatibility/2006">
+        <mc:Choice xmlns:a14="http://schemas.microsoft.com/office/drawing/2010/main" Requires="a14">
+          <p:sp>
+            <p:nvSpPr>
+              <p:cNvPr id="3" name="Segnaposto contenuto 2"/>
+              <p:cNvSpPr>
+                <a:spLocks noGrp="1"/>
+              </p:cNvSpPr>
+              <p:nvPr>
+                <p:ph idx="1"/>
+              </p:nvPr>
+            </p:nvSpPr>
+            <p:spPr>
+              <a:xfrm>
+                <a:off x="609600" y="1298376"/>
+                <a:ext cx="7805738" cy="4718447"/>
+              </a:xfrm>
+            </p:spPr>
+            <p:txBody>
+              <a:bodyPr/>
+              <a:lstStyle/>
+              <a:p>
+                <a:r>
+                  <a:rPr lang="it-IT" sz="2400" dirty="0" smtClean="0"/>
+                  <a:t>Range spaziale di misura: </a:t>
+                </a:r>
+                <a:r>
+                  <a:rPr lang="it-IT" sz="2400" b="1" dirty="0" smtClean="0"/>
+                  <a:t>10 cm </a:t>
+                </a:r>
+                <a:r>
+                  <a:rPr lang="it-IT" sz="2400" b="1" dirty="0"/>
+                  <a:t>÷ </a:t>
+                </a:r>
+                <a:r>
+                  <a:rPr lang="it-IT" sz="2400" b="1" dirty="0" smtClean="0"/>
+                  <a:t>100 cm</a:t>
+                </a:r>
+                <a:br>
+                  <a:rPr lang="it-IT" sz="2400" b="1" dirty="0" smtClean="0"/>
+                </a:br>
+                <a:endParaRPr lang="it-IT" sz="2400" dirty="0" smtClean="0"/>
+              </a:p>
+              <a:p>
+                <a:r>
+                  <a:rPr lang="it-IT" sz="2200" dirty="0" smtClean="0"/>
+                  <a:t>Incertezza relativa di misura</a:t>
+                </a:r>
+                <a:r>
+                  <a:rPr lang="it-IT" sz="2200" dirty="0" smtClean="0">
+                    <a:latin typeface="+mj-lt"/>
+                  </a:rPr>
+                  <a:t>: </a:t>
+                </a:r>
+                <a:r>
+                  <a:rPr lang="it-IT" sz="2200" b="1" dirty="0" smtClean="0">
+                    <a:latin typeface="+mj-lt"/>
+                  </a:rPr>
+                  <a:t>2 </a:t>
+                </a:r>
+                <a:r>
+                  <a:rPr lang="it-IT" sz="2200" b="1" dirty="0" smtClean="0"/>
+                  <a:t>* </a:t>
+                </a:r>
+                <a14:m>
+                  <m:oMath xmlns:m="http://schemas.openxmlformats.org/officeDocument/2006/math">
+                    <m:sSup>
+                      <m:sSupPr>
+                        <m:ctrlPr>
+                          <a:rPr lang="it-IT" sz="2200" b="1" i="1">
+                            <a:latin typeface="Cambria Math" charset="0"/>
+                            <a:ea typeface="Lucida Grande" charset="0"/>
+                            <a:cs typeface="Lucida Grande" charset="0"/>
+                          </a:rPr>
+                        </m:ctrlPr>
+                      </m:sSupPr>
+                      <m:e>
+                        <m:r>
+                          <m:rPr>
+                            <m:nor/>
+                          </m:rPr>
+                          <a:rPr lang="it-IT" sz="2200" b="1">
+                            <a:ea typeface="Lucida Grande" charset="0"/>
+                            <a:cs typeface="Lucida Grande" charset="0"/>
+                          </a:rPr>
+                          <m:t>10</m:t>
+                        </m:r>
+                      </m:e>
+                      <m:sup>
+                        <m:r>
+                          <m:rPr>
+                            <m:nor/>
+                          </m:rPr>
+                          <a:rPr lang="it-IT" sz="2200" b="1">
+                            <a:ea typeface="Lucida Grande" charset="0"/>
+                            <a:cs typeface="Lucida Grande" charset="0"/>
+                          </a:rPr>
+                          <m:t>−4</m:t>
+                        </m:r>
+                      </m:sup>
+                    </m:sSup>
+                  </m:oMath>
+                </a14:m>
+                <a:r>
+                  <a:rPr lang="it-IT" sz="2200" b="1" dirty="0" smtClean="0"/>
+                  <a:t> ÷ 8 * </a:t>
+                </a:r>
+                <a14:m>
+                  <m:oMath xmlns:m="http://schemas.openxmlformats.org/officeDocument/2006/math">
+                    <m:sSup>
+                      <m:sSupPr>
+                        <m:ctrlPr>
+                          <a:rPr lang="it-IT" sz="2200" b="1" i="1">
+                            <a:latin typeface="+mj-lt"/>
+                            <a:ea typeface="Lucida Grande" charset="0"/>
+                            <a:cs typeface="Lucida Grande" charset="0"/>
+                          </a:rPr>
+                        </m:ctrlPr>
+                      </m:sSupPr>
+                      <m:e>
+                        <m:r>
+                          <m:rPr>
+                            <m:nor/>
+                          </m:rPr>
+                          <a:rPr lang="it-IT" sz="2200" b="1" i="0">
+                            <a:latin typeface="+mj-lt"/>
+                            <a:ea typeface="Lucida Grande" charset="0"/>
+                            <a:cs typeface="Lucida Grande" charset="0"/>
+                          </a:rPr>
+                          <m:t>10</m:t>
+                        </m:r>
+                      </m:e>
+                      <m:sup>
+                        <m:r>
+                          <m:rPr>
+                            <m:nor/>
+                          </m:rPr>
+                          <a:rPr lang="it-IT" sz="2200" b="1" i="0">
+                            <a:latin typeface="+mj-lt"/>
+                            <a:ea typeface="Lucida Grande" charset="0"/>
+                            <a:cs typeface="Lucida Grande" charset="0"/>
+                          </a:rPr>
+                          <m:t>-4</m:t>
+                        </m:r>
+                      </m:sup>
+                    </m:sSup>
+                  </m:oMath>
+                </a14:m>
+                <a:endParaRPr lang="it-IT" sz="2200" b="1" dirty="0">
+                  <a:latin typeface="+mj-lt"/>
+                  <a:ea typeface="Lucida Grande" charset="0"/>
+                  <a:cs typeface="Lucida Grande" charset="0"/>
+                </a:endParaRPr>
+              </a:p>
+              <a:p>
+                <a:pPr lvl="1"/>
+                <a:r>
+                  <a:rPr lang="it-IT" sz="2000" b="1" dirty="0" smtClean="0"/>
+                  <a:t>20÷80um </a:t>
+                </a:r>
+                <a:r>
+                  <a:rPr lang="it-IT" sz="2000" b="1" dirty="0"/>
+                  <a:t>a 10cm</a:t>
+                </a:r>
+              </a:p>
+              <a:p>
+                <a:pPr lvl="1"/>
+                <a:r>
+                  <a:rPr lang="it-IT" sz="2000" b="1" dirty="0" smtClean="0"/>
+                  <a:t>200÷800um </a:t>
+                </a:r>
+                <a:r>
+                  <a:rPr lang="it-IT" sz="2000" b="1" dirty="0"/>
+                  <a:t>a </a:t>
+                </a:r>
+                <a:r>
+                  <a:rPr lang="it-IT" sz="2000" b="1" dirty="0" smtClean="0"/>
+                  <a:t>100cm</a:t>
+                </a:r>
+              </a:p>
+              <a:p>
+                <a:pPr lvl="1"/>
+                <a:endParaRPr lang="it-IT" sz="1600" b="1" dirty="0" smtClean="0">
+                  <a:latin typeface="+mj-lt"/>
+                </a:endParaRPr>
+              </a:p>
+              <a:p>
+                <a:r>
+                  <a:rPr lang="it-IT" sz="2400" dirty="0" smtClean="0"/>
+                  <a:t>Frequenza </a:t>
+                </a:r>
+                <a:r>
+                  <a:rPr lang="it-IT" sz="2400" i="1" dirty="0" smtClean="0"/>
+                  <a:t>massima</a:t>
+                </a:r>
+                <a:r>
+                  <a:rPr lang="it-IT" sz="2400" dirty="0" smtClean="0"/>
+                  <a:t> </a:t>
+                </a:r>
+                <a:r>
+                  <a:rPr lang="it-IT" sz="2400" dirty="0"/>
+                  <a:t>di misura</a:t>
+                </a:r>
+                <a:r>
+                  <a:rPr lang="it-IT" sz="2400" dirty="0" smtClean="0"/>
+                  <a:t>: </a:t>
+                </a:r>
+                <a:br>
+                  <a:rPr lang="it-IT" sz="2400" dirty="0" smtClean="0"/>
+                </a:br>
+                <a:r>
+                  <a:rPr lang="it-IT" sz="2400" dirty="0" smtClean="0"/>
+                  <a:t>1 misura valida ogni </a:t>
+                </a:r>
+                <a:r>
+                  <a:rPr lang="it-IT" sz="2400" b="1" dirty="0" smtClean="0"/>
+                  <a:t>208us </a:t>
+                </a:r>
+                <a:r>
+                  <a:rPr lang="it-IT" sz="2400" dirty="0" smtClean="0"/>
+                  <a:t>(</a:t>
+                </a:r>
+                <a:r>
+                  <a:rPr lang="it-IT" sz="2400" i="1" dirty="0" smtClean="0"/>
+                  <a:t>4.8 kHz</a:t>
+                </a:r>
+                <a:r>
+                  <a:rPr lang="it-IT" sz="2400" dirty="0" smtClean="0"/>
+                  <a:t>)</a:t>
+                </a:r>
+              </a:p>
+              <a:p>
+                <a:endParaRPr lang="it-IT" sz="2000" dirty="0">
+                  <a:latin typeface="+mj-lt"/>
+                </a:endParaRPr>
+              </a:p>
+              <a:p>
+                <a:r>
+                  <a:rPr lang="it-IT" sz="2400" dirty="0" smtClean="0">
+                    <a:latin typeface="+mj-lt"/>
+                  </a:rPr>
+                  <a:t>Frequenza</a:t>
+                </a:r>
+                <a:r>
+                  <a:rPr lang="it-IT" sz="2400" i="1" dirty="0" smtClean="0">
+                    <a:latin typeface="+mj-lt"/>
+                  </a:rPr>
+                  <a:t> reale </a:t>
+                </a:r>
+                <a:r>
+                  <a:rPr lang="it-IT" sz="2400" dirty="0" smtClean="0">
+                    <a:latin typeface="+mj-lt"/>
+                  </a:rPr>
+                  <a:t>di misura:</a:t>
+                </a:r>
+                <a:br>
+                  <a:rPr lang="it-IT" sz="2400" dirty="0" smtClean="0">
+                    <a:latin typeface="+mj-lt"/>
+                  </a:rPr>
+                </a:br>
+                <a:r>
+                  <a:rPr lang="it-IT" sz="2400" dirty="0" smtClean="0">
+                    <a:latin typeface="+mj-lt"/>
+                  </a:rPr>
+                  <a:t>1 </a:t>
+                </a:r>
+                <a:r>
+                  <a:rPr lang="it-IT" sz="2400" dirty="0">
+                    <a:latin typeface="+mj-lt"/>
+                  </a:rPr>
+                  <a:t>misura valida ogni </a:t>
+                </a:r>
+                <a:r>
+                  <a:rPr lang="it-IT" sz="2400" b="1" dirty="0" smtClean="0">
+                    <a:latin typeface="+mj-lt"/>
+                  </a:rPr>
+                  <a:t>20ms</a:t>
+                </a:r>
+                <a:r>
+                  <a:rPr lang="it-IT" sz="2400" dirty="0" smtClean="0">
+                    <a:latin typeface="+mj-lt"/>
+                  </a:rPr>
+                  <a:t> (</a:t>
+                </a:r>
+                <a:r>
+                  <a:rPr lang="it-IT" sz="2400" i="1" dirty="0" smtClean="0">
+                    <a:latin typeface="+mj-lt"/>
+                  </a:rPr>
+                  <a:t>50 Hz</a:t>
+                </a:r>
+                <a:r>
+                  <a:rPr lang="it-IT" sz="2400" dirty="0">
+                    <a:latin typeface="+mj-lt"/>
+                  </a:rPr>
+                  <a:t>)</a:t>
+                </a:r>
+              </a:p>
+              <a:p>
+                <a:endParaRPr lang="it-IT" sz="2000" dirty="0" smtClean="0">
+                  <a:latin typeface="+mj-lt"/>
+                </a:endParaRPr>
+              </a:p>
+              <a:p>
+                <a:pPr marL="457200" lvl="1" indent="0">
+                  <a:buNone/>
+                </a:pPr>
+                <a:endParaRPr lang="it-IT" sz="1600" b="1" dirty="0" smtClean="0"/>
+              </a:p>
+              <a:p>
+                <a:pPr lvl="1"/>
+                <a:endParaRPr lang="it-IT" sz="1600" b="1" dirty="0" smtClean="0">
+                  <a:latin typeface="+mj-lt"/>
+                </a:endParaRPr>
+              </a:p>
+              <a:p>
+                <a:pPr lvl="1"/>
+                <a:endParaRPr lang="it-IT" sz="1600" b="1" dirty="0">
+                  <a:latin typeface="+mj-lt"/>
+                </a:endParaRPr>
+              </a:p>
+            </p:txBody>
+          </p:sp>
+        </mc:Choice>
+        <mc:Fallback>
+          <p:sp>
+            <p:nvSpPr>
+              <p:cNvPr id="3" name="Segnaposto contenuto 2"/>
+              <p:cNvSpPr>
+                <a:spLocks noGrp="1" noRot="1" noChangeAspect="1" noMove="1" noResize="1" noEditPoints="1" noAdjustHandles="1" noChangeArrowheads="1" noChangeShapeType="1" noTextEdit="1"/>
+              </p:cNvSpPr>
+              <p:nvPr>
+                <p:ph idx="1"/>
+              </p:nvPr>
+            </p:nvSpPr>
+            <p:spPr>
+              <a:xfrm>
+                <a:off x="609600" y="1298376"/>
+                <a:ext cx="7805738" cy="4718447"/>
+              </a:xfrm>
+              <a:blipFill rotWithShape="0">
+                <a:blip r:embed="rId3"/>
+                <a:stretch>
+                  <a:fillRect l="-1094" t="-1421"/>
+                </a:stretch>
+              </a:blipFill>
+            </p:spPr>
+            <p:txBody>
+              <a:bodyPr/>
+              <a:lstStyle/>
+              <a:p>
+                <a:r>
+                  <a:rPr lang="it-IT">
+                    <a:noFill/>
+                  </a:rPr>
+                  <a:t> </a:t>
+                </a:r>
+              </a:p>
+            </p:txBody>
+          </p:sp>
+        </mc:Fallback>
+      </mc:AlternateContent>
       <p:sp>
         <p:nvSpPr>
           <p:cNvPr id="4" name="Segnaposto numero diapositiva 3"/>
@@ -8094,6 +8594,32 @@
               <a:t>19</a:t>
             </a:fld>
             <a:endParaRPr lang="en-US" altLang="nl-NL"/>
+          </a:p>
+        </p:txBody>
+      </p:sp>
+      <p:sp>
+        <p:nvSpPr>
+          <p:cNvPr id="5" name="CasellaDiTesto 4"/>
+          <p:cNvSpPr txBox="1"/>
+          <p:nvPr/>
+        </p:nvSpPr>
+        <p:spPr>
+          <a:xfrm>
+            <a:off x="-200025" y="2686050"/>
+            <a:ext cx="184731" cy="461665"/>
+          </a:xfrm>
+          <a:prstGeom prst="rect">
+            <a:avLst/>
+          </a:prstGeom>
+          <a:noFill/>
+        </p:spPr>
+        <p:txBody>
+          <a:bodyPr wrap="none" rtlCol="0">
+            <a:spAutoFit/>
+          </a:bodyPr>
+          <a:lstStyle/>
+          <a:p>
+            <a:endParaRPr lang="it-IT" dirty="0"/>
           </a:p>
         </p:txBody>
       </p:sp>
@@ -8254,7 +8780,6 @@
               <a:rPr lang="it-IT" sz="2400" dirty="0"/>
               <a:t>Conclusioni e sviluppi futuri</a:t>
             </a:r>
-            <a:endParaRPr lang="it-IT" sz="2400" dirty="0"/>
           </a:p>
         </p:txBody>
       </p:sp>
@@ -8516,7 +9041,6 @@
               <a:rPr lang="it-IT" sz="2400" dirty="0"/>
               <a:t>Conclusioni e sviluppi futuri</a:t>
             </a:r>
-            <a:endParaRPr lang="it-IT" sz="2400" dirty="0"/>
           </a:p>
         </p:txBody>
       </p:sp>
@@ -10729,7 +11253,6 @@
               <a:rPr lang="it-IT" sz="2400" dirty="0"/>
               <a:t>Conclusioni e sviluppi futuri</a:t>
             </a:r>
-            <a:endParaRPr lang="it-IT" sz="2400" dirty="0"/>
           </a:p>
         </p:txBody>
       </p:sp>

--- a/presentazione_discussione.pptx
+++ b/presentazione_discussione.pptx
@@ -195,14 +195,56 @@
       </p:ext>
     </p:extLst>
   </p:cmAuthor>
+  <p:cmAuthor id="2" name="Leonardo Cavagnis" initials="LC [2]" lastIdx="1" clrIdx="1">
+    <p:extLst>
+      <p:ext uri="{19B8F6BF-5375-455C-9EA6-DF929625EA0E}">
+        <p15:presenceInfo xmlns:p15="http://schemas.microsoft.com/office/powerpoint/2012/main" userId="" providerId=""/>
+      </p:ext>
+    </p:extLst>
+  </p:cmAuthor>
+  <p:cmAuthor id="3" name="Leonardo Cavagnis" initials="LC [3]" lastIdx="1" clrIdx="2">
+    <p:extLst>
+      <p:ext uri="{19B8F6BF-5375-455C-9EA6-DF929625EA0E}">
+        <p15:presenceInfo xmlns:p15="http://schemas.microsoft.com/office/powerpoint/2012/main" userId="" providerId=""/>
+      </p:ext>
+    </p:extLst>
+  </p:cmAuthor>
 </p:cmAuthorLst>
 </file>
 
 <file path=ppt/comments/comment1.xml><?xml version="1.0" encoding="utf-8"?>
 <p:cmLst xmlns:a="http://schemas.openxmlformats.org/drawingml/2006/main" xmlns:r="http://schemas.openxmlformats.org/officeDocument/2006/relationships" xmlns:p="http://schemas.openxmlformats.org/presentationml/2006/main">
+  <p:cm authorId="3" dt="2015-12-05T17:14:33.528" idx="1">
+    <p:pos x="2805" y="1331"/>
+    <p:text>cambiare immagine</p:text>
+    <p:extLst>
+      <p:ext uri="{C676402C-5697-4E1C-873F-D02D1690AC5C}">
+        <p15:threadingInfo xmlns:p15="http://schemas.microsoft.com/office/powerpoint/2012/main" timeZoneBias="-60"/>
+      </p:ext>
+    </p:extLst>
+  </p:cm>
+</p:cmLst>
+</file>
+
+<file path=ppt/comments/comment2.xml><?xml version="1.0" encoding="utf-8"?>
+<p:cmLst xmlns:a="http://schemas.openxmlformats.org/drawingml/2006/main" xmlns:r="http://schemas.openxmlformats.org/officeDocument/2006/relationships" xmlns:p="http://schemas.openxmlformats.org/presentationml/2006/main">
   <p:cm authorId="1" dt="2015-12-05T16:05:50.877" idx="1">
     <p:pos x="4896" y="1898"/>
     <p:text>Sistemare immagine</p:text>
+    <p:extLst>
+      <p:ext uri="{C676402C-5697-4E1C-873F-D02D1690AC5C}">
+        <p15:threadingInfo xmlns:p15="http://schemas.microsoft.com/office/powerpoint/2012/main" timeZoneBias="-60"/>
+      </p:ext>
+    </p:extLst>
+  </p:cm>
+</p:cmLst>
+</file>
+
+<file path=ppt/comments/comment3.xml><?xml version="1.0" encoding="utf-8"?>
+<p:cmLst xmlns:a="http://schemas.openxmlformats.org/drawingml/2006/main" xmlns:r="http://schemas.openxmlformats.org/officeDocument/2006/relationships" xmlns:p="http://schemas.openxmlformats.org/presentationml/2006/main">
+  <p:cm authorId="2" dt="2015-12-05T17:00:27.060" idx="1">
+    <p:pos x="4968" y="702"/>
+    <p:text>Sistemare questa frase</p:text>
     <p:extLst>
       <p:ext uri="{C676402C-5697-4E1C-873F-D02D1690AC5C}">
         <p15:threadingInfo xmlns:p15="http://schemas.microsoft.com/office/powerpoint/2012/main" timeZoneBias="-60"/>
@@ -9138,47 +9180,111 @@
             <p:ph idx="1"/>
           </p:nvPr>
         </p:nvSpPr>
-        <p:spPr/>
+        <p:spPr>
+          <a:xfrm>
+            <a:off x="609600" y="1219200"/>
+            <a:ext cx="7772400" cy="4876800"/>
+          </a:xfrm>
+        </p:spPr>
         <p:txBody>
           <a:bodyPr/>
           <a:lstStyle/>
           <a:p>
             <a:r>
               <a:rPr lang="it-IT" sz="2400" dirty="0" smtClean="0"/>
-              <a:t>I risultati ottenuti mostrano la possibilità di realizzare uno strumento di misura con buone prestazioni e a basso costo, sfruttando la tecnica di interferometria a self-mixing. </a:t>
-            </a:r>
-          </a:p>
-          <a:p>
+              <a:t>I risultati </a:t>
+            </a:r>
             <a:r>
               <a:rPr lang="it-IT" sz="2400" dirty="0" smtClean="0"/>
-              <a:t>Lo strumento mostra ancora alcuni limiti:</a:t>
+              <a:t>ottenuti hanno portato alla realizzazione di uno </a:t>
+            </a:r>
+            <a:r>
+              <a:rPr lang="it-IT" sz="2400" dirty="0" smtClean="0"/>
+              <a:t>strumento di misura con buone prestazioni e a basso </a:t>
+            </a:r>
+            <a:r>
+              <a:rPr lang="it-IT" sz="2400" dirty="0" smtClean="0"/>
+              <a:t>costo</a:t>
+            </a:r>
+            <a:endParaRPr lang="it-IT" sz="2400" dirty="0"/>
+          </a:p>
+          <a:p>
+            <a:endParaRPr lang="it-IT" sz="2400" dirty="0" smtClean="0"/>
+          </a:p>
+          <a:p>
+            <a:r>
+              <a:rPr lang="it-IT" sz="2400" dirty="0" smtClean="0"/>
+              <a:t> Lo strumento mostra </a:t>
+            </a:r>
+            <a:r>
+              <a:rPr lang="it-IT" sz="2400" dirty="0" smtClean="0"/>
+              <a:t>ancora alcuni limiti</a:t>
+            </a:r>
+            <a:r>
+              <a:rPr lang="it-IT" sz="2400" dirty="0" smtClean="0"/>
+              <a:t>:</a:t>
             </a:r>
           </a:p>
           <a:p>
             <a:pPr lvl="1"/>
             <a:r>
-              <a:rPr lang="it-IT" sz="2000" dirty="0" err="1" smtClean="0"/>
-              <a:t>Drift</a:t>
-            </a:r>
-            <a:r>
               <a:rPr lang="it-IT" sz="2000" dirty="0" smtClean="0"/>
-              <a:t> termico</a:t>
-            </a:r>
+              <a:t>Frequenza di misura reale inferiore a quella teorica</a:t>
+            </a:r>
+            <a:endParaRPr lang="it-IT" sz="2000" dirty="0"/>
           </a:p>
           <a:p>
             <a:pPr lvl="1"/>
             <a:r>
               <a:rPr lang="it-IT" sz="2000" dirty="0" smtClean="0"/>
-              <a:t>Comunicazione tra PC e scheda di sviluppo</a:t>
+              <a:t>Deriva termica</a:t>
+            </a:r>
+            <a:endParaRPr lang="it-IT" sz="2000" dirty="0"/>
+          </a:p>
+          <a:p>
+            <a:pPr marL="0" indent="0">
+              <a:buNone/>
+            </a:pPr>
+            <a:endParaRPr lang="it-IT" sz="2400" dirty="0" smtClean="0"/>
+          </a:p>
+          <a:p>
+            <a:r>
+              <a:rPr lang="it-IT" sz="2400" dirty="0" smtClean="0"/>
+              <a:t>Sviluppi futuri:</a:t>
             </a:r>
           </a:p>
           <a:p>
             <a:pPr lvl="1"/>
             <a:r>
               <a:rPr lang="it-IT" sz="2000" dirty="0" smtClean="0"/>
-              <a:t>Lettura della configurazione da file </a:t>
-            </a:r>
-            <a:endParaRPr lang="it-IT" sz="2000" dirty="0"/>
+              <a:t>Scheda di prototipazione più performante</a:t>
+            </a:r>
+          </a:p>
+          <a:p>
+            <a:pPr lvl="1"/>
+            <a:r>
+              <a:rPr lang="it-IT" sz="2000" dirty="0" smtClean="0"/>
+              <a:t>Controllore di temperatura</a:t>
+            </a:r>
+          </a:p>
+          <a:p>
+            <a:pPr lvl="1"/>
+            <a:r>
+              <a:rPr lang="it-IT" sz="2000" dirty="0" smtClean="0"/>
+              <a:t>Misura della velocità</a:t>
+            </a:r>
+          </a:p>
+          <a:p>
+            <a:pPr lvl="1"/>
+            <a:endParaRPr lang="it-IT" sz="2000" dirty="0" smtClean="0"/>
+          </a:p>
+          <a:p>
+            <a:pPr lvl="1"/>
+            <a:endParaRPr lang="it-IT" sz="2000" dirty="0" smtClean="0"/>
+          </a:p>
+          <a:p>
+            <a:pPr lvl="1"/>
+            <a:endParaRPr lang="it-IT" sz="2000" dirty="0" smtClean="0"/>
           </a:p>
         </p:txBody>
       </p:sp>
@@ -9280,7 +9386,7 @@
         <p:spPr>
           <a:xfrm>
             <a:off x="371475" y="3914776"/>
-            <a:ext cx="7158038" cy="1928812"/>
+            <a:ext cx="7158038" cy="985837"/>
           </a:xfrm>
         </p:spPr>
         <p:txBody>

--- a/presentazione_discussione.pptx
+++ b/presentazione_discussione.pptx
@@ -5,10 +5,10 @@
     <p:sldMasterId id="2147483652" r:id="rId4"/>
   </p:sldMasterIdLst>
   <p:notesMasterIdLst>
-    <p:notesMasterId r:id="rId27"/>
+    <p:notesMasterId r:id="rId29"/>
   </p:notesMasterIdLst>
   <p:handoutMasterIdLst>
-    <p:handoutMasterId r:id="rId28"/>
+    <p:handoutMasterId r:id="rId30"/>
   </p:handoutMasterIdLst>
   <p:sldIdLst>
     <p:sldId id="277" r:id="rId5"/>
@@ -16,28 +16,30 @@
     <p:sldId id="279" r:id="rId7"/>
     <p:sldId id="301" r:id="rId8"/>
     <p:sldId id="302" r:id="rId9"/>
-    <p:sldId id="283" r:id="rId10"/>
+    <p:sldId id="307" r:id="rId10"/>
     <p:sldId id="284" r:id="rId11"/>
     <p:sldId id="285" r:id="rId12"/>
-    <p:sldId id="286" r:id="rId13"/>
-    <p:sldId id="287" r:id="rId14"/>
-    <p:sldId id="288" r:id="rId15"/>
+    <p:sldId id="287" r:id="rId13"/>
+    <p:sldId id="286" r:id="rId14"/>
+    <p:sldId id="308" r:id="rId15"/>
     <p:sldId id="289" r:id="rId16"/>
     <p:sldId id="290" r:id="rId17"/>
     <p:sldId id="291" r:id="rId18"/>
-    <p:sldId id="293" r:id="rId19"/>
-    <p:sldId id="294" r:id="rId20"/>
-    <p:sldId id="295" r:id="rId21"/>
-    <p:sldId id="303" r:id="rId22"/>
-    <p:sldId id="304" r:id="rId23"/>
-    <p:sldId id="297" r:id="rId24"/>
-    <p:sldId id="296" r:id="rId25"/>
-    <p:sldId id="300" r:id="rId26"/>
+    <p:sldId id="305" r:id="rId19"/>
+    <p:sldId id="306" r:id="rId20"/>
+    <p:sldId id="309" r:id="rId21"/>
+    <p:sldId id="294" r:id="rId22"/>
+    <p:sldId id="295" r:id="rId23"/>
+    <p:sldId id="303" r:id="rId24"/>
+    <p:sldId id="304" r:id="rId25"/>
+    <p:sldId id="297" r:id="rId26"/>
+    <p:sldId id="296" r:id="rId27"/>
+    <p:sldId id="300" r:id="rId28"/>
   </p:sldIdLst>
   <p:sldSz cx="9144000" cy="6858000" type="screen4x3"/>
   <p:notesSz cx="7099300" cy="10234613"/>
   <p:custDataLst>
-    <p:tags r:id="rId29"/>
+    <p:tags r:id="rId31"/>
   </p:custDataLst>
   <p:defaultTextStyle>
     <a:defPPr>
@@ -189,25 +191,13 @@
 <file path=ppt/commentAuthors.xml><?xml version="1.0" encoding="utf-8"?>
 <p:cmAuthorLst xmlns:a="http://schemas.openxmlformats.org/drawingml/2006/main" xmlns:r="http://schemas.openxmlformats.org/officeDocument/2006/relationships" xmlns:p="http://schemas.openxmlformats.org/presentationml/2006/main">
   <p:cmAuthor id="1" name="Leonardo Cavagnis" initials="LC" lastIdx="1" clrIdx="0">
-    <p:extLst>
-      <p:ext uri="{19B8F6BF-5375-455C-9EA6-DF929625EA0E}">
-        <p15:presenceInfo xmlns:p15="http://schemas.microsoft.com/office/powerpoint/2012/main" userId="" providerId=""/>
-      </p:ext>
-    </p:extLst>
+    <p:extLst/>
   </p:cmAuthor>
   <p:cmAuthor id="2" name="Leonardo Cavagnis" initials="LC [2]" lastIdx="1" clrIdx="1">
-    <p:extLst>
-      <p:ext uri="{19B8F6BF-5375-455C-9EA6-DF929625EA0E}">
-        <p15:presenceInfo xmlns:p15="http://schemas.microsoft.com/office/powerpoint/2012/main" userId="" providerId=""/>
-      </p:ext>
-    </p:extLst>
+    <p:extLst/>
   </p:cmAuthor>
   <p:cmAuthor id="3" name="Leonardo Cavagnis" initials="LC [3]" lastIdx="1" clrIdx="2">
-    <p:extLst>
-      <p:ext uri="{19B8F6BF-5375-455C-9EA6-DF929625EA0E}">
-        <p15:presenceInfo xmlns:p15="http://schemas.microsoft.com/office/powerpoint/2012/main" userId="" providerId=""/>
-      </p:ext>
-    </p:extLst>
+    <p:extLst/>
   </p:cmAuthor>
 </p:cmAuthorLst>
 </file>
@@ -227,20 +217,6 @@
 </file>
 
 <file path=ppt/comments/comment2.xml><?xml version="1.0" encoding="utf-8"?>
-<p:cmLst xmlns:a="http://schemas.openxmlformats.org/drawingml/2006/main" xmlns:r="http://schemas.openxmlformats.org/officeDocument/2006/relationships" xmlns:p="http://schemas.openxmlformats.org/presentationml/2006/main">
-  <p:cm authorId="1" dt="2015-12-05T16:05:50.877" idx="1">
-    <p:pos x="4896" y="1898"/>
-    <p:text>Sistemare immagine</p:text>
-    <p:extLst>
-      <p:ext uri="{C676402C-5697-4E1C-873F-D02D1690AC5C}">
-        <p15:threadingInfo xmlns:p15="http://schemas.microsoft.com/office/powerpoint/2012/main" timeZoneBias="-60"/>
-      </p:ext>
-    </p:extLst>
-  </p:cm>
-</p:cmLst>
-</file>
-
-<file path=ppt/comments/comment3.xml><?xml version="1.0" encoding="utf-8"?>
 <p:cmLst xmlns:a="http://schemas.openxmlformats.org/drawingml/2006/main" xmlns:r="http://schemas.openxmlformats.org/officeDocument/2006/relationships" xmlns:p="http://schemas.openxmlformats.org/presentationml/2006/main">
   <p:cm authorId="2" dt="2015-12-05T17:00:27.060" idx="1">
     <p:pos x="4968" y="702"/>
@@ -467,7 +443,7 @@
             <a:fld id="{09D1D7E3-DE3F-4B7A-BF5B-A3735BF12F5F}" type="slidenum">
               <a:rPr lang="en-US" altLang="nl-NL"/>
               <a:pPr/>
-              <a:t>‹n.›</a:t>
+              <a:t>‹N›</a:t>
             </a:fld>
             <a:endParaRPr lang="en-US" altLang="nl-NL"/>
           </a:p>
@@ -806,7 +782,7 @@
             <a:fld id="{88C0D9CF-78A8-4FBE-960E-41C6F5A4AF95}" type="slidenum">
               <a:rPr lang="en-US" altLang="nl-NL"/>
               <a:pPr/>
-              <a:t>‹n.›</a:t>
+              <a:t>‹N›</a:t>
             </a:fld>
             <a:endParaRPr lang="en-US" altLang="nl-NL"/>
           </a:p>
@@ -1704,7 +1680,7 @@
           <a:bodyPr/>
           <a:lstStyle/>
           <a:p>
-            <a:endParaRPr lang="it-IT"/>
+            <a:endParaRPr lang="it-IT" dirty="0"/>
           </a:p>
         </p:txBody>
       </p:sp>
@@ -1795,7 +1771,7 @@
             <a:fld id="{88C0D9CF-78A8-4FBE-960E-41C6F5A4AF95}" type="slidenum">
               <a:rPr lang="en-US" altLang="nl-NL" smtClean="0"/>
               <a:pPr/>
-              <a:t>7</a:t>
+              <a:t>2</a:t>
             </a:fld>
             <a:endParaRPr lang="en-US" altLang="nl-NL"/>
           </a:p>
@@ -1804,7 +1780,7 @@
     </p:spTree>
     <p:extLst>
       <p:ext uri="{BB962C8B-B14F-4D97-AF65-F5344CB8AC3E}">
-        <p14:creationId xmlns:p14="http://schemas.microsoft.com/office/powerpoint/2010/main" val="1144522535"/>
+        <p14:creationId xmlns:p14="http://schemas.microsoft.com/office/powerpoint/2010/main" val="754197351"/>
       </p:ext>
     </p:extLst>
   </p:cSld>
@@ -1949,7 +1925,7 @@
             <a:fld id="{88C0D9CF-78A8-4FBE-960E-41C6F5A4AF95}" type="slidenum">
               <a:rPr lang="en-US" altLang="nl-NL" smtClean="0"/>
               <a:pPr/>
-              <a:t>13</a:t>
+              <a:t>6</a:t>
             </a:fld>
             <a:endParaRPr lang="en-US" altLang="nl-NL"/>
           </a:p>
@@ -1958,7 +1934,7 @@
     </p:spTree>
     <p:extLst>
       <p:ext uri="{BB962C8B-B14F-4D97-AF65-F5344CB8AC3E}">
-        <p14:creationId xmlns:p14="http://schemas.microsoft.com/office/powerpoint/2010/main" val="2032454154"/>
+        <p14:creationId xmlns:p14="http://schemas.microsoft.com/office/powerpoint/2010/main" val="1802800263"/>
       </p:ext>
     </p:extLst>
   </p:cSld>
@@ -2012,7 +1988,7 @@
           <a:bodyPr/>
           <a:lstStyle/>
           <a:p>
-            <a:endParaRPr lang="it-IT" dirty="0"/>
+            <a:endParaRPr lang="it-IT"/>
           </a:p>
         </p:txBody>
       </p:sp>
@@ -2103,7 +2079,623 @@
             <a:fld id="{88C0D9CF-78A8-4FBE-960E-41C6F5A4AF95}" type="slidenum">
               <a:rPr lang="en-US" altLang="nl-NL" smtClean="0"/>
               <a:pPr/>
-              <a:t>19</a:t>
+              <a:t>7</a:t>
+            </a:fld>
+            <a:endParaRPr lang="en-US" altLang="nl-NL"/>
+          </a:p>
+        </p:txBody>
+      </p:sp>
+    </p:spTree>
+    <p:extLst>
+      <p:ext uri="{BB962C8B-B14F-4D97-AF65-F5344CB8AC3E}">
+        <p14:creationId xmlns:p14="http://schemas.microsoft.com/office/powerpoint/2010/main" val="1144522535"/>
+      </p:ext>
+    </p:extLst>
+  </p:cSld>
+  <p:clrMapOvr>
+    <a:masterClrMapping/>
+  </p:clrMapOvr>
+</p:notes>
+</file>
+
+<file path=ppt/notesSlides/notesSlide5.xml><?xml version="1.0" encoding="utf-8"?>
+<p:notes xmlns:a="http://schemas.openxmlformats.org/drawingml/2006/main" xmlns:r="http://schemas.openxmlformats.org/officeDocument/2006/relationships" xmlns:p="http://schemas.openxmlformats.org/presentationml/2006/main">
+  <p:cSld>
+    <p:spTree>
+      <p:nvGrpSpPr>
+        <p:cNvPr id="1" name=""/>
+        <p:cNvGrpSpPr/>
+        <p:nvPr/>
+      </p:nvGrpSpPr>
+      <p:grpSpPr>
+        <a:xfrm>
+          <a:off x="0" y="0"/>
+          <a:ext cx="0" cy="0"/>
+          <a:chOff x="0" y="0"/>
+          <a:chExt cx="0" cy="0"/>
+        </a:xfrm>
+      </p:grpSpPr>
+      <p:sp>
+        <p:nvSpPr>
+          <p:cNvPr id="2" name="Segnaposto immagine diapositiva 1"/>
+          <p:cNvSpPr>
+            <a:spLocks noGrp="1" noRot="1" noChangeAspect="1"/>
+          </p:cNvSpPr>
+          <p:nvPr>
+            <p:ph type="sldImg"/>
+          </p:nvPr>
+        </p:nvSpPr>
+        <p:spPr/>
+      </p:sp>
+      <p:sp>
+        <p:nvSpPr>
+          <p:cNvPr id="3" name="Segnaposto note 2"/>
+          <p:cNvSpPr>
+            <a:spLocks noGrp="1"/>
+          </p:cNvSpPr>
+          <p:nvPr>
+            <p:ph type="body" idx="1"/>
+          </p:nvPr>
+        </p:nvSpPr>
+        <p:spPr/>
+        <p:txBody>
+          <a:bodyPr/>
+          <a:lstStyle/>
+          <a:p>
+            <a:endParaRPr lang="it-IT" dirty="0"/>
+          </a:p>
+        </p:txBody>
+      </p:sp>
+      <p:sp>
+        <p:nvSpPr>
+          <p:cNvPr id="4" name="Segnaposto intestazione 3"/>
+          <p:cNvSpPr>
+            <a:spLocks noGrp="1"/>
+          </p:cNvSpPr>
+          <p:nvPr>
+            <p:ph type="hdr" sz="quarter" idx="10"/>
+          </p:nvPr>
+        </p:nvSpPr>
+        <p:spPr/>
+        <p:txBody>
+          <a:bodyPr/>
+          <a:lstStyle/>
+          <a:p>
+            <a:r>
+              <a:rPr lang="en-US" altLang="nl-NL" smtClean="0"/>
+              <a:t>Process synchronization</a:t>
+            </a:r>
+            <a:endParaRPr lang="en-US" altLang="nl-NL"/>
+          </a:p>
+        </p:txBody>
+      </p:sp>
+      <p:sp>
+        <p:nvSpPr>
+          <p:cNvPr id="5" name="Segnaposto data 4"/>
+          <p:cNvSpPr>
+            <a:spLocks noGrp="1"/>
+          </p:cNvSpPr>
+          <p:nvPr>
+            <p:ph type="dt" idx="11"/>
+          </p:nvPr>
+        </p:nvSpPr>
+        <p:spPr/>
+        <p:txBody>
+          <a:bodyPr/>
+          <a:lstStyle/>
+          <a:p>
+            <a:r>
+              <a:rPr lang="en-US" altLang="nl-NL" smtClean="0"/>
+              <a:t>Operating System</a:t>
+            </a:r>
+            <a:endParaRPr lang="en-US" altLang="nl-NL"/>
+          </a:p>
+        </p:txBody>
+      </p:sp>
+      <p:sp>
+        <p:nvSpPr>
+          <p:cNvPr id="6" name="Segnaposto piè di pagina 5"/>
+          <p:cNvSpPr>
+            <a:spLocks noGrp="1"/>
+          </p:cNvSpPr>
+          <p:nvPr>
+            <p:ph type="ftr" sz="quarter" idx="12"/>
+          </p:nvPr>
+        </p:nvSpPr>
+        <p:spPr/>
+        <p:txBody>
+          <a:bodyPr/>
+          <a:lstStyle/>
+          <a:p>
+            <a:r>
+              <a:rPr lang="en-US" altLang="nl-NL" smtClean="0"/>
+              <a:t>© 2005 William Fornaciari</a:t>
+            </a:r>
+            <a:endParaRPr lang="en-US" altLang="nl-NL"/>
+          </a:p>
+        </p:txBody>
+      </p:sp>
+      <p:sp>
+        <p:nvSpPr>
+          <p:cNvPr id="7" name="Segnaposto numero diapositiva 6"/>
+          <p:cNvSpPr>
+            <a:spLocks noGrp="1"/>
+          </p:cNvSpPr>
+          <p:nvPr>
+            <p:ph type="sldNum" sz="quarter" idx="13"/>
+          </p:nvPr>
+        </p:nvSpPr>
+        <p:spPr/>
+        <p:txBody>
+          <a:bodyPr/>
+          <a:lstStyle/>
+          <a:p>
+            <a:fld id="{88C0D9CF-78A8-4FBE-960E-41C6F5A4AF95}" type="slidenum">
+              <a:rPr lang="en-US" altLang="nl-NL" smtClean="0"/>
+              <a:pPr/>
+              <a:t>11</a:t>
+            </a:fld>
+            <a:endParaRPr lang="en-US" altLang="nl-NL"/>
+          </a:p>
+        </p:txBody>
+      </p:sp>
+    </p:spTree>
+    <p:extLst>
+      <p:ext uri="{BB962C8B-B14F-4D97-AF65-F5344CB8AC3E}">
+        <p14:creationId xmlns:p14="http://schemas.microsoft.com/office/powerpoint/2010/main" val="1937986631"/>
+      </p:ext>
+    </p:extLst>
+  </p:cSld>
+  <p:clrMapOvr>
+    <a:masterClrMapping/>
+  </p:clrMapOvr>
+</p:notes>
+</file>
+
+<file path=ppt/notesSlides/notesSlide6.xml><?xml version="1.0" encoding="utf-8"?>
+<p:notes xmlns:a="http://schemas.openxmlformats.org/drawingml/2006/main" xmlns:r="http://schemas.openxmlformats.org/officeDocument/2006/relationships" xmlns:p="http://schemas.openxmlformats.org/presentationml/2006/main">
+  <p:cSld>
+    <p:spTree>
+      <p:nvGrpSpPr>
+        <p:cNvPr id="1" name=""/>
+        <p:cNvGrpSpPr/>
+        <p:nvPr/>
+      </p:nvGrpSpPr>
+      <p:grpSpPr>
+        <a:xfrm>
+          <a:off x="0" y="0"/>
+          <a:ext cx="0" cy="0"/>
+          <a:chOff x="0" y="0"/>
+          <a:chExt cx="0" cy="0"/>
+        </a:xfrm>
+      </p:grpSpPr>
+      <p:sp>
+        <p:nvSpPr>
+          <p:cNvPr id="2" name="Segnaposto immagine diapositiva 1"/>
+          <p:cNvSpPr>
+            <a:spLocks noGrp="1" noRot="1" noChangeAspect="1"/>
+          </p:cNvSpPr>
+          <p:nvPr>
+            <p:ph type="sldImg"/>
+          </p:nvPr>
+        </p:nvSpPr>
+        <p:spPr/>
+      </p:sp>
+      <p:sp>
+        <p:nvSpPr>
+          <p:cNvPr id="3" name="Segnaposto note 2"/>
+          <p:cNvSpPr>
+            <a:spLocks noGrp="1"/>
+          </p:cNvSpPr>
+          <p:nvPr>
+            <p:ph type="body" idx="1"/>
+          </p:nvPr>
+        </p:nvSpPr>
+        <p:spPr/>
+        <p:txBody>
+          <a:bodyPr/>
+          <a:lstStyle/>
+          <a:p>
+            <a:endParaRPr lang="it-IT" dirty="0"/>
+          </a:p>
+        </p:txBody>
+      </p:sp>
+      <p:sp>
+        <p:nvSpPr>
+          <p:cNvPr id="4" name="Segnaposto intestazione 3"/>
+          <p:cNvSpPr>
+            <a:spLocks noGrp="1"/>
+          </p:cNvSpPr>
+          <p:nvPr>
+            <p:ph type="hdr" sz="quarter" idx="10"/>
+          </p:nvPr>
+        </p:nvSpPr>
+        <p:spPr/>
+        <p:txBody>
+          <a:bodyPr/>
+          <a:lstStyle/>
+          <a:p>
+            <a:r>
+              <a:rPr lang="en-US" altLang="nl-NL" smtClean="0"/>
+              <a:t>Process synchronization</a:t>
+            </a:r>
+            <a:endParaRPr lang="en-US" altLang="nl-NL"/>
+          </a:p>
+        </p:txBody>
+      </p:sp>
+      <p:sp>
+        <p:nvSpPr>
+          <p:cNvPr id="5" name="Segnaposto data 4"/>
+          <p:cNvSpPr>
+            <a:spLocks noGrp="1"/>
+          </p:cNvSpPr>
+          <p:nvPr>
+            <p:ph type="dt" idx="11"/>
+          </p:nvPr>
+        </p:nvSpPr>
+        <p:spPr/>
+        <p:txBody>
+          <a:bodyPr/>
+          <a:lstStyle/>
+          <a:p>
+            <a:r>
+              <a:rPr lang="en-US" altLang="nl-NL" smtClean="0"/>
+              <a:t>Operating System</a:t>
+            </a:r>
+            <a:endParaRPr lang="en-US" altLang="nl-NL"/>
+          </a:p>
+        </p:txBody>
+      </p:sp>
+      <p:sp>
+        <p:nvSpPr>
+          <p:cNvPr id="6" name="Segnaposto piè di pagina 5"/>
+          <p:cNvSpPr>
+            <a:spLocks noGrp="1"/>
+          </p:cNvSpPr>
+          <p:nvPr>
+            <p:ph type="ftr" sz="quarter" idx="12"/>
+          </p:nvPr>
+        </p:nvSpPr>
+        <p:spPr/>
+        <p:txBody>
+          <a:bodyPr/>
+          <a:lstStyle/>
+          <a:p>
+            <a:r>
+              <a:rPr lang="en-US" altLang="nl-NL" smtClean="0"/>
+              <a:t>© 2005 William Fornaciari</a:t>
+            </a:r>
+            <a:endParaRPr lang="en-US" altLang="nl-NL"/>
+          </a:p>
+        </p:txBody>
+      </p:sp>
+      <p:sp>
+        <p:nvSpPr>
+          <p:cNvPr id="7" name="Segnaposto numero diapositiva 6"/>
+          <p:cNvSpPr>
+            <a:spLocks noGrp="1"/>
+          </p:cNvSpPr>
+          <p:nvPr>
+            <p:ph type="sldNum" sz="quarter" idx="13"/>
+          </p:nvPr>
+        </p:nvSpPr>
+        <p:spPr/>
+        <p:txBody>
+          <a:bodyPr/>
+          <a:lstStyle/>
+          <a:p>
+            <a:fld id="{88C0D9CF-78A8-4FBE-960E-41C6F5A4AF95}" type="slidenum">
+              <a:rPr lang="en-US" altLang="nl-NL" smtClean="0"/>
+              <a:pPr/>
+              <a:t>13</a:t>
+            </a:fld>
+            <a:endParaRPr lang="en-US" altLang="nl-NL"/>
+          </a:p>
+        </p:txBody>
+      </p:sp>
+    </p:spTree>
+    <p:extLst>
+      <p:ext uri="{BB962C8B-B14F-4D97-AF65-F5344CB8AC3E}">
+        <p14:creationId xmlns:p14="http://schemas.microsoft.com/office/powerpoint/2010/main" val="2032454154"/>
+      </p:ext>
+    </p:extLst>
+  </p:cSld>
+  <p:clrMapOvr>
+    <a:masterClrMapping/>
+  </p:clrMapOvr>
+</p:notes>
+</file>
+
+<file path=ppt/notesSlides/notesSlide7.xml><?xml version="1.0" encoding="utf-8"?>
+<p:notes xmlns:a="http://schemas.openxmlformats.org/drawingml/2006/main" xmlns:r="http://schemas.openxmlformats.org/officeDocument/2006/relationships" xmlns:p="http://schemas.openxmlformats.org/presentationml/2006/main">
+  <p:cSld>
+    <p:spTree>
+      <p:nvGrpSpPr>
+        <p:cNvPr id="1" name=""/>
+        <p:cNvGrpSpPr/>
+        <p:nvPr/>
+      </p:nvGrpSpPr>
+      <p:grpSpPr>
+        <a:xfrm>
+          <a:off x="0" y="0"/>
+          <a:ext cx="0" cy="0"/>
+          <a:chOff x="0" y="0"/>
+          <a:chExt cx="0" cy="0"/>
+        </a:xfrm>
+      </p:grpSpPr>
+      <p:sp>
+        <p:nvSpPr>
+          <p:cNvPr id="2" name="Segnaposto immagine diapositiva 1"/>
+          <p:cNvSpPr>
+            <a:spLocks noGrp="1" noRot="1" noChangeAspect="1"/>
+          </p:cNvSpPr>
+          <p:nvPr>
+            <p:ph type="sldImg"/>
+          </p:nvPr>
+        </p:nvSpPr>
+        <p:spPr/>
+      </p:sp>
+      <p:sp>
+        <p:nvSpPr>
+          <p:cNvPr id="3" name="Segnaposto note 2"/>
+          <p:cNvSpPr>
+            <a:spLocks noGrp="1"/>
+          </p:cNvSpPr>
+          <p:nvPr>
+            <p:ph type="body" idx="1"/>
+          </p:nvPr>
+        </p:nvSpPr>
+        <p:spPr/>
+        <p:txBody>
+          <a:bodyPr/>
+          <a:lstStyle/>
+          <a:p>
+            <a:endParaRPr lang="it-IT" dirty="0"/>
+          </a:p>
+        </p:txBody>
+      </p:sp>
+      <p:sp>
+        <p:nvSpPr>
+          <p:cNvPr id="4" name="Segnaposto intestazione 3"/>
+          <p:cNvSpPr>
+            <a:spLocks noGrp="1"/>
+          </p:cNvSpPr>
+          <p:nvPr>
+            <p:ph type="hdr" sz="quarter" idx="10"/>
+          </p:nvPr>
+        </p:nvSpPr>
+        <p:spPr/>
+        <p:txBody>
+          <a:bodyPr/>
+          <a:lstStyle/>
+          <a:p>
+            <a:r>
+              <a:rPr lang="en-US" altLang="nl-NL" smtClean="0"/>
+              <a:t>Process synchronization</a:t>
+            </a:r>
+            <a:endParaRPr lang="en-US" altLang="nl-NL"/>
+          </a:p>
+        </p:txBody>
+      </p:sp>
+      <p:sp>
+        <p:nvSpPr>
+          <p:cNvPr id="5" name="Segnaposto data 4"/>
+          <p:cNvSpPr>
+            <a:spLocks noGrp="1"/>
+          </p:cNvSpPr>
+          <p:nvPr>
+            <p:ph type="dt" idx="11"/>
+          </p:nvPr>
+        </p:nvSpPr>
+        <p:spPr/>
+        <p:txBody>
+          <a:bodyPr/>
+          <a:lstStyle/>
+          <a:p>
+            <a:r>
+              <a:rPr lang="en-US" altLang="nl-NL" smtClean="0"/>
+              <a:t>Operating System</a:t>
+            </a:r>
+            <a:endParaRPr lang="en-US" altLang="nl-NL"/>
+          </a:p>
+        </p:txBody>
+      </p:sp>
+      <p:sp>
+        <p:nvSpPr>
+          <p:cNvPr id="6" name="Segnaposto piè di pagina 5"/>
+          <p:cNvSpPr>
+            <a:spLocks noGrp="1"/>
+          </p:cNvSpPr>
+          <p:nvPr>
+            <p:ph type="ftr" sz="quarter" idx="12"/>
+          </p:nvPr>
+        </p:nvSpPr>
+        <p:spPr/>
+        <p:txBody>
+          <a:bodyPr/>
+          <a:lstStyle/>
+          <a:p>
+            <a:r>
+              <a:rPr lang="en-US" altLang="nl-NL" smtClean="0"/>
+              <a:t>© 2005 William Fornaciari</a:t>
+            </a:r>
+            <a:endParaRPr lang="en-US" altLang="nl-NL"/>
+          </a:p>
+        </p:txBody>
+      </p:sp>
+      <p:sp>
+        <p:nvSpPr>
+          <p:cNvPr id="7" name="Segnaposto numero diapositiva 6"/>
+          <p:cNvSpPr>
+            <a:spLocks noGrp="1"/>
+          </p:cNvSpPr>
+          <p:nvPr>
+            <p:ph type="sldNum" sz="quarter" idx="13"/>
+          </p:nvPr>
+        </p:nvSpPr>
+        <p:spPr/>
+        <p:txBody>
+          <a:bodyPr/>
+          <a:lstStyle/>
+          <a:p>
+            <a:fld id="{88C0D9CF-78A8-4FBE-960E-41C6F5A4AF95}" type="slidenum">
+              <a:rPr lang="en-US" altLang="nl-NL" smtClean="0"/>
+              <a:pPr/>
+              <a:t>17</a:t>
+            </a:fld>
+            <a:endParaRPr lang="en-US" altLang="nl-NL"/>
+          </a:p>
+        </p:txBody>
+      </p:sp>
+    </p:spTree>
+    <p:extLst>
+      <p:ext uri="{BB962C8B-B14F-4D97-AF65-F5344CB8AC3E}">
+        <p14:creationId xmlns:p14="http://schemas.microsoft.com/office/powerpoint/2010/main" val="3617987220"/>
+      </p:ext>
+    </p:extLst>
+  </p:cSld>
+  <p:clrMapOvr>
+    <a:masterClrMapping/>
+  </p:clrMapOvr>
+</p:notes>
+</file>
+
+<file path=ppt/notesSlides/notesSlide8.xml><?xml version="1.0" encoding="utf-8"?>
+<p:notes xmlns:a="http://schemas.openxmlformats.org/drawingml/2006/main" xmlns:r="http://schemas.openxmlformats.org/officeDocument/2006/relationships" xmlns:p="http://schemas.openxmlformats.org/presentationml/2006/main">
+  <p:cSld>
+    <p:spTree>
+      <p:nvGrpSpPr>
+        <p:cNvPr id="1" name=""/>
+        <p:cNvGrpSpPr/>
+        <p:nvPr/>
+      </p:nvGrpSpPr>
+      <p:grpSpPr>
+        <a:xfrm>
+          <a:off x="0" y="0"/>
+          <a:ext cx="0" cy="0"/>
+          <a:chOff x="0" y="0"/>
+          <a:chExt cx="0" cy="0"/>
+        </a:xfrm>
+      </p:grpSpPr>
+      <p:sp>
+        <p:nvSpPr>
+          <p:cNvPr id="2" name="Segnaposto immagine diapositiva 1"/>
+          <p:cNvSpPr>
+            <a:spLocks noGrp="1" noRot="1" noChangeAspect="1"/>
+          </p:cNvSpPr>
+          <p:nvPr>
+            <p:ph type="sldImg"/>
+          </p:nvPr>
+        </p:nvSpPr>
+        <p:spPr/>
+      </p:sp>
+      <p:sp>
+        <p:nvSpPr>
+          <p:cNvPr id="3" name="Segnaposto note 2"/>
+          <p:cNvSpPr>
+            <a:spLocks noGrp="1"/>
+          </p:cNvSpPr>
+          <p:nvPr>
+            <p:ph type="body" idx="1"/>
+          </p:nvPr>
+        </p:nvSpPr>
+        <p:spPr/>
+        <p:txBody>
+          <a:bodyPr/>
+          <a:lstStyle/>
+          <a:p>
+            <a:endParaRPr lang="it-IT" dirty="0"/>
+          </a:p>
+        </p:txBody>
+      </p:sp>
+      <p:sp>
+        <p:nvSpPr>
+          <p:cNvPr id="4" name="Segnaposto intestazione 3"/>
+          <p:cNvSpPr>
+            <a:spLocks noGrp="1"/>
+          </p:cNvSpPr>
+          <p:nvPr>
+            <p:ph type="hdr" sz="quarter" idx="10"/>
+          </p:nvPr>
+        </p:nvSpPr>
+        <p:spPr/>
+        <p:txBody>
+          <a:bodyPr/>
+          <a:lstStyle/>
+          <a:p>
+            <a:r>
+              <a:rPr lang="en-US" altLang="nl-NL" smtClean="0"/>
+              <a:t>Process synchronization</a:t>
+            </a:r>
+            <a:endParaRPr lang="en-US" altLang="nl-NL"/>
+          </a:p>
+        </p:txBody>
+      </p:sp>
+      <p:sp>
+        <p:nvSpPr>
+          <p:cNvPr id="5" name="Segnaposto data 4"/>
+          <p:cNvSpPr>
+            <a:spLocks noGrp="1"/>
+          </p:cNvSpPr>
+          <p:nvPr>
+            <p:ph type="dt" idx="11"/>
+          </p:nvPr>
+        </p:nvSpPr>
+        <p:spPr/>
+        <p:txBody>
+          <a:bodyPr/>
+          <a:lstStyle/>
+          <a:p>
+            <a:r>
+              <a:rPr lang="en-US" altLang="nl-NL" smtClean="0"/>
+              <a:t>Operating System</a:t>
+            </a:r>
+            <a:endParaRPr lang="en-US" altLang="nl-NL"/>
+          </a:p>
+        </p:txBody>
+      </p:sp>
+      <p:sp>
+        <p:nvSpPr>
+          <p:cNvPr id="6" name="Segnaposto piè di pagina 5"/>
+          <p:cNvSpPr>
+            <a:spLocks noGrp="1"/>
+          </p:cNvSpPr>
+          <p:nvPr>
+            <p:ph type="ftr" sz="quarter" idx="12"/>
+          </p:nvPr>
+        </p:nvSpPr>
+        <p:spPr/>
+        <p:txBody>
+          <a:bodyPr/>
+          <a:lstStyle/>
+          <a:p>
+            <a:r>
+              <a:rPr lang="en-US" altLang="nl-NL" smtClean="0"/>
+              <a:t>© 2005 William Fornaciari</a:t>
+            </a:r>
+            <a:endParaRPr lang="en-US" altLang="nl-NL"/>
+          </a:p>
+        </p:txBody>
+      </p:sp>
+      <p:sp>
+        <p:nvSpPr>
+          <p:cNvPr id="7" name="Segnaposto numero diapositiva 6"/>
+          <p:cNvSpPr>
+            <a:spLocks noGrp="1"/>
+          </p:cNvSpPr>
+          <p:nvPr>
+            <p:ph type="sldNum" sz="quarter" idx="13"/>
+          </p:nvPr>
+        </p:nvSpPr>
+        <p:spPr/>
+        <p:txBody>
+          <a:bodyPr/>
+          <a:lstStyle/>
+          <a:p>
+            <a:fld id="{88C0D9CF-78A8-4FBE-960E-41C6F5A4AF95}" type="slidenum">
+              <a:rPr lang="en-US" altLang="nl-NL" smtClean="0"/>
+              <a:pPr/>
+              <a:t>21</a:t>
             </a:fld>
             <a:endParaRPr lang="en-US" altLang="nl-NL"/>
           </a:p>
@@ -2627,7 +3219,7 @@
             <a:fld id="{2A6090BC-14A4-4032-A8EA-D874EB653524}" type="slidenum">
               <a:rPr lang="en-US" altLang="nl-NL"/>
               <a:pPr/>
-              <a:t>‹n.›</a:t>
+              <a:t>‹N›</a:t>
             </a:fld>
             <a:endParaRPr lang="en-US" altLang="nl-NL"/>
           </a:p>
@@ -2775,7 +3367,7 @@
             <a:fld id="{BA594880-8A78-40E1-8D62-51F97D4059C0}" type="slidenum">
               <a:rPr lang="en-US" altLang="nl-NL"/>
               <a:pPr/>
-              <a:t>‹n.›</a:t>
+              <a:t>‹N›</a:t>
             </a:fld>
             <a:endParaRPr lang="en-US" altLang="nl-NL"/>
           </a:p>
@@ -2960,7 +3552,7 @@
             <a:fld id="{C503DA3A-0C6B-48FC-931E-2C786AAFD5C1}" type="slidenum">
               <a:rPr lang="en-US" altLang="nl-NL"/>
               <a:pPr/>
-              <a:t>‹n.›</a:t>
+              <a:t>‹N›</a:t>
             </a:fld>
             <a:endParaRPr lang="en-US" altLang="nl-NL"/>
           </a:p>
@@ -3150,7 +3742,7 @@
             <a:fld id="{22038E9A-44DA-4A7D-8119-4DEABABB9975}" type="slidenum">
               <a:rPr lang="en-US" altLang="nl-NL"/>
               <a:pPr/>
-              <a:t>‹n.›</a:t>
+              <a:t>‹N›</a:t>
             </a:fld>
             <a:endParaRPr lang="en-US" altLang="nl-NL"/>
           </a:p>
@@ -3406,7 +3998,7 @@
             <a:fld id="{003F0B5A-3573-418F-94B3-BD5F75DB60BD}" type="slidenum">
               <a:rPr lang="en-US" altLang="nl-NL"/>
               <a:pPr/>
-              <a:t>‹n.›</a:t>
+              <a:t>‹N›</a:t>
             </a:fld>
             <a:endParaRPr lang="en-US" altLang="nl-NL"/>
           </a:p>
@@ -3801,7 +4393,7 @@
             <a:fld id="{42D42EED-7338-48C6-AA31-2E9FCA4532B1}" type="slidenum">
               <a:rPr lang="en-US" altLang="nl-NL"/>
               <a:pPr/>
-              <a:t>‹n.›</a:t>
+              <a:t>‹N›</a:t>
             </a:fld>
             <a:endParaRPr lang="en-US" altLang="nl-NL"/>
           </a:p>
@@ -3887,7 +4479,7 @@
             <a:fld id="{BBD7032E-400A-4C6B-9075-7A7CB7960EE8}" type="slidenum">
               <a:rPr lang="en-US" altLang="nl-NL"/>
               <a:pPr/>
-              <a:t>‹n.›</a:t>
+              <a:t>‹N›</a:t>
             </a:fld>
             <a:endParaRPr lang="en-US" altLang="nl-NL"/>
           </a:p>
@@ -3950,7 +4542,7 @@
             <a:fld id="{ED3AC776-BC4C-444F-A902-0153286FE118}" type="slidenum">
               <a:rPr lang="en-US" altLang="nl-NL"/>
               <a:pPr/>
-              <a:t>‹n.›</a:t>
+              <a:t>‹N›</a:t>
             </a:fld>
             <a:endParaRPr lang="en-US" altLang="nl-NL"/>
           </a:p>
@@ -4195,7 +4787,7 @@
             <a:fld id="{E5F65DD3-3E3C-40FA-A044-BE029E819A96}" type="slidenum">
               <a:rPr lang="en-US" altLang="nl-NL"/>
               <a:pPr/>
-              <a:t>‹n.›</a:t>
+              <a:t>‹N›</a:t>
             </a:fld>
             <a:endParaRPr lang="en-US" altLang="nl-NL"/>
           </a:p>
@@ -4421,7 +5013,7 @@
             <a:fld id="{D32360F0-7900-4280-B4D3-DB562730877F}" type="slidenum">
               <a:rPr lang="en-US" altLang="nl-NL"/>
               <a:pPr/>
-              <a:t>‹n.›</a:t>
+              <a:t>‹N›</a:t>
             </a:fld>
             <a:endParaRPr lang="en-US" altLang="nl-NL"/>
           </a:p>
@@ -4765,7 +5357,7 @@
             <a:fld id="{D11F1AE1-4445-46D7-BD14-4F1456A53146}" type="slidenum">
               <a:rPr lang="en-US" altLang="nl-NL"/>
               <a:pPr/>
-              <a:t>‹n.›</a:t>
+              <a:t>‹N›</a:t>
             </a:fld>
             <a:endParaRPr lang="en-US" altLang="nl-NL"/>
           </a:p>
@@ -5704,8 +6296,8 @@
         </p:nvSpPr>
         <p:spPr>
           <a:xfrm>
-            <a:off x="4319269" y="5486400"/>
-            <a:ext cx="4596131" cy="923330"/>
+            <a:off x="5691441" y="5486400"/>
+            <a:ext cx="3223959" cy="923330"/>
           </a:xfrm>
           <a:prstGeom prst="rect">
             <a:avLst/>
@@ -5724,24 +6316,37 @@
               <a:t>Leonardo </a:t>
             </a:r>
             <a:r>
-              <a:rPr lang="it-IT" sz="1800" b="1" dirty="0" err="1" smtClean="0"/>
+              <a:rPr lang="it-IT" sz="1800" b="1" dirty="0" smtClean="0"/>
               <a:t>Cavagnis</a:t>
             </a:r>
             <a:r>
               <a:rPr lang="it-IT" sz="1800" dirty="0" smtClean="0"/>
-              <a:t>, matricola 816646</a:t>
+              <a:t> 816646</a:t>
+            </a:r>
+            <a:r>
+              <a:rPr lang="it-IT" sz="1800" dirty="0" smtClean="0"/>
+              <a:t/>
             </a:r>
             <a:br>
               <a:rPr lang="it-IT" sz="1800" dirty="0" smtClean="0"/>
             </a:br>
             <a:r>
               <a:rPr lang="it-IT" sz="1800" b="1" dirty="0" smtClean="0"/>
-              <a:t>Diego Rondelli</a:t>
+              <a:t>Diego </a:t>
+            </a:r>
+            <a:r>
+              <a:rPr lang="it-IT" sz="1800" b="1" dirty="0" smtClean="0"/>
+              <a:t>Rondelli</a:t>
+            </a:r>
+            <a:r>
+              <a:rPr lang="it-IT" sz="1800" dirty="0"/>
+              <a:t> </a:t>
             </a:r>
             <a:r>
               <a:rPr lang="it-IT" sz="1800" dirty="0" smtClean="0"/>
-              <a:t>, matricola 817108</a:t>
-            </a:r>
+              <a:t>817108</a:t>
+            </a:r>
+            <a:endParaRPr lang="it-IT" sz="1800" dirty="0" smtClean="0"/>
           </a:p>
           <a:p>
             <a:pPr algn="r"/>
@@ -5805,7 +6410,7 @@
           <a:p>
             <a:r>
               <a:rPr lang="it-IT" dirty="0" smtClean="0"/>
-              <a:t>Parte di conversione</a:t>
+              <a:t>Parte digitale</a:t>
             </a:r>
             <a:endParaRPr lang="it-IT" dirty="0"/>
           </a:p>
@@ -5823,8 +6428,8 @@
         </p:nvSpPr>
         <p:spPr>
           <a:xfrm>
-            <a:off x="609600" y="1066800"/>
-            <a:ext cx="7772400" cy="1219200"/>
+            <a:off x="685800" y="979884"/>
+            <a:ext cx="7772400" cy="942975"/>
           </a:xfrm>
         </p:spPr>
         <p:txBody>
@@ -5832,16 +6437,24 @@
           <a:lstStyle/>
           <a:p>
             <a:r>
-              <a:rPr lang="it-IT" sz="2400" dirty="0"/>
-              <a:t>I due mondi sono interfacciati da una scheda di conversione, equipaggiata con un DAC ed un ADC comandati dalla </a:t>
-            </a:r>
-            <a:r>
               <a:rPr lang="it-IT" sz="2400" dirty="0" smtClean="0"/>
-              <a:t>parte </a:t>
-            </a:r>
-            <a:r>
-              <a:rPr lang="it-IT" sz="2400" dirty="0"/>
-              <a:t>digitale.</a:t>
+              <a:t>Il sistema digitale </a:t>
+            </a:r>
+            <a:r>
+              <a:rPr lang="it-IT" sz="2400" dirty="0" smtClean="0"/>
+              <a:t>è costituita dalla scheda di prototipazione: </a:t>
+            </a:r>
+            <a:r>
+              <a:rPr lang="it-IT" sz="2400" b="1" dirty="0" smtClean="0"/>
+              <a:t>NI </a:t>
+            </a:r>
+            <a:r>
+              <a:rPr lang="it-IT" sz="2400" b="1" dirty="0" err="1" smtClean="0"/>
+              <a:t>sbRIO</a:t>
+            </a:r>
+            <a:r>
+              <a:rPr lang="it-IT" sz="2400" b="1" dirty="0" smtClean="0"/>
+              <a:t> 9636</a:t>
             </a:r>
           </a:p>
         </p:txBody>
@@ -5870,261 +6483,9 @@
           </a:p>
         </p:txBody>
       </p:sp>
-      <p:sp>
-        <p:nvSpPr>
-          <p:cNvPr id="5" name="Segnaposto contenuto 2"/>
-          <p:cNvSpPr txBox="1">
-            <a:spLocks/>
-          </p:cNvSpPr>
-          <p:nvPr/>
-        </p:nvSpPr>
-        <p:spPr bwMode="auto">
-          <a:xfrm>
-            <a:off x="609600" y="5510212"/>
-            <a:ext cx="7772400" cy="1014413"/>
-          </a:xfrm>
-          <a:prstGeom prst="rect">
-            <a:avLst/>
-          </a:prstGeom>
-          <a:noFill/>
-          <a:ln>
-            <a:noFill/>
-          </a:ln>
-          <a:extLst>
-            <a:ext uri="{909E8E84-426E-40DD-AFC4-6F175D3DCCD1}">
-              <a14:hiddenFill xmlns:a14="http://schemas.microsoft.com/office/drawing/2010/main">
-                <a:solidFill>
-                  <a:srgbClr val="FFFFFF"/>
-                </a:solidFill>
-              </a14:hiddenFill>
-            </a:ext>
-            <a:ext uri="{91240B29-F687-4F45-9708-019B960494DF}">
-              <a14:hiddenLine xmlns:a14="http://schemas.microsoft.com/office/drawing/2010/main" w="9525">
-                <a:solidFill>
-                  <a:srgbClr val="000000"/>
-                </a:solidFill>
-                <a:miter lim="800000"/>
-                <a:headEnd/>
-                <a:tailEnd/>
-              </a14:hiddenLine>
-            </a:ext>
-          </a:extLst>
-        </p:spPr>
-        <p:txBody>
-          <a:bodyPr vert="horz" wrap="square" lIns="91440" tIns="45720" rIns="91440" bIns="45720" numCol="1" anchor="t" anchorCtr="0" compatLnSpc="1">
-            <a:prstTxWarp prst="textNoShape">
-              <a:avLst/>
-            </a:prstTxWarp>
-          </a:bodyPr>
-          <a:lstStyle>
-            <a:lvl1pPr marL="342900" indent="-342900" algn="l" rtl="0" eaLnBrk="1" fontAlgn="base" hangingPunct="1">
-              <a:spcBef>
-                <a:spcPct val="20000"/>
-              </a:spcBef>
-              <a:spcAft>
-                <a:spcPct val="0"/>
-              </a:spcAft>
-              <a:buClr>
-                <a:srgbClr val="003366"/>
-              </a:buClr>
-              <a:buFont typeface="Times" panose="02020603050405020304" pitchFamily="18" charset="0"/>
-              <a:buChar char="•"/>
-              <a:defRPr sz="3200">
-                <a:solidFill>
-                  <a:schemeClr val="tx1"/>
-                </a:solidFill>
-                <a:latin typeface="+mn-lt"/>
-                <a:ea typeface="+mn-ea"/>
-                <a:cs typeface="+mn-cs"/>
-              </a:defRPr>
-            </a:lvl1pPr>
-            <a:lvl2pPr marL="742950" indent="-285750" algn="l" rtl="0" eaLnBrk="1" fontAlgn="base" hangingPunct="1">
-              <a:spcBef>
-                <a:spcPct val="20000"/>
-              </a:spcBef>
-              <a:spcAft>
-                <a:spcPct val="0"/>
-              </a:spcAft>
-              <a:buClr>
-                <a:srgbClr val="FF9900"/>
-              </a:buClr>
-              <a:buFont typeface="Wingdings" panose="05000000000000000000" pitchFamily="2" charset="2"/>
-              <a:buChar char="§"/>
-              <a:defRPr sz="2800">
-                <a:solidFill>
-                  <a:schemeClr val="tx1"/>
-                </a:solidFill>
-                <a:latin typeface="+mn-lt"/>
-                <a:ea typeface="+mn-ea"/>
-                <a:cs typeface="+mn-cs"/>
-              </a:defRPr>
-            </a:lvl2pPr>
-            <a:lvl3pPr marL="1143000" indent="-228600" algn="l" rtl="0" eaLnBrk="1" fontAlgn="base" hangingPunct="1">
-              <a:spcBef>
-                <a:spcPct val="20000"/>
-              </a:spcBef>
-              <a:spcAft>
-                <a:spcPct val="0"/>
-              </a:spcAft>
-              <a:buClr>
-                <a:srgbClr val="003366"/>
-              </a:buClr>
-              <a:buFont typeface="Times" panose="02020603050405020304" pitchFamily="18" charset="0"/>
-              <a:buChar char="•"/>
-              <a:defRPr sz="2400">
-                <a:solidFill>
-                  <a:schemeClr val="tx1"/>
-                </a:solidFill>
-                <a:latin typeface="+mn-lt"/>
-                <a:ea typeface="+mn-ea"/>
-                <a:cs typeface="+mn-cs"/>
-              </a:defRPr>
-            </a:lvl3pPr>
-            <a:lvl4pPr marL="1600200" indent="-228600" algn="l" rtl="0" eaLnBrk="1" fontAlgn="base" hangingPunct="1">
-              <a:spcBef>
-                <a:spcPct val="20000"/>
-              </a:spcBef>
-              <a:spcAft>
-                <a:spcPct val="0"/>
-              </a:spcAft>
-              <a:buClr>
-                <a:srgbClr val="003366"/>
-              </a:buClr>
-              <a:buChar char="–"/>
-              <a:defRPr sz="2000">
-                <a:solidFill>
-                  <a:schemeClr val="tx1"/>
-                </a:solidFill>
-                <a:latin typeface="+mn-lt"/>
-                <a:ea typeface="+mn-ea"/>
-                <a:cs typeface="+mn-cs"/>
-              </a:defRPr>
-            </a:lvl4pPr>
-            <a:lvl5pPr marL="2057400" indent="-228600" algn="l" rtl="0" eaLnBrk="1" fontAlgn="base" hangingPunct="1">
-              <a:spcBef>
-                <a:spcPct val="20000"/>
-              </a:spcBef>
-              <a:spcAft>
-                <a:spcPct val="0"/>
-              </a:spcAft>
-              <a:buChar char="»"/>
-              <a:defRPr sz="2000">
-                <a:solidFill>
-                  <a:schemeClr val="tx1"/>
-                </a:solidFill>
-                <a:latin typeface="+mn-lt"/>
-                <a:ea typeface="+mn-ea"/>
-                <a:cs typeface="+mn-cs"/>
-              </a:defRPr>
-            </a:lvl5pPr>
-            <a:lvl6pPr marL="2514600" indent="-228600" algn="l" rtl="0" eaLnBrk="1" fontAlgn="base" hangingPunct="1">
-              <a:spcBef>
-                <a:spcPct val="20000"/>
-              </a:spcBef>
-              <a:spcAft>
-                <a:spcPct val="0"/>
-              </a:spcAft>
-              <a:buChar char="»"/>
-              <a:defRPr sz="2000">
-                <a:solidFill>
-                  <a:schemeClr val="tx1"/>
-                </a:solidFill>
-                <a:latin typeface="+mn-lt"/>
-                <a:ea typeface="+mn-ea"/>
-                <a:cs typeface="+mn-cs"/>
-              </a:defRPr>
-            </a:lvl6pPr>
-            <a:lvl7pPr marL="2971800" indent="-228600" algn="l" rtl="0" eaLnBrk="1" fontAlgn="base" hangingPunct="1">
-              <a:spcBef>
-                <a:spcPct val="20000"/>
-              </a:spcBef>
-              <a:spcAft>
-                <a:spcPct val="0"/>
-              </a:spcAft>
-              <a:buChar char="»"/>
-              <a:defRPr sz="2000">
-                <a:solidFill>
-                  <a:schemeClr val="tx1"/>
-                </a:solidFill>
-                <a:latin typeface="+mn-lt"/>
-                <a:ea typeface="+mn-ea"/>
-                <a:cs typeface="+mn-cs"/>
-              </a:defRPr>
-            </a:lvl7pPr>
-            <a:lvl8pPr marL="3429000" indent="-228600" algn="l" rtl="0" eaLnBrk="1" fontAlgn="base" hangingPunct="1">
-              <a:spcBef>
-                <a:spcPct val="20000"/>
-              </a:spcBef>
-              <a:spcAft>
-                <a:spcPct val="0"/>
-              </a:spcAft>
-              <a:buChar char="»"/>
-              <a:defRPr sz="2000">
-                <a:solidFill>
-                  <a:schemeClr val="tx1"/>
-                </a:solidFill>
-                <a:latin typeface="+mn-lt"/>
-                <a:ea typeface="+mn-ea"/>
-                <a:cs typeface="+mn-cs"/>
-              </a:defRPr>
-            </a:lvl8pPr>
-            <a:lvl9pPr marL="3886200" indent="-228600" algn="l" rtl="0" eaLnBrk="1" fontAlgn="base" hangingPunct="1">
-              <a:spcBef>
-                <a:spcPct val="20000"/>
-              </a:spcBef>
-              <a:spcAft>
-                <a:spcPct val="0"/>
-              </a:spcAft>
-              <a:buChar char="»"/>
-              <a:defRPr sz="2000">
-                <a:solidFill>
-                  <a:schemeClr val="tx1"/>
-                </a:solidFill>
-                <a:latin typeface="+mn-lt"/>
-                <a:ea typeface="+mn-ea"/>
-                <a:cs typeface="+mn-cs"/>
-              </a:defRPr>
-            </a:lvl9pPr>
-          </a:lstStyle>
-          <a:p>
-            <a:r>
-              <a:rPr lang="it-IT" sz="2400" kern="0" dirty="0" smtClean="0"/>
-              <a:t>Frequenza di campionamento </a:t>
-            </a:r>
-            <a:r>
-              <a:rPr lang="it-IT" sz="2400" kern="0" dirty="0" err="1" smtClean="0"/>
-              <a:t>max</a:t>
-            </a:r>
-            <a:r>
-              <a:rPr lang="it-IT" sz="2400" kern="0" dirty="0" smtClean="0"/>
-              <a:t>: </a:t>
-            </a:r>
-            <a:r>
-              <a:rPr lang="it-IT" sz="2400" b="1" kern="0" dirty="0" smtClean="0"/>
-              <a:t>50MSa/</a:t>
-            </a:r>
-            <a:r>
-              <a:rPr lang="it-IT" sz="2400" b="1" kern="0" dirty="0" err="1" smtClean="0"/>
-              <a:t>s</a:t>
-            </a:r>
-            <a:endParaRPr lang="it-IT" sz="2400" b="1" kern="0" dirty="0" smtClean="0"/>
-          </a:p>
-          <a:p>
-            <a:r>
-              <a:rPr lang="it-IT" sz="2400" kern="0" dirty="0" smtClean="0"/>
-              <a:t>Risoluzione: </a:t>
-            </a:r>
-            <a:r>
-              <a:rPr lang="it-IT" sz="2400" b="1" kern="0" dirty="0" smtClean="0"/>
-              <a:t>12 bit</a:t>
-            </a:r>
-            <a:endParaRPr lang="it-IT" sz="2400" b="1" kern="0" dirty="0"/>
-          </a:p>
-        </p:txBody>
-      </p:sp>
       <p:pic>
         <p:nvPicPr>
-          <p:cNvPr id="6" name="Immagine 5"/>
+          <p:cNvPr id="5" name="Immagine 4"/>
           <p:cNvPicPr>
             <a:picLocks noChangeAspect="1"/>
           </p:cNvPicPr>
@@ -6144,18 +6505,108 @@
         </p:blipFill>
         <p:spPr>
           <a:xfrm>
-            <a:off x="1196574" y="2376480"/>
-            <a:ext cx="6598451" cy="3043251"/>
+            <a:off x="609600" y="1922859"/>
+            <a:ext cx="4556200" cy="4122276"/>
           </a:xfrm>
           <a:prstGeom prst="rect">
             <a:avLst/>
           </a:prstGeom>
         </p:spPr>
       </p:pic>
+      <p:sp>
+        <p:nvSpPr>
+          <p:cNvPr id="6" name="CasellaDiTesto 5"/>
+          <p:cNvSpPr txBox="1"/>
+          <p:nvPr/>
+        </p:nvSpPr>
+        <p:spPr>
+          <a:xfrm>
+            <a:off x="5208228" y="2140743"/>
+            <a:ext cx="3207544" cy="4154984"/>
+          </a:xfrm>
+          <a:prstGeom prst="rect">
+            <a:avLst/>
+          </a:prstGeom>
+          <a:noFill/>
+        </p:spPr>
+        <p:txBody>
+          <a:bodyPr wrap="square" rtlCol="0">
+            <a:spAutoFit/>
+          </a:bodyPr>
+          <a:lstStyle/>
+          <a:p>
+            <a:pPr marL="342900" indent="-342900">
+              <a:buFont typeface="Arial" charset="0"/>
+              <a:buChar char="•"/>
+            </a:pPr>
+            <a:r>
+              <a:rPr lang="it-IT" dirty="0"/>
+              <a:t>La scheda </a:t>
+            </a:r>
+            <a:r>
+              <a:rPr lang="it-IT" dirty="0" smtClean="0"/>
+              <a:t>comprende un </a:t>
+            </a:r>
+            <a:r>
+              <a:rPr lang="it-IT" b="1" dirty="0" smtClean="0"/>
+              <a:t>FPGA</a:t>
+            </a:r>
+            <a:r>
+              <a:rPr lang="it-IT" dirty="0" smtClean="0"/>
+              <a:t> </a:t>
+            </a:r>
+            <a:r>
+              <a:rPr lang="it-IT" dirty="0"/>
+              <a:t>ed un </a:t>
+            </a:r>
+            <a:r>
+              <a:rPr lang="it-IT" b="1" dirty="0" smtClean="0"/>
+              <a:t>microcontrollore</a:t>
+            </a:r>
+            <a:br>
+              <a:rPr lang="it-IT" b="1" dirty="0" smtClean="0"/>
+            </a:br>
+            <a:endParaRPr lang="it-IT" b="1" dirty="0" smtClean="0"/>
+          </a:p>
+          <a:p>
+            <a:pPr marL="342900" indent="-342900">
+              <a:buFont typeface="Arial" charset="0"/>
+              <a:buChar char="•"/>
+            </a:pPr>
+            <a:r>
+              <a:rPr lang="it-IT" dirty="0"/>
+              <a:t>S</a:t>
+            </a:r>
+            <a:r>
+              <a:rPr lang="it-IT" dirty="0" smtClean="0"/>
+              <a:t>i </a:t>
+            </a:r>
+            <a:r>
+              <a:rPr lang="it-IT" dirty="0"/>
+              <a:t>occupa dell’</a:t>
+            </a:r>
+            <a:r>
+              <a:rPr lang="it-IT" b="1" dirty="0"/>
+              <a:t>elaborazione </a:t>
+            </a:r>
+            <a:r>
+              <a:rPr lang="it-IT" b="1" dirty="0" smtClean="0"/>
+              <a:t>digitale </a:t>
+            </a:r>
+            <a:r>
+              <a:rPr lang="it-IT" dirty="0"/>
+              <a:t>del segnale interferometrico</a:t>
+            </a:r>
+          </a:p>
+          <a:p>
+            <a:endParaRPr lang="it-IT" dirty="0"/>
+          </a:p>
+        </p:txBody>
+      </p:sp>
     </p:spTree>
     <p:extLst>
       <p:ext uri="{BB962C8B-B14F-4D97-AF65-F5344CB8AC3E}">
-        <p14:creationId xmlns:p14="http://schemas.microsoft.com/office/powerpoint/2010/main" val="2372177897"/>
+        <p14:creationId xmlns:p14="http://schemas.microsoft.com/office/powerpoint/2010/main" val="594836213"/>
       </p:ext>
     </p:extLst>
   </p:cSld>
@@ -6224,8 +6675,8 @@
         </p:nvSpPr>
         <p:spPr>
           <a:xfrm>
-            <a:off x="685800" y="1142999"/>
-            <a:ext cx="7772400" cy="5229225"/>
+            <a:off x="609600" y="1021556"/>
+            <a:ext cx="7815263" cy="5272088"/>
           </a:xfrm>
         </p:spPr>
         <p:txBody>
@@ -6235,10 +6686,7 @@
             <a:r>
               <a:rPr lang="it-IT" sz="2400" dirty="0">
                 <a:solidFill>
-                  <a:schemeClr val="bg2">
-                    <a:lumMod val="40000"/>
-                    <a:lumOff val="60000"/>
-                  </a:schemeClr>
+                  <a:schemeClr val="bg2"/>
                 </a:solidFill>
               </a:rPr>
               <a:t>Interferometria</a:t>
@@ -6249,10 +6697,7 @@
             <a:r>
               <a:rPr lang="it-IT" sz="2000" dirty="0">
                 <a:solidFill>
-                  <a:schemeClr val="bg2">
-                    <a:lumMod val="40000"/>
-                    <a:lumOff val="60000"/>
-                  </a:schemeClr>
+                  <a:schemeClr val="bg2"/>
                 </a:solidFill>
               </a:rPr>
               <a:t>Interferometria a self-mixing</a:t>
@@ -6263,10 +6708,7 @@
             <a:r>
               <a:rPr lang="it-IT" sz="2000" dirty="0">
                 <a:solidFill>
-                  <a:schemeClr val="bg2">
-                    <a:lumMod val="40000"/>
-                    <a:lumOff val="60000"/>
-                  </a:schemeClr>
+                  <a:schemeClr val="bg2"/>
                 </a:solidFill>
               </a:rPr>
               <a:t>Misura della distanza</a:t>
@@ -6276,10 +6718,7 @@
             <a:r>
               <a:rPr lang="it-IT" sz="2400" dirty="0">
                 <a:solidFill>
-                  <a:schemeClr val="bg2">
-                    <a:lumMod val="40000"/>
-                    <a:lumOff val="60000"/>
-                  </a:schemeClr>
+                  <a:schemeClr val="bg2"/>
                 </a:solidFill>
               </a:rPr>
               <a:t>Architettura hardware</a:t>
@@ -6288,43 +6727,52 @@
           <a:p>
             <a:pPr lvl="1"/>
             <a:r>
+              <a:rPr lang="it-IT" sz="2000" dirty="0" smtClean="0">
+                <a:solidFill>
+                  <a:schemeClr val="bg2"/>
+                </a:solidFill>
+              </a:rPr>
+              <a:t>Sistema analogico</a:t>
+            </a:r>
+            <a:endParaRPr lang="it-IT" sz="2000" dirty="0">
+              <a:solidFill>
+                <a:schemeClr val="bg2"/>
+              </a:solidFill>
+            </a:endParaRPr>
+          </a:p>
+          <a:p>
+            <a:pPr lvl="1"/>
+            <a:r>
+              <a:rPr lang="it-IT" sz="2000" dirty="0" smtClean="0">
+                <a:solidFill>
+                  <a:schemeClr val="bg2"/>
+                </a:solidFill>
+              </a:rPr>
+              <a:t>Sistema digitale</a:t>
+            </a:r>
+            <a:endParaRPr lang="it-IT" sz="2000" dirty="0">
+              <a:solidFill>
+                <a:schemeClr val="bg2"/>
+              </a:solidFill>
+            </a:endParaRPr>
+          </a:p>
+          <a:p>
+            <a:pPr lvl="1"/>
+            <a:r>
+              <a:rPr lang="it-IT" sz="2000" dirty="0" smtClean="0">
+                <a:solidFill>
+                  <a:schemeClr val="bg2"/>
+                </a:solidFill>
+              </a:rPr>
+              <a:t>Sistema </a:t>
+            </a:r>
+            <a:r>
               <a:rPr lang="it-IT" sz="2000" dirty="0">
                 <a:solidFill>
-                  <a:schemeClr val="bg2">
-                    <a:lumMod val="40000"/>
-                    <a:lumOff val="60000"/>
-                  </a:schemeClr>
+                  <a:schemeClr val="bg2"/>
                 </a:solidFill>
               </a:rPr>
-              <a:t>Parte analogica</a:t>
-            </a:r>
-          </a:p>
-          <a:p>
-            <a:pPr lvl="1"/>
-            <a:r>
-              <a:rPr lang="it-IT" sz="2000" dirty="0">
-                <a:solidFill>
-                  <a:schemeClr val="bg2">
-                    <a:lumMod val="40000"/>
-                    <a:lumOff val="60000"/>
-                  </a:schemeClr>
-                </a:solidFill>
-              </a:rPr>
-              <a:t>Parte digitale</a:t>
-            </a:r>
-          </a:p>
-          <a:p>
-            <a:pPr lvl="1"/>
-            <a:r>
-              <a:rPr lang="it-IT" sz="2000" dirty="0">
-                <a:solidFill>
-                  <a:schemeClr val="bg2">
-                    <a:lumMod val="40000"/>
-                    <a:lumOff val="60000"/>
-                  </a:schemeClr>
-                </a:solidFill>
-              </a:rPr>
-              <a:t>Parte di conversione</a:t>
+              <a:t>di conversione</a:t>
             </a:r>
           </a:p>
           <a:p>
@@ -6343,18 +6791,29 @@
           <a:p>
             <a:pPr lvl="1"/>
             <a:r>
-              <a:rPr lang="it-IT" sz="2000" dirty="0"/>
+              <a:rPr lang="it-IT" sz="2000" dirty="0" smtClean="0"/>
               <a:t>Microcontrollore</a:t>
             </a:r>
           </a:p>
           <a:p>
-            <a:r>
-              <a:rPr lang="it-IT" sz="2400" dirty="0" smtClean="0"/>
-              <a:t>Risultati </a:t>
-            </a:r>
+            <a:pPr lvl="1"/>
+            <a:r>
+              <a:rPr lang="it-IT" sz="2000" dirty="0" smtClean="0"/>
+              <a:t>Dettagli implementativi</a:t>
+            </a:r>
+          </a:p>
+          <a:p>
+            <a:pPr lvl="1"/>
+            <a:r>
+              <a:rPr lang="it-IT" sz="2000" dirty="0" smtClean="0"/>
+              <a:t>Ottimizzazioni</a:t>
+            </a:r>
+            <a:endParaRPr lang="it-IT" sz="2000" dirty="0"/>
+          </a:p>
+          <a:p>
             <a:r>
               <a:rPr lang="it-IT" sz="2400" dirty="0"/>
-              <a:t>sperimentali</a:t>
+              <a:t>Risultati sperimentali</a:t>
             </a:r>
           </a:p>
           <a:p>
@@ -6392,7 +6851,7 @@
     </p:spTree>
     <p:extLst>
       <p:ext uri="{BB962C8B-B14F-4D97-AF65-F5344CB8AC3E}">
-        <p14:creationId xmlns:p14="http://schemas.microsoft.com/office/powerpoint/2010/main" val="1931562395"/>
+        <p14:creationId xmlns:p14="http://schemas.microsoft.com/office/powerpoint/2010/main" val="397969796"/>
       </p:ext>
     </p:extLst>
   </p:cSld>
@@ -6426,6 +6885,121 @@
           <a:chExt cx="0" cy="0"/>
         </a:xfrm>
       </p:grpSpPr>
+      <p:grpSp>
+        <p:nvGrpSpPr>
+          <p:cNvPr id="19" name="Gruppo 18"/>
+          <p:cNvGrpSpPr/>
+          <p:nvPr/>
+        </p:nvGrpSpPr>
+        <p:grpSpPr>
+          <a:xfrm>
+            <a:off x="2035269" y="3899105"/>
+            <a:ext cx="1760441" cy="452297"/>
+            <a:chOff x="2702158" y="4403759"/>
+            <a:chExt cx="1565038" cy="452297"/>
+          </a:xfrm>
+        </p:grpSpPr>
+        <p:sp>
+          <p:nvSpPr>
+            <p:cNvPr id="17" name="Freccia a destra 16"/>
+            <p:cNvSpPr/>
+            <p:nvPr/>
+          </p:nvSpPr>
+          <p:spPr>
+            <a:xfrm>
+              <a:off x="3009372" y="4403759"/>
+              <a:ext cx="1257824" cy="451450"/>
+            </a:xfrm>
+            <a:prstGeom prst="rightArrow">
+              <a:avLst>
+                <a:gd name="adj1" fmla="val 43808"/>
+                <a:gd name="adj2" fmla="val 50000"/>
+              </a:avLst>
+            </a:prstGeom>
+            <a:solidFill>
+              <a:schemeClr val="bg1">
+                <a:lumMod val="75000"/>
+              </a:schemeClr>
+            </a:solidFill>
+            <a:ln>
+              <a:noFill/>
+            </a:ln>
+            <a:effectLst/>
+          </p:spPr>
+          <p:style>
+            <a:lnRef idx="1">
+              <a:schemeClr val="accent1"/>
+            </a:lnRef>
+            <a:fillRef idx="3">
+              <a:schemeClr val="accent1"/>
+            </a:fillRef>
+            <a:effectRef idx="2">
+              <a:schemeClr val="accent1"/>
+            </a:effectRef>
+            <a:fontRef idx="minor">
+              <a:schemeClr val="lt1"/>
+            </a:fontRef>
+          </p:style>
+          <p:txBody>
+            <a:bodyPr rtlCol="0" anchor="ctr"/>
+            <a:lstStyle/>
+            <a:p>
+              <a:pPr algn="ctr"/>
+              <a:endParaRPr lang="it-IT"/>
+            </a:p>
+          </p:txBody>
+        </p:sp>
+        <p:sp>
+          <p:nvSpPr>
+            <p:cNvPr id="18" name="Freccia a destra 17"/>
+            <p:cNvSpPr/>
+            <p:nvPr/>
+          </p:nvSpPr>
+          <p:spPr>
+            <a:xfrm rot="10800000">
+              <a:off x="2702158" y="4404606"/>
+              <a:ext cx="1257824" cy="451450"/>
+            </a:xfrm>
+            <a:prstGeom prst="rightArrow">
+              <a:avLst>
+                <a:gd name="adj1" fmla="val 43808"/>
+                <a:gd name="adj2" fmla="val 50000"/>
+              </a:avLst>
+            </a:prstGeom>
+            <a:solidFill>
+              <a:schemeClr val="bg1">
+                <a:lumMod val="75000"/>
+              </a:schemeClr>
+            </a:solidFill>
+            <a:ln>
+              <a:noFill/>
+            </a:ln>
+            <a:effectLst/>
+          </p:spPr>
+          <p:style>
+            <a:lnRef idx="1">
+              <a:schemeClr val="accent1"/>
+            </a:lnRef>
+            <a:fillRef idx="3">
+              <a:schemeClr val="accent1"/>
+            </a:fillRef>
+            <a:effectRef idx="2">
+              <a:schemeClr val="accent1"/>
+            </a:effectRef>
+            <a:fontRef idx="minor">
+              <a:schemeClr val="lt1"/>
+            </a:fontRef>
+          </p:style>
+          <p:txBody>
+            <a:bodyPr rtlCol="0" anchor="ctr"/>
+            <a:lstStyle/>
+            <a:p>
+              <a:pPr algn="ctr"/>
+              <a:endParaRPr lang="it-IT"/>
+            </a:p>
+          </p:txBody>
+        </p:sp>
+      </p:grpSp>
       <p:sp>
         <p:nvSpPr>
           <p:cNvPr id="2" name="Titolo 1"/>
@@ -6446,48 +7020,6 @@
               <a:t>Architettura software</a:t>
             </a:r>
             <a:endParaRPr lang="it-IT" dirty="0"/>
-          </a:p>
-        </p:txBody>
-      </p:sp>
-      <p:sp>
-        <p:nvSpPr>
-          <p:cNvPr id="3" name="Segnaposto contenuto 2"/>
-          <p:cNvSpPr>
-            <a:spLocks noGrp="1"/>
-          </p:cNvSpPr>
-          <p:nvPr>
-            <p:ph idx="1"/>
-          </p:nvPr>
-        </p:nvSpPr>
-        <p:spPr>
-          <a:xfrm>
-            <a:off x="609600" y="5845290"/>
-            <a:ext cx="7772400" cy="528638"/>
-          </a:xfrm>
-        </p:spPr>
-        <p:txBody>
-          <a:bodyPr/>
-          <a:lstStyle/>
-          <a:p>
-            <a:r>
-              <a:rPr lang="it-IT" sz="2400" dirty="0" smtClean="0"/>
-              <a:t>Ambiente di sviluppo: </a:t>
-            </a:r>
-            <a:r>
-              <a:rPr lang="it-IT" sz="2400" b="1" dirty="0" smtClean="0"/>
-              <a:t>NI </a:t>
-            </a:r>
-            <a:r>
-              <a:rPr lang="it-IT" sz="2400" b="1" dirty="0" err="1" smtClean="0"/>
-              <a:t>LabVIEW</a:t>
-            </a:r>
-            <a:endParaRPr lang="it-IT" sz="2400" b="1" dirty="0"/>
-          </a:p>
-          <a:p>
-            <a:pPr marL="457200" lvl="1" indent="0">
-              <a:buNone/>
-            </a:pPr>
-            <a:endParaRPr lang="it-IT" sz="2000" dirty="0" smtClean="0"/>
           </a:p>
         </p:txBody>
       </p:sp>
@@ -6515,36 +7047,6 @@
           </a:p>
         </p:txBody>
       </p:sp>
-      <p:pic>
-        <p:nvPicPr>
-          <p:cNvPr id="8" name="Immagine 7"/>
-          <p:cNvPicPr>
-            <a:picLocks noChangeAspect="1"/>
-          </p:cNvPicPr>
-          <p:nvPr/>
-        </p:nvPicPr>
-        <p:blipFill>
-          <a:blip r:embed="rId2">
-            <a:extLst>
-              <a:ext uri="{28A0092B-C50C-407E-A947-70E740481C1C}">
-                <a14:useLocalDpi xmlns:a14="http://schemas.microsoft.com/office/drawing/2010/main" val="0"/>
-              </a:ext>
-            </a:extLst>
-          </a:blip>
-          <a:stretch>
-            <a:fillRect/>
-          </a:stretch>
-        </p:blipFill>
-        <p:spPr>
-          <a:xfrm>
-            <a:off x="1443037" y="3013645"/>
-            <a:ext cx="6329363" cy="2709525"/>
-          </a:xfrm>
-          <a:prstGeom prst="rect">
-            <a:avLst/>
-          </a:prstGeom>
-        </p:spPr>
-      </p:pic>
       <p:sp>
         <p:nvSpPr>
           <p:cNvPr id="9" name="Segnaposto contenuto 2"/>
@@ -6763,16 +7265,8 @@
           </a:lstStyle>
           <a:p>
             <a:r>
-              <a:rPr lang="it-IT" sz="2400" kern="0" dirty="0" smtClean="0"/>
-              <a:t>L’elaborazione numerica del segnale interferometrico è eseguita </a:t>
-            </a:r>
-            <a:r>
-              <a:rPr lang="it-IT" sz="2400" dirty="0" smtClean="0"/>
-              <a:t>in </a:t>
-            </a:r>
-            <a:r>
               <a:rPr lang="it-IT" sz="2400" dirty="0"/>
-              <a:t>parte su </a:t>
+              <a:t>L’elaborazione numerica dei segnali è eseguita in parte su </a:t>
             </a:r>
             <a:r>
               <a:rPr lang="it-IT" sz="2400" b="1" dirty="0"/>
@@ -6783,37 +7277,24 @@
               <a:t> ed in parte su </a:t>
             </a:r>
             <a:r>
-              <a:rPr lang="it-IT" sz="2400" b="1" dirty="0" smtClean="0"/>
+              <a:rPr lang="it-IT" sz="2400" b="1" dirty="0"/>
               <a:t>microcontrollore</a:t>
             </a:r>
-          </a:p>
-          <a:p>
-            <a:r>
-              <a:rPr lang="it-IT" sz="2400" dirty="0" smtClean="0"/>
+            <a:endParaRPr lang="it-IT" sz="2400" dirty="0"/>
+          </a:p>
+          <a:p>
+            <a:r>
+              <a:rPr lang="it-IT" sz="2400" dirty="0"/>
               <a:t>Il </a:t>
             </a:r>
             <a:r>
-              <a:rPr lang="it-IT" sz="2400" b="1" dirty="0" smtClean="0"/>
+              <a:rPr lang="it-IT" sz="2400" b="1" dirty="0"/>
               <a:t>PC</a:t>
             </a:r>
             <a:r>
-              <a:rPr lang="it-IT" sz="2400" dirty="0" smtClean="0"/>
-              <a:t> ha solo il compito di mostrare </a:t>
-            </a:r>
-            <a:r>
               <a:rPr lang="it-IT" sz="2400" dirty="0"/>
-              <a:t>all’utente finale la misura </a:t>
-            </a:r>
-            <a:r>
-              <a:rPr lang="it-IT" sz="2400" dirty="0" smtClean="0"/>
-              <a:t>di distanza</a:t>
-            </a:r>
-            <a:endParaRPr lang="it-IT" sz="2400" kern="0" dirty="0"/>
-          </a:p>
-          <a:p>
-            <a:pPr marL="0" indent="0">
-              <a:buNone/>
-            </a:pPr>
+              <a:t> ha solo il compito di mostrare all’utente finale la misura di distanza</a:t>
+            </a:r>
             <a:endParaRPr lang="it-IT" sz="2400" dirty="0"/>
           </a:p>
           <a:p>
@@ -6825,6 +7306,810 @@
               <a:buNone/>
             </a:pPr>
             <a:endParaRPr lang="it-IT" sz="2000" kern="0" dirty="0" smtClean="0"/>
+          </a:p>
+        </p:txBody>
+      </p:sp>
+      <p:sp>
+        <p:nvSpPr>
+          <p:cNvPr id="6" name="Rettangolo 5"/>
+          <p:cNvSpPr/>
+          <p:nvPr/>
+        </p:nvSpPr>
+        <p:spPr>
+          <a:xfrm>
+            <a:off x="209550" y="3758542"/>
+            <a:ext cx="1828800" cy="733425"/>
+          </a:xfrm>
+          <a:prstGeom prst="rect">
+            <a:avLst/>
+          </a:prstGeom>
+          <a:solidFill>
+            <a:srgbClr val="0070C0"/>
+          </a:solidFill>
+          <a:effectLst/>
+        </p:spPr>
+        <p:style>
+          <a:lnRef idx="1">
+            <a:schemeClr val="accent1"/>
+          </a:lnRef>
+          <a:fillRef idx="3">
+            <a:schemeClr val="accent1"/>
+          </a:fillRef>
+          <a:effectRef idx="2">
+            <a:schemeClr val="accent1"/>
+          </a:effectRef>
+          <a:fontRef idx="minor">
+            <a:schemeClr val="lt1"/>
+          </a:fontRef>
+        </p:style>
+        <p:txBody>
+          <a:bodyPr rtlCol="0" anchor="ctr"/>
+          <a:lstStyle/>
+          <a:p>
+            <a:pPr algn="ctr"/>
+            <a:r>
+              <a:rPr lang="it-IT" sz="2000" dirty="0" smtClean="0"/>
+              <a:t>Sistema elettronico</a:t>
+            </a:r>
+            <a:endParaRPr lang="it-IT" sz="2000" dirty="0"/>
+          </a:p>
+        </p:txBody>
+      </p:sp>
+      <p:grpSp>
+        <p:nvGrpSpPr>
+          <p:cNvPr id="11" name="Gruppo 10"/>
+          <p:cNvGrpSpPr/>
+          <p:nvPr/>
+        </p:nvGrpSpPr>
+        <p:grpSpPr>
+          <a:xfrm rot="5400000">
+            <a:off x="4357685" y="4555828"/>
+            <a:ext cx="704851" cy="451450"/>
+            <a:chOff x="3406187" y="3825742"/>
+            <a:chExt cx="1420605" cy="615292"/>
+          </a:xfrm>
+        </p:grpSpPr>
+        <p:sp>
+          <p:nvSpPr>
+            <p:cNvPr id="7" name="Freccia a destra 6"/>
+            <p:cNvSpPr/>
+            <p:nvPr/>
+          </p:nvSpPr>
+          <p:spPr>
+            <a:xfrm>
+              <a:off x="3810000" y="3825742"/>
+              <a:ext cx="1016792" cy="615292"/>
+            </a:xfrm>
+            <a:prstGeom prst="rightArrow">
+              <a:avLst>
+                <a:gd name="adj1" fmla="val 43808"/>
+                <a:gd name="adj2" fmla="val 50000"/>
+              </a:avLst>
+            </a:prstGeom>
+            <a:solidFill>
+              <a:schemeClr val="bg1">
+                <a:lumMod val="75000"/>
+              </a:schemeClr>
+            </a:solidFill>
+            <a:ln>
+              <a:noFill/>
+            </a:ln>
+            <a:effectLst/>
+          </p:spPr>
+          <p:style>
+            <a:lnRef idx="1">
+              <a:schemeClr val="accent1"/>
+            </a:lnRef>
+            <a:fillRef idx="3">
+              <a:schemeClr val="accent1"/>
+            </a:fillRef>
+            <a:effectRef idx="2">
+              <a:schemeClr val="accent1"/>
+            </a:effectRef>
+            <a:fontRef idx="minor">
+              <a:schemeClr val="lt1"/>
+            </a:fontRef>
+          </p:style>
+          <p:txBody>
+            <a:bodyPr rtlCol="0" anchor="ctr"/>
+            <a:lstStyle/>
+            <a:p>
+              <a:pPr algn="ctr"/>
+              <a:endParaRPr lang="it-IT"/>
+            </a:p>
+          </p:txBody>
+        </p:sp>
+        <p:sp>
+          <p:nvSpPr>
+            <p:cNvPr id="10" name="Freccia a destra 9"/>
+            <p:cNvSpPr/>
+            <p:nvPr/>
+          </p:nvSpPr>
+          <p:spPr>
+            <a:xfrm rot="10800000">
+              <a:off x="3406187" y="3825742"/>
+              <a:ext cx="1016792" cy="615292"/>
+            </a:xfrm>
+            <a:prstGeom prst="rightArrow">
+              <a:avLst>
+                <a:gd name="adj1" fmla="val 43808"/>
+                <a:gd name="adj2" fmla="val 50000"/>
+              </a:avLst>
+            </a:prstGeom>
+            <a:solidFill>
+              <a:schemeClr val="bg1">
+                <a:lumMod val="75000"/>
+              </a:schemeClr>
+            </a:solidFill>
+            <a:ln>
+              <a:noFill/>
+            </a:ln>
+            <a:effectLst/>
+          </p:spPr>
+          <p:style>
+            <a:lnRef idx="1">
+              <a:schemeClr val="accent1"/>
+            </a:lnRef>
+            <a:fillRef idx="3">
+              <a:schemeClr val="accent1"/>
+            </a:fillRef>
+            <a:effectRef idx="2">
+              <a:schemeClr val="accent1"/>
+            </a:effectRef>
+            <a:fontRef idx="minor">
+              <a:schemeClr val="lt1"/>
+            </a:fontRef>
+          </p:style>
+          <p:txBody>
+            <a:bodyPr rtlCol="0" anchor="ctr"/>
+            <a:lstStyle/>
+            <a:p>
+              <a:pPr algn="ctr"/>
+              <a:endParaRPr lang="it-IT"/>
+            </a:p>
+          </p:txBody>
+        </p:sp>
+      </p:grpSp>
+      <p:sp>
+        <p:nvSpPr>
+          <p:cNvPr id="12" name="Rettangolo 11"/>
+          <p:cNvSpPr/>
+          <p:nvPr/>
+        </p:nvSpPr>
+        <p:spPr>
+          <a:xfrm>
+            <a:off x="3238499" y="2910570"/>
+            <a:ext cx="5555361" cy="3385455"/>
+          </a:xfrm>
+          <a:prstGeom prst="rect">
+            <a:avLst/>
+          </a:prstGeom>
+          <a:noFill/>
+          <a:ln>
+            <a:solidFill>
+              <a:schemeClr val="accent2"/>
+            </a:solidFill>
+          </a:ln>
+          <a:effectLst/>
+        </p:spPr>
+        <p:style>
+          <a:lnRef idx="1">
+            <a:schemeClr val="accent1"/>
+          </a:lnRef>
+          <a:fillRef idx="3">
+            <a:schemeClr val="accent1"/>
+          </a:fillRef>
+          <a:effectRef idx="2">
+            <a:schemeClr val="accent1"/>
+          </a:effectRef>
+          <a:fontRef idx="minor">
+            <a:schemeClr val="lt1"/>
+          </a:fontRef>
+        </p:style>
+        <p:txBody>
+          <a:bodyPr rtlCol="0" anchor="ctr"/>
+          <a:lstStyle/>
+          <a:p>
+            <a:pPr algn="ctr"/>
+            <a:endParaRPr lang="it-IT"/>
+          </a:p>
+        </p:txBody>
+      </p:sp>
+      <p:sp>
+        <p:nvSpPr>
+          <p:cNvPr id="13" name="Rettangolo 12"/>
+          <p:cNvSpPr/>
+          <p:nvPr/>
+        </p:nvSpPr>
+        <p:spPr>
+          <a:xfrm>
+            <a:off x="3581399" y="3127948"/>
+            <a:ext cx="2257425" cy="2949001"/>
+          </a:xfrm>
+          <a:prstGeom prst="rect">
+            <a:avLst/>
+          </a:prstGeom>
+          <a:noFill/>
+          <a:ln>
+            <a:solidFill>
+              <a:schemeClr val="accent2"/>
+            </a:solidFill>
+          </a:ln>
+          <a:effectLst/>
+        </p:spPr>
+        <p:style>
+          <a:lnRef idx="1">
+            <a:schemeClr val="accent1"/>
+          </a:lnRef>
+          <a:fillRef idx="3">
+            <a:schemeClr val="accent1"/>
+          </a:fillRef>
+          <a:effectRef idx="2">
+            <a:schemeClr val="accent1"/>
+          </a:effectRef>
+          <a:fontRef idx="minor">
+            <a:schemeClr val="lt1"/>
+          </a:fontRef>
+        </p:style>
+        <p:txBody>
+          <a:bodyPr rtlCol="0" anchor="ctr"/>
+          <a:lstStyle/>
+          <a:p>
+            <a:pPr algn="ctr"/>
+            <a:endParaRPr lang="it-IT"/>
+          </a:p>
+        </p:txBody>
+      </p:sp>
+      <p:sp>
+        <p:nvSpPr>
+          <p:cNvPr id="14" name="Rettangolo 13"/>
+          <p:cNvSpPr/>
+          <p:nvPr/>
+        </p:nvSpPr>
+        <p:spPr>
+          <a:xfrm>
+            <a:off x="3795711" y="3691528"/>
+            <a:ext cx="1828800" cy="733425"/>
+          </a:xfrm>
+          <a:prstGeom prst="rect">
+            <a:avLst/>
+          </a:prstGeom>
+          <a:solidFill>
+            <a:srgbClr val="0070C0"/>
+          </a:solidFill>
+          <a:effectLst/>
+        </p:spPr>
+        <p:style>
+          <a:lnRef idx="1">
+            <a:schemeClr val="accent1"/>
+          </a:lnRef>
+          <a:fillRef idx="3">
+            <a:schemeClr val="accent1"/>
+          </a:fillRef>
+          <a:effectRef idx="2">
+            <a:schemeClr val="accent1"/>
+          </a:effectRef>
+          <a:fontRef idx="minor">
+            <a:schemeClr val="lt1"/>
+          </a:fontRef>
+        </p:style>
+        <p:txBody>
+          <a:bodyPr rtlCol="0" anchor="ctr"/>
+          <a:lstStyle/>
+          <a:p>
+            <a:pPr algn="ctr"/>
+            <a:r>
+              <a:rPr lang="it-IT" sz="2000" dirty="0" smtClean="0"/>
+              <a:t>FPGA</a:t>
+            </a:r>
+            <a:endParaRPr lang="it-IT" sz="2000" dirty="0"/>
+          </a:p>
+        </p:txBody>
+      </p:sp>
+      <p:sp>
+        <p:nvSpPr>
+          <p:cNvPr id="15" name="CasellaDiTesto 14"/>
+          <p:cNvSpPr txBox="1"/>
+          <p:nvPr/>
+        </p:nvSpPr>
+        <p:spPr>
+          <a:xfrm>
+            <a:off x="2487902" y="3970941"/>
+            <a:ext cx="922047" cy="307777"/>
+          </a:xfrm>
+          <a:prstGeom prst="rect">
+            <a:avLst/>
+          </a:prstGeom>
+          <a:noFill/>
+        </p:spPr>
+        <p:txBody>
+          <a:bodyPr wrap="none" rtlCol="0">
+            <a:spAutoFit/>
+          </a:bodyPr>
+          <a:lstStyle/>
+          <a:p>
+            <a:r>
+              <a:rPr lang="it-IT" sz="1400" dirty="0" smtClean="0"/>
+              <a:t>Digital IO</a:t>
+            </a:r>
+            <a:endParaRPr lang="it-IT" sz="1400" dirty="0"/>
+          </a:p>
+        </p:txBody>
+      </p:sp>
+      <p:sp>
+        <p:nvSpPr>
+          <p:cNvPr id="16" name="Rettangolo 15"/>
+          <p:cNvSpPr/>
+          <p:nvPr/>
+        </p:nvSpPr>
+        <p:spPr>
+          <a:xfrm>
+            <a:off x="3795710" y="5111966"/>
+            <a:ext cx="1828800" cy="733425"/>
+          </a:xfrm>
+          <a:prstGeom prst="rect">
+            <a:avLst/>
+          </a:prstGeom>
+          <a:solidFill>
+            <a:srgbClr val="0070C0"/>
+          </a:solidFill>
+          <a:effectLst/>
+        </p:spPr>
+        <p:style>
+          <a:lnRef idx="1">
+            <a:schemeClr val="accent1"/>
+          </a:lnRef>
+          <a:fillRef idx="3">
+            <a:schemeClr val="accent1"/>
+          </a:fillRef>
+          <a:effectRef idx="2">
+            <a:schemeClr val="accent1"/>
+          </a:effectRef>
+          <a:fontRef idx="minor">
+            <a:schemeClr val="lt1"/>
+          </a:fontRef>
+        </p:style>
+        <p:txBody>
+          <a:bodyPr rtlCol="0" anchor="ctr"/>
+          <a:lstStyle/>
+          <a:p>
+            <a:pPr algn="ctr"/>
+            <a:r>
+              <a:rPr lang="it-IT" sz="1800" dirty="0" smtClean="0"/>
+              <a:t>Microcontrollore</a:t>
+            </a:r>
+            <a:endParaRPr lang="it-IT" sz="1800" dirty="0"/>
+          </a:p>
+        </p:txBody>
+      </p:sp>
+      <p:sp>
+        <p:nvSpPr>
+          <p:cNvPr id="20" name="CasellaDiTesto 19"/>
+          <p:cNvSpPr txBox="1"/>
+          <p:nvPr/>
+        </p:nvSpPr>
+        <p:spPr>
+          <a:xfrm>
+            <a:off x="4418203" y="4642331"/>
+            <a:ext cx="583814" cy="307777"/>
+          </a:xfrm>
+          <a:prstGeom prst="rect">
+            <a:avLst/>
+          </a:prstGeom>
+          <a:noFill/>
+        </p:spPr>
+        <p:txBody>
+          <a:bodyPr wrap="none" rtlCol="0">
+            <a:spAutoFit/>
+          </a:bodyPr>
+          <a:lstStyle/>
+          <a:p>
+            <a:r>
+              <a:rPr lang="it-IT" sz="1400" dirty="0" smtClean="0"/>
+              <a:t>DMA</a:t>
+            </a:r>
+            <a:endParaRPr lang="it-IT" sz="1400" dirty="0"/>
+          </a:p>
+        </p:txBody>
+      </p:sp>
+      <p:grpSp>
+        <p:nvGrpSpPr>
+          <p:cNvPr id="21" name="Gruppo 20"/>
+          <p:cNvGrpSpPr/>
+          <p:nvPr/>
+        </p:nvGrpSpPr>
+        <p:grpSpPr>
+          <a:xfrm>
+            <a:off x="5621024" y="5252104"/>
+            <a:ext cx="1200149" cy="452297"/>
+            <a:chOff x="2702158" y="4403759"/>
+            <a:chExt cx="1565038" cy="452297"/>
+          </a:xfrm>
+        </p:grpSpPr>
+        <p:sp>
+          <p:nvSpPr>
+            <p:cNvPr id="22" name="Freccia a destra 21"/>
+            <p:cNvSpPr/>
+            <p:nvPr/>
+          </p:nvSpPr>
+          <p:spPr>
+            <a:xfrm>
+              <a:off x="3009372" y="4403759"/>
+              <a:ext cx="1257824" cy="451450"/>
+            </a:xfrm>
+            <a:prstGeom prst="rightArrow">
+              <a:avLst>
+                <a:gd name="adj1" fmla="val 43808"/>
+                <a:gd name="adj2" fmla="val 50000"/>
+              </a:avLst>
+            </a:prstGeom>
+            <a:solidFill>
+              <a:schemeClr val="bg1">
+                <a:lumMod val="75000"/>
+              </a:schemeClr>
+            </a:solidFill>
+            <a:ln>
+              <a:noFill/>
+            </a:ln>
+            <a:effectLst/>
+          </p:spPr>
+          <p:style>
+            <a:lnRef idx="1">
+              <a:schemeClr val="accent1"/>
+            </a:lnRef>
+            <a:fillRef idx="3">
+              <a:schemeClr val="accent1"/>
+            </a:fillRef>
+            <a:effectRef idx="2">
+              <a:schemeClr val="accent1"/>
+            </a:effectRef>
+            <a:fontRef idx="minor">
+              <a:schemeClr val="lt1"/>
+            </a:fontRef>
+          </p:style>
+          <p:txBody>
+            <a:bodyPr rtlCol="0" anchor="ctr"/>
+            <a:lstStyle/>
+            <a:p>
+              <a:pPr algn="ctr"/>
+              <a:endParaRPr lang="it-IT"/>
+            </a:p>
+          </p:txBody>
+        </p:sp>
+        <p:sp>
+          <p:nvSpPr>
+            <p:cNvPr id="23" name="Freccia a destra 22"/>
+            <p:cNvSpPr/>
+            <p:nvPr/>
+          </p:nvSpPr>
+          <p:spPr>
+            <a:xfrm rot="10800000">
+              <a:off x="2702158" y="4404606"/>
+              <a:ext cx="1257824" cy="451450"/>
+            </a:xfrm>
+            <a:prstGeom prst="rightArrow">
+              <a:avLst>
+                <a:gd name="adj1" fmla="val 43808"/>
+                <a:gd name="adj2" fmla="val 50000"/>
+              </a:avLst>
+            </a:prstGeom>
+            <a:solidFill>
+              <a:schemeClr val="bg1">
+                <a:lumMod val="75000"/>
+              </a:schemeClr>
+            </a:solidFill>
+            <a:ln>
+              <a:noFill/>
+            </a:ln>
+            <a:effectLst/>
+          </p:spPr>
+          <p:style>
+            <a:lnRef idx="1">
+              <a:schemeClr val="accent1"/>
+            </a:lnRef>
+            <a:fillRef idx="3">
+              <a:schemeClr val="accent1"/>
+            </a:fillRef>
+            <a:effectRef idx="2">
+              <a:schemeClr val="accent1"/>
+            </a:effectRef>
+            <a:fontRef idx="minor">
+              <a:schemeClr val="lt1"/>
+            </a:fontRef>
+          </p:style>
+          <p:txBody>
+            <a:bodyPr rtlCol="0" anchor="ctr"/>
+            <a:lstStyle/>
+            <a:p>
+              <a:pPr algn="ctr"/>
+              <a:endParaRPr lang="it-IT"/>
+            </a:p>
+          </p:txBody>
+        </p:sp>
+      </p:grpSp>
+      <p:sp>
+        <p:nvSpPr>
+          <p:cNvPr id="24" name="CasellaDiTesto 23"/>
+          <p:cNvSpPr txBox="1"/>
+          <p:nvPr/>
+        </p:nvSpPr>
+        <p:spPr>
+          <a:xfrm>
+            <a:off x="5790533" y="5324365"/>
+            <a:ext cx="861133" cy="307777"/>
+          </a:xfrm>
+          <a:prstGeom prst="rect">
+            <a:avLst/>
+          </a:prstGeom>
+          <a:noFill/>
+        </p:spPr>
+        <p:txBody>
+          <a:bodyPr wrap="none" rtlCol="0">
+            <a:spAutoFit/>
+          </a:bodyPr>
+          <a:lstStyle/>
+          <a:p>
+            <a:r>
+              <a:rPr lang="it-IT" sz="1400" dirty="0" smtClean="0"/>
+              <a:t>Ethernet</a:t>
+            </a:r>
+            <a:endParaRPr lang="it-IT" sz="1400" dirty="0"/>
+          </a:p>
+        </p:txBody>
+      </p:sp>
+      <p:sp>
+        <p:nvSpPr>
+          <p:cNvPr id="25" name="Rettangolo 24"/>
+          <p:cNvSpPr/>
+          <p:nvPr/>
+        </p:nvSpPr>
+        <p:spPr>
+          <a:xfrm>
+            <a:off x="6801647" y="5111966"/>
+            <a:ext cx="1828800" cy="733425"/>
+          </a:xfrm>
+          <a:prstGeom prst="rect">
+            <a:avLst/>
+          </a:prstGeom>
+          <a:solidFill>
+            <a:srgbClr val="0070C0"/>
+          </a:solidFill>
+          <a:effectLst/>
+        </p:spPr>
+        <p:style>
+          <a:lnRef idx="1">
+            <a:schemeClr val="accent1"/>
+          </a:lnRef>
+          <a:fillRef idx="3">
+            <a:schemeClr val="accent1"/>
+          </a:fillRef>
+          <a:effectRef idx="2">
+            <a:schemeClr val="accent1"/>
+          </a:effectRef>
+          <a:fontRef idx="minor">
+            <a:schemeClr val="lt1"/>
+          </a:fontRef>
+        </p:style>
+        <p:txBody>
+          <a:bodyPr rtlCol="0" anchor="ctr"/>
+          <a:lstStyle/>
+          <a:p>
+            <a:pPr algn="ctr"/>
+            <a:r>
+              <a:rPr lang="it-IT" sz="2000" dirty="0" smtClean="0"/>
+              <a:t>Interfaccia grafica</a:t>
+            </a:r>
+            <a:endParaRPr lang="it-IT" sz="2000" dirty="0"/>
+          </a:p>
+        </p:txBody>
+      </p:sp>
+      <p:sp>
+        <p:nvSpPr>
+          <p:cNvPr id="26" name="Rettangolo 25"/>
+          <p:cNvSpPr/>
+          <p:nvPr/>
+        </p:nvSpPr>
+        <p:spPr>
+          <a:xfrm>
+            <a:off x="6696483" y="4863894"/>
+            <a:ext cx="2003999" cy="1222252"/>
+          </a:xfrm>
+          <a:prstGeom prst="rect">
+            <a:avLst/>
+          </a:prstGeom>
+          <a:noFill/>
+          <a:ln>
+            <a:solidFill>
+              <a:schemeClr val="accent2"/>
+            </a:solidFill>
+          </a:ln>
+          <a:effectLst/>
+        </p:spPr>
+        <p:style>
+          <a:lnRef idx="1">
+            <a:schemeClr val="accent1"/>
+          </a:lnRef>
+          <a:fillRef idx="3">
+            <a:schemeClr val="accent1"/>
+          </a:fillRef>
+          <a:effectRef idx="2">
+            <a:schemeClr val="accent1"/>
+          </a:effectRef>
+          <a:fontRef idx="minor">
+            <a:schemeClr val="lt1"/>
+          </a:fontRef>
+        </p:style>
+        <p:txBody>
+          <a:bodyPr rtlCol="0" anchor="ctr"/>
+          <a:lstStyle/>
+          <a:p>
+            <a:pPr algn="ctr"/>
+            <a:endParaRPr lang="it-IT"/>
+          </a:p>
+        </p:txBody>
+      </p:sp>
+      <p:sp>
+        <p:nvSpPr>
+          <p:cNvPr id="27" name="CasellaDiTesto 26"/>
+          <p:cNvSpPr txBox="1"/>
+          <p:nvPr/>
+        </p:nvSpPr>
+        <p:spPr>
+          <a:xfrm>
+            <a:off x="7805000" y="2619919"/>
+            <a:ext cx="988860" cy="307777"/>
+          </a:xfrm>
+          <a:prstGeom prst="rect">
+            <a:avLst/>
+          </a:prstGeom>
+          <a:noFill/>
+        </p:spPr>
+        <p:txBody>
+          <a:bodyPr wrap="none" rtlCol="0">
+            <a:spAutoFit/>
+          </a:bodyPr>
+          <a:lstStyle/>
+          <a:p>
+            <a:r>
+              <a:rPr lang="it-IT" sz="1400" dirty="0" smtClean="0"/>
+              <a:t>DIGITALE</a:t>
+            </a:r>
+            <a:endParaRPr lang="it-IT" sz="1400" dirty="0"/>
+          </a:p>
+        </p:txBody>
+      </p:sp>
+      <p:sp>
+        <p:nvSpPr>
+          <p:cNvPr id="28" name="CasellaDiTesto 27"/>
+          <p:cNvSpPr txBox="1"/>
+          <p:nvPr/>
+        </p:nvSpPr>
+        <p:spPr>
+          <a:xfrm>
+            <a:off x="8126192" y="4527485"/>
+            <a:ext cx="434734" cy="307777"/>
+          </a:xfrm>
+          <a:prstGeom prst="rect">
+            <a:avLst/>
+          </a:prstGeom>
+          <a:noFill/>
+        </p:spPr>
+        <p:txBody>
+          <a:bodyPr wrap="none" rtlCol="0">
+            <a:spAutoFit/>
+          </a:bodyPr>
+          <a:lstStyle/>
+          <a:p>
+            <a:r>
+              <a:rPr lang="it-IT" sz="1400" dirty="0" smtClean="0"/>
+              <a:t>PC</a:t>
+            </a:r>
+            <a:endParaRPr lang="it-IT" sz="1400" dirty="0"/>
+          </a:p>
+        </p:txBody>
+      </p:sp>
+      <p:sp>
+        <p:nvSpPr>
+          <p:cNvPr id="29" name="CasellaDiTesto 28"/>
+          <p:cNvSpPr txBox="1"/>
+          <p:nvPr/>
+        </p:nvSpPr>
+        <p:spPr>
+          <a:xfrm>
+            <a:off x="5885983" y="3127948"/>
+            <a:ext cx="761747" cy="307777"/>
+          </a:xfrm>
+          <a:prstGeom prst="rect">
+            <a:avLst/>
+          </a:prstGeom>
+          <a:noFill/>
+        </p:spPr>
+        <p:txBody>
+          <a:bodyPr wrap="none" rtlCol="0">
+            <a:spAutoFit/>
+          </a:bodyPr>
+          <a:lstStyle/>
+          <a:p>
+            <a:r>
+              <a:rPr lang="it-IT" sz="1400" dirty="0" smtClean="0"/>
+              <a:t>NI9636</a:t>
+            </a:r>
+            <a:endParaRPr lang="it-IT" sz="1400" dirty="0"/>
+          </a:p>
+        </p:txBody>
+      </p:sp>
+      <p:sp>
+        <p:nvSpPr>
+          <p:cNvPr id="34" name="Rettangolo 33"/>
+          <p:cNvSpPr/>
+          <p:nvPr/>
+        </p:nvSpPr>
+        <p:spPr>
+          <a:xfrm>
+            <a:off x="123908" y="3467418"/>
+            <a:ext cx="2003999" cy="1222252"/>
+          </a:xfrm>
+          <a:prstGeom prst="rect">
+            <a:avLst/>
+          </a:prstGeom>
+          <a:noFill/>
+          <a:ln>
+            <a:solidFill>
+              <a:schemeClr val="accent2"/>
+            </a:solidFill>
+          </a:ln>
+          <a:effectLst/>
+        </p:spPr>
+        <p:style>
+          <a:lnRef idx="1">
+            <a:schemeClr val="accent1"/>
+          </a:lnRef>
+          <a:fillRef idx="3">
+            <a:schemeClr val="accent1"/>
+          </a:fillRef>
+          <a:effectRef idx="2">
+            <a:schemeClr val="accent1"/>
+          </a:effectRef>
+          <a:fontRef idx="minor">
+            <a:schemeClr val="lt1"/>
+          </a:fontRef>
+        </p:style>
+        <p:txBody>
+          <a:bodyPr rtlCol="0" anchor="ctr"/>
+          <a:lstStyle/>
+          <a:p>
+            <a:pPr algn="ctr"/>
+            <a:endParaRPr lang="it-IT"/>
+          </a:p>
+        </p:txBody>
+      </p:sp>
+      <p:sp>
+        <p:nvSpPr>
+          <p:cNvPr id="35" name="CasellaDiTesto 34"/>
+          <p:cNvSpPr txBox="1"/>
+          <p:nvPr/>
+        </p:nvSpPr>
+        <p:spPr>
+          <a:xfrm>
+            <a:off x="875641" y="3181184"/>
+            <a:ext cx="1252266" cy="307777"/>
+          </a:xfrm>
+          <a:prstGeom prst="rect">
+            <a:avLst/>
+          </a:prstGeom>
+          <a:noFill/>
+        </p:spPr>
+        <p:txBody>
+          <a:bodyPr wrap="none" rtlCol="0">
+            <a:spAutoFit/>
+          </a:bodyPr>
+          <a:lstStyle/>
+          <a:p>
+            <a:r>
+              <a:rPr lang="it-IT" sz="1400" dirty="0" smtClean="0"/>
+              <a:t>ANALOGICO</a:t>
+            </a:r>
+            <a:endParaRPr lang="it-IT" sz="1400" dirty="0"/>
           </a:p>
         </p:txBody>
       </p:sp>
@@ -6930,17 +8215,6 @@
               <a:rPr lang="it-IT" sz="2000" dirty="0" smtClean="0"/>
               <a:t>segnale di modulazione </a:t>
             </a:r>
-            <a:br>
-              <a:rPr lang="it-IT" sz="2000" dirty="0" smtClean="0"/>
-            </a:br>
-            <a:r>
-              <a:rPr lang="it-IT" sz="2000" dirty="0" smtClean="0"/>
-              <a:t>a </a:t>
-            </a:r>
-            <a:r>
-              <a:rPr lang="it-IT" sz="2000" i="1" dirty="0" smtClean="0"/>
-              <a:t>24kHz</a:t>
-            </a:r>
             <a:r>
               <a:rPr lang="it-IT" sz="2000" i="1" dirty="0" smtClean="0"/>
               <a:t/>
@@ -6973,10 +8247,6 @@
             <a:r>
               <a:rPr lang="it-IT" sz="2000" i="1" dirty="0" smtClean="0"/>
               <a:t>30MHz</a:t>
-            </a:r>
-            <a:r>
-              <a:rPr lang="it-IT" sz="2000" i="1" dirty="0" smtClean="0"/>
-              <a:t/>
             </a:r>
             <a:br>
               <a:rPr lang="it-IT" sz="2000" i="1" dirty="0" smtClean="0"/>
@@ -7205,11 +8475,7 @@
             </a:r>
             <a:r>
               <a:rPr lang="it-IT" sz="2000" dirty="0" smtClean="0"/>
-              <a:t> (IFFT</a:t>
-            </a:r>
-            <a:r>
-              <a:rPr lang="it-IT" sz="2000" dirty="0" smtClean="0"/>
-              <a:t>)</a:t>
+              <a:t> (IFFT)</a:t>
             </a:r>
             <a:br>
               <a:rPr lang="it-IT" sz="2000" dirty="0" smtClean="0"/>
@@ -7323,8 +8589,8 @@
           </a:p>
         </p:txBody>
       </p:sp>
-      <mc:AlternateContent xmlns:mc="http://schemas.openxmlformats.org/markup-compatibility/2006">
-        <mc:Choice xmlns:a14="http://schemas.microsoft.com/office/drawing/2010/main" Requires="a14">
+      <mc:AlternateContent xmlns:mc="http://schemas.openxmlformats.org/markup-compatibility/2006" xmlns:a14="http://schemas.microsoft.com/office/drawing/2010/main">
+        <mc:Choice Requires="a14">
           <p:sp>
             <p:nvSpPr>
               <p:cNvPr id="7" name="CasellaDiTesto 6"/>
@@ -7382,7 +8648,7 @@
                         <m:fPr>
                           <m:ctrlPr>
                             <a:rPr lang="it-IT" i="1" smtClean="0">
-                              <a:latin typeface="Cambria Math" charset="0"/>
+                              <a:latin typeface="Cambria Math" panose="02040503050406030204" pitchFamily="18" charset="0"/>
                               <a:ea typeface="Cambria Math" charset="0"/>
                               <a:cs typeface="Cambria Math" charset="0"/>
                             </a:rPr>
@@ -7393,7 +8659,7 @@
                             <m:sSubPr>
                               <m:ctrlPr>
                                 <a:rPr lang="it-IT" i="1" smtClean="0">
-                                  <a:latin typeface="Cambria Math" charset="0"/>
+                                  <a:latin typeface="Cambria Math" panose="02040503050406030204" pitchFamily="18" charset="0"/>
                                   <a:ea typeface="Cambria Math" charset="0"/>
                                   <a:cs typeface="Cambria Math" charset="0"/>
                                 </a:rPr>
@@ -7432,7 +8698,7 @@
                             <m:sSubPr>
                               <m:ctrlPr>
                                 <a:rPr lang="it-IT" b="0" i="1" smtClean="0">
-                                  <a:latin typeface="Cambria Math" charset="0"/>
+                                  <a:latin typeface="Cambria Math" panose="02040503050406030204" pitchFamily="18" charset="0"/>
                                   <a:ea typeface="Cambria Math" charset="0"/>
                                   <a:cs typeface="Cambria Math" charset="0"/>
                                 </a:rPr>
@@ -7479,7 +8745,7 @@
             </p:txBody>
           </p:sp>
         </mc:Choice>
-        <mc:Fallback>
+        <mc:Fallback xmlns="">
           <p:sp>
             <p:nvSpPr>
               <p:cNvPr id="7" name="CasellaDiTesto 6"/>
@@ -7602,7 +8868,7 @@
           <a:p>
             <a:r>
               <a:rPr lang="it-IT" dirty="0" smtClean="0"/>
-              <a:t>Indice</a:t>
+              <a:t>Dettagli implementativi</a:t>
             </a:r>
             <a:endParaRPr lang="it-IT" dirty="0"/>
           </a:p>
@@ -7618,163 +8884,115 @@
             <p:ph idx="1"/>
           </p:nvPr>
         </p:nvSpPr>
-        <p:spPr>
-          <a:xfrm>
-            <a:off x="685799" y="1143000"/>
-            <a:ext cx="7800975" cy="5077692"/>
-          </a:xfrm>
-        </p:spPr>
+        <p:spPr/>
         <p:txBody>
           <a:bodyPr/>
           <a:lstStyle/>
           <a:p>
             <a:r>
-              <a:rPr lang="it-IT" sz="2400" dirty="0">
-                <a:solidFill>
-                  <a:schemeClr val="bg2">
-                    <a:lumMod val="40000"/>
-                    <a:lumOff val="60000"/>
-                  </a:schemeClr>
-                </a:solidFill>
-              </a:rPr>
-              <a:t>Interferometria</a:t>
-            </a:r>
+              <a:rPr lang="it-IT" sz="2400" dirty="0"/>
+              <a:t>Ambiente di sviluppo: </a:t>
+            </a:r>
+            <a:r>
+              <a:rPr lang="it-IT" sz="2400" b="1" dirty="0"/>
+              <a:t>NI </a:t>
+            </a:r>
+            <a:r>
+              <a:rPr lang="it-IT" sz="2400" b="1" dirty="0" err="1"/>
+              <a:t>LabVIEW</a:t>
+            </a:r>
+            <a:endParaRPr lang="it-IT" sz="2400" dirty="0"/>
           </a:p>
           <a:p>
             <a:pPr lvl="1"/>
             <a:r>
-              <a:rPr lang="it-IT" sz="2000" dirty="0">
-                <a:solidFill>
-                  <a:schemeClr val="bg2">
-                    <a:lumMod val="40000"/>
-                    <a:lumOff val="60000"/>
-                  </a:schemeClr>
-                </a:solidFill>
-              </a:rPr>
-              <a:t>Interferometria a self-mixing</a:t>
-            </a:r>
+              <a:rPr lang="it-IT" sz="2000" b="1" dirty="0"/>
+              <a:t>FPGA </a:t>
+            </a:r>
+            <a:r>
+              <a:rPr lang="it-IT" sz="2000" dirty="0" err="1"/>
+              <a:t>Module</a:t>
+            </a:r>
+            <a:endParaRPr lang="it-IT" sz="2000" b="1" dirty="0"/>
           </a:p>
           <a:p>
             <a:pPr lvl="1"/>
             <a:r>
-              <a:rPr lang="it-IT" sz="2000" dirty="0">
-                <a:solidFill>
-                  <a:schemeClr val="bg2">
-                    <a:lumMod val="40000"/>
-                    <a:lumOff val="60000"/>
-                  </a:schemeClr>
-                </a:solidFill>
-              </a:rPr>
-              <a:t>Misura della distanza</a:t>
-            </a:r>
-          </a:p>
-          <a:p>
-            <a:r>
-              <a:rPr lang="it-IT" sz="2400" dirty="0">
-                <a:solidFill>
-                  <a:schemeClr val="bg2">
-                    <a:lumMod val="40000"/>
-                    <a:lumOff val="60000"/>
-                  </a:schemeClr>
-                </a:solidFill>
-              </a:rPr>
-              <a:t>Architettura hardware</a:t>
-            </a:r>
+              <a:rPr lang="it-IT" sz="2000" b="1" dirty="0"/>
+              <a:t>Real-Time </a:t>
+            </a:r>
+            <a:r>
+              <a:rPr lang="it-IT" sz="2000" dirty="0" err="1"/>
+              <a:t>Module</a:t>
+            </a:r>
+            <a:endParaRPr lang="it-IT" sz="2000" b="1" dirty="0"/>
+          </a:p>
+          <a:p>
+            <a:r>
+              <a:rPr lang="it-IT" sz="2400" dirty="0"/>
+              <a:t>Struttura a cicli paralleli con scambio di dati tramite code </a:t>
+            </a:r>
+            <a:r>
+              <a:rPr lang="it-IT" sz="2400" b="1" dirty="0"/>
+              <a:t>FIFO</a:t>
+            </a:r>
+            <a:endParaRPr lang="it-IT" sz="2400" dirty="0"/>
           </a:p>
           <a:p>
             <a:pPr lvl="1"/>
             <a:r>
-              <a:rPr lang="it-IT" sz="2000" dirty="0">
-                <a:solidFill>
-                  <a:schemeClr val="bg2">
-                    <a:lumMod val="40000"/>
-                    <a:lumOff val="60000"/>
-                  </a:schemeClr>
-                </a:solidFill>
-              </a:rPr>
-              <a:t>Parte analogica</a:t>
-            </a:r>
-          </a:p>
-          <a:p>
-            <a:pPr lvl="1"/>
-            <a:r>
-              <a:rPr lang="it-IT" sz="2000" dirty="0">
-                <a:solidFill>
-                  <a:schemeClr val="bg2">
-                    <a:lumMod val="40000"/>
-                    <a:lumOff val="60000"/>
-                  </a:schemeClr>
-                </a:solidFill>
-              </a:rPr>
-              <a:t>Parte digitale</a:t>
-            </a:r>
-          </a:p>
-          <a:p>
-            <a:pPr lvl="1"/>
-            <a:r>
-              <a:rPr lang="it-IT" sz="2000" dirty="0">
-                <a:solidFill>
-                  <a:schemeClr val="bg2">
-                    <a:lumMod val="40000"/>
-                    <a:lumOff val="60000"/>
-                  </a:schemeClr>
-                </a:solidFill>
-              </a:rPr>
-              <a:t>Parte di conversione</a:t>
-            </a:r>
-          </a:p>
-          <a:p>
-            <a:r>
-              <a:rPr lang="it-IT" sz="2400" dirty="0">
-                <a:solidFill>
-                  <a:schemeClr val="bg2">
-                    <a:lumMod val="40000"/>
-                    <a:lumOff val="60000"/>
-                  </a:schemeClr>
-                </a:solidFill>
-              </a:rPr>
-              <a:t>Architettura software</a:t>
-            </a:r>
-          </a:p>
-          <a:p>
-            <a:pPr lvl="1"/>
-            <a:r>
-              <a:rPr lang="it-IT" sz="2000" dirty="0">
-                <a:solidFill>
-                  <a:schemeClr val="bg2">
-                    <a:lumMod val="40000"/>
-                    <a:lumOff val="60000"/>
-                  </a:schemeClr>
-                </a:solidFill>
-              </a:rPr>
+              <a:rPr lang="it-IT" sz="2000" dirty="0"/>
+              <a:t>Pattern </a:t>
+            </a:r>
+            <a:r>
+              <a:rPr lang="it-IT" sz="2000" b="1" dirty="0"/>
+              <a:t>Producer-Consumer</a:t>
+            </a:r>
+            <a:endParaRPr lang="it-IT" sz="2000" dirty="0"/>
+          </a:p>
+          <a:p>
+            <a:r>
+              <a:rPr lang="it-IT" sz="2400" b="1" dirty="0"/>
+              <a:t>DMA</a:t>
+            </a:r>
+            <a:r>
+              <a:rPr lang="it-IT" sz="2400" dirty="0"/>
+              <a:t> per lo scambio di dati tra FPGA e microcontrollore</a:t>
+            </a:r>
+          </a:p>
+          <a:p>
+            <a:r>
+              <a:rPr lang="it-IT" sz="2400" dirty="0"/>
+              <a:t>Aritmetica </a:t>
+            </a:r>
+            <a:r>
+              <a:rPr lang="it-IT" sz="2400" b="1" dirty="0" err="1"/>
+              <a:t>fixed</a:t>
+            </a:r>
+            <a:r>
+              <a:rPr lang="it-IT" sz="2400" b="1" dirty="0"/>
+              <a:t> </a:t>
+            </a:r>
+            <a:r>
+              <a:rPr lang="it-IT" sz="2400" b="1" dirty="0" err="1"/>
+              <a:t>point</a:t>
+            </a:r>
+            <a:r>
+              <a:rPr lang="it-IT" sz="2400" dirty="0"/>
+              <a:t> per migliorare le prestazioni su </a:t>
+            </a:r>
+            <a:r>
+              <a:rPr lang="it-IT" sz="2400" dirty="0" smtClean="0"/>
               <a:t>FPGA</a:t>
             </a:r>
-          </a:p>
-          <a:p>
-            <a:pPr lvl="1"/>
-            <a:r>
-              <a:rPr lang="it-IT" sz="2000" dirty="0">
-                <a:solidFill>
-                  <a:schemeClr val="bg2">
-                    <a:lumMod val="40000"/>
-                    <a:lumOff val="60000"/>
-                  </a:schemeClr>
-                </a:solidFill>
-              </a:rPr>
-              <a:t>Microcontrollore</a:t>
-            </a:r>
-          </a:p>
-          <a:p>
             <a:r>
               <a:rPr lang="it-IT" sz="2400" dirty="0"/>
-              <a:t>Risultati sperimentali</a:t>
-            </a:r>
-          </a:p>
-          <a:p>
-            <a:r>
+              <a:t/>
+            </a:r>
+            <a:br>
               <a:rPr lang="it-IT" sz="2400" dirty="0"/>
-              <a:t>Conclusioni e sviluppi futuri</a:t>
-            </a:r>
+            </a:br>
+            <a:endParaRPr lang="it-IT" sz="1800" dirty="0"/>
           </a:p>
         </p:txBody>
       </p:sp>
@@ -7805,7 +9023,7 @@
     </p:spTree>
     <p:extLst>
       <p:ext uri="{BB962C8B-B14F-4D97-AF65-F5344CB8AC3E}">
-        <p14:creationId xmlns:p14="http://schemas.microsoft.com/office/powerpoint/2010/main" val="3967324833"/>
+        <p14:creationId xmlns:p14="http://schemas.microsoft.com/office/powerpoint/2010/main" val="721427499"/>
       </p:ext>
     </p:extLst>
   </p:cSld>
@@ -7856,7 +9074,7 @@
           <a:p>
             <a:r>
               <a:rPr lang="it-IT" dirty="0" smtClean="0"/>
-              <a:t>Risultati sperimentali (1)</a:t>
+              <a:t>Ottimizzazioni</a:t>
             </a:r>
             <a:endParaRPr lang="it-IT" dirty="0"/>
           </a:p>
@@ -7878,51 +9096,114 @@
           <a:lstStyle/>
           <a:p>
             <a:r>
+              <a:rPr lang="it-IT" sz="2400" dirty="0"/>
+              <a:t>Finestratura di </a:t>
+            </a:r>
+            <a:r>
+              <a:rPr lang="it-IT" sz="2400" dirty="0" err="1"/>
+              <a:t>Hanning</a:t>
+            </a:r>
+            <a:r>
+              <a:rPr lang="it-IT" sz="2400" dirty="0"/>
+              <a:t> del segnale </a:t>
+            </a:r>
+            <a:r>
               <a:rPr lang="it-IT" sz="2400" dirty="0" smtClean="0"/>
-              <a:t>Due tipologie di prove, effettuate ad ogni passo dello sviluppo:</a:t>
-            </a:r>
-          </a:p>
-          <a:p>
-            <a:pPr lvl="1"/>
-            <a:r>
-              <a:rPr lang="it-IT" sz="2000" dirty="0" smtClean="0"/>
-              <a:t>Bersaglio fisso</a:t>
-            </a:r>
-          </a:p>
-          <a:p>
-            <a:pPr lvl="1"/>
-            <a:r>
-              <a:rPr lang="it-IT" sz="2000" dirty="0" smtClean="0"/>
-              <a:t>Bersaglio mobile</a:t>
-            </a:r>
+              <a:t>interferometrico</a:t>
+            </a:r>
+            <a:endParaRPr lang="it-IT" sz="2400" dirty="0"/>
           </a:p>
           <a:p>
             <a:r>
               <a:rPr lang="it-IT" sz="2400" dirty="0" smtClean="0"/>
-              <a:t>Risultati sintetici:</a:t>
-            </a:r>
-          </a:p>
-          <a:p>
-            <a:pPr lvl="1"/>
-            <a:r>
-              <a:rPr lang="it-IT" sz="2000" dirty="0" smtClean="0"/>
-              <a:t>Inserire dati di tutti i passi</a:t>
+              <a:t>Compensazione </a:t>
+            </a:r>
+            <a:r>
+              <a:rPr lang="it-IT" sz="2400" dirty="0"/>
+              <a:t>della non-linearità del laser</a:t>
             </a:r>
             <a:br>
-              <a:rPr lang="it-IT" sz="2000" dirty="0" smtClean="0"/>
+              <a:rPr lang="it-IT" sz="2400" dirty="0"/>
             </a:br>
             <a:r>
-              <a:rPr lang="it-IT" sz="2000" dirty="0" smtClean="0"/>
-              <a:t>sia per una che per l’altra</a:t>
+              <a:rPr lang="it-IT" sz="2400" dirty="0" smtClean="0"/>
+              <a:t/>
             </a:r>
             <a:br>
-              <a:rPr lang="it-IT" sz="2000" dirty="0" smtClean="0"/>
+              <a:rPr lang="it-IT" sz="2400" dirty="0" smtClean="0"/>
             </a:br>
             <a:r>
-              <a:rPr lang="it-IT" sz="2000" dirty="0" smtClean="0"/>
-              <a:t>prova, poi si commentano a voce</a:t>
-            </a:r>
-            <a:endParaRPr lang="it-IT" sz="2000" dirty="0"/>
+              <a:rPr lang="it-IT" sz="2400" dirty="0" smtClean="0"/>
+              <a:t/>
+            </a:r>
+            <a:br>
+              <a:rPr lang="it-IT" sz="2400" dirty="0" smtClean="0"/>
+            </a:br>
+            <a:r>
+              <a:rPr lang="it-IT" sz="2400" dirty="0" smtClean="0"/>
+              <a:t/>
+            </a:r>
+            <a:br>
+              <a:rPr lang="it-IT" sz="2400" dirty="0" smtClean="0"/>
+            </a:br>
+            <a:r>
+              <a:rPr lang="it-IT" sz="2400" dirty="0" smtClean="0"/>
+              <a:t/>
+            </a:r>
+            <a:br>
+              <a:rPr lang="it-IT" sz="2400" dirty="0" smtClean="0"/>
+            </a:br>
+            <a:r>
+              <a:rPr lang="it-IT" sz="2400" dirty="0"/>
+              <a:t/>
+            </a:r>
+            <a:br>
+              <a:rPr lang="it-IT" sz="2400" dirty="0"/>
+            </a:br>
+            <a:endParaRPr lang="it-IT" sz="2400" dirty="0"/>
+          </a:p>
+          <a:p>
+            <a:endParaRPr lang="it-IT" sz="2400" dirty="0"/>
+          </a:p>
+          <a:p>
+            <a:r>
+              <a:rPr lang="it-IT" sz="2400" dirty="0" smtClean="0"/>
+              <a:t>Segnali </a:t>
+            </a:r>
+            <a:r>
+              <a:rPr lang="it-IT" sz="2400" dirty="0"/>
+              <a:t>di modulazione con </a:t>
+            </a:r>
+            <a:r>
+              <a:rPr lang="it-IT" sz="2400" dirty="0" smtClean="0"/>
+              <a:t/>
+            </a:r>
+            <a:br>
+              <a:rPr lang="it-IT" sz="2400" dirty="0" smtClean="0"/>
+            </a:br>
+            <a:r>
+              <a:rPr lang="it-IT" sz="2400" dirty="0" smtClean="0"/>
+              <a:t>ampiezze differenti</a:t>
+            </a:r>
+            <a:endParaRPr lang="it-IT" sz="2400" dirty="0"/>
+          </a:p>
+          <a:p>
+            <a:r>
+              <a:rPr lang="it-IT" sz="2400" dirty="0" smtClean="0"/>
+              <a:t>Sottrazione </a:t>
+            </a:r>
+            <a:r>
+              <a:rPr lang="it-IT" sz="2400" dirty="0"/>
+              <a:t>del fondo di </a:t>
+            </a:r>
+            <a:r>
+              <a:rPr lang="it-IT" sz="2400" dirty="0" smtClean="0"/>
+              <a:t>rumore </a:t>
+            </a:r>
+            <a:endParaRPr lang="it-IT" sz="2400" dirty="0"/>
+          </a:p>
+          <a:p>
+            <a:endParaRPr lang="it-IT" sz="2400" dirty="0"/>
           </a:p>
         </p:txBody>
       </p:sp>
@@ -7972,8 +9253,68 @@
         </p:blipFill>
         <p:spPr>
           <a:xfrm>
-            <a:off x="1356796" y="4161835"/>
-            <a:ext cx="3943865" cy="2162765"/>
+            <a:off x="5684087" y="4695825"/>
+            <a:ext cx="3459913" cy="1857375"/>
+          </a:xfrm>
+          <a:prstGeom prst="rect">
+            <a:avLst/>
+          </a:prstGeom>
+        </p:spPr>
+      </p:pic>
+      <p:pic>
+        <p:nvPicPr>
+          <p:cNvPr id="6" name="Immagine 5"/>
+          <p:cNvPicPr>
+            <a:picLocks noChangeAspect="1"/>
+          </p:cNvPicPr>
+          <p:nvPr/>
+        </p:nvPicPr>
+        <p:blipFill>
+          <a:blip r:embed="rId3">
+            <a:extLst>
+              <a:ext uri="{28A0092B-C50C-407E-A947-70E740481C1C}">
+                <a14:useLocalDpi xmlns:a14="http://schemas.microsoft.com/office/drawing/2010/main" val="0"/>
+              </a:ext>
+            </a:extLst>
+          </a:blip>
+          <a:stretch>
+            <a:fillRect/>
+          </a:stretch>
+        </p:blipFill>
+        <p:spPr>
+          <a:xfrm>
+            <a:off x="609600" y="1993123"/>
+            <a:ext cx="3605212" cy="2702702"/>
+          </a:xfrm>
+          <a:prstGeom prst="rect">
+            <a:avLst/>
+          </a:prstGeom>
+        </p:spPr>
+      </p:pic>
+      <p:pic>
+        <p:nvPicPr>
+          <p:cNvPr id="7" name="Immagine 6"/>
+          <p:cNvPicPr>
+            <a:picLocks noChangeAspect="1"/>
+          </p:cNvPicPr>
+          <p:nvPr/>
+        </p:nvPicPr>
+        <p:blipFill>
+          <a:blip r:embed="rId4">
+            <a:extLst>
+              <a:ext uri="{28A0092B-C50C-407E-A947-70E740481C1C}">
+                <a14:useLocalDpi xmlns:a14="http://schemas.microsoft.com/office/drawing/2010/main" val="0"/>
+              </a:ext>
+            </a:extLst>
+          </a:blip>
+          <a:stretch>
+            <a:fillRect/>
+          </a:stretch>
+        </p:blipFill>
+        <p:spPr>
+          <a:xfrm>
+            <a:off x="5018842" y="2114148"/>
+            <a:ext cx="3439358" cy="2578368"/>
           </a:xfrm>
           <a:prstGeom prst="rect">
             <a:avLst/>
@@ -7983,7 +9324,7 @@
     </p:spTree>
     <p:extLst>
       <p:ext uri="{BB962C8B-B14F-4D97-AF65-F5344CB8AC3E}">
-        <p14:creationId xmlns:p14="http://schemas.microsoft.com/office/powerpoint/2010/main" val="2345925326"/>
+        <p14:creationId xmlns:p14="http://schemas.microsoft.com/office/powerpoint/2010/main" val="2982879685"/>
       </p:ext>
     </p:extLst>
   </p:cSld>
@@ -8034,7 +9375,7 @@
           <a:p>
             <a:r>
               <a:rPr lang="it-IT" dirty="0" smtClean="0"/>
-              <a:t>Risultati sperimentali (2)</a:t>
+              <a:t>Indice</a:t>
             </a:r>
             <a:endParaRPr lang="it-IT" dirty="0"/>
           </a:p>
@@ -8050,16 +9391,178 @@
             <p:ph idx="1"/>
           </p:nvPr>
         </p:nvSpPr>
-        <p:spPr/>
+        <p:spPr>
+          <a:xfrm>
+            <a:off x="609600" y="1021556"/>
+            <a:ext cx="7815263" cy="5272088"/>
+          </a:xfrm>
+        </p:spPr>
         <p:txBody>
           <a:bodyPr/>
           <a:lstStyle/>
           <a:p>
             <a:r>
-              <a:rPr lang="it-IT" sz="2400" dirty="0" smtClean="0"/>
-              <a:t>TODO</a:t>
-            </a:r>
-            <a:endParaRPr lang="it-IT" sz="2000" dirty="0"/>
+              <a:rPr lang="it-IT" sz="2400" dirty="0">
+                <a:solidFill>
+                  <a:schemeClr val="bg2"/>
+                </a:solidFill>
+              </a:rPr>
+              <a:t>Interferometria</a:t>
+            </a:r>
+          </a:p>
+          <a:p>
+            <a:pPr lvl="1"/>
+            <a:r>
+              <a:rPr lang="it-IT" sz="2000" dirty="0">
+                <a:solidFill>
+                  <a:schemeClr val="bg2"/>
+                </a:solidFill>
+              </a:rPr>
+              <a:t>Interferometria a self-mixing</a:t>
+            </a:r>
+          </a:p>
+          <a:p>
+            <a:pPr lvl="1"/>
+            <a:r>
+              <a:rPr lang="it-IT" sz="2000" dirty="0">
+                <a:solidFill>
+                  <a:schemeClr val="bg2"/>
+                </a:solidFill>
+              </a:rPr>
+              <a:t>Misura della distanza</a:t>
+            </a:r>
+          </a:p>
+          <a:p>
+            <a:r>
+              <a:rPr lang="it-IT" sz="2400" dirty="0">
+                <a:solidFill>
+                  <a:schemeClr val="bg2"/>
+                </a:solidFill>
+              </a:rPr>
+              <a:t>Architettura hardware</a:t>
+            </a:r>
+          </a:p>
+          <a:p>
+            <a:pPr lvl="1"/>
+            <a:r>
+              <a:rPr lang="it-IT" sz="2000" dirty="0" smtClean="0">
+                <a:solidFill>
+                  <a:schemeClr val="bg2"/>
+                </a:solidFill>
+              </a:rPr>
+              <a:t>Sistema analogico</a:t>
+            </a:r>
+            <a:endParaRPr lang="it-IT" sz="2000" dirty="0">
+              <a:solidFill>
+                <a:schemeClr val="bg2"/>
+              </a:solidFill>
+            </a:endParaRPr>
+          </a:p>
+          <a:p>
+            <a:pPr lvl="1"/>
+            <a:r>
+              <a:rPr lang="it-IT" sz="2000" dirty="0" smtClean="0">
+                <a:solidFill>
+                  <a:schemeClr val="bg2"/>
+                </a:solidFill>
+              </a:rPr>
+              <a:t>Sistema digitale</a:t>
+            </a:r>
+            <a:endParaRPr lang="it-IT" sz="2000" dirty="0">
+              <a:solidFill>
+                <a:schemeClr val="bg2"/>
+              </a:solidFill>
+            </a:endParaRPr>
+          </a:p>
+          <a:p>
+            <a:pPr lvl="1"/>
+            <a:r>
+              <a:rPr lang="it-IT" sz="2000" dirty="0" smtClean="0">
+                <a:solidFill>
+                  <a:schemeClr val="bg2"/>
+                </a:solidFill>
+              </a:rPr>
+              <a:t>Sistema </a:t>
+            </a:r>
+            <a:r>
+              <a:rPr lang="it-IT" sz="2000" dirty="0">
+                <a:solidFill>
+                  <a:schemeClr val="bg2"/>
+                </a:solidFill>
+              </a:rPr>
+              <a:t>di conversione</a:t>
+            </a:r>
+          </a:p>
+          <a:p>
+            <a:r>
+              <a:rPr lang="it-IT" sz="2400" dirty="0">
+                <a:solidFill>
+                  <a:schemeClr val="bg2"/>
+                </a:solidFill>
+              </a:rPr>
+              <a:t>Architettura software</a:t>
+            </a:r>
+          </a:p>
+          <a:p>
+            <a:pPr lvl="1"/>
+            <a:r>
+              <a:rPr lang="it-IT" sz="2000" dirty="0">
+                <a:solidFill>
+                  <a:schemeClr val="bg2"/>
+                </a:solidFill>
+              </a:rPr>
+              <a:t>FPGA</a:t>
+            </a:r>
+          </a:p>
+          <a:p>
+            <a:pPr lvl="1"/>
+            <a:r>
+              <a:rPr lang="it-IT" sz="2000" dirty="0" smtClean="0">
+                <a:solidFill>
+                  <a:schemeClr val="bg2"/>
+                </a:solidFill>
+              </a:rPr>
+              <a:t>Microcontrollore</a:t>
+            </a:r>
+          </a:p>
+          <a:p>
+            <a:pPr lvl="1"/>
+            <a:r>
+              <a:rPr lang="it-IT" sz="2000" dirty="0" smtClean="0">
+                <a:solidFill>
+                  <a:schemeClr val="bg2"/>
+                </a:solidFill>
+              </a:rPr>
+              <a:t>Dettagli implementativi</a:t>
+            </a:r>
+          </a:p>
+          <a:p>
+            <a:pPr lvl="1"/>
+            <a:r>
+              <a:rPr lang="it-IT" sz="2000" dirty="0" smtClean="0">
+                <a:solidFill>
+                  <a:schemeClr val="bg2"/>
+                </a:solidFill>
+              </a:rPr>
+              <a:t>Ottimizzazioni</a:t>
+            </a:r>
+            <a:endParaRPr lang="it-IT" sz="2000" dirty="0">
+              <a:solidFill>
+                <a:schemeClr val="bg2"/>
+              </a:solidFill>
+            </a:endParaRPr>
+          </a:p>
+          <a:p>
+            <a:r>
+              <a:rPr lang="it-IT" sz="2400" dirty="0"/>
+              <a:t>Risultati sperimentali</a:t>
+            </a:r>
+          </a:p>
+          <a:p>
+            <a:r>
+              <a:rPr lang="it-IT" sz="2400" dirty="0"/>
+              <a:t>Conclusioni e sviluppi futuri</a:t>
+            </a:r>
           </a:p>
         </p:txBody>
       </p:sp>
@@ -8090,7 +9593,7 @@
     </p:spTree>
     <p:extLst>
       <p:ext uri="{BB962C8B-B14F-4D97-AF65-F5344CB8AC3E}">
-        <p14:creationId xmlns:p14="http://schemas.microsoft.com/office/powerpoint/2010/main" val="676223027"/>
+        <p14:creationId xmlns:p14="http://schemas.microsoft.com/office/powerpoint/2010/main" val="3354392950"/>
       </p:ext>
     </p:extLst>
   </p:cSld>
@@ -8141,7 +9644,11 @@
           <a:p>
             <a:r>
               <a:rPr lang="it-IT" dirty="0" smtClean="0"/>
-              <a:t>Risultati sperimentali (3)</a:t>
+              <a:t>Risultati </a:t>
+            </a:r>
+            <a:r>
+              <a:rPr lang="it-IT" dirty="0" smtClean="0"/>
+              <a:t>sperimentali</a:t>
             </a:r>
             <a:endParaRPr lang="it-IT" dirty="0"/>
           </a:p>
@@ -8164,9 +9671,27 @@
           <a:p>
             <a:r>
               <a:rPr lang="it-IT" sz="2400" dirty="0" smtClean="0"/>
-              <a:t>TODO</a:t>
-            </a:r>
-            <a:endParaRPr lang="it-IT" sz="2000" dirty="0"/>
+              <a:t>Due tipologie di prove, effettuate ad ogni passo dello sviluppo:</a:t>
+            </a:r>
+          </a:p>
+          <a:p>
+            <a:pPr lvl="1"/>
+            <a:r>
+              <a:rPr lang="it-IT" sz="2000" dirty="0" smtClean="0"/>
+              <a:t>Bersaglio fisso</a:t>
+            </a:r>
+          </a:p>
+          <a:p>
+            <a:pPr lvl="1"/>
+            <a:r>
+              <a:rPr lang="it-IT" sz="2000" dirty="0" smtClean="0"/>
+              <a:t>Bersaglio </a:t>
+            </a:r>
+            <a:r>
+              <a:rPr lang="it-IT" sz="2000" dirty="0" smtClean="0"/>
+              <a:t>mobile</a:t>
+            </a:r>
+            <a:endParaRPr lang="it-IT" sz="2000" dirty="0" smtClean="0"/>
           </a:p>
         </p:txBody>
       </p:sp>
@@ -8194,10 +9719,40 @@
           </a:p>
         </p:txBody>
       </p:sp>
+      <p:pic>
+        <p:nvPicPr>
+          <p:cNvPr id="5" name="Immagine 4"/>
+          <p:cNvPicPr>
+            <a:picLocks noChangeAspect="1"/>
+          </p:cNvPicPr>
+          <p:nvPr/>
+        </p:nvPicPr>
+        <p:blipFill>
+          <a:blip r:embed="rId2">
+            <a:extLst>
+              <a:ext uri="{28A0092B-C50C-407E-A947-70E740481C1C}">
+                <a14:useLocalDpi xmlns:a14="http://schemas.microsoft.com/office/drawing/2010/main" val="0"/>
+              </a:ext>
+            </a:extLst>
+          </a:blip>
+          <a:stretch>
+            <a:fillRect/>
+          </a:stretch>
+        </p:blipFill>
+        <p:spPr>
+          <a:xfrm>
+            <a:off x="1352775" y="2956560"/>
+            <a:ext cx="6419625" cy="3520440"/>
+          </a:xfrm>
+          <a:prstGeom prst="rect">
+            <a:avLst/>
+          </a:prstGeom>
+        </p:spPr>
+      </p:pic>
     </p:spTree>
     <p:extLst>
       <p:ext uri="{BB962C8B-B14F-4D97-AF65-F5344CB8AC3E}">
-        <p14:creationId xmlns:p14="http://schemas.microsoft.com/office/powerpoint/2010/main" val="1015857464"/>
+        <p14:creationId xmlns:p14="http://schemas.microsoft.com/office/powerpoint/2010/main" val="2345925326"/>
       </p:ext>
     </p:extLst>
   </p:cSld>
@@ -8248,6 +9803,705 @@
           <a:p>
             <a:r>
               <a:rPr lang="it-IT" dirty="0" smtClean="0"/>
+              <a:t>Risultati sperimentali (2)</a:t>
+            </a:r>
+            <a:endParaRPr lang="it-IT" dirty="0"/>
+          </a:p>
+        </p:txBody>
+      </p:sp>
+      <p:sp>
+        <p:nvSpPr>
+          <p:cNvPr id="3" name="Segnaposto contenuto 2"/>
+          <p:cNvSpPr>
+            <a:spLocks noGrp="1"/>
+          </p:cNvSpPr>
+          <p:nvPr>
+            <p:ph idx="1"/>
+          </p:nvPr>
+        </p:nvSpPr>
+        <p:spPr/>
+        <p:txBody>
+          <a:bodyPr/>
+          <a:lstStyle/>
+          <a:p>
+            <a:r>
+              <a:rPr lang="it-IT" sz="2400" dirty="0"/>
+              <a:t>Prova a </a:t>
+            </a:r>
+            <a:r>
+              <a:rPr lang="it-IT" sz="2400" b="1" dirty="0"/>
+              <a:t>bersaglio fisso</a:t>
+            </a:r>
+            <a:r>
+              <a:rPr lang="it-IT" sz="2400" dirty="0"/>
+              <a:t> per lo strumento finale ripetuta con bersaglio a 20, 50 e 90cm</a:t>
+            </a:r>
+          </a:p>
+          <a:p>
+            <a:r>
+              <a:rPr lang="it-IT" sz="2400" dirty="0"/>
+              <a:t>Si è misurata la dispersione della misura:</a:t>
+            </a:r>
+          </a:p>
+          <a:p>
+            <a:pPr lvl="1"/>
+            <a:r>
+              <a:rPr lang="it-IT" sz="2000" dirty="0"/>
+              <a:t>20cm: </a:t>
+            </a:r>
+            <a:r>
+              <a:rPr lang="it-IT" sz="2000" dirty="0" smtClean="0"/>
+              <a:t>1,32*10^-4</a:t>
+            </a:r>
+            <a:endParaRPr lang="it-IT" sz="2000" dirty="0"/>
+          </a:p>
+          <a:p>
+            <a:pPr lvl="1"/>
+            <a:r>
+              <a:rPr lang="it-IT" sz="2000" dirty="0"/>
+              <a:t>50cm: </a:t>
+            </a:r>
+            <a:r>
+              <a:rPr lang="it-IT" sz="2000" dirty="0" smtClean="0"/>
+              <a:t>2,4*10^-4</a:t>
+            </a:r>
+            <a:endParaRPr lang="it-IT" sz="2000" dirty="0"/>
+          </a:p>
+          <a:p>
+            <a:pPr lvl="1"/>
+            <a:r>
+              <a:rPr lang="it-IT" sz="2000" dirty="0" smtClean="0"/>
+              <a:t>90cm:6,5*10^-4</a:t>
+            </a:r>
+            <a:endParaRPr lang="it-IT" sz="2000" dirty="0"/>
+          </a:p>
+          <a:p>
+            <a:endParaRPr lang="it-IT" sz="2000" dirty="0"/>
+          </a:p>
+        </p:txBody>
+      </p:sp>
+      <p:sp>
+        <p:nvSpPr>
+          <p:cNvPr id="4" name="Segnaposto numero diapositiva 3"/>
+          <p:cNvSpPr>
+            <a:spLocks noGrp="1"/>
+          </p:cNvSpPr>
+          <p:nvPr>
+            <p:ph type="sldNum" sz="quarter" idx="11"/>
+          </p:nvPr>
+        </p:nvSpPr>
+        <p:spPr/>
+        <p:txBody>
+          <a:bodyPr/>
+          <a:lstStyle/>
+          <a:p>
+            <a:fld id="{C503DA3A-0C6B-48FC-931E-2C786AAFD5C1}" type="slidenum">
+              <a:rPr lang="en-US" altLang="nl-NL" smtClean="0"/>
+              <a:pPr/>
+              <a:t>19</a:t>
+            </a:fld>
+            <a:endParaRPr lang="en-US" altLang="nl-NL"/>
+          </a:p>
+        </p:txBody>
+      </p:sp>
+      <p:pic>
+        <p:nvPicPr>
+          <p:cNvPr id="5" name="Immagine 4"/>
+          <p:cNvPicPr>
+            <a:picLocks noChangeAspect="1"/>
+          </p:cNvPicPr>
+          <p:nvPr/>
+        </p:nvPicPr>
+        <p:blipFill>
+          <a:blip r:embed="rId2">
+            <a:extLst>
+              <a:ext uri="{28A0092B-C50C-407E-A947-70E740481C1C}">
+                <a14:useLocalDpi xmlns:a14="http://schemas.microsoft.com/office/drawing/2010/main" val="0"/>
+              </a:ext>
+            </a:extLst>
+          </a:blip>
+          <a:stretch>
+            <a:fillRect/>
+          </a:stretch>
+        </p:blipFill>
+        <p:spPr>
+          <a:xfrm>
+            <a:off x="111793" y="4306320"/>
+            <a:ext cx="3132364" cy="1772302"/>
+          </a:xfrm>
+          <a:prstGeom prst="rect">
+            <a:avLst/>
+          </a:prstGeom>
+        </p:spPr>
+      </p:pic>
+      <p:pic>
+        <p:nvPicPr>
+          <p:cNvPr id="6" name="Immagine 5"/>
+          <p:cNvPicPr>
+            <a:picLocks noChangeAspect="1"/>
+          </p:cNvPicPr>
+          <p:nvPr/>
+        </p:nvPicPr>
+        <p:blipFill>
+          <a:blip r:embed="rId3">
+            <a:extLst>
+              <a:ext uri="{28A0092B-C50C-407E-A947-70E740481C1C}">
+                <a14:useLocalDpi xmlns:a14="http://schemas.microsoft.com/office/drawing/2010/main" val="0"/>
+              </a:ext>
+            </a:extLst>
+          </a:blip>
+          <a:stretch>
+            <a:fillRect/>
+          </a:stretch>
+        </p:blipFill>
+        <p:spPr>
+          <a:xfrm>
+            <a:off x="3244157" y="4306320"/>
+            <a:ext cx="3069989" cy="1789680"/>
+          </a:xfrm>
+          <a:prstGeom prst="rect">
+            <a:avLst/>
+          </a:prstGeom>
+        </p:spPr>
+      </p:pic>
+      <p:pic>
+        <p:nvPicPr>
+          <p:cNvPr id="7" name="Immagine 6"/>
+          <p:cNvPicPr>
+            <a:picLocks noChangeAspect="1"/>
+          </p:cNvPicPr>
+          <p:nvPr/>
+        </p:nvPicPr>
+        <p:blipFill>
+          <a:blip r:embed="rId4">
+            <a:extLst>
+              <a:ext uri="{28A0092B-C50C-407E-A947-70E740481C1C}">
+                <a14:useLocalDpi xmlns:a14="http://schemas.microsoft.com/office/drawing/2010/main" val="0"/>
+              </a:ext>
+            </a:extLst>
+          </a:blip>
+          <a:stretch>
+            <a:fillRect/>
+          </a:stretch>
+        </p:blipFill>
+        <p:spPr>
+          <a:xfrm>
+            <a:off x="6314146" y="4306320"/>
+            <a:ext cx="2680126" cy="1789680"/>
+          </a:xfrm>
+          <a:prstGeom prst="rect">
+            <a:avLst/>
+          </a:prstGeom>
+        </p:spPr>
+      </p:pic>
+    </p:spTree>
+    <p:extLst>
+      <p:ext uri="{BB962C8B-B14F-4D97-AF65-F5344CB8AC3E}">
+        <p14:creationId xmlns:p14="http://schemas.microsoft.com/office/powerpoint/2010/main" val="676223027"/>
+      </p:ext>
+    </p:extLst>
+  </p:cSld>
+  <p:clrMapOvr>
+    <a:masterClrMapping/>
+  </p:clrMapOvr>
+  <p:timing>
+    <p:tnLst>
+      <p:par>
+        <p:cTn id="1" dur="indefinite" restart="never" nodeType="tmRoot"/>
+      </p:par>
+    </p:tnLst>
+  </p:timing>
+</p:sld>
+</file>
+
+<file path=ppt/slides/slide2.xml><?xml version="1.0" encoding="utf-8"?>
+<p:sld xmlns:a="http://schemas.openxmlformats.org/drawingml/2006/main" xmlns:r="http://schemas.openxmlformats.org/officeDocument/2006/relationships" xmlns:p="http://schemas.openxmlformats.org/presentationml/2006/main">
+  <p:cSld>
+    <p:spTree>
+      <p:nvGrpSpPr>
+        <p:cNvPr id="1" name=""/>
+        <p:cNvGrpSpPr/>
+        <p:nvPr/>
+      </p:nvGrpSpPr>
+      <p:grpSpPr>
+        <a:xfrm>
+          <a:off x="0" y="0"/>
+          <a:ext cx="0" cy="0"/>
+          <a:chOff x="0" y="0"/>
+          <a:chExt cx="0" cy="0"/>
+        </a:xfrm>
+      </p:grpSpPr>
+      <p:sp>
+        <p:nvSpPr>
+          <p:cNvPr id="2" name="Titolo 1"/>
+          <p:cNvSpPr>
+            <a:spLocks noGrp="1"/>
+          </p:cNvSpPr>
+          <p:nvPr>
+            <p:ph type="title"/>
+          </p:nvPr>
+        </p:nvSpPr>
+        <p:spPr/>
+        <p:txBody>
+          <a:bodyPr/>
+          <a:lstStyle/>
+          <a:p>
+            <a:r>
+              <a:rPr lang="it-IT" dirty="0" smtClean="0"/>
+              <a:t>Indice</a:t>
+            </a:r>
+            <a:endParaRPr lang="it-IT" dirty="0"/>
+          </a:p>
+        </p:txBody>
+      </p:sp>
+      <p:sp>
+        <p:nvSpPr>
+          <p:cNvPr id="3" name="Segnaposto contenuto 2"/>
+          <p:cNvSpPr>
+            <a:spLocks noGrp="1"/>
+          </p:cNvSpPr>
+          <p:nvPr>
+            <p:ph idx="1"/>
+          </p:nvPr>
+        </p:nvSpPr>
+        <p:spPr>
+          <a:xfrm>
+            <a:off x="609600" y="1021556"/>
+            <a:ext cx="7815263" cy="5272088"/>
+          </a:xfrm>
+        </p:spPr>
+        <p:txBody>
+          <a:bodyPr/>
+          <a:lstStyle/>
+          <a:p>
+            <a:r>
+              <a:rPr lang="it-IT" sz="2400" dirty="0"/>
+              <a:t>Interferometria</a:t>
+            </a:r>
+          </a:p>
+          <a:p>
+            <a:pPr lvl="1"/>
+            <a:r>
+              <a:rPr lang="it-IT" sz="2000" dirty="0"/>
+              <a:t>Interferometria a self-mixing</a:t>
+            </a:r>
+          </a:p>
+          <a:p>
+            <a:pPr lvl="1"/>
+            <a:r>
+              <a:rPr lang="it-IT" sz="2000" dirty="0"/>
+              <a:t>Misura della distanza</a:t>
+            </a:r>
+          </a:p>
+          <a:p>
+            <a:r>
+              <a:rPr lang="it-IT" sz="2400" dirty="0"/>
+              <a:t>Architettura hardware</a:t>
+            </a:r>
+          </a:p>
+          <a:p>
+            <a:pPr lvl="1"/>
+            <a:r>
+              <a:rPr lang="it-IT" sz="2000" dirty="0" smtClean="0"/>
+              <a:t>Sistema analogico</a:t>
+            </a:r>
+            <a:endParaRPr lang="it-IT" sz="2000" dirty="0"/>
+          </a:p>
+          <a:p>
+            <a:pPr lvl="1"/>
+            <a:r>
+              <a:rPr lang="it-IT" sz="2000" dirty="0" smtClean="0"/>
+              <a:t>Sistema digitale</a:t>
+            </a:r>
+            <a:endParaRPr lang="it-IT" sz="2000" dirty="0"/>
+          </a:p>
+          <a:p>
+            <a:pPr lvl="1"/>
+            <a:r>
+              <a:rPr lang="it-IT" sz="2000" dirty="0" smtClean="0"/>
+              <a:t>Sistema </a:t>
+            </a:r>
+            <a:r>
+              <a:rPr lang="it-IT" sz="2000" dirty="0"/>
+              <a:t>di conversione</a:t>
+            </a:r>
+          </a:p>
+          <a:p>
+            <a:r>
+              <a:rPr lang="it-IT" sz="2400" dirty="0"/>
+              <a:t>Architettura software</a:t>
+            </a:r>
+          </a:p>
+          <a:p>
+            <a:pPr lvl="1"/>
+            <a:r>
+              <a:rPr lang="it-IT" sz="2000" dirty="0"/>
+              <a:t>FPGA</a:t>
+            </a:r>
+          </a:p>
+          <a:p>
+            <a:pPr lvl="1"/>
+            <a:r>
+              <a:rPr lang="it-IT" sz="2000" dirty="0" smtClean="0"/>
+              <a:t>Microcontrollore</a:t>
+            </a:r>
+          </a:p>
+          <a:p>
+            <a:pPr lvl="1"/>
+            <a:r>
+              <a:rPr lang="it-IT" sz="2000" dirty="0" smtClean="0"/>
+              <a:t>Dettagli implementativi</a:t>
+            </a:r>
+          </a:p>
+          <a:p>
+            <a:pPr lvl="1"/>
+            <a:r>
+              <a:rPr lang="it-IT" sz="2000" dirty="0" smtClean="0"/>
+              <a:t>Ottimizzazioni</a:t>
+            </a:r>
+            <a:endParaRPr lang="it-IT" sz="2000" dirty="0"/>
+          </a:p>
+          <a:p>
+            <a:r>
+              <a:rPr lang="it-IT" sz="2400" dirty="0"/>
+              <a:t>Risultati sperimentali</a:t>
+            </a:r>
+          </a:p>
+          <a:p>
+            <a:r>
+              <a:rPr lang="it-IT" sz="2400" dirty="0"/>
+              <a:t>Conclusioni e sviluppi futuri</a:t>
+            </a:r>
+          </a:p>
+        </p:txBody>
+      </p:sp>
+      <p:sp>
+        <p:nvSpPr>
+          <p:cNvPr id="4" name="Segnaposto numero diapositiva 3"/>
+          <p:cNvSpPr>
+            <a:spLocks noGrp="1"/>
+          </p:cNvSpPr>
+          <p:nvPr>
+            <p:ph type="sldNum" sz="quarter" idx="11"/>
+          </p:nvPr>
+        </p:nvSpPr>
+        <p:spPr/>
+        <p:txBody>
+          <a:bodyPr/>
+          <a:lstStyle/>
+          <a:p>
+            <a:fld id="{C503DA3A-0C6B-48FC-931E-2C786AAFD5C1}" type="slidenum">
+              <a:rPr lang="en-US" altLang="nl-NL" smtClean="0"/>
+              <a:pPr/>
+              <a:t>2</a:t>
+            </a:fld>
+            <a:endParaRPr lang="en-US" altLang="nl-NL"/>
+          </a:p>
+        </p:txBody>
+      </p:sp>
+    </p:spTree>
+    <p:extLst>
+      <p:ext uri="{BB962C8B-B14F-4D97-AF65-F5344CB8AC3E}">
+        <p14:creationId xmlns:p14="http://schemas.microsoft.com/office/powerpoint/2010/main" val="3953617699"/>
+      </p:ext>
+    </p:extLst>
+  </p:cSld>
+  <p:clrMapOvr>
+    <a:masterClrMapping/>
+  </p:clrMapOvr>
+  <p:timing>
+    <p:tnLst>
+      <p:par>
+        <p:cTn id="1" dur="indefinite" restart="never" nodeType="tmRoot"/>
+      </p:par>
+    </p:tnLst>
+  </p:timing>
+</p:sld>
+</file>
+
+<file path=ppt/slides/slide20.xml><?xml version="1.0" encoding="utf-8"?>
+<p:sld xmlns:a="http://schemas.openxmlformats.org/drawingml/2006/main" xmlns:r="http://schemas.openxmlformats.org/officeDocument/2006/relationships" xmlns:p="http://schemas.openxmlformats.org/presentationml/2006/main">
+  <p:cSld>
+    <p:spTree>
+      <p:nvGrpSpPr>
+        <p:cNvPr id="1" name=""/>
+        <p:cNvGrpSpPr/>
+        <p:nvPr/>
+      </p:nvGrpSpPr>
+      <p:grpSpPr>
+        <a:xfrm>
+          <a:off x="0" y="0"/>
+          <a:ext cx="0" cy="0"/>
+          <a:chOff x="0" y="0"/>
+          <a:chExt cx="0" cy="0"/>
+        </a:xfrm>
+      </p:grpSpPr>
+      <p:sp>
+        <p:nvSpPr>
+          <p:cNvPr id="2" name="Titolo 1"/>
+          <p:cNvSpPr>
+            <a:spLocks noGrp="1"/>
+          </p:cNvSpPr>
+          <p:nvPr>
+            <p:ph type="title"/>
+          </p:nvPr>
+        </p:nvSpPr>
+        <p:spPr/>
+        <p:txBody>
+          <a:bodyPr/>
+          <a:lstStyle/>
+          <a:p>
+            <a:r>
+              <a:rPr lang="it-IT" dirty="0" smtClean="0"/>
+              <a:t>Risultati sperimentali (3)</a:t>
+            </a:r>
+            <a:endParaRPr lang="it-IT" dirty="0"/>
+          </a:p>
+        </p:txBody>
+      </p:sp>
+      <p:sp>
+        <p:nvSpPr>
+          <p:cNvPr id="3" name="Segnaposto contenuto 2"/>
+          <p:cNvSpPr>
+            <a:spLocks noGrp="1"/>
+          </p:cNvSpPr>
+          <p:nvPr>
+            <p:ph idx="1"/>
+          </p:nvPr>
+        </p:nvSpPr>
+        <p:spPr/>
+        <p:txBody>
+          <a:bodyPr/>
+          <a:lstStyle/>
+          <a:p>
+            <a:r>
+              <a:rPr lang="it-IT" sz="2400" dirty="0"/>
+              <a:t>Prova a </a:t>
+            </a:r>
+            <a:r>
+              <a:rPr lang="it-IT" sz="2400" b="1" dirty="0"/>
+              <a:t>bersaglio mobile</a:t>
+            </a:r>
+            <a:r>
+              <a:rPr lang="it-IT" sz="2400" dirty="0"/>
+              <a:t> per lo strumento finale ripetuta con bersaglio a 20, 50 e 90cm</a:t>
+            </a:r>
+          </a:p>
+          <a:p>
+            <a:r>
+              <a:rPr lang="it-IT" sz="2400" dirty="0"/>
+              <a:t>Si è valutata la linearità allo spostamento dello strumento con passi da 200um:</a:t>
+            </a:r>
+          </a:p>
+          <a:p>
+            <a:pPr lvl="1"/>
+            <a:r>
+              <a:rPr lang="it-IT" sz="2000" dirty="0"/>
+              <a:t>20cm: </a:t>
+            </a:r>
+            <a:r>
+              <a:rPr lang="it-IT" sz="2000" dirty="0" smtClean="0"/>
+              <a:t>121um</a:t>
+            </a:r>
+            <a:endParaRPr lang="it-IT" sz="2000" dirty="0"/>
+          </a:p>
+          <a:p>
+            <a:pPr lvl="1"/>
+            <a:r>
+              <a:rPr lang="it-IT" sz="2000" dirty="0"/>
+              <a:t>50cm</a:t>
+            </a:r>
+            <a:r>
+              <a:rPr lang="it-IT" sz="2000" dirty="0" smtClean="0"/>
+              <a:t>: 124um </a:t>
+            </a:r>
+            <a:endParaRPr lang="it-IT" sz="2000" dirty="0"/>
+          </a:p>
+          <a:p>
+            <a:pPr lvl="1"/>
+            <a:r>
+              <a:rPr lang="it-IT" sz="2000" dirty="0"/>
+              <a:t>90cm: </a:t>
+            </a:r>
+            <a:r>
+              <a:rPr lang="it-IT" sz="2000" dirty="0" smtClean="0"/>
+              <a:t>190um</a:t>
+            </a:r>
+            <a:endParaRPr lang="it-IT" sz="2000" dirty="0"/>
+          </a:p>
+          <a:p>
+            <a:endParaRPr lang="it-IT" sz="1600" dirty="0"/>
+          </a:p>
+        </p:txBody>
+      </p:sp>
+      <p:sp>
+        <p:nvSpPr>
+          <p:cNvPr id="4" name="Segnaposto numero diapositiva 3"/>
+          <p:cNvSpPr>
+            <a:spLocks noGrp="1"/>
+          </p:cNvSpPr>
+          <p:nvPr>
+            <p:ph type="sldNum" sz="quarter" idx="11"/>
+          </p:nvPr>
+        </p:nvSpPr>
+        <p:spPr/>
+        <p:txBody>
+          <a:bodyPr/>
+          <a:lstStyle/>
+          <a:p>
+            <a:fld id="{C503DA3A-0C6B-48FC-931E-2C786AAFD5C1}" type="slidenum">
+              <a:rPr lang="en-US" altLang="nl-NL" smtClean="0"/>
+              <a:pPr/>
+              <a:t>20</a:t>
+            </a:fld>
+            <a:endParaRPr lang="en-US" altLang="nl-NL"/>
+          </a:p>
+        </p:txBody>
+      </p:sp>
+      <p:pic>
+        <p:nvPicPr>
+          <p:cNvPr id="5" name="Immagine 4"/>
+          <p:cNvPicPr>
+            <a:picLocks noChangeAspect="1"/>
+          </p:cNvPicPr>
+          <p:nvPr/>
+        </p:nvPicPr>
+        <p:blipFill>
+          <a:blip r:embed="rId2">
+            <a:extLst>
+              <a:ext uri="{28A0092B-C50C-407E-A947-70E740481C1C}">
+                <a14:useLocalDpi xmlns:a14="http://schemas.microsoft.com/office/drawing/2010/main" val="0"/>
+              </a:ext>
+            </a:extLst>
+          </a:blip>
+          <a:stretch>
+            <a:fillRect/>
+          </a:stretch>
+        </p:blipFill>
+        <p:spPr>
+          <a:xfrm>
+            <a:off x="3135706" y="3843895"/>
+            <a:ext cx="3004147" cy="2252105"/>
+          </a:xfrm>
+          <a:prstGeom prst="rect">
+            <a:avLst/>
+          </a:prstGeom>
+        </p:spPr>
+      </p:pic>
+      <p:pic>
+        <p:nvPicPr>
+          <p:cNvPr id="6" name="Immagine 5"/>
+          <p:cNvPicPr>
+            <a:picLocks noChangeAspect="1"/>
+          </p:cNvPicPr>
+          <p:nvPr/>
+        </p:nvPicPr>
+        <p:blipFill>
+          <a:blip r:embed="rId3">
+            <a:extLst>
+              <a:ext uri="{28A0092B-C50C-407E-A947-70E740481C1C}">
+                <a14:useLocalDpi xmlns:a14="http://schemas.microsoft.com/office/drawing/2010/main" val="0"/>
+              </a:ext>
+            </a:extLst>
+          </a:blip>
+          <a:stretch>
+            <a:fillRect/>
+          </a:stretch>
+        </p:blipFill>
+        <p:spPr>
+          <a:xfrm>
+            <a:off x="131559" y="3843894"/>
+            <a:ext cx="3004147" cy="2252105"/>
+          </a:xfrm>
+          <a:prstGeom prst="rect">
+            <a:avLst/>
+          </a:prstGeom>
+        </p:spPr>
+      </p:pic>
+      <p:pic>
+        <p:nvPicPr>
+          <p:cNvPr id="7" name="Immagine 6"/>
+          <p:cNvPicPr>
+            <a:picLocks noChangeAspect="1"/>
+          </p:cNvPicPr>
+          <p:nvPr/>
+        </p:nvPicPr>
+        <p:blipFill>
+          <a:blip r:embed="rId4">
+            <a:extLst>
+              <a:ext uri="{28A0092B-C50C-407E-A947-70E740481C1C}">
+                <a14:useLocalDpi xmlns:a14="http://schemas.microsoft.com/office/drawing/2010/main" val="0"/>
+              </a:ext>
+            </a:extLst>
+          </a:blip>
+          <a:stretch>
+            <a:fillRect/>
+          </a:stretch>
+        </p:blipFill>
+        <p:spPr>
+          <a:xfrm>
+            <a:off x="6139853" y="3843895"/>
+            <a:ext cx="3004147" cy="2252105"/>
+          </a:xfrm>
+          <a:prstGeom prst="rect">
+            <a:avLst/>
+          </a:prstGeom>
+        </p:spPr>
+      </p:pic>
+    </p:spTree>
+    <p:extLst>
+      <p:ext uri="{BB962C8B-B14F-4D97-AF65-F5344CB8AC3E}">
+        <p14:creationId xmlns:p14="http://schemas.microsoft.com/office/powerpoint/2010/main" val="1015857464"/>
+      </p:ext>
+    </p:extLst>
+  </p:cSld>
+  <p:clrMapOvr>
+    <a:masterClrMapping/>
+  </p:clrMapOvr>
+  <p:timing>
+    <p:tnLst>
+      <p:par>
+        <p:cTn id="1" dur="indefinite" restart="never" nodeType="tmRoot"/>
+      </p:par>
+    </p:tnLst>
+  </p:timing>
+</p:sld>
+</file>
+
+<file path=ppt/slides/slide21.xml><?xml version="1.0" encoding="utf-8"?>
+<p:sld xmlns:a="http://schemas.openxmlformats.org/drawingml/2006/main" xmlns:r="http://schemas.openxmlformats.org/officeDocument/2006/relationships" xmlns:p="http://schemas.openxmlformats.org/presentationml/2006/main">
+  <p:cSld>
+    <p:spTree>
+      <p:nvGrpSpPr>
+        <p:cNvPr id="1" name=""/>
+        <p:cNvGrpSpPr/>
+        <p:nvPr/>
+      </p:nvGrpSpPr>
+      <p:grpSpPr>
+        <a:xfrm>
+          <a:off x="0" y="0"/>
+          <a:ext cx="0" cy="0"/>
+          <a:chOff x="0" y="0"/>
+          <a:chExt cx="0" cy="0"/>
+        </a:xfrm>
+      </p:grpSpPr>
+      <p:sp>
+        <p:nvSpPr>
+          <p:cNvPr id="2" name="Titolo 1"/>
+          <p:cNvSpPr>
+            <a:spLocks noGrp="1"/>
+          </p:cNvSpPr>
+          <p:nvPr>
+            <p:ph type="title"/>
+          </p:nvPr>
+        </p:nvSpPr>
+        <p:spPr/>
+        <p:txBody>
+          <a:bodyPr/>
+          <a:lstStyle/>
+          <a:p>
+            <a:r>
+              <a:rPr lang="it-IT" dirty="0" smtClean="0"/>
               <a:t>Prestazioni</a:t>
             </a:r>
             <a:endParaRPr lang="it-IT" dirty="0"/>
@@ -8281,8 +10535,19 @@
                   <a:t>Range spaziale di misura: </a:t>
                 </a:r>
                 <a:r>
+                  <a:rPr lang="it-IT" sz="2400" dirty="0" smtClean="0"/>
+                  <a:t/>
+                </a:r>
+                <a:br>
+                  <a:rPr lang="it-IT" sz="2400" dirty="0" smtClean="0"/>
+                </a:br>
+                <a:r>
                   <a:rPr lang="it-IT" sz="2400" b="1" dirty="0" smtClean="0"/>
-                  <a:t>10 cm </a:t>
+                  <a:t>10 </a:t>
+                </a:r>
+                <a:r>
+                  <a:rPr lang="it-IT" sz="2400" b="1" dirty="0" smtClean="0"/>
+                  <a:t>cm </a:t>
                 </a:r>
                 <a:r>
                   <a:rPr lang="it-IT" sz="2400" b="1" dirty="0"/>
@@ -8290,11 +10555,12 @@
                 </a:r>
                 <a:r>
                   <a:rPr lang="it-IT" sz="2400" b="1" dirty="0" smtClean="0"/>
-                  <a:t>100 cm</a:t>
+                  <a:t>100 </a:t>
                 </a:r>
-                <a:br>
+                <a:r>
                   <a:rPr lang="it-IT" sz="2400" b="1" dirty="0" smtClean="0"/>
-                </a:br>
+                  <a:t>cm</a:t>
+                </a:r>
                 <a:endParaRPr lang="it-IT" sz="2400" dirty="0" smtClean="0"/>
               </a:p>
               <a:p>
@@ -8308,6 +10574,17 @@
                   </a:rPr>
                   <a:t>: </a:t>
                 </a:r>
+                <a:r>
+                  <a:rPr lang="it-IT" sz="2200" dirty="0" smtClean="0">
+                    <a:latin typeface="+mj-lt"/>
+                  </a:rPr>
+                  <a:t/>
+                </a:r>
+                <a:br>
+                  <a:rPr lang="it-IT" sz="2200" dirty="0" smtClean="0">
+                    <a:latin typeface="+mj-lt"/>
+                  </a:rPr>
+                </a:br>
                 <a:r>
                   <a:rPr lang="it-IT" sz="2200" b="1" dirty="0" smtClean="0">
                     <a:latin typeface="+mj-lt"/>
@@ -8324,7 +10601,7 @@
                       <m:sSupPr>
                         <m:ctrlPr>
                           <a:rPr lang="it-IT" sz="2200" b="1" i="1">
-                            <a:latin typeface="Cambria Math" charset="0"/>
+                            <a:latin typeface="Cambria Math" panose="02040503050406030204" pitchFamily="18" charset="0"/>
                             <a:ea typeface="Lucida Grande" charset="0"/>
                             <a:cs typeface="Lucida Grande" charset="0"/>
                           </a:rPr>
@@ -8351,7 +10628,17 @@
                             <a:ea typeface="Lucida Grande" charset="0"/>
                             <a:cs typeface="Lucida Grande" charset="0"/>
                           </a:rPr>
-                          <m:t>−4</m:t>
+                          <m:t>−</m:t>
+                        </m:r>
+                        <m:r>
+                          <m:rPr>
+                            <m:nor/>
+                          </m:rPr>
+                          <a:rPr lang="it-IT" sz="2200" b="1">
+                            <a:ea typeface="Lucida Grande" charset="0"/>
+                            <a:cs typeface="Lucida Grande" charset="0"/>
+                          </a:rPr>
+                          <m:t>4</m:t>
                         </m:r>
                       </m:sup>
                     </m:sSup>
@@ -8367,7 +10654,7 @@
                       <m:sSupPr>
                         <m:ctrlPr>
                           <a:rPr lang="it-IT" sz="2200" b="1" i="1">
-                            <a:latin typeface="+mj-lt"/>
+                            <a:latin typeface="Cambria Math" panose="02040503050406030204" pitchFamily="18" charset="0"/>
                             <a:ea typeface="Lucida Grande" charset="0"/>
                             <a:cs typeface="Lucida Grande" charset="0"/>
                           </a:rPr>
@@ -8396,7 +10683,18 @@
                             <a:ea typeface="Lucida Grande" charset="0"/>
                             <a:cs typeface="Lucida Grande" charset="0"/>
                           </a:rPr>
-                          <m:t>-4</m:t>
+                          <m:t>−</m:t>
+                        </m:r>
+                        <m:r>
+                          <m:rPr>
+                            <m:nor/>
+                          </m:rPr>
+                          <a:rPr lang="it-IT" sz="2200" b="1" i="0">
+                            <a:latin typeface="+mj-lt"/>
+                            <a:ea typeface="Lucida Grande" charset="0"/>
+                            <a:cs typeface="Lucida Grande" charset="0"/>
+                          </a:rPr>
+                          <m:t>4</m:t>
                         </m:r>
                       </m:sup>
                     </m:sSup>
@@ -8412,18 +10710,30 @@
                 <a:pPr lvl="1"/>
                 <a:r>
                   <a:rPr lang="it-IT" sz="2000" b="1" dirty="0" smtClean="0"/>
-                  <a:t>20÷80um </a:t>
+                  <a:t>20um </a:t>
                 </a:r>
                 <a:r>
                   <a:rPr lang="it-IT" sz="2000" b="1" dirty="0"/>
-                  <a:t>a 10cm</a:t>
+                  <a:t>a </a:t>
+                </a:r>
+                <a:r>
+                  <a:rPr lang="it-IT" sz="2000" b="1" dirty="0" smtClean="0"/>
+                  <a:t>10cm</a:t>
                 </a:r>
               </a:p>
               <a:p>
                 <a:pPr lvl="1"/>
                 <a:r>
                   <a:rPr lang="it-IT" sz="2000" b="1" dirty="0" smtClean="0"/>
-                  <a:t>200÷800um </a:t>
+                  <a:t>550um a 70cm</a:t>
+                </a:r>
+                <a:endParaRPr lang="it-IT" sz="2000" b="1" dirty="0"/>
+              </a:p>
+              <a:p>
+                <a:pPr lvl="1"/>
+                <a:r>
+                  <a:rPr lang="it-IT" sz="2000" b="1" dirty="0" smtClean="0"/>
+                  <a:t>500um </a:t>
                 </a:r>
                 <a:r>
                   <a:rPr lang="it-IT" sz="2000" b="1" dirty="0"/>
@@ -8461,31 +10771,34 @@
                   <a:rPr lang="it-IT" sz="2400" dirty="0" smtClean="0"/>
                   <a:t>: </a:t>
                 </a:r>
-                <a:br>
-                  <a:rPr lang="it-IT" sz="2400" dirty="0" smtClean="0"/>
-                </a:br>
+                <a:endParaRPr lang="it-IT" sz="2400" dirty="0" smtClean="0"/>
+              </a:p>
+              <a:p>
+                <a:pPr lvl="1"/>
                 <a:r>
-                  <a:rPr lang="it-IT" sz="2400" dirty="0" smtClean="0"/>
-                  <a:t>1 misura valida ogni </a:t>
+                  <a:rPr lang="it-IT" sz="2000" dirty="0" smtClean="0"/>
+                  <a:t>1 </a:t>
                 </a:r>
                 <a:r>
-                  <a:rPr lang="it-IT" sz="2400" b="1" dirty="0" smtClean="0"/>
+                  <a:rPr lang="it-IT" sz="2000" dirty="0" smtClean="0"/>
+                  <a:t>misura valida ogni </a:t>
+                </a:r>
+                <a:r>
+                  <a:rPr lang="it-IT" sz="2000" b="1" dirty="0" smtClean="0"/>
                   <a:t>208us </a:t>
                 </a:r>
                 <a:r>
-                  <a:rPr lang="it-IT" sz="2400" dirty="0" smtClean="0"/>
+                  <a:rPr lang="it-IT" sz="2000" dirty="0" smtClean="0"/>
                   <a:t>(</a:t>
                 </a:r>
                 <a:r>
-                  <a:rPr lang="it-IT" sz="2400" i="1" dirty="0" smtClean="0"/>
+                  <a:rPr lang="it-IT" sz="2000" i="1" dirty="0" smtClean="0"/>
                   <a:t>4.8 kHz</a:t>
                 </a:r>
                 <a:r>
-                  <a:rPr lang="it-IT" sz="2400" dirty="0" smtClean="0"/>
+                  <a:rPr lang="it-IT" sz="2000" dirty="0" smtClean="0"/>
                   <a:t>)</a:t>
                 </a:r>
-              </a:p>
-              <a:p>
                 <a:endParaRPr lang="it-IT" sz="2000" dirty="0">
                   <a:latin typeface="+mj-lt"/>
                 </a:endParaRPr>
@@ -8507,45 +10820,49 @@
                   <a:rPr lang="it-IT" sz="2400" dirty="0" smtClean="0">
                     <a:latin typeface="+mj-lt"/>
                   </a:rPr>
-                  <a:t>di misura:</a:t>
+                  <a:t>di </a:t>
                 </a:r>
-                <a:br>
+                <a:r>
                   <a:rPr lang="it-IT" sz="2400" dirty="0" smtClean="0">
                     <a:latin typeface="+mj-lt"/>
                   </a:rPr>
-                </a:br>
+                  <a:t>misura:</a:t>
+                </a:r>
+              </a:p>
+              <a:p>
+                <a:pPr lvl="1"/>
                 <a:r>
-                  <a:rPr lang="it-IT" sz="2400" dirty="0" smtClean="0">
+                  <a:rPr lang="it-IT" sz="2000" dirty="0" smtClean="0">
                     <a:latin typeface="+mj-lt"/>
                   </a:rPr>
                   <a:t>1 </a:t>
                 </a:r>
                 <a:r>
-                  <a:rPr lang="it-IT" sz="2400" dirty="0">
+                  <a:rPr lang="it-IT" sz="2000" dirty="0">
                     <a:latin typeface="+mj-lt"/>
                   </a:rPr>
                   <a:t>misura valida ogni </a:t>
                 </a:r>
                 <a:r>
-                  <a:rPr lang="it-IT" sz="2400" b="1" dirty="0" smtClean="0">
+                  <a:rPr lang="it-IT" sz="2000" b="1" dirty="0" smtClean="0">
                     <a:latin typeface="+mj-lt"/>
                   </a:rPr>
                   <a:t>20ms</a:t>
                 </a:r>
                 <a:r>
-                  <a:rPr lang="it-IT" sz="2400" dirty="0" smtClean="0">
+                  <a:rPr lang="it-IT" sz="2000" dirty="0" smtClean="0">
                     <a:latin typeface="+mj-lt"/>
                   </a:rPr>
                   <a:t> (</a:t>
                 </a:r>
                 <a:r>
-                  <a:rPr lang="it-IT" sz="2400" i="1" dirty="0" smtClean="0">
+                  <a:rPr lang="it-IT" sz="2000" i="1" dirty="0" smtClean="0">
                     <a:latin typeface="+mj-lt"/>
                   </a:rPr>
                   <a:t>50 Hz</a:t>
                 </a:r>
                 <a:r>
-                  <a:rPr lang="it-IT" sz="2400" dirty="0">
+                  <a:rPr lang="it-IT" sz="2000" dirty="0">
                     <a:latin typeface="+mj-lt"/>
                   </a:rPr>
                   <a:t>)</a:t>
@@ -8596,7 +10913,7 @@
               <a:blipFill rotWithShape="0">
                 <a:blip r:embed="rId3"/>
                 <a:stretch>
-                  <a:fillRect l="-1094" t="-1421"/>
+                  <a:fillRect l="-1016" t="-904" b="-1292"/>
                 </a:stretch>
               </a:blipFill>
             </p:spPr>
@@ -8633,7 +10950,7 @@
             <a:fld id="{C503DA3A-0C6B-48FC-931E-2C786AAFD5C1}" type="slidenum">
               <a:rPr lang="en-US" altLang="nl-NL" smtClean="0"/>
               <a:pPr/>
-              <a:t>19</a:t>
+              <a:t>21</a:t>
             </a:fld>
             <a:endParaRPr lang="en-US" altLang="nl-NL"/>
           </a:p>
@@ -8665,657 +10982,51 @@
           </a:p>
         </p:txBody>
       </p:sp>
+      <p:pic>
+        <p:nvPicPr>
+          <p:cNvPr id="2050" name="Picture 2" descr="https://lh5.googleusercontent.com/GMIVMYY1O8CGkm6z7mhR3S_hARxDr1o1M8SiGMxRFkniPhB64gLHui0PNT4CJSZxWzeaq60Z40ByCgl1M-NTrWS8U3se8wrDc-PBkziCROegcJLOuVn8Zke3uZ0U9ez4mEWjSIltVA"/>
+          <p:cNvPicPr>
+            <a:picLocks noChangeAspect="1" noChangeArrowheads="1"/>
+          </p:cNvPicPr>
+          <p:nvPr/>
+        </p:nvPicPr>
+        <p:blipFill>
+          <a:blip r:embed="rId4">
+            <a:extLst>
+              <a:ext uri="{28A0092B-C50C-407E-A947-70E740481C1C}">
+                <a14:useLocalDpi xmlns:a14="http://schemas.microsoft.com/office/drawing/2010/main" val="0"/>
+              </a:ext>
+            </a:extLst>
+          </a:blip>
+          <a:srcRect/>
+          <a:stretch>
+            <a:fillRect/>
+          </a:stretch>
+        </p:blipFill>
+        <p:spPr bwMode="auto">
+          <a:xfrm>
+            <a:off x="5172075" y="1000124"/>
+            <a:ext cx="3971925" cy="3371851"/>
+          </a:xfrm>
+          <a:prstGeom prst="rect">
+            <a:avLst/>
+          </a:prstGeom>
+          <a:noFill/>
+          <a:extLst>
+            <a:ext uri="{909E8E84-426E-40DD-AFC4-6F175D3DCCD1}">
+              <a14:hiddenFill xmlns:a14="http://schemas.microsoft.com/office/drawing/2010/main">
+                <a:solidFill>
+                  <a:srgbClr val="FFFFFF"/>
+                </a:solidFill>
+              </a14:hiddenFill>
+            </a:ext>
+          </a:extLst>
+        </p:spPr>
+      </p:pic>
     </p:spTree>
     <p:extLst>
       <p:ext uri="{BB962C8B-B14F-4D97-AF65-F5344CB8AC3E}">
         <p14:creationId xmlns:p14="http://schemas.microsoft.com/office/powerpoint/2010/main" val="1195950186"/>
-      </p:ext>
-    </p:extLst>
-  </p:cSld>
-  <p:clrMapOvr>
-    <a:masterClrMapping/>
-  </p:clrMapOvr>
-  <p:timing>
-    <p:tnLst>
-      <p:par>
-        <p:cTn id="1" dur="indefinite" restart="never" nodeType="tmRoot"/>
-      </p:par>
-    </p:tnLst>
-  </p:timing>
-</p:sld>
-</file>
-
-<file path=ppt/slides/slide2.xml><?xml version="1.0" encoding="utf-8"?>
-<p:sld xmlns:a="http://schemas.openxmlformats.org/drawingml/2006/main" xmlns:r="http://schemas.openxmlformats.org/officeDocument/2006/relationships" xmlns:p="http://schemas.openxmlformats.org/presentationml/2006/main">
-  <p:cSld>
-    <p:spTree>
-      <p:nvGrpSpPr>
-        <p:cNvPr id="1" name=""/>
-        <p:cNvGrpSpPr/>
-        <p:nvPr/>
-      </p:nvGrpSpPr>
-      <p:grpSpPr>
-        <a:xfrm>
-          <a:off x="0" y="0"/>
-          <a:ext cx="0" cy="0"/>
-          <a:chOff x="0" y="0"/>
-          <a:chExt cx="0" cy="0"/>
-        </a:xfrm>
-      </p:grpSpPr>
-      <p:sp>
-        <p:nvSpPr>
-          <p:cNvPr id="2" name="Titolo 1"/>
-          <p:cNvSpPr>
-            <a:spLocks noGrp="1"/>
-          </p:cNvSpPr>
-          <p:nvPr>
-            <p:ph type="title"/>
-          </p:nvPr>
-        </p:nvSpPr>
-        <p:spPr/>
-        <p:txBody>
-          <a:bodyPr/>
-          <a:lstStyle/>
-          <a:p>
-            <a:r>
-              <a:rPr lang="it-IT" dirty="0" smtClean="0"/>
-              <a:t>Indice</a:t>
-            </a:r>
-            <a:endParaRPr lang="it-IT" dirty="0"/>
-          </a:p>
-        </p:txBody>
-      </p:sp>
-      <p:sp>
-        <p:nvSpPr>
-          <p:cNvPr id="3" name="Segnaposto contenuto 2"/>
-          <p:cNvSpPr>
-            <a:spLocks noGrp="1"/>
-          </p:cNvSpPr>
-          <p:nvPr>
-            <p:ph idx="1"/>
-          </p:nvPr>
-        </p:nvSpPr>
-        <p:spPr>
-          <a:xfrm>
-            <a:off x="685799" y="1143000"/>
-            <a:ext cx="7815263" cy="5272088"/>
-          </a:xfrm>
-        </p:spPr>
-        <p:txBody>
-          <a:bodyPr/>
-          <a:lstStyle/>
-          <a:p>
-            <a:r>
-              <a:rPr lang="it-IT" sz="2400" dirty="0"/>
-              <a:t>Interferometria</a:t>
-            </a:r>
-          </a:p>
-          <a:p>
-            <a:pPr lvl="1"/>
-            <a:r>
-              <a:rPr lang="it-IT" sz="2000" dirty="0"/>
-              <a:t>Interferometria a self-mixing</a:t>
-            </a:r>
-          </a:p>
-          <a:p>
-            <a:pPr lvl="1"/>
-            <a:r>
-              <a:rPr lang="it-IT" sz="2000" dirty="0"/>
-              <a:t>Misura della distanza</a:t>
-            </a:r>
-          </a:p>
-          <a:p>
-            <a:r>
-              <a:rPr lang="it-IT" sz="2400" dirty="0"/>
-              <a:t>Architettura hardware</a:t>
-            </a:r>
-          </a:p>
-          <a:p>
-            <a:pPr lvl="1"/>
-            <a:r>
-              <a:rPr lang="it-IT" sz="2000" dirty="0"/>
-              <a:t>Parte analogica</a:t>
-            </a:r>
-          </a:p>
-          <a:p>
-            <a:pPr lvl="1"/>
-            <a:r>
-              <a:rPr lang="it-IT" sz="2000" dirty="0"/>
-              <a:t>Parte digitale</a:t>
-            </a:r>
-          </a:p>
-          <a:p>
-            <a:pPr lvl="1"/>
-            <a:r>
-              <a:rPr lang="it-IT" sz="2000" dirty="0"/>
-              <a:t>Parte di conversione</a:t>
-            </a:r>
-          </a:p>
-          <a:p>
-            <a:r>
-              <a:rPr lang="it-IT" sz="2400" dirty="0"/>
-              <a:t>Architettura software</a:t>
-            </a:r>
-          </a:p>
-          <a:p>
-            <a:pPr lvl="1"/>
-            <a:r>
-              <a:rPr lang="it-IT" sz="2000" dirty="0"/>
-              <a:t>FPGA</a:t>
-            </a:r>
-          </a:p>
-          <a:p>
-            <a:pPr lvl="1"/>
-            <a:r>
-              <a:rPr lang="it-IT" sz="2000" dirty="0"/>
-              <a:t>Microcontrollore</a:t>
-            </a:r>
-          </a:p>
-          <a:p>
-            <a:r>
-              <a:rPr lang="it-IT" sz="2400" dirty="0"/>
-              <a:t>Risultati sperimentali</a:t>
-            </a:r>
-          </a:p>
-          <a:p>
-            <a:r>
-              <a:rPr lang="it-IT" sz="2400" dirty="0"/>
-              <a:t>Conclusioni e sviluppi futuri</a:t>
-            </a:r>
-          </a:p>
-        </p:txBody>
-      </p:sp>
-      <p:sp>
-        <p:nvSpPr>
-          <p:cNvPr id="4" name="Segnaposto numero diapositiva 3"/>
-          <p:cNvSpPr>
-            <a:spLocks noGrp="1"/>
-          </p:cNvSpPr>
-          <p:nvPr>
-            <p:ph type="sldNum" sz="quarter" idx="11"/>
-          </p:nvPr>
-        </p:nvSpPr>
-        <p:spPr/>
-        <p:txBody>
-          <a:bodyPr/>
-          <a:lstStyle/>
-          <a:p>
-            <a:fld id="{C503DA3A-0C6B-48FC-931E-2C786AAFD5C1}" type="slidenum">
-              <a:rPr lang="en-US" altLang="nl-NL" smtClean="0"/>
-              <a:pPr/>
-              <a:t>2</a:t>
-            </a:fld>
-            <a:endParaRPr lang="en-US" altLang="nl-NL"/>
-          </a:p>
-        </p:txBody>
-      </p:sp>
-    </p:spTree>
-    <p:extLst>
-      <p:ext uri="{BB962C8B-B14F-4D97-AF65-F5344CB8AC3E}">
-        <p14:creationId xmlns:p14="http://schemas.microsoft.com/office/powerpoint/2010/main" val="3953617699"/>
-      </p:ext>
-    </p:extLst>
-  </p:cSld>
-  <p:clrMapOvr>
-    <a:masterClrMapping/>
-  </p:clrMapOvr>
-  <p:timing>
-    <p:tnLst>
-      <p:par>
-        <p:cTn id="1" dur="indefinite" restart="never" nodeType="tmRoot"/>
-      </p:par>
-    </p:tnLst>
-  </p:timing>
-</p:sld>
-</file>
-
-<file path=ppt/slides/slide20.xml><?xml version="1.0" encoding="utf-8"?>
-<p:sld xmlns:a="http://schemas.openxmlformats.org/drawingml/2006/main" xmlns:r="http://schemas.openxmlformats.org/officeDocument/2006/relationships" xmlns:p="http://schemas.openxmlformats.org/presentationml/2006/main">
-  <p:cSld>
-    <p:spTree>
-      <p:nvGrpSpPr>
-        <p:cNvPr id="1" name=""/>
-        <p:cNvGrpSpPr/>
-        <p:nvPr/>
-      </p:nvGrpSpPr>
-      <p:grpSpPr>
-        <a:xfrm>
-          <a:off x="0" y="0"/>
-          <a:ext cx="0" cy="0"/>
-          <a:chOff x="0" y="0"/>
-          <a:chExt cx="0" cy="0"/>
-        </a:xfrm>
-      </p:grpSpPr>
-      <p:sp>
-        <p:nvSpPr>
-          <p:cNvPr id="2" name="Titolo 1"/>
-          <p:cNvSpPr>
-            <a:spLocks noGrp="1"/>
-          </p:cNvSpPr>
-          <p:nvPr>
-            <p:ph type="title"/>
-          </p:nvPr>
-        </p:nvSpPr>
-        <p:spPr/>
-        <p:txBody>
-          <a:bodyPr/>
-          <a:lstStyle/>
-          <a:p>
-            <a:r>
-              <a:rPr lang="it-IT" dirty="0" smtClean="0"/>
-              <a:t>Indice</a:t>
-            </a:r>
-            <a:endParaRPr lang="it-IT" dirty="0"/>
-          </a:p>
-        </p:txBody>
-      </p:sp>
-      <p:sp>
-        <p:nvSpPr>
-          <p:cNvPr id="3" name="Segnaposto contenuto 2"/>
-          <p:cNvSpPr>
-            <a:spLocks noGrp="1"/>
-          </p:cNvSpPr>
-          <p:nvPr>
-            <p:ph idx="1"/>
-          </p:nvPr>
-        </p:nvSpPr>
-        <p:spPr>
-          <a:xfrm>
-            <a:off x="685800" y="1142999"/>
-            <a:ext cx="7086600" cy="5229225"/>
-          </a:xfrm>
-        </p:spPr>
-        <p:txBody>
-          <a:bodyPr/>
-          <a:lstStyle/>
-          <a:p>
-            <a:r>
-              <a:rPr lang="it-IT" sz="2400" dirty="0">
-                <a:solidFill>
-                  <a:schemeClr val="bg2">
-                    <a:lumMod val="40000"/>
-                    <a:lumOff val="60000"/>
-                  </a:schemeClr>
-                </a:solidFill>
-              </a:rPr>
-              <a:t>Interferometria</a:t>
-            </a:r>
-          </a:p>
-          <a:p>
-            <a:pPr lvl="1"/>
-            <a:r>
-              <a:rPr lang="it-IT" sz="2000" dirty="0">
-                <a:solidFill>
-                  <a:schemeClr val="bg2">
-                    <a:lumMod val="40000"/>
-                    <a:lumOff val="60000"/>
-                  </a:schemeClr>
-                </a:solidFill>
-              </a:rPr>
-              <a:t>Interferometria a self-mixing</a:t>
-            </a:r>
-          </a:p>
-          <a:p>
-            <a:pPr lvl="1"/>
-            <a:r>
-              <a:rPr lang="it-IT" sz="2000" dirty="0">
-                <a:solidFill>
-                  <a:schemeClr val="bg2">
-                    <a:lumMod val="40000"/>
-                    <a:lumOff val="60000"/>
-                  </a:schemeClr>
-                </a:solidFill>
-              </a:rPr>
-              <a:t>Misura della distanza</a:t>
-            </a:r>
-          </a:p>
-          <a:p>
-            <a:r>
-              <a:rPr lang="it-IT" sz="2400" dirty="0">
-                <a:solidFill>
-                  <a:schemeClr val="bg2">
-                    <a:lumMod val="40000"/>
-                    <a:lumOff val="60000"/>
-                  </a:schemeClr>
-                </a:solidFill>
-              </a:rPr>
-              <a:t>Architettura hardware</a:t>
-            </a:r>
-          </a:p>
-          <a:p>
-            <a:pPr lvl="1"/>
-            <a:r>
-              <a:rPr lang="it-IT" sz="2000" dirty="0">
-                <a:solidFill>
-                  <a:schemeClr val="bg2">
-                    <a:lumMod val="40000"/>
-                    <a:lumOff val="60000"/>
-                  </a:schemeClr>
-                </a:solidFill>
-              </a:rPr>
-              <a:t>Parte analogica</a:t>
-            </a:r>
-          </a:p>
-          <a:p>
-            <a:pPr lvl="1"/>
-            <a:r>
-              <a:rPr lang="it-IT" sz="2000" dirty="0">
-                <a:solidFill>
-                  <a:schemeClr val="bg2">
-                    <a:lumMod val="40000"/>
-                    <a:lumOff val="60000"/>
-                  </a:schemeClr>
-                </a:solidFill>
-              </a:rPr>
-              <a:t>Parte digitale</a:t>
-            </a:r>
-          </a:p>
-          <a:p>
-            <a:pPr lvl="1"/>
-            <a:r>
-              <a:rPr lang="it-IT" sz="2000" dirty="0">
-                <a:solidFill>
-                  <a:schemeClr val="bg2">
-                    <a:lumMod val="40000"/>
-                    <a:lumOff val="60000"/>
-                  </a:schemeClr>
-                </a:solidFill>
-              </a:rPr>
-              <a:t>Parte di conversione</a:t>
-            </a:r>
-          </a:p>
-          <a:p>
-            <a:r>
-              <a:rPr lang="it-IT" sz="2400" dirty="0">
-                <a:solidFill>
-                  <a:schemeClr val="bg2">
-                    <a:lumMod val="40000"/>
-                    <a:lumOff val="60000"/>
-                  </a:schemeClr>
-                </a:solidFill>
-              </a:rPr>
-              <a:t>Architettura software</a:t>
-            </a:r>
-          </a:p>
-          <a:p>
-            <a:pPr lvl="1"/>
-            <a:r>
-              <a:rPr lang="it-IT" sz="2000" dirty="0">
-                <a:solidFill>
-                  <a:schemeClr val="bg2">
-                    <a:lumMod val="40000"/>
-                    <a:lumOff val="60000"/>
-                  </a:schemeClr>
-                </a:solidFill>
-              </a:rPr>
-              <a:t>FPGA</a:t>
-            </a:r>
-          </a:p>
-          <a:p>
-            <a:pPr lvl="1"/>
-            <a:r>
-              <a:rPr lang="it-IT" sz="2000" dirty="0">
-                <a:solidFill>
-                  <a:schemeClr val="bg2">
-                    <a:lumMod val="40000"/>
-                    <a:lumOff val="60000"/>
-                  </a:schemeClr>
-                </a:solidFill>
-              </a:rPr>
-              <a:t>Microcontrollore</a:t>
-            </a:r>
-          </a:p>
-          <a:p>
-            <a:r>
-              <a:rPr lang="it-IT" sz="2400" dirty="0">
-                <a:solidFill>
-                  <a:schemeClr val="bg2">
-                    <a:lumMod val="40000"/>
-                    <a:lumOff val="60000"/>
-                  </a:schemeClr>
-                </a:solidFill>
-              </a:rPr>
-              <a:t>Risultati sperimentali</a:t>
-            </a:r>
-          </a:p>
-          <a:p>
-            <a:r>
-              <a:rPr lang="it-IT" sz="2400" dirty="0"/>
-              <a:t>Conclusioni e sviluppi futuri</a:t>
-            </a:r>
-          </a:p>
-        </p:txBody>
-      </p:sp>
-      <p:sp>
-        <p:nvSpPr>
-          <p:cNvPr id="4" name="Segnaposto numero diapositiva 3"/>
-          <p:cNvSpPr>
-            <a:spLocks noGrp="1"/>
-          </p:cNvSpPr>
-          <p:nvPr>
-            <p:ph type="sldNum" sz="quarter" idx="11"/>
-          </p:nvPr>
-        </p:nvSpPr>
-        <p:spPr/>
-        <p:txBody>
-          <a:bodyPr/>
-          <a:lstStyle/>
-          <a:p>
-            <a:fld id="{C503DA3A-0C6B-48FC-931E-2C786AAFD5C1}" type="slidenum">
-              <a:rPr lang="en-US" altLang="nl-NL" smtClean="0"/>
-              <a:pPr/>
-              <a:t>20</a:t>
-            </a:fld>
-            <a:endParaRPr lang="en-US" altLang="nl-NL"/>
-          </a:p>
-        </p:txBody>
-      </p:sp>
-    </p:spTree>
-    <p:extLst>
-      <p:ext uri="{BB962C8B-B14F-4D97-AF65-F5344CB8AC3E}">
-        <p14:creationId xmlns:p14="http://schemas.microsoft.com/office/powerpoint/2010/main" val="2461533339"/>
-      </p:ext>
-    </p:extLst>
-  </p:cSld>
-  <p:clrMapOvr>
-    <a:masterClrMapping/>
-  </p:clrMapOvr>
-  <p:timing>
-    <p:tnLst>
-      <p:par>
-        <p:cTn id="1" dur="indefinite" restart="never" nodeType="tmRoot"/>
-      </p:par>
-    </p:tnLst>
-  </p:timing>
-</p:sld>
-</file>
-
-<file path=ppt/slides/slide21.xml><?xml version="1.0" encoding="utf-8"?>
-<p:sld xmlns:a="http://schemas.openxmlformats.org/drawingml/2006/main" xmlns:r="http://schemas.openxmlformats.org/officeDocument/2006/relationships" xmlns:p="http://schemas.openxmlformats.org/presentationml/2006/main">
-  <p:cSld>
-    <p:spTree>
-      <p:nvGrpSpPr>
-        <p:cNvPr id="1" name=""/>
-        <p:cNvGrpSpPr/>
-        <p:nvPr/>
-      </p:nvGrpSpPr>
-      <p:grpSpPr>
-        <a:xfrm>
-          <a:off x="0" y="0"/>
-          <a:ext cx="0" cy="0"/>
-          <a:chOff x="0" y="0"/>
-          <a:chExt cx="0" cy="0"/>
-        </a:xfrm>
-      </p:grpSpPr>
-      <p:sp>
-        <p:nvSpPr>
-          <p:cNvPr id="2" name="Titolo 1"/>
-          <p:cNvSpPr>
-            <a:spLocks noGrp="1"/>
-          </p:cNvSpPr>
-          <p:nvPr>
-            <p:ph type="title"/>
-          </p:nvPr>
-        </p:nvSpPr>
-        <p:spPr/>
-        <p:txBody>
-          <a:bodyPr/>
-          <a:lstStyle/>
-          <a:p>
-            <a:r>
-              <a:rPr lang="it-IT" dirty="0" smtClean="0"/>
-              <a:t>Conclusioni e sviluppi futuri</a:t>
-            </a:r>
-            <a:endParaRPr lang="it-IT" dirty="0"/>
-          </a:p>
-        </p:txBody>
-      </p:sp>
-      <p:sp>
-        <p:nvSpPr>
-          <p:cNvPr id="3" name="Segnaposto contenuto 2"/>
-          <p:cNvSpPr>
-            <a:spLocks noGrp="1"/>
-          </p:cNvSpPr>
-          <p:nvPr>
-            <p:ph idx="1"/>
-          </p:nvPr>
-        </p:nvSpPr>
-        <p:spPr>
-          <a:xfrm>
-            <a:off x="609600" y="1219200"/>
-            <a:ext cx="7772400" cy="4876800"/>
-          </a:xfrm>
-        </p:spPr>
-        <p:txBody>
-          <a:bodyPr/>
-          <a:lstStyle/>
-          <a:p>
-            <a:r>
-              <a:rPr lang="it-IT" sz="2400" dirty="0" smtClean="0"/>
-              <a:t>I risultati </a:t>
-            </a:r>
-            <a:r>
-              <a:rPr lang="it-IT" sz="2400" dirty="0" smtClean="0"/>
-              <a:t>ottenuti hanno portato alla realizzazione di uno </a:t>
-            </a:r>
-            <a:r>
-              <a:rPr lang="it-IT" sz="2400" dirty="0" smtClean="0"/>
-              <a:t>strumento di misura con buone prestazioni e a basso </a:t>
-            </a:r>
-            <a:r>
-              <a:rPr lang="it-IT" sz="2400" dirty="0" smtClean="0"/>
-              <a:t>costo</a:t>
-            </a:r>
-            <a:endParaRPr lang="it-IT" sz="2400" dirty="0"/>
-          </a:p>
-          <a:p>
-            <a:endParaRPr lang="it-IT" sz="2400" dirty="0" smtClean="0"/>
-          </a:p>
-          <a:p>
-            <a:r>
-              <a:rPr lang="it-IT" sz="2400" dirty="0" smtClean="0"/>
-              <a:t> Lo strumento mostra </a:t>
-            </a:r>
-            <a:r>
-              <a:rPr lang="it-IT" sz="2400" dirty="0" smtClean="0"/>
-              <a:t>ancora alcuni limiti</a:t>
-            </a:r>
-            <a:r>
-              <a:rPr lang="it-IT" sz="2400" dirty="0" smtClean="0"/>
-              <a:t>:</a:t>
-            </a:r>
-          </a:p>
-          <a:p>
-            <a:pPr lvl="1"/>
-            <a:r>
-              <a:rPr lang="it-IT" sz="2000" dirty="0" smtClean="0"/>
-              <a:t>Frequenza di misura reale inferiore a quella teorica</a:t>
-            </a:r>
-            <a:endParaRPr lang="it-IT" sz="2000" dirty="0"/>
-          </a:p>
-          <a:p>
-            <a:pPr lvl="1"/>
-            <a:r>
-              <a:rPr lang="it-IT" sz="2000" dirty="0" smtClean="0"/>
-              <a:t>Deriva termica</a:t>
-            </a:r>
-            <a:endParaRPr lang="it-IT" sz="2000" dirty="0"/>
-          </a:p>
-          <a:p>
-            <a:pPr marL="0" indent="0">
-              <a:buNone/>
-            </a:pPr>
-            <a:endParaRPr lang="it-IT" sz="2400" dirty="0" smtClean="0"/>
-          </a:p>
-          <a:p>
-            <a:r>
-              <a:rPr lang="it-IT" sz="2400" dirty="0" smtClean="0"/>
-              <a:t>Sviluppi futuri:</a:t>
-            </a:r>
-          </a:p>
-          <a:p>
-            <a:pPr lvl="1"/>
-            <a:r>
-              <a:rPr lang="it-IT" sz="2000" dirty="0" smtClean="0"/>
-              <a:t>Scheda di prototipazione più performante</a:t>
-            </a:r>
-          </a:p>
-          <a:p>
-            <a:pPr lvl="1"/>
-            <a:r>
-              <a:rPr lang="it-IT" sz="2000" dirty="0" smtClean="0"/>
-              <a:t>Controllore di temperatura</a:t>
-            </a:r>
-          </a:p>
-          <a:p>
-            <a:pPr lvl="1"/>
-            <a:r>
-              <a:rPr lang="it-IT" sz="2000" dirty="0" smtClean="0"/>
-              <a:t>Misura della velocità</a:t>
-            </a:r>
-          </a:p>
-          <a:p>
-            <a:pPr lvl="1"/>
-            <a:endParaRPr lang="it-IT" sz="2000" dirty="0" smtClean="0"/>
-          </a:p>
-          <a:p>
-            <a:pPr lvl="1"/>
-            <a:endParaRPr lang="it-IT" sz="2000" dirty="0" smtClean="0"/>
-          </a:p>
-          <a:p>
-            <a:pPr lvl="1"/>
-            <a:endParaRPr lang="it-IT" sz="2000" dirty="0" smtClean="0"/>
-          </a:p>
-        </p:txBody>
-      </p:sp>
-      <p:sp>
-        <p:nvSpPr>
-          <p:cNvPr id="4" name="Segnaposto numero diapositiva 3"/>
-          <p:cNvSpPr>
-            <a:spLocks noGrp="1"/>
-          </p:cNvSpPr>
-          <p:nvPr>
-            <p:ph type="sldNum" sz="quarter" idx="11"/>
-          </p:nvPr>
-        </p:nvSpPr>
-        <p:spPr/>
-        <p:txBody>
-          <a:bodyPr/>
-          <a:lstStyle/>
-          <a:p>
-            <a:fld id="{C503DA3A-0C6B-48FC-931E-2C786AAFD5C1}" type="slidenum">
-              <a:rPr lang="en-US" altLang="nl-NL" smtClean="0"/>
-              <a:pPr/>
-              <a:t>21</a:t>
-            </a:fld>
-            <a:endParaRPr lang="en-US" altLang="nl-NL"/>
-          </a:p>
-        </p:txBody>
-      </p:sp>
-    </p:spTree>
-    <p:extLst>
-      <p:ext uri="{BB962C8B-B14F-4D97-AF65-F5344CB8AC3E}">
-        <p14:creationId xmlns:p14="http://schemas.microsoft.com/office/powerpoint/2010/main" val="781321479"/>
       </p:ext>
     </p:extLst>
   </p:cSld>
@@ -9351,6 +11062,206 @@
       </p:grpSpPr>
       <p:sp>
         <p:nvSpPr>
+          <p:cNvPr id="2" name="Titolo 1"/>
+          <p:cNvSpPr>
+            <a:spLocks noGrp="1"/>
+          </p:cNvSpPr>
+          <p:nvPr>
+            <p:ph type="title"/>
+          </p:nvPr>
+        </p:nvSpPr>
+        <p:spPr/>
+        <p:txBody>
+          <a:bodyPr/>
+          <a:lstStyle/>
+          <a:p>
+            <a:r>
+              <a:rPr lang="it-IT" dirty="0" smtClean="0"/>
+              <a:t>Indice</a:t>
+            </a:r>
+            <a:endParaRPr lang="it-IT" dirty="0"/>
+          </a:p>
+        </p:txBody>
+      </p:sp>
+      <p:sp>
+        <p:nvSpPr>
+          <p:cNvPr id="3" name="Segnaposto contenuto 2"/>
+          <p:cNvSpPr>
+            <a:spLocks noGrp="1"/>
+          </p:cNvSpPr>
+          <p:nvPr>
+            <p:ph idx="1"/>
+          </p:nvPr>
+        </p:nvSpPr>
+        <p:spPr>
+          <a:xfrm>
+            <a:off x="685800" y="1142999"/>
+            <a:ext cx="7086600" cy="5229225"/>
+          </a:xfrm>
+        </p:spPr>
+        <p:txBody>
+          <a:bodyPr/>
+          <a:lstStyle/>
+          <a:p>
+            <a:r>
+              <a:rPr lang="it-IT" sz="2400" dirty="0">
+                <a:solidFill>
+                  <a:schemeClr val="bg2">
+                    <a:lumMod val="40000"/>
+                    <a:lumOff val="60000"/>
+                  </a:schemeClr>
+                </a:solidFill>
+              </a:rPr>
+              <a:t>Interferometria</a:t>
+            </a:r>
+          </a:p>
+          <a:p>
+            <a:pPr lvl="1"/>
+            <a:r>
+              <a:rPr lang="it-IT" sz="2000" dirty="0">
+                <a:solidFill>
+                  <a:schemeClr val="bg2">
+                    <a:lumMod val="40000"/>
+                    <a:lumOff val="60000"/>
+                  </a:schemeClr>
+                </a:solidFill>
+              </a:rPr>
+              <a:t>Interferometria a self-mixing</a:t>
+            </a:r>
+          </a:p>
+          <a:p>
+            <a:pPr lvl="1"/>
+            <a:r>
+              <a:rPr lang="it-IT" sz="2000" dirty="0">
+                <a:solidFill>
+                  <a:schemeClr val="bg2">
+                    <a:lumMod val="40000"/>
+                    <a:lumOff val="60000"/>
+                  </a:schemeClr>
+                </a:solidFill>
+              </a:rPr>
+              <a:t>Misura della distanza</a:t>
+            </a:r>
+          </a:p>
+          <a:p>
+            <a:r>
+              <a:rPr lang="it-IT" sz="2400" dirty="0">
+                <a:solidFill>
+                  <a:schemeClr val="bg2">
+                    <a:lumMod val="40000"/>
+                    <a:lumOff val="60000"/>
+                  </a:schemeClr>
+                </a:solidFill>
+              </a:rPr>
+              <a:t>Architettura hardware</a:t>
+            </a:r>
+          </a:p>
+          <a:p>
+            <a:pPr lvl="1"/>
+            <a:r>
+              <a:rPr lang="it-IT" sz="2000" dirty="0">
+                <a:solidFill>
+                  <a:schemeClr val="bg2">
+                    <a:lumMod val="40000"/>
+                    <a:lumOff val="60000"/>
+                  </a:schemeClr>
+                </a:solidFill>
+              </a:rPr>
+              <a:t>Parte analogica</a:t>
+            </a:r>
+          </a:p>
+          <a:p>
+            <a:pPr lvl="1"/>
+            <a:r>
+              <a:rPr lang="it-IT" sz="2000" dirty="0">
+                <a:solidFill>
+                  <a:schemeClr val="bg2">
+                    <a:lumMod val="40000"/>
+                    <a:lumOff val="60000"/>
+                  </a:schemeClr>
+                </a:solidFill>
+              </a:rPr>
+              <a:t>Parte digitale</a:t>
+            </a:r>
+          </a:p>
+          <a:p>
+            <a:pPr lvl="1"/>
+            <a:r>
+              <a:rPr lang="it-IT" sz="2000" dirty="0">
+                <a:solidFill>
+                  <a:schemeClr val="bg2">
+                    <a:lumMod val="40000"/>
+                    <a:lumOff val="60000"/>
+                  </a:schemeClr>
+                </a:solidFill>
+              </a:rPr>
+              <a:t>Parte di conversione</a:t>
+            </a:r>
+          </a:p>
+          <a:p>
+            <a:r>
+              <a:rPr lang="it-IT" sz="2400" dirty="0">
+                <a:solidFill>
+                  <a:schemeClr val="bg2">
+                    <a:lumMod val="40000"/>
+                    <a:lumOff val="60000"/>
+                  </a:schemeClr>
+                </a:solidFill>
+              </a:rPr>
+              <a:t>Architettura software</a:t>
+            </a:r>
+          </a:p>
+          <a:p>
+            <a:pPr lvl="1"/>
+            <a:r>
+              <a:rPr lang="it-IT" sz="2000" dirty="0">
+                <a:solidFill>
+                  <a:schemeClr val="bg2">
+                    <a:lumMod val="40000"/>
+                    <a:lumOff val="60000"/>
+                  </a:schemeClr>
+                </a:solidFill>
+              </a:rPr>
+              <a:t>FPGA</a:t>
+            </a:r>
+          </a:p>
+          <a:p>
+            <a:pPr lvl="1"/>
+            <a:r>
+              <a:rPr lang="it-IT" sz="2000" dirty="0">
+                <a:solidFill>
+                  <a:schemeClr val="bg2">
+                    <a:lumMod val="40000"/>
+                    <a:lumOff val="60000"/>
+                  </a:schemeClr>
+                </a:solidFill>
+              </a:rPr>
+              <a:t>Microcontrollore</a:t>
+            </a:r>
+          </a:p>
+          <a:p>
+            <a:r>
+              <a:rPr lang="it-IT" sz="2400" dirty="0">
+                <a:solidFill>
+                  <a:schemeClr val="bg2">
+                    <a:lumMod val="40000"/>
+                    <a:lumOff val="60000"/>
+                  </a:schemeClr>
+                </a:solidFill>
+              </a:rPr>
+              <a:t>Risultati sperimentali</a:t>
+            </a:r>
+          </a:p>
+          <a:p>
+            <a:r>
+              <a:rPr lang="it-IT" sz="2400" dirty="0"/>
+              <a:t>Conclusioni e sviluppi futuri</a:t>
+            </a:r>
+          </a:p>
+        </p:txBody>
+      </p:sp>
+      <p:sp>
+        <p:nvSpPr>
           <p:cNvPr id="4" name="Segnaposto numero diapositiva 3"/>
           <p:cNvSpPr>
             <a:spLocks noGrp="1"/>
@@ -9368,6 +11279,334 @@
               <a:rPr lang="en-US" altLang="nl-NL" smtClean="0"/>
               <a:pPr/>
               <a:t>22</a:t>
+            </a:fld>
+            <a:endParaRPr lang="en-US" altLang="nl-NL"/>
+          </a:p>
+        </p:txBody>
+      </p:sp>
+    </p:spTree>
+    <p:extLst>
+      <p:ext uri="{BB962C8B-B14F-4D97-AF65-F5344CB8AC3E}">
+        <p14:creationId xmlns:p14="http://schemas.microsoft.com/office/powerpoint/2010/main" val="2461533339"/>
+      </p:ext>
+    </p:extLst>
+  </p:cSld>
+  <p:clrMapOvr>
+    <a:masterClrMapping/>
+  </p:clrMapOvr>
+  <p:timing>
+    <p:tnLst>
+      <p:par>
+        <p:cTn id="1" dur="indefinite" restart="never" nodeType="tmRoot"/>
+      </p:par>
+    </p:tnLst>
+  </p:timing>
+</p:sld>
+</file>
+
+<file path=ppt/slides/slide23.xml><?xml version="1.0" encoding="utf-8"?>
+<p:sld xmlns:a="http://schemas.openxmlformats.org/drawingml/2006/main" xmlns:r="http://schemas.openxmlformats.org/officeDocument/2006/relationships" xmlns:p="http://schemas.openxmlformats.org/presentationml/2006/main">
+  <p:cSld>
+    <p:spTree>
+      <p:nvGrpSpPr>
+        <p:cNvPr id="1" name=""/>
+        <p:cNvGrpSpPr/>
+        <p:nvPr/>
+      </p:nvGrpSpPr>
+      <p:grpSpPr>
+        <a:xfrm>
+          <a:off x="0" y="0"/>
+          <a:ext cx="0" cy="0"/>
+          <a:chOff x="0" y="0"/>
+          <a:chExt cx="0" cy="0"/>
+        </a:xfrm>
+      </p:grpSpPr>
+      <p:sp>
+        <p:nvSpPr>
+          <p:cNvPr id="2" name="Titolo 1"/>
+          <p:cNvSpPr>
+            <a:spLocks noGrp="1"/>
+          </p:cNvSpPr>
+          <p:nvPr>
+            <p:ph type="title"/>
+          </p:nvPr>
+        </p:nvSpPr>
+        <p:spPr/>
+        <p:txBody>
+          <a:bodyPr/>
+          <a:lstStyle/>
+          <a:p>
+            <a:r>
+              <a:rPr lang="it-IT" dirty="0" smtClean="0"/>
+              <a:t>Conclusioni e sviluppi futuri</a:t>
+            </a:r>
+            <a:endParaRPr lang="it-IT" dirty="0"/>
+          </a:p>
+        </p:txBody>
+      </p:sp>
+      <p:sp>
+        <p:nvSpPr>
+          <p:cNvPr id="3" name="Segnaposto contenuto 2"/>
+          <p:cNvSpPr>
+            <a:spLocks noGrp="1"/>
+          </p:cNvSpPr>
+          <p:nvPr>
+            <p:ph idx="1"/>
+          </p:nvPr>
+        </p:nvSpPr>
+        <p:spPr>
+          <a:xfrm>
+            <a:off x="609600" y="1219200"/>
+            <a:ext cx="7772400" cy="4876800"/>
+          </a:xfrm>
+        </p:spPr>
+        <p:txBody>
+          <a:bodyPr/>
+          <a:lstStyle/>
+          <a:p>
+            <a:r>
+              <a:rPr lang="it-IT" sz="2400" dirty="0" smtClean="0"/>
+              <a:t>I risultati ottenuti hanno portato alla realizzazione di uno strumento di misura con buone prestazioni e a basso </a:t>
+            </a:r>
+            <a:r>
+              <a:rPr lang="it-IT" sz="2400" dirty="0" smtClean="0"/>
+              <a:t>costo</a:t>
+            </a:r>
+            <a:endParaRPr lang="it-IT" sz="2400" dirty="0" smtClean="0"/>
+          </a:p>
+          <a:p>
+            <a:r>
+              <a:rPr lang="it-IT" sz="2400" dirty="0" smtClean="0"/>
+              <a:t> Lo strumento </a:t>
+            </a:r>
+            <a:r>
+              <a:rPr lang="it-IT" sz="2400" dirty="0" smtClean="0"/>
+              <a:t>mostra</a:t>
+            </a:r>
+            <a:br>
+              <a:rPr lang="it-IT" sz="2400" dirty="0" smtClean="0"/>
+            </a:br>
+            <a:r>
+              <a:rPr lang="it-IT" sz="2400" dirty="0" smtClean="0"/>
+              <a:t> </a:t>
+            </a:r>
+            <a:r>
+              <a:rPr lang="it-IT" sz="2400" dirty="0" smtClean="0"/>
+              <a:t>ancora alcuni limiti:</a:t>
+            </a:r>
+          </a:p>
+          <a:p>
+            <a:pPr lvl="1"/>
+            <a:r>
+              <a:rPr lang="it-IT" sz="2000" dirty="0" smtClean="0"/>
+              <a:t>Frequenza di misura </a:t>
+            </a:r>
+            <a:r>
+              <a:rPr lang="it-IT" sz="2000" dirty="0" smtClean="0"/>
+              <a:t>reale</a:t>
+            </a:r>
+            <a:br>
+              <a:rPr lang="it-IT" sz="2000" dirty="0" smtClean="0"/>
+            </a:br>
+            <a:r>
+              <a:rPr lang="it-IT" sz="2000" dirty="0" smtClean="0"/>
+              <a:t>inferiore </a:t>
+            </a:r>
+            <a:r>
+              <a:rPr lang="it-IT" sz="2000" dirty="0" smtClean="0"/>
+              <a:t>a quella teorica</a:t>
+            </a:r>
+            <a:endParaRPr lang="it-IT" sz="2000" dirty="0"/>
+          </a:p>
+          <a:p>
+            <a:pPr lvl="1"/>
+            <a:r>
+              <a:rPr lang="it-IT" sz="2000" dirty="0" smtClean="0"/>
+              <a:t>Deriva </a:t>
+            </a:r>
+            <a:r>
+              <a:rPr lang="it-IT" sz="2000" dirty="0" smtClean="0"/>
+              <a:t>termica</a:t>
+            </a:r>
+            <a:endParaRPr lang="it-IT" sz="2400" dirty="0" smtClean="0"/>
+          </a:p>
+          <a:p>
+            <a:r>
+              <a:rPr lang="it-IT" sz="2400" dirty="0" smtClean="0"/>
+              <a:t>Sviluppi futuri:</a:t>
+            </a:r>
+          </a:p>
+          <a:p>
+            <a:pPr lvl="1"/>
+            <a:r>
+              <a:rPr lang="it-IT" sz="2000" dirty="0" smtClean="0"/>
+              <a:t>Scheda di prototipazione </a:t>
+            </a:r>
+            <a:r>
+              <a:rPr lang="it-IT" sz="2000" dirty="0" smtClean="0"/>
+              <a:t/>
+            </a:r>
+            <a:br>
+              <a:rPr lang="it-IT" sz="2000" dirty="0" smtClean="0"/>
+            </a:br>
+            <a:r>
+              <a:rPr lang="it-IT" sz="2000" dirty="0" smtClean="0"/>
+              <a:t>più </a:t>
+            </a:r>
+            <a:r>
+              <a:rPr lang="it-IT" sz="2000" dirty="0" smtClean="0"/>
+              <a:t>performante</a:t>
+            </a:r>
+          </a:p>
+          <a:p>
+            <a:pPr lvl="1"/>
+            <a:r>
+              <a:rPr lang="it-IT" sz="2000" dirty="0" smtClean="0"/>
+              <a:t>Controllore di temperatura</a:t>
+            </a:r>
+          </a:p>
+          <a:p>
+            <a:pPr lvl="1"/>
+            <a:r>
+              <a:rPr lang="it-IT" sz="2000" dirty="0" smtClean="0"/>
+              <a:t>Misura della velocità</a:t>
+            </a:r>
+          </a:p>
+          <a:p>
+            <a:pPr lvl="1"/>
+            <a:endParaRPr lang="it-IT" sz="2000" dirty="0" smtClean="0"/>
+          </a:p>
+          <a:p>
+            <a:pPr lvl="1"/>
+            <a:endParaRPr lang="it-IT" sz="2000" dirty="0" smtClean="0"/>
+          </a:p>
+          <a:p>
+            <a:pPr lvl="1"/>
+            <a:endParaRPr lang="it-IT" sz="2000" dirty="0" smtClean="0"/>
+          </a:p>
+        </p:txBody>
+      </p:sp>
+      <p:sp>
+        <p:nvSpPr>
+          <p:cNvPr id="4" name="Segnaposto numero diapositiva 3"/>
+          <p:cNvSpPr>
+            <a:spLocks noGrp="1"/>
+          </p:cNvSpPr>
+          <p:nvPr>
+            <p:ph type="sldNum" sz="quarter" idx="11"/>
+          </p:nvPr>
+        </p:nvSpPr>
+        <p:spPr/>
+        <p:txBody>
+          <a:bodyPr/>
+          <a:lstStyle/>
+          <a:p>
+            <a:fld id="{C503DA3A-0C6B-48FC-931E-2C786AAFD5C1}" type="slidenum">
+              <a:rPr lang="en-US" altLang="nl-NL" smtClean="0"/>
+              <a:pPr/>
+              <a:t>23</a:t>
+            </a:fld>
+            <a:endParaRPr lang="en-US" altLang="nl-NL"/>
+          </a:p>
+        </p:txBody>
+      </p:sp>
+      <p:pic>
+        <p:nvPicPr>
+          <p:cNvPr id="3074" name="Picture 2" descr="5_90cm_no_gauss.png"/>
+          <p:cNvPicPr>
+            <a:picLocks noChangeAspect="1" noChangeArrowheads="1"/>
+          </p:cNvPicPr>
+          <p:nvPr/>
+        </p:nvPicPr>
+        <p:blipFill>
+          <a:blip r:embed="rId2">
+            <a:extLst>
+              <a:ext uri="{28A0092B-C50C-407E-A947-70E740481C1C}">
+                <a14:useLocalDpi xmlns:a14="http://schemas.microsoft.com/office/drawing/2010/main" val="0"/>
+              </a:ext>
+            </a:extLst>
+          </a:blip>
+          <a:srcRect/>
+          <a:stretch>
+            <a:fillRect/>
+          </a:stretch>
+        </p:blipFill>
+        <p:spPr bwMode="auto">
+          <a:xfrm>
+            <a:off x="4495800" y="2149125"/>
+            <a:ext cx="4168640" cy="2783650"/>
+          </a:xfrm>
+          <a:prstGeom prst="rect">
+            <a:avLst/>
+          </a:prstGeom>
+          <a:noFill/>
+          <a:extLst>
+            <a:ext uri="{909E8E84-426E-40DD-AFC4-6F175D3DCCD1}">
+              <a14:hiddenFill xmlns:a14="http://schemas.microsoft.com/office/drawing/2010/main">
+                <a:solidFill>
+                  <a:srgbClr val="FFFFFF"/>
+                </a:solidFill>
+              </a14:hiddenFill>
+            </a:ext>
+          </a:extLst>
+        </p:spPr>
+      </p:pic>
+    </p:spTree>
+    <p:extLst>
+      <p:ext uri="{BB962C8B-B14F-4D97-AF65-F5344CB8AC3E}">
+        <p14:creationId xmlns:p14="http://schemas.microsoft.com/office/powerpoint/2010/main" val="781321479"/>
+      </p:ext>
+    </p:extLst>
+  </p:cSld>
+  <p:clrMapOvr>
+    <a:masterClrMapping/>
+  </p:clrMapOvr>
+  <p:timing>
+    <p:tnLst>
+      <p:par>
+        <p:cTn id="1" dur="indefinite" restart="never" nodeType="tmRoot"/>
+      </p:par>
+    </p:tnLst>
+  </p:timing>
+</p:sld>
+</file>
+
+<file path=ppt/slides/slide24.xml><?xml version="1.0" encoding="utf-8"?>
+<p:sld xmlns:a="http://schemas.openxmlformats.org/drawingml/2006/main" xmlns:r="http://schemas.openxmlformats.org/officeDocument/2006/relationships" xmlns:p="http://schemas.openxmlformats.org/presentationml/2006/main">
+  <p:cSld>
+    <p:spTree>
+      <p:nvGrpSpPr>
+        <p:cNvPr id="1" name=""/>
+        <p:cNvGrpSpPr/>
+        <p:nvPr/>
+      </p:nvGrpSpPr>
+      <p:grpSpPr>
+        <a:xfrm>
+          <a:off x="0" y="0"/>
+          <a:ext cx="0" cy="0"/>
+          <a:chOff x="0" y="0"/>
+          <a:chExt cx="0" cy="0"/>
+        </a:xfrm>
+      </p:grpSpPr>
+      <p:sp>
+        <p:nvSpPr>
+          <p:cNvPr id="4" name="Segnaposto numero diapositiva 3"/>
+          <p:cNvSpPr>
+            <a:spLocks noGrp="1"/>
+          </p:cNvSpPr>
+          <p:nvPr>
+            <p:ph type="sldNum" sz="quarter" idx="11"/>
+          </p:nvPr>
+        </p:nvSpPr>
+        <p:spPr/>
+        <p:txBody>
+          <a:bodyPr/>
+          <a:lstStyle/>
+          <a:p>
+            <a:fld id="{C503DA3A-0C6B-48FC-931E-2C786AAFD5C1}" type="slidenum">
+              <a:rPr lang="en-US" altLang="nl-NL" smtClean="0"/>
+              <a:pPr/>
+              <a:t>24</a:t>
             </a:fld>
             <a:endParaRPr lang="en-US" altLang="nl-NL"/>
           </a:p>
@@ -9572,8 +11811,8 @@
         </p:nvSpPr>
         <p:spPr bwMode="auto">
           <a:xfrm>
-            <a:off x="4829175" y="2709862"/>
-            <a:ext cx="3914775" cy="1800382"/>
+            <a:off x="4829174" y="1921669"/>
+            <a:ext cx="4229482" cy="3654362"/>
           </a:xfrm>
           <a:prstGeom prst="rect">
             <a:avLst/>
@@ -9779,23 +12018,135 @@
             </a:lvl9pPr>
           </a:lstStyle>
           <a:p>
-            <a:r>
-              <a:rPr lang="it-IT" sz="2200" dirty="0" smtClean="0"/>
+            <a:pPr>
+              <a:spcBef>
+                <a:spcPts val="0"/>
+              </a:spcBef>
+              <a:spcAft>
+                <a:spcPts val="0"/>
+              </a:spcAft>
+              <a:buFont typeface="Arial" panose="020B0604020202020204" pitchFamily="34" charset="0"/>
+              <a:buChar char="•"/>
+            </a:pPr>
+            <a:r>
+              <a:rPr lang="it-IT" sz="2400" dirty="0">
+                <a:solidFill>
+                  <a:srgbClr val="000000"/>
+                </a:solidFill>
+                <a:latin typeface="Merriweather Sans"/>
+              </a:rPr>
+              <a:t>E’ formato da:</a:t>
+            </a:r>
+            <a:endParaRPr lang="it-IT" sz="2400" dirty="0">
+              <a:solidFill>
+                <a:srgbClr val="003366"/>
+              </a:solidFill>
+              <a:latin typeface="Times New Roman" panose="02020603050405020304" pitchFamily="18" charset="0"/>
+            </a:endParaRPr>
+          </a:p>
+          <a:p>
+            <a:pPr lvl="1">
+              <a:spcBef>
+                <a:spcPts val="0"/>
+              </a:spcBef>
+              <a:spcAft>
+                <a:spcPts val="0"/>
+              </a:spcAft>
+              <a:buFont typeface="Arial" panose="020B0604020202020204" pitchFamily="34" charset="0"/>
+              <a:buChar char="•"/>
+            </a:pPr>
+            <a:r>
+              <a:rPr lang="it-IT" sz="2000" dirty="0">
+                <a:solidFill>
+                  <a:srgbClr val="000000"/>
+                </a:solidFill>
+                <a:latin typeface="Merriweather Sans"/>
+              </a:rPr>
+              <a:t>Laser</a:t>
+            </a:r>
+          </a:p>
+          <a:p>
+            <a:pPr lvl="1">
+              <a:spcBef>
+                <a:spcPts val="0"/>
+              </a:spcBef>
+              <a:spcAft>
+                <a:spcPts val="0"/>
+              </a:spcAft>
+              <a:buFont typeface="Arial" panose="020B0604020202020204" pitchFamily="34" charset="0"/>
+              <a:buChar char="•"/>
+            </a:pPr>
+            <a:r>
+              <a:rPr lang="it-IT" sz="2000" dirty="0">
+                <a:solidFill>
+                  <a:srgbClr val="000000"/>
+                </a:solidFill>
+                <a:latin typeface="Merriweather Sans"/>
+              </a:rPr>
+              <a:t>Divisore di fascio</a:t>
+            </a:r>
+          </a:p>
+          <a:p>
+            <a:pPr lvl="1">
+              <a:spcBef>
+                <a:spcPts val="0"/>
+              </a:spcBef>
+              <a:spcAft>
+                <a:spcPts val="0"/>
+              </a:spcAft>
+              <a:buFont typeface="Arial" panose="020B0604020202020204" pitchFamily="34" charset="0"/>
+              <a:buChar char="•"/>
+            </a:pPr>
+            <a:r>
+              <a:rPr lang="it-IT" sz="2000" dirty="0">
+                <a:solidFill>
+                  <a:srgbClr val="000000"/>
+                </a:solidFill>
+                <a:latin typeface="Merriweather Sans"/>
+              </a:rPr>
+              <a:t>Due specchi</a:t>
+            </a:r>
+          </a:p>
+          <a:p>
+            <a:pPr lvl="1">
+              <a:spcBef>
+                <a:spcPts val="0"/>
+              </a:spcBef>
+              <a:spcAft>
+                <a:spcPts val="0"/>
+              </a:spcAft>
+              <a:buFont typeface="Arial" panose="020B0604020202020204" pitchFamily="34" charset="0"/>
+              <a:buChar char="•"/>
+            </a:pPr>
+            <a:r>
+              <a:rPr lang="it-IT" sz="2000" dirty="0" smtClean="0">
+                <a:solidFill>
+                  <a:srgbClr val="000000"/>
+                </a:solidFill>
+                <a:latin typeface="Merriweather Sans"/>
+              </a:rPr>
+              <a:t>Fotodiodo</a:t>
+            </a:r>
+            <a:endParaRPr lang="it-IT" sz="1800" dirty="0" smtClean="0"/>
+          </a:p>
+          <a:p>
+            <a:r>
+              <a:rPr lang="it-IT" sz="2400" dirty="0" smtClean="0"/>
               <a:t>Il </a:t>
             </a:r>
             <a:r>
-              <a:rPr lang="it-IT" sz="2200" i="1" dirty="0" smtClean="0"/>
+              <a:rPr lang="it-IT" sz="2400" i="1" dirty="0" smtClean="0"/>
               <a:t>fotodiodo</a:t>
             </a:r>
             <a:r>
-              <a:rPr lang="it-IT" sz="2200" dirty="0" smtClean="0"/>
+              <a:rPr lang="it-IT" sz="2400" dirty="0" smtClean="0"/>
               <a:t> genera una corrente contenente l’informazione </a:t>
             </a:r>
             <a:r>
-              <a:rPr lang="it-IT" sz="2200" dirty="0"/>
+              <a:rPr lang="it-IT" sz="2400" dirty="0"/>
               <a:t>sullo spostamento del bersaglio</a:t>
             </a:r>
-            <a:endParaRPr lang="it-IT" sz="2200" kern="0" dirty="0"/>
+            <a:endParaRPr lang="it-IT" sz="2400" kern="0" dirty="0"/>
           </a:p>
         </p:txBody>
       </p:sp>
@@ -9809,7 +12160,7 @@
         </p:nvSpPr>
         <p:spPr bwMode="auto">
           <a:xfrm>
-            <a:off x="609601" y="5298437"/>
+            <a:off x="609600" y="5314339"/>
             <a:ext cx="8134350" cy="871539"/>
           </a:xfrm>
           <a:prstGeom prst="rect">
@@ -10030,8 +12381,13 @@
             </a:r>
             <a:r>
               <a:rPr lang="it-IT" sz="2400" kern="0" dirty="0" smtClean="0"/>
-              <a:t> di realizzazione</a:t>
-            </a:r>
+              <a:t> di </a:t>
+            </a:r>
+            <a:r>
+              <a:rPr lang="it-IT" sz="2400" kern="0" dirty="0" smtClean="0"/>
+              <a:t>realizzazione rispetto ad altre tecniche</a:t>
+            </a:r>
+            <a:endParaRPr lang="it-IT" sz="2400" kern="0" dirty="0" smtClean="0"/>
           </a:p>
           <a:p>
             <a:r>
@@ -10159,8 +12515,8 @@
         </p:blipFill>
         <p:spPr>
           <a:xfrm>
-            <a:off x="1945963" y="3238785"/>
-            <a:ext cx="5733088" cy="1866327"/>
+            <a:off x="1393890" y="3337517"/>
+            <a:ext cx="5594219" cy="1821120"/>
           </a:xfrm>
           <a:prstGeom prst="rect">
             <a:avLst/>
@@ -10187,77 +12543,150 @@
           <a:bodyPr/>
           <a:lstStyle/>
           <a:p>
+            <a:pPr>
+              <a:spcBef>
+                <a:spcPts val="0"/>
+              </a:spcBef>
+              <a:spcAft>
+                <a:spcPts val="0"/>
+              </a:spcAft>
+              <a:buFont typeface="Arial" panose="020B0604020202020204" pitchFamily="34" charset="0"/>
+              <a:buChar char="•"/>
+            </a:pPr>
+            <a:r>
+              <a:rPr lang="it-IT" sz="2400" dirty="0">
+                <a:solidFill>
+                  <a:srgbClr val="000000"/>
+                </a:solidFill>
+                <a:latin typeface="Merriweather Sans"/>
+              </a:rPr>
+              <a:t>L’architettura è composta da:</a:t>
+            </a:r>
+            <a:endParaRPr lang="it-IT" sz="2400" dirty="0">
+              <a:solidFill>
+                <a:srgbClr val="003366"/>
+              </a:solidFill>
+              <a:latin typeface="Times New Roman" panose="02020603050405020304" pitchFamily="18" charset="0"/>
+            </a:endParaRPr>
+          </a:p>
+          <a:p>
+            <a:pPr lvl="1">
+              <a:spcBef>
+                <a:spcPts val="0"/>
+              </a:spcBef>
+              <a:spcAft>
+                <a:spcPts val="0"/>
+              </a:spcAft>
+              <a:buFont typeface="Arial" panose="020B0604020202020204" pitchFamily="34" charset="0"/>
+              <a:buChar char="•"/>
+            </a:pPr>
+            <a:r>
+              <a:rPr lang="it-IT" sz="2000" dirty="0">
+                <a:solidFill>
+                  <a:srgbClr val="000000"/>
+                </a:solidFill>
+                <a:latin typeface="Merriweather Sans"/>
+              </a:rPr>
+              <a:t>un </a:t>
+            </a:r>
+            <a:r>
+              <a:rPr lang="it-IT" sz="2000" b="1" dirty="0">
+                <a:solidFill>
+                  <a:srgbClr val="000000"/>
+                </a:solidFill>
+                <a:latin typeface="Merriweather Sans"/>
+              </a:rPr>
+              <a:t>fotodiodo</a:t>
+            </a:r>
+            <a:r>
+              <a:rPr lang="it-IT" sz="2000" dirty="0">
+                <a:solidFill>
+                  <a:srgbClr val="000000"/>
+                </a:solidFill>
+                <a:latin typeface="Merriweather Sans"/>
+              </a:rPr>
+              <a:t> </a:t>
+            </a:r>
+            <a:endParaRPr lang="it-IT" sz="2000" dirty="0">
+              <a:solidFill>
+                <a:srgbClr val="003366"/>
+              </a:solidFill>
+              <a:latin typeface="Times New Roman" panose="02020603050405020304" pitchFamily="18" charset="0"/>
+            </a:endParaRPr>
+          </a:p>
+          <a:p>
+            <a:pPr lvl="1">
+              <a:spcBef>
+                <a:spcPts val="0"/>
+              </a:spcBef>
+              <a:spcAft>
+                <a:spcPts val="0"/>
+              </a:spcAft>
+              <a:buFont typeface="Arial" panose="020B0604020202020204" pitchFamily="34" charset="0"/>
+              <a:buChar char="•"/>
+            </a:pPr>
+            <a:r>
+              <a:rPr lang="it-IT" sz="2000" dirty="0">
+                <a:solidFill>
+                  <a:srgbClr val="000000"/>
+                </a:solidFill>
+                <a:latin typeface="Merriweather Sans"/>
+              </a:rPr>
+              <a:t>una sorgente </a:t>
+            </a:r>
+            <a:r>
+              <a:rPr lang="it-IT" sz="2000" b="1" dirty="0">
+                <a:solidFill>
+                  <a:srgbClr val="000000"/>
+                </a:solidFill>
+                <a:latin typeface="Merriweather Sans"/>
+              </a:rPr>
+              <a:t>laser</a:t>
+            </a:r>
+            <a:r>
+              <a:rPr lang="it-IT" sz="2000" dirty="0">
+                <a:solidFill>
+                  <a:srgbClr val="000000"/>
+                </a:solidFill>
+                <a:latin typeface="Merriweather Sans"/>
+              </a:rPr>
+              <a:t> </a:t>
+            </a:r>
+            <a:endParaRPr lang="it-IT" sz="2000" dirty="0">
+              <a:solidFill>
+                <a:srgbClr val="003366"/>
+              </a:solidFill>
+              <a:latin typeface="Times New Roman" panose="02020603050405020304" pitchFamily="18" charset="0"/>
+            </a:endParaRPr>
+          </a:p>
+          <a:p>
+            <a:pPr lvl="1"/>
+            <a:r>
+              <a:rPr lang="it-IT" sz="2000" dirty="0">
+                <a:solidFill>
+                  <a:srgbClr val="000000"/>
+                </a:solidFill>
+                <a:latin typeface="Merriweather Sans"/>
+              </a:rPr>
+              <a:t>una </a:t>
+            </a:r>
+            <a:r>
+              <a:rPr lang="it-IT" sz="2000" b="1" dirty="0" smtClean="0">
+                <a:solidFill>
+                  <a:srgbClr val="000000"/>
+                </a:solidFill>
+                <a:latin typeface="Merriweather Sans"/>
+              </a:rPr>
+              <a:t>lente</a:t>
+            </a:r>
+          </a:p>
+          <a:p>
             <a:r>
               <a:rPr lang="it-IT" sz="2400" dirty="0" smtClean="0"/>
-              <a:t>L’architettura è composta </a:t>
-            </a:r>
-            <a:r>
-              <a:rPr lang="it-IT" sz="2400" dirty="0"/>
-              <a:t>solamente</a:t>
-            </a:r>
-            <a:r>
-              <a:rPr lang="it-IT" sz="2400" dirty="0" smtClean="0"/>
-              <a:t> da:</a:t>
-            </a:r>
-            <a:br>
-              <a:rPr lang="it-IT" sz="2400" dirty="0" smtClean="0"/>
-            </a:br>
-            <a:r>
-              <a:rPr lang="it-IT" sz="2400" dirty="0" smtClean="0"/>
-              <a:t>un </a:t>
-            </a:r>
-            <a:r>
-              <a:rPr lang="it-IT" sz="2400" b="1" dirty="0"/>
-              <a:t>f</a:t>
+              <a:t>Il fascio laser emesso è riflesso dal bersaglio e rientra nella cavità causando un fenomeno di </a:t>
             </a:r>
             <a:r>
               <a:rPr lang="it-IT" sz="2400" b="1" dirty="0" smtClean="0"/>
-              <a:t>otodiodo</a:t>
-            </a:r>
-            <a:r>
-              <a:rPr lang="it-IT" sz="2400" dirty="0" smtClean="0"/>
-              <a:t>, una sorgente </a:t>
-            </a:r>
-            <a:r>
-              <a:rPr lang="it-IT" sz="2400" b="1" dirty="0"/>
-              <a:t>l</a:t>
-            </a:r>
-            <a:r>
-              <a:rPr lang="it-IT" sz="2400" b="1" dirty="0" smtClean="0"/>
-              <a:t>aser</a:t>
-            </a:r>
-            <a:r>
-              <a:rPr lang="it-IT" sz="2400" dirty="0" smtClean="0"/>
-              <a:t> e una </a:t>
-            </a:r>
-            <a:r>
-              <a:rPr lang="it-IT" sz="2400" b="1" dirty="0"/>
-              <a:t>l</a:t>
-            </a:r>
-            <a:r>
-              <a:rPr lang="it-IT" sz="2400" b="1" dirty="0" smtClean="0"/>
-              <a:t>ente</a:t>
-            </a:r>
-          </a:p>
-          <a:p>
-            <a:r>
-              <a:rPr lang="it-IT" sz="2400" dirty="0" smtClean="0"/>
-              <a:t>Il </a:t>
-            </a:r>
-            <a:r>
-              <a:rPr lang="it-IT" sz="2400" dirty="0"/>
-              <a:t>fascio laser emesso è riflesso dal bersaglio e rientra </a:t>
-            </a:r>
-            <a:r>
-              <a:rPr lang="it-IT" sz="2400" dirty="0" smtClean="0"/>
-              <a:t>nella cavità </a:t>
-            </a:r>
-            <a:r>
-              <a:rPr lang="it-IT" sz="2400" dirty="0"/>
-              <a:t>causando un fenomeno di </a:t>
-            </a:r>
-            <a:r>
-              <a:rPr lang="it-IT" sz="2400" b="1" dirty="0"/>
               <a:t>interferenza</a:t>
             </a:r>
           </a:p>
@@ -10496,7 +12925,21 @@
             </a:r>
             <a:r>
               <a:rPr lang="it-IT" sz="2400" dirty="0" smtClean="0"/>
-              <a:t>convenzionale 	⇒ non richiede un bersaglio cooperativo</a:t>
+              <a:t>convenzionale </a:t>
+            </a:r>
+            <a:endParaRPr lang="it-IT" sz="2400" dirty="0" smtClean="0"/>
+          </a:p>
+          <a:p>
+            <a:pPr marL="0" indent="0">
+              <a:buNone/>
+            </a:pPr>
+            <a:r>
+              <a:rPr lang="it-IT" sz="2400" dirty="0" smtClean="0"/>
+              <a:t>    ⇒ </a:t>
+            </a:r>
+            <a:r>
+              <a:rPr lang="it-IT" sz="2400" dirty="0" smtClean="0"/>
+              <a:t>non richiede un bersaglio cooperativo</a:t>
             </a:r>
             <a:endParaRPr lang="it-IT" sz="2400" dirty="0"/>
           </a:p>
@@ -10765,7 +13208,7 @@
                         <m:fPr>
                           <m:ctrlPr>
                             <a:rPr lang="it-IT" i="1" smtClean="0">
-                              <a:latin typeface="Cambria Math" charset="0"/>
+                              <a:latin typeface="Cambria Math" panose="02040503050406030204" pitchFamily="18" charset="0"/>
                               <a:ea typeface="Cambria Math" charset="0"/>
                               <a:cs typeface="Cambria Math" charset="0"/>
                             </a:rPr>
@@ -10776,7 +13219,7 @@
                             <m:sSubPr>
                               <m:ctrlPr>
                                 <a:rPr lang="it-IT" i="1" smtClean="0">
-                                  <a:latin typeface="Cambria Math" charset="0"/>
+                                  <a:latin typeface="Cambria Math" panose="02040503050406030204" pitchFamily="18" charset="0"/>
                                   <a:ea typeface="Cambria Math" charset="0"/>
                                   <a:cs typeface="Cambria Math" charset="0"/>
                                 </a:rPr>
@@ -10815,7 +13258,7 @@
                             <m:sSubPr>
                               <m:ctrlPr>
                                 <a:rPr lang="it-IT" b="0" i="1" smtClean="0">
-                                  <a:latin typeface="Cambria Math" charset="0"/>
+                                  <a:latin typeface="Cambria Math" panose="02040503050406030204" pitchFamily="18" charset="0"/>
                                   <a:ea typeface="Cambria Math" charset="0"/>
                                   <a:cs typeface="Cambria Math" charset="0"/>
                                 </a:rPr>
@@ -11244,8 +13687,8 @@
         </p:nvSpPr>
         <p:spPr>
           <a:xfrm>
-            <a:off x="685800" y="1143000"/>
-            <a:ext cx="7758113" cy="5200650"/>
+            <a:off x="609600" y="1021556"/>
+            <a:ext cx="7815263" cy="5272088"/>
           </a:xfrm>
         </p:spPr>
         <p:txBody>
@@ -11255,10 +13698,7 @@
             <a:r>
               <a:rPr lang="it-IT" sz="2400" dirty="0">
                 <a:solidFill>
-                  <a:schemeClr val="bg2">
-                    <a:lumMod val="40000"/>
-                    <a:lumOff val="60000"/>
-                  </a:schemeClr>
+                  <a:schemeClr val="bg2"/>
                 </a:solidFill>
               </a:rPr>
               <a:t>Interferometria</a:t>
@@ -11269,10 +13709,7 @@
             <a:r>
               <a:rPr lang="it-IT" sz="2000" dirty="0">
                 <a:solidFill>
-                  <a:schemeClr val="bg2">
-                    <a:lumMod val="40000"/>
-                    <a:lumOff val="60000"/>
-                  </a:schemeClr>
+                  <a:schemeClr val="bg2"/>
                 </a:solidFill>
               </a:rPr>
               <a:t>Interferometria a self-mixing</a:t>
@@ -11283,10 +13720,7 @@
             <a:r>
               <a:rPr lang="it-IT" sz="2000" dirty="0">
                 <a:solidFill>
-                  <a:schemeClr val="bg2">
-                    <a:lumMod val="40000"/>
-                    <a:lumOff val="60000"/>
-                  </a:schemeClr>
+                  <a:schemeClr val="bg2"/>
                 </a:solidFill>
               </a:rPr>
               <a:t>Misura della distanza</a:t>
@@ -11301,28 +13735,29 @@
           <a:p>
             <a:pPr lvl="1"/>
             <a:r>
+              <a:rPr lang="it-IT" sz="2000" dirty="0" smtClean="0"/>
+              <a:t>Sistema analogico</a:t>
+            </a:r>
+            <a:endParaRPr lang="it-IT" sz="2000" dirty="0"/>
+          </a:p>
+          <a:p>
+            <a:pPr lvl="1"/>
+            <a:r>
+              <a:rPr lang="it-IT" sz="2000" dirty="0" smtClean="0"/>
+              <a:t>Sistema digitale</a:t>
+            </a:r>
+            <a:endParaRPr lang="it-IT" sz="2000" dirty="0"/>
+          </a:p>
+          <a:p>
+            <a:pPr lvl="1"/>
+            <a:r>
+              <a:rPr lang="it-IT" sz="2000" dirty="0" smtClean="0"/>
+              <a:t>Sistema </a:t>
+            </a:r>
+            <a:r>
               <a:rPr lang="it-IT" sz="2000" dirty="0"/>
-              <a:t>Parte analogica</a:t>
-            </a:r>
-          </a:p>
-          <a:p>
-            <a:pPr lvl="1"/>
-            <a:r>
-              <a:rPr lang="it-IT" sz="2000" dirty="0" smtClean="0"/>
-              <a:t>Parte digitale</a:t>
-            </a:r>
-          </a:p>
-          <a:p>
-            <a:pPr lvl="1"/>
-            <a:r>
-              <a:rPr lang="it-IT" sz="2000" dirty="0"/>
-              <a:t>Parte di </a:t>
-            </a:r>
-            <a:r>
-              <a:rPr lang="it-IT" sz="2000" dirty="0" smtClean="0"/>
-              <a:t>conversione</a:t>
-            </a:r>
-            <a:endParaRPr lang="it-IT" sz="2000" dirty="0"/>
+              <a:t>di conversione</a:t>
+            </a:r>
           </a:p>
           <a:p>
             <a:r>
@@ -11340,18 +13775,29 @@
           <a:p>
             <a:pPr lvl="1"/>
             <a:r>
-              <a:rPr lang="it-IT" sz="2000" dirty="0"/>
+              <a:rPr lang="it-IT" sz="2000" dirty="0" smtClean="0"/>
               <a:t>Microcontrollore</a:t>
             </a:r>
           </a:p>
           <a:p>
-            <a:r>
-              <a:rPr lang="it-IT" sz="2400" dirty="0" smtClean="0"/>
-              <a:t>Risultati </a:t>
-            </a:r>
+            <a:pPr lvl="1"/>
+            <a:r>
+              <a:rPr lang="it-IT" sz="2000" dirty="0" smtClean="0"/>
+              <a:t>Dettagli implementativi</a:t>
+            </a:r>
+          </a:p>
+          <a:p>
+            <a:pPr lvl="1"/>
+            <a:r>
+              <a:rPr lang="it-IT" sz="2000" dirty="0" smtClean="0"/>
+              <a:t>Ottimizzazioni</a:t>
+            </a:r>
+            <a:endParaRPr lang="it-IT" sz="2000" dirty="0"/>
+          </a:p>
+          <a:p>
             <a:r>
               <a:rPr lang="it-IT" sz="2400" dirty="0"/>
-              <a:t>sperimentali</a:t>
+              <a:t>Risultati sperimentali</a:t>
             </a:r>
           </a:p>
           <a:p>
@@ -11389,7 +13835,7 @@
     </p:spTree>
     <p:extLst>
       <p:ext uri="{BB962C8B-B14F-4D97-AF65-F5344CB8AC3E}">
-        <p14:creationId xmlns:p14="http://schemas.microsoft.com/office/powerpoint/2010/main" val="1084510834"/>
+        <p14:creationId xmlns:p14="http://schemas.microsoft.com/office/powerpoint/2010/main" val="2803583688"/>
       </p:ext>
     </p:extLst>
   </p:cSld>
@@ -11523,42 +13969,122 @@
           <a:lstStyle/>
           <a:p>
             <a:pPr marL="342900" indent="-342900">
-              <a:buFont typeface="Arial" charset="0"/>
+              <a:buFont typeface="Arial" panose="020B0604020202020204" pitchFamily="34" charset="0"/>
               <a:buChar char="•"/>
             </a:pPr>
             <a:r>
               <a:rPr lang="it-IT" dirty="0"/>
-              <a:t>Lo strumento è </a:t>
-            </a:r>
-            <a:r>
-              <a:rPr lang="it-IT" dirty="0" smtClean="0"/>
-              <a:t>composto </a:t>
+              <a:t>Lo strumento è composto da una </a:t>
+            </a:r>
+            <a:r>
+              <a:rPr lang="it-IT" b="1" dirty="0"/>
+              <a:t>sistema analogico</a:t>
             </a:r>
             <a:r>
               <a:rPr lang="it-IT" dirty="0"/>
-              <a:t>da una </a:t>
+              <a:t>, </a:t>
             </a:r>
             <a:r>
               <a:rPr lang="it-IT" b="1" dirty="0"/>
-              <a:t>parte </a:t>
-            </a:r>
-            <a:r>
-              <a:rPr lang="it-IT" b="1" dirty="0" smtClean="0"/>
-              <a:t>analogica</a:t>
-            </a:r>
-            <a:r>
-              <a:rPr lang="it-IT" dirty="0" smtClean="0"/>
-              <a:t> e una </a:t>
+              <a:t>un’interfaccia</a:t>
+            </a:r>
+            <a:r>
+              <a:rPr lang="it-IT" dirty="0"/>
+              <a:t> </a:t>
             </a:r>
             <a:r>
               <a:rPr lang="it-IT" b="1" dirty="0"/>
-              <a:t>parte </a:t>
-            </a:r>
-            <a:r>
-              <a:rPr lang="it-IT" b="1" dirty="0" smtClean="0"/>
-              <a:t>digitale</a:t>
+              <a:t>di conversione</a:t>
+            </a:r>
+            <a:r>
+              <a:rPr lang="it-IT" dirty="0"/>
+              <a:t> e un </a:t>
+            </a:r>
+            <a:r>
+              <a:rPr lang="it-IT" b="1" dirty="0"/>
+              <a:t>sistema digitale </a:t>
             </a:r>
             <a:endParaRPr lang="it-IT" dirty="0"/>
+          </a:p>
+        </p:txBody>
+      </p:sp>
+      <p:sp>
+        <p:nvSpPr>
+          <p:cNvPr id="3" name="Rettangolo 2"/>
+          <p:cNvSpPr/>
+          <p:nvPr/>
+        </p:nvSpPr>
+        <p:spPr>
+          <a:xfrm>
+            <a:off x="1463040" y="2243328"/>
+            <a:ext cx="4572000" cy="1121664"/>
+          </a:xfrm>
+          <a:prstGeom prst="rect">
+            <a:avLst/>
+          </a:prstGeom>
+          <a:noFill/>
+          <a:ln/>
+        </p:spPr>
+        <p:style>
+          <a:lnRef idx="2">
+            <a:schemeClr val="accent4"/>
+          </a:lnRef>
+          <a:fillRef idx="1">
+            <a:schemeClr val="lt1"/>
+          </a:fillRef>
+          <a:effectRef idx="0">
+            <a:schemeClr val="accent4"/>
+          </a:effectRef>
+          <a:fontRef idx="minor">
+            <a:schemeClr val="dk1"/>
+          </a:fontRef>
+        </p:style>
+        <p:txBody>
+          <a:bodyPr rtlCol="0" anchor="ctr"/>
+          <a:lstStyle/>
+          <a:p>
+            <a:pPr algn="ctr"/>
+            <a:endParaRPr lang="it-IT"/>
+          </a:p>
+        </p:txBody>
+      </p:sp>
+      <p:sp>
+        <p:nvSpPr>
+          <p:cNvPr id="9" name="Rettangolo 8"/>
+          <p:cNvSpPr/>
+          <p:nvPr/>
+        </p:nvSpPr>
+        <p:spPr>
+          <a:xfrm>
+            <a:off x="3857896" y="4554583"/>
+            <a:ext cx="3448595" cy="1272595"/>
+          </a:xfrm>
+          <a:prstGeom prst="rect">
+            <a:avLst/>
+          </a:prstGeom>
+          <a:noFill/>
+          <a:ln/>
+        </p:spPr>
+        <p:style>
+          <a:lnRef idx="2">
+            <a:schemeClr val="accent4"/>
+          </a:lnRef>
+          <a:fillRef idx="1">
+            <a:schemeClr val="lt1"/>
+          </a:fillRef>
+          <a:effectRef idx="0">
+            <a:schemeClr val="accent4"/>
+          </a:effectRef>
+          <a:fontRef idx="minor">
+            <a:schemeClr val="dk1"/>
+          </a:fontRef>
+        </p:style>
+        <p:txBody>
+          <a:bodyPr rtlCol="0" anchor="ctr"/>
+          <a:lstStyle/>
+          <a:p>
+            <a:pPr algn="ctr"/>
+            <a:endParaRPr lang="it-IT"/>
           </a:p>
         </p:txBody>
       </p:sp>
@@ -11616,7 +14142,7 @@
           <a:p>
             <a:r>
               <a:rPr lang="it-IT" dirty="0" smtClean="0"/>
-              <a:t>Parte analogica</a:t>
+              <a:t>Sistema analogico</a:t>
             </a:r>
             <a:endParaRPr lang="it-IT" dirty="0"/>
           </a:p>
@@ -11877,7 +14403,19 @@
           <a:p>
             <a:r>
               <a:rPr lang="it-IT" dirty="0" smtClean="0"/>
-              <a:t>Parte digitale</a:t>
+              <a:t>Sistem</a:t>
+            </a:r>
+            <a:r>
+              <a:rPr lang="it-IT" dirty="0" smtClean="0"/>
+              <a:t>a </a:t>
+            </a:r>
+            <a:r>
+              <a:rPr lang="it-IT" dirty="0" smtClean="0"/>
+              <a:t>di </a:t>
+            </a:r>
+            <a:r>
+              <a:rPr lang="it-IT" dirty="0" smtClean="0"/>
+              <a:t>conversione</a:t>
             </a:r>
             <a:endParaRPr lang="it-IT" dirty="0"/>
           </a:p>
@@ -11895,8 +14433,8 @@
         </p:nvSpPr>
         <p:spPr>
           <a:xfrm>
-            <a:off x="685800" y="979884"/>
-            <a:ext cx="7772400" cy="942975"/>
+            <a:off x="609600" y="1066800"/>
+            <a:ext cx="7772400" cy="1219200"/>
           </a:xfrm>
         </p:spPr>
         <p:txBody>
@@ -11904,20 +14442,32 @@
           <a:lstStyle/>
           <a:p>
             <a:r>
-              <a:rPr lang="it-IT" sz="2400" dirty="0" smtClean="0"/>
-              <a:t>La parte digitale è costituita dalla scheda di prototipazione: </a:t>
-            </a:r>
-            <a:r>
-              <a:rPr lang="it-IT" sz="2400" b="1" dirty="0" smtClean="0"/>
-              <a:t>NI </a:t>
-            </a:r>
-            <a:r>
-              <a:rPr lang="it-IT" sz="2400" b="1" dirty="0" err="1" smtClean="0"/>
-              <a:t>sbRIO</a:t>
-            </a:r>
-            <a:r>
-              <a:rPr lang="it-IT" sz="2400" b="1" dirty="0" smtClean="0"/>
-              <a:t> 9636</a:t>
+              <a:rPr lang="it-IT" sz="2400" dirty="0"/>
+              <a:t>I due sistemi sono </a:t>
+            </a:r>
+            <a:r>
+              <a:rPr lang="it-IT" sz="2400" b="1" dirty="0"/>
+              <a:t>interfacciati </a:t>
+            </a:r>
+            <a:r>
+              <a:rPr lang="it-IT" sz="2400" dirty="0"/>
+              <a:t>da una scheda di conversione, equipaggiata con un </a:t>
+            </a:r>
+            <a:r>
+              <a:rPr lang="it-IT" sz="2400" b="1" dirty="0"/>
+              <a:t>DAC </a:t>
+            </a:r>
+            <a:r>
+              <a:rPr lang="it-IT" sz="2400" dirty="0"/>
+              <a:t>ed un </a:t>
+            </a:r>
+            <a:r>
+              <a:rPr lang="it-IT" sz="2400" b="1" dirty="0"/>
+              <a:t>ADC </a:t>
+            </a:r>
+            <a:r>
+              <a:rPr lang="it-IT" sz="2400" dirty="0"/>
+              <a:t>comandati dal sistema digitale</a:t>
             </a:r>
           </a:p>
         </p:txBody>
@@ -11946,11 +14496,263 @@
           </a:p>
         </p:txBody>
       </p:sp>
+      <p:sp>
+        <p:nvSpPr>
+          <p:cNvPr id="5" name="Segnaposto contenuto 2"/>
+          <p:cNvSpPr txBox="1">
+            <a:spLocks/>
+          </p:cNvSpPr>
+          <p:nvPr/>
+        </p:nvSpPr>
+        <p:spPr bwMode="auto">
+          <a:xfrm>
+            <a:off x="609600" y="5510212"/>
+            <a:ext cx="7772400" cy="1014413"/>
+          </a:xfrm>
+          <a:prstGeom prst="rect">
+            <a:avLst/>
+          </a:prstGeom>
+          <a:noFill/>
+          <a:ln>
+            <a:noFill/>
+          </a:ln>
+          <a:extLst>
+            <a:ext uri="{909E8E84-426E-40DD-AFC4-6F175D3DCCD1}">
+              <a14:hiddenFill xmlns:a14="http://schemas.microsoft.com/office/drawing/2010/main">
+                <a:solidFill>
+                  <a:srgbClr val="FFFFFF"/>
+                </a:solidFill>
+              </a14:hiddenFill>
+            </a:ext>
+            <a:ext uri="{91240B29-F687-4F45-9708-019B960494DF}">
+              <a14:hiddenLine xmlns:a14="http://schemas.microsoft.com/office/drawing/2010/main" w="9525">
+                <a:solidFill>
+                  <a:srgbClr val="000000"/>
+                </a:solidFill>
+                <a:miter lim="800000"/>
+                <a:headEnd/>
+                <a:tailEnd/>
+              </a14:hiddenLine>
+            </a:ext>
+          </a:extLst>
+        </p:spPr>
+        <p:txBody>
+          <a:bodyPr vert="horz" wrap="square" lIns="91440" tIns="45720" rIns="91440" bIns="45720" numCol="1" anchor="t" anchorCtr="0" compatLnSpc="1">
+            <a:prstTxWarp prst="textNoShape">
+              <a:avLst/>
+            </a:prstTxWarp>
+          </a:bodyPr>
+          <a:lstStyle>
+            <a:lvl1pPr marL="342900" indent="-342900" algn="l" rtl="0" eaLnBrk="1" fontAlgn="base" hangingPunct="1">
+              <a:spcBef>
+                <a:spcPct val="20000"/>
+              </a:spcBef>
+              <a:spcAft>
+                <a:spcPct val="0"/>
+              </a:spcAft>
+              <a:buClr>
+                <a:srgbClr val="003366"/>
+              </a:buClr>
+              <a:buFont typeface="Times" panose="02020603050405020304" pitchFamily="18" charset="0"/>
+              <a:buChar char="•"/>
+              <a:defRPr sz="3200">
+                <a:solidFill>
+                  <a:schemeClr val="tx1"/>
+                </a:solidFill>
+                <a:latin typeface="+mn-lt"/>
+                <a:ea typeface="+mn-ea"/>
+                <a:cs typeface="+mn-cs"/>
+              </a:defRPr>
+            </a:lvl1pPr>
+            <a:lvl2pPr marL="742950" indent="-285750" algn="l" rtl="0" eaLnBrk="1" fontAlgn="base" hangingPunct="1">
+              <a:spcBef>
+                <a:spcPct val="20000"/>
+              </a:spcBef>
+              <a:spcAft>
+                <a:spcPct val="0"/>
+              </a:spcAft>
+              <a:buClr>
+                <a:srgbClr val="FF9900"/>
+              </a:buClr>
+              <a:buFont typeface="Wingdings" panose="05000000000000000000" pitchFamily="2" charset="2"/>
+              <a:buChar char="§"/>
+              <a:defRPr sz="2800">
+                <a:solidFill>
+                  <a:schemeClr val="tx1"/>
+                </a:solidFill>
+                <a:latin typeface="+mn-lt"/>
+                <a:ea typeface="+mn-ea"/>
+                <a:cs typeface="+mn-cs"/>
+              </a:defRPr>
+            </a:lvl2pPr>
+            <a:lvl3pPr marL="1143000" indent="-228600" algn="l" rtl="0" eaLnBrk="1" fontAlgn="base" hangingPunct="1">
+              <a:spcBef>
+                <a:spcPct val="20000"/>
+              </a:spcBef>
+              <a:spcAft>
+                <a:spcPct val="0"/>
+              </a:spcAft>
+              <a:buClr>
+                <a:srgbClr val="003366"/>
+              </a:buClr>
+              <a:buFont typeface="Times" panose="02020603050405020304" pitchFamily="18" charset="0"/>
+              <a:buChar char="•"/>
+              <a:defRPr sz="2400">
+                <a:solidFill>
+                  <a:schemeClr val="tx1"/>
+                </a:solidFill>
+                <a:latin typeface="+mn-lt"/>
+                <a:ea typeface="+mn-ea"/>
+                <a:cs typeface="+mn-cs"/>
+              </a:defRPr>
+            </a:lvl3pPr>
+            <a:lvl4pPr marL="1600200" indent="-228600" algn="l" rtl="0" eaLnBrk="1" fontAlgn="base" hangingPunct="1">
+              <a:spcBef>
+                <a:spcPct val="20000"/>
+              </a:spcBef>
+              <a:spcAft>
+                <a:spcPct val="0"/>
+              </a:spcAft>
+              <a:buClr>
+                <a:srgbClr val="003366"/>
+              </a:buClr>
+              <a:buChar char="–"/>
+              <a:defRPr sz="2000">
+                <a:solidFill>
+                  <a:schemeClr val="tx1"/>
+                </a:solidFill>
+                <a:latin typeface="+mn-lt"/>
+                <a:ea typeface="+mn-ea"/>
+                <a:cs typeface="+mn-cs"/>
+              </a:defRPr>
+            </a:lvl4pPr>
+            <a:lvl5pPr marL="2057400" indent="-228600" algn="l" rtl="0" eaLnBrk="1" fontAlgn="base" hangingPunct="1">
+              <a:spcBef>
+                <a:spcPct val="20000"/>
+              </a:spcBef>
+              <a:spcAft>
+                <a:spcPct val="0"/>
+              </a:spcAft>
+              <a:buChar char="»"/>
+              <a:defRPr sz="2000">
+                <a:solidFill>
+                  <a:schemeClr val="tx1"/>
+                </a:solidFill>
+                <a:latin typeface="+mn-lt"/>
+                <a:ea typeface="+mn-ea"/>
+                <a:cs typeface="+mn-cs"/>
+              </a:defRPr>
+            </a:lvl5pPr>
+            <a:lvl6pPr marL="2514600" indent="-228600" algn="l" rtl="0" eaLnBrk="1" fontAlgn="base" hangingPunct="1">
+              <a:spcBef>
+                <a:spcPct val="20000"/>
+              </a:spcBef>
+              <a:spcAft>
+                <a:spcPct val="0"/>
+              </a:spcAft>
+              <a:buChar char="»"/>
+              <a:defRPr sz="2000">
+                <a:solidFill>
+                  <a:schemeClr val="tx1"/>
+                </a:solidFill>
+                <a:latin typeface="+mn-lt"/>
+                <a:ea typeface="+mn-ea"/>
+                <a:cs typeface="+mn-cs"/>
+              </a:defRPr>
+            </a:lvl6pPr>
+            <a:lvl7pPr marL="2971800" indent="-228600" algn="l" rtl="0" eaLnBrk="1" fontAlgn="base" hangingPunct="1">
+              <a:spcBef>
+                <a:spcPct val="20000"/>
+              </a:spcBef>
+              <a:spcAft>
+                <a:spcPct val="0"/>
+              </a:spcAft>
+              <a:buChar char="»"/>
+              <a:defRPr sz="2000">
+                <a:solidFill>
+                  <a:schemeClr val="tx1"/>
+                </a:solidFill>
+                <a:latin typeface="+mn-lt"/>
+                <a:ea typeface="+mn-ea"/>
+                <a:cs typeface="+mn-cs"/>
+              </a:defRPr>
+            </a:lvl7pPr>
+            <a:lvl8pPr marL="3429000" indent="-228600" algn="l" rtl="0" eaLnBrk="1" fontAlgn="base" hangingPunct="1">
+              <a:spcBef>
+                <a:spcPct val="20000"/>
+              </a:spcBef>
+              <a:spcAft>
+                <a:spcPct val="0"/>
+              </a:spcAft>
+              <a:buChar char="»"/>
+              <a:defRPr sz="2000">
+                <a:solidFill>
+                  <a:schemeClr val="tx1"/>
+                </a:solidFill>
+                <a:latin typeface="+mn-lt"/>
+                <a:ea typeface="+mn-ea"/>
+                <a:cs typeface="+mn-cs"/>
+              </a:defRPr>
+            </a:lvl8pPr>
+            <a:lvl9pPr marL="3886200" indent="-228600" algn="l" rtl="0" eaLnBrk="1" fontAlgn="base" hangingPunct="1">
+              <a:spcBef>
+                <a:spcPct val="20000"/>
+              </a:spcBef>
+              <a:spcAft>
+                <a:spcPct val="0"/>
+              </a:spcAft>
+              <a:buChar char="»"/>
+              <a:defRPr sz="2000">
+                <a:solidFill>
+                  <a:schemeClr val="tx1"/>
+                </a:solidFill>
+                <a:latin typeface="+mn-lt"/>
+                <a:ea typeface="+mn-ea"/>
+                <a:cs typeface="+mn-cs"/>
+              </a:defRPr>
+            </a:lvl9pPr>
+          </a:lstStyle>
+          <a:p>
+            <a:r>
+              <a:rPr lang="it-IT" sz="2400" kern="0" dirty="0" smtClean="0"/>
+              <a:t>Frequenza di campionamento </a:t>
+            </a:r>
+            <a:r>
+              <a:rPr lang="it-IT" sz="2400" kern="0" dirty="0" err="1" smtClean="0"/>
+              <a:t>max</a:t>
+            </a:r>
+            <a:r>
+              <a:rPr lang="it-IT" sz="2400" kern="0" dirty="0" smtClean="0"/>
+              <a:t>: </a:t>
+            </a:r>
+            <a:r>
+              <a:rPr lang="it-IT" sz="2400" b="1" kern="0" dirty="0" smtClean="0"/>
+              <a:t>50MSa/</a:t>
+            </a:r>
+            <a:r>
+              <a:rPr lang="it-IT" sz="2400" b="1" kern="0" dirty="0" err="1" smtClean="0"/>
+              <a:t>s</a:t>
+            </a:r>
+            <a:endParaRPr lang="it-IT" sz="2400" b="1" kern="0" dirty="0" smtClean="0"/>
+          </a:p>
+          <a:p>
+            <a:r>
+              <a:rPr lang="it-IT" sz="2400" kern="0" dirty="0" smtClean="0"/>
+              <a:t>Risoluzione: </a:t>
+            </a:r>
+            <a:r>
+              <a:rPr lang="it-IT" sz="2400" b="1" kern="0" dirty="0" smtClean="0"/>
+              <a:t>12 bit</a:t>
+            </a:r>
+            <a:endParaRPr lang="it-IT" sz="2400" b="1" kern="0" dirty="0"/>
+          </a:p>
+        </p:txBody>
+      </p:sp>
       <p:pic>
         <p:nvPicPr>
-          <p:cNvPr id="5" name="Immagine 4"/>
+          <p:cNvPr id="1026" name="Picture 2" descr="https://lh3.googleusercontent.com/Gr8Ecck_72gojMI-0ui5yEDvO2eiuwOYGdIj4B1u8nnMtjSPjmfE6C5nxNrav9B2aY6-AsLoCp2ymWlu_tW5EKOcigpDYLgGa6psfK77xVRZZF7BH8kL1xiNiYwUN5KBp53WsmV69Q"/>
           <p:cNvPicPr>
-            <a:picLocks noChangeAspect="1"/>
+            <a:picLocks noChangeAspect="1" noChangeArrowheads="1"/>
           </p:cNvPicPr>
           <p:nvPr/>
         </p:nvPicPr>
@@ -11962,114 +14764,35 @@
               </a:ext>
             </a:extLst>
           </a:blip>
+          <a:srcRect/>
           <a:stretch>
             <a:fillRect/>
           </a:stretch>
         </p:blipFill>
-        <p:spPr>
+        <p:spPr bwMode="auto">
           <a:xfrm>
-            <a:off x="609600" y="1922859"/>
-            <a:ext cx="4556200" cy="4122276"/>
-          </a:xfrm>
-          <a:prstGeom prst="rect">
-            <a:avLst/>
-          </a:prstGeom>
-        </p:spPr>
-      </p:pic>
-      <p:sp>
-        <p:nvSpPr>
-          <p:cNvPr id="6" name="CasellaDiTesto 5"/>
-          <p:cNvSpPr txBox="1"/>
-          <p:nvPr/>
-        </p:nvSpPr>
-        <p:spPr>
-          <a:xfrm>
-            <a:off x="5208228" y="2140743"/>
-            <a:ext cx="3207544" cy="4154984"/>
+            <a:off x="2462212" y="2374105"/>
+            <a:ext cx="3457575" cy="3048001"/>
           </a:xfrm>
           <a:prstGeom prst="rect">
             <a:avLst/>
           </a:prstGeom>
           <a:noFill/>
+          <a:extLst>
+            <a:ext uri="{909E8E84-426E-40DD-AFC4-6F175D3DCCD1}">
+              <a14:hiddenFill xmlns:a14="http://schemas.microsoft.com/office/drawing/2010/main">
+                <a:solidFill>
+                  <a:srgbClr val="FFFFFF"/>
+                </a:solidFill>
+              </a14:hiddenFill>
+            </a:ext>
+          </a:extLst>
         </p:spPr>
-        <p:txBody>
-          <a:bodyPr wrap="square" rtlCol="0">
-            <a:spAutoFit/>
-          </a:bodyPr>
-          <a:lstStyle/>
-          <a:p>
-            <a:pPr marL="342900" indent="-342900">
-              <a:buFont typeface="Arial" charset="0"/>
-              <a:buChar char="•"/>
-            </a:pPr>
-            <a:r>
-              <a:rPr lang="it-IT" dirty="0"/>
-              <a:t>La scheda </a:t>
-            </a:r>
-            <a:r>
-              <a:rPr lang="it-IT" dirty="0" smtClean="0"/>
-              <a:t>comprende un </a:t>
-            </a:r>
-            <a:r>
-              <a:rPr lang="it-IT" b="1" dirty="0" smtClean="0"/>
-              <a:t>FPGA</a:t>
-            </a:r>
-            <a:r>
-              <a:rPr lang="it-IT" dirty="0" smtClean="0"/>
-              <a:t> </a:t>
-            </a:r>
-            <a:r>
-              <a:rPr lang="it-IT" dirty="0"/>
-              <a:t>ed un </a:t>
-            </a:r>
-            <a:r>
-              <a:rPr lang="it-IT" b="1" dirty="0" smtClean="0"/>
-              <a:t>microcontrollore</a:t>
-            </a:r>
-            <a:br>
-              <a:rPr lang="it-IT" b="1" dirty="0" smtClean="0"/>
-            </a:br>
-            <a:endParaRPr lang="it-IT" b="1" dirty="0" smtClean="0"/>
-          </a:p>
-          <a:p>
-            <a:pPr marL="342900" indent="-342900">
-              <a:buFont typeface="Arial" charset="0"/>
-              <a:buChar char="•"/>
-            </a:pPr>
-            <a:r>
-              <a:rPr lang="it-IT" dirty="0"/>
-              <a:t>S</a:t>
-            </a:r>
-            <a:r>
-              <a:rPr lang="it-IT" dirty="0" smtClean="0"/>
-              <a:t>i </a:t>
-            </a:r>
-            <a:r>
-              <a:rPr lang="it-IT" dirty="0"/>
-              <a:t>occupa dell’</a:t>
-            </a:r>
-            <a:r>
-              <a:rPr lang="it-IT" b="1" dirty="0"/>
-              <a:t>elaborazione </a:t>
-            </a:r>
-            <a:r>
-              <a:rPr lang="it-IT" b="1" dirty="0" smtClean="0"/>
-              <a:t>digitale </a:t>
-            </a:r>
-            <a:r>
-              <a:rPr lang="it-IT" dirty="0"/>
-              <a:t>del segnale interferometrico</a:t>
-            </a:r>
-          </a:p>
-          <a:p>
-            <a:endParaRPr lang="it-IT" dirty="0"/>
-          </a:p>
-        </p:txBody>
-      </p:sp>
+      </p:pic>
     </p:spTree>
     <p:extLst>
       <p:ext uri="{BB962C8B-B14F-4D97-AF65-F5344CB8AC3E}">
-        <p14:creationId xmlns:p14="http://schemas.microsoft.com/office/powerpoint/2010/main" val="594836213"/>
+        <p14:creationId xmlns:p14="http://schemas.microsoft.com/office/powerpoint/2010/main" val="2372177897"/>
       </p:ext>
     </p:extLst>
   </p:cSld>
@@ -13631,15 +16354,6 @@
 </file>
 
 <file path=customXml/item1.xml><?xml version="1.0" encoding="utf-8"?>
-<?mso-contentType ?>
-<FormTemplates xmlns="http://schemas.microsoft.com/sharepoint/v3/contenttype/forms">
-  <Display>DocumentLibraryForm</Display>
-  <Edit>DocumentLibraryForm</Edit>
-  <New>DocumentLibraryForm</New>
-</FormTemplates>
-</file>
-
-<file path=customXml/item2.xml><?xml version="1.0" encoding="utf-8"?>
 <ct:contentTypeSchema xmlns:ct="http://schemas.microsoft.com/office/2006/metadata/contentType" xmlns:ma="http://schemas.microsoft.com/office/2006/metadata/properties/metaAttributes" ct:_="" ma:_="" ma:contentTypeName="Documento" ma:contentTypeID="0x010100DAC9E95AF84DC048A0D22167E412CEEC" ma:contentTypeVersion="0" ma:contentTypeDescription="Creare un nuovo documento." ma:contentTypeScope="" ma:versionID="77ab65c81d73c7b1811619c89623d2b9">
   <xsd:schema xmlns:xsd="http://www.w3.org/2001/XMLSchema" xmlns:xs="http://www.w3.org/2001/XMLSchema" xmlns:p="http://schemas.microsoft.com/office/2006/metadata/properties" targetNamespace="http://schemas.microsoft.com/office/2006/metadata/properties" ma:root="true" ma:fieldsID="8bf72f36140baa73d0623520154f6aaf">
     <xsd:element name="properties">
@@ -13753,6 +16467,15 @@
 </ct:contentTypeSchema>
 </file>
 
+<file path=customXml/item2.xml><?xml version="1.0" encoding="utf-8"?>
+<?mso-contentType ?>
+<FormTemplates xmlns="http://schemas.microsoft.com/sharepoint/v3/contenttype/forms">
+  <Display>DocumentLibraryForm</Display>
+  <Edit>DocumentLibraryForm</Edit>
+  <New>DocumentLibraryForm</New>
+</FormTemplates>
+</file>
+
 <file path=customXml/item3.xml><?xml version="1.0" encoding="utf-8"?>
 <p:properties xmlns:p="http://schemas.microsoft.com/office/2006/metadata/properties" xmlns:xsi="http://www.w3.org/2001/XMLSchema-instance" xmlns:pc="http://schemas.microsoft.com/office/infopath/2007/PartnerControls">
   <documentManagement/>
@@ -13760,14 +16483,6 @@
 </file>
 
 <file path=customXml/itemProps1.xml><?xml version="1.0" encoding="utf-8"?>
-<ds:datastoreItem xmlns:ds="http://schemas.openxmlformats.org/officeDocument/2006/customXml" ds:itemID="{642F071F-C090-42AB-8A40-E3A3A8F01244}">
-  <ds:schemaRefs>
-    <ds:schemaRef ds:uri="http://schemas.microsoft.com/sharepoint/v3/contenttype/forms"/>
-  </ds:schemaRefs>
-</ds:datastoreItem>
-</file>
-
-<file path=customXml/itemProps2.xml><?xml version="1.0" encoding="utf-8"?>
 <ds:datastoreItem xmlns:ds="http://schemas.openxmlformats.org/officeDocument/2006/customXml" ds:itemID="{B0C5135E-7452-41DD-A4B7-B217190CFF89}">
   <ds:schemaRefs>
     <ds:schemaRef ds:uri="http://schemas.microsoft.com/office/2006/metadata/contentType"/>
@@ -13779,6 +16494,14 @@
     <ds:schemaRef ds:uri="http://purl.org/dc/terms/"/>
     <ds:schemaRef ds:uri="http://schemas.microsoft.com/internal/obd"/>
     <ds:schemaRef ds:uri="http://schemas.microsoft.com/office/infopath/2007/PartnerControls"/>
+  </ds:schemaRefs>
+</ds:datastoreItem>
+</file>
+
+<file path=customXml/itemProps2.xml><?xml version="1.0" encoding="utf-8"?>
+<ds:datastoreItem xmlns:ds="http://schemas.openxmlformats.org/officeDocument/2006/customXml" ds:itemID="{642F071F-C090-42AB-8A40-E3A3A8F01244}">
+  <ds:schemaRefs>
+    <ds:schemaRef ds:uri="http://schemas.microsoft.com/sharepoint/v3/contenttype/forms"/>
   </ds:schemaRefs>
 </ds:datastoreItem>
 </file>

--- a/presentazione_discussione.pptx
+++ b/presentazione_discussione.pptx
@@ -202,34 +202,6 @@
 </p:cmAuthorLst>
 </file>
 
-<file path=ppt/comments/comment1.xml><?xml version="1.0" encoding="utf-8"?>
-<p:cmLst xmlns:a="http://schemas.openxmlformats.org/drawingml/2006/main" xmlns:r="http://schemas.openxmlformats.org/officeDocument/2006/relationships" xmlns:p="http://schemas.openxmlformats.org/presentationml/2006/main">
-  <p:cm authorId="3" dt="2015-12-05T17:14:33.528" idx="1">
-    <p:pos x="2805" y="1331"/>
-    <p:text>cambiare immagine</p:text>
-    <p:extLst>
-      <p:ext uri="{C676402C-5697-4E1C-873F-D02D1690AC5C}">
-        <p15:threadingInfo xmlns:p15="http://schemas.microsoft.com/office/powerpoint/2012/main" timeZoneBias="-60"/>
-      </p:ext>
-    </p:extLst>
-  </p:cm>
-</p:cmLst>
-</file>
-
-<file path=ppt/comments/comment2.xml><?xml version="1.0" encoding="utf-8"?>
-<p:cmLst xmlns:a="http://schemas.openxmlformats.org/drawingml/2006/main" xmlns:r="http://schemas.openxmlformats.org/officeDocument/2006/relationships" xmlns:p="http://schemas.openxmlformats.org/presentationml/2006/main">
-  <p:cm authorId="2" dt="2015-12-05T17:00:27.060" idx="1">
-    <p:pos x="4968" y="702"/>
-    <p:text>Sistemare questa frase</p:text>
-    <p:extLst>
-      <p:ext uri="{C676402C-5697-4E1C-873F-D02D1690AC5C}">
-        <p15:threadingInfo xmlns:p15="http://schemas.microsoft.com/office/powerpoint/2012/main" timeZoneBias="-60"/>
-      </p:ext>
-    </p:extLst>
-  </p:cm>
-</p:cmLst>
-</file>
-
 <file path=ppt/handoutMasters/handoutMaster1.xml><?xml version="1.0" encoding="utf-8"?>
 <p:handoutMaster xmlns:a="http://schemas.openxmlformats.org/drawingml/2006/main" xmlns:r="http://schemas.openxmlformats.org/officeDocument/2006/relationships" xmlns:p="http://schemas.openxmlformats.org/presentationml/2006/main">
   <p:cSld>
@@ -443,7 +415,7 @@
             <a:fld id="{09D1D7E3-DE3F-4B7A-BF5B-A3735BF12F5F}" type="slidenum">
               <a:rPr lang="en-US" altLang="nl-NL"/>
               <a:pPr/>
-              <a:t>‹N›</a:t>
+              <a:t>‹n.›</a:t>
             </a:fld>
             <a:endParaRPr lang="en-US" altLang="nl-NL"/>
           </a:p>
@@ -782,7 +754,7 @@
             <a:fld id="{88C0D9CF-78A8-4FBE-960E-41C6F5A4AF95}" type="slidenum">
               <a:rPr lang="en-US" altLang="nl-NL"/>
               <a:pPr/>
-              <a:t>‹N›</a:t>
+              <a:t>‹n.›</a:t>
             </a:fld>
             <a:endParaRPr lang="en-US" altLang="nl-NL"/>
           </a:p>
@@ -3219,7 +3191,7 @@
             <a:fld id="{2A6090BC-14A4-4032-A8EA-D874EB653524}" type="slidenum">
               <a:rPr lang="en-US" altLang="nl-NL"/>
               <a:pPr/>
-              <a:t>‹N›</a:t>
+              <a:t>‹n.›</a:t>
             </a:fld>
             <a:endParaRPr lang="en-US" altLang="nl-NL"/>
           </a:p>
@@ -3367,7 +3339,7 @@
             <a:fld id="{BA594880-8A78-40E1-8D62-51F97D4059C0}" type="slidenum">
               <a:rPr lang="en-US" altLang="nl-NL"/>
               <a:pPr/>
-              <a:t>‹N›</a:t>
+              <a:t>‹n.›</a:t>
             </a:fld>
             <a:endParaRPr lang="en-US" altLang="nl-NL"/>
           </a:p>
@@ -3552,7 +3524,7 @@
             <a:fld id="{C503DA3A-0C6B-48FC-931E-2C786AAFD5C1}" type="slidenum">
               <a:rPr lang="en-US" altLang="nl-NL"/>
               <a:pPr/>
-              <a:t>‹N›</a:t>
+              <a:t>‹n.›</a:t>
             </a:fld>
             <a:endParaRPr lang="en-US" altLang="nl-NL"/>
           </a:p>
@@ -3742,7 +3714,7 @@
             <a:fld id="{22038E9A-44DA-4A7D-8119-4DEABABB9975}" type="slidenum">
               <a:rPr lang="en-US" altLang="nl-NL"/>
               <a:pPr/>
-              <a:t>‹N›</a:t>
+              <a:t>‹n.›</a:t>
             </a:fld>
             <a:endParaRPr lang="en-US" altLang="nl-NL"/>
           </a:p>
@@ -3998,7 +3970,7 @@
             <a:fld id="{003F0B5A-3573-418F-94B3-BD5F75DB60BD}" type="slidenum">
               <a:rPr lang="en-US" altLang="nl-NL"/>
               <a:pPr/>
-              <a:t>‹N›</a:t>
+              <a:t>‹n.›</a:t>
             </a:fld>
             <a:endParaRPr lang="en-US" altLang="nl-NL"/>
           </a:p>
@@ -4393,7 +4365,7 @@
             <a:fld id="{42D42EED-7338-48C6-AA31-2E9FCA4532B1}" type="slidenum">
               <a:rPr lang="en-US" altLang="nl-NL"/>
               <a:pPr/>
-              <a:t>‹N›</a:t>
+              <a:t>‹n.›</a:t>
             </a:fld>
             <a:endParaRPr lang="en-US" altLang="nl-NL"/>
           </a:p>
@@ -4479,7 +4451,7 @@
             <a:fld id="{BBD7032E-400A-4C6B-9075-7A7CB7960EE8}" type="slidenum">
               <a:rPr lang="en-US" altLang="nl-NL"/>
               <a:pPr/>
-              <a:t>‹N›</a:t>
+              <a:t>‹n.›</a:t>
             </a:fld>
             <a:endParaRPr lang="en-US" altLang="nl-NL"/>
           </a:p>
@@ -4542,7 +4514,7 @@
             <a:fld id="{ED3AC776-BC4C-444F-A902-0153286FE118}" type="slidenum">
               <a:rPr lang="en-US" altLang="nl-NL"/>
               <a:pPr/>
-              <a:t>‹N›</a:t>
+              <a:t>‹n.›</a:t>
             </a:fld>
             <a:endParaRPr lang="en-US" altLang="nl-NL"/>
           </a:p>
@@ -4787,7 +4759,7 @@
             <a:fld id="{E5F65DD3-3E3C-40FA-A044-BE029E819A96}" type="slidenum">
               <a:rPr lang="en-US" altLang="nl-NL"/>
               <a:pPr/>
-              <a:t>‹N›</a:t>
+              <a:t>‹n.›</a:t>
             </a:fld>
             <a:endParaRPr lang="en-US" altLang="nl-NL"/>
           </a:p>
@@ -5013,7 +4985,7 @@
             <a:fld id="{D32360F0-7900-4280-B4D3-DB562730877F}" type="slidenum">
               <a:rPr lang="en-US" altLang="nl-NL"/>
               <a:pPr/>
-              <a:t>‹N›</a:t>
+              <a:t>‹n.›</a:t>
             </a:fld>
             <a:endParaRPr lang="en-US" altLang="nl-NL"/>
           </a:p>
@@ -5357,7 +5329,7 @@
             <a:fld id="{D11F1AE1-4445-46D7-BD14-4F1456A53146}" type="slidenum">
               <a:rPr lang="en-US" altLang="nl-NL"/>
               <a:pPr/>
-              <a:t>‹N›</a:t>
+              <a:t>‹n.›</a:t>
             </a:fld>
             <a:endParaRPr lang="en-US" altLang="nl-NL"/>
           </a:p>
@@ -6229,7 +6201,7 @@
         <p:spPr>
           <a:xfrm>
             <a:off x="1524000" y="4343400"/>
-            <a:ext cx="7005638" cy="1143000"/>
+            <a:ext cx="7005638" cy="801806"/>
           </a:xfrm>
           <a:noFill/>
         </p:spPr>
@@ -6296,8 +6268,8 @@
         </p:nvSpPr>
         <p:spPr>
           <a:xfrm>
-            <a:off x="5691441" y="5486400"/>
-            <a:ext cx="3223959" cy="923330"/>
+            <a:off x="5455799" y="5486400"/>
+            <a:ext cx="3459601" cy="923330"/>
           </a:xfrm>
           <a:prstGeom prst="rect">
             <a:avLst/>
@@ -6316,16 +6288,20 @@
               <a:t>Leonardo </a:t>
             </a:r>
             <a:r>
+              <a:rPr lang="it-IT" sz="1800" b="1" dirty="0" err="1" smtClean="0"/>
+              <a:t>Cavagnis</a:t>
+            </a:r>
+            <a:r>
               <a:rPr lang="it-IT" sz="1800" b="1" dirty="0" smtClean="0"/>
-              <a:t>Cavagnis</a:t>
+              <a:t>,</a:t>
             </a:r>
             <a:r>
               <a:rPr lang="it-IT" sz="1800" dirty="0" smtClean="0"/>
-              <a:t> 816646</a:t>
+              <a:t> </a:t>
             </a:r>
             <a:r>
               <a:rPr lang="it-IT" sz="1800" dirty="0" smtClean="0"/>
-              <a:t/>
+              <a:t>816646</a:t>
             </a:r>
             <a:br>
               <a:rPr lang="it-IT" sz="1800" dirty="0" smtClean="0"/>
@@ -6336,17 +6312,16 @@
             </a:r>
             <a:r>
               <a:rPr lang="it-IT" sz="1800" b="1" dirty="0" smtClean="0"/>
-              <a:t>Rondelli</a:t>
-            </a:r>
-            <a:r>
-              <a:rPr lang="it-IT" sz="1800" dirty="0"/>
+              <a:t>Rondelli,</a:t>
+            </a:r>
+            <a:r>
+              <a:rPr lang="it-IT" sz="1800" dirty="0" smtClean="0"/>
               <a:t> </a:t>
             </a:r>
             <a:r>
               <a:rPr lang="it-IT" sz="1800" dirty="0" smtClean="0"/>
               <a:t>817108</a:t>
             </a:r>
-            <a:endParaRPr lang="it-IT" sz="1800" dirty="0" smtClean="0"/>
           </a:p>
           <a:p>
             <a:pPr algn="r"/>
@@ -6410,7 +6385,11 @@
           <a:p>
             <a:r>
               <a:rPr lang="it-IT" dirty="0" smtClean="0"/>
-              <a:t>Parte digitale</a:t>
+              <a:t>Sistema </a:t>
+            </a:r>
+            <a:r>
+              <a:rPr lang="it-IT" dirty="0" smtClean="0"/>
+              <a:t>digitale</a:t>
             </a:r>
             <a:endParaRPr lang="it-IT" dirty="0"/>
           </a:p>
@@ -6438,24 +6417,33 @@
           <a:p>
             <a:r>
               <a:rPr lang="it-IT" sz="2400" dirty="0" smtClean="0"/>
-              <a:t>Il sistema digitale </a:t>
+              <a:t>Il sistema digitale è </a:t>
             </a:r>
             <a:r>
               <a:rPr lang="it-IT" sz="2400" dirty="0" smtClean="0"/>
-              <a:t>è costituita dalla scheda di prototipazione: </a:t>
+              <a:t>costituito </a:t>
+            </a:r>
+            <a:r>
+              <a:rPr lang="it-IT" sz="2400" dirty="0" smtClean="0"/>
+              <a:t>dalla scheda di prototipazione: </a:t>
             </a:r>
             <a:r>
               <a:rPr lang="it-IT" sz="2400" b="1" dirty="0" smtClean="0"/>
               <a:t>NI </a:t>
             </a:r>
             <a:r>
-              <a:rPr lang="it-IT" sz="2400" b="1" dirty="0" err="1" smtClean="0"/>
+              <a:rPr lang="it-IT" sz="2400" b="1" dirty="0" smtClean="0"/>
               <a:t>sbRIO</a:t>
             </a:r>
             <a:r>
+              <a:rPr lang="it-IT" sz="2400" b="1" dirty="0"/>
+              <a:t>-</a:t>
+            </a:r>
+            <a:r>
               <a:rPr lang="it-IT" sz="2400" b="1" dirty="0" smtClean="0"/>
-              <a:t> 9636</a:t>
-            </a:r>
+              <a:t>9636</a:t>
+            </a:r>
+            <a:endParaRPr lang="it-IT" sz="2400" b="1" dirty="0" smtClean="0"/>
           </a:p>
         </p:txBody>
       </p:sp>
@@ -6483,9 +6471,127 @@
           </a:p>
         </p:txBody>
       </p:sp>
+      <p:sp>
+        <p:nvSpPr>
+          <p:cNvPr id="6" name="CasellaDiTesto 5"/>
+          <p:cNvSpPr txBox="1"/>
+          <p:nvPr/>
+        </p:nvSpPr>
+        <p:spPr>
+          <a:xfrm>
+            <a:off x="5208228" y="2140743"/>
+            <a:ext cx="3207544" cy="4154984"/>
+          </a:xfrm>
+          <a:prstGeom prst="rect">
+            <a:avLst/>
+          </a:prstGeom>
+          <a:noFill/>
+        </p:spPr>
+        <p:txBody>
+          <a:bodyPr wrap="square" rtlCol="0">
+            <a:spAutoFit/>
+          </a:bodyPr>
+          <a:lstStyle/>
+          <a:p>
+            <a:pPr marL="342900" indent="-342900">
+              <a:buFont typeface="Arial" charset="0"/>
+              <a:buChar char="•"/>
+            </a:pPr>
+            <a:r>
+              <a:rPr lang="it-IT" dirty="0">
+                <a:latin typeface="+mn-lt"/>
+              </a:rPr>
+              <a:t>La scheda </a:t>
+            </a:r>
+            <a:r>
+              <a:rPr lang="it-IT" dirty="0" smtClean="0">
+                <a:latin typeface="+mn-lt"/>
+              </a:rPr>
+              <a:t>comprende un </a:t>
+            </a:r>
+            <a:r>
+              <a:rPr lang="it-IT" b="1" dirty="0" smtClean="0">
+                <a:latin typeface="+mn-lt"/>
+              </a:rPr>
+              <a:t>FPGA</a:t>
+            </a:r>
+            <a:r>
+              <a:rPr lang="it-IT" dirty="0" smtClean="0">
+                <a:latin typeface="+mn-lt"/>
+              </a:rPr>
+              <a:t> </a:t>
+            </a:r>
+            <a:r>
+              <a:rPr lang="it-IT" dirty="0">
+                <a:latin typeface="+mn-lt"/>
+              </a:rPr>
+              <a:t>ed un </a:t>
+            </a:r>
+            <a:r>
+              <a:rPr lang="it-IT" b="1" dirty="0" smtClean="0">
+                <a:latin typeface="+mn-lt"/>
+              </a:rPr>
+              <a:t>microcontrollore</a:t>
+            </a:r>
+            <a:br>
+              <a:rPr lang="it-IT" b="1" dirty="0" smtClean="0">
+                <a:latin typeface="+mn-lt"/>
+              </a:rPr>
+            </a:br>
+            <a:endParaRPr lang="it-IT" b="1" dirty="0" smtClean="0">
+              <a:latin typeface="+mn-lt"/>
+            </a:endParaRPr>
+          </a:p>
+          <a:p>
+            <a:pPr marL="342900" indent="-342900">
+              <a:buFont typeface="Arial" charset="0"/>
+              <a:buChar char="•"/>
+            </a:pPr>
+            <a:r>
+              <a:rPr lang="it-IT" dirty="0">
+                <a:latin typeface="+mn-lt"/>
+              </a:rPr>
+              <a:t>S</a:t>
+            </a:r>
+            <a:r>
+              <a:rPr lang="it-IT" dirty="0" smtClean="0">
+                <a:latin typeface="+mn-lt"/>
+              </a:rPr>
+              <a:t>i </a:t>
+            </a:r>
+            <a:r>
+              <a:rPr lang="it-IT" dirty="0">
+                <a:latin typeface="+mn-lt"/>
+              </a:rPr>
+              <a:t>occupa dell’</a:t>
+            </a:r>
+            <a:r>
+              <a:rPr lang="it-IT" b="1" dirty="0">
+                <a:latin typeface="+mn-lt"/>
+              </a:rPr>
+              <a:t>elaborazione </a:t>
+            </a:r>
+            <a:r>
+              <a:rPr lang="it-IT" b="1" dirty="0" smtClean="0">
+                <a:latin typeface="+mn-lt"/>
+              </a:rPr>
+              <a:t>digitale </a:t>
+            </a:r>
+            <a:r>
+              <a:rPr lang="it-IT" dirty="0">
+                <a:latin typeface="+mn-lt"/>
+              </a:rPr>
+              <a:t>del segnale interferometrico</a:t>
+            </a:r>
+          </a:p>
+          <a:p>
+            <a:endParaRPr lang="it-IT" dirty="0"/>
+          </a:p>
+        </p:txBody>
+      </p:sp>
       <p:pic>
         <p:nvPicPr>
-          <p:cNvPr id="5" name="Immagine 4"/>
+          <p:cNvPr id="7" name="Immagine 6"/>
           <p:cNvPicPr>
             <a:picLocks noChangeAspect="1"/>
           </p:cNvPicPr>
@@ -6505,104 +6611,14 @@
         </p:blipFill>
         <p:spPr>
           <a:xfrm>
-            <a:off x="609600" y="1922859"/>
-            <a:ext cx="4556200" cy="4122276"/>
+            <a:off x="685800" y="2140743"/>
+            <a:ext cx="4576082" cy="3727794"/>
           </a:xfrm>
           <a:prstGeom prst="rect">
             <a:avLst/>
           </a:prstGeom>
         </p:spPr>
       </p:pic>
-      <p:sp>
-        <p:nvSpPr>
-          <p:cNvPr id="6" name="CasellaDiTesto 5"/>
-          <p:cNvSpPr txBox="1"/>
-          <p:nvPr/>
-        </p:nvSpPr>
-        <p:spPr>
-          <a:xfrm>
-            <a:off x="5208228" y="2140743"/>
-            <a:ext cx="3207544" cy="4154984"/>
-          </a:xfrm>
-          <a:prstGeom prst="rect">
-            <a:avLst/>
-          </a:prstGeom>
-          <a:noFill/>
-        </p:spPr>
-        <p:txBody>
-          <a:bodyPr wrap="square" rtlCol="0">
-            <a:spAutoFit/>
-          </a:bodyPr>
-          <a:lstStyle/>
-          <a:p>
-            <a:pPr marL="342900" indent="-342900">
-              <a:buFont typeface="Arial" charset="0"/>
-              <a:buChar char="•"/>
-            </a:pPr>
-            <a:r>
-              <a:rPr lang="it-IT" dirty="0"/>
-              <a:t>La scheda </a:t>
-            </a:r>
-            <a:r>
-              <a:rPr lang="it-IT" dirty="0" smtClean="0"/>
-              <a:t>comprende un </a:t>
-            </a:r>
-            <a:r>
-              <a:rPr lang="it-IT" b="1" dirty="0" smtClean="0"/>
-              <a:t>FPGA</a:t>
-            </a:r>
-            <a:r>
-              <a:rPr lang="it-IT" dirty="0" smtClean="0"/>
-              <a:t> </a:t>
-            </a:r>
-            <a:r>
-              <a:rPr lang="it-IT" dirty="0"/>
-              <a:t>ed un </a:t>
-            </a:r>
-            <a:r>
-              <a:rPr lang="it-IT" b="1" dirty="0" smtClean="0"/>
-              <a:t>microcontrollore</a:t>
-            </a:r>
-            <a:br>
-              <a:rPr lang="it-IT" b="1" dirty="0" smtClean="0"/>
-            </a:br>
-            <a:endParaRPr lang="it-IT" b="1" dirty="0" smtClean="0"/>
-          </a:p>
-          <a:p>
-            <a:pPr marL="342900" indent="-342900">
-              <a:buFont typeface="Arial" charset="0"/>
-              <a:buChar char="•"/>
-            </a:pPr>
-            <a:r>
-              <a:rPr lang="it-IT" dirty="0"/>
-              <a:t>S</a:t>
-            </a:r>
-            <a:r>
-              <a:rPr lang="it-IT" dirty="0" smtClean="0"/>
-              <a:t>i </a:t>
-            </a:r>
-            <a:r>
-              <a:rPr lang="it-IT" dirty="0"/>
-              <a:t>occupa dell’</a:t>
-            </a:r>
-            <a:r>
-              <a:rPr lang="it-IT" b="1" dirty="0"/>
-              <a:t>elaborazione </a:t>
-            </a:r>
-            <a:r>
-              <a:rPr lang="it-IT" b="1" dirty="0" smtClean="0"/>
-              <a:t>digitale </a:t>
-            </a:r>
-            <a:r>
-              <a:rPr lang="it-IT" dirty="0"/>
-              <a:t>del segnale interferometrico</a:t>
-            </a:r>
-          </a:p>
-          <a:p>
-            <a:endParaRPr lang="it-IT" dirty="0"/>
-          </a:p>
-        </p:txBody>
-      </p:sp>
     </p:spTree>
     <p:extLst>
       <p:ext uri="{BB962C8B-B14F-4D97-AF65-F5344CB8AC3E}">
@@ -6686,7 +6702,10 @@
             <a:r>
               <a:rPr lang="it-IT" sz="2400" dirty="0">
                 <a:solidFill>
-                  <a:schemeClr val="bg2"/>
+                  <a:schemeClr val="bg2">
+                    <a:lumMod val="40000"/>
+                    <a:lumOff val="60000"/>
+                  </a:schemeClr>
                 </a:solidFill>
               </a:rPr>
               <a:t>Interferometria</a:t>
@@ -6697,7 +6716,10 @@
             <a:r>
               <a:rPr lang="it-IT" sz="2000" dirty="0">
                 <a:solidFill>
-                  <a:schemeClr val="bg2"/>
+                  <a:schemeClr val="bg2">
+                    <a:lumMod val="40000"/>
+                    <a:lumOff val="60000"/>
+                  </a:schemeClr>
                 </a:solidFill>
               </a:rPr>
               <a:t>Interferometria a self-mixing</a:t>
@@ -6708,7 +6730,10 @@
             <a:r>
               <a:rPr lang="it-IT" sz="2000" dirty="0">
                 <a:solidFill>
-                  <a:schemeClr val="bg2"/>
+                  <a:schemeClr val="bg2">
+                    <a:lumMod val="40000"/>
+                    <a:lumOff val="60000"/>
+                  </a:schemeClr>
                 </a:solidFill>
               </a:rPr>
               <a:t>Misura della distanza</a:t>
@@ -6718,7 +6743,10 @@
             <a:r>
               <a:rPr lang="it-IT" sz="2400" dirty="0">
                 <a:solidFill>
-                  <a:schemeClr val="bg2"/>
+                  <a:schemeClr val="bg2">
+                    <a:lumMod val="40000"/>
+                    <a:lumOff val="60000"/>
+                  </a:schemeClr>
                 </a:solidFill>
               </a:rPr>
               <a:t>Architettura hardware</a:t>
@@ -6727,53 +6755,44 @@
           <a:p>
             <a:pPr lvl="1"/>
             <a:r>
-              <a:rPr lang="it-IT" sz="2000" dirty="0" smtClean="0">
-                <a:solidFill>
-                  <a:schemeClr val="bg2"/>
+              <a:rPr lang="it-IT" sz="2000" dirty="0">
+                <a:solidFill>
+                  <a:schemeClr val="bg2">
+                    <a:lumMod val="40000"/>
+                    <a:lumOff val="60000"/>
+                  </a:schemeClr>
                 </a:solidFill>
               </a:rPr>
               <a:t>Sistema analogico</a:t>
             </a:r>
-            <a:endParaRPr lang="it-IT" sz="2000" dirty="0">
-              <a:solidFill>
-                <a:schemeClr val="bg2"/>
-              </a:solidFill>
-            </a:endParaRPr>
           </a:p>
           <a:p>
             <a:pPr lvl="1"/>
             <a:r>
-              <a:rPr lang="it-IT" sz="2000" dirty="0" smtClean="0">
-                <a:solidFill>
-                  <a:schemeClr val="bg2"/>
+              <a:rPr lang="it-IT" sz="2000" dirty="0">
+                <a:solidFill>
+                  <a:schemeClr val="bg2">
+                    <a:lumMod val="40000"/>
+                    <a:lumOff val="60000"/>
+                  </a:schemeClr>
+                </a:solidFill>
+              </a:rPr>
+              <a:t>Sistema di conversione</a:t>
+            </a:r>
+          </a:p>
+          <a:p>
+            <a:pPr lvl="1"/>
+            <a:r>
+              <a:rPr lang="it-IT" sz="2000" dirty="0">
+                <a:solidFill>
+                  <a:schemeClr val="bg2">
+                    <a:lumMod val="40000"/>
+                    <a:lumOff val="60000"/>
+                  </a:schemeClr>
                 </a:solidFill>
               </a:rPr>
               <a:t>Sistema digitale</a:t>
             </a:r>
-            <a:endParaRPr lang="it-IT" sz="2000" dirty="0">
-              <a:solidFill>
-                <a:schemeClr val="bg2"/>
-              </a:solidFill>
-            </a:endParaRPr>
-          </a:p>
-          <a:p>
-            <a:pPr lvl="1"/>
-            <a:r>
-              <a:rPr lang="it-IT" sz="2000" dirty="0" smtClean="0">
-                <a:solidFill>
-                  <a:schemeClr val="bg2"/>
-                </a:solidFill>
-              </a:rPr>
-              <a:t>Sistema </a:t>
-            </a:r>
-            <a:r>
-              <a:rPr lang="it-IT" sz="2000" dirty="0">
-                <a:solidFill>
-                  <a:schemeClr val="bg2"/>
-                </a:solidFill>
-              </a:rPr>
-              <a:t>di conversione</a:t>
-            </a:r>
           </a:p>
           <a:p>
             <a:r>
@@ -6791,24 +6810,23 @@
           <a:p>
             <a:pPr lvl="1"/>
             <a:r>
-              <a:rPr lang="it-IT" sz="2000" dirty="0" smtClean="0"/>
+              <a:rPr lang="it-IT" sz="2000" dirty="0"/>
               <a:t>Microcontrollore</a:t>
             </a:r>
           </a:p>
           <a:p>
             <a:pPr lvl="1"/>
             <a:r>
-              <a:rPr lang="it-IT" sz="2000" dirty="0" smtClean="0"/>
+              <a:rPr lang="it-IT" sz="2000" dirty="0"/>
               <a:t>Dettagli implementativi</a:t>
             </a:r>
           </a:p>
           <a:p>
             <a:pPr lvl="1"/>
             <a:r>
-              <a:rPr lang="it-IT" sz="2000" dirty="0" smtClean="0"/>
+              <a:rPr lang="it-IT" sz="2000" dirty="0"/>
               <a:t>Ottimizzazioni</a:t>
             </a:r>
-            <a:endParaRPr lang="it-IT" sz="2000" dirty="0"/>
           </a:p>
           <a:p>
             <a:r>
@@ -6821,6 +6839,7 @@
               <a:rPr lang="it-IT" sz="2400" dirty="0"/>
               <a:t>Conclusioni e sviluppi futuri</a:t>
             </a:r>
+            <a:endParaRPr lang="it-IT" sz="2400" dirty="0"/>
           </a:p>
         </p:txBody>
       </p:sp>
@@ -6885,6 +6904,51 @@
           <a:chExt cx="0" cy="0"/>
         </a:xfrm>
       </p:grpSpPr>
+      <p:sp>
+        <p:nvSpPr>
+          <p:cNvPr id="26" name="Rettangolo 25"/>
+          <p:cNvSpPr/>
+          <p:nvPr/>
+        </p:nvSpPr>
+        <p:spPr>
+          <a:xfrm>
+            <a:off x="6678965" y="5045180"/>
+            <a:ext cx="2114895" cy="1163798"/>
+          </a:xfrm>
+          <a:prstGeom prst="rect">
+            <a:avLst/>
+          </a:prstGeom>
+          <a:noFill/>
+          <a:ln>
+            <a:solidFill>
+              <a:schemeClr val="accent2"/>
+            </a:solidFill>
+          </a:ln>
+          <a:effectLst/>
+        </p:spPr>
+        <p:style>
+          <a:lnRef idx="1">
+            <a:schemeClr val="accent1"/>
+          </a:lnRef>
+          <a:fillRef idx="3">
+            <a:schemeClr val="accent1"/>
+          </a:fillRef>
+          <a:effectRef idx="2">
+            <a:schemeClr val="accent1"/>
+          </a:effectRef>
+          <a:fontRef idx="minor">
+            <a:schemeClr val="lt1"/>
+          </a:fontRef>
+        </p:style>
+        <p:txBody>
+          <a:bodyPr rtlCol="0" anchor="ctr"/>
+          <a:lstStyle/>
+          <a:p>
+            <a:pPr algn="ctr"/>
+            <a:endParaRPr lang="it-IT"/>
+          </a:p>
+        </p:txBody>
+      </p:sp>
       <p:grpSp>
         <p:nvGrpSpPr>
           <p:cNvPr id="19" name="Gruppo 18"/>
@@ -6893,8 +6957,8 @@
         </p:nvGrpSpPr>
         <p:grpSpPr>
           <a:xfrm>
-            <a:off x="2035269" y="3899105"/>
-            <a:ext cx="1760441" cy="452297"/>
+            <a:off x="2209796" y="4021937"/>
+            <a:ext cx="1585914" cy="452297"/>
             <a:chOff x="2702158" y="4403759"/>
             <a:chExt cx="1565038" cy="452297"/>
           </a:xfrm>
@@ -7057,8 +7121,8 @@
         </p:nvSpPr>
         <p:spPr bwMode="auto">
           <a:xfrm>
-            <a:off x="528636" y="979379"/>
-            <a:ext cx="8158163" cy="1931191"/>
+            <a:off x="528636" y="1115860"/>
+            <a:ext cx="8158163" cy="1636366"/>
           </a:xfrm>
           <a:prstGeom prst="rect">
             <a:avLst/>
@@ -7295,7 +7359,6 @@
               <a:rPr lang="it-IT" sz="2400" dirty="0"/>
               <a:t> ha solo il compito di mostrare all’utente finale la misura di distanza</a:t>
             </a:r>
-            <a:endParaRPr lang="it-IT" sz="2400" dirty="0"/>
           </a:p>
           <a:p>
             <a:endParaRPr lang="it-IT" sz="2400" kern="0" dirty="0" smtClean="0"/>
@@ -7317,7 +7380,7 @@
         </p:nvSpPr>
         <p:spPr>
           <a:xfrm>
-            <a:off x="209550" y="3758542"/>
+            <a:off x="386974" y="3881374"/>
             <a:ext cx="1828800" cy="733425"/>
           </a:xfrm>
           <a:prstGeom prst="rect">
@@ -7363,7 +7426,7 @@
         </p:nvGrpSpPr>
         <p:grpSpPr>
           <a:xfrm rot="5400000">
-            <a:off x="4357685" y="4555828"/>
+            <a:off x="4357685" y="4678660"/>
             <a:ext cx="704851" cy="451450"/>
             <a:chOff x="3406187" y="3825742"/>
             <a:chExt cx="1420605" cy="615292"/>
@@ -7478,8 +7541,8 @@
         </p:nvSpPr>
         <p:spPr>
           <a:xfrm>
-            <a:off x="3238499" y="2910570"/>
-            <a:ext cx="5555361" cy="3385455"/>
+            <a:off x="3496422" y="3304015"/>
+            <a:ext cx="5442862" cy="3060067"/>
           </a:xfrm>
           <a:prstGeom prst="rect">
             <a:avLst/>
@@ -7523,8 +7586,8 @@
         </p:nvSpPr>
         <p:spPr>
           <a:xfrm>
-            <a:off x="3581399" y="3127948"/>
-            <a:ext cx="2257425" cy="2949001"/>
+            <a:off x="3653322" y="3590250"/>
+            <a:ext cx="2099284" cy="2618728"/>
           </a:xfrm>
           <a:prstGeom prst="rect">
             <a:avLst/>
@@ -7568,7 +7631,7 @@
         </p:nvSpPr>
         <p:spPr>
           <a:xfrm>
-            <a:off x="3795711" y="3691528"/>
+            <a:off x="3795711" y="3814360"/>
             <a:ext cx="1828800" cy="733425"/>
           </a:xfrm>
           <a:prstGeom prst="rect">
@@ -7614,8 +7677,8 @@
         </p:nvSpPr>
         <p:spPr>
           <a:xfrm>
-            <a:off x="2487902" y="3970941"/>
-            <a:ext cx="922047" cy="307777"/>
+            <a:off x="2433310" y="4080125"/>
+            <a:ext cx="1063112" cy="307777"/>
           </a:xfrm>
           <a:prstGeom prst="rect">
             <a:avLst/>
@@ -7629,10 +7692,10 @@
           <a:lstStyle/>
           <a:p>
             <a:r>
-              <a:rPr lang="it-IT" sz="1400" dirty="0" smtClean="0"/>
+              <a:rPr lang="it-IT" sz="1400" b="1" dirty="0" smtClean="0"/>
               <a:t>Digital IO</a:t>
             </a:r>
-            <a:endParaRPr lang="it-IT" sz="1400" dirty="0"/>
+            <a:endParaRPr lang="it-IT" sz="1400" b="1" dirty="0"/>
           </a:p>
         </p:txBody>
       </p:sp>
@@ -7644,7 +7707,7 @@
         </p:nvSpPr>
         <p:spPr>
           <a:xfrm>
-            <a:off x="3795710" y="5111966"/>
+            <a:off x="3795710" y="5234798"/>
             <a:ext cx="1828800" cy="733425"/>
           </a:xfrm>
           <a:prstGeom prst="rect">
@@ -7676,7 +7739,7 @@
             <a:pPr algn="ctr"/>
             <a:r>
               <a:rPr lang="it-IT" sz="1800" dirty="0" smtClean="0"/>
-              <a:t>Microcontrollore</a:t>
+              <a:t>MCU</a:t>
             </a:r>
             <a:endParaRPr lang="it-IT" sz="1800" dirty="0"/>
           </a:p>
@@ -7690,8 +7753,8 @@
         </p:nvSpPr>
         <p:spPr>
           <a:xfrm>
-            <a:off x="4418203" y="4642331"/>
-            <a:ext cx="583814" cy="307777"/>
+            <a:off x="4418203" y="4737403"/>
+            <a:ext cx="622286" cy="307777"/>
           </a:xfrm>
           <a:prstGeom prst="rect">
             <a:avLst/>
@@ -7705,10 +7768,10 @@
           <a:lstStyle/>
           <a:p>
             <a:r>
-              <a:rPr lang="it-IT" sz="1400" dirty="0" smtClean="0"/>
+              <a:rPr lang="it-IT" sz="1400" b="1" dirty="0" smtClean="0"/>
               <a:t>DMA</a:t>
             </a:r>
-            <a:endParaRPr lang="it-IT" sz="1400" dirty="0"/>
+            <a:endParaRPr lang="it-IT" sz="1400" b="1" dirty="0"/>
           </a:p>
         </p:txBody>
       </p:sp>
@@ -7720,7 +7783,7 @@
         </p:nvGrpSpPr>
         <p:grpSpPr>
           <a:xfrm>
-            <a:off x="5621024" y="5252104"/>
+            <a:off x="5621024" y="5374936"/>
             <a:ext cx="1200149" cy="452297"/>
             <a:chOff x="2702158" y="4403759"/>
             <a:chExt cx="1565038" cy="452297"/>
@@ -7835,8 +7898,8 @@
         </p:nvSpPr>
         <p:spPr>
           <a:xfrm>
-            <a:off x="5790533" y="5324365"/>
-            <a:ext cx="861133" cy="307777"/>
+            <a:off x="5752605" y="5435215"/>
+            <a:ext cx="966931" cy="307777"/>
           </a:xfrm>
           <a:prstGeom prst="rect">
             <a:avLst/>
@@ -7850,10 +7913,10 @@
           <a:lstStyle/>
           <a:p>
             <a:r>
-              <a:rPr lang="it-IT" sz="1400" dirty="0" smtClean="0"/>
+              <a:rPr lang="it-IT" sz="1400" b="1" dirty="0" smtClean="0"/>
               <a:t>Ethernet</a:t>
             </a:r>
-            <a:endParaRPr lang="it-IT" sz="1400" dirty="0"/>
+            <a:endParaRPr lang="it-IT" sz="1400" b="1" dirty="0"/>
           </a:p>
         </p:txBody>
       </p:sp>
@@ -7865,7 +7928,7 @@
         </p:nvSpPr>
         <p:spPr>
           <a:xfrm>
-            <a:off x="6801647" y="5111966"/>
+            <a:off x="6801647" y="5234798"/>
             <a:ext cx="1828800" cy="733425"/>
           </a:xfrm>
           <a:prstGeom prst="rect">
@@ -7905,14 +7968,104 @@
       </p:sp>
       <p:sp>
         <p:nvSpPr>
-          <p:cNvPr id="26" name="Rettangolo 25"/>
+          <p:cNvPr id="27" name="CasellaDiTesto 26"/>
+          <p:cNvSpPr txBox="1"/>
+          <p:nvPr/>
+        </p:nvSpPr>
+        <p:spPr>
+          <a:xfrm>
+            <a:off x="7976096" y="3014736"/>
+            <a:ext cx="1047082" cy="307777"/>
+          </a:xfrm>
+          <a:prstGeom prst="rect">
+            <a:avLst/>
+          </a:prstGeom>
+          <a:noFill/>
+        </p:spPr>
+        <p:txBody>
+          <a:bodyPr wrap="none" rtlCol="0">
+            <a:spAutoFit/>
+          </a:bodyPr>
+          <a:lstStyle/>
+          <a:p>
+            <a:r>
+              <a:rPr lang="it-IT" sz="1400" b="1" dirty="0" smtClean="0"/>
+              <a:t>DIGITALE</a:t>
+            </a:r>
+            <a:endParaRPr lang="it-IT" sz="1400" b="1" dirty="0"/>
+          </a:p>
+        </p:txBody>
+      </p:sp>
+      <p:sp>
+        <p:nvSpPr>
+          <p:cNvPr id="28" name="CasellaDiTesto 27"/>
+          <p:cNvSpPr txBox="1"/>
+          <p:nvPr/>
+        </p:nvSpPr>
+        <p:spPr>
+          <a:xfrm>
+            <a:off x="6600036" y="4759742"/>
+            <a:ext cx="434734" cy="307777"/>
+          </a:xfrm>
+          <a:prstGeom prst="rect">
+            <a:avLst/>
+          </a:prstGeom>
+          <a:noFill/>
+        </p:spPr>
+        <p:txBody>
+          <a:bodyPr wrap="none" rtlCol="0">
+            <a:spAutoFit/>
+          </a:bodyPr>
+          <a:lstStyle/>
+          <a:p>
+            <a:r>
+              <a:rPr lang="it-IT" sz="1400" b="1" dirty="0" smtClean="0"/>
+              <a:t>PC</a:t>
+            </a:r>
+            <a:endParaRPr lang="it-IT" sz="1400" b="1" dirty="0"/>
+          </a:p>
+        </p:txBody>
+      </p:sp>
+      <p:sp>
+        <p:nvSpPr>
+          <p:cNvPr id="29" name="CasellaDiTesto 28"/>
+          <p:cNvSpPr txBox="1"/>
+          <p:nvPr/>
+        </p:nvSpPr>
+        <p:spPr>
+          <a:xfrm>
+            <a:off x="3578457" y="3304640"/>
+            <a:ext cx="1580882" cy="307777"/>
+          </a:xfrm>
+          <a:prstGeom prst="rect">
+            <a:avLst/>
+          </a:prstGeom>
+          <a:noFill/>
+        </p:spPr>
+        <p:txBody>
+          <a:bodyPr wrap="none" rtlCol="0">
+            <a:spAutoFit/>
+          </a:bodyPr>
+          <a:lstStyle/>
+          <a:p>
+            <a:r>
+              <a:rPr lang="it-IT" sz="1400" b="1" dirty="0" smtClean="0"/>
+              <a:t>NI sbRIO-9636</a:t>
+            </a:r>
+            <a:endParaRPr lang="it-IT" sz="1400" b="1" dirty="0"/>
+          </a:p>
+        </p:txBody>
+      </p:sp>
+      <p:sp>
+        <p:nvSpPr>
+          <p:cNvPr id="34" name="Rettangolo 33"/>
           <p:cNvSpPr/>
           <p:nvPr/>
         </p:nvSpPr>
         <p:spPr>
           <a:xfrm>
-            <a:off x="6696483" y="4863894"/>
-            <a:ext cx="2003999" cy="1222252"/>
+            <a:off x="217933" y="3341668"/>
+            <a:ext cx="2131483" cy="1703511"/>
           </a:xfrm>
           <a:prstGeom prst="rect">
             <a:avLst/>
@@ -7950,14 +8103,14 @@
       </p:sp>
       <p:sp>
         <p:nvSpPr>
-          <p:cNvPr id="27" name="CasellaDiTesto 26"/>
+          <p:cNvPr id="35" name="CasellaDiTesto 34"/>
           <p:cNvSpPr txBox="1"/>
           <p:nvPr/>
         </p:nvSpPr>
         <p:spPr>
           <a:xfrm>
-            <a:off x="7805000" y="2619919"/>
-            <a:ext cx="988860" cy="307777"/>
+            <a:off x="170172" y="3014736"/>
+            <a:ext cx="1306768" cy="307777"/>
           </a:xfrm>
           <a:prstGeom prst="rect">
             <a:avLst/>
@@ -7971,145 +8124,10 @@
           <a:lstStyle/>
           <a:p>
             <a:r>
-              <a:rPr lang="it-IT" sz="1400" dirty="0" smtClean="0"/>
-              <a:t>DIGITALE</a:t>
-            </a:r>
-            <a:endParaRPr lang="it-IT" sz="1400" dirty="0"/>
-          </a:p>
-        </p:txBody>
-      </p:sp>
-      <p:sp>
-        <p:nvSpPr>
-          <p:cNvPr id="28" name="CasellaDiTesto 27"/>
-          <p:cNvSpPr txBox="1"/>
-          <p:nvPr/>
-        </p:nvSpPr>
-        <p:spPr>
-          <a:xfrm>
-            <a:off x="8126192" y="4527485"/>
-            <a:ext cx="434734" cy="307777"/>
-          </a:xfrm>
-          <a:prstGeom prst="rect">
-            <a:avLst/>
-          </a:prstGeom>
-          <a:noFill/>
-        </p:spPr>
-        <p:txBody>
-          <a:bodyPr wrap="none" rtlCol="0">
-            <a:spAutoFit/>
-          </a:bodyPr>
-          <a:lstStyle/>
-          <a:p>
-            <a:r>
-              <a:rPr lang="it-IT" sz="1400" dirty="0" smtClean="0"/>
-              <a:t>PC</a:t>
-            </a:r>
-            <a:endParaRPr lang="it-IT" sz="1400" dirty="0"/>
-          </a:p>
-        </p:txBody>
-      </p:sp>
-      <p:sp>
-        <p:nvSpPr>
-          <p:cNvPr id="29" name="CasellaDiTesto 28"/>
-          <p:cNvSpPr txBox="1"/>
-          <p:nvPr/>
-        </p:nvSpPr>
-        <p:spPr>
-          <a:xfrm>
-            <a:off x="5885983" y="3127948"/>
-            <a:ext cx="761747" cy="307777"/>
-          </a:xfrm>
-          <a:prstGeom prst="rect">
-            <a:avLst/>
-          </a:prstGeom>
-          <a:noFill/>
-        </p:spPr>
-        <p:txBody>
-          <a:bodyPr wrap="none" rtlCol="0">
-            <a:spAutoFit/>
-          </a:bodyPr>
-          <a:lstStyle/>
-          <a:p>
-            <a:r>
-              <a:rPr lang="it-IT" sz="1400" dirty="0" smtClean="0"/>
-              <a:t>NI9636</a:t>
-            </a:r>
-            <a:endParaRPr lang="it-IT" sz="1400" dirty="0"/>
-          </a:p>
-        </p:txBody>
-      </p:sp>
-      <p:sp>
-        <p:nvSpPr>
-          <p:cNvPr id="34" name="Rettangolo 33"/>
-          <p:cNvSpPr/>
-          <p:nvPr/>
-        </p:nvSpPr>
-        <p:spPr>
-          <a:xfrm>
-            <a:off x="123908" y="3467418"/>
-            <a:ext cx="2003999" cy="1222252"/>
-          </a:xfrm>
-          <a:prstGeom prst="rect">
-            <a:avLst/>
-          </a:prstGeom>
-          <a:noFill/>
-          <a:ln>
-            <a:solidFill>
-              <a:schemeClr val="accent2"/>
-            </a:solidFill>
-          </a:ln>
-          <a:effectLst/>
-        </p:spPr>
-        <p:style>
-          <a:lnRef idx="1">
-            <a:schemeClr val="accent1"/>
-          </a:lnRef>
-          <a:fillRef idx="3">
-            <a:schemeClr val="accent1"/>
-          </a:fillRef>
-          <a:effectRef idx="2">
-            <a:schemeClr val="accent1"/>
-          </a:effectRef>
-          <a:fontRef idx="minor">
-            <a:schemeClr val="lt1"/>
-          </a:fontRef>
-        </p:style>
-        <p:txBody>
-          <a:bodyPr rtlCol="0" anchor="ctr"/>
-          <a:lstStyle/>
-          <a:p>
-            <a:pPr algn="ctr"/>
-            <a:endParaRPr lang="it-IT"/>
-          </a:p>
-        </p:txBody>
-      </p:sp>
-      <p:sp>
-        <p:nvSpPr>
-          <p:cNvPr id="35" name="CasellaDiTesto 34"/>
-          <p:cNvSpPr txBox="1"/>
-          <p:nvPr/>
-        </p:nvSpPr>
-        <p:spPr>
-          <a:xfrm>
-            <a:off x="875641" y="3181184"/>
-            <a:ext cx="1252266" cy="307777"/>
-          </a:xfrm>
-          <a:prstGeom prst="rect">
-            <a:avLst/>
-          </a:prstGeom>
-          <a:noFill/>
-        </p:spPr>
-        <p:txBody>
-          <a:bodyPr wrap="none" rtlCol="0">
-            <a:spAutoFit/>
-          </a:bodyPr>
-          <a:lstStyle/>
-          <a:p>
-            <a:r>
-              <a:rPr lang="it-IT" sz="1400" dirty="0" smtClean="0"/>
+              <a:rPr lang="it-IT" sz="1400" b="1" dirty="0" smtClean="0"/>
               <a:t>ANALOGICO</a:t>
             </a:r>
-            <a:endParaRPr lang="it-IT" sz="1400" dirty="0"/>
+            <a:endParaRPr lang="it-IT" sz="1400" b="1" dirty="0"/>
           </a:p>
         </p:txBody>
       </p:sp>
@@ -8648,7 +8666,7 @@
                         <m:fPr>
                           <m:ctrlPr>
                             <a:rPr lang="it-IT" i="1" smtClean="0">
-                              <a:latin typeface="Cambria Math" panose="02040503050406030204" pitchFamily="18" charset="0"/>
+                              <a:latin typeface="Cambria Math" charset="0"/>
                               <a:ea typeface="Cambria Math" charset="0"/>
                               <a:cs typeface="Cambria Math" charset="0"/>
                             </a:rPr>
@@ -8659,7 +8677,7 @@
                             <m:sSubPr>
                               <m:ctrlPr>
                                 <a:rPr lang="it-IT" i="1" smtClean="0">
-                                  <a:latin typeface="Cambria Math" panose="02040503050406030204" pitchFamily="18" charset="0"/>
+                                  <a:latin typeface="Cambria Math" charset="0"/>
                                   <a:ea typeface="Cambria Math" charset="0"/>
                                   <a:cs typeface="Cambria Math" charset="0"/>
                                 </a:rPr>
@@ -8698,7 +8716,7 @@
                             <m:sSubPr>
                               <m:ctrlPr>
                                 <a:rPr lang="it-IT" b="0" i="1" smtClean="0">
-                                  <a:latin typeface="Cambria Math" panose="02040503050406030204" pitchFamily="18" charset="0"/>
+                                  <a:latin typeface="Cambria Math" charset="0"/>
                                   <a:ea typeface="Cambria Math" charset="0"/>
                                   <a:cs typeface="Cambria Math" charset="0"/>
                                 </a:rPr>
@@ -8884,7 +8902,12 @@
             <p:ph idx="1"/>
           </p:nvPr>
         </p:nvSpPr>
-        <p:spPr/>
+        <p:spPr>
+          <a:xfrm>
+            <a:off x="609600" y="1057274"/>
+            <a:ext cx="7648575" cy="5186363"/>
+          </a:xfrm>
+        </p:spPr>
         <p:txBody>
           <a:bodyPr/>
           <a:lstStyle/>
@@ -8922,15 +8945,45 @@
               <a:t>Real-Time </a:t>
             </a:r>
             <a:r>
-              <a:rPr lang="it-IT" sz="2000" dirty="0" err="1"/>
+              <a:rPr lang="it-IT" sz="2000" dirty="0" err="1" smtClean="0"/>
               <a:t>Module</a:t>
             </a:r>
+            <a:r>
+              <a:rPr lang="it-IT" sz="2000" dirty="0" smtClean="0"/>
+              <a:t/>
+            </a:r>
+            <a:br>
+              <a:rPr lang="it-IT" sz="2000" dirty="0" smtClean="0"/>
+            </a:br>
             <a:endParaRPr lang="it-IT" sz="2000" b="1" dirty="0"/>
           </a:p>
           <a:p>
             <a:r>
               <a:rPr lang="it-IT" sz="2400" dirty="0"/>
-              <a:t>Struttura a cicli paralleli con scambio di dati tramite code </a:t>
+              <a:t>Struttura a cicli paralleli </a:t>
+            </a:r>
+            <a:r>
+              <a:rPr lang="it-IT" sz="2400" dirty="0" smtClean="0"/>
+              <a:t>con </a:t>
+            </a:r>
+            <a:r>
+              <a:rPr lang="it-IT" sz="2400" dirty="0"/>
+              <a:t>scambio </a:t>
+            </a:r>
+            <a:r>
+              <a:rPr lang="it-IT" sz="2400" dirty="0" smtClean="0"/>
+              <a:t/>
+            </a:r>
+            <a:br>
+              <a:rPr lang="it-IT" sz="2400" dirty="0" smtClean="0"/>
+            </a:br>
+            <a:r>
+              <a:rPr lang="it-IT" sz="2400" dirty="0" smtClean="0"/>
+              <a:t>di </a:t>
+            </a:r>
+            <a:r>
+              <a:rPr lang="it-IT" sz="2400" dirty="0"/>
+              <a:t>dati tramite code </a:t>
             </a:r>
             <a:r>
               <a:rPr lang="it-IT" sz="2400" b="1" dirty="0"/>
@@ -8945,9 +8998,12 @@
               <a:t>Pattern </a:t>
             </a:r>
             <a:r>
-              <a:rPr lang="it-IT" sz="2000" b="1" dirty="0"/>
+              <a:rPr lang="it-IT" sz="2000" b="1" dirty="0" smtClean="0"/>
               <a:t>Producer-Consumer</a:t>
             </a:r>
+            <a:br>
+              <a:rPr lang="it-IT" sz="2000" b="1" dirty="0" smtClean="0"/>
+            </a:br>
             <a:endParaRPr lang="it-IT" sz="2000" dirty="0"/>
           </a:p>
           <a:p>
@@ -8957,8 +9013,16 @@
             </a:r>
             <a:r>
               <a:rPr lang="it-IT" sz="2400" dirty="0"/>
-              <a:t> per lo scambio di dati tra FPGA e microcontrollore</a:t>
-            </a:r>
+              <a:t> per lo scambio di dati tra FPGA </a:t>
+            </a:r>
+            <a:r>
+              <a:rPr lang="it-IT" sz="2400" dirty="0" smtClean="0"/>
+              <a:t>e microcontrollore</a:t>
+            </a:r>
+            <a:br>
+              <a:rPr lang="it-IT" sz="2400" dirty="0" smtClean="0"/>
+            </a:br>
+            <a:endParaRPr lang="it-IT" sz="2400" dirty="0"/>
           </a:p>
           <a:p>
             <a:r>
@@ -9017,6 +9081,238 @@
               <a:t>15</a:t>
             </a:fld>
             <a:endParaRPr lang="en-US" altLang="nl-NL"/>
+          </a:p>
+        </p:txBody>
+      </p:sp>
+      <p:sp>
+        <p:nvSpPr>
+          <p:cNvPr id="5" name="Rettangolo arrotondato 4"/>
+          <p:cNvSpPr/>
+          <p:nvPr/>
+        </p:nvSpPr>
+        <p:spPr>
+          <a:xfrm>
+            <a:off x="7345181" y="2098622"/>
+            <a:ext cx="1558976" cy="749509"/>
+          </a:xfrm>
+          <a:prstGeom prst="roundRect">
+            <a:avLst/>
+          </a:prstGeom>
+          <a:noFill/>
+          <a:ln>
+            <a:solidFill>
+              <a:srgbClr val="0070C0"/>
+            </a:solidFill>
+          </a:ln>
+        </p:spPr>
+        <p:style>
+          <a:lnRef idx="1">
+            <a:schemeClr val="accent1"/>
+          </a:lnRef>
+          <a:fillRef idx="3">
+            <a:schemeClr val="accent1"/>
+          </a:fillRef>
+          <a:effectRef idx="2">
+            <a:schemeClr val="accent1"/>
+          </a:effectRef>
+          <a:fontRef idx="minor">
+            <a:schemeClr val="lt1"/>
+          </a:fontRef>
+        </p:style>
+        <p:txBody>
+          <a:bodyPr rtlCol="0" anchor="ctr"/>
+          <a:lstStyle/>
+          <a:p>
+            <a:pPr algn="ctr"/>
+            <a:endParaRPr lang="it-IT"/>
+          </a:p>
+        </p:txBody>
+      </p:sp>
+      <p:sp>
+        <p:nvSpPr>
+          <p:cNvPr id="6" name="Rettangolo arrotondato 5"/>
+          <p:cNvSpPr/>
+          <p:nvPr/>
+        </p:nvSpPr>
+        <p:spPr>
+          <a:xfrm>
+            <a:off x="7366416" y="3357796"/>
+            <a:ext cx="1558976" cy="749509"/>
+          </a:xfrm>
+          <a:prstGeom prst="roundRect">
+            <a:avLst/>
+          </a:prstGeom>
+          <a:solidFill>
+            <a:schemeClr val="bg1"/>
+          </a:solidFill>
+          <a:ln>
+            <a:solidFill>
+              <a:srgbClr val="0070C0"/>
+            </a:solidFill>
+          </a:ln>
+        </p:spPr>
+        <p:style>
+          <a:lnRef idx="1">
+            <a:schemeClr val="accent1"/>
+          </a:lnRef>
+          <a:fillRef idx="3">
+            <a:schemeClr val="accent1"/>
+          </a:fillRef>
+          <a:effectRef idx="2">
+            <a:schemeClr val="accent1"/>
+          </a:effectRef>
+          <a:fontRef idx="minor">
+            <a:schemeClr val="lt1"/>
+          </a:fontRef>
+        </p:style>
+        <p:txBody>
+          <a:bodyPr rtlCol="0" anchor="ctr"/>
+          <a:lstStyle/>
+          <a:p>
+            <a:pPr algn="ctr"/>
+            <a:endParaRPr lang="it-IT"/>
+          </a:p>
+        </p:txBody>
+      </p:sp>
+      <p:sp>
+        <p:nvSpPr>
+          <p:cNvPr id="8" name="Freccia circolare a destra 7"/>
+          <p:cNvSpPr/>
+          <p:nvPr/>
+        </p:nvSpPr>
+        <p:spPr>
+          <a:xfrm>
+            <a:off x="6764470" y="2353455"/>
+            <a:ext cx="571966" cy="1588957"/>
+          </a:xfrm>
+          <a:prstGeom prst="curvedRightArrow">
+            <a:avLst/>
+          </a:prstGeom>
+          <a:gradFill>
+            <a:gsLst>
+              <a:gs pos="0">
+                <a:srgbClr val="0070C0"/>
+              </a:gs>
+              <a:gs pos="100000">
+                <a:srgbClr val="00B0F0"/>
+              </a:gs>
+            </a:gsLst>
+          </a:gradFill>
+        </p:spPr>
+        <p:style>
+          <a:lnRef idx="1">
+            <a:schemeClr val="accent1"/>
+          </a:lnRef>
+          <a:fillRef idx="3">
+            <a:schemeClr val="accent1"/>
+          </a:fillRef>
+          <a:effectRef idx="2">
+            <a:schemeClr val="accent1"/>
+          </a:effectRef>
+          <a:fontRef idx="minor">
+            <a:schemeClr val="lt1"/>
+          </a:fontRef>
+        </p:style>
+        <p:txBody>
+          <a:bodyPr rtlCol="0" anchor="ctr"/>
+          <a:lstStyle/>
+          <a:p>
+            <a:pPr algn="ctr"/>
+            <a:endParaRPr lang="it-IT">
+              <a:solidFill>
+                <a:schemeClr val="tx1"/>
+              </a:solidFill>
+            </a:endParaRPr>
+          </a:p>
+        </p:txBody>
+      </p:sp>
+      <p:sp>
+        <p:nvSpPr>
+          <p:cNvPr id="9" name="CasellaDiTesto 8"/>
+          <p:cNvSpPr txBox="1"/>
+          <p:nvPr/>
+        </p:nvSpPr>
+        <p:spPr>
+          <a:xfrm>
+            <a:off x="7556640" y="2288710"/>
+            <a:ext cx="1178528" cy="369332"/>
+          </a:xfrm>
+          <a:prstGeom prst="rect">
+            <a:avLst/>
+          </a:prstGeom>
+          <a:noFill/>
+        </p:spPr>
+        <p:txBody>
+          <a:bodyPr wrap="none" rtlCol="0">
+            <a:spAutoFit/>
+          </a:bodyPr>
+          <a:lstStyle/>
+          <a:p>
+            <a:r>
+              <a:rPr lang="it-IT" sz="1800" dirty="0" smtClean="0"/>
+              <a:t>Producer</a:t>
+            </a:r>
+            <a:endParaRPr lang="it-IT" sz="1800" dirty="0"/>
+          </a:p>
+        </p:txBody>
+      </p:sp>
+      <p:sp>
+        <p:nvSpPr>
+          <p:cNvPr id="10" name="CasellaDiTesto 9"/>
+          <p:cNvSpPr txBox="1"/>
+          <p:nvPr/>
+        </p:nvSpPr>
+        <p:spPr>
+          <a:xfrm>
+            <a:off x="7461667" y="3546965"/>
+            <a:ext cx="1326004" cy="369332"/>
+          </a:xfrm>
+          <a:prstGeom prst="rect">
+            <a:avLst/>
+          </a:prstGeom>
+          <a:noFill/>
+        </p:spPr>
+        <p:txBody>
+          <a:bodyPr wrap="none" rtlCol="0">
+            <a:spAutoFit/>
+          </a:bodyPr>
+          <a:lstStyle/>
+          <a:p>
+            <a:r>
+              <a:rPr lang="it-IT" sz="1800" dirty="0" smtClean="0"/>
+              <a:t>Consumer</a:t>
+            </a:r>
+            <a:endParaRPr lang="it-IT" sz="1800" dirty="0"/>
+          </a:p>
+        </p:txBody>
+      </p:sp>
+      <p:sp>
+        <p:nvSpPr>
+          <p:cNvPr id="11" name="CasellaDiTesto 10"/>
+          <p:cNvSpPr txBox="1"/>
+          <p:nvPr/>
+        </p:nvSpPr>
+        <p:spPr>
+          <a:xfrm rot="16200000">
+            <a:off x="6654174" y="2986350"/>
+            <a:ext cx="628698" cy="323165"/>
+          </a:xfrm>
+          <a:prstGeom prst="rect">
+            <a:avLst/>
+          </a:prstGeom>
+          <a:noFill/>
+        </p:spPr>
+        <p:txBody>
+          <a:bodyPr wrap="none" rtlCol="0">
+            <a:spAutoFit/>
+          </a:bodyPr>
+          <a:lstStyle/>
+          <a:p>
+            <a:r>
+              <a:rPr lang="it-IT" sz="1500" b="1" dirty="0" smtClean="0"/>
+              <a:t>FIFO</a:t>
+            </a:r>
+            <a:endParaRPr lang="it-IT" sz="1500" b="1" dirty="0"/>
           </a:p>
         </p:txBody>
       </p:sp>
@@ -9148,6 +9444,10 @@
             </a:br>
             <a:r>
               <a:rPr lang="it-IT" sz="2400" dirty="0" smtClean="0"/>
+              <a:t>IMMAGINE FRANGE PRIMA E DOPO!</a:t>
+            </a:r>
+            <a:r>
+              <a:rPr lang="it-IT" sz="2400" dirty="0" smtClean="0"/>
               <a:t/>
             </a:r>
             <a:br>
@@ -9176,14 +9476,11 @@
             </a:r>
             <a:r>
               <a:rPr lang="it-IT" sz="2400" dirty="0" smtClean="0"/>
-              <a:t/>
-            </a:r>
-            <a:br>
+              <a:t>ampiezze </a:t>
+            </a:r>
+            <a:r>
               <a:rPr lang="it-IT" sz="2400" dirty="0" smtClean="0"/>
-            </a:br>
-            <a:r>
-              <a:rPr lang="it-IT" sz="2400" dirty="0" smtClean="0"/>
-              <a:t>ampiezze differenti</a:t>
+              <a:t>differenti</a:t>
             </a:r>
             <a:endParaRPr lang="it-IT" sz="2400" dirty="0"/>
           </a:p>
@@ -9231,96 +9528,6 @@
           </a:p>
         </p:txBody>
       </p:sp>
-      <p:pic>
-        <p:nvPicPr>
-          <p:cNvPr id="5" name="Immagine 4"/>
-          <p:cNvPicPr>
-            <a:picLocks noChangeAspect="1"/>
-          </p:cNvPicPr>
-          <p:nvPr/>
-        </p:nvPicPr>
-        <p:blipFill>
-          <a:blip r:embed="rId2">
-            <a:extLst>
-              <a:ext uri="{28A0092B-C50C-407E-A947-70E740481C1C}">
-                <a14:useLocalDpi xmlns:a14="http://schemas.microsoft.com/office/drawing/2010/main" val="0"/>
-              </a:ext>
-            </a:extLst>
-          </a:blip>
-          <a:stretch>
-            <a:fillRect/>
-          </a:stretch>
-        </p:blipFill>
-        <p:spPr>
-          <a:xfrm>
-            <a:off x="5684087" y="4695825"/>
-            <a:ext cx="3459913" cy="1857375"/>
-          </a:xfrm>
-          <a:prstGeom prst="rect">
-            <a:avLst/>
-          </a:prstGeom>
-        </p:spPr>
-      </p:pic>
-      <p:pic>
-        <p:nvPicPr>
-          <p:cNvPr id="6" name="Immagine 5"/>
-          <p:cNvPicPr>
-            <a:picLocks noChangeAspect="1"/>
-          </p:cNvPicPr>
-          <p:nvPr/>
-        </p:nvPicPr>
-        <p:blipFill>
-          <a:blip r:embed="rId3">
-            <a:extLst>
-              <a:ext uri="{28A0092B-C50C-407E-A947-70E740481C1C}">
-                <a14:useLocalDpi xmlns:a14="http://schemas.microsoft.com/office/drawing/2010/main" val="0"/>
-              </a:ext>
-            </a:extLst>
-          </a:blip>
-          <a:stretch>
-            <a:fillRect/>
-          </a:stretch>
-        </p:blipFill>
-        <p:spPr>
-          <a:xfrm>
-            <a:off x="609600" y="1993123"/>
-            <a:ext cx="3605212" cy="2702702"/>
-          </a:xfrm>
-          <a:prstGeom prst="rect">
-            <a:avLst/>
-          </a:prstGeom>
-        </p:spPr>
-      </p:pic>
-      <p:pic>
-        <p:nvPicPr>
-          <p:cNvPr id="7" name="Immagine 6"/>
-          <p:cNvPicPr>
-            <a:picLocks noChangeAspect="1"/>
-          </p:cNvPicPr>
-          <p:nvPr/>
-        </p:nvPicPr>
-        <p:blipFill>
-          <a:blip r:embed="rId4">
-            <a:extLst>
-              <a:ext uri="{28A0092B-C50C-407E-A947-70E740481C1C}">
-                <a14:useLocalDpi xmlns:a14="http://schemas.microsoft.com/office/drawing/2010/main" val="0"/>
-              </a:ext>
-            </a:extLst>
-          </a:blip>
-          <a:stretch>
-            <a:fillRect/>
-          </a:stretch>
-        </p:blipFill>
-        <p:spPr>
-          <a:xfrm>
-            <a:off x="5018842" y="2114148"/>
-            <a:ext cx="3439358" cy="2578368"/>
-          </a:xfrm>
-          <a:prstGeom prst="rect">
-            <a:avLst/>
-          </a:prstGeom>
-        </p:spPr>
-      </p:pic>
     </p:spTree>
     <p:extLst>
       <p:ext uri="{BB962C8B-B14F-4D97-AF65-F5344CB8AC3E}">
@@ -9404,7 +9611,10 @@
             <a:r>
               <a:rPr lang="it-IT" sz="2400" dirty="0">
                 <a:solidFill>
-                  <a:schemeClr val="bg2"/>
+                  <a:schemeClr val="bg2">
+                    <a:lumMod val="40000"/>
+                    <a:lumOff val="60000"/>
+                  </a:schemeClr>
                 </a:solidFill>
               </a:rPr>
               <a:t>Interferometria</a:t>
@@ -9415,7 +9625,10 @@
             <a:r>
               <a:rPr lang="it-IT" sz="2000" dirty="0">
                 <a:solidFill>
-                  <a:schemeClr val="bg2"/>
+                  <a:schemeClr val="bg2">
+                    <a:lumMod val="40000"/>
+                    <a:lumOff val="60000"/>
+                  </a:schemeClr>
                 </a:solidFill>
               </a:rPr>
               <a:t>Interferometria a self-mixing</a:t>
@@ -9426,7 +9639,10 @@
             <a:r>
               <a:rPr lang="it-IT" sz="2000" dirty="0">
                 <a:solidFill>
-                  <a:schemeClr val="bg2"/>
+                  <a:schemeClr val="bg2">
+                    <a:lumMod val="40000"/>
+                    <a:lumOff val="60000"/>
+                  </a:schemeClr>
                 </a:solidFill>
               </a:rPr>
               <a:t>Misura della distanza</a:t>
@@ -9436,7 +9652,10 @@
             <a:r>
               <a:rPr lang="it-IT" sz="2400" dirty="0">
                 <a:solidFill>
-                  <a:schemeClr val="bg2"/>
+                  <a:schemeClr val="bg2">
+                    <a:lumMod val="40000"/>
+                    <a:lumOff val="60000"/>
+                  </a:schemeClr>
                 </a:solidFill>
               </a:rPr>
               <a:t>Architettura hardware</a:t>
@@ -9445,59 +9664,53 @@
           <a:p>
             <a:pPr lvl="1"/>
             <a:r>
-              <a:rPr lang="it-IT" sz="2000" dirty="0" smtClean="0">
-                <a:solidFill>
-                  <a:schemeClr val="bg2"/>
+              <a:rPr lang="it-IT" sz="2000" dirty="0">
+                <a:solidFill>
+                  <a:schemeClr val="bg2">
+                    <a:lumMod val="40000"/>
+                    <a:lumOff val="60000"/>
+                  </a:schemeClr>
                 </a:solidFill>
               </a:rPr>
               <a:t>Sistema analogico</a:t>
             </a:r>
-            <a:endParaRPr lang="it-IT" sz="2000" dirty="0">
-              <a:solidFill>
-                <a:schemeClr val="bg2"/>
-              </a:solidFill>
-            </a:endParaRPr>
           </a:p>
           <a:p>
             <a:pPr lvl="1"/>
             <a:r>
-              <a:rPr lang="it-IT" sz="2000" dirty="0" smtClean="0">
-                <a:solidFill>
-                  <a:schemeClr val="bg2"/>
+              <a:rPr lang="it-IT" sz="2000" dirty="0">
+                <a:solidFill>
+                  <a:schemeClr val="bg2">
+                    <a:lumMod val="40000"/>
+                    <a:lumOff val="60000"/>
+                  </a:schemeClr>
+                </a:solidFill>
+              </a:rPr>
+              <a:t>Sistema di conversione</a:t>
+            </a:r>
+          </a:p>
+          <a:p>
+            <a:pPr lvl="1"/>
+            <a:r>
+              <a:rPr lang="it-IT" sz="2000" dirty="0">
+                <a:solidFill>
+                  <a:schemeClr val="bg2">
+                    <a:lumMod val="40000"/>
+                    <a:lumOff val="60000"/>
+                  </a:schemeClr>
                 </a:solidFill>
               </a:rPr>
               <a:t>Sistema digitale</a:t>
             </a:r>
-            <a:endParaRPr lang="it-IT" sz="2000" dirty="0">
-              <a:solidFill>
-                <a:schemeClr val="bg2"/>
-              </a:solidFill>
-            </a:endParaRPr>
-          </a:p>
-          <a:p>
-            <a:pPr lvl="1"/>
-            <a:r>
-              <a:rPr lang="it-IT" sz="2000" dirty="0" smtClean="0">
-                <a:solidFill>
-                  <a:schemeClr val="bg2"/>
-                </a:solidFill>
-              </a:rPr>
-              <a:t>Sistema </a:t>
-            </a:r>
-            <a:r>
-              <a:rPr lang="it-IT" sz="2000" dirty="0">
-                <a:solidFill>
-                  <a:schemeClr val="bg2"/>
-                </a:solidFill>
-              </a:rPr>
-              <a:t>di conversione</a:t>
-            </a:r>
           </a:p>
           <a:p>
             <a:r>
               <a:rPr lang="it-IT" sz="2400" dirty="0">
                 <a:solidFill>
-                  <a:schemeClr val="bg2"/>
+                  <a:schemeClr val="bg2">
+                    <a:lumMod val="40000"/>
+                    <a:lumOff val="60000"/>
+                  </a:schemeClr>
                 </a:solidFill>
               </a:rPr>
               <a:t>Architettura software</a:t>
@@ -9508,7 +9721,10 @@
             <a:r>
               <a:rPr lang="it-IT" sz="2000" dirty="0">
                 <a:solidFill>
-                  <a:schemeClr val="bg2"/>
+                  <a:schemeClr val="bg2">
+                    <a:lumMod val="40000"/>
+                    <a:lumOff val="60000"/>
+                  </a:schemeClr>
                 </a:solidFill>
               </a:rPr>
               <a:t>FPGA</a:t>
@@ -9517,9 +9733,12 @@
           <a:p>
             <a:pPr lvl="1"/>
             <a:r>
-              <a:rPr lang="it-IT" sz="2000" dirty="0" smtClean="0">
-                <a:solidFill>
-                  <a:schemeClr val="bg2"/>
+              <a:rPr lang="it-IT" sz="2000" dirty="0">
+                <a:solidFill>
+                  <a:schemeClr val="bg2">
+                    <a:lumMod val="40000"/>
+                    <a:lumOff val="60000"/>
+                  </a:schemeClr>
                 </a:solidFill>
               </a:rPr>
               <a:t>Microcontrollore</a:t>
@@ -9528,9 +9747,12 @@
           <a:p>
             <a:pPr lvl="1"/>
             <a:r>
-              <a:rPr lang="it-IT" sz="2000" dirty="0" smtClean="0">
-                <a:solidFill>
-                  <a:schemeClr val="bg2"/>
+              <a:rPr lang="it-IT" sz="2000" dirty="0">
+                <a:solidFill>
+                  <a:schemeClr val="bg2">
+                    <a:lumMod val="40000"/>
+                    <a:lumOff val="60000"/>
+                  </a:schemeClr>
                 </a:solidFill>
               </a:rPr>
               <a:t>Dettagli implementativi</a:t>
@@ -9539,18 +9761,16 @@
           <a:p>
             <a:pPr lvl="1"/>
             <a:r>
-              <a:rPr lang="it-IT" sz="2000" dirty="0" smtClean="0">
-                <a:solidFill>
-                  <a:schemeClr val="bg2"/>
+              <a:rPr lang="it-IT" sz="2000" dirty="0">
+                <a:solidFill>
+                  <a:schemeClr val="bg2">
+                    <a:lumMod val="40000"/>
+                    <a:lumOff val="60000"/>
+                  </a:schemeClr>
                 </a:solidFill>
               </a:rPr>
               <a:t>Ottimizzazioni</a:t>
             </a:r>
-            <a:endParaRPr lang="it-IT" sz="2000" dirty="0">
-              <a:solidFill>
-                <a:schemeClr val="bg2"/>
-              </a:solidFill>
-            </a:endParaRPr>
           </a:p>
           <a:p>
             <a:r>
@@ -9563,6 +9783,7 @@
               <a:rPr lang="it-IT" sz="2400" dirty="0"/>
               <a:t>Conclusioni e sviluppi futuri</a:t>
             </a:r>
+            <a:endParaRPr lang="it-IT" sz="2400" dirty="0"/>
           </a:p>
         </p:txBody>
       </p:sp>
@@ -9644,11 +9865,7 @@
           <a:p>
             <a:r>
               <a:rPr lang="it-IT" dirty="0" smtClean="0"/>
-              <a:t>Risultati </a:t>
-            </a:r>
-            <a:r>
-              <a:rPr lang="it-IT" dirty="0" smtClean="0"/>
-              <a:t>sperimentali</a:t>
+              <a:t>Risultati sperimentali</a:t>
             </a:r>
             <a:endParaRPr lang="it-IT" dirty="0"/>
           </a:p>
@@ -9685,13 +9902,8 @@
             <a:pPr lvl="1"/>
             <a:r>
               <a:rPr lang="it-IT" sz="2000" dirty="0" smtClean="0"/>
-              <a:t>Bersaglio </a:t>
-            </a:r>
-            <a:r>
-              <a:rPr lang="it-IT" sz="2000" dirty="0" smtClean="0"/>
-              <a:t>mobile</a:t>
-            </a:r>
-            <a:endParaRPr lang="it-IT" sz="2000" dirty="0" smtClean="0"/>
+              <a:t>Bersaglio mobile</a:t>
+            </a:r>
           </a:p>
         </p:txBody>
       </p:sp>
@@ -9741,7 +9953,7 @@
         </p:blipFill>
         <p:spPr>
           <a:xfrm>
-            <a:off x="1352775" y="2956560"/>
+            <a:off x="1352775" y="2855140"/>
             <a:ext cx="6419625" cy="3520440"/>
           </a:xfrm>
           <a:prstGeom prst="rect">
@@ -9809,77 +10021,261 @@
           </a:p>
         </p:txBody>
       </p:sp>
-      <p:sp>
-        <p:nvSpPr>
-          <p:cNvPr id="3" name="Segnaposto contenuto 2"/>
-          <p:cNvSpPr>
-            <a:spLocks noGrp="1"/>
-          </p:cNvSpPr>
-          <p:nvPr>
-            <p:ph idx="1"/>
-          </p:nvPr>
-        </p:nvSpPr>
-        <p:spPr/>
-        <p:txBody>
-          <a:bodyPr/>
-          <a:lstStyle/>
-          <a:p>
-            <a:r>
-              <a:rPr lang="it-IT" sz="2400" dirty="0"/>
-              <a:t>Prova a </a:t>
-            </a:r>
-            <a:r>
-              <a:rPr lang="it-IT" sz="2400" b="1" dirty="0"/>
-              <a:t>bersaglio fisso</a:t>
-            </a:r>
-            <a:r>
-              <a:rPr lang="it-IT" sz="2400" dirty="0"/>
-              <a:t> per lo strumento finale ripetuta con bersaglio a 20, 50 e 90cm</a:t>
-            </a:r>
-          </a:p>
-          <a:p>
-            <a:r>
-              <a:rPr lang="it-IT" sz="2400" dirty="0"/>
-              <a:t>Si è misurata la dispersione della misura:</a:t>
-            </a:r>
-          </a:p>
-          <a:p>
-            <a:pPr lvl="1"/>
-            <a:r>
-              <a:rPr lang="it-IT" sz="2000" dirty="0"/>
-              <a:t>20cm: </a:t>
-            </a:r>
-            <a:r>
-              <a:rPr lang="it-IT" sz="2000" dirty="0" smtClean="0"/>
-              <a:t>1,32*10^-4</a:t>
-            </a:r>
-            <a:endParaRPr lang="it-IT" sz="2000" dirty="0"/>
-          </a:p>
-          <a:p>
-            <a:pPr lvl="1"/>
-            <a:r>
-              <a:rPr lang="it-IT" sz="2000" dirty="0"/>
-              <a:t>50cm: </a:t>
-            </a:r>
-            <a:r>
-              <a:rPr lang="it-IT" sz="2000" dirty="0" smtClean="0"/>
-              <a:t>2,4*10^-4</a:t>
-            </a:r>
-            <a:endParaRPr lang="it-IT" sz="2000" dirty="0"/>
-          </a:p>
-          <a:p>
-            <a:pPr lvl="1"/>
-            <a:r>
-              <a:rPr lang="it-IT" sz="2000" dirty="0" smtClean="0"/>
-              <a:t>90cm:6,5*10^-4</a:t>
-            </a:r>
-            <a:endParaRPr lang="it-IT" sz="2000" dirty="0"/>
-          </a:p>
-          <a:p>
-            <a:endParaRPr lang="it-IT" sz="2000" dirty="0"/>
-          </a:p>
-        </p:txBody>
-      </p:sp>
+      <mc:AlternateContent xmlns:mc="http://schemas.openxmlformats.org/markup-compatibility/2006">
+        <mc:Choice xmlns:a14="http://schemas.microsoft.com/office/drawing/2010/main" Requires="a14">
+          <p:sp>
+            <p:nvSpPr>
+              <p:cNvPr id="3" name="Segnaposto contenuto 2"/>
+              <p:cNvSpPr>
+                <a:spLocks noGrp="1"/>
+              </p:cNvSpPr>
+              <p:nvPr>
+                <p:ph idx="1"/>
+              </p:nvPr>
+            </p:nvSpPr>
+            <p:spPr>
+              <a:xfrm>
+                <a:off x="685800" y="1025888"/>
+                <a:ext cx="7772400" cy="2823232"/>
+              </a:xfrm>
+            </p:spPr>
+            <p:txBody>
+              <a:bodyPr/>
+              <a:lstStyle/>
+              <a:p>
+                <a:r>
+                  <a:rPr lang="it-IT" sz="2400" dirty="0"/>
+                  <a:t>Prova a </a:t>
+                </a:r>
+                <a:r>
+                  <a:rPr lang="it-IT" sz="2400" b="1" dirty="0"/>
+                  <a:t>bersaglio fisso</a:t>
+                </a:r>
+                <a:r>
+                  <a:rPr lang="it-IT" sz="2400" dirty="0"/>
+                  <a:t> </a:t>
+                </a:r>
+                <a:r>
+                  <a:rPr lang="it-IT" sz="2400" dirty="0" smtClean="0"/>
+                  <a:t>per </a:t>
+                </a:r>
+                <a:r>
+                  <a:rPr lang="it-IT" sz="2400" dirty="0"/>
+                  <a:t>lo strumento </a:t>
+                </a:r>
+                <a:r>
+                  <a:rPr lang="it-IT" sz="2400" dirty="0" smtClean="0"/>
+                  <a:t>finale con bersaglio a </a:t>
+                </a:r>
+                <a:r>
+                  <a:rPr lang="it-IT" sz="2400" dirty="0"/>
+                  <a:t>20, 50 e 90cm</a:t>
+                </a:r>
+              </a:p>
+              <a:p>
+                <a:r>
+                  <a:rPr lang="it-IT" sz="2400" dirty="0"/>
+                  <a:t>Si è misurata la dispersione della misura:</a:t>
+                </a:r>
+              </a:p>
+              <a:p>
+                <a:pPr lvl="1"/>
+                <a:r>
+                  <a:rPr lang="it-IT" sz="2000" dirty="0"/>
+                  <a:t>20cm: </a:t>
+                </a:r>
+                <a:r>
+                  <a:rPr lang="it-IT" sz="2000" b="1" dirty="0" smtClean="0"/>
+                  <a:t>1,3</a:t>
+                </a:r>
+                <a:r>
+                  <a:rPr lang="it-IT" sz="2000" dirty="0" smtClean="0"/>
+                  <a:t>*</a:t>
+                </a:r>
+                <a14:m>
+                  <m:oMath xmlns:m="http://schemas.openxmlformats.org/officeDocument/2006/math">
+                    <m:sSup>
+                      <m:sSupPr>
+                        <m:ctrlPr>
+                          <a:rPr lang="it-IT" sz="2000" b="1" i="1">
+                            <a:latin typeface="Cambria Math" charset="0"/>
+                            <a:ea typeface="Lucida Grande" charset="0"/>
+                            <a:cs typeface="Lucida Grande" charset="0"/>
+                          </a:rPr>
+                        </m:ctrlPr>
+                      </m:sSupPr>
+                      <m:e>
+                        <m:r>
+                          <m:rPr>
+                            <m:nor/>
+                          </m:rPr>
+                          <a:rPr lang="it-IT" sz="2000" b="1">
+                            <a:ea typeface="Lucida Grande" charset="0"/>
+                            <a:cs typeface="Lucida Grande" charset="0"/>
+                          </a:rPr>
+                          <m:t>10</m:t>
+                        </m:r>
+                      </m:e>
+                      <m:sup>
+                        <m:r>
+                          <m:rPr>
+                            <m:nor/>
+                          </m:rPr>
+                          <a:rPr lang="it-IT" sz="2000" b="1">
+                            <a:ea typeface="Lucida Grande" charset="0"/>
+                            <a:cs typeface="Lucida Grande" charset="0"/>
+                          </a:rPr>
+                          <m:t>−4</m:t>
+                        </m:r>
+                      </m:sup>
+                    </m:sSup>
+                  </m:oMath>
+                </a14:m>
+                <a:endParaRPr lang="it-IT" sz="2000" dirty="0"/>
+              </a:p>
+              <a:p>
+                <a:pPr lvl="1"/>
+                <a:r>
+                  <a:rPr lang="it-IT" sz="2000" dirty="0"/>
+                  <a:t>50cm: </a:t>
+                </a:r>
+                <a:r>
+                  <a:rPr lang="it-IT" sz="2000" b="1" dirty="0" smtClean="0"/>
+                  <a:t>2,4*</a:t>
+                </a:r>
+                <a14:m>
+                  <m:oMath xmlns:m="http://schemas.openxmlformats.org/officeDocument/2006/math">
+                    <m:sSup>
+                      <m:sSupPr>
+                        <m:ctrlPr>
+                          <a:rPr lang="it-IT" sz="2000" b="1" i="1">
+                            <a:latin typeface="Cambria Math" charset="0"/>
+                            <a:ea typeface="Lucida Grande" charset="0"/>
+                            <a:cs typeface="Lucida Grande" charset="0"/>
+                          </a:rPr>
+                        </m:ctrlPr>
+                      </m:sSupPr>
+                      <m:e>
+                        <m:r>
+                          <m:rPr>
+                            <m:nor/>
+                          </m:rPr>
+                          <a:rPr lang="it-IT" sz="2000" b="1">
+                            <a:ea typeface="Lucida Grande" charset="0"/>
+                            <a:cs typeface="Lucida Grande" charset="0"/>
+                          </a:rPr>
+                          <m:t>10</m:t>
+                        </m:r>
+                      </m:e>
+                      <m:sup>
+                        <m:r>
+                          <m:rPr>
+                            <m:nor/>
+                          </m:rPr>
+                          <a:rPr lang="it-IT" sz="2000" b="1">
+                            <a:ea typeface="Lucida Grande" charset="0"/>
+                            <a:cs typeface="Lucida Grande" charset="0"/>
+                          </a:rPr>
+                          <m:t>−4</m:t>
+                        </m:r>
+                      </m:sup>
+                    </m:sSup>
+                  </m:oMath>
+                </a14:m>
+                <a:endParaRPr lang="it-IT" sz="2000" b="1" dirty="0" smtClean="0"/>
+              </a:p>
+              <a:p>
+                <a:pPr lvl="1"/>
+                <a:r>
+                  <a:rPr lang="it-IT" sz="2000" dirty="0" smtClean="0"/>
+                  <a:t>90cm: </a:t>
+                </a:r>
+                <a:r>
+                  <a:rPr lang="it-IT" sz="2000" b="1" dirty="0" smtClean="0"/>
+                  <a:t>6,5*</a:t>
+                </a:r>
+                <a14:m>
+                  <m:oMath xmlns:m="http://schemas.openxmlformats.org/officeDocument/2006/math">
+                    <m:sSup>
+                      <m:sSupPr>
+                        <m:ctrlPr>
+                          <a:rPr lang="it-IT" sz="2000" b="1" i="1">
+                            <a:latin typeface="Cambria Math" charset="0"/>
+                            <a:ea typeface="Lucida Grande" charset="0"/>
+                            <a:cs typeface="Lucida Grande" charset="0"/>
+                          </a:rPr>
+                        </m:ctrlPr>
+                      </m:sSupPr>
+                      <m:e>
+                        <m:r>
+                          <m:rPr>
+                            <m:nor/>
+                          </m:rPr>
+                          <a:rPr lang="it-IT" sz="2000" b="1">
+                            <a:ea typeface="Lucida Grande" charset="0"/>
+                            <a:cs typeface="Lucida Grande" charset="0"/>
+                          </a:rPr>
+                          <m:t>10</m:t>
+                        </m:r>
+                      </m:e>
+                      <m:sup>
+                        <m:r>
+                          <m:rPr>
+                            <m:nor/>
+                          </m:rPr>
+                          <a:rPr lang="it-IT" sz="2000" b="1">
+                            <a:ea typeface="Lucida Grande" charset="0"/>
+                            <a:cs typeface="Lucida Grande" charset="0"/>
+                          </a:rPr>
+                          <m:t>−4</m:t>
+                        </m:r>
+                      </m:sup>
+                    </m:sSup>
+                  </m:oMath>
+                </a14:m>
+                <a:endParaRPr lang="it-IT" sz="2000" b="1" dirty="0"/>
+              </a:p>
+            </p:txBody>
+          </p:sp>
+        </mc:Choice>
+        <mc:Fallback>
+          <p:sp>
+            <p:nvSpPr>
+              <p:cNvPr id="3" name="Segnaposto contenuto 2"/>
+              <p:cNvSpPr>
+                <a:spLocks noGrp="1" noRot="1" noChangeAspect="1" noMove="1" noResize="1" noEditPoints="1" noAdjustHandles="1" noChangeArrowheads="1" noChangeShapeType="1" noTextEdit="1"/>
+              </p:cNvSpPr>
+              <p:nvPr>
+                <p:ph idx="1"/>
+              </p:nvPr>
+            </p:nvSpPr>
+            <p:spPr>
+              <a:xfrm>
+                <a:off x="685800" y="1025888"/>
+                <a:ext cx="7772400" cy="2823232"/>
+              </a:xfrm>
+              <a:blipFill rotWithShape="0">
+                <a:blip r:embed="rId2"/>
+                <a:stretch>
+                  <a:fillRect l="-1176" t="-1728" b="-648"/>
+                </a:stretch>
+              </a:blipFill>
+            </p:spPr>
+            <p:txBody>
+              <a:bodyPr/>
+              <a:lstStyle/>
+              <a:p>
+                <a:r>
+                  <a:rPr lang="it-IT">
+                    <a:noFill/>
+                  </a:rPr>
+                  <a:t> </a:t>
+                </a:r>
+              </a:p>
+            </p:txBody>
+          </p:sp>
+        </mc:Fallback>
+      </mc:AlternateContent>
       <p:sp>
         <p:nvSpPr>
           <p:cNvPr id="4" name="Segnaposto numero diapositiva 3"/>
@@ -9907,36 +10303,6 @@
       <p:pic>
         <p:nvPicPr>
           <p:cNvPr id="5" name="Immagine 4"/>
-          <p:cNvPicPr>
-            <a:picLocks noChangeAspect="1"/>
-          </p:cNvPicPr>
-          <p:nvPr/>
-        </p:nvPicPr>
-        <p:blipFill>
-          <a:blip r:embed="rId2">
-            <a:extLst>
-              <a:ext uri="{28A0092B-C50C-407E-A947-70E740481C1C}">
-                <a14:useLocalDpi xmlns:a14="http://schemas.microsoft.com/office/drawing/2010/main" val="0"/>
-              </a:ext>
-            </a:extLst>
-          </a:blip>
-          <a:stretch>
-            <a:fillRect/>
-          </a:stretch>
-        </p:blipFill>
-        <p:spPr>
-          <a:xfrm>
-            <a:off x="111793" y="4306320"/>
-            <a:ext cx="3132364" cy="1772302"/>
-          </a:xfrm>
-          <a:prstGeom prst="rect">
-            <a:avLst/>
-          </a:prstGeom>
-        </p:spPr>
-      </p:pic>
-      <p:pic>
-        <p:nvPicPr>
-          <p:cNvPr id="6" name="Immagine 5"/>
           <p:cNvPicPr>
             <a:picLocks noChangeAspect="1"/>
           </p:cNvPicPr>
@@ -9956,8 +10322,8 @@
         </p:blipFill>
         <p:spPr>
           <a:xfrm>
-            <a:off x="3244157" y="4306320"/>
-            <a:ext cx="3069989" cy="1789680"/>
+            <a:off x="111793" y="4501190"/>
+            <a:ext cx="3163078" cy="1789680"/>
           </a:xfrm>
           <a:prstGeom prst="rect">
             <a:avLst/>
@@ -9966,7 +10332,7 @@
       </p:pic>
       <p:pic>
         <p:nvPicPr>
-          <p:cNvPr id="7" name="Immagine 6"/>
+          <p:cNvPr id="6" name="Immagine 5"/>
           <p:cNvPicPr>
             <a:picLocks noChangeAspect="1"/>
           </p:cNvPicPr>
@@ -9986,7 +10352,37 @@
         </p:blipFill>
         <p:spPr>
           <a:xfrm>
-            <a:off x="6314146" y="4306320"/>
+            <a:off x="3244157" y="4501190"/>
+            <a:ext cx="3069989" cy="1789680"/>
+          </a:xfrm>
+          <a:prstGeom prst="rect">
+            <a:avLst/>
+          </a:prstGeom>
+        </p:spPr>
+      </p:pic>
+      <p:pic>
+        <p:nvPicPr>
+          <p:cNvPr id="7" name="Immagine 6"/>
+          <p:cNvPicPr>
+            <a:picLocks noChangeAspect="1"/>
+          </p:cNvPicPr>
+          <p:nvPr/>
+        </p:nvPicPr>
+        <p:blipFill>
+          <a:blip r:embed="rId5">
+            <a:extLst>
+              <a:ext uri="{28A0092B-C50C-407E-A947-70E740481C1C}">
+                <a14:useLocalDpi xmlns:a14="http://schemas.microsoft.com/office/drawing/2010/main" val="0"/>
+              </a:ext>
+            </a:extLst>
+          </a:blip>
+          <a:stretch>
+            <a:fillRect/>
+          </a:stretch>
+        </p:blipFill>
+        <p:spPr>
+          <a:xfrm>
+            <a:off x="6314146" y="4501190"/>
             <a:ext cx="2680126" cy="1789680"/>
           </a:xfrm>
           <a:prstGeom prst="rect">
@@ -10066,8 +10462,8 @@
         </p:nvSpPr>
         <p:spPr>
           <a:xfrm>
-            <a:off x="609600" y="1021556"/>
-            <a:ext cx="7815263" cy="5272088"/>
+            <a:off x="609600" y="891778"/>
+            <a:ext cx="7784892" cy="5531644"/>
           </a:xfrm>
         </p:spPr>
         <p:txBody>
@@ -10103,7 +10499,22 @@
             <a:pPr lvl="1"/>
             <a:r>
               <a:rPr lang="it-IT" sz="2000" dirty="0" smtClean="0"/>
-              <a:t>Sistema analogico</a:t>
+              <a:t>Sistema </a:t>
+            </a:r>
+            <a:r>
+              <a:rPr lang="it-IT" sz="2000" dirty="0" smtClean="0"/>
+              <a:t>analogico</a:t>
+            </a:r>
+          </a:p>
+          <a:p>
+            <a:pPr lvl="1"/>
+            <a:r>
+              <a:rPr lang="it-IT" sz="2000" dirty="0"/>
+              <a:t>Sistema di </a:t>
+            </a:r>
+            <a:r>
+              <a:rPr lang="it-IT" sz="2000" dirty="0" smtClean="0"/>
+              <a:t>conversione</a:t>
             </a:r>
             <a:endParaRPr lang="it-IT" sz="2000" dirty="0"/>
           </a:p>
@@ -10116,20 +10527,13 @@
             <a:endParaRPr lang="it-IT" sz="2000" dirty="0"/>
           </a:p>
           <a:p>
-            <a:pPr lvl="1"/>
-            <a:r>
-              <a:rPr lang="it-IT" sz="2000" dirty="0" smtClean="0"/>
-              <a:t>Sistema </a:t>
-            </a:r>
-            <a:r>
-              <a:rPr lang="it-IT" sz="2000" dirty="0"/>
-              <a:t>di conversione</a:t>
-            </a:r>
-          </a:p>
-          <a:p>
+            <a:r>
+              <a:rPr lang="it-IT" sz="2400" dirty="0" smtClean="0"/>
+              <a:t>Architettura </a:t>
+            </a:r>
             <a:r>
               <a:rPr lang="it-IT" sz="2400" dirty="0"/>
-              <a:t>Architettura software</a:t>
+              <a:t>software</a:t>
             </a:r>
           </a:p>
           <a:p>
@@ -10164,8 +10568,13 @@
           <a:p>
             <a:r>
               <a:rPr lang="it-IT" sz="2400" dirty="0"/>
-              <a:t>Risultati sperimentali</a:t>
-            </a:r>
+              <a:t>Risultati </a:t>
+            </a:r>
+            <a:r>
+              <a:rPr lang="it-IT" sz="2400" dirty="0" smtClean="0"/>
+              <a:t>sperimentali</a:t>
+            </a:r>
+            <a:endParaRPr lang="it-IT" sz="2400" dirty="0"/>
           </a:p>
           <a:p>
             <a:r>
@@ -10259,81 +10668,292 @@
           </a:p>
         </p:txBody>
       </p:sp>
-      <p:sp>
-        <p:nvSpPr>
-          <p:cNvPr id="3" name="Segnaposto contenuto 2"/>
-          <p:cNvSpPr>
-            <a:spLocks noGrp="1"/>
-          </p:cNvSpPr>
-          <p:nvPr>
-            <p:ph idx="1"/>
-          </p:nvPr>
-        </p:nvSpPr>
-        <p:spPr/>
-        <p:txBody>
-          <a:bodyPr/>
-          <a:lstStyle/>
-          <a:p>
-            <a:r>
-              <a:rPr lang="it-IT" sz="2400" dirty="0"/>
-              <a:t>Prova a </a:t>
-            </a:r>
-            <a:r>
-              <a:rPr lang="it-IT" sz="2400" b="1" dirty="0"/>
-              <a:t>bersaglio mobile</a:t>
-            </a:r>
-            <a:r>
-              <a:rPr lang="it-IT" sz="2400" dirty="0"/>
-              <a:t> per lo strumento finale ripetuta con bersaglio a 20, 50 e 90cm</a:t>
-            </a:r>
-          </a:p>
-          <a:p>
-            <a:r>
-              <a:rPr lang="it-IT" sz="2400" dirty="0"/>
-              <a:t>Si è valutata la linearità allo spostamento dello strumento con passi da 200um:</a:t>
-            </a:r>
-          </a:p>
-          <a:p>
-            <a:pPr lvl="1"/>
-            <a:r>
-              <a:rPr lang="it-IT" sz="2000" dirty="0"/>
-              <a:t>20cm: </a:t>
-            </a:r>
-            <a:r>
-              <a:rPr lang="it-IT" sz="2000" dirty="0" smtClean="0"/>
-              <a:t>121um</a:t>
-            </a:r>
-            <a:endParaRPr lang="it-IT" sz="2000" dirty="0"/>
-          </a:p>
-          <a:p>
-            <a:pPr lvl="1"/>
-            <a:r>
-              <a:rPr lang="it-IT" sz="2000" dirty="0"/>
-              <a:t>50cm</a:t>
-            </a:r>
-            <a:r>
-              <a:rPr lang="it-IT" sz="2000" dirty="0" smtClean="0"/>
-              <a:t>: 124um </a:t>
-            </a:r>
-            <a:endParaRPr lang="it-IT" sz="2000" dirty="0"/>
-          </a:p>
-          <a:p>
-            <a:pPr lvl="1"/>
-            <a:r>
-              <a:rPr lang="it-IT" sz="2000" dirty="0"/>
-              <a:t>90cm: </a:t>
-            </a:r>
-            <a:r>
-              <a:rPr lang="it-IT" sz="2000" dirty="0" smtClean="0"/>
-              <a:t>190um</a:t>
-            </a:r>
-            <a:endParaRPr lang="it-IT" sz="2000" dirty="0"/>
-          </a:p>
-          <a:p>
-            <a:endParaRPr lang="it-IT" sz="1600" dirty="0"/>
-          </a:p>
-        </p:txBody>
-      </p:sp>
+      <mc:AlternateContent xmlns:mc="http://schemas.openxmlformats.org/markup-compatibility/2006">
+        <mc:Choice xmlns:a14="http://schemas.microsoft.com/office/drawing/2010/main" Requires="a14">
+          <p:sp>
+            <p:nvSpPr>
+              <p:cNvPr id="3" name="Segnaposto contenuto 2"/>
+              <p:cNvSpPr>
+                <a:spLocks noGrp="1"/>
+              </p:cNvSpPr>
+              <p:nvPr>
+                <p:ph idx="1"/>
+              </p:nvPr>
+            </p:nvSpPr>
+            <p:spPr>
+              <a:xfrm>
+                <a:off x="609600" y="964370"/>
+                <a:ext cx="7772400" cy="3120615"/>
+              </a:xfrm>
+            </p:spPr>
+            <p:txBody>
+              <a:bodyPr/>
+              <a:lstStyle/>
+              <a:p>
+                <a:r>
+                  <a:rPr lang="it-IT" sz="2400" dirty="0"/>
+                  <a:t>Prova a </a:t>
+                </a:r>
+                <a:r>
+                  <a:rPr lang="it-IT" sz="2400" b="1" dirty="0"/>
+                  <a:t>bersaglio mobile</a:t>
+                </a:r>
+                <a:r>
+                  <a:rPr lang="it-IT" sz="2400" dirty="0"/>
+                  <a:t> per lo strumento finale </a:t>
+                </a:r>
+                <a:r>
+                  <a:rPr lang="it-IT" sz="2400" dirty="0" smtClean="0"/>
+                  <a:t>con </a:t>
+                </a:r>
+                <a:r>
+                  <a:rPr lang="it-IT" sz="2400" dirty="0"/>
+                  <a:t>bersaglio a 20, 50 e 90cm</a:t>
+                </a:r>
+              </a:p>
+              <a:p>
+                <a:r>
+                  <a:rPr lang="it-IT" sz="2400" dirty="0"/>
+                  <a:t>Si è valutata la linearità allo spostamento dello strumento con passi da 200um:</a:t>
+                </a:r>
+              </a:p>
+              <a:p>
+                <a:pPr lvl="1"/>
+                <a:r>
+                  <a:rPr lang="it-IT" sz="2000" dirty="0"/>
+                  <a:t>20cm: </a:t>
+                </a:r>
+                <a:r>
+                  <a:rPr lang="it-IT" sz="2000" dirty="0" smtClean="0"/>
+                  <a:t>121um (</a:t>
+                </a:r>
+                <a:r>
+                  <a:rPr lang="it-IT" sz="2000" b="1" dirty="0" smtClean="0"/>
+                  <a:t>6</a:t>
+                </a:r>
+                <a:r>
+                  <a:rPr lang="it-IT" sz="2000" dirty="0" smtClean="0"/>
+                  <a:t>*</a:t>
+                </a:r>
+                <a14:m>
+                  <m:oMath xmlns:m="http://schemas.openxmlformats.org/officeDocument/2006/math">
+                    <m:sSup>
+                      <m:sSupPr>
+                        <m:ctrlPr>
+                          <a:rPr lang="it-IT" sz="2000" b="1" i="1">
+                            <a:latin typeface="Cambria Math" charset="0"/>
+                            <a:ea typeface="Lucida Grande" charset="0"/>
+                            <a:cs typeface="Lucida Grande" charset="0"/>
+                          </a:rPr>
+                        </m:ctrlPr>
+                      </m:sSupPr>
+                      <m:e>
+                        <m:r>
+                          <m:rPr>
+                            <m:nor/>
+                          </m:rPr>
+                          <a:rPr lang="it-IT" sz="2000" b="1">
+                            <a:ea typeface="Lucida Grande" charset="0"/>
+                            <a:cs typeface="Lucida Grande" charset="0"/>
+                          </a:rPr>
+                          <m:t>10</m:t>
+                        </m:r>
+                      </m:e>
+                      <m:sup>
+                        <m:r>
+                          <m:rPr>
+                            <m:nor/>
+                          </m:rPr>
+                          <a:rPr lang="it-IT" sz="2000" b="1">
+                            <a:ea typeface="Lucida Grande" charset="0"/>
+                            <a:cs typeface="Lucida Grande" charset="0"/>
+                          </a:rPr>
+                          <m:t>−4</m:t>
+                        </m:r>
+                      </m:sup>
+                    </m:sSup>
+                  </m:oMath>
+                </a14:m>
+                <a:r>
+                  <a:rPr lang="it-IT" sz="2000" dirty="0" smtClean="0"/>
+                  <a:t>)</a:t>
+                </a:r>
+                <a:endParaRPr lang="it-IT" sz="2000" dirty="0"/>
+              </a:p>
+              <a:p>
+                <a:pPr lvl="1"/>
+                <a:r>
+                  <a:rPr lang="it-IT" sz="2000" dirty="0"/>
+                  <a:t>50cm</a:t>
+                </a:r>
+                <a:r>
+                  <a:rPr lang="it-IT" sz="2000" dirty="0" smtClean="0"/>
+                  <a:t>: 124um </a:t>
+                </a:r>
+                <a:r>
+                  <a:rPr lang="it-IT" sz="2000" dirty="0" smtClean="0"/>
+                  <a:t>(</a:t>
+                </a:r>
+                <a:r>
+                  <a:rPr lang="it-IT" sz="2000" b="1" dirty="0" smtClean="0"/>
+                  <a:t>2,5</a:t>
+                </a:r>
+                <a:r>
+                  <a:rPr lang="it-IT" sz="2000" dirty="0" smtClean="0"/>
+                  <a:t>*</a:t>
+                </a:r>
+                <a14:m>
+                  <m:oMath xmlns:m="http://schemas.openxmlformats.org/officeDocument/2006/math">
+                    <m:sSup>
+                      <m:sSupPr>
+                        <m:ctrlPr>
+                          <a:rPr lang="it-IT" sz="2000" b="1" i="1">
+                            <a:latin typeface="Cambria Math" charset="0"/>
+                            <a:ea typeface="Lucida Grande" charset="0"/>
+                            <a:cs typeface="Lucida Grande" charset="0"/>
+                          </a:rPr>
+                        </m:ctrlPr>
+                      </m:sSupPr>
+                      <m:e>
+                        <m:r>
+                          <m:rPr>
+                            <m:nor/>
+                          </m:rPr>
+                          <a:rPr lang="it-IT" sz="2000" b="1">
+                            <a:ea typeface="Lucida Grande" charset="0"/>
+                            <a:cs typeface="Lucida Grande" charset="0"/>
+                          </a:rPr>
+                          <m:t>10</m:t>
+                        </m:r>
+                      </m:e>
+                      <m:sup>
+                        <m:r>
+                          <m:rPr>
+                            <m:nor/>
+                          </m:rPr>
+                          <a:rPr lang="it-IT" sz="2000" b="1">
+                            <a:ea typeface="Lucida Grande" charset="0"/>
+                            <a:cs typeface="Lucida Grande" charset="0"/>
+                          </a:rPr>
+                          <m:t>−4</m:t>
+                        </m:r>
+                      </m:sup>
+                    </m:sSup>
+                  </m:oMath>
+                </a14:m>
+                <a:r>
+                  <a:rPr lang="it-IT" sz="2000" dirty="0" smtClean="0"/>
+                  <a:t>)</a:t>
+                </a:r>
+                <a:endParaRPr lang="it-IT" sz="2000" dirty="0"/>
+              </a:p>
+              <a:p>
+                <a:pPr lvl="1"/>
+                <a:r>
+                  <a:rPr lang="it-IT" sz="2000" dirty="0"/>
+                  <a:t>90cm: </a:t>
+                </a:r>
+                <a:r>
+                  <a:rPr lang="it-IT" sz="2000" dirty="0" smtClean="0"/>
+                  <a:t>190um (</a:t>
+                </a:r>
+                <a:r>
+                  <a:rPr lang="it-IT" sz="2000" b="1" dirty="0" smtClean="0"/>
+                  <a:t>2,1</a:t>
+                </a:r>
+                <a:r>
+                  <a:rPr lang="it-IT" sz="2000" dirty="0" smtClean="0"/>
+                  <a:t>*</a:t>
+                </a:r>
+                <a14:m>
+                  <m:oMath xmlns:m="http://schemas.openxmlformats.org/officeDocument/2006/math">
+                    <m:sSup>
+                      <m:sSupPr>
+                        <m:ctrlPr>
+                          <a:rPr lang="it-IT" sz="2000" b="1" i="1">
+                            <a:latin typeface="Cambria Math" charset="0"/>
+                            <a:ea typeface="Lucida Grande" charset="0"/>
+                            <a:cs typeface="Lucida Grande" charset="0"/>
+                          </a:rPr>
+                        </m:ctrlPr>
+                      </m:sSupPr>
+                      <m:e>
+                        <m:r>
+                          <m:rPr>
+                            <m:nor/>
+                          </m:rPr>
+                          <a:rPr lang="it-IT" sz="2000" b="1">
+                            <a:ea typeface="Lucida Grande" charset="0"/>
+                            <a:cs typeface="Lucida Grande" charset="0"/>
+                          </a:rPr>
+                          <m:t>10</m:t>
+                        </m:r>
+                      </m:e>
+                      <m:sup>
+                        <m:r>
+                          <m:rPr>
+                            <m:nor/>
+                          </m:rPr>
+                          <a:rPr lang="it-IT" sz="2000" b="1">
+                            <a:ea typeface="Lucida Grande" charset="0"/>
+                            <a:cs typeface="Lucida Grande" charset="0"/>
+                          </a:rPr>
+                          <m:t>−4</m:t>
+                        </m:r>
+                      </m:sup>
+                    </m:sSup>
+                  </m:oMath>
+                </a14:m>
+                <a:r>
+                  <a:rPr lang="it-IT" sz="2000" dirty="0" smtClean="0"/>
+                  <a:t>)</a:t>
+                </a:r>
+                <a:endParaRPr lang="it-IT" sz="2000" dirty="0"/>
+              </a:p>
+              <a:p>
+                <a:endParaRPr lang="it-IT" sz="1600" dirty="0"/>
+              </a:p>
+            </p:txBody>
+          </p:sp>
+        </mc:Choice>
+        <mc:Fallback>
+          <p:sp>
+            <p:nvSpPr>
+              <p:cNvPr id="3" name="Segnaposto contenuto 2"/>
+              <p:cNvSpPr>
+                <a:spLocks noGrp="1" noRot="1" noChangeAspect="1" noMove="1" noResize="1" noEditPoints="1" noAdjustHandles="1" noChangeArrowheads="1" noChangeShapeType="1" noTextEdit="1"/>
+              </p:cNvSpPr>
+              <p:nvPr>
+                <p:ph idx="1"/>
+              </p:nvPr>
+            </p:nvSpPr>
+            <p:spPr>
+              <a:xfrm>
+                <a:off x="609600" y="964370"/>
+                <a:ext cx="7772400" cy="3120615"/>
+              </a:xfrm>
+              <a:blipFill rotWithShape="0">
+                <a:blip r:embed="rId2"/>
+                <a:stretch>
+                  <a:fillRect l="-1098" t="-1563" b="-2734"/>
+                </a:stretch>
+              </a:blipFill>
+            </p:spPr>
+            <p:txBody>
+              <a:bodyPr/>
+              <a:lstStyle/>
+              <a:p>
+                <a:r>
+                  <a:rPr lang="it-IT">
+                    <a:noFill/>
+                  </a:rPr>
+                  <a:t> </a:t>
+                </a:r>
+              </a:p>
+            </p:txBody>
+          </p:sp>
+        </mc:Fallback>
+      </mc:AlternateContent>
       <p:sp>
         <p:nvSpPr>
           <p:cNvPr id="4" name="Segnaposto numero diapositiva 3"/>
@@ -10344,7 +10964,12 @@
             <p:ph type="sldNum" sz="quarter" idx="11"/>
           </p:nvPr>
         </p:nvSpPr>
-        <p:spPr/>
+        <p:spPr>
+          <a:xfrm>
+            <a:off x="7239000" y="6613160"/>
+            <a:ext cx="1905000" cy="304800"/>
+          </a:xfrm>
+        </p:spPr>
         <p:txBody>
           <a:bodyPr/>
           <a:lstStyle/>
@@ -10361,36 +10986,6 @@
       <p:pic>
         <p:nvPicPr>
           <p:cNvPr id="5" name="Immagine 4"/>
-          <p:cNvPicPr>
-            <a:picLocks noChangeAspect="1"/>
-          </p:cNvPicPr>
-          <p:nvPr/>
-        </p:nvPicPr>
-        <p:blipFill>
-          <a:blip r:embed="rId2">
-            <a:extLst>
-              <a:ext uri="{28A0092B-C50C-407E-A947-70E740481C1C}">
-                <a14:useLocalDpi xmlns:a14="http://schemas.microsoft.com/office/drawing/2010/main" val="0"/>
-              </a:ext>
-            </a:extLst>
-          </a:blip>
-          <a:stretch>
-            <a:fillRect/>
-          </a:stretch>
-        </p:blipFill>
-        <p:spPr>
-          <a:xfrm>
-            <a:off x="3135706" y="3843895"/>
-            <a:ext cx="3004147" cy="2252105"/>
-          </a:xfrm>
-          <a:prstGeom prst="rect">
-            <a:avLst/>
-          </a:prstGeom>
-        </p:spPr>
-      </p:pic>
-      <p:pic>
-        <p:nvPicPr>
-          <p:cNvPr id="6" name="Immagine 5"/>
           <p:cNvPicPr>
             <a:picLocks noChangeAspect="1"/>
           </p:cNvPicPr>
@@ -10410,7 +11005,7 @@
         </p:blipFill>
         <p:spPr>
           <a:xfrm>
-            <a:off x="131559" y="3843894"/>
+            <a:off x="3135706" y="4158685"/>
             <a:ext cx="3004147" cy="2252105"/>
           </a:xfrm>
           <a:prstGeom prst="rect">
@@ -10420,7 +11015,7 @@
       </p:pic>
       <p:pic>
         <p:nvPicPr>
-          <p:cNvPr id="7" name="Immagine 6"/>
+          <p:cNvPr id="6" name="Immagine 5"/>
           <p:cNvPicPr>
             <a:picLocks noChangeAspect="1"/>
           </p:cNvPicPr>
@@ -10440,7 +11035,37 @@
         </p:blipFill>
         <p:spPr>
           <a:xfrm>
-            <a:off x="6139853" y="3843895"/>
+            <a:off x="131559" y="4158684"/>
+            <a:ext cx="3004147" cy="2252105"/>
+          </a:xfrm>
+          <a:prstGeom prst="rect">
+            <a:avLst/>
+          </a:prstGeom>
+        </p:spPr>
+      </p:pic>
+      <p:pic>
+        <p:nvPicPr>
+          <p:cNvPr id="7" name="Immagine 6"/>
+          <p:cNvPicPr>
+            <a:picLocks noChangeAspect="1"/>
+          </p:cNvPicPr>
+          <p:nvPr/>
+        </p:nvPicPr>
+        <p:blipFill>
+          <a:blip r:embed="rId5">
+            <a:extLst>
+              <a:ext uri="{28A0092B-C50C-407E-A947-70E740481C1C}">
+                <a14:useLocalDpi xmlns:a14="http://schemas.microsoft.com/office/drawing/2010/main" val="0"/>
+              </a:ext>
+            </a:extLst>
+          </a:blip>
+          <a:stretch>
+            <a:fillRect/>
+          </a:stretch>
+        </p:blipFill>
+        <p:spPr>
+          <a:xfrm>
+            <a:off x="6139853" y="4158685"/>
             <a:ext cx="3004147" cy="2252105"/>
           </a:xfrm>
           <a:prstGeom prst="rect">
@@ -10508,8 +11133,8 @@
           </a:p>
         </p:txBody>
       </p:sp>
-      <mc:AlternateContent xmlns:mc="http://schemas.openxmlformats.org/markup-compatibility/2006">
-        <mc:Choice xmlns:a14="http://schemas.microsoft.com/office/drawing/2010/main" Requires="a14">
+      <mc:AlternateContent xmlns:mc="http://schemas.openxmlformats.org/markup-compatibility/2006" xmlns:a14="http://schemas.microsoft.com/office/drawing/2010/main">
+        <mc:Choice Requires="a14">
           <p:sp>
             <p:nvSpPr>
               <p:cNvPr id="3" name="Segnaposto contenuto 2"/>
@@ -10534,20 +11159,12 @@
                   <a:rPr lang="it-IT" sz="2400" dirty="0" smtClean="0"/>
                   <a:t>Range spaziale di misura: </a:t>
                 </a:r>
-                <a:r>
-                  <a:rPr lang="it-IT" sz="2400" dirty="0" smtClean="0"/>
-                  <a:t/>
-                </a:r>
                 <a:br>
                   <a:rPr lang="it-IT" sz="2400" dirty="0" smtClean="0"/>
                 </a:br>
                 <a:r>
                   <a:rPr lang="it-IT" sz="2400" b="1" dirty="0" smtClean="0"/>
-                  <a:t>10 </a:t>
-                </a:r>
-                <a:r>
-                  <a:rPr lang="it-IT" sz="2400" b="1" dirty="0" smtClean="0"/>
-                  <a:t>cm </a:t>
+                  <a:t>10 cm </a:t>
                 </a:r>
                 <a:r>
                   <a:rPr lang="it-IT" sz="2400" b="1" dirty="0"/>
@@ -10555,11 +11172,7 @@
                 </a:r>
                 <a:r>
                   <a:rPr lang="it-IT" sz="2400" b="1" dirty="0" smtClean="0"/>
-                  <a:t>100 </a:t>
-                </a:r>
-                <a:r>
-                  <a:rPr lang="it-IT" sz="2400" b="1" dirty="0" smtClean="0"/>
-                  <a:t>cm</a:t>
+                  <a:t>100 cm</a:t>
                 </a:r>
                 <a:endParaRPr lang="it-IT" sz="2400" dirty="0" smtClean="0"/>
               </a:p>
@@ -10573,12 +11186,6 @@
                     <a:latin typeface="+mj-lt"/>
                   </a:rPr>
                   <a:t>: </a:t>
-                </a:r>
-                <a:r>
-                  <a:rPr lang="it-IT" sz="2200" dirty="0" smtClean="0">
-                    <a:latin typeface="+mj-lt"/>
-                  </a:rPr>
-                  <a:t/>
                 </a:r>
                 <a:br>
                   <a:rPr lang="it-IT" sz="2200" dirty="0" smtClean="0">
@@ -10601,7 +11208,7 @@
                       <m:sSupPr>
                         <m:ctrlPr>
                           <a:rPr lang="it-IT" sz="2200" b="1" i="1">
-                            <a:latin typeface="Cambria Math" panose="02040503050406030204" pitchFamily="18" charset="0"/>
+                            <a:latin typeface="Cambria Math" charset="0"/>
                             <a:ea typeface="Lucida Grande" charset="0"/>
                             <a:cs typeface="Lucida Grande" charset="0"/>
                           </a:rPr>
@@ -10628,17 +11235,7 @@
                             <a:ea typeface="Lucida Grande" charset="0"/>
                             <a:cs typeface="Lucida Grande" charset="0"/>
                           </a:rPr>
-                          <m:t>−</m:t>
-                        </m:r>
-                        <m:r>
-                          <m:rPr>
-                            <m:nor/>
-                          </m:rPr>
-                          <a:rPr lang="it-IT" sz="2200" b="1">
-                            <a:ea typeface="Lucida Grande" charset="0"/>
-                            <a:cs typeface="Lucida Grande" charset="0"/>
-                          </a:rPr>
-                          <m:t>4</m:t>
+                          <m:t>−4</m:t>
                         </m:r>
                       </m:sup>
                     </m:sSup>
@@ -10654,7 +11251,7 @@
                       <m:sSupPr>
                         <m:ctrlPr>
                           <a:rPr lang="it-IT" sz="2200" b="1" i="1">
-                            <a:latin typeface="Cambria Math" panose="02040503050406030204" pitchFamily="18" charset="0"/>
+                            <a:latin typeface="Cambria Math" charset="0"/>
                             <a:ea typeface="Lucida Grande" charset="0"/>
                             <a:cs typeface="Lucida Grande" charset="0"/>
                           </a:rPr>
@@ -10683,18 +11280,7 @@
                             <a:ea typeface="Lucida Grande" charset="0"/>
                             <a:cs typeface="Lucida Grande" charset="0"/>
                           </a:rPr>
-                          <m:t>−</m:t>
-                        </m:r>
-                        <m:r>
-                          <m:rPr>
-                            <m:nor/>
-                          </m:rPr>
-                          <a:rPr lang="it-IT" sz="2200" b="1" i="0">
-                            <a:latin typeface="+mj-lt"/>
-                            <a:ea typeface="Lucida Grande" charset="0"/>
-                            <a:cs typeface="Lucida Grande" charset="0"/>
-                          </a:rPr>
-                          <m:t>4</m:t>
+                          <m:t>−4</m:t>
                         </m:r>
                       </m:sup>
                     </m:sSup>
@@ -10771,17 +11357,12 @@
                   <a:rPr lang="it-IT" sz="2400" dirty="0" smtClean="0"/>
                   <a:t>: </a:t>
                 </a:r>
-                <a:endParaRPr lang="it-IT" sz="2400" dirty="0" smtClean="0"/>
               </a:p>
               <a:p>
                 <a:pPr lvl="1"/>
                 <a:r>
                   <a:rPr lang="it-IT" sz="2000" dirty="0" smtClean="0"/>
-                  <a:t>1 </a:t>
-                </a:r>
-                <a:r>
-                  <a:rPr lang="it-IT" sz="2000" dirty="0" smtClean="0"/>
-                  <a:t>misura valida ogni </a:t>
+                  <a:t>1 misura valida ogni </a:t>
                 </a:r>
                 <a:r>
                   <a:rPr lang="it-IT" sz="2000" b="1" dirty="0" smtClean="0"/>
@@ -10820,13 +11401,7 @@
                   <a:rPr lang="it-IT" sz="2400" dirty="0" smtClean="0">
                     <a:latin typeface="+mj-lt"/>
                   </a:rPr>
-                  <a:t>di </a:t>
-                </a:r>
-                <a:r>
-                  <a:rPr lang="it-IT" sz="2400" dirty="0" smtClean="0">
-                    <a:latin typeface="+mj-lt"/>
-                  </a:rPr>
-                  <a:t>misura:</a:t>
+                  <a:t>di misura:</a:t>
                 </a:r>
               </a:p>
               <a:p>
@@ -10894,7 +11469,7 @@
             </p:txBody>
           </p:sp>
         </mc:Choice>
-        <mc:Fallback>
+        <mc:Fallback xmlns="">
           <p:sp>
             <p:nvSpPr>
               <p:cNvPr id="3" name="Segnaposto contenuto 2"/>
@@ -11005,8 +11580,8 @@
         </p:blipFill>
         <p:spPr bwMode="auto">
           <a:xfrm>
-            <a:off x="5172075" y="1000124"/>
-            <a:ext cx="3971925" cy="3371851"/>
+            <a:off x="5156616" y="1298376"/>
+            <a:ext cx="3627620" cy="3079563"/>
           </a:xfrm>
           <a:prstGeom prst="rect">
             <a:avLst/>
@@ -11095,8 +11670,8 @@
         </p:nvSpPr>
         <p:spPr>
           <a:xfrm>
-            <a:off x="685800" y="1142999"/>
-            <a:ext cx="7086600" cy="5229225"/>
+            <a:off x="685800" y="1042987"/>
+            <a:ext cx="7086600" cy="5510213"/>
           </a:xfrm>
         </p:spPr>
         <p:txBody>
@@ -11167,7 +11742,7 @@
                   </a:schemeClr>
                 </a:solidFill>
               </a:rPr>
-              <a:t>Parte analogica</a:t>
+              <a:t>Sistema analogico</a:t>
             </a:r>
           </a:p>
           <a:p>
@@ -11181,7 +11756,7 @@
                   </a:schemeClr>
                 </a:solidFill>
               </a:rPr>
-              <a:t>Parte digitale</a:t>
+              <a:t>Sistema di conversione</a:t>
             </a:r>
           </a:p>
           <a:p>
@@ -11195,7 +11770,7 @@
                   </a:schemeClr>
                 </a:solidFill>
               </a:rPr>
-              <a:t>Parte di conversione</a:t>
+              <a:t>Sistema digitale</a:t>
             </a:r>
           </a:p>
           <a:p>
@@ -11240,8 +11815,9 @@
             </a:r>
           </a:p>
           <a:p>
-            <a:r>
-              <a:rPr lang="it-IT" sz="2400" dirty="0">
+            <a:pPr lvl="1"/>
+            <a:r>
+              <a:rPr lang="it-IT" sz="2000" dirty="0">
                 <a:solidFill>
                   <a:schemeClr val="bg2">
                     <a:lumMod val="40000"/>
@@ -11249,6 +11825,33 @@
                   </a:schemeClr>
                 </a:solidFill>
               </a:rPr>
+              <a:t>Dettagli implementativi</a:t>
+            </a:r>
+          </a:p>
+          <a:p>
+            <a:pPr lvl="1"/>
+            <a:r>
+              <a:rPr lang="it-IT" sz="2000" dirty="0">
+                <a:solidFill>
+                  <a:schemeClr val="bg2">
+                    <a:lumMod val="40000"/>
+                    <a:lumOff val="60000"/>
+                  </a:schemeClr>
+                </a:solidFill>
+              </a:rPr>
+              <a:t>Ottimizzazioni</a:t>
+            </a:r>
+          </a:p>
+          <a:p>
+            <a:r>
+              <a:rPr lang="it-IT" sz="2400" dirty="0">
+                <a:solidFill>
+                  <a:schemeClr val="bg2">
+                    <a:lumMod val="40000"/>
+                    <a:lumOff val="60000"/>
+                  </a:schemeClr>
+                </a:solidFill>
+              </a:rPr>
               <a:t>Risultati sperimentali</a:t>
             </a:r>
           </a:p>
@@ -11257,6 +11860,7 @@
               <a:rPr lang="it-IT" sz="2400" dirty="0"/>
               <a:t>Conclusioni e sviluppi futuri</a:t>
             </a:r>
+            <a:endParaRPr lang="it-IT" sz="2400" dirty="0"/>
           </a:p>
         </p:txBody>
       </p:sp>
@@ -11366,67 +11970,42 @@
           <a:p>
             <a:r>
               <a:rPr lang="it-IT" sz="2400" dirty="0" smtClean="0"/>
-              <a:t>I risultati ottenuti hanno portato alla realizzazione di uno strumento di misura con buone prestazioni e a basso </a:t>
-            </a:r>
+              <a:t>I risultati ottenuti hanno portato alla realizzazione di uno strumento di misura con buone prestazioni e a basso costo</a:t>
+            </a:r>
+          </a:p>
+          <a:p>
             <a:r>
               <a:rPr lang="it-IT" sz="2400" dirty="0" smtClean="0"/>
-              <a:t>costo</a:t>
-            </a:r>
-            <a:endParaRPr lang="it-IT" sz="2400" dirty="0" smtClean="0"/>
-          </a:p>
-          <a:p>
-            <a:r>
-              <a:rPr lang="it-IT" sz="2400" dirty="0" smtClean="0"/>
-              <a:t> Lo strumento </a:t>
-            </a:r>
-            <a:r>
-              <a:rPr lang="it-IT" sz="2400" dirty="0" smtClean="0"/>
-              <a:t>mostra</a:t>
+              <a:t> Lo strumento mostra</a:t>
             </a:r>
             <a:br>
               <a:rPr lang="it-IT" sz="2400" dirty="0" smtClean="0"/>
             </a:br>
             <a:r>
               <a:rPr lang="it-IT" sz="2400" dirty="0" smtClean="0"/>
-              <a:t> </a:t>
-            </a:r>
-            <a:r>
-              <a:rPr lang="it-IT" sz="2400" dirty="0" smtClean="0"/>
-              <a:t>ancora alcuni limiti:</a:t>
+              <a:t> ancora alcuni limiti:</a:t>
             </a:r>
           </a:p>
           <a:p>
             <a:pPr lvl="1"/>
             <a:r>
               <a:rPr lang="it-IT" sz="2000" dirty="0" smtClean="0"/>
-              <a:t>Frequenza di misura </a:t>
-            </a:r>
-            <a:r>
-              <a:rPr lang="it-IT" sz="2000" dirty="0" smtClean="0"/>
-              <a:t>reale</a:t>
+              <a:t>Frequenza di misura reale</a:t>
             </a:r>
             <a:br>
               <a:rPr lang="it-IT" sz="2000" dirty="0" smtClean="0"/>
             </a:br>
             <a:r>
               <a:rPr lang="it-IT" sz="2000" dirty="0" smtClean="0"/>
-              <a:t>inferiore </a:t>
-            </a:r>
+              <a:t>inferiore a quella teorica</a:t>
+            </a:r>
+            <a:endParaRPr lang="it-IT" sz="2000" dirty="0"/>
+          </a:p>
+          <a:p>
+            <a:pPr lvl="1"/>
             <a:r>
               <a:rPr lang="it-IT" sz="2000" dirty="0" smtClean="0"/>
-              <a:t>a quella teorica</a:t>
-            </a:r>
-            <a:endParaRPr lang="it-IT" sz="2000" dirty="0"/>
-          </a:p>
-          <a:p>
-            <a:pPr lvl="1"/>
-            <a:r>
-              <a:rPr lang="it-IT" sz="2000" dirty="0" smtClean="0"/>
-              <a:t>Deriva </a:t>
-            </a:r>
-            <a:r>
-              <a:rPr lang="it-IT" sz="2000" dirty="0" smtClean="0"/>
-              <a:t>termica</a:t>
+              <a:t>Deriva termica</a:t>
             </a:r>
             <a:endParaRPr lang="it-IT" sz="2400" dirty="0" smtClean="0"/>
           </a:p>
@@ -11441,21 +12020,13 @@
             <a:r>
               <a:rPr lang="it-IT" sz="2000" dirty="0" smtClean="0"/>
               <a:t>Scheda di prototipazione </a:t>
-            </a:r>
-            <a:r>
-              <a:rPr lang="it-IT" sz="2000" dirty="0" smtClean="0"/>
-              <a:t/>
             </a:r>
             <a:br>
               <a:rPr lang="it-IT" sz="2000" dirty="0" smtClean="0"/>
             </a:br>
             <a:r>
               <a:rPr lang="it-IT" sz="2000" dirty="0" smtClean="0"/>
-              <a:t>più </a:t>
-            </a:r>
-            <a:r>
-              <a:rPr lang="it-IT" sz="2000" dirty="0" smtClean="0"/>
-              <a:t>performante</a:t>
+              <a:t>più performante</a:t>
             </a:r>
           </a:p>
           <a:p>
@@ -11533,8 +12104,8 @@
         </p:blipFill>
         <p:spPr bwMode="auto">
           <a:xfrm>
-            <a:off x="4495800" y="2149125"/>
-            <a:ext cx="4168640" cy="2783650"/>
+            <a:off x="4901784" y="2523879"/>
+            <a:ext cx="3806939" cy="2542120"/>
           </a:xfrm>
           <a:prstGeom prst="rect">
             <a:avLst/>
@@ -11551,6 +12122,52 @@
           </a:extLst>
         </p:spPr>
       </p:pic>
+      <p:sp>
+        <p:nvSpPr>
+          <p:cNvPr id="6" name="Ovale 5"/>
+          <p:cNvSpPr/>
+          <p:nvPr/>
+        </p:nvSpPr>
+        <p:spPr>
+          <a:xfrm>
+            <a:off x="5846163" y="4212237"/>
+            <a:ext cx="824178" cy="823782"/>
+          </a:xfrm>
+          <a:prstGeom prst="ellipse">
+            <a:avLst/>
+          </a:prstGeom>
+          <a:noFill/>
+          <a:ln>
+            <a:solidFill>
+              <a:schemeClr val="accent2"/>
+            </a:solidFill>
+          </a:ln>
+        </p:spPr>
+        <p:style>
+          <a:lnRef idx="2">
+            <a:schemeClr val="accent3">
+              <a:shade val="50000"/>
+            </a:schemeClr>
+          </a:lnRef>
+          <a:fillRef idx="1">
+            <a:schemeClr val="accent3"/>
+          </a:fillRef>
+          <a:effectRef idx="0">
+            <a:schemeClr val="accent3"/>
+          </a:effectRef>
+          <a:fontRef idx="minor">
+            <a:schemeClr val="lt1"/>
+          </a:fontRef>
+        </p:style>
+        <p:txBody>
+          <a:bodyPr rtlCol="0" anchor="ctr"/>
+          <a:lstStyle/>
+          <a:p>
+            <a:pPr algn="ctr"/>
+            <a:endParaRPr lang="it-IT"/>
+          </a:p>
+        </p:txBody>
+      </p:sp>
     </p:spTree>
     <p:extLst>
       <p:ext uri="{BB962C8B-B14F-4D97-AF65-F5344CB8AC3E}">
@@ -11624,7 +12241,7 @@
         </p:nvSpPr>
         <p:spPr>
           <a:xfrm>
-            <a:off x="371475" y="3914776"/>
+            <a:off x="761219" y="4514383"/>
             <a:ext cx="7158038" cy="985837"/>
           </a:xfrm>
         </p:spPr>
@@ -11715,8 +12332,8 @@
         </p:nvSpPr>
         <p:spPr>
           <a:xfrm>
-            <a:off x="609600" y="1050130"/>
-            <a:ext cx="8134350" cy="871539"/>
+            <a:off x="609599" y="980605"/>
+            <a:ext cx="8162926" cy="1200619"/>
           </a:xfrm>
         </p:spPr>
         <p:txBody>
@@ -11724,24 +12341,24 @@
           <a:lstStyle/>
           <a:p>
             <a:r>
-              <a:rPr lang="it-IT" sz="2400" dirty="0" smtClean="0"/>
-              <a:t>Tecnica </a:t>
-            </a:r>
-            <a:r>
               <a:rPr lang="it-IT" sz="2400" dirty="0"/>
-              <a:t>che si basa sulla </a:t>
+              <a:t>Tecnica che si basa sulla </a:t>
             </a:r>
             <a:r>
               <a:rPr lang="it-IT" sz="2400" b="1" dirty="0"/>
-              <a:t>sovrapposizione di due fasci ottici </a:t>
+              <a:t>sovrapposizione di due fasci ottici</a:t>
             </a:r>
             <a:r>
               <a:rPr lang="it-IT" sz="2400" dirty="0"/>
-              <a:t>emessi dalla </a:t>
-            </a:r>
-            <a:r>
-              <a:rPr lang="it-IT" sz="2400" dirty="0" smtClean="0"/>
-              <a:t>stessa sorgente laser</a:t>
+              <a:t>, che percorrono cammini differenti,</a:t>
+            </a:r>
+            <a:r>
+              <a:rPr lang="it-IT" sz="2400" b="1" dirty="0"/>
+              <a:t> </a:t>
+            </a:r>
+            <a:r>
+              <a:rPr lang="it-IT" sz="2400" dirty="0"/>
+              <a:t>emessi dalla stessa sorgente laser </a:t>
             </a:r>
             <a:endParaRPr lang="it-IT" sz="2400" dirty="0"/>
           </a:p>
@@ -11793,8 +12410,8 @@
         </p:blipFill>
         <p:spPr>
           <a:xfrm>
-            <a:off x="609599" y="2181224"/>
-            <a:ext cx="4219575" cy="2853034"/>
+            <a:off x="609599" y="2377034"/>
+            <a:ext cx="4262439" cy="2882016"/>
           </a:xfrm>
           <a:prstGeom prst="rect">
             <a:avLst/>
@@ -11811,8 +12428,8 @@
         </p:nvSpPr>
         <p:spPr bwMode="auto">
           <a:xfrm>
-            <a:off x="4829174" y="1921669"/>
-            <a:ext cx="4229482" cy="3654362"/>
+            <a:off x="4929190" y="2227331"/>
+            <a:ext cx="4114800" cy="3300413"/>
           </a:xfrm>
           <a:prstGeom prst="rect">
             <a:avLst/>
@@ -12025,24 +12642,15 @@
               <a:spcAft>
                 <a:spcPts val="0"/>
               </a:spcAft>
-              <a:buFont typeface="Arial" panose="020B0604020202020204" pitchFamily="34" charset="0"/>
-              <a:buChar char="•"/>
             </a:pPr>
             <a:r>
-              <a:rPr lang="it-IT" sz="2400" dirty="0">
-                <a:solidFill>
-                  <a:srgbClr val="000000"/>
-                </a:solidFill>
-                <a:latin typeface="Merriweather Sans"/>
-              </a:rPr>
-              <a:t>E’ formato da:</a:t>
-            </a:r>
-            <a:endParaRPr lang="it-IT" sz="2400" dirty="0">
-              <a:solidFill>
-                <a:srgbClr val="003366"/>
-              </a:solidFill>
-              <a:latin typeface="Times New Roman" panose="02020603050405020304" pitchFamily="18" charset="0"/>
-            </a:endParaRPr>
+              <a:rPr lang="it-IT" sz="2400" dirty="0" smtClean="0"/>
+              <a:t>E</a:t>
+            </a:r>
+            <a:r>
+              <a:rPr lang="it-IT" sz="2400" dirty="0"/>
+              <a:t>’ formato da:</a:t>
+            </a:r>
           </a:p>
           <a:p>
             <a:pPr lvl="1">
@@ -12056,12 +12664,7 @@
               <a:buChar char="•"/>
             </a:pPr>
             <a:r>
-              <a:rPr lang="it-IT" sz="2000" dirty="0">
-                <a:solidFill>
-                  <a:srgbClr val="000000"/>
-                </a:solidFill>
-                <a:latin typeface="Merriweather Sans"/>
-              </a:rPr>
+              <a:rPr lang="it-IT" sz="2000" dirty="0"/>
               <a:t>Laser</a:t>
             </a:r>
           </a:p>
@@ -12077,12 +12680,7 @@
               <a:buChar char="•"/>
             </a:pPr>
             <a:r>
-              <a:rPr lang="it-IT" sz="2000" dirty="0">
-                <a:solidFill>
-                  <a:srgbClr val="000000"/>
-                </a:solidFill>
-                <a:latin typeface="Merriweather Sans"/>
-              </a:rPr>
+              <a:rPr lang="it-IT" sz="2000" dirty="0"/>
               <a:t>Divisore di fascio</a:t>
             </a:r>
           </a:p>
@@ -12098,12 +12696,7 @@
               <a:buChar char="•"/>
             </a:pPr>
             <a:r>
-              <a:rPr lang="it-IT" sz="2000" dirty="0">
-                <a:solidFill>
-                  <a:srgbClr val="000000"/>
-                </a:solidFill>
-                <a:latin typeface="Merriweather Sans"/>
-              </a:rPr>
+              <a:rPr lang="it-IT" sz="2000" dirty="0"/>
               <a:t>Due specchi</a:t>
             </a:r>
           </a:p>
@@ -12119,32 +12712,26 @@
               <a:buChar char="•"/>
             </a:pPr>
             <a:r>
-              <a:rPr lang="it-IT" sz="2000" dirty="0" smtClean="0">
-                <a:solidFill>
-                  <a:srgbClr val="000000"/>
-                </a:solidFill>
-                <a:latin typeface="Merriweather Sans"/>
-              </a:rPr>
+              <a:rPr lang="it-IT" sz="2000" dirty="0"/>
               <a:t>Fotodiodo</a:t>
             </a:r>
-            <a:endParaRPr lang="it-IT" sz="1800" dirty="0" smtClean="0"/>
-          </a:p>
-          <a:p>
+          </a:p>
+          <a:p>
+            <a:r>
+              <a:rPr lang="it-IT" sz="2400" dirty="0"/>
+              <a:t>Il </a:t>
+            </a:r>
+            <a:r>
+              <a:rPr lang="it-IT" sz="2400" i="1" dirty="0"/>
+              <a:t>fotodiodo</a:t>
+            </a:r>
+            <a:r>
+              <a:rPr lang="it-IT" sz="2400" dirty="0"/>
+              <a:t> genera una corrente contenente l’informazione sulla distanza del </a:t>
+            </a:r>
             <a:r>
               <a:rPr lang="it-IT" sz="2400" dirty="0" smtClean="0"/>
-              <a:t>Il </a:t>
-            </a:r>
-            <a:r>
-              <a:rPr lang="it-IT" sz="2400" i="1" dirty="0" smtClean="0"/>
-              <a:t>fotodiodo</a:t>
-            </a:r>
-            <a:r>
-              <a:rPr lang="it-IT" sz="2400" dirty="0" smtClean="0"/>
-              <a:t> genera una corrente contenente l’informazione </a:t>
-            </a:r>
-            <a:r>
-              <a:rPr lang="it-IT" sz="2400" dirty="0"/>
-              <a:t>sullo spostamento del bersaglio</a:t>
+              <a:t>bersaglio</a:t>
             </a:r>
             <a:endParaRPr lang="it-IT" sz="2400" kern="0" dirty="0"/>
           </a:p>
@@ -12160,8 +12747,8 @@
         </p:nvSpPr>
         <p:spPr bwMode="auto">
           <a:xfrm>
-            <a:off x="609600" y="5314339"/>
-            <a:ext cx="8134350" cy="871539"/>
+            <a:off x="609599" y="5547455"/>
+            <a:ext cx="8334375" cy="871539"/>
           </a:xfrm>
           <a:prstGeom prst="rect">
             <a:avLst/>
@@ -12368,45 +12955,40 @@
           </a:lstStyle>
           <a:p>
             <a:r>
-              <a:rPr lang="it-IT" sz="2400" i="1" kern="0" dirty="0" smtClean="0"/>
+              <a:rPr lang="it-IT" sz="2200" i="1" kern="0" dirty="0" smtClean="0"/>
               <a:t>Pro</a:t>
             </a:r>
             <a:r>
-              <a:rPr lang="it-IT" sz="2400" kern="0" dirty="0" smtClean="0"/>
+              <a:rPr lang="it-IT" sz="2200" kern="0" dirty="0" smtClean="0"/>
               <a:t>: </a:t>
             </a:r>
             <a:r>
-              <a:rPr lang="it-IT" sz="2400" b="1" kern="0" dirty="0" smtClean="0"/>
+              <a:rPr lang="it-IT" sz="2200" b="1" kern="0" dirty="0" smtClean="0"/>
               <a:t>Semplicità</a:t>
             </a:r>
             <a:r>
-              <a:rPr lang="it-IT" sz="2400" kern="0" dirty="0" smtClean="0"/>
-              <a:t> di </a:t>
-            </a:r>
-            <a:r>
-              <a:rPr lang="it-IT" sz="2400" kern="0" dirty="0" smtClean="0"/>
-              <a:t>realizzazione rispetto ad altre tecniche</a:t>
-            </a:r>
-            <a:endParaRPr lang="it-IT" sz="2400" kern="0" dirty="0" smtClean="0"/>
-          </a:p>
-          <a:p>
-            <a:r>
-              <a:rPr lang="it-IT" sz="2400" i="1" kern="0" dirty="0" smtClean="0"/>
+              <a:rPr lang="it-IT" sz="2200" kern="0" dirty="0" smtClean="0"/>
+              <a:t> di realizzazione rispetto ad altre tecniche</a:t>
+            </a:r>
+          </a:p>
+          <a:p>
+            <a:r>
+              <a:rPr lang="it-IT" sz="2200" i="1" kern="0" dirty="0" smtClean="0"/>
               <a:t>Contro</a:t>
             </a:r>
             <a:r>
-              <a:rPr lang="it-IT" sz="2400" kern="0" dirty="0" smtClean="0"/>
+              <a:rPr lang="it-IT" sz="2200" kern="0" dirty="0" smtClean="0"/>
               <a:t>: </a:t>
             </a:r>
             <a:r>
-              <a:rPr lang="it-IT" sz="2400" b="1" kern="0" dirty="0" smtClean="0"/>
+              <a:rPr lang="it-IT" sz="2200" b="1" kern="0" dirty="0" smtClean="0"/>
               <a:t>Invasività </a:t>
             </a:r>
             <a:r>
-              <a:rPr lang="it-IT" sz="2400" kern="0" dirty="0" smtClean="0"/>
+              <a:rPr lang="it-IT" sz="2200" kern="0" dirty="0" smtClean="0"/>
               <a:t>della misura</a:t>
             </a:r>
-            <a:endParaRPr lang="it-IT" sz="2400" b="1" kern="0" dirty="0"/>
+            <a:endParaRPr lang="it-IT" sz="2200" b="1" kern="0" dirty="0"/>
           </a:p>
         </p:txBody>
       </p:sp>
@@ -12515,7 +13097,7 @@
         </p:blipFill>
         <p:spPr>
           <a:xfrm>
-            <a:off x="1393890" y="3337517"/>
+            <a:off x="2015397" y="3719054"/>
             <a:ext cx="5594219" cy="1821120"/>
           </a:xfrm>
           <a:prstGeom prst="rect">
@@ -12535,155 +13117,73 @@
         </p:nvSpPr>
         <p:spPr>
           <a:xfrm>
-            <a:off x="609600" y="1050131"/>
-            <a:ext cx="8405814" cy="2093120"/>
+            <a:off x="609600" y="969559"/>
+            <a:ext cx="8405814" cy="2678909"/>
           </a:xfrm>
         </p:spPr>
         <p:txBody>
           <a:bodyPr/>
           <a:lstStyle/>
           <a:p>
-            <a:pPr>
-              <a:spcBef>
-                <a:spcPts val="0"/>
-              </a:spcBef>
-              <a:spcAft>
-                <a:spcPts val="0"/>
-              </a:spcAft>
-              <a:buFont typeface="Arial" panose="020B0604020202020204" pitchFamily="34" charset="0"/>
-              <a:buChar char="•"/>
-            </a:pPr>
-            <a:r>
-              <a:rPr lang="it-IT" sz="2400" dirty="0">
-                <a:solidFill>
-                  <a:srgbClr val="000000"/>
-                </a:solidFill>
-                <a:latin typeface="Merriweather Sans"/>
-              </a:rPr>
-              <a:t>L’architettura è composta da:</a:t>
-            </a:r>
-            <a:endParaRPr lang="it-IT" sz="2400" dirty="0">
-              <a:solidFill>
-                <a:srgbClr val="003366"/>
-              </a:solidFill>
-              <a:latin typeface="Times New Roman" panose="02020603050405020304" pitchFamily="18" charset="0"/>
-            </a:endParaRPr>
-          </a:p>
-          <a:p>
-            <a:pPr lvl="1">
-              <a:spcBef>
-                <a:spcPts val="0"/>
-              </a:spcBef>
-              <a:spcAft>
-                <a:spcPts val="0"/>
-              </a:spcAft>
-              <a:buFont typeface="Arial" panose="020B0604020202020204" pitchFamily="34" charset="0"/>
-              <a:buChar char="•"/>
-            </a:pPr>
-            <a:r>
-              <a:rPr lang="it-IT" sz="2000" dirty="0">
-                <a:solidFill>
-                  <a:srgbClr val="000000"/>
-                </a:solidFill>
-                <a:latin typeface="Merriweather Sans"/>
-              </a:rPr>
+            <a:r>
+              <a:rPr lang="it-IT" sz="2400" dirty="0"/>
+              <a:t>L’architettura è composta da</a:t>
+            </a:r>
+            <a:r>
+              <a:rPr lang="it-IT" sz="2400" dirty="0"/>
+              <a:t>:</a:t>
+            </a:r>
+          </a:p>
+          <a:p>
+            <a:pPr lvl="1"/>
+            <a:r>
+              <a:rPr lang="it-IT" sz="2000" dirty="0"/>
               <a:t>un </a:t>
             </a:r>
             <a:r>
-              <a:rPr lang="it-IT" sz="2000" b="1" dirty="0">
-                <a:solidFill>
-                  <a:srgbClr val="000000"/>
-                </a:solidFill>
-                <a:latin typeface="Merriweather Sans"/>
-              </a:rPr>
+              <a:rPr lang="it-IT" sz="2000" b="1" dirty="0" smtClean="0"/>
               <a:t>fotodiodo</a:t>
             </a:r>
-            <a:r>
-              <a:rPr lang="it-IT" sz="2000" dirty="0">
-                <a:solidFill>
-                  <a:srgbClr val="000000"/>
-                </a:solidFill>
-                <a:latin typeface="Merriweather Sans"/>
-              </a:rPr>
-              <a:t> </a:t>
-            </a:r>
-            <a:endParaRPr lang="it-IT" sz="2000" dirty="0">
-              <a:solidFill>
-                <a:srgbClr val="003366"/>
-              </a:solidFill>
-              <a:latin typeface="Times New Roman" panose="02020603050405020304" pitchFamily="18" charset="0"/>
-            </a:endParaRPr>
-          </a:p>
-          <a:p>
-            <a:pPr lvl="1">
-              <a:spcBef>
-                <a:spcPts val="0"/>
-              </a:spcBef>
-              <a:spcAft>
-                <a:spcPts val="0"/>
-              </a:spcAft>
-              <a:buFont typeface="Arial" panose="020B0604020202020204" pitchFamily="34" charset="0"/>
-              <a:buChar char="•"/>
-            </a:pPr>
-            <a:r>
-              <a:rPr lang="it-IT" sz="2000" dirty="0">
-                <a:solidFill>
-                  <a:srgbClr val="000000"/>
-                </a:solidFill>
-                <a:latin typeface="Merriweather Sans"/>
-              </a:rPr>
+          </a:p>
+          <a:p>
+            <a:pPr lvl="1"/>
+            <a:r>
+              <a:rPr lang="it-IT" sz="2000" dirty="0"/>
               <a:t>una sorgente </a:t>
             </a:r>
             <a:r>
-              <a:rPr lang="it-IT" sz="2000" b="1" dirty="0">
-                <a:solidFill>
-                  <a:srgbClr val="000000"/>
-                </a:solidFill>
-                <a:latin typeface="Merriweather Sans"/>
-              </a:rPr>
+              <a:rPr lang="it-IT" sz="2000" b="1" dirty="0" smtClean="0"/>
               <a:t>laser</a:t>
             </a:r>
-            <a:r>
-              <a:rPr lang="it-IT" sz="2000" dirty="0">
-                <a:solidFill>
-                  <a:srgbClr val="000000"/>
-                </a:solidFill>
-                <a:latin typeface="Merriweather Sans"/>
-              </a:rPr>
-              <a:t> </a:t>
-            </a:r>
-            <a:endParaRPr lang="it-IT" sz="2000" dirty="0">
-              <a:solidFill>
-                <a:srgbClr val="003366"/>
-              </a:solidFill>
-              <a:latin typeface="Times New Roman" panose="02020603050405020304" pitchFamily="18" charset="0"/>
-            </a:endParaRPr>
           </a:p>
           <a:p>
             <a:pPr lvl="1"/>
             <a:r>
-              <a:rPr lang="it-IT" sz="2000" dirty="0">
-                <a:solidFill>
-                  <a:srgbClr val="000000"/>
-                </a:solidFill>
-                <a:latin typeface="Merriweather Sans"/>
-              </a:rPr>
+              <a:rPr lang="it-IT" sz="2000" dirty="0"/>
               <a:t>una </a:t>
             </a:r>
             <a:r>
-              <a:rPr lang="it-IT" sz="2000" b="1" dirty="0" smtClean="0">
-                <a:solidFill>
-                  <a:srgbClr val="000000"/>
-                </a:solidFill>
-                <a:latin typeface="Merriweather Sans"/>
-              </a:rPr>
+              <a:rPr lang="it-IT" sz="2000" b="1" dirty="0"/>
               <a:t>lente</a:t>
             </a:r>
+            <a:endParaRPr lang="it-IT" sz="2000" dirty="0" smtClean="0"/>
           </a:p>
           <a:p>
             <a:r>
               <a:rPr lang="it-IT" sz="2400" dirty="0" smtClean="0"/>
-              <a:t>Il fascio laser emesso è riflesso dal bersaglio e rientra nella cavità causando un fenomeno di </a:t>
+              <a:t>Il </a:t>
+            </a:r>
+            <a:r>
+              <a:rPr lang="it-IT" sz="2400" dirty="0" smtClean="0"/>
+              <a:t>fascio laser </a:t>
+            </a:r>
+            <a:r>
+              <a:rPr lang="it-IT" sz="2400" dirty="0" smtClean="0"/>
+              <a:t>emesso è </a:t>
+            </a:r>
+            <a:r>
+              <a:rPr lang="it-IT" sz="2400" dirty="0" smtClean="0"/>
+              <a:t>riflesso dal bersaglio e rientra nella cavità causando un fenomeno di </a:t>
             </a:r>
             <a:r>
               <a:rPr lang="it-IT" sz="2400" b="1" dirty="0" smtClean="0"/>
@@ -12708,7 +13208,7 @@
         </p:nvSpPr>
         <p:spPr bwMode="auto">
           <a:xfrm>
-            <a:off x="609600" y="5352904"/>
+            <a:off x="609600" y="5540174"/>
             <a:ext cx="8405814" cy="952503"/>
           </a:xfrm>
           <a:prstGeom prst="rect">
@@ -12927,7 +13427,6 @@
               <a:rPr lang="it-IT" sz="2400" dirty="0" smtClean="0"/>
               <a:t>convenzionale </a:t>
             </a:r>
-            <a:endParaRPr lang="it-IT" sz="2400" dirty="0" smtClean="0"/>
           </a:p>
           <a:p>
             <a:pPr marL="0" indent="0">
@@ -12935,11 +13434,7 @@
             </a:pPr>
             <a:r>
               <a:rPr lang="it-IT" sz="2400" dirty="0" smtClean="0"/>
-              <a:t>    ⇒ </a:t>
-            </a:r>
-            <a:r>
-              <a:rPr lang="it-IT" sz="2400" dirty="0" smtClean="0"/>
-              <a:t>non richiede un bersaglio cooperativo</a:t>
+              <a:t>    ⇒ non richiede un bersaglio cooperativo</a:t>
             </a:r>
             <a:endParaRPr lang="it-IT" sz="2400" dirty="0"/>
           </a:p>
@@ -13208,7 +13703,7 @@
                         <m:fPr>
                           <m:ctrlPr>
                             <a:rPr lang="it-IT" i="1" smtClean="0">
-                              <a:latin typeface="Cambria Math" panose="02040503050406030204" pitchFamily="18" charset="0"/>
+                              <a:latin typeface="Cambria Math" charset="0"/>
                               <a:ea typeface="Cambria Math" charset="0"/>
                               <a:cs typeface="Cambria Math" charset="0"/>
                             </a:rPr>
@@ -13219,7 +13714,7 @@
                             <m:sSubPr>
                               <m:ctrlPr>
                                 <a:rPr lang="it-IT" i="1" smtClean="0">
-                                  <a:latin typeface="Cambria Math" panose="02040503050406030204" pitchFamily="18" charset="0"/>
+                                  <a:latin typeface="Cambria Math" charset="0"/>
                                   <a:ea typeface="Cambria Math" charset="0"/>
                                   <a:cs typeface="Cambria Math" charset="0"/>
                                 </a:rPr>
@@ -13258,7 +13753,7 @@
                             <m:sSubPr>
                               <m:ctrlPr>
                                 <a:rPr lang="it-IT" b="0" i="1" smtClean="0">
-                                  <a:latin typeface="Cambria Math" panose="02040503050406030204" pitchFamily="18" charset="0"/>
+                                  <a:latin typeface="Cambria Math" charset="0"/>
                                   <a:ea typeface="Cambria Math" charset="0"/>
                                   <a:cs typeface="Cambria Math" charset="0"/>
                                 </a:rPr>
@@ -13677,139 +14172,6 @@
       </p:sp>
       <p:sp>
         <p:nvSpPr>
-          <p:cNvPr id="3" name="Segnaposto contenuto 2"/>
-          <p:cNvSpPr>
-            <a:spLocks noGrp="1"/>
-          </p:cNvSpPr>
-          <p:nvPr>
-            <p:ph idx="1"/>
-          </p:nvPr>
-        </p:nvSpPr>
-        <p:spPr>
-          <a:xfrm>
-            <a:off x="609600" y="1021556"/>
-            <a:ext cx="7815263" cy="5272088"/>
-          </a:xfrm>
-        </p:spPr>
-        <p:txBody>
-          <a:bodyPr/>
-          <a:lstStyle/>
-          <a:p>
-            <a:r>
-              <a:rPr lang="it-IT" sz="2400" dirty="0">
-                <a:solidFill>
-                  <a:schemeClr val="bg2"/>
-                </a:solidFill>
-              </a:rPr>
-              <a:t>Interferometria</a:t>
-            </a:r>
-          </a:p>
-          <a:p>
-            <a:pPr lvl="1"/>
-            <a:r>
-              <a:rPr lang="it-IT" sz="2000" dirty="0">
-                <a:solidFill>
-                  <a:schemeClr val="bg2"/>
-                </a:solidFill>
-              </a:rPr>
-              <a:t>Interferometria a self-mixing</a:t>
-            </a:r>
-          </a:p>
-          <a:p>
-            <a:pPr lvl="1"/>
-            <a:r>
-              <a:rPr lang="it-IT" sz="2000" dirty="0">
-                <a:solidFill>
-                  <a:schemeClr val="bg2"/>
-                </a:solidFill>
-              </a:rPr>
-              <a:t>Misura della distanza</a:t>
-            </a:r>
-          </a:p>
-          <a:p>
-            <a:r>
-              <a:rPr lang="it-IT" sz="2400" dirty="0"/>
-              <a:t>Architettura hardware</a:t>
-            </a:r>
-          </a:p>
-          <a:p>
-            <a:pPr lvl="1"/>
-            <a:r>
-              <a:rPr lang="it-IT" sz="2000" dirty="0" smtClean="0"/>
-              <a:t>Sistema analogico</a:t>
-            </a:r>
-            <a:endParaRPr lang="it-IT" sz="2000" dirty="0"/>
-          </a:p>
-          <a:p>
-            <a:pPr lvl="1"/>
-            <a:r>
-              <a:rPr lang="it-IT" sz="2000" dirty="0" smtClean="0"/>
-              <a:t>Sistema digitale</a:t>
-            </a:r>
-            <a:endParaRPr lang="it-IT" sz="2000" dirty="0"/>
-          </a:p>
-          <a:p>
-            <a:pPr lvl="1"/>
-            <a:r>
-              <a:rPr lang="it-IT" sz="2000" dirty="0" smtClean="0"/>
-              <a:t>Sistema </a:t>
-            </a:r>
-            <a:r>
-              <a:rPr lang="it-IT" sz="2000" dirty="0"/>
-              <a:t>di conversione</a:t>
-            </a:r>
-          </a:p>
-          <a:p>
-            <a:r>
-              <a:rPr lang="it-IT" sz="2400" dirty="0"/>
-              <a:t>Architettura software</a:t>
-            </a:r>
-          </a:p>
-          <a:p>
-            <a:pPr lvl="1"/>
-            <a:r>
-              <a:rPr lang="it-IT" sz="2000" dirty="0"/>
-              <a:t>FPGA</a:t>
-            </a:r>
-          </a:p>
-          <a:p>
-            <a:pPr lvl="1"/>
-            <a:r>
-              <a:rPr lang="it-IT" sz="2000" dirty="0" smtClean="0"/>
-              <a:t>Microcontrollore</a:t>
-            </a:r>
-          </a:p>
-          <a:p>
-            <a:pPr lvl="1"/>
-            <a:r>
-              <a:rPr lang="it-IT" sz="2000" dirty="0" smtClean="0"/>
-              <a:t>Dettagli implementativi</a:t>
-            </a:r>
-          </a:p>
-          <a:p>
-            <a:pPr lvl="1"/>
-            <a:r>
-              <a:rPr lang="it-IT" sz="2000" dirty="0" smtClean="0"/>
-              <a:t>Ottimizzazioni</a:t>
-            </a:r>
-            <a:endParaRPr lang="it-IT" sz="2000" dirty="0"/>
-          </a:p>
-          <a:p>
-            <a:r>
-              <a:rPr lang="it-IT" sz="2400" dirty="0"/>
-              <a:t>Risultati sperimentali</a:t>
-            </a:r>
-          </a:p>
-          <a:p>
-            <a:r>
-              <a:rPr lang="it-IT" sz="2400" dirty="0"/>
-              <a:t>Conclusioni e sviluppi futuri</a:t>
-            </a:r>
-          </a:p>
-        </p:txBody>
-      </p:sp>
-      <p:sp>
-        <p:nvSpPr>
           <p:cNvPr id="4" name="Segnaposto numero diapositiva 3"/>
           <p:cNvSpPr>
             <a:spLocks noGrp="1"/>
@@ -13829,6 +14191,161 @@
               <a:t>6</a:t>
             </a:fld>
             <a:endParaRPr lang="en-US" altLang="nl-NL"/>
+          </a:p>
+        </p:txBody>
+      </p:sp>
+      <p:sp>
+        <p:nvSpPr>
+          <p:cNvPr id="6" name="Segnaposto contenuto 2"/>
+          <p:cNvSpPr>
+            <a:spLocks noGrp="1"/>
+          </p:cNvSpPr>
+          <p:nvPr>
+            <p:ph idx="1"/>
+          </p:nvPr>
+        </p:nvSpPr>
+        <p:spPr>
+          <a:xfrm>
+            <a:off x="609600" y="891778"/>
+            <a:ext cx="7784892" cy="5531644"/>
+          </a:xfrm>
+        </p:spPr>
+        <p:txBody>
+          <a:bodyPr/>
+          <a:lstStyle/>
+          <a:p>
+            <a:r>
+              <a:rPr lang="it-IT" sz="2400" dirty="0">
+                <a:solidFill>
+                  <a:schemeClr val="bg2">
+                    <a:lumMod val="40000"/>
+                    <a:lumOff val="60000"/>
+                  </a:schemeClr>
+                </a:solidFill>
+              </a:rPr>
+              <a:t>Interferometria</a:t>
+            </a:r>
+          </a:p>
+          <a:p>
+            <a:pPr lvl="1"/>
+            <a:r>
+              <a:rPr lang="it-IT" sz="2000" dirty="0">
+                <a:solidFill>
+                  <a:schemeClr val="bg2">
+                    <a:lumMod val="40000"/>
+                    <a:lumOff val="60000"/>
+                  </a:schemeClr>
+                </a:solidFill>
+              </a:rPr>
+              <a:t>Interferometria a self-mixing</a:t>
+            </a:r>
+          </a:p>
+          <a:p>
+            <a:pPr lvl="1"/>
+            <a:r>
+              <a:rPr lang="it-IT" sz="2000" dirty="0">
+                <a:solidFill>
+                  <a:schemeClr val="bg2">
+                    <a:lumMod val="40000"/>
+                    <a:lumOff val="60000"/>
+                  </a:schemeClr>
+                </a:solidFill>
+              </a:rPr>
+              <a:t>Misura della distanza</a:t>
+            </a:r>
+          </a:p>
+          <a:p>
+            <a:r>
+              <a:rPr lang="it-IT" sz="2400" dirty="0"/>
+              <a:t>Architettura hardware</a:t>
+            </a:r>
+          </a:p>
+          <a:p>
+            <a:pPr lvl="1"/>
+            <a:r>
+              <a:rPr lang="it-IT" sz="2000" dirty="0" smtClean="0"/>
+              <a:t>Sistema </a:t>
+            </a:r>
+            <a:r>
+              <a:rPr lang="it-IT" sz="2000" dirty="0" smtClean="0"/>
+              <a:t>analogico</a:t>
+            </a:r>
+          </a:p>
+          <a:p>
+            <a:pPr lvl="1"/>
+            <a:r>
+              <a:rPr lang="it-IT" sz="2000" dirty="0"/>
+              <a:t>Sistema di </a:t>
+            </a:r>
+            <a:r>
+              <a:rPr lang="it-IT" sz="2000" dirty="0" smtClean="0"/>
+              <a:t>conversione</a:t>
+            </a:r>
+            <a:endParaRPr lang="it-IT" sz="2000" dirty="0"/>
+          </a:p>
+          <a:p>
+            <a:pPr lvl="1"/>
+            <a:r>
+              <a:rPr lang="it-IT" sz="2000" dirty="0" smtClean="0"/>
+              <a:t>Sistema digitale</a:t>
+            </a:r>
+            <a:endParaRPr lang="it-IT" sz="2000" dirty="0"/>
+          </a:p>
+          <a:p>
+            <a:r>
+              <a:rPr lang="it-IT" sz="2400" dirty="0" smtClean="0"/>
+              <a:t>Architettura </a:t>
+            </a:r>
+            <a:r>
+              <a:rPr lang="it-IT" sz="2400" dirty="0"/>
+              <a:t>software</a:t>
+            </a:r>
+          </a:p>
+          <a:p>
+            <a:pPr lvl="1"/>
+            <a:r>
+              <a:rPr lang="it-IT" sz="2000" dirty="0"/>
+              <a:t>FPGA</a:t>
+            </a:r>
+          </a:p>
+          <a:p>
+            <a:pPr lvl="1"/>
+            <a:r>
+              <a:rPr lang="it-IT" sz="2000" dirty="0" smtClean="0"/>
+              <a:t>Microcontrollore</a:t>
+            </a:r>
+          </a:p>
+          <a:p>
+            <a:pPr lvl="1"/>
+            <a:r>
+              <a:rPr lang="it-IT" sz="2000" dirty="0" smtClean="0"/>
+              <a:t>Dettagli implementativi</a:t>
+            </a:r>
+          </a:p>
+          <a:p>
+            <a:pPr lvl="1"/>
+            <a:r>
+              <a:rPr lang="it-IT" sz="2000" dirty="0" smtClean="0"/>
+              <a:t>Ottimizzazioni</a:t>
+            </a:r>
+            <a:endParaRPr lang="it-IT" sz="2000" dirty="0"/>
+          </a:p>
+          <a:p>
+            <a:r>
+              <a:rPr lang="it-IT" sz="2400" dirty="0"/>
+              <a:t>Risultati </a:t>
+            </a:r>
+            <a:r>
+              <a:rPr lang="it-IT" sz="2400" dirty="0" smtClean="0"/>
+              <a:t>sperimentali</a:t>
+            </a:r>
+            <a:endParaRPr lang="it-IT" sz="2400" dirty="0"/>
+          </a:p>
+          <a:p>
+            <a:r>
+              <a:rPr lang="it-IT" sz="2400" dirty="0"/>
+              <a:t>Conclusioni e sviluppi futuri</a:t>
+            </a:r>
           </a:p>
         </p:txBody>
       </p:sp>
@@ -13938,7 +14455,7 @@
         </p:blipFill>
         <p:spPr>
           <a:xfrm>
-            <a:off x="1016794" y="1923377"/>
+            <a:off x="1016794" y="2143595"/>
             <a:ext cx="7162800" cy="4299442"/>
           </a:xfrm>
           <a:prstGeom prst="rect">
@@ -13954,7 +14471,7 @@
         </p:nvSpPr>
         <p:spPr>
           <a:xfrm>
-            <a:off x="609600" y="1092380"/>
+            <a:off x="609600" y="1032420"/>
             <a:ext cx="7977188" cy="830997"/>
           </a:xfrm>
           <a:prstGeom prst="rect">
@@ -14016,7 +14533,7 @@
         </p:nvSpPr>
         <p:spPr>
           <a:xfrm>
-            <a:off x="1463040" y="2243328"/>
+            <a:off x="1420176" y="2457642"/>
             <a:ext cx="4572000" cy="1121664"/>
           </a:xfrm>
           <a:prstGeom prst="rect">
@@ -14056,8 +14573,8 @@
         </p:nvSpPr>
         <p:spPr>
           <a:xfrm>
-            <a:off x="3857896" y="4554583"/>
-            <a:ext cx="3448595" cy="1272595"/>
+            <a:off x="3786189" y="4772025"/>
+            <a:ext cx="3586162" cy="1357314"/>
           </a:xfrm>
           <a:prstGeom prst="rect">
             <a:avLst/>
@@ -14170,7 +14687,15 @@
           <a:p>
             <a:r>
               <a:rPr lang="it-IT" sz="2400" dirty="0"/>
-              <a:t>La parte analogica è costituita da una </a:t>
+              <a:t>Il sistema analogico </a:t>
+            </a:r>
+            <a:r>
+              <a:rPr lang="it-IT" sz="2400" dirty="0" smtClean="0"/>
+              <a:t>è costituito </a:t>
+            </a:r>
+            <a:r>
+              <a:rPr lang="it-IT" sz="2400" dirty="0"/>
+              <a:t>da una </a:t>
             </a:r>
             <a:r>
               <a:rPr lang="it-IT" sz="2400" b="1" dirty="0"/>
@@ -14403,19 +14928,7 @@
           <a:p>
             <a:r>
               <a:rPr lang="it-IT" dirty="0" smtClean="0"/>
-              <a:t>Sistem</a:t>
-            </a:r>
-            <a:r>
-              <a:rPr lang="it-IT" dirty="0" smtClean="0"/>
-              <a:t>a </a:t>
-            </a:r>
-            <a:r>
-              <a:rPr lang="it-IT" dirty="0" smtClean="0"/>
-              <a:t>di </a:t>
-            </a:r>
-            <a:r>
-              <a:rPr lang="it-IT" dirty="0" smtClean="0"/>
-              <a:t>conversione</a:t>
+              <a:t>Sistema di conversione</a:t>
             </a:r>
             <a:endParaRPr lang="it-IT" dirty="0"/>
           </a:p>

--- a/presentazione_discussione.pptx
+++ b/presentazione_discussione.pptx
@@ -9386,14 +9386,23 @@
             <p:ph idx="1"/>
           </p:nvPr>
         </p:nvSpPr>
-        <p:spPr/>
+        <p:spPr>
+          <a:xfrm>
+            <a:off x="685800" y="1142996"/>
+            <a:ext cx="7772400" cy="5333997"/>
+          </a:xfrm>
+        </p:spPr>
         <p:txBody>
           <a:bodyPr/>
           <a:lstStyle/>
           <a:p>
             <a:r>
+              <a:rPr lang="it-IT" sz="2400" b="1" dirty="0"/>
+              <a:t>Finestratura</a:t>
+            </a:r>
+            <a:r>
               <a:rPr lang="it-IT" sz="2400" dirty="0"/>
-              <a:t>Finestratura di </a:t>
+              <a:t> di </a:t>
             </a:r>
             <a:r>
               <a:rPr lang="it-IT" sz="2400" dirty="0" err="1"/>
@@ -9411,8 +9420,12 @@
           </a:p>
           <a:p>
             <a:r>
+              <a:rPr lang="it-IT" sz="2400" b="1" dirty="0" smtClean="0"/>
+              <a:t>Compensazione</a:t>
+            </a:r>
+            <a:r>
               <a:rPr lang="it-IT" sz="2400" dirty="0" smtClean="0"/>
-              <a:t>Compensazione </a:t>
+              <a:t> </a:t>
             </a:r>
             <a:r>
               <a:rPr lang="it-IT" sz="2400" dirty="0"/>
@@ -9444,22 +9457,11 @@
             </a:br>
             <a:r>
               <a:rPr lang="it-IT" sz="2400" dirty="0" smtClean="0"/>
-              <a:t>IMMAGINE FRANGE PRIMA E DOPO!</a:t>
-            </a:r>
-            <a:r>
-              <a:rPr lang="it-IT" sz="2400" dirty="0" smtClean="0"/>
               <a:t/>
             </a:r>
             <a:br>
               <a:rPr lang="it-IT" sz="2400" dirty="0" smtClean="0"/>
             </a:br>
-            <a:r>
-              <a:rPr lang="it-IT" sz="2400" dirty="0"/>
-              <a:t/>
-            </a:r>
-            <a:br>
-              <a:rPr lang="it-IT" sz="2400" dirty="0"/>
-            </a:br>
             <a:endParaRPr lang="it-IT" sz="2400" dirty="0"/>
           </a:p>
           <a:p>
@@ -9472,30 +9474,56 @@
             </a:r>
             <a:r>
               <a:rPr lang="it-IT" sz="2400" dirty="0"/>
-              <a:t>di modulazione con </a:t>
+              <a:t>di </a:t>
             </a:r>
             <a:r>
               <a:rPr lang="it-IT" sz="2400" dirty="0" smtClean="0"/>
-              <a:t>ampiezze </a:t>
-            </a:r>
-            <a:r>
+              <a:t>modulazione</a:t>
+            </a:r>
+            <a:br>
               <a:rPr lang="it-IT" sz="2400" dirty="0" smtClean="0"/>
-              <a:t>differenti</a:t>
-            </a:r>
-            <a:endParaRPr lang="it-IT" sz="2400" dirty="0"/>
-          </a:p>
-          <a:p>
+            </a:br>
             <a:r>
               <a:rPr lang="it-IT" sz="2400" dirty="0" smtClean="0"/>
-              <a:t>Sottrazione </a:t>
+              <a:t>con </a:t>
+            </a:r>
+            <a:r>
+              <a:rPr lang="it-IT" sz="2400" b="1" dirty="0" smtClean="0"/>
+              <a:t>ampiezze differenti</a:t>
+            </a:r>
+            <a:endParaRPr lang="it-IT" sz="2400" b="1" dirty="0"/>
+          </a:p>
+          <a:p>
+            <a:r>
+              <a:rPr lang="it-IT" sz="2400" b="1" dirty="0" smtClean="0"/>
+              <a:t>Sottrazione</a:t>
+            </a:r>
+            <a:r>
+              <a:rPr lang="it-IT" sz="2400" dirty="0" smtClean="0"/>
+              <a:t> </a:t>
+            </a:r>
+            <a:r>
+              <a:rPr lang="it-IT" sz="2400" dirty="0" smtClean="0"/>
+              <a:t/>
+            </a:r>
+            <a:br>
+              <a:rPr lang="it-IT" sz="2400" dirty="0" smtClean="0"/>
+            </a:br>
+            <a:r>
+              <a:rPr lang="it-IT" sz="2400" dirty="0" smtClean="0"/>
+              <a:t>del </a:t>
             </a:r>
             <a:r>
               <a:rPr lang="it-IT" sz="2400" dirty="0"/>
-              <a:t>del fondo di </a:t>
+              <a:t>fondo di </a:t>
+            </a:r>
+            <a:r>
+              <a:rPr lang="it-IT" sz="2400" b="1" dirty="0" smtClean="0"/>
+              <a:t>rumore</a:t>
             </a:r>
             <a:r>
               <a:rPr lang="it-IT" sz="2400" dirty="0" smtClean="0"/>
-              <a:t>rumore </a:t>
+              <a:t> </a:t>
             </a:r>
             <a:endParaRPr lang="it-IT" sz="2400" dirty="0"/>
           </a:p>
@@ -9528,6 +9556,141 @@
           </a:p>
         </p:txBody>
       </p:sp>
+      <p:pic>
+        <p:nvPicPr>
+          <p:cNvPr id="8" name="Immagine 7"/>
+          <p:cNvPicPr>
+            <a:picLocks noChangeAspect="1"/>
+          </p:cNvPicPr>
+          <p:nvPr/>
+        </p:nvPicPr>
+        <p:blipFill>
+          <a:blip r:embed="rId2">
+            <a:extLst>
+              <a:ext uri="{28A0092B-C50C-407E-A947-70E740481C1C}">
+                <a14:useLocalDpi xmlns:a14="http://schemas.microsoft.com/office/drawing/2010/main" val="0"/>
+              </a:ext>
+            </a:extLst>
+          </a:blip>
+          <a:stretch>
+            <a:fillRect/>
+          </a:stretch>
+        </p:blipFill>
+        <p:spPr>
+          <a:xfrm>
+            <a:off x="1047502" y="2362822"/>
+            <a:ext cx="3131547" cy="2135676"/>
+          </a:xfrm>
+          <a:prstGeom prst="rect">
+            <a:avLst/>
+          </a:prstGeom>
+        </p:spPr>
+      </p:pic>
+      <p:pic>
+        <p:nvPicPr>
+          <p:cNvPr id="9" name="Immagine 8"/>
+          <p:cNvPicPr>
+            <a:picLocks noChangeAspect="1"/>
+          </p:cNvPicPr>
+          <p:nvPr/>
+        </p:nvPicPr>
+        <p:blipFill>
+          <a:blip r:embed="rId3">
+            <a:extLst>
+              <a:ext uri="{28A0092B-C50C-407E-A947-70E740481C1C}">
+                <a14:useLocalDpi xmlns:a14="http://schemas.microsoft.com/office/drawing/2010/main" val="0"/>
+              </a:ext>
+            </a:extLst>
+          </a:blip>
+          <a:stretch>
+            <a:fillRect/>
+          </a:stretch>
+        </p:blipFill>
+        <p:spPr>
+          <a:xfrm>
+            <a:off x="5428426" y="2359344"/>
+            <a:ext cx="2763074" cy="2139154"/>
+          </a:xfrm>
+          <a:prstGeom prst="rect">
+            <a:avLst/>
+          </a:prstGeom>
+        </p:spPr>
+      </p:pic>
+      <p:sp>
+        <p:nvSpPr>
+          <p:cNvPr id="10" name="Freccia destra 9"/>
+          <p:cNvSpPr/>
+          <p:nvPr/>
+        </p:nvSpPr>
+        <p:spPr>
+          <a:xfrm>
+            <a:off x="3532663" y="2973048"/>
+            <a:ext cx="2016176" cy="793851"/>
+          </a:xfrm>
+          <a:prstGeom prst="rightArrow">
+            <a:avLst/>
+          </a:prstGeom>
+          <a:solidFill>
+            <a:srgbClr val="FF0000"/>
+          </a:solidFill>
+        </p:spPr>
+        <p:style>
+          <a:lnRef idx="1">
+            <a:schemeClr val="accent1"/>
+          </a:lnRef>
+          <a:fillRef idx="3">
+            <a:schemeClr val="accent1"/>
+          </a:fillRef>
+          <a:effectRef idx="2">
+            <a:schemeClr val="accent1"/>
+          </a:effectRef>
+          <a:fontRef idx="minor">
+            <a:schemeClr val="lt1"/>
+          </a:fontRef>
+        </p:style>
+        <p:txBody>
+          <a:bodyPr rtlCol="0" anchor="ctr"/>
+          <a:lstStyle/>
+          <a:p>
+            <a:pPr algn="ctr"/>
+            <a:r>
+              <a:rPr lang="it-IT" sz="1500" dirty="0" smtClean="0"/>
+              <a:t>Compensazione</a:t>
+            </a:r>
+            <a:endParaRPr lang="it-IT" sz="1500" dirty="0"/>
+          </a:p>
+        </p:txBody>
+      </p:sp>
+      <p:pic>
+        <p:nvPicPr>
+          <p:cNvPr id="11" name="Immagine 10"/>
+          <p:cNvPicPr>
+            <a:picLocks noChangeAspect="1"/>
+          </p:cNvPicPr>
+          <p:nvPr/>
+        </p:nvPicPr>
+        <p:blipFill>
+          <a:blip r:embed="rId4">
+            <a:extLst>
+              <a:ext uri="{28A0092B-C50C-407E-A947-70E740481C1C}">
+                <a14:useLocalDpi xmlns:a14="http://schemas.microsoft.com/office/drawing/2010/main" val="0"/>
+              </a:ext>
+            </a:extLst>
+          </a:blip>
+          <a:stretch>
+            <a:fillRect/>
+          </a:stretch>
+        </p:blipFill>
+        <p:spPr>
+          <a:xfrm>
+            <a:off x="5428426" y="4498498"/>
+            <a:ext cx="2550548" cy="1978496"/>
+          </a:xfrm>
+          <a:prstGeom prst="rect">
+            <a:avLst/>
+          </a:prstGeom>
+        </p:spPr>
+      </p:pic>
     </p:spTree>
     <p:extLst>
       <p:ext uri="{BB962C8B-B14F-4D97-AF65-F5344CB8AC3E}">

--- a/presentazione_discussione.pptx
+++ b/presentazione_discussione.pptx
@@ -6268,8 +6268,8 @@
         </p:nvSpPr>
         <p:spPr>
           <a:xfrm>
-            <a:off x="5455799" y="5486400"/>
-            <a:ext cx="3459601" cy="923330"/>
+            <a:off x="5455735" y="5486400"/>
+            <a:ext cx="3459665" cy="1200329"/>
           </a:xfrm>
           <a:prstGeom prst="rect">
             <a:avLst/>
@@ -6327,7 +6327,18 @@
             <a:pPr algn="r"/>
             <a:r>
               <a:rPr lang="it-IT" sz="1800" dirty="0" smtClean="0"/>
-              <a:t>Relatore: Michele Norgia</a:t>
+              <a:t/>
+            </a:r>
+            <a:br>
+              <a:rPr lang="it-IT" sz="1800" dirty="0" smtClean="0"/>
+            </a:br>
+            <a:r>
+              <a:rPr lang="it-IT" sz="1800" dirty="0" smtClean="0"/>
+              <a:t>Relatore</a:t>
+            </a:r>
+            <a:r>
+              <a:rPr lang="it-IT" sz="1800" dirty="0" smtClean="0"/>
+              <a:t>: Michele Norgia</a:t>
             </a:r>
             <a:endParaRPr lang="it-IT" sz="1800" dirty="0"/>
           </a:p>
@@ -9624,7 +9635,7 @@
         </p:nvSpPr>
         <p:spPr>
           <a:xfrm>
-            <a:off x="3532663" y="2973048"/>
+            <a:off x="3547653" y="2973048"/>
             <a:ext cx="2016176" cy="793851"/>
           </a:xfrm>
           <a:prstGeom prst="rightArrow">
@@ -9683,7 +9694,7 @@
         </p:blipFill>
         <p:spPr>
           <a:xfrm>
-            <a:off x="5428426" y="4498498"/>
+            <a:off x="5488386" y="4498498"/>
             <a:ext cx="2550548" cy="1978496"/>
           </a:xfrm>
           <a:prstGeom prst="rect">
@@ -11296,8 +11307,8 @@
           </a:p>
         </p:txBody>
       </p:sp>
-      <mc:AlternateContent xmlns:mc="http://schemas.openxmlformats.org/markup-compatibility/2006" xmlns:a14="http://schemas.microsoft.com/office/drawing/2010/main">
-        <mc:Choice Requires="a14">
+      <mc:AlternateContent xmlns:mc="http://schemas.openxmlformats.org/markup-compatibility/2006">
+        <mc:Choice xmlns:a14="http://schemas.microsoft.com/office/drawing/2010/main" Requires="a14">
           <p:sp>
             <p:nvSpPr>
               <p:cNvPr id="3" name="Segnaposto contenuto 2"/>
@@ -11632,7 +11643,7 @@
             </p:txBody>
           </p:sp>
         </mc:Choice>
-        <mc:Fallback xmlns="">
+        <mc:Fallback>
           <p:sp>
             <p:nvSpPr>
               <p:cNvPr id="3" name="Segnaposto contenuto 2"/>
@@ -11651,7 +11662,7 @@
               <a:blipFill rotWithShape="0">
                 <a:blip r:embed="rId3"/>
                 <a:stretch>
-                  <a:fillRect l="-1016" t="-904" b="-1292"/>
+                  <a:fillRect l="-1094" t="-1163" b="-1421"/>
                 </a:stretch>
               </a:blipFill>
             </p:spPr>
@@ -14635,7 +14646,7 @@
         <p:spPr>
           <a:xfrm>
             <a:off x="609600" y="1032420"/>
-            <a:ext cx="7977188" cy="830997"/>
+            <a:ext cx="7977188" cy="1200329"/>
           </a:xfrm>
           <a:prstGeom prst="rect">
             <a:avLst/>
@@ -14654,7 +14665,11 @@
             </a:pPr>
             <a:r>
               <a:rPr lang="it-IT" dirty="0"/>
-              <a:t>Lo strumento è composto da una </a:t>
+              <a:t>Lo strumento è composto da </a:t>
+            </a:r>
+            <a:r>
+              <a:rPr lang="it-IT" dirty="0" smtClean="0"/>
+              <a:t>un </a:t>
             </a:r>
             <a:r>
               <a:rPr lang="it-IT" b="1" dirty="0"/>

--- a/presentazione_discussione.pptx
+++ b/presentazione_discussione.pptx
@@ -190,7 +190,7 @@
 
 <file path=ppt/commentAuthors.xml><?xml version="1.0" encoding="utf-8"?>
 <p:cmAuthorLst xmlns:a="http://schemas.openxmlformats.org/drawingml/2006/main" xmlns:r="http://schemas.openxmlformats.org/officeDocument/2006/relationships" xmlns:p="http://schemas.openxmlformats.org/presentationml/2006/main">
-  <p:cmAuthor id="1" name="Leonardo Cavagnis" initials="LC" lastIdx="1" clrIdx="0">
+  <p:cmAuthor id="1" name="Leonardo Cavagnis" initials="LC" lastIdx="2" clrIdx="0">
     <p:extLst/>
   </p:cmAuthor>
   <p:cmAuthor id="2" name="Leonardo Cavagnis" initials="LC [2]" lastIdx="1" clrIdx="1">
@@ -2533,6 +2533,160 @@
 </file>
 
 <file path=ppt/notesSlides/notesSlide8.xml><?xml version="1.0" encoding="utf-8"?>
+<p:notes xmlns:a="http://schemas.openxmlformats.org/drawingml/2006/main" xmlns:r="http://schemas.openxmlformats.org/officeDocument/2006/relationships" xmlns:p="http://schemas.openxmlformats.org/presentationml/2006/main">
+  <p:cSld>
+    <p:spTree>
+      <p:nvGrpSpPr>
+        <p:cNvPr id="1" name=""/>
+        <p:cNvGrpSpPr/>
+        <p:nvPr/>
+      </p:nvGrpSpPr>
+      <p:grpSpPr>
+        <a:xfrm>
+          <a:off x="0" y="0"/>
+          <a:ext cx="0" cy="0"/>
+          <a:chOff x="0" y="0"/>
+          <a:chExt cx="0" cy="0"/>
+        </a:xfrm>
+      </p:grpSpPr>
+      <p:sp>
+        <p:nvSpPr>
+          <p:cNvPr id="2" name="Segnaposto immagine diapositiva 1"/>
+          <p:cNvSpPr>
+            <a:spLocks noGrp="1" noRot="1" noChangeAspect="1"/>
+          </p:cNvSpPr>
+          <p:nvPr>
+            <p:ph type="sldImg"/>
+          </p:nvPr>
+        </p:nvSpPr>
+        <p:spPr/>
+      </p:sp>
+      <p:sp>
+        <p:nvSpPr>
+          <p:cNvPr id="3" name="Segnaposto note 2"/>
+          <p:cNvSpPr>
+            <a:spLocks noGrp="1"/>
+          </p:cNvSpPr>
+          <p:nvPr>
+            <p:ph type="body" idx="1"/>
+          </p:nvPr>
+        </p:nvSpPr>
+        <p:spPr/>
+        <p:txBody>
+          <a:bodyPr/>
+          <a:lstStyle/>
+          <a:p>
+            <a:endParaRPr lang="it-IT" dirty="0"/>
+          </a:p>
+        </p:txBody>
+      </p:sp>
+      <p:sp>
+        <p:nvSpPr>
+          <p:cNvPr id="4" name="Segnaposto intestazione 3"/>
+          <p:cNvSpPr>
+            <a:spLocks noGrp="1"/>
+          </p:cNvSpPr>
+          <p:nvPr>
+            <p:ph type="hdr" sz="quarter" idx="10"/>
+          </p:nvPr>
+        </p:nvSpPr>
+        <p:spPr/>
+        <p:txBody>
+          <a:bodyPr/>
+          <a:lstStyle/>
+          <a:p>
+            <a:r>
+              <a:rPr lang="en-US" altLang="nl-NL" smtClean="0"/>
+              <a:t>Process synchronization</a:t>
+            </a:r>
+            <a:endParaRPr lang="en-US" altLang="nl-NL"/>
+          </a:p>
+        </p:txBody>
+      </p:sp>
+      <p:sp>
+        <p:nvSpPr>
+          <p:cNvPr id="5" name="Segnaposto data 4"/>
+          <p:cNvSpPr>
+            <a:spLocks noGrp="1"/>
+          </p:cNvSpPr>
+          <p:nvPr>
+            <p:ph type="dt" idx="11"/>
+          </p:nvPr>
+        </p:nvSpPr>
+        <p:spPr/>
+        <p:txBody>
+          <a:bodyPr/>
+          <a:lstStyle/>
+          <a:p>
+            <a:r>
+              <a:rPr lang="en-US" altLang="nl-NL" smtClean="0"/>
+              <a:t>Operating System</a:t>
+            </a:r>
+            <a:endParaRPr lang="en-US" altLang="nl-NL"/>
+          </a:p>
+        </p:txBody>
+      </p:sp>
+      <p:sp>
+        <p:nvSpPr>
+          <p:cNvPr id="6" name="Segnaposto piè di pagina 5"/>
+          <p:cNvSpPr>
+            <a:spLocks noGrp="1"/>
+          </p:cNvSpPr>
+          <p:nvPr>
+            <p:ph type="ftr" sz="quarter" idx="12"/>
+          </p:nvPr>
+        </p:nvSpPr>
+        <p:spPr/>
+        <p:txBody>
+          <a:bodyPr/>
+          <a:lstStyle/>
+          <a:p>
+            <a:r>
+              <a:rPr lang="en-US" altLang="nl-NL" smtClean="0"/>
+              <a:t>© 2005 William Fornaciari</a:t>
+            </a:r>
+            <a:endParaRPr lang="en-US" altLang="nl-NL"/>
+          </a:p>
+        </p:txBody>
+      </p:sp>
+      <p:sp>
+        <p:nvSpPr>
+          <p:cNvPr id="7" name="Segnaposto numero diapositiva 6"/>
+          <p:cNvSpPr>
+            <a:spLocks noGrp="1"/>
+          </p:cNvSpPr>
+          <p:nvPr>
+            <p:ph type="sldNum" sz="quarter" idx="13"/>
+          </p:nvPr>
+        </p:nvSpPr>
+        <p:spPr/>
+        <p:txBody>
+          <a:bodyPr/>
+          <a:lstStyle/>
+          <a:p>
+            <a:fld id="{88C0D9CF-78A8-4FBE-960E-41C6F5A4AF95}" type="slidenum">
+              <a:rPr lang="en-US" altLang="nl-NL" smtClean="0"/>
+              <a:pPr/>
+              <a:t>19</a:t>
+            </a:fld>
+            <a:endParaRPr lang="en-US" altLang="nl-NL"/>
+          </a:p>
+        </p:txBody>
+      </p:sp>
+    </p:spTree>
+    <p:extLst>
+      <p:ext uri="{BB962C8B-B14F-4D97-AF65-F5344CB8AC3E}">
+        <p14:creationId xmlns:p14="http://schemas.microsoft.com/office/powerpoint/2010/main" val="767066249"/>
+      </p:ext>
+    </p:extLst>
+  </p:cSld>
+  <p:clrMapOvr>
+    <a:masterClrMapping/>
+  </p:clrMapOvr>
+</p:notes>
+</file>
+
+<file path=ppt/notesSlides/notesSlide9.xml><?xml version="1.0" encoding="utf-8"?>
 <p:notes xmlns:a="http://schemas.openxmlformats.org/drawingml/2006/main" xmlns:r="http://schemas.openxmlformats.org/officeDocument/2006/relationships" xmlns:p="http://schemas.openxmlformats.org/presentationml/2006/main">
   <p:cSld>
     <p:spTree>
@@ -6297,30 +6451,18 @@
             </a:r>
             <a:r>
               <a:rPr lang="it-IT" sz="1800" dirty="0" smtClean="0"/>
-              <a:t> </a:t>
-            </a:r>
-            <a:r>
-              <a:rPr lang="it-IT" sz="1800" dirty="0" smtClean="0"/>
-              <a:t>816646</a:t>
+              <a:t> 816646</a:t>
             </a:r>
             <a:br>
               <a:rPr lang="it-IT" sz="1800" dirty="0" smtClean="0"/>
             </a:br>
             <a:r>
               <a:rPr lang="it-IT" sz="1800" b="1" dirty="0" smtClean="0"/>
-              <a:t>Diego </a:t>
-            </a:r>
-            <a:r>
-              <a:rPr lang="it-IT" sz="1800" b="1" dirty="0" smtClean="0"/>
-              <a:t>Rondelli,</a:t>
+              <a:t>Diego Rondelli,</a:t>
             </a:r>
             <a:r>
               <a:rPr lang="it-IT" sz="1800" dirty="0" smtClean="0"/>
-              <a:t> </a:t>
-            </a:r>
-            <a:r>
-              <a:rPr lang="it-IT" sz="1800" dirty="0" smtClean="0"/>
-              <a:t>817108</a:t>
+              <a:t> 817108</a:t>
             </a:r>
           </a:p>
           <a:p>
@@ -6334,11 +6476,7 @@
             </a:br>
             <a:r>
               <a:rPr lang="it-IT" sz="1800" dirty="0" smtClean="0"/>
-              <a:t>Relatore</a:t>
-            </a:r>
-            <a:r>
-              <a:rPr lang="it-IT" sz="1800" dirty="0" smtClean="0"/>
-              <a:t>: Michele Norgia</a:t>
+              <a:t>Relatore: Michele Norgia</a:t>
             </a:r>
             <a:endParaRPr lang="it-IT" sz="1800" dirty="0"/>
           </a:p>
@@ -6396,11 +6534,7 @@
           <a:p>
             <a:r>
               <a:rPr lang="it-IT" dirty="0" smtClean="0"/>
-              <a:t>Sistema </a:t>
-            </a:r>
-            <a:r>
-              <a:rPr lang="it-IT" dirty="0" smtClean="0"/>
-              <a:t>digitale</a:t>
+              <a:t>Sistema digitale</a:t>
             </a:r>
             <a:endParaRPr lang="it-IT" dirty="0"/>
           </a:p>
@@ -6428,23 +6562,11 @@
           <a:p>
             <a:r>
               <a:rPr lang="it-IT" sz="2400" dirty="0" smtClean="0"/>
-              <a:t>Il sistema digitale è </a:t>
-            </a:r>
-            <a:r>
-              <a:rPr lang="it-IT" sz="2400" dirty="0" smtClean="0"/>
-              <a:t>costituito </a:t>
-            </a:r>
-            <a:r>
-              <a:rPr lang="it-IT" sz="2400" dirty="0" smtClean="0"/>
-              <a:t>dalla scheda di prototipazione: </a:t>
+              <a:t>Il sistema digitale è costituito dalla scheda di prototipazione: </a:t>
             </a:r>
             <a:r>
               <a:rPr lang="it-IT" sz="2400" b="1" dirty="0" smtClean="0"/>
-              <a:t>NI </a:t>
-            </a:r>
-            <a:r>
-              <a:rPr lang="it-IT" sz="2400" b="1" dirty="0" smtClean="0"/>
-              <a:t>sbRIO</a:t>
+              <a:t>NI sbRIO</a:t>
             </a:r>
             <a:r>
               <a:rPr lang="it-IT" sz="2400" b="1" dirty="0"/>
@@ -6454,7 +6576,6 @@
               <a:rPr lang="it-IT" sz="2400" b="1" dirty="0" smtClean="0"/>
               <a:t>9636</a:t>
             </a:r>
-            <a:endParaRPr lang="it-IT" sz="2400" b="1" dirty="0" smtClean="0"/>
           </a:p>
         </p:txBody>
       </p:sp>
@@ -6491,7 +6612,7 @@
         <p:spPr>
           <a:xfrm>
             <a:off x="5208228" y="2140743"/>
-            <a:ext cx="3207544" cy="4154984"/>
+            <a:ext cx="3207544" cy="3785652"/>
           </a:xfrm>
           <a:prstGeom prst="rect">
             <a:avLst/>
@@ -6589,11 +6710,14 @@
               <a:t>digitale </a:t>
             </a:r>
             <a:r>
-              <a:rPr lang="it-IT" dirty="0">
+              <a:rPr lang="it-IT" dirty="0" smtClean="0">
                 <a:latin typeface="+mn-lt"/>
               </a:rPr>
-              <a:t>del segnale interferometrico</a:t>
-            </a:r>
+              <a:t>dei segnali</a:t>
+            </a:r>
+            <a:endParaRPr lang="it-IT" dirty="0">
+              <a:latin typeface="+mn-lt"/>
+            </a:endParaRPr>
           </a:p>
           <a:p>
             <a:endParaRPr lang="it-IT" dirty="0"/>
@@ -6850,7 +6974,6 @@
               <a:rPr lang="it-IT" sz="2400" dirty="0"/>
               <a:t>Conclusioni e sviluppi futuri</a:t>
             </a:r>
-            <a:endParaRPr lang="it-IT" sz="2400" dirty="0"/>
           </a:p>
         </p:txBody>
       </p:sp>
@@ -6960,121 +7083,6 @@
           </a:p>
         </p:txBody>
       </p:sp>
-      <p:grpSp>
-        <p:nvGrpSpPr>
-          <p:cNvPr id="19" name="Gruppo 18"/>
-          <p:cNvGrpSpPr/>
-          <p:nvPr/>
-        </p:nvGrpSpPr>
-        <p:grpSpPr>
-          <a:xfrm>
-            <a:off x="2209796" y="4021937"/>
-            <a:ext cx="1585914" cy="452297"/>
-            <a:chOff x="2702158" y="4403759"/>
-            <a:chExt cx="1565038" cy="452297"/>
-          </a:xfrm>
-        </p:grpSpPr>
-        <p:sp>
-          <p:nvSpPr>
-            <p:cNvPr id="17" name="Freccia a destra 16"/>
-            <p:cNvSpPr/>
-            <p:nvPr/>
-          </p:nvSpPr>
-          <p:spPr>
-            <a:xfrm>
-              <a:off x="3009372" y="4403759"/>
-              <a:ext cx="1257824" cy="451450"/>
-            </a:xfrm>
-            <a:prstGeom prst="rightArrow">
-              <a:avLst>
-                <a:gd name="adj1" fmla="val 43808"/>
-                <a:gd name="adj2" fmla="val 50000"/>
-              </a:avLst>
-            </a:prstGeom>
-            <a:solidFill>
-              <a:schemeClr val="bg1">
-                <a:lumMod val="75000"/>
-              </a:schemeClr>
-            </a:solidFill>
-            <a:ln>
-              <a:noFill/>
-            </a:ln>
-            <a:effectLst/>
-          </p:spPr>
-          <p:style>
-            <a:lnRef idx="1">
-              <a:schemeClr val="accent1"/>
-            </a:lnRef>
-            <a:fillRef idx="3">
-              <a:schemeClr val="accent1"/>
-            </a:fillRef>
-            <a:effectRef idx="2">
-              <a:schemeClr val="accent1"/>
-            </a:effectRef>
-            <a:fontRef idx="minor">
-              <a:schemeClr val="lt1"/>
-            </a:fontRef>
-          </p:style>
-          <p:txBody>
-            <a:bodyPr rtlCol="0" anchor="ctr"/>
-            <a:lstStyle/>
-            <a:p>
-              <a:pPr algn="ctr"/>
-              <a:endParaRPr lang="it-IT"/>
-            </a:p>
-          </p:txBody>
-        </p:sp>
-        <p:sp>
-          <p:nvSpPr>
-            <p:cNvPr id="18" name="Freccia a destra 17"/>
-            <p:cNvSpPr/>
-            <p:nvPr/>
-          </p:nvSpPr>
-          <p:spPr>
-            <a:xfrm rot="10800000">
-              <a:off x="2702158" y="4404606"/>
-              <a:ext cx="1257824" cy="451450"/>
-            </a:xfrm>
-            <a:prstGeom prst="rightArrow">
-              <a:avLst>
-                <a:gd name="adj1" fmla="val 43808"/>
-                <a:gd name="adj2" fmla="val 50000"/>
-              </a:avLst>
-            </a:prstGeom>
-            <a:solidFill>
-              <a:schemeClr val="bg1">
-                <a:lumMod val="75000"/>
-              </a:schemeClr>
-            </a:solidFill>
-            <a:ln>
-              <a:noFill/>
-            </a:ln>
-            <a:effectLst/>
-          </p:spPr>
-          <p:style>
-            <a:lnRef idx="1">
-              <a:schemeClr val="accent1"/>
-            </a:lnRef>
-            <a:fillRef idx="3">
-              <a:schemeClr val="accent1"/>
-            </a:fillRef>
-            <a:effectRef idx="2">
-              <a:schemeClr val="accent1"/>
-            </a:effectRef>
-            <a:fontRef idx="minor">
-              <a:schemeClr val="lt1"/>
-            </a:fontRef>
-          </p:style>
-          <p:txBody>
-            <a:bodyPr rtlCol="0" anchor="ctr"/>
-            <a:lstStyle/>
-            <a:p>
-              <a:pPr algn="ctr"/>
-              <a:endParaRPr lang="it-IT"/>
-            </a:p>
-          </p:txBody>
-        </p:sp>
-      </p:grpSp>
       <p:sp>
         <p:nvSpPr>
           <p:cNvPr id="2" name="Titolo 1"/>
@@ -7391,7 +7399,7 @@
         </p:nvSpPr>
         <p:spPr>
           <a:xfrm>
-            <a:off x="386974" y="3881374"/>
+            <a:off x="380995" y="3814360"/>
             <a:ext cx="1828800" cy="733425"/>
           </a:xfrm>
           <a:prstGeom prst="rect">
@@ -7423,7 +7431,11 @@
             <a:pPr algn="ctr"/>
             <a:r>
               <a:rPr lang="it-IT" sz="2000" dirty="0" smtClean="0"/>
-              <a:t>Sistema elettronico</a:t>
+              <a:t>Sistema </a:t>
+            </a:r>
+            <a:r>
+              <a:rPr lang="it-IT" sz="2000" dirty="0" smtClean="0"/>
+              <a:t>di conversione</a:t>
             </a:r>
             <a:endParaRPr lang="it-IT" sz="2000" dirty="0"/>
           </a:p>
@@ -7682,36 +7694,6 @@
       </p:sp>
       <p:sp>
         <p:nvSpPr>
-          <p:cNvPr id="15" name="CasellaDiTesto 14"/>
-          <p:cNvSpPr txBox="1"/>
-          <p:nvPr/>
-        </p:nvSpPr>
-        <p:spPr>
-          <a:xfrm>
-            <a:off x="2433310" y="4080125"/>
-            <a:ext cx="1063112" cy="307777"/>
-          </a:xfrm>
-          <a:prstGeom prst="rect">
-            <a:avLst/>
-          </a:prstGeom>
-          <a:noFill/>
-        </p:spPr>
-        <p:txBody>
-          <a:bodyPr wrap="none" rtlCol="0">
-            <a:spAutoFit/>
-          </a:bodyPr>
-          <a:lstStyle/>
-          <a:p>
-            <a:r>
-              <a:rPr lang="it-IT" sz="1400" b="1" dirty="0" smtClean="0"/>
-              <a:t>Digital IO</a:t>
-            </a:r>
-            <a:endParaRPr lang="it-IT" sz="1400" b="1" dirty="0"/>
-          </a:p>
-        </p:txBody>
-      </p:sp>
-      <p:sp>
-        <p:nvSpPr>
           <p:cNvPr id="16" name="Rettangolo 15"/>
           <p:cNvSpPr/>
           <p:nvPr/>
@@ -8075,8 +8057,8 @@
         </p:nvSpPr>
         <p:spPr>
           <a:xfrm>
-            <a:off x="217933" y="3341668"/>
-            <a:ext cx="2131483" cy="1703511"/>
+            <a:off x="217934" y="3341669"/>
+            <a:ext cx="2131482" cy="1703512"/>
           </a:xfrm>
           <a:prstGeom prst="rect">
             <a:avLst/>
@@ -8137,6 +8119,151 @@
             <a:r>
               <a:rPr lang="it-IT" sz="1400" b="1" dirty="0" smtClean="0"/>
               <a:t>ANALOGICO</a:t>
+            </a:r>
+            <a:endParaRPr lang="it-IT" sz="1400" b="1" dirty="0"/>
+          </a:p>
+        </p:txBody>
+      </p:sp>
+      <p:grpSp>
+        <p:nvGrpSpPr>
+          <p:cNvPr id="19" name="Gruppo 18"/>
+          <p:cNvGrpSpPr/>
+          <p:nvPr/>
+        </p:nvGrpSpPr>
+        <p:grpSpPr>
+          <a:xfrm>
+            <a:off x="2209796" y="3992861"/>
+            <a:ext cx="1585914" cy="452297"/>
+            <a:chOff x="2702158" y="4403759"/>
+            <a:chExt cx="1565038" cy="452297"/>
+          </a:xfrm>
+        </p:grpSpPr>
+        <p:sp>
+          <p:nvSpPr>
+            <p:cNvPr id="17" name="Freccia a destra 16"/>
+            <p:cNvSpPr/>
+            <p:nvPr/>
+          </p:nvSpPr>
+          <p:spPr>
+            <a:xfrm>
+              <a:off x="3009372" y="4403759"/>
+              <a:ext cx="1257824" cy="451450"/>
+            </a:xfrm>
+            <a:prstGeom prst="rightArrow">
+              <a:avLst>
+                <a:gd name="adj1" fmla="val 43808"/>
+                <a:gd name="adj2" fmla="val 50000"/>
+              </a:avLst>
+            </a:prstGeom>
+            <a:solidFill>
+              <a:schemeClr val="bg1">
+                <a:lumMod val="75000"/>
+              </a:schemeClr>
+            </a:solidFill>
+            <a:ln>
+              <a:noFill/>
+            </a:ln>
+            <a:effectLst/>
+          </p:spPr>
+          <p:style>
+            <a:lnRef idx="1">
+              <a:schemeClr val="accent1"/>
+            </a:lnRef>
+            <a:fillRef idx="3">
+              <a:schemeClr val="accent1"/>
+            </a:fillRef>
+            <a:effectRef idx="2">
+              <a:schemeClr val="accent1"/>
+            </a:effectRef>
+            <a:fontRef idx="minor">
+              <a:schemeClr val="lt1"/>
+            </a:fontRef>
+          </p:style>
+          <p:txBody>
+            <a:bodyPr rtlCol="0" anchor="ctr"/>
+            <a:lstStyle/>
+            <a:p>
+              <a:pPr algn="ctr"/>
+              <a:endParaRPr lang="it-IT"/>
+            </a:p>
+          </p:txBody>
+        </p:sp>
+        <p:sp>
+          <p:nvSpPr>
+            <p:cNvPr id="18" name="Freccia a destra 17"/>
+            <p:cNvSpPr/>
+            <p:nvPr/>
+          </p:nvSpPr>
+          <p:spPr>
+            <a:xfrm rot="10800000">
+              <a:off x="2702158" y="4404606"/>
+              <a:ext cx="1257824" cy="451450"/>
+            </a:xfrm>
+            <a:prstGeom prst="rightArrow">
+              <a:avLst>
+                <a:gd name="adj1" fmla="val 43808"/>
+                <a:gd name="adj2" fmla="val 50000"/>
+              </a:avLst>
+            </a:prstGeom>
+            <a:solidFill>
+              <a:schemeClr val="bg1">
+                <a:lumMod val="75000"/>
+              </a:schemeClr>
+            </a:solidFill>
+            <a:ln>
+              <a:noFill/>
+            </a:ln>
+            <a:effectLst/>
+          </p:spPr>
+          <p:style>
+            <a:lnRef idx="1">
+              <a:schemeClr val="accent1"/>
+            </a:lnRef>
+            <a:fillRef idx="3">
+              <a:schemeClr val="accent1"/>
+            </a:fillRef>
+            <a:effectRef idx="2">
+              <a:schemeClr val="accent1"/>
+            </a:effectRef>
+            <a:fontRef idx="minor">
+              <a:schemeClr val="lt1"/>
+            </a:fontRef>
+          </p:style>
+          <p:txBody>
+            <a:bodyPr rtlCol="0" anchor="ctr"/>
+            <a:lstStyle/>
+            <a:p>
+              <a:pPr algn="ctr"/>
+              <a:endParaRPr lang="it-IT"/>
+            </a:p>
+          </p:txBody>
+        </p:sp>
+      </p:grpSp>
+      <p:sp>
+        <p:nvSpPr>
+          <p:cNvPr id="15" name="CasellaDiTesto 14"/>
+          <p:cNvSpPr txBox="1"/>
+          <p:nvPr/>
+        </p:nvSpPr>
+        <p:spPr>
+          <a:xfrm>
+            <a:off x="2433310" y="4050584"/>
+            <a:ext cx="1063112" cy="307777"/>
+          </a:xfrm>
+          <a:prstGeom prst="rect">
+            <a:avLst/>
+          </a:prstGeom>
+          <a:noFill/>
+        </p:spPr>
+        <p:txBody>
+          <a:bodyPr wrap="none" rtlCol="0">
+            <a:spAutoFit/>
+          </a:bodyPr>
+          <a:lstStyle/>
+          <a:p>
+            <a:r>
+              <a:rPr lang="it-IT" sz="1400" b="1" dirty="0" smtClean="0"/>
+              <a:t>Digital IO</a:t>
             </a:r>
             <a:endParaRPr lang="it-IT" sz="1400" b="1" dirty="0"/>
           </a:p>
@@ -8234,8 +8361,12 @@
           <a:p>
             <a:pPr lvl="1"/>
             <a:r>
+              <a:rPr lang="it-IT" sz="2000" b="1" dirty="0" smtClean="0"/>
+              <a:t>Generazione</a:t>
+            </a:r>
+            <a:r>
               <a:rPr lang="it-IT" sz="2000" dirty="0" smtClean="0"/>
-              <a:t>Generazione del </a:t>
+              <a:t> del </a:t>
             </a:r>
             <a:br>
               <a:rPr lang="it-IT" sz="2000" dirty="0" smtClean="0"/>
@@ -8256,8 +8387,12 @@
           <a:p>
             <a:pPr lvl="1"/>
             <a:r>
+              <a:rPr lang="it-IT" sz="2000" b="1" dirty="0" smtClean="0"/>
+              <a:t>Campionamento</a:t>
+            </a:r>
+            <a:r>
               <a:rPr lang="it-IT" sz="2000" dirty="0" smtClean="0"/>
-              <a:t>Campionamento </a:t>
+              <a:t> </a:t>
             </a:r>
             <a:br>
               <a:rPr lang="it-IT" sz="2000" dirty="0" smtClean="0"/>
@@ -8327,7 +8462,15 @@
             </a:br>
             <a:r>
               <a:rPr lang="it-IT" sz="2000" dirty="0" smtClean="0"/>
-              <a:t>del tono fondamentale dal FFT</a:t>
+              <a:t>del </a:t>
+            </a:r>
+            <a:r>
+              <a:rPr lang="it-IT" sz="2000" b="1" dirty="0" smtClean="0"/>
+              <a:t>tono fondamentale </a:t>
+            </a:r>
+            <a:r>
+              <a:rPr lang="it-IT" sz="2000" dirty="0" smtClean="0"/>
+              <a:t>dal FFT</a:t>
             </a:r>
           </a:p>
         </p:txBody>
@@ -8618,8 +8761,8 @@
           </a:p>
         </p:txBody>
       </p:sp>
-      <mc:AlternateContent xmlns:mc="http://schemas.openxmlformats.org/markup-compatibility/2006" xmlns:a14="http://schemas.microsoft.com/office/drawing/2010/main">
-        <mc:Choice Requires="a14">
+      <mc:AlternateContent xmlns:mc="http://schemas.openxmlformats.org/markup-compatibility/2006">
+        <mc:Choice xmlns:a14="http://schemas.microsoft.com/office/drawing/2010/main" Requires="a14">
           <p:sp>
             <p:nvSpPr>
               <p:cNvPr id="7" name="CasellaDiTesto 6"/>
@@ -8628,7 +8771,7 @@
             </p:nvSpPr>
             <p:spPr>
               <a:xfrm>
-                <a:off x="5658580" y="5270549"/>
+                <a:off x="5602315" y="5270549"/>
                 <a:ext cx="2503457" cy="733855"/>
               </a:xfrm>
               <a:prstGeom prst="rect">
@@ -8774,7 +8917,7 @@
             </p:txBody>
           </p:sp>
         </mc:Choice>
-        <mc:Fallback xmlns="">
+        <mc:Fallback>
           <p:sp>
             <p:nvSpPr>
               <p:cNvPr id="7" name="CasellaDiTesto 6"/>
@@ -8785,7 +8928,7 @@
             </p:nvSpPr>
             <p:spPr>
               <a:xfrm>
-                <a:off x="5658580" y="5270549"/>
+                <a:off x="5602315" y="5270549"/>
                 <a:ext cx="2503457" cy="733855"/>
               </a:xfrm>
               <a:prstGeom prst="rect">
@@ -9103,7 +9246,7 @@
         </p:nvSpPr>
         <p:spPr>
           <a:xfrm>
-            <a:off x="7345181" y="2098622"/>
+            <a:off x="7473773" y="2484398"/>
             <a:ext cx="1558976" cy="749509"/>
           </a:xfrm>
           <a:prstGeom prst="roundRect">
@@ -9147,7 +9290,7 @@
         </p:nvSpPr>
         <p:spPr>
           <a:xfrm>
-            <a:off x="7366416" y="3357796"/>
+            <a:off x="7495008" y="3743572"/>
             <a:ext cx="1558976" cy="749509"/>
           </a:xfrm>
           <a:prstGeom prst="roundRect">
@@ -9193,7 +9336,7 @@
         </p:nvSpPr>
         <p:spPr>
           <a:xfrm>
-            <a:off x="6764470" y="2353455"/>
+            <a:off x="6893062" y="2739231"/>
             <a:ext cx="571966" cy="1588957"/>
           </a:xfrm>
           <a:prstGeom prst="curvedRightArrow">
@@ -9245,7 +9388,7 @@
         </p:nvSpPr>
         <p:spPr>
           <a:xfrm>
-            <a:off x="7556640" y="2288710"/>
+            <a:off x="7685232" y="2674486"/>
             <a:ext cx="1178528" cy="369332"/>
           </a:xfrm>
           <a:prstGeom prst="rect">
@@ -9275,7 +9418,7 @@
         </p:nvSpPr>
         <p:spPr>
           <a:xfrm>
-            <a:off x="7461667" y="3546965"/>
+            <a:off x="7590259" y="3932741"/>
             <a:ext cx="1326004" cy="369332"/>
           </a:xfrm>
           <a:prstGeom prst="rect">
@@ -9305,7 +9448,7 @@
         </p:nvSpPr>
         <p:spPr>
           <a:xfrm rot="16200000">
-            <a:off x="6654174" y="2986350"/>
+            <a:off x="6782766" y="3372126"/>
             <a:ext cx="628698" cy="323165"/>
           </a:xfrm>
           <a:prstGeom prst="rect">
@@ -9327,6 +9470,36 @@
           </a:p>
         </p:txBody>
       </p:sp>
+      <p:pic>
+        <p:nvPicPr>
+          <p:cNvPr id="7" name="Immagine 6"/>
+          <p:cNvPicPr>
+            <a:picLocks noChangeAspect="1"/>
+          </p:cNvPicPr>
+          <p:nvPr/>
+        </p:nvPicPr>
+        <p:blipFill>
+          <a:blip r:embed="rId2">
+            <a:extLst>
+              <a:ext uri="{28A0092B-C50C-407E-A947-70E740481C1C}">
+                <a14:useLocalDpi xmlns:a14="http://schemas.microsoft.com/office/drawing/2010/main" val="0"/>
+              </a:ext>
+            </a:extLst>
+          </a:blip>
+          <a:stretch>
+            <a:fillRect/>
+          </a:stretch>
+        </p:blipFill>
+        <p:spPr>
+          <a:xfrm>
+            <a:off x="7674768" y="1042706"/>
+            <a:ext cx="1033463" cy="1281494"/>
+          </a:xfrm>
+          <a:prstGeom prst="rect">
+            <a:avLst/>
+          </a:prstGeom>
+        </p:spPr>
+      </p:pic>
     </p:spTree>
     <p:extLst>
       <p:ext uri="{BB962C8B-B14F-4D97-AF65-F5344CB8AC3E}">
@@ -9512,10 +9685,6 @@
             <a:r>
               <a:rPr lang="it-IT" sz="2400" dirty="0" smtClean="0"/>
               <a:t> </a:t>
-            </a:r>
-            <a:r>
-              <a:rPr lang="it-IT" sz="2400" dirty="0" smtClean="0"/>
-              <a:t/>
             </a:r>
             <a:br>
               <a:rPr lang="it-IT" sz="2400" dirty="0" smtClean="0"/>
@@ -9635,7 +9804,7 @@
         </p:nvSpPr>
         <p:spPr>
           <a:xfrm>
-            <a:off x="3547653" y="2973048"/>
+            <a:off x="3561941" y="2973048"/>
             <a:ext cx="2016176" cy="793851"/>
           </a:xfrm>
           <a:prstGeom prst="rightArrow">
@@ -9957,7 +10126,6 @@
               <a:rPr lang="it-IT" sz="2400" dirty="0"/>
               <a:t>Conclusioni e sviluppi futuri</a:t>
             </a:r>
-            <a:endParaRPr lang="it-IT" sz="2400" dirty="0"/>
           </a:p>
         </p:txBody>
       </p:sp>
@@ -10055,7 +10223,12 @@
             <p:ph idx="1"/>
           </p:nvPr>
         </p:nvSpPr>
-        <p:spPr/>
+        <p:spPr>
+          <a:xfrm>
+            <a:off x="676387" y="1071562"/>
+            <a:ext cx="7772400" cy="1783578"/>
+          </a:xfrm>
+        </p:spPr>
         <p:txBody>
           <a:bodyPr/>
           <a:lstStyle/>
@@ -10127,7 +10300,7 @@
         </p:blipFill>
         <p:spPr>
           <a:xfrm>
-            <a:off x="1352775" y="2855140"/>
+            <a:off x="1352774" y="2785568"/>
             <a:ext cx="6419625" cy="3520440"/>
           </a:xfrm>
           <a:prstGeom prst="rect">
@@ -10218,8 +10391,12 @@
               <a:lstStyle/>
               <a:p>
                 <a:r>
+                  <a:rPr lang="it-IT" sz="2400" dirty="0" smtClean="0"/>
+                  <a:t>Prove </a:t>
+                </a:r>
+                <a:r>
                   <a:rPr lang="it-IT" sz="2400" dirty="0"/>
-                  <a:t>Prova a </a:t>
+                  <a:t>a </a:t>
                 </a:r>
                 <a:r>
                   <a:rPr lang="it-IT" sz="2400" b="1" dirty="0"/>
@@ -10239,7 +10416,15 @@
                 </a:r>
                 <a:r>
                   <a:rPr lang="it-IT" sz="2400" dirty="0" smtClean="0"/>
-                  <a:t>finale con bersaglio a </a:t>
+                  <a:t>finale con </a:t>
+                </a:r>
+                <a:r>
+                  <a:rPr lang="it-IT" sz="2400" dirty="0" smtClean="0"/>
+                  <a:t>ostacolo </a:t>
+                </a:r>
+                <a:r>
+                  <a:rPr lang="it-IT" sz="2400" dirty="0" smtClean="0"/>
+                  <a:t>a </a:t>
                 </a:r>
                 <a:r>
                   <a:rPr lang="it-IT" sz="2400" dirty="0"/>
@@ -10260,7 +10445,7 @@
                 </a:r>
                 <a:r>
                   <a:rPr lang="it-IT" sz="2000" b="1" dirty="0" smtClean="0"/>
-                  <a:t>1,3</a:t>
+                  <a:t>1.3</a:t>
                 </a:r>
                 <a:r>
                   <a:rPr lang="it-IT" sz="2000" dirty="0" smtClean="0"/>
@@ -10315,7 +10500,11 @@
                 </a:r>
                 <a:r>
                   <a:rPr lang="it-IT" sz="2000" b="1" dirty="0" smtClean="0"/>
-                  <a:t>2,4*</a:t>
+                  <a:t>2.4</a:t>
+                </a:r>
+                <a:r>
+                  <a:rPr lang="it-IT" sz="2000" b="1" dirty="0" smtClean="0"/>
+                  <a:t>*</a:t>
                 </a:r>
                 <a14:m>
                   <m:oMath xmlns:m="http://schemas.openxmlformats.org/officeDocument/2006/math">
@@ -10366,7 +10555,11 @@
                 </a:r>
                 <a:r>
                   <a:rPr lang="it-IT" sz="2000" b="1" dirty="0" smtClean="0"/>
-                  <a:t>6,5*</a:t>
+                  <a:t>6.5</a:t>
+                </a:r>
+                <a:r>
+                  <a:rPr lang="it-IT" sz="2000" b="1" dirty="0" smtClean="0"/>
+                  <a:t>*</a:t>
                 </a:r>
                 <a14:m>
                   <m:oMath xmlns:m="http://schemas.openxmlformats.org/officeDocument/2006/math">
@@ -10429,7 +10622,7 @@
                 <a:ext cx="7772400" cy="2823232"/>
               </a:xfrm>
               <a:blipFill rotWithShape="0">
-                <a:blip r:embed="rId2"/>
+                <a:blip r:embed="rId3"/>
                 <a:stretch>
                   <a:fillRect l="-1176" t="-1728" b="-648"/>
                 </a:stretch>
@@ -10483,7 +10676,7 @@
           <p:nvPr/>
         </p:nvPicPr>
         <p:blipFill>
-          <a:blip r:embed="rId3">
+          <a:blip r:embed="rId4">
             <a:extLst>
               <a:ext uri="{28A0092B-C50C-407E-A947-70E740481C1C}">
                 <a14:useLocalDpi xmlns:a14="http://schemas.microsoft.com/office/drawing/2010/main" val="0"/>
@@ -10513,7 +10706,7 @@
           <p:nvPr/>
         </p:nvPicPr>
         <p:blipFill>
-          <a:blip r:embed="rId4">
+          <a:blip r:embed="rId5">
             <a:extLst>
               <a:ext uri="{28A0092B-C50C-407E-A947-70E740481C1C}">
                 <a14:useLocalDpi xmlns:a14="http://schemas.microsoft.com/office/drawing/2010/main" val="0"/>
@@ -10543,7 +10736,7 @@
           <p:nvPr/>
         </p:nvPicPr>
         <p:blipFill>
-          <a:blip r:embed="rId5">
+          <a:blip r:embed="rId6">
             <a:extLst>
               <a:ext uri="{28A0092B-C50C-407E-A947-70E740481C1C}">
                 <a14:useLocalDpi xmlns:a14="http://schemas.microsoft.com/office/drawing/2010/main" val="0"/>
@@ -10673,11 +10866,7 @@
             <a:pPr lvl="1"/>
             <a:r>
               <a:rPr lang="it-IT" sz="2000" dirty="0" smtClean="0"/>
-              <a:t>Sistema </a:t>
-            </a:r>
-            <a:r>
-              <a:rPr lang="it-IT" sz="2000" dirty="0" smtClean="0"/>
-              <a:t>analogico</a:t>
+              <a:t>Sistema analogico</a:t>
             </a:r>
           </a:p>
           <a:p>
@@ -10865,8 +11054,12 @@
               <a:lstStyle/>
               <a:p>
                 <a:r>
+                  <a:rPr lang="it-IT" sz="2400" dirty="0" smtClean="0"/>
+                  <a:t>Prove </a:t>
+                </a:r>
+                <a:r>
                   <a:rPr lang="it-IT" sz="2400" dirty="0"/>
-                  <a:t>Prova a </a:t>
+                  <a:t>a </a:t>
                 </a:r>
                 <a:r>
                   <a:rPr lang="it-IT" sz="2400" b="1" dirty="0"/>
@@ -10881,14 +11074,34 @@
                   <a:t>con </a:t>
                 </a:r>
                 <a:r>
+                  <a:rPr lang="it-IT" sz="2400" dirty="0" smtClean="0"/>
+                  <a:t>ostacolo </a:t>
+                </a:r>
+                <a:r>
                   <a:rPr lang="it-IT" sz="2400" dirty="0"/>
-                  <a:t>bersaglio a 20, 50 e 90cm</a:t>
+                  <a:t>a 20, 50 e 90cm</a:t>
                 </a:r>
               </a:p>
               <a:p>
                 <a:r>
                   <a:rPr lang="it-IT" sz="2400" dirty="0"/>
-                  <a:t>Si è valutata la linearità allo spostamento dello strumento con passi da 200um:</a:t>
+                  <a:t>Si è valutata </a:t>
+                </a:r>
+                <a:r>
+                  <a:rPr lang="it-IT" sz="2400" dirty="0" smtClean="0"/>
+                  <a:t>l’accuratezza dello </a:t>
+                </a:r>
+                <a:r>
+                  <a:rPr lang="it-IT" sz="2400" dirty="0"/>
+                  <a:t>spostamento </a:t>
+                </a:r>
+                <a:r>
+                  <a:rPr lang="it-IT" sz="2400" dirty="0" smtClean="0"/>
+                  <a:t>con </a:t>
+                </a:r>
+                <a:r>
+                  <a:rPr lang="it-IT" sz="2400" dirty="0"/>
+                  <a:t>passi da 200um:</a:t>
                 </a:r>
               </a:p>
               <a:p>
@@ -10962,15 +11175,11 @@
                 </a:r>
                 <a:r>
                   <a:rPr lang="it-IT" sz="2000" dirty="0" smtClean="0"/>
-                  <a:t>: 124um </a:t>
-                </a:r>
-                <a:r>
-                  <a:rPr lang="it-IT" sz="2000" dirty="0" smtClean="0"/>
-                  <a:t>(</a:t>
+                  <a:t>: 124um (</a:t>
                 </a:r>
                 <a:r>
                   <a:rPr lang="it-IT" sz="2000" b="1" dirty="0" smtClean="0"/>
-                  <a:t>2,5</a:t>
+                  <a:t>2.5</a:t>
                 </a:r>
                 <a:r>
                   <a:rPr lang="it-IT" sz="2000" dirty="0" smtClean="0"/>
@@ -11033,7 +11242,7 @@
                 </a:r>
                 <a:r>
                   <a:rPr lang="it-IT" sz="2000" b="1" dirty="0" smtClean="0"/>
-                  <a:t>2,1</a:t>
+                  <a:t>2.1</a:t>
                 </a:r>
                 <a:r>
                   <a:rPr lang="it-IT" sz="2000" dirty="0" smtClean="0"/>
@@ -11140,7 +11349,7 @@
         </p:nvSpPr>
         <p:spPr>
           <a:xfrm>
-            <a:off x="7239000" y="6613160"/>
+            <a:off x="7239000" y="6553200"/>
             <a:ext cx="1905000" cy="304800"/>
           </a:xfrm>
         </p:spPr>
@@ -11153,7 +11362,7 @@
               <a:pPr/>
               <a:t>20</a:t>
             </a:fld>
-            <a:endParaRPr lang="en-US" altLang="nl-NL"/>
+            <a:endParaRPr lang="en-US" altLang="nl-NL" dirty="0"/>
           </a:p>
         </p:txBody>
       </p:sp>
@@ -11321,7 +11530,7 @@
             </p:nvSpPr>
             <p:spPr>
               <a:xfrm>
-                <a:off x="609600" y="1298376"/>
+                <a:off x="609600" y="969764"/>
                 <a:ext cx="7805738" cy="4718447"/>
               </a:xfrm>
             </p:spPr>
@@ -11338,7 +11547,11 @@
                 </a:br>
                 <a:r>
                   <a:rPr lang="it-IT" sz="2400" b="1" dirty="0" smtClean="0"/>
-                  <a:t>10 cm </a:t>
+                  <a:t>10 </a:t>
+                </a:r>
+                <a:r>
+                  <a:rPr lang="it-IT" sz="2400" b="1" dirty="0" smtClean="0"/>
+                  <a:t>cm </a:t>
                 </a:r>
                 <a:r>
                   <a:rPr lang="it-IT" sz="2400" b="1" dirty="0"/>
@@ -11352,40 +11565,22 @@
               </a:p>
               <a:p>
                 <a:r>
-                  <a:rPr lang="it-IT" sz="2200" dirty="0" smtClean="0"/>
-                  <a:t>Incertezza relativa di misura</a:t>
-                </a:r>
-                <a:r>
-                  <a:rPr lang="it-IT" sz="2200" dirty="0" smtClean="0">
-                    <a:latin typeface="+mj-lt"/>
-                  </a:rPr>
-                  <a:t>: </a:t>
+                  <a:rPr lang="it-IT" sz="2400" dirty="0"/>
+                  <a:t>Incertezza relativa di misura: </a:t>
                 </a:r>
                 <a:br>
-                  <a:rPr lang="it-IT" sz="2200" dirty="0" smtClean="0">
-                    <a:latin typeface="+mj-lt"/>
-                  </a:rPr>
+                  <a:rPr lang="it-IT" sz="2400" dirty="0"/>
                 </a:br>
                 <a:r>
-                  <a:rPr lang="it-IT" sz="2200" b="1" dirty="0" smtClean="0">
-                    <a:latin typeface="+mj-lt"/>
-                  </a:rPr>
-                  <a:t>2 </a:t>
-                </a:r>
-                <a:r>
-                  <a:rPr lang="it-IT" sz="2200" b="1" dirty="0" smtClean="0"/>
-                  <a:t>* </a:t>
+                  <a:rPr lang="it-IT" sz="2400" b="1" dirty="0"/>
+                  <a:t>2 * </a:t>
                 </a:r>
                 <a14:m>
                   <m:oMath xmlns:m="http://schemas.openxmlformats.org/officeDocument/2006/math">
                     <m:sSup>
                       <m:sSupPr>
                         <m:ctrlPr>
-                          <a:rPr lang="it-IT" sz="2200" b="1" i="1">
-                            <a:latin typeface="Cambria Math" charset="0"/>
-                            <a:ea typeface="Lucida Grande" charset="0"/>
-                            <a:cs typeface="Lucida Grande" charset="0"/>
-                          </a:rPr>
+                          <a:rPr lang="it-IT" sz="2400" b="1"/>
                         </m:ctrlPr>
                       </m:sSupPr>
                       <m:e>
@@ -11393,10 +11588,7 @@
                           <m:rPr>
                             <m:nor/>
                           </m:rPr>
-                          <a:rPr lang="it-IT" sz="2200" b="1">
-                            <a:ea typeface="Lucida Grande" charset="0"/>
-                            <a:cs typeface="Lucida Grande" charset="0"/>
-                          </a:rPr>
+                          <a:rPr lang="it-IT" sz="2400" b="1"/>
                           <m:t>10</m:t>
                         </m:r>
                       </m:e>
@@ -11405,10 +11597,7 @@
                           <m:rPr>
                             <m:nor/>
                           </m:rPr>
-                          <a:rPr lang="it-IT" sz="2200" b="1">
-                            <a:ea typeface="Lucida Grande" charset="0"/>
-                            <a:cs typeface="Lucida Grande" charset="0"/>
-                          </a:rPr>
+                          <a:rPr lang="it-IT" sz="2400" b="1"/>
                           <m:t>−4</m:t>
                         </m:r>
                       </m:sup>
@@ -11416,7 +11605,7 @@
                   </m:oMath>
                 </a14:m>
                 <a:r>
-                  <a:rPr lang="it-IT" sz="2200" b="1" dirty="0" smtClean="0"/>
+                  <a:rPr lang="it-IT" sz="2400" b="1" dirty="0"/>
                   <a:t> ÷ 8 * </a:t>
                 </a:r>
                 <a14:m>
@@ -11424,11 +11613,7 @@
                     <m:sSup>
                       <m:sSupPr>
                         <m:ctrlPr>
-                          <a:rPr lang="it-IT" sz="2200" b="1" i="1">
-                            <a:latin typeface="Cambria Math" charset="0"/>
-                            <a:ea typeface="Lucida Grande" charset="0"/>
-                            <a:cs typeface="Lucida Grande" charset="0"/>
-                          </a:rPr>
+                          <a:rPr lang="it-IT" sz="2400" b="1"/>
                         </m:ctrlPr>
                       </m:sSupPr>
                       <m:e>
@@ -11436,11 +11621,7 @@
                           <m:rPr>
                             <m:nor/>
                           </m:rPr>
-                          <a:rPr lang="it-IT" sz="2200" b="1" i="0">
-                            <a:latin typeface="+mj-lt"/>
-                            <a:ea typeface="Lucida Grande" charset="0"/>
-                            <a:cs typeface="Lucida Grande" charset="0"/>
-                          </a:rPr>
+                          <a:rPr lang="it-IT" sz="2400" b="1"/>
                           <m:t>10</m:t>
                         </m:r>
                       </m:e>
@@ -11449,22 +11630,14 @@
                           <m:rPr>
                             <m:nor/>
                           </m:rPr>
-                          <a:rPr lang="it-IT" sz="2200" b="1" i="0">
-                            <a:latin typeface="+mj-lt"/>
-                            <a:ea typeface="Lucida Grande" charset="0"/>
-                            <a:cs typeface="Lucida Grande" charset="0"/>
-                          </a:rPr>
+                          <a:rPr lang="it-IT" sz="2400" b="1"/>
                           <m:t>−4</m:t>
                         </m:r>
                       </m:sup>
                     </m:sSup>
                   </m:oMath>
                 </a14:m>
-                <a:endParaRPr lang="it-IT" sz="2200" b="1" dirty="0">
-                  <a:latin typeface="+mj-lt"/>
-                  <a:ea typeface="Lucida Grande" charset="0"/>
-                  <a:cs typeface="Lucida Grande" charset="0"/>
-                </a:endParaRPr>
+                <a:endParaRPr lang="it-IT" sz="2400" b="1" dirty="0"/>
               </a:p>
               <a:p>
                 <a:pPr lvl="1"/>
@@ -11473,8 +11646,12 @@
                   <a:t>20um </a:t>
                 </a:r>
                 <a:r>
+                  <a:rPr lang="it-IT" sz="2000" dirty="0"/>
+                  <a:t>a</a:t>
+                </a:r>
+                <a:r>
                   <a:rPr lang="it-IT" sz="2000" b="1" dirty="0"/>
-                  <a:t>a </a:t>
+                  <a:t> </a:t>
                 </a:r>
                 <a:r>
                   <a:rPr lang="it-IT" sz="2000" b="1" dirty="0" smtClean="0"/>
@@ -11485,7 +11662,15 @@
                 <a:pPr lvl="1"/>
                 <a:r>
                   <a:rPr lang="it-IT" sz="2000" b="1" dirty="0" smtClean="0"/>
-                  <a:t>550um a 70cm</a:t>
+                  <a:t>550um </a:t>
+                </a:r>
+                <a:r>
+                  <a:rPr lang="it-IT" sz="2000" dirty="0" smtClean="0"/>
+                  <a:t>a</a:t>
+                </a:r>
+                <a:r>
+                  <a:rPr lang="it-IT" sz="2000" b="1" dirty="0" smtClean="0"/>
+                  <a:t> 70cm</a:t>
                 </a:r>
                 <a:endParaRPr lang="it-IT" sz="2000" b="1" dirty="0"/>
               </a:p>
@@ -11496,8 +11681,12 @@
                   <a:t>500um </a:t>
                 </a:r>
                 <a:r>
+                  <a:rPr lang="it-IT" sz="2000" dirty="0"/>
+                  <a:t>a</a:t>
+                </a:r>
+                <a:r>
                   <a:rPr lang="it-IT" sz="2000" b="1" dirty="0"/>
-                  <a:t>a </a:t>
+                  <a:t> </a:t>
                 </a:r>
                 <a:r>
                   <a:rPr lang="it-IT" sz="2000" b="1" dirty="0" smtClean="0"/>
@@ -11656,13 +11845,13 @@
             </p:nvSpPr>
             <p:spPr>
               <a:xfrm>
-                <a:off x="609600" y="1298376"/>
+                <a:off x="609600" y="969764"/>
                 <a:ext cx="7805738" cy="4718447"/>
               </a:xfrm>
               <a:blipFill rotWithShape="0">
                 <a:blip r:embed="rId3"/>
                 <a:stretch>
-                  <a:fillRect l="-1094" t="-1163" b="-1421"/>
+                  <a:fillRect l="-1094" t="-1163" b="-2972"/>
                 </a:stretch>
               </a:blipFill>
             </p:spPr>
@@ -11754,8 +11943,8 @@
         </p:blipFill>
         <p:spPr bwMode="auto">
           <a:xfrm>
-            <a:off x="5156616" y="1298376"/>
-            <a:ext cx="3627620" cy="3079563"/>
+            <a:off x="5540665" y="1026916"/>
+            <a:ext cx="3396669" cy="2883504"/>
           </a:xfrm>
           <a:prstGeom prst="rect">
             <a:avLst/>
@@ -12034,7 +12223,6 @@
               <a:rPr lang="it-IT" sz="2400" dirty="0"/>
               <a:t>Conclusioni e sviluppi futuri</a:t>
             </a:r>
-            <a:endParaRPr lang="it-IT" sz="2400" dirty="0"/>
           </a:p>
         </p:txBody>
       </p:sp>
@@ -12534,7 +12722,6 @@
               <a:rPr lang="it-IT" sz="2400" dirty="0"/>
               <a:t>emessi dalla stessa sorgente laser </a:t>
             </a:r>
-            <a:endParaRPr lang="it-IT" sz="2400" dirty="0"/>
           </a:p>
         </p:txBody>
       </p:sp>
@@ -12584,8 +12771,8 @@
         </p:blipFill>
         <p:spPr>
           <a:xfrm>
-            <a:off x="609599" y="2377034"/>
-            <a:ext cx="4262439" cy="2882016"/>
+            <a:off x="609599" y="2265931"/>
+            <a:ext cx="4728023" cy="3196817"/>
           </a:xfrm>
           <a:prstGeom prst="rect">
             <a:avLst/>
@@ -12818,12 +13005,16 @@
               </a:spcAft>
             </a:pPr>
             <a:r>
+              <a:rPr lang="it-IT" sz="2400" dirty="0"/>
+              <a:t>È</a:t>
+            </a:r>
+            <a:r>
               <a:rPr lang="it-IT" sz="2400" dirty="0" smtClean="0"/>
-              <a:t>E</a:t>
+              <a:t> </a:t>
             </a:r>
             <a:r>
               <a:rPr lang="it-IT" sz="2400" dirty="0"/>
-              <a:t>’ formato da:</a:t>
+              <a:t>formato da:</a:t>
             </a:r>
           </a:p>
           <a:p>
@@ -12921,8 +13112,8 @@
         </p:nvSpPr>
         <p:spPr bwMode="auto">
           <a:xfrm>
-            <a:off x="609599" y="5547455"/>
-            <a:ext cx="8334375" cy="871539"/>
+            <a:off x="609599" y="5604702"/>
+            <a:ext cx="7162801" cy="871539"/>
           </a:xfrm>
           <a:prstGeom prst="rect">
             <a:avLst/>
@@ -13142,7 +13333,19 @@
             </a:r>
             <a:r>
               <a:rPr lang="it-IT" sz="2200" kern="0" dirty="0" smtClean="0"/>
-              <a:t> di realizzazione rispetto ad altre tecniche</a:t>
+              <a:t> di </a:t>
+            </a:r>
+            <a:r>
+              <a:rPr lang="it-IT" sz="2200" kern="0" dirty="0" smtClean="0"/>
+              <a:t>realizzazione e basso </a:t>
+            </a:r>
+            <a:r>
+              <a:rPr lang="it-IT" sz="2200" b="1" kern="0" dirty="0"/>
+              <a:t>c</a:t>
+            </a:r>
+            <a:r>
+              <a:rPr lang="it-IT" sz="2200" b="1" kern="0" dirty="0" smtClean="0"/>
+              <a:t>osto</a:t>
             </a:r>
           </a:p>
           <a:p>
@@ -13301,11 +13504,7 @@
           <a:p>
             <a:r>
               <a:rPr lang="it-IT" sz="2400" dirty="0"/>
-              <a:t>L’architettura è composta da</a:t>
-            </a:r>
-            <a:r>
-              <a:rPr lang="it-IT" sz="2400" dirty="0"/>
-              <a:t>:</a:t>
+              <a:t>L’architettura è composta da:</a:t>
             </a:r>
           </a:p>
           <a:p>
@@ -13345,19 +13544,7 @@
           <a:p>
             <a:r>
               <a:rPr lang="it-IT" sz="2400" dirty="0" smtClean="0"/>
-              <a:t>Il </a:t>
-            </a:r>
-            <a:r>
-              <a:rPr lang="it-IT" sz="2400" dirty="0" smtClean="0"/>
-              <a:t>fascio laser </a:t>
-            </a:r>
-            <a:r>
-              <a:rPr lang="it-IT" sz="2400" dirty="0" smtClean="0"/>
-              <a:t>emesso è </a:t>
-            </a:r>
-            <a:r>
-              <a:rPr lang="it-IT" sz="2400" dirty="0" smtClean="0"/>
-              <a:t>riflesso dal bersaglio e rientra nella cavità causando un fenomeno di </a:t>
+              <a:t>Il fascio laser emesso è riflesso dal bersaglio e rientra nella cavità causando un fenomeno di </a:t>
             </a:r>
             <a:r>
               <a:rPr lang="it-IT" sz="2400" b="1" dirty="0" smtClean="0"/>
@@ -13818,8 +14005,8 @@
           </p:sp>
         </mc:Fallback>
       </mc:AlternateContent>
-      <mc:AlternateContent xmlns:mc="http://schemas.openxmlformats.org/markup-compatibility/2006" xmlns:a14="http://schemas.microsoft.com/office/drawing/2010/main">
-        <mc:Choice Requires="a14">
+      <mc:AlternateContent xmlns:mc="http://schemas.openxmlformats.org/markup-compatibility/2006">
+        <mc:Choice xmlns:a14="http://schemas.microsoft.com/office/drawing/2010/main" Requires="a14">
           <p:sp>
             <p:nvSpPr>
               <p:cNvPr id="6" name="CasellaDiTesto 5"/>
@@ -13828,7 +14015,7 @@
             </p:nvSpPr>
             <p:spPr>
               <a:xfrm>
-                <a:off x="2939271" y="5665016"/>
+                <a:off x="3246453" y="5665016"/>
                 <a:ext cx="2503457" cy="733855"/>
               </a:xfrm>
               <a:prstGeom prst="rect">
@@ -13846,7 +14033,7 @@
                 <a14:m>
                   <m:oMathPara xmlns:m="http://schemas.openxmlformats.org/officeDocument/2006/math">
                     <m:oMathParaPr>
-                      <m:jc m:val="centerGroup"/>
+                      <m:jc m:val="center"/>
                     </m:oMathParaPr>
                     <m:oMath xmlns:m="http://schemas.openxmlformats.org/officeDocument/2006/math">
                       <m:r>
@@ -13974,7 +14161,7 @@
             </p:txBody>
           </p:sp>
         </mc:Choice>
-        <mc:Fallback xmlns="">
+        <mc:Fallback>
           <p:sp>
             <p:nvSpPr>
               <p:cNvPr id="6" name="CasellaDiTesto 5"/>
@@ -13985,7 +14172,7 @@
             </p:nvSpPr>
             <p:spPr>
               <a:xfrm>
-                <a:off x="2939271" y="5665016"/>
+                <a:off x="3246453" y="5665016"/>
                 <a:ext cx="2503457" cy="733855"/>
               </a:xfrm>
               <a:prstGeom prst="rect">
@@ -14256,7 +14443,7 @@
       </p:sp>
       <p:pic>
         <p:nvPicPr>
-          <p:cNvPr id="8" name="Immagine 7"/>
+          <p:cNvPr id="10" name="Immagine 9"/>
           <p:cNvPicPr>
             <a:picLocks noChangeAspect="1"/>
           </p:cNvPicPr>
@@ -14276,8 +14463,8 @@
         </p:blipFill>
         <p:spPr>
           <a:xfrm>
-            <a:off x="1925504" y="2561269"/>
-            <a:ext cx="5045339" cy="2297588"/>
+            <a:off x="1942706" y="2300763"/>
+            <a:ext cx="5739602" cy="2613321"/>
           </a:xfrm>
           <a:prstGeom prst="rect">
             <a:avLst/>
@@ -14438,11 +14625,7 @@
             <a:pPr lvl="1"/>
             <a:r>
               <a:rPr lang="it-IT" sz="2000" dirty="0" smtClean="0"/>
-              <a:t>Sistema </a:t>
-            </a:r>
-            <a:r>
-              <a:rPr lang="it-IT" sz="2000" dirty="0" smtClean="0"/>
-              <a:t>analogico</a:t>
+              <a:t>Sistema analogico</a:t>
             </a:r>
           </a:p>
           <a:p>
@@ -14994,7 +15177,7 @@
       </p:sp>
       <p:pic>
         <p:nvPicPr>
-          <p:cNvPr id="5" name="Immagine 4"/>
+          <p:cNvPr id="7" name="Immagine 6"/>
           <p:cNvPicPr>
             <a:picLocks noChangeAspect="1"/>
           </p:cNvPicPr>
@@ -15014,8 +15197,8 @@
         </p:blipFill>
         <p:spPr>
           <a:xfrm>
-            <a:off x="4452937" y="2650331"/>
-            <a:ext cx="3277932" cy="1069975"/>
+            <a:off x="609600" y="2423974"/>
+            <a:ext cx="3945826" cy="1430482"/>
           </a:xfrm>
           <a:prstGeom prst="rect">
             <a:avLst/>
@@ -15024,7 +15207,7 @@
       </p:pic>
       <p:pic>
         <p:nvPicPr>
-          <p:cNvPr id="6" name="Immagine 5"/>
+          <p:cNvPr id="8" name="Immagine 7"/>
           <p:cNvPicPr>
             <a:picLocks noChangeAspect="1"/>
           </p:cNvPicPr>
@@ -15044,8 +15227,8 @@
         </p:blipFill>
         <p:spPr>
           <a:xfrm>
-            <a:off x="984449" y="2113755"/>
-            <a:ext cx="3468488" cy="2084388"/>
+            <a:off x="4494890" y="1969776"/>
+            <a:ext cx="3801385" cy="2219839"/>
           </a:xfrm>
           <a:prstGeom prst="rect">
             <a:avLst/>
@@ -15441,9 +15624,9 @@
       </p:sp>
       <p:pic>
         <p:nvPicPr>
-          <p:cNvPr id="1026" name="Picture 2" descr="https://lh3.googleusercontent.com/Gr8Ecck_72gojMI-0ui5yEDvO2eiuwOYGdIj4B1u8nnMtjSPjmfE6C5nxNrav9B2aY6-AsLoCp2ymWlu_tW5EKOcigpDYLgGa6psfK77xVRZZF7BH8kL1xiNiYwUN5KBp53WsmV69Q"/>
+          <p:cNvPr id="6" name="Immagine 5"/>
           <p:cNvPicPr>
-            <a:picLocks noChangeAspect="1" noChangeArrowheads="1"/>
+            <a:picLocks noChangeAspect="1"/>
           </p:cNvPicPr>
           <p:nvPr/>
         </p:nvPicPr>
@@ -15455,29 +15638,18 @@
               </a:ext>
             </a:extLst>
           </a:blip>
-          <a:srcRect/>
           <a:stretch>
             <a:fillRect/>
           </a:stretch>
         </p:blipFill>
-        <p:spPr bwMode="auto">
+        <p:spPr>
           <a:xfrm>
-            <a:off x="2462212" y="2374105"/>
-            <a:ext cx="3457575" cy="3048001"/>
+            <a:off x="2512753" y="2324766"/>
+            <a:ext cx="3966094" cy="2972631"/>
           </a:xfrm>
           <a:prstGeom prst="rect">
             <a:avLst/>
           </a:prstGeom>
-          <a:noFill/>
-          <a:extLst>
-            <a:ext uri="{909E8E84-426E-40DD-AFC4-6F175D3DCCD1}">
-              <a14:hiddenFill xmlns:a14="http://schemas.microsoft.com/office/drawing/2010/main">
-                <a:solidFill>
-                  <a:srgbClr val="FFFFFF"/>
-                </a:solidFill>
-              </a14:hiddenFill>
-            </a:ext>
-          </a:extLst>
         </p:spPr>
       </p:pic>
     </p:spTree>

--- a/presentazione_discussione.pptx
+++ b/presentazione_discussione.pptx
@@ -23,9 +23,9 @@
     <p:sldId id="286" r:id="rId14"/>
     <p:sldId id="308" r:id="rId15"/>
     <p:sldId id="289" r:id="rId16"/>
-    <p:sldId id="290" r:id="rId17"/>
-    <p:sldId id="291" r:id="rId18"/>
-    <p:sldId id="305" r:id="rId19"/>
+    <p:sldId id="305" r:id="rId17"/>
+    <p:sldId id="290" r:id="rId18"/>
+    <p:sldId id="291" r:id="rId19"/>
     <p:sldId id="306" r:id="rId20"/>
     <p:sldId id="309" r:id="rId21"/>
     <p:sldId id="294" r:id="rId22"/>
@@ -415,7 +415,7 @@
             <a:fld id="{09D1D7E3-DE3F-4B7A-BF5B-A3735BF12F5F}" type="slidenum">
               <a:rPr lang="en-US" altLang="nl-NL"/>
               <a:pPr/>
-              <a:t>‹n.›</a:t>
+              <a:t>‹N›</a:t>
             </a:fld>
             <a:endParaRPr lang="en-US" altLang="nl-NL"/>
           </a:p>
@@ -754,7 +754,7 @@
             <a:fld id="{88C0D9CF-78A8-4FBE-960E-41C6F5A4AF95}" type="slidenum">
               <a:rPr lang="en-US" altLang="nl-NL"/>
               <a:pPr/>
-              <a:t>‹n.›</a:t>
+              <a:t>‹N›</a:t>
             </a:fld>
             <a:endParaRPr lang="en-US" altLang="nl-NL"/>
           </a:p>
@@ -2359,7 +2359,7 @@
             <a:fld id="{88C0D9CF-78A8-4FBE-960E-41C6F5A4AF95}" type="slidenum">
               <a:rPr lang="en-US" altLang="nl-NL" smtClean="0"/>
               <a:pPr/>
-              <a:t>13</a:t>
+              <a:t>14</a:t>
             </a:fld>
             <a:endParaRPr lang="en-US" altLang="nl-NL"/>
           </a:p>
@@ -3345,7 +3345,7 @@
             <a:fld id="{2A6090BC-14A4-4032-A8EA-D874EB653524}" type="slidenum">
               <a:rPr lang="en-US" altLang="nl-NL"/>
               <a:pPr/>
-              <a:t>‹n.›</a:t>
+              <a:t>‹N›</a:t>
             </a:fld>
             <a:endParaRPr lang="en-US" altLang="nl-NL"/>
           </a:p>
@@ -3493,7 +3493,7 @@
             <a:fld id="{BA594880-8A78-40E1-8D62-51F97D4059C0}" type="slidenum">
               <a:rPr lang="en-US" altLang="nl-NL"/>
               <a:pPr/>
-              <a:t>‹n.›</a:t>
+              <a:t>‹N›</a:t>
             </a:fld>
             <a:endParaRPr lang="en-US" altLang="nl-NL"/>
           </a:p>
@@ -3678,7 +3678,7 @@
             <a:fld id="{C503DA3A-0C6B-48FC-931E-2C786AAFD5C1}" type="slidenum">
               <a:rPr lang="en-US" altLang="nl-NL"/>
               <a:pPr/>
-              <a:t>‹n.›</a:t>
+              <a:t>‹N›</a:t>
             </a:fld>
             <a:endParaRPr lang="en-US" altLang="nl-NL"/>
           </a:p>
@@ -3868,7 +3868,7 @@
             <a:fld id="{22038E9A-44DA-4A7D-8119-4DEABABB9975}" type="slidenum">
               <a:rPr lang="en-US" altLang="nl-NL"/>
               <a:pPr/>
-              <a:t>‹n.›</a:t>
+              <a:t>‹N›</a:t>
             </a:fld>
             <a:endParaRPr lang="en-US" altLang="nl-NL"/>
           </a:p>
@@ -4124,7 +4124,7 @@
             <a:fld id="{003F0B5A-3573-418F-94B3-BD5F75DB60BD}" type="slidenum">
               <a:rPr lang="en-US" altLang="nl-NL"/>
               <a:pPr/>
-              <a:t>‹n.›</a:t>
+              <a:t>‹N›</a:t>
             </a:fld>
             <a:endParaRPr lang="en-US" altLang="nl-NL"/>
           </a:p>
@@ -4519,7 +4519,7 @@
             <a:fld id="{42D42EED-7338-48C6-AA31-2E9FCA4532B1}" type="slidenum">
               <a:rPr lang="en-US" altLang="nl-NL"/>
               <a:pPr/>
-              <a:t>‹n.›</a:t>
+              <a:t>‹N›</a:t>
             </a:fld>
             <a:endParaRPr lang="en-US" altLang="nl-NL"/>
           </a:p>
@@ -4605,7 +4605,7 @@
             <a:fld id="{BBD7032E-400A-4C6B-9075-7A7CB7960EE8}" type="slidenum">
               <a:rPr lang="en-US" altLang="nl-NL"/>
               <a:pPr/>
-              <a:t>‹n.›</a:t>
+              <a:t>‹N›</a:t>
             </a:fld>
             <a:endParaRPr lang="en-US" altLang="nl-NL"/>
           </a:p>
@@ -4668,7 +4668,7 @@
             <a:fld id="{ED3AC776-BC4C-444F-A902-0153286FE118}" type="slidenum">
               <a:rPr lang="en-US" altLang="nl-NL"/>
               <a:pPr/>
-              <a:t>‹n.›</a:t>
+              <a:t>‹N›</a:t>
             </a:fld>
             <a:endParaRPr lang="en-US" altLang="nl-NL"/>
           </a:p>
@@ -4913,7 +4913,7 @@
             <a:fld id="{E5F65DD3-3E3C-40FA-A044-BE029E819A96}" type="slidenum">
               <a:rPr lang="en-US" altLang="nl-NL"/>
               <a:pPr/>
-              <a:t>‹n.›</a:t>
+              <a:t>‹N›</a:t>
             </a:fld>
             <a:endParaRPr lang="en-US" altLang="nl-NL"/>
           </a:p>
@@ -5139,7 +5139,7 @@
             <a:fld id="{D32360F0-7900-4280-B4D3-DB562730877F}" type="slidenum">
               <a:rPr lang="en-US" altLang="nl-NL"/>
               <a:pPr/>
-              <a:t>‹n.›</a:t>
+              <a:t>‹N›</a:t>
             </a:fld>
             <a:endParaRPr lang="en-US" altLang="nl-NL"/>
           </a:p>
@@ -5483,7 +5483,7 @@
             <a:fld id="{D11F1AE1-4445-46D7-BD14-4F1456A53146}" type="slidenum">
               <a:rPr lang="en-US" altLang="nl-NL"/>
               <a:pPr/>
-              <a:t>‹n.›</a:t>
+              <a:t>‹N›</a:t>
             </a:fld>
             <a:endParaRPr lang="en-US" altLang="nl-NL"/>
           </a:p>
@@ -7431,11 +7431,7 @@
             <a:pPr algn="ctr"/>
             <a:r>
               <a:rPr lang="it-IT" sz="2000" dirty="0" smtClean="0"/>
-              <a:t>Sistema </a:t>
-            </a:r>
-            <a:r>
-              <a:rPr lang="it-IT" sz="2000" dirty="0" smtClean="0"/>
-              <a:t>di conversione</a:t>
+              <a:t>Sistema di conversione</a:t>
             </a:r>
             <a:endParaRPr lang="it-IT" sz="2000" dirty="0"/>
           </a:p>
@@ -8323,7 +8319,7 @@
           <a:p>
             <a:r>
               <a:rPr lang="it-IT" dirty="0" smtClean="0"/>
-              <a:t>FPGA</a:t>
+              <a:t>Dettagli implementativi</a:t>
             </a:r>
             <a:endParaRPr lang="it-IT" dirty="0"/>
           </a:p>
@@ -8341,8 +8337,8 @@
         </p:nvSpPr>
         <p:spPr>
           <a:xfrm>
-            <a:off x="609600" y="1024102"/>
-            <a:ext cx="8120063" cy="5093494"/>
+            <a:off x="609600" y="1057274"/>
+            <a:ext cx="7648575" cy="5186363"/>
           </a:xfrm>
         </p:spPr>
         <p:txBody>
@@ -8350,128 +8346,150 @@
           <a:lstStyle/>
           <a:p>
             <a:r>
+              <a:rPr lang="it-IT" sz="2400" dirty="0"/>
+              <a:t>Ambiente di sviluppo: </a:t>
+            </a:r>
+            <a:r>
+              <a:rPr lang="it-IT" sz="2400" b="1" dirty="0"/>
+              <a:t>NI </a:t>
+            </a:r>
+            <a:r>
+              <a:rPr lang="it-IT" sz="2400" b="1" dirty="0" err="1"/>
+              <a:t>LabVIEW</a:t>
+            </a:r>
+            <a:endParaRPr lang="it-IT" sz="2400" dirty="0"/>
+          </a:p>
+          <a:p>
+            <a:pPr lvl="1"/>
+            <a:r>
+              <a:rPr lang="it-IT" sz="2000" b="1" dirty="0"/>
+              <a:t>FPGA </a:t>
+            </a:r>
+            <a:r>
+              <a:rPr lang="it-IT" sz="2000" dirty="0" err="1"/>
+              <a:t>Module</a:t>
+            </a:r>
+            <a:endParaRPr lang="it-IT" sz="2000" b="1" dirty="0"/>
+          </a:p>
+          <a:p>
+            <a:pPr lvl="1"/>
+            <a:r>
+              <a:rPr lang="it-IT" sz="2000" b="1" dirty="0"/>
+              <a:t>Real-Time </a:t>
+            </a:r>
+            <a:r>
+              <a:rPr lang="it-IT" sz="2000" dirty="0" err="1" smtClean="0"/>
+              <a:t>Module</a:t>
+            </a:r>
+            <a:r>
+              <a:rPr lang="it-IT" sz="2000" dirty="0" smtClean="0"/>
+              <a:t/>
+            </a:r>
+            <a:br>
+              <a:rPr lang="it-IT" sz="2000" dirty="0" smtClean="0"/>
+            </a:br>
+            <a:endParaRPr lang="it-IT" sz="2000" b="1" dirty="0"/>
+          </a:p>
+          <a:p>
+            <a:r>
+              <a:rPr lang="it-IT" sz="2400" dirty="0"/>
+              <a:t>Struttura a cicli paralleli </a:t>
+            </a:r>
+            <a:r>
               <a:rPr lang="it-IT" sz="2400" dirty="0" smtClean="0"/>
-              <a:t>Le funzionalità svolte in hardware dal FPGA sono:</a:t>
+              <a:t>con </a:t>
+            </a:r>
+            <a:r>
+              <a:rPr lang="it-IT" sz="2400" dirty="0"/>
+              <a:t>scambio </a:t>
+            </a:r>
+            <a:r>
+              <a:rPr lang="it-IT" sz="2400" dirty="0" smtClean="0"/>
+              <a:t/>
             </a:r>
             <a:br>
               <a:rPr lang="it-IT" sz="2400" dirty="0" smtClean="0"/>
             </a:br>
-            <a:endParaRPr lang="it-IT" sz="2400" dirty="0" smtClean="0"/>
+            <a:r>
+              <a:rPr lang="it-IT" sz="2400" dirty="0" smtClean="0"/>
+              <a:t>di </a:t>
+            </a:r>
+            <a:r>
+              <a:rPr lang="it-IT" sz="2400" dirty="0"/>
+              <a:t>dati tramite code </a:t>
+            </a:r>
+            <a:r>
+              <a:rPr lang="it-IT" sz="2400" b="1" dirty="0"/>
+              <a:t>FIFO</a:t>
+            </a:r>
+            <a:endParaRPr lang="it-IT" sz="2400" dirty="0"/>
           </a:p>
           <a:p>
             <a:pPr lvl="1"/>
             <a:r>
+              <a:rPr lang="it-IT" sz="2000" dirty="0"/>
+              <a:t>Pattern </a:t>
+            </a:r>
+            <a:r>
               <a:rPr lang="it-IT" sz="2000" b="1" dirty="0" smtClean="0"/>
-              <a:t>Generazione</a:t>
-            </a:r>
-            <a:r>
-              <a:rPr lang="it-IT" sz="2000" dirty="0" smtClean="0"/>
-              <a:t> del </a:t>
+              <a:t>Producer-Consumer</a:t>
             </a:r>
             <a:br>
-              <a:rPr lang="it-IT" sz="2000" dirty="0" smtClean="0"/>
+              <a:rPr lang="it-IT" sz="2000" b="1" dirty="0" smtClean="0"/>
             </a:br>
-            <a:r>
-              <a:rPr lang="it-IT" sz="2000" dirty="0" smtClean="0"/>
-              <a:t>segnale di modulazione </a:t>
-            </a:r>
-            <a:r>
-              <a:rPr lang="it-IT" sz="2000" i="1" dirty="0" smtClean="0"/>
+            <a:endParaRPr lang="it-IT" sz="2000" dirty="0"/>
+          </a:p>
+          <a:p>
+            <a:r>
+              <a:rPr lang="it-IT" sz="2400" b="1" dirty="0"/>
+              <a:t>DMA</a:t>
+            </a:r>
+            <a:r>
+              <a:rPr lang="it-IT" sz="2400" dirty="0"/>
+              <a:t> per lo scambio di dati tra FPGA </a:t>
+            </a:r>
+            <a:r>
+              <a:rPr lang="it-IT" sz="2400" dirty="0" smtClean="0"/>
+              <a:t>e microcontrollore</a:t>
+            </a:r>
+            <a:br>
+              <a:rPr lang="it-IT" sz="2400" dirty="0" smtClean="0"/>
+            </a:br>
+            <a:endParaRPr lang="it-IT" sz="2400" dirty="0"/>
+          </a:p>
+          <a:p>
+            <a:r>
+              <a:rPr lang="it-IT" sz="2400" dirty="0"/>
+              <a:t>Aritmetica </a:t>
+            </a:r>
+            <a:r>
+              <a:rPr lang="it-IT" sz="2400" b="1" dirty="0" err="1"/>
+              <a:t>fixed</a:t>
+            </a:r>
+            <a:r>
+              <a:rPr lang="it-IT" sz="2400" b="1" dirty="0"/>
+              <a:t> </a:t>
+            </a:r>
+            <a:r>
+              <a:rPr lang="it-IT" sz="2400" b="1" dirty="0" err="1"/>
+              <a:t>point</a:t>
+            </a:r>
+            <a:r>
+              <a:rPr lang="it-IT" sz="2400" dirty="0"/>
+              <a:t> per migliorare le prestazioni su </a:t>
+            </a:r>
+            <a:r>
+              <a:rPr lang="it-IT" sz="2400" dirty="0" smtClean="0"/>
+              <a:t>FPGA</a:t>
+            </a:r>
+            <a:r>
+              <a:rPr lang="it-IT" sz="2400" dirty="0"/>
               <a:t/>
             </a:r>
             <a:br>
-              <a:rPr lang="it-IT" sz="2000" i="1" dirty="0" smtClean="0"/>
+              <a:rPr lang="it-IT" sz="2400" dirty="0"/>
             </a:br>
-            <a:endParaRPr lang="it-IT" sz="2000" i="1" dirty="0" smtClean="0"/>
-          </a:p>
-          <a:p>
-            <a:pPr lvl="1"/>
-            <a:r>
-              <a:rPr lang="it-IT" sz="2000" b="1" dirty="0" smtClean="0"/>
-              <a:t>Campionamento</a:t>
-            </a:r>
-            <a:r>
-              <a:rPr lang="it-IT" sz="2000" dirty="0" smtClean="0"/>
-              <a:t> </a:t>
-            </a:r>
-            <a:br>
-              <a:rPr lang="it-IT" sz="2000" dirty="0" smtClean="0"/>
-            </a:br>
-            <a:r>
-              <a:rPr lang="it-IT" sz="2000" dirty="0" smtClean="0"/>
-              <a:t>del segnale interferometrico </a:t>
-            </a:r>
-            <a:br>
-              <a:rPr lang="it-IT" sz="2000" dirty="0" smtClean="0"/>
-            </a:br>
-            <a:r>
-              <a:rPr lang="it-IT" sz="2000" dirty="0" smtClean="0"/>
-              <a:t>a </a:t>
-            </a:r>
-            <a:r>
-              <a:rPr lang="it-IT" sz="2000" i="1" dirty="0" smtClean="0"/>
-              <a:t>30MHz</a:t>
-            </a:r>
-            <a:br>
-              <a:rPr lang="it-IT" sz="2000" i="1" dirty="0" smtClean="0"/>
-            </a:br>
-            <a:endParaRPr lang="it-IT" sz="2000" i="1" dirty="0" smtClean="0"/>
-          </a:p>
-          <a:p>
-            <a:pPr lvl="1"/>
-            <a:r>
-              <a:rPr lang="it-IT" sz="2000" dirty="0" smtClean="0"/>
-              <a:t>Calcolo </a:t>
-            </a:r>
-            <a:br>
-              <a:rPr lang="it-IT" sz="2000" dirty="0" smtClean="0"/>
-            </a:br>
-            <a:r>
-              <a:rPr lang="it-IT" sz="2000" dirty="0" smtClean="0"/>
-              <a:t>della </a:t>
-            </a:r>
-            <a:r>
-              <a:rPr lang="it-IT" sz="2000" b="1" dirty="0" smtClean="0"/>
-              <a:t>Fast Fourier </a:t>
-            </a:r>
-            <a:r>
-              <a:rPr lang="it-IT" sz="2000" b="1" dirty="0" err="1" smtClean="0"/>
-              <a:t>Transform</a:t>
-            </a:r>
-            <a:r>
-              <a:rPr lang="it-IT" sz="2000" b="1" dirty="0" smtClean="0"/>
-              <a:t> </a:t>
-            </a:r>
-            <a:r>
-              <a:rPr lang="it-IT" sz="2000" dirty="0" smtClean="0"/>
-              <a:t>(FFT)</a:t>
-            </a:r>
-            <a:br>
-              <a:rPr lang="it-IT" sz="2000" dirty="0" smtClean="0"/>
-            </a:br>
-            <a:endParaRPr lang="it-IT" sz="2000" dirty="0" smtClean="0"/>
-          </a:p>
-          <a:p>
-            <a:pPr lvl="1"/>
-            <a:r>
-              <a:rPr lang="it-IT" sz="2000" dirty="0" smtClean="0"/>
-              <a:t>Estrazione </a:t>
-            </a:r>
-            <a:br>
-              <a:rPr lang="it-IT" sz="2000" dirty="0" smtClean="0"/>
-            </a:br>
-            <a:r>
-              <a:rPr lang="it-IT" sz="2000" dirty="0" smtClean="0"/>
-              <a:t>del </a:t>
-            </a:r>
-            <a:r>
-              <a:rPr lang="it-IT" sz="2000" b="1" dirty="0" smtClean="0"/>
-              <a:t>tono fondamentale </a:t>
-            </a:r>
-            <a:r>
-              <a:rPr lang="it-IT" sz="2000" dirty="0" smtClean="0"/>
-              <a:t>dal FFT</a:t>
-            </a:r>
+            <a:endParaRPr lang="it-IT" sz="1800" dirty="0"/>
           </a:p>
         </p:txBody>
       </p:sp>
@@ -8499,16 +8517,248 @@
           </a:p>
         </p:txBody>
       </p:sp>
+      <p:sp>
+        <p:nvSpPr>
+          <p:cNvPr id="5" name="Rettangolo arrotondato 4"/>
+          <p:cNvSpPr/>
+          <p:nvPr/>
+        </p:nvSpPr>
+        <p:spPr>
+          <a:xfrm>
+            <a:off x="7473773" y="2484398"/>
+            <a:ext cx="1558976" cy="749509"/>
+          </a:xfrm>
+          <a:prstGeom prst="roundRect">
+            <a:avLst/>
+          </a:prstGeom>
+          <a:noFill/>
+          <a:ln>
+            <a:solidFill>
+              <a:srgbClr val="0070C0"/>
+            </a:solidFill>
+          </a:ln>
+        </p:spPr>
+        <p:style>
+          <a:lnRef idx="1">
+            <a:schemeClr val="accent1"/>
+          </a:lnRef>
+          <a:fillRef idx="3">
+            <a:schemeClr val="accent1"/>
+          </a:fillRef>
+          <a:effectRef idx="2">
+            <a:schemeClr val="accent1"/>
+          </a:effectRef>
+          <a:fontRef idx="minor">
+            <a:schemeClr val="lt1"/>
+          </a:fontRef>
+        </p:style>
+        <p:txBody>
+          <a:bodyPr rtlCol="0" anchor="ctr"/>
+          <a:lstStyle/>
+          <a:p>
+            <a:pPr algn="ctr"/>
+            <a:endParaRPr lang="it-IT"/>
+          </a:p>
+        </p:txBody>
+      </p:sp>
+      <p:sp>
+        <p:nvSpPr>
+          <p:cNvPr id="6" name="Rettangolo arrotondato 5"/>
+          <p:cNvSpPr/>
+          <p:nvPr/>
+        </p:nvSpPr>
+        <p:spPr>
+          <a:xfrm>
+            <a:off x="7495008" y="3743572"/>
+            <a:ext cx="1558976" cy="749509"/>
+          </a:xfrm>
+          <a:prstGeom prst="roundRect">
+            <a:avLst/>
+          </a:prstGeom>
+          <a:solidFill>
+            <a:schemeClr val="bg1"/>
+          </a:solidFill>
+          <a:ln>
+            <a:solidFill>
+              <a:srgbClr val="0070C0"/>
+            </a:solidFill>
+          </a:ln>
+        </p:spPr>
+        <p:style>
+          <a:lnRef idx="1">
+            <a:schemeClr val="accent1"/>
+          </a:lnRef>
+          <a:fillRef idx="3">
+            <a:schemeClr val="accent1"/>
+          </a:fillRef>
+          <a:effectRef idx="2">
+            <a:schemeClr val="accent1"/>
+          </a:effectRef>
+          <a:fontRef idx="minor">
+            <a:schemeClr val="lt1"/>
+          </a:fontRef>
+        </p:style>
+        <p:txBody>
+          <a:bodyPr rtlCol="0" anchor="ctr"/>
+          <a:lstStyle/>
+          <a:p>
+            <a:pPr algn="ctr"/>
+            <a:endParaRPr lang="it-IT"/>
+          </a:p>
+        </p:txBody>
+      </p:sp>
+      <p:sp>
+        <p:nvSpPr>
+          <p:cNvPr id="8" name="Freccia circolare a destra 7"/>
+          <p:cNvSpPr/>
+          <p:nvPr/>
+        </p:nvSpPr>
+        <p:spPr>
+          <a:xfrm>
+            <a:off x="6893062" y="2739231"/>
+            <a:ext cx="571966" cy="1588957"/>
+          </a:xfrm>
+          <a:prstGeom prst="curvedRightArrow">
+            <a:avLst/>
+          </a:prstGeom>
+          <a:gradFill>
+            <a:gsLst>
+              <a:gs pos="0">
+                <a:srgbClr val="0070C0"/>
+              </a:gs>
+              <a:gs pos="100000">
+                <a:srgbClr val="00B0F0"/>
+              </a:gs>
+            </a:gsLst>
+          </a:gradFill>
+        </p:spPr>
+        <p:style>
+          <a:lnRef idx="1">
+            <a:schemeClr val="accent1"/>
+          </a:lnRef>
+          <a:fillRef idx="3">
+            <a:schemeClr val="accent1"/>
+          </a:fillRef>
+          <a:effectRef idx="2">
+            <a:schemeClr val="accent1"/>
+          </a:effectRef>
+          <a:fontRef idx="minor">
+            <a:schemeClr val="lt1"/>
+          </a:fontRef>
+        </p:style>
+        <p:txBody>
+          <a:bodyPr rtlCol="0" anchor="ctr"/>
+          <a:lstStyle/>
+          <a:p>
+            <a:pPr algn="ctr"/>
+            <a:endParaRPr lang="it-IT">
+              <a:solidFill>
+                <a:schemeClr val="tx1"/>
+              </a:solidFill>
+            </a:endParaRPr>
+          </a:p>
+        </p:txBody>
+      </p:sp>
+      <p:sp>
+        <p:nvSpPr>
+          <p:cNvPr id="9" name="CasellaDiTesto 8"/>
+          <p:cNvSpPr txBox="1"/>
+          <p:nvPr/>
+        </p:nvSpPr>
+        <p:spPr>
+          <a:xfrm>
+            <a:off x="7685232" y="2674486"/>
+            <a:ext cx="1178528" cy="369332"/>
+          </a:xfrm>
+          <a:prstGeom prst="rect">
+            <a:avLst/>
+          </a:prstGeom>
+          <a:noFill/>
+        </p:spPr>
+        <p:txBody>
+          <a:bodyPr wrap="none" rtlCol="0">
+            <a:spAutoFit/>
+          </a:bodyPr>
+          <a:lstStyle/>
+          <a:p>
+            <a:r>
+              <a:rPr lang="it-IT" sz="1800" dirty="0" smtClean="0"/>
+              <a:t>Producer</a:t>
+            </a:r>
+            <a:endParaRPr lang="it-IT" sz="1800" dirty="0"/>
+          </a:p>
+        </p:txBody>
+      </p:sp>
+      <p:sp>
+        <p:nvSpPr>
+          <p:cNvPr id="10" name="CasellaDiTesto 9"/>
+          <p:cNvSpPr txBox="1"/>
+          <p:nvPr/>
+        </p:nvSpPr>
+        <p:spPr>
+          <a:xfrm>
+            <a:off x="7590259" y="3932741"/>
+            <a:ext cx="1326004" cy="369332"/>
+          </a:xfrm>
+          <a:prstGeom prst="rect">
+            <a:avLst/>
+          </a:prstGeom>
+          <a:noFill/>
+        </p:spPr>
+        <p:txBody>
+          <a:bodyPr wrap="none" rtlCol="0">
+            <a:spAutoFit/>
+          </a:bodyPr>
+          <a:lstStyle/>
+          <a:p>
+            <a:r>
+              <a:rPr lang="it-IT" sz="1800" dirty="0" smtClean="0"/>
+              <a:t>Consumer</a:t>
+            </a:r>
+            <a:endParaRPr lang="it-IT" sz="1800" dirty="0"/>
+          </a:p>
+        </p:txBody>
+      </p:sp>
+      <p:sp>
+        <p:nvSpPr>
+          <p:cNvPr id="11" name="CasellaDiTesto 10"/>
+          <p:cNvSpPr txBox="1"/>
+          <p:nvPr/>
+        </p:nvSpPr>
+        <p:spPr>
+          <a:xfrm rot="16200000">
+            <a:off x="6782766" y="3372126"/>
+            <a:ext cx="628698" cy="323165"/>
+          </a:xfrm>
+          <a:prstGeom prst="rect">
+            <a:avLst/>
+          </a:prstGeom>
+          <a:noFill/>
+        </p:spPr>
+        <p:txBody>
+          <a:bodyPr wrap="none" rtlCol="0">
+            <a:spAutoFit/>
+          </a:bodyPr>
+          <a:lstStyle/>
+          <a:p>
+            <a:r>
+              <a:rPr lang="it-IT" sz="1500" b="1" dirty="0" smtClean="0"/>
+              <a:t>FIFO</a:t>
+            </a:r>
+            <a:endParaRPr lang="it-IT" sz="1500" b="1" dirty="0"/>
+          </a:p>
+        </p:txBody>
+      </p:sp>
       <p:pic>
         <p:nvPicPr>
-          <p:cNvPr id="9" name="Immagine 8"/>
+          <p:cNvPr id="7" name="Immagine 6"/>
           <p:cNvPicPr>
             <a:picLocks noChangeAspect="1"/>
           </p:cNvPicPr>
           <p:nvPr/>
         </p:nvPicPr>
         <p:blipFill>
-          <a:blip r:embed="rId3">
+          <a:blip r:embed="rId2">
             <a:extLst>
               <a:ext uri="{28A0092B-C50C-407E-A947-70E740481C1C}">
                 <a14:useLocalDpi xmlns:a14="http://schemas.microsoft.com/office/drawing/2010/main" val="0"/>
@@ -8521,8 +8771,8 @@
         </p:blipFill>
         <p:spPr>
           <a:xfrm>
-            <a:off x="5666509" y="1486069"/>
-            <a:ext cx="3619664" cy="5136406"/>
+            <a:off x="7674768" y="1042706"/>
+            <a:ext cx="1033463" cy="1281494"/>
           </a:xfrm>
           <a:prstGeom prst="rect">
             <a:avLst/>
@@ -8532,7 +8782,7 @@
     </p:spTree>
     <p:extLst>
       <p:ext uri="{BB962C8B-B14F-4D97-AF65-F5344CB8AC3E}">
-        <p14:creationId xmlns:p14="http://schemas.microsoft.com/office/powerpoint/2010/main" val="2462577009"/>
+        <p14:creationId xmlns:p14="http://schemas.microsoft.com/office/powerpoint/2010/main" val="721427499"/>
       </p:ext>
     </p:extLst>
   </p:cSld>
@@ -8583,7 +8833,7 @@
           <a:p>
             <a:r>
               <a:rPr lang="it-IT" dirty="0" smtClean="0"/>
-              <a:t>Microcontrollore</a:t>
+              <a:t>FPGA</a:t>
             </a:r>
             <a:endParaRPr lang="it-IT" dirty="0"/>
           </a:p>
@@ -8601,74 +8851,121 @@
         </p:nvSpPr>
         <p:spPr>
           <a:xfrm>
-            <a:off x="609600" y="903087"/>
-            <a:ext cx="7772400" cy="5286375"/>
+            <a:off x="609600" y="1024102"/>
+            <a:ext cx="8120063" cy="5093494"/>
           </a:xfrm>
         </p:spPr>
         <p:txBody>
           <a:bodyPr/>
           <a:lstStyle/>
           <a:p>
-            <a:pPr>
-              <a:lnSpc>
-                <a:spcPct val="200000"/>
-              </a:lnSpc>
-            </a:pPr>
-            <a:r>
-              <a:rPr lang="it-IT" sz="2400" dirty="0"/>
-              <a:t>Le funzionalità </a:t>
-            </a:r>
             <a:r>
               <a:rPr lang="it-IT" sz="2400" dirty="0" smtClean="0"/>
-              <a:t>svolte dal microcontrollore sono: </a:t>
-            </a:r>
+              <a:t>Le funzionalità svolte in hardware dal FPGA sono:</a:t>
+            </a:r>
+            <a:br>
+              <a:rPr lang="it-IT" sz="2400" dirty="0" smtClean="0"/>
+            </a:br>
+            <a:endParaRPr lang="it-IT" sz="2400" dirty="0" smtClean="0"/>
           </a:p>
           <a:p>
             <a:pPr lvl="1"/>
             <a:r>
-              <a:rPr lang="it-IT" sz="2000" dirty="0"/>
-              <a:t>Calcolo </a:t>
+              <a:rPr lang="it-IT" sz="2000" b="1" dirty="0" smtClean="0"/>
+              <a:t>Generazione</a:t>
             </a:r>
             <a:r>
               <a:rPr lang="it-IT" sz="2000" dirty="0" smtClean="0"/>
-              <a:t>dell’</a:t>
-            </a:r>
-            <a:r>
-              <a:rPr lang="it-IT" sz="2000" b="1" dirty="0" err="1" smtClean="0"/>
-              <a:t>Interpolated</a:t>
-            </a:r>
-            <a:r>
-              <a:rPr lang="it-IT" sz="2000" dirty="0" smtClean="0"/>
-              <a:t> </a:t>
-            </a:r>
-            <a:r>
-              <a:rPr lang="it-IT" sz="2000" b="1" dirty="0" smtClean="0"/>
-              <a:t>FFT</a:t>
-            </a:r>
-            <a:r>
-              <a:rPr lang="it-IT" sz="2000" dirty="0" smtClean="0"/>
-              <a:t> (IFFT)</a:t>
+              <a:t> del </a:t>
             </a:r>
             <a:br>
               <a:rPr lang="it-IT" sz="2000" dirty="0" smtClean="0"/>
             </a:br>
             <a:r>
-              <a:rPr lang="it-IT" sz="2000" dirty="0"/>
+              <a:rPr lang="it-IT" sz="2000" dirty="0" smtClean="0"/>
+              <a:t>segnale di modulazione </a:t>
+            </a:r>
+            <a:r>
+              <a:rPr lang="it-IT" sz="2000" i="1" dirty="0" smtClean="0"/>
               <a:t/>
             </a:r>
             <a:br>
-              <a:rPr lang="it-IT" sz="2000" dirty="0"/>
+              <a:rPr lang="it-IT" sz="2000" i="1" dirty="0" smtClean="0"/>
             </a:br>
-            <a:r>
-              <a:rPr lang="it-IT" sz="2000" dirty="0"/>
+            <a:endParaRPr lang="it-IT" sz="2000" i="1" dirty="0" smtClean="0"/>
+          </a:p>
+          <a:p>
+            <a:pPr lvl="1"/>
+            <a:r>
+              <a:rPr lang="it-IT" sz="2000" b="1" dirty="0" smtClean="0"/>
+              <a:t>Campionamento</a:t>
+            </a:r>
+            <a:r>
+              <a:rPr lang="it-IT" sz="2000" dirty="0" smtClean="0"/>
+              <a:t> </a:t>
+            </a:r>
+            <a:br>
+              <a:rPr lang="it-IT" sz="2000" dirty="0" smtClean="0"/>
+            </a:br>
+            <a:r>
+              <a:rPr lang="it-IT" sz="2000" dirty="0" smtClean="0"/>
+              <a:t>del segnale interferometrico </a:t>
+            </a:r>
+            <a:br>
+              <a:rPr lang="it-IT" sz="2000" dirty="0" smtClean="0"/>
+            </a:br>
+            <a:r>
+              <a:rPr lang="it-IT" sz="2000" dirty="0" smtClean="0"/>
+              <a:t>a </a:t>
+            </a:r>
+            <a:r>
+              <a:rPr lang="it-IT" sz="2000" i="1" dirty="0" smtClean="0"/>
+              <a:t>30MHz</a:t>
+            </a:r>
+            <a:br>
+              <a:rPr lang="it-IT" sz="2000" i="1" dirty="0" smtClean="0"/>
+            </a:br>
+            <a:endParaRPr lang="it-IT" sz="2000" i="1" dirty="0" smtClean="0"/>
+          </a:p>
+          <a:p>
+            <a:pPr lvl="1"/>
+            <a:r>
+              <a:rPr lang="it-IT" sz="2000" dirty="0" smtClean="0"/>
+              <a:t>Calcolo </a:t>
+            </a:r>
+            <a:br>
+              <a:rPr lang="it-IT" sz="2000" dirty="0" smtClean="0"/>
+            </a:br>
+            <a:r>
+              <a:rPr lang="it-IT" sz="2000" dirty="0" smtClean="0"/>
+              <a:t>della </a:t>
+            </a:r>
+            <a:r>
+              <a:rPr lang="it-IT" sz="2000" b="1" dirty="0" smtClean="0"/>
+              <a:t>Fast Fourier </a:t>
+            </a:r>
+            <a:r>
+              <a:rPr lang="it-IT" sz="2000" b="1" dirty="0" err="1" smtClean="0"/>
+              <a:t>Transform</a:t>
+            </a:r>
+            <a:r>
+              <a:rPr lang="it-IT" sz="2000" b="1" dirty="0" smtClean="0"/>
+              <a:t> </a:t>
+            </a:r>
+            <a:r>
+              <a:rPr lang="it-IT" sz="2000" b="1" dirty="0" smtClean="0"/>
               <a:t/>
             </a:r>
             <a:br>
-              <a:rPr lang="it-IT" sz="2000" dirty="0"/>
+              <a:rPr lang="it-IT" sz="2000" b="1" dirty="0" smtClean="0"/>
             </a:br>
             <a:r>
               <a:rPr lang="it-IT" sz="2000" dirty="0" smtClean="0"/>
-              <a:t/>
+              <a:t>(</a:t>
+            </a:r>
+            <a:r>
+              <a:rPr lang="it-IT" sz="2000" dirty="0" smtClean="0"/>
+              <a:t>FFT)</a:t>
             </a:r>
             <a:br>
               <a:rPr lang="it-IT" sz="2000" dirty="0" smtClean="0"/>
@@ -8676,64 +8973,26 @@
             <a:endParaRPr lang="it-IT" sz="2000" dirty="0" smtClean="0"/>
           </a:p>
           <a:p>
-            <a:pPr marL="457200" lvl="1" indent="0">
-              <a:buNone/>
-            </a:pPr>
-            <a:endParaRPr lang="it-IT" sz="2000" dirty="0" smtClean="0"/>
-          </a:p>
-          <a:p>
-            <a:pPr marL="457200" lvl="1" indent="0">
-              <a:buNone/>
-            </a:pPr>
-            <a:endParaRPr lang="it-IT" sz="2000" dirty="0" smtClean="0"/>
-          </a:p>
-          <a:p>
-            <a:pPr marL="457200" lvl="1" indent="0">
-              <a:buNone/>
-            </a:pPr>
-            <a:endParaRPr lang="it-IT" sz="2000" dirty="0"/>
-          </a:p>
-          <a:p>
-            <a:pPr marL="457200" lvl="1" indent="0">
-              <a:buNone/>
-            </a:pPr>
-            <a:endParaRPr lang="it-IT" sz="2000" dirty="0" smtClean="0"/>
-          </a:p>
-          <a:p>
-            <a:pPr marL="457200" lvl="1" indent="0">
-              <a:buNone/>
-            </a:pPr>
-            <a:endParaRPr lang="it-IT" sz="2000" dirty="0" smtClean="0"/>
-          </a:p>
-          <a:p>
-            <a:pPr marL="457200" lvl="1" indent="0">
-              <a:buNone/>
-            </a:pPr>
-            <a:endParaRPr lang="it-IT" sz="2000" dirty="0" smtClean="0"/>
-          </a:p>
-          <a:p>
             <a:pPr lvl="1"/>
             <a:r>
               <a:rPr lang="it-IT" sz="2000" dirty="0" smtClean="0"/>
-              <a:t>Calcolo </a:t>
-            </a:r>
-            <a:r>
-              <a:rPr lang="it-IT" sz="2000" dirty="0"/>
-              <a:t>della </a:t>
-            </a:r>
-            <a:r>
-              <a:rPr lang="it-IT" sz="2000" b="1" dirty="0"/>
-              <a:t>distanza </a:t>
+              <a:t>Estrazione </a:t>
+            </a:r>
+            <a:br>
+              <a:rPr lang="it-IT" sz="2000" dirty="0" smtClean="0"/>
+            </a:br>
+            <a:r>
+              <a:rPr lang="it-IT" sz="2000" dirty="0" smtClean="0"/>
+              <a:t>del </a:t>
             </a:r>
             <a:r>
               <a:rPr lang="it-IT" sz="2000" b="1" dirty="0" smtClean="0"/>
-              <a:t>assoluta</a:t>
+              <a:t>tono fondamentale </a:t>
             </a:r>
             <a:r>
               <a:rPr lang="it-IT" sz="2000" dirty="0" smtClean="0"/>
-              <a:t>:</a:t>
-            </a:r>
-            <a:endParaRPr lang="it-IT" sz="2000" dirty="0"/>
+              <a:t>dal FFT</a:t>
+            </a:r>
           </a:p>
         </p:txBody>
       </p:sp>
@@ -8761,8 +9020,270 @@
           </a:p>
         </p:txBody>
       </p:sp>
-      <mc:AlternateContent xmlns:mc="http://schemas.openxmlformats.org/markup-compatibility/2006">
-        <mc:Choice xmlns:a14="http://schemas.microsoft.com/office/drawing/2010/main" Requires="a14">
+      <p:pic>
+        <p:nvPicPr>
+          <p:cNvPr id="5" name="Immagine 4"/>
+          <p:cNvPicPr>
+            <a:picLocks noChangeAspect="1"/>
+          </p:cNvPicPr>
+          <p:nvPr/>
+        </p:nvPicPr>
+        <p:blipFill>
+          <a:blip r:embed="rId3">
+            <a:extLst>
+              <a:ext uri="{28A0092B-C50C-407E-A947-70E740481C1C}">
+                <a14:useLocalDpi xmlns:a14="http://schemas.microsoft.com/office/drawing/2010/main" val="0"/>
+              </a:ext>
+            </a:extLst>
+          </a:blip>
+          <a:stretch>
+            <a:fillRect/>
+          </a:stretch>
+        </p:blipFill>
+        <p:spPr>
+          <a:xfrm>
+            <a:off x="5115633" y="1454331"/>
+            <a:ext cx="3968935" cy="4663265"/>
+          </a:xfrm>
+          <a:prstGeom prst="rect">
+            <a:avLst/>
+          </a:prstGeom>
+        </p:spPr>
+      </p:pic>
+    </p:spTree>
+    <p:extLst>
+      <p:ext uri="{BB962C8B-B14F-4D97-AF65-F5344CB8AC3E}">
+        <p14:creationId xmlns:p14="http://schemas.microsoft.com/office/powerpoint/2010/main" val="2462577009"/>
+      </p:ext>
+    </p:extLst>
+  </p:cSld>
+  <p:clrMapOvr>
+    <a:masterClrMapping/>
+  </p:clrMapOvr>
+  <p:timing>
+    <p:tnLst>
+      <p:par>
+        <p:cTn id="1" dur="indefinite" restart="never" nodeType="tmRoot"/>
+      </p:par>
+    </p:tnLst>
+  </p:timing>
+</p:sld>
+</file>
+
+<file path=ppt/slides/slide15.xml><?xml version="1.0" encoding="utf-8"?>
+<p:sld xmlns:a="http://schemas.openxmlformats.org/drawingml/2006/main" xmlns:r="http://schemas.openxmlformats.org/officeDocument/2006/relationships" xmlns:p="http://schemas.openxmlformats.org/presentationml/2006/main">
+  <p:cSld>
+    <p:spTree>
+      <p:nvGrpSpPr>
+        <p:cNvPr id="1" name=""/>
+        <p:cNvGrpSpPr/>
+        <p:nvPr/>
+      </p:nvGrpSpPr>
+      <p:grpSpPr>
+        <a:xfrm>
+          <a:off x="0" y="0"/>
+          <a:ext cx="0" cy="0"/>
+          <a:chOff x="0" y="0"/>
+          <a:chExt cx="0" cy="0"/>
+        </a:xfrm>
+      </p:grpSpPr>
+      <p:sp>
+        <p:nvSpPr>
+          <p:cNvPr id="2" name="Titolo 1"/>
+          <p:cNvSpPr>
+            <a:spLocks noGrp="1"/>
+          </p:cNvSpPr>
+          <p:nvPr>
+            <p:ph type="title"/>
+          </p:nvPr>
+        </p:nvSpPr>
+        <p:spPr/>
+        <p:txBody>
+          <a:bodyPr/>
+          <a:lstStyle/>
+          <a:p>
+            <a:r>
+              <a:rPr lang="it-IT" dirty="0" smtClean="0"/>
+              <a:t>Microcontrollore</a:t>
+            </a:r>
+            <a:endParaRPr lang="it-IT" dirty="0"/>
+          </a:p>
+        </p:txBody>
+      </p:sp>
+      <p:sp>
+        <p:nvSpPr>
+          <p:cNvPr id="3" name="Segnaposto contenuto 2"/>
+          <p:cNvSpPr>
+            <a:spLocks noGrp="1"/>
+          </p:cNvSpPr>
+          <p:nvPr>
+            <p:ph idx="1"/>
+          </p:nvPr>
+        </p:nvSpPr>
+        <p:spPr>
+          <a:xfrm>
+            <a:off x="609600" y="903087"/>
+            <a:ext cx="7772400" cy="5286375"/>
+          </a:xfrm>
+        </p:spPr>
+        <p:txBody>
+          <a:bodyPr/>
+          <a:lstStyle/>
+          <a:p>
+            <a:pPr>
+              <a:lnSpc>
+                <a:spcPct val="200000"/>
+              </a:lnSpc>
+            </a:pPr>
+            <a:r>
+              <a:rPr lang="it-IT" sz="2400" dirty="0"/>
+              <a:t>Le funzionalità </a:t>
+            </a:r>
+            <a:r>
+              <a:rPr lang="it-IT" sz="2400" dirty="0" smtClean="0"/>
+              <a:t>svolte dal microcontrollore sono: </a:t>
+            </a:r>
+          </a:p>
+          <a:p>
+            <a:pPr lvl="1"/>
+            <a:r>
+              <a:rPr lang="it-IT" sz="2000" dirty="0"/>
+              <a:t>Calcolo </a:t>
+            </a:r>
+            <a:r>
+              <a:rPr lang="it-IT" sz="2000" dirty="0" smtClean="0"/>
+              <a:t>dell’</a:t>
+            </a:r>
+            <a:r>
+              <a:rPr lang="it-IT" sz="2000" b="1" dirty="0" err="1" smtClean="0"/>
+              <a:t>Interpolated</a:t>
+            </a:r>
+            <a:r>
+              <a:rPr lang="it-IT" sz="2000" dirty="0" smtClean="0"/>
+              <a:t> </a:t>
+            </a:r>
+            <a:r>
+              <a:rPr lang="it-IT" sz="2000" b="1" dirty="0" smtClean="0"/>
+              <a:t>FFT</a:t>
+            </a:r>
+            <a:r>
+              <a:rPr lang="it-IT" sz="2000" dirty="0" smtClean="0"/>
+              <a:t> (IFFT)</a:t>
+            </a:r>
+            <a:br>
+              <a:rPr lang="it-IT" sz="2000" dirty="0" smtClean="0"/>
+            </a:br>
+            <a:r>
+              <a:rPr lang="it-IT" sz="2000" dirty="0"/>
+              <a:t/>
+            </a:r>
+            <a:br>
+              <a:rPr lang="it-IT" sz="2000" dirty="0"/>
+            </a:br>
+            <a:r>
+              <a:rPr lang="it-IT" sz="2000" dirty="0"/>
+              <a:t/>
+            </a:r>
+            <a:br>
+              <a:rPr lang="it-IT" sz="2000" dirty="0"/>
+            </a:br>
+            <a:r>
+              <a:rPr lang="it-IT" sz="2000" dirty="0" smtClean="0"/>
+              <a:t/>
+            </a:r>
+            <a:br>
+              <a:rPr lang="it-IT" sz="2000" dirty="0" smtClean="0"/>
+            </a:br>
+            <a:endParaRPr lang="it-IT" sz="2000" dirty="0" smtClean="0"/>
+          </a:p>
+          <a:p>
+            <a:pPr marL="457200" lvl="1" indent="0">
+              <a:buNone/>
+            </a:pPr>
+            <a:endParaRPr lang="it-IT" sz="2000" dirty="0" smtClean="0"/>
+          </a:p>
+          <a:p>
+            <a:pPr marL="457200" lvl="1" indent="0">
+              <a:buNone/>
+            </a:pPr>
+            <a:endParaRPr lang="it-IT" sz="2000" dirty="0" smtClean="0"/>
+          </a:p>
+          <a:p>
+            <a:pPr marL="457200" lvl="1" indent="0">
+              <a:buNone/>
+            </a:pPr>
+            <a:endParaRPr lang="it-IT" sz="2000" dirty="0"/>
+          </a:p>
+          <a:p>
+            <a:pPr marL="457200" lvl="1" indent="0">
+              <a:buNone/>
+            </a:pPr>
+            <a:endParaRPr lang="it-IT" sz="2000" dirty="0" smtClean="0"/>
+          </a:p>
+          <a:p>
+            <a:pPr marL="457200" lvl="1" indent="0">
+              <a:buNone/>
+            </a:pPr>
+            <a:endParaRPr lang="it-IT" sz="2000" dirty="0" smtClean="0"/>
+          </a:p>
+          <a:p>
+            <a:pPr marL="457200" lvl="1" indent="0">
+              <a:buNone/>
+            </a:pPr>
+            <a:endParaRPr lang="it-IT" sz="2000" dirty="0" smtClean="0"/>
+          </a:p>
+          <a:p>
+            <a:pPr lvl="1"/>
+            <a:r>
+              <a:rPr lang="it-IT" sz="2000" dirty="0" smtClean="0"/>
+              <a:t>Calcolo </a:t>
+            </a:r>
+            <a:r>
+              <a:rPr lang="it-IT" sz="2000" dirty="0"/>
+              <a:t>della </a:t>
+            </a:r>
+            <a:r>
+              <a:rPr lang="it-IT" sz="2000" b="1" dirty="0"/>
+              <a:t>distanza </a:t>
+            </a:r>
+            <a:r>
+              <a:rPr lang="it-IT" sz="2000" b="1" dirty="0" smtClean="0"/>
+              <a:t>assoluta</a:t>
+            </a:r>
+            <a:r>
+              <a:rPr lang="it-IT" sz="2000" dirty="0" smtClean="0"/>
+              <a:t>:</a:t>
+            </a:r>
+            <a:endParaRPr lang="it-IT" sz="2000" dirty="0"/>
+          </a:p>
+        </p:txBody>
+      </p:sp>
+      <p:sp>
+        <p:nvSpPr>
+          <p:cNvPr id="4" name="Segnaposto numero diapositiva 3"/>
+          <p:cNvSpPr>
+            <a:spLocks noGrp="1"/>
+          </p:cNvSpPr>
+          <p:nvPr>
+            <p:ph type="sldNum" sz="quarter" idx="11"/>
+          </p:nvPr>
+        </p:nvSpPr>
+        <p:spPr/>
+        <p:txBody>
+          <a:bodyPr/>
+          <a:lstStyle/>
+          <a:p>
+            <a:fld id="{C503DA3A-0C6B-48FC-931E-2C786AAFD5C1}" type="slidenum">
+              <a:rPr lang="en-US" altLang="nl-NL" smtClean="0"/>
+              <a:pPr/>
+              <a:t>15</a:t>
+            </a:fld>
+            <a:endParaRPr lang="en-US" altLang="nl-NL"/>
+          </a:p>
+        </p:txBody>
+      </p:sp>
+      <mc:AlternateContent xmlns:mc="http://schemas.openxmlformats.org/markup-compatibility/2006" xmlns:a14="http://schemas.microsoft.com/office/drawing/2010/main">
+        <mc:Choice Requires="a14">
           <p:sp>
             <p:nvSpPr>
               <p:cNvPr id="7" name="CasellaDiTesto 6"/>
@@ -8820,7 +9341,7 @@
                         <m:fPr>
                           <m:ctrlPr>
                             <a:rPr lang="it-IT" i="1" smtClean="0">
-                              <a:latin typeface="Cambria Math" charset="0"/>
+                              <a:latin typeface="Cambria Math" panose="02040503050406030204" pitchFamily="18" charset="0"/>
                               <a:ea typeface="Cambria Math" charset="0"/>
                               <a:cs typeface="Cambria Math" charset="0"/>
                             </a:rPr>
@@ -8831,7 +9352,7 @@
                             <m:sSubPr>
                               <m:ctrlPr>
                                 <a:rPr lang="it-IT" i="1" smtClean="0">
-                                  <a:latin typeface="Cambria Math" charset="0"/>
+                                  <a:latin typeface="Cambria Math" panose="02040503050406030204" pitchFamily="18" charset="0"/>
                                   <a:ea typeface="Cambria Math" charset="0"/>
                                   <a:cs typeface="Cambria Math" charset="0"/>
                                 </a:rPr>
@@ -8870,7 +9391,7 @@
                             <m:sSubPr>
                               <m:ctrlPr>
                                 <a:rPr lang="it-IT" b="0" i="1" smtClean="0">
-                                  <a:latin typeface="Cambria Math" charset="0"/>
+                                  <a:latin typeface="Cambria Math" panose="02040503050406030204" pitchFamily="18" charset="0"/>
                                   <a:ea typeface="Cambria Math" charset="0"/>
                                   <a:cs typeface="Cambria Math" charset="0"/>
                                 </a:rPr>
@@ -8917,7 +9438,7 @@
             </p:txBody>
           </p:sp>
         </mc:Choice>
-        <mc:Fallback>
+        <mc:Fallback xmlns="">
           <p:sp>
             <p:nvSpPr>
               <p:cNvPr id="7" name="CasellaDiTesto 6"/>
@@ -8978,7 +9499,7 @@
         </p:blipFill>
         <p:spPr>
           <a:xfrm>
-            <a:off x="2698318" y="2452200"/>
+            <a:off x="2698318" y="2409589"/>
             <a:ext cx="3594964" cy="2719873"/>
           </a:xfrm>
           <a:prstGeom prst="rect">
@@ -8990,520 +9511,6 @@
     <p:extLst>
       <p:ext uri="{BB962C8B-B14F-4D97-AF65-F5344CB8AC3E}">
         <p14:creationId xmlns:p14="http://schemas.microsoft.com/office/powerpoint/2010/main" val="3813134160"/>
-      </p:ext>
-    </p:extLst>
-  </p:cSld>
-  <p:clrMapOvr>
-    <a:masterClrMapping/>
-  </p:clrMapOvr>
-  <p:timing>
-    <p:tnLst>
-      <p:par>
-        <p:cTn id="1" dur="indefinite" restart="never" nodeType="tmRoot"/>
-      </p:par>
-    </p:tnLst>
-  </p:timing>
-</p:sld>
-</file>
-
-<file path=ppt/slides/slide15.xml><?xml version="1.0" encoding="utf-8"?>
-<p:sld xmlns:a="http://schemas.openxmlformats.org/drawingml/2006/main" xmlns:r="http://schemas.openxmlformats.org/officeDocument/2006/relationships" xmlns:p="http://schemas.openxmlformats.org/presentationml/2006/main">
-  <p:cSld>
-    <p:spTree>
-      <p:nvGrpSpPr>
-        <p:cNvPr id="1" name=""/>
-        <p:cNvGrpSpPr/>
-        <p:nvPr/>
-      </p:nvGrpSpPr>
-      <p:grpSpPr>
-        <a:xfrm>
-          <a:off x="0" y="0"/>
-          <a:ext cx="0" cy="0"/>
-          <a:chOff x="0" y="0"/>
-          <a:chExt cx="0" cy="0"/>
-        </a:xfrm>
-      </p:grpSpPr>
-      <p:sp>
-        <p:nvSpPr>
-          <p:cNvPr id="2" name="Titolo 1"/>
-          <p:cNvSpPr>
-            <a:spLocks noGrp="1"/>
-          </p:cNvSpPr>
-          <p:nvPr>
-            <p:ph type="title"/>
-          </p:nvPr>
-        </p:nvSpPr>
-        <p:spPr/>
-        <p:txBody>
-          <a:bodyPr/>
-          <a:lstStyle/>
-          <a:p>
-            <a:r>
-              <a:rPr lang="it-IT" dirty="0" smtClean="0"/>
-              <a:t>Dettagli implementativi</a:t>
-            </a:r>
-            <a:endParaRPr lang="it-IT" dirty="0"/>
-          </a:p>
-        </p:txBody>
-      </p:sp>
-      <p:sp>
-        <p:nvSpPr>
-          <p:cNvPr id="3" name="Segnaposto contenuto 2"/>
-          <p:cNvSpPr>
-            <a:spLocks noGrp="1"/>
-          </p:cNvSpPr>
-          <p:nvPr>
-            <p:ph idx="1"/>
-          </p:nvPr>
-        </p:nvSpPr>
-        <p:spPr>
-          <a:xfrm>
-            <a:off x="609600" y="1057274"/>
-            <a:ext cx="7648575" cy="5186363"/>
-          </a:xfrm>
-        </p:spPr>
-        <p:txBody>
-          <a:bodyPr/>
-          <a:lstStyle/>
-          <a:p>
-            <a:r>
-              <a:rPr lang="it-IT" sz="2400" dirty="0"/>
-              <a:t>Ambiente di sviluppo: </a:t>
-            </a:r>
-            <a:r>
-              <a:rPr lang="it-IT" sz="2400" b="1" dirty="0"/>
-              <a:t>NI </a:t>
-            </a:r>
-            <a:r>
-              <a:rPr lang="it-IT" sz="2400" b="1" dirty="0" err="1"/>
-              <a:t>LabVIEW</a:t>
-            </a:r>
-            <a:endParaRPr lang="it-IT" sz="2400" dirty="0"/>
-          </a:p>
-          <a:p>
-            <a:pPr lvl="1"/>
-            <a:r>
-              <a:rPr lang="it-IT" sz="2000" b="1" dirty="0"/>
-              <a:t>FPGA </a:t>
-            </a:r>
-            <a:r>
-              <a:rPr lang="it-IT" sz="2000" dirty="0" err="1"/>
-              <a:t>Module</a:t>
-            </a:r>
-            <a:endParaRPr lang="it-IT" sz="2000" b="1" dirty="0"/>
-          </a:p>
-          <a:p>
-            <a:pPr lvl="1"/>
-            <a:r>
-              <a:rPr lang="it-IT" sz="2000" b="1" dirty="0"/>
-              <a:t>Real-Time </a:t>
-            </a:r>
-            <a:r>
-              <a:rPr lang="it-IT" sz="2000" dirty="0" err="1" smtClean="0"/>
-              <a:t>Module</a:t>
-            </a:r>
-            <a:r>
-              <a:rPr lang="it-IT" sz="2000" dirty="0" smtClean="0"/>
-              <a:t/>
-            </a:r>
-            <a:br>
-              <a:rPr lang="it-IT" sz="2000" dirty="0" smtClean="0"/>
-            </a:br>
-            <a:endParaRPr lang="it-IT" sz="2000" b="1" dirty="0"/>
-          </a:p>
-          <a:p>
-            <a:r>
-              <a:rPr lang="it-IT" sz="2400" dirty="0"/>
-              <a:t>Struttura a cicli paralleli </a:t>
-            </a:r>
-            <a:r>
-              <a:rPr lang="it-IT" sz="2400" dirty="0" smtClean="0"/>
-              <a:t>con </a:t>
-            </a:r>
-            <a:r>
-              <a:rPr lang="it-IT" sz="2400" dirty="0"/>
-              <a:t>scambio </a:t>
-            </a:r>
-            <a:r>
-              <a:rPr lang="it-IT" sz="2400" dirty="0" smtClean="0"/>
-              <a:t/>
-            </a:r>
-            <a:br>
-              <a:rPr lang="it-IT" sz="2400" dirty="0" smtClean="0"/>
-            </a:br>
-            <a:r>
-              <a:rPr lang="it-IT" sz="2400" dirty="0" smtClean="0"/>
-              <a:t>di </a:t>
-            </a:r>
-            <a:r>
-              <a:rPr lang="it-IT" sz="2400" dirty="0"/>
-              <a:t>dati tramite code </a:t>
-            </a:r>
-            <a:r>
-              <a:rPr lang="it-IT" sz="2400" b="1" dirty="0"/>
-              <a:t>FIFO</a:t>
-            </a:r>
-            <a:endParaRPr lang="it-IT" sz="2400" dirty="0"/>
-          </a:p>
-          <a:p>
-            <a:pPr lvl="1"/>
-            <a:r>
-              <a:rPr lang="it-IT" sz="2000" dirty="0"/>
-              <a:t>Pattern </a:t>
-            </a:r>
-            <a:r>
-              <a:rPr lang="it-IT" sz="2000" b="1" dirty="0" smtClean="0"/>
-              <a:t>Producer-Consumer</a:t>
-            </a:r>
-            <a:br>
-              <a:rPr lang="it-IT" sz="2000" b="1" dirty="0" smtClean="0"/>
-            </a:br>
-            <a:endParaRPr lang="it-IT" sz="2000" dirty="0"/>
-          </a:p>
-          <a:p>
-            <a:r>
-              <a:rPr lang="it-IT" sz="2400" b="1" dirty="0"/>
-              <a:t>DMA</a:t>
-            </a:r>
-            <a:r>
-              <a:rPr lang="it-IT" sz="2400" dirty="0"/>
-              <a:t> per lo scambio di dati tra FPGA </a:t>
-            </a:r>
-            <a:r>
-              <a:rPr lang="it-IT" sz="2400" dirty="0" smtClean="0"/>
-              <a:t>e microcontrollore</a:t>
-            </a:r>
-            <a:br>
-              <a:rPr lang="it-IT" sz="2400" dirty="0" smtClean="0"/>
-            </a:br>
-            <a:endParaRPr lang="it-IT" sz="2400" dirty="0"/>
-          </a:p>
-          <a:p>
-            <a:r>
-              <a:rPr lang="it-IT" sz="2400" dirty="0"/>
-              <a:t>Aritmetica </a:t>
-            </a:r>
-            <a:r>
-              <a:rPr lang="it-IT" sz="2400" b="1" dirty="0" err="1"/>
-              <a:t>fixed</a:t>
-            </a:r>
-            <a:r>
-              <a:rPr lang="it-IT" sz="2400" b="1" dirty="0"/>
-              <a:t> </a:t>
-            </a:r>
-            <a:r>
-              <a:rPr lang="it-IT" sz="2400" b="1" dirty="0" err="1"/>
-              <a:t>point</a:t>
-            </a:r>
-            <a:r>
-              <a:rPr lang="it-IT" sz="2400" dirty="0"/>
-              <a:t> per migliorare le prestazioni su </a:t>
-            </a:r>
-            <a:r>
-              <a:rPr lang="it-IT" sz="2400" dirty="0" smtClean="0"/>
-              <a:t>FPGA</a:t>
-            </a:r>
-            <a:r>
-              <a:rPr lang="it-IT" sz="2400" dirty="0"/>
-              <a:t/>
-            </a:r>
-            <a:br>
-              <a:rPr lang="it-IT" sz="2400" dirty="0"/>
-            </a:br>
-            <a:endParaRPr lang="it-IT" sz="1800" dirty="0"/>
-          </a:p>
-        </p:txBody>
-      </p:sp>
-      <p:sp>
-        <p:nvSpPr>
-          <p:cNvPr id="4" name="Segnaposto numero diapositiva 3"/>
-          <p:cNvSpPr>
-            <a:spLocks noGrp="1"/>
-          </p:cNvSpPr>
-          <p:nvPr>
-            <p:ph type="sldNum" sz="quarter" idx="11"/>
-          </p:nvPr>
-        </p:nvSpPr>
-        <p:spPr/>
-        <p:txBody>
-          <a:bodyPr/>
-          <a:lstStyle/>
-          <a:p>
-            <a:fld id="{C503DA3A-0C6B-48FC-931E-2C786AAFD5C1}" type="slidenum">
-              <a:rPr lang="en-US" altLang="nl-NL" smtClean="0"/>
-              <a:pPr/>
-              <a:t>15</a:t>
-            </a:fld>
-            <a:endParaRPr lang="en-US" altLang="nl-NL"/>
-          </a:p>
-        </p:txBody>
-      </p:sp>
-      <p:sp>
-        <p:nvSpPr>
-          <p:cNvPr id="5" name="Rettangolo arrotondato 4"/>
-          <p:cNvSpPr/>
-          <p:nvPr/>
-        </p:nvSpPr>
-        <p:spPr>
-          <a:xfrm>
-            <a:off x="7473773" y="2484398"/>
-            <a:ext cx="1558976" cy="749509"/>
-          </a:xfrm>
-          <a:prstGeom prst="roundRect">
-            <a:avLst/>
-          </a:prstGeom>
-          <a:noFill/>
-          <a:ln>
-            <a:solidFill>
-              <a:srgbClr val="0070C0"/>
-            </a:solidFill>
-          </a:ln>
-        </p:spPr>
-        <p:style>
-          <a:lnRef idx="1">
-            <a:schemeClr val="accent1"/>
-          </a:lnRef>
-          <a:fillRef idx="3">
-            <a:schemeClr val="accent1"/>
-          </a:fillRef>
-          <a:effectRef idx="2">
-            <a:schemeClr val="accent1"/>
-          </a:effectRef>
-          <a:fontRef idx="minor">
-            <a:schemeClr val="lt1"/>
-          </a:fontRef>
-        </p:style>
-        <p:txBody>
-          <a:bodyPr rtlCol="0" anchor="ctr"/>
-          <a:lstStyle/>
-          <a:p>
-            <a:pPr algn="ctr"/>
-            <a:endParaRPr lang="it-IT"/>
-          </a:p>
-        </p:txBody>
-      </p:sp>
-      <p:sp>
-        <p:nvSpPr>
-          <p:cNvPr id="6" name="Rettangolo arrotondato 5"/>
-          <p:cNvSpPr/>
-          <p:nvPr/>
-        </p:nvSpPr>
-        <p:spPr>
-          <a:xfrm>
-            <a:off x="7495008" y="3743572"/>
-            <a:ext cx="1558976" cy="749509"/>
-          </a:xfrm>
-          <a:prstGeom prst="roundRect">
-            <a:avLst/>
-          </a:prstGeom>
-          <a:solidFill>
-            <a:schemeClr val="bg1"/>
-          </a:solidFill>
-          <a:ln>
-            <a:solidFill>
-              <a:srgbClr val="0070C0"/>
-            </a:solidFill>
-          </a:ln>
-        </p:spPr>
-        <p:style>
-          <a:lnRef idx="1">
-            <a:schemeClr val="accent1"/>
-          </a:lnRef>
-          <a:fillRef idx="3">
-            <a:schemeClr val="accent1"/>
-          </a:fillRef>
-          <a:effectRef idx="2">
-            <a:schemeClr val="accent1"/>
-          </a:effectRef>
-          <a:fontRef idx="minor">
-            <a:schemeClr val="lt1"/>
-          </a:fontRef>
-        </p:style>
-        <p:txBody>
-          <a:bodyPr rtlCol="0" anchor="ctr"/>
-          <a:lstStyle/>
-          <a:p>
-            <a:pPr algn="ctr"/>
-            <a:endParaRPr lang="it-IT"/>
-          </a:p>
-        </p:txBody>
-      </p:sp>
-      <p:sp>
-        <p:nvSpPr>
-          <p:cNvPr id="8" name="Freccia circolare a destra 7"/>
-          <p:cNvSpPr/>
-          <p:nvPr/>
-        </p:nvSpPr>
-        <p:spPr>
-          <a:xfrm>
-            <a:off x="6893062" y="2739231"/>
-            <a:ext cx="571966" cy="1588957"/>
-          </a:xfrm>
-          <a:prstGeom prst="curvedRightArrow">
-            <a:avLst/>
-          </a:prstGeom>
-          <a:gradFill>
-            <a:gsLst>
-              <a:gs pos="0">
-                <a:srgbClr val="0070C0"/>
-              </a:gs>
-              <a:gs pos="100000">
-                <a:srgbClr val="00B0F0"/>
-              </a:gs>
-            </a:gsLst>
-          </a:gradFill>
-        </p:spPr>
-        <p:style>
-          <a:lnRef idx="1">
-            <a:schemeClr val="accent1"/>
-          </a:lnRef>
-          <a:fillRef idx="3">
-            <a:schemeClr val="accent1"/>
-          </a:fillRef>
-          <a:effectRef idx="2">
-            <a:schemeClr val="accent1"/>
-          </a:effectRef>
-          <a:fontRef idx="minor">
-            <a:schemeClr val="lt1"/>
-          </a:fontRef>
-        </p:style>
-        <p:txBody>
-          <a:bodyPr rtlCol="0" anchor="ctr"/>
-          <a:lstStyle/>
-          <a:p>
-            <a:pPr algn="ctr"/>
-            <a:endParaRPr lang="it-IT">
-              <a:solidFill>
-                <a:schemeClr val="tx1"/>
-              </a:solidFill>
-            </a:endParaRPr>
-          </a:p>
-        </p:txBody>
-      </p:sp>
-      <p:sp>
-        <p:nvSpPr>
-          <p:cNvPr id="9" name="CasellaDiTesto 8"/>
-          <p:cNvSpPr txBox="1"/>
-          <p:nvPr/>
-        </p:nvSpPr>
-        <p:spPr>
-          <a:xfrm>
-            <a:off x="7685232" y="2674486"/>
-            <a:ext cx="1178528" cy="369332"/>
-          </a:xfrm>
-          <a:prstGeom prst="rect">
-            <a:avLst/>
-          </a:prstGeom>
-          <a:noFill/>
-        </p:spPr>
-        <p:txBody>
-          <a:bodyPr wrap="none" rtlCol="0">
-            <a:spAutoFit/>
-          </a:bodyPr>
-          <a:lstStyle/>
-          <a:p>
-            <a:r>
-              <a:rPr lang="it-IT" sz="1800" dirty="0" smtClean="0"/>
-              <a:t>Producer</a:t>
-            </a:r>
-            <a:endParaRPr lang="it-IT" sz="1800" dirty="0"/>
-          </a:p>
-        </p:txBody>
-      </p:sp>
-      <p:sp>
-        <p:nvSpPr>
-          <p:cNvPr id="10" name="CasellaDiTesto 9"/>
-          <p:cNvSpPr txBox="1"/>
-          <p:nvPr/>
-        </p:nvSpPr>
-        <p:spPr>
-          <a:xfrm>
-            <a:off x="7590259" y="3932741"/>
-            <a:ext cx="1326004" cy="369332"/>
-          </a:xfrm>
-          <a:prstGeom prst="rect">
-            <a:avLst/>
-          </a:prstGeom>
-          <a:noFill/>
-        </p:spPr>
-        <p:txBody>
-          <a:bodyPr wrap="none" rtlCol="0">
-            <a:spAutoFit/>
-          </a:bodyPr>
-          <a:lstStyle/>
-          <a:p>
-            <a:r>
-              <a:rPr lang="it-IT" sz="1800" dirty="0" smtClean="0"/>
-              <a:t>Consumer</a:t>
-            </a:r>
-            <a:endParaRPr lang="it-IT" sz="1800" dirty="0"/>
-          </a:p>
-        </p:txBody>
-      </p:sp>
-      <p:sp>
-        <p:nvSpPr>
-          <p:cNvPr id="11" name="CasellaDiTesto 10"/>
-          <p:cNvSpPr txBox="1"/>
-          <p:nvPr/>
-        </p:nvSpPr>
-        <p:spPr>
-          <a:xfrm rot="16200000">
-            <a:off x="6782766" y="3372126"/>
-            <a:ext cx="628698" cy="323165"/>
-          </a:xfrm>
-          <a:prstGeom prst="rect">
-            <a:avLst/>
-          </a:prstGeom>
-          <a:noFill/>
-        </p:spPr>
-        <p:txBody>
-          <a:bodyPr wrap="none" rtlCol="0">
-            <a:spAutoFit/>
-          </a:bodyPr>
-          <a:lstStyle/>
-          <a:p>
-            <a:r>
-              <a:rPr lang="it-IT" sz="1500" b="1" dirty="0" smtClean="0"/>
-              <a:t>FIFO</a:t>
-            </a:r>
-            <a:endParaRPr lang="it-IT" sz="1500" b="1" dirty="0"/>
-          </a:p>
-        </p:txBody>
-      </p:sp>
-      <p:pic>
-        <p:nvPicPr>
-          <p:cNvPr id="7" name="Immagine 6"/>
-          <p:cNvPicPr>
-            <a:picLocks noChangeAspect="1"/>
-          </p:cNvPicPr>
-          <p:nvPr/>
-        </p:nvPicPr>
-        <p:blipFill>
-          <a:blip r:embed="rId2">
-            <a:extLst>
-              <a:ext uri="{28A0092B-C50C-407E-A947-70E740481C1C}">
-                <a14:useLocalDpi xmlns:a14="http://schemas.microsoft.com/office/drawing/2010/main" val="0"/>
-              </a:ext>
-            </a:extLst>
-          </a:blip>
-          <a:stretch>
-            <a:fillRect/>
-          </a:stretch>
-        </p:blipFill>
-        <p:spPr>
-          <a:xfrm>
-            <a:off x="7674768" y="1042706"/>
-            <a:ext cx="1033463" cy="1281494"/>
-          </a:xfrm>
-          <a:prstGeom prst="rect">
-            <a:avLst/>
-          </a:prstGeom>
-        </p:spPr>
-      </p:pic>
-    </p:spTree>
-    <p:extLst>
-      <p:ext uri="{BB962C8B-B14F-4D97-AF65-F5344CB8AC3E}">
-        <p14:creationId xmlns:p14="http://schemas.microsoft.com/office/powerpoint/2010/main" val="721427499"/>
       </p:ext>
     </p:extLst>
   </p:cSld>
@@ -9758,7 +9765,7 @@
         </p:blipFill>
         <p:spPr>
           <a:xfrm>
-            <a:off x="1047502" y="2362822"/>
+            <a:off x="1047502" y="2092861"/>
             <a:ext cx="3131547" cy="2135676"/>
           </a:xfrm>
           <a:prstGeom prst="rect">
@@ -9788,7 +9795,7 @@
         </p:blipFill>
         <p:spPr>
           <a:xfrm>
-            <a:off x="5428426" y="2359344"/>
+            <a:off x="5428426" y="2089383"/>
             <a:ext cx="2763074" cy="2139154"/>
           </a:xfrm>
           <a:prstGeom prst="rect">
@@ -9804,7 +9811,7 @@
         </p:nvSpPr>
         <p:spPr>
           <a:xfrm>
-            <a:off x="3561941" y="2973048"/>
+            <a:off x="3561941" y="2703087"/>
             <a:ext cx="2016176" cy="793851"/>
           </a:xfrm>
           <a:prstGeom prst="rightArrow">
@@ -9864,7 +9871,7 @@
         <p:spPr>
           <a:xfrm>
             <a:off x="5488386" y="4498498"/>
-            <a:ext cx="2550548" cy="1978496"/>
+            <a:ext cx="3098265" cy="1978496"/>
           </a:xfrm>
           <a:prstGeom prst="rect">
             <a:avLst/>
@@ -10368,8 +10375,8 @@
           </a:p>
         </p:txBody>
       </p:sp>
-      <mc:AlternateContent xmlns:mc="http://schemas.openxmlformats.org/markup-compatibility/2006">
-        <mc:Choice xmlns:a14="http://schemas.microsoft.com/office/drawing/2010/main" Requires="a14">
+      <mc:AlternateContent xmlns:mc="http://schemas.openxmlformats.org/markup-compatibility/2006" xmlns:a14="http://schemas.microsoft.com/office/drawing/2010/main">
+        <mc:Choice Requires="a14">
           <p:sp>
             <p:nvSpPr>
               <p:cNvPr id="3" name="Segnaposto contenuto 2"/>
@@ -10416,15 +10423,7 @@
                 </a:r>
                 <a:r>
                   <a:rPr lang="it-IT" sz="2400" dirty="0" smtClean="0"/>
-                  <a:t>finale con </a:t>
-                </a:r>
-                <a:r>
-                  <a:rPr lang="it-IT" sz="2400" dirty="0" smtClean="0"/>
-                  <a:t>ostacolo </a:t>
-                </a:r>
-                <a:r>
-                  <a:rPr lang="it-IT" sz="2400" dirty="0" smtClean="0"/>
-                  <a:t>a </a:t>
+                  <a:t>finale con ostacolo a </a:t>
                 </a:r>
                 <a:r>
                   <a:rPr lang="it-IT" sz="2400" dirty="0"/>
@@ -10457,7 +10456,7 @@
                       <m:sSupPr>
                         <m:ctrlPr>
                           <a:rPr lang="it-IT" sz="2000" b="1" i="1">
-                            <a:latin typeface="Cambria Math" charset="0"/>
+                            <a:latin typeface="Cambria Math" panose="02040503050406030204" pitchFamily="18" charset="0"/>
                             <a:ea typeface="Lucida Grande" charset="0"/>
                             <a:cs typeface="Lucida Grande" charset="0"/>
                           </a:rPr>
@@ -10484,7 +10483,17 @@
                             <a:ea typeface="Lucida Grande" charset="0"/>
                             <a:cs typeface="Lucida Grande" charset="0"/>
                           </a:rPr>
-                          <m:t>−4</m:t>
+                          <m:t>−</m:t>
+                        </m:r>
+                        <m:r>
+                          <m:rPr>
+                            <m:nor/>
+                          </m:rPr>
+                          <a:rPr lang="it-IT" sz="2000" b="1">
+                            <a:ea typeface="Lucida Grande" charset="0"/>
+                            <a:cs typeface="Lucida Grande" charset="0"/>
+                          </a:rPr>
+                          <m:t>4</m:t>
                         </m:r>
                       </m:sup>
                     </m:sSup>
@@ -10500,11 +10509,7 @@
                 </a:r>
                 <a:r>
                   <a:rPr lang="it-IT" sz="2000" b="1" dirty="0" smtClean="0"/>
-                  <a:t>2.4</a:t>
-                </a:r>
-                <a:r>
-                  <a:rPr lang="it-IT" sz="2000" b="1" dirty="0" smtClean="0"/>
-                  <a:t>*</a:t>
+                  <a:t>2.4*</a:t>
                 </a:r>
                 <a14:m>
                   <m:oMath xmlns:m="http://schemas.openxmlformats.org/officeDocument/2006/math">
@@ -10512,7 +10517,7 @@
                       <m:sSupPr>
                         <m:ctrlPr>
                           <a:rPr lang="it-IT" sz="2000" b="1" i="1">
-                            <a:latin typeface="Cambria Math" charset="0"/>
+                            <a:latin typeface="Cambria Math" panose="02040503050406030204" pitchFamily="18" charset="0"/>
                             <a:ea typeface="Lucida Grande" charset="0"/>
                             <a:cs typeface="Lucida Grande" charset="0"/>
                           </a:rPr>
@@ -10539,7 +10544,17 @@
                             <a:ea typeface="Lucida Grande" charset="0"/>
                             <a:cs typeface="Lucida Grande" charset="0"/>
                           </a:rPr>
-                          <m:t>−4</m:t>
+                          <m:t>−</m:t>
+                        </m:r>
+                        <m:r>
+                          <m:rPr>
+                            <m:nor/>
+                          </m:rPr>
+                          <a:rPr lang="it-IT" sz="2000" b="1">
+                            <a:ea typeface="Lucida Grande" charset="0"/>
+                            <a:cs typeface="Lucida Grande" charset="0"/>
+                          </a:rPr>
+                          <m:t>4</m:t>
                         </m:r>
                       </m:sup>
                     </m:sSup>
@@ -10555,11 +10570,7 @@
                 </a:r>
                 <a:r>
                   <a:rPr lang="it-IT" sz="2000" b="1" dirty="0" smtClean="0"/>
-                  <a:t>6.5</a:t>
-                </a:r>
-                <a:r>
-                  <a:rPr lang="it-IT" sz="2000" b="1" dirty="0" smtClean="0"/>
-                  <a:t>*</a:t>
+                  <a:t>6.5*</a:t>
                 </a:r>
                 <a14:m>
                   <m:oMath xmlns:m="http://schemas.openxmlformats.org/officeDocument/2006/math">
@@ -10567,7 +10578,7 @@
                       <m:sSupPr>
                         <m:ctrlPr>
                           <a:rPr lang="it-IT" sz="2000" b="1" i="1">
-                            <a:latin typeface="Cambria Math" charset="0"/>
+                            <a:latin typeface="Cambria Math" panose="02040503050406030204" pitchFamily="18" charset="0"/>
                             <a:ea typeface="Lucida Grande" charset="0"/>
                             <a:cs typeface="Lucida Grande" charset="0"/>
                           </a:rPr>
@@ -10594,7 +10605,17 @@
                             <a:ea typeface="Lucida Grande" charset="0"/>
                             <a:cs typeface="Lucida Grande" charset="0"/>
                           </a:rPr>
-                          <m:t>−4</m:t>
+                          <m:t>−</m:t>
+                        </m:r>
+                        <m:r>
+                          <m:rPr>
+                            <m:nor/>
+                          </m:rPr>
+                          <a:rPr lang="it-IT" sz="2000" b="1">
+                            <a:ea typeface="Lucida Grande" charset="0"/>
+                            <a:cs typeface="Lucida Grande" charset="0"/>
+                          </a:rPr>
+                          <m:t>4</m:t>
                         </m:r>
                       </m:sup>
                     </m:sSup>
@@ -10605,7 +10626,7 @@
             </p:txBody>
           </p:sp>
         </mc:Choice>
-        <mc:Fallback>
+        <mc:Fallback xmlns="">
           <p:sp>
             <p:nvSpPr>
               <p:cNvPr id="3" name="Segnaposto contenuto 2"/>
@@ -11031,8 +11052,8 @@
           </a:p>
         </p:txBody>
       </p:sp>
-      <mc:AlternateContent xmlns:mc="http://schemas.openxmlformats.org/markup-compatibility/2006">
-        <mc:Choice xmlns:a14="http://schemas.microsoft.com/office/drawing/2010/main" Requires="a14">
+      <mc:AlternateContent xmlns:mc="http://schemas.openxmlformats.org/markup-compatibility/2006" xmlns:a14="http://schemas.microsoft.com/office/drawing/2010/main">
+        <mc:Choice Requires="a14">
           <p:sp>
             <p:nvSpPr>
               <p:cNvPr id="3" name="Segnaposto contenuto 2"/>
@@ -11071,11 +11092,7 @@
                 </a:r>
                 <a:r>
                   <a:rPr lang="it-IT" sz="2400" dirty="0" smtClean="0"/>
-                  <a:t>con </a:t>
-                </a:r>
-                <a:r>
-                  <a:rPr lang="it-IT" sz="2400" dirty="0" smtClean="0"/>
-                  <a:t>ostacolo </a:t>
+                  <a:t>con ostacolo </a:t>
                 </a:r>
                 <a:r>
                   <a:rPr lang="it-IT" sz="2400" dirty="0"/>
@@ -11128,7 +11145,7 @@
                       <m:sSupPr>
                         <m:ctrlPr>
                           <a:rPr lang="it-IT" sz="2000" b="1" i="1">
-                            <a:latin typeface="Cambria Math" charset="0"/>
+                            <a:latin typeface="Cambria Math" panose="02040503050406030204" pitchFamily="18" charset="0"/>
                             <a:ea typeface="Lucida Grande" charset="0"/>
                             <a:cs typeface="Lucida Grande" charset="0"/>
                           </a:rPr>
@@ -11155,7 +11172,17 @@
                             <a:ea typeface="Lucida Grande" charset="0"/>
                             <a:cs typeface="Lucida Grande" charset="0"/>
                           </a:rPr>
-                          <m:t>−4</m:t>
+                          <m:t>−</m:t>
+                        </m:r>
+                        <m:r>
+                          <m:rPr>
+                            <m:nor/>
+                          </m:rPr>
+                          <a:rPr lang="it-IT" sz="2000" b="1">
+                            <a:ea typeface="Lucida Grande" charset="0"/>
+                            <a:cs typeface="Lucida Grande" charset="0"/>
+                          </a:rPr>
+                          <m:t>4</m:t>
                         </m:r>
                       </m:sup>
                     </m:sSup>
@@ -11191,7 +11218,7 @@
                       <m:sSupPr>
                         <m:ctrlPr>
                           <a:rPr lang="it-IT" sz="2000" b="1" i="1">
-                            <a:latin typeface="Cambria Math" charset="0"/>
+                            <a:latin typeface="Cambria Math" panose="02040503050406030204" pitchFamily="18" charset="0"/>
                             <a:ea typeface="Lucida Grande" charset="0"/>
                             <a:cs typeface="Lucida Grande" charset="0"/>
                           </a:rPr>
@@ -11218,7 +11245,17 @@
                             <a:ea typeface="Lucida Grande" charset="0"/>
                             <a:cs typeface="Lucida Grande" charset="0"/>
                           </a:rPr>
-                          <m:t>−4</m:t>
+                          <m:t>−</m:t>
+                        </m:r>
+                        <m:r>
+                          <m:rPr>
+                            <m:nor/>
+                          </m:rPr>
+                          <a:rPr lang="it-IT" sz="2000" b="1">
+                            <a:ea typeface="Lucida Grande" charset="0"/>
+                            <a:cs typeface="Lucida Grande" charset="0"/>
+                          </a:rPr>
+                          <m:t>4</m:t>
                         </m:r>
                       </m:sup>
                     </m:sSup>
@@ -11254,7 +11291,7 @@
                       <m:sSupPr>
                         <m:ctrlPr>
                           <a:rPr lang="it-IT" sz="2000" b="1" i="1">
-                            <a:latin typeface="Cambria Math" charset="0"/>
+                            <a:latin typeface="Cambria Math" panose="02040503050406030204" pitchFamily="18" charset="0"/>
                             <a:ea typeface="Lucida Grande" charset="0"/>
                             <a:cs typeface="Lucida Grande" charset="0"/>
                           </a:rPr>
@@ -11281,7 +11318,17 @@
                             <a:ea typeface="Lucida Grande" charset="0"/>
                             <a:cs typeface="Lucida Grande" charset="0"/>
                           </a:rPr>
-                          <m:t>−4</m:t>
+                          <m:t>−</m:t>
+                        </m:r>
+                        <m:r>
+                          <m:rPr>
+                            <m:nor/>
+                          </m:rPr>
+                          <a:rPr lang="it-IT" sz="2000" b="1">
+                            <a:ea typeface="Lucida Grande" charset="0"/>
+                            <a:cs typeface="Lucida Grande" charset="0"/>
+                          </a:rPr>
+                          <m:t>4</m:t>
                         </m:r>
                       </m:sup>
                     </m:sSup>
@@ -11299,7 +11346,7 @@
             </p:txBody>
           </p:sp>
         </mc:Choice>
-        <mc:Fallback>
+        <mc:Fallback xmlns="">
           <p:sp>
             <p:nvSpPr>
               <p:cNvPr id="3" name="Segnaposto contenuto 2"/>
@@ -11516,8 +11563,8 @@
           </a:p>
         </p:txBody>
       </p:sp>
-      <mc:AlternateContent xmlns:mc="http://schemas.openxmlformats.org/markup-compatibility/2006">
-        <mc:Choice xmlns:a14="http://schemas.microsoft.com/office/drawing/2010/main" Requires="a14">
+      <mc:AlternateContent xmlns:mc="http://schemas.openxmlformats.org/markup-compatibility/2006" xmlns:a14="http://schemas.microsoft.com/office/drawing/2010/main">
+        <mc:Choice Requires="a14">
           <p:sp>
             <p:nvSpPr>
               <p:cNvPr id="3" name="Segnaposto contenuto 2"/>
@@ -11547,11 +11594,7 @@
                 </a:br>
                 <a:r>
                   <a:rPr lang="it-IT" sz="2400" b="1" dirty="0" smtClean="0"/>
-                  <a:t>10 </a:t>
-                </a:r>
-                <a:r>
-                  <a:rPr lang="it-IT" sz="2400" b="1" dirty="0" smtClean="0"/>
-                  <a:t>cm </a:t>
+                  <a:t>10 cm </a:t>
                 </a:r>
                 <a:r>
                   <a:rPr lang="it-IT" sz="2400" b="1" dirty="0"/>
@@ -11580,7 +11623,9 @@
                     <m:sSup>
                       <m:sSupPr>
                         <m:ctrlPr>
-                          <a:rPr lang="it-IT" sz="2400" b="1"/>
+                          <a:rPr lang="it-IT" sz="2400" b="1" i="1">
+                            <a:latin typeface="Cambria Math" panose="02040503050406030204" pitchFamily="18" charset="0"/>
+                          </a:rPr>
                         </m:ctrlPr>
                       </m:sSupPr>
                       <m:e>
@@ -11598,7 +11643,14 @@
                             <m:nor/>
                           </m:rPr>
                           <a:rPr lang="it-IT" sz="2400" b="1"/>
-                          <m:t>−4</m:t>
+                          <m:t>−</m:t>
+                        </m:r>
+                        <m:r>
+                          <m:rPr>
+                            <m:nor/>
+                          </m:rPr>
+                          <a:rPr lang="it-IT" sz="2400" b="1"/>
+                          <m:t>4</m:t>
                         </m:r>
                       </m:sup>
                     </m:sSup>
@@ -11613,7 +11665,9 @@
                     <m:sSup>
                       <m:sSupPr>
                         <m:ctrlPr>
-                          <a:rPr lang="it-IT" sz="2400" b="1"/>
+                          <a:rPr lang="it-IT" sz="2400" b="1" i="1">
+                            <a:latin typeface="Cambria Math" panose="02040503050406030204" pitchFamily="18" charset="0"/>
+                          </a:rPr>
                         </m:ctrlPr>
                       </m:sSupPr>
                       <m:e>
@@ -11631,7 +11685,14 @@
                             <m:nor/>
                           </m:rPr>
                           <a:rPr lang="it-IT" sz="2400" b="1"/>
-                          <m:t>−4</m:t>
+                          <m:t>−</m:t>
+                        </m:r>
+                        <m:r>
+                          <m:rPr>
+                            <m:nor/>
+                          </m:rPr>
+                          <a:rPr lang="it-IT" sz="2400" b="1"/>
+                          <m:t>4</m:t>
                         </m:r>
                       </m:sup>
                     </m:sSup>
@@ -11832,7 +11893,7 @@
             </p:txBody>
           </p:sp>
         </mc:Choice>
-        <mc:Fallback>
+        <mc:Fallback xmlns="">
           <p:sp>
             <p:nvSpPr>
               <p:cNvPr id="3" name="Segnaposto contenuto 2"/>
@@ -13333,11 +13394,7 @@
             </a:r>
             <a:r>
               <a:rPr lang="it-IT" sz="2200" kern="0" dirty="0" smtClean="0"/>
-              <a:t> di </a:t>
-            </a:r>
-            <a:r>
-              <a:rPr lang="it-IT" sz="2200" kern="0" dirty="0" smtClean="0"/>
-              <a:t>realizzazione e basso </a:t>
+              <a:t> di realizzazione e basso </a:t>
             </a:r>
             <a:r>
               <a:rPr lang="it-IT" sz="2200" b="1" kern="0" dirty="0"/>
@@ -14005,8 +14062,8 @@
           </p:sp>
         </mc:Fallback>
       </mc:AlternateContent>
-      <mc:AlternateContent xmlns:mc="http://schemas.openxmlformats.org/markup-compatibility/2006">
-        <mc:Choice xmlns:a14="http://schemas.microsoft.com/office/drawing/2010/main" Requires="a14">
+      <mc:AlternateContent xmlns:mc="http://schemas.openxmlformats.org/markup-compatibility/2006" xmlns:a14="http://schemas.microsoft.com/office/drawing/2010/main">
+        <mc:Choice Requires="a14">
           <p:sp>
             <p:nvSpPr>
               <p:cNvPr id="6" name="CasellaDiTesto 5"/>
@@ -14064,7 +14121,7 @@
                         <m:fPr>
                           <m:ctrlPr>
                             <a:rPr lang="it-IT" i="1" smtClean="0">
-                              <a:latin typeface="Cambria Math" charset="0"/>
+                              <a:latin typeface="Cambria Math" panose="02040503050406030204" pitchFamily="18" charset="0"/>
                               <a:ea typeface="Cambria Math" charset="0"/>
                               <a:cs typeface="Cambria Math" charset="0"/>
                             </a:rPr>
@@ -14075,7 +14132,7 @@
                             <m:sSubPr>
                               <m:ctrlPr>
                                 <a:rPr lang="it-IT" i="1" smtClean="0">
-                                  <a:latin typeface="Cambria Math" charset="0"/>
+                                  <a:latin typeface="Cambria Math" panose="02040503050406030204" pitchFamily="18" charset="0"/>
                                   <a:ea typeface="Cambria Math" charset="0"/>
                                   <a:cs typeface="Cambria Math" charset="0"/>
                                 </a:rPr>
@@ -14114,7 +14171,7 @@
                             <m:sSubPr>
                               <m:ctrlPr>
                                 <a:rPr lang="it-IT" b="0" i="1" smtClean="0">
-                                  <a:latin typeface="Cambria Math" charset="0"/>
+                                  <a:latin typeface="Cambria Math" panose="02040503050406030204" pitchFamily="18" charset="0"/>
                                   <a:ea typeface="Cambria Math" charset="0"/>
                                   <a:cs typeface="Cambria Math" charset="0"/>
                                 </a:rPr>
@@ -14161,7 +14218,7 @@
             </p:txBody>
           </p:sp>
         </mc:Choice>
-        <mc:Fallback>
+        <mc:Fallback xmlns="">
           <p:sp>
             <p:nvSpPr>
               <p:cNvPr id="6" name="CasellaDiTesto 5"/>
@@ -17217,6 +17274,15 @@
 </file>
 
 <file path=customXml/item1.xml><?xml version="1.0" encoding="utf-8"?>
+<?mso-contentType ?>
+<FormTemplates xmlns="http://schemas.microsoft.com/sharepoint/v3/contenttype/forms">
+  <Display>DocumentLibraryForm</Display>
+  <Edit>DocumentLibraryForm</Edit>
+  <New>DocumentLibraryForm</New>
+</FormTemplates>
+</file>
+
+<file path=customXml/item2.xml><?xml version="1.0" encoding="utf-8"?>
 <ct:contentTypeSchema xmlns:ct="http://schemas.microsoft.com/office/2006/metadata/contentType" xmlns:ma="http://schemas.microsoft.com/office/2006/metadata/properties/metaAttributes" ct:_="" ma:_="" ma:contentTypeName="Documento" ma:contentTypeID="0x010100DAC9E95AF84DC048A0D22167E412CEEC" ma:contentTypeVersion="0" ma:contentTypeDescription="Creare un nuovo documento." ma:contentTypeScope="" ma:versionID="77ab65c81d73c7b1811619c89623d2b9">
   <xsd:schema xmlns:xsd="http://www.w3.org/2001/XMLSchema" xmlns:xs="http://www.w3.org/2001/XMLSchema" xmlns:p="http://schemas.microsoft.com/office/2006/metadata/properties" targetNamespace="http://schemas.microsoft.com/office/2006/metadata/properties" ma:root="true" ma:fieldsID="8bf72f36140baa73d0623520154f6aaf">
     <xsd:element name="properties">
@@ -17330,15 +17396,6 @@
 </ct:contentTypeSchema>
 </file>
 
-<file path=customXml/item2.xml><?xml version="1.0" encoding="utf-8"?>
-<?mso-contentType ?>
-<FormTemplates xmlns="http://schemas.microsoft.com/sharepoint/v3/contenttype/forms">
-  <Display>DocumentLibraryForm</Display>
-  <Edit>DocumentLibraryForm</Edit>
-  <New>DocumentLibraryForm</New>
-</FormTemplates>
-</file>
-
 <file path=customXml/item3.xml><?xml version="1.0" encoding="utf-8"?>
 <p:properties xmlns:p="http://schemas.microsoft.com/office/2006/metadata/properties" xmlns:xsi="http://www.w3.org/2001/XMLSchema-instance" xmlns:pc="http://schemas.microsoft.com/office/infopath/2007/PartnerControls">
   <documentManagement/>
@@ -17346,6 +17403,14 @@
 </file>
 
 <file path=customXml/itemProps1.xml><?xml version="1.0" encoding="utf-8"?>
+<ds:datastoreItem xmlns:ds="http://schemas.openxmlformats.org/officeDocument/2006/customXml" ds:itemID="{642F071F-C090-42AB-8A40-E3A3A8F01244}">
+  <ds:schemaRefs>
+    <ds:schemaRef ds:uri="http://schemas.microsoft.com/sharepoint/v3/contenttype/forms"/>
+  </ds:schemaRefs>
+</ds:datastoreItem>
+</file>
+
+<file path=customXml/itemProps2.xml><?xml version="1.0" encoding="utf-8"?>
 <ds:datastoreItem xmlns:ds="http://schemas.openxmlformats.org/officeDocument/2006/customXml" ds:itemID="{B0C5135E-7452-41DD-A4B7-B217190CFF89}">
   <ds:schemaRefs>
     <ds:schemaRef ds:uri="http://schemas.microsoft.com/office/2006/metadata/contentType"/>
@@ -17357,14 +17422,6 @@
     <ds:schemaRef ds:uri="http://purl.org/dc/terms/"/>
     <ds:schemaRef ds:uri="http://schemas.microsoft.com/internal/obd"/>
     <ds:schemaRef ds:uri="http://schemas.microsoft.com/office/infopath/2007/PartnerControls"/>
-  </ds:schemaRefs>
-</ds:datastoreItem>
-</file>
-
-<file path=customXml/itemProps2.xml><?xml version="1.0" encoding="utf-8"?>
-<ds:datastoreItem xmlns:ds="http://schemas.openxmlformats.org/officeDocument/2006/customXml" ds:itemID="{642F071F-C090-42AB-8A40-E3A3A8F01244}">
-  <ds:schemaRefs>
-    <ds:schemaRef ds:uri="http://schemas.microsoft.com/sharepoint/v3/contenttype/forms"/>
   </ds:schemaRefs>
 </ds:datastoreItem>
 </file>

--- a/presentazione_discussione.pptx
+++ b/presentazione_discussione.pptx
@@ -415,7 +415,7 @@
             <a:fld id="{09D1D7E3-DE3F-4B7A-BF5B-A3735BF12F5F}" type="slidenum">
               <a:rPr lang="en-US" altLang="nl-NL"/>
               <a:pPr/>
-              <a:t>‹N›</a:t>
+              <a:t>‹n.›</a:t>
             </a:fld>
             <a:endParaRPr lang="en-US" altLang="nl-NL"/>
           </a:p>
@@ -754,7 +754,7 @@
             <a:fld id="{88C0D9CF-78A8-4FBE-960E-41C6F5A4AF95}" type="slidenum">
               <a:rPr lang="en-US" altLang="nl-NL"/>
               <a:pPr/>
-              <a:t>‹N›</a:t>
+              <a:t>‹n.›</a:t>
             </a:fld>
             <a:endParaRPr lang="en-US" altLang="nl-NL"/>
           </a:p>
@@ -3345,7 +3345,7 @@
             <a:fld id="{2A6090BC-14A4-4032-A8EA-D874EB653524}" type="slidenum">
               <a:rPr lang="en-US" altLang="nl-NL"/>
               <a:pPr/>
-              <a:t>‹N›</a:t>
+              <a:t>‹n.›</a:t>
             </a:fld>
             <a:endParaRPr lang="en-US" altLang="nl-NL"/>
           </a:p>
@@ -3493,7 +3493,7 @@
             <a:fld id="{BA594880-8A78-40E1-8D62-51F97D4059C0}" type="slidenum">
               <a:rPr lang="en-US" altLang="nl-NL"/>
               <a:pPr/>
-              <a:t>‹N›</a:t>
+              <a:t>‹n.›</a:t>
             </a:fld>
             <a:endParaRPr lang="en-US" altLang="nl-NL"/>
           </a:p>
@@ -3678,7 +3678,7 @@
             <a:fld id="{C503DA3A-0C6B-48FC-931E-2C786AAFD5C1}" type="slidenum">
               <a:rPr lang="en-US" altLang="nl-NL"/>
               <a:pPr/>
-              <a:t>‹N›</a:t>
+              <a:t>‹n.›</a:t>
             </a:fld>
             <a:endParaRPr lang="en-US" altLang="nl-NL"/>
           </a:p>
@@ -3868,7 +3868,7 @@
             <a:fld id="{22038E9A-44DA-4A7D-8119-4DEABABB9975}" type="slidenum">
               <a:rPr lang="en-US" altLang="nl-NL"/>
               <a:pPr/>
-              <a:t>‹N›</a:t>
+              <a:t>‹n.›</a:t>
             </a:fld>
             <a:endParaRPr lang="en-US" altLang="nl-NL"/>
           </a:p>
@@ -4124,7 +4124,7 @@
             <a:fld id="{003F0B5A-3573-418F-94B3-BD5F75DB60BD}" type="slidenum">
               <a:rPr lang="en-US" altLang="nl-NL"/>
               <a:pPr/>
-              <a:t>‹N›</a:t>
+              <a:t>‹n.›</a:t>
             </a:fld>
             <a:endParaRPr lang="en-US" altLang="nl-NL"/>
           </a:p>
@@ -4519,7 +4519,7 @@
             <a:fld id="{42D42EED-7338-48C6-AA31-2E9FCA4532B1}" type="slidenum">
               <a:rPr lang="en-US" altLang="nl-NL"/>
               <a:pPr/>
-              <a:t>‹N›</a:t>
+              <a:t>‹n.›</a:t>
             </a:fld>
             <a:endParaRPr lang="en-US" altLang="nl-NL"/>
           </a:p>
@@ -4605,7 +4605,7 @@
             <a:fld id="{BBD7032E-400A-4C6B-9075-7A7CB7960EE8}" type="slidenum">
               <a:rPr lang="en-US" altLang="nl-NL"/>
               <a:pPr/>
-              <a:t>‹N›</a:t>
+              <a:t>‹n.›</a:t>
             </a:fld>
             <a:endParaRPr lang="en-US" altLang="nl-NL"/>
           </a:p>
@@ -4668,7 +4668,7 @@
             <a:fld id="{ED3AC776-BC4C-444F-A902-0153286FE118}" type="slidenum">
               <a:rPr lang="en-US" altLang="nl-NL"/>
               <a:pPr/>
-              <a:t>‹N›</a:t>
+              <a:t>‹n.›</a:t>
             </a:fld>
             <a:endParaRPr lang="en-US" altLang="nl-NL"/>
           </a:p>
@@ -4913,7 +4913,7 @@
             <a:fld id="{E5F65DD3-3E3C-40FA-A044-BE029E819A96}" type="slidenum">
               <a:rPr lang="en-US" altLang="nl-NL"/>
               <a:pPr/>
-              <a:t>‹N›</a:t>
+              <a:t>‹n.›</a:t>
             </a:fld>
             <a:endParaRPr lang="en-US" altLang="nl-NL"/>
           </a:p>
@@ -5139,7 +5139,7 @@
             <a:fld id="{D32360F0-7900-4280-B4D3-DB562730877F}" type="slidenum">
               <a:rPr lang="en-US" altLang="nl-NL"/>
               <a:pPr/>
-              <a:t>‹N›</a:t>
+              <a:t>‹n.›</a:t>
             </a:fld>
             <a:endParaRPr lang="en-US" altLang="nl-NL"/>
           </a:p>
@@ -5483,7 +5483,7 @@
             <a:fld id="{D11F1AE1-4445-46D7-BD14-4F1456A53146}" type="slidenum">
               <a:rPr lang="en-US" altLang="nl-NL"/>
               <a:pPr/>
-              <a:t>‹N›</a:t>
+              <a:t>‹n.›</a:t>
             </a:fld>
             <a:endParaRPr lang="en-US" altLang="nl-NL"/>
           </a:p>
@@ -6939,6 +6939,13 @@
             <a:pPr lvl="1"/>
             <a:r>
               <a:rPr lang="it-IT" sz="2000" dirty="0"/>
+              <a:t>Dettagli implementativi</a:t>
+            </a:r>
+          </a:p>
+          <a:p>
+            <a:pPr lvl="1"/>
+            <a:r>
+              <a:rPr lang="it-IT" sz="2000" dirty="0"/>
               <a:t>FPGA</a:t>
             </a:r>
           </a:p>
@@ -6953,20 +6960,17 @@
             <a:pPr lvl="1"/>
             <a:r>
               <a:rPr lang="it-IT" sz="2000" dirty="0"/>
-              <a:t>Dettagli implementativi</a:t>
-            </a:r>
-          </a:p>
-          <a:p>
-            <a:pPr lvl="1"/>
-            <a:r>
-              <a:rPr lang="it-IT" sz="2000" dirty="0"/>
               <a:t>Ottimizzazioni</a:t>
             </a:r>
           </a:p>
           <a:p>
             <a:r>
+              <a:rPr lang="it-IT" sz="2400" dirty="0" smtClean="0"/>
+              <a:t>Risultati </a:t>
+            </a:r>
+            <a:r>
               <a:rPr lang="it-IT" sz="2400" dirty="0"/>
-              <a:t>Risultati sperimentali</a:t>
+              <a:t>sperimentali</a:t>
             </a:r>
           </a:p>
           <a:p>
@@ -8952,20 +8956,12 @@
               <a:rPr lang="it-IT" sz="2000" b="1" dirty="0" smtClean="0"/>
               <a:t> </a:t>
             </a:r>
-            <a:r>
-              <a:rPr lang="it-IT" sz="2000" b="1" dirty="0" smtClean="0"/>
-              <a:t/>
-            </a:r>
             <a:br>
               <a:rPr lang="it-IT" sz="2000" b="1" dirty="0" smtClean="0"/>
             </a:br>
             <a:r>
               <a:rPr lang="it-IT" sz="2000" dirty="0" smtClean="0"/>
-              <a:t>(</a:t>
-            </a:r>
-            <a:r>
-              <a:rPr lang="it-IT" sz="2000" dirty="0" smtClean="0"/>
-              <a:t>FFT)</a:t>
+              <a:t>(FFT)</a:t>
             </a:r>
             <a:br>
               <a:rPr lang="it-IT" sz="2000" dirty="0" smtClean="0"/>
@@ -9042,8 +9038,8 @@
         </p:blipFill>
         <p:spPr>
           <a:xfrm>
-            <a:off x="5115633" y="1454331"/>
-            <a:ext cx="3968935" cy="4663265"/>
+            <a:off x="5469076" y="1799777"/>
+            <a:ext cx="3674924" cy="4317819"/>
           </a:xfrm>
           <a:prstGeom prst="rect">
             <a:avLst/>
@@ -9341,7 +9337,7 @@
                         <m:fPr>
                           <m:ctrlPr>
                             <a:rPr lang="it-IT" i="1" smtClean="0">
-                              <a:latin typeface="Cambria Math" panose="02040503050406030204" pitchFamily="18" charset="0"/>
+                              <a:latin typeface="Cambria Math" charset="0"/>
                               <a:ea typeface="Cambria Math" charset="0"/>
                               <a:cs typeface="Cambria Math" charset="0"/>
                             </a:rPr>
@@ -9352,7 +9348,7 @@
                             <m:sSubPr>
                               <m:ctrlPr>
                                 <a:rPr lang="it-IT" i="1" smtClean="0">
-                                  <a:latin typeface="Cambria Math" panose="02040503050406030204" pitchFamily="18" charset="0"/>
+                                  <a:latin typeface="Cambria Math" charset="0"/>
                                   <a:ea typeface="Cambria Math" charset="0"/>
                                   <a:cs typeface="Cambria Math" charset="0"/>
                                 </a:rPr>
@@ -9391,7 +9387,7 @@
                             <m:sSubPr>
                               <m:ctrlPr>
                                 <a:rPr lang="it-IT" b="0" i="1" smtClean="0">
-                                  <a:latin typeface="Cambria Math" panose="02040503050406030204" pitchFamily="18" charset="0"/>
+                                  <a:latin typeface="Cambria Math" charset="0"/>
                                   <a:ea typeface="Cambria Math" charset="0"/>
                                   <a:cs typeface="Cambria Math" charset="0"/>
                                 </a:rPr>
@@ -9765,7 +9761,7 @@
         </p:blipFill>
         <p:spPr>
           <a:xfrm>
-            <a:off x="1047502" y="2092861"/>
+            <a:off x="742952" y="2429100"/>
             <a:ext cx="3131547" cy="2135676"/>
           </a:xfrm>
           <a:prstGeom prst="rect">
@@ -9795,7 +9791,7 @@
         </p:blipFill>
         <p:spPr>
           <a:xfrm>
-            <a:off x="5428426" y="2089383"/>
+            <a:off x="5294258" y="2411735"/>
             <a:ext cx="2763074" cy="2139154"/>
           </a:xfrm>
           <a:prstGeom prst="rect">
@@ -9811,7 +9807,7 @@
         </p:nvSpPr>
         <p:spPr>
           <a:xfrm>
-            <a:off x="3561941" y="2703087"/>
+            <a:off x="3412250" y="3031995"/>
             <a:ext cx="2016176" cy="793851"/>
           </a:xfrm>
           <a:prstGeom prst="rightArrow">
@@ -9870,8 +9866,8 @@
         </p:blipFill>
         <p:spPr>
           <a:xfrm>
-            <a:off x="5488386" y="4498498"/>
-            <a:ext cx="3098265" cy="1978496"/>
+            <a:off x="5294258" y="4550889"/>
+            <a:ext cx="3038595" cy="1940392"/>
           </a:xfrm>
           <a:prstGeom prst="rect">
             <a:avLst/>
@@ -10077,13 +10073,13 @@
                   </a:schemeClr>
                 </a:solidFill>
               </a:rPr>
-              <a:t>FPGA</a:t>
+              <a:t>Dettagli implementativi</a:t>
             </a:r>
           </a:p>
           <a:p>
             <a:pPr lvl="1"/>
             <a:r>
-              <a:rPr lang="it-IT" sz="2000" dirty="0">
+              <a:rPr lang="it-IT" sz="2000" dirty="0" smtClean="0">
                 <a:solidFill>
                   <a:schemeClr val="bg2">
                     <a:lumMod val="40000"/>
@@ -10091,8 +10087,16 @@
                   </a:schemeClr>
                 </a:solidFill>
               </a:rPr>
-              <a:t>Microcontrollore</a:t>
-            </a:r>
+              <a:t>FPGA</a:t>
+            </a:r>
+            <a:endParaRPr lang="it-IT" sz="2000" dirty="0">
+              <a:solidFill>
+                <a:schemeClr val="bg2">
+                  <a:lumMod val="40000"/>
+                  <a:lumOff val="60000"/>
+                </a:schemeClr>
+              </a:solidFill>
+            </a:endParaRPr>
           </a:p>
           <a:p>
             <a:pPr lvl="1"/>
@@ -10105,13 +10109,13 @@
                   </a:schemeClr>
                 </a:solidFill>
               </a:rPr>
-              <a:t>Dettagli implementativi</a:t>
+              <a:t>Microcontrollore</a:t>
             </a:r>
           </a:p>
           <a:p>
             <a:pPr lvl="1"/>
             <a:r>
-              <a:rPr lang="it-IT" sz="2000" dirty="0">
+              <a:rPr lang="it-IT" sz="2000" dirty="0" smtClean="0">
                 <a:solidFill>
                   <a:schemeClr val="bg2">
                     <a:lumMod val="40000"/>
@@ -10121,6 +10125,14 @@
               </a:rPr>
               <a:t>Ottimizzazioni</a:t>
             </a:r>
+            <a:endParaRPr lang="it-IT" sz="2000" dirty="0">
+              <a:solidFill>
+                <a:schemeClr val="bg2">
+                  <a:lumMod val="40000"/>
+                  <a:lumOff val="60000"/>
+                </a:schemeClr>
+              </a:solidFill>
+            </a:endParaRPr>
           </a:p>
           <a:p>
             <a:r>
@@ -10456,7 +10468,7 @@
                       <m:sSupPr>
                         <m:ctrlPr>
                           <a:rPr lang="it-IT" sz="2000" b="1" i="1">
-                            <a:latin typeface="Cambria Math" panose="02040503050406030204" pitchFamily="18" charset="0"/>
+                            <a:latin typeface="Cambria Math" charset="0"/>
                             <a:ea typeface="Lucida Grande" charset="0"/>
                             <a:cs typeface="Lucida Grande" charset="0"/>
                           </a:rPr>
@@ -10483,17 +10495,7 @@
                             <a:ea typeface="Lucida Grande" charset="0"/>
                             <a:cs typeface="Lucida Grande" charset="0"/>
                           </a:rPr>
-                          <m:t>−</m:t>
-                        </m:r>
-                        <m:r>
-                          <m:rPr>
-                            <m:nor/>
-                          </m:rPr>
-                          <a:rPr lang="it-IT" sz="2000" b="1">
-                            <a:ea typeface="Lucida Grande" charset="0"/>
-                            <a:cs typeface="Lucida Grande" charset="0"/>
-                          </a:rPr>
-                          <m:t>4</m:t>
+                          <m:t>−4</m:t>
                         </m:r>
                       </m:sup>
                     </m:sSup>
@@ -10517,7 +10519,7 @@
                       <m:sSupPr>
                         <m:ctrlPr>
                           <a:rPr lang="it-IT" sz="2000" b="1" i="1">
-                            <a:latin typeface="Cambria Math" panose="02040503050406030204" pitchFamily="18" charset="0"/>
+                            <a:latin typeface="Cambria Math" charset="0"/>
                             <a:ea typeface="Lucida Grande" charset="0"/>
                             <a:cs typeface="Lucida Grande" charset="0"/>
                           </a:rPr>
@@ -10544,17 +10546,7 @@
                             <a:ea typeface="Lucida Grande" charset="0"/>
                             <a:cs typeface="Lucida Grande" charset="0"/>
                           </a:rPr>
-                          <m:t>−</m:t>
-                        </m:r>
-                        <m:r>
-                          <m:rPr>
-                            <m:nor/>
-                          </m:rPr>
-                          <a:rPr lang="it-IT" sz="2000" b="1">
-                            <a:ea typeface="Lucida Grande" charset="0"/>
-                            <a:cs typeface="Lucida Grande" charset="0"/>
-                          </a:rPr>
-                          <m:t>4</m:t>
+                          <m:t>−4</m:t>
                         </m:r>
                       </m:sup>
                     </m:sSup>
@@ -10578,7 +10570,7 @@
                       <m:sSupPr>
                         <m:ctrlPr>
                           <a:rPr lang="it-IT" sz="2000" b="1" i="1">
-                            <a:latin typeface="Cambria Math" panose="02040503050406030204" pitchFamily="18" charset="0"/>
+                            <a:latin typeface="Cambria Math" charset="0"/>
                             <a:ea typeface="Lucida Grande" charset="0"/>
                             <a:cs typeface="Lucida Grande" charset="0"/>
                           </a:rPr>
@@ -10605,17 +10597,7 @@
                             <a:ea typeface="Lucida Grande" charset="0"/>
                             <a:cs typeface="Lucida Grande" charset="0"/>
                           </a:rPr>
-                          <m:t>−</m:t>
-                        </m:r>
-                        <m:r>
-                          <m:rPr>
-                            <m:nor/>
-                          </m:rPr>
-                          <a:rPr lang="it-IT" sz="2000" b="1">
-                            <a:ea typeface="Lucida Grande" charset="0"/>
-                            <a:cs typeface="Lucida Grande" charset="0"/>
-                          </a:rPr>
-                          <m:t>4</m:t>
+                          <m:t>−4</m:t>
                         </m:r>
                       </m:sup>
                     </m:sSup>
@@ -10710,7 +10692,7 @@
         </p:blipFill>
         <p:spPr>
           <a:xfrm>
-            <a:off x="111793" y="4501190"/>
+            <a:off x="0" y="4306320"/>
             <a:ext cx="3163078" cy="1789680"/>
           </a:xfrm>
           <a:prstGeom prst="rect">
@@ -10740,7 +10722,7 @@
         </p:blipFill>
         <p:spPr>
           <a:xfrm>
-            <a:off x="3244157" y="4501190"/>
+            <a:off x="3163078" y="4306320"/>
             <a:ext cx="3069989" cy="1789680"/>
           </a:xfrm>
           <a:prstGeom prst="rect">
@@ -10770,7 +10752,7 @@
         </p:blipFill>
         <p:spPr>
           <a:xfrm>
-            <a:off x="6314146" y="4501190"/>
+            <a:off x="6233067" y="4306320"/>
             <a:ext cx="2680126" cy="1789680"/>
           </a:xfrm>
           <a:prstGeom prst="rect">
@@ -10924,21 +10906,27 @@
             <a:pPr lvl="1"/>
             <a:r>
               <a:rPr lang="it-IT" sz="2000" dirty="0"/>
+              <a:t>Dettagli </a:t>
+            </a:r>
+            <a:r>
+              <a:rPr lang="it-IT" sz="2000" dirty="0" smtClean="0"/>
+              <a:t>implementativi</a:t>
+            </a:r>
+            <a:endParaRPr lang="it-IT" sz="2000" dirty="0" smtClean="0"/>
+          </a:p>
+          <a:p>
+            <a:pPr lvl="1"/>
+            <a:r>
+              <a:rPr lang="it-IT" sz="2000" dirty="0" smtClean="0"/>
               <a:t>FPGA</a:t>
             </a:r>
+            <a:endParaRPr lang="it-IT" sz="2000" dirty="0"/>
           </a:p>
           <a:p>
             <a:pPr lvl="1"/>
             <a:r>
               <a:rPr lang="it-IT" sz="2000" dirty="0" smtClean="0"/>
               <a:t>Microcontrollore</a:t>
-            </a:r>
-          </a:p>
-          <a:p>
-            <a:pPr lvl="1"/>
-            <a:r>
-              <a:rPr lang="it-IT" sz="2000" dirty="0" smtClean="0"/>
-              <a:t>Dettagli implementativi</a:t>
             </a:r>
           </a:p>
           <a:p>
@@ -11145,7 +11133,7 @@
                       <m:sSupPr>
                         <m:ctrlPr>
                           <a:rPr lang="it-IT" sz="2000" b="1" i="1">
-                            <a:latin typeface="Cambria Math" panose="02040503050406030204" pitchFamily="18" charset="0"/>
+                            <a:latin typeface="Cambria Math" charset="0"/>
                             <a:ea typeface="Lucida Grande" charset="0"/>
                             <a:cs typeface="Lucida Grande" charset="0"/>
                           </a:rPr>
@@ -11172,17 +11160,7 @@
                             <a:ea typeface="Lucida Grande" charset="0"/>
                             <a:cs typeface="Lucida Grande" charset="0"/>
                           </a:rPr>
-                          <m:t>−</m:t>
-                        </m:r>
-                        <m:r>
-                          <m:rPr>
-                            <m:nor/>
-                          </m:rPr>
-                          <a:rPr lang="it-IT" sz="2000" b="1">
-                            <a:ea typeface="Lucida Grande" charset="0"/>
-                            <a:cs typeface="Lucida Grande" charset="0"/>
-                          </a:rPr>
-                          <m:t>4</m:t>
+                          <m:t>−4</m:t>
                         </m:r>
                       </m:sup>
                     </m:sSup>
@@ -11218,7 +11196,7 @@
                       <m:sSupPr>
                         <m:ctrlPr>
                           <a:rPr lang="it-IT" sz="2000" b="1" i="1">
-                            <a:latin typeface="Cambria Math" panose="02040503050406030204" pitchFamily="18" charset="0"/>
+                            <a:latin typeface="Cambria Math" charset="0"/>
                             <a:ea typeface="Lucida Grande" charset="0"/>
                             <a:cs typeface="Lucida Grande" charset="0"/>
                           </a:rPr>
@@ -11245,17 +11223,7 @@
                             <a:ea typeface="Lucida Grande" charset="0"/>
                             <a:cs typeface="Lucida Grande" charset="0"/>
                           </a:rPr>
-                          <m:t>−</m:t>
-                        </m:r>
-                        <m:r>
-                          <m:rPr>
-                            <m:nor/>
-                          </m:rPr>
-                          <a:rPr lang="it-IT" sz="2000" b="1">
-                            <a:ea typeface="Lucida Grande" charset="0"/>
-                            <a:cs typeface="Lucida Grande" charset="0"/>
-                          </a:rPr>
-                          <m:t>4</m:t>
+                          <m:t>−4</m:t>
                         </m:r>
                       </m:sup>
                     </m:sSup>
@@ -11291,7 +11259,7 @@
                       <m:sSupPr>
                         <m:ctrlPr>
                           <a:rPr lang="it-IT" sz="2000" b="1" i="1">
-                            <a:latin typeface="Cambria Math" panose="02040503050406030204" pitchFamily="18" charset="0"/>
+                            <a:latin typeface="Cambria Math" charset="0"/>
                             <a:ea typeface="Lucida Grande" charset="0"/>
                             <a:cs typeface="Lucida Grande" charset="0"/>
                           </a:rPr>
@@ -11318,17 +11286,7 @@
                             <a:ea typeface="Lucida Grande" charset="0"/>
                             <a:cs typeface="Lucida Grande" charset="0"/>
                           </a:rPr>
-                          <m:t>−</m:t>
-                        </m:r>
-                        <m:r>
-                          <m:rPr>
-                            <m:nor/>
-                          </m:rPr>
-                          <a:rPr lang="it-IT" sz="2000" b="1">
-                            <a:ea typeface="Lucida Grande" charset="0"/>
-                            <a:cs typeface="Lucida Grande" charset="0"/>
-                          </a:rPr>
-                          <m:t>4</m:t>
+                          <m:t>−4</m:t>
                         </m:r>
                       </m:sup>
                     </m:sSup>
@@ -11435,7 +11393,7 @@
         </p:blipFill>
         <p:spPr>
           <a:xfrm>
-            <a:off x="3135706" y="4158685"/>
+            <a:off x="3135706" y="4193040"/>
             <a:ext cx="3004147" cy="2252105"/>
           </a:xfrm>
           <a:prstGeom prst="rect">
@@ -11465,7 +11423,7 @@
         </p:blipFill>
         <p:spPr>
           <a:xfrm>
-            <a:off x="131559" y="4158684"/>
+            <a:off x="131559" y="4193039"/>
             <a:ext cx="3004147" cy="2252105"/>
           </a:xfrm>
           <a:prstGeom prst="rect">
@@ -11495,7 +11453,7 @@
         </p:blipFill>
         <p:spPr>
           <a:xfrm>
-            <a:off x="6139853" y="4158685"/>
+            <a:off x="6139853" y="4193040"/>
             <a:ext cx="3004147" cy="2252105"/>
           </a:xfrm>
           <a:prstGeom prst="rect">
@@ -11624,7 +11582,7 @@
                       <m:sSupPr>
                         <m:ctrlPr>
                           <a:rPr lang="it-IT" sz="2400" b="1" i="1">
-                            <a:latin typeface="Cambria Math" panose="02040503050406030204" pitchFamily="18" charset="0"/>
+                            <a:latin typeface="Cambria Math" charset="0"/>
                           </a:rPr>
                         </m:ctrlPr>
                       </m:sSupPr>
@@ -11643,14 +11601,7 @@
                             <m:nor/>
                           </m:rPr>
                           <a:rPr lang="it-IT" sz="2400" b="1"/>
-                          <m:t>−</m:t>
-                        </m:r>
-                        <m:r>
-                          <m:rPr>
-                            <m:nor/>
-                          </m:rPr>
-                          <a:rPr lang="it-IT" sz="2400" b="1"/>
-                          <m:t>4</m:t>
+                          <m:t>−4</m:t>
                         </m:r>
                       </m:sup>
                     </m:sSup>
@@ -11666,7 +11617,7 @@
                       <m:sSupPr>
                         <m:ctrlPr>
                           <a:rPr lang="it-IT" sz="2400" b="1" i="1">
-                            <a:latin typeface="Cambria Math" panose="02040503050406030204" pitchFamily="18" charset="0"/>
+                            <a:latin typeface="Cambria Math" charset="0"/>
                           </a:rPr>
                         </m:ctrlPr>
                       </m:sSupPr>
@@ -11685,14 +11636,7 @@
                             <m:nor/>
                           </m:rPr>
                           <a:rPr lang="it-IT" sz="2400" b="1"/>
-                          <m:t>−</m:t>
-                        </m:r>
-                        <m:r>
-                          <m:rPr>
-                            <m:nor/>
-                          </m:rPr>
-                          <a:rPr lang="it-IT" sz="2400" b="1"/>
-                          <m:t>4</m:t>
+                          <m:t>−4</m:t>
                         </m:r>
                       </m:sup>
                     </m:sSup>
@@ -12004,8 +11948,8 @@
         </p:blipFill>
         <p:spPr bwMode="auto">
           <a:xfrm>
-            <a:off x="5540665" y="1026916"/>
-            <a:ext cx="3396669" cy="2883504"/>
+            <a:off x="5526026" y="969764"/>
+            <a:ext cx="3452293" cy="2930724"/>
           </a:xfrm>
           <a:prstGeom prst="rect">
             <a:avLst/>
@@ -12221,13 +12165,13 @@
                   </a:schemeClr>
                 </a:solidFill>
               </a:rPr>
-              <a:t>FPGA</a:t>
+              <a:t>Dettagli implementativi</a:t>
             </a:r>
           </a:p>
           <a:p>
             <a:pPr lvl="1"/>
             <a:r>
-              <a:rPr lang="it-IT" sz="2000" dirty="0">
+              <a:rPr lang="it-IT" sz="2000" dirty="0" smtClean="0">
                 <a:solidFill>
                   <a:schemeClr val="bg2">
                     <a:lumMod val="40000"/>
@@ -12235,13 +12179,13 @@
                   </a:schemeClr>
                 </a:solidFill>
               </a:rPr>
-              <a:t>Microcontrollore</a:t>
+              <a:t>FPGA</a:t>
             </a:r>
           </a:p>
           <a:p>
             <a:pPr lvl="1"/>
             <a:r>
-              <a:rPr lang="it-IT" sz="2000" dirty="0">
+              <a:rPr lang="it-IT" sz="2000" dirty="0" smtClean="0">
                 <a:solidFill>
                   <a:schemeClr val="bg2">
                     <a:lumMod val="40000"/>
@@ -12249,13 +12193,21 @@
                   </a:schemeClr>
                 </a:solidFill>
               </a:rPr>
-              <a:t>Dettagli implementativi</a:t>
-            </a:r>
+              <a:t>Microcontrollore</a:t>
+            </a:r>
+            <a:endParaRPr lang="it-IT" sz="2000" dirty="0">
+              <a:solidFill>
+                <a:schemeClr val="bg2">
+                  <a:lumMod val="40000"/>
+                  <a:lumOff val="60000"/>
+                </a:schemeClr>
+              </a:solidFill>
+            </a:endParaRPr>
           </a:p>
           <a:p>
             <a:pPr lvl="1"/>
             <a:r>
-              <a:rPr lang="it-IT" sz="2000" dirty="0">
+              <a:rPr lang="it-IT" sz="2000" dirty="0" smtClean="0">
                 <a:solidFill>
                   <a:schemeClr val="bg2">
                     <a:lumMod val="40000"/>
@@ -12265,6 +12217,14 @@
               </a:rPr>
               <a:t>Ottimizzazioni</a:t>
             </a:r>
+            <a:endParaRPr lang="it-IT" sz="2000" dirty="0">
+              <a:solidFill>
+                <a:schemeClr val="bg2">
+                  <a:lumMod val="40000"/>
+                  <a:lumOff val="60000"/>
+                </a:schemeClr>
+              </a:solidFill>
+            </a:endParaRPr>
           </a:p>
           <a:p>
             <a:r>
@@ -12527,7 +12487,7 @@
         </p:blipFill>
         <p:spPr bwMode="auto">
           <a:xfrm>
-            <a:off x="4901784" y="2523879"/>
+            <a:off x="5016084" y="2511420"/>
             <a:ext cx="3806939" cy="2542120"/>
           </a:xfrm>
           <a:prstGeom prst="rect">
@@ -12553,7 +12513,7 @@
         </p:nvSpPr>
         <p:spPr>
           <a:xfrm>
-            <a:off x="5846163" y="4212237"/>
+            <a:off x="5960463" y="4199778"/>
             <a:ext cx="824178" cy="823782"/>
           </a:xfrm>
           <a:prstGeom prst="ellipse">
@@ -14121,7 +14081,7 @@
                         <m:fPr>
                           <m:ctrlPr>
                             <a:rPr lang="it-IT" i="1" smtClean="0">
-                              <a:latin typeface="Cambria Math" panose="02040503050406030204" pitchFamily="18" charset="0"/>
+                              <a:latin typeface="Cambria Math" charset="0"/>
                               <a:ea typeface="Cambria Math" charset="0"/>
                               <a:cs typeface="Cambria Math" charset="0"/>
                             </a:rPr>
@@ -14132,7 +14092,7 @@
                             <m:sSubPr>
                               <m:ctrlPr>
                                 <a:rPr lang="it-IT" i="1" smtClean="0">
-                                  <a:latin typeface="Cambria Math" panose="02040503050406030204" pitchFamily="18" charset="0"/>
+                                  <a:latin typeface="Cambria Math" charset="0"/>
                                   <a:ea typeface="Cambria Math" charset="0"/>
                                   <a:cs typeface="Cambria Math" charset="0"/>
                                 </a:rPr>
@@ -14171,7 +14131,7 @@
                             <m:sSubPr>
                               <m:ctrlPr>
                                 <a:rPr lang="it-IT" b="0" i="1" smtClean="0">
-                                  <a:latin typeface="Cambria Math" panose="02040503050406030204" pitchFamily="18" charset="0"/>
+                                  <a:latin typeface="Cambria Math" charset="0"/>
                                   <a:ea typeface="Cambria Math" charset="0"/>
                                   <a:cs typeface="Cambria Math" charset="0"/>
                                 </a:rPr>
@@ -14707,12 +14667,15 @@
           </a:p>
           <a:p>
             <a:r>
-              <a:rPr lang="it-IT" sz="2400" dirty="0" smtClean="0"/>
-              <a:t>Architettura </a:t>
-            </a:r>
-            <a:r>
               <a:rPr lang="it-IT" sz="2400" dirty="0"/>
-              <a:t>software</a:t>
+              <a:t>Architettura software</a:t>
+            </a:r>
+          </a:p>
+          <a:p>
+            <a:pPr lvl="1"/>
+            <a:r>
+              <a:rPr lang="it-IT" sz="2000" dirty="0"/>
+              <a:t>Dettagli implementativi</a:t>
             </a:r>
           </a:p>
           <a:p>
@@ -14725,28 +14688,20 @@
           <a:p>
             <a:pPr lvl="1"/>
             <a:r>
-              <a:rPr lang="it-IT" sz="2000" dirty="0" smtClean="0"/>
+              <a:rPr lang="it-IT" sz="2000" dirty="0"/>
               <a:t>Microcontrollore</a:t>
             </a:r>
           </a:p>
           <a:p>
             <a:pPr lvl="1"/>
             <a:r>
-              <a:rPr lang="it-IT" sz="2000" dirty="0" smtClean="0"/>
-              <a:t>Dettagli implementativi</a:t>
-            </a:r>
-          </a:p>
-          <a:p>
-            <a:pPr lvl="1"/>
-            <a:r>
-              <a:rPr lang="it-IT" sz="2000" dirty="0" smtClean="0"/>
+              <a:rPr lang="it-IT" sz="2000" dirty="0"/>
               <a:t>Ottimizzazioni</a:t>
             </a:r>
-            <a:endParaRPr lang="it-IT" sz="2000" dirty="0"/>
-          </a:p>
-          <a:p>
-            <a:r>
-              <a:rPr lang="it-IT" sz="2400" dirty="0"/>
+          </a:p>
+          <a:p>
+            <a:r>
+              <a:rPr lang="it-IT" sz="2400" dirty="0" smtClean="0"/>
               <a:t>Risultati </a:t>
             </a:r>
             <a:r>

--- a/presentazione_discussione.pptx
+++ b/presentazione_discussione.pptx
@@ -9762,7 +9762,7 @@
         <p:spPr>
           <a:xfrm>
             <a:off x="742952" y="2429100"/>
-            <a:ext cx="3131547" cy="2135676"/>
+            <a:ext cx="2902713" cy="1979614"/>
           </a:xfrm>
           <a:prstGeom prst="rect">
             <a:avLst/>
@@ -9791,8 +9791,8 @@
         </p:blipFill>
         <p:spPr>
           <a:xfrm>
-            <a:off x="5294258" y="2411735"/>
-            <a:ext cx="2763074" cy="2139154"/>
+            <a:off x="5147297" y="2396442"/>
+            <a:ext cx="2866327" cy="2219092"/>
           </a:xfrm>
           <a:prstGeom prst="rect">
             <a:avLst/>
@@ -9807,7 +9807,7 @@
         </p:nvSpPr>
         <p:spPr>
           <a:xfrm>
-            <a:off x="3412250" y="3031995"/>
+            <a:off x="3248962" y="3031995"/>
             <a:ext cx="2016176" cy="793851"/>
           </a:xfrm>
           <a:prstGeom prst="rightArrow">
@@ -9866,8 +9866,8 @@
         </p:blipFill>
         <p:spPr>
           <a:xfrm>
-            <a:off x="5294258" y="4550889"/>
-            <a:ext cx="3038595" cy="1940392"/>
+            <a:off x="5147297" y="4633358"/>
+            <a:ext cx="2930203" cy="1871175"/>
           </a:xfrm>
           <a:prstGeom prst="rect">
             <a:avLst/>
@@ -10912,7 +10912,6 @@
               <a:rPr lang="it-IT" sz="2000" dirty="0" smtClean="0"/>
               <a:t>implementativi</a:t>
             </a:r>
-            <a:endParaRPr lang="it-IT" sz="2000" dirty="0" smtClean="0"/>
           </a:p>
           <a:p>
             <a:pPr lvl="1"/>
@@ -14702,11 +14701,7 @@
           <a:p>
             <a:r>
               <a:rPr lang="it-IT" sz="2400" dirty="0" smtClean="0"/>
-              <a:t>Risultati </a:t>
-            </a:r>
-            <a:r>
-              <a:rPr lang="it-IT" sz="2400" dirty="0" smtClean="0"/>
-              <a:t>sperimentali</a:t>
+              <a:t>Risultati sperimentali</a:t>
             </a:r>
             <a:endParaRPr lang="it-IT" sz="2400" dirty="0"/>
           </a:p>

--- a/presentazione_discussione.pptx
+++ b/presentazione_discussione.pptx
@@ -5,41 +5,44 @@
     <p:sldMasterId id="2147483652" r:id="rId4"/>
   </p:sldMasterIdLst>
   <p:notesMasterIdLst>
-    <p:notesMasterId r:id="rId29"/>
+    <p:notesMasterId r:id="rId32"/>
   </p:notesMasterIdLst>
   <p:handoutMasterIdLst>
-    <p:handoutMasterId r:id="rId30"/>
+    <p:handoutMasterId r:id="rId33"/>
   </p:handoutMasterIdLst>
   <p:sldIdLst>
     <p:sldId id="277" r:id="rId5"/>
     <p:sldId id="278" r:id="rId6"/>
     <p:sldId id="279" r:id="rId7"/>
     <p:sldId id="301" r:id="rId8"/>
-    <p:sldId id="302" r:id="rId9"/>
-    <p:sldId id="307" r:id="rId10"/>
-    <p:sldId id="284" r:id="rId11"/>
-    <p:sldId id="285" r:id="rId12"/>
-    <p:sldId id="287" r:id="rId13"/>
-    <p:sldId id="286" r:id="rId14"/>
-    <p:sldId id="308" r:id="rId15"/>
-    <p:sldId id="289" r:id="rId16"/>
-    <p:sldId id="305" r:id="rId17"/>
-    <p:sldId id="290" r:id="rId18"/>
-    <p:sldId id="291" r:id="rId19"/>
-    <p:sldId id="306" r:id="rId20"/>
-    <p:sldId id="309" r:id="rId21"/>
-    <p:sldId id="294" r:id="rId22"/>
-    <p:sldId id="295" r:id="rId23"/>
-    <p:sldId id="303" r:id="rId24"/>
-    <p:sldId id="304" r:id="rId25"/>
-    <p:sldId id="297" r:id="rId26"/>
-    <p:sldId id="296" r:id="rId27"/>
-    <p:sldId id="300" r:id="rId28"/>
+    <p:sldId id="310" r:id="rId9"/>
+    <p:sldId id="311" r:id="rId10"/>
+    <p:sldId id="302" r:id="rId11"/>
+    <p:sldId id="307" r:id="rId12"/>
+    <p:sldId id="284" r:id="rId13"/>
+    <p:sldId id="285" r:id="rId14"/>
+    <p:sldId id="287" r:id="rId15"/>
+    <p:sldId id="286" r:id="rId16"/>
+    <p:sldId id="308" r:id="rId17"/>
+    <p:sldId id="289" r:id="rId18"/>
+    <p:sldId id="305" r:id="rId19"/>
+    <p:sldId id="290" r:id="rId20"/>
+    <p:sldId id="291" r:id="rId21"/>
+    <p:sldId id="306" r:id="rId22"/>
+    <p:sldId id="312" r:id="rId23"/>
+    <p:sldId id="309" r:id="rId24"/>
+    <p:sldId id="294" r:id="rId25"/>
+    <p:sldId id="295" r:id="rId26"/>
+    <p:sldId id="303" r:id="rId27"/>
+    <p:sldId id="304" r:id="rId28"/>
+    <p:sldId id="297" r:id="rId29"/>
+    <p:sldId id="296" r:id="rId30"/>
+    <p:sldId id="300" r:id="rId31"/>
   </p:sldIdLst>
   <p:sldSz cx="9144000" cy="6858000" type="screen4x3"/>
   <p:notesSz cx="7099300" cy="10234613"/>
   <p:custDataLst>
-    <p:tags r:id="rId31"/>
+    <p:tags r:id="rId34"/>
   </p:custDataLst>
   <p:defaultTextStyle>
     <a:defPPr>
@@ -190,7 +193,7 @@
 
 <file path=ppt/commentAuthors.xml><?xml version="1.0" encoding="utf-8"?>
 <p:cmAuthorLst xmlns:a="http://schemas.openxmlformats.org/drawingml/2006/main" xmlns:r="http://schemas.openxmlformats.org/officeDocument/2006/relationships" xmlns:p="http://schemas.openxmlformats.org/presentationml/2006/main">
-  <p:cmAuthor id="1" name="Leonardo Cavagnis" initials="LC" lastIdx="2" clrIdx="0">
+  <p:cmAuthor id="1" name="Leonardo Cavagnis" initials="LC" lastIdx="15" clrIdx="0">
     <p:extLst/>
   </p:cmAuthor>
   <p:cmAuthor id="2" name="Leonardo Cavagnis" initials="LC [2]" lastIdx="1" clrIdx="1">
@@ -200,6 +203,176 @@
     <p:extLst/>
   </p:cmAuthor>
 </p:cmAuthorLst>
+</file>
+
+<file path=ppt/comments/comment1.xml><?xml version="1.0" encoding="utf-8"?>
+<p:cmLst xmlns:a="http://schemas.openxmlformats.org/drawingml/2006/main" xmlns:r="http://schemas.openxmlformats.org/officeDocument/2006/relationships" xmlns:p="http://schemas.openxmlformats.org/presentationml/2006/main">
+  <p:cm authorId="1" dt="2015-12-16T09:49:52.996" idx="3">
+    <p:pos x="10" y="10"/>
+    <p:text>misura lo spostamento</p:text>
+    <p:extLst>
+      <p:ext uri="{C676402C-5697-4E1C-873F-D02D1690AC5C}">
+        <p15:threadingInfo xmlns:p15="http://schemas.microsoft.com/office/powerpoint/2012/main" timeZoneBias="-60"/>
+      </p:ext>
+    </p:extLst>
+  </p:cm>
+  <p:cm authorId="1" dt="2015-12-16T09:51:19.012" idx="4">
+    <p:pos x="10" y="146"/>
+    <p:text>e non la distanza,</p:text>
+    <p:extLst>
+      <p:ext uri="{C676402C-5697-4E1C-873F-D02D1690AC5C}">
+        <p15:threadingInfo xmlns:p15="http://schemas.microsoft.com/office/powerpoint/2012/main" timeZoneBias="-60">
+          <p15:parentCm authorId="1" idx="3"/>
+        </p15:threadingInfo>
+      </p:ext>
+    </p:extLst>
+  </p:cm>
+  <p:cm authorId="1" dt="2015-12-16T09:51:46.214" idx="5">
+    <p:pos x="10" y="282"/>
+    <p:text>architettura complessa</p:text>
+    <p:extLst>
+      <p:ext uri="{C676402C-5697-4E1C-873F-D02D1690AC5C}">
+        <p15:threadingInfo xmlns:p15="http://schemas.microsoft.com/office/powerpoint/2012/main" timeZoneBias="-60">
+          <p15:parentCm authorId="1" idx="3"/>
+        </p15:threadingInfo>
+      </p:ext>
+    </p:extLst>
+  </p:cm>
+  <p:cm authorId="1" dt="2015-12-16T09:52:10.237" idx="6">
+    <p:pos x="10" y="418"/>
+    <p:text>complesso allineamento ottico</p:text>
+    <p:extLst>
+      <p:ext uri="{C676402C-5697-4E1C-873F-D02D1690AC5C}">
+        <p15:threadingInfo xmlns:p15="http://schemas.microsoft.com/office/powerpoint/2012/main" timeZoneBias="-60">
+          <p15:parentCm authorId="1" idx="3"/>
+        </p15:threadingInfo>
+      </p:ext>
+    </p:extLst>
+  </p:cm>
+</p:cmLst>
+</file>
+
+<file path=ppt/comments/comment2.xml><?xml version="1.0" encoding="utf-8"?>
+<p:cmLst xmlns:a="http://schemas.openxmlformats.org/drawingml/2006/main" xmlns:r="http://schemas.openxmlformats.org/officeDocument/2006/relationships" xmlns:p="http://schemas.openxmlformats.org/presentationml/2006/main">
+  <p:cm authorId="1" dt="2015-12-16T09:52:22.747" idx="7">
+    <p:pos x="10" y="10"/>
+    <p:text>sistemare immagine</p:text>
+    <p:extLst>
+      <p:ext uri="{C676402C-5697-4E1C-873F-D02D1690AC5C}">
+        <p15:threadingInfo xmlns:p15="http://schemas.microsoft.com/office/powerpoint/2012/main" timeZoneBias="-60"/>
+      </p:ext>
+    </p:extLst>
+  </p:cm>
+  <p:cm authorId="1" dt="2015-12-16T09:56:33.558" idx="8">
+    <p:pos x="10" y="146"/>
+    <p:text>il pro è che ci sono molti meno elementi</p:text>
+    <p:extLst>
+      <p:ext uri="{C676402C-5697-4E1C-873F-D02D1690AC5C}">
+        <p15:threadingInfo xmlns:p15="http://schemas.microsoft.com/office/powerpoint/2012/main" timeZoneBias="-60">
+          <p15:parentCm authorId="1" idx="7"/>
+        </p15:threadingInfo>
+      </p:ext>
+    </p:extLst>
+  </p:cm>
+</p:cmLst>
+</file>
+
+<file path=ppt/comments/comment3.xml><?xml version="1.0" encoding="utf-8"?>
+<p:cmLst xmlns:a="http://schemas.openxmlformats.org/drawingml/2006/main" xmlns:r="http://schemas.openxmlformats.org/officeDocument/2006/relationships" xmlns:p="http://schemas.openxmlformats.org/presentationml/2006/main">
+  <p:cm authorId="1" dt="2015-12-16T10:21:42.129" idx="9">
+    <p:pos x="5760" y="1134"/>
+    <p:text>mettere immagini/animazione</p:text>
+    <p:extLst>
+      <p:ext uri="{C676402C-5697-4E1C-873F-D02D1690AC5C}">
+        <p15:threadingInfo xmlns:p15="http://schemas.microsoft.com/office/powerpoint/2012/main" timeZoneBias="-60"/>
+      </p:ext>
+    </p:extLst>
+  </p:cm>
+</p:cmLst>
+</file>
+
+<file path=ppt/comments/comment4.xml><?xml version="1.0" encoding="utf-8"?>
+<p:cmLst xmlns:a="http://schemas.openxmlformats.org/drawingml/2006/main" xmlns:r="http://schemas.openxmlformats.org/officeDocument/2006/relationships" xmlns:p="http://schemas.openxmlformats.org/presentationml/2006/main">
+  <p:cm authorId="1" dt="2015-12-16T10:23:32.980" idx="10">
+    <p:pos x="3111" y="1518"/>
+    <p:text>aggiungere formule sull'interpolazione</p:text>
+    <p:extLst>
+      <p:ext uri="{C676402C-5697-4E1C-873F-D02D1690AC5C}">
+        <p15:threadingInfo xmlns:p15="http://schemas.microsoft.com/office/powerpoint/2012/main" timeZoneBias="-60"/>
+      </p:ext>
+    </p:extLst>
+  </p:cm>
+</p:cmLst>
+</file>
+
+<file path=ppt/comments/comment5.xml><?xml version="1.0" encoding="utf-8"?>
+<p:cmLst xmlns:a="http://schemas.openxmlformats.org/drawingml/2006/main" xmlns:r="http://schemas.openxmlformats.org/officeDocument/2006/relationships" xmlns:p="http://schemas.openxmlformats.org/presentationml/2006/main">
+  <p:cm authorId="1" dt="2015-12-16T10:28:42.165" idx="11">
+    <p:pos x="10" y="10"/>
+    <p:text>suddivere in due slide</p:text>
+    <p:extLst>
+      <p:ext uri="{C676402C-5697-4E1C-873F-D02D1690AC5C}">
+        <p15:threadingInfo xmlns:p15="http://schemas.microsoft.com/office/powerpoint/2012/main" timeZoneBias="-60"/>
+      </p:ext>
+    </p:extLst>
+  </p:cm>
+</p:cmLst>
+</file>
+
+<file path=ppt/comments/comment6.xml><?xml version="1.0" encoding="utf-8"?>
+<p:cmLst xmlns:a="http://schemas.openxmlformats.org/drawingml/2006/main" xmlns:r="http://schemas.openxmlformats.org/officeDocument/2006/relationships" xmlns:p="http://schemas.openxmlformats.org/presentationml/2006/main">
+  <p:cm authorId="1" dt="2015-12-16T10:35:26.815" idx="15">
+    <p:pos x="4896" y="1755"/>
+    <p:text>spiegare bene questo set-up a voce</p:text>
+    <p:extLst>
+      <p:ext uri="{C676402C-5697-4E1C-873F-D02D1690AC5C}">
+        <p15:threadingInfo xmlns:p15="http://schemas.microsoft.com/office/powerpoint/2012/main" timeZoneBias="-60"/>
+      </p:ext>
+    </p:extLst>
+  </p:cm>
+</p:cmLst>
+</file>
+
+<file path=ppt/comments/comment7.xml><?xml version="1.0" encoding="utf-8"?>
+<p:cmLst xmlns:a="http://schemas.openxmlformats.org/drawingml/2006/main" xmlns:r="http://schemas.openxmlformats.org/officeDocument/2006/relationships" xmlns:p="http://schemas.openxmlformats.org/presentationml/2006/main">
+  <p:cm authorId="1" dt="2015-12-16T10:33:04.661" idx="12">
+    <p:pos x="5615" y="2713"/>
+    <p:text>ingrandire i caratteri</p:text>
+    <p:extLst>
+      <p:ext uri="{C676402C-5697-4E1C-873F-D02D1690AC5C}">
+        <p15:threadingInfo xmlns:p15="http://schemas.microsoft.com/office/powerpoint/2012/main" timeZoneBias="-60"/>
+      </p:ext>
+    </p:extLst>
+  </p:cm>
+</p:cmLst>
+</file>
+
+<file path=ppt/comments/comment8.xml><?xml version="1.0" encoding="utf-8"?>
+<p:cmLst xmlns:a="http://schemas.openxmlformats.org/drawingml/2006/main" xmlns:r="http://schemas.openxmlformats.org/officeDocument/2006/relationships" xmlns:p="http://schemas.openxmlformats.org/presentationml/2006/main">
+  <p:cm authorId="1" dt="2015-12-16T10:33:21.314" idx="13">
+    <p:pos x="5760" y="2641"/>
+    <p:text>ingrandire gli assi</p:text>
+    <p:extLst>
+      <p:ext uri="{C676402C-5697-4E1C-873F-D02D1690AC5C}">
+        <p15:threadingInfo xmlns:p15="http://schemas.microsoft.com/office/powerpoint/2012/main" timeZoneBias="-60"/>
+      </p:ext>
+    </p:extLst>
+  </p:cm>
+</p:cmLst>
+</file>
+
+<file path=ppt/comments/comment9.xml><?xml version="1.0" encoding="utf-8"?>
+<p:cmLst xmlns:a="http://schemas.openxmlformats.org/drawingml/2006/main" xmlns:r="http://schemas.openxmlformats.org/officeDocument/2006/relationships" xmlns:p="http://schemas.openxmlformats.org/presentationml/2006/main">
+  <p:cm authorId="1" dt="2015-12-16T10:34:08.054" idx="14">
+    <p:pos x="5656" y="611"/>
+    <p:text>ingrandire assi</p:text>
+    <p:extLst>
+      <p:ext uri="{C676402C-5697-4E1C-873F-D02D1690AC5C}">
+        <p15:threadingInfo xmlns:p15="http://schemas.microsoft.com/office/powerpoint/2012/main" timeZoneBias="-60"/>
+      </p:ext>
+    </p:extLst>
+  </p:cm>
+</p:cmLst>
 </file>
 
 <file path=ppt/handoutMasters/handoutMaster1.xml><?xml version="1.0" encoding="utf-8"?>
@@ -1897,7 +2070,7 @@
             <a:fld id="{88C0D9CF-78A8-4FBE-960E-41C6F5A4AF95}" type="slidenum">
               <a:rPr lang="en-US" altLang="nl-NL" smtClean="0"/>
               <a:pPr/>
-              <a:t>6</a:t>
+              <a:t>8</a:t>
             </a:fld>
             <a:endParaRPr lang="en-US" altLang="nl-NL"/>
           </a:p>
@@ -2051,7 +2224,7 @@
             <a:fld id="{88C0D9CF-78A8-4FBE-960E-41C6F5A4AF95}" type="slidenum">
               <a:rPr lang="en-US" altLang="nl-NL" smtClean="0"/>
               <a:pPr/>
-              <a:t>7</a:t>
+              <a:t>9</a:t>
             </a:fld>
             <a:endParaRPr lang="en-US" altLang="nl-NL"/>
           </a:p>
@@ -2205,7 +2378,7 @@
             <a:fld id="{88C0D9CF-78A8-4FBE-960E-41C6F5A4AF95}" type="slidenum">
               <a:rPr lang="en-US" altLang="nl-NL" smtClean="0"/>
               <a:pPr/>
-              <a:t>11</a:t>
+              <a:t>13</a:t>
             </a:fld>
             <a:endParaRPr lang="en-US" altLang="nl-NL"/>
           </a:p>
@@ -2359,7 +2532,7 @@
             <a:fld id="{88C0D9CF-78A8-4FBE-960E-41C6F5A4AF95}" type="slidenum">
               <a:rPr lang="en-US" altLang="nl-NL" smtClean="0"/>
               <a:pPr/>
-              <a:t>14</a:t>
+              <a:t>16</a:t>
             </a:fld>
             <a:endParaRPr lang="en-US" altLang="nl-NL"/>
           </a:p>
@@ -2513,7 +2686,7 @@
             <a:fld id="{88C0D9CF-78A8-4FBE-960E-41C6F5A4AF95}" type="slidenum">
               <a:rPr lang="en-US" altLang="nl-NL" smtClean="0"/>
               <a:pPr/>
-              <a:t>17</a:t>
+              <a:t>20</a:t>
             </a:fld>
             <a:endParaRPr lang="en-US" altLang="nl-NL"/>
           </a:p>
@@ -2667,7 +2840,7 @@
             <a:fld id="{88C0D9CF-78A8-4FBE-960E-41C6F5A4AF95}" type="slidenum">
               <a:rPr lang="en-US" altLang="nl-NL" smtClean="0"/>
               <a:pPr/>
-              <a:t>19</a:t>
+              <a:t>22</a:t>
             </a:fld>
             <a:endParaRPr lang="en-US" altLang="nl-NL"/>
           </a:p>
@@ -2821,7 +2994,7 @@
             <a:fld id="{88C0D9CF-78A8-4FBE-960E-41C6F5A4AF95}" type="slidenum">
               <a:rPr lang="en-US" altLang="nl-NL" smtClean="0"/>
               <a:pPr/>
-              <a:t>21</a:t>
+              <a:t>24</a:t>
             </a:fld>
             <a:endParaRPr lang="en-US" altLang="nl-NL"/>
           </a:p>
@@ -6534,7 +6707,7 @@
           <a:p>
             <a:r>
               <a:rPr lang="it-IT" dirty="0" smtClean="0"/>
-              <a:t>Sistema digitale</a:t>
+              <a:t>Sistema analogico</a:t>
             </a:r>
             <a:endParaRPr lang="it-IT" dirty="0"/>
           </a:p>
@@ -6552,8 +6725,8 @@
         </p:nvSpPr>
         <p:spPr>
           <a:xfrm>
-            <a:off x="685800" y="979884"/>
-            <a:ext cx="7772400" cy="942975"/>
+            <a:off x="609600" y="1028700"/>
+            <a:ext cx="7686675" cy="5410200"/>
           </a:xfrm>
         </p:spPr>
         <p:txBody>
@@ -6561,21 +6734,107 @@
           <a:lstStyle/>
           <a:p>
             <a:r>
+              <a:rPr lang="it-IT" sz="2400" dirty="0"/>
+              <a:t>Il sistema analogico </a:t>
+            </a:r>
+            <a:r>
               <a:rPr lang="it-IT" sz="2400" dirty="0" smtClean="0"/>
-              <a:t>Il sistema digitale è costituito dalla scheda di prototipazione: </a:t>
+              <a:t>è costituito </a:t>
+            </a:r>
+            <a:r>
+              <a:rPr lang="it-IT" sz="2400" dirty="0"/>
+              <a:t>da una </a:t>
+            </a:r>
+            <a:r>
+              <a:rPr lang="it-IT" sz="2400" b="1" dirty="0"/>
+              <a:t>sezione ottica </a:t>
+            </a:r>
+            <a:r>
+              <a:rPr lang="it-IT" sz="2400" dirty="0"/>
+              <a:t>e una </a:t>
+            </a:r>
+            <a:r>
+              <a:rPr lang="it-IT" sz="2400" b="1" dirty="0"/>
+              <a:t>sezione </a:t>
             </a:r>
             <a:r>
               <a:rPr lang="it-IT" sz="2400" b="1" dirty="0" smtClean="0"/>
-              <a:t>NI sbRIO</a:t>
+              <a:t>analogica</a:t>
+            </a:r>
+          </a:p>
+          <a:p>
+            <a:endParaRPr lang="it-IT" sz="2400" dirty="0"/>
+          </a:p>
+          <a:p>
+            <a:endParaRPr lang="it-IT" sz="2400" dirty="0" smtClean="0"/>
+          </a:p>
+          <a:p>
+            <a:endParaRPr lang="it-IT" sz="2400" dirty="0"/>
+          </a:p>
+          <a:p>
+            <a:endParaRPr lang="it-IT" sz="2400" dirty="0" smtClean="0"/>
+          </a:p>
+          <a:p>
+            <a:endParaRPr lang="it-IT" sz="2400" dirty="0"/>
+          </a:p>
+          <a:p>
+            <a:endParaRPr lang="it-IT" sz="2400" dirty="0" smtClean="0"/>
+          </a:p>
+          <a:p>
+            <a:r>
+              <a:rPr lang="it-IT" sz="2400" dirty="0" smtClean="0"/>
+              <a:t>La </a:t>
             </a:r>
             <a:r>
               <a:rPr lang="it-IT" sz="2400" b="1" dirty="0"/>
-              <a:t>-</a:t>
-            </a:r>
-            <a:r>
-              <a:rPr lang="it-IT" sz="2400" b="1" dirty="0" smtClean="0"/>
-              <a:t>9636</a:t>
-            </a:r>
+              <a:t>sezione ottica</a:t>
+            </a:r>
+            <a:r>
+              <a:rPr lang="it-IT" sz="2400" dirty="0"/>
+              <a:t> </a:t>
+            </a:r>
+            <a:r>
+              <a:rPr lang="it-IT" sz="2400" dirty="0" smtClean="0"/>
+              <a:t>comprende il package </a:t>
+            </a:r>
+            <a:r>
+              <a:rPr lang="it-IT" sz="2400" dirty="0"/>
+              <a:t>della sorgente </a:t>
+            </a:r>
+            <a:r>
+              <a:rPr lang="it-IT" sz="2400" dirty="0" smtClean="0"/>
+              <a:t>laser</a:t>
+            </a:r>
+          </a:p>
+          <a:p>
+            <a:r>
+              <a:rPr lang="it-IT" sz="2400" dirty="0" smtClean="0"/>
+              <a:t>La </a:t>
+            </a:r>
+            <a:r>
+              <a:rPr lang="it-IT" sz="2400" b="1" dirty="0"/>
+              <a:t>sezione analogica </a:t>
+            </a:r>
+            <a:r>
+              <a:rPr lang="it-IT" sz="2400" dirty="0"/>
+              <a:t>comprende </a:t>
+            </a:r>
+            <a:r>
+              <a:rPr lang="it-IT" sz="2400" dirty="0" smtClean="0"/>
+              <a:t>gli </a:t>
+            </a:r>
+            <a:r>
+              <a:rPr lang="it-IT" sz="2400" dirty="0"/>
+              <a:t>stadi di condizionamento e amplificazione del segnale </a:t>
+            </a:r>
+            <a:r>
+              <a:rPr lang="it-IT" sz="2400" dirty="0" smtClean="0"/>
+              <a:t>interferometrico </a:t>
+            </a:r>
+            <a:endParaRPr lang="it-IT" sz="2400" dirty="0"/>
+          </a:p>
+          <a:p>
+            <a:endParaRPr lang="it-IT" dirty="0"/>
           </a:p>
         </p:txBody>
       </p:sp>
@@ -6600,127 +6859,6 @@
               <a:t>10</a:t>
             </a:fld>
             <a:endParaRPr lang="en-US" altLang="nl-NL"/>
-          </a:p>
-        </p:txBody>
-      </p:sp>
-      <p:sp>
-        <p:nvSpPr>
-          <p:cNvPr id="6" name="CasellaDiTesto 5"/>
-          <p:cNvSpPr txBox="1"/>
-          <p:nvPr/>
-        </p:nvSpPr>
-        <p:spPr>
-          <a:xfrm>
-            <a:off x="5208228" y="2140743"/>
-            <a:ext cx="3207544" cy="3785652"/>
-          </a:xfrm>
-          <a:prstGeom prst="rect">
-            <a:avLst/>
-          </a:prstGeom>
-          <a:noFill/>
-        </p:spPr>
-        <p:txBody>
-          <a:bodyPr wrap="square" rtlCol="0">
-            <a:spAutoFit/>
-          </a:bodyPr>
-          <a:lstStyle/>
-          <a:p>
-            <a:pPr marL="342900" indent="-342900">
-              <a:buFont typeface="Arial" charset="0"/>
-              <a:buChar char="•"/>
-            </a:pPr>
-            <a:r>
-              <a:rPr lang="it-IT" dirty="0">
-                <a:latin typeface="+mn-lt"/>
-              </a:rPr>
-              <a:t>La scheda </a:t>
-            </a:r>
-            <a:r>
-              <a:rPr lang="it-IT" dirty="0" smtClean="0">
-                <a:latin typeface="+mn-lt"/>
-              </a:rPr>
-              <a:t>comprende un </a:t>
-            </a:r>
-            <a:r>
-              <a:rPr lang="it-IT" b="1" dirty="0" smtClean="0">
-                <a:latin typeface="+mn-lt"/>
-              </a:rPr>
-              <a:t>FPGA</a:t>
-            </a:r>
-            <a:r>
-              <a:rPr lang="it-IT" dirty="0" smtClean="0">
-                <a:latin typeface="+mn-lt"/>
-              </a:rPr>
-              <a:t> </a:t>
-            </a:r>
-            <a:r>
-              <a:rPr lang="it-IT" dirty="0">
-                <a:latin typeface="+mn-lt"/>
-              </a:rPr>
-              <a:t>ed un </a:t>
-            </a:r>
-            <a:r>
-              <a:rPr lang="it-IT" b="1" dirty="0" smtClean="0">
-                <a:latin typeface="+mn-lt"/>
-              </a:rPr>
-              <a:t>microcontrollore</a:t>
-            </a:r>
-            <a:br>
-              <a:rPr lang="it-IT" b="1" dirty="0" smtClean="0">
-                <a:latin typeface="+mn-lt"/>
-              </a:rPr>
-            </a:br>
-            <a:endParaRPr lang="it-IT" b="1" dirty="0" smtClean="0">
-              <a:latin typeface="+mn-lt"/>
-            </a:endParaRPr>
-          </a:p>
-          <a:p>
-            <a:pPr marL="342900" indent="-342900">
-              <a:buFont typeface="Arial" charset="0"/>
-              <a:buChar char="•"/>
-            </a:pPr>
-            <a:r>
-              <a:rPr lang="it-IT" dirty="0">
-                <a:latin typeface="+mn-lt"/>
-              </a:rPr>
-              <a:t>S</a:t>
-            </a:r>
-            <a:r>
-              <a:rPr lang="it-IT" dirty="0" smtClean="0">
-                <a:latin typeface="+mn-lt"/>
-              </a:rPr>
-              <a:t>i </a:t>
-            </a:r>
-            <a:r>
-              <a:rPr lang="it-IT" dirty="0">
-                <a:latin typeface="+mn-lt"/>
-              </a:rPr>
-              <a:t>occupa dell’</a:t>
-            </a:r>
-            <a:r>
-              <a:rPr lang="it-IT" b="1" dirty="0">
-                <a:latin typeface="+mn-lt"/>
-              </a:rPr>
-              <a:t>elaborazione </a:t>
-            </a:r>
-            <a:r>
-              <a:rPr lang="it-IT" b="1" dirty="0" smtClean="0">
-                <a:latin typeface="+mn-lt"/>
-              </a:rPr>
-              <a:t>digitale </a:t>
-            </a:r>
-            <a:r>
-              <a:rPr lang="it-IT" dirty="0" smtClean="0">
-                <a:latin typeface="+mn-lt"/>
-              </a:rPr>
-              <a:t>dei segnali</a:t>
-            </a:r>
-            <a:endParaRPr lang="it-IT" dirty="0">
-              <a:latin typeface="+mn-lt"/>
-            </a:endParaRPr>
-          </a:p>
-          <a:p>
-            <a:endParaRPr lang="it-IT" dirty="0"/>
           </a:p>
         </p:txBody>
       </p:sp>
@@ -6746,8 +6884,38 @@
         </p:blipFill>
         <p:spPr>
           <a:xfrm>
-            <a:off x="685800" y="2140743"/>
-            <a:ext cx="4576082" cy="3727794"/>
+            <a:off x="609600" y="2423974"/>
+            <a:ext cx="3945826" cy="1430482"/>
+          </a:xfrm>
+          <a:prstGeom prst="rect">
+            <a:avLst/>
+          </a:prstGeom>
+        </p:spPr>
+      </p:pic>
+      <p:pic>
+        <p:nvPicPr>
+          <p:cNvPr id="8" name="Immagine 7"/>
+          <p:cNvPicPr>
+            <a:picLocks noChangeAspect="1"/>
+          </p:cNvPicPr>
+          <p:nvPr/>
+        </p:nvPicPr>
+        <p:blipFill>
+          <a:blip r:embed="rId3">
+            <a:extLst>
+              <a:ext uri="{28A0092B-C50C-407E-A947-70E740481C1C}">
+                <a14:useLocalDpi xmlns:a14="http://schemas.microsoft.com/office/drawing/2010/main" val="0"/>
+              </a:ext>
+            </a:extLst>
+          </a:blip>
+          <a:stretch>
+            <a:fillRect/>
+          </a:stretch>
+        </p:blipFill>
+        <p:spPr>
+          <a:xfrm>
+            <a:off x="4494890" y="1969776"/>
+            <a:ext cx="3801385" cy="2219839"/>
           </a:xfrm>
           <a:prstGeom prst="rect">
             <a:avLst/>
@@ -6757,7 +6925,7 @@
     </p:spTree>
     <p:extLst>
       <p:ext uri="{BB962C8B-B14F-4D97-AF65-F5344CB8AC3E}">
-        <p14:creationId xmlns:p14="http://schemas.microsoft.com/office/powerpoint/2010/main" val="594836213"/>
+        <p14:creationId xmlns:p14="http://schemas.microsoft.com/office/powerpoint/2010/main" val="1662984036"/>
       </p:ext>
     </p:extLst>
   </p:cSld>
@@ -6808,7 +6976,7 @@
           <a:p>
             <a:r>
               <a:rPr lang="it-IT" dirty="0" smtClean="0"/>
-              <a:t>Indice</a:t>
+              <a:t>Sistema di conversione</a:t>
             </a:r>
             <a:endParaRPr lang="it-IT" dirty="0"/>
           </a:p>
@@ -6826,8 +6994,8 @@
         </p:nvSpPr>
         <p:spPr>
           <a:xfrm>
-            <a:off x="609600" y="1021556"/>
-            <a:ext cx="7815263" cy="5272088"/>
+            <a:off x="609600" y="1066800"/>
+            <a:ext cx="7772400" cy="1219200"/>
           </a:xfrm>
         </p:spPr>
         <p:txBody>
@@ -6835,148 +7003,32 @@
           <a:lstStyle/>
           <a:p>
             <a:r>
-              <a:rPr lang="it-IT" sz="2400" dirty="0">
-                <a:solidFill>
-                  <a:schemeClr val="bg2">
-                    <a:lumMod val="40000"/>
-                    <a:lumOff val="60000"/>
-                  </a:schemeClr>
-                </a:solidFill>
-              </a:rPr>
-              <a:t>Interferometria</a:t>
-            </a:r>
-          </a:p>
-          <a:p>
-            <a:pPr lvl="1"/>
-            <a:r>
-              <a:rPr lang="it-IT" sz="2000" dirty="0">
-                <a:solidFill>
-                  <a:schemeClr val="bg2">
-                    <a:lumMod val="40000"/>
-                    <a:lumOff val="60000"/>
-                  </a:schemeClr>
-                </a:solidFill>
-              </a:rPr>
-              <a:t>Interferometria a self-mixing</a:t>
-            </a:r>
-          </a:p>
-          <a:p>
-            <a:pPr lvl="1"/>
-            <a:r>
-              <a:rPr lang="it-IT" sz="2000" dirty="0">
-                <a:solidFill>
-                  <a:schemeClr val="bg2">
-                    <a:lumMod val="40000"/>
-                    <a:lumOff val="60000"/>
-                  </a:schemeClr>
-                </a:solidFill>
-              </a:rPr>
-              <a:t>Misura della distanza</a:t>
-            </a:r>
-          </a:p>
-          <a:p>
-            <a:r>
-              <a:rPr lang="it-IT" sz="2400" dirty="0">
-                <a:solidFill>
-                  <a:schemeClr val="bg2">
-                    <a:lumMod val="40000"/>
-                    <a:lumOff val="60000"/>
-                  </a:schemeClr>
-                </a:solidFill>
-              </a:rPr>
-              <a:t>Architettura hardware</a:t>
-            </a:r>
-          </a:p>
-          <a:p>
-            <a:pPr lvl="1"/>
-            <a:r>
-              <a:rPr lang="it-IT" sz="2000" dirty="0">
-                <a:solidFill>
-                  <a:schemeClr val="bg2">
-                    <a:lumMod val="40000"/>
-                    <a:lumOff val="60000"/>
-                  </a:schemeClr>
-                </a:solidFill>
-              </a:rPr>
-              <a:t>Sistema analogico</a:t>
-            </a:r>
-          </a:p>
-          <a:p>
-            <a:pPr lvl="1"/>
-            <a:r>
-              <a:rPr lang="it-IT" sz="2000" dirty="0">
-                <a:solidFill>
-                  <a:schemeClr val="bg2">
-                    <a:lumMod val="40000"/>
-                    <a:lumOff val="60000"/>
-                  </a:schemeClr>
-                </a:solidFill>
-              </a:rPr>
-              <a:t>Sistema di conversione</a:t>
-            </a:r>
-          </a:p>
-          <a:p>
-            <a:pPr lvl="1"/>
-            <a:r>
-              <a:rPr lang="it-IT" sz="2000" dirty="0">
-                <a:solidFill>
-                  <a:schemeClr val="bg2">
-                    <a:lumMod val="40000"/>
-                    <a:lumOff val="60000"/>
-                  </a:schemeClr>
-                </a:solidFill>
-              </a:rPr>
-              <a:t>Sistema digitale</a:t>
-            </a:r>
-          </a:p>
-          <a:p>
-            <a:r>
               <a:rPr lang="it-IT" sz="2400" dirty="0"/>
-              <a:t>Architettura software</a:t>
-            </a:r>
-          </a:p>
-          <a:p>
-            <a:pPr lvl="1"/>
-            <a:r>
-              <a:rPr lang="it-IT" sz="2000" dirty="0"/>
-              <a:t>Dettagli implementativi</a:t>
-            </a:r>
-          </a:p>
-          <a:p>
-            <a:pPr lvl="1"/>
-            <a:r>
-              <a:rPr lang="it-IT" sz="2000" dirty="0"/>
-              <a:t>FPGA</a:t>
-            </a:r>
-          </a:p>
-          <a:p>
-            <a:pPr lvl="1"/>
-            <a:r>
-              <a:rPr lang="it-IT" sz="2000" dirty="0"/>
-              <a:t>Microcontrollore</a:t>
-            </a:r>
-          </a:p>
-          <a:p>
-            <a:pPr lvl="1"/>
-            <a:r>
-              <a:rPr lang="it-IT" sz="2000" dirty="0"/>
-              <a:t>Ottimizzazioni</a:t>
-            </a:r>
-          </a:p>
-          <a:p>
-            <a:r>
-              <a:rPr lang="it-IT" sz="2400" dirty="0" smtClean="0"/>
-              <a:t>Risultati </a:t>
+              <a:t>I due sistemi sono </a:t>
+            </a:r>
+            <a:r>
+              <a:rPr lang="it-IT" sz="2400" b="1" dirty="0"/>
+              <a:t>interfacciati </a:t>
             </a:r>
             <a:r>
               <a:rPr lang="it-IT" sz="2400" dirty="0"/>
-              <a:t>sperimentali</a:t>
-            </a:r>
-          </a:p>
-          <a:p>
+              <a:t>da una scheda di conversione, equipaggiata con un </a:t>
+            </a:r>
+            <a:r>
+              <a:rPr lang="it-IT" sz="2400" b="1" dirty="0"/>
+              <a:t>DAC </a:t>
+            </a:r>
             <a:r>
               <a:rPr lang="it-IT" sz="2400" dirty="0"/>
-              <a:t>Conclusioni e sviluppi futuri</a:t>
+              <a:t>ed un </a:t>
+            </a:r>
+            <a:r>
+              <a:rPr lang="it-IT" sz="2400" b="1" dirty="0"/>
+              <a:t>ADC </a:t>
+            </a:r>
+            <a:r>
+              <a:rPr lang="it-IT" sz="2400" dirty="0"/>
+              <a:t>comandati dal sistema digitale</a:t>
             </a:r>
           </a:p>
         </p:txBody>
@@ -7005,138 +7057,9 @@
           </a:p>
         </p:txBody>
       </p:sp>
-    </p:spTree>
-    <p:extLst>
-      <p:ext uri="{BB962C8B-B14F-4D97-AF65-F5344CB8AC3E}">
-        <p14:creationId xmlns:p14="http://schemas.microsoft.com/office/powerpoint/2010/main" val="397969796"/>
-      </p:ext>
-    </p:extLst>
-  </p:cSld>
-  <p:clrMapOvr>
-    <a:masterClrMapping/>
-  </p:clrMapOvr>
-  <p:timing>
-    <p:tnLst>
-      <p:par>
-        <p:cTn id="1" dur="indefinite" restart="never" nodeType="tmRoot"/>
-      </p:par>
-    </p:tnLst>
-  </p:timing>
-</p:sld>
-</file>
-
-<file path=ppt/slides/slide12.xml><?xml version="1.0" encoding="utf-8"?>
-<p:sld xmlns:a="http://schemas.openxmlformats.org/drawingml/2006/main" xmlns:r="http://schemas.openxmlformats.org/officeDocument/2006/relationships" xmlns:p="http://schemas.openxmlformats.org/presentationml/2006/main">
-  <p:cSld>
-    <p:spTree>
-      <p:nvGrpSpPr>
-        <p:cNvPr id="1" name=""/>
-        <p:cNvGrpSpPr/>
-        <p:nvPr/>
-      </p:nvGrpSpPr>
-      <p:grpSpPr>
-        <a:xfrm>
-          <a:off x="0" y="0"/>
-          <a:ext cx="0" cy="0"/>
-          <a:chOff x="0" y="0"/>
-          <a:chExt cx="0" cy="0"/>
-        </a:xfrm>
-      </p:grpSpPr>
-      <p:sp>
-        <p:nvSpPr>
-          <p:cNvPr id="26" name="Rettangolo 25"/>
-          <p:cNvSpPr/>
-          <p:nvPr/>
-        </p:nvSpPr>
-        <p:spPr>
-          <a:xfrm>
-            <a:off x="6678965" y="5045180"/>
-            <a:ext cx="2114895" cy="1163798"/>
-          </a:xfrm>
-          <a:prstGeom prst="rect">
-            <a:avLst/>
-          </a:prstGeom>
-          <a:noFill/>
-          <a:ln>
-            <a:solidFill>
-              <a:schemeClr val="accent2"/>
-            </a:solidFill>
-          </a:ln>
-          <a:effectLst/>
-        </p:spPr>
-        <p:style>
-          <a:lnRef idx="1">
-            <a:schemeClr val="accent1"/>
-          </a:lnRef>
-          <a:fillRef idx="3">
-            <a:schemeClr val="accent1"/>
-          </a:fillRef>
-          <a:effectRef idx="2">
-            <a:schemeClr val="accent1"/>
-          </a:effectRef>
-          <a:fontRef idx="minor">
-            <a:schemeClr val="lt1"/>
-          </a:fontRef>
-        </p:style>
-        <p:txBody>
-          <a:bodyPr rtlCol="0" anchor="ctr"/>
-          <a:lstStyle/>
-          <a:p>
-            <a:pPr algn="ctr"/>
-            <a:endParaRPr lang="it-IT"/>
-          </a:p>
-        </p:txBody>
-      </p:sp>
-      <p:sp>
-        <p:nvSpPr>
-          <p:cNvPr id="2" name="Titolo 1"/>
-          <p:cNvSpPr>
-            <a:spLocks noGrp="1"/>
-          </p:cNvSpPr>
-          <p:nvPr>
-            <p:ph type="title"/>
-          </p:nvPr>
-        </p:nvSpPr>
-        <p:spPr/>
-        <p:txBody>
-          <a:bodyPr/>
-          <a:lstStyle/>
-          <a:p>
-            <a:r>
-              <a:rPr lang="it-IT" dirty="0" smtClean="0"/>
-              <a:t>Architettura software</a:t>
-            </a:r>
-            <a:endParaRPr lang="it-IT" dirty="0"/>
-          </a:p>
-        </p:txBody>
-      </p:sp>
-      <p:sp>
-        <p:nvSpPr>
-          <p:cNvPr id="4" name="Segnaposto numero diapositiva 3"/>
-          <p:cNvSpPr>
-            <a:spLocks noGrp="1"/>
-          </p:cNvSpPr>
-          <p:nvPr>
-            <p:ph type="sldNum" sz="quarter" idx="11"/>
-          </p:nvPr>
-        </p:nvSpPr>
-        <p:spPr/>
-        <p:txBody>
-          <a:bodyPr/>
-          <a:lstStyle/>
-          <a:p>
-            <a:fld id="{C503DA3A-0C6B-48FC-931E-2C786AAFD5C1}" type="slidenum">
-              <a:rPr lang="en-US" altLang="nl-NL" smtClean="0"/>
-              <a:pPr/>
-              <a:t>12</a:t>
-            </a:fld>
-            <a:endParaRPr lang="en-US" altLang="nl-NL"/>
-          </a:p>
-        </p:txBody>
-      </p:sp>
-      <p:sp>
-        <p:nvSpPr>
-          <p:cNvPr id="9" name="Segnaposto contenuto 2"/>
+      <p:sp>
+        <p:nvSpPr>
+          <p:cNvPr id="5" name="Segnaposto contenuto 2"/>
           <p:cNvSpPr txBox="1">
             <a:spLocks/>
           </p:cNvSpPr>
@@ -7144,8 +7067,8 @@
         </p:nvSpPr>
         <p:spPr bwMode="auto">
           <a:xfrm>
-            <a:off x="528636" y="1115860"/>
-            <a:ext cx="8158163" cy="1636366"/>
+            <a:off x="609600" y="5510212"/>
+            <a:ext cx="7772400" cy="1014413"/>
           </a:xfrm>
           <a:prstGeom prst="rect">
             <a:avLst/>
@@ -7352,6 +7275,942 @@
           </a:lstStyle>
           <a:p>
             <a:r>
+              <a:rPr lang="it-IT" sz="2400" kern="0" dirty="0" smtClean="0"/>
+              <a:t>Frequenza di campionamento </a:t>
+            </a:r>
+            <a:r>
+              <a:rPr lang="it-IT" sz="2400" kern="0" dirty="0" err="1" smtClean="0"/>
+              <a:t>max</a:t>
+            </a:r>
+            <a:r>
+              <a:rPr lang="it-IT" sz="2400" kern="0" dirty="0" smtClean="0"/>
+              <a:t>: </a:t>
+            </a:r>
+            <a:r>
+              <a:rPr lang="it-IT" sz="2400" b="1" kern="0" dirty="0" smtClean="0"/>
+              <a:t>50MSa/</a:t>
+            </a:r>
+            <a:r>
+              <a:rPr lang="it-IT" sz="2400" b="1" kern="0" dirty="0" err="1" smtClean="0"/>
+              <a:t>s</a:t>
+            </a:r>
+            <a:endParaRPr lang="it-IT" sz="2400" b="1" kern="0" dirty="0" smtClean="0"/>
+          </a:p>
+          <a:p>
+            <a:r>
+              <a:rPr lang="it-IT" sz="2400" kern="0" dirty="0" smtClean="0"/>
+              <a:t>Risoluzione: </a:t>
+            </a:r>
+            <a:r>
+              <a:rPr lang="it-IT" sz="2400" b="1" kern="0" dirty="0" smtClean="0"/>
+              <a:t>12 bit</a:t>
+            </a:r>
+            <a:endParaRPr lang="it-IT" sz="2400" b="1" kern="0" dirty="0"/>
+          </a:p>
+        </p:txBody>
+      </p:sp>
+      <p:pic>
+        <p:nvPicPr>
+          <p:cNvPr id="6" name="Immagine 5"/>
+          <p:cNvPicPr>
+            <a:picLocks noChangeAspect="1"/>
+          </p:cNvPicPr>
+          <p:nvPr/>
+        </p:nvPicPr>
+        <p:blipFill>
+          <a:blip r:embed="rId2">
+            <a:extLst>
+              <a:ext uri="{28A0092B-C50C-407E-A947-70E740481C1C}">
+                <a14:useLocalDpi xmlns:a14="http://schemas.microsoft.com/office/drawing/2010/main" val="0"/>
+              </a:ext>
+            </a:extLst>
+          </a:blip>
+          <a:stretch>
+            <a:fillRect/>
+          </a:stretch>
+        </p:blipFill>
+        <p:spPr>
+          <a:xfrm>
+            <a:off x="2512753" y="2324766"/>
+            <a:ext cx="3966094" cy="2972631"/>
+          </a:xfrm>
+          <a:prstGeom prst="rect">
+            <a:avLst/>
+          </a:prstGeom>
+        </p:spPr>
+      </p:pic>
+    </p:spTree>
+    <p:extLst>
+      <p:ext uri="{BB962C8B-B14F-4D97-AF65-F5344CB8AC3E}">
+        <p14:creationId xmlns:p14="http://schemas.microsoft.com/office/powerpoint/2010/main" val="2372177897"/>
+      </p:ext>
+    </p:extLst>
+  </p:cSld>
+  <p:clrMapOvr>
+    <a:masterClrMapping/>
+  </p:clrMapOvr>
+  <p:timing>
+    <p:tnLst>
+      <p:par>
+        <p:cTn id="1" dur="indefinite" restart="never" nodeType="tmRoot"/>
+      </p:par>
+    </p:tnLst>
+  </p:timing>
+</p:sld>
+</file>
+
+<file path=ppt/slides/slide12.xml><?xml version="1.0" encoding="utf-8"?>
+<p:sld xmlns:a="http://schemas.openxmlformats.org/drawingml/2006/main" xmlns:r="http://schemas.openxmlformats.org/officeDocument/2006/relationships" xmlns:p="http://schemas.openxmlformats.org/presentationml/2006/main">
+  <p:cSld>
+    <p:spTree>
+      <p:nvGrpSpPr>
+        <p:cNvPr id="1" name=""/>
+        <p:cNvGrpSpPr/>
+        <p:nvPr/>
+      </p:nvGrpSpPr>
+      <p:grpSpPr>
+        <a:xfrm>
+          <a:off x="0" y="0"/>
+          <a:ext cx="0" cy="0"/>
+          <a:chOff x="0" y="0"/>
+          <a:chExt cx="0" cy="0"/>
+        </a:xfrm>
+      </p:grpSpPr>
+      <p:sp>
+        <p:nvSpPr>
+          <p:cNvPr id="2" name="Titolo 1"/>
+          <p:cNvSpPr>
+            <a:spLocks noGrp="1"/>
+          </p:cNvSpPr>
+          <p:nvPr>
+            <p:ph type="title"/>
+          </p:nvPr>
+        </p:nvSpPr>
+        <p:spPr/>
+        <p:txBody>
+          <a:bodyPr/>
+          <a:lstStyle/>
+          <a:p>
+            <a:r>
+              <a:rPr lang="it-IT" dirty="0" smtClean="0"/>
+              <a:t>Sistema digitale</a:t>
+            </a:r>
+            <a:endParaRPr lang="it-IT" dirty="0"/>
+          </a:p>
+        </p:txBody>
+      </p:sp>
+      <p:sp>
+        <p:nvSpPr>
+          <p:cNvPr id="3" name="Segnaposto contenuto 2"/>
+          <p:cNvSpPr>
+            <a:spLocks noGrp="1"/>
+          </p:cNvSpPr>
+          <p:nvPr>
+            <p:ph idx="1"/>
+          </p:nvPr>
+        </p:nvSpPr>
+        <p:spPr>
+          <a:xfrm>
+            <a:off x="685800" y="979884"/>
+            <a:ext cx="7772400" cy="942975"/>
+          </a:xfrm>
+        </p:spPr>
+        <p:txBody>
+          <a:bodyPr/>
+          <a:lstStyle/>
+          <a:p>
+            <a:r>
+              <a:rPr lang="it-IT" sz="2400" dirty="0" smtClean="0"/>
+              <a:t>Il sistema digitale è costituito dalla scheda di prototipazione: </a:t>
+            </a:r>
+            <a:r>
+              <a:rPr lang="it-IT" sz="2400" b="1" dirty="0" smtClean="0"/>
+              <a:t>NI sbRIO</a:t>
+            </a:r>
+            <a:r>
+              <a:rPr lang="it-IT" sz="2400" b="1" dirty="0"/>
+              <a:t>-</a:t>
+            </a:r>
+            <a:r>
+              <a:rPr lang="it-IT" sz="2400" b="1" dirty="0" smtClean="0"/>
+              <a:t>9636</a:t>
+            </a:r>
+          </a:p>
+        </p:txBody>
+      </p:sp>
+      <p:sp>
+        <p:nvSpPr>
+          <p:cNvPr id="4" name="Segnaposto numero diapositiva 3"/>
+          <p:cNvSpPr>
+            <a:spLocks noGrp="1"/>
+          </p:cNvSpPr>
+          <p:nvPr>
+            <p:ph type="sldNum" sz="quarter" idx="11"/>
+          </p:nvPr>
+        </p:nvSpPr>
+        <p:spPr/>
+        <p:txBody>
+          <a:bodyPr/>
+          <a:lstStyle/>
+          <a:p>
+            <a:fld id="{C503DA3A-0C6B-48FC-931E-2C786AAFD5C1}" type="slidenum">
+              <a:rPr lang="en-US" altLang="nl-NL" smtClean="0"/>
+              <a:pPr/>
+              <a:t>12</a:t>
+            </a:fld>
+            <a:endParaRPr lang="en-US" altLang="nl-NL"/>
+          </a:p>
+        </p:txBody>
+      </p:sp>
+      <p:sp>
+        <p:nvSpPr>
+          <p:cNvPr id="6" name="CasellaDiTesto 5"/>
+          <p:cNvSpPr txBox="1"/>
+          <p:nvPr/>
+        </p:nvSpPr>
+        <p:spPr>
+          <a:xfrm>
+            <a:off x="5208228" y="2140743"/>
+            <a:ext cx="3207544" cy="3785652"/>
+          </a:xfrm>
+          <a:prstGeom prst="rect">
+            <a:avLst/>
+          </a:prstGeom>
+          <a:noFill/>
+        </p:spPr>
+        <p:txBody>
+          <a:bodyPr wrap="square" rtlCol="0">
+            <a:spAutoFit/>
+          </a:bodyPr>
+          <a:lstStyle/>
+          <a:p>
+            <a:pPr marL="342900" indent="-342900">
+              <a:buFont typeface="Arial" charset="0"/>
+              <a:buChar char="•"/>
+            </a:pPr>
+            <a:r>
+              <a:rPr lang="it-IT" dirty="0">
+                <a:latin typeface="+mn-lt"/>
+              </a:rPr>
+              <a:t>La scheda </a:t>
+            </a:r>
+            <a:r>
+              <a:rPr lang="it-IT" dirty="0" smtClean="0">
+                <a:latin typeface="+mn-lt"/>
+              </a:rPr>
+              <a:t>comprende un </a:t>
+            </a:r>
+            <a:r>
+              <a:rPr lang="it-IT" b="1" dirty="0" smtClean="0">
+                <a:latin typeface="+mn-lt"/>
+              </a:rPr>
+              <a:t>FPGA</a:t>
+            </a:r>
+            <a:r>
+              <a:rPr lang="it-IT" dirty="0" smtClean="0">
+                <a:latin typeface="+mn-lt"/>
+              </a:rPr>
+              <a:t> </a:t>
+            </a:r>
+            <a:r>
+              <a:rPr lang="it-IT" dirty="0">
+                <a:latin typeface="+mn-lt"/>
+              </a:rPr>
+              <a:t>ed un </a:t>
+            </a:r>
+            <a:r>
+              <a:rPr lang="it-IT" b="1" dirty="0" smtClean="0">
+                <a:latin typeface="+mn-lt"/>
+              </a:rPr>
+              <a:t>microcontrollore</a:t>
+            </a:r>
+            <a:br>
+              <a:rPr lang="it-IT" b="1" dirty="0" smtClean="0">
+                <a:latin typeface="+mn-lt"/>
+              </a:rPr>
+            </a:br>
+            <a:endParaRPr lang="it-IT" b="1" dirty="0" smtClean="0">
+              <a:latin typeface="+mn-lt"/>
+            </a:endParaRPr>
+          </a:p>
+          <a:p>
+            <a:pPr marL="342900" indent="-342900">
+              <a:buFont typeface="Arial" charset="0"/>
+              <a:buChar char="•"/>
+            </a:pPr>
+            <a:r>
+              <a:rPr lang="it-IT" dirty="0">
+                <a:latin typeface="+mn-lt"/>
+              </a:rPr>
+              <a:t>S</a:t>
+            </a:r>
+            <a:r>
+              <a:rPr lang="it-IT" dirty="0" smtClean="0">
+                <a:latin typeface="+mn-lt"/>
+              </a:rPr>
+              <a:t>i </a:t>
+            </a:r>
+            <a:r>
+              <a:rPr lang="it-IT" dirty="0">
+                <a:latin typeface="+mn-lt"/>
+              </a:rPr>
+              <a:t>occupa dell’</a:t>
+            </a:r>
+            <a:r>
+              <a:rPr lang="it-IT" b="1" dirty="0">
+                <a:latin typeface="+mn-lt"/>
+              </a:rPr>
+              <a:t>elaborazione </a:t>
+            </a:r>
+            <a:r>
+              <a:rPr lang="it-IT" b="1" dirty="0" smtClean="0">
+                <a:latin typeface="+mn-lt"/>
+              </a:rPr>
+              <a:t>digitale </a:t>
+            </a:r>
+            <a:r>
+              <a:rPr lang="it-IT" dirty="0" smtClean="0">
+                <a:latin typeface="+mn-lt"/>
+              </a:rPr>
+              <a:t>dei segnali</a:t>
+            </a:r>
+            <a:endParaRPr lang="it-IT" dirty="0">
+              <a:latin typeface="+mn-lt"/>
+            </a:endParaRPr>
+          </a:p>
+          <a:p>
+            <a:endParaRPr lang="it-IT" dirty="0"/>
+          </a:p>
+        </p:txBody>
+      </p:sp>
+      <p:pic>
+        <p:nvPicPr>
+          <p:cNvPr id="7" name="Immagine 6"/>
+          <p:cNvPicPr>
+            <a:picLocks noChangeAspect="1"/>
+          </p:cNvPicPr>
+          <p:nvPr/>
+        </p:nvPicPr>
+        <p:blipFill>
+          <a:blip r:embed="rId2">
+            <a:extLst>
+              <a:ext uri="{28A0092B-C50C-407E-A947-70E740481C1C}">
+                <a14:useLocalDpi xmlns:a14="http://schemas.microsoft.com/office/drawing/2010/main" val="0"/>
+              </a:ext>
+            </a:extLst>
+          </a:blip>
+          <a:stretch>
+            <a:fillRect/>
+          </a:stretch>
+        </p:blipFill>
+        <p:spPr>
+          <a:xfrm>
+            <a:off x="685800" y="2140743"/>
+            <a:ext cx="4576082" cy="3727794"/>
+          </a:xfrm>
+          <a:prstGeom prst="rect">
+            <a:avLst/>
+          </a:prstGeom>
+        </p:spPr>
+      </p:pic>
+    </p:spTree>
+    <p:extLst>
+      <p:ext uri="{BB962C8B-B14F-4D97-AF65-F5344CB8AC3E}">
+        <p14:creationId xmlns:p14="http://schemas.microsoft.com/office/powerpoint/2010/main" val="594836213"/>
+      </p:ext>
+    </p:extLst>
+  </p:cSld>
+  <p:clrMapOvr>
+    <a:masterClrMapping/>
+  </p:clrMapOvr>
+  <p:timing>
+    <p:tnLst>
+      <p:par>
+        <p:cTn id="1" dur="indefinite" restart="never" nodeType="tmRoot"/>
+      </p:par>
+    </p:tnLst>
+  </p:timing>
+</p:sld>
+</file>
+
+<file path=ppt/slides/slide13.xml><?xml version="1.0" encoding="utf-8"?>
+<p:sld xmlns:a="http://schemas.openxmlformats.org/drawingml/2006/main" xmlns:r="http://schemas.openxmlformats.org/officeDocument/2006/relationships" xmlns:p="http://schemas.openxmlformats.org/presentationml/2006/main">
+  <p:cSld>
+    <p:spTree>
+      <p:nvGrpSpPr>
+        <p:cNvPr id="1" name=""/>
+        <p:cNvGrpSpPr/>
+        <p:nvPr/>
+      </p:nvGrpSpPr>
+      <p:grpSpPr>
+        <a:xfrm>
+          <a:off x="0" y="0"/>
+          <a:ext cx="0" cy="0"/>
+          <a:chOff x="0" y="0"/>
+          <a:chExt cx="0" cy="0"/>
+        </a:xfrm>
+      </p:grpSpPr>
+      <p:sp>
+        <p:nvSpPr>
+          <p:cNvPr id="2" name="Titolo 1"/>
+          <p:cNvSpPr>
+            <a:spLocks noGrp="1"/>
+          </p:cNvSpPr>
+          <p:nvPr>
+            <p:ph type="title"/>
+          </p:nvPr>
+        </p:nvSpPr>
+        <p:spPr/>
+        <p:txBody>
+          <a:bodyPr/>
+          <a:lstStyle/>
+          <a:p>
+            <a:r>
+              <a:rPr lang="it-IT" dirty="0" smtClean="0"/>
+              <a:t>Indice</a:t>
+            </a:r>
+            <a:endParaRPr lang="it-IT" dirty="0"/>
+          </a:p>
+        </p:txBody>
+      </p:sp>
+      <p:sp>
+        <p:nvSpPr>
+          <p:cNvPr id="3" name="Segnaposto contenuto 2"/>
+          <p:cNvSpPr>
+            <a:spLocks noGrp="1"/>
+          </p:cNvSpPr>
+          <p:nvPr>
+            <p:ph idx="1"/>
+          </p:nvPr>
+        </p:nvSpPr>
+        <p:spPr>
+          <a:xfrm>
+            <a:off x="609600" y="1021556"/>
+            <a:ext cx="7815263" cy="5272088"/>
+          </a:xfrm>
+        </p:spPr>
+        <p:txBody>
+          <a:bodyPr/>
+          <a:lstStyle/>
+          <a:p>
+            <a:r>
+              <a:rPr lang="it-IT" sz="2400" dirty="0">
+                <a:solidFill>
+                  <a:schemeClr val="bg2">
+                    <a:lumMod val="40000"/>
+                    <a:lumOff val="60000"/>
+                  </a:schemeClr>
+                </a:solidFill>
+              </a:rPr>
+              <a:t>Interferometria</a:t>
+            </a:r>
+          </a:p>
+          <a:p>
+            <a:pPr lvl="1"/>
+            <a:r>
+              <a:rPr lang="it-IT" sz="2000" dirty="0">
+                <a:solidFill>
+                  <a:schemeClr val="bg2">
+                    <a:lumMod val="40000"/>
+                    <a:lumOff val="60000"/>
+                  </a:schemeClr>
+                </a:solidFill>
+              </a:rPr>
+              <a:t>Interferometria a self-mixing</a:t>
+            </a:r>
+          </a:p>
+          <a:p>
+            <a:pPr lvl="1"/>
+            <a:r>
+              <a:rPr lang="it-IT" sz="2000" dirty="0">
+                <a:solidFill>
+                  <a:schemeClr val="bg2">
+                    <a:lumMod val="40000"/>
+                    <a:lumOff val="60000"/>
+                  </a:schemeClr>
+                </a:solidFill>
+              </a:rPr>
+              <a:t>Misura della distanza</a:t>
+            </a:r>
+          </a:p>
+          <a:p>
+            <a:r>
+              <a:rPr lang="it-IT" sz="2400" dirty="0">
+                <a:solidFill>
+                  <a:schemeClr val="bg2">
+                    <a:lumMod val="40000"/>
+                    <a:lumOff val="60000"/>
+                  </a:schemeClr>
+                </a:solidFill>
+              </a:rPr>
+              <a:t>Architettura hardware</a:t>
+            </a:r>
+          </a:p>
+          <a:p>
+            <a:pPr lvl="1"/>
+            <a:r>
+              <a:rPr lang="it-IT" sz="2000" dirty="0">
+                <a:solidFill>
+                  <a:schemeClr val="bg2">
+                    <a:lumMod val="40000"/>
+                    <a:lumOff val="60000"/>
+                  </a:schemeClr>
+                </a:solidFill>
+              </a:rPr>
+              <a:t>Sistema analogico</a:t>
+            </a:r>
+          </a:p>
+          <a:p>
+            <a:pPr lvl="1"/>
+            <a:r>
+              <a:rPr lang="it-IT" sz="2000" dirty="0">
+                <a:solidFill>
+                  <a:schemeClr val="bg2">
+                    <a:lumMod val="40000"/>
+                    <a:lumOff val="60000"/>
+                  </a:schemeClr>
+                </a:solidFill>
+              </a:rPr>
+              <a:t>Sistema di conversione</a:t>
+            </a:r>
+          </a:p>
+          <a:p>
+            <a:pPr lvl="1"/>
+            <a:r>
+              <a:rPr lang="it-IT" sz="2000" dirty="0">
+                <a:solidFill>
+                  <a:schemeClr val="bg2">
+                    <a:lumMod val="40000"/>
+                    <a:lumOff val="60000"/>
+                  </a:schemeClr>
+                </a:solidFill>
+              </a:rPr>
+              <a:t>Sistema digitale</a:t>
+            </a:r>
+          </a:p>
+          <a:p>
+            <a:r>
+              <a:rPr lang="it-IT" sz="2400" dirty="0"/>
+              <a:t>Architettura software</a:t>
+            </a:r>
+          </a:p>
+          <a:p>
+            <a:pPr lvl="1"/>
+            <a:r>
+              <a:rPr lang="it-IT" sz="2000" dirty="0"/>
+              <a:t>Dettagli implementativi</a:t>
+            </a:r>
+          </a:p>
+          <a:p>
+            <a:pPr lvl="1"/>
+            <a:r>
+              <a:rPr lang="it-IT" sz="2000" dirty="0"/>
+              <a:t>FPGA</a:t>
+            </a:r>
+          </a:p>
+          <a:p>
+            <a:pPr lvl="1"/>
+            <a:r>
+              <a:rPr lang="it-IT" sz="2000" dirty="0"/>
+              <a:t>Microcontrollore</a:t>
+            </a:r>
+          </a:p>
+          <a:p>
+            <a:pPr lvl="1"/>
+            <a:r>
+              <a:rPr lang="it-IT" sz="2000" dirty="0"/>
+              <a:t>Ottimizzazioni</a:t>
+            </a:r>
+          </a:p>
+          <a:p>
+            <a:r>
+              <a:rPr lang="it-IT" sz="2400" dirty="0" smtClean="0"/>
+              <a:t>Risultati </a:t>
+            </a:r>
+            <a:r>
+              <a:rPr lang="it-IT" sz="2400" dirty="0"/>
+              <a:t>sperimentali</a:t>
+            </a:r>
+          </a:p>
+          <a:p>
+            <a:r>
+              <a:rPr lang="it-IT" sz="2400" dirty="0"/>
+              <a:t>Conclusioni e sviluppi futuri</a:t>
+            </a:r>
+          </a:p>
+        </p:txBody>
+      </p:sp>
+      <p:sp>
+        <p:nvSpPr>
+          <p:cNvPr id="4" name="Segnaposto numero diapositiva 3"/>
+          <p:cNvSpPr>
+            <a:spLocks noGrp="1"/>
+          </p:cNvSpPr>
+          <p:nvPr>
+            <p:ph type="sldNum" sz="quarter" idx="11"/>
+          </p:nvPr>
+        </p:nvSpPr>
+        <p:spPr/>
+        <p:txBody>
+          <a:bodyPr/>
+          <a:lstStyle/>
+          <a:p>
+            <a:fld id="{C503DA3A-0C6B-48FC-931E-2C786AAFD5C1}" type="slidenum">
+              <a:rPr lang="en-US" altLang="nl-NL" smtClean="0"/>
+              <a:pPr/>
+              <a:t>13</a:t>
+            </a:fld>
+            <a:endParaRPr lang="en-US" altLang="nl-NL"/>
+          </a:p>
+        </p:txBody>
+      </p:sp>
+    </p:spTree>
+    <p:extLst>
+      <p:ext uri="{BB962C8B-B14F-4D97-AF65-F5344CB8AC3E}">
+        <p14:creationId xmlns:p14="http://schemas.microsoft.com/office/powerpoint/2010/main" val="397969796"/>
+      </p:ext>
+    </p:extLst>
+  </p:cSld>
+  <p:clrMapOvr>
+    <a:masterClrMapping/>
+  </p:clrMapOvr>
+  <p:timing>
+    <p:tnLst>
+      <p:par>
+        <p:cTn id="1" dur="indefinite" restart="never" nodeType="tmRoot"/>
+      </p:par>
+    </p:tnLst>
+  </p:timing>
+</p:sld>
+</file>
+
+<file path=ppt/slides/slide14.xml><?xml version="1.0" encoding="utf-8"?>
+<p:sld xmlns:a="http://schemas.openxmlformats.org/drawingml/2006/main" xmlns:r="http://schemas.openxmlformats.org/officeDocument/2006/relationships" xmlns:p="http://schemas.openxmlformats.org/presentationml/2006/main">
+  <p:cSld>
+    <p:spTree>
+      <p:nvGrpSpPr>
+        <p:cNvPr id="1" name=""/>
+        <p:cNvGrpSpPr/>
+        <p:nvPr/>
+      </p:nvGrpSpPr>
+      <p:grpSpPr>
+        <a:xfrm>
+          <a:off x="0" y="0"/>
+          <a:ext cx="0" cy="0"/>
+          <a:chOff x="0" y="0"/>
+          <a:chExt cx="0" cy="0"/>
+        </a:xfrm>
+      </p:grpSpPr>
+      <p:sp>
+        <p:nvSpPr>
+          <p:cNvPr id="26" name="Rettangolo 25"/>
+          <p:cNvSpPr/>
+          <p:nvPr/>
+        </p:nvSpPr>
+        <p:spPr>
+          <a:xfrm>
+            <a:off x="6678965" y="5045180"/>
+            <a:ext cx="2114895" cy="1163798"/>
+          </a:xfrm>
+          <a:prstGeom prst="rect">
+            <a:avLst/>
+          </a:prstGeom>
+          <a:noFill/>
+          <a:ln>
+            <a:solidFill>
+              <a:schemeClr val="accent2"/>
+            </a:solidFill>
+          </a:ln>
+          <a:effectLst/>
+        </p:spPr>
+        <p:style>
+          <a:lnRef idx="1">
+            <a:schemeClr val="accent1"/>
+          </a:lnRef>
+          <a:fillRef idx="3">
+            <a:schemeClr val="accent1"/>
+          </a:fillRef>
+          <a:effectRef idx="2">
+            <a:schemeClr val="accent1"/>
+          </a:effectRef>
+          <a:fontRef idx="minor">
+            <a:schemeClr val="lt1"/>
+          </a:fontRef>
+        </p:style>
+        <p:txBody>
+          <a:bodyPr rtlCol="0" anchor="ctr"/>
+          <a:lstStyle/>
+          <a:p>
+            <a:pPr algn="ctr"/>
+            <a:endParaRPr lang="it-IT"/>
+          </a:p>
+        </p:txBody>
+      </p:sp>
+      <p:sp>
+        <p:nvSpPr>
+          <p:cNvPr id="2" name="Titolo 1"/>
+          <p:cNvSpPr>
+            <a:spLocks noGrp="1"/>
+          </p:cNvSpPr>
+          <p:nvPr>
+            <p:ph type="title"/>
+          </p:nvPr>
+        </p:nvSpPr>
+        <p:spPr/>
+        <p:txBody>
+          <a:bodyPr/>
+          <a:lstStyle/>
+          <a:p>
+            <a:r>
+              <a:rPr lang="it-IT" dirty="0" smtClean="0"/>
+              <a:t>Architettura software</a:t>
+            </a:r>
+            <a:endParaRPr lang="it-IT" dirty="0"/>
+          </a:p>
+        </p:txBody>
+      </p:sp>
+      <p:sp>
+        <p:nvSpPr>
+          <p:cNvPr id="4" name="Segnaposto numero diapositiva 3"/>
+          <p:cNvSpPr>
+            <a:spLocks noGrp="1"/>
+          </p:cNvSpPr>
+          <p:nvPr>
+            <p:ph type="sldNum" sz="quarter" idx="11"/>
+          </p:nvPr>
+        </p:nvSpPr>
+        <p:spPr/>
+        <p:txBody>
+          <a:bodyPr/>
+          <a:lstStyle/>
+          <a:p>
+            <a:fld id="{C503DA3A-0C6B-48FC-931E-2C786AAFD5C1}" type="slidenum">
+              <a:rPr lang="en-US" altLang="nl-NL" smtClean="0"/>
+              <a:pPr/>
+              <a:t>14</a:t>
+            </a:fld>
+            <a:endParaRPr lang="en-US" altLang="nl-NL"/>
+          </a:p>
+        </p:txBody>
+      </p:sp>
+      <p:sp>
+        <p:nvSpPr>
+          <p:cNvPr id="9" name="Segnaposto contenuto 2"/>
+          <p:cNvSpPr txBox="1">
+            <a:spLocks/>
+          </p:cNvSpPr>
+          <p:nvPr/>
+        </p:nvSpPr>
+        <p:spPr bwMode="auto">
+          <a:xfrm>
+            <a:off x="528636" y="1115860"/>
+            <a:ext cx="8158163" cy="1636366"/>
+          </a:xfrm>
+          <a:prstGeom prst="rect">
+            <a:avLst/>
+          </a:prstGeom>
+          <a:noFill/>
+          <a:ln>
+            <a:noFill/>
+          </a:ln>
+          <a:extLst>
+            <a:ext uri="{909E8E84-426E-40DD-AFC4-6F175D3DCCD1}">
+              <a14:hiddenFill xmlns:a14="http://schemas.microsoft.com/office/drawing/2010/main">
+                <a:solidFill>
+                  <a:srgbClr val="FFFFFF"/>
+                </a:solidFill>
+              </a14:hiddenFill>
+            </a:ext>
+            <a:ext uri="{91240B29-F687-4F45-9708-019B960494DF}">
+              <a14:hiddenLine xmlns:a14="http://schemas.microsoft.com/office/drawing/2010/main" w="9525">
+                <a:solidFill>
+                  <a:srgbClr val="000000"/>
+                </a:solidFill>
+                <a:miter lim="800000"/>
+                <a:headEnd/>
+                <a:tailEnd/>
+              </a14:hiddenLine>
+            </a:ext>
+          </a:extLst>
+        </p:spPr>
+        <p:txBody>
+          <a:bodyPr vert="horz" wrap="square" lIns="91440" tIns="45720" rIns="91440" bIns="45720" numCol="1" anchor="t" anchorCtr="0" compatLnSpc="1">
+            <a:prstTxWarp prst="textNoShape">
+              <a:avLst/>
+            </a:prstTxWarp>
+          </a:bodyPr>
+          <a:lstStyle>
+            <a:lvl1pPr marL="342900" indent="-342900" algn="l" rtl="0" eaLnBrk="1" fontAlgn="base" hangingPunct="1">
+              <a:spcBef>
+                <a:spcPct val="20000"/>
+              </a:spcBef>
+              <a:spcAft>
+                <a:spcPct val="0"/>
+              </a:spcAft>
+              <a:buClr>
+                <a:srgbClr val="003366"/>
+              </a:buClr>
+              <a:buFont typeface="Times" panose="02020603050405020304" pitchFamily="18" charset="0"/>
+              <a:buChar char="•"/>
+              <a:defRPr sz="3200">
+                <a:solidFill>
+                  <a:schemeClr val="tx1"/>
+                </a:solidFill>
+                <a:latin typeface="+mn-lt"/>
+                <a:ea typeface="+mn-ea"/>
+                <a:cs typeface="+mn-cs"/>
+              </a:defRPr>
+            </a:lvl1pPr>
+            <a:lvl2pPr marL="742950" indent="-285750" algn="l" rtl="0" eaLnBrk="1" fontAlgn="base" hangingPunct="1">
+              <a:spcBef>
+                <a:spcPct val="20000"/>
+              </a:spcBef>
+              <a:spcAft>
+                <a:spcPct val="0"/>
+              </a:spcAft>
+              <a:buClr>
+                <a:srgbClr val="FF9900"/>
+              </a:buClr>
+              <a:buFont typeface="Wingdings" panose="05000000000000000000" pitchFamily="2" charset="2"/>
+              <a:buChar char="§"/>
+              <a:defRPr sz="2800">
+                <a:solidFill>
+                  <a:schemeClr val="tx1"/>
+                </a:solidFill>
+                <a:latin typeface="+mn-lt"/>
+                <a:ea typeface="+mn-ea"/>
+                <a:cs typeface="+mn-cs"/>
+              </a:defRPr>
+            </a:lvl2pPr>
+            <a:lvl3pPr marL="1143000" indent="-228600" algn="l" rtl="0" eaLnBrk="1" fontAlgn="base" hangingPunct="1">
+              <a:spcBef>
+                <a:spcPct val="20000"/>
+              </a:spcBef>
+              <a:spcAft>
+                <a:spcPct val="0"/>
+              </a:spcAft>
+              <a:buClr>
+                <a:srgbClr val="003366"/>
+              </a:buClr>
+              <a:buFont typeface="Times" panose="02020603050405020304" pitchFamily="18" charset="0"/>
+              <a:buChar char="•"/>
+              <a:defRPr sz="2400">
+                <a:solidFill>
+                  <a:schemeClr val="tx1"/>
+                </a:solidFill>
+                <a:latin typeface="+mn-lt"/>
+                <a:ea typeface="+mn-ea"/>
+                <a:cs typeface="+mn-cs"/>
+              </a:defRPr>
+            </a:lvl3pPr>
+            <a:lvl4pPr marL="1600200" indent="-228600" algn="l" rtl="0" eaLnBrk="1" fontAlgn="base" hangingPunct="1">
+              <a:spcBef>
+                <a:spcPct val="20000"/>
+              </a:spcBef>
+              <a:spcAft>
+                <a:spcPct val="0"/>
+              </a:spcAft>
+              <a:buClr>
+                <a:srgbClr val="003366"/>
+              </a:buClr>
+              <a:buChar char="–"/>
+              <a:defRPr sz="2000">
+                <a:solidFill>
+                  <a:schemeClr val="tx1"/>
+                </a:solidFill>
+                <a:latin typeface="+mn-lt"/>
+                <a:ea typeface="+mn-ea"/>
+                <a:cs typeface="+mn-cs"/>
+              </a:defRPr>
+            </a:lvl4pPr>
+            <a:lvl5pPr marL="2057400" indent="-228600" algn="l" rtl="0" eaLnBrk="1" fontAlgn="base" hangingPunct="1">
+              <a:spcBef>
+                <a:spcPct val="20000"/>
+              </a:spcBef>
+              <a:spcAft>
+                <a:spcPct val="0"/>
+              </a:spcAft>
+              <a:buChar char="»"/>
+              <a:defRPr sz="2000">
+                <a:solidFill>
+                  <a:schemeClr val="tx1"/>
+                </a:solidFill>
+                <a:latin typeface="+mn-lt"/>
+                <a:ea typeface="+mn-ea"/>
+                <a:cs typeface="+mn-cs"/>
+              </a:defRPr>
+            </a:lvl5pPr>
+            <a:lvl6pPr marL="2514600" indent="-228600" algn="l" rtl="0" eaLnBrk="1" fontAlgn="base" hangingPunct="1">
+              <a:spcBef>
+                <a:spcPct val="20000"/>
+              </a:spcBef>
+              <a:spcAft>
+                <a:spcPct val="0"/>
+              </a:spcAft>
+              <a:buChar char="»"/>
+              <a:defRPr sz="2000">
+                <a:solidFill>
+                  <a:schemeClr val="tx1"/>
+                </a:solidFill>
+                <a:latin typeface="+mn-lt"/>
+                <a:ea typeface="+mn-ea"/>
+                <a:cs typeface="+mn-cs"/>
+              </a:defRPr>
+            </a:lvl6pPr>
+            <a:lvl7pPr marL="2971800" indent="-228600" algn="l" rtl="0" eaLnBrk="1" fontAlgn="base" hangingPunct="1">
+              <a:spcBef>
+                <a:spcPct val="20000"/>
+              </a:spcBef>
+              <a:spcAft>
+                <a:spcPct val="0"/>
+              </a:spcAft>
+              <a:buChar char="»"/>
+              <a:defRPr sz="2000">
+                <a:solidFill>
+                  <a:schemeClr val="tx1"/>
+                </a:solidFill>
+                <a:latin typeface="+mn-lt"/>
+                <a:ea typeface="+mn-ea"/>
+                <a:cs typeface="+mn-cs"/>
+              </a:defRPr>
+            </a:lvl7pPr>
+            <a:lvl8pPr marL="3429000" indent="-228600" algn="l" rtl="0" eaLnBrk="1" fontAlgn="base" hangingPunct="1">
+              <a:spcBef>
+                <a:spcPct val="20000"/>
+              </a:spcBef>
+              <a:spcAft>
+                <a:spcPct val="0"/>
+              </a:spcAft>
+              <a:buChar char="»"/>
+              <a:defRPr sz="2000">
+                <a:solidFill>
+                  <a:schemeClr val="tx1"/>
+                </a:solidFill>
+                <a:latin typeface="+mn-lt"/>
+                <a:ea typeface="+mn-ea"/>
+                <a:cs typeface="+mn-cs"/>
+              </a:defRPr>
+            </a:lvl8pPr>
+            <a:lvl9pPr marL="3886200" indent="-228600" algn="l" rtl="0" eaLnBrk="1" fontAlgn="base" hangingPunct="1">
+              <a:spcBef>
+                <a:spcPct val="20000"/>
+              </a:spcBef>
+              <a:spcAft>
+                <a:spcPct val="0"/>
+              </a:spcAft>
+              <a:buChar char="»"/>
+              <a:defRPr sz="2000">
+                <a:solidFill>
+                  <a:schemeClr val="tx1"/>
+                </a:solidFill>
+                <a:latin typeface="+mn-lt"/>
+                <a:ea typeface="+mn-ea"/>
+                <a:cs typeface="+mn-cs"/>
+              </a:defRPr>
+            </a:lvl9pPr>
+          </a:lstStyle>
+          <a:p>
+            <a:r>
               <a:rPr lang="it-IT" sz="2400" dirty="0"/>
               <a:t>L’elaborazione numerica dei segnali è eseguita in parte su </a:t>
             </a:r>
@@ -8289,7 +9148,7 @@
 </p:sld>
 </file>
 
-<file path=ppt/slides/slide13.xml><?xml version="1.0" encoding="utf-8"?>
+<file path=ppt/slides/slide15.xml><?xml version="1.0" encoding="utf-8"?>
 <p:sld xmlns:a="http://schemas.openxmlformats.org/drawingml/2006/main" xmlns:r="http://schemas.openxmlformats.org/officeDocument/2006/relationships" xmlns:p="http://schemas.openxmlformats.org/presentationml/2006/main">
   <p:cSld>
     <p:spTree>
@@ -8515,7 +9374,7 @@
             <a:fld id="{C503DA3A-0C6B-48FC-931E-2C786AAFD5C1}" type="slidenum">
               <a:rPr lang="en-US" altLang="nl-NL" smtClean="0"/>
               <a:pPr/>
-              <a:t>13</a:t>
+              <a:t>15</a:t>
             </a:fld>
             <a:endParaRPr lang="en-US" altLang="nl-NL"/>
           </a:p>
@@ -8803,7 +9662,7 @@
 </p:sld>
 </file>
 
-<file path=ppt/slides/slide14.xml><?xml version="1.0" encoding="utf-8"?>
+<file path=ppt/slides/slide16.xml><?xml version="1.0" encoding="utf-8"?>
 <p:sld xmlns:a="http://schemas.openxmlformats.org/drawingml/2006/main" xmlns:r="http://schemas.openxmlformats.org/officeDocument/2006/relationships" xmlns:p="http://schemas.openxmlformats.org/presentationml/2006/main">
   <p:cSld>
     <p:spTree>
@@ -9010,7 +9869,7 @@
             <a:fld id="{C503DA3A-0C6B-48FC-931E-2C786AAFD5C1}" type="slidenum">
               <a:rPr lang="en-US" altLang="nl-NL" smtClean="0"/>
               <a:pPr/>
-              <a:t>14</a:t>
+              <a:t>16</a:t>
             </a:fld>
             <a:endParaRPr lang="en-US" altLang="nl-NL"/>
           </a:p>
@@ -9066,7 +9925,7 @@
 </p:sld>
 </file>
 
-<file path=ppt/slides/slide15.xml><?xml version="1.0" encoding="utf-8"?>
+<file path=ppt/slides/slide17.xml><?xml version="1.0" encoding="utf-8"?>
 <p:sld xmlns:a="http://schemas.openxmlformats.org/drawingml/2006/main" xmlns:r="http://schemas.openxmlformats.org/officeDocument/2006/relationships" xmlns:p="http://schemas.openxmlformats.org/presentationml/2006/main">
   <p:cSld>
     <p:spTree>
@@ -9272,7 +10131,7 @@
             <a:fld id="{C503DA3A-0C6B-48FC-931E-2C786AAFD5C1}" type="slidenum">
               <a:rPr lang="en-US" altLang="nl-NL" smtClean="0"/>
               <a:pPr/>
-              <a:t>15</a:t>
+              <a:t>17</a:t>
             </a:fld>
             <a:endParaRPr lang="en-US" altLang="nl-NL"/>
           </a:p>
@@ -9495,7 +10354,7 @@
         </p:blipFill>
         <p:spPr>
           <a:xfrm>
-            <a:off x="2698318" y="2409589"/>
+            <a:off x="1343046" y="2409589"/>
             <a:ext cx="3594964" cy="2719873"/>
           </a:xfrm>
           <a:prstGeom prst="rect">
@@ -9523,7 +10382,7 @@
 </p:sld>
 </file>
 
-<file path=ppt/slides/slide16.xml><?xml version="1.0" encoding="utf-8"?>
+<file path=ppt/slides/slide18.xml><?xml version="1.0" encoding="utf-8"?>
 <p:sld xmlns:a="http://schemas.openxmlformats.org/drawingml/2006/main" xmlns:r="http://schemas.openxmlformats.org/officeDocument/2006/relationships" xmlns:p="http://schemas.openxmlformats.org/presentationml/2006/main">
   <p:cSld>
     <p:spTree>
@@ -9733,7 +10592,7 @@
             <a:fld id="{C503DA3A-0C6B-48FC-931E-2C786AAFD5C1}" type="slidenum">
               <a:rPr lang="en-US" altLang="nl-NL" smtClean="0"/>
               <a:pPr/>
-              <a:t>16</a:t>
+              <a:t>18</a:t>
             </a:fld>
             <a:endParaRPr lang="en-US" altLang="nl-NL"/>
           </a:p>
@@ -9894,7 +10753,7 @@
 </p:sld>
 </file>
 
-<file path=ppt/slides/slide17.xml><?xml version="1.0" encoding="utf-8"?>
+<file path=ppt/slides/slide19.xml><?xml version="1.0" encoding="utf-8"?>
 <p:sld xmlns:a="http://schemas.openxmlformats.org/drawingml/2006/main" xmlns:r="http://schemas.openxmlformats.org/officeDocument/2006/relationships" xmlns:p="http://schemas.openxmlformats.org/presentationml/2006/main">
   <p:cSld>
     <p:spTree>
@@ -9926,6 +10785,317 @@
           <a:bodyPr/>
           <a:lstStyle/>
           <a:p>
+            <a:endParaRPr lang="it-IT"/>
+          </a:p>
+        </p:txBody>
+      </p:sp>
+      <p:sp>
+        <p:nvSpPr>
+          <p:cNvPr id="3" name="Segnaposto contenuto 2"/>
+          <p:cNvSpPr>
+            <a:spLocks noGrp="1"/>
+          </p:cNvSpPr>
+          <p:nvPr>
+            <p:ph idx="1"/>
+          </p:nvPr>
+        </p:nvSpPr>
+        <p:spPr/>
+        <p:txBody>
+          <a:bodyPr/>
+          <a:lstStyle/>
+          <a:p>
+            <a:endParaRPr lang="it-IT"/>
+          </a:p>
+        </p:txBody>
+      </p:sp>
+      <p:sp>
+        <p:nvSpPr>
+          <p:cNvPr id="4" name="Segnaposto numero diapositiva 3"/>
+          <p:cNvSpPr>
+            <a:spLocks noGrp="1"/>
+          </p:cNvSpPr>
+          <p:nvPr>
+            <p:ph type="sldNum" sz="quarter" idx="11"/>
+          </p:nvPr>
+        </p:nvSpPr>
+        <p:spPr/>
+        <p:txBody>
+          <a:bodyPr/>
+          <a:lstStyle/>
+          <a:p>
+            <a:fld id="{C503DA3A-0C6B-48FC-931E-2C786AAFD5C1}" type="slidenum">
+              <a:rPr lang="en-US" altLang="nl-NL" smtClean="0"/>
+              <a:pPr/>
+              <a:t>19</a:t>
+            </a:fld>
+            <a:endParaRPr lang="en-US" altLang="nl-NL"/>
+          </a:p>
+        </p:txBody>
+      </p:sp>
+    </p:spTree>
+    <p:extLst>
+      <p:ext uri="{BB962C8B-B14F-4D97-AF65-F5344CB8AC3E}">
+        <p14:creationId xmlns:p14="http://schemas.microsoft.com/office/powerpoint/2010/main" val="269455306"/>
+      </p:ext>
+    </p:extLst>
+  </p:cSld>
+  <p:clrMapOvr>
+    <a:masterClrMapping/>
+  </p:clrMapOvr>
+</p:sld>
+</file>
+
+<file path=ppt/slides/slide2.xml><?xml version="1.0" encoding="utf-8"?>
+<p:sld xmlns:a="http://schemas.openxmlformats.org/drawingml/2006/main" xmlns:r="http://schemas.openxmlformats.org/officeDocument/2006/relationships" xmlns:p="http://schemas.openxmlformats.org/presentationml/2006/main">
+  <p:cSld>
+    <p:spTree>
+      <p:nvGrpSpPr>
+        <p:cNvPr id="1" name=""/>
+        <p:cNvGrpSpPr/>
+        <p:nvPr/>
+      </p:nvGrpSpPr>
+      <p:grpSpPr>
+        <a:xfrm>
+          <a:off x="0" y="0"/>
+          <a:ext cx="0" cy="0"/>
+          <a:chOff x="0" y="0"/>
+          <a:chExt cx="0" cy="0"/>
+        </a:xfrm>
+      </p:grpSpPr>
+      <p:sp>
+        <p:nvSpPr>
+          <p:cNvPr id="2" name="Titolo 1"/>
+          <p:cNvSpPr>
+            <a:spLocks noGrp="1"/>
+          </p:cNvSpPr>
+          <p:nvPr>
+            <p:ph type="title"/>
+          </p:nvPr>
+        </p:nvSpPr>
+        <p:spPr/>
+        <p:txBody>
+          <a:bodyPr/>
+          <a:lstStyle/>
+          <a:p>
+            <a:r>
+              <a:rPr lang="it-IT" dirty="0" smtClean="0"/>
+              <a:t>Indice</a:t>
+            </a:r>
+            <a:endParaRPr lang="it-IT" dirty="0"/>
+          </a:p>
+        </p:txBody>
+      </p:sp>
+      <p:sp>
+        <p:nvSpPr>
+          <p:cNvPr id="3" name="Segnaposto contenuto 2"/>
+          <p:cNvSpPr>
+            <a:spLocks noGrp="1"/>
+          </p:cNvSpPr>
+          <p:nvPr>
+            <p:ph idx="1"/>
+          </p:nvPr>
+        </p:nvSpPr>
+        <p:spPr>
+          <a:xfrm>
+            <a:off x="609600" y="891778"/>
+            <a:ext cx="7784892" cy="5531644"/>
+          </a:xfrm>
+        </p:spPr>
+        <p:txBody>
+          <a:bodyPr/>
+          <a:lstStyle/>
+          <a:p>
+            <a:r>
+              <a:rPr lang="it-IT" sz="2400" dirty="0"/>
+              <a:t>Interferometria</a:t>
+            </a:r>
+          </a:p>
+          <a:p>
+            <a:pPr lvl="1"/>
+            <a:r>
+              <a:rPr lang="it-IT" sz="2000" dirty="0"/>
+              <a:t>Interferometria a self-mixing</a:t>
+            </a:r>
+          </a:p>
+          <a:p>
+            <a:pPr lvl="1"/>
+            <a:r>
+              <a:rPr lang="it-IT" sz="2000" dirty="0"/>
+              <a:t>Misura della distanza</a:t>
+            </a:r>
+          </a:p>
+          <a:p>
+            <a:r>
+              <a:rPr lang="it-IT" sz="2400" dirty="0"/>
+              <a:t>Architettura hardware</a:t>
+            </a:r>
+          </a:p>
+          <a:p>
+            <a:pPr lvl="1"/>
+            <a:r>
+              <a:rPr lang="it-IT" sz="2000" dirty="0" smtClean="0"/>
+              <a:t>Sistema analogico</a:t>
+            </a:r>
+          </a:p>
+          <a:p>
+            <a:pPr lvl="1"/>
+            <a:r>
+              <a:rPr lang="it-IT" sz="2000" dirty="0"/>
+              <a:t>Sistema di </a:t>
+            </a:r>
+            <a:r>
+              <a:rPr lang="it-IT" sz="2000" dirty="0" smtClean="0"/>
+              <a:t>conversione</a:t>
+            </a:r>
+            <a:endParaRPr lang="it-IT" sz="2000" dirty="0"/>
+          </a:p>
+          <a:p>
+            <a:pPr lvl="1"/>
+            <a:r>
+              <a:rPr lang="it-IT" sz="2000" dirty="0" smtClean="0"/>
+              <a:t>Sistema digitale</a:t>
+            </a:r>
+            <a:endParaRPr lang="it-IT" sz="2000" dirty="0"/>
+          </a:p>
+          <a:p>
+            <a:r>
+              <a:rPr lang="it-IT" sz="2400" dirty="0" smtClean="0"/>
+              <a:t>Architettura </a:t>
+            </a:r>
+            <a:r>
+              <a:rPr lang="it-IT" sz="2400" dirty="0"/>
+              <a:t>software</a:t>
+            </a:r>
+          </a:p>
+          <a:p>
+            <a:pPr lvl="1"/>
+            <a:r>
+              <a:rPr lang="it-IT" sz="2000" dirty="0"/>
+              <a:t>Dettagli </a:t>
+            </a:r>
+            <a:r>
+              <a:rPr lang="it-IT" sz="2000" dirty="0" smtClean="0"/>
+              <a:t>implementativi</a:t>
+            </a:r>
+          </a:p>
+          <a:p>
+            <a:pPr lvl="1"/>
+            <a:r>
+              <a:rPr lang="it-IT" sz="2000" dirty="0" smtClean="0"/>
+              <a:t>FPGA</a:t>
+            </a:r>
+            <a:endParaRPr lang="it-IT" sz="2000" dirty="0"/>
+          </a:p>
+          <a:p>
+            <a:pPr lvl="1"/>
+            <a:r>
+              <a:rPr lang="it-IT" sz="2000" dirty="0" smtClean="0"/>
+              <a:t>Microcontrollore</a:t>
+            </a:r>
+          </a:p>
+          <a:p>
+            <a:pPr lvl="1"/>
+            <a:r>
+              <a:rPr lang="it-IT" sz="2000" dirty="0" smtClean="0"/>
+              <a:t>Ottimizzazioni</a:t>
+            </a:r>
+            <a:endParaRPr lang="it-IT" sz="2000" dirty="0"/>
+          </a:p>
+          <a:p>
+            <a:r>
+              <a:rPr lang="it-IT" sz="2400" dirty="0"/>
+              <a:t>Risultati </a:t>
+            </a:r>
+            <a:r>
+              <a:rPr lang="it-IT" sz="2400" dirty="0" smtClean="0"/>
+              <a:t>sperimentali</a:t>
+            </a:r>
+            <a:endParaRPr lang="it-IT" sz="2400" dirty="0"/>
+          </a:p>
+          <a:p>
+            <a:r>
+              <a:rPr lang="it-IT" sz="2400" dirty="0"/>
+              <a:t>Conclusioni e sviluppi futuri</a:t>
+            </a:r>
+          </a:p>
+        </p:txBody>
+      </p:sp>
+      <p:sp>
+        <p:nvSpPr>
+          <p:cNvPr id="4" name="Segnaposto numero diapositiva 3"/>
+          <p:cNvSpPr>
+            <a:spLocks noGrp="1"/>
+          </p:cNvSpPr>
+          <p:nvPr>
+            <p:ph type="sldNum" sz="quarter" idx="11"/>
+          </p:nvPr>
+        </p:nvSpPr>
+        <p:spPr/>
+        <p:txBody>
+          <a:bodyPr/>
+          <a:lstStyle/>
+          <a:p>
+            <a:fld id="{C503DA3A-0C6B-48FC-931E-2C786AAFD5C1}" type="slidenum">
+              <a:rPr lang="en-US" altLang="nl-NL" smtClean="0"/>
+              <a:pPr/>
+              <a:t>2</a:t>
+            </a:fld>
+            <a:endParaRPr lang="en-US" altLang="nl-NL"/>
+          </a:p>
+        </p:txBody>
+      </p:sp>
+    </p:spTree>
+    <p:extLst>
+      <p:ext uri="{BB962C8B-B14F-4D97-AF65-F5344CB8AC3E}">
+        <p14:creationId xmlns:p14="http://schemas.microsoft.com/office/powerpoint/2010/main" val="3953617699"/>
+      </p:ext>
+    </p:extLst>
+  </p:cSld>
+  <p:clrMapOvr>
+    <a:masterClrMapping/>
+  </p:clrMapOvr>
+  <p:timing>
+    <p:tnLst>
+      <p:par>
+        <p:cTn id="1" dur="indefinite" restart="never" nodeType="tmRoot"/>
+      </p:par>
+    </p:tnLst>
+  </p:timing>
+</p:sld>
+</file>
+
+<file path=ppt/slides/slide20.xml><?xml version="1.0" encoding="utf-8"?>
+<p:sld xmlns:a="http://schemas.openxmlformats.org/drawingml/2006/main" xmlns:r="http://schemas.openxmlformats.org/officeDocument/2006/relationships" xmlns:p="http://schemas.openxmlformats.org/presentationml/2006/main">
+  <p:cSld>
+    <p:spTree>
+      <p:nvGrpSpPr>
+        <p:cNvPr id="1" name=""/>
+        <p:cNvGrpSpPr/>
+        <p:nvPr/>
+      </p:nvGrpSpPr>
+      <p:grpSpPr>
+        <a:xfrm>
+          <a:off x="0" y="0"/>
+          <a:ext cx="0" cy="0"/>
+          <a:chOff x="0" y="0"/>
+          <a:chExt cx="0" cy="0"/>
+        </a:xfrm>
+      </p:grpSpPr>
+      <p:sp>
+        <p:nvSpPr>
+          <p:cNvPr id="2" name="Titolo 1"/>
+          <p:cNvSpPr>
+            <a:spLocks noGrp="1"/>
+          </p:cNvSpPr>
+          <p:nvPr>
+            <p:ph type="title"/>
+          </p:nvPr>
+        </p:nvSpPr>
+        <p:spPr/>
+        <p:txBody>
+          <a:bodyPr/>
+          <a:lstStyle/>
+          <a:p>
             <a:r>
               <a:rPr lang="it-IT" dirty="0" smtClean="0"/>
               <a:t>Indice</a:t>
@@ -10166,7 +11336,7 @@
             <a:fld id="{C503DA3A-0C6B-48FC-931E-2C786AAFD5C1}" type="slidenum">
               <a:rPr lang="en-US" altLang="nl-NL" smtClean="0"/>
               <a:pPr/>
-              <a:t>17</a:t>
+              <a:t>20</a:t>
             </a:fld>
             <a:endParaRPr lang="en-US" altLang="nl-NL"/>
           </a:p>
@@ -10192,7 +11362,7 @@
 </p:sld>
 </file>
 
-<file path=ppt/slides/slide18.xml><?xml version="1.0" encoding="utf-8"?>
+<file path=ppt/slides/slide21.xml><?xml version="1.0" encoding="utf-8"?>
 <p:sld xmlns:a="http://schemas.openxmlformats.org/drawingml/2006/main" xmlns:r="http://schemas.openxmlformats.org/officeDocument/2006/relationships" xmlns:p="http://schemas.openxmlformats.org/presentationml/2006/main">
   <p:cSld>
     <p:spTree>
@@ -10291,7 +11461,7 @@
             <a:fld id="{C503DA3A-0C6B-48FC-931E-2C786AAFD5C1}" type="slidenum">
               <a:rPr lang="en-US" altLang="nl-NL" smtClean="0"/>
               <a:pPr/>
-              <a:t>18</a:t>
+              <a:t>21</a:t>
             </a:fld>
             <a:endParaRPr lang="en-US" altLang="nl-NL"/>
           </a:p>
@@ -10347,7 +11517,7 @@
 </p:sld>
 </file>
 
-<file path=ppt/slides/slide19.xml><?xml version="1.0" encoding="utf-8"?>
+<file path=ppt/slides/slide22.xml><?xml version="1.0" encoding="utf-8"?>
 <p:sld xmlns:a="http://schemas.openxmlformats.org/drawingml/2006/main" xmlns:r="http://schemas.openxmlformats.org/officeDocument/2006/relationships" xmlns:p="http://schemas.openxmlformats.org/presentationml/2006/main">
   <p:cSld>
     <p:spTree>
@@ -10664,7 +11834,7 @@
             <a:fld id="{C503DA3A-0C6B-48FC-931E-2C786AAFD5C1}" type="slidenum">
               <a:rPr lang="en-US" altLang="nl-NL" smtClean="0"/>
               <a:pPr/>
-              <a:t>19</a:t>
+              <a:t>22</a:t>
             </a:fld>
             <a:endParaRPr lang="en-US" altLang="nl-NL"/>
           </a:p>
@@ -10780,226 +11950,7 @@
 </p:sld>
 </file>
 
-<file path=ppt/slides/slide2.xml><?xml version="1.0" encoding="utf-8"?>
-<p:sld xmlns:a="http://schemas.openxmlformats.org/drawingml/2006/main" xmlns:r="http://schemas.openxmlformats.org/officeDocument/2006/relationships" xmlns:p="http://schemas.openxmlformats.org/presentationml/2006/main">
-  <p:cSld>
-    <p:spTree>
-      <p:nvGrpSpPr>
-        <p:cNvPr id="1" name=""/>
-        <p:cNvGrpSpPr/>
-        <p:nvPr/>
-      </p:nvGrpSpPr>
-      <p:grpSpPr>
-        <a:xfrm>
-          <a:off x="0" y="0"/>
-          <a:ext cx="0" cy="0"/>
-          <a:chOff x="0" y="0"/>
-          <a:chExt cx="0" cy="0"/>
-        </a:xfrm>
-      </p:grpSpPr>
-      <p:sp>
-        <p:nvSpPr>
-          <p:cNvPr id="2" name="Titolo 1"/>
-          <p:cNvSpPr>
-            <a:spLocks noGrp="1"/>
-          </p:cNvSpPr>
-          <p:nvPr>
-            <p:ph type="title"/>
-          </p:nvPr>
-        </p:nvSpPr>
-        <p:spPr/>
-        <p:txBody>
-          <a:bodyPr/>
-          <a:lstStyle/>
-          <a:p>
-            <a:r>
-              <a:rPr lang="it-IT" dirty="0" smtClean="0"/>
-              <a:t>Indice</a:t>
-            </a:r>
-            <a:endParaRPr lang="it-IT" dirty="0"/>
-          </a:p>
-        </p:txBody>
-      </p:sp>
-      <p:sp>
-        <p:nvSpPr>
-          <p:cNvPr id="3" name="Segnaposto contenuto 2"/>
-          <p:cNvSpPr>
-            <a:spLocks noGrp="1"/>
-          </p:cNvSpPr>
-          <p:nvPr>
-            <p:ph idx="1"/>
-          </p:nvPr>
-        </p:nvSpPr>
-        <p:spPr>
-          <a:xfrm>
-            <a:off x="609600" y="891778"/>
-            <a:ext cx="7784892" cy="5531644"/>
-          </a:xfrm>
-        </p:spPr>
-        <p:txBody>
-          <a:bodyPr/>
-          <a:lstStyle/>
-          <a:p>
-            <a:r>
-              <a:rPr lang="it-IT" sz="2400" dirty="0"/>
-              <a:t>Interferometria</a:t>
-            </a:r>
-          </a:p>
-          <a:p>
-            <a:pPr lvl="1"/>
-            <a:r>
-              <a:rPr lang="it-IT" sz="2000" dirty="0"/>
-              <a:t>Interferometria a self-mixing</a:t>
-            </a:r>
-          </a:p>
-          <a:p>
-            <a:pPr lvl="1"/>
-            <a:r>
-              <a:rPr lang="it-IT" sz="2000" dirty="0"/>
-              <a:t>Misura della distanza</a:t>
-            </a:r>
-          </a:p>
-          <a:p>
-            <a:r>
-              <a:rPr lang="it-IT" sz="2400" dirty="0"/>
-              <a:t>Architettura hardware</a:t>
-            </a:r>
-          </a:p>
-          <a:p>
-            <a:pPr lvl="1"/>
-            <a:r>
-              <a:rPr lang="it-IT" sz="2000" dirty="0" smtClean="0"/>
-              <a:t>Sistema analogico</a:t>
-            </a:r>
-          </a:p>
-          <a:p>
-            <a:pPr lvl="1"/>
-            <a:r>
-              <a:rPr lang="it-IT" sz="2000" dirty="0"/>
-              <a:t>Sistema di </a:t>
-            </a:r>
-            <a:r>
-              <a:rPr lang="it-IT" sz="2000" dirty="0" smtClean="0"/>
-              <a:t>conversione</a:t>
-            </a:r>
-            <a:endParaRPr lang="it-IT" sz="2000" dirty="0"/>
-          </a:p>
-          <a:p>
-            <a:pPr lvl="1"/>
-            <a:r>
-              <a:rPr lang="it-IT" sz="2000" dirty="0" smtClean="0"/>
-              <a:t>Sistema digitale</a:t>
-            </a:r>
-            <a:endParaRPr lang="it-IT" sz="2000" dirty="0"/>
-          </a:p>
-          <a:p>
-            <a:r>
-              <a:rPr lang="it-IT" sz="2400" dirty="0" smtClean="0"/>
-              <a:t>Architettura </a:t>
-            </a:r>
-            <a:r>
-              <a:rPr lang="it-IT" sz="2400" dirty="0"/>
-              <a:t>software</a:t>
-            </a:r>
-          </a:p>
-          <a:p>
-            <a:pPr lvl="1"/>
-            <a:r>
-              <a:rPr lang="it-IT" sz="2000" dirty="0"/>
-              <a:t>Dettagli </a:t>
-            </a:r>
-            <a:r>
-              <a:rPr lang="it-IT" sz="2000" dirty="0" smtClean="0"/>
-              <a:t>implementativi</a:t>
-            </a:r>
-          </a:p>
-          <a:p>
-            <a:pPr lvl="1"/>
-            <a:r>
-              <a:rPr lang="it-IT" sz="2000" dirty="0" smtClean="0"/>
-              <a:t>FPGA</a:t>
-            </a:r>
-            <a:endParaRPr lang="it-IT" sz="2000" dirty="0"/>
-          </a:p>
-          <a:p>
-            <a:pPr lvl="1"/>
-            <a:r>
-              <a:rPr lang="it-IT" sz="2000" dirty="0" smtClean="0"/>
-              <a:t>Microcontrollore</a:t>
-            </a:r>
-          </a:p>
-          <a:p>
-            <a:pPr lvl="1"/>
-            <a:r>
-              <a:rPr lang="it-IT" sz="2000" dirty="0" smtClean="0"/>
-              <a:t>Ottimizzazioni</a:t>
-            </a:r>
-            <a:endParaRPr lang="it-IT" sz="2000" dirty="0"/>
-          </a:p>
-          <a:p>
-            <a:r>
-              <a:rPr lang="it-IT" sz="2400" dirty="0"/>
-              <a:t>Risultati </a:t>
-            </a:r>
-            <a:r>
-              <a:rPr lang="it-IT" sz="2400" dirty="0" smtClean="0"/>
-              <a:t>sperimentali</a:t>
-            </a:r>
-            <a:endParaRPr lang="it-IT" sz="2400" dirty="0"/>
-          </a:p>
-          <a:p>
-            <a:r>
-              <a:rPr lang="it-IT" sz="2400" dirty="0"/>
-              <a:t>Conclusioni e sviluppi futuri</a:t>
-            </a:r>
-          </a:p>
-        </p:txBody>
-      </p:sp>
-      <p:sp>
-        <p:nvSpPr>
-          <p:cNvPr id="4" name="Segnaposto numero diapositiva 3"/>
-          <p:cNvSpPr>
-            <a:spLocks noGrp="1"/>
-          </p:cNvSpPr>
-          <p:nvPr>
-            <p:ph type="sldNum" sz="quarter" idx="11"/>
-          </p:nvPr>
-        </p:nvSpPr>
-        <p:spPr/>
-        <p:txBody>
-          <a:bodyPr/>
-          <a:lstStyle/>
-          <a:p>
-            <a:fld id="{C503DA3A-0C6B-48FC-931E-2C786AAFD5C1}" type="slidenum">
-              <a:rPr lang="en-US" altLang="nl-NL" smtClean="0"/>
-              <a:pPr/>
-              <a:t>2</a:t>
-            </a:fld>
-            <a:endParaRPr lang="en-US" altLang="nl-NL"/>
-          </a:p>
-        </p:txBody>
-      </p:sp>
-    </p:spTree>
-    <p:extLst>
-      <p:ext uri="{BB962C8B-B14F-4D97-AF65-F5344CB8AC3E}">
-        <p14:creationId xmlns:p14="http://schemas.microsoft.com/office/powerpoint/2010/main" val="3953617699"/>
-      </p:ext>
-    </p:extLst>
-  </p:cSld>
-  <p:clrMapOvr>
-    <a:masterClrMapping/>
-  </p:clrMapOvr>
-  <p:timing>
-    <p:tnLst>
-      <p:par>
-        <p:cTn id="1" dur="indefinite" restart="never" nodeType="tmRoot"/>
-      </p:par>
-    </p:tnLst>
-  </p:timing>
-</p:sld>
-</file>
-
-<file path=ppt/slides/slide20.xml><?xml version="1.0" encoding="utf-8"?>
+<file path=ppt/slides/slide23.xml><?xml version="1.0" encoding="utf-8"?>
 <p:sld xmlns:a="http://schemas.openxmlformats.org/drawingml/2006/main" xmlns:r="http://schemas.openxmlformats.org/officeDocument/2006/relationships" xmlns:p="http://schemas.openxmlformats.org/presentationml/2006/main">
   <p:cSld>
     <p:spTree>
@@ -11364,7 +12315,7 @@
             <a:fld id="{C503DA3A-0C6B-48FC-931E-2C786AAFD5C1}" type="slidenum">
               <a:rPr lang="en-US" altLang="nl-NL" smtClean="0"/>
               <a:pPr/>
-              <a:t>20</a:t>
+              <a:t>23</a:t>
             </a:fld>
             <a:endParaRPr lang="en-US" altLang="nl-NL" dirty="0"/>
           </a:p>
@@ -11480,7 +12431,7 @@
 </p:sld>
 </file>
 
-<file path=ppt/slides/slide21.xml><?xml version="1.0" encoding="utf-8"?>
+<file path=ppt/slides/slide24.xml><?xml version="1.0" encoding="utf-8"?>
 <p:sld xmlns:a="http://schemas.openxmlformats.org/drawingml/2006/main" xmlns:r="http://schemas.openxmlformats.org/officeDocument/2006/relationships" xmlns:p="http://schemas.openxmlformats.org/presentationml/2006/main">
   <p:cSld>
     <p:spTree>
@@ -11892,7 +12843,7 @@
             <a:fld id="{C503DA3A-0C6B-48FC-931E-2C786AAFD5C1}" type="slidenum">
               <a:rPr lang="en-US" altLang="nl-NL" smtClean="0"/>
               <a:pPr/>
-              <a:t>21</a:t>
+              <a:t>24</a:t>
             </a:fld>
             <a:endParaRPr lang="en-US" altLang="nl-NL"/>
           </a:p>
@@ -11985,7 +12936,7 @@
 </p:sld>
 </file>
 
-<file path=ppt/slides/slide22.xml><?xml version="1.0" encoding="utf-8"?>
+<file path=ppt/slides/slide25.xml><?xml version="1.0" encoding="utf-8"?>
 <p:sld xmlns:a="http://schemas.openxmlformats.org/drawingml/2006/main" xmlns:r="http://schemas.openxmlformats.org/officeDocument/2006/relationships" xmlns:p="http://schemas.openxmlformats.org/presentationml/2006/main">
   <p:cSld>
     <p:spTree>
@@ -12264,7 +13215,7 @@
             <a:fld id="{C503DA3A-0C6B-48FC-931E-2C786AAFD5C1}" type="slidenum">
               <a:rPr lang="en-US" altLang="nl-NL" smtClean="0"/>
               <a:pPr/>
-              <a:t>22</a:t>
+              <a:t>25</a:t>
             </a:fld>
             <a:endParaRPr lang="en-US" altLang="nl-NL"/>
           </a:p>
@@ -12290,7 +13241,7 @@
 </p:sld>
 </file>
 
-<file path=ppt/slides/slide23.xml><?xml version="1.0" encoding="utf-8"?>
+<file path=ppt/slides/slide26.xml><?xml version="1.0" encoding="utf-8"?>
 <p:sld xmlns:a="http://schemas.openxmlformats.org/drawingml/2006/main" xmlns:r="http://schemas.openxmlformats.org/officeDocument/2006/relationships" xmlns:p="http://schemas.openxmlformats.org/presentationml/2006/main">
   <p:cSld>
     <p:spTree>
@@ -12457,7 +13408,7 @@
             <a:fld id="{C503DA3A-0C6B-48FC-931E-2C786AAFD5C1}" type="slidenum">
               <a:rPr lang="en-US" altLang="nl-NL" smtClean="0"/>
               <a:pPr/>
-              <a:t>23</a:t>
+              <a:t>26</a:t>
             </a:fld>
             <a:endParaRPr lang="en-US" altLang="nl-NL"/>
           </a:p>
@@ -12570,7 +13521,7 @@
 </p:sld>
 </file>
 
-<file path=ppt/slides/slide24.xml><?xml version="1.0" encoding="utf-8"?>
+<file path=ppt/slides/slide27.xml><?xml version="1.0" encoding="utf-8"?>
 <p:sld xmlns:a="http://schemas.openxmlformats.org/drawingml/2006/main" xmlns:r="http://schemas.openxmlformats.org/officeDocument/2006/relationships" xmlns:p="http://schemas.openxmlformats.org/presentationml/2006/main">
   <p:cSld>
     <p:spTree>
@@ -12605,7 +13556,7 @@
             <a:fld id="{C503DA3A-0C6B-48FC-931E-2C786AAFD5C1}" type="slidenum">
               <a:rPr lang="en-US" altLang="nl-NL" smtClean="0"/>
               <a:pPr/>
-              <a:t>24</a:t>
+              <a:t>27</a:t>
             </a:fld>
             <a:endParaRPr lang="en-US" altLang="nl-NL"/>
           </a:p>
@@ -12714,7 +13665,7 @@
         </p:nvSpPr>
         <p:spPr>
           <a:xfrm>
-            <a:off x="609599" y="980605"/>
+            <a:off x="609599" y="1029592"/>
             <a:ext cx="8162926" cy="1200619"/>
           </a:xfrm>
         </p:spPr>
@@ -12755,7 +13706,12 @@
             <p:ph type="sldNum" sz="quarter" idx="11"/>
           </p:nvPr>
         </p:nvSpPr>
-        <p:spPr/>
+        <p:spPr>
+          <a:xfrm>
+            <a:off x="7239000" y="6602187"/>
+            <a:ext cx="1905000" cy="304800"/>
+          </a:xfrm>
+        </p:spPr>
         <p:txBody>
           <a:bodyPr/>
           <a:lstStyle/>
@@ -12791,7 +13747,7 @@
         </p:blipFill>
         <p:spPr>
           <a:xfrm>
-            <a:off x="609599" y="2265931"/>
+            <a:off x="609599" y="2314918"/>
             <a:ext cx="4728023" cy="3196817"/>
           </a:xfrm>
           <a:prstGeom prst="rect">
@@ -12809,7 +13765,7 @@
         </p:nvSpPr>
         <p:spPr bwMode="auto">
           <a:xfrm>
-            <a:off x="4929190" y="2227331"/>
+            <a:off x="4929190" y="2276318"/>
             <a:ext cx="4114800" cy="3300413"/>
           </a:xfrm>
           <a:prstGeom prst="rect">
@@ -13122,269 +14078,6 @@
           </a:p>
         </p:txBody>
       </p:sp>
-      <p:sp>
-        <p:nvSpPr>
-          <p:cNvPr id="7" name="Segnaposto contenuto 2"/>
-          <p:cNvSpPr txBox="1">
-            <a:spLocks/>
-          </p:cNvSpPr>
-          <p:nvPr/>
-        </p:nvSpPr>
-        <p:spPr bwMode="auto">
-          <a:xfrm>
-            <a:off x="609599" y="5604702"/>
-            <a:ext cx="7162801" cy="871539"/>
-          </a:xfrm>
-          <a:prstGeom prst="rect">
-            <a:avLst/>
-          </a:prstGeom>
-          <a:noFill/>
-          <a:ln>
-            <a:noFill/>
-          </a:ln>
-          <a:extLst>
-            <a:ext uri="{909E8E84-426E-40DD-AFC4-6F175D3DCCD1}">
-              <a14:hiddenFill xmlns:a14="http://schemas.microsoft.com/office/drawing/2010/main">
-                <a:solidFill>
-                  <a:srgbClr val="FFFFFF"/>
-                </a:solidFill>
-              </a14:hiddenFill>
-            </a:ext>
-            <a:ext uri="{91240B29-F687-4F45-9708-019B960494DF}">
-              <a14:hiddenLine xmlns:a14="http://schemas.microsoft.com/office/drawing/2010/main" w="9525">
-                <a:solidFill>
-                  <a:srgbClr val="000000"/>
-                </a:solidFill>
-                <a:miter lim="800000"/>
-                <a:headEnd/>
-                <a:tailEnd/>
-              </a14:hiddenLine>
-            </a:ext>
-          </a:extLst>
-        </p:spPr>
-        <p:txBody>
-          <a:bodyPr vert="horz" wrap="square" lIns="91440" tIns="45720" rIns="91440" bIns="45720" numCol="1" anchor="t" anchorCtr="0" compatLnSpc="1">
-            <a:prstTxWarp prst="textNoShape">
-              <a:avLst/>
-            </a:prstTxWarp>
-          </a:bodyPr>
-          <a:lstStyle>
-            <a:lvl1pPr marL="342900" indent="-342900" algn="l" rtl="0" eaLnBrk="1" fontAlgn="base" hangingPunct="1">
-              <a:spcBef>
-                <a:spcPct val="20000"/>
-              </a:spcBef>
-              <a:spcAft>
-                <a:spcPct val="0"/>
-              </a:spcAft>
-              <a:buClr>
-                <a:srgbClr val="003366"/>
-              </a:buClr>
-              <a:buFont typeface="Times" panose="02020603050405020304" pitchFamily="18" charset="0"/>
-              <a:buChar char="•"/>
-              <a:defRPr sz="3200">
-                <a:solidFill>
-                  <a:schemeClr val="tx1"/>
-                </a:solidFill>
-                <a:latin typeface="+mn-lt"/>
-                <a:ea typeface="+mn-ea"/>
-                <a:cs typeface="+mn-cs"/>
-              </a:defRPr>
-            </a:lvl1pPr>
-            <a:lvl2pPr marL="742950" indent="-285750" algn="l" rtl="0" eaLnBrk="1" fontAlgn="base" hangingPunct="1">
-              <a:spcBef>
-                <a:spcPct val="20000"/>
-              </a:spcBef>
-              <a:spcAft>
-                <a:spcPct val="0"/>
-              </a:spcAft>
-              <a:buClr>
-                <a:srgbClr val="FF9900"/>
-              </a:buClr>
-              <a:buFont typeface="Wingdings" panose="05000000000000000000" pitchFamily="2" charset="2"/>
-              <a:buChar char="§"/>
-              <a:defRPr sz="2800">
-                <a:solidFill>
-                  <a:schemeClr val="tx1"/>
-                </a:solidFill>
-                <a:latin typeface="+mn-lt"/>
-                <a:ea typeface="+mn-ea"/>
-                <a:cs typeface="+mn-cs"/>
-              </a:defRPr>
-            </a:lvl2pPr>
-            <a:lvl3pPr marL="1143000" indent="-228600" algn="l" rtl="0" eaLnBrk="1" fontAlgn="base" hangingPunct="1">
-              <a:spcBef>
-                <a:spcPct val="20000"/>
-              </a:spcBef>
-              <a:spcAft>
-                <a:spcPct val="0"/>
-              </a:spcAft>
-              <a:buClr>
-                <a:srgbClr val="003366"/>
-              </a:buClr>
-              <a:buFont typeface="Times" panose="02020603050405020304" pitchFamily="18" charset="0"/>
-              <a:buChar char="•"/>
-              <a:defRPr sz="2400">
-                <a:solidFill>
-                  <a:schemeClr val="tx1"/>
-                </a:solidFill>
-                <a:latin typeface="+mn-lt"/>
-                <a:ea typeface="+mn-ea"/>
-                <a:cs typeface="+mn-cs"/>
-              </a:defRPr>
-            </a:lvl3pPr>
-            <a:lvl4pPr marL="1600200" indent="-228600" algn="l" rtl="0" eaLnBrk="1" fontAlgn="base" hangingPunct="1">
-              <a:spcBef>
-                <a:spcPct val="20000"/>
-              </a:spcBef>
-              <a:spcAft>
-                <a:spcPct val="0"/>
-              </a:spcAft>
-              <a:buClr>
-                <a:srgbClr val="003366"/>
-              </a:buClr>
-              <a:buChar char="–"/>
-              <a:defRPr sz="2000">
-                <a:solidFill>
-                  <a:schemeClr val="tx1"/>
-                </a:solidFill>
-                <a:latin typeface="+mn-lt"/>
-                <a:ea typeface="+mn-ea"/>
-                <a:cs typeface="+mn-cs"/>
-              </a:defRPr>
-            </a:lvl4pPr>
-            <a:lvl5pPr marL="2057400" indent="-228600" algn="l" rtl="0" eaLnBrk="1" fontAlgn="base" hangingPunct="1">
-              <a:spcBef>
-                <a:spcPct val="20000"/>
-              </a:spcBef>
-              <a:spcAft>
-                <a:spcPct val="0"/>
-              </a:spcAft>
-              <a:buChar char="»"/>
-              <a:defRPr sz="2000">
-                <a:solidFill>
-                  <a:schemeClr val="tx1"/>
-                </a:solidFill>
-                <a:latin typeface="+mn-lt"/>
-                <a:ea typeface="+mn-ea"/>
-                <a:cs typeface="+mn-cs"/>
-              </a:defRPr>
-            </a:lvl5pPr>
-            <a:lvl6pPr marL="2514600" indent="-228600" algn="l" rtl="0" eaLnBrk="1" fontAlgn="base" hangingPunct="1">
-              <a:spcBef>
-                <a:spcPct val="20000"/>
-              </a:spcBef>
-              <a:spcAft>
-                <a:spcPct val="0"/>
-              </a:spcAft>
-              <a:buChar char="»"/>
-              <a:defRPr sz="2000">
-                <a:solidFill>
-                  <a:schemeClr val="tx1"/>
-                </a:solidFill>
-                <a:latin typeface="+mn-lt"/>
-                <a:ea typeface="+mn-ea"/>
-                <a:cs typeface="+mn-cs"/>
-              </a:defRPr>
-            </a:lvl6pPr>
-            <a:lvl7pPr marL="2971800" indent="-228600" algn="l" rtl="0" eaLnBrk="1" fontAlgn="base" hangingPunct="1">
-              <a:spcBef>
-                <a:spcPct val="20000"/>
-              </a:spcBef>
-              <a:spcAft>
-                <a:spcPct val="0"/>
-              </a:spcAft>
-              <a:buChar char="»"/>
-              <a:defRPr sz="2000">
-                <a:solidFill>
-                  <a:schemeClr val="tx1"/>
-                </a:solidFill>
-                <a:latin typeface="+mn-lt"/>
-                <a:ea typeface="+mn-ea"/>
-                <a:cs typeface="+mn-cs"/>
-              </a:defRPr>
-            </a:lvl7pPr>
-            <a:lvl8pPr marL="3429000" indent="-228600" algn="l" rtl="0" eaLnBrk="1" fontAlgn="base" hangingPunct="1">
-              <a:spcBef>
-                <a:spcPct val="20000"/>
-              </a:spcBef>
-              <a:spcAft>
-                <a:spcPct val="0"/>
-              </a:spcAft>
-              <a:buChar char="»"/>
-              <a:defRPr sz="2000">
-                <a:solidFill>
-                  <a:schemeClr val="tx1"/>
-                </a:solidFill>
-                <a:latin typeface="+mn-lt"/>
-                <a:ea typeface="+mn-ea"/>
-                <a:cs typeface="+mn-cs"/>
-              </a:defRPr>
-            </a:lvl8pPr>
-            <a:lvl9pPr marL="3886200" indent="-228600" algn="l" rtl="0" eaLnBrk="1" fontAlgn="base" hangingPunct="1">
-              <a:spcBef>
-                <a:spcPct val="20000"/>
-              </a:spcBef>
-              <a:spcAft>
-                <a:spcPct val="0"/>
-              </a:spcAft>
-              <a:buChar char="»"/>
-              <a:defRPr sz="2000">
-                <a:solidFill>
-                  <a:schemeClr val="tx1"/>
-                </a:solidFill>
-                <a:latin typeface="+mn-lt"/>
-                <a:ea typeface="+mn-ea"/>
-                <a:cs typeface="+mn-cs"/>
-              </a:defRPr>
-            </a:lvl9pPr>
-          </a:lstStyle>
-          <a:p>
-            <a:r>
-              <a:rPr lang="it-IT" sz="2200" i="1" kern="0" dirty="0" smtClean="0"/>
-              <a:t>Pro</a:t>
-            </a:r>
-            <a:r>
-              <a:rPr lang="it-IT" sz="2200" kern="0" dirty="0" smtClean="0"/>
-              <a:t>: </a:t>
-            </a:r>
-            <a:r>
-              <a:rPr lang="it-IT" sz="2200" b="1" kern="0" dirty="0" smtClean="0"/>
-              <a:t>Semplicità</a:t>
-            </a:r>
-            <a:r>
-              <a:rPr lang="it-IT" sz="2200" kern="0" dirty="0" smtClean="0"/>
-              <a:t> di realizzazione e basso </a:t>
-            </a:r>
-            <a:r>
-              <a:rPr lang="it-IT" sz="2200" b="1" kern="0" dirty="0"/>
-              <a:t>c</a:t>
-            </a:r>
-            <a:r>
-              <a:rPr lang="it-IT" sz="2200" b="1" kern="0" dirty="0" smtClean="0"/>
-              <a:t>osto</a:t>
-            </a:r>
-          </a:p>
-          <a:p>
-            <a:r>
-              <a:rPr lang="it-IT" sz="2200" i="1" kern="0" dirty="0" smtClean="0"/>
-              <a:t>Contro</a:t>
-            </a:r>
-            <a:r>
-              <a:rPr lang="it-IT" sz="2200" kern="0" dirty="0" smtClean="0"/>
-              <a:t>: </a:t>
-            </a:r>
-            <a:r>
-              <a:rPr lang="it-IT" sz="2200" b="1" kern="0" dirty="0" smtClean="0"/>
-              <a:t>Invasività </a:t>
-            </a:r>
-            <a:r>
-              <a:rPr lang="it-IT" sz="2200" kern="0" dirty="0" smtClean="0"/>
-              <a:t>della misura</a:t>
-            </a:r>
-            <a:endParaRPr lang="it-IT" sz="2200" b="1" kern="0" dirty="0"/>
-          </a:p>
-        </p:txBody>
-      </p:sp>
     </p:spTree>
     <p:extLst>
       <p:ext uri="{BB962C8B-B14F-4D97-AF65-F5344CB8AC3E}">
@@ -13490,7 +14183,7 @@
         </p:blipFill>
         <p:spPr>
           <a:xfrm>
-            <a:off x="2015397" y="3719054"/>
+            <a:off x="1786797" y="4190274"/>
             <a:ext cx="5594219" cy="1821120"/>
           </a:xfrm>
           <a:prstGeom prst="rect">
@@ -13510,7 +14203,7 @@
         </p:nvSpPr>
         <p:spPr>
           <a:xfrm>
-            <a:off x="609600" y="969559"/>
+            <a:off x="380999" y="1303806"/>
             <a:ext cx="8405814" cy="2678909"/>
           </a:xfrm>
         </p:spPr>
@@ -13572,251 +14265,6 @@
               <a:buNone/>
             </a:pPr>
             <a:endParaRPr lang="it-IT" sz="2400" b="1" dirty="0" smtClean="0"/>
-          </a:p>
-        </p:txBody>
-      </p:sp>
-      <p:sp>
-        <p:nvSpPr>
-          <p:cNvPr id="11" name="Segnaposto contenuto 2"/>
-          <p:cNvSpPr txBox="1">
-            <a:spLocks/>
-          </p:cNvSpPr>
-          <p:nvPr/>
-        </p:nvSpPr>
-        <p:spPr bwMode="auto">
-          <a:xfrm>
-            <a:off x="609600" y="5540174"/>
-            <a:ext cx="8405814" cy="952503"/>
-          </a:xfrm>
-          <a:prstGeom prst="rect">
-            <a:avLst/>
-          </a:prstGeom>
-          <a:noFill/>
-          <a:ln>
-            <a:noFill/>
-          </a:ln>
-          <a:extLst>
-            <a:ext uri="{909E8E84-426E-40DD-AFC4-6F175D3DCCD1}">
-              <a14:hiddenFill xmlns:a14="http://schemas.microsoft.com/office/drawing/2010/main">
-                <a:solidFill>
-                  <a:srgbClr val="FFFFFF"/>
-                </a:solidFill>
-              </a14:hiddenFill>
-            </a:ext>
-            <a:ext uri="{91240B29-F687-4F45-9708-019B960494DF}">
-              <a14:hiddenLine xmlns:a14="http://schemas.microsoft.com/office/drawing/2010/main" w="9525">
-                <a:solidFill>
-                  <a:srgbClr val="000000"/>
-                </a:solidFill>
-                <a:miter lim="800000"/>
-                <a:headEnd/>
-                <a:tailEnd/>
-              </a14:hiddenLine>
-            </a:ext>
-          </a:extLst>
-        </p:spPr>
-        <p:txBody>
-          <a:bodyPr vert="horz" wrap="square" lIns="91440" tIns="45720" rIns="91440" bIns="45720" numCol="1" anchor="t" anchorCtr="0" compatLnSpc="1">
-            <a:prstTxWarp prst="textNoShape">
-              <a:avLst/>
-            </a:prstTxWarp>
-          </a:bodyPr>
-          <a:lstStyle>
-            <a:lvl1pPr marL="342900" indent="-342900" algn="l" rtl="0" eaLnBrk="1" fontAlgn="base" hangingPunct="1">
-              <a:spcBef>
-                <a:spcPct val="20000"/>
-              </a:spcBef>
-              <a:spcAft>
-                <a:spcPct val="0"/>
-              </a:spcAft>
-              <a:buClr>
-                <a:srgbClr val="003366"/>
-              </a:buClr>
-              <a:buFont typeface="Times" panose="02020603050405020304" pitchFamily="18" charset="0"/>
-              <a:buChar char="•"/>
-              <a:defRPr sz="3200">
-                <a:solidFill>
-                  <a:schemeClr val="tx1"/>
-                </a:solidFill>
-                <a:latin typeface="+mn-lt"/>
-                <a:ea typeface="+mn-ea"/>
-                <a:cs typeface="+mn-cs"/>
-              </a:defRPr>
-            </a:lvl1pPr>
-            <a:lvl2pPr marL="742950" indent="-285750" algn="l" rtl="0" eaLnBrk="1" fontAlgn="base" hangingPunct="1">
-              <a:spcBef>
-                <a:spcPct val="20000"/>
-              </a:spcBef>
-              <a:spcAft>
-                <a:spcPct val="0"/>
-              </a:spcAft>
-              <a:buClr>
-                <a:srgbClr val="FF9900"/>
-              </a:buClr>
-              <a:buFont typeface="Wingdings" panose="05000000000000000000" pitchFamily="2" charset="2"/>
-              <a:buChar char="§"/>
-              <a:defRPr sz="2800">
-                <a:solidFill>
-                  <a:schemeClr val="tx1"/>
-                </a:solidFill>
-                <a:latin typeface="+mn-lt"/>
-                <a:ea typeface="+mn-ea"/>
-                <a:cs typeface="+mn-cs"/>
-              </a:defRPr>
-            </a:lvl2pPr>
-            <a:lvl3pPr marL="1143000" indent="-228600" algn="l" rtl="0" eaLnBrk="1" fontAlgn="base" hangingPunct="1">
-              <a:spcBef>
-                <a:spcPct val="20000"/>
-              </a:spcBef>
-              <a:spcAft>
-                <a:spcPct val="0"/>
-              </a:spcAft>
-              <a:buClr>
-                <a:srgbClr val="003366"/>
-              </a:buClr>
-              <a:buFont typeface="Times" panose="02020603050405020304" pitchFamily="18" charset="0"/>
-              <a:buChar char="•"/>
-              <a:defRPr sz="2400">
-                <a:solidFill>
-                  <a:schemeClr val="tx1"/>
-                </a:solidFill>
-                <a:latin typeface="+mn-lt"/>
-                <a:ea typeface="+mn-ea"/>
-                <a:cs typeface="+mn-cs"/>
-              </a:defRPr>
-            </a:lvl3pPr>
-            <a:lvl4pPr marL="1600200" indent="-228600" algn="l" rtl="0" eaLnBrk="1" fontAlgn="base" hangingPunct="1">
-              <a:spcBef>
-                <a:spcPct val="20000"/>
-              </a:spcBef>
-              <a:spcAft>
-                <a:spcPct val="0"/>
-              </a:spcAft>
-              <a:buClr>
-                <a:srgbClr val="003366"/>
-              </a:buClr>
-              <a:buChar char="–"/>
-              <a:defRPr sz="2000">
-                <a:solidFill>
-                  <a:schemeClr val="tx1"/>
-                </a:solidFill>
-                <a:latin typeface="+mn-lt"/>
-                <a:ea typeface="+mn-ea"/>
-                <a:cs typeface="+mn-cs"/>
-              </a:defRPr>
-            </a:lvl4pPr>
-            <a:lvl5pPr marL="2057400" indent="-228600" algn="l" rtl="0" eaLnBrk="1" fontAlgn="base" hangingPunct="1">
-              <a:spcBef>
-                <a:spcPct val="20000"/>
-              </a:spcBef>
-              <a:spcAft>
-                <a:spcPct val="0"/>
-              </a:spcAft>
-              <a:buChar char="»"/>
-              <a:defRPr sz="2000">
-                <a:solidFill>
-                  <a:schemeClr val="tx1"/>
-                </a:solidFill>
-                <a:latin typeface="+mn-lt"/>
-                <a:ea typeface="+mn-ea"/>
-                <a:cs typeface="+mn-cs"/>
-              </a:defRPr>
-            </a:lvl5pPr>
-            <a:lvl6pPr marL="2514600" indent="-228600" algn="l" rtl="0" eaLnBrk="1" fontAlgn="base" hangingPunct="1">
-              <a:spcBef>
-                <a:spcPct val="20000"/>
-              </a:spcBef>
-              <a:spcAft>
-                <a:spcPct val="0"/>
-              </a:spcAft>
-              <a:buChar char="»"/>
-              <a:defRPr sz="2000">
-                <a:solidFill>
-                  <a:schemeClr val="tx1"/>
-                </a:solidFill>
-                <a:latin typeface="+mn-lt"/>
-                <a:ea typeface="+mn-ea"/>
-                <a:cs typeface="+mn-cs"/>
-              </a:defRPr>
-            </a:lvl6pPr>
-            <a:lvl7pPr marL="2971800" indent="-228600" algn="l" rtl="0" eaLnBrk="1" fontAlgn="base" hangingPunct="1">
-              <a:spcBef>
-                <a:spcPct val="20000"/>
-              </a:spcBef>
-              <a:spcAft>
-                <a:spcPct val="0"/>
-              </a:spcAft>
-              <a:buChar char="»"/>
-              <a:defRPr sz="2000">
-                <a:solidFill>
-                  <a:schemeClr val="tx1"/>
-                </a:solidFill>
-                <a:latin typeface="+mn-lt"/>
-                <a:ea typeface="+mn-ea"/>
-                <a:cs typeface="+mn-cs"/>
-              </a:defRPr>
-            </a:lvl7pPr>
-            <a:lvl8pPr marL="3429000" indent="-228600" algn="l" rtl="0" eaLnBrk="1" fontAlgn="base" hangingPunct="1">
-              <a:spcBef>
-                <a:spcPct val="20000"/>
-              </a:spcBef>
-              <a:spcAft>
-                <a:spcPct val="0"/>
-              </a:spcAft>
-              <a:buChar char="»"/>
-              <a:defRPr sz="2000">
-                <a:solidFill>
-                  <a:schemeClr val="tx1"/>
-                </a:solidFill>
-                <a:latin typeface="+mn-lt"/>
-                <a:ea typeface="+mn-ea"/>
-                <a:cs typeface="+mn-cs"/>
-              </a:defRPr>
-            </a:lvl8pPr>
-            <a:lvl9pPr marL="3886200" indent="-228600" algn="l" rtl="0" eaLnBrk="1" fontAlgn="base" hangingPunct="1">
-              <a:spcBef>
-                <a:spcPct val="20000"/>
-              </a:spcBef>
-              <a:spcAft>
-                <a:spcPct val="0"/>
-              </a:spcAft>
-              <a:buChar char="»"/>
-              <a:defRPr sz="2000">
-                <a:solidFill>
-                  <a:schemeClr val="tx1"/>
-                </a:solidFill>
-                <a:latin typeface="+mn-lt"/>
-                <a:ea typeface="+mn-ea"/>
-                <a:cs typeface="+mn-cs"/>
-              </a:defRPr>
-            </a:lvl9pPr>
-          </a:lstStyle>
-          <a:p>
-            <a:r>
-              <a:rPr lang="it-IT" sz="2400" dirty="0" smtClean="0"/>
-              <a:t>Risolve i </a:t>
-            </a:r>
-            <a:r>
-              <a:rPr lang="it-IT" sz="2400" dirty="0"/>
-              <a:t>problemi dell’interferometria </a:t>
-            </a:r>
-            <a:r>
-              <a:rPr lang="it-IT" sz="2400" dirty="0" smtClean="0"/>
-              <a:t>convenzionale </a:t>
-            </a:r>
-          </a:p>
-          <a:p>
-            <a:pPr marL="0" indent="0">
-              <a:buNone/>
-            </a:pPr>
-            <a:r>
-              <a:rPr lang="it-IT" sz="2400" dirty="0" smtClean="0"/>
-              <a:t>    ⇒ non richiede un bersaglio cooperativo</a:t>
-            </a:r>
-            <a:endParaRPr lang="it-IT" sz="2400" dirty="0"/>
-          </a:p>
-          <a:p>
-            <a:endParaRPr lang="it-IT" sz="2400" b="1" kern="0" dirty="0" smtClean="0"/>
           </a:p>
         </p:txBody>
       </p:sp>
@@ -13872,10 +14320,25 @@
           <a:bodyPr/>
           <a:lstStyle/>
           <a:p>
-            <a:r>
-              <a:rPr lang="it-IT" dirty="0" smtClean="0"/>
-              <a:t>Misura della distanza</a:t>
-            </a:r>
+            <a:endParaRPr lang="it-IT"/>
+          </a:p>
+        </p:txBody>
+      </p:sp>
+      <p:sp>
+        <p:nvSpPr>
+          <p:cNvPr id="3" name="Segnaposto contenuto 2"/>
+          <p:cNvSpPr>
+            <a:spLocks noGrp="1"/>
+          </p:cNvSpPr>
+          <p:nvPr>
+            <p:ph idx="1"/>
+          </p:nvPr>
+        </p:nvSpPr>
+        <p:spPr/>
+        <p:txBody>
+          <a:bodyPr/>
+          <a:lstStyle/>
+          <a:p>
             <a:endParaRPr lang="it-IT" dirty="0"/>
           </a:p>
         </p:txBody>
@@ -13899,6 +14362,175 @@
               <a:rPr lang="en-US" altLang="nl-NL" smtClean="0"/>
               <a:pPr/>
               <a:t>5</a:t>
+            </a:fld>
+            <a:endParaRPr lang="en-US" altLang="nl-NL"/>
+          </a:p>
+        </p:txBody>
+      </p:sp>
+    </p:spTree>
+    <p:extLst>
+      <p:ext uri="{BB962C8B-B14F-4D97-AF65-F5344CB8AC3E}">
+        <p14:creationId xmlns:p14="http://schemas.microsoft.com/office/powerpoint/2010/main" val="1059961393"/>
+      </p:ext>
+    </p:extLst>
+  </p:cSld>
+  <p:clrMapOvr>
+    <a:masterClrMapping/>
+  </p:clrMapOvr>
+</p:sld>
+</file>
+
+<file path=ppt/slides/slide6.xml><?xml version="1.0" encoding="utf-8"?>
+<p:sld xmlns:a="http://schemas.openxmlformats.org/drawingml/2006/main" xmlns:r="http://schemas.openxmlformats.org/officeDocument/2006/relationships" xmlns:p="http://schemas.openxmlformats.org/presentationml/2006/main">
+  <p:cSld>
+    <p:spTree>
+      <p:nvGrpSpPr>
+        <p:cNvPr id="1" name=""/>
+        <p:cNvGrpSpPr/>
+        <p:nvPr/>
+      </p:nvGrpSpPr>
+      <p:grpSpPr>
+        <a:xfrm>
+          <a:off x="0" y="0"/>
+          <a:ext cx="0" cy="0"/>
+          <a:chOff x="0" y="0"/>
+          <a:chExt cx="0" cy="0"/>
+        </a:xfrm>
+      </p:grpSpPr>
+      <p:sp>
+        <p:nvSpPr>
+          <p:cNvPr id="2" name="Titolo 1"/>
+          <p:cNvSpPr>
+            <a:spLocks noGrp="1"/>
+          </p:cNvSpPr>
+          <p:nvPr>
+            <p:ph type="title"/>
+          </p:nvPr>
+        </p:nvSpPr>
+        <p:spPr/>
+        <p:txBody>
+          <a:bodyPr/>
+          <a:lstStyle/>
+          <a:p>
+            <a:endParaRPr lang="it-IT"/>
+          </a:p>
+        </p:txBody>
+      </p:sp>
+      <p:sp>
+        <p:nvSpPr>
+          <p:cNvPr id="3" name="Segnaposto contenuto 2"/>
+          <p:cNvSpPr>
+            <a:spLocks noGrp="1"/>
+          </p:cNvSpPr>
+          <p:nvPr>
+            <p:ph idx="1"/>
+          </p:nvPr>
+        </p:nvSpPr>
+        <p:spPr/>
+        <p:txBody>
+          <a:bodyPr/>
+          <a:lstStyle/>
+          <a:p>
+            <a:endParaRPr lang="it-IT" dirty="0"/>
+          </a:p>
+        </p:txBody>
+      </p:sp>
+      <p:sp>
+        <p:nvSpPr>
+          <p:cNvPr id="4" name="Segnaposto numero diapositiva 3"/>
+          <p:cNvSpPr>
+            <a:spLocks noGrp="1"/>
+          </p:cNvSpPr>
+          <p:nvPr>
+            <p:ph type="sldNum" sz="quarter" idx="11"/>
+          </p:nvPr>
+        </p:nvSpPr>
+        <p:spPr/>
+        <p:txBody>
+          <a:bodyPr/>
+          <a:lstStyle/>
+          <a:p>
+            <a:fld id="{C503DA3A-0C6B-48FC-931E-2C786AAFD5C1}" type="slidenum">
+              <a:rPr lang="en-US" altLang="nl-NL" smtClean="0"/>
+              <a:pPr/>
+              <a:t>6</a:t>
+            </a:fld>
+            <a:endParaRPr lang="en-US" altLang="nl-NL"/>
+          </a:p>
+        </p:txBody>
+      </p:sp>
+    </p:spTree>
+    <p:extLst>
+      <p:ext uri="{BB962C8B-B14F-4D97-AF65-F5344CB8AC3E}">
+        <p14:creationId xmlns:p14="http://schemas.microsoft.com/office/powerpoint/2010/main" val="84353895"/>
+      </p:ext>
+    </p:extLst>
+  </p:cSld>
+  <p:clrMapOvr>
+    <a:masterClrMapping/>
+  </p:clrMapOvr>
+</p:sld>
+</file>
+
+<file path=ppt/slides/slide7.xml><?xml version="1.0" encoding="utf-8"?>
+<p:sld xmlns:a="http://schemas.openxmlformats.org/drawingml/2006/main" xmlns:r="http://schemas.openxmlformats.org/officeDocument/2006/relationships" xmlns:p="http://schemas.openxmlformats.org/presentationml/2006/main">
+  <p:cSld>
+    <p:spTree>
+      <p:nvGrpSpPr>
+        <p:cNvPr id="1" name=""/>
+        <p:cNvGrpSpPr/>
+        <p:nvPr/>
+      </p:nvGrpSpPr>
+      <p:grpSpPr>
+        <a:xfrm>
+          <a:off x="0" y="0"/>
+          <a:ext cx="0" cy="0"/>
+          <a:chOff x="0" y="0"/>
+          <a:chExt cx="0" cy="0"/>
+        </a:xfrm>
+      </p:grpSpPr>
+      <p:sp>
+        <p:nvSpPr>
+          <p:cNvPr id="2" name="Titolo 1"/>
+          <p:cNvSpPr>
+            <a:spLocks noGrp="1"/>
+          </p:cNvSpPr>
+          <p:nvPr>
+            <p:ph type="title"/>
+          </p:nvPr>
+        </p:nvSpPr>
+        <p:spPr/>
+        <p:txBody>
+          <a:bodyPr/>
+          <a:lstStyle/>
+          <a:p>
+            <a:r>
+              <a:rPr lang="it-IT" dirty="0" smtClean="0"/>
+              <a:t>Misura della distanza</a:t>
+            </a:r>
+            <a:endParaRPr lang="it-IT" dirty="0"/>
+          </a:p>
+        </p:txBody>
+      </p:sp>
+      <p:sp>
+        <p:nvSpPr>
+          <p:cNvPr id="4" name="Segnaposto numero diapositiva 3"/>
+          <p:cNvSpPr>
+            <a:spLocks noGrp="1"/>
+          </p:cNvSpPr>
+          <p:nvPr>
+            <p:ph type="sldNum" sz="quarter" idx="11"/>
+          </p:nvPr>
+        </p:nvSpPr>
+        <p:spPr/>
+        <p:txBody>
+          <a:bodyPr/>
+          <a:lstStyle/>
+          <a:p>
+            <a:fld id="{C503DA3A-0C6B-48FC-931E-2C786AAFD5C1}" type="slidenum">
+              <a:rPr lang="en-US" altLang="nl-NL" smtClean="0"/>
+              <a:pPr/>
+              <a:t>7</a:t>
             </a:fld>
             <a:endParaRPr lang="en-US" altLang="nl-NL"/>
           </a:p>
@@ -14507,492 +15139,6 @@
 </p:sld>
 </file>
 
-<file path=ppt/slides/slide6.xml><?xml version="1.0" encoding="utf-8"?>
-<p:sld xmlns:a="http://schemas.openxmlformats.org/drawingml/2006/main" xmlns:r="http://schemas.openxmlformats.org/officeDocument/2006/relationships" xmlns:p="http://schemas.openxmlformats.org/presentationml/2006/main">
-  <p:cSld>
-    <p:spTree>
-      <p:nvGrpSpPr>
-        <p:cNvPr id="1" name=""/>
-        <p:cNvGrpSpPr/>
-        <p:nvPr/>
-      </p:nvGrpSpPr>
-      <p:grpSpPr>
-        <a:xfrm>
-          <a:off x="0" y="0"/>
-          <a:ext cx="0" cy="0"/>
-          <a:chOff x="0" y="0"/>
-          <a:chExt cx="0" cy="0"/>
-        </a:xfrm>
-      </p:grpSpPr>
-      <p:sp>
-        <p:nvSpPr>
-          <p:cNvPr id="2" name="Titolo 1"/>
-          <p:cNvSpPr>
-            <a:spLocks noGrp="1"/>
-          </p:cNvSpPr>
-          <p:nvPr>
-            <p:ph type="title"/>
-          </p:nvPr>
-        </p:nvSpPr>
-        <p:spPr/>
-        <p:txBody>
-          <a:bodyPr/>
-          <a:lstStyle/>
-          <a:p>
-            <a:r>
-              <a:rPr lang="it-IT" dirty="0" smtClean="0"/>
-              <a:t>Indice</a:t>
-            </a:r>
-            <a:endParaRPr lang="it-IT" dirty="0"/>
-          </a:p>
-        </p:txBody>
-      </p:sp>
-      <p:sp>
-        <p:nvSpPr>
-          <p:cNvPr id="4" name="Segnaposto numero diapositiva 3"/>
-          <p:cNvSpPr>
-            <a:spLocks noGrp="1"/>
-          </p:cNvSpPr>
-          <p:nvPr>
-            <p:ph type="sldNum" sz="quarter" idx="11"/>
-          </p:nvPr>
-        </p:nvSpPr>
-        <p:spPr/>
-        <p:txBody>
-          <a:bodyPr/>
-          <a:lstStyle/>
-          <a:p>
-            <a:fld id="{C503DA3A-0C6B-48FC-931E-2C786AAFD5C1}" type="slidenum">
-              <a:rPr lang="en-US" altLang="nl-NL" smtClean="0"/>
-              <a:pPr/>
-              <a:t>6</a:t>
-            </a:fld>
-            <a:endParaRPr lang="en-US" altLang="nl-NL"/>
-          </a:p>
-        </p:txBody>
-      </p:sp>
-      <p:sp>
-        <p:nvSpPr>
-          <p:cNvPr id="6" name="Segnaposto contenuto 2"/>
-          <p:cNvSpPr>
-            <a:spLocks noGrp="1"/>
-          </p:cNvSpPr>
-          <p:nvPr>
-            <p:ph idx="1"/>
-          </p:nvPr>
-        </p:nvSpPr>
-        <p:spPr>
-          <a:xfrm>
-            <a:off x="609600" y="891778"/>
-            <a:ext cx="7784892" cy="5531644"/>
-          </a:xfrm>
-        </p:spPr>
-        <p:txBody>
-          <a:bodyPr/>
-          <a:lstStyle/>
-          <a:p>
-            <a:r>
-              <a:rPr lang="it-IT" sz="2400" dirty="0">
-                <a:solidFill>
-                  <a:schemeClr val="bg2">
-                    <a:lumMod val="40000"/>
-                    <a:lumOff val="60000"/>
-                  </a:schemeClr>
-                </a:solidFill>
-              </a:rPr>
-              <a:t>Interferometria</a:t>
-            </a:r>
-          </a:p>
-          <a:p>
-            <a:pPr lvl="1"/>
-            <a:r>
-              <a:rPr lang="it-IT" sz="2000" dirty="0">
-                <a:solidFill>
-                  <a:schemeClr val="bg2">
-                    <a:lumMod val="40000"/>
-                    <a:lumOff val="60000"/>
-                  </a:schemeClr>
-                </a:solidFill>
-              </a:rPr>
-              <a:t>Interferometria a self-mixing</a:t>
-            </a:r>
-          </a:p>
-          <a:p>
-            <a:pPr lvl="1"/>
-            <a:r>
-              <a:rPr lang="it-IT" sz="2000" dirty="0">
-                <a:solidFill>
-                  <a:schemeClr val="bg2">
-                    <a:lumMod val="40000"/>
-                    <a:lumOff val="60000"/>
-                  </a:schemeClr>
-                </a:solidFill>
-              </a:rPr>
-              <a:t>Misura della distanza</a:t>
-            </a:r>
-          </a:p>
-          <a:p>
-            <a:r>
-              <a:rPr lang="it-IT" sz="2400" dirty="0"/>
-              <a:t>Architettura hardware</a:t>
-            </a:r>
-          </a:p>
-          <a:p>
-            <a:pPr lvl="1"/>
-            <a:r>
-              <a:rPr lang="it-IT" sz="2000" dirty="0" smtClean="0"/>
-              <a:t>Sistema analogico</a:t>
-            </a:r>
-          </a:p>
-          <a:p>
-            <a:pPr lvl="1"/>
-            <a:r>
-              <a:rPr lang="it-IT" sz="2000" dirty="0"/>
-              <a:t>Sistema di </a:t>
-            </a:r>
-            <a:r>
-              <a:rPr lang="it-IT" sz="2000" dirty="0" smtClean="0"/>
-              <a:t>conversione</a:t>
-            </a:r>
-            <a:endParaRPr lang="it-IT" sz="2000" dirty="0"/>
-          </a:p>
-          <a:p>
-            <a:pPr lvl="1"/>
-            <a:r>
-              <a:rPr lang="it-IT" sz="2000" dirty="0" smtClean="0"/>
-              <a:t>Sistema digitale</a:t>
-            </a:r>
-            <a:endParaRPr lang="it-IT" sz="2000" dirty="0"/>
-          </a:p>
-          <a:p>
-            <a:r>
-              <a:rPr lang="it-IT" sz="2400" dirty="0"/>
-              <a:t>Architettura software</a:t>
-            </a:r>
-          </a:p>
-          <a:p>
-            <a:pPr lvl="1"/>
-            <a:r>
-              <a:rPr lang="it-IT" sz="2000" dirty="0"/>
-              <a:t>Dettagli implementativi</a:t>
-            </a:r>
-          </a:p>
-          <a:p>
-            <a:pPr lvl="1"/>
-            <a:r>
-              <a:rPr lang="it-IT" sz="2000" dirty="0"/>
-              <a:t>FPGA</a:t>
-            </a:r>
-          </a:p>
-          <a:p>
-            <a:pPr lvl="1"/>
-            <a:r>
-              <a:rPr lang="it-IT" sz="2000" dirty="0"/>
-              <a:t>Microcontrollore</a:t>
-            </a:r>
-          </a:p>
-          <a:p>
-            <a:pPr lvl="1"/>
-            <a:r>
-              <a:rPr lang="it-IT" sz="2000" dirty="0"/>
-              <a:t>Ottimizzazioni</a:t>
-            </a:r>
-          </a:p>
-          <a:p>
-            <a:r>
-              <a:rPr lang="it-IT" sz="2400" dirty="0" smtClean="0"/>
-              <a:t>Risultati sperimentali</a:t>
-            </a:r>
-            <a:endParaRPr lang="it-IT" sz="2400" dirty="0"/>
-          </a:p>
-          <a:p>
-            <a:r>
-              <a:rPr lang="it-IT" sz="2400" dirty="0"/>
-              <a:t>Conclusioni e sviluppi futuri</a:t>
-            </a:r>
-          </a:p>
-        </p:txBody>
-      </p:sp>
-    </p:spTree>
-    <p:extLst>
-      <p:ext uri="{BB962C8B-B14F-4D97-AF65-F5344CB8AC3E}">
-        <p14:creationId xmlns:p14="http://schemas.microsoft.com/office/powerpoint/2010/main" val="2803583688"/>
-      </p:ext>
-    </p:extLst>
-  </p:cSld>
-  <p:clrMapOvr>
-    <a:masterClrMapping/>
-  </p:clrMapOvr>
-  <p:timing>
-    <p:tnLst>
-      <p:par>
-        <p:cTn id="1" dur="indefinite" restart="never" nodeType="tmRoot"/>
-      </p:par>
-    </p:tnLst>
-  </p:timing>
-</p:sld>
-</file>
-
-<file path=ppt/slides/slide7.xml><?xml version="1.0" encoding="utf-8"?>
-<p:sld xmlns:a="http://schemas.openxmlformats.org/drawingml/2006/main" xmlns:r="http://schemas.openxmlformats.org/officeDocument/2006/relationships" xmlns:p="http://schemas.openxmlformats.org/presentationml/2006/main">
-  <p:cSld>
-    <p:spTree>
-      <p:nvGrpSpPr>
-        <p:cNvPr id="1" name=""/>
-        <p:cNvGrpSpPr/>
-        <p:nvPr/>
-      </p:nvGrpSpPr>
-      <p:grpSpPr>
-        <a:xfrm>
-          <a:off x="0" y="0"/>
-          <a:ext cx="0" cy="0"/>
-          <a:chOff x="0" y="0"/>
-          <a:chExt cx="0" cy="0"/>
-        </a:xfrm>
-      </p:grpSpPr>
-      <p:sp>
-        <p:nvSpPr>
-          <p:cNvPr id="2" name="Titolo 1"/>
-          <p:cNvSpPr>
-            <a:spLocks noGrp="1"/>
-          </p:cNvSpPr>
-          <p:nvPr>
-            <p:ph type="title"/>
-          </p:nvPr>
-        </p:nvSpPr>
-        <p:spPr/>
-        <p:txBody>
-          <a:bodyPr/>
-          <a:lstStyle/>
-          <a:p>
-            <a:r>
-              <a:rPr lang="it-IT" dirty="0" smtClean="0"/>
-              <a:t>Architettura hardware</a:t>
-            </a:r>
-            <a:endParaRPr lang="it-IT" dirty="0"/>
-          </a:p>
-        </p:txBody>
-      </p:sp>
-      <p:sp>
-        <p:nvSpPr>
-          <p:cNvPr id="4" name="Segnaposto numero diapositiva 3"/>
-          <p:cNvSpPr>
-            <a:spLocks noGrp="1"/>
-          </p:cNvSpPr>
-          <p:nvPr>
-            <p:ph type="sldNum" sz="quarter" idx="11"/>
-          </p:nvPr>
-        </p:nvSpPr>
-        <p:spPr/>
-        <p:txBody>
-          <a:bodyPr/>
-          <a:lstStyle/>
-          <a:p>
-            <a:fld id="{C503DA3A-0C6B-48FC-931E-2C786AAFD5C1}" type="slidenum">
-              <a:rPr lang="en-US" altLang="nl-NL" smtClean="0"/>
-              <a:pPr/>
-              <a:t>7</a:t>
-            </a:fld>
-            <a:endParaRPr lang="en-US" altLang="nl-NL"/>
-          </a:p>
-        </p:txBody>
-      </p:sp>
-      <p:pic>
-        <p:nvPicPr>
-          <p:cNvPr id="5" name="Immagine 4"/>
-          <p:cNvPicPr>
-            <a:picLocks noChangeAspect="1"/>
-          </p:cNvPicPr>
-          <p:nvPr/>
-        </p:nvPicPr>
-        <p:blipFill>
-          <a:blip r:embed="rId3">
-            <a:extLst>
-              <a:ext uri="{28A0092B-C50C-407E-A947-70E740481C1C}">
-                <a14:useLocalDpi xmlns:a14="http://schemas.microsoft.com/office/drawing/2010/main" val="0"/>
-              </a:ext>
-            </a:extLst>
-          </a:blip>
-          <a:stretch>
-            <a:fillRect/>
-          </a:stretch>
-        </p:blipFill>
-        <p:spPr>
-          <a:xfrm>
-            <a:off x="1016794" y="2143595"/>
-            <a:ext cx="7162800" cy="4299442"/>
-          </a:xfrm>
-          <a:prstGeom prst="rect">
-            <a:avLst/>
-          </a:prstGeom>
-        </p:spPr>
-      </p:pic>
-      <p:sp>
-        <p:nvSpPr>
-          <p:cNvPr id="6" name="CasellaDiTesto 5"/>
-          <p:cNvSpPr txBox="1"/>
-          <p:nvPr/>
-        </p:nvSpPr>
-        <p:spPr>
-          <a:xfrm>
-            <a:off x="609600" y="1032420"/>
-            <a:ext cx="7977188" cy="1200329"/>
-          </a:xfrm>
-          <a:prstGeom prst="rect">
-            <a:avLst/>
-          </a:prstGeom>
-          <a:noFill/>
-        </p:spPr>
-        <p:txBody>
-          <a:bodyPr wrap="square" rtlCol="0">
-            <a:spAutoFit/>
-          </a:bodyPr>
-          <a:lstStyle/>
-          <a:p>
-            <a:pPr marL="342900" indent="-342900">
-              <a:buFont typeface="Arial" panose="020B0604020202020204" pitchFamily="34" charset="0"/>
-              <a:buChar char="•"/>
-            </a:pPr>
-            <a:r>
-              <a:rPr lang="it-IT" dirty="0"/>
-              <a:t>Lo strumento è composto da </a:t>
-            </a:r>
-            <a:r>
-              <a:rPr lang="it-IT" dirty="0" smtClean="0"/>
-              <a:t>un </a:t>
-            </a:r>
-            <a:r>
-              <a:rPr lang="it-IT" b="1" dirty="0"/>
-              <a:t>sistema analogico</a:t>
-            </a:r>
-            <a:r>
-              <a:rPr lang="it-IT" dirty="0"/>
-              <a:t>, </a:t>
-            </a:r>
-            <a:r>
-              <a:rPr lang="it-IT" b="1" dirty="0"/>
-              <a:t>un’interfaccia</a:t>
-            </a:r>
-            <a:r>
-              <a:rPr lang="it-IT" dirty="0"/>
-              <a:t> </a:t>
-            </a:r>
-            <a:r>
-              <a:rPr lang="it-IT" b="1" dirty="0"/>
-              <a:t>di conversione</a:t>
-            </a:r>
-            <a:r>
-              <a:rPr lang="it-IT" dirty="0"/>
-              <a:t> e un </a:t>
-            </a:r>
-            <a:r>
-              <a:rPr lang="it-IT" b="1" dirty="0"/>
-              <a:t>sistema digitale </a:t>
-            </a:r>
-            <a:endParaRPr lang="it-IT" dirty="0"/>
-          </a:p>
-        </p:txBody>
-      </p:sp>
-      <p:sp>
-        <p:nvSpPr>
-          <p:cNvPr id="3" name="Rettangolo 2"/>
-          <p:cNvSpPr/>
-          <p:nvPr/>
-        </p:nvSpPr>
-        <p:spPr>
-          <a:xfrm>
-            <a:off x="1420176" y="2457642"/>
-            <a:ext cx="4572000" cy="1121664"/>
-          </a:xfrm>
-          <a:prstGeom prst="rect">
-            <a:avLst/>
-          </a:prstGeom>
-          <a:noFill/>
-          <a:ln/>
-        </p:spPr>
-        <p:style>
-          <a:lnRef idx="2">
-            <a:schemeClr val="accent4"/>
-          </a:lnRef>
-          <a:fillRef idx="1">
-            <a:schemeClr val="lt1"/>
-          </a:fillRef>
-          <a:effectRef idx="0">
-            <a:schemeClr val="accent4"/>
-          </a:effectRef>
-          <a:fontRef idx="minor">
-            <a:schemeClr val="dk1"/>
-          </a:fontRef>
-        </p:style>
-        <p:txBody>
-          <a:bodyPr rtlCol="0" anchor="ctr"/>
-          <a:lstStyle/>
-          <a:p>
-            <a:pPr algn="ctr"/>
-            <a:endParaRPr lang="it-IT"/>
-          </a:p>
-        </p:txBody>
-      </p:sp>
-      <p:sp>
-        <p:nvSpPr>
-          <p:cNvPr id="9" name="Rettangolo 8"/>
-          <p:cNvSpPr/>
-          <p:nvPr/>
-        </p:nvSpPr>
-        <p:spPr>
-          <a:xfrm>
-            <a:off x="3786189" y="4772025"/>
-            <a:ext cx="3586162" cy="1357314"/>
-          </a:xfrm>
-          <a:prstGeom prst="rect">
-            <a:avLst/>
-          </a:prstGeom>
-          <a:noFill/>
-          <a:ln/>
-        </p:spPr>
-        <p:style>
-          <a:lnRef idx="2">
-            <a:schemeClr val="accent4"/>
-          </a:lnRef>
-          <a:fillRef idx="1">
-            <a:schemeClr val="lt1"/>
-          </a:fillRef>
-          <a:effectRef idx="0">
-            <a:schemeClr val="accent4"/>
-          </a:effectRef>
-          <a:fontRef idx="minor">
-            <a:schemeClr val="dk1"/>
-          </a:fontRef>
-        </p:style>
-        <p:txBody>
-          <a:bodyPr rtlCol="0" anchor="ctr"/>
-          <a:lstStyle/>
-          <a:p>
-            <a:pPr algn="ctr"/>
-            <a:endParaRPr lang="it-IT"/>
-          </a:p>
-        </p:txBody>
-      </p:sp>
-    </p:spTree>
-    <p:extLst>
-      <p:ext uri="{BB962C8B-B14F-4D97-AF65-F5344CB8AC3E}">
-        <p14:creationId xmlns:p14="http://schemas.microsoft.com/office/powerpoint/2010/main" val="161935272"/>
-      </p:ext>
-    </p:extLst>
-  </p:cSld>
-  <p:clrMapOvr>
-    <a:masterClrMapping/>
-  </p:clrMapOvr>
-  <p:timing>
-    <p:tnLst>
-      <p:par>
-        <p:cTn id="1" dur="indefinite" restart="never" nodeType="tmRoot"/>
-      </p:par>
-    </p:tnLst>
-  </p:timing>
-</p:sld>
-</file>
-
 <file path=ppt/slides/slide8.xml><?xml version="1.0" encoding="utf-8"?>
 <p:sld xmlns:a="http://schemas.openxmlformats.org/drawingml/2006/main" xmlns:r="http://schemas.openxmlformats.org/officeDocument/2006/relationships" xmlns:p="http://schemas.openxmlformats.org/presentationml/2006/main">
   <p:cSld>
@@ -15027,133 +15173,8 @@
           <a:p>
             <a:r>
               <a:rPr lang="it-IT" dirty="0" smtClean="0"/>
-              <a:t>Sistema analogico</a:t>
-            </a:r>
-            <a:endParaRPr lang="it-IT" dirty="0"/>
-          </a:p>
-        </p:txBody>
-      </p:sp>
-      <p:sp>
-        <p:nvSpPr>
-          <p:cNvPr id="3" name="Segnaposto contenuto 2"/>
-          <p:cNvSpPr>
-            <a:spLocks noGrp="1"/>
-          </p:cNvSpPr>
-          <p:nvPr>
-            <p:ph idx="1"/>
-          </p:nvPr>
-        </p:nvSpPr>
-        <p:spPr>
-          <a:xfrm>
-            <a:off x="609600" y="1028700"/>
-            <a:ext cx="7686675" cy="5410200"/>
-          </a:xfrm>
-        </p:spPr>
-        <p:txBody>
-          <a:bodyPr/>
-          <a:lstStyle/>
-          <a:p>
-            <a:r>
-              <a:rPr lang="it-IT" sz="2400" dirty="0"/>
-              <a:t>Il sistema analogico </a:t>
-            </a:r>
-            <a:r>
-              <a:rPr lang="it-IT" sz="2400" dirty="0" smtClean="0"/>
-              <a:t>è costituito </a:t>
-            </a:r>
-            <a:r>
-              <a:rPr lang="it-IT" sz="2400" dirty="0"/>
-              <a:t>da una </a:t>
-            </a:r>
-            <a:r>
-              <a:rPr lang="it-IT" sz="2400" b="1" dirty="0"/>
-              <a:t>sezione ottica </a:t>
-            </a:r>
-            <a:r>
-              <a:rPr lang="it-IT" sz="2400" dirty="0"/>
-              <a:t>e una </a:t>
-            </a:r>
-            <a:r>
-              <a:rPr lang="it-IT" sz="2400" b="1" dirty="0"/>
-              <a:t>sezione </a:t>
-            </a:r>
-            <a:r>
-              <a:rPr lang="it-IT" sz="2400" b="1" dirty="0" smtClean="0"/>
-              <a:t>analogica</a:t>
-            </a:r>
-          </a:p>
-          <a:p>
-            <a:endParaRPr lang="it-IT" sz="2400" dirty="0"/>
-          </a:p>
-          <a:p>
-            <a:endParaRPr lang="it-IT" sz="2400" dirty="0" smtClean="0"/>
-          </a:p>
-          <a:p>
-            <a:endParaRPr lang="it-IT" sz="2400" dirty="0"/>
-          </a:p>
-          <a:p>
-            <a:endParaRPr lang="it-IT" sz="2400" dirty="0" smtClean="0"/>
-          </a:p>
-          <a:p>
-            <a:endParaRPr lang="it-IT" sz="2400" dirty="0"/>
-          </a:p>
-          <a:p>
-            <a:endParaRPr lang="it-IT" sz="2400" dirty="0" smtClean="0"/>
-          </a:p>
-          <a:p>
-            <a:r>
-              <a:rPr lang="it-IT" sz="2400" dirty="0" smtClean="0"/>
-              <a:t>La </a:t>
-            </a:r>
-            <a:r>
-              <a:rPr lang="it-IT" sz="2400" b="1" dirty="0"/>
-              <a:t>sezione ottica</a:t>
-            </a:r>
-            <a:r>
-              <a:rPr lang="it-IT" sz="2400" dirty="0"/>
-              <a:t> </a:t>
-            </a:r>
-            <a:r>
-              <a:rPr lang="it-IT" sz="2400" dirty="0" smtClean="0"/>
-              <a:t>comprende il package </a:t>
-            </a:r>
-            <a:r>
-              <a:rPr lang="it-IT" sz="2400" dirty="0"/>
-              <a:t>della sorgente </a:t>
-            </a:r>
-            <a:r>
-              <a:rPr lang="it-IT" sz="2400" dirty="0" smtClean="0"/>
-              <a:t>laser</a:t>
-            </a:r>
-          </a:p>
-          <a:p>
-            <a:r>
-              <a:rPr lang="it-IT" sz="2400" dirty="0" smtClean="0"/>
-              <a:t>La </a:t>
-            </a:r>
-            <a:r>
-              <a:rPr lang="it-IT" sz="2400" b="1" dirty="0"/>
-              <a:t>sezione analogica </a:t>
-            </a:r>
-            <a:r>
-              <a:rPr lang="it-IT" sz="2400" dirty="0"/>
-              <a:t>comprende </a:t>
-            </a:r>
-            <a:r>
-              <a:rPr lang="it-IT" sz="2400" dirty="0" smtClean="0"/>
-              <a:t>gli </a:t>
-            </a:r>
-            <a:r>
-              <a:rPr lang="it-IT" sz="2400" dirty="0"/>
-              <a:t>stadi di condizionamento e amplificazione del segnale </a:t>
-            </a:r>
-            <a:r>
-              <a:rPr lang="it-IT" sz="2400" dirty="0" smtClean="0"/>
-              <a:t>interferometrico </a:t>
-            </a:r>
-            <a:endParaRPr lang="it-IT" sz="2400" dirty="0"/>
-          </a:p>
-          <a:p>
+              <a:t>Indice</a:t>
+            </a:r>
             <a:endParaRPr lang="it-IT" dirty="0"/>
           </a:p>
         </p:txBody>
@@ -15182,70 +15203,152 @@
           </a:p>
         </p:txBody>
       </p:sp>
-      <p:pic>
-        <p:nvPicPr>
-          <p:cNvPr id="7" name="Immagine 6"/>
-          <p:cNvPicPr>
-            <a:picLocks noChangeAspect="1"/>
-          </p:cNvPicPr>
-          <p:nvPr/>
-        </p:nvPicPr>
-        <p:blipFill>
-          <a:blip r:embed="rId2">
-            <a:extLst>
-              <a:ext uri="{28A0092B-C50C-407E-A947-70E740481C1C}">
-                <a14:useLocalDpi xmlns:a14="http://schemas.microsoft.com/office/drawing/2010/main" val="0"/>
-              </a:ext>
-            </a:extLst>
-          </a:blip>
-          <a:stretch>
-            <a:fillRect/>
-          </a:stretch>
-        </p:blipFill>
+      <p:sp>
+        <p:nvSpPr>
+          <p:cNvPr id="6" name="Segnaposto contenuto 2"/>
+          <p:cNvSpPr>
+            <a:spLocks noGrp="1"/>
+          </p:cNvSpPr>
+          <p:nvPr>
+            <p:ph idx="1"/>
+          </p:nvPr>
+        </p:nvSpPr>
         <p:spPr>
           <a:xfrm>
-            <a:off x="609600" y="2423974"/>
-            <a:ext cx="3945826" cy="1430482"/>
+            <a:off x="609600" y="891778"/>
+            <a:ext cx="7784892" cy="5531644"/>
           </a:xfrm>
-          <a:prstGeom prst="rect">
-            <a:avLst/>
-          </a:prstGeom>
         </p:spPr>
-      </p:pic>
-      <p:pic>
-        <p:nvPicPr>
-          <p:cNvPr id="8" name="Immagine 7"/>
-          <p:cNvPicPr>
-            <a:picLocks noChangeAspect="1"/>
-          </p:cNvPicPr>
-          <p:nvPr/>
-        </p:nvPicPr>
-        <p:blipFill>
-          <a:blip r:embed="rId3">
-            <a:extLst>
-              <a:ext uri="{28A0092B-C50C-407E-A947-70E740481C1C}">
-                <a14:useLocalDpi xmlns:a14="http://schemas.microsoft.com/office/drawing/2010/main" val="0"/>
-              </a:ext>
-            </a:extLst>
-          </a:blip>
-          <a:stretch>
-            <a:fillRect/>
-          </a:stretch>
-        </p:blipFill>
-        <p:spPr>
-          <a:xfrm>
-            <a:off x="4494890" y="1969776"/>
-            <a:ext cx="3801385" cy="2219839"/>
-          </a:xfrm>
-          <a:prstGeom prst="rect">
-            <a:avLst/>
-          </a:prstGeom>
-        </p:spPr>
-      </p:pic>
+        <p:txBody>
+          <a:bodyPr/>
+          <a:lstStyle/>
+          <a:p>
+            <a:r>
+              <a:rPr lang="it-IT" sz="2400" dirty="0">
+                <a:solidFill>
+                  <a:schemeClr val="bg2">
+                    <a:lumMod val="40000"/>
+                    <a:lumOff val="60000"/>
+                  </a:schemeClr>
+                </a:solidFill>
+              </a:rPr>
+              <a:t>Interferometria</a:t>
+            </a:r>
+          </a:p>
+          <a:p>
+            <a:pPr lvl="1"/>
+            <a:r>
+              <a:rPr lang="it-IT" sz="2000" dirty="0">
+                <a:solidFill>
+                  <a:schemeClr val="bg2">
+                    <a:lumMod val="40000"/>
+                    <a:lumOff val="60000"/>
+                  </a:schemeClr>
+                </a:solidFill>
+              </a:rPr>
+              <a:t>Interferometria a self-mixing</a:t>
+            </a:r>
+          </a:p>
+          <a:p>
+            <a:pPr lvl="1"/>
+            <a:r>
+              <a:rPr lang="it-IT" sz="2000" dirty="0">
+                <a:solidFill>
+                  <a:schemeClr val="bg2">
+                    <a:lumMod val="40000"/>
+                    <a:lumOff val="60000"/>
+                  </a:schemeClr>
+                </a:solidFill>
+              </a:rPr>
+              <a:t>Misura della distanza</a:t>
+            </a:r>
+          </a:p>
+          <a:p>
+            <a:r>
+              <a:rPr lang="it-IT" sz="2400" dirty="0"/>
+              <a:t>Architettura hardware</a:t>
+            </a:r>
+          </a:p>
+          <a:p>
+            <a:pPr lvl="1"/>
+            <a:r>
+              <a:rPr lang="it-IT" sz="2000" dirty="0" smtClean="0"/>
+              <a:t>Sistema analogico</a:t>
+            </a:r>
+          </a:p>
+          <a:p>
+            <a:pPr lvl="1"/>
+            <a:r>
+              <a:rPr lang="it-IT" sz="2000" dirty="0"/>
+              <a:t>Sistema di </a:t>
+            </a:r>
+            <a:r>
+              <a:rPr lang="it-IT" sz="2000" dirty="0" smtClean="0"/>
+              <a:t>conversione</a:t>
+            </a:r>
+            <a:endParaRPr lang="it-IT" sz="2000" dirty="0"/>
+          </a:p>
+          <a:p>
+            <a:pPr lvl="1"/>
+            <a:r>
+              <a:rPr lang="it-IT" sz="2000" dirty="0" smtClean="0"/>
+              <a:t>Sistema digitale</a:t>
+            </a:r>
+            <a:endParaRPr lang="it-IT" sz="2000" dirty="0"/>
+          </a:p>
+          <a:p>
+            <a:r>
+              <a:rPr lang="it-IT" sz="2400" dirty="0"/>
+              <a:t>Architettura software</a:t>
+            </a:r>
+          </a:p>
+          <a:p>
+            <a:pPr lvl="1"/>
+            <a:r>
+              <a:rPr lang="it-IT" sz="2000" dirty="0"/>
+              <a:t>Dettagli implementativi</a:t>
+            </a:r>
+          </a:p>
+          <a:p>
+            <a:pPr lvl="1"/>
+            <a:r>
+              <a:rPr lang="it-IT" sz="2000" dirty="0"/>
+              <a:t>FPGA</a:t>
+            </a:r>
+          </a:p>
+          <a:p>
+            <a:pPr lvl="1"/>
+            <a:r>
+              <a:rPr lang="it-IT" sz="2000" dirty="0"/>
+              <a:t>Microcontrollore</a:t>
+            </a:r>
+          </a:p>
+          <a:p>
+            <a:pPr lvl="1"/>
+            <a:r>
+              <a:rPr lang="it-IT" sz="2000" dirty="0"/>
+              <a:t>Ottimizzazioni</a:t>
+            </a:r>
+          </a:p>
+          <a:p>
+            <a:r>
+              <a:rPr lang="it-IT" sz="2400" dirty="0" smtClean="0"/>
+              <a:t>Risultati sperimentali</a:t>
+            </a:r>
+            <a:endParaRPr lang="it-IT" sz="2400" dirty="0"/>
+          </a:p>
+          <a:p>
+            <a:r>
+              <a:rPr lang="it-IT" sz="2400" dirty="0"/>
+              <a:t>Conclusioni e sviluppi futuri</a:t>
+            </a:r>
+          </a:p>
+        </p:txBody>
+      </p:sp>
     </p:spTree>
     <p:extLst>
       <p:ext uri="{BB962C8B-B14F-4D97-AF65-F5344CB8AC3E}">
-        <p14:creationId xmlns:p14="http://schemas.microsoft.com/office/powerpoint/2010/main" val="1662984036"/>
+        <p14:creationId xmlns:p14="http://schemas.microsoft.com/office/powerpoint/2010/main" val="2803583688"/>
       </p:ext>
     </p:extLst>
   </p:cSld>
@@ -15296,60 +15399,9 @@
           <a:p>
             <a:r>
               <a:rPr lang="it-IT" dirty="0" smtClean="0"/>
-              <a:t>Sistema di conversione</a:t>
+              <a:t>Architettura hardware</a:t>
             </a:r>
             <a:endParaRPr lang="it-IT" dirty="0"/>
-          </a:p>
-        </p:txBody>
-      </p:sp>
-      <p:sp>
-        <p:nvSpPr>
-          <p:cNvPr id="3" name="Segnaposto contenuto 2"/>
-          <p:cNvSpPr>
-            <a:spLocks noGrp="1"/>
-          </p:cNvSpPr>
-          <p:nvPr>
-            <p:ph idx="1"/>
-          </p:nvPr>
-        </p:nvSpPr>
-        <p:spPr>
-          <a:xfrm>
-            <a:off x="609600" y="1066800"/>
-            <a:ext cx="7772400" cy="1219200"/>
-          </a:xfrm>
-        </p:spPr>
-        <p:txBody>
-          <a:bodyPr/>
-          <a:lstStyle/>
-          <a:p>
-            <a:r>
-              <a:rPr lang="it-IT" sz="2400" dirty="0"/>
-              <a:t>I due sistemi sono </a:t>
-            </a:r>
-            <a:r>
-              <a:rPr lang="it-IT" sz="2400" b="1" dirty="0"/>
-              <a:t>interfacciati </a:t>
-            </a:r>
-            <a:r>
-              <a:rPr lang="it-IT" sz="2400" dirty="0"/>
-              <a:t>da una scheda di conversione, equipaggiata con un </a:t>
-            </a:r>
-            <a:r>
-              <a:rPr lang="it-IT" sz="2400" b="1" dirty="0"/>
-              <a:t>DAC </a:t>
-            </a:r>
-            <a:r>
-              <a:rPr lang="it-IT" sz="2400" dirty="0"/>
-              <a:t>ed un </a:t>
-            </a:r>
-            <a:r>
-              <a:rPr lang="it-IT" sz="2400" b="1" dirty="0"/>
-              <a:t>ADC </a:t>
-            </a:r>
-            <a:r>
-              <a:rPr lang="it-IT" sz="2400" dirty="0"/>
-              <a:t>comandati dal sistema digitale</a:t>
-            </a:r>
           </a:p>
         </p:txBody>
       </p:sp>
@@ -15377,268 +15429,16 @@
           </a:p>
         </p:txBody>
       </p:sp>
-      <p:sp>
-        <p:nvSpPr>
-          <p:cNvPr id="5" name="Segnaposto contenuto 2"/>
-          <p:cNvSpPr txBox="1">
-            <a:spLocks/>
-          </p:cNvSpPr>
-          <p:nvPr/>
-        </p:nvSpPr>
-        <p:spPr bwMode="auto">
-          <a:xfrm>
-            <a:off x="609600" y="5510212"/>
-            <a:ext cx="7772400" cy="1014413"/>
-          </a:xfrm>
-          <a:prstGeom prst="rect">
-            <a:avLst/>
-          </a:prstGeom>
-          <a:noFill/>
-          <a:ln>
-            <a:noFill/>
-          </a:ln>
-          <a:extLst>
-            <a:ext uri="{909E8E84-426E-40DD-AFC4-6F175D3DCCD1}">
-              <a14:hiddenFill xmlns:a14="http://schemas.microsoft.com/office/drawing/2010/main">
-                <a:solidFill>
-                  <a:srgbClr val="FFFFFF"/>
-                </a:solidFill>
-              </a14:hiddenFill>
-            </a:ext>
-            <a:ext uri="{91240B29-F687-4F45-9708-019B960494DF}">
-              <a14:hiddenLine xmlns:a14="http://schemas.microsoft.com/office/drawing/2010/main" w="9525">
-                <a:solidFill>
-                  <a:srgbClr val="000000"/>
-                </a:solidFill>
-                <a:miter lim="800000"/>
-                <a:headEnd/>
-                <a:tailEnd/>
-              </a14:hiddenLine>
-            </a:ext>
-          </a:extLst>
-        </p:spPr>
-        <p:txBody>
-          <a:bodyPr vert="horz" wrap="square" lIns="91440" tIns="45720" rIns="91440" bIns="45720" numCol="1" anchor="t" anchorCtr="0" compatLnSpc="1">
-            <a:prstTxWarp prst="textNoShape">
-              <a:avLst/>
-            </a:prstTxWarp>
-          </a:bodyPr>
-          <a:lstStyle>
-            <a:lvl1pPr marL="342900" indent="-342900" algn="l" rtl="0" eaLnBrk="1" fontAlgn="base" hangingPunct="1">
-              <a:spcBef>
-                <a:spcPct val="20000"/>
-              </a:spcBef>
-              <a:spcAft>
-                <a:spcPct val="0"/>
-              </a:spcAft>
-              <a:buClr>
-                <a:srgbClr val="003366"/>
-              </a:buClr>
-              <a:buFont typeface="Times" panose="02020603050405020304" pitchFamily="18" charset="0"/>
-              <a:buChar char="•"/>
-              <a:defRPr sz="3200">
-                <a:solidFill>
-                  <a:schemeClr val="tx1"/>
-                </a:solidFill>
-                <a:latin typeface="+mn-lt"/>
-                <a:ea typeface="+mn-ea"/>
-                <a:cs typeface="+mn-cs"/>
-              </a:defRPr>
-            </a:lvl1pPr>
-            <a:lvl2pPr marL="742950" indent="-285750" algn="l" rtl="0" eaLnBrk="1" fontAlgn="base" hangingPunct="1">
-              <a:spcBef>
-                <a:spcPct val="20000"/>
-              </a:spcBef>
-              <a:spcAft>
-                <a:spcPct val="0"/>
-              </a:spcAft>
-              <a:buClr>
-                <a:srgbClr val="FF9900"/>
-              </a:buClr>
-              <a:buFont typeface="Wingdings" panose="05000000000000000000" pitchFamily="2" charset="2"/>
-              <a:buChar char="§"/>
-              <a:defRPr sz="2800">
-                <a:solidFill>
-                  <a:schemeClr val="tx1"/>
-                </a:solidFill>
-                <a:latin typeface="+mn-lt"/>
-                <a:ea typeface="+mn-ea"/>
-                <a:cs typeface="+mn-cs"/>
-              </a:defRPr>
-            </a:lvl2pPr>
-            <a:lvl3pPr marL="1143000" indent="-228600" algn="l" rtl="0" eaLnBrk="1" fontAlgn="base" hangingPunct="1">
-              <a:spcBef>
-                <a:spcPct val="20000"/>
-              </a:spcBef>
-              <a:spcAft>
-                <a:spcPct val="0"/>
-              </a:spcAft>
-              <a:buClr>
-                <a:srgbClr val="003366"/>
-              </a:buClr>
-              <a:buFont typeface="Times" panose="02020603050405020304" pitchFamily="18" charset="0"/>
-              <a:buChar char="•"/>
-              <a:defRPr sz="2400">
-                <a:solidFill>
-                  <a:schemeClr val="tx1"/>
-                </a:solidFill>
-                <a:latin typeface="+mn-lt"/>
-                <a:ea typeface="+mn-ea"/>
-                <a:cs typeface="+mn-cs"/>
-              </a:defRPr>
-            </a:lvl3pPr>
-            <a:lvl4pPr marL="1600200" indent="-228600" algn="l" rtl="0" eaLnBrk="1" fontAlgn="base" hangingPunct="1">
-              <a:spcBef>
-                <a:spcPct val="20000"/>
-              </a:spcBef>
-              <a:spcAft>
-                <a:spcPct val="0"/>
-              </a:spcAft>
-              <a:buClr>
-                <a:srgbClr val="003366"/>
-              </a:buClr>
-              <a:buChar char="–"/>
-              <a:defRPr sz="2000">
-                <a:solidFill>
-                  <a:schemeClr val="tx1"/>
-                </a:solidFill>
-                <a:latin typeface="+mn-lt"/>
-                <a:ea typeface="+mn-ea"/>
-                <a:cs typeface="+mn-cs"/>
-              </a:defRPr>
-            </a:lvl4pPr>
-            <a:lvl5pPr marL="2057400" indent="-228600" algn="l" rtl="0" eaLnBrk="1" fontAlgn="base" hangingPunct="1">
-              <a:spcBef>
-                <a:spcPct val="20000"/>
-              </a:spcBef>
-              <a:spcAft>
-                <a:spcPct val="0"/>
-              </a:spcAft>
-              <a:buChar char="»"/>
-              <a:defRPr sz="2000">
-                <a:solidFill>
-                  <a:schemeClr val="tx1"/>
-                </a:solidFill>
-                <a:latin typeface="+mn-lt"/>
-                <a:ea typeface="+mn-ea"/>
-                <a:cs typeface="+mn-cs"/>
-              </a:defRPr>
-            </a:lvl5pPr>
-            <a:lvl6pPr marL="2514600" indent="-228600" algn="l" rtl="0" eaLnBrk="1" fontAlgn="base" hangingPunct="1">
-              <a:spcBef>
-                <a:spcPct val="20000"/>
-              </a:spcBef>
-              <a:spcAft>
-                <a:spcPct val="0"/>
-              </a:spcAft>
-              <a:buChar char="»"/>
-              <a:defRPr sz="2000">
-                <a:solidFill>
-                  <a:schemeClr val="tx1"/>
-                </a:solidFill>
-                <a:latin typeface="+mn-lt"/>
-                <a:ea typeface="+mn-ea"/>
-                <a:cs typeface="+mn-cs"/>
-              </a:defRPr>
-            </a:lvl6pPr>
-            <a:lvl7pPr marL="2971800" indent="-228600" algn="l" rtl="0" eaLnBrk="1" fontAlgn="base" hangingPunct="1">
-              <a:spcBef>
-                <a:spcPct val="20000"/>
-              </a:spcBef>
-              <a:spcAft>
-                <a:spcPct val="0"/>
-              </a:spcAft>
-              <a:buChar char="»"/>
-              <a:defRPr sz="2000">
-                <a:solidFill>
-                  <a:schemeClr val="tx1"/>
-                </a:solidFill>
-                <a:latin typeface="+mn-lt"/>
-                <a:ea typeface="+mn-ea"/>
-                <a:cs typeface="+mn-cs"/>
-              </a:defRPr>
-            </a:lvl7pPr>
-            <a:lvl8pPr marL="3429000" indent="-228600" algn="l" rtl="0" eaLnBrk="1" fontAlgn="base" hangingPunct="1">
-              <a:spcBef>
-                <a:spcPct val="20000"/>
-              </a:spcBef>
-              <a:spcAft>
-                <a:spcPct val="0"/>
-              </a:spcAft>
-              <a:buChar char="»"/>
-              <a:defRPr sz="2000">
-                <a:solidFill>
-                  <a:schemeClr val="tx1"/>
-                </a:solidFill>
-                <a:latin typeface="+mn-lt"/>
-                <a:ea typeface="+mn-ea"/>
-                <a:cs typeface="+mn-cs"/>
-              </a:defRPr>
-            </a:lvl8pPr>
-            <a:lvl9pPr marL="3886200" indent="-228600" algn="l" rtl="0" eaLnBrk="1" fontAlgn="base" hangingPunct="1">
-              <a:spcBef>
-                <a:spcPct val="20000"/>
-              </a:spcBef>
-              <a:spcAft>
-                <a:spcPct val="0"/>
-              </a:spcAft>
-              <a:buChar char="»"/>
-              <a:defRPr sz="2000">
-                <a:solidFill>
-                  <a:schemeClr val="tx1"/>
-                </a:solidFill>
-                <a:latin typeface="+mn-lt"/>
-                <a:ea typeface="+mn-ea"/>
-                <a:cs typeface="+mn-cs"/>
-              </a:defRPr>
-            </a:lvl9pPr>
-          </a:lstStyle>
-          <a:p>
-            <a:r>
-              <a:rPr lang="it-IT" sz="2400" kern="0" dirty="0" smtClean="0"/>
-              <a:t>Frequenza di campionamento </a:t>
-            </a:r>
-            <a:r>
-              <a:rPr lang="it-IT" sz="2400" kern="0" dirty="0" err="1" smtClean="0"/>
-              <a:t>max</a:t>
-            </a:r>
-            <a:r>
-              <a:rPr lang="it-IT" sz="2400" kern="0" dirty="0" smtClean="0"/>
-              <a:t>: </a:t>
-            </a:r>
-            <a:r>
-              <a:rPr lang="it-IT" sz="2400" b="1" kern="0" dirty="0" smtClean="0"/>
-              <a:t>50MSa/</a:t>
-            </a:r>
-            <a:r>
-              <a:rPr lang="it-IT" sz="2400" b="1" kern="0" dirty="0" err="1" smtClean="0"/>
-              <a:t>s</a:t>
-            </a:r>
-            <a:endParaRPr lang="it-IT" sz="2400" b="1" kern="0" dirty="0" smtClean="0"/>
-          </a:p>
-          <a:p>
-            <a:r>
-              <a:rPr lang="it-IT" sz="2400" kern="0" dirty="0" smtClean="0"/>
-              <a:t>Risoluzione: </a:t>
-            </a:r>
-            <a:r>
-              <a:rPr lang="it-IT" sz="2400" b="1" kern="0" dirty="0" smtClean="0"/>
-              <a:t>12 bit</a:t>
-            </a:r>
-            <a:endParaRPr lang="it-IT" sz="2400" b="1" kern="0" dirty="0"/>
-          </a:p>
-        </p:txBody>
-      </p:sp>
       <p:pic>
         <p:nvPicPr>
-          <p:cNvPr id="6" name="Immagine 5"/>
+          <p:cNvPr id="5" name="Immagine 4"/>
           <p:cNvPicPr>
             <a:picLocks noChangeAspect="1"/>
           </p:cNvPicPr>
           <p:nvPr/>
         </p:nvPicPr>
         <p:blipFill>
-          <a:blip r:embed="rId2">
+          <a:blip r:embed="rId3">
             <a:extLst>
               <a:ext uri="{28A0092B-C50C-407E-A947-70E740481C1C}">
                 <a14:useLocalDpi xmlns:a14="http://schemas.microsoft.com/office/drawing/2010/main" val="0"/>
@@ -15651,18 +15451,164 @@
         </p:blipFill>
         <p:spPr>
           <a:xfrm>
-            <a:off x="2512753" y="2324766"/>
-            <a:ext cx="3966094" cy="2972631"/>
+            <a:off x="1016794" y="2143595"/>
+            <a:ext cx="7162800" cy="4299442"/>
           </a:xfrm>
           <a:prstGeom prst="rect">
             <a:avLst/>
           </a:prstGeom>
         </p:spPr>
       </p:pic>
+      <p:sp>
+        <p:nvSpPr>
+          <p:cNvPr id="6" name="CasellaDiTesto 5"/>
+          <p:cNvSpPr txBox="1"/>
+          <p:nvPr/>
+        </p:nvSpPr>
+        <p:spPr>
+          <a:xfrm>
+            <a:off x="609600" y="1032420"/>
+            <a:ext cx="7977188" cy="1200329"/>
+          </a:xfrm>
+          <a:prstGeom prst="rect">
+            <a:avLst/>
+          </a:prstGeom>
+          <a:noFill/>
+        </p:spPr>
+        <p:txBody>
+          <a:bodyPr wrap="square" rtlCol="0">
+            <a:spAutoFit/>
+          </a:bodyPr>
+          <a:lstStyle/>
+          <a:p>
+            <a:pPr marL="342900" indent="-342900">
+              <a:buFont typeface="Arial" panose="020B0604020202020204" pitchFamily="34" charset="0"/>
+              <a:buChar char="•"/>
+            </a:pPr>
+            <a:r>
+              <a:rPr lang="it-IT" dirty="0"/>
+              <a:t>Lo strumento è composto da </a:t>
+            </a:r>
+            <a:r>
+              <a:rPr lang="it-IT" dirty="0" smtClean="0"/>
+              <a:t>un </a:t>
+            </a:r>
+            <a:r>
+              <a:rPr lang="it-IT" b="1" dirty="0"/>
+              <a:t>sistema analogico</a:t>
+            </a:r>
+            <a:r>
+              <a:rPr lang="it-IT" dirty="0"/>
+              <a:t>, </a:t>
+            </a:r>
+            <a:r>
+              <a:rPr lang="it-IT" b="1" dirty="0"/>
+              <a:t>un’interfaccia</a:t>
+            </a:r>
+            <a:r>
+              <a:rPr lang="it-IT" dirty="0"/>
+              <a:t> </a:t>
+            </a:r>
+            <a:r>
+              <a:rPr lang="it-IT" b="1" dirty="0"/>
+              <a:t>di conversione</a:t>
+            </a:r>
+            <a:r>
+              <a:rPr lang="it-IT" dirty="0"/>
+              <a:t> e un </a:t>
+            </a:r>
+            <a:r>
+              <a:rPr lang="it-IT" b="1" dirty="0"/>
+              <a:t>sistema digitale </a:t>
+            </a:r>
+            <a:endParaRPr lang="it-IT" dirty="0"/>
+          </a:p>
+        </p:txBody>
+      </p:sp>
+      <p:sp>
+        <p:nvSpPr>
+          <p:cNvPr id="3" name="Rettangolo 2"/>
+          <p:cNvSpPr/>
+          <p:nvPr/>
+        </p:nvSpPr>
+        <p:spPr>
+          <a:xfrm>
+            <a:off x="1420176" y="2457642"/>
+            <a:ext cx="4572000" cy="1121664"/>
+          </a:xfrm>
+          <a:prstGeom prst="rect">
+            <a:avLst/>
+          </a:prstGeom>
+          <a:noFill/>
+          <a:ln/>
+        </p:spPr>
+        <p:style>
+          <a:lnRef idx="2">
+            <a:schemeClr val="accent4"/>
+          </a:lnRef>
+          <a:fillRef idx="1">
+            <a:schemeClr val="lt1"/>
+          </a:fillRef>
+          <a:effectRef idx="0">
+            <a:schemeClr val="accent4"/>
+          </a:effectRef>
+          <a:fontRef idx="minor">
+            <a:schemeClr val="dk1"/>
+          </a:fontRef>
+        </p:style>
+        <p:txBody>
+          <a:bodyPr rtlCol="0" anchor="ctr"/>
+          <a:lstStyle/>
+          <a:p>
+            <a:pPr algn="ctr"/>
+            <a:endParaRPr lang="it-IT"/>
+          </a:p>
+        </p:txBody>
+      </p:sp>
+      <p:sp>
+        <p:nvSpPr>
+          <p:cNvPr id="9" name="Rettangolo 8"/>
+          <p:cNvSpPr/>
+          <p:nvPr/>
+        </p:nvSpPr>
+        <p:spPr>
+          <a:xfrm>
+            <a:off x="3786189" y="4772025"/>
+            <a:ext cx="3586162" cy="1357314"/>
+          </a:xfrm>
+          <a:prstGeom prst="rect">
+            <a:avLst/>
+          </a:prstGeom>
+          <a:noFill/>
+          <a:ln/>
+        </p:spPr>
+        <p:style>
+          <a:lnRef idx="2">
+            <a:schemeClr val="accent4"/>
+          </a:lnRef>
+          <a:fillRef idx="1">
+            <a:schemeClr val="lt1"/>
+          </a:fillRef>
+          <a:effectRef idx="0">
+            <a:schemeClr val="accent4"/>
+          </a:effectRef>
+          <a:fontRef idx="minor">
+            <a:schemeClr val="dk1"/>
+          </a:fontRef>
+        </p:style>
+        <p:txBody>
+          <a:bodyPr rtlCol="0" anchor="ctr"/>
+          <a:lstStyle/>
+          <a:p>
+            <a:pPr algn="ctr"/>
+            <a:endParaRPr lang="it-IT"/>
+          </a:p>
+        </p:txBody>
+      </p:sp>
     </p:spTree>
     <p:extLst>
       <p:ext uri="{BB962C8B-B14F-4D97-AF65-F5344CB8AC3E}">
-        <p14:creationId xmlns:p14="http://schemas.microsoft.com/office/powerpoint/2010/main" val="2372177897"/>
+        <p14:creationId xmlns:p14="http://schemas.microsoft.com/office/powerpoint/2010/main" val="161935272"/>
       </p:ext>
     </p:extLst>
   </p:cSld>

--- a/presentazione_discussione.pptx
+++ b/presentazione_discussione.pptx
@@ -5,10 +5,10 @@
     <p:sldMasterId id="2147483652" r:id="rId4"/>
   </p:sldMasterIdLst>
   <p:notesMasterIdLst>
-    <p:notesMasterId r:id="rId32"/>
+    <p:notesMasterId r:id="rId35"/>
   </p:notesMasterIdLst>
   <p:handoutMasterIdLst>
-    <p:handoutMasterId r:id="rId33"/>
+    <p:handoutMasterId r:id="rId36"/>
   </p:handoutMasterIdLst>
   <p:sldIdLst>
     <p:sldId id="277" r:id="rId5"/>
@@ -26,23 +26,26 @@
     <p:sldId id="308" r:id="rId17"/>
     <p:sldId id="289" r:id="rId18"/>
     <p:sldId id="305" r:id="rId19"/>
-    <p:sldId id="290" r:id="rId20"/>
-    <p:sldId id="291" r:id="rId21"/>
-    <p:sldId id="306" r:id="rId22"/>
-    <p:sldId id="312" r:id="rId23"/>
-    <p:sldId id="309" r:id="rId24"/>
-    <p:sldId id="294" r:id="rId25"/>
-    <p:sldId id="295" r:id="rId26"/>
-    <p:sldId id="303" r:id="rId27"/>
-    <p:sldId id="304" r:id="rId28"/>
-    <p:sldId id="297" r:id="rId29"/>
-    <p:sldId id="296" r:id="rId30"/>
-    <p:sldId id="300" r:id="rId31"/>
+    <p:sldId id="314" r:id="rId20"/>
+    <p:sldId id="315" r:id="rId21"/>
+    <p:sldId id="316" r:id="rId22"/>
+    <p:sldId id="317" r:id="rId23"/>
+    <p:sldId id="291" r:id="rId24"/>
+    <p:sldId id="306" r:id="rId25"/>
+    <p:sldId id="312" r:id="rId26"/>
+    <p:sldId id="309" r:id="rId27"/>
+    <p:sldId id="294" r:id="rId28"/>
+    <p:sldId id="295" r:id="rId29"/>
+    <p:sldId id="303" r:id="rId30"/>
+    <p:sldId id="304" r:id="rId31"/>
+    <p:sldId id="297" r:id="rId32"/>
+    <p:sldId id="296" r:id="rId33"/>
+    <p:sldId id="300" r:id="rId34"/>
   </p:sldIdLst>
   <p:sldSz cx="9144000" cy="6858000" type="screen4x3"/>
   <p:notesSz cx="7099300" cy="10234613"/>
   <p:custDataLst>
-    <p:tags r:id="rId34"/>
+    <p:tags r:id="rId37"/>
   </p:custDataLst>
   <p:defaultTextStyle>
     <a:defPPr>
@@ -207,45 +210,12 @@
 
 <file path=ppt/comments/comment1.xml><?xml version="1.0" encoding="utf-8"?>
 <p:cmLst xmlns:a="http://schemas.openxmlformats.org/drawingml/2006/main" xmlns:r="http://schemas.openxmlformats.org/officeDocument/2006/relationships" xmlns:p="http://schemas.openxmlformats.org/presentationml/2006/main">
-  <p:cm authorId="1" dt="2015-12-16T09:49:52.996" idx="3">
-    <p:pos x="10" y="10"/>
-    <p:text>misura lo spostamento</p:text>
+  <p:cm authorId="1" dt="2015-12-16T10:21:42.129" idx="9">
+    <p:pos x="5760" y="1134"/>
+    <p:text>mettere immagini/animazione</p:text>
     <p:extLst>
       <p:ext uri="{C676402C-5697-4E1C-873F-D02D1690AC5C}">
         <p15:threadingInfo xmlns:p15="http://schemas.microsoft.com/office/powerpoint/2012/main" timeZoneBias="-60"/>
-      </p:ext>
-    </p:extLst>
-  </p:cm>
-  <p:cm authorId="1" dt="2015-12-16T09:51:19.012" idx="4">
-    <p:pos x="10" y="146"/>
-    <p:text>e non la distanza,</p:text>
-    <p:extLst>
-      <p:ext uri="{C676402C-5697-4E1C-873F-D02D1690AC5C}">
-        <p15:threadingInfo xmlns:p15="http://schemas.microsoft.com/office/powerpoint/2012/main" timeZoneBias="-60">
-          <p15:parentCm authorId="1" idx="3"/>
-        </p15:threadingInfo>
-      </p:ext>
-    </p:extLst>
-  </p:cm>
-  <p:cm authorId="1" dt="2015-12-16T09:51:46.214" idx="5">
-    <p:pos x="10" y="282"/>
-    <p:text>architettura complessa</p:text>
-    <p:extLst>
-      <p:ext uri="{C676402C-5697-4E1C-873F-D02D1690AC5C}">
-        <p15:threadingInfo xmlns:p15="http://schemas.microsoft.com/office/powerpoint/2012/main" timeZoneBias="-60">
-          <p15:parentCm authorId="1" idx="3"/>
-        </p15:threadingInfo>
-      </p:ext>
-    </p:extLst>
-  </p:cm>
-  <p:cm authorId="1" dt="2015-12-16T09:52:10.237" idx="6">
-    <p:pos x="10" y="418"/>
-    <p:text>complesso allineamento ottico</p:text>
-    <p:extLst>
-      <p:ext uri="{C676402C-5697-4E1C-873F-D02D1690AC5C}">
-        <p15:threadingInfo xmlns:p15="http://schemas.microsoft.com/office/powerpoint/2012/main" timeZoneBias="-60">
-          <p15:parentCm authorId="1" idx="3"/>
-        </p15:threadingInfo>
       </p:ext>
     </p:extLst>
   </p:cm>
@@ -254,23 +224,12 @@
 
 <file path=ppt/comments/comment2.xml><?xml version="1.0" encoding="utf-8"?>
 <p:cmLst xmlns:a="http://schemas.openxmlformats.org/drawingml/2006/main" xmlns:r="http://schemas.openxmlformats.org/officeDocument/2006/relationships" xmlns:p="http://schemas.openxmlformats.org/presentationml/2006/main">
-  <p:cm authorId="1" dt="2015-12-16T09:52:22.747" idx="7">
-    <p:pos x="10" y="10"/>
-    <p:text>sistemare immagine</p:text>
+  <p:cm authorId="1" dt="2015-12-16T10:21:42.129" idx="9">
+    <p:pos x="5760" y="1134"/>
+    <p:text>mettere immagini/animazione</p:text>
     <p:extLst>
       <p:ext uri="{C676402C-5697-4E1C-873F-D02D1690AC5C}">
         <p15:threadingInfo xmlns:p15="http://schemas.microsoft.com/office/powerpoint/2012/main" timeZoneBias="-60"/>
-      </p:ext>
-    </p:extLst>
-  </p:cm>
-  <p:cm authorId="1" dt="2015-12-16T09:56:33.558" idx="8">
-    <p:pos x="10" y="146"/>
-    <p:text>il pro è che ci sono molti meno elementi</p:text>
-    <p:extLst>
-      <p:ext uri="{C676402C-5697-4E1C-873F-D02D1690AC5C}">
-        <p15:threadingInfo xmlns:p15="http://schemas.microsoft.com/office/powerpoint/2012/main" timeZoneBias="-60">
-          <p15:parentCm authorId="1" idx="7"/>
-        </p15:threadingInfo>
       </p:ext>
     </p:extLst>
   </p:cm>
@@ -293,9 +252,9 @@
 
 <file path=ppt/comments/comment4.xml><?xml version="1.0" encoding="utf-8"?>
 <p:cmLst xmlns:a="http://schemas.openxmlformats.org/drawingml/2006/main" xmlns:r="http://schemas.openxmlformats.org/officeDocument/2006/relationships" xmlns:p="http://schemas.openxmlformats.org/presentationml/2006/main">
-  <p:cm authorId="1" dt="2015-12-16T10:23:32.980" idx="10">
-    <p:pos x="3111" y="1518"/>
-    <p:text>aggiungere formule sull'interpolazione</p:text>
+  <p:cm authorId="1" dt="2015-12-16T10:21:42.129" idx="9">
+    <p:pos x="5760" y="1134"/>
+    <p:text>mettere immagini/animazione</p:text>
     <p:extLst>
       <p:ext uri="{C676402C-5697-4E1C-873F-D02D1690AC5C}">
         <p15:threadingInfo xmlns:p15="http://schemas.microsoft.com/office/powerpoint/2012/main" timeZoneBias="-60"/>
@@ -306,20 +265,6 @@
 </file>
 
 <file path=ppt/comments/comment5.xml><?xml version="1.0" encoding="utf-8"?>
-<p:cmLst xmlns:a="http://schemas.openxmlformats.org/drawingml/2006/main" xmlns:r="http://schemas.openxmlformats.org/officeDocument/2006/relationships" xmlns:p="http://schemas.openxmlformats.org/presentationml/2006/main">
-  <p:cm authorId="1" dt="2015-12-16T10:28:42.165" idx="11">
-    <p:pos x="10" y="10"/>
-    <p:text>suddivere in due slide</p:text>
-    <p:extLst>
-      <p:ext uri="{C676402C-5697-4E1C-873F-D02D1690AC5C}">
-        <p15:threadingInfo xmlns:p15="http://schemas.microsoft.com/office/powerpoint/2012/main" timeZoneBias="-60"/>
-      </p:ext>
-    </p:extLst>
-  </p:cm>
-</p:cmLst>
-</file>
-
-<file path=ppt/comments/comment6.xml><?xml version="1.0" encoding="utf-8"?>
 <p:cmLst xmlns:a="http://schemas.openxmlformats.org/drawingml/2006/main" xmlns:r="http://schemas.openxmlformats.org/officeDocument/2006/relationships" xmlns:p="http://schemas.openxmlformats.org/presentationml/2006/main">
   <p:cm authorId="1" dt="2015-12-16T10:35:26.815" idx="15">
     <p:pos x="4896" y="1755"/>
@@ -333,7 +278,7 @@
 </p:cmLst>
 </file>
 
-<file path=ppt/comments/comment7.xml><?xml version="1.0" encoding="utf-8"?>
+<file path=ppt/comments/comment6.xml><?xml version="1.0" encoding="utf-8"?>
 <p:cmLst xmlns:a="http://schemas.openxmlformats.org/drawingml/2006/main" xmlns:r="http://schemas.openxmlformats.org/officeDocument/2006/relationships" xmlns:p="http://schemas.openxmlformats.org/presentationml/2006/main">
   <p:cm authorId="1" dt="2015-12-16T10:33:04.661" idx="12">
     <p:pos x="5615" y="2713"/>
@@ -347,7 +292,7 @@
 </p:cmLst>
 </file>
 
-<file path=ppt/comments/comment8.xml><?xml version="1.0" encoding="utf-8"?>
+<file path=ppt/comments/comment7.xml><?xml version="1.0" encoding="utf-8"?>
 <p:cmLst xmlns:a="http://schemas.openxmlformats.org/drawingml/2006/main" xmlns:r="http://schemas.openxmlformats.org/officeDocument/2006/relationships" xmlns:p="http://schemas.openxmlformats.org/presentationml/2006/main">
   <p:cm authorId="1" dt="2015-12-16T10:33:21.314" idx="13">
     <p:pos x="5760" y="2641"/>
@@ -361,7 +306,7 @@
 </p:cmLst>
 </file>
 
-<file path=ppt/comments/comment9.xml><?xml version="1.0" encoding="utf-8"?>
+<file path=ppt/comments/comment8.xml><?xml version="1.0" encoding="utf-8"?>
 <p:cmLst xmlns:a="http://schemas.openxmlformats.org/drawingml/2006/main" xmlns:r="http://schemas.openxmlformats.org/officeDocument/2006/relationships" xmlns:p="http://schemas.openxmlformats.org/presentationml/2006/main">
   <p:cm authorId="1" dt="2015-12-16T10:34:08.054" idx="14">
     <p:pos x="5656" y="611"/>
@@ -1781,6 +1726,468 @@
 </p:notes>
 </file>
 
+<file path=ppt/notesSlides/notesSlide10.xml><?xml version="1.0" encoding="utf-8"?>
+<p:notes xmlns:a="http://schemas.openxmlformats.org/drawingml/2006/main" xmlns:r="http://schemas.openxmlformats.org/officeDocument/2006/relationships" xmlns:p="http://schemas.openxmlformats.org/presentationml/2006/main">
+  <p:cSld>
+    <p:spTree>
+      <p:nvGrpSpPr>
+        <p:cNvPr id="1" name=""/>
+        <p:cNvGrpSpPr/>
+        <p:nvPr/>
+      </p:nvGrpSpPr>
+      <p:grpSpPr>
+        <a:xfrm>
+          <a:off x="0" y="0"/>
+          <a:ext cx="0" cy="0"/>
+          <a:chOff x="0" y="0"/>
+          <a:chExt cx="0" cy="0"/>
+        </a:xfrm>
+      </p:grpSpPr>
+      <p:sp>
+        <p:nvSpPr>
+          <p:cNvPr id="2" name="Segnaposto immagine diapositiva 1"/>
+          <p:cNvSpPr>
+            <a:spLocks noGrp="1" noRot="1" noChangeAspect="1"/>
+          </p:cNvSpPr>
+          <p:nvPr>
+            <p:ph type="sldImg"/>
+          </p:nvPr>
+        </p:nvSpPr>
+        <p:spPr/>
+      </p:sp>
+      <p:sp>
+        <p:nvSpPr>
+          <p:cNvPr id="3" name="Segnaposto note 2"/>
+          <p:cNvSpPr>
+            <a:spLocks noGrp="1"/>
+          </p:cNvSpPr>
+          <p:nvPr>
+            <p:ph type="body" idx="1"/>
+          </p:nvPr>
+        </p:nvSpPr>
+        <p:spPr/>
+        <p:txBody>
+          <a:bodyPr/>
+          <a:lstStyle/>
+          <a:p>
+            <a:endParaRPr lang="it-IT" dirty="0"/>
+          </a:p>
+        </p:txBody>
+      </p:sp>
+      <p:sp>
+        <p:nvSpPr>
+          <p:cNvPr id="4" name="Segnaposto intestazione 3"/>
+          <p:cNvSpPr>
+            <a:spLocks noGrp="1"/>
+          </p:cNvSpPr>
+          <p:nvPr>
+            <p:ph type="hdr" sz="quarter" idx="10"/>
+          </p:nvPr>
+        </p:nvSpPr>
+        <p:spPr/>
+        <p:txBody>
+          <a:bodyPr/>
+          <a:lstStyle/>
+          <a:p>
+            <a:r>
+              <a:rPr lang="en-US" altLang="nl-NL" smtClean="0"/>
+              <a:t>Process synchronization</a:t>
+            </a:r>
+            <a:endParaRPr lang="en-US" altLang="nl-NL"/>
+          </a:p>
+        </p:txBody>
+      </p:sp>
+      <p:sp>
+        <p:nvSpPr>
+          <p:cNvPr id="5" name="Segnaposto data 4"/>
+          <p:cNvSpPr>
+            <a:spLocks noGrp="1"/>
+          </p:cNvSpPr>
+          <p:nvPr>
+            <p:ph type="dt" idx="11"/>
+          </p:nvPr>
+        </p:nvSpPr>
+        <p:spPr/>
+        <p:txBody>
+          <a:bodyPr/>
+          <a:lstStyle/>
+          <a:p>
+            <a:r>
+              <a:rPr lang="en-US" altLang="nl-NL" smtClean="0"/>
+              <a:t>Operating System</a:t>
+            </a:r>
+            <a:endParaRPr lang="en-US" altLang="nl-NL"/>
+          </a:p>
+        </p:txBody>
+      </p:sp>
+      <p:sp>
+        <p:nvSpPr>
+          <p:cNvPr id="6" name="Segnaposto piè di pagina 5"/>
+          <p:cNvSpPr>
+            <a:spLocks noGrp="1"/>
+          </p:cNvSpPr>
+          <p:nvPr>
+            <p:ph type="ftr" sz="quarter" idx="12"/>
+          </p:nvPr>
+        </p:nvSpPr>
+        <p:spPr/>
+        <p:txBody>
+          <a:bodyPr/>
+          <a:lstStyle/>
+          <a:p>
+            <a:r>
+              <a:rPr lang="en-US" altLang="nl-NL" smtClean="0"/>
+              <a:t>© 2005 William Fornaciari</a:t>
+            </a:r>
+            <a:endParaRPr lang="en-US" altLang="nl-NL"/>
+          </a:p>
+        </p:txBody>
+      </p:sp>
+      <p:sp>
+        <p:nvSpPr>
+          <p:cNvPr id="7" name="Segnaposto numero diapositiva 6"/>
+          <p:cNvSpPr>
+            <a:spLocks noGrp="1"/>
+          </p:cNvSpPr>
+          <p:nvPr>
+            <p:ph type="sldNum" sz="quarter" idx="13"/>
+          </p:nvPr>
+        </p:nvSpPr>
+        <p:spPr/>
+        <p:txBody>
+          <a:bodyPr/>
+          <a:lstStyle/>
+          <a:p>
+            <a:fld id="{88C0D9CF-78A8-4FBE-960E-41C6F5A4AF95}" type="slidenum">
+              <a:rPr lang="en-US" altLang="nl-NL" smtClean="0"/>
+              <a:pPr/>
+              <a:t>23</a:t>
+            </a:fld>
+            <a:endParaRPr lang="en-US" altLang="nl-NL"/>
+          </a:p>
+        </p:txBody>
+      </p:sp>
+    </p:spTree>
+    <p:extLst>
+      <p:ext uri="{BB962C8B-B14F-4D97-AF65-F5344CB8AC3E}">
+        <p14:creationId xmlns:p14="http://schemas.microsoft.com/office/powerpoint/2010/main" val="3617987220"/>
+      </p:ext>
+    </p:extLst>
+  </p:cSld>
+  <p:clrMapOvr>
+    <a:masterClrMapping/>
+  </p:clrMapOvr>
+</p:notes>
+</file>
+
+<file path=ppt/notesSlides/notesSlide11.xml><?xml version="1.0" encoding="utf-8"?>
+<p:notes xmlns:a="http://schemas.openxmlformats.org/drawingml/2006/main" xmlns:r="http://schemas.openxmlformats.org/officeDocument/2006/relationships" xmlns:p="http://schemas.openxmlformats.org/presentationml/2006/main">
+  <p:cSld>
+    <p:spTree>
+      <p:nvGrpSpPr>
+        <p:cNvPr id="1" name=""/>
+        <p:cNvGrpSpPr/>
+        <p:nvPr/>
+      </p:nvGrpSpPr>
+      <p:grpSpPr>
+        <a:xfrm>
+          <a:off x="0" y="0"/>
+          <a:ext cx="0" cy="0"/>
+          <a:chOff x="0" y="0"/>
+          <a:chExt cx="0" cy="0"/>
+        </a:xfrm>
+      </p:grpSpPr>
+      <p:sp>
+        <p:nvSpPr>
+          <p:cNvPr id="2" name="Segnaposto immagine diapositiva 1"/>
+          <p:cNvSpPr>
+            <a:spLocks noGrp="1" noRot="1" noChangeAspect="1"/>
+          </p:cNvSpPr>
+          <p:nvPr>
+            <p:ph type="sldImg"/>
+          </p:nvPr>
+        </p:nvSpPr>
+        <p:spPr/>
+      </p:sp>
+      <p:sp>
+        <p:nvSpPr>
+          <p:cNvPr id="3" name="Segnaposto note 2"/>
+          <p:cNvSpPr>
+            <a:spLocks noGrp="1"/>
+          </p:cNvSpPr>
+          <p:nvPr>
+            <p:ph type="body" idx="1"/>
+          </p:nvPr>
+        </p:nvSpPr>
+        <p:spPr/>
+        <p:txBody>
+          <a:bodyPr/>
+          <a:lstStyle/>
+          <a:p>
+            <a:endParaRPr lang="it-IT" dirty="0"/>
+          </a:p>
+        </p:txBody>
+      </p:sp>
+      <p:sp>
+        <p:nvSpPr>
+          <p:cNvPr id="4" name="Segnaposto intestazione 3"/>
+          <p:cNvSpPr>
+            <a:spLocks noGrp="1"/>
+          </p:cNvSpPr>
+          <p:nvPr>
+            <p:ph type="hdr" sz="quarter" idx="10"/>
+          </p:nvPr>
+        </p:nvSpPr>
+        <p:spPr/>
+        <p:txBody>
+          <a:bodyPr/>
+          <a:lstStyle/>
+          <a:p>
+            <a:r>
+              <a:rPr lang="en-US" altLang="nl-NL" smtClean="0"/>
+              <a:t>Process synchronization</a:t>
+            </a:r>
+            <a:endParaRPr lang="en-US" altLang="nl-NL"/>
+          </a:p>
+        </p:txBody>
+      </p:sp>
+      <p:sp>
+        <p:nvSpPr>
+          <p:cNvPr id="5" name="Segnaposto data 4"/>
+          <p:cNvSpPr>
+            <a:spLocks noGrp="1"/>
+          </p:cNvSpPr>
+          <p:nvPr>
+            <p:ph type="dt" idx="11"/>
+          </p:nvPr>
+        </p:nvSpPr>
+        <p:spPr/>
+        <p:txBody>
+          <a:bodyPr/>
+          <a:lstStyle/>
+          <a:p>
+            <a:r>
+              <a:rPr lang="en-US" altLang="nl-NL" smtClean="0"/>
+              <a:t>Operating System</a:t>
+            </a:r>
+            <a:endParaRPr lang="en-US" altLang="nl-NL"/>
+          </a:p>
+        </p:txBody>
+      </p:sp>
+      <p:sp>
+        <p:nvSpPr>
+          <p:cNvPr id="6" name="Segnaposto piè di pagina 5"/>
+          <p:cNvSpPr>
+            <a:spLocks noGrp="1"/>
+          </p:cNvSpPr>
+          <p:nvPr>
+            <p:ph type="ftr" sz="quarter" idx="12"/>
+          </p:nvPr>
+        </p:nvSpPr>
+        <p:spPr/>
+        <p:txBody>
+          <a:bodyPr/>
+          <a:lstStyle/>
+          <a:p>
+            <a:r>
+              <a:rPr lang="en-US" altLang="nl-NL" smtClean="0"/>
+              <a:t>© 2005 William Fornaciari</a:t>
+            </a:r>
+            <a:endParaRPr lang="en-US" altLang="nl-NL"/>
+          </a:p>
+        </p:txBody>
+      </p:sp>
+      <p:sp>
+        <p:nvSpPr>
+          <p:cNvPr id="7" name="Segnaposto numero diapositiva 6"/>
+          <p:cNvSpPr>
+            <a:spLocks noGrp="1"/>
+          </p:cNvSpPr>
+          <p:nvPr>
+            <p:ph type="sldNum" sz="quarter" idx="13"/>
+          </p:nvPr>
+        </p:nvSpPr>
+        <p:spPr/>
+        <p:txBody>
+          <a:bodyPr/>
+          <a:lstStyle/>
+          <a:p>
+            <a:fld id="{88C0D9CF-78A8-4FBE-960E-41C6F5A4AF95}" type="slidenum">
+              <a:rPr lang="en-US" altLang="nl-NL" smtClean="0"/>
+              <a:pPr/>
+              <a:t>25</a:t>
+            </a:fld>
+            <a:endParaRPr lang="en-US" altLang="nl-NL"/>
+          </a:p>
+        </p:txBody>
+      </p:sp>
+    </p:spTree>
+    <p:extLst>
+      <p:ext uri="{BB962C8B-B14F-4D97-AF65-F5344CB8AC3E}">
+        <p14:creationId xmlns:p14="http://schemas.microsoft.com/office/powerpoint/2010/main" val="767066249"/>
+      </p:ext>
+    </p:extLst>
+  </p:cSld>
+  <p:clrMapOvr>
+    <a:masterClrMapping/>
+  </p:clrMapOvr>
+</p:notes>
+</file>
+
+<file path=ppt/notesSlides/notesSlide12.xml><?xml version="1.0" encoding="utf-8"?>
+<p:notes xmlns:a="http://schemas.openxmlformats.org/drawingml/2006/main" xmlns:r="http://schemas.openxmlformats.org/officeDocument/2006/relationships" xmlns:p="http://schemas.openxmlformats.org/presentationml/2006/main">
+  <p:cSld>
+    <p:spTree>
+      <p:nvGrpSpPr>
+        <p:cNvPr id="1" name=""/>
+        <p:cNvGrpSpPr/>
+        <p:nvPr/>
+      </p:nvGrpSpPr>
+      <p:grpSpPr>
+        <a:xfrm>
+          <a:off x="0" y="0"/>
+          <a:ext cx="0" cy="0"/>
+          <a:chOff x="0" y="0"/>
+          <a:chExt cx="0" cy="0"/>
+        </a:xfrm>
+      </p:grpSpPr>
+      <p:sp>
+        <p:nvSpPr>
+          <p:cNvPr id="2" name="Segnaposto immagine diapositiva 1"/>
+          <p:cNvSpPr>
+            <a:spLocks noGrp="1" noRot="1" noChangeAspect="1"/>
+          </p:cNvSpPr>
+          <p:nvPr>
+            <p:ph type="sldImg"/>
+          </p:nvPr>
+        </p:nvSpPr>
+        <p:spPr/>
+      </p:sp>
+      <p:sp>
+        <p:nvSpPr>
+          <p:cNvPr id="3" name="Segnaposto note 2"/>
+          <p:cNvSpPr>
+            <a:spLocks noGrp="1"/>
+          </p:cNvSpPr>
+          <p:nvPr>
+            <p:ph type="body" idx="1"/>
+          </p:nvPr>
+        </p:nvSpPr>
+        <p:spPr/>
+        <p:txBody>
+          <a:bodyPr/>
+          <a:lstStyle/>
+          <a:p>
+            <a:endParaRPr lang="it-IT" dirty="0"/>
+          </a:p>
+        </p:txBody>
+      </p:sp>
+      <p:sp>
+        <p:nvSpPr>
+          <p:cNvPr id="4" name="Segnaposto intestazione 3"/>
+          <p:cNvSpPr>
+            <a:spLocks noGrp="1"/>
+          </p:cNvSpPr>
+          <p:nvPr>
+            <p:ph type="hdr" sz="quarter" idx="10"/>
+          </p:nvPr>
+        </p:nvSpPr>
+        <p:spPr/>
+        <p:txBody>
+          <a:bodyPr/>
+          <a:lstStyle/>
+          <a:p>
+            <a:r>
+              <a:rPr lang="en-US" altLang="nl-NL" smtClean="0"/>
+              <a:t>Process synchronization</a:t>
+            </a:r>
+            <a:endParaRPr lang="en-US" altLang="nl-NL"/>
+          </a:p>
+        </p:txBody>
+      </p:sp>
+      <p:sp>
+        <p:nvSpPr>
+          <p:cNvPr id="5" name="Segnaposto data 4"/>
+          <p:cNvSpPr>
+            <a:spLocks noGrp="1"/>
+          </p:cNvSpPr>
+          <p:nvPr>
+            <p:ph type="dt" idx="11"/>
+          </p:nvPr>
+        </p:nvSpPr>
+        <p:spPr/>
+        <p:txBody>
+          <a:bodyPr/>
+          <a:lstStyle/>
+          <a:p>
+            <a:r>
+              <a:rPr lang="en-US" altLang="nl-NL" smtClean="0"/>
+              <a:t>Operating System</a:t>
+            </a:r>
+            <a:endParaRPr lang="en-US" altLang="nl-NL"/>
+          </a:p>
+        </p:txBody>
+      </p:sp>
+      <p:sp>
+        <p:nvSpPr>
+          <p:cNvPr id="6" name="Segnaposto piè di pagina 5"/>
+          <p:cNvSpPr>
+            <a:spLocks noGrp="1"/>
+          </p:cNvSpPr>
+          <p:nvPr>
+            <p:ph type="ftr" sz="quarter" idx="12"/>
+          </p:nvPr>
+        </p:nvSpPr>
+        <p:spPr/>
+        <p:txBody>
+          <a:bodyPr/>
+          <a:lstStyle/>
+          <a:p>
+            <a:r>
+              <a:rPr lang="en-US" altLang="nl-NL" smtClean="0"/>
+              <a:t>© 2005 William Fornaciari</a:t>
+            </a:r>
+            <a:endParaRPr lang="en-US" altLang="nl-NL"/>
+          </a:p>
+        </p:txBody>
+      </p:sp>
+      <p:sp>
+        <p:nvSpPr>
+          <p:cNvPr id="7" name="Segnaposto numero diapositiva 6"/>
+          <p:cNvSpPr>
+            <a:spLocks noGrp="1"/>
+          </p:cNvSpPr>
+          <p:nvPr>
+            <p:ph type="sldNum" sz="quarter" idx="13"/>
+          </p:nvPr>
+        </p:nvSpPr>
+        <p:spPr/>
+        <p:txBody>
+          <a:bodyPr/>
+          <a:lstStyle/>
+          <a:p>
+            <a:fld id="{88C0D9CF-78A8-4FBE-960E-41C6F5A4AF95}" type="slidenum">
+              <a:rPr lang="en-US" altLang="nl-NL" smtClean="0"/>
+              <a:pPr/>
+              <a:t>27</a:t>
+            </a:fld>
+            <a:endParaRPr lang="en-US" altLang="nl-NL"/>
+          </a:p>
+        </p:txBody>
+      </p:sp>
+    </p:spTree>
+    <p:extLst>
+      <p:ext uri="{BB962C8B-B14F-4D97-AF65-F5344CB8AC3E}">
+        <p14:creationId xmlns:p14="http://schemas.microsoft.com/office/powerpoint/2010/main" val="1645933681"/>
+      </p:ext>
+    </p:extLst>
+  </p:cSld>
+  <p:clrMapOvr>
+    <a:masterClrMapping/>
+  </p:clrMapOvr>
+</p:notes>
+</file>
+
 <file path=ppt/notesSlides/notesSlide2.xml><?xml version="1.0" encoding="utf-8"?>
 <p:notes xmlns:a="http://schemas.openxmlformats.org/drawingml/2006/main" xmlns:r="http://schemas.openxmlformats.org/officeDocument/2006/relationships" xmlns:p="http://schemas.openxmlformats.org/presentationml/2006/main">
   <p:cSld>
@@ -2541,7 +2948,7 @@
     </p:spTree>
     <p:extLst>
       <p:ext uri="{BB962C8B-B14F-4D97-AF65-F5344CB8AC3E}">
-        <p14:creationId xmlns:p14="http://schemas.microsoft.com/office/powerpoint/2010/main" val="2032454154"/>
+        <p14:creationId xmlns:p14="http://schemas.microsoft.com/office/powerpoint/2010/main" val="94307398"/>
       </p:ext>
     </p:extLst>
   </p:cSld>
@@ -2686,7 +3093,7 @@
             <a:fld id="{88C0D9CF-78A8-4FBE-960E-41C6F5A4AF95}" type="slidenum">
               <a:rPr lang="en-US" altLang="nl-NL" smtClean="0"/>
               <a:pPr/>
-              <a:t>20</a:t>
+              <a:t>17</a:t>
             </a:fld>
             <a:endParaRPr lang="en-US" altLang="nl-NL"/>
           </a:p>
@@ -2695,7 +3102,7 @@
     </p:spTree>
     <p:extLst>
       <p:ext uri="{BB962C8B-B14F-4D97-AF65-F5344CB8AC3E}">
-        <p14:creationId xmlns:p14="http://schemas.microsoft.com/office/powerpoint/2010/main" val="3617987220"/>
+        <p14:creationId xmlns:p14="http://schemas.microsoft.com/office/powerpoint/2010/main" val="181271232"/>
       </p:ext>
     </p:extLst>
   </p:cSld>
@@ -2840,7 +3247,7 @@
             <a:fld id="{88C0D9CF-78A8-4FBE-960E-41C6F5A4AF95}" type="slidenum">
               <a:rPr lang="en-US" altLang="nl-NL" smtClean="0"/>
               <a:pPr/>
-              <a:t>22</a:t>
+              <a:t>18</a:t>
             </a:fld>
             <a:endParaRPr lang="en-US" altLang="nl-NL"/>
           </a:p>
@@ -2849,7 +3256,7 @@
     </p:spTree>
     <p:extLst>
       <p:ext uri="{BB962C8B-B14F-4D97-AF65-F5344CB8AC3E}">
-        <p14:creationId xmlns:p14="http://schemas.microsoft.com/office/powerpoint/2010/main" val="767066249"/>
+        <p14:creationId xmlns:p14="http://schemas.microsoft.com/office/powerpoint/2010/main" val="1597141723"/>
       </p:ext>
     </p:extLst>
   </p:cSld>
@@ -2994,7 +3401,7 @@
             <a:fld id="{88C0D9CF-78A8-4FBE-960E-41C6F5A4AF95}" type="slidenum">
               <a:rPr lang="en-US" altLang="nl-NL" smtClean="0"/>
               <a:pPr/>
-              <a:t>24</a:t>
+              <a:t>19</a:t>
             </a:fld>
             <a:endParaRPr lang="en-US" altLang="nl-NL"/>
           </a:p>
@@ -3003,7 +3410,7 @@
     </p:spTree>
     <p:extLst>
       <p:ext uri="{BB962C8B-B14F-4D97-AF65-F5344CB8AC3E}">
-        <p14:creationId xmlns:p14="http://schemas.microsoft.com/office/powerpoint/2010/main" val="1645933681"/>
+        <p14:creationId xmlns:p14="http://schemas.microsoft.com/office/powerpoint/2010/main" val="733450907"/>
       </p:ext>
     </p:extLst>
   </p:cSld>
@@ -9735,17 +10142,13 @@
             <a:pPr lvl="1"/>
             <a:r>
               <a:rPr lang="it-IT" sz="2000" b="1" dirty="0" smtClean="0"/>
-              <a:t>Generazione</a:t>
-            </a:r>
-            <a:r>
-              <a:rPr lang="it-IT" sz="2000" dirty="0" smtClean="0"/>
-              <a:t> del </a:t>
+              <a:t>Generazione del </a:t>
             </a:r>
             <a:br>
-              <a:rPr lang="it-IT" sz="2000" dirty="0" smtClean="0"/>
+              <a:rPr lang="it-IT" sz="2000" b="1" dirty="0" smtClean="0"/>
             </a:br>
             <a:r>
-              <a:rPr lang="it-IT" sz="2000" dirty="0" smtClean="0"/>
+              <a:rPr lang="it-IT" sz="2000" b="1" dirty="0" smtClean="0"/>
               <a:t>segnale di modulazione </a:t>
             </a:r>
             <a:r>
@@ -9760,12 +10163,8 @@
           <a:p>
             <a:pPr lvl="1"/>
             <a:r>
-              <a:rPr lang="it-IT" sz="2000" b="1" dirty="0" smtClean="0"/>
-              <a:t>Campionamento</a:t>
-            </a:r>
-            <a:r>
               <a:rPr lang="it-IT" sz="2000" dirty="0" smtClean="0"/>
-              <a:t> </a:t>
+              <a:t>Campionamento </a:t>
             </a:r>
             <a:br>
               <a:rPr lang="it-IT" sz="2000" dirty="0" smtClean="0"/>
@@ -9801,19 +10200,19 @@
             </a:br>
             <a:r>
               <a:rPr lang="it-IT" sz="2000" dirty="0" smtClean="0"/>
-              <a:t>della </a:t>
+              <a:t>della Fast Fourier </a:t>
+            </a:r>
+            <a:r>
+              <a:rPr lang="it-IT" sz="2000" dirty="0" err="1" smtClean="0"/>
+              <a:t>Transform</a:t>
+            </a:r>
+            <a:r>
+              <a:rPr lang="it-IT" sz="2000" dirty="0" smtClean="0"/>
+              <a:t> </a:t>
             </a:r>
             <a:r>
               <a:rPr lang="it-IT" sz="2000" b="1" dirty="0" smtClean="0"/>
-              <a:t>Fast Fourier </a:t>
-            </a:r>
-            <a:r>
-              <a:rPr lang="it-IT" sz="2000" b="1" dirty="0" err="1" smtClean="0"/>
-              <a:t>Transform</a:t>
-            </a:r>
-            <a:r>
-              <a:rPr lang="it-IT" sz="2000" b="1" dirty="0" smtClean="0"/>
-              <a:t> </a:t>
+              <a:t/>
             </a:r>
             <a:br>
               <a:rPr lang="it-IT" sz="2000" b="1" dirty="0" smtClean="0"/>
@@ -9838,15 +10237,7 @@
             </a:br>
             <a:r>
               <a:rPr lang="it-IT" sz="2000" dirty="0" smtClean="0"/>
-              <a:t>del </a:t>
-            </a:r>
-            <a:r>
-              <a:rPr lang="it-IT" sz="2000" b="1" dirty="0" smtClean="0"/>
-              <a:t>tono fondamentale </a:t>
-            </a:r>
-            <a:r>
-              <a:rPr lang="it-IT" sz="2000" dirty="0" smtClean="0"/>
-              <a:t>dal FFT</a:t>
+              <a:t>del tono fondamentale dal FFT</a:t>
             </a:r>
           </a:p>
         </p:txBody>
@@ -9871,44 +10262,14 @@
               <a:pPr/>
               <a:t>16</a:t>
             </a:fld>
-            <a:endParaRPr lang="en-US" altLang="nl-NL"/>
-          </a:p>
-        </p:txBody>
-      </p:sp>
-      <p:pic>
-        <p:nvPicPr>
-          <p:cNvPr id="5" name="Immagine 4"/>
-          <p:cNvPicPr>
-            <a:picLocks noChangeAspect="1"/>
-          </p:cNvPicPr>
-          <p:nvPr/>
-        </p:nvPicPr>
-        <p:blipFill>
-          <a:blip r:embed="rId3">
-            <a:extLst>
-              <a:ext uri="{28A0092B-C50C-407E-A947-70E740481C1C}">
-                <a14:useLocalDpi xmlns:a14="http://schemas.microsoft.com/office/drawing/2010/main" val="0"/>
-              </a:ext>
-            </a:extLst>
-          </a:blip>
-          <a:stretch>
-            <a:fillRect/>
-          </a:stretch>
-        </p:blipFill>
-        <p:spPr>
-          <a:xfrm>
-            <a:off x="5469076" y="1799777"/>
-            <a:ext cx="3674924" cy="4317819"/>
-          </a:xfrm>
-          <a:prstGeom prst="rect">
-            <a:avLst/>
-          </a:prstGeom>
-        </p:spPr>
-      </p:pic>
+            <a:endParaRPr lang="en-US" altLang="nl-NL" dirty="0"/>
+          </a:p>
+        </p:txBody>
+      </p:sp>
     </p:spTree>
     <p:extLst>
       <p:ext uri="{BB962C8B-B14F-4D97-AF65-F5344CB8AC3E}">
-        <p14:creationId xmlns:p14="http://schemas.microsoft.com/office/powerpoint/2010/main" val="2462577009"/>
+        <p14:creationId xmlns:p14="http://schemas.microsoft.com/office/powerpoint/2010/main" val="772970072"/>
       </p:ext>
     </p:extLst>
   </p:cSld>
@@ -9959,6 +10320,880 @@
           <a:p>
             <a:r>
               <a:rPr lang="it-IT" dirty="0" smtClean="0"/>
+              <a:t>FPGA</a:t>
+            </a:r>
+            <a:endParaRPr lang="it-IT" dirty="0"/>
+          </a:p>
+        </p:txBody>
+      </p:sp>
+      <p:sp>
+        <p:nvSpPr>
+          <p:cNvPr id="3" name="Segnaposto contenuto 2"/>
+          <p:cNvSpPr>
+            <a:spLocks noGrp="1"/>
+          </p:cNvSpPr>
+          <p:nvPr>
+            <p:ph idx="1"/>
+          </p:nvPr>
+        </p:nvSpPr>
+        <p:spPr>
+          <a:xfrm>
+            <a:off x="609600" y="1024102"/>
+            <a:ext cx="8120063" cy="5093494"/>
+          </a:xfrm>
+        </p:spPr>
+        <p:txBody>
+          <a:bodyPr/>
+          <a:lstStyle/>
+          <a:p>
+            <a:r>
+              <a:rPr lang="it-IT" sz="2400" dirty="0" smtClean="0"/>
+              <a:t>Le funzionalità svolte in hardware dal FPGA sono:</a:t>
+            </a:r>
+            <a:br>
+              <a:rPr lang="it-IT" sz="2400" dirty="0" smtClean="0"/>
+            </a:br>
+            <a:endParaRPr lang="it-IT" sz="2400" dirty="0" smtClean="0"/>
+          </a:p>
+          <a:p>
+            <a:pPr lvl="1"/>
+            <a:r>
+              <a:rPr lang="it-IT" sz="2000" dirty="0" smtClean="0"/>
+              <a:t>Generazione del </a:t>
+            </a:r>
+            <a:br>
+              <a:rPr lang="it-IT" sz="2000" dirty="0" smtClean="0"/>
+            </a:br>
+            <a:r>
+              <a:rPr lang="it-IT" sz="2000" dirty="0" smtClean="0"/>
+              <a:t>segnale di modulazione </a:t>
+            </a:r>
+            <a:r>
+              <a:rPr lang="it-IT" sz="2000" i="1" dirty="0" smtClean="0"/>
+              <a:t/>
+            </a:r>
+            <a:br>
+              <a:rPr lang="it-IT" sz="2000" i="1" dirty="0" smtClean="0"/>
+            </a:br>
+            <a:endParaRPr lang="it-IT" sz="2000" i="1" dirty="0" smtClean="0"/>
+          </a:p>
+          <a:p>
+            <a:pPr lvl="1"/>
+            <a:r>
+              <a:rPr lang="it-IT" sz="2000" b="1" dirty="0" smtClean="0"/>
+              <a:t>Campionamento </a:t>
+            </a:r>
+            <a:br>
+              <a:rPr lang="it-IT" sz="2000" b="1" dirty="0" smtClean="0"/>
+            </a:br>
+            <a:r>
+              <a:rPr lang="it-IT" sz="2000" b="1" dirty="0" smtClean="0"/>
+              <a:t>del segnale interferometrico </a:t>
+            </a:r>
+            <a:br>
+              <a:rPr lang="it-IT" sz="2000" b="1" dirty="0" smtClean="0"/>
+            </a:br>
+            <a:r>
+              <a:rPr lang="it-IT" sz="2000" b="1" dirty="0" smtClean="0"/>
+              <a:t>a </a:t>
+            </a:r>
+            <a:r>
+              <a:rPr lang="it-IT" sz="2000" b="1" i="1" dirty="0" smtClean="0"/>
+              <a:t>30MHz</a:t>
+            </a:r>
+            <a:r>
+              <a:rPr lang="it-IT" sz="2000" i="1" dirty="0" smtClean="0"/>
+              <a:t/>
+            </a:r>
+            <a:br>
+              <a:rPr lang="it-IT" sz="2000" i="1" dirty="0" smtClean="0"/>
+            </a:br>
+            <a:endParaRPr lang="it-IT" sz="2000" i="1" dirty="0" smtClean="0"/>
+          </a:p>
+          <a:p>
+            <a:pPr lvl="1"/>
+            <a:r>
+              <a:rPr lang="it-IT" sz="2000" dirty="0" smtClean="0"/>
+              <a:t>Calcolo </a:t>
+            </a:r>
+            <a:br>
+              <a:rPr lang="it-IT" sz="2000" dirty="0" smtClean="0"/>
+            </a:br>
+            <a:r>
+              <a:rPr lang="it-IT" sz="2000" dirty="0" smtClean="0"/>
+              <a:t>della Fast Fourier </a:t>
+            </a:r>
+            <a:r>
+              <a:rPr lang="it-IT" sz="2000" dirty="0" err="1" smtClean="0"/>
+              <a:t>Transform</a:t>
+            </a:r>
+            <a:r>
+              <a:rPr lang="it-IT" sz="2000" dirty="0" smtClean="0"/>
+              <a:t> </a:t>
+            </a:r>
+            <a:r>
+              <a:rPr lang="it-IT" sz="2000" b="1" dirty="0" smtClean="0"/>
+              <a:t/>
+            </a:r>
+            <a:br>
+              <a:rPr lang="it-IT" sz="2000" b="1" dirty="0" smtClean="0"/>
+            </a:br>
+            <a:r>
+              <a:rPr lang="it-IT" sz="2000" dirty="0" smtClean="0"/>
+              <a:t>(FFT)</a:t>
+            </a:r>
+            <a:br>
+              <a:rPr lang="it-IT" sz="2000" dirty="0" smtClean="0"/>
+            </a:br>
+            <a:endParaRPr lang="it-IT" sz="2000" dirty="0" smtClean="0"/>
+          </a:p>
+          <a:p>
+            <a:pPr lvl="1"/>
+            <a:r>
+              <a:rPr lang="it-IT" sz="2000" dirty="0" smtClean="0"/>
+              <a:t>Estrazione </a:t>
+            </a:r>
+            <a:br>
+              <a:rPr lang="it-IT" sz="2000" dirty="0" smtClean="0"/>
+            </a:br>
+            <a:r>
+              <a:rPr lang="it-IT" sz="2000" dirty="0" smtClean="0"/>
+              <a:t>del tono fondamentale dal FFT</a:t>
+            </a:r>
+          </a:p>
+        </p:txBody>
+      </p:sp>
+      <p:sp>
+        <p:nvSpPr>
+          <p:cNvPr id="4" name="Segnaposto numero diapositiva 3"/>
+          <p:cNvSpPr>
+            <a:spLocks noGrp="1"/>
+          </p:cNvSpPr>
+          <p:nvPr>
+            <p:ph type="sldNum" sz="quarter" idx="11"/>
+          </p:nvPr>
+        </p:nvSpPr>
+        <p:spPr/>
+        <p:txBody>
+          <a:bodyPr/>
+          <a:lstStyle/>
+          <a:p>
+            <a:fld id="{C503DA3A-0C6B-48FC-931E-2C786AAFD5C1}" type="slidenum">
+              <a:rPr lang="en-US" altLang="nl-NL" smtClean="0"/>
+              <a:pPr/>
+              <a:t>17</a:t>
+            </a:fld>
+            <a:endParaRPr lang="en-US" altLang="nl-NL" dirty="0"/>
+          </a:p>
+        </p:txBody>
+      </p:sp>
+    </p:spTree>
+    <p:extLst>
+      <p:ext uri="{BB962C8B-B14F-4D97-AF65-F5344CB8AC3E}">
+        <p14:creationId xmlns:p14="http://schemas.microsoft.com/office/powerpoint/2010/main" val="93189435"/>
+      </p:ext>
+    </p:extLst>
+  </p:cSld>
+  <p:clrMapOvr>
+    <a:masterClrMapping/>
+  </p:clrMapOvr>
+  <p:timing>
+    <p:tnLst>
+      <p:par>
+        <p:cTn id="1" dur="indefinite" restart="never" nodeType="tmRoot"/>
+      </p:par>
+    </p:tnLst>
+  </p:timing>
+</p:sld>
+</file>
+
+<file path=ppt/slides/slide18.xml><?xml version="1.0" encoding="utf-8"?>
+<p:sld xmlns:a="http://schemas.openxmlformats.org/drawingml/2006/main" xmlns:r="http://schemas.openxmlformats.org/officeDocument/2006/relationships" xmlns:p="http://schemas.openxmlformats.org/presentationml/2006/main">
+  <p:cSld>
+    <p:spTree>
+      <p:nvGrpSpPr>
+        <p:cNvPr id="1" name=""/>
+        <p:cNvGrpSpPr/>
+        <p:nvPr/>
+      </p:nvGrpSpPr>
+      <p:grpSpPr>
+        <a:xfrm>
+          <a:off x="0" y="0"/>
+          <a:ext cx="0" cy="0"/>
+          <a:chOff x="0" y="0"/>
+          <a:chExt cx="0" cy="0"/>
+        </a:xfrm>
+      </p:grpSpPr>
+      <p:sp>
+        <p:nvSpPr>
+          <p:cNvPr id="2" name="Titolo 1"/>
+          <p:cNvSpPr>
+            <a:spLocks noGrp="1"/>
+          </p:cNvSpPr>
+          <p:nvPr>
+            <p:ph type="title"/>
+          </p:nvPr>
+        </p:nvSpPr>
+        <p:spPr/>
+        <p:txBody>
+          <a:bodyPr/>
+          <a:lstStyle/>
+          <a:p>
+            <a:r>
+              <a:rPr lang="it-IT" dirty="0" smtClean="0"/>
+              <a:t>FPGA</a:t>
+            </a:r>
+            <a:endParaRPr lang="it-IT" dirty="0"/>
+          </a:p>
+        </p:txBody>
+      </p:sp>
+      <p:sp>
+        <p:nvSpPr>
+          <p:cNvPr id="3" name="Segnaposto contenuto 2"/>
+          <p:cNvSpPr>
+            <a:spLocks noGrp="1"/>
+          </p:cNvSpPr>
+          <p:nvPr>
+            <p:ph idx="1"/>
+          </p:nvPr>
+        </p:nvSpPr>
+        <p:spPr>
+          <a:xfrm>
+            <a:off x="609600" y="1024102"/>
+            <a:ext cx="8120063" cy="5093494"/>
+          </a:xfrm>
+        </p:spPr>
+        <p:txBody>
+          <a:bodyPr/>
+          <a:lstStyle/>
+          <a:p>
+            <a:r>
+              <a:rPr lang="it-IT" sz="2400" dirty="0" smtClean="0"/>
+              <a:t>Le funzionalità svolte in hardware dal FPGA sono:</a:t>
+            </a:r>
+            <a:br>
+              <a:rPr lang="it-IT" sz="2400" dirty="0" smtClean="0"/>
+            </a:br>
+            <a:endParaRPr lang="it-IT" sz="2400" dirty="0" smtClean="0"/>
+          </a:p>
+          <a:p>
+            <a:pPr lvl="1"/>
+            <a:r>
+              <a:rPr lang="it-IT" sz="2000" dirty="0" smtClean="0"/>
+              <a:t>Generazione del </a:t>
+            </a:r>
+            <a:br>
+              <a:rPr lang="it-IT" sz="2000" dirty="0" smtClean="0"/>
+            </a:br>
+            <a:r>
+              <a:rPr lang="it-IT" sz="2000" dirty="0" smtClean="0"/>
+              <a:t>segnale di modulazione </a:t>
+            </a:r>
+            <a:r>
+              <a:rPr lang="it-IT" sz="2000" i="1" dirty="0" smtClean="0"/>
+              <a:t/>
+            </a:r>
+            <a:br>
+              <a:rPr lang="it-IT" sz="2000" i="1" dirty="0" smtClean="0"/>
+            </a:br>
+            <a:endParaRPr lang="it-IT" sz="2000" i="1" dirty="0" smtClean="0"/>
+          </a:p>
+          <a:p>
+            <a:pPr lvl="1"/>
+            <a:r>
+              <a:rPr lang="it-IT" sz="2000" dirty="0" smtClean="0"/>
+              <a:t>Campionamento </a:t>
+            </a:r>
+            <a:br>
+              <a:rPr lang="it-IT" sz="2000" dirty="0" smtClean="0"/>
+            </a:br>
+            <a:r>
+              <a:rPr lang="it-IT" sz="2000" dirty="0" smtClean="0"/>
+              <a:t>del segnale interferometrico </a:t>
+            </a:r>
+            <a:br>
+              <a:rPr lang="it-IT" sz="2000" dirty="0" smtClean="0"/>
+            </a:br>
+            <a:r>
+              <a:rPr lang="it-IT" sz="2000" dirty="0" smtClean="0"/>
+              <a:t>a </a:t>
+            </a:r>
+            <a:r>
+              <a:rPr lang="it-IT" sz="2000" i="1" dirty="0" smtClean="0"/>
+              <a:t>30MHz</a:t>
+            </a:r>
+            <a:br>
+              <a:rPr lang="it-IT" sz="2000" i="1" dirty="0" smtClean="0"/>
+            </a:br>
+            <a:endParaRPr lang="it-IT" sz="2000" i="1" dirty="0" smtClean="0"/>
+          </a:p>
+          <a:p>
+            <a:pPr lvl="1"/>
+            <a:r>
+              <a:rPr lang="it-IT" sz="2000" b="1" dirty="0" smtClean="0"/>
+              <a:t>Calcolo </a:t>
+            </a:r>
+            <a:br>
+              <a:rPr lang="it-IT" sz="2000" b="1" dirty="0" smtClean="0"/>
+            </a:br>
+            <a:r>
+              <a:rPr lang="it-IT" sz="2000" b="1" dirty="0" smtClean="0"/>
+              <a:t>della Fast Fourier </a:t>
+            </a:r>
+            <a:r>
+              <a:rPr lang="it-IT" sz="2000" b="1" dirty="0" err="1" smtClean="0"/>
+              <a:t>Transform</a:t>
+            </a:r>
+            <a:r>
+              <a:rPr lang="it-IT" sz="2000" b="1" dirty="0" smtClean="0"/>
+              <a:t> </a:t>
+            </a:r>
+            <a:br>
+              <a:rPr lang="it-IT" sz="2000" b="1" dirty="0" smtClean="0"/>
+            </a:br>
+            <a:r>
+              <a:rPr lang="it-IT" sz="2000" b="1" dirty="0" smtClean="0"/>
+              <a:t>(FFT)</a:t>
+            </a:r>
+            <a:r>
+              <a:rPr lang="it-IT" sz="2000" dirty="0" smtClean="0"/>
+              <a:t/>
+            </a:r>
+            <a:br>
+              <a:rPr lang="it-IT" sz="2000" dirty="0" smtClean="0"/>
+            </a:br>
+            <a:endParaRPr lang="it-IT" sz="2000" dirty="0" smtClean="0"/>
+          </a:p>
+          <a:p>
+            <a:pPr lvl="1"/>
+            <a:r>
+              <a:rPr lang="it-IT" sz="2000" dirty="0" smtClean="0"/>
+              <a:t>Estrazione </a:t>
+            </a:r>
+            <a:br>
+              <a:rPr lang="it-IT" sz="2000" dirty="0" smtClean="0"/>
+            </a:br>
+            <a:r>
+              <a:rPr lang="it-IT" sz="2000" dirty="0" smtClean="0"/>
+              <a:t>del tono fondamentale dal FFT</a:t>
+            </a:r>
+          </a:p>
+        </p:txBody>
+      </p:sp>
+      <p:sp>
+        <p:nvSpPr>
+          <p:cNvPr id="4" name="Segnaposto numero diapositiva 3"/>
+          <p:cNvSpPr>
+            <a:spLocks noGrp="1"/>
+          </p:cNvSpPr>
+          <p:nvPr>
+            <p:ph type="sldNum" sz="quarter" idx="11"/>
+          </p:nvPr>
+        </p:nvSpPr>
+        <p:spPr/>
+        <p:txBody>
+          <a:bodyPr/>
+          <a:lstStyle/>
+          <a:p>
+            <a:fld id="{C503DA3A-0C6B-48FC-931E-2C786AAFD5C1}" type="slidenum">
+              <a:rPr lang="en-US" altLang="nl-NL" smtClean="0"/>
+              <a:pPr/>
+              <a:t>18</a:t>
+            </a:fld>
+            <a:endParaRPr lang="en-US" altLang="nl-NL" dirty="0"/>
+          </a:p>
+        </p:txBody>
+      </p:sp>
+    </p:spTree>
+    <p:extLst>
+      <p:ext uri="{BB962C8B-B14F-4D97-AF65-F5344CB8AC3E}">
+        <p14:creationId xmlns:p14="http://schemas.microsoft.com/office/powerpoint/2010/main" val="1581539848"/>
+      </p:ext>
+    </p:extLst>
+  </p:cSld>
+  <p:clrMapOvr>
+    <a:masterClrMapping/>
+  </p:clrMapOvr>
+  <p:timing>
+    <p:tnLst>
+      <p:par>
+        <p:cTn id="1" dur="indefinite" restart="never" nodeType="tmRoot"/>
+      </p:par>
+    </p:tnLst>
+  </p:timing>
+</p:sld>
+</file>
+
+<file path=ppt/slides/slide19.xml><?xml version="1.0" encoding="utf-8"?>
+<p:sld xmlns:a="http://schemas.openxmlformats.org/drawingml/2006/main" xmlns:r="http://schemas.openxmlformats.org/officeDocument/2006/relationships" xmlns:p="http://schemas.openxmlformats.org/presentationml/2006/main">
+  <p:cSld>
+    <p:spTree>
+      <p:nvGrpSpPr>
+        <p:cNvPr id="1" name=""/>
+        <p:cNvGrpSpPr/>
+        <p:nvPr/>
+      </p:nvGrpSpPr>
+      <p:grpSpPr>
+        <a:xfrm>
+          <a:off x="0" y="0"/>
+          <a:ext cx="0" cy="0"/>
+          <a:chOff x="0" y="0"/>
+          <a:chExt cx="0" cy="0"/>
+        </a:xfrm>
+      </p:grpSpPr>
+      <p:sp>
+        <p:nvSpPr>
+          <p:cNvPr id="2" name="Titolo 1"/>
+          <p:cNvSpPr>
+            <a:spLocks noGrp="1"/>
+          </p:cNvSpPr>
+          <p:nvPr>
+            <p:ph type="title"/>
+          </p:nvPr>
+        </p:nvSpPr>
+        <p:spPr/>
+        <p:txBody>
+          <a:bodyPr/>
+          <a:lstStyle/>
+          <a:p>
+            <a:r>
+              <a:rPr lang="it-IT" dirty="0" smtClean="0"/>
+              <a:t>FPGA</a:t>
+            </a:r>
+            <a:endParaRPr lang="it-IT" dirty="0"/>
+          </a:p>
+        </p:txBody>
+      </p:sp>
+      <p:sp>
+        <p:nvSpPr>
+          <p:cNvPr id="3" name="Segnaposto contenuto 2"/>
+          <p:cNvSpPr>
+            <a:spLocks noGrp="1"/>
+          </p:cNvSpPr>
+          <p:nvPr>
+            <p:ph idx="1"/>
+          </p:nvPr>
+        </p:nvSpPr>
+        <p:spPr>
+          <a:xfrm>
+            <a:off x="609600" y="1024102"/>
+            <a:ext cx="8120063" cy="5093494"/>
+          </a:xfrm>
+        </p:spPr>
+        <p:txBody>
+          <a:bodyPr/>
+          <a:lstStyle/>
+          <a:p>
+            <a:r>
+              <a:rPr lang="it-IT" sz="2400" dirty="0" smtClean="0"/>
+              <a:t>Le funzionalità svolte in hardware dal FPGA sono:</a:t>
+            </a:r>
+            <a:br>
+              <a:rPr lang="it-IT" sz="2400" dirty="0" smtClean="0"/>
+            </a:br>
+            <a:endParaRPr lang="it-IT" sz="2400" dirty="0" smtClean="0"/>
+          </a:p>
+          <a:p>
+            <a:pPr lvl="1"/>
+            <a:r>
+              <a:rPr lang="it-IT" sz="2000" dirty="0" smtClean="0"/>
+              <a:t>Generazione del </a:t>
+            </a:r>
+            <a:br>
+              <a:rPr lang="it-IT" sz="2000" dirty="0" smtClean="0"/>
+            </a:br>
+            <a:r>
+              <a:rPr lang="it-IT" sz="2000" dirty="0" smtClean="0"/>
+              <a:t>segnale di modulazione </a:t>
+            </a:r>
+            <a:r>
+              <a:rPr lang="it-IT" sz="2000" i="1" dirty="0" smtClean="0"/>
+              <a:t/>
+            </a:r>
+            <a:br>
+              <a:rPr lang="it-IT" sz="2000" i="1" dirty="0" smtClean="0"/>
+            </a:br>
+            <a:endParaRPr lang="it-IT" sz="2000" i="1" dirty="0" smtClean="0"/>
+          </a:p>
+          <a:p>
+            <a:pPr lvl="1"/>
+            <a:r>
+              <a:rPr lang="it-IT" sz="2000" dirty="0" smtClean="0"/>
+              <a:t>Campionamento </a:t>
+            </a:r>
+            <a:br>
+              <a:rPr lang="it-IT" sz="2000" dirty="0" smtClean="0"/>
+            </a:br>
+            <a:r>
+              <a:rPr lang="it-IT" sz="2000" dirty="0" smtClean="0"/>
+              <a:t>del segnale interferometrico </a:t>
+            </a:r>
+            <a:br>
+              <a:rPr lang="it-IT" sz="2000" dirty="0" smtClean="0"/>
+            </a:br>
+            <a:r>
+              <a:rPr lang="it-IT" sz="2000" dirty="0" smtClean="0"/>
+              <a:t>a </a:t>
+            </a:r>
+            <a:r>
+              <a:rPr lang="it-IT" sz="2000" i="1" dirty="0" smtClean="0"/>
+              <a:t>30MHz</a:t>
+            </a:r>
+            <a:br>
+              <a:rPr lang="it-IT" sz="2000" i="1" dirty="0" smtClean="0"/>
+            </a:br>
+            <a:endParaRPr lang="it-IT" sz="2000" i="1" dirty="0" smtClean="0"/>
+          </a:p>
+          <a:p>
+            <a:pPr lvl="1"/>
+            <a:r>
+              <a:rPr lang="it-IT" sz="2000" dirty="0" smtClean="0"/>
+              <a:t>Calcolo </a:t>
+            </a:r>
+            <a:br>
+              <a:rPr lang="it-IT" sz="2000" dirty="0" smtClean="0"/>
+            </a:br>
+            <a:r>
+              <a:rPr lang="it-IT" sz="2000" dirty="0" smtClean="0"/>
+              <a:t>della Fast Fourier </a:t>
+            </a:r>
+            <a:r>
+              <a:rPr lang="it-IT" sz="2000" dirty="0" err="1" smtClean="0"/>
+              <a:t>Transform</a:t>
+            </a:r>
+            <a:r>
+              <a:rPr lang="it-IT" sz="2000" dirty="0" smtClean="0"/>
+              <a:t> </a:t>
+            </a:r>
+            <a:r>
+              <a:rPr lang="it-IT" sz="2000" b="1" dirty="0" smtClean="0"/>
+              <a:t/>
+            </a:r>
+            <a:br>
+              <a:rPr lang="it-IT" sz="2000" b="1" dirty="0" smtClean="0"/>
+            </a:br>
+            <a:r>
+              <a:rPr lang="it-IT" sz="2000" dirty="0" smtClean="0"/>
+              <a:t>(FFT)</a:t>
+            </a:r>
+            <a:br>
+              <a:rPr lang="it-IT" sz="2000" dirty="0" smtClean="0"/>
+            </a:br>
+            <a:endParaRPr lang="it-IT" sz="2000" dirty="0" smtClean="0"/>
+          </a:p>
+          <a:p>
+            <a:pPr lvl="1"/>
+            <a:r>
+              <a:rPr lang="it-IT" sz="2000" b="1" dirty="0" smtClean="0"/>
+              <a:t>Estrazione </a:t>
+            </a:r>
+            <a:br>
+              <a:rPr lang="it-IT" sz="2000" b="1" dirty="0" smtClean="0"/>
+            </a:br>
+            <a:r>
+              <a:rPr lang="it-IT" sz="2000" b="1" dirty="0" smtClean="0"/>
+              <a:t>del tono fondamentale dal FFT</a:t>
+            </a:r>
+          </a:p>
+        </p:txBody>
+      </p:sp>
+      <p:sp>
+        <p:nvSpPr>
+          <p:cNvPr id="4" name="Segnaposto numero diapositiva 3"/>
+          <p:cNvSpPr>
+            <a:spLocks noGrp="1"/>
+          </p:cNvSpPr>
+          <p:nvPr>
+            <p:ph type="sldNum" sz="quarter" idx="11"/>
+          </p:nvPr>
+        </p:nvSpPr>
+        <p:spPr/>
+        <p:txBody>
+          <a:bodyPr/>
+          <a:lstStyle/>
+          <a:p>
+            <a:fld id="{C503DA3A-0C6B-48FC-931E-2C786AAFD5C1}" type="slidenum">
+              <a:rPr lang="en-US" altLang="nl-NL" smtClean="0"/>
+              <a:pPr/>
+              <a:t>19</a:t>
+            </a:fld>
+            <a:endParaRPr lang="en-US" altLang="nl-NL" dirty="0"/>
+          </a:p>
+        </p:txBody>
+      </p:sp>
+    </p:spTree>
+    <p:extLst>
+      <p:ext uri="{BB962C8B-B14F-4D97-AF65-F5344CB8AC3E}">
+        <p14:creationId xmlns:p14="http://schemas.microsoft.com/office/powerpoint/2010/main" val="1815209933"/>
+      </p:ext>
+    </p:extLst>
+  </p:cSld>
+  <p:clrMapOvr>
+    <a:masterClrMapping/>
+  </p:clrMapOvr>
+  <p:timing>
+    <p:tnLst>
+      <p:par>
+        <p:cTn id="1" dur="indefinite" restart="never" nodeType="tmRoot"/>
+      </p:par>
+    </p:tnLst>
+  </p:timing>
+</p:sld>
+</file>
+
+<file path=ppt/slides/slide2.xml><?xml version="1.0" encoding="utf-8"?>
+<p:sld xmlns:a="http://schemas.openxmlformats.org/drawingml/2006/main" xmlns:r="http://schemas.openxmlformats.org/officeDocument/2006/relationships" xmlns:p="http://schemas.openxmlformats.org/presentationml/2006/main">
+  <p:cSld>
+    <p:spTree>
+      <p:nvGrpSpPr>
+        <p:cNvPr id="1" name=""/>
+        <p:cNvGrpSpPr/>
+        <p:nvPr/>
+      </p:nvGrpSpPr>
+      <p:grpSpPr>
+        <a:xfrm>
+          <a:off x="0" y="0"/>
+          <a:ext cx="0" cy="0"/>
+          <a:chOff x="0" y="0"/>
+          <a:chExt cx="0" cy="0"/>
+        </a:xfrm>
+      </p:grpSpPr>
+      <p:sp>
+        <p:nvSpPr>
+          <p:cNvPr id="2" name="Titolo 1"/>
+          <p:cNvSpPr>
+            <a:spLocks noGrp="1"/>
+          </p:cNvSpPr>
+          <p:nvPr>
+            <p:ph type="title"/>
+          </p:nvPr>
+        </p:nvSpPr>
+        <p:spPr/>
+        <p:txBody>
+          <a:bodyPr/>
+          <a:lstStyle/>
+          <a:p>
+            <a:r>
+              <a:rPr lang="it-IT" dirty="0" smtClean="0"/>
+              <a:t>Indice</a:t>
+            </a:r>
+            <a:endParaRPr lang="it-IT" dirty="0"/>
+          </a:p>
+        </p:txBody>
+      </p:sp>
+      <p:sp>
+        <p:nvSpPr>
+          <p:cNvPr id="3" name="Segnaposto contenuto 2"/>
+          <p:cNvSpPr>
+            <a:spLocks noGrp="1"/>
+          </p:cNvSpPr>
+          <p:nvPr>
+            <p:ph idx="1"/>
+          </p:nvPr>
+        </p:nvSpPr>
+        <p:spPr>
+          <a:xfrm>
+            <a:off x="609600" y="891778"/>
+            <a:ext cx="7784892" cy="5531644"/>
+          </a:xfrm>
+        </p:spPr>
+        <p:txBody>
+          <a:bodyPr/>
+          <a:lstStyle/>
+          <a:p>
+            <a:r>
+              <a:rPr lang="it-IT" sz="2400" dirty="0"/>
+              <a:t>Interferometria</a:t>
+            </a:r>
+          </a:p>
+          <a:p>
+            <a:pPr lvl="1"/>
+            <a:r>
+              <a:rPr lang="it-IT" sz="2000" dirty="0"/>
+              <a:t>Interferometria a self-mixing</a:t>
+            </a:r>
+          </a:p>
+          <a:p>
+            <a:pPr lvl="1"/>
+            <a:r>
+              <a:rPr lang="it-IT" sz="2000" dirty="0"/>
+              <a:t>Misura della distanza</a:t>
+            </a:r>
+          </a:p>
+          <a:p>
+            <a:r>
+              <a:rPr lang="it-IT" sz="2400" dirty="0"/>
+              <a:t>Architettura hardware</a:t>
+            </a:r>
+          </a:p>
+          <a:p>
+            <a:pPr lvl="1"/>
+            <a:r>
+              <a:rPr lang="it-IT" sz="2000" dirty="0" smtClean="0"/>
+              <a:t>Sistema analogico</a:t>
+            </a:r>
+          </a:p>
+          <a:p>
+            <a:pPr lvl="1"/>
+            <a:r>
+              <a:rPr lang="it-IT" sz="2000" dirty="0"/>
+              <a:t>Sistema di </a:t>
+            </a:r>
+            <a:r>
+              <a:rPr lang="it-IT" sz="2000" dirty="0" smtClean="0"/>
+              <a:t>conversione</a:t>
+            </a:r>
+            <a:endParaRPr lang="it-IT" sz="2000" dirty="0"/>
+          </a:p>
+          <a:p>
+            <a:pPr lvl="1"/>
+            <a:r>
+              <a:rPr lang="it-IT" sz="2000" dirty="0" smtClean="0"/>
+              <a:t>Sistema digitale</a:t>
+            </a:r>
+            <a:endParaRPr lang="it-IT" sz="2000" dirty="0"/>
+          </a:p>
+          <a:p>
+            <a:r>
+              <a:rPr lang="it-IT" sz="2400" dirty="0" smtClean="0"/>
+              <a:t>Architettura </a:t>
+            </a:r>
+            <a:r>
+              <a:rPr lang="it-IT" sz="2400" dirty="0"/>
+              <a:t>software</a:t>
+            </a:r>
+          </a:p>
+          <a:p>
+            <a:pPr lvl="1"/>
+            <a:r>
+              <a:rPr lang="it-IT" sz="2000" dirty="0"/>
+              <a:t>Dettagli </a:t>
+            </a:r>
+            <a:r>
+              <a:rPr lang="it-IT" sz="2000" dirty="0" smtClean="0"/>
+              <a:t>implementativi</a:t>
+            </a:r>
+          </a:p>
+          <a:p>
+            <a:pPr lvl="1"/>
+            <a:r>
+              <a:rPr lang="it-IT" sz="2000" dirty="0" smtClean="0"/>
+              <a:t>FPGA</a:t>
+            </a:r>
+            <a:endParaRPr lang="it-IT" sz="2000" dirty="0"/>
+          </a:p>
+          <a:p>
+            <a:pPr lvl="1"/>
+            <a:r>
+              <a:rPr lang="it-IT" sz="2000" dirty="0" smtClean="0"/>
+              <a:t>Microcontrollore</a:t>
+            </a:r>
+          </a:p>
+          <a:p>
+            <a:pPr lvl="1"/>
+            <a:r>
+              <a:rPr lang="it-IT" sz="2000" dirty="0" smtClean="0"/>
+              <a:t>Ottimizzazioni</a:t>
+            </a:r>
+            <a:endParaRPr lang="it-IT" sz="2000" dirty="0"/>
+          </a:p>
+          <a:p>
+            <a:r>
+              <a:rPr lang="it-IT" sz="2400" dirty="0"/>
+              <a:t>Risultati </a:t>
+            </a:r>
+            <a:r>
+              <a:rPr lang="it-IT" sz="2400" dirty="0" smtClean="0"/>
+              <a:t>sperimentali</a:t>
+            </a:r>
+            <a:endParaRPr lang="it-IT" sz="2400" dirty="0"/>
+          </a:p>
+          <a:p>
+            <a:r>
+              <a:rPr lang="it-IT" sz="2400" dirty="0"/>
+              <a:t>Conclusioni e sviluppi futuri</a:t>
+            </a:r>
+          </a:p>
+        </p:txBody>
+      </p:sp>
+      <p:sp>
+        <p:nvSpPr>
+          <p:cNvPr id="4" name="Segnaposto numero diapositiva 3"/>
+          <p:cNvSpPr>
+            <a:spLocks noGrp="1"/>
+          </p:cNvSpPr>
+          <p:nvPr>
+            <p:ph type="sldNum" sz="quarter" idx="11"/>
+          </p:nvPr>
+        </p:nvSpPr>
+        <p:spPr/>
+        <p:txBody>
+          <a:bodyPr/>
+          <a:lstStyle/>
+          <a:p>
+            <a:fld id="{C503DA3A-0C6B-48FC-931E-2C786AAFD5C1}" type="slidenum">
+              <a:rPr lang="en-US" altLang="nl-NL" smtClean="0"/>
+              <a:pPr/>
+              <a:t>2</a:t>
+            </a:fld>
+            <a:endParaRPr lang="en-US" altLang="nl-NL"/>
+          </a:p>
+        </p:txBody>
+      </p:sp>
+    </p:spTree>
+    <p:extLst>
+      <p:ext uri="{BB962C8B-B14F-4D97-AF65-F5344CB8AC3E}">
+        <p14:creationId xmlns:p14="http://schemas.microsoft.com/office/powerpoint/2010/main" val="3953617699"/>
+      </p:ext>
+    </p:extLst>
+  </p:cSld>
+  <p:clrMapOvr>
+    <a:masterClrMapping/>
+  </p:clrMapOvr>
+  <p:timing>
+    <p:tnLst>
+      <p:par>
+        <p:cTn id="1" dur="indefinite" restart="never" nodeType="tmRoot"/>
+      </p:par>
+    </p:tnLst>
+  </p:timing>
+</p:sld>
+</file>
+
+<file path=ppt/slides/slide20.xml><?xml version="1.0" encoding="utf-8"?>
+<p:sld xmlns:a="http://schemas.openxmlformats.org/drawingml/2006/main" xmlns:r="http://schemas.openxmlformats.org/officeDocument/2006/relationships" xmlns:p="http://schemas.openxmlformats.org/presentationml/2006/main">
+  <p:cSld>
+    <p:spTree>
+      <p:nvGrpSpPr>
+        <p:cNvPr id="1" name=""/>
+        <p:cNvGrpSpPr/>
+        <p:nvPr/>
+      </p:nvGrpSpPr>
+      <p:grpSpPr>
+        <a:xfrm>
+          <a:off x="0" y="0"/>
+          <a:ext cx="0" cy="0"/>
+          <a:chOff x="0" y="0"/>
+          <a:chExt cx="0" cy="0"/>
+        </a:xfrm>
+      </p:grpSpPr>
+      <p:sp>
+        <p:nvSpPr>
+          <p:cNvPr id="2" name="Titolo 1"/>
+          <p:cNvSpPr>
+            <a:spLocks noGrp="1"/>
+          </p:cNvSpPr>
+          <p:nvPr>
+            <p:ph type="title"/>
+          </p:nvPr>
+        </p:nvSpPr>
+        <p:spPr/>
+        <p:txBody>
+          <a:bodyPr/>
+          <a:lstStyle/>
+          <a:p>
+            <a:r>
+              <a:rPr lang="it-IT" dirty="0" smtClean="0"/>
               <a:t>Microcontrollore</a:t>
             </a:r>
             <a:endParaRPr lang="it-IT" dirty="0"/>
@@ -10131,7 +11366,7 @@
             <a:fld id="{C503DA3A-0C6B-48FC-931E-2C786AAFD5C1}" type="slidenum">
               <a:rPr lang="en-US" altLang="nl-NL" smtClean="0"/>
               <a:pPr/>
-              <a:t>17</a:t>
+              <a:t>20</a:t>
             </a:fld>
             <a:endParaRPr lang="en-US" altLang="nl-NL"/>
           </a:p>
@@ -10354,998 +11589,82 @@
         </p:blipFill>
         <p:spPr>
           <a:xfrm>
-            <a:off x="1343046" y="2409589"/>
-            <a:ext cx="3594964" cy="2719873"/>
+            <a:off x="5176508" y="2378711"/>
+            <a:ext cx="3355070" cy="2538375"/>
           </a:xfrm>
           <a:prstGeom prst="rect">
             <a:avLst/>
           </a:prstGeom>
         </p:spPr>
       </p:pic>
+      <p:sp>
+        <p:nvSpPr>
+          <p:cNvPr id="8" name="CasellaDiTesto 7"/>
+          <p:cNvSpPr txBox="1"/>
+          <p:nvPr/>
+        </p:nvSpPr>
+        <p:spPr>
+          <a:xfrm>
+            <a:off x="342900" y="3130775"/>
+            <a:ext cx="4408714" cy="830997"/>
+          </a:xfrm>
+          <a:prstGeom prst="rect">
+            <a:avLst/>
+          </a:prstGeom>
+          <a:noFill/>
+        </p:spPr>
+        <p:txBody>
+          <a:bodyPr wrap="square" rtlCol="0">
+            <a:spAutoFit/>
+          </a:bodyPr>
+          <a:lstStyle/>
+          <a:p>
+            <a:r>
+              <a:rPr lang="it-IT" dirty="0" err="1" smtClean="0">
+                <a:solidFill>
+                  <a:srgbClr val="FF0000"/>
+                </a:solidFill>
+              </a:rPr>
+              <a:t>toDO</a:t>
+            </a:r>
+            <a:r>
+              <a:rPr lang="it-IT" dirty="0" smtClean="0">
+                <a:solidFill>
+                  <a:srgbClr val="FF0000"/>
+                </a:solidFill>
+              </a:rPr>
+              <a:t>: aggiungere</a:t>
+            </a:r>
+          </a:p>
+          <a:p>
+            <a:r>
+              <a:rPr lang="it-IT" dirty="0">
+                <a:solidFill>
+                  <a:srgbClr val="FF0000"/>
+                </a:solidFill>
+              </a:rPr>
+              <a:t>f</a:t>
+            </a:r>
+            <a:r>
+              <a:rPr lang="it-IT" dirty="0" smtClean="0">
+                <a:solidFill>
+                  <a:srgbClr val="FF0000"/>
+                </a:solidFill>
+              </a:rPr>
+              <a:t>ormule sull’interpolazione</a:t>
+            </a:r>
+            <a:endParaRPr lang="it-IT" dirty="0">
+              <a:solidFill>
+                <a:srgbClr val="FF0000"/>
+              </a:solidFill>
+            </a:endParaRPr>
+          </a:p>
+        </p:txBody>
+      </p:sp>
     </p:spTree>
     <p:extLst>
       <p:ext uri="{BB962C8B-B14F-4D97-AF65-F5344CB8AC3E}">
         <p14:creationId xmlns:p14="http://schemas.microsoft.com/office/powerpoint/2010/main" val="3813134160"/>
-      </p:ext>
-    </p:extLst>
-  </p:cSld>
-  <p:clrMapOvr>
-    <a:masterClrMapping/>
-  </p:clrMapOvr>
-  <p:timing>
-    <p:tnLst>
-      <p:par>
-        <p:cTn id="1" dur="indefinite" restart="never" nodeType="tmRoot"/>
-      </p:par>
-    </p:tnLst>
-  </p:timing>
-</p:sld>
-</file>
-
-<file path=ppt/slides/slide18.xml><?xml version="1.0" encoding="utf-8"?>
-<p:sld xmlns:a="http://schemas.openxmlformats.org/drawingml/2006/main" xmlns:r="http://schemas.openxmlformats.org/officeDocument/2006/relationships" xmlns:p="http://schemas.openxmlformats.org/presentationml/2006/main">
-  <p:cSld>
-    <p:spTree>
-      <p:nvGrpSpPr>
-        <p:cNvPr id="1" name=""/>
-        <p:cNvGrpSpPr/>
-        <p:nvPr/>
-      </p:nvGrpSpPr>
-      <p:grpSpPr>
-        <a:xfrm>
-          <a:off x="0" y="0"/>
-          <a:ext cx="0" cy="0"/>
-          <a:chOff x="0" y="0"/>
-          <a:chExt cx="0" cy="0"/>
-        </a:xfrm>
-      </p:grpSpPr>
-      <p:sp>
-        <p:nvSpPr>
-          <p:cNvPr id="2" name="Titolo 1"/>
-          <p:cNvSpPr>
-            <a:spLocks noGrp="1"/>
-          </p:cNvSpPr>
-          <p:nvPr>
-            <p:ph type="title"/>
-          </p:nvPr>
-        </p:nvSpPr>
-        <p:spPr/>
-        <p:txBody>
-          <a:bodyPr/>
-          <a:lstStyle/>
-          <a:p>
-            <a:r>
-              <a:rPr lang="it-IT" dirty="0" smtClean="0"/>
-              <a:t>Ottimizzazioni</a:t>
-            </a:r>
-            <a:endParaRPr lang="it-IT" dirty="0"/>
-          </a:p>
-        </p:txBody>
-      </p:sp>
-      <p:sp>
-        <p:nvSpPr>
-          <p:cNvPr id="3" name="Segnaposto contenuto 2"/>
-          <p:cNvSpPr>
-            <a:spLocks noGrp="1"/>
-          </p:cNvSpPr>
-          <p:nvPr>
-            <p:ph idx="1"/>
-          </p:nvPr>
-        </p:nvSpPr>
-        <p:spPr>
-          <a:xfrm>
-            <a:off x="685800" y="1142996"/>
-            <a:ext cx="7772400" cy="5333997"/>
-          </a:xfrm>
-        </p:spPr>
-        <p:txBody>
-          <a:bodyPr/>
-          <a:lstStyle/>
-          <a:p>
-            <a:r>
-              <a:rPr lang="it-IT" sz="2400" b="1" dirty="0"/>
-              <a:t>Finestratura</a:t>
-            </a:r>
-            <a:r>
-              <a:rPr lang="it-IT" sz="2400" dirty="0"/>
-              <a:t> di </a:t>
-            </a:r>
-            <a:r>
-              <a:rPr lang="it-IT" sz="2400" dirty="0" err="1"/>
-              <a:t>Hanning</a:t>
-            </a:r>
-            <a:r>
-              <a:rPr lang="it-IT" sz="2400" dirty="0"/>
-              <a:t> del segnale </a:t>
-            </a:r>
-            <a:r>
-              <a:rPr lang="it-IT" sz="2400" dirty="0" smtClean="0"/>
-              <a:t>interferometrico</a:t>
-            </a:r>
-            <a:endParaRPr lang="it-IT" sz="2400" dirty="0"/>
-          </a:p>
-          <a:p>
-            <a:r>
-              <a:rPr lang="it-IT" sz="2400" b="1" dirty="0" smtClean="0"/>
-              <a:t>Compensazione</a:t>
-            </a:r>
-            <a:r>
-              <a:rPr lang="it-IT" sz="2400" dirty="0" smtClean="0"/>
-              <a:t> </a:t>
-            </a:r>
-            <a:r>
-              <a:rPr lang="it-IT" sz="2400" dirty="0"/>
-              <a:t>della non-linearità del laser</a:t>
-            </a:r>
-            <a:br>
-              <a:rPr lang="it-IT" sz="2400" dirty="0"/>
-            </a:br>
-            <a:r>
-              <a:rPr lang="it-IT" sz="2400" dirty="0" smtClean="0"/>
-              <a:t/>
-            </a:r>
-            <a:br>
-              <a:rPr lang="it-IT" sz="2400" dirty="0" smtClean="0"/>
-            </a:br>
-            <a:r>
-              <a:rPr lang="it-IT" sz="2400" dirty="0" smtClean="0"/>
-              <a:t/>
-            </a:r>
-            <a:br>
-              <a:rPr lang="it-IT" sz="2400" dirty="0" smtClean="0"/>
-            </a:br>
-            <a:r>
-              <a:rPr lang="it-IT" sz="2400" dirty="0" smtClean="0"/>
-              <a:t/>
-            </a:r>
-            <a:br>
-              <a:rPr lang="it-IT" sz="2400" dirty="0" smtClean="0"/>
-            </a:br>
-            <a:r>
-              <a:rPr lang="it-IT" sz="2400" dirty="0" smtClean="0"/>
-              <a:t/>
-            </a:r>
-            <a:br>
-              <a:rPr lang="it-IT" sz="2400" dirty="0" smtClean="0"/>
-            </a:br>
-            <a:endParaRPr lang="it-IT" sz="2400" dirty="0"/>
-          </a:p>
-          <a:p>
-            <a:endParaRPr lang="it-IT" sz="2400" dirty="0"/>
-          </a:p>
-          <a:p>
-            <a:r>
-              <a:rPr lang="it-IT" sz="2400" dirty="0" smtClean="0"/>
-              <a:t>Segnali </a:t>
-            </a:r>
-            <a:r>
-              <a:rPr lang="it-IT" sz="2400" dirty="0"/>
-              <a:t>di </a:t>
-            </a:r>
-            <a:r>
-              <a:rPr lang="it-IT" sz="2400" dirty="0" smtClean="0"/>
-              <a:t>modulazione</a:t>
-            </a:r>
-            <a:br>
-              <a:rPr lang="it-IT" sz="2400" dirty="0" smtClean="0"/>
-            </a:br>
-            <a:r>
-              <a:rPr lang="it-IT" sz="2400" dirty="0" smtClean="0"/>
-              <a:t>con </a:t>
-            </a:r>
-            <a:r>
-              <a:rPr lang="it-IT" sz="2400" b="1" dirty="0" smtClean="0"/>
-              <a:t>ampiezze differenti</a:t>
-            </a:r>
-            <a:endParaRPr lang="it-IT" sz="2400" b="1" dirty="0"/>
-          </a:p>
-          <a:p>
-            <a:r>
-              <a:rPr lang="it-IT" sz="2400" b="1" dirty="0" smtClean="0"/>
-              <a:t>Sottrazione</a:t>
-            </a:r>
-            <a:r>
-              <a:rPr lang="it-IT" sz="2400" dirty="0" smtClean="0"/>
-              <a:t> </a:t>
-            </a:r>
-            <a:br>
-              <a:rPr lang="it-IT" sz="2400" dirty="0" smtClean="0"/>
-            </a:br>
-            <a:r>
-              <a:rPr lang="it-IT" sz="2400" dirty="0" smtClean="0"/>
-              <a:t>del </a:t>
-            </a:r>
-            <a:r>
-              <a:rPr lang="it-IT" sz="2400" dirty="0"/>
-              <a:t>fondo di </a:t>
-            </a:r>
-            <a:r>
-              <a:rPr lang="it-IT" sz="2400" b="1" dirty="0" smtClean="0"/>
-              <a:t>rumore</a:t>
-            </a:r>
-            <a:r>
-              <a:rPr lang="it-IT" sz="2400" dirty="0" smtClean="0"/>
-              <a:t> </a:t>
-            </a:r>
-            <a:endParaRPr lang="it-IT" sz="2400" dirty="0"/>
-          </a:p>
-          <a:p>
-            <a:endParaRPr lang="it-IT" sz="2400" dirty="0"/>
-          </a:p>
-        </p:txBody>
-      </p:sp>
-      <p:sp>
-        <p:nvSpPr>
-          <p:cNvPr id="4" name="Segnaposto numero diapositiva 3"/>
-          <p:cNvSpPr>
-            <a:spLocks noGrp="1"/>
-          </p:cNvSpPr>
-          <p:nvPr>
-            <p:ph type="sldNum" sz="quarter" idx="11"/>
-          </p:nvPr>
-        </p:nvSpPr>
-        <p:spPr/>
-        <p:txBody>
-          <a:bodyPr/>
-          <a:lstStyle/>
-          <a:p>
-            <a:fld id="{C503DA3A-0C6B-48FC-931E-2C786AAFD5C1}" type="slidenum">
-              <a:rPr lang="en-US" altLang="nl-NL" smtClean="0"/>
-              <a:pPr/>
-              <a:t>18</a:t>
-            </a:fld>
-            <a:endParaRPr lang="en-US" altLang="nl-NL"/>
-          </a:p>
-        </p:txBody>
-      </p:sp>
-      <p:pic>
-        <p:nvPicPr>
-          <p:cNvPr id="8" name="Immagine 7"/>
-          <p:cNvPicPr>
-            <a:picLocks noChangeAspect="1"/>
-          </p:cNvPicPr>
-          <p:nvPr/>
-        </p:nvPicPr>
-        <p:blipFill>
-          <a:blip r:embed="rId2">
-            <a:extLst>
-              <a:ext uri="{28A0092B-C50C-407E-A947-70E740481C1C}">
-                <a14:useLocalDpi xmlns:a14="http://schemas.microsoft.com/office/drawing/2010/main" val="0"/>
-              </a:ext>
-            </a:extLst>
-          </a:blip>
-          <a:stretch>
-            <a:fillRect/>
-          </a:stretch>
-        </p:blipFill>
-        <p:spPr>
-          <a:xfrm>
-            <a:off x="742952" y="2429100"/>
-            <a:ext cx="2902713" cy="1979614"/>
-          </a:xfrm>
-          <a:prstGeom prst="rect">
-            <a:avLst/>
-          </a:prstGeom>
-        </p:spPr>
-      </p:pic>
-      <p:pic>
-        <p:nvPicPr>
-          <p:cNvPr id="9" name="Immagine 8"/>
-          <p:cNvPicPr>
-            <a:picLocks noChangeAspect="1"/>
-          </p:cNvPicPr>
-          <p:nvPr/>
-        </p:nvPicPr>
-        <p:blipFill>
-          <a:blip r:embed="rId3">
-            <a:extLst>
-              <a:ext uri="{28A0092B-C50C-407E-A947-70E740481C1C}">
-                <a14:useLocalDpi xmlns:a14="http://schemas.microsoft.com/office/drawing/2010/main" val="0"/>
-              </a:ext>
-            </a:extLst>
-          </a:blip>
-          <a:stretch>
-            <a:fillRect/>
-          </a:stretch>
-        </p:blipFill>
-        <p:spPr>
-          <a:xfrm>
-            <a:off x="5147297" y="2396442"/>
-            <a:ext cx="2866327" cy="2219092"/>
-          </a:xfrm>
-          <a:prstGeom prst="rect">
-            <a:avLst/>
-          </a:prstGeom>
-        </p:spPr>
-      </p:pic>
-      <p:sp>
-        <p:nvSpPr>
-          <p:cNvPr id="10" name="Freccia destra 9"/>
-          <p:cNvSpPr/>
-          <p:nvPr/>
-        </p:nvSpPr>
-        <p:spPr>
-          <a:xfrm>
-            <a:off x="3248962" y="3031995"/>
-            <a:ext cx="2016176" cy="793851"/>
-          </a:xfrm>
-          <a:prstGeom prst="rightArrow">
-            <a:avLst/>
-          </a:prstGeom>
-          <a:solidFill>
-            <a:srgbClr val="FF0000"/>
-          </a:solidFill>
-        </p:spPr>
-        <p:style>
-          <a:lnRef idx="1">
-            <a:schemeClr val="accent1"/>
-          </a:lnRef>
-          <a:fillRef idx="3">
-            <a:schemeClr val="accent1"/>
-          </a:fillRef>
-          <a:effectRef idx="2">
-            <a:schemeClr val="accent1"/>
-          </a:effectRef>
-          <a:fontRef idx="minor">
-            <a:schemeClr val="lt1"/>
-          </a:fontRef>
-        </p:style>
-        <p:txBody>
-          <a:bodyPr rtlCol="0" anchor="ctr"/>
-          <a:lstStyle/>
-          <a:p>
-            <a:pPr algn="ctr"/>
-            <a:r>
-              <a:rPr lang="it-IT" sz="1500" dirty="0" smtClean="0"/>
-              <a:t>Compensazione</a:t>
-            </a:r>
-            <a:endParaRPr lang="it-IT" sz="1500" dirty="0"/>
-          </a:p>
-        </p:txBody>
-      </p:sp>
-      <p:pic>
-        <p:nvPicPr>
-          <p:cNvPr id="11" name="Immagine 10"/>
-          <p:cNvPicPr>
-            <a:picLocks noChangeAspect="1"/>
-          </p:cNvPicPr>
-          <p:nvPr/>
-        </p:nvPicPr>
-        <p:blipFill>
-          <a:blip r:embed="rId4">
-            <a:extLst>
-              <a:ext uri="{28A0092B-C50C-407E-A947-70E740481C1C}">
-                <a14:useLocalDpi xmlns:a14="http://schemas.microsoft.com/office/drawing/2010/main" val="0"/>
-              </a:ext>
-            </a:extLst>
-          </a:blip>
-          <a:stretch>
-            <a:fillRect/>
-          </a:stretch>
-        </p:blipFill>
-        <p:spPr>
-          <a:xfrm>
-            <a:off x="5147297" y="4633358"/>
-            <a:ext cx="2930203" cy="1871175"/>
-          </a:xfrm>
-          <a:prstGeom prst="rect">
-            <a:avLst/>
-          </a:prstGeom>
-        </p:spPr>
-      </p:pic>
-    </p:spTree>
-    <p:extLst>
-      <p:ext uri="{BB962C8B-B14F-4D97-AF65-F5344CB8AC3E}">
-        <p14:creationId xmlns:p14="http://schemas.microsoft.com/office/powerpoint/2010/main" val="2982879685"/>
-      </p:ext>
-    </p:extLst>
-  </p:cSld>
-  <p:clrMapOvr>
-    <a:masterClrMapping/>
-  </p:clrMapOvr>
-  <p:timing>
-    <p:tnLst>
-      <p:par>
-        <p:cTn id="1" dur="indefinite" restart="never" nodeType="tmRoot"/>
-      </p:par>
-    </p:tnLst>
-  </p:timing>
-</p:sld>
-</file>
-
-<file path=ppt/slides/slide19.xml><?xml version="1.0" encoding="utf-8"?>
-<p:sld xmlns:a="http://schemas.openxmlformats.org/drawingml/2006/main" xmlns:r="http://schemas.openxmlformats.org/officeDocument/2006/relationships" xmlns:p="http://schemas.openxmlformats.org/presentationml/2006/main">
-  <p:cSld>
-    <p:spTree>
-      <p:nvGrpSpPr>
-        <p:cNvPr id="1" name=""/>
-        <p:cNvGrpSpPr/>
-        <p:nvPr/>
-      </p:nvGrpSpPr>
-      <p:grpSpPr>
-        <a:xfrm>
-          <a:off x="0" y="0"/>
-          <a:ext cx="0" cy="0"/>
-          <a:chOff x="0" y="0"/>
-          <a:chExt cx="0" cy="0"/>
-        </a:xfrm>
-      </p:grpSpPr>
-      <p:sp>
-        <p:nvSpPr>
-          <p:cNvPr id="2" name="Titolo 1"/>
-          <p:cNvSpPr>
-            <a:spLocks noGrp="1"/>
-          </p:cNvSpPr>
-          <p:nvPr>
-            <p:ph type="title"/>
-          </p:nvPr>
-        </p:nvSpPr>
-        <p:spPr/>
-        <p:txBody>
-          <a:bodyPr/>
-          <a:lstStyle/>
-          <a:p>
-            <a:endParaRPr lang="it-IT"/>
-          </a:p>
-        </p:txBody>
-      </p:sp>
-      <p:sp>
-        <p:nvSpPr>
-          <p:cNvPr id="3" name="Segnaposto contenuto 2"/>
-          <p:cNvSpPr>
-            <a:spLocks noGrp="1"/>
-          </p:cNvSpPr>
-          <p:nvPr>
-            <p:ph idx="1"/>
-          </p:nvPr>
-        </p:nvSpPr>
-        <p:spPr/>
-        <p:txBody>
-          <a:bodyPr/>
-          <a:lstStyle/>
-          <a:p>
-            <a:endParaRPr lang="it-IT"/>
-          </a:p>
-        </p:txBody>
-      </p:sp>
-      <p:sp>
-        <p:nvSpPr>
-          <p:cNvPr id="4" name="Segnaposto numero diapositiva 3"/>
-          <p:cNvSpPr>
-            <a:spLocks noGrp="1"/>
-          </p:cNvSpPr>
-          <p:nvPr>
-            <p:ph type="sldNum" sz="quarter" idx="11"/>
-          </p:nvPr>
-        </p:nvSpPr>
-        <p:spPr/>
-        <p:txBody>
-          <a:bodyPr/>
-          <a:lstStyle/>
-          <a:p>
-            <a:fld id="{C503DA3A-0C6B-48FC-931E-2C786AAFD5C1}" type="slidenum">
-              <a:rPr lang="en-US" altLang="nl-NL" smtClean="0"/>
-              <a:pPr/>
-              <a:t>19</a:t>
-            </a:fld>
-            <a:endParaRPr lang="en-US" altLang="nl-NL"/>
-          </a:p>
-        </p:txBody>
-      </p:sp>
-    </p:spTree>
-    <p:extLst>
-      <p:ext uri="{BB962C8B-B14F-4D97-AF65-F5344CB8AC3E}">
-        <p14:creationId xmlns:p14="http://schemas.microsoft.com/office/powerpoint/2010/main" val="269455306"/>
-      </p:ext>
-    </p:extLst>
-  </p:cSld>
-  <p:clrMapOvr>
-    <a:masterClrMapping/>
-  </p:clrMapOvr>
-</p:sld>
-</file>
-
-<file path=ppt/slides/slide2.xml><?xml version="1.0" encoding="utf-8"?>
-<p:sld xmlns:a="http://schemas.openxmlformats.org/drawingml/2006/main" xmlns:r="http://schemas.openxmlformats.org/officeDocument/2006/relationships" xmlns:p="http://schemas.openxmlformats.org/presentationml/2006/main">
-  <p:cSld>
-    <p:spTree>
-      <p:nvGrpSpPr>
-        <p:cNvPr id="1" name=""/>
-        <p:cNvGrpSpPr/>
-        <p:nvPr/>
-      </p:nvGrpSpPr>
-      <p:grpSpPr>
-        <a:xfrm>
-          <a:off x="0" y="0"/>
-          <a:ext cx="0" cy="0"/>
-          <a:chOff x="0" y="0"/>
-          <a:chExt cx="0" cy="0"/>
-        </a:xfrm>
-      </p:grpSpPr>
-      <p:sp>
-        <p:nvSpPr>
-          <p:cNvPr id="2" name="Titolo 1"/>
-          <p:cNvSpPr>
-            <a:spLocks noGrp="1"/>
-          </p:cNvSpPr>
-          <p:nvPr>
-            <p:ph type="title"/>
-          </p:nvPr>
-        </p:nvSpPr>
-        <p:spPr/>
-        <p:txBody>
-          <a:bodyPr/>
-          <a:lstStyle/>
-          <a:p>
-            <a:r>
-              <a:rPr lang="it-IT" dirty="0" smtClean="0"/>
-              <a:t>Indice</a:t>
-            </a:r>
-            <a:endParaRPr lang="it-IT" dirty="0"/>
-          </a:p>
-        </p:txBody>
-      </p:sp>
-      <p:sp>
-        <p:nvSpPr>
-          <p:cNvPr id="3" name="Segnaposto contenuto 2"/>
-          <p:cNvSpPr>
-            <a:spLocks noGrp="1"/>
-          </p:cNvSpPr>
-          <p:nvPr>
-            <p:ph idx="1"/>
-          </p:nvPr>
-        </p:nvSpPr>
-        <p:spPr>
-          <a:xfrm>
-            <a:off x="609600" y="891778"/>
-            <a:ext cx="7784892" cy="5531644"/>
-          </a:xfrm>
-        </p:spPr>
-        <p:txBody>
-          <a:bodyPr/>
-          <a:lstStyle/>
-          <a:p>
-            <a:r>
-              <a:rPr lang="it-IT" sz="2400" dirty="0"/>
-              <a:t>Interferometria</a:t>
-            </a:r>
-          </a:p>
-          <a:p>
-            <a:pPr lvl="1"/>
-            <a:r>
-              <a:rPr lang="it-IT" sz="2000" dirty="0"/>
-              <a:t>Interferometria a self-mixing</a:t>
-            </a:r>
-          </a:p>
-          <a:p>
-            <a:pPr lvl="1"/>
-            <a:r>
-              <a:rPr lang="it-IT" sz="2000" dirty="0"/>
-              <a:t>Misura della distanza</a:t>
-            </a:r>
-          </a:p>
-          <a:p>
-            <a:r>
-              <a:rPr lang="it-IT" sz="2400" dirty="0"/>
-              <a:t>Architettura hardware</a:t>
-            </a:r>
-          </a:p>
-          <a:p>
-            <a:pPr lvl="1"/>
-            <a:r>
-              <a:rPr lang="it-IT" sz="2000" dirty="0" smtClean="0"/>
-              <a:t>Sistema analogico</a:t>
-            </a:r>
-          </a:p>
-          <a:p>
-            <a:pPr lvl="1"/>
-            <a:r>
-              <a:rPr lang="it-IT" sz="2000" dirty="0"/>
-              <a:t>Sistema di </a:t>
-            </a:r>
-            <a:r>
-              <a:rPr lang="it-IT" sz="2000" dirty="0" smtClean="0"/>
-              <a:t>conversione</a:t>
-            </a:r>
-            <a:endParaRPr lang="it-IT" sz="2000" dirty="0"/>
-          </a:p>
-          <a:p>
-            <a:pPr lvl="1"/>
-            <a:r>
-              <a:rPr lang="it-IT" sz="2000" dirty="0" smtClean="0"/>
-              <a:t>Sistema digitale</a:t>
-            </a:r>
-            <a:endParaRPr lang="it-IT" sz="2000" dirty="0"/>
-          </a:p>
-          <a:p>
-            <a:r>
-              <a:rPr lang="it-IT" sz="2400" dirty="0" smtClean="0"/>
-              <a:t>Architettura </a:t>
-            </a:r>
-            <a:r>
-              <a:rPr lang="it-IT" sz="2400" dirty="0"/>
-              <a:t>software</a:t>
-            </a:r>
-          </a:p>
-          <a:p>
-            <a:pPr lvl="1"/>
-            <a:r>
-              <a:rPr lang="it-IT" sz="2000" dirty="0"/>
-              <a:t>Dettagli </a:t>
-            </a:r>
-            <a:r>
-              <a:rPr lang="it-IT" sz="2000" dirty="0" smtClean="0"/>
-              <a:t>implementativi</a:t>
-            </a:r>
-          </a:p>
-          <a:p>
-            <a:pPr lvl="1"/>
-            <a:r>
-              <a:rPr lang="it-IT" sz="2000" dirty="0" smtClean="0"/>
-              <a:t>FPGA</a:t>
-            </a:r>
-            <a:endParaRPr lang="it-IT" sz="2000" dirty="0"/>
-          </a:p>
-          <a:p>
-            <a:pPr lvl="1"/>
-            <a:r>
-              <a:rPr lang="it-IT" sz="2000" dirty="0" smtClean="0"/>
-              <a:t>Microcontrollore</a:t>
-            </a:r>
-          </a:p>
-          <a:p>
-            <a:pPr lvl="1"/>
-            <a:r>
-              <a:rPr lang="it-IT" sz="2000" dirty="0" smtClean="0"/>
-              <a:t>Ottimizzazioni</a:t>
-            </a:r>
-            <a:endParaRPr lang="it-IT" sz="2000" dirty="0"/>
-          </a:p>
-          <a:p>
-            <a:r>
-              <a:rPr lang="it-IT" sz="2400" dirty="0"/>
-              <a:t>Risultati </a:t>
-            </a:r>
-            <a:r>
-              <a:rPr lang="it-IT" sz="2400" dirty="0" smtClean="0"/>
-              <a:t>sperimentali</a:t>
-            </a:r>
-            <a:endParaRPr lang="it-IT" sz="2400" dirty="0"/>
-          </a:p>
-          <a:p>
-            <a:r>
-              <a:rPr lang="it-IT" sz="2400" dirty="0"/>
-              <a:t>Conclusioni e sviluppi futuri</a:t>
-            </a:r>
-          </a:p>
-        </p:txBody>
-      </p:sp>
-      <p:sp>
-        <p:nvSpPr>
-          <p:cNvPr id="4" name="Segnaposto numero diapositiva 3"/>
-          <p:cNvSpPr>
-            <a:spLocks noGrp="1"/>
-          </p:cNvSpPr>
-          <p:nvPr>
-            <p:ph type="sldNum" sz="quarter" idx="11"/>
-          </p:nvPr>
-        </p:nvSpPr>
-        <p:spPr/>
-        <p:txBody>
-          <a:bodyPr/>
-          <a:lstStyle/>
-          <a:p>
-            <a:fld id="{C503DA3A-0C6B-48FC-931E-2C786AAFD5C1}" type="slidenum">
-              <a:rPr lang="en-US" altLang="nl-NL" smtClean="0"/>
-              <a:pPr/>
-              <a:t>2</a:t>
-            </a:fld>
-            <a:endParaRPr lang="en-US" altLang="nl-NL"/>
-          </a:p>
-        </p:txBody>
-      </p:sp>
-    </p:spTree>
-    <p:extLst>
-      <p:ext uri="{BB962C8B-B14F-4D97-AF65-F5344CB8AC3E}">
-        <p14:creationId xmlns:p14="http://schemas.microsoft.com/office/powerpoint/2010/main" val="3953617699"/>
-      </p:ext>
-    </p:extLst>
-  </p:cSld>
-  <p:clrMapOvr>
-    <a:masterClrMapping/>
-  </p:clrMapOvr>
-  <p:timing>
-    <p:tnLst>
-      <p:par>
-        <p:cTn id="1" dur="indefinite" restart="never" nodeType="tmRoot"/>
-      </p:par>
-    </p:tnLst>
-  </p:timing>
-</p:sld>
-</file>
-
-<file path=ppt/slides/slide20.xml><?xml version="1.0" encoding="utf-8"?>
-<p:sld xmlns:a="http://schemas.openxmlformats.org/drawingml/2006/main" xmlns:r="http://schemas.openxmlformats.org/officeDocument/2006/relationships" xmlns:p="http://schemas.openxmlformats.org/presentationml/2006/main">
-  <p:cSld>
-    <p:spTree>
-      <p:nvGrpSpPr>
-        <p:cNvPr id="1" name=""/>
-        <p:cNvGrpSpPr/>
-        <p:nvPr/>
-      </p:nvGrpSpPr>
-      <p:grpSpPr>
-        <a:xfrm>
-          <a:off x="0" y="0"/>
-          <a:ext cx="0" cy="0"/>
-          <a:chOff x="0" y="0"/>
-          <a:chExt cx="0" cy="0"/>
-        </a:xfrm>
-      </p:grpSpPr>
-      <p:sp>
-        <p:nvSpPr>
-          <p:cNvPr id="2" name="Titolo 1"/>
-          <p:cNvSpPr>
-            <a:spLocks noGrp="1"/>
-          </p:cNvSpPr>
-          <p:nvPr>
-            <p:ph type="title"/>
-          </p:nvPr>
-        </p:nvSpPr>
-        <p:spPr/>
-        <p:txBody>
-          <a:bodyPr/>
-          <a:lstStyle/>
-          <a:p>
-            <a:r>
-              <a:rPr lang="it-IT" dirty="0" smtClean="0"/>
-              <a:t>Indice</a:t>
-            </a:r>
-            <a:endParaRPr lang="it-IT" dirty="0"/>
-          </a:p>
-        </p:txBody>
-      </p:sp>
-      <p:sp>
-        <p:nvSpPr>
-          <p:cNvPr id="3" name="Segnaposto contenuto 2"/>
-          <p:cNvSpPr>
-            <a:spLocks noGrp="1"/>
-          </p:cNvSpPr>
-          <p:nvPr>
-            <p:ph idx="1"/>
-          </p:nvPr>
-        </p:nvSpPr>
-        <p:spPr>
-          <a:xfrm>
-            <a:off x="609600" y="1021556"/>
-            <a:ext cx="7815263" cy="5272088"/>
-          </a:xfrm>
-        </p:spPr>
-        <p:txBody>
-          <a:bodyPr/>
-          <a:lstStyle/>
-          <a:p>
-            <a:r>
-              <a:rPr lang="it-IT" sz="2400" dirty="0">
-                <a:solidFill>
-                  <a:schemeClr val="bg2">
-                    <a:lumMod val="40000"/>
-                    <a:lumOff val="60000"/>
-                  </a:schemeClr>
-                </a:solidFill>
-              </a:rPr>
-              <a:t>Interferometria</a:t>
-            </a:r>
-          </a:p>
-          <a:p>
-            <a:pPr lvl="1"/>
-            <a:r>
-              <a:rPr lang="it-IT" sz="2000" dirty="0">
-                <a:solidFill>
-                  <a:schemeClr val="bg2">
-                    <a:lumMod val="40000"/>
-                    <a:lumOff val="60000"/>
-                  </a:schemeClr>
-                </a:solidFill>
-              </a:rPr>
-              <a:t>Interferometria a self-mixing</a:t>
-            </a:r>
-          </a:p>
-          <a:p>
-            <a:pPr lvl="1"/>
-            <a:r>
-              <a:rPr lang="it-IT" sz="2000" dirty="0">
-                <a:solidFill>
-                  <a:schemeClr val="bg2">
-                    <a:lumMod val="40000"/>
-                    <a:lumOff val="60000"/>
-                  </a:schemeClr>
-                </a:solidFill>
-              </a:rPr>
-              <a:t>Misura della distanza</a:t>
-            </a:r>
-          </a:p>
-          <a:p>
-            <a:r>
-              <a:rPr lang="it-IT" sz="2400" dirty="0">
-                <a:solidFill>
-                  <a:schemeClr val="bg2">
-                    <a:lumMod val="40000"/>
-                    <a:lumOff val="60000"/>
-                  </a:schemeClr>
-                </a:solidFill>
-              </a:rPr>
-              <a:t>Architettura hardware</a:t>
-            </a:r>
-          </a:p>
-          <a:p>
-            <a:pPr lvl="1"/>
-            <a:r>
-              <a:rPr lang="it-IT" sz="2000" dirty="0">
-                <a:solidFill>
-                  <a:schemeClr val="bg2">
-                    <a:lumMod val="40000"/>
-                    <a:lumOff val="60000"/>
-                  </a:schemeClr>
-                </a:solidFill>
-              </a:rPr>
-              <a:t>Sistema analogico</a:t>
-            </a:r>
-          </a:p>
-          <a:p>
-            <a:pPr lvl="1"/>
-            <a:r>
-              <a:rPr lang="it-IT" sz="2000" dirty="0">
-                <a:solidFill>
-                  <a:schemeClr val="bg2">
-                    <a:lumMod val="40000"/>
-                    <a:lumOff val="60000"/>
-                  </a:schemeClr>
-                </a:solidFill>
-              </a:rPr>
-              <a:t>Sistema di conversione</a:t>
-            </a:r>
-          </a:p>
-          <a:p>
-            <a:pPr lvl="1"/>
-            <a:r>
-              <a:rPr lang="it-IT" sz="2000" dirty="0">
-                <a:solidFill>
-                  <a:schemeClr val="bg2">
-                    <a:lumMod val="40000"/>
-                    <a:lumOff val="60000"/>
-                  </a:schemeClr>
-                </a:solidFill>
-              </a:rPr>
-              <a:t>Sistema digitale</a:t>
-            </a:r>
-          </a:p>
-          <a:p>
-            <a:r>
-              <a:rPr lang="it-IT" sz="2400" dirty="0">
-                <a:solidFill>
-                  <a:schemeClr val="bg2">
-                    <a:lumMod val="40000"/>
-                    <a:lumOff val="60000"/>
-                  </a:schemeClr>
-                </a:solidFill>
-              </a:rPr>
-              <a:t>Architettura software</a:t>
-            </a:r>
-          </a:p>
-          <a:p>
-            <a:pPr lvl="1"/>
-            <a:r>
-              <a:rPr lang="it-IT" sz="2000" dirty="0">
-                <a:solidFill>
-                  <a:schemeClr val="bg2">
-                    <a:lumMod val="40000"/>
-                    <a:lumOff val="60000"/>
-                  </a:schemeClr>
-                </a:solidFill>
-              </a:rPr>
-              <a:t>Dettagli implementativi</a:t>
-            </a:r>
-          </a:p>
-          <a:p>
-            <a:pPr lvl="1"/>
-            <a:r>
-              <a:rPr lang="it-IT" sz="2000" dirty="0" smtClean="0">
-                <a:solidFill>
-                  <a:schemeClr val="bg2">
-                    <a:lumMod val="40000"/>
-                    <a:lumOff val="60000"/>
-                  </a:schemeClr>
-                </a:solidFill>
-              </a:rPr>
-              <a:t>FPGA</a:t>
-            </a:r>
-            <a:endParaRPr lang="it-IT" sz="2000" dirty="0">
-              <a:solidFill>
-                <a:schemeClr val="bg2">
-                  <a:lumMod val="40000"/>
-                  <a:lumOff val="60000"/>
-                </a:schemeClr>
-              </a:solidFill>
-            </a:endParaRPr>
-          </a:p>
-          <a:p>
-            <a:pPr lvl="1"/>
-            <a:r>
-              <a:rPr lang="it-IT" sz="2000" dirty="0">
-                <a:solidFill>
-                  <a:schemeClr val="bg2">
-                    <a:lumMod val="40000"/>
-                    <a:lumOff val="60000"/>
-                  </a:schemeClr>
-                </a:solidFill>
-              </a:rPr>
-              <a:t>Microcontrollore</a:t>
-            </a:r>
-          </a:p>
-          <a:p>
-            <a:pPr lvl="1"/>
-            <a:r>
-              <a:rPr lang="it-IT" sz="2000" dirty="0" smtClean="0">
-                <a:solidFill>
-                  <a:schemeClr val="bg2">
-                    <a:lumMod val="40000"/>
-                    <a:lumOff val="60000"/>
-                  </a:schemeClr>
-                </a:solidFill>
-              </a:rPr>
-              <a:t>Ottimizzazioni</a:t>
-            </a:r>
-            <a:endParaRPr lang="it-IT" sz="2000" dirty="0">
-              <a:solidFill>
-                <a:schemeClr val="bg2">
-                  <a:lumMod val="40000"/>
-                  <a:lumOff val="60000"/>
-                </a:schemeClr>
-              </a:solidFill>
-            </a:endParaRPr>
-          </a:p>
-          <a:p>
-            <a:r>
-              <a:rPr lang="it-IT" sz="2400" dirty="0"/>
-              <a:t>Risultati sperimentali</a:t>
-            </a:r>
-          </a:p>
-          <a:p>
-            <a:r>
-              <a:rPr lang="it-IT" sz="2400" dirty="0"/>
-              <a:t>Conclusioni e sviluppi futuri</a:t>
-            </a:r>
-          </a:p>
-        </p:txBody>
-      </p:sp>
-      <p:sp>
-        <p:nvSpPr>
-          <p:cNvPr id="4" name="Segnaposto numero diapositiva 3"/>
-          <p:cNvSpPr>
-            <a:spLocks noGrp="1"/>
-          </p:cNvSpPr>
-          <p:nvPr>
-            <p:ph type="sldNum" sz="quarter" idx="11"/>
-          </p:nvPr>
-        </p:nvSpPr>
-        <p:spPr/>
-        <p:txBody>
-          <a:bodyPr/>
-          <a:lstStyle/>
-          <a:p>
-            <a:fld id="{C503DA3A-0C6B-48FC-931E-2C786AAFD5C1}" type="slidenum">
-              <a:rPr lang="en-US" altLang="nl-NL" smtClean="0"/>
-              <a:pPr/>
-              <a:t>20</a:t>
-            </a:fld>
-            <a:endParaRPr lang="en-US" altLang="nl-NL"/>
-          </a:p>
-        </p:txBody>
-      </p:sp>
-    </p:spTree>
-    <p:extLst>
-      <p:ext uri="{BB962C8B-B14F-4D97-AF65-F5344CB8AC3E}">
-        <p14:creationId xmlns:p14="http://schemas.microsoft.com/office/powerpoint/2010/main" val="3354392950"/>
       </p:ext>
     </p:extLst>
   </p:cSld>
@@ -11396,6 +11715,914 @@
           <a:p>
             <a:r>
               <a:rPr lang="it-IT" dirty="0" smtClean="0"/>
+              <a:t>Ottimizzazioni</a:t>
+            </a:r>
+            <a:endParaRPr lang="it-IT" dirty="0"/>
+          </a:p>
+        </p:txBody>
+      </p:sp>
+      <p:sp>
+        <p:nvSpPr>
+          <p:cNvPr id="3" name="Segnaposto contenuto 2"/>
+          <p:cNvSpPr>
+            <a:spLocks noGrp="1"/>
+          </p:cNvSpPr>
+          <p:nvPr>
+            <p:ph idx="1"/>
+          </p:nvPr>
+        </p:nvSpPr>
+        <p:spPr>
+          <a:xfrm>
+            <a:off x="685800" y="1127802"/>
+            <a:ext cx="7772400" cy="927848"/>
+          </a:xfrm>
+        </p:spPr>
+        <p:txBody>
+          <a:bodyPr/>
+          <a:lstStyle/>
+          <a:p>
+            <a:r>
+              <a:rPr lang="it-IT" sz="2400" b="1" dirty="0"/>
+              <a:t>Finestratura</a:t>
+            </a:r>
+            <a:r>
+              <a:rPr lang="it-IT" sz="2400" dirty="0"/>
+              <a:t> di </a:t>
+            </a:r>
+            <a:r>
+              <a:rPr lang="it-IT" sz="2400" dirty="0" err="1"/>
+              <a:t>Hanning</a:t>
+            </a:r>
+            <a:r>
+              <a:rPr lang="it-IT" sz="2400" dirty="0"/>
+              <a:t> del segnale </a:t>
+            </a:r>
+            <a:r>
+              <a:rPr lang="it-IT" sz="2400" dirty="0" smtClean="0"/>
+              <a:t>interferometrico</a:t>
+            </a:r>
+            <a:r>
+              <a:rPr lang="it-IT" sz="2400" dirty="0"/>
+              <a:t/>
+            </a:r>
+            <a:br>
+              <a:rPr lang="it-IT" sz="2400" dirty="0"/>
+            </a:br>
+            <a:r>
+              <a:rPr lang="it-IT" sz="2400" dirty="0" smtClean="0"/>
+              <a:t/>
+            </a:r>
+            <a:br>
+              <a:rPr lang="it-IT" sz="2400" dirty="0" smtClean="0"/>
+            </a:br>
+            <a:r>
+              <a:rPr lang="it-IT" sz="2400" dirty="0" smtClean="0"/>
+              <a:t/>
+            </a:r>
+            <a:br>
+              <a:rPr lang="it-IT" sz="2400" dirty="0" smtClean="0"/>
+            </a:br>
+            <a:r>
+              <a:rPr lang="it-IT" sz="2400" dirty="0" smtClean="0"/>
+              <a:t/>
+            </a:r>
+            <a:br>
+              <a:rPr lang="it-IT" sz="2400" dirty="0" smtClean="0"/>
+            </a:br>
+            <a:r>
+              <a:rPr lang="it-IT" sz="2400" dirty="0" smtClean="0"/>
+              <a:t/>
+            </a:r>
+            <a:br>
+              <a:rPr lang="it-IT" sz="2400" dirty="0" smtClean="0"/>
+            </a:br>
+            <a:endParaRPr lang="it-IT" sz="2400" dirty="0"/>
+          </a:p>
+          <a:p>
+            <a:endParaRPr lang="it-IT" sz="2400" dirty="0"/>
+          </a:p>
+          <a:p>
+            <a:endParaRPr lang="it-IT" sz="2400" dirty="0"/>
+          </a:p>
+        </p:txBody>
+      </p:sp>
+      <p:sp>
+        <p:nvSpPr>
+          <p:cNvPr id="4" name="Segnaposto numero diapositiva 3"/>
+          <p:cNvSpPr>
+            <a:spLocks noGrp="1"/>
+          </p:cNvSpPr>
+          <p:nvPr>
+            <p:ph type="sldNum" sz="quarter" idx="11"/>
+          </p:nvPr>
+        </p:nvSpPr>
+        <p:spPr/>
+        <p:txBody>
+          <a:bodyPr/>
+          <a:lstStyle/>
+          <a:p>
+            <a:fld id="{C503DA3A-0C6B-48FC-931E-2C786AAFD5C1}" type="slidenum">
+              <a:rPr lang="en-US" altLang="nl-NL" smtClean="0"/>
+              <a:pPr/>
+              <a:t>21</a:t>
+            </a:fld>
+            <a:endParaRPr lang="en-US" altLang="nl-NL"/>
+          </a:p>
+        </p:txBody>
+      </p:sp>
+      <p:pic>
+        <p:nvPicPr>
+          <p:cNvPr id="8" name="Immagine 7"/>
+          <p:cNvPicPr>
+            <a:picLocks noChangeAspect="1"/>
+          </p:cNvPicPr>
+          <p:nvPr/>
+        </p:nvPicPr>
+        <p:blipFill>
+          <a:blip r:embed="rId2">
+            <a:extLst>
+              <a:ext uri="{28A0092B-C50C-407E-A947-70E740481C1C}">
+                <a14:useLocalDpi xmlns:a14="http://schemas.microsoft.com/office/drawing/2010/main" val="0"/>
+              </a:ext>
+            </a:extLst>
+          </a:blip>
+          <a:stretch>
+            <a:fillRect/>
+          </a:stretch>
+        </p:blipFill>
+        <p:spPr>
+          <a:xfrm>
+            <a:off x="996043" y="2598960"/>
+            <a:ext cx="2902713" cy="1979614"/>
+          </a:xfrm>
+          <a:prstGeom prst="rect">
+            <a:avLst/>
+          </a:prstGeom>
+        </p:spPr>
+      </p:pic>
+      <p:pic>
+        <p:nvPicPr>
+          <p:cNvPr id="9" name="Immagine 8"/>
+          <p:cNvPicPr>
+            <a:picLocks noChangeAspect="1"/>
+          </p:cNvPicPr>
+          <p:nvPr/>
+        </p:nvPicPr>
+        <p:blipFill>
+          <a:blip r:embed="rId3">
+            <a:extLst>
+              <a:ext uri="{28A0092B-C50C-407E-A947-70E740481C1C}">
+                <a14:useLocalDpi xmlns:a14="http://schemas.microsoft.com/office/drawing/2010/main" val="0"/>
+              </a:ext>
+            </a:extLst>
+          </a:blip>
+          <a:stretch>
+            <a:fillRect/>
+          </a:stretch>
+        </p:blipFill>
+        <p:spPr>
+          <a:xfrm>
+            <a:off x="5400388" y="2566302"/>
+            <a:ext cx="2623851" cy="2031369"/>
+          </a:xfrm>
+          <a:prstGeom prst="rect">
+            <a:avLst/>
+          </a:prstGeom>
+        </p:spPr>
+      </p:pic>
+      <p:sp>
+        <p:nvSpPr>
+          <p:cNvPr id="10" name="Freccia destra 9"/>
+          <p:cNvSpPr/>
+          <p:nvPr/>
+        </p:nvSpPr>
+        <p:spPr>
+          <a:xfrm>
+            <a:off x="3502053" y="3201855"/>
+            <a:ext cx="2016176" cy="793851"/>
+          </a:xfrm>
+          <a:prstGeom prst="rightArrow">
+            <a:avLst/>
+          </a:prstGeom>
+          <a:solidFill>
+            <a:srgbClr val="FF0000"/>
+          </a:solidFill>
+        </p:spPr>
+        <p:style>
+          <a:lnRef idx="1">
+            <a:schemeClr val="accent1"/>
+          </a:lnRef>
+          <a:fillRef idx="3">
+            <a:schemeClr val="accent1"/>
+          </a:fillRef>
+          <a:effectRef idx="2">
+            <a:schemeClr val="accent1"/>
+          </a:effectRef>
+          <a:fontRef idx="minor">
+            <a:schemeClr val="lt1"/>
+          </a:fontRef>
+        </p:style>
+        <p:txBody>
+          <a:bodyPr rtlCol="0" anchor="ctr"/>
+          <a:lstStyle/>
+          <a:p>
+            <a:pPr algn="ctr"/>
+            <a:r>
+              <a:rPr lang="it-IT" sz="1500" dirty="0" smtClean="0"/>
+              <a:t>Compensazione</a:t>
+            </a:r>
+            <a:endParaRPr lang="it-IT" sz="1500" dirty="0"/>
+          </a:p>
+        </p:txBody>
+      </p:sp>
+      <p:sp>
+        <p:nvSpPr>
+          <p:cNvPr id="6" name="CasellaDiTesto 5"/>
+          <p:cNvSpPr txBox="1"/>
+          <p:nvPr/>
+        </p:nvSpPr>
+        <p:spPr>
+          <a:xfrm>
+            <a:off x="685800" y="2055650"/>
+            <a:ext cx="7772400" cy="461665"/>
+          </a:xfrm>
+          <a:prstGeom prst="rect">
+            <a:avLst/>
+          </a:prstGeom>
+          <a:noFill/>
+        </p:spPr>
+        <p:txBody>
+          <a:bodyPr wrap="square" rtlCol="0">
+            <a:spAutoFit/>
+          </a:bodyPr>
+          <a:lstStyle/>
+          <a:p>
+            <a:pPr marL="342900" indent="-342900">
+              <a:buFont typeface="Arial" charset="0"/>
+              <a:buChar char="•"/>
+            </a:pPr>
+            <a:r>
+              <a:rPr lang="it-IT" b="1"/>
+              <a:t>Compensazione</a:t>
+            </a:r>
+            <a:r>
+              <a:rPr lang="it-IT"/>
+              <a:t> della non-linearità del laser</a:t>
+            </a:r>
+          </a:p>
+        </p:txBody>
+      </p:sp>
+      <p:sp>
+        <p:nvSpPr>
+          <p:cNvPr id="7" name="CasellaDiTesto 6"/>
+          <p:cNvSpPr txBox="1"/>
+          <p:nvPr/>
+        </p:nvSpPr>
+        <p:spPr>
+          <a:xfrm>
+            <a:off x="2432957" y="5339443"/>
+            <a:ext cx="4408714" cy="830997"/>
+          </a:xfrm>
+          <a:prstGeom prst="rect">
+            <a:avLst/>
+          </a:prstGeom>
+          <a:noFill/>
+        </p:spPr>
+        <p:txBody>
+          <a:bodyPr wrap="square" rtlCol="0">
+            <a:spAutoFit/>
+          </a:bodyPr>
+          <a:lstStyle/>
+          <a:p>
+            <a:r>
+              <a:rPr lang="it-IT" dirty="0" err="1" smtClean="0">
+                <a:solidFill>
+                  <a:srgbClr val="FF0000"/>
+                </a:solidFill>
+              </a:rPr>
+              <a:t>toDO</a:t>
+            </a:r>
+            <a:r>
+              <a:rPr lang="it-IT" dirty="0" smtClean="0">
+                <a:solidFill>
+                  <a:srgbClr val="FF0000"/>
+                </a:solidFill>
+              </a:rPr>
+              <a:t>: mettere la triangolare prima e dopo</a:t>
+            </a:r>
+            <a:endParaRPr lang="it-IT" dirty="0">
+              <a:solidFill>
+                <a:srgbClr val="FF0000"/>
+              </a:solidFill>
+            </a:endParaRPr>
+          </a:p>
+        </p:txBody>
+      </p:sp>
+    </p:spTree>
+    <p:extLst>
+      <p:ext uri="{BB962C8B-B14F-4D97-AF65-F5344CB8AC3E}">
+        <p14:creationId xmlns:p14="http://schemas.microsoft.com/office/powerpoint/2010/main" val="2982879685"/>
+      </p:ext>
+    </p:extLst>
+  </p:cSld>
+  <p:clrMapOvr>
+    <a:masterClrMapping/>
+  </p:clrMapOvr>
+  <p:timing>
+    <p:tnLst>
+      <p:par>
+        <p:cTn id="1" dur="indefinite" restart="never" nodeType="tmRoot"/>
+      </p:par>
+    </p:tnLst>
+  </p:timing>
+</p:sld>
+</file>
+
+<file path=ppt/slides/slide22.xml><?xml version="1.0" encoding="utf-8"?>
+<p:sld xmlns:a="http://schemas.openxmlformats.org/drawingml/2006/main" xmlns:r="http://schemas.openxmlformats.org/officeDocument/2006/relationships" xmlns:p="http://schemas.openxmlformats.org/presentationml/2006/main">
+  <p:cSld>
+    <p:spTree>
+      <p:nvGrpSpPr>
+        <p:cNvPr id="1" name=""/>
+        <p:cNvGrpSpPr/>
+        <p:nvPr/>
+      </p:nvGrpSpPr>
+      <p:grpSpPr>
+        <a:xfrm>
+          <a:off x="0" y="0"/>
+          <a:ext cx="0" cy="0"/>
+          <a:chOff x="0" y="0"/>
+          <a:chExt cx="0" cy="0"/>
+        </a:xfrm>
+      </p:grpSpPr>
+      <p:sp>
+        <p:nvSpPr>
+          <p:cNvPr id="3" name="Segnaposto contenuto 2"/>
+          <p:cNvSpPr>
+            <a:spLocks noGrp="1"/>
+          </p:cNvSpPr>
+          <p:nvPr>
+            <p:ph idx="1"/>
+          </p:nvPr>
+        </p:nvSpPr>
+        <p:spPr/>
+        <p:txBody>
+          <a:bodyPr/>
+          <a:lstStyle/>
+          <a:p>
+            <a:r>
+              <a:rPr lang="it-IT" sz="2400" dirty="0"/>
+              <a:t>Segnali di </a:t>
+            </a:r>
+            <a:r>
+              <a:rPr lang="it-IT" sz="2400" dirty="0" smtClean="0"/>
+              <a:t>modulazione con </a:t>
+            </a:r>
+            <a:r>
+              <a:rPr lang="it-IT" sz="2400" b="1" dirty="0"/>
+              <a:t>ampiezze differenti</a:t>
+            </a:r>
+          </a:p>
+          <a:p>
+            <a:endParaRPr lang="it-IT" sz="2400" b="1" dirty="0" smtClean="0"/>
+          </a:p>
+          <a:p>
+            <a:endParaRPr lang="it-IT" sz="2400" b="1" dirty="0"/>
+          </a:p>
+          <a:p>
+            <a:endParaRPr lang="it-IT" sz="2400" b="1" dirty="0" smtClean="0"/>
+          </a:p>
+          <a:p>
+            <a:pPr marL="0" indent="0">
+              <a:buNone/>
+            </a:pPr>
+            <a:endParaRPr lang="it-IT" sz="2400" b="1" dirty="0" smtClean="0"/>
+          </a:p>
+          <a:p>
+            <a:pPr marL="0" indent="0">
+              <a:buNone/>
+            </a:pPr>
+            <a:endParaRPr lang="it-IT" sz="2400" b="1" dirty="0" smtClean="0"/>
+          </a:p>
+          <a:p>
+            <a:pPr marL="0" indent="0">
+              <a:buNone/>
+            </a:pPr>
+            <a:endParaRPr lang="it-IT" sz="2400" b="1" dirty="0" smtClean="0"/>
+          </a:p>
+          <a:p>
+            <a:pPr marL="0" indent="0">
+              <a:buNone/>
+            </a:pPr>
+            <a:endParaRPr lang="it-IT" sz="2400" b="1" dirty="0" smtClean="0"/>
+          </a:p>
+          <a:p>
+            <a:r>
+              <a:rPr lang="it-IT" sz="2400" b="1" dirty="0" smtClean="0"/>
+              <a:t>Sottrazione</a:t>
+            </a:r>
+            <a:r>
+              <a:rPr lang="it-IT" sz="2400" dirty="0" smtClean="0"/>
+              <a:t> </a:t>
+            </a:r>
+            <a:br>
+              <a:rPr lang="it-IT" sz="2400" dirty="0" smtClean="0"/>
+            </a:br>
+            <a:r>
+              <a:rPr lang="it-IT" sz="2400" dirty="0" smtClean="0"/>
+              <a:t>del </a:t>
+            </a:r>
+            <a:r>
+              <a:rPr lang="it-IT" sz="2400" dirty="0"/>
+              <a:t>fondo di </a:t>
+            </a:r>
+            <a:r>
+              <a:rPr lang="it-IT" sz="2400" b="1" dirty="0"/>
+              <a:t>rumore</a:t>
+            </a:r>
+            <a:r>
+              <a:rPr lang="it-IT" sz="2400" dirty="0"/>
+              <a:t> </a:t>
+            </a:r>
+          </a:p>
+          <a:p>
+            <a:endParaRPr lang="it-IT" dirty="0"/>
+          </a:p>
+        </p:txBody>
+      </p:sp>
+      <p:sp>
+        <p:nvSpPr>
+          <p:cNvPr id="4" name="Segnaposto numero diapositiva 3"/>
+          <p:cNvSpPr>
+            <a:spLocks noGrp="1"/>
+          </p:cNvSpPr>
+          <p:nvPr>
+            <p:ph type="sldNum" sz="quarter" idx="11"/>
+          </p:nvPr>
+        </p:nvSpPr>
+        <p:spPr/>
+        <p:txBody>
+          <a:bodyPr/>
+          <a:lstStyle/>
+          <a:p>
+            <a:fld id="{C503DA3A-0C6B-48FC-931E-2C786AAFD5C1}" type="slidenum">
+              <a:rPr lang="en-US" altLang="nl-NL" smtClean="0"/>
+              <a:pPr/>
+              <a:t>22</a:t>
+            </a:fld>
+            <a:endParaRPr lang="en-US" altLang="nl-NL"/>
+          </a:p>
+        </p:txBody>
+      </p:sp>
+      <p:sp>
+        <p:nvSpPr>
+          <p:cNvPr id="5" name="Titolo 1"/>
+          <p:cNvSpPr>
+            <a:spLocks noGrp="1"/>
+          </p:cNvSpPr>
+          <p:nvPr>
+            <p:ph type="title"/>
+          </p:nvPr>
+        </p:nvSpPr>
+        <p:spPr>
+          <a:xfrm>
+            <a:off x="609600" y="0"/>
+            <a:ext cx="7162800" cy="762000"/>
+          </a:xfrm>
+        </p:spPr>
+        <p:txBody>
+          <a:bodyPr/>
+          <a:lstStyle/>
+          <a:p>
+            <a:r>
+              <a:rPr lang="it-IT" dirty="0" smtClean="0"/>
+              <a:t>Ottimizzazioni</a:t>
+            </a:r>
+            <a:endParaRPr lang="it-IT" dirty="0"/>
+          </a:p>
+        </p:txBody>
+      </p:sp>
+      <p:pic>
+        <p:nvPicPr>
+          <p:cNvPr id="6" name="Immagine 5"/>
+          <p:cNvPicPr>
+            <a:picLocks noChangeAspect="1"/>
+          </p:cNvPicPr>
+          <p:nvPr/>
+        </p:nvPicPr>
+        <p:blipFill>
+          <a:blip r:embed="rId2">
+            <a:extLst>
+              <a:ext uri="{28A0092B-C50C-407E-A947-70E740481C1C}">
+                <a14:useLocalDpi xmlns:a14="http://schemas.microsoft.com/office/drawing/2010/main" val="0"/>
+              </a:ext>
+            </a:extLst>
+          </a:blip>
+          <a:stretch>
+            <a:fillRect/>
+          </a:stretch>
+        </p:blipFill>
+        <p:spPr>
+          <a:xfrm>
+            <a:off x="4572000" y="4623617"/>
+            <a:ext cx="2930203" cy="1871175"/>
+          </a:xfrm>
+          <a:prstGeom prst="rect">
+            <a:avLst/>
+          </a:prstGeom>
+        </p:spPr>
+      </p:pic>
+      <p:sp>
+        <p:nvSpPr>
+          <p:cNvPr id="7" name="CasellaDiTesto 6"/>
+          <p:cNvSpPr txBox="1"/>
+          <p:nvPr/>
+        </p:nvSpPr>
+        <p:spPr>
+          <a:xfrm>
+            <a:off x="2549978" y="2596243"/>
+            <a:ext cx="3282043" cy="830997"/>
+          </a:xfrm>
+          <a:prstGeom prst="rect">
+            <a:avLst/>
+          </a:prstGeom>
+          <a:noFill/>
+        </p:spPr>
+        <p:txBody>
+          <a:bodyPr wrap="square" rtlCol="0">
+            <a:spAutoFit/>
+          </a:bodyPr>
+          <a:lstStyle/>
+          <a:p>
+            <a:r>
+              <a:rPr lang="it-IT" dirty="0" err="1" smtClean="0">
+                <a:solidFill>
+                  <a:srgbClr val="FF0000"/>
+                </a:solidFill>
+              </a:rPr>
+              <a:t>toDO</a:t>
+            </a:r>
+            <a:r>
+              <a:rPr lang="it-IT" dirty="0" smtClean="0">
+                <a:solidFill>
+                  <a:srgbClr val="FF0000"/>
+                </a:solidFill>
+              </a:rPr>
+              <a:t>: mettere le 5 triangolari</a:t>
+            </a:r>
+            <a:endParaRPr lang="it-IT" dirty="0">
+              <a:solidFill>
+                <a:srgbClr val="FF0000"/>
+              </a:solidFill>
+            </a:endParaRPr>
+          </a:p>
+        </p:txBody>
+      </p:sp>
+    </p:spTree>
+    <p:extLst>
+      <p:ext uri="{BB962C8B-B14F-4D97-AF65-F5344CB8AC3E}">
+        <p14:creationId xmlns:p14="http://schemas.microsoft.com/office/powerpoint/2010/main" val="269455306"/>
+      </p:ext>
+    </p:extLst>
+  </p:cSld>
+  <p:clrMapOvr>
+    <a:masterClrMapping/>
+  </p:clrMapOvr>
+</p:sld>
+</file>
+
+<file path=ppt/slides/slide23.xml><?xml version="1.0" encoding="utf-8"?>
+<p:sld xmlns:a="http://schemas.openxmlformats.org/drawingml/2006/main" xmlns:r="http://schemas.openxmlformats.org/officeDocument/2006/relationships" xmlns:p="http://schemas.openxmlformats.org/presentationml/2006/main">
+  <p:cSld>
+    <p:spTree>
+      <p:nvGrpSpPr>
+        <p:cNvPr id="1" name=""/>
+        <p:cNvGrpSpPr/>
+        <p:nvPr/>
+      </p:nvGrpSpPr>
+      <p:grpSpPr>
+        <a:xfrm>
+          <a:off x="0" y="0"/>
+          <a:ext cx="0" cy="0"/>
+          <a:chOff x="0" y="0"/>
+          <a:chExt cx="0" cy="0"/>
+        </a:xfrm>
+      </p:grpSpPr>
+      <p:sp>
+        <p:nvSpPr>
+          <p:cNvPr id="2" name="Titolo 1"/>
+          <p:cNvSpPr>
+            <a:spLocks noGrp="1"/>
+          </p:cNvSpPr>
+          <p:nvPr>
+            <p:ph type="title"/>
+          </p:nvPr>
+        </p:nvSpPr>
+        <p:spPr/>
+        <p:txBody>
+          <a:bodyPr/>
+          <a:lstStyle/>
+          <a:p>
+            <a:r>
+              <a:rPr lang="it-IT" dirty="0" smtClean="0"/>
+              <a:t>Indice</a:t>
+            </a:r>
+            <a:endParaRPr lang="it-IT" dirty="0"/>
+          </a:p>
+        </p:txBody>
+      </p:sp>
+      <p:sp>
+        <p:nvSpPr>
+          <p:cNvPr id="3" name="Segnaposto contenuto 2"/>
+          <p:cNvSpPr>
+            <a:spLocks noGrp="1"/>
+          </p:cNvSpPr>
+          <p:nvPr>
+            <p:ph idx="1"/>
+          </p:nvPr>
+        </p:nvSpPr>
+        <p:spPr>
+          <a:xfrm>
+            <a:off x="609600" y="1021556"/>
+            <a:ext cx="7815263" cy="5272088"/>
+          </a:xfrm>
+        </p:spPr>
+        <p:txBody>
+          <a:bodyPr/>
+          <a:lstStyle/>
+          <a:p>
+            <a:r>
+              <a:rPr lang="it-IT" sz="2400" dirty="0">
+                <a:solidFill>
+                  <a:schemeClr val="bg2">
+                    <a:lumMod val="40000"/>
+                    <a:lumOff val="60000"/>
+                  </a:schemeClr>
+                </a:solidFill>
+              </a:rPr>
+              <a:t>Interferometria</a:t>
+            </a:r>
+          </a:p>
+          <a:p>
+            <a:pPr lvl="1"/>
+            <a:r>
+              <a:rPr lang="it-IT" sz="2000" dirty="0">
+                <a:solidFill>
+                  <a:schemeClr val="bg2">
+                    <a:lumMod val="40000"/>
+                    <a:lumOff val="60000"/>
+                  </a:schemeClr>
+                </a:solidFill>
+              </a:rPr>
+              <a:t>Interferometria a self-mixing</a:t>
+            </a:r>
+          </a:p>
+          <a:p>
+            <a:pPr lvl="1"/>
+            <a:r>
+              <a:rPr lang="it-IT" sz="2000" dirty="0">
+                <a:solidFill>
+                  <a:schemeClr val="bg2">
+                    <a:lumMod val="40000"/>
+                    <a:lumOff val="60000"/>
+                  </a:schemeClr>
+                </a:solidFill>
+              </a:rPr>
+              <a:t>Misura della distanza</a:t>
+            </a:r>
+          </a:p>
+          <a:p>
+            <a:r>
+              <a:rPr lang="it-IT" sz="2400" dirty="0">
+                <a:solidFill>
+                  <a:schemeClr val="bg2">
+                    <a:lumMod val="40000"/>
+                    <a:lumOff val="60000"/>
+                  </a:schemeClr>
+                </a:solidFill>
+              </a:rPr>
+              <a:t>Architettura hardware</a:t>
+            </a:r>
+          </a:p>
+          <a:p>
+            <a:pPr lvl="1"/>
+            <a:r>
+              <a:rPr lang="it-IT" sz="2000" dirty="0">
+                <a:solidFill>
+                  <a:schemeClr val="bg2">
+                    <a:lumMod val="40000"/>
+                    <a:lumOff val="60000"/>
+                  </a:schemeClr>
+                </a:solidFill>
+              </a:rPr>
+              <a:t>Sistema analogico</a:t>
+            </a:r>
+          </a:p>
+          <a:p>
+            <a:pPr lvl="1"/>
+            <a:r>
+              <a:rPr lang="it-IT" sz="2000" dirty="0">
+                <a:solidFill>
+                  <a:schemeClr val="bg2">
+                    <a:lumMod val="40000"/>
+                    <a:lumOff val="60000"/>
+                  </a:schemeClr>
+                </a:solidFill>
+              </a:rPr>
+              <a:t>Sistema di conversione</a:t>
+            </a:r>
+          </a:p>
+          <a:p>
+            <a:pPr lvl="1"/>
+            <a:r>
+              <a:rPr lang="it-IT" sz="2000" dirty="0">
+                <a:solidFill>
+                  <a:schemeClr val="bg2">
+                    <a:lumMod val="40000"/>
+                    <a:lumOff val="60000"/>
+                  </a:schemeClr>
+                </a:solidFill>
+              </a:rPr>
+              <a:t>Sistema digitale</a:t>
+            </a:r>
+          </a:p>
+          <a:p>
+            <a:r>
+              <a:rPr lang="it-IT" sz="2400" dirty="0">
+                <a:solidFill>
+                  <a:schemeClr val="bg2">
+                    <a:lumMod val="40000"/>
+                    <a:lumOff val="60000"/>
+                  </a:schemeClr>
+                </a:solidFill>
+              </a:rPr>
+              <a:t>Architettura software</a:t>
+            </a:r>
+          </a:p>
+          <a:p>
+            <a:pPr lvl="1"/>
+            <a:r>
+              <a:rPr lang="it-IT" sz="2000" dirty="0">
+                <a:solidFill>
+                  <a:schemeClr val="bg2">
+                    <a:lumMod val="40000"/>
+                    <a:lumOff val="60000"/>
+                  </a:schemeClr>
+                </a:solidFill>
+              </a:rPr>
+              <a:t>Dettagli implementativi</a:t>
+            </a:r>
+          </a:p>
+          <a:p>
+            <a:pPr lvl="1"/>
+            <a:r>
+              <a:rPr lang="it-IT" sz="2000" dirty="0" smtClean="0">
+                <a:solidFill>
+                  <a:schemeClr val="bg2">
+                    <a:lumMod val="40000"/>
+                    <a:lumOff val="60000"/>
+                  </a:schemeClr>
+                </a:solidFill>
+              </a:rPr>
+              <a:t>FPGA</a:t>
+            </a:r>
+            <a:endParaRPr lang="it-IT" sz="2000" dirty="0">
+              <a:solidFill>
+                <a:schemeClr val="bg2">
+                  <a:lumMod val="40000"/>
+                  <a:lumOff val="60000"/>
+                </a:schemeClr>
+              </a:solidFill>
+            </a:endParaRPr>
+          </a:p>
+          <a:p>
+            <a:pPr lvl="1"/>
+            <a:r>
+              <a:rPr lang="it-IT" sz="2000" dirty="0">
+                <a:solidFill>
+                  <a:schemeClr val="bg2">
+                    <a:lumMod val="40000"/>
+                    <a:lumOff val="60000"/>
+                  </a:schemeClr>
+                </a:solidFill>
+              </a:rPr>
+              <a:t>Microcontrollore</a:t>
+            </a:r>
+          </a:p>
+          <a:p>
+            <a:pPr lvl="1"/>
+            <a:r>
+              <a:rPr lang="it-IT" sz="2000" dirty="0" smtClean="0">
+                <a:solidFill>
+                  <a:schemeClr val="bg2">
+                    <a:lumMod val="40000"/>
+                    <a:lumOff val="60000"/>
+                  </a:schemeClr>
+                </a:solidFill>
+              </a:rPr>
+              <a:t>Ottimizzazioni</a:t>
+            </a:r>
+            <a:endParaRPr lang="it-IT" sz="2000" dirty="0">
+              <a:solidFill>
+                <a:schemeClr val="bg2">
+                  <a:lumMod val="40000"/>
+                  <a:lumOff val="60000"/>
+                </a:schemeClr>
+              </a:solidFill>
+            </a:endParaRPr>
+          </a:p>
+          <a:p>
+            <a:r>
+              <a:rPr lang="it-IT" sz="2400" dirty="0"/>
+              <a:t>Risultati sperimentali</a:t>
+            </a:r>
+          </a:p>
+          <a:p>
+            <a:r>
+              <a:rPr lang="it-IT" sz="2400" dirty="0"/>
+              <a:t>Conclusioni e sviluppi futuri</a:t>
+            </a:r>
+          </a:p>
+        </p:txBody>
+      </p:sp>
+      <p:sp>
+        <p:nvSpPr>
+          <p:cNvPr id="4" name="Segnaposto numero diapositiva 3"/>
+          <p:cNvSpPr>
+            <a:spLocks noGrp="1"/>
+          </p:cNvSpPr>
+          <p:nvPr>
+            <p:ph type="sldNum" sz="quarter" idx="11"/>
+          </p:nvPr>
+        </p:nvSpPr>
+        <p:spPr/>
+        <p:txBody>
+          <a:bodyPr/>
+          <a:lstStyle/>
+          <a:p>
+            <a:fld id="{C503DA3A-0C6B-48FC-931E-2C786AAFD5C1}" type="slidenum">
+              <a:rPr lang="en-US" altLang="nl-NL" smtClean="0"/>
+              <a:pPr/>
+              <a:t>23</a:t>
+            </a:fld>
+            <a:endParaRPr lang="en-US" altLang="nl-NL"/>
+          </a:p>
+        </p:txBody>
+      </p:sp>
+    </p:spTree>
+    <p:extLst>
+      <p:ext uri="{BB962C8B-B14F-4D97-AF65-F5344CB8AC3E}">
+        <p14:creationId xmlns:p14="http://schemas.microsoft.com/office/powerpoint/2010/main" val="3354392950"/>
+      </p:ext>
+    </p:extLst>
+  </p:cSld>
+  <p:clrMapOvr>
+    <a:masterClrMapping/>
+  </p:clrMapOvr>
+  <p:timing>
+    <p:tnLst>
+      <p:par>
+        <p:cTn id="1" dur="indefinite" restart="never" nodeType="tmRoot"/>
+      </p:par>
+    </p:tnLst>
+  </p:timing>
+</p:sld>
+</file>
+
+<file path=ppt/slides/slide24.xml><?xml version="1.0" encoding="utf-8"?>
+<p:sld xmlns:a="http://schemas.openxmlformats.org/drawingml/2006/main" xmlns:r="http://schemas.openxmlformats.org/officeDocument/2006/relationships" xmlns:p="http://schemas.openxmlformats.org/presentationml/2006/main">
+  <p:cSld>
+    <p:spTree>
+      <p:nvGrpSpPr>
+        <p:cNvPr id="1" name=""/>
+        <p:cNvGrpSpPr/>
+        <p:nvPr/>
+      </p:nvGrpSpPr>
+      <p:grpSpPr>
+        <a:xfrm>
+          <a:off x="0" y="0"/>
+          <a:ext cx="0" cy="0"/>
+          <a:chOff x="0" y="0"/>
+          <a:chExt cx="0" cy="0"/>
+        </a:xfrm>
+      </p:grpSpPr>
+      <p:sp>
+        <p:nvSpPr>
+          <p:cNvPr id="2" name="Titolo 1"/>
+          <p:cNvSpPr>
+            <a:spLocks noGrp="1"/>
+          </p:cNvSpPr>
+          <p:nvPr>
+            <p:ph type="title"/>
+          </p:nvPr>
+        </p:nvSpPr>
+        <p:spPr/>
+        <p:txBody>
+          <a:bodyPr/>
+          <a:lstStyle/>
+          <a:p>
+            <a:r>
+              <a:rPr lang="it-IT" dirty="0" smtClean="0"/>
               <a:t>Risultati sperimentali</a:t>
             </a:r>
             <a:endParaRPr lang="it-IT" dirty="0"/>
@@ -11461,7 +12688,7 @@
             <a:fld id="{C503DA3A-0C6B-48FC-931E-2C786AAFD5C1}" type="slidenum">
               <a:rPr lang="en-US" altLang="nl-NL" smtClean="0"/>
               <a:pPr/>
-              <a:t>21</a:t>
+              <a:t>24</a:t>
             </a:fld>
             <a:endParaRPr lang="en-US" altLang="nl-NL"/>
           </a:p>
@@ -11517,7 +12744,7 @@
 </p:sld>
 </file>
 
-<file path=ppt/slides/slide22.xml><?xml version="1.0" encoding="utf-8"?>
+<file path=ppt/slides/slide25.xml><?xml version="1.0" encoding="utf-8"?>
 <p:sld xmlns:a="http://schemas.openxmlformats.org/drawingml/2006/main" xmlns:r="http://schemas.openxmlformats.org/officeDocument/2006/relationships" xmlns:p="http://schemas.openxmlformats.org/presentationml/2006/main">
   <p:cSld>
     <p:spTree>
@@ -11551,7 +12778,11 @@
           <a:p>
             <a:r>
               <a:rPr lang="it-IT" dirty="0" smtClean="0"/>
-              <a:t>Risultati sperimentali (2)</a:t>
+              <a:t>Risultati </a:t>
+            </a:r>
+            <a:r>
+              <a:rPr lang="it-IT" dirty="0" smtClean="0"/>
+              <a:t>sperimentali</a:t>
             </a:r>
             <a:endParaRPr lang="it-IT" dirty="0"/>
           </a:p>
@@ -11834,7 +13065,7 @@
             <a:fld id="{C503DA3A-0C6B-48FC-931E-2C786AAFD5C1}" type="slidenum">
               <a:rPr lang="en-US" altLang="nl-NL" smtClean="0"/>
               <a:pPr/>
-              <a:t>22</a:t>
+              <a:t>25</a:t>
             </a:fld>
             <a:endParaRPr lang="en-US" altLang="nl-NL"/>
           </a:p>
@@ -11950,7 +13181,7 @@
 </p:sld>
 </file>
 
-<file path=ppt/slides/slide23.xml><?xml version="1.0" encoding="utf-8"?>
+<file path=ppt/slides/slide26.xml><?xml version="1.0" encoding="utf-8"?>
 <p:sld xmlns:a="http://schemas.openxmlformats.org/drawingml/2006/main" xmlns:r="http://schemas.openxmlformats.org/officeDocument/2006/relationships" xmlns:p="http://schemas.openxmlformats.org/presentationml/2006/main">
   <p:cSld>
     <p:spTree>
@@ -11984,7 +13215,11 @@
           <a:p>
             <a:r>
               <a:rPr lang="it-IT" dirty="0" smtClean="0"/>
-              <a:t>Risultati sperimentali (3)</a:t>
+              <a:t>Risultati </a:t>
+            </a:r>
+            <a:r>
+              <a:rPr lang="it-IT" dirty="0" smtClean="0"/>
+              <a:t>sperimentali</a:t>
             </a:r>
             <a:endParaRPr lang="it-IT" dirty="0"/>
           </a:p>
@@ -12315,7 +13550,7 @@
             <a:fld id="{C503DA3A-0C6B-48FC-931E-2C786AAFD5C1}" type="slidenum">
               <a:rPr lang="en-US" altLang="nl-NL" smtClean="0"/>
               <a:pPr/>
-              <a:t>23</a:t>
+              <a:t>26</a:t>
             </a:fld>
             <a:endParaRPr lang="en-US" altLang="nl-NL" dirty="0"/>
           </a:p>
@@ -12431,7 +13666,7 @@
 </p:sld>
 </file>
 
-<file path=ppt/slides/slide24.xml><?xml version="1.0" encoding="utf-8"?>
+<file path=ppt/slides/slide27.xml><?xml version="1.0" encoding="utf-8"?>
 <p:sld xmlns:a="http://schemas.openxmlformats.org/drawingml/2006/main" xmlns:r="http://schemas.openxmlformats.org/officeDocument/2006/relationships" xmlns:p="http://schemas.openxmlformats.org/presentationml/2006/main">
   <p:cSld>
     <p:spTree>
@@ -12843,7 +14078,7 @@
             <a:fld id="{C503DA3A-0C6B-48FC-931E-2C786AAFD5C1}" type="slidenum">
               <a:rPr lang="en-US" altLang="nl-NL" smtClean="0"/>
               <a:pPr/>
-              <a:t>24</a:t>
+              <a:t>27</a:t>
             </a:fld>
             <a:endParaRPr lang="en-US" altLang="nl-NL"/>
           </a:p>
@@ -12936,7 +14171,7 @@
 </p:sld>
 </file>
 
-<file path=ppt/slides/slide25.xml><?xml version="1.0" encoding="utf-8"?>
+<file path=ppt/slides/slide28.xml><?xml version="1.0" encoding="utf-8"?>
 <p:sld xmlns:a="http://schemas.openxmlformats.org/drawingml/2006/main" xmlns:r="http://schemas.openxmlformats.org/officeDocument/2006/relationships" xmlns:p="http://schemas.openxmlformats.org/presentationml/2006/main">
   <p:cSld>
     <p:spTree>
@@ -13215,7 +14450,7 @@
             <a:fld id="{C503DA3A-0C6B-48FC-931E-2C786AAFD5C1}" type="slidenum">
               <a:rPr lang="en-US" altLang="nl-NL" smtClean="0"/>
               <a:pPr/>
-              <a:t>25</a:t>
+              <a:t>28</a:t>
             </a:fld>
             <a:endParaRPr lang="en-US" altLang="nl-NL"/>
           </a:p>
@@ -13241,7 +14476,7 @@
 </p:sld>
 </file>
 
-<file path=ppt/slides/slide26.xml><?xml version="1.0" encoding="utf-8"?>
+<file path=ppt/slides/slide29.xml><?xml version="1.0" encoding="utf-8"?>
 <p:sld xmlns:a="http://schemas.openxmlformats.org/drawingml/2006/main" xmlns:r="http://schemas.openxmlformats.org/officeDocument/2006/relationships" xmlns:p="http://schemas.openxmlformats.org/presentationml/2006/main">
   <p:cSld>
     <p:spTree>
@@ -13408,7 +14643,7 @@
             <a:fld id="{C503DA3A-0C6B-48FC-931E-2C786AAFD5C1}" type="slidenum">
               <a:rPr lang="en-US" altLang="nl-NL" smtClean="0"/>
               <a:pPr/>
-              <a:t>26</a:t>
+              <a:t>29</a:t>
             </a:fld>
             <a:endParaRPr lang="en-US" altLang="nl-NL"/>
           </a:p>
@@ -13521,98 +14756,6 @@
 </p:sld>
 </file>
 
-<file path=ppt/slides/slide27.xml><?xml version="1.0" encoding="utf-8"?>
-<p:sld xmlns:a="http://schemas.openxmlformats.org/drawingml/2006/main" xmlns:r="http://schemas.openxmlformats.org/officeDocument/2006/relationships" xmlns:p="http://schemas.openxmlformats.org/presentationml/2006/main">
-  <p:cSld>
-    <p:spTree>
-      <p:nvGrpSpPr>
-        <p:cNvPr id="1" name=""/>
-        <p:cNvGrpSpPr/>
-        <p:nvPr/>
-      </p:nvGrpSpPr>
-      <p:grpSpPr>
-        <a:xfrm>
-          <a:off x="0" y="0"/>
-          <a:ext cx="0" cy="0"/>
-          <a:chOff x="0" y="0"/>
-          <a:chExt cx="0" cy="0"/>
-        </a:xfrm>
-      </p:grpSpPr>
-      <p:sp>
-        <p:nvSpPr>
-          <p:cNvPr id="4" name="Segnaposto numero diapositiva 3"/>
-          <p:cNvSpPr>
-            <a:spLocks noGrp="1"/>
-          </p:cNvSpPr>
-          <p:nvPr>
-            <p:ph type="sldNum" sz="quarter" idx="11"/>
-          </p:nvPr>
-        </p:nvSpPr>
-        <p:spPr/>
-        <p:txBody>
-          <a:bodyPr/>
-          <a:lstStyle/>
-          <a:p>
-            <a:fld id="{C503DA3A-0C6B-48FC-931E-2C786AAFD5C1}" type="slidenum">
-              <a:rPr lang="en-US" altLang="nl-NL" smtClean="0"/>
-              <a:pPr/>
-              <a:t>27</a:t>
-            </a:fld>
-            <a:endParaRPr lang="en-US" altLang="nl-NL"/>
-          </a:p>
-        </p:txBody>
-      </p:sp>
-      <p:sp>
-        <p:nvSpPr>
-          <p:cNvPr id="5" name="Segnaposto contenuto 4"/>
-          <p:cNvSpPr>
-            <a:spLocks noGrp="1"/>
-          </p:cNvSpPr>
-          <p:nvPr>
-            <p:ph idx="1"/>
-          </p:nvPr>
-        </p:nvSpPr>
-        <p:spPr>
-          <a:xfrm>
-            <a:off x="761219" y="4514383"/>
-            <a:ext cx="7158038" cy="985837"/>
-          </a:xfrm>
-        </p:spPr>
-        <p:txBody>
-          <a:bodyPr/>
-          <a:lstStyle/>
-          <a:p>
-            <a:pPr marL="0" indent="0">
-              <a:buNone/>
-            </a:pPr>
-            <a:r>
-              <a:rPr lang="it-IT" sz="4800" dirty="0" smtClean="0"/>
-              <a:t>Grazie per l’attenzione</a:t>
-            </a:r>
-            <a:endParaRPr lang="it-IT" sz="2400" dirty="0"/>
-          </a:p>
-        </p:txBody>
-      </p:sp>
-    </p:spTree>
-    <p:extLst>
-      <p:ext uri="{BB962C8B-B14F-4D97-AF65-F5344CB8AC3E}">
-        <p14:creationId xmlns:p14="http://schemas.microsoft.com/office/powerpoint/2010/main" val="1960709859"/>
-      </p:ext>
-    </p:extLst>
-  </p:cSld>
-  <p:clrMapOvr>
-    <a:masterClrMapping/>
-  </p:clrMapOvr>
-  <p:timing>
-    <p:tnLst>
-      <p:par>
-        <p:cTn id="1" dur="indefinite" restart="never" nodeType="tmRoot"/>
-      </p:par>
-    </p:tnLst>
-  </p:timing>
-</p:sld>
-</file>
-
 <file path=ppt/slides/slide3.xml><?xml version="1.0" encoding="utf-8"?>
 <p:sld xmlns:a="http://schemas.openxmlformats.org/drawingml/2006/main" xmlns:r="http://schemas.openxmlformats.org/officeDocument/2006/relationships" xmlns:p="http://schemas.openxmlformats.org/presentationml/2006/main">
   <p:cSld>
@@ -13665,7 +14808,7 @@
         </p:nvSpPr>
         <p:spPr>
           <a:xfrm>
-            <a:off x="609599" y="1029592"/>
+            <a:off x="609600" y="1002153"/>
             <a:ext cx="8162926" cy="1200619"/>
           </a:xfrm>
         </p:spPr>
@@ -13747,8 +14890,8 @@
         </p:blipFill>
         <p:spPr>
           <a:xfrm>
-            <a:off x="609599" y="2314918"/>
-            <a:ext cx="4728023" cy="3196817"/>
+            <a:off x="609600" y="2615245"/>
+            <a:ext cx="4587339" cy="3100500"/>
           </a:xfrm>
           <a:prstGeom prst="rect">
             <a:avLst/>
@@ -13765,8 +14908,8 @@
         </p:nvSpPr>
         <p:spPr bwMode="auto">
           <a:xfrm>
-            <a:off x="4929190" y="2276318"/>
-            <a:ext cx="4114800" cy="3300413"/>
+            <a:off x="5029200" y="2246702"/>
+            <a:ext cx="4114800" cy="3667282"/>
           </a:xfrm>
           <a:prstGeom prst="rect">
             <a:avLst/>
@@ -14068,11 +15211,252 @@
             </a:r>
             <a:r>
               <a:rPr lang="it-IT" sz="2400" dirty="0"/>
-              <a:t> genera una corrente contenente l’informazione sulla distanza del </a:t>
+              <a:t> genera </a:t>
+            </a:r>
+            <a:r>
+              <a:rPr lang="it-IT" sz="2400" dirty="0" smtClean="0"/>
+              <a:t>una corrente che contiene l’informazione sullo spostamento del </a:t>
             </a:r>
             <a:r>
               <a:rPr lang="it-IT" sz="2400" dirty="0" smtClean="0"/>
               <a:t>bersaglio</a:t>
+            </a:r>
+            <a:endParaRPr lang="it-IT" sz="2400" kern="0" dirty="0"/>
+          </a:p>
+        </p:txBody>
+      </p:sp>
+      <p:sp>
+        <p:nvSpPr>
+          <p:cNvPr id="7" name="Segnaposto contenuto 2"/>
+          <p:cNvSpPr txBox="1">
+            <a:spLocks/>
+          </p:cNvSpPr>
+          <p:nvPr/>
+        </p:nvSpPr>
+        <p:spPr bwMode="auto">
+          <a:xfrm>
+            <a:off x="609600" y="5947555"/>
+            <a:ext cx="8162926" cy="587489"/>
+          </a:xfrm>
+          <a:prstGeom prst="rect">
+            <a:avLst/>
+          </a:prstGeom>
+          <a:noFill/>
+          <a:ln>
+            <a:noFill/>
+          </a:ln>
+          <a:extLst>
+            <a:ext uri="{909E8E84-426E-40DD-AFC4-6F175D3DCCD1}">
+              <a14:hiddenFill xmlns:a14="http://schemas.microsoft.com/office/drawing/2010/main">
+                <a:solidFill>
+                  <a:srgbClr val="FFFFFF"/>
+                </a:solidFill>
+              </a14:hiddenFill>
+            </a:ext>
+            <a:ext uri="{91240B29-F687-4F45-9708-019B960494DF}">
+              <a14:hiddenLine xmlns:a14="http://schemas.microsoft.com/office/drawing/2010/main" w="9525">
+                <a:solidFill>
+                  <a:srgbClr val="000000"/>
+                </a:solidFill>
+                <a:miter lim="800000"/>
+                <a:headEnd/>
+                <a:tailEnd/>
+              </a14:hiddenLine>
+            </a:ext>
+          </a:extLst>
+        </p:spPr>
+        <p:txBody>
+          <a:bodyPr vert="horz" wrap="square" lIns="91440" tIns="45720" rIns="91440" bIns="45720" numCol="1" anchor="t" anchorCtr="0" compatLnSpc="1">
+            <a:prstTxWarp prst="textNoShape">
+              <a:avLst/>
+            </a:prstTxWarp>
+          </a:bodyPr>
+          <a:lstStyle>
+            <a:lvl1pPr marL="342900" indent="-342900" algn="l" rtl="0" eaLnBrk="1" fontAlgn="base" hangingPunct="1">
+              <a:spcBef>
+                <a:spcPct val="20000"/>
+              </a:spcBef>
+              <a:spcAft>
+                <a:spcPct val="0"/>
+              </a:spcAft>
+              <a:buClr>
+                <a:srgbClr val="003366"/>
+              </a:buClr>
+              <a:buFont typeface="Times" panose="02020603050405020304" pitchFamily="18" charset="0"/>
+              <a:buChar char="•"/>
+              <a:defRPr sz="3200">
+                <a:solidFill>
+                  <a:schemeClr val="tx1"/>
+                </a:solidFill>
+                <a:latin typeface="+mn-lt"/>
+                <a:ea typeface="+mn-ea"/>
+                <a:cs typeface="+mn-cs"/>
+              </a:defRPr>
+            </a:lvl1pPr>
+            <a:lvl2pPr marL="742950" indent="-285750" algn="l" rtl="0" eaLnBrk="1" fontAlgn="base" hangingPunct="1">
+              <a:spcBef>
+                <a:spcPct val="20000"/>
+              </a:spcBef>
+              <a:spcAft>
+                <a:spcPct val="0"/>
+              </a:spcAft>
+              <a:buClr>
+                <a:srgbClr val="FF9900"/>
+              </a:buClr>
+              <a:buFont typeface="Wingdings" panose="05000000000000000000" pitchFamily="2" charset="2"/>
+              <a:buChar char="§"/>
+              <a:defRPr sz="2800">
+                <a:solidFill>
+                  <a:schemeClr val="tx1"/>
+                </a:solidFill>
+                <a:latin typeface="+mn-lt"/>
+                <a:ea typeface="+mn-ea"/>
+                <a:cs typeface="+mn-cs"/>
+              </a:defRPr>
+            </a:lvl2pPr>
+            <a:lvl3pPr marL="1143000" indent="-228600" algn="l" rtl="0" eaLnBrk="1" fontAlgn="base" hangingPunct="1">
+              <a:spcBef>
+                <a:spcPct val="20000"/>
+              </a:spcBef>
+              <a:spcAft>
+                <a:spcPct val="0"/>
+              </a:spcAft>
+              <a:buClr>
+                <a:srgbClr val="003366"/>
+              </a:buClr>
+              <a:buFont typeface="Times" panose="02020603050405020304" pitchFamily="18" charset="0"/>
+              <a:buChar char="•"/>
+              <a:defRPr sz="2400">
+                <a:solidFill>
+                  <a:schemeClr val="tx1"/>
+                </a:solidFill>
+                <a:latin typeface="+mn-lt"/>
+                <a:ea typeface="+mn-ea"/>
+                <a:cs typeface="+mn-cs"/>
+              </a:defRPr>
+            </a:lvl3pPr>
+            <a:lvl4pPr marL="1600200" indent="-228600" algn="l" rtl="0" eaLnBrk="1" fontAlgn="base" hangingPunct="1">
+              <a:spcBef>
+                <a:spcPct val="20000"/>
+              </a:spcBef>
+              <a:spcAft>
+                <a:spcPct val="0"/>
+              </a:spcAft>
+              <a:buClr>
+                <a:srgbClr val="003366"/>
+              </a:buClr>
+              <a:buChar char="–"/>
+              <a:defRPr sz="2000">
+                <a:solidFill>
+                  <a:schemeClr val="tx1"/>
+                </a:solidFill>
+                <a:latin typeface="+mn-lt"/>
+                <a:ea typeface="+mn-ea"/>
+                <a:cs typeface="+mn-cs"/>
+              </a:defRPr>
+            </a:lvl4pPr>
+            <a:lvl5pPr marL="2057400" indent="-228600" algn="l" rtl="0" eaLnBrk="1" fontAlgn="base" hangingPunct="1">
+              <a:spcBef>
+                <a:spcPct val="20000"/>
+              </a:spcBef>
+              <a:spcAft>
+                <a:spcPct val="0"/>
+              </a:spcAft>
+              <a:buChar char="»"/>
+              <a:defRPr sz="2000">
+                <a:solidFill>
+                  <a:schemeClr val="tx1"/>
+                </a:solidFill>
+                <a:latin typeface="+mn-lt"/>
+                <a:ea typeface="+mn-ea"/>
+                <a:cs typeface="+mn-cs"/>
+              </a:defRPr>
+            </a:lvl5pPr>
+            <a:lvl6pPr marL="2514600" indent="-228600" algn="l" rtl="0" eaLnBrk="1" fontAlgn="base" hangingPunct="1">
+              <a:spcBef>
+                <a:spcPct val="20000"/>
+              </a:spcBef>
+              <a:spcAft>
+                <a:spcPct val="0"/>
+              </a:spcAft>
+              <a:buChar char="»"/>
+              <a:defRPr sz="2000">
+                <a:solidFill>
+                  <a:schemeClr val="tx1"/>
+                </a:solidFill>
+                <a:latin typeface="+mn-lt"/>
+                <a:ea typeface="+mn-ea"/>
+                <a:cs typeface="+mn-cs"/>
+              </a:defRPr>
+            </a:lvl6pPr>
+            <a:lvl7pPr marL="2971800" indent="-228600" algn="l" rtl="0" eaLnBrk="1" fontAlgn="base" hangingPunct="1">
+              <a:spcBef>
+                <a:spcPct val="20000"/>
+              </a:spcBef>
+              <a:spcAft>
+                <a:spcPct val="0"/>
+              </a:spcAft>
+              <a:buChar char="»"/>
+              <a:defRPr sz="2000">
+                <a:solidFill>
+                  <a:schemeClr val="tx1"/>
+                </a:solidFill>
+                <a:latin typeface="+mn-lt"/>
+                <a:ea typeface="+mn-ea"/>
+                <a:cs typeface="+mn-cs"/>
+              </a:defRPr>
+            </a:lvl7pPr>
+            <a:lvl8pPr marL="3429000" indent="-228600" algn="l" rtl="0" eaLnBrk="1" fontAlgn="base" hangingPunct="1">
+              <a:spcBef>
+                <a:spcPct val="20000"/>
+              </a:spcBef>
+              <a:spcAft>
+                <a:spcPct val="0"/>
+              </a:spcAft>
+              <a:buChar char="»"/>
+              <a:defRPr sz="2000">
+                <a:solidFill>
+                  <a:schemeClr val="tx1"/>
+                </a:solidFill>
+                <a:latin typeface="+mn-lt"/>
+                <a:ea typeface="+mn-ea"/>
+                <a:cs typeface="+mn-cs"/>
+              </a:defRPr>
+            </a:lvl8pPr>
+            <a:lvl9pPr marL="3886200" indent="-228600" algn="l" rtl="0" eaLnBrk="1" fontAlgn="base" hangingPunct="1">
+              <a:spcBef>
+                <a:spcPct val="20000"/>
+              </a:spcBef>
+              <a:spcAft>
+                <a:spcPct val="0"/>
+              </a:spcAft>
+              <a:buChar char="»"/>
+              <a:defRPr sz="2000">
+                <a:solidFill>
+                  <a:schemeClr val="tx1"/>
+                </a:solidFill>
+                <a:latin typeface="+mn-lt"/>
+                <a:ea typeface="+mn-ea"/>
+                <a:cs typeface="+mn-cs"/>
+              </a:defRPr>
+            </a:lvl9pPr>
+          </a:lstStyle>
+          <a:p>
+            <a:r>
+              <a:rPr lang="it-IT" sz="2400" i="1" kern="0" dirty="0" smtClean="0"/>
+              <a:t>Contro</a:t>
+            </a:r>
+            <a:r>
+              <a:rPr lang="it-IT" sz="2400" kern="0" dirty="0" smtClean="0"/>
+              <a:t>: </a:t>
+            </a:r>
+            <a:r>
+              <a:rPr lang="it-IT" sz="2400" b="1" kern="0" dirty="0" smtClean="0"/>
+              <a:t>Difficile</a:t>
+            </a:r>
+            <a:r>
+              <a:rPr lang="it-IT" sz="2400" kern="0" dirty="0" smtClean="0"/>
+              <a:t> realizzazione</a:t>
             </a:r>
             <a:endParaRPr lang="it-IT" sz="2400" kern="0" dirty="0"/>
           </a:p>
@@ -14082,6 +15466,98 @@
     <p:extLst>
       <p:ext uri="{BB962C8B-B14F-4D97-AF65-F5344CB8AC3E}">
         <p14:creationId xmlns:p14="http://schemas.microsoft.com/office/powerpoint/2010/main" val="4012385140"/>
+      </p:ext>
+    </p:extLst>
+  </p:cSld>
+  <p:clrMapOvr>
+    <a:masterClrMapping/>
+  </p:clrMapOvr>
+  <p:timing>
+    <p:tnLst>
+      <p:par>
+        <p:cTn id="1" dur="indefinite" restart="never" nodeType="tmRoot"/>
+      </p:par>
+    </p:tnLst>
+  </p:timing>
+</p:sld>
+</file>
+
+<file path=ppt/slides/slide30.xml><?xml version="1.0" encoding="utf-8"?>
+<p:sld xmlns:a="http://schemas.openxmlformats.org/drawingml/2006/main" xmlns:r="http://schemas.openxmlformats.org/officeDocument/2006/relationships" xmlns:p="http://schemas.openxmlformats.org/presentationml/2006/main">
+  <p:cSld>
+    <p:spTree>
+      <p:nvGrpSpPr>
+        <p:cNvPr id="1" name=""/>
+        <p:cNvGrpSpPr/>
+        <p:nvPr/>
+      </p:nvGrpSpPr>
+      <p:grpSpPr>
+        <a:xfrm>
+          <a:off x="0" y="0"/>
+          <a:ext cx="0" cy="0"/>
+          <a:chOff x="0" y="0"/>
+          <a:chExt cx="0" cy="0"/>
+        </a:xfrm>
+      </p:grpSpPr>
+      <p:sp>
+        <p:nvSpPr>
+          <p:cNvPr id="4" name="Segnaposto numero diapositiva 3"/>
+          <p:cNvSpPr>
+            <a:spLocks noGrp="1"/>
+          </p:cNvSpPr>
+          <p:nvPr>
+            <p:ph type="sldNum" sz="quarter" idx="11"/>
+          </p:nvPr>
+        </p:nvSpPr>
+        <p:spPr/>
+        <p:txBody>
+          <a:bodyPr/>
+          <a:lstStyle/>
+          <a:p>
+            <a:fld id="{C503DA3A-0C6B-48FC-931E-2C786AAFD5C1}" type="slidenum">
+              <a:rPr lang="en-US" altLang="nl-NL" smtClean="0"/>
+              <a:pPr/>
+              <a:t>30</a:t>
+            </a:fld>
+            <a:endParaRPr lang="en-US" altLang="nl-NL"/>
+          </a:p>
+        </p:txBody>
+      </p:sp>
+      <p:sp>
+        <p:nvSpPr>
+          <p:cNvPr id="5" name="Segnaposto contenuto 4"/>
+          <p:cNvSpPr>
+            <a:spLocks noGrp="1"/>
+          </p:cNvSpPr>
+          <p:nvPr>
+            <p:ph idx="1"/>
+          </p:nvPr>
+        </p:nvSpPr>
+        <p:spPr>
+          <a:xfrm>
+            <a:off x="761219" y="4514383"/>
+            <a:ext cx="7158038" cy="985837"/>
+          </a:xfrm>
+        </p:spPr>
+        <p:txBody>
+          <a:bodyPr/>
+          <a:lstStyle/>
+          <a:p>
+            <a:pPr marL="0" indent="0">
+              <a:buNone/>
+            </a:pPr>
+            <a:r>
+              <a:rPr lang="it-IT" sz="4800" dirty="0" smtClean="0"/>
+              <a:t>Grazie per l’attenzione</a:t>
+            </a:r>
+            <a:endParaRPr lang="it-IT" sz="2400" dirty="0"/>
+          </a:p>
+        </p:txBody>
+      </p:sp>
+    </p:spTree>
+    <p:extLst>
+      <p:ext uri="{BB962C8B-B14F-4D97-AF65-F5344CB8AC3E}">
+        <p14:creationId xmlns:p14="http://schemas.microsoft.com/office/powerpoint/2010/main" val="1960709859"/>
       </p:ext>
     </p:extLst>
   </p:cSld>
@@ -14161,9 +15637,146 @@
           </a:p>
         </p:txBody>
       </p:sp>
+      <p:sp>
+        <p:nvSpPr>
+          <p:cNvPr id="7" name="Segnaposto contenuto 2"/>
+          <p:cNvSpPr>
+            <a:spLocks noGrp="1"/>
+          </p:cNvSpPr>
+          <p:nvPr>
+            <p:ph idx="1"/>
+          </p:nvPr>
+        </p:nvSpPr>
+        <p:spPr>
+          <a:xfrm>
+            <a:off x="380997" y="996103"/>
+            <a:ext cx="8405814" cy="2122711"/>
+          </a:xfrm>
+        </p:spPr>
+        <p:txBody>
+          <a:bodyPr/>
+          <a:lstStyle/>
+          <a:p>
+            <a:r>
+              <a:rPr lang="it-IT" sz="2400" b="1" dirty="0" smtClean="0"/>
+              <a:t>Variante</a:t>
+            </a:r>
+            <a:r>
+              <a:rPr lang="it-IT" sz="2400" dirty="0" smtClean="0"/>
+              <a:t> dell’interferometria tradizionale</a:t>
+            </a:r>
+          </a:p>
+          <a:p>
+            <a:r>
+              <a:rPr lang="it-IT" sz="2400" dirty="0" smtClean="0"/>
+              <a:t>L’architettura </a:t>
+            </a:r>
+            <a:r>
+              <a:rPr lang="it-IT" sz="2400" dirty="0"/>
+              <a:t>è </a:t>
+            </a:r>
+            <a:r>
+              <a:rPr lang="it-IT" sz="2400" dirty="0" smtClean="0"/>
+              <a:t>composta </a:t>
+            </a:r>
+            <a:r>
+              <a:rPr lang="it-IT" sz="2400" u="sng" dirty="0" smtClean="0"/>
+              <a:t>solamente</a:t>
+            </a:r>
+            <a:r>
+              <a:rPr lang="it-IT" sz="2400" dirty="0" smtClean="0"/>
+              <a:t> </a:t>
+            </a:r>
+            <a:r>
+              <a:rPr lang="it-IT" sz="2400" dirty="0"/>
+              <a:t>da:</a:t>
+            </a:r>
+          </a:p>
+          <a:p>
+            <a:pPr lvl="1"/>
+            <a:r>
+              <a:rPr lang="it-IT" sz="2000" dirty="0"/>
+              <a:t>un </a:t>
+            </a:r>
+            <a:r>
+              <a:rPr lang="it-IT" sz="2000" b="1" dirty="0" smtClean="0"/>
+              <a:t>fotodiodo</a:t>
+            </a:r>
+          </a:p>
+          <a:p>
+            <a:pPr lvl="1"/>
+            <a:r>
+              <a:rPr lang="it-IT" sz="2000" dirty="0"/>
+              <a:t>una sorgente </a:t>
+            </a:r>
+            <a:r>
+              <a:rPr lang="it-IT" sz="2000" b="1" dirty="0" smtClean="0"/>
+              <a:t>laser</a:t>
+            </a:r>
+          </a:p>
+          <a:p>
+            <a:pPr lvl="1"/>
+            <a:r>
+              <a:rPr lang="it-IT" sz="2000" dirty="0"/>
+              <a:t>una </a:t>
+            </a:r>
+            <a:r>
+              <a:rPr lang="it-IT" sz="2000" b="1" dirty="0"/>
+              <a:t>lente</a:t>
+            </a:r>
+            <a:endParaRPr lang="it-IT" sz="2000" dirty="0" smtClean="0"/>
+          </a:p>
+          <a:p>
+            <a:pPr marL="0" indent="0">
+              <a:buNone/>
+            </a:pPr>
+            <a:endParaRPr lang="it-IT" sz="2400" b="1" dirty="0" smtClean="0"/>
+          </a:p>
+        </p:txBody>
+      </p:sp>
+      <p:sp>
+        <p:nvSpPr>
+          <p:cNvPr id="3" name="CasellaDiTesto 2"/>
+          <p:cNvSpPr txBox="1"/>
+          <p:nvPr/>
+        </p:nvSpPr>
+        <p:spPr>
+          <a:xfrm>
+            <a:off x="380997" y="5288340"/>
+            <a:ext cx="8405814" cy="1569660"/>
+          </a:xfrm>
+          <a:prstGeom prst="rect">
+            <a:avLst/>
+          </a:prstGeom>
+          <a:noFill/>
+        </p:spPr>
+        <p:txBody>
+          <a:bodyPr wrap="square" rtlCol="0">
+            <a:spAutoFit/>
+          </a:bodyPr>
+          <a:lstStyle/>
+          <a:p>
+            <a:pPr marL="342900" indent="-342900">
+              <a:buFont typeface="Arial" charset="0"/>
+              <a:buChar char="•"/>
+            </a:pPr>
+            <a:r>
+              <a:rPr lang="it-IT" dirty="0"/>
+              <a:t>Il fascio laser emesso è riflesso dal bersaglio e rientra nella cavità causando un fenomeno di </a:t>
+            </a:r>
+            <a:r>
+              <a:rPr lang="it-IT" b="1" dirty="0"/>
+              <a:t>interferenza</a:t>
+            </a:r>
+          </a:p>
+          <a:p>
+            <a:endParaRPr lang="it-IT" dirty="0"/>
+          </a:p>
+        </p:txBody>
+      </p:sp>
       <p:pic>
         <p:nvPicPr>
-          <p:cNvPr id="5" name="Immagine 4"/>
+          <p:cNvPr id="6" name="Immagine 5"/>
           <p:cNvPicPr>
             <a:picLocks noChangeAspect="1"/>
           </p:cNvPicPr>
@@ -14183,91 +15796,14 @@
         </p:blipFill>
         <p:spPr>
           <a:xfrm>
-            <a:off x="1786797" y="4190274"/>
-            <a:ext cx="5594219" cy="1821120"/>
+            <a:off x="1474218" y="3118814"/>
+            <a:ext cx="6219371" cy="2024630"/>
           </a:xfrm>
           <a:prstGeom prst="rect">
             <a:avLst/>
           </a:prstGeom>
         </p:spPr>
       </p:pic>
-      <p:sp>
-        <p:nvSpPr>
-          <p:cNvPr id="7" name="Segnaposto contenuto 2"/>
-          <p:cNvSpPr>
-            <a:spLocks noGrp="1"/>
-          </p:cNvSpPr>
-          <p:nvPr>
-            <p:ph idx="1"/>
-          </p:nvPr>
-        </p:nvSpPr>
-        <p:spPr>
-          <a:xfrm>
-            <a:off x="380999" y="1303806"/>
-            <a:ext cx="8405814" cy="2678909"/>
-          </a:xfrm>
-        </p:spPr>
-        <p:txBody>
-          <a:bodyPr/>
-          <a:lstStyle/>
-          <a:p>
-            <a:r>
-              <a:rPr lang="it-IT" sz="2400" dirty="0"/>
-              <a:t>L’architettura è composta da:</a:t>
-            </a:r>
-          </a:p>
-          <a:p>
-            <a:pPr lvl="1"/>
-            <a:r>
-              <a:rPr lang="it-IT" sz="2000" dirty="0"/>
-              <a:t>un </a:t>
-            </a:r>
-            <a:r>
-              <a:rPr lang="it-IT" sz="2000" b="1" dirty="0" smtClean="0"/>
-              <a:t>fotodiodo</a:t>
-            </a:r>
-          </a:p>
-          <a:p>
-            <a:pPr lvl="1"/>
-            <a:r>
-              <a:rPr lang="it-IT" sz="2000" dirty="0"/>
-              <a:t>una sorgente </a:t>
-            </a:r>
-            <a:r>
-              <a:rPr lang="it-IT" sz="2000" b="1" dirty="0" smtClean="0"/>
-              <a:t>laser</a:t>
-            </a:r>
-          </a:p>
-          <a:p>
-            <a:pPr lvl="1"/>
-            <a:r>
-              <a:rPr lang="it-IT" sz="2000" dirty="0"/>
-              <a:t>una </a:t>
-            </a:r>
-            <a:r>
-              <a:rPr lang="it-IT" sz="2000" b="1" dirty="0"/>
-              <a:t>lente</a:t>
-            </a:r>
-            <a:endParaRPr lang="it-IT" sz="2000" dirty="0" smtClean="0"/>
-          </a:p>
-          <a:p>
-            <a:r>
-              <a:rPr lang="it-IT" sz="2400" dirty="0" smtClean="0"/>
-              <a:t>Il fascio laser emesso è riflesso dal bersaglio e rientra nella cavità causando un fenomeno di </a:t>
-            </a:r>
-            <a:r>
-              <a:rPr lang="it-IT" sz="2400" b="1" dirty="0" smtClean="0"/>
-              <a:t>interferenza</a:t>
-            </a:r>
-          </a:p>
-          <a:p>
-            <a:pPr marL="0" indent="0">
-              <a:buNone/>
-            </a:pPr>
-            <a:endParaRPr lang="it-IT" sz="2400" b="1" dirty="0" smtClean="0"/>
-          </a:p>
-        </p:txBody>
-      </p:sp>
     </p:spTree>
     <p:extLst>
       <p:ext uri="{BB962C8B-B14F-4D97-AF65-F5344CB8AC3E}">
@@ -14307,25 +15843,6 @@
       </p:grpSpPr>
       <p:sp>
         <p:nvSpPr>
-          <p:cNvPr id="2" name="Titolo 1"/>
-          <p:cNvSpPr>
-            <a:spLocks noGrp="1"/>
-          </p:cNvSpPr>
-          <p:nvPr>
-            <p:ph type="title"/>
-          </p:nvPr>
-        </p:nvSpPr>
-        <p:spPr/>
-        <p:txBody>
-          <a:bodyPr/>
-          <a:lstStyle/>
-          <a:p>
-            <a:endParaRPr lang="it-IT"/>
-          </a:p>
-        </p:txBody>
-      </p:sp>
-      <p:sp>
-        <p:nvSpPr>
           <p:cNvPr id="3" name="Segnaposto contenuto 2"/>
           <p:cNvSpPr>
             <a:spLocks noGrp="1"/>
@@ -14364,6 +15881,33 @@
               <a:t>5</a:t>
             </a:fld>
             <a:endParaRPr lang="en-US" altLang="nl-NL"/>
+          </a:p>
+        </p:txBody>
+      </p:sp>
+      <p:sp>
+        <p:nvSpPr>
+          <p:cNvPr id="5" name="Titolo 1"/>
+          <p:cNvSpPr>
+            <a:spLocks noGrp="1"/>
+          </p:cNvSpPr>
+          <p:nvPr>
+            <p:ph type="title"/>
+          </p:nvPr>
+        </p:nvSpPr>
+        <p:spPr>
+          <a:xfrm>
+            <a:off x="609600" y="0"/>
+            <a:ext cx="7162800" cy="762000"/>
+          </a:xfrm>
+        </p:spPr>
+        <p:txBody>
+          <a:bodyPr/>
+          <a:lstStyle/>
+          <a:p>
+            <a:r>
+              <a:rPr lang="it-IT" dirty="0"/>
+              <a:t>Interferometria a self-mixing</a:t>
+            </a:r>
           </a:p>
         </p:txBody>
       </p:sp>
@@ -14377,6 +15921,13 @@
   <p:clrMapOvr>
     <a:masterClrMapping/>
   </p:clrMapOvr>
+  <p:timing>
+    <p:tnLst>
+      <p:par>
+        <p:cTn id="1" dur="indefinite" restart="never" nodeType="tmRoot"/>
+      </p:par>
+    </p:tnLst>
+  </p:timing>
 </p:sld>
 </file>
 
@@ -14399,25 +15950,6 @@
       </p:grpSpPr>
       <p:sp>
         <p:nvSpPr>
-          <p:cNvPr id="2" name="Titolo 1"/>
-          <p:cNvSpPr>
-            <a:spLocks noGrp="1"/>
-          </p:cNvSpPr>
-          <p:nvPr>
-            <p:ph type="title"/>
-          </p:nvPr>
-        </p:nvSpPr>
-        <p:spPr/>
-        <p:txBody>
-          <a:bodyPr/>
-          <a:lstStyle/>
-          <a:p>
-            <a:endParaRPr lang="it-IT"/>
-          </a:p>
-        </p:txBody>
-      </p:sp>
-      <p:sp>
-        <p:nvSpPr>
           <p:cNvPr id="3" name="Segnaposto contenuto 2"/>
           <p:cNvSpPr>
             <a:spLocks noGrp="1"/>
@@ -14456,6 +15988,33 @@
               <a:t>6</a:t>
             </a:fld>
             <a:endParaRPr lang="en-US" altLang="nl-NL"/>
+          </a:p>
+        </p:txBody>
+      </p:sp>
+      <p:sp>
+        <p:nvSpPr>
+          <p:cNvPr id="5" name="Titolo 1"/>
+          <p:cNvSpPr>
+            <a:spLocks noGrp="1"/>
+          </p:cNvSpPr>
+          <p:nvPr>
+            <p:ph type="title"/>
+          </p:nvPr>
+        </p:nvSpPr>
+        <p:spPr>
+          <a:xfrm>
+            <a:off x="609600" y="0"/>
+            <a:ext cx="7162800" cy="762000"/>
+          </a:xfrm>
+        </p:spPr>
+        <p:txBody>
+          <a:bodyPr/>
+          <a:lstStyle/>
+          <a:p>
+            <a:r>
+              <a:rPr lang="it-IT" dirty="0"/>
+              <a:t>Interferometria a self-mixing</a:t>
+            </a:r>
           </a:p>
         </p:txBody>
       </p:sp>

--- a/presentazione_discussione.pptx
+++ b/presentazione_discussione.pptx
@@ -210,62 +210,6 @@
 
 <file path=ppt/comments/comment1.xml><?xml version="1.0" encoding="utf-8"?>
 <p:cmLst xmlns:a="http://schemas.openxmlformats.org/drawingml/2006/main" xmlns:r="http://schemas.openxmlformats.org/officeDocument/2006/relationships" xmlns:p="http://schemas.openxmlformats.org/presentationml/2006/main">
-  <p:cm authorId="1" dt="2015-12-16T10:21:42.129" idx="9">
-    <p:pos x="5760" y="1134"/>
-    <p:text>mettere immagini/animazione</p:text>
-    <p:extLst>
-      <p:ext uri="{C676402C-5697-4E1C-873F-D02D1690AC5C}">
-        <p15:threadingInfo xmlns:p15="http://schemas.microsoft.com/office/powerpoint/2012/main" timeZoneBias="-60"/>
-      </p:ext>
-    </p:extLst>
-  </p:cm>
-</p:cmLst>
-</file>
-
-<file path=ppt/comments/comment2.xml><?xml version="1.0" encoding="utf-8"?>
-<p:cmLst xmlns:a="http://schemas.openxmlformats.org/drawingml/2006/main" xmlns:r="http://schemas.openxmlformats.org/officeDocument/2006/relationships" xmlns:p="http://schemas.openxmlformats.org/presentationml/2006/main">
-  <p:cm authorId="1" dt="2015-12-16T10:21:42.129" idx="9">
-    <p:pos x="5760" y="1134"/>
-    <p:text>mettere immagini/animazione</p:text>
-    <p:extLst>
-      <p:ext uri="{C676402C-5697-4E1C-873F-D02D1690AC5C}">
-        <p15:threadingInfo xmlns:p15="http://schemas.microsoft.com/office/powerpoint/2012/main" timeZoneBias="-60"/>
-      </p:ext>
-    </p:extLst>
-  </p:cm>
-</p:cmLst>
-</file>
-
-<file path=ppt/comments/comment3.xml><?xml version="1.0" encoding="utf-8"?>
-<p:cmLst xmlns:a="http://schemas.openxmlformats.org/drawingml/2006/main" xmlns:r="http://schemas.openxmlformats.org/officeDocument/2006/relationships" xmlns:p="http://schemas.openxmlformats.org/presentationml/2006/main">
-  <p:cm authorId="1" dt="2015-12-16T10:21:42.129" idx="9">
-    <p:pos x="5760" y="1134"/>
-    <p:text>mettere immagini/animazione</p:text>
-    <p:extLst>
-      <p:ext uri="{C676402C-5697-4E1C-873F-D02D1690AC5C}">
-        <p15:threadingInfo xmlns:p15="http://schemas.microsoft.com/office/powerpoint/2012/main" timeZoneBias="-60"/>
-      </p:ext>
-    </p:extLst>
-  </p:cm>
-</p:cmLst>
-</file>
-
-<file path=ppt/comments/comment4.xml><?xml version="1.0" encoding="utf-8"?>
-<p:cmLst xmlns:a="http://schemas.openxmlformats.org/drawingml/2006/main" xmlns:r="http://schemas.openxmlformats.org/officeDocument/2006/relationships" xmlns:p="http://schemas.openxmlformats.org/presentationml/2006/main">
-  <p:cm authorId="1" dt="2015-12-16T10:21:42.129" idx="9">
-    <p:pos x="5760" y="1134"/>
-    <p:text>mettere immagini/animazione</p:text>
-    <p:extLst>
-      <p:ext uri="{C676402C-5697-4E1C-873F-D02D1690AC5C}">
-        <p15:threadingInfo xmlns:p15="http://schemas.microsoft.com/office/powerpoint/2012/main" timeZoneBias="-60"/>
-      </p:ext>
-    </p:extLst>
-  </p:cm>
-</p:cmLst>
-</file>
-
-<file path=ppt/comments/comment5.xml><?xml version="1.0" encoding="utf-8"?>
-<p:cmLst xmlns:a="http://schemas.openxmlformats.org/drawingml/2006/main" xmlns:r="http://schemas.openxmlformats.org/officeDocument/2006/relationships" xmlns:p="http://schemas.openxmlformats.org/presentationml/2006/main">
   <p:cm authorId="1" dt="2015-12-16T10:35:26.815" idx="15">
     <p:pos x="4896" y="1755"/>
     <p:text>spiegare bene questo set-up a voce</p:text>
@@ -278,7 +222,7 @@
 </p:cmLst>
 </file>
 
-<file path=ppt/comments/comment6.xml><?xml version="1.0" encoding="utf-8"?>
+<file path=ppt/comments/comment2.xml><?xml version="1.0" encoding="utf-8"?>
 <p:cmLst xmlns:a="http://schemas.openxmlformats.org/drawingml/2006/main" xmlns:r="http://schemas.openxmlformats.org/officeDocument/2006/relationships" xmlns:p="http://schemas.openxmlformats.org/presentationml/2006/main">
   <p:cm authorId="1" dt="2015-12-16T10:33:04.661" idx="12">
     <p:pos x="5615" y="2713"/>
@@ -292,7 +236,7 @@
 </p:cmLst>
 </file>
 
-<file path=ppt/comments/comment7.xml><?xml version="1.0" encoding="utf-8"?>
+<file path=ppt/comments/comment3.xml><?xml version="1.0" encoding="utf-8"?>
 <p:cmLst xmlns:a="http://schemas.openxmlformats.org/drawingml/2006/main" xmlns:r="http://schemas.openxmlformats.org/officeDocument/2006/relationships" xmlns:p="http://schemas.openxmlformats.org/presentationml/2006/main">
   <p:cm authorId="1" dt="2015-12-16T10:33:21.314" idx="13">
     <p:pos x="5760" y="2641"/>
@@ -306,7 +250,7 @@
 </p:cmLst>
 </file>
 
-<file path=ppt/comments/comment8.xml><?xml version="1.0" encoding="utf-8"?>
+<file path=ppt/comments/comment4.xml><?xml version="1.0" encoding="utf-8"?>
 <p:cmLst xmlns:a="http://schemas.openxmlformats.org/drawingml/2006/main" xmlns:r="http://schemas.openxmlformats.org/officeDocument/2006/relationships" xmlns:p="http://schemas.openxmlformats.org/presentationml/2006/main">
   <p:cm authorId="1" dt="2015-12-16T10:34:08.054" idx="14">
     <p:pos x="5656" y="611"/>
@@ -10266,6 +10210,36 @@
           </a:p>
         </p:txBody>
       </p:sp>
+      <p:pic>
+        <p:nvPicPr>
+          <p:cNvPr id="8" name="Immagine 7"/>
+          <p:cNvPicPr>
+            <a:picLocks noChangeAspect="1"/>
+          </p:cNvPicPr>
+          <p:nvPr/>
+        </p:nvPicPr>
+        <p:blipFill>
+          <a:blip r:embed="rId3">
+            <a:extLst>
+              <a:ext uri="{28A0092B-C50C-407E-A947-70E740481C1C}">
+                <a14:useLocalDpi xmlns:a14="http://schemas.microsoft.com/office/drawing/2010/main" val="0"/>
+              </a:ext>
+            </a:extLst>
+          </a:blip>
+          <a:stretch>
+            <a:fillRect/>
+          </a:stretch>
+        </p:blipFill>
+        <p:spPr>
+          <a:xfrm>
+            <a:off x="5483678" y="1447331"/>
+            <a:ext cx="3510643" cy="2508177"/>
+          </a:xfrm>
+          <a:prstGeom prst="rect">
+            <a:avLst/>
+          </a:prstGeom>
+        </p:spPr>
+      </p:pic>
     </p:spTree>
     <p:extLst>
       <p:ext uri="{BB962C8B-B14F-4D97-AF65-F5344CB8AC3E}">
@@ -10487,6 +10461,36 @@
           </a:p>
         </p:txBody>
       </p:sp>
+      <p:pic>
+        <p:nvPicPr>
+          <p:cNvPr id="6" name="Immagine 5"/>
+          <p:cNvPicPr>
+            <a:picLocks noChangeAspect="1"/>
+          </p:cNvPicPr>
+          <p:nvPr/>
+        </p:nvPicPr>
+        <p:blipFill>
+          <a:blip r:embed="rId3">
+            <a:extLst>
+              <a:ext uri="{28A0092B-C50C-407E-A947-70E740481C1C}">
+                <a14:useLocalDpi xmlns:a14="http://schemas.microsoft.com/office/drawing/2010/main" val="0"/>
+              </a:ext>
+            </a:extLst>
+          </a:blip>
+          <a:stretch>
+            <a:fillRect/>
+          </a:stretch>
+        </p:blipFill>
+        <p:spPr>
+          <a:xfrm>
+            <a:off x="5483678" y="2074475"/>
+            <a:ext cx="3510643" cy="2632983"/>
+          </a:xfrm>
+          <a:prstGeom prst="rect">
+            <a:avLst/>
+          </a:prstGeom>
+        </p:spPr>
+      </p:pic>
     </p:spTree>
     <p:extLst>
       <p:ext uri="{BB962C8B-B14F-4D97-AF65-F5344CB8AC3E}">
@@ -10704,6 +10708,36 @@
           </a:p>
         </p:txBody>
       </p:sp>
+      <p:pic>
+        <p:nvPicPr>
+          <p:cNvPr id="6" name="Immagine 5"/>
+          <p:cNvPicPr>
+            <a:picLocks noChangeAspect="1"/>
+          </p:cNvPicPr>
+          <p:nvPr/>
+        </p:nvPicPr>
+        <p:blipFill>
+          <a:blip r:embed="rId3">
+            <a:extLst>
+              <a:ext uri="{28A0092B-C50C-407E-A947-70E740481C1C}">
+                <a14:useLocalDpi xmlns:a14="http://schemas.microsoft.com/office/drawing/2010/main" val="0"/>
+              </a:ext>
+            </a:extLst>
+          </a:blip>
+          <a:stretch>
+            <a:fillRect/>
+          </a:stretch>
+        </p:blipFill>
+        <p:spPr>
+          <a:xfrm>
+            <a:off x="5515031" y="3808736"/>
+            <a:ext cx="3447937" cy="2585952"/>
+          </a:xfrm>
+          <a:prstGeom prst="rect">
+            <a:avLst/>
+          </a:prstGeom>
+        </p:spPr>
+      </p:pic>
     </p:spTree>
     <p:extLst>
       <p:ext uri="{BB962C8B-B14F-4D97-AF65-F5344CB8AC3E}">
@@ -10918,6 +10952,83 @@
               <a:t>19</a:t>
             </a:fld>
             <a:endParaRPr lang="en-US" altLang="nl-NL" dirty="0"/>
+          </a:p>
+        </p:txBody>
+      </p:sp>
+      <p:pic>
+        <p:nvPicPr>
+          <p:cNvPr id="5" name="Immagine 4"/>
+          <p:cNvPicPr>
+            <a:picLocks noChangeAspect="1"/>
+          </p:cNvPicPr>
+          <p:nvPr/>
+        </p:nvPicPr>
+        <p:blipFill>
+          <a:blip r:embed="rId3">
+            <a:extLst>
+              <a:ext uri="{28A0092B-C50C-407E-A947-70E740481C1C}">
+                <a14:useLocalDpi xmlns:a14="http://schemas.microsoft.com/office/drawing/2010/main" val="0"/>
+              </a:ext>
+            </a:extLst>
+          </a:blip>
+          <a:stretch>
+            <a:fillRect/>
+          </a:stretch>
+        </p:blipFill>
+        <p:spPr>
+          <a:xfrm>
+            <a:off x="5515031" y="3793746"/>
+            <a:ext cx="3447937" cy="2585952"/>
+          </a:xfrm>
+          <a:prstGeom prst="rect">
+            <a:avLst/>
+          </a:prstGeom>
+        </p:spPr>
+      </p:pic>
+      <p:sp>
+        <p:nvSpPr>
+          <p:cNvPr id="6" name="Anello 5"/>
+          <p:cNvSpPr/>
+          <p:nvPr/>
+        </p:nvSpPr>
+        <p:spPr>
+          <a:xfrm>
+            <a:off x="6385810" y="3823726"/>
+            <a:ext cx="539646" cy="508431"/>
+          </a:xfrm>
+          <a:prstGeom prst="donut">
+            <a:avLst>
+              <a:gd name="adj" fmla="val 4362"/>
+            </a:avLst>
+          </a:prstGeom>
+          <a:solidFill>
+            <a:schemeClr val="tx1"/>
+          </a:solidFill>
+        </p:spPr>
+        <p:style>
+          <a:lnRef idx="2">
+            <a:schemeClr val="dk1"/>
+          </a:lnRef>
+          <a:fillRef idx="1">
+            <a:schemeClr val="lt1"/>
+          </a:fillRef>
+          <a:effectRef idx="0">
+            <a:schemeClr val="dk1"/>
+          </a:effectRef>
+          <a:fontRef idx="minor">
+            <a:schemeClr val="dk1"/>
+          </a:fontRef>
+        </p:style>
+        <p:txBody>
+          <a:bodyPr rtlCol="0" anchor="ctr"/>
+          <a:lstStyle/>
+          <a:p>
+            <a:pPr algn="ctr"/>
+            <a:endParaRPr lang="it-IT">
+              <a:solidFill>
+                <a:schemeClr val="tx1"/>
+              </a:solidFill>
+            </a:endParaRPr>
           </a:p>
         </p:txBody>
       </p:sp>
@@ -11698,141 +11809,9 @@
           <a:chExt cx="0" cy="0"/>
         </a:xfrm>
       </p:grpSpPr>
-      <p:sp>
-        <p:nvSpPr>
-          <p:cNvPr id="2" name="Titolo 1"/>
-          <p:cNvSpPr>
-            <a:spLocks noGrp="1"/>
-          </p:cNvSpPr>
-          <p:nvPr>
-            <p:ph type="title"/>
-          </p:nvPr>
-        </p:nvSpPr>
-        <p:spPr/>
-        <p:txBody>
-          <a:bodyPr/>
-          <a:lstStyle/>
-          <a:p>
-            <a:r>
-              <a:rPr lang="it-IT" dirty="0" smtClean="0"/>
-              <a:t>Ottimizzazioni</a:t>
-            </a:r>
-            <a:endParaRPr lang="it-IT" dirty="0"/>
-          </a:p>
-        </p:txBody>
-      </p:sp>
-      <p:sp>
-        <p:nvSpPr>
-          <p:cNvPr id="3" name="Segnaposto contenuto 2"/>
-          <p:cNvSpPr>
-            <a:spLocks noGrp="1"/>
-          </p:cNvSpPr>
-          <p:nvPr>
-            <p:ph idx="1"/>
-          </p:nvPr>
-        </p:nvSpPr>
-        <p:spPr>
-          <a:xfrm>
-            <a:off x="685800" y="1127802"/>
-            <a:ext cx="7772400" cy="927848"/>
-          </a:xfrm>
-        </p:spPr>
-        <p:txBody>
-          <a:bodyPr/>
-          <a:lstStyle/>
-          <a:p>
-            <a:r>
-              <a:rPr lang="it-IT" sz="2400" b="1" dirty="0"/>
-              <a:t>Finestratura</a:t>
-            </a:r>
-            <a:r>
-              <a:rPr lang="it-IT" sz="2400" dirty="0"/>
-              <a:t> di </a:t>
-            </a:r>
-            <a:r>
-              <a:rPr lang="it-IT" sz="2400" dirty="0" err="1"/>
-              <a:t>Hanning</a:t>
-            </a:r>
-            <a:r>
-              <a:rPr lang="it-IT" sz="2400" dirty="0"/>
-              <a:t> del segnale </a:t>
-            </a:r>
-            <a:r>
-              <a:rPr lang="it-IT" sz="2400" dirty="0" smtClean="0"/>
-              <a:t>interferometrico</a:t>
-            </a:r>
-            <a:r>
-              <a:rPr lang="it-IT" sz="2400" dirty="0"/>
-              <a:t/>
-            </a:r>
-            <a:br>
-              <a:rPr lang="it-IT" sz="2400" dirty="0"/>
-            </a:br>
-            <a:r>
-              <a:rPr lang="it-IT" sz="2400" dirty="0" smtClean="0"/>
-              <a:t/>
-            </a:r>
-            <a:br>
-              <a:rPr lang="it-IT" sz="2400" dirty="0" smtClean="0"/>
-            </a:br>
-            <a:r>
-              <a:rPr lang="it-IT" sz="2400" dirty="0" smtClean="0"/>
-              <a:t/>
-            </a:r>
-            <a:br>
-              <a:rPr lang="it-IT" sz="2400" dirty="0" smtClean="0"/>
-            </a:br>
-            <a:r>
-              <a:rPr lang="it-IT" sz="2400" dirty="0" smtClean="0"/>
-              <a:t/>
-            </a:r>
-            <a:br>
-              <a:rPr lang="it-IT" sz="2400" dirty="0" smtClean="0"/>
-            </a:br>
-            <a:r>
-              <a:rPr lang="it-IT" sz="2400" dirty="0" smtClean="0"/>
-              <a:t/>
-            </a:r>
-            <a:br>
-              <a:rPr lang="it-IT" sz="2400" dirty="0" smtClean="0"/>
-            </a:br>
-            <a:endParaRPr lang="it-IT" sz="2400" dirty="0"/>
-          </a:p>
-          <a:p>
-            <a:endParaRPr lang="it-IT" sz="2400" dirty="0"/>
-          </a:p>
-          <a:p>
-            <a:endParaRPr lang="it-IT" sz="2400" dirty="0"/>
-          </a:p>
-        </p:txBody>
-      </p:sp>
-      <p:sp>
-        <p:nvSpPr>
-          <p:cNvPr id="4" name="Segnaposto numero diapositiva 3"/>
-          <p:cNvSpPr>
-            <a:spLocks noGrp="1"/>
-          </p:cNvSpPr>
-          <p:nvPr>
-            <p:ph type="sldNum" sz="quarter" idx="11"/>
-          </p:nvPr>
-        </p:nvSpPr>
-        <p:spPr/>
-        <p:txBody>
-          <a:bodyPr/>
-          <a:lstStyle/>
-          <a:p>
-            <a:fld id="{C503DA3A-0C6B-48FC-931E-2C786AAFD5C1}" type="slidenum">
-              <a:rPr lang="en-US" altLang="nl-NL" smtClean="0"/>
-              <a:pPr/>
-              <a:t>21</a:t>
-            </a:fld>
-            <a:endParaRPr lang="en-US" altLang="nl-NL"/>
-          </a:p>
-        </p:txBody>
-      </p:sp>
       <p:pic>
         <p:nvPicPr>
-          <p:cNvPr id="8" name="Immagine 7"/>
+          <p:cNvPr id="15" name="Immagine 14"/>
           <p:cNvPicPr>
             <a:picLocks noChangeAspect="1"/>
           </p:cNvPicPr>
@@ -11852,17 +11831,149 @@
         </p:blipFill>
         <p:spPr>
           <a:xfrm>
-            <a:off x="996043" y="2598960"/>
-            <a:ext cx="2902713" cy="1979614"/>
+            <a:off x="5409014" y="2645767"/>
+            <a:ext cx="2516654" cy="1887491"/>
           </a:xfrm>
           <a:prstGeom prst="rect">
             <a:avLst/>
           </a:prstGeom>
         </p:spPr>
       </p:pic>
+      <p:sp>
+        <p:nvSpPr>
+          <p:cNvPr id="2" name="Titolo 1"/>
+          <p:cNvSpPr>
+            <a:spLocks noGrp="1"/>
+          </p:cNvSpPr>
+          <p:nvPr>
+            <p:ph type="title"/>
+          </p:nvPr>
+        </p:nvSpPr>
+        <p:spPr/>
+        <p:txBody>
+          <a:bodyPr/>
+          <a:lstStyle/>
+          <a:p>
+            <a:r>
+              <a:rPr lang="it-IT" dirty="0" smtClean="0"/>
+              <a:t>Ottimizzazioni</a:t>
+            </a:r>
+            <a:endParaRPr lang="it-IT" dirty="0"/>
+          </a:p>
+        </p:txBody>
+      </p:sp>
+      <p:sp>
+        <p:nvSpPr>
+          <p:cNvPr id="3" name="Segnaposto contenuto 2"/>
+          <p:cNvSpPr>
+            <a:spLocks noGrp="1"/>
+          </p:cNvSpPr>
+          <p:nvPr>
+            <p:ph idx="1"/>
+          </p:nvPr>
+        </p:nvSpPr>
+        <p:spPr>
+          <a:xfrm>
+            <a:off x="685800" y="1127802"/>
+            <a:ext cx="7772400" cy="927848"/>
+          </a:xfrm>
+        </p:spPr>
+        <p:txBody>
+          <a:bodyPr/>
+          <a:lstStyle/>
+          <a:p>
+            <a:r>
+              <a:rPr lang="it-IT" sz="2400" b="1" dirty="0"/>
+              <a:t>Finestratura</a:t>
+            </a:r>
+            <a:r>
+              <a:rPr lang="it-IT" sz="2400" dirty="0"/>
+              <a:t> di </a:t>
+            </a:r>
+            <a:r>
+              <a:rPr lang="it-IT" sz="2400" dirty="0" err="1"/>
+              <a:t>Hanning</a:t>
+            </a:r>
+            <a:r>
+              <a:rPr lang="it-IT" sz="2400" dirty="0"/>
+              <a:t> del segnale </a:t>
+            </a:r>
+            <a:r>
+              <a:rPr lang="it-IT" sz="2400" dirty="0" smtClean="0"/>
+              <a:t>interferometrico</a:t>
+            </a:r>
+            <a:r>
+              <a:rPr lang="it-IT" sz="2400" dirty="0"/>
+              <a:t/>
+            </a:r>
+            <a:br>
+              <a:rPr lang="it-IT" sz="2400" dirty="0"/>
+            </a:br>
+            <a:r>
+              <a:rPr lang="it-IT" sz="2400" dirty="0" smtClean="0"/>
+              <a:t/>
+            </a:r>
+            <a:br>
+              <a:rPr lang="it-IT" sz="2400" dirty="0" smtClean="0"/>
+            </a:br>
+            <a:r>
+              <a:rPr lang="it-IT" sz="2400" dirty="0" smtClean="0"/>
+              <a:t/>
+            </a:r>
+            <a:br>
+              <a:rPr lang="it-IT" sz="2400" dirty="0" smtClean="0"/>
+            </a:br>
+            <a:r>
+              <a:rPr lang="it-IT" sz="2400" dirty="0" smtClean="0"/>
+              <a:t/>
+            </a:r>
+            <a:br>
+              <a:rPr lang="it-IT" sz="2400" dirty="0" smtClean="0"/>
+            </a:br>
+            <a:r>
+              <a:rPr lang="it-IT" sz="2400" dirty="0" smtClean="0"/>
+              <a:t/>
+            </a:r>
+            <a:br>
+              <a:rPr lang="it-IT" sz="2400" dirty="0" smtClean="0"/>
+            </a:br>
+            <a:endParaRPr lang="it-IT" sz="2400" dirty="0"/>
+          </a:p>
+          <a:p>
+            <a:endParaRPr lang="it-IT" sz="2400" dirty="0"/>
+          </a:p>
+          <a:p>
+            <a:endParaRPr lang="it-IT" sz="2400" dirty="0"/>
+          </a:p>
+        </p:txBody>
+      </p:sp>
+      <p:sp>
+        <p:nvSpPr>
+          <p:cNvPr id="4" name="Segnaposto numero diapositiva 3"/>
+          <p:cNvSpPr>
+            <a:spLocks noGrp="1"/>
+          </p:cNvSpPr>
+          <p:nvPr>
+            <p:ph type="sldNum" sz="quarter" idx="11"/>
+          </p:nvPr>
+        </p:nvSpPr>
+        <p:spPr/>
+        <p:txBody>
+          <a:bodyPr/>
+          <a:lstStyle/>
+          <a:p>
+            <a:fld id="{C503DA3A-0C6B-48FC-931E-2C786AAFD5C1}" type="slidenum">
+              <a:rPr lang="en-US" altLang="nl-NL" smtClean="0"/>
+              <a:pPr/>
+              <a:t>21</a:t>
+            </a:fld>
+            <a:endParaRPr lang="en-US" altLang="nl-NL"/>
+          </a:p>
+        </p:txBody>
+      </p:sp>
       <p:pic>
         <p:nvPicPr>
-          <p:cNvPr id="9" name="Immagine 8"/>
+          <p:cNvPr id="8" name="Immagine 7"/>
           <p:cNvPicPr>
             <a:picLocks noChangeAspect="1"/>
           </p:cNvPicPr>
@@ -11882,7 +11993,37 @@
         </p:blipFill>
         <p:spPr>
           <a:xfrm>
-            <a:off x="5400388" y="2566302"/>
+            <a:off x="921091" y="4533259"/>
+            <a:ext cx="2902713" cy="1979614"/>
+          </a:xfrm>
+          <a:prstGeom prst="rect">
+            <a:avLst/>
+          </a:prstGeom>
+        </p:spPr>
+      </p:pic>
+      <p:pic>
+        <p:nvPicPr>
+          <p:cNvPr id="9" name="Immagine 8"/>
+          <p:cNvPicPr>
+            <a:picLocks noChangeAspect="1"/>
+          </p:cNvPicPr>
+          <p:nvPr/>
+        </p:nvPicPr>
+        <p:blipFill>
+          <a:blip r:embed="rId4">
+            <a:extLst>
+              <a:ext uri="{28A0092B-C50C-407E-A947-70E740481C1C}">
+                <a14:useLocalDpi xmlns:a14="http://schemas.microsoft.com/office/drawing/2010/main" val="0"/>
+              </a:ext>
+            </a:extLst>
+          </a:blip>
+          <a:stretch>
+            <a:fillRect/>
+          </a:stretch>
+        </p:blipFill>
+        <p:spPr>
+          <a:xfrm>
+            <a:off x="5325436" y="4500601"/>
             <a:ext cx="2623851" cy="2031369"/>
           </a:xfrm>
           <a:prstGeom prst="rect">
@@ -11892,14 +12033,81 @@
       </p:pic>
       <p:sp>
         <p:nvSpPr>
+          <p:cNvPr id="6" name="CasellaDiTesto 5"/>
+          <p:cNvSpPr txBox="1"/>
+          <p:nvPr/>
+        </p:nvSpPr>
+        <p:spPr>
+          <a:xfrm>
+            <a:off x="685800" y="2055650"/>
+            <a:ext cx="7772400" cy="461665"/>
+          </a:xfrm>
+          <a:prstGeom prst="rect">
+            <a:avLst/>
+          </a:prstGeom>
+          <a:noFill/>
+        </p:spPr>
+        <p:txBody>
+          <a:bodyPr wrap="square" rtlCol="0">
+            <a:spAutoFit/>
+          </a:bodyPr>
+          <a:lstStyle/>
+          <a:p>
+            <a:pPr marL="342900" indent="-342900">
+              <a:buFont typeface="Arial" charset="0"/>
+              <a:buChar char="•"/>
+            </a:pPr>
+            <a:r>
+              <a:rPr lang="it-IT" b="1"/>
+              <a:t>Compensazione</a:t>
+            </a:r>
+            <a:r>
+              <a:rPr lang="it-IT"/>
+              <a:t> della non-linearità del laser</a:t>
+            </a:r>
+          </a:p>
+        </p:txBody>
+      </p:sp>
+      <p:pic>
+        <p:nvPicPr>
+          <p:cNvPr id="14" name="Immagine 13"/>
+          <p:cNvPicPr>
+            <a:picLocks noChangeAspect="1"/>
+          </p:cNvPicPr>
+          <p:nvPr/>
+        </p:nvPicPr>
+        <p:blipFill>
+          <a:blip r:embed="rId5">
+            <a:extLst>
+              <a:ext uri="{28A0092B-C50C-407E-A947-70E740481C1C}">
+                <a14:useLocalDpi xmlns:a14="http://schemas.microsoft.com/office/drawing/2010/main" val="0"/>
+              </a:ext>
+            </a:extLst>
+          </a:blip>
+          <a:stretch>
+            <a:fillRect/>
+          </a:stretch>
+        </p:blipFill>
+        <p:spPr>
+          <a:xfrm>
+            <a:off x="1137318" y="2633070"/>
+            <a:ext cx="2484780" cy="1863585"/>
+          </a:xfrm>
+          <a:prstGeom prst="rect">
+            <a:avLst/>
+          </a:prstGeom>
+        </p:spPr>
+      </p:pic>
+      <p:sp>
+        <p:nvSpPr>
           <p:cNvPr id="10" name="Freccia destra 9"/>
           <p:cNvSpPr/>
           <p:nvPr/>
         </p:nvSpPr>
         <p:spPr>
           <a:xfrm>
-            <a:off x="3502053" y="3201855"/>
-            <a:ext cx="2016176" cy="793851"/>
+            <a:off x="3451663" y="3848039"/>
+            <a:ext cx="2207953" cy="1292644"/>
           </a:xfrm>
           <a:prstGeom prst="rightArrow">
             <a:avLst/>
@@ -11928,93 +12136,10 @@
           <a:p>
             <a:pPr algn="ctr"/>
             <a:r>
-              <a:rPr lang="it-IT" sz="1500" dirty="0" smtClean="0"/>
+              <a:rPr lang="it-IT" sz="1500" b="1" dirty="0" smtClean="0"/>
               <a:t>Compensazione</a:t>
             </a:r>
-            <a:endParaRPr lang="it-IT" sz="1500" dirty="0"/>
-          </a:p>
-        </p:txBody>
-      </p:sp>
-      <p:sp>
-        <p:nvSpPr>
-          <p:cNvPr id="6" name="CasellaDiTesto 5"/>
-          <p:cNvSpPr txBox="1"/>
-          <p:nvPr/>
-        </p:nvSpPr>
-        <p:spPr>
-          <a:xfrm>
-            <a:off x="685800" y="2055650"/>
-            <a:ext cx="7772400" cy="461665"/>
-          </a:xfrm>
-          <a:prstGeom prst="rect">
-            <a:avLst/>
-          </a:prstGeom>
-          <a:noFill/>
-        </p:spPr>
-        <p:txBody>
-          <a:bodyPr wrap="square" rtlCol="0">
-            <a:spAutoFit/>
-          </a:bodyPr>
-          <a:lstStyle/>
-          <a:p>
-            <a:pPr marL="342900" indent="-342900">
-              <a:buFont typeface="Arial" charset="0"/>
-              <a:buChar char="•"/>
-            </a:pPr>
-            <a:r>
-              <a:rPr lang="it-IT" b="1"/>
-              <a:t>Compensazione</a:t>
-            </a:r>
-            <a:r>
-              <a:rPr lang="it-IT"/>
-              <a:t> della non-linearità del laser</a:t>
-            </a:r>
-          </a:p>
-        </p:txBody>
-      </p:sp>
-      <p:sp>
-        <p:nvSpPr>
-          <p:cNvPr id="7" name="CasellaDiTesto 6"/>
-          <p:cNvSpPr txBox="1"/>
-          <p:nvPr/>
-        </p:nvSpPr>
-        <p:spPr>
-          <a:xfrm>
-            <a:off x="2432957" y="5339443"/>
-            <a:ext cx="4408714" cy="830997"/>
-          </a:xfrm>
-          <a:prstGeom prst="rect">
-            <a:avLst/>
-          </a:prstGeom>
-          <a:noFill/>
-        </p:spPr>
-        <p:txBody>
-          <a:bodyPr wrap="square" rtlCol="0">
-            <a:spAutoFit/>
-          </a:bodyPr>
-          <a:lstStyle/>
-          <a:p>
-            <a:r>
-              <a:rPr lang="it-IT" dirty="0" err="1" smtClean="0">
-                <a:solidFill>
-                  <a:srgbClr val="FF0000"/>
-                </a:solidFill>
-              </a:rPr>
-              <a:t>toDO</a:t>
-            </a:r>
-            <a:r>
-              <a:rPr lang="it-IT" dirty="0" smtClean="0">
-                <a:solidFill>
-                  <a:srgbClr val="FF0000"/>
-                </a:solidFill>
-              </a:rPr>
-              <a:t>: mettere la triangolare prima e dopo</a:t>
-            </a:r>
-            <a:endParaRPr lang="it-IT" dirty="0">
-              <a:solidFill>
-                <a:srgbClr val="FF0000"/>
-              </a:solidFill>
-            </a:endParaRPr>
+            <a:endParaRPr lang="it-IT" sz="1500" b="1" dirty="0"/>
           </a:p>
         </p:txBody>
       </p:sp>
@@ -12065,7 +12190,12 @@
             <p:ph idx="1"/>
           </p:nvPr>
         </p:nvSpPr>
-        <p:spPr/>
+        <p:spPr>
+          <a:xfrm>
+            <a:off x="609600" y="1257630"/>
+            <a:ext cx="7772400" cy="549415"/>
+          </a:xfrm>
+        </p:spPr>
         <p:txBody>
           <a:bodyPr/>
           <a:lstStyle/>
@@ -12076,7 +12206,14 @@
             </a:r>
             <a:r>
               <a:rPr lang="it-IT" sz="2400" dirty="0" smtClean="0"/>
-              <a:t>modulazione con </a:t>
+              <a:t>modulazione </a:t>
+            </a:r>
+            <a:br>
+              <a:rPr lang="it-IT" sz="2400" dirty="0" smtClean="0"/>
+            </a:br>
+            <a:r>
+              <a:rPr lang="it-IT" sz="2400" dirty="0" smtClean="0"/>
+              <a:t>con </a:t>
             </a:r>
             <a:r>
               <a:rPr lang="it-IT" sz="2400" b="1" dirty="0"/>
@@ -12087,6 +12224,9 @@
             <a:endParaRPr lang="it-IT" sz="2400" b="1" dirty="0" smtClean="0"/>
           </a:p>
           <a:p>
+            <a:pPr marL="0" indent="0">
+              <a:buNone/>
+            </a:pPr>
             <a:endParaRPr lang="it-IT" sz="2400" b="1" dirty="0"/>
           </a:p>
           <a:p>
@@ -12109,41 +12249,6 @@
               <a:buNone/>
             </a:pPr>
             <a:endParaRPr lang="it-IT" sz="2400" b="1" dirty="0" smtClean="0"/>
-          </a:p>
-          <a:p>
-            <a:pPr marL="0" indent="0">
-              <a:buNone/>
-            </a:pPr>
-            <a:endParaRPr lang="it-IT" sz="2400" b="1" dirty="0" smtClean="0"/>
-          </a:p>
-          <a:p>
-            <a:r>
-              <a:rPr lang="it-IT" sz="2400" b="1" dirty="0" smtClean="0"/>
-              <a:t>Sottrazione</a:t>
-            </a:r>
-            <a:r>
-              <a:rPr lang="it-IT" sz="2400" dirty="0" smtClean="0"/>
-              <a:t> </a:t>
-            </a:r>
-            <a:br>
-              <a:rPr lang="it-IT" sz="2400" dirty="0" smtClean="0"/>
-            </a:br>
-            <a:r>
-              <a:rPr lang="it-IT" sz="2400" dirty="0" smtClean="0"/>
-              <a:t>del </a:t>
-            </a:r>
-            <a:r>
-              <a:rPr lang="it-IT" sz="2400" dirty="0"/>
-              <a:t>fondo di </a:t>
-            </a:r>
-            <a:r>
-              <a:rPr lang="it-IT" sz="2400" b="1" dirty="0"/>
-              <a:t>rumore</a:t>
-            </a:r>
-            <a:r>
-              <a:rPr lang="it-IT" sz="2400" dirty="0"/>
-              <a:t> </a:t>
-            </a:r>
           </a:p>
           <a:p>
             <a:endParaRPr lang="it-IT" dirty="0"/>
@@ -12224,24 +12329,54 @@
         </p:blipFill>
         <p:spPr>
           <a:xfrm>
-            <a:off x="4572000" y="4623617"/>
-            <a:ext cx="2930203" cy="1871175"/>
+            <a:off x="5218686" y="4000394"/>
+            <a:ext cx="3221474" cy="2057176"/>
           </a:xfrm>
           <a:prstGeom prst="rect">
             <a:avLst/>
           </a:prstGeom>
         </p:spPr>
       </p:pic>
-      <p:sp>
-        <p:nvSpPr>
-          <p:cNvPr id="7" name="CasellaDiTesto 6"/>
+      <p:pic>
+        <p:nvPicPr>
+          <p:cNvPr id="8" name="Immagine 7"/>
+          <p:cNvPicPr>
+            <a:picLocks noChangeAspect="1"/>
+          </p:cNvPicPr>
+          <p:nvPr/>
+        </p:nvPicPr>
+        <p:blipFill>
+          <a:blip r:embed="rId3">
+            <a:extLst>
+              <a:ext uri="{28A0092B-C50C-407E-A947-70E740481C1C}">
+                <a14:useLocalDpi xmlns:a14="http://schemas.microsoft.com/office/drawing/2010/main" val="0"/>
+              </a:ext>
+            </a:extLst>
+          </a:blip>
+          <a:stretch>
+            <a:fillRect/>
+          </a:stretch>
+        </p:blipFill>
+        <p:spPr>
+          <a:xfrm>
+            <a:off x="5218686" y="1257630"/>
+            <a:ext cx="3385792" cy="2539344"/>
+          </a:xfrm>
+          <a:prstGeom prst="rect">
+            <a:avLst/>
+          </a:prstGeom>
+        </p:spPr>
+      </p:pic>
+      <p:sp>
+        <p:nvSpPr>
+          <p:cNvPr id="9" name="CasellaDiTesto 8"/>
           <p:cNvSpPr txBox="1"/>
           <p:nvPr/>
         </p:nvSpPr>
         <p:spPr>
           <a:xfrm>
-            <a:off x="2549978" y="2596243"/>
-            <a:ext cx="3282043" cy="830997"/>
+            <a:off x="609600" y="4000394"/>
+            <a:ext cx="3811249" cy="1200329"/>
           </a:xfrm>
           <a:prstGeom prst="rect">
             <a:avLst/>
@@ -12254,27 +12389,44 @@
           </a:bodyPr>
           <a:lstStyle/>
           <a:p>
-            <a:r>
-              <a:rPr lang="it-IT" dirty="0" err="1" smtClean="0">
-                <a:solidFill>
-                  <a:srgbClr val="FF0000"/>
-                </a:solidFill>
-              </a:rPr>
-              <a:t>toDO</a:t>
-            </a:r>
-            <a:r>
-              <a:rPr lang="it-IT" dirty="0" smtClean="0">
-                <a:solidFill>
-                  <a:srgbClr val="FF0000"/>
-                </a:solidFill>
-              </a:rPr>
-              <a:t>: mettere le 5 triangolari</a:t>
-            </a:r>
-            <a:endParaRPr lang="it-IT" dirty="0">
-              <a:solidFill>
-                <a:srgbClr val="FF0000"/>
-              </a:solidFill>
-            </a:endParaRPr>
+            <a:pPr marL="342900" indent="-342900">
+              <a:buFont typeface="Arial" charset="0"/>
+              <a:buChar char="•"/>
+            </a:pPr>
+            <a:r>
+              <a:rPr lang="it-IT" b="1" dirty="0"/>
+              <a:t>Sottrazione</a:t>
+            </a:r>
+            <a:r>
+              <a:rPr lang="it-IT" dirty="0"/>
+              <a:t> </a:t>
+            </a:r>
+            <a:r>
+              <a:rPr lang="it-IT" dirty="0" smtClean="0"/>
+              <a:t/>
+            </a:r>
+            <a:br>
+              <a:rPr lang="it-IT" dirty="0" smtClean="0"/>
+            </a:br>
+            <a:r>
+              <a:rPr lang="it-IT" dirty="0" smtClean="0"/>
+              <a:t>del </a:t>
+            </a:r>
+            <a:r>
+              <a:rPr lang="it-IT" dirty="0"/>
+              <a:t>fondo di </a:t>
+            </a:r>
+            <a:r>
+              <a:rPr lang="it-IT" b="1" dirty="0"/>
+              <a:t>rumore</a:t>
+            </a:r>
+            <a:r>
+              <a:rPr lang="it-IT" dirty="0"/>
+              <a:t> </a:t>
+            </a:r>
+          </a:p>
+          <a:p>
+            <a:endParaRPr lang="it-IT" dirty="0"/>
           </a:p>
         </p:txBody>
       </p:sp>
@@ -12288,6 +12440,13 @@
   <p:clrMapOvr>
     <a:masterClrMapping/>
   </p:clrMapOvr>
+  <p:timing>
+    <p:tnLst>
+      <p:par>
+        <p:cTn id="1" dur="indefinite" restart="never" nodeType="tmRoot"/>
+      </p:par>
+    </p:tnLst>
+  </p:timing>
 </p:sld>
 </file>
 
@@ -15700,8 +15859,13 @@
             </a:r>
             <a:r>
               <a:rPr lang="it-IT" sz="2000" b="1" dirty="0" smtClean="0"/>
-              <a:t>fotodiodo</a:t>
-            </a:r>
+              <a:t>fotodiodo </a:t>
+            </a:r>
+            <a:r>
+              <a:rPr lang="it-IT" sz="2000" dirty="0" smtClean="0"/>
+              <a:t>di monitor</a:t>
+            </a:r>
+            <a:endParaRPr lang="it-IT" sz="2000" dirty="0" smtClean="0"/>
           </a:p>
           <a:p>
             <a:pPr lvl="1"/>
@@ -15856,7 +16020,15 @@
           <a:bodyPr/>
           <a:lstStyle/>
           <a:p>
-            <a:endParaRPr lang="it-IT" dirty="0"/>
+            <a:r>
+              <a:rPr lang="it-IT" sz="2400" dirty="0" smtClean="0"/>
+              <a:t>Il segnale di corrente generato dal fotodiodo di monitor è chiamato </a:t>
+            </a:r>
+            <a:r>
+              <a:rPr lang="it-IT" sz="2400" b="1" dirty="0" smtClean="0"/>
+              <a:t>segnale interferometrico</a:t>
+            </a:r>
+            <a:endParaRPr lang="it-IT" sz="2400" b="1" dirty="0"/>
           </a:p>
         </p:txBody>
       </p:sp>
@@ -15908,6 +16080,68 @@
               <a:rPr lang="it-IT" dirty="0"/>
               <a:t>Interferometria a self-mixing</a:t>
             </a:r>
+          </a:p>
+        </p:txBody>
+      </p:sp>
+      <p:sp>
+        <p:nvSpPr>
+          <p:cNvPr id="6" name="CasellaDiTesto 5"/>
+          <p:cNvSpPr txBox="1"/>
+          <p:nvPr/>
+        </p:nvSpPr>
+        <p:spPr>
+          <a:xfrm>
+            <a:off x="1986643" y="3204001"/>
+            <a:ext cx="4408714" cy="1200329"/>
+          </a:xfrm>
+          <a:prstGeom prst="rect">
+            <a:avLst/>
+          </a:prstGeom>
+          <a:noFill/>
+        </p:spPr>
+        <p:txBody>
+          <a:bodyPr wrap="square" rtlCol="0">
+            <a:spAutoFit/>
+          </a:bodyPr>
+          <a:lstStyle/>
+          <a:p>
+            <a:r>
+              <a:rPr lang="it-IT" dirty="0" err="1" smtClean="0">
+                <a:solidFill>
+                  <a:srgbClr val="FF0000"/>
+                </a:solidFill>
+              </a:rPr>
+              <a:t>toDO</a:t>
+            </a:r>
+            <a:r>
+              <a:rPr lang="it-IT" dirty="0" smtClean="0">
+                <a:solidFill>
+                  <a:srgbClr val="FF0000"/>
+                </a:solidFill>
+              </a:rPr>
+              <a:t>: spiegare bene le caratteristiche del segnale </a:t>
+            </a:r>
+            <a:r>
+              <a:rPr lang="it-IT" dirty="0" err="1" smtClean="0">
+                <a:solidFill>
+                  <a:srgbClr val="FF0000"/>
+                </a:solidFill>
+              </a:rPr>
+              <a:t>inteferometrico</a:t>
+            </a:r>
+            <a:r>
+              <a:rPr lang="it-IT" dirty="0" smtClean="0">
+                <a:solidFill>
+                  <a:srgbClr val="FF0000"/>
+                </a:solidFill>
+              </a:rPr>
+              <a:t> e i vantaggi</a:t>
+            </a:r>
+            <a:endParaRPr lang="it-IT" dirty="0">
+              <a:solidFill>
+                <a:srgbClr val="FF0000"/>
+              </a:solidFill>
+            </a:endParaRPr>
           </a:p>
         </p:txBody>
       </p:sp>

--- a/presentazione_discussione.pptx
+++ b/presentazione_discussione.pptx
@@ -206,62 +206,6 @@
     <p:extLst/>
   </p:cmAuthor>
 </p:cmAuthorLst>
-</file>
-
-<file path=ppt/comments/comment1.xml><?xml version="1.0" encoding="utf-8"?>
-<p:cmLst xmlns:a="http://schemas.openxmlformats.org/drawingml/2006/main" xmlns:r="http://schemas.openxmlformats.org/officeDocument/2006/relationships" xmlns:p="http://schemas.openxmlformats.org/presentationml/2006/main">
-  <p:cm authorId="1" dt="2015-12-16T10:35:26.815" idx="15">
-    <p:pos x="4896" y="1755"/>
-    <p:text>spiegare bene questo set-up a voce</p:text>
-    <p:extLst>
-      <p:ext uri="{C676402C-5697-4E1C-873F-D02D1690AC5C}">
-        <p15:threadingInfo xmlns:p15="http://schemas.microsoft.com/office/powerpoint/2012/main" timeZoneBias="-60"/>
-      </p:ext>
-    </p:extLst>
-  </p:cm>
-</p:cmLst>
-</file>
-
-<file path=ppt/comments/comment2.xml><?xml version="1.0" encoding="utf-8"?>
-<p:cmLst xmlns:a="http://schemas.openxmlformats.org/drawingml/2006/main" xmlns:r="http://schemas.openxmlformats.org/officeDocument/2006/relationships" xmlns:p="http://schemas.openxmlformats.org/presentationml/2006/main">
-  <p:cm authorId="1" dt="2015-12-16T10:33:04.661" idx="12">
-    <p:pos x="5615" y="2713"/>
-    <p:text>ingrandire i caratteri</p:text>
-    <p:extLst>
-      <p:ext uri="{C676402C-5697-4E1C-873F-D02D1690AC5C}">
-        <p15:threadingInfo xmlns:p15="http://schemas.microsoft.com/office/powerpoint/2012/main" timeZoneBias="-60"/>
-      </p:ext>
-    </p:extLst>
-  </p:cm>
-</p:cmLst>
-</file>
-
-<file path=ppt/comments/comment3.xml><?xml version="1.0" encoding="utf-8"?>
-<p:cmLst xmlns:a="http://schemas.openxmlformats.org/drawingml/2006/main" xmlns:r="http://schemas.openxmlformats.org/officeDocument/2006/relationships" xmlns:p="http://schemas.openxmlformats.org/presentationml/2006/main">
-  <p:cm authorId="1" dt="2015-12-16T10:33:21.314" idx="13">
-    <p:pos x="5760" y="2641"/>
-    <p:text>ingrandire gli assi</p:text>
-    <p:extLst>
-      <p:ext uri="{C676402C-5697-4E1C-873F-D02D1690AC5C}">
-        <p15:threadingInfo xmlns:p15="http://schemas.microsoft.com/office/powerpoint/2012/main" timeZoneBias="-60"/>
-      </p:ext>
-    </p:extLst>
-  </p:cm>
-</p:cmLst>
-</file>
-
-<file path=ppt/comments/comment4.xml><?xml version="1.0" encoding="utf-8"?>
-<p:cmLst xmlns:a="http://schemas.openxmlformats.org/drawingml/2006/main" xmlns:r="http://schemas.openxmlformats.org/officeDocument/2006/relationships" xmlns:p="http://schemas.openxmlformats.org/presentationml/2006/main">
-  <p:cm authorId="1" dt="2015-12-16T10:34:08.054" idx="14">
-    <p:pos x="5656" y="611"/>
-    <p:text>ingrandire assi</p:text>
-    <p:extLst>
-      <p:ext uri="{C676402C-5697-4E1C-873F-D02D1690AC5C}">
-        <p15:threadingInfo xmlns:p15="http://schemas.microsoft.com/office/powerpoint/2012/main" timeZoneBias="-60"/>
-      </p:ext>
-    </p:extLst>
-  </p:cm>
-</p:cmLst>
 </file>
 
 <file path=ppt/handoutMasters/handoutMaster1.xml><?xml version="1.0" encoding="utf-8"?>
@@ -10322,7 +10266,11 @@
           <a:p>
             <a:r>
               <a:rPr lang="it-IT" sz="2400" dirty="0" smtClean="0"/>
-              <a:t>Le funzionalità svolte in hardware dal FPGA sono:</a:t>
+              <a:t>Le funzionalità svolte in hardware dal FPGA sono</a:t>
+            </a:r>
+            <a:r>
+              <a:rPr lang="it-IT" sz="2400" dirty="0" smtClean="0"/>
+              <a:t>:</a:t>
             </a:r>
             <a:br>
               <a:rPr lang="it-IT" sz="2400" dirty="0" smtClean="0"/>
@@ -10884,12 +10832,20 @@
               <a:rPr lang="it-IT" sz="2000" dirty="0" smtClean="0"/>
               <a:t>Calcolo </a:t>
             </a:r>
+            <a:r>
+              <a:rPr lang="it-IT" sz="2000" dirty="0" smtClean="0"/>
+              <a:t/>
+            </a:r>
             <a:br>
               <a:rPr lang="it-IT" sz="2000" dirty="0" smtClean="0"/>
             </a:br>
             <a:r>
               <a:rPr lang="it-IT" sz="2000" dirty="0" smtClean="0"/>
-              <a:t>della Fast Fourier </a:t>
+              <a:t>della Fast </a:t>
+            </a:r>
+            <a:r>
+              <a:rPr lang="it-IT" sz="2000" dirty="0" smtClean="0"/>
+              <a:t>Fourier </a:t>
             </a:r>
             <a:r>
               <a:rPr lang="it-IT" sz="2000" dirty="0" err="1" smtClean="0"/>
@@ -11311,154 +11267,757 @@
           </a:p>
         </p:txBody>
       </p:sp>
-      <p:sp>
-        <p:nvSpPr>
-          <p:cNvPr id="3" name="Segnaposto contenuto 2"/>
-          <p:cNvSpPr>
-            <a:spLocks noGrp="1"/>
-          </p:cNvSpPr>
-          <p:nvPr>
-            <p:ph idx="1"/>
-          </p:nvPr>
-        </p:nvSpPr>
-        <p:spPr>
-          <a:xfrm>
-            <a:off x="609600" y="903087"/>
-            <a:ext cx="7772400" cy="5286375"/>
-          </a:xfrm>
-        </p:spPr>
-        <p:txBody>
-          <a:bodyPr/>
-          <a:lstStyle/>
-          <a:p>
-            <a:pPr>
-              <a:lnSpc>
-                <a:spcPct val="200000"/>
-              </a:lnSpc>
-            </a:pPr>
-            <a:r>
-              <a:rPr lang="it-IT" sz="2400" dirty="0"/>
-              <a:t>Le funzionalità </a:t>
-            </a:r>
-            <a:r>
-              <a:rPr lang="it-IT" sz="2400" dirty="0" smtClean="0"/>
-              <a:t>svolte dal microcontrollore sono: </a:t>
-            </a:r>
-          </a:p>
-          <a:p>
-            <a:pPr lvl="1"/>
-            <a:r>
-              <a:rPr lang="it-IT" sz="2000" dirty="0"/>
-              <a:t>Calcolo </a:t>
-            </a:r>
-            <a:r>
-              <a:rPr lang="it-IT" sz="2000" dirty="0" smtClean="0"/>
-              <a:t>dell’</a:t>
-            </a:r>
-            <a:r>
-              <a:rPr lang="it-IT" sz="2000" b="1" dirty="0" err="1" smtClean="0"/>
-              <a:t>Interpolated</a:t>
-            </a:r>
-            <a:r>
-              <a:rPr lang="it-IT" sz="2000" dirty="0" smtClean="0"/>
-              <a:t> </a:t>
-            </a:r>
-            <a:r>
-              <a:rPr lang="it-IT" sz="2000" b="1" dirty="0" smtClean="0"/>
-              <a:t>FFT</a:t>
-            </a:r>
-            <a:r>
-              <a:rPr lang="it-IT" sz="2000" dirty="0" smtClean="0"/>
-              <a:t> (IFFT)</a:t>
-            </a:r>
-            <a:br>
-              <a:rPr lang="it-IT" sz="2000" dirty="0" smtClean="0"/>
-            </a:br>
-            <a:r>
-              <a:rPr lang="it-IT" sz="2000" dirty="0"/>
-              <a:t/>
-            </a:r>
-            <a:br>
-              <a:rPr lang="it-IT" sz="2000" dirty="0"/>
-            </a:br>
-            <a:r>
-              <a:rPr lang="it-IT" sz="2000" dirty="0"/>
-              <a:t/>
-            </a:r>
-            <a:br>
-              <a:rPr lang="it-IT" sz="2000" dirty="0"/>
-            </a:br>
-            <a:r>
-              <a:rPr lang="it-IT" sz="2000" dirty="0" smtClean="0"/>
-              <a:t/>
-            </a:r>
-            <a:br>
-              <a:rPr lang="it-IT" sz="2000" dirty="0" smtClean="0"/>
-            </a:br>
-            <a:endParaRPr lang="it-IT" sz="2000" dirty="0" smtClean="0"/>
-          </a:p>
-          <a:p>
-            <a:pPr marL="457200" lvl="1" indent="0">
-              <a:buNone/>
-            </a:pPr>
-            <a:endParaRPr lang="it-IT" sz="2000" dirty="0" smtClean="0"/>
-          </a:p>
-          <a:p>
-            <a:pPr marL="457200" lvl="1" indent="0">
-              <a:buNone/>
-            </a:pPr>
-            <a:endParaRPr lang="it-IT" sz="2000" dirty="0" smtClean="0"/>
-          </a:p>
-          <a:p>
-            <a:pPr marL="457200" lvl="1" indent="0">
-              <a:buNone/>
-            </a:pPr>
-            <a:endParaRPr lang="it-IT" sz="2000" dirty="0"/>
-          </a:p>
-          <a:p>
-            <a:pPr marL="457200" lvl="1" indent="0">
-              <a:buNone/>
-            </a:pPr>
-            <a:endParaRPr lang="it-IT" sz="2000" dirty="0" smtClean="0"/>
-          </a:p>
-          <a:p>
-            <a:pPr marL="457200" lvl="1" indent="0">
-              <a:buNone/>
-            </a:pPr>
-            <a:endParaRPr lang="it-IT" sz="2000" dirty="0" smtClean="0"/>
-          </a:p>
-          <a:p>
-            <a:pPr marL="457200" lvl="1" indent="0">
-              <a:buNone/>
-            </a:pPr>
-            <a:endParaRPr lang="it-IT" sz="2000" dirty="0" smtClean="0"/>
-          </a:p>
-          <a:p>
-            <a:pPr lvl="1"/>
-            <a:r>
-              <a:rPr lang="it-IT" sz="2000" dirty="0" smtClean="0"/>
-              <a:t>Calcolo </a:t>
-            </a:r>
-            <a:r>
-              <a:rPr lang="it-IT" sz="2000" dirty="0"/>
-              <a:t>della </a:t>
-            </a:r>
-            <a:r>
-              <a:rPr lang="it-IT" sz="2000" b="1" dirty="0"/>
-              <a:t>distanza </a:t>
-            </a:r>
-            <a:r>
-              <a:rPr lang="it-IT" sz="2000" b="1" dirty="0" smtClean="0"/>
-              <a:t>assoluta</a:t>
-            </a:r>
-            <a:r>
-              <a:rPr lang="it-IT" sz="2000" dirty="0" smtClean="0"/>
-              <a:t>:</a:t>
-            </a:r>
-            <a:endParaRPr lang="it-IT" sz="2000" dirty="0"/>
-          </a:p>
-        </p:txBody>
-      </p:sp>
+      <mc:AlternateContent xmlns:mc="http://schemas.openxmlformats.org/markup-compatibility/2006">
+        <mc:Choice xmlns:a14="http://schemas.microsoft.com/office/drawing/2010/main" Requires="a14">
+          <p:sp>
+            <p:nvSpPr>
+              <p:cNvPr id="3" name="Segnaposto contenuto 2"/>
+              <p:cNvSpPr>
+                <a:spLocks noGrp="1"/>
+              </p:cNvSpPr>
+              <p:nvPr>
+                <p:ph idx="1"/>
+              </p:nvPr>
+            </p:nvSpPr>
+            <p:spPr>
+              <a:xfrm>
+                <a:off x="609600" y="805087"/>
+                <a:ext cx="7772400" cy="5286375"/>
+              </a:xfrm>
+            </p:spPr>
+            <p:txBody>
+              <a:bodyPr/>
+              <a:lstStyle/>
+              <a:p>
+                <a:pPr>
+                  <a:lnSpc>
+                    <a:spcPct val="200000"/>
+                  </a:lnSpc>
+                </a:pPr>
+                <a:r>
+                  <a:rPr lang="it-IT" sz="2400" dirty="0" smtClean="0"/>
+                  <a:t>Le funzionalità </a:t>
+                </a:r>
+                <a:r>
+                  <a:rPr lang="it-IT" sz="2400" dirty="0" smtClean="0"/>
+                  <a:t>svolte dal microcontrollore sono: </a:t>
+                </a:r>
+              </a:p>
+              <a:p>
+                <a:pPr lvl="1"/>
+                <a:r>
+                  <a:rPr lang="it-IT" sz="2000" dirty="0"/>
+                  <a:t>Calcolo </a:t>
+                </a:r>
+                <a:r>
+                  <a:rPr lang="it-IT" sz="2000" dirty="0" smtClean="0"/>
+                  <a:t>dell’</a:t>
+                </a:r>
+                <a:r>
+                  <a:rPr lang="it-IT" sz="2000" b="1" dirty="0" err="1" smtClean="0"/>
+                  <a:t>Interpolated</a:t>
+                </a:r>
+                <a:r>
+                  <a:rPr lang="it-IT" sz="2000" dirty="0" smtClean="0"/>
+                  <a:t> </a:t>
+                </a:r>
+                <a:r>
+                  <a:rPr lang="it-IT" sz="2000" b="1" dirty="0" smtClean="0"/>
+                  <a:t>FFT</a:t>
+                </a:r>
+                <a:r>
+                  <a:rPr lang="it-IT" sz="2000" dirty="0" smtClean="0"/>
+                  <a:t> (IFFT</a:t>
+                </a:r>
+                <a:r>
+                  <a:rPr lang="it-IT" sz="2000" dirty="0" smtClean="0"/>
+                  <a:t>)</a:t>
+                </a:r>
+              </a:p>
+              <a:p>
+                <a:pPr lvl="2"/>
+                <a:r>
+                  <a:rPr lang="it-IT" sz="1600" dirty="0" smtClean="0"/>
+                  <a:t>Individuazione di posizione (</a:t>
+                </a:r>
+                <a14:m>
+                  <m:oMath xmlns:m="http://schemas.openxmlformats.org/officeDocument/2006/math">
+                    <m:r>
+                      <a:rPr lang="it-IT" sz="1600" b="0" i="1" smtClean="0">
+                        <a:latin typeface="Cambria Math" charset="0"/>
+                      </a:rPr>
+                      <m:t>𝑘</m:t>
+                    </m:r>
+                    <m:r>
+                      <a:rPr lang="it-IT" sz="1600" b="0" i="0" smtClean="0">
+                        <a:latin typeface="Cambria Math" charset="0"/>
+                      </a:rPr>
+                      <m:t> </m:t>
+                    </m:r>
+                    <m:r>
+                      <m:rPr>
+                        <m:sty m:val="p"/>
+                      </m:rPr>
+                      <a:rPr lang="it-IT" sz="1600" b="0" i="0" smtClean="0">
+                        <a:latin typeface="Cambria Math" charset="0"/>
+                      </a:rPr>
+                      <m:t>e</m:t>
+                    </m:r>
+                    <m:r>
+                      <a:rPr lang="it-IT" sz="1600" b="0" i="0" smtClean="0">
+                        <a:latin typeface="Cambria Math" charset="0"/>
+                      </a:rPr>
+                      <m:t>  </m:t>
+                    </m:r>
+                    <m:r>
+                      <a:rPr lang="it-IT" sz="1600" b="0" i="1" dirty="0" smtClean="0">
+                        <a:latin typeface="Cambria Math" charset="0"/>
+                      </a:rPr>
+                      <m:t>𝑘</m:t>
+                    </m:r>
+                    <m:r>
+                      <a:rPr lang="it-IT" sz="1600" b="0" i="1" dirty="0" smtClean="0">
+                        <a:latin typeface="Cambria Math" charset="0"/>
+                      </a:rPr>
+                      <m:t>+1</m:t>
+                    </m:r>
+                  </m:oMath>
+                </a14:m>
+                <a:r>
+                  <a:rPr lang="it-IT" sz="1600" dirty="0" smtClean="0"/>
+                  <a:t>) </a:t>
+                </a:r>
+                <a:br>
+                  <a:rPr lang="it-IT" sz="1600" dirty="0" smtClean="0"/>
+                </a:br>
+                <a:r>
+                  <a:rPr lang="it-IT" sz="1600" dirty="0" smtClean="0"/>
+                  <a:t>e ampiezza (</a:t>
+                </a:r>
+                <a14:m>
+                  <m:oMath xmlns:m="http://schemas.openxmlformats.org/officeDocument/2006/math">
+                    <m:d>
+                      <m:dPr>
+                        <m:begChr m:val="|"/>
+                        <m:endChr m:val="|"/>
+                        <m:ctrlPr>
+                          <a:rPr lang="it-IT" sz="1600" i="1">
+                            <a:latin typeface="Cambria Math" charset="0"/>
+                          </a:rPr>
+                        </m:ctrlPr>
+                      </m:dPr>
+                      <m:e>
+                        <m:sSub>
+                          <m:sSubPr>
+                            <m:ctrlPr>
+                              <a:rPr lang="it-IT" sz="1600" i="1">
+                                <a:latin typeface="Cambria Math" charset="0"/>
+                              </a:rPr>
+                            </m:ctrlPr>
+                          </m:sSubPr>
+                          <m:e>
+                            <m:r>
+                              <a:rPr lang="it-IT" sz="1600" i="1">
+                                <a:latin typeface="Cambria Math" charset="0"/>
+                              </a:rPr>
+                              <m:t>𝑉</m:t>
+                            </m:r>
+                          </m:e>
+                          <m:sub>
+                            <m:r>
+                              <a:rPr lang="it-IT" sz="1600" b="0" i="1" smtClean="0">
+                                <a:latin typeface="Cambria Math" charset="0"/>
+                              </a:rPr>
+                              <m:t>𝑘</m:t>
+                            </m:r>
+                          </m:sub>
+                        </m:sSub>
+                      </m:e>
+                    </m:d>
+                    <m:r>
+                      <a:rPr lang="it-IT" sz="1600" b="0" i="1">
+                        <a:latin typeface="Cambria Math" charset="0"/>
+                      </a:rPr>
+                      <m:t> </m:t>
+                    </m:r>
+                    <m:r>
+                      <a:rPr lang="it-IT" sz="1600" b="0" i="1" smtClean="0">
+                        <a:latin typeface="Cambria Math" charset="0"/>
+                      </a:rPr>
+                      <m:t>𝑒</m:t>
+                    </m:r>
+                    <m:r>
+                      <a:rPr lang="it-IT" sz="1600" i="1">
+                        <a:latin typeface="Cambria Math" charset="0"/>
+                      </a:rPr>
+                      <m:t> </m:t>
+                    </m:r>
+                    <m:d>
+                      <m:dPr>
+                        <m:begChr m:val="|"/>
+                        <m:endChr m:val="|"/>
+                        <m:ctrlPr>
+                          <a:rPr lang="it-IT" sz="1600" i="1">
+                            <a:latin typeface="Cambria Math" charset="0"/>
+                          </a:rPr>
+                        </m:ctrlPr>
+                      </m:dPr>
+                      <m:e>
+                        <m:sSub>
+                          <m:sSubPr>
+                            <m:ctrlPr>
+                              <a:rPr lang="it-IT" sz="1600" i="1">
+                                <a:latin typeface="Cambria Math" charset="0"/>
+                              </a:rPr>
+                            </m:ctrlPr>
+                          </m:sSubPr>
+                          <m:e>
+                            <m:r>
+                              <a:rPr lang="it-IT" sz="1600" i="1">
+                                <a:latin typeface="Cambria Math" charset="0"/>
+                              </a:rPr>
+                              <m:t>𝑉</m:t>
+                            </m:r>
+                          </m:e>
+                          <m:sub>
+                            <m:r>
+                              <a:rPr lang="it-IT" sz="1600" b="0" i="1" smtClean="0">
+                                <a:latin typeface="Cambria Math" charset="0"/>
+                              </a:rPr>
+                              <m:t>𝑘</m:t>
+                            </m:r>
+                            <m:r>
+                              <a:rPr lang="it-IT" sz="1600" b="0" i="1" smtClean="0">
+                                <a:latin typeface="Cambria Math" charset="0"/>
+                              </a:rPr>
+                              <m:t>+1</m:t>
+                            </m:r>
+                          </m:sub>
+                        </m:sSub>
+                      </m:e>
+                    </m:d>
+                  </m:oMath>
+                </a14:m>
+                <a:r>
+                  <a:rPr lang="it-IT" sz="1600" dirty="0" smtClean="0"/>
+                  <a:t>) </a:t>
+                </a:r>
+                <a:r>
+                  <a:rPr lang="it-IT" sz="1600" dirty="0"/>
+                  <a:t>dei due bin </a:t>
+                </a:r>
+                <a:r>
+                  <a:rPr lang="it-IT" sz="1600" dirty="0" smtClean="0"/>
+                  <a:t/>
+                </a:r>
+                <a:br>
+                  <a:rPr lang="it-IT" sz="1600" dirty="0" smtClean="0"/>
+                </a:br>
+                <a:r>
+                  <a:rPr lang="it-IT" sz="1600" dirty="0" smtClean="0"/>
+                  <a:t>di altezza massima </a:t>
+                </a:r>
+              </a:p>
+              <a:p>
+                <a:pPr lvl="2"/>
+                <a:r>
+                  <a:rPr lang="it-IT" sz="1600" dirty="0" smtClean="0"/>
+                  <a:t>Calcolo della correzione</a:t>
+                </a:r>
+                <a:br>
+                  <a:rPr lang="it-IT" sz="1600" dirty="0" smtClean="0"/>
+                </a:br>
+                <a:r>
+                  <a:rPr lang="it-IT" sz="1600" dirty="0" smtClean="0"/>
+                  <a:t>di frequenza:</a:t>
+                </a:r>
+                <a:br>
+                  <a:rPr lang="it-IT" sz="1600" dirty="0" smtClean="0"/>
+                </a:br>
+                <a:r>
+                  <a:rPr lang="it-IT" sz="1600" dirty="0" smtClean="0"/>
+                  <a:t>	 </a:t>
+                </a:r>
+                <a14:m>
+                  <m:oMath xmlns:m="http://schemas.openxmlformats.org/officeDocument/2006/math">
+                    <m:r>
+                      <a:rPr lang="it-IT" sz="1600" b="0" i="1" smtClean="0">
+                        <a:latin typeface="Cambria Math" charset="0"/>
+                      </a:rPr>
+                      <m:t>𝛿</m:t>
+                    </m:r>
+                    <m:r>
+                      <a:rPr lang="it-IT" sz="1600" b="0" i="1" smtClean="0">
+                        <a:latin typeface="Cambria Math" charset="0"/>
+                      </a:rPr>
+                      <m:t>=</m:t>
+                    </m:r>
+                    <m:f>
+                      <m:fPr>
+                        <m:ctrlPr>
+                          <a:rPr lang="it-IT" sz="1600" b="0" i="1" smtClean="0">
+                            <a:latin typeface="Cambria Math" charset="0"/>
+                          </a:rPr>
+                        </m:ctrlPr>
+                      </m:fPr>
+                      <m:num>
+                        <m:r>
+                          <a:rPr lang="it-IT" sz="1600" b="0" i="1" smtClean="0">
+                            <a:latin typeface="Cambria Math" charset="0"/>
+                          </a:rPr>
+                          <m:t>2</m:t>
+                        </m:r>
+                        <m:d>
+                          <m:dPr>
+                            <m:begChr m:val="|"/>
+                            <m:endChr m:val="|"/>
+                            <m:ctrlPr>
+                              <a:rPr lang="it-IT" sz="1600" b="0" i="1" smtClean="0">
+                                <a:latin typeface="Cambria Math" charset="0"/>
+                              </a:rPr>
+                            </m:ctrlPr>
+                          </m:dPr>
+                          <m:e>
+                            <m:sSub>
+                              <m:sSubPr>
+                                <m:ctrlPr>
+                                  <a:rPr lang="it-IT" sz="1600" b="0" i="1" smtClean="0">
+                                    <a:latin typeface="Cambria Math" charset="0"/>
+                                  </a:rPr>
+                                </m:ctrlPr>
+                              </m:sSubPr>
+                              <m:e>
+                                <m:r>
+                                  <a:rPr lang="it-IT" sz="1600" b="0" i="1" smtClean="0">
+                                    <a:latin typeface="Cambria Math" charset="0"/>
+                                  </a:rPr>
+                                  <m:t>𝑉</m:t>
+                                </m:r>
+                              </m:e>
+                              <m:sub>
+                                <m:r>
+                                  <a:rPr lang="it-IT" sz="1600" b="0" i="1" smtClean="0">
+                                    <a:latin typeface="Cambria Math" charset="0"/>
+                                  </a:rPr>
+                                  <m:t>𝐾</m:t>
+                                </m:r>
+                                <m:r>
+                                  <a:rPr lang="it-IT" sz="1600" b="0" i="1" smtClean="0">
+                                    <a:latin typeface="Cambria Math" charset="0"/>
+                                  </a:rPr>
+                                  <m:t>+1</m:t>
+                                </m:r>
+                              </m:sub>
+                            </m:sSub>
+                          </m:e>
+                        </m:d>
+                        <m:r>
+                          <a:rPr lang="it-IT" sz="1600" b="0" i="1" smtClean="0">
+                            <a:latin typeface="Cambria Math" charset="0"/>
+                          </a:rPr>
+                          <m:t>−</m:t>
+                        </m:r>
+                        <m:d>
+                          <m:dPr>
+                            <m:begChr m:val="|"/>
+                            <m:endChr m:val="|"/>
+                            <m:ctrlPr>
+                              <a:rPr lang="it-IT" sz="1600" i="1">
+                                <a:latin typeface="Cambria Math" charset="0"/>
+                              </a:rPr>
+                            </m:ctrlPr>
+                          </m:dPr>
+                          <m:e>
+                            <m:sSub>
+                              <m:sSubPr>
+                                <m:ctrlPr>
+                                  <a:rPr lang="it-IT" sz="1600" i="1">
+                                    <a:latin typeface="Cambria Math" charset="0"/>
+                                  </a:rPr>
+                                </m:ctrlPr>
+                              </m:sSubPr>
+                              <m:e>
+                                <m:r>
+                                  <a:rPr lang="it-IT" sz="1600" i="1">
+                                    <a:latin typeface="Cambria Math" charset="0"/>
+                                  </a:rPr>
+                                  <m:t>𝑉</m:t>
+                                </m:r>
+                              </m:e>
+                              <m:sub>
+                                <m:r>
+                                  <a:rPr lang="it-IT" sz="1600" i="1">
+                                    <a:latin typeface="Cambria Math" charset="0"/>
+                                  </a:rPr>
+                                  <m:t>𝐾</m:t>
+                                </m:r>
+                              </m:sub>
+                            </m:sSub>
+                          </m:e>
+                        </m:d>
+                      </m:num>
+                      <m:den>
+                        <m:d>
+                          <m:dPr>
+                            <m:begChr m:val="|"/>
+                            <m:endChr m:val="|"/>
+                            <m:ctrlPr>
+                              <a:rPr lang="it-IT" sz="1600" i="1">
+                                <a:latin typeface="Cambria Math" charset="0"/>
+                              </a:rPr>
+                            </m:ctrlPr>
+                          </m:dPr>
+                          <m:e>
+                            <m:sSub>
+                              <m:sSubPr>
+                                <m:ctrlPr>
+                                  <a:rPr lang="it-IT" sz="1600" i="1">
+                                    <a:latin typeface="Cambria Math" charset="0"/>
+                                  </a:rPr>
+                                </m:ctrlPr>
+                              </m:sSubPr>
+                              <m:e>
+                                <m:r>
+                                  <a:rPr lang="it-IT" sz="1600" i="1">
+                                    <a:latin typeface="Cambria Math" charset="0"/>
+                                  </a:rPr>
+                                  <m:t>𝑉</m:t>
+                                </m:r>
+                              </m:e>
+                              <m:sub>
+                                <m:r>
+                                  <a:rPr lang="it-IT" sz="1600" i="1">
+                                    <a:latin typeface="Cambria Math" charset="0"/>
+                                  </a:rPr>
+                                  <m:t>𝐾</m:t>
+                                </m:r>
+                                <m:r>
+                                  <a:rPr lang="it-IT" sz="1600" i="1">
+                                    <a:latin typeface="Cambria Math" charset="0"/>
+                                  </a:rPr>
+                                  <m:t>+1</m:t>
+                                </m:r>
+                              </m:sub>
+                            </m:sSub>
+                          </m:e>
+                        </m:d>
+                        <m:r>
+                          <a:rPr lang="it-IT" sz="1600" b="0" i="1" smtClean="0">
+                            <a:latin typeface="Cambria Math" charset="0"/>
+                          </a:rPr>
+                          <m:t>+</m:t>
+                        </m:r>
+                        <m:d>
+                          <m:dPr>
+                            <m:begChr m:val="|"/>
+                            <m:endChr m:val="|"/>
+                            <m:ctrlPr>
+                              <a:rPr lang="it-IT" sz="1600" i="1">
+                                <a:latin typeface="Cambria Math" charset="0"/>
+                              </a:rPr>
+                            </m:ctrlPr>
+                          </m:dPr>
+                          <m:e>
+                            <m:sSub>
+                              <m:sSubPr>
+                                <m:ctrlPr>
+                                  <a:rPr lang="it-IT" sz="1600" i="1">
+                                    <a:latin typeface="Cambria Math" charset="0"/>
+                                  </a:rPr>
+                                </m:ctrlPr>
+                              </m:sSubPr>
+                              <m:e>
+                                <m:r>
+                                  <a:rPr lang="it-IT" sz="1600" i="1">
+                                    <a:latin typeface="Cambria Math" charset="0"/>
+                                  </a:rPr>
+                                  <m:t>𝑉</m:t>
+                                </m:r>
+                              </m:e>
+                              <m:sub>
+                                <m:r>
+                                  <a:rPr lang="it-IT" sz="1600" i="1">
+                                    <a:latin typeface="Cambria Math" charset="0"/>
+                                  </a:rPr>
+                                  <m:t>𝐾</m:t>
+                                </m:r>
+                              </m:sub>
+                            </m:sSub>
+                          </m:e>
+                        </m:d>
+                      </m:den>
+                    </m:f>
+                  </m:oMath>
+                </a14:m>
+                <a:endParaRPr lang="it-IT" sz="1600" dirty="0" smtClean="0"/>
+              </a:p>
+              <a:p>
+                <a:pPr lvl="2"/>
+                <a:r>
+                  <a:rPr lang="it-IT" sz="1600" dirty="0" smtClean="0"/>
+                  <a:t>Calcolo della frequenza del tono</a:t>
+                </a:r>
+                <a:br>
+                  <a:rPr lang="it-IT" sz="1600" dirty="0" smtClean="0"/>
+                </a:br>
+                <a:r>
+                  <a:rPr lang="it-IT" sz="1600" dirty="0" smtClean="0"/>
+                  <a:t>fondamentale:</a:t>
+                </a:r>
+                <a:br>
+                  <a:rPr lang="it-IT" sz="1600" dirty="0" smtClean="0"/>
+                </a:br>
+                <a:r>
+                  <a:rPr lang="it-IT" sz="1600" dirty="0" smtClean="0"/>
+                  <a:t/>
+                </a:r>
+                <a:br>
+                  <a:rPr lang="it-IT" sz="1600" dirty="0" smtClean="0"/>
+                </a:br>
+                <a:r>
+                  <a:rPr lang="it-IT" sz="1600" dirty="0" smtClean="0"/>
+                  <a:t>	</a:t>
+                </a:r>
+                <a14:m>
+                  <m:oMath xmlns:m="http://schemas.openxmlformats.org/officeDocument/2006/math">
+                    <m:sSub>
+                      <m:sSubPr>
+                        <m:ctrlPr>
+                          <a:rPr lang="it-IT" sz="1600" i="1" smtClean="0">
+                            <a:latin typeface="Cambria Math" charset="0"/>
+                          </a:rPr>
+                        </m:ctrlPr>
+                      </m:sSubPr>
+                      <m:e>
+                        <m:r>
+                          <a:rPr lang="it-IT" sz="1600" b="0" i="1" smtClean="0">
+                            <a:latin typeface="Cambria Math" charset="0"/>
+                          </a:rPr>
+                          <m:t>𝑓</m:t>
+                        </m:r>
+                      </m:e>
+                      <m:sub>
+                        <m:r>
+                          <a:rPr lang="it-IT" sz="1600" b="0" i="1" smtClean="0">
+                            <a:latin typeface="Cambria Math" charset="0"/>
+                          </a:rPr>
+                          <m:t>𝑡𝑜𝑛𝑜</m:t>
+                        </m:r>
+                      </m:sub>
+                    </m:sSub>
+                    <m:r>
+                      <a:rPr lang="it-IT" sz="1600" b="0" i="1" smtClean="0">
+                        <a:latin typeface="Cambria Math" charset="0"/>
+                      </a:rPr>
+                      <m:t>=</m:t>
+                    </m:r>
+                    <m:d>
+                      <m:dPr>
+                        <m:ctrlPr>
+                          <a:rPr lang="it-IT" sz="1600" b="0" i="1" smtClean="0">
+                            <a:latin typeface="Cambria Math" charset="0"/>
+                          </a:rPr>
+                        </m:ctrlPr>
+                      </m:dPr>
+                      <m:e>
+                        <m:r>
+                          <a:rPr lang="it-IT" sz="1600" b="0" i="1" smtClean="0">
+                            <a:latin typeface="Cambria Math" charset="0"/>
+                          </a:rPr>
+                          <m:t>𝑘</m:t>
+                        </m:r>
+                        <m:r>
+                          <a:rPr lang="it-IT" sz="1600" b="0" i="1" smtClean="0">
+                            <a:latin typeface="Cambria Math" charset="0"/>
+                          </a:rPr>
+                          <m:t>+</m:t>
+                        </m:r>
+                        <m:r>
+                          <a:rPr lang="it-IT" sz="1600" b="0" i="1" smtClean="0">
+                            <a:latin typeface="Cambria Math" charset="0"/>
+                          </a:rPr>
+                          <m:t>𝛿</m:t>
+                        </m:r>
+                      </m:e>
+                    </m:d>
+                    <m:r>
+                      <m:rPr>
+                        <m:sty m:val="p"/>
+                      </m:rPr>
+                      <a:rPr lang="it-IT" sz="1600" b="0" i="0" smtClean="0">
+                        <a:latin typeface="Cambria Math" charset="0"/>
+                      </a:rPr>
+                      <m:t>Δ</m:t>
+                    </m:r>
+                    <m:r>
+                      <a:rPr lang="it-IT" sz="1600" b="0" i="1" smtClean="0">
+                        <a:latin typeface="Cambria Math" charset="0"/>
+                      </a:rPr>
+                      <m:t>𝑓</m:t>
+                    </m:r>
+                  </m:oMath>
+                </a14:m>
+                <a:r>
+                  <a:rPr lang="it-IT" sz="1600" b="0" dirty="0" smtClean="0"/>
+                  <a:t/>
+                </a:r>
+                <a:br>
+                  <a:rPr lang="it-IT" sz="1600" b="0" dirty="0" smtClean="0"/>
+                </a:br>
+                <a:r>
+                  <a:rPr lang="it-IT" sz="1600" b="0" dirty="0" smtClean="0"/>
+                  <a:t/>
+                </a:r>
+                <a:br>
+                  <a:rPr lang="it-IT" sz="1600" b="0" dirty="0" smtClean="0"/>
+                </a:br>
+                <a:r>
+                  <a:rPr lang="it-IT" sz="1600" b="0" dirty="0" smtClean="0"/>
+                  <a:t>dove: </a:t>
+                </a:r>
+                <a14:m>
+                  <m:oMath xmlns:m="http://schemas.openxmlformats.org/officeDocument/2006/math">
+                    <m:r>
+                      <m:rPr>
+                        <m:sty m:val="p"/>
+                      </m:rPr>
+                      <a:rPr lang="it-IT" sz="1600" b="0" i="0" smtClean="0">
+                        <a:latin typeface="Cambria Math" charset="0"/>
+                      </a:rPr>
+                      <m:t>Δ</m:t>
+                    </m:r>
+                    <m:r>
+                      <a:rPr lang="it-IT" sz="1600" b="0" i="1" smtClean="0">
+                        <a:latin typeface="Cambria Math" charset="0"/>
+                      </a:rPr>
+                      <m:t>𝑓</m:t>
+                    </m:r>
+                    <m:r>
+                      <a:rPr lang="it-IT" sz="1600" b="0" i="1" smtClean="0">
+                        <a:latin typeface="Cambria Math" charset="0"/>
+                      </a:rPr>
+                      <m:t>= </m:t>
+                    </m:r>
+                    <m:f>
+                      <m:fPr>
+                        <m:ctrlPr>
+                          <a:rPr lang="it-IT" sz="1600" b="0" i="1" smtClean="0">
+                            <a:latin typeface="Cambria Math" charset="0"/>
+                          </a:rPr>
+                        </m:ctrlPr>
+                      </m:fPr>
+                      <m:num>
+                        <m:sSub>
+                          <m:sSubPr>
+                            <m:ctrlPr>
+                              <a:rPr lang="it-IT" sz="1600" b="0" i="1" smtClean="0">
+                                <a:latin typeface="Cambria Math" charset="0"/>
+                              </a:rPr>
+                            </m:ctrlPr>
+                          </m:sSubPr>
+                          <m:e>
+                            <m:r>
+                              <a:rPr lang="it-IT" sz="1600" b="0" i="1" smtClean="0">
+                                <a:latin typeface="Cambria Math" charset="0"/>
+                              </a:rPr>
+                              <m:t>𝑓</m:t>
+                            </m:r>
+                          </m:e>
+                          <m:sub>
+                            <m:r>
+                              <a:rPr lang="it-IT" sz="1600" b="0" i="1" smtClean="0">
+                                <a:latin typeface="Cambria Math" charset="0"/>
+                              </a:rPr>
+                              <m:t>𝑠𝑎𝑚𝑝𝑙𝑒</m:t>
+                            </m:r>
+                          </m:sub>
+                        </m:sSub>
+                      </m:num>
+                      <m:den>
+                        <m:r>
+                          <a:rPr lang="it-IT" sz="1600" b="0" i="1" smtClean="0">
+                            <a:latin typeface="Cambria Math" charset="0"/>
+                          </a:rPr>
+                          <m:t>𝑁</m:t>
+                        </m:r>
+                      </m:den>
+                    </m:f>
+                  </m:oMath>
+                </a14:m>
+                <a:r>
+                  <a:rPr lang="it-IT" sz="2000" dirty="0" smtClean="0"/>
+                  <a:t/>
+                </a:r>
+                <a:br>
+                  <a:rPr lang="it-IT" sz="2000" dirty="0" smtClean="0"/>
+                </a:br>
+                <a:endParaRPr lang="it-IT" sz="2000" dirty="0" smtClean="0"/>
+              </a:p>
+              <a:p>
+                <a:pPr lvl="1"/>
+                <a:r>
+                  <a:rPr lang="it-IT" sz="2000" dirty="0" smtClean="0"/>
+                  <a:t>Calcolo </a:t>
+                </a:r>
+                <a:r>
+                  <a:rPr lang="it-IT" sz="2000" dirty="0"/>
+                  <a:t>della </a:t>
+                </a:r>
+                <a:r>
+                  <a:rPr lang="it-IT" sz="2000" b="1" dirty="0"/>
+                  <a:t>distanza </a:t>
+                </a:r>
+                <a:r>
+                  <a:rPr lang="it-IT" sz="2000" b="1" dirty="0" smtClean="0"/>
+                  <a:t>assoluta</a:t>
+                </a:r>
+                <a:r>
+                  <a:rPr lang="it-IT" sz="2000" dirty="0" smtClean="0"/>
+                  <a:t>:</a:t>
+                </a:r>
+                <a:endParaRPr lang="it-IT" sz="2000" dirty="0"/>
+              </a:p>
+            </p:txBody>
+          </p:sp>
+        </mc:Choice>
+        <mc:Fallback>
+          <p:sp>
+            <p:nvSpPr>
+              <p:cNvPr id="3" name="Segnaposto contenuto 2"/>
+              <p:cNvSpPr>
+                <a:spLocks noGrp="1" noRot="1" noChangeAspect="1" noMove="1" noResize="1" noEditPoints="1" noAdjustHandles="1" noChangeArrowheads="1" noChangeShapeType="1" noTextEdit="1"/>
+              </p:cNvSpPr>
+              <p:nvPr>
+                <p:ph idx="1"/>
+              </p:nvPr>
+            </p:nvSpPr>
+            <p:spPr>
+              <a:xfrm>
+                <a:off x="609600" y="805087"/>
+                <a:ext cx="7772400" cy="5286375"/>
+              </a:xfrm>
+              <a:blipFill rotWithShape="0">
+                <a:blip r:embed="rId2"/>
+                <a:stretch>
+                  <a:fillRect l="-1098" r="-1490" b="-577"/>
+                </a:stretch>
+              </a:blipFill>
+            </p:spPr>
+            <p:txBody>
+              <a:bodyPr/>
+              <a:lstStyle/>
+              <a:p>
+                <a:r>
+                  <a:rPr lang="it-IT">
+                    <a:noFill/>
+                  </a:rPr>
+                  <a:t> </a:t>
+                </a:r>
+              </a:p>
+            </p:txBody>
+          </p:sp>
+        </mc:Fallback>
+      </mc:AlternateContent>
       <p:sp>
         <p:nvSpPr>
           <p:cNvPr id="4" name="Segnaposto numero diapositiva 3"/>
@@ -11483,8 +12042,8 @@
           </a:p>
         </p:txBody>
       </p:sp>
-      <mc:AlternateContent xmlns:mc="http://schemas.openxmlformats.org/markup-compatibility/2006" xmlns:a14="http://schemas.microsoft.com/office/drawing/2010/main">
-        <mc:Choice Requires="a14">
+      <mc:AlternateContent xmlns:mc="http://schemas.openxmlformats.org/markup-compatibility/2006">
+        <mc:Choice xmlns:a14="http://schemas.microsoft.com/office/drawing/2010/main" Requires="a14">
           <p:sp>
             <p:nvSpPr>
               <p:cNvPr id="7" name="CasellaDiTesto 6"/>
@@ -11493,7 +12052,7 @@
             </p:nvSpPr>
             <p:spPr>
               <a:xfrm>
-                <a:off x="5602315" y="5270549"/>
+                <a:off x="5987271" y="5400694"/>
                 <a:ext cx="2503457" cy="733855"/>
               </a:xfrm>
               <a:prstGeom prst="rect">
@@ -11639,7 +12198,7 @@
             </p:txBody>
           </p:sp>
         </mc:Choice>
-        <mc:Fallback xmlns="">
+        <mc:Fallback>
           <p:sp>
             <p:nvSpPr>
               <p:cNvPr id="7" name="CasellaDiTesto 6"/>
@@ -11650,14 +12209,14 @@
             </p:nvSpPr>
             <p:spPr>
               <a:xfrm>
-                <a:off x="5602315" y="5270549"/>
+                <a:off x="5987271" y="5400694"/>
                 <a:ext cx="2503457" cy="733855"/>
               </a:xfrm>
               <a:prstGeom prst="rect">
                 <a:avLst/>
               </a:prstGeom>
               <a:blipFill rotWithShape="0">
-                <a:blip r:embed="rId2"/>
+                <a:blip r:embed="rId3"/>
                 <a:stretch>
                   <a:fillRect/>
                 </a:stretch>
@@ -11687,7 +12246,7 @@
           <p:nvPr/>
         </p:nvPicPr>
         <p:blipFill>
-          <a:blip r:embed="rId3">
+          <a:blip r:embed="rId4">
             <a:extLst>
               <a:ext uri="{28A0092B-C50C-407E-A947-70E740481C1C}">
                 <a14:useLocalDpi xmlns:a14="http://schemas.microsoft.com/office/drawing/2010/main" val="0"/>
@@ -11700,78 +12259,14 @@
         </p:blipFill>
         <p:spPr>
           <a:xfrm>
-            <a:off x="5176508" y="2378711"/>
-            <a:ext cx="3355070" cy="2538375"/>
+            <a:off x="5609240" y="2571685"/>
+            <a:ext cx="3259518" cy="2466082"/>
           </a:xfrm>
           <a:prstGeom prst="rect">
             <a:avLst/>
           </a:prstGeom>
         </p:spPr>
       </p:pic>
-      <p:sp>
-        <p:nvSpPr>
-          <p:cNvPr id="8" name="CasellaDiTesto 7"/>
-          <p:cNvSpPr txBox="1"/>
-          <p:nvPr/>
-        </p:nvSpPr>
-        <p:spPr>
-          <a:xfrm>
-            <a:off x="342900" y="3130775"/>
-            <a:ext cx="4408714" cy="830997"/>
-          </a:xfrm>
-          <a:prstGeom prst="rect">
-            <a:avLst/>
-          </a:prstGeom>
-          <a:noFill/>
-        </p:spPr>
-        <p:txBody>
-          <a:bodyPr wrap="square" rtlCol="0">
-            <a:spAutoFit/>
-          </a:bodyPr>
-          <a:lstStyle/>
-          <a:p>
-            <a:r>
-              <a:rPr lang="it-IT" dirty="0" err="1" smtClean="0">
-                <a:solidFill>
-                  <a:srgbClr val="FF0000"/>
-                </a:solidFill>
-              </a:rPr>
-              <a:t>toDO</a:t>
-            </a:r>
-            <a:r>
-              <a:rPr lang="it-IT" dirty="0" smtClean="0">
-                <a:solidFill>
-                  <a:srgbClr val="FF0000"/>
-                </a:solidFill>
-              </a:rPr>
-              <a:t>: aggiungere</a:t>
-            </a:r>
-          </a:p>
-          <a:p>
-            <a:r>
-              <a:rPr lang="it-IT" dirty="0">
-                <a:solidFill>
-                  <a:srgbClr val="FF0000"/>
-                </a:solidFill>
-              </a:rPr>
-              <a:t>f</a:t>
-            </a:r>
-            <a:r>
-              <a:rPr lang="it-IT" dirty="0" smtClean="0">
-                <a:solidFill>
-                  <a:srgbClr val="FF0000"/>
-                </a:solidFill>
-              </a:rPr>
-              <a:t>ormule sull’interpolazione</a:t>
-            </a:r>
-            <a:endParaRPr lang="it-IT" dirty="0">
-              <a:solidFill>
-                <a:srgbClr val="FF0000"/>
-              </a:solidFill>
-            </a:endParaRPr>
-          </a:p>
-        </p:txBody>
-      </p:sp>
     </p:spTree>
     <p:extLst>
       <p:ext uri="{BB962C8B-B14F-4D97-AF65-F5344CB8AC3E}">
@@ -12816,14 +13311,14 @@
           <a:p>
             <a:pPr lvl="1"/>
             <a:r>
-              <a:rPr lang="it-IT" sz="2000" dirty="0" smtClean="0"/>
+              <a:rPr lang="it-IT" sz="2000" b="1" dirty="0" smtClean="0"/>
               <a:t>Bersaglio fisso</a:t>
             </a:r>
           </a:p>
           <a:p>
             <a:pPr lvl="1"/>
             <a:r>
-              <a:rPr lang="it-IT" sz="2000" dirty="0" smtClean="0"/>
+              <a:rPr lang="it-IT" sz="2000" b="1" dirty="0" smtClean="0"/>
               <a:t>Bersaglio mobile</a:t>
             </a:r>
           </a:p>
@@ -13320,6 +13815,52 @@
           </a:prstGeom>
         </p:spPr>
       </p:pic>
+      <p:sp>
+        <p:nvSpPr>
+          <p:cNvPr id="8" name="CasellaDiTesto 7"/>
+          <p:cNvSpPr txBox="1"/>
+          <p:nvPr/>
+        </p:nvSpPr>
+        <p:spPr>
+          <a:xfrm>
+            <a:off x="2692885" y="4306320"/>
+            <a:ext cx="4408714" cy="461665"/>
+          </a:xfrm>
+          <a:prstGeom prst="rect">
+            <a:avLst/>
+          </a:prstGeom>
+          <a:noFill/>
+        </p:spPr>
+        <p:txBody>
+          <a:bodyPr wrap="square" rtlCol="0">
+            <a:spAutoFit/>
+          </a:bodyPr>
+          <a:lstStyle/>
+          <a:p>
+            <a:r>
+              <a:rPr lang="it-IT" dirty="0" err="1" smtClean="0">
+                <a:solidFill>
+                  <a:srgbClr val="FF0000"/>
+                </a:solidFill>
+              </a:rPr>
+              <a:t>toDO</a:t>
+            </a:r>
+            <a:r>
+              <a:rPr lang="it-IT" dirty="0" smtClean="0">
+                <a:solidFill>
+                  <a:srgbClr val="FF0000"/>
+                </a:solidFill>
+              </a:rPr>
+              <a:t>: ingrandire assi</a:t>
+            </a:r>
+            <a:endParaRPr lang="it-IT" dirty="0">
+              <a:solidFill>
+                <a:srgbClr val="FF0000"/>
+              </a:solidFill>
+            </a:endParaRPr>
+          </a:p>
+        </p:txBody>
+      </p:sp>
     </p:spTree>
     <p:extLst>
       <p:ext uri="{BB962C8B-B14F-4D97-AF65-F5344CB8AC3E}">
@@ -13805,6 +14346,52 @@
           </a:prstGeom>
         </p:spPr>
       </p:pic>
+      <p:sp>
+        <p:nvSpPr>
+          <p:cNvPr id="8" name="CasellaDiTesto 7"/>
+          <p:cNvSpPr txBox="1"/>
+          <p:nvPr/>
+        </p:nvSpPr>
+        <p:spPr>
+          <a:xfrm>
+            <a:off x="2830286" y="5319091"/>
+            <a:ext cx="4408714" cy="461665"/>
+          </a:xfrm>
+          <a:prstGeom prst="rect">
+            <a:avLst/>
+          </a:prstGeom>
+          <a:noFill/>
+        </p:spPr>
+        <p:txBody>
+          <a:bodyPr wrap="square" rtlCol="0">
+            <a:spAutoFit/>
+          </a:bodyPr>
+          <a:lstStyle/>
+          <a:p>
+            <a:r>
+              <a:rPr lang="it-IT" dirty="0" err="1" smtClean="0">
+                <a:solidFill>
+                  <a:srgbClr val="FF0000"/>
+                </a:solidFill>
+              </a:rPr>
+              <a:t>toDO</a:t>
+            </a:r>
+            <a:r>
+              <a:rPr lang="it-IT" dirty="0" smtClean="0">
+                <a:solidFill>
+                  <a:srgbClr val="FF0000"/>
+                </a:solidFill>
+              </a:rPr>
+              <a:t>: ingrandire assi</a:t>
+            </a:r>
+            <a:endParaRPr lang="it-IT" dirty="0">
+              <a:solidFill>
+                <a:srgbClr val="FF0000"/>
+              </a:solidFill>
+            </a:endParaRPr>
+          </a:p>
+        </p:txBody>
+      </p:sp>
     </p:spTree>
     <p:extLst>
       <p:ext uri="{BB962C8B-B14F-4D97-AF65-F5344CB8AC3E}">
@@ -14310,6 +14897,52 @@
           </a:extLst>
         </p:spPr>
       </p:pic>
+      <p:sp>
+        <p:nvSpPr>
+          <p:cNvPr id="7" name="CasellaDiTesto 6"/>
+          <p:cNvSpPr txBox="1"/>
+          <p:nvPr/>
+        </p:nvSpPr>
+        <p:spPr>
+          <a:xfrm>
+            <a:off x="5526026" y="2867322"/>
+            <a:ext cx="4408714" cy="461665"/>
+          </a:xfrm>
+          <a:prstGeom prst="rect">
+            <a:avLst/>
+          </a:prstGeom>
+          <a:noFill/>
+        </p:spPr>
+        <p:txBody>
+          <a:bodyPr wrap="square" rtlCol="0">
+            <a:spAutoFit/>
+          </a:bodyPr>
+          <a:lstStyle/>
+          <a:p>
+            <a:r>
+              <a:rPr lang="it-IT" dirty="0" err="1" smtClean="0">
+                <a:solidFill>
+                  <a:srgbClr val="FF0000"/>
+                </a:solidFill>
+              </a:rPr>
+              <a:t>toDO</a:t>
+            </a:r>
+            <a:r>
+              <a:rPr lang="it-IT" dirty="0" smtClean="0">
+                <a:solidFill>
+                  <a:srgbClr val="FF0000"/>
+                </a:solidFill>
+              </a:rPr>
+              <a:t>: ingrandire assi</a:t>
+            </a:r>
+            <a:endParaRPr lang="it-IT" dirty="0">
+              <a:solidFill>
+                <a:srgbClr val="FF0000"/>
+              </a:solidFill>
+            </a:endParaRPr>
+          </a:p>
+        </p:txBody>
+      </p:sp>
     </p:spTree>
     <p:extLst>
       <p:ext uri="{BB962C8B-B14F-4D97-AF65-F5344CB8AC3E}">
@@ -16184,25 +16817,6 @@
       </p:grpSpPr>
       <p:sp>
         <p:nvSpPr>
-          <p:cNvPr id="3" name="Segnaposto contenuto 2"/>
-          <p:cNvSpPr>
-            <a:spLocks noGrp="1"/>
-          </p:cNvSpPr>
-          <p:nvPr>
-            <p:ph idx="1"/>
-          </p:nvPr>
-        </p:nvSpPr>
-        <p:spPr/>
-        <p:txBody>
-          <a:bodyPr/>
-          <a:lstStyle/>
-          <a:p>
-            <a:endParaRPr lang="it-IT" dirty="0"/>
-          </a:p>
-        </p:txBody>
-      </p:sp>
-      <p:sp>
-        <p:nvSpPr>
           <p:cNvPr id="4" name="Segnaposto numero diapositiva 3"/>
           <p:cNvSpPr>
             <a:spLocks noGrp="1"/>
@@ -16249,6 +16863,68 @@
               <a:rPr lang="it-IT" dirty="0"/>
               <a:t>Interferometria a self-mixing</a:t>
             </a:r>
+          </a:p>
+        </p:txBody>
+      </p:sp>
+      <p:sp>
+        <p:nvSpPr>
+          <p:cNvPr id="7" name="CasellaDiTesto 6"/>
+          <p:cNvSpPr txBox="1"/>
+          <p:nvPr/>
+        </p:nvSpPr>
+        <p:spPr>
+          <a:xfrm>
+            <a:off x="1986643" y="3204001"/>
+            <a:ext cx="4408714" cy="1200329"/>
+          </a:xfrm>
+          <a:prstGeom prst="rect">
+            <a:avLst/>
+          </a:prstGeom>
+          <a:noFill/>
+        </p:spPr>
+        <p:txBody>
+          <a:bodyPr wrap="square" rtlCol="0">
+            <a:spAutoFit/>
+          </a:bodyPr>
+          <a:lstStyle/>
+          <a:p>
+            <a:r>
+              <a:rPr lang="it-IT" dirty="0" err="1" smtClean="0">
+                <a:solidFill>
+                  <a:srgbClr val="FF0000"/>
+                </a:solidFill>
+              </a:rPr>
+              <a:t>toDO</a:t>
+            </a:r>
+            <a:r>
+              <a:rPr lang="it-IT" dirty="0" smtClean="0">
+                <a:solidFill>
+                  <a:srgbClr val="FF0000"/>
+                </a:solidFill>
+              </a:rPr>
+              <a:t>: spiegare bene le caratteristiche del segnale </a:t>
+            </a:r>
+            <a:r>
+              <a:rPr lang="it-IT" dirty="0" err="1" smtClean="0">
+                <a:solidFill>
+                  <a:srgbClr val="FF0000"/>
+                </a:solidFill>
+              </a:rPr>
+              <a:t>inteferometrico</a:t>
+            </a:r>
+            <a:r>
+              <a:rPr lang="it-IT" dirty="0" smtClean="0">
+                <a:solidFill>
+                  <a:srgbClr val="FF0000"/>
+                </a:solidFill>
+              </a:rPr>
+              <a:t> e i vantaggi</a:t>
+            </a:r>
+            <a:endParaRPr lang="it-IT" dirty="0">
+              <a:solidFill>
+                <a:srgbClr val="FF0000"/>
+              </a:solidFill>
+            </a:endParaRPr>
           </a:p>
         </p:txBody>
       </p:sp>

--- a/presentazione_discussione.pptx
+++ b/presentazione_discussione.pptx
@@ -5,10 +5,10 @@
     <p:sldMasterId id="2147483652" r:id="rId4"/>
   </p:sldMasterIdLst>
   <p:notesMasterIdLst>
-    <p:notesMasterId r:id="rId35"/>
+    <p:notesMasterId r:id="rId34"/>
   </p:notesMasterIdLst>
   <p:handoutMasterIdLst>
-    <p:handoutMasterId r:id="rId36"/>
+    <p:handoutMasterId r:id="rId35"/>
   </p:handoutMasterIdLst>
   <p:sldIdLst>
     <p:sldId id="277" r:id="rId5"/>
@@ -16,36 +16,35 @@
     <p:sldId id="279" r:id="rId7"/>
     <p:sldId id="301" r:id="rId8"/>
     <p:sldId id="310" r:id="rId9"/>
-    <p:sldId id="311" r:id="rId10"/>
-    <p:sldId id="302" r:id="rId11"/>
-    <p:sldId id="307" r:id="rId12"/>
-    <p:sldId id="284" r:id="rId13"/>
-    <p:sldId id="285" r:id="rId14"/>
-    <p:sldId id="287" r:id="rId15"/>
-    <p:sldId id="286" r:id="rId16"/>
-    <p:sldId id="308" r:id="rId17"/>
-    <p:sldId id="289" r:id="rId18"/>
-    <p:sldId id="305" r:id="rId19"/>
-    <p:sldId id="314" r:id="rId20"/>
-    <p:sldId id="315" r:id="rId21"/>
-    <p:sldId id="316" r:id="rId22"/>
-    <p:sldId id="317" r:id="rId23"/>
-    <p:sldId id="291" r:id="rId24"/>
-    <p:sldId id="306" r:id="rId25"/>
-    <p:sldId id="312" r:id="rId26"/>
-    <p:sldId id="309" r:id="rId27"/>
-    <p:sldId id="294" r:id="rId28"/>
-    <p:sldId id="295" r:id="rId29"/>
-    <p:sldId id="303" r:id="rId30"/>
-    <p:sldId id="304" r:id="rId31"/>
-    <p:sldId id="297" r:id="rId32"/>
-    <p:sldId id="296" r:id="rId33"/>
-    <p:sldId id="300" r:id="rId34"/>
+    <p:sldId id="302" r:id="rId10"/>
+    <p:sldId id="307" r:id="rId11"/>
+    <p:sldId id="284" r:id="rId12"/>
+    <p:sldId id="285" r:id="rId13"/>
+    <p:sldId id="287" r:id="rId14"/>
+    <p:sldId id="286" r:id="rId15"/>
+    <p:sldId id="308" r:id="rId16"/>
+    <p:sldId id="289" r:id="rId17"/>
+    <p:sldId id="305" r:id="rId18"/>
+    <p:sldId id="314" r:id="rId19"/>
+    <p:sldId id="315" r:id="rId20"/>
+    <p:sldId id="316" r:id="rId21"/>
+    <p:sldId id="317" r:id="rId22"/>
+    <p:sldId id="291" r:id="rId23"/>
+    <p:sldId id="306" r:id="rId24"/>
+    <p:sldId id="312" r:id="rId25"/>
+    <p:sldId id="309" r:id="rId26"/>
+    <p:sldId id="294" r:id="rId27"/>
+    <p:sldId id="295" r:id="rId28"/>
+    <p:sldId id="303" r:id="rId29"/>
+    <p:sldId id="304" r:id="rId30"/>
+    <p:sldId id="297" r:id="rId31"/>
+    <p:sldId id="296" r:id="rId32"/>
+    <p:sldId id="300" r:id="rId33"/>
   </p:sldIdLst>
   <p:sldSz cx="9144000" cy="6858000" type="screen4x3"/>
   <p:notesSz cx="7099300" cy="10234613"/>
   <p:custDataLst>
-    <p:tags r:id="rId37"/>
+    <p:tags r:id="rId36"/>
   </p:custDataLst>
   <p:defaultTextStyle>
     <a:defPPr>
@@ -1749,7 +1748,7 @@
             <a:fld id="{88C0D9CF-78A8-4FBE-960E-41C6F5A4AF95}" type="slidenum">
               <a:rPr lang="en-US" altLang="nl-NL" smtClean="0"/>
               <a:pPr/>
-              <a:t>23</a:t>
+              <a:t>22</a:t>
             </a:fld>
             <a:endParaRPr lang="en-US" altLang="nl-NL"/>
           </a:p>
@@ -1903,7 +1902,7 @@
             <a:fld id="{88C0D9CF-78A8-4FBE-960E-41C6F5A4AF95}" type="slidenum">
               <a:rPr lang="en-US" altLang="nl-NL" smtClean="0"/>
               <a:pPr/>
-              <a:t>25</a:t>
+              <a:t>24</a:t>
             </a:fld>
             <a:endParaRPr lang="en-US" altLang="nl-NL"/>
           </a:p>
@@ -2057,7 +2056,161 @@
             <a:fld id="{88C0D9CF-78A8-4FBE-960E-41C6F5A4AF95}" type="slidenum">
               <a:rPr lang="en-US" altLang="nl-NL" smtClean="0"/>
               <a:pPr/>
-              <a:t>27</a:t>
+              <a:t>25</a:t>
+            </a:fld>
+            <a:endParaRPr lang="en-US" altLang="nl-NL"/>
+          </a:p>
+        </p:txBody>
+      </p:sp>
+    </p:spTree>
+    <p:extLst>
+      <p:ext uri="{BB962C8B-B14F-4D97-AF65-F5344CB8AC3E}">
+        <p14:creationId xmlns:p14="http://schemas.microsoft.com/office/powerpoint/2010/main" val="2143493320"/>
+      </p:ext>
+    </p:extLst>
+  </p:cSld>
+  <p:clrMapOvr>
+    <a:masterClrMapping/>
+  </p:clrMapOvr>
+</p:notes>
+</file>
+
+<file path=ppt/notesSlides/notesSlide13.xml><?xml version="1.0" encoding="utf-8"?>
+<p:notes xmlns:a="http://schemas.openxmlformats.org/drawingml/2006/main" xmlns:r="http://schemas.openxmlformats.org/officeDocument/2006/relationships" xmlns:p="http://schemas.openxmlformats.org/presentationml/2006/main">
+  <p:cSld>
+    <p:spTree>
+      <p:nvGrpSpPr>
+        <p:cNvPr id="1" name=""/>
+        <p:cNvGrpSpPr/>
+        <p:nvPr/>
+      </p:nvGrpSpPr>
+      <p:grpSpPr>
+        <a:xfrm>
+          <a:off x="0" y="0"/>
+          <a:ext cx="0" cy="0"/>
+          <a:chOff x="0" y="0"/>
+          <a:chExt cx="0" cy="0"/>
+        </a:xfrm>
+      </p:grpSpPr>
+      <p:sp>
+        <p:nvSpPr>
+          <p:cNvPr id="2" name="Segnaposto immagine diapositiva 1"/>
+          <p:cNvSpPr>
+            <a:spLocks noGrp="1" noRot="1" noChangeAspect="1"/>
+          </p:cNvSpPr>
+          <p:nvPr>
+            <p:ph type="sldImg"/>
+          </p:nvPr>
+        </p:nvSpPr>
+        <p:spPr/>
+      </p:sp>
+      <p:sp>
+        <p:nvSpPr>
+          <p:cNvPr id="3" name="Segnaposto note 2"/>
+          <p:cNvSpPr>
+            <a:spLocks noGrp="1"/>
+          </p:cNvSpPr>
+          <p:nvPr>
+            <p:ph type="body" idx="1"/>
+          </p:nvPr>
+        </p:nvSpPr>
+        <p:spPr/>
+        <p:txBody>
+          <a:bodyPr/>
+          <a:lstStyle/>
+          <a:p>
+            <a:endParaRPr lang="it-IT" dirty="0"/>
+          </a:p>
+        </p:txBody>
+      </p:sp>
+      <p:sp>
+        <p:nvSpPr>
+          <p:cNvPr id="4" name="Segnaposto intestazione 3"/>
+          <p:cNvSpPr>
+            <a:spLocks noGrp="1"/>
+          </p:cNvSpPr>
+          <p:nvPr>
+            <p:ph type="hdr" sz="quarter" idx="10"/>
+          </p:nvPr>
+        </p:nvSpPr>
+        <p:spPr/>
+        <p:txBody>
+          <a:bodyPr/>
+          <a:lstStyle/>
+          <a:p>
+            <a:r>
+              <a:rPr lang="en-US" altLang="nl-NL" smtClean="0"/>
+              <a:t>Process synchronization</a:t>
+            </a:r>
+            <a:endParaRPr lang="en-US" altLang="nl-NL"/>
+          </a:p>
+        </p:txBody>
+      </p:sp>
+      <p:sp>
+        <p:nvSpPr>
+          <p:cNvPr id="5" name="Segnaposto data 4"/>
+          <p:cNvSpPr>
+            <a:spLocks noGrp="1"/>
+          </p:cNvSpPr>
+          <p:nvPr>
+            <p:ph type="dt" idx="11"/>
+          </p:nvPr>
+        </p:nvSpPr>
+        <p:spPr/>
+        <p:txBody>
+          <a:bodyPr/>
+          <a:lstStyle/>
+          <a:p>
+            <a:r>
+              <a:rPr lang="en-US" altLang="nl-NL" smtClean="0"/>
+              <a:t>Operating System</a:t>
+            </a:r>
+            <a:endParaRPr lang="en-US" altLang="nl-NL"/>
+          </a:p>
+        </p:txBody>
+      </p:sp>
+      <p:sp>
+        <p:nvSpPr>
+          <p:cNvPr id="6" name="Segnaposto piè di pagina 5"/>
+          <p:cNvSpPr>
+            <a:spLocks noGrp="1"/>
+          </p:cNvSpPr>
+          <p:nvPr>
+            <p:ph type="ftr" sz="quarter" idx="12"/>
+          </p:nvPr>
+        </p:nvSpPr>
+        <p:spPr/>
+        <p:txBody>
+          <a:bodyPr/>
+          <a:lstStyle/>
+          <a:p>
+            <a:r>
+              <a:rPr lang="en-US" altLang="nl-NL" smtClean="0"/>
+              <a:t>© 2005 William Fornaciari</a:t>
+            </a:r>
+            <a:endParaRPr lang="en-US" altLang="nl-NL"/>
+          </a:p>
+        </p:txBody>
+      </p:sp>
+      <p:sp>
+        <p:nvSpPr>
+          <p:cNvPr id="7" name="Segnaposto numero diapositiva 6"/>
+          <p:cNvSpPr>
+            <a:spLocks noGrp="1"/>
+          </p:cNvSpPr>
+          <p:nvPr>
+            <p:ph type="sldNum" sz="quarter" idx="13"/>
+          </p:nvPr>
+        </p:nvSpPr>
+        <p:spPr/>
+        <p:txBody>
+          <a:bodyPr/>
+          <a:lstStyle/>
+          <a:p>
+            <a:fld id="{88C0D9CF-78A8-4FBE-960E-41C6F5A4AF95}" type="slidenum">
+              <a:rPr lang="en-US" altLang="nl-NL" smtClean="0"/>
+              <a:pPr/>
+              <a:t>26</a:t>
             </a:fld>
             <a:endParaRPr lang="en-US" altLang="nl-NL"/>
           </a:p>
@@ -2365,7 +2518,7 @@
             <a:fld id="{88C0D9CF-78A8-4FBE-960E-41C6F5A4AF95}" type="slidenum">
               <a:rPr lang="en-US" altLang="nl-NL" smtClean="0"/>
               <a:pPr/>
-              <a:t>8</a:t>
+              <a:t>7</a:t>
             </a:fld>
             <a:endParaRPr lang="en-US" altLang="nl-NL"/>
           </a:p>
@@ -2519,7 +2672,7 @@
             <a:fld id="{88C0D9CF-78A8-4FBE-960E-41C6F5A4AF95}" type="slidenum">
               <a:rPr lang="en-US" altLang="nl-NL" smtClean="0"/>
               <a:pPr/>
-              <a:t>9</a:t>
+              <a:t>8</a:t>
             </a:fld>
             <a:endParaRPr lang="en-US" altLang="nl-NL"/>
           </a:p>
@@ -2673,7 +2826,7 @@
             <a:fld id="{88C0D9CF-78A8-4FBE-960E-41C6F5A4AF95}" type="slidenum">
               <a:rPr lang="en-US" altLang="nl-NL" smtClean="0"/>
               <a:pPr/>
-              <a:t>13</a:t>
+              <a:t>12</a:t>
             </a:fld>
             <a:endParaRPr lang="en-US" altLang="nl-NL"/>
           </a:p>
@@ -2827,7 +2980,7 @@
             <a:fld id="{88C0D9CF-78A8-4FBE-960E-41C6F5A4AF95}" type="slidenum">
               <a:rPr lang="en-US" altLang="nl-NL" smtClean="0"/>
               <a:pPr/>
-              <a:t>16</a:t>
+              <a:t>15</a:t>
             </a:fld>
             <a:endParaRPr lang="en-US" altLang="nl-NL"/>
           </a:p>
@@ -2981,7 +3134,7 @@
             <a:fld id="{88C0D9CF-78A8-4FBE-960E-41C6F5A4AF95}" type="slidenum">
               <a:rPr lang="en-US" altLang="nl-NL" smtClean="0"/>
               <a:pPr/>
-              <a:t>17</a:t>
+              <a:t>16</a:t>
             </a:fld>
             <a:endParaRPr lang="en-US" altLang="nl-NL"/>
           </a:p>
@@ -3135,7 +3288,7 @@
             <a:fld id="{88C0D9CF-78A8-4FBE-960E-41C6F5A4AF95}" type="slidenum">
               <a:rPr lang="en-US" altLang="nl-NL" smtClean="0"/>
               <a:pPr/>
-              <a:t>18</a:t>
+              <a:t>17</a:t>
             </a:fld>
             <a:endParaRPr lang="en-US" altLang="nl-NL"/>
           </a:p>
@@ -3289,7 +3442,7 @@
             <a:fld id="{88C0D9CF-78A8-4FBE-960E-41C6F5A4AF95}" type="slidenum">
               <a:rPr lang="en-US" altLang="nl-NL" smtClean="0"/>
               <a:pPr/>
-              <a:t>19</a:t>
+              <a:t>18</a:t>
             </a:fld>
             <a:endParaRPr lang="en-US" altLang="nl-NL"/>
           </a:p>
@@ -7002,275 +7155,6 @@
           <a:p>
             <a:r>
               <a:rPr lang="it-IT" dirty="0" smtClean="0"/>
-              <a:t>Sistema analogico</a:t>
-            </a:r>
-            <a:endParaRPr lang="it-IT" dirty="0"/>
-          </a:p>
-        </p:txBody>
-      </p:sp>
-      <p:sp>
-        <p:nvSpPr>
-          <p:cNvPr id="3" name="Segnaposto contenuto 2"/>
-          <p:cNvSpPr>
-            <a:spLocks noGrp="1"/>
-          </p:cNvSpPr>
-          <p:nvPr>
-            <p:ph idx="1"/>
-          </p:nvPr>
-        </p:nvSpPr>
-        <p:spPr>
-          <a:xfrm>
-            <a:off x="609600" y="1028700"/>
-            <a:ext cx="7686675" cy="5410200"/>
-          </a:xfrm>
-        </p:spPr>
-        <p:txBody>
-          <a:bodyPr/>
-          <a:lstStyle/>
-          <a:p>
-            <a:r>
-              <a:rPr lang="it-IT" sz="2400" dirty="0"/>
-              <a:t>Il sistema analogico </a:t>
-            </a:r>
-            <a:r>
-              <a:rPr lang="it-IT" sz="2400" dirty="0" smtClean="0"/>
-              <a:t>è costituito </a:t>
-            </a:r>
-            <a:r>
-              <a:rPr lang="it-IT" sz="2400" dirty="0"/>
-              <a:t>da una </a:t>
-            </a:r>
-            <a:r>
-              <a:rPr lang="it-IT" sz="2400" b="1" dirty="0"/>
-              <a:t>sezione ottica </a:t>
-            </a:r>
-            <a:r>
-              <a:rPr lang="it-IT" sz="2400" dirty="0"/>
-              <a:t>e una </a:t>
-            </a:r>
-            <a:r>
-              <a:rPr lang="it-IT" sz="2400" b="1" dirty="0"/>
-              <a:t>sezione </a:t>
-            </a:r>
-            <a:r>
-              <a:rPr lang="it-IT" sz="2400" b="1" dirty="0" smtClean="0"/>
-              <a:t>analogica</a:t>
-            </a:r>
-          </a:p>
-          <a:p>
-            <a:endParaRPr lang="it-IT" sz="2400" dirty="0"/>
-          </a:p>
-          <a:p>
-            <a:endParaRPr lang="it-IT" sz="2400" dirty="0" smtClean="0"/>
-          </a:p>
-          <a:p>
-            <a:endParaRPr lang="it-IT" sz="2400" dirty="0"/>
-          </a:p>
-          <a:p>
-            <a:endParaRPr lang="it-IT" sz="2400" dirty="0" smtClean="0"/>
-          </a:p>
-          <a:p>
-            <a:endParaRPr lang="it-IT" sz="2400" dirty="0"/>
-          </a:p>
-          <a:p>
-            <a:endParaRPr lang="it-IT" sz="2400" dirty="0" smtClean="0"/>
-          </a:p>
-          <a:p>
-            <a:r>
-              <a:rPr lang="it-IT" sz="2400" dirty="0" smtClean="0"/>
-              <a:t>La </a:t>
-            </a:r>
-            <a:r>
-              <a:rPr lang="it-IT" sz="2400" b="1" dirty="0"/>
-              <a:t>sezione ottica</a:t>
-            </a:r>
-            <a:r>
-              <a:rPr lang="it-IT" sz="2400" dirty="0"/>
-              <a:t> </a:t>
-            </a:r>
-            <a:r>
-              <a:rPr lang="it-IT" sz="2400" dirty="0" smtClean="0"/>
-              <a:t>comprende il package </a:t>
-            </a:r>
-            <a:r>
-              <a:rPr lang="it-IT" sz="2400" dirty="0"/>
-              <a:t>della sorgente </a:t>
-            </a:r>
-            <a:r>
-              <a:rPr lang="it-IT" sz="2400" dirty="0" smtClean="0"/>
-              <a:t>laser</a:t>
-            </a:r>
-          </a:p>
-          <a:p>
-            <a:r>
-              <a:rPr lang="it-IT" sz="2400" dirty="0" smtClean="0"/>
-              <a:t>La </a:t>
-            </a:r>
-            <a:r>
-              <a:rPr lang="it-IT" sz="2400" b="1" dirty="0"/>
-              <a:t>sezione analogica </a:t>
-            </a:r>
-            <a:r>
-              <a:rPr lang="it-IT" sz="2400" dirty="0"/>
-              <a:t>comprende </a:t>
-            </a:r>
-            <a:r>
-              <a:rPr lang="it-IT" sz="2400" dirty="0" smtClean="0"/>
-              <a:t>gli </a:t>
-            </a:r>
-            <a:r>
-              <a:rPr lang="it-IT" sz="2400" dirty="0"/>
-              <a:t>stadi di condizionamento e amplificazione del segnale </a:t>
-            </a:r>
-            <a:r>
-              <a:rPr lang="it-IT" sz="2400" dirty="0" smtClean="0"/>
-              <a:t>interferometrico </a:t>
-            </a:r>
-            <a:endParaRPr lang="it-IT" sz="2400" dirty="0"/>
-          </a:p>
-          <a:p>
-            <a:endParaRPr lang="it-IT" dirty="0"/>
-          </a:p>
-        </p:txBody>
-      </p:sp>
-      <p:sp>
-        <p:nvSpPr>
-          <p:cNvPr id="4" name="Segnaposto numero diapositiva 3"/>
-          <p:cNvSpPr>
-            <a:spLocks noGrp="1"/>
-          </p:cNvSpPr>
-          <p:nvPr>
-            <p:ph type="sldNum" sz="quarter" idx="11"/>
-          </p:nvPr>
-        </p:nvSpPr>
-        <p:spPr/>
-        <p:txBody>
-          <a:bodyPr/>
-          <a:lstStyle/>
-          <a:p>
-            <a:fld id="{C503DA3A-0C6B-48FC-931E-2C786AAFD5C1}" type="slidenum">
-              <a:rPr lang="en-US" altLang="nl-NL" smtClean="0"/>
-              <a:pPr/>
-              <a:t>10</a:t>
-            </a:fld>
-            <a:endParaRPr lang="en-US" altLang="nl-NL"/>
-          </a:p>
-        </p:txBody>
-      </p:sp>
-      <p:pic>
-        <p:nvPicPr>
-          <p:cNvPr id="7" name="Immagine 6"/>
-          <p:cNvPicPr>
-            <a:picLocks noChangeAspect="1"/>
-          </p:cNvPicPr>
-          <p:nvPr/>
-        </p:nvPicPr>
-        <p:blipFill>
-          <a:blip r:embed="rId2">
-            <a:extLst>
-              <a:ext uri="{28A0092B-C50C-407E-A947-70E740481C1C}">
-                <a14:useLocalDpi xmlns:a14="http://schemas.microsoft.com/office/drawing/2010/main" val="0"/>
-              </a:ext>
-            </a:extLst>
-          </a:blip>
-          <a:stretch>
-            <a:fillRect/>
-          </a:stretch>
-        </p:blipFill>
-        <p:spPr>
-          <a:xfrm>
-            <a:off x="609600" y="2423974"/>
-            <a:ext cx="3945826" cy="1430482"/>
-          </a:xfrm>
-          <a:prstGeom prst="rect">
-            <a:avLst/>
-          </a:prstGeom>
-        </p:spPr>
-      </p:pic>
-      <p:pic>
-        <p:nvPicPr>
-          <p:cNvPr id="8" name="Immagine 7"/>
-          <p:cNvPicPr>
-            <a:picLocks noChangeAspect="1"/>
-          </p:cNvPicPr>
-          <p:nvPr/>
-        </p:nvPicPr>
-        <p:blipFill>
-          <a:blip r:embed="rId3">
-            <a:extLst>
-              <a:ext uri="{28A0092B-C50C-407E-A947-70E740481C1C}">
-                <a14:useLocalDpi xmlns:a14="http://schemas.microsoft.com/office/drawing/2010/main" val="0"/>
-              </a:ext>
-            </a:extLst>
-          </a:blip>
-          <a:stretch>
-            <a:fillRect/>
-          </a:stretch>
-        </p:blipFill>
-        <p:spPr>
-          <a:xfrm>
-            <a:off x="4494890" y="1969776"/>
-            <a:ext cx="3801385" cy="2219839"/>
-          </a:xfrm>
-          <a:prstGeom prst="rect">
-            <a:avLst/>
-          </a:prstGeom>
-        </p:spPr>
-      </p:pic>
-    </p:spTree>
-    <p:extLst>
-      <p:ext uri="{BB962C8B-B14F-4D97-AF65-F5344CB8AC3E}">
-        <p14:creationId xmlns:p14="http://schemas.microsoft.com/office/powerpoint/2010/main" val="1662984036"/>
-      </p:ext>
-    </p:extLst>
-  </p:cSld>
-  <p:clrMapOvr>
-    <a:masterClrMapping/>
-  </p:clrMapOvr>
-  <p:timing>
-    <p:tnLst>
-      <p:par>
-        <p:cTn id="1" dur="indefinite" restart="never" nodeType="tmRoot"/>
-      </p:par>
-    </p:tnLst>
-  </p:timing>
-</p:sld>
-</file>
-
-<file path=ppt/slides/slide11.xml><?xml version="1.0" encoding="utf-8"?>
-<p:sld xmlns:a="http://schemas.openxmlformats.org/drawingml/2006/main" xmlns:r="http://schemas.openxmlformats.org/officeDocument/2006/relationships" xmlns:p="http://schemas.openxmlformats.org/presentationml/2006/main">
-  <p:cSld>
-    <p:spTree>
-      <p:nvGrpSpPr>
-        <p:cNvPr id="1" name=""/>
-        <p:cNvGrpSpPr/>
-        <p:nvPr/>
-      </p:nvGrpSpPr>
-      <p:grpSpPr>
-        <a:xfrm>
-          <a:off x="0" y="0"/>
-          <a:ext cx="0" cy="0"/>
-          <a:chOff x="0" y="0"/>
-          <a:chExt cx="0" cy="0"/>
-        </a:xfrm>
-      </p:grpSpPr>
-      <p:sp>
-        <p:nvSpPr>
-          <p:cNvPr id="2" name="Titolo 1"/>
-          <p:cNvSpPr>
-            <a:spLocks noGrp="1"/>
-          </p:cNvSpPr>
-          <p:nvPr>
-            <p:ph type="title"/>
-          </p:nvPr>
-        </p:nvSpPr>
-        <p:spPr/>
-        <p:txBody>
-          <a:bodyPr/>
-          <a:lstStyle/>
-          <a:p>
-            <a:r>
-              <a:rPr lang="it-IT" dirty="0" smtClean="0"/>
               <a:t>Sistema di conversione</a:t>
             </a:r>
             <a:endParaRPr lang="it-IT" dirty="0"/>
@@ -7346,7 +7230,7 @@
             <a:fld id="{C503DA3A-0C6B-48FC-931E-2C786AAFD5C1}" type="slidenum">
               <a:rPr lang="en-US" altLang="nl-NL" smtClean="0"/>
               <a:pPr/>
-              <a:t>11</a:t>
+              <a:t>10</a:t>
             </a:fld>
             <a:endParaRPr lang="en-US" altLang="nl-NL"/>
           </a:p>
@@ -7654,7 +7538,7 @@
 </p:sld>
 </file>
 
-<file path=ppt/slides/slide12.xml><?xml version="1.0" encoding="utf-8"?>
+<file path=ppt/slides/slide11.xml><?xml version="1.0" encoding="utf-8"?>
 <p:sld xmlns:a="http://schemas.openxmlformats.org/drawingml/2006/main" xmlns:r="http://schemas.openxmlformats.org/officeDocument/2006/relationships" xmlns:p="http://schemas.openxmlformats.org/presentationml/2006/main">
   <p:cSld>
     <p:spTree>
@@ -7751,7 +7635,7 @@
             <a:fld id="{C503DA3A-0C6B-48FC-931E-2C786AAFD5C1}" type="slidenum">
               <a:rPr lang="en-US" altLang="nl-NL" smtClean="0"/>
               <a:pPr/>
-              <a:t>12</a:t>
+              <a:t>11</a:t>
             </a:fld>
             <a:endParaRPr lang="en-US" altLang="nl-NL"/>
           </a:p>
@@ -7928,7 +7812,7 @@
 </p:sld>
 </file>
 
-<file path=ppt/slides/slide13.xml><?xml version="1.0" encoding="utf-8"?>
+<file path=ppt/slides/slide12.xml><?xml version="1.0" encoding="utf-8"?>
 <p:sld xmlns:a="http://schemas.openxmlformats.org/drawingml/2006/main" xmlns:r="http://schemas.openxmlformats.org/officeDocument/2006/relationships" xmlns:p="http://schemas.openxmlformats.org/presentationml/2006/main">
   <p:cSld>
     <p:spTree>
@@ -8153,7 +8037,7 @@
             <a:fld id="{C503DA3A-0C6B-48FC-931E-2C786AAFD5C1}" type="slidenum">
               <a:rPr lang="en-US" altLang="nl-NL" smtClean="0"/>
               <a:pPr/>
-              <a:t>13</a:t>
+              <a:t>12</a:t>
             </a:fld>
             <a:endParaRPr lang="en-US" altLang="nl-NL"/>
           </a:p>
@@ -8179,7 +8063,7 @@
 </p:sld>
 </file>
 
-<file path=ppt/slides/slide14.xml><?xml version="1.0" encoding="utf-8"?>
+<file path=ppt/slides/slide13.xml><?xml version="1.0" encoding="utf-8"?>
 <p:sld xmlns:a="http://schemas.openxmlformats.org/drawingml/2006/main" xmlns:r="http://schemas.openxmlformats.org/officeDocument/2006/relationships" xmlns:p="http://schemas.openxmlformats.org/presentationml/2006/main">
   <p:cSld>
     <p:spTree>
@@ -8282,7 +8166,7 @@
             <a:fld id="{C503DA3A-0C6B-48FC-931E-2C786AAFD5C1}" type="slidenum">
               <a:rPr lang="en-US" altLang="nl-NL" smtClean="0"/>
               <a:pPr/>
-              <a:t>14</a:t>
+              <a:t>13</a:t>
             </a:fld>
             <a:endParaRPr lang="en-US" altLang="nl-NL"/>
           </a:p>
@@ -9443,7 +9327,7 @@
 </p:sld>
 </file>
 
-<file path=ppt/slides/slide15.xml><?xml version="1.0" encoding="utf-8"?>
+<file path=ppt/slides/slide14.xml><?xml version="1.0" encoding="utf-8"?>
 <p:sld xmlns:a="http://schemas.openxmlformats.org/drawingml/2006/main" xmlns:r="http://schemas.openxmlformats.org/officeDocument/2006/relationships" xmlns:p="http://schemas.openxmlformats.org/presentationml/2006/main">
   <p:cSld>
     <p:spTree>
@@ -9669,7 +9553,7 @@
             <a:fld id="{C503DA3A-0C6B-48FC-931E-2C786AAFD5C1}" type="slidenum">
               <a:rPr lang="en-US" altLang="nl-NL" smtClean="0"/>
               <a:pPr/>
-              <a:t>15</a:t>
+              <a:t>14</a:t>
             </a:fld>
             <a:endParaRPr lang="en-US" altLang="nl-NL"/>
           </a:p>
@@ -9957,7 +9841,7 @@
 </p:sld>
 </file>
 
-<file path=ppt/slides/slide16.xml><?xml version="1.0" encoding="utf-8"?>
+<file path=ppt/slides/slide15.xml><?xml version="1.0" encoding="utf-8"?>
 <p:sld xmlns:a="http://schemas.openxmlformats.org/drawingml/2006/main" xmlns:r="http://schemas.openxmlformats.org/officeDocument/2006/relationships" xmlns:p="http://schemas.openxmlformats.org/presentationml/2006/main">
   <p:cSld>
     <p:spTree>
@@ -10148,7 +10032,7 @@
             <a:fld id="{C503DA3A-0C6B-48FC-931E-2C786AAFD5C1}" type="slidenum">
               <a:rPr lang="en-US" altLang="nl-NL" smtClean="0"/>
               <a:pPr/>
-              <a:t>16</a:t>
+              <a:t>15</a:t>
             </a:fld>
             <a:endParaRPr lang="en-US" altLang="nl-NL" dirty="0"/>
           </a:p>
@@ -10204,7 +10088,7 @@
 </p:sld>
 </file>
 
-<file path=ppt/slides/slide17.xml><?xml version="1.0" encoding="utf-8"?>
+<file path=ppt/slides/slide16.xml><?xml version="1.0" encoding="utf-8"?>
 <p:sld xmlns:a="http://schemas.openxmlformats.org/drawingml/2006/main" xmlns:r="http://schemas.openxmlformats.org/officeDocument/2006/relationships" xmlns:p="http://schemas.openxmlformats.org/presentationml/2006/main">
   <p:cSld>
     <p:spTree>
@@ -10266,11 +10150,7 @@
           <a:p>
             <a:r>
               <a:rPr lang="it-IT" sz="2400" dirty="0" smtClean="0"/>
-              <a:t>Le funzionalità svolte in hardware dal FPGA sono</a:t>
-            </a:r>
-            <a:r>
-              <a:rPr lang="it-IT" sz="2400" dirty="0" smtClean="0"/>
-              <a:t>:</a:t>
+              <a:t>Le funzionalità svolte in hardware dal FPGA sono:</a:t>
             </a:r>
             <a:br>
               <a:rPr lang="it-IT" sz="2400" dirty="0" smtClean="0"/>
@@ -10403,7 +10283,7 @@
             <a:fld id="{C503DA3A-0C6B-48FC-931E-2C786AAFD5C1}" type="slidenum">
               <a:rPr lang="en-US" altLang="nl-NL" smtClean="0"/>
               <a:pPr/>
-              <a:t>17</a:t>
+              <a:t>16</a:t>
             </a:fld>
             <a:endParaRPr lang="en-US" altLang="nl-NL" dirty="0"/>
           </a:p>
@@ -10459,7 +10339,7 @@
 </p:sld>
 </file>
 
-<file path=ppt/slides/slide18.xml><?xml version="1.0" encoding="utf-8"?>
+<file path=ppt/slides/slide17.xml><?xml version="1.0" encoding="utf-8"?>
 <p:sld xmlns:a="http://schemas.openxmlformats.org/drawingml/2006/main" xmlns:r="http://schemas.openxmlformats.org/officeDocument/2006/relationships" xmlns:p="http://schemas.openxmlformats.org/presentationml/2006/main">
   <p:cSld>
     <p:spTree>
@@ -10650,7 +10530,7 @@
             <a:fld id="{C503DA3A-0C6B-48FC-931E-2C786AAFD5C1}" type="slidenum">
               <a:rPr lang="en-US" altLang="nl-NL" smtClean="0"/>
               <a:pPr/>
-              <a:t>18</a:t>
+              <a:t>17</a:t>
             </a:fld>
             <a:endParaRPr lang="en-US" altLang="nl-NL" dirty="0"/>
           </a:p>
@@ -10706,7 +10586,7 @@
 </p:sld>
 </file>
 
-<file path=ppt/slides/slide19.xml><?xml version="1.0" encoding="utf-8"?>
+<file path=ppt/slides/slide18.xml><?xml version="1.0" encoding="utf-8"?>
 <p:sld xmlns:a="http://schemas.openxmlformats.org/drawingml/2006/main" xmlns:r="http://schemas.openxmlformats.org/officeDocument/2006/relationships" xmlns:p="http://schemas.openxmlformats.org/presentationml/2006/main">
   <p:cSld>
     <p:spTree>
@@ -10832,20 +10712,12 @@
               <a:rPr lang="it-IT" sz="2000" dirty="0" smtClean="0"/>
               <a:t>Calcolo </a:t>
             </a:r>
-            <a:r>
-              <a:rPr lang="it-IT" sz="2000" dirty="0" smtClean="0"/>
-              <a:t/>
-            </a:r>
             <a:br>
               <a:rPr lang="it-IT" sz="2000" dirty="0" smtClean="0"/>
             </a:br>
             <a:r>
               <a:rPr lang="it-IT" sz="2000" dirty="0" smtClean="0"/>
-              <a:t>della Fast </a:t>
-            </a:r>
-            <a:r>
-              <a:rPr lang="it-IT" sz="2000" dirty="0" smtClean="0"/>
-              <a:t>Fourier </a:t>
+              <a:t>della Fast Fourier </a:t>
             </a:r>
             <a:r>
               <a:rPr lang="it-IT" sz="2000" dirty="0" err="1" smtClean="0"/>
@@ -10905,7 +10777,7 @@
             <a:fld id="{C503DA3A-0C6B-48FC-931E-2C786AAFD5C1}" type="slidenum">
               <a:rPr lang="en-US" altLang="nl-NL" smtClean="0"/>
               <a:pPr/>
-              <a:t>19</a:t>
+              <a:t>18</a:t>
             </a:fld>
             <a:endParaRPr lang="en-US" altLang="nl-NL" dirty="0"/>
           </a:p>
@@ -11008,7 +10880,7 @@
 </p:sld>
 </file>
 
-<file path=ppt/slides/slide2.xml><?xml version="1.0" encoding="utf-8"?>
+<file path=ppt/slides/slide19.xml><?xml version="1.0" encoding="utf-8"?>
 <p:sld xmlns:a="http://schemas.openxmlformats.org/drawingml/2006/main" xmlns:r="http://schemas.openxmlformats.org/officeDocument/2006/relationships" xmlns:p="http://schemas.openxmlformats.org/presentationml/2006/main">
   <p:cSld>
     <p:spTree>
@@ -11042,233 +10914,14 @@
           <a:p>
             <a:r>
               <a:rPr lang="it-IT" dirty="0" smtClean="0"/>
-              <a:t>Indice</a:t>
+              <a:t>Microcontrollore</a:t>
             </a:r>
             <a:endParaRPr lang="it-IT" dirty="0"/>
           </a:p>
         </p:txBody>
       </p:sp>
-      <p:sp>
-        <p:nvSpPr>
-          <p:cNvPr id="3" name="Segnaposto contenuto 2"/>
-          <p:cNvSpPr>
-            <a:spLocks noGrp="1"/>
-          </p:cNvSpPr>
-          <p:nvPr>
-            <p:ph idx="1"/>
-          </p:nvPr>
-        </p:nvSpPr>
-        <p:spPr>
-          <a:xfrm>
-            <a:off x="609600" y="891778"/>
-            <a:ext cx="7784892" cy="5531644"/>
-          </a:xfrm>
-        </p:spPr>
-        <p:txBody>
-          <a:bodyPr/>
-          <a:lstStyle/>
-          <a:p>
-            <a:r>
-              <a:rPr lang="it-IT" sz="2400" dirty="0"/>
-              <a:t>Interferometria</a:t>
-            </a:r>
-          </a:p>
-          <a:p>
-            <a:pPr lvl="1"/>
-            <a:r>
-              <a:rPr lang="it-IT" sz="2000" dirty="0"/>
-              <a:t>Interferometria a self-mixing</a:t>
-            </a:r>
-          </a:p>
-          <a:p>
-            <a:pPr lvl="1"/>
-            <a:r>
-              <a:rPr lang="it-IT" sz="2000" dirty="0"/>
-              <a:t>Misura della distanza</a:t>
-            </a:r>
-          </a:p>
-          <a:p>
-            <a:r>
-              <a:rPr lang="it-IT" sz="2400" dirty="0"/>
-              <a:t>Architettura hardware</a:t>
-            </a:r>
-          </a:p>
-          <a:p>
-            <a:pPr lvl="1"/>
-            <a:r>
-              <a:rPr lang="it-IT" sz="2000" dirty="0" smtClean="0"/>
-              <a:t>Sistema analogico</a:t>
-            </a:r>
-          </a:p>
-          <a:p>
-            <a:pPr lvl="1"/>
-            <a:r>
-              <a:rPr lang="it-IT" sz="2000" dirty="0"/>
-              <a:t>Sistema di </a:t>
-            </a:r>
-            <a:r>
-              <a:rPr lang="it-IT" sz="2000" dirty="0" smtClean="0"/>
-              <a:t>conversione</a:t>
-            </a:r>
-            <a:endParaRPr lang="it-IT" sz="2000" dirty="0"/>
-          </a:p>
-          <a:p>
-            <a:pPr lvl="1"/>
-            <a:r>
-              <a:rPr lang="it-IT" sz="2000" dirty="0" smtClean="0"/>
-              <a:t>Sistema digitale</a:t>
-            </a:r>
-            <a:endParaRPr lang="it-IT" sz="2000" dirty="0"/>
-          </a:p>
-          <a:p>
-            <a:r>
-              <a:rPr lang="it-IT" sz="2400" dirty="0" smtClean="0"/>
-              <a:t>Architettura </a:t>
-            </a:r>
-            <a:r>
-              <a:rPr lang="it-IT" sz="2400" dirty="0"/>
-              <a:t>software</a:t>
-            </a:r>
-          </a:p>
-          <a:p>
-            <a:pPr lvl="1"/>
-            <a:r>
-              <a:rPr lang="it-IT" sz="2000" dirty="0"/>
-              <a:t>Dettagli </a:t>
-            </a:r>
-            <a:r>
-              <a:rPr lang="it-IT" sz="2000" dirty="0" smtClean="0"/>
-              <a:t>implementativi</a:t>
-            </a:r>
-          </a:p>
-          <a:p>
-            <a:pPr lvl="1"/>
-            <a:r>
-              <a:rPr lang="it-IT" sz="2000" dirty="0" smtClean="0"/>
-              <a:t>FPGA</a:t>
-            </a:r>
-            <a:endParaRPr lang="it-IT" sz="2000" dirty="0"/>
-          </a:p>
-          <a:p>
-            <a:pPr lvl="1"/>
-            <a:r>
-              <a:rPr lang="it-IT" sz="2000" dirty="0" smtClean="0"/>
-              <a:t>Microcontrollore</a:t>
-            </a:r>
-          </a:p>
-          <a:p>
-            <a:pPr lvl="1"/>
-            <a:r>
-              <a:rPr lang="it-IT" sz="2000" dirty="0" smtClean="0"/>
-              <a:t>Ottimizzazioni</a:t>
-            </a:r>
-            <a:endParaRPr lang="it-IT" sz="2000" dirty="0"/>
-          </a:p>
-          <a:p>
-            <a:r>
-              <a:rPr lang="it-IT" sz="2400" dirty="0"/>
-              <a:t>Risultati </a:t>
-            </a:r>
-            <a:r>
-              <a:rPr lang="it-IT" sz="2400" dirty="0" smtClean="0"/>
-              <a:t>sperimentali</a:t>
-            </a:r>
-            <a:endParaRPr lang="it-IT" sz="2400" dirty="0"/>
-          </a:p>
-          <a:p>
-            <a:r>
-              <a:rPr lang="it-IT" sz="2400" dirty="0"/>
-              <a:t>Conclusioni e sviluppi futuri</a:t>
-            </a:r>
-          </a:p>
-        </p:txBody>
-      </p:sp>
-      <p:sp>
-        <p:nvSpPr>
-          <p:cNvPr id="4" name="Segnaposto numero diapositiva 3"/>
-          <p:cNvSpPr>
-            <a:spLocks noGrp="1"/>
-          </p:cNvSpPr>
-          <p:nvPr>
-            <p:ph type="sldNum" sz="quarter" idx="11"/>
-          </p:nvPr>
-        </p:nvSpPr>
-        <p:spPr/>
-        <p:txBody>
-          <a:bodyPr/>
-          <a:lstStyle/>
-          <a:p>
-            <a:fld id="{C503DA3A-0C6B-48FC-931E-2C786AAFD5C1}" type="slidenum">
-              <a:rPr lang="en-US" altLang="nl-NL" smtClean="0"/>
-              <a:pPr/>
-              <a:t>2</a:t>
-            </a:fld>
-            <a:endParaRPr lang="en-US" altLang="nl-NL"/>
-          </a:p>
-        </p:txBody>
-      </p:sp>
-    </p:spTree>
-    <p:extLst>
-      <p:ext uri="{BB962C8B-B14F-4D97-AF65-F5344CB8AC3E}">
-        <p14:creationId xmlns:p14="http://schemas.microsoft.com/office/powerpoint/2010/main" val="3953617699"/>
-      </p:ext>
-    </p:extLst>
-  </p:cSld>
-  <p:clrMapOvr>
-    <a:masterClrMapping/>
-  </p:clrMapOvr>
-  <p:timing>
-    <p:tnLst>
-      <p:par>
-        <p:cTn id="1" dur="indefinite" restart="never" nodeType="tmRoot"/>
-      </p:par>
-    </p:tnLst>
-  </p:timing>
-</p:sld>
-</file>
-
-<file path=ppt/slides/slide20.xml><?xml version="1.0" encoding="utf-8"?>
-<p:sld xmlns:a="http://schemas.openxmlformats.org/drawingml/2006/main" xmlns:r="http://schemas.openxmlformats.org/officeDocument/2006/relationships" xmlns:p="http://schemas.openxmlformats.org/presentationml/2006/main">
-  <p:cSld>
-    <p:spTree>
-      <p:nvGrpSpPr>
-        <p:cNvPr id="1" name=""/>
-        <p:cNvGrpSpPr/>
-        <p:nvPr/>
-      </p:nvGrpSpPr>
-      <p:grpSpPr>
-        <a:xfrm>
-          <a:off x="0" y="0"/>
-          <a:ext cx="0" cy="0"/>
-          <a:chOff x="0" y="0"/>
-          <a:chExt cx="0" cy="0"/>
-        </a:xfrm>
-      </p:grpSpPr>
-      <p:sp>
-        <p:nvSpPr>
-          <p:cNvPr id="2" name="Titolo 1"/>
-          <p:cNvSpPr>
-            <a:spLocks noGrp="1"/>
-          </p:cNvSpPr>
-          <p:nvPr>
-            <p:ph type="title"/>
-          </p:nvPr>
-        </p:nvSpPr>
-        <p:spPr/>
-        <p:txBody>
-          <a:bodyPr/>
-          <a:lstStyle/>
-          <a:p>
-            <a:r>
-              <a:rPr lang="it-IT" dirty="0" smtClean="0"/>
-              <a:t>Microcontrollore</a:t>
-            </a:r>
-            <a:endParaRPr lang="it-IT" dirty="0"/>
-          </a:p>
-        </p:txBody>
-      </p:sp>
-      <mc:AlternateContent xmlns:mc="http://schemas.openxmlformats.org/markup-compatibility/2006">
-        <mc:Choice xmlns:a14="http://schemas.microsoft.com/office/drawing/2010/main" Requires="a14">
+      <mc:AlternateContent xmlns:mc="http://schemas.openxmlformats.org/markup-compatibility/2006" xmlns:a14="http://schemas.microsoft.com/office/drawing/2010/main">
+        <mc:Choice Requires="a14">
           <p:sp>
             <p:nvSpPr>
               <p:cNvPr id="3" name="Segnaposto contenuto 2"/>
@@ -11296,11 +10949,7 @@
                 </a:pPr>
                 <a:r>
                   <a:rPr lang="it-IT" sz="2400" dirty="0" smtClean="0"/>
-                  <a:t>Le funzionalità </a:t>
-                </a:r>
-                <a:r>
-                  <a:rPr lang="it-IT" sz="2400" dirty="0" smtClean="0"/>
-                  <a:t>svolte dal microcontrollore sono: </a:t>
+                  <a:t>Le funzionalità svolte dal microcontrollore sono: </a:t>
                 </a:r>
               </a:p>
               <a:p>
@@ -11327,11 +10976,7 @@
                 </a:r>
                 <a:r>
                   <a:rPr lang="it-IT" sz="2000" dirty="0" smtClean="0"/>
-                  <a:t> (IFFT</a:t>
-                </a:r>
-                <a:r>
-                  <a:rPr lang="it-IT" sz="2000" dirty="0" smtClean="0"/>
-                  <a:t>)</a:t>
+                  <a:t> (IFFT)</a:t>
                 </a:r>
               </a:p>
               <a:p>
@@ -11980,7 +11625,7 @@
             </p:txBody>
           </p:sp>
         </mc:Choice>
-        <mc:Fallback>
+        <mc:Fallback xmlns="">
           <p:sp>
             <p:nvSpPr>
               <p:cNvPr id="3" name="Segnaposto contenuto 2"/>
@@ -12036,14 +11681,14 @@
             <a:fld id="{C503DA3A-0C6B-48FC-931E-2C786AAFD5C1}" type="slidenum">
               <a:rPr lang="en-US" altLang="nl-NL" smtClean="0"/>
               <a:pPr/>
-              <a:t>20</a:t>
+              <a:t>19</a:t>
             </a:fld>
             <a:endParaRPr lang="en-US" altLang="nl-NL"/>
           </a:p>
         </p:txBody>
       </p:sp>
-      <mc:AlternateContent xmlns:mc="http://schemas.openxmlformats.org/markup-compatibility/2006">
-        <mc:Choice xmlns:a14="http://schemas.microsoft.com/office/drawing/2010/main" Requires="a14">
+      <mc:AlternateContent xmlns:mc="http://schemas.openxmlformats.org/markup-compatibility/2006" xmlns:a14="http://schemas.microsoft.com/office/drawing/2010/main">
+        <mc:Choice Requires="a14">
           <p:sp>
             <p:nvSpPr>
               <p:cNvPr id="7" name="CasellaDiTesto 6"/>
@@ -12198,7 +11843,7 @@
             </p:txBody>
           </p:sp>
         </mc:Choice>
-        <mc:Fallback>
+        <mc:Fallback xmlns="">
           <p:sp>
             <p:nvSpPr>
               <p:cNvPr id="7" name="CasellaDiTesto 6"/>
@@ -12239,7 +11884,7 @@
       </mc:AlternateContent>
       <p:pic>
         <p:nvPicPr>
-          <p:cNvPr id="9" name="Immagine 8"/>
+          <p:cNvPr id="5" name="Immagine 4"/>
           <p:cNvPicPr>
             <a:picLocks noChangeAspect="1"/>
           </p:cNvPicPr>
@@ -12259,8 +11904,8 @@
         </p:blipFill>
         <p:spPr>
           <a:xfrm>
-            <a:off x="5609240" y="2571685"/>
-            <a:ext cx="3259518" cy="2466082"/>
+            <a:off x="5654506" y="2421177"/>
+            <a:ext cx="3168987" cy="2560866"/>
           </a:xfrm>
           <a:prstGeom prst="rect">
             <a:avLst/>
@@ -12287,7 +11932,226 @@
 </p:sld>
 </file>
 
-<file path=ppt/slides/slide21.xml><?xml version="1.0" encoding="utf-8"?>
+<file path=ppt/slides/slide2.xml><?xml version="1.0" encoding="utf-8"?>
+<p:sld xmlns:a="http://schemas.openxmlformats.org/drawingml/2006/main" xmlns:r="http://schemas.openxmlformats.org/officeDocument/2006/relationships" xmlns:p="http://schemas.openxmlformats.org/presentationml/2006/main">
+  <p:cSld>
+    <p:spTree>
+      <p:nvGrpSpPr>
+        <p:cNvPr id="1" name=""/>
+        <p:cNvGrpSpPr/>
+        <p:nvPr/>
+      </p:nvGrpSpPr>
+      <p:grpSpPr>
+        <a:xfrm>
+          <a:off x="0" y="0"/>
+          <a:ext cx="0" cy="0"/>
+          <a:chOff x="0" y="0"/>
+          <a:chExt cx="0" cy="0"/>
+        </a:xfrm>
+      </p:grpSpPr>
+      <p:sp>
+        <p:nvSpPr>
+          <p:cNvPr id="2" name="Titolo 1"/>
+          <p:cNvSpPr>
+            <a:spLocks noGrp="1"/>
+          </p:cNvSpPr>
+          <p:nvPr>
+            <p:ph type="title"/>
+          </p:nvPr>
+        </p:nvSpPr>
+        <p:spPr/>
+        <p:txBody>
+          <a:bodyPr/>
+          <a:lstStyle/>
+          <a:p>
+            <a:r>
+              <a:rPr lang="it-IT" dirty="0" smtClean="0"/>
+              <a:t>Indice</a:t>
+            </a:r>
+            <a:endParaRPr lang="it-IT" dirty="0"/>
+          </a:p>
+        </p:txBody>
+      </p:sp>
+      <p:sp>
+        <p:nvSpPr>
+          <p:cNvPr id="3" name="Segnaposto contenuto 2"/>
+          <p:cNvSpPr>
+            <a:spLocks noGrp="1"/>
+          </p:cNvSpPr>
+          <p:nvPr>
+            <p:ph idx="1"/>
+          </p:nvPr>
+        </p:nvSpPr>
+        <p:spPr>
+          <a:xfrm>
+            <a:off x="609600" y="891778"/>
+            <a:ext cx="7784892" cy="5531644"/>
+          </a:xfrm>
+        </p:spPr>
+        <p:txBody>
+          <a:bodyPr/>
+          <a:lstStyle/>
+          <a:p>
+            <a:r>
+              <a:rPr lang="it-IT" sz="2400" dirty="0"/>
+              <a:t>Interferometria</a:t>
+            </a:r>
+          </a:p>
+          <a:p>
+            <a:pPr lvl="1"/>
+            <a:r>
+              <a:rPr lang="it-IT" sz="2000" dirty="0"/>
+              <a:t>Interferometria a self-mixing</a:t>
+            </a:r>
+          </a:p>
+          <a:p>
+            <a:pPr lvl="1"/>
+            <a:r>
+              <a:rPr lang="it-IT" sz="2000" dirty="0"/>
+              <a:t>Misura della distanza</a:t>
+            </a:r>
+          </a:p>
+          <a:p>
+            <a:r>
+              <a:rPr lang="it-IT" sz="2400" dirty="0"/>
+              <a:t>Architettura hardware</a:t>
+            </a:r>
+          </a:p>
+          <a:p>
+            <a:pPr lvl="1"/>
+            <a:r>
+              <a:rPr lang="it-IT" sz="2000" dirty="0" smtClean="0"/>
+              <a:t>Sistema analogico</a:t>
+            </a:r>
+          </a:p>
+          <a:p>
+            <a:pPr lvl="1"/>
+            <a:r>
+              <a:rPr lang="it-IT" sz="2000" dirty="0"/>
+              <a:t>Sistema di </a:t>
+            </a:r>
+            <a:r>
+              <a:rPr lang="it-IT" sz="2000" dirty="0" smtClean="0"/>
+              <a:t>conversione</a:t>
+            </a:r>
+            <a:endParaRPr lang="it-IT" sz="2000" dirty="0"/>
+          </a:p>
+          <a:p>
+            <a:pPr lvl="1"/>
+            <a:r>
+              <a:rPr lang="it-IT" sz="2000" dirty="0" smtClean="0"/>
+              <a:t>Sistema digitale</a:t>
+            </a:r>
+            <a:endParaRPr lang="it-IT" sz="2000" dirty="0"/>
+          </a:p>
+          <a:p>
+            <a:r>
+              <a:rPr lang="it-IT" sz="2400" dirty="0" smtClean="0"/>
+              <a:t>Architettura </a:t>
+            </a:r>
+            <a:r>
+              <a:rPr lang="it-IT" sz="2400" dirty="0"/>
+              <a:t>software</a:t>
+            </a:r>
+          </a:p>
+          <a:p>
+            <a:pPr lvl="1"/>
+            <a:r>
+              <a:rPr lang="it-IT" sz="2000" dirty="0"/>
+              <a:t>Dettagli </a:t>
+            </a:r>
+            <a:r>
+              <a:rPr lang="it-IT" sz="2000" dirty="0" smtClean="0"/>
+              <a:t>implementativi</a:t>
+            </a:r>
+          </a:p>
+          <a:p>
+            <a:pPr lvl="1"/>
+            <a:r>
+              <a:rPr lang="it-IT" sz="2000" dirty="0" smtClean="0"/>
+              <a:t>FPGA</a:t>
+            </a:r>
+            <a:endParaRPr lang="it-IT" sz="2000" dirty="0"/>
+          </a:p>
+          <a:p>
+            <a:pPr lvl="1"/>
+            <a:r>
+              <a:rPr lang="it-IT" sz="2000" dirty="0" smtClean="0"/>
+              <a:t>Microcontrollore</a:t>
+            </a:r>
+          </a:p>
+          <a:p>
+            <a:pPr lvl="1"/>
+            <a:r>
+              <a:rPr lang="it-IT" sz="2000" dirty="0" smtClean="0"/>
+              <a:t>Ottimizzazioni</a:t>
+            </a:r>
+            <a:endParaRPr lang="it-IT" sz="2000" dirty="0"/>
+          </a:p>
+          <a:p>
+            <a:r>
+              <a:rPr lang="it-IT" sz="2400" dirty="0"/>
+              <a:t>Risultati </a:t>
+            </a:r>
+            <a:r>
+              <a:rPr lang="it-IT" sz="2400" dirty="0" smtClean="0"/>
+              <a:t>sperimentali</a:t>
+            </a:r>
+            <a:endParaRPr lang="it-IT" sz="2400" dirty="0"/>
+          </a:p>
+          <a:p>
+            <a:r>
+              <a:rPr lang="it-IT" sz="2400" dirty="0"/>
+              <a:t>Conclusioni e sviluppi futuri</a:t>
+            </a:r>
+          </a:p>
+        </p:txBody>
+      </p:sp>
+      <p:sp>
+        <p:nvSpPr>
+          <p:cNvPr id="4" name="Segnaposto numero diapositiva 3"/>
+          <p:cNvSpPr>
+            <a:spLocks noGrp="1"/>
+          </p:cNvSpPr>
+          <p:nvPr>
+            <p:ph type="sldNum" sz="quarter" idx="11"/>
+          </p:nvPr>
+        </p:nvSpPr>
+        <p:spPr/>
+        <p:txBody>
+          <a:bodyPr/>
+          <a:lstStyle/>
+          <a:p>
+            <a:fld id="{C503DA3A-0C6B-48FC-931E-2C786AAFD5C1}" type="slidenum">
+              <a:rPr lang="en-US" altLang="nl-NL" smtClean="0"/>
+              <a:pPr/>
+              <a:t>2</a:t>
+            </a:fld>
+            <a:endParaRPr lang="en-US" altLang="nl-NL"/>
+          </a:p>
+        </p:txBody>
+      </p:sp>
+    </p:spTree>
+    <p:extLst>
+      <p:ext uri="{BB962C8B-B14F-4D97-AF65-F5344CB8AC3E}">
+        <p14:creationId xmlns:p14="http://schemas.microsoft.com/office/powerpoint/2010/main" val="3953617699"/>
+      </p:ext>
+    </p:extLst>
+  </p:cSld>
+  <p:clrMapOvr>
+    <a:masterClrMapping/>
+  </p:clrMapOvr>
+  <p:timing>
+    <p:tnLst>
+      <p:par>
+        <p:cTn id="1" dur="indefinite" restart="never" nodeType="tmRoot"/>
+      </p:par>
+    </p:tnLst>
+  </p:timing>
+</p:sld>
+</file>
+
+<file path=ppt/slides/slide20.xml><?xml version="1.0" encoding="utf-8"?>
 <p:sld xmlns:a="http://schemas.openxmlformats.org/drawingml/2006/main" xmlns:r="http://schemas.openxmlformats.org/officeDocument/2006/relationships" xmlns:p="http://schemas.openxmlformats.org/presentationml/2006/main">
   <p:cSld>
     <p:spTree>
@@ -12460,7 +12324,7 @@
             <a:fld id="{C503DA3A-0C6B-48FC-931E-2C786AAFD5C1}" type="slidenum">
               <a:rPr lang="en-US" altLang="nl-NL" smtClean="0"/>
               <a:pPr/>
-              <a:t>21</a:t>
+              <a:t>20</a:t>
             </a:fld>
             <a:endParaRPr lang="en-US" altLang="nl-NL"/>
           </a:p>
@@ -12658,7 +12522,7 @@
 </p:sld>
 </file>
 
-<file path=ppt/slides/slide22.xml><?xml version="1.0" encoding="utf-8"?>
+<file path=ppt/slides/slide21.xml><?xml version="1.0" encoding="utf-8"?>
 <p:sld xmlns:a="http://schemas.openxmlformats.org/drawingml/2006/main" xmlns:r="http://schemas.openxmlformats.org/officeDocument/2006/relationships" xmlns:p="http://schemas.openxmlformats.org/presentationml/2006/main">
   <p:cSld>
     <p:spTree>
@@ -12768,7 +12632,7 @@
             <a:fld id="{C503DA3A-0C6B-48FC-931E-2C786AAFD5C1}" type="slidenum">
               <a:rPr lang="en-US" altLang="nl-NL" smtClean="0"/>
               <a:pPr/>
-              <a:t>22</a:t>
+              <a:t>21</a:t>
             </a:fld>
             <a:endParaRPr lang="en-US" altLang="nl-NL"/>
           </a:p>
@@ -12945,7 +12809,7 @@
 </p:sld>
 </file>
 
-<file path=ppt/slides/slide23.xml><?xml version="1.0" encoding="utf-8"?>
+<file path=ppt/slides/slide22.xml><?xml version="1.0" encoding="utf-8"?>
 <p:sld xmlns:a="http://schemas.openxmlformats.org/drawingml/2006/main" xmlns:r="http://schemas.openxmlformats.org/officeDocument/2006/relationships" xmlns:p="http://schemas.openxmlformats.org/presentationml/2006/main">
   <p:cSld>
     <p:spTree>
@@ -13217,7 +13081,7 @@
             <a:fld id="{C503DA3A-0C6B-48FC-931E-2C786AAFD5C1}" type="slidenum">
               <a:rPr lang="en-US" altLang="nl-NL" smtClean="0"/>
               <a:pPr/>
-              <a:t>23</a:t>
+              <a:t>22</a:t>
             </a:fld>
             <a:endParaRPr lang="en-US" altLang="nl-NL"/>
           </a:p>
@@ -13243,7 +13107,7 @@
 </p:sld>
 </file>
 
-<file path=ppt/slides/slide24.xml><?xml version="1.0" encoding="utf-8"?>
+<file path=ppt/slides/slide23.xml><?xml version="1.0" encoding="utf-8"?>
 <p:sld xmlns:a="http://schemas.openxmlformats.org/drawingml/2006/main" xmlns:r="http://schemas.openxmlformats.org/officeDocument/2006/relationships" xmlns:p="http://schemas.openxmlformats.org/presentationml/2006/main">
   <p:cSld>
     <p:spTree>
@@ -13342,7 +13206,7 @@
             <a:fld id="{C503DA3A-0C6B-48FC-931E-2C786AAFD5C1}" type="slidenum">
               <a:rPr lang="en-US" altLang="nl-NL" smtClean="0"/>
               <a:pPr/>
-              <a:t>24</a:t>
+              <a:t>23</a:t>
             </a:fld>
             <a:endParaRPr lang="en-US" altLang="nl-NL"/>
           </a:p>
@@ -13398,7 +13262,7 @@
 </p:sld>
 </file>
 
-<file path=ppt/slides/slide25.xml><?xml version="1.0" encoding="utf-8"?>
+<file path=ppt/slides/slide24.xml><?xml version="1.0" encoding="utf-8"?>
 <p:sld xmlns:a="http://schemas.openxmlformats.org/drawingml/2006/main" xmlns:r="http://schemas.openxmlformats.org/officeDocument/2006/relationships" xmlns:p="http://schemas.openxmlformats.org/presentationml/2006/main">
   <p:cSld>
     <p:spTree>
@@ -13432,11 +13296,7 @@
           <a:p>
             <a:r>
               <a:rPr lang="it-IT" dirty="0" smtClean="0"/>
-              <a:t>Risultati </a:t>
-            </a:r>
-            <a:r>
-              <a:rPr lang="it-IT" dirty="0" smtClean="0"/>
-              <a:t>sperimentali</a:t>
+              <a:t>Risultati sperimentali</a:t>
             </a:r>
             <a:endParaRPr lang="it-IT" dirty="0"/>
           </a:p>
@@ -13719,7 +13579,7 @@
             <a:fld id="{C503DA3A-0C6B-48FC-931E-2C786AAFD5C1}" type="slidenum">
               <a:rPr lang="en-US" altLang="nl-NL" smtClean="0"/>
               <a:pPr/>
-              <a:t>25</a:t>
+              <a:t>24</a:t>
             </a:fld>
             <a:endParaRPr lang="en-US" altLang="nl-NL"/>
           </a:p>
@@ -13727,7 +13587,7 @@
       </p:sp>
       <p:pic>
         <p:nvPicPr>
-          <p:cNvPr id="5" name="Immagine 4"/>
+          <p:cNvPr id="9" name="Immagine 8"/>
           <p:cNvPicPr>
             <a:picLocks noChangeAspect="1"/>
           </p:cNvPicPr>
@@ -13747,8 +13607,8 @@
         </p:blipFill>
         <p:spPr>
           <a:xfrm>
-            <a:off x="0" y="4306320"/>
-            <a:ext cx="3163078" cy="1789680"/>
+            <a:off x="118664" y="4277591"/>
+            <a:ext cx="3119582" cy="1806074"/>
           </a:xfrm>
           <a:prstGeom prst="rect">
             <a:avLst/>
@@ -13757,7 +13617,7 @@
       </p:pic>
       <p:pic>
         <p:nvPicPr>
-          <p:cNvPr id="6" name="Immagine 5"/>
+          <p:cNvPr id="10" name="Immagine 9"/>
           <p:cNvPicPr>
             <a:picLocks noChangeAspect="1"/>
           </p:cNvPicPr>
@@ -13777,8 +13637,8 @@
         </p:blipFill>
         <p:spPr>
           <a:xfrm>
-            <a:off x="3163078" y="4306320"/>
-            <a:ext cx="3069989" cy="1789680"/>
+            <a:off x="3221508" y="4276619"/>
+            <a:ext cx="3119581" cy="1849082"/>
           </a:xfrm>
           <a:prstGeom prst="rect">
             <a:avLst/>
@@ -13787,7 +13647,7 @@
       </p:pic>
       <p:pic>
         <p:nvPicPr>
-          <p:cNvPr id="7" name="Immagine 6"/>
+          <p:cNvPr id="11" name="Immagine 10"/>
           <p:cNvPicPr>
             <a:picLocks noChangeAspect="1"/>
           </p:cNvPicPr>
@@ -13807,60 +13667,14 @@
         </p:blipFill>
         <p:spPr>
           <a:xfrm>
-            <a:off x="6233067" y="4306320"/>
-            <a:ext cx="2680126" cy="1789680"/>
+            <a:off x="6245854" y="4277033"/>
+            <a:ext cx="2694499" cy="1830739"/>
           </a:xfrm>
           <a:prstGeom prst="rect">
             <a:avLst/>
           </a:prstGeom>
         </p:spPr>
       </p:pic>
-      <p:sp>
-        <p:nvSpPr>
-          <p:cNvPr id="8" name="CasellaDiTesto 7"/>
-          <p:cNvSpPr txBox="1"/>
-          <p:nvPr/>
-        </p:nvSpPr>
-        <p:spPr>
-          <a:xfrm>
-            <a:off x="2692885" y="4306320"/>
-            <a:ext cx="4408714" cy="461665"/>
-          </a:xfrm>
-          <a:prstGeom prst="rect">
-            <a:avLst/>
-          </a:prstGeom>
-          <a:noFill/>
-        </p:spPr>
-        <p:txBody>
-          <a:bodyPr wrap="square" rtlCol="0">
-            <a:spAutoFit/>
-          </a:bodyPr>
-          <a:lstStyle/>
-          <a:p>
-            <a:r>
-              <a:rPr lang="it-IT" dirty="0" err="1" smtClean="0">
-                <a:solidFill>
-                  <a:srgbClr val="FF0000"/>
-                </a:solidFill>
-              </a:rPr>
-              <a:t>toDO</a:t>
-            </a:r>
-            <a:r>
-              <a:rPr lang="it-IT" dirty="0" smtClean="0">
-                <a:solidFill>
-                  <a:srgbClr val="FF0000"/>
-                </a:solidFill>
-              </a:rPr>
-              <a:t>: ingrandire assi</a:t>
-            </a:r>
-            <a:endParaRPr lang="it-IT" dirty="0">
-              <a:solidFill>
-                <a:srgbClr val="FF0000"/>
-              </a:solidFill>
-            </a:endParaRPr>
-          </a:p>
-        </p:txBody>
-      </p:sp>
     </p:spTree>
     <p:extLst>
       <p:ext uri="{BB962C8B-B14F-4D97-AF65-F5344CB8AC3E}">
@@ -13881,7 +13695,7 @@
 </p:sld>
 </file>
 
-<file path=ppt/slides/slide26.xml><?xml version="1.0" encoding="utf-8"?>
+<file path=ppt/slides/slide25.xml><?xml version="1.0" encoding="utf-8"?>
 <p:sld xmlns:a="http://schemas.openxmlformats.org/drawingml/2006/main" xmlns:r="http://schemas.openxmlformats.org/officeDocument/2006/relationships" xmlns:p="http://schemas.openxmlformats.org/presentationml/2006/main">
   <p:cSld>
     <p:spTree>
@@ -13915,11 +13729,7 @@
           <a:p>
             <a:r>
               <a:rPr lang="it-IT" dirty="0" smtClean="0"/>
-              <a:t>Risultati </a:t>
-            </a:r>
-            <a:r>
-              <a:rPr lang="it-IT" dirty="0" smtClean="0"/>
-              <a:t>sperimentali</a:t>
+              <a:t>Risultati sperimentali</a:t>
             </a:r>
             <a:endParaRPr lang="it-IT" dirty="0"/>
           </a:p>
@@ -14206,7 +14016,7 @@
                 <a:ext cx="7772400" cy="3120615"/>
               </a:xfrm>
               <a:blipFill rotWithShape="0">
-                <a:blip r:embed="rId2"/>
+                <a:blip r:embed="rId3"/>
                 <a:stretch>
                   <a:fillRect l="-1098" t="-1563" b="-2734"/>
                 </a:stretch>
@@ -14250,7 +14060,7 @@
             <a:fld id="{C503DA3A-0C6B-48FC-931E-2C786AAFD5C1}" type="slidenum">
               <a:rPr lang="en-US" altLang="nl-NL" smtClean="0"/>
               <a:pPr/>
-              <a:t>26</a:t>
+              <a:t>25</a:t>
             </a:fld>
             <a:endParaRPr lang="en-US" altLang="nl-NL" dirty="0"/>
           </a:p>
@@ -14258,37 +14068,7 @@
       </p:sp>
       <p:pic>
         <p:nvPicPr>
-          <p:cNvPr id="5" name="Immagine 4"/>
-          <p:cNvPicPr>
-            <a:picLocks noChangeAspect="1"/>
-          </p:cNvPicPr>
-          <p:nvPr/>
-        </p:nvPicPr>
-        <p:blipFill>
-          <a:blip r:embed="rId3">
-            <a:extLst>
-              <a:ext uri="{28A0092B-C50C-407E-A947-70E740481C1C}">
-                <a14:useLocalDpi xmlns:a14="http://schemas.microsoft.com/office/drawing/2010/main" val="0"/>
-              </a:ext>
-            </a:extLst>
-          </a:blip>
-          <a:stretch>
-            <a:fillRect/>
-          </a:stretch>
-        </p:blipFill>
-        <p:spPr>
-          <a:xfrm>
-            <a:off x="3135706" y="4193040"/>
-            <a:ext cx="3004147" cy="2252105"/>
-          </a:xfrm>
-          <a:prstGeom prst="rect">
-            <a:avLst/>
-          </a:prstGeom>
-        </p:spPr>
-      </p:pic>
-      <p:pic>
-        <p:nvPicPr>
-          <p:cNvPr id="6" name="Immagine 5"/>
+          <p:cNvPr id="9" name="Immagine 8"/>
           <p:cNvPicPr>
             <a:picLocks noChangeAspect="1"/>
           </p:cNvPicPr>
@@ -14308,8 +14088,8 @@
         </p:blipFill>
         <p:spPr>
           <a:xfrm>
-            <a:off x="131559" y="4193039"/>
-            <a:ext cx="3004147" cy="2252105"/>
+            <a:off x="149303" y="4240198"/>
+            <a:ext cx="3013691" cy="2295665"/>
           </a:xfrm>
           <a:prstGeom prst="rect">
             <a:avLst/>
@@ -14318,7 +14098,7 @@
       </p:pic>
       <p:pic>
         <p:nvPicPr>
-          <p:cNvPr id="7" name="Immagine 6"/>
+          <p:cNvPr id="11" name="Immagine 10"/>
           <p:cNvPicPr>
             <a:picLocks noChangeAspect="1"/>
           </p:cNvPicPr>
@@ -14338,60 +14118,44 @@
         </p:blipFill>
         <p:spPr>
           <a:xfrm>
-            <a:off x="6139853" y="4193040"/>
-            <a:ext cx="3004147" cy="2252105"/>
+            <a:off x="3064999" y="4255965"/>
+            <a:ext cx="3020495" cy="2297326"/>
           </a:xfrm>
           <a:prstGeom prst="rect">
             <a:avLst/>
           </a:prstGeom>
         </p:spPr>
       </p:pic>
-      <p:sp>
-        <p:nvSpPr>
-          <p:cNvPr id="8" name="CasellaDiTesto 7"/>
-          <p:cNvSpPr txBox="1"/>
+      <p:pic>
+        <p:nvPicPr>
+          <p:cNvPr id="12" name="Immagine 11"/>
+          <p:cNvPicPr>
+            <a:picLocks noChangeAspect="1"/>
+          </p:cNvPicPr>
           <p:nvPr/>
-        </p:nvSpPr>
+        </p:nvPicPr>
+        <p:blipFill>
+          <a:blip r:embed="rId6">
+            <a:extLst>
+              <a:ext uri="{28A0092B-C50C-407E-A947-70E740481C1C}">
+                <a14:useLocalDpi xmlns:a14="http://schemas.microsoft.com/office/drawing/2010/main" val="0"/>
+              </a:ext>
+            </a:extLst>
+          </a:blip>
+          <a:stretch>
+            <a:fillRect/>
+          </a:stretch>
+        </p:blipFill>
         <p:spPr>
           <a:xfrm>
-            <a:off x="2830286" y="5319091"/>
-            <a:ext cx="4408714" cy="461665"/>
+            <a:off x="5990894" y="4271730"/>
+            <a:ext cx="3045223" cy="2283917"/>
           </a:xfrm>
           <a:prstGeom prst="rect">
             <a:avLst/>
           </a:prstGeom>
-          <a:noFill/>
         </p:spPr>
-        <p:txBody>
-          <a:bodyPr wrap="square" rtlCol="0">
-            <a:spAutoFit/>
-          </a:bodyPr>
-          <a:lstStyle/>
-          <a:p>
-            <a:r>
-              <a:rPr lang="it-IT" dirty="0" err="1" smtClean="0">
-                <a:solidFill>
-                  <a:srgbClr val="FF0000"/>
-                </a:solidFill>
-              </a:rPr>
-              <a:t>toDO</a:t>
-            </a:r>
-            <a:r>
-              <a:rPr lang="it-IT" dirty="0" smtClean="0">
-                <a:solidFill>
-                  <a:srgbClr val="FF0000"/>
-                </a:solidFill>
-              </a:rPr>
-              <a:t>: ingrandire assi</a:t>
-            </a:r>
-            <a:endParaRPr lang="it-IT" dirty="0">
-              <a:solidFill>
-                <a:srgbClr val="FF0000"/>
-              </a:solidFill>
-            </a:endParaRPr>
-          </a:p>
-        </p:txBody>
-      </p:sp>
+      </p:pic>
     </p:spTree>
     <p:extLst>
       <p:ext uri="{BB962C8B-B14F-4D97-AF65-F5344CB8AC3E}">
@@ -14412,7 +14176,7 @@
 </p:sld>
 </file>
 
-<file path=ppt/slides/slide27.xml><?xml version="1.0" encoding="utf-8"?>
+<file path=ppt/slides/slide26.xml><?xml version="1.0" encoding="utf-8"?>
 <p:sld xmlns:a="http://schemas.openxmlformats.org/drawingml/2006/main" xmlns:r="http://schemas.openxmlformats.org/officeDocument/2006/relationships" xmlns:p="http://schemas.openxmlformats.org/presentationml/2006/main">
   <p:cSld>
     <p:spTree>
@@ -14824,7 +14588,7 @@
             <a:fld id="{C503DA3A-0C6B-48FC-931E-2C786AAFD5C1}" type="slidenum">
               <a:rPr lang="en-US" altLang="nl-NL" smtClean="0"/>
               <a:pPr/>
-              <a:t>27</a:t>
+              <a:t>26</a:t>
             </a:fld>
             <a:endParaRPr lang="en-US" altLang="nl-NL"/>
           </a:p>
@@ -14858,9 +14622,9 @@
       </p:sp>
       <p:pic>
         <p:nvPicPr>
-          <p:cNvPr id="2050" name="Picture 2" descr="https://lh5.googleusercontent.com/GMIVMYY1O8CGkm6z7mhR3S_hARxDr1o1M8SiGMxRFkniPhB64gLHui0PNT4CJSZxWzeaq60Z40ByCgl1M-NTrWS8U3se8wrDc-PBkziCROegcJLOuVn8Zke3uZ0U9ez4mEWjSIltVA"/>
+          <p:cNvPr id="6" name="Immagine 5"/>
           <p:cNvPicPr>
-            <a:picLocks noChangeAspect="1" noChangeArrowheads="1"/>
+            <a:picLocks noChangeAspect="1"/>
           </p:cNvPicPr>
           <p:nvPr/>
         </p:nvPicPr>
@@ -14872,81 +14636,329 @@
               </a:ext>
             </a:extLst>
           </a:blip>
-          <a:srcRect/>
           <a:stretch>
             <a:fillRect/>
           </a:stretch>
         </p:blipFill>
-        <p:spPr bwMode="auto">
+        <p:spPr>
           <a:xfrm>
-            <a:off x="5526026" y="969764"/>
-            <a:ext cx="3452293" cy="2930724"/>
+            <a:off x="5446492" y="969764"/>
+            <a:ext cx="3473457" cy="3083752"/>
           </a:xfrm>
           <a:prstGeom prst="rect">
             <a:avLst/>
           </a:prstGeom>
-          <a:noFill/>
-          <a:extLst>
-            <a:ext uri="{909E8E84-426E-40DD-AFC4-6F175D3DCCD1}">
-              <a14:hiddenFill xmlns:a14="http://schemas.microsoft.com/office/drawing/2010/main">
-                <a:solidFill>
-                  <a:srgbClr val="FFFFFF"/>
-                </a:solidFill>
-              </a14:hiddenFill>
-            </a:ext>
-          </a:extLst>
         </p:spPr>
       </p:pic>
-      <p:sp>
-        <p:nvSpPr>
-          <p:cNvPr id="7" name="CasellaDiTesto 6"/>
-          <p:cNvSpPr txBox="1"/>
-          <p:nvPr/>
-        </p:nvSpPr>
-        <p:spPr>
-          <a:xfrm>
-            <a:off x="5526026" y="2867322"/>
-            <a:ext cx="4408714" cy="461665"/>
-          </a:xfrm>
-          <a:prstGeom prst="rect">
-            <a:avLst/>
-          </a:prstGeom>
-          <a:noFill/>
-        </p:spPr>
-        <p:txBody>
-          <a:bodyPr wrap="square" rtlCol="0">
-            <a:spAutoFit/>
-          </a:bodyPr>
-          <a:lstStyle/>
-          <a:p>
-            <a:r>
-              <a:rPr lang="it-IT" dirty="0" err="1" smtClean="0">
-                <a:solidFill>
-                  <a:srgbClr val="FF0000"/>
-                </a:solidFill>
-              </a:rPr>
-              <a:t>toDO</a:t>
-            </a:r>
-            <a:r>
-              <a:rPr lang="it-IT" dirty="0" smtClean="0">
-                <a:solidFill>
-                  <a:srgbClr val="FF0000"/>
-                </a:solidFill>
-              </a:rPr>
-              <a:t>: ingrandire assi</a:t>
-            </a:r>
-            <a:endParaRPr lang="it-IT" dirty="0">
-              <a:solidFill>
-                <a:srgbClr val="FF0000"/>
-              </a:solidFill>
-            </a:endParaRPr>
-          </a:p>
-        </p:txBody>
-      </p:sp>
     </p:spTree>
     <p:extLst>
       <p:ext uri="{BB962C8B-B14F-4D97-AF65-F5344CB8AC3E}">
         <p14:creationId xmlns:p14="http://schemas.microsoft.com/office/powerpoint/2010/main" val="1195950186"/>
+      </p:ext>
+    </p:extLst>
+  </p:cSld>
+  <p:clrMapOvr>
+    <a:masterClrMapping/>
+  </p:clrMapOvr>
+  <p:timing>
+    <p:tnLst>
+      <p:par>
+        <p:cTn id="1" dur="indefinite" restart="never" nodeType="tmRoot"/>
+      </p:par>
+    </p:tnLst>
+  </p:timing>
+</p:sld>
+</file>
+
+<file path=ppt/slides/slide27.xml><?xml version="1.0" encoding="utf-8"?>
+<p:sld xmlns:a="http://schemas.openxmlformats.org/drawingml/2006/main" xmlns:r="http://schemas.openxmlformats.org/officeDocument/2006/relationships" xmlns:p="http://schemas.openxmlformats.org/presentationml/2006/main">
+  <p:cSld>
+    <p:spTree>
+      <p:nvGrpSpPr>
+        <p:cNvPr id="1" name=""/>
+        <p:cNvGrpSpPr/>
+        <p:nvPr/>
+      </p:nvGrpSpPr>
+      <p:grpSpPr>
+        <a:xfrm>
+          <a:off x="0" y="0"/>
+          <a:ext cx="0" cy="0"/>
+          <a:chOff x="0" y="0"/>
+          <a:chExt cx="0" cy="0"/>
+        </a:xfrm>
+      </p:grpSpPr>
+      <p:sp>
+        <p:nvSpPr>
+          <p:cNvPr id="2" name="Titolo 1"/>
+          <p:cNvSpPr>
+            <a:spLocks noGrp="1"/>
+          </p:cNvSpPr>
+          <p:nvPr>
+            <p:ph type="title"/>
+          </p:nvPr>
+        </p:nvSpPr>
+        <p:spPr/>
+        <p:txBody>
+          <a:bodyPr/>
+          <a:lstStyle/>
+          <a:p>
+            <a:r>
+              <a:rPr lang="it-IT" dirty="0" smtClean="0"/>
+              <a:t>Indice</a:t>
+            </a:r>
+            <a:endParaRPr lang="it-IT" dirty="0"/>
+          </a:p>
+        </p:txBody>
+      </p:sp>
+      <p:sp>
+        <p:nvSpPr>
+          <p:cNvPr id="3" name="Segnaposto contenuto 2"/>
+          <p:cNvSpPr>
+            <a:spLocks noGrp="1"/>
+          </p:cNvSpPr>
+          <p:nvPr>
+            <p:ph idx="1"/>
+          </p:nvPr>
+        </p:nvSpPr>
+        <p:spPr>
+          <a:xfrm>
+            <a:off x="685800" y="1042987"/>
+            <a:ext cx="7086600" cy="5510213"/>
+          </a:xfrm>
+        </p:spPr>
+        <p:txBody>
+          <a:bodyPr/>
+          <a:lstStyle/>
+          <a:p>
+            <a:r>
+              <a:rPr lang="it-IT" sz="2400" dirty="0">
+                <a:solidFill>
+                  <a:schemeClr val="bg2">
+                    <a:lumMod val="40000"/>
+                    <a:lumOff val="60000"/>
+                  </a:schemeClr>
+                </a:solidFill>
+              </a:rPr>
+              <a:t>Interferometria</a:t>
+            </a:r>
+          </a:p>
+          <a:p>
+            <a:pPr lvl="1"/>
+            <a:r>
+              <a:rPr lang="it-IT" sz="2000" dirty="0">
+                <a:solidFill>
+                  <a:schemeClr val="bg2">
+                    <a:lumMod val="40000"/>
+                    <a:lumOff val="60000"/>
+                  </a:schemeClr>
+                </a:solidFill>
+              </a:rPr>
+              <a:t>Interferometria a self-mixing</a:t>
+            </a:r>
+          </a:p>
+          <a:p>
+            <a:pPr lvl="1"/>
+            <a:r>
+              <a:rPr lang="it-IT" sz="2000" dirty="0">
+                <a:solidFill>
+                  <a:schemeClr val="bg2">
+                    <a:lumMod val="40000"/>
+                    <a:lumOff val="60000"/>
+                  </a:schemeClr>
+                </a:solidFill>
+              </a:rPr>
+              <a:t>Misura della distanza</a:t>
+            </a:r>
+          </a:p>
+          <a:p>
+            <a:r>
+              <a:rPr lang="it-IT" sz="2400" dirty="0">
+                <a:solidFill>
+                  <a:schemeClr val="bg2">
+                    <a:lumMod val="40000"/>
+                    <a:lumOff val="60000"/>
+                  </a:schemeClr>
+                </a:solidFill>
+              </a:rPr>
+              <a:t>Architettura hardware</a:t>
+            </a:r>
+          </a:p>
+          <a:p>
+            <a:pPr lvl="1"/>
+            <a:r>
+              <a:rPr lang="it-IT" sz="2000" dirty="0">
+                <a:solidFill>
+                  <a:schemeClr val="bg2">
+                    <a:lumMod val="40000"/>
+                    <a:lumOff val="60000"/>
+                  </a:schemeClr>
+                </a:solidFill>
+              </a:rPr>
+              <a:t>Sistema analogico</a:t>
+            </a:r>
+          </a:p>
+          <a:p>
+            <a:pPr lvl="1"/>
+            <a:r>
+              <a:rPr lang="it-IT" sz="2000" dirty="0">
+                <a:solidFill>
+                  <a:schemeClr val="bg2">
+                    <a:lumMod val="40000"/>
+                    <a:lumOff val="60000"/>
+                  </a:schemeClr>
+                </a:solidFill>
+              </a:rPr>
+              <a:t>Sistema di conversione</a:t>
+            </a:r>
+          </a:p>
+          <a:p>
+            <a:pPr lvl="1"/>
+            <a:r>
+              <a:rPr lang="it-IT" sz="2000" dirty="0">
+                <a:solidFill>
+                  <a:schemeClr val="bg2">
+                    <a:lumMod val="40000"/>
+                    <a:lumOff val="60000"/>
+                  </a:schemeClr>
+                </a:solidFill>
+              </a:rPr>
+              <a:t>Sistema digitale</a:t>
+            </a:r>
+          </a:p>
+          <a:p>
+            <a:r>
+              <a:rPr lang="it-IT" sz="2400" dirty="0">
+                <a:solidFill>
+                  <a:schemeClr val="bg2">
+                    <a:lumMod val="40000"/>
+                    <a:lumOff val="60000"/>
+                  </a:schemeClr>
+                </a:solidFill>
+              </a:rPr>
+              <a:t>Architettura software</a:t>
+            </a:r>
+          </a:p>
+          <a:p>
+            <a:pPr lvl="1"/>
+            <a:r>
+              <a:rPr lang="it-IT" sz="2000" dirty="0">
+                <a:solidFill>
+                  <a:schemeClr val="bg2">
+                    <a:lumMod val="40000"/>
+                    <a:lumOff val="60000"/>
+                  </a:schemeClr>
+                </a:solidFill>
+              </a:rPr>
+              <a:t>Dettagli implementativi</a:t>
+            </a:r>
+          </a:p>
+          <a:p>
+            <a:pPr lvl="1"/>
+            <a:r>
+              <a:rPr lang="it-IT" sz="2000" dirty="0" smtClean="0">
+                <a:solidFill>
+                  <a:schemeClr val="bg2">
+                    <a:lumMod val="40000"/>
+                    <a:lumOff val="60000"/>
+                  </a:schemeClr>
+                </a:solidFill>
+              </a:rPr>
+              <a:t>FPGA</a:t>
+            </a:r>
+          </a:p>
+          <a:p>
+            <a:pPr lvl="1"/>
+            <a:r>
+              <a:rPr lang="it-IT" sz="2000" dirty="0" smtClean="0">
+                <a:solidFill>
+                  <a:schemeClr val="bg2">
+                    <a:lumMod val="40000"/>
+                    <a:lumOff val="60000"/>
+                  </a:schemeClr>
+                </a:solidFill>
+              </a:rPr>
+              <a:t>Microcontrollore</a:t>
+            </a:r>
+            <a:endParaRPr lang="it-IT" sz="2000" dirty="0">
+              <a:solidFill>
+                <a:schemeClr val="bg2">
+                  <a:lumMod val="40000"/>
+                  <a:lumOff val="60000"/>
+                </a:schemeClr>
+              </a:solidFill>
+            </a:endParaRPr>
+          </a:p>
+          <a:p>
+            <a:pPr lvl="1"/>
+            <a:r>
+              <a:rPr lang="it-IT" sz="2000" dirty="0" smtClean="0">
+                <a:solidFill>
+                  <a:schemeClr val="bg2">
+                    <a:lumMod val="40000"/>
+                    <a:lumOff val="60000"/>
+                  </a:schemeClr>
+                </a:solidFill>
+              </a:rPr>
+              <a:t>Ottimizzazioni</a:t>
+            </a:r>
+            <a:endParaRPr lang="it-IT" sz="2000" dirty="0">
+              <a:solidFill>
+                <a:schemeClr val="bg2">
+                  <a:lumMod val="40000"/>
+                  <a:lumOff val="60000"/>
+                </a:schemeClr>
+              </a:solidFill>
+            </a:endParaRPr>
+          </a:p>
+          <a:p>
+            <a:r>
+              <a:rPr lang="it-IT" sz="2400" dirty="0">
+                <a:solidFill>
+                  <a:schemeClr val="bg2">
+                    <a:lumMod val="40000"/>
+                    <a:lumOff val="60000"/>
+                  </a:schemeClr>
+                </a:solidFill>
+              </a:rPr>
+              <a:t>Risultati sperimentali</a:t>
+            </a:r>
+          </a:p>
+          <a:p>
+            <a:r>
+              <a:rPr lang="it-IT" sz="2400" dirty="0"/>
+              <a:t>Conclusioni e sviluppi futuri</a:t>
+            </a:r>
+          </a:p>
+        </p:txBody>
+      </p:sp>
+      <p:sp>
+        <p:nvSpPr>
+          <p:cNvPr id="4" name="Segnaposto numero diapositiva 3"/>
+          <p:cNvSpPr>
+            <a:spLocks noGrp="1"/>
+          </p:cNvSpPr>
+          <p:nvPr>
+            <p:ph type="sldNum" sz="quarter" idx="11"/>
+          </p:nvPr>
+        </p:nvSpPr>
+        <p:spPr/>
+        <p:txBody>
+          <a:bodyPr/>
+          <a:lstStyle/>
+          <a:p>
+            <a:fld id="{C503DA3A-0C6B-48FC-931E-2C786AAFD5C1}" type="slidenum">
+              <a:rPr lang="en-US" altLang="nl-NL" smtClean="0"/>
+              <a:pPr/>
+              <a:t>27</a:t>
+            </a:fld>
+            <a:endParaRPr lang="en-US" altLang="nl-NL"/>
+          </a:p>
+        </p:txBody>
+      </p:sp>
+    </p:spTree>
+    <p:extLst>
+      <p:ext uri="{BB962C8B-B14F-4D97-AF65-F5344CB8AC3E}">
+        <p14:creationId xmlns:p14="http://schemas.microsoft.com/office/powerpoint/2010/main" val="2461533339"/>
       </p:ext>
     </p:extLst>
   </p:cSld>
@@ -14997,7 +15009,7 @@
           <a:p>
             <a:r>
               <a:rPr lang="it-IT" dirty="0" smtClean="0"/>
-              <a:t>Indice</a:t>
+              <a:t>Conclusioni e sviluppi futuri</a:t>
             </a:r>
             <a:endParaRPr lang="it-IT" dirty="0"/>
           </a:p>
@@ -15015,8 +15027,8 @@
         </p:nvSpPr>
         <p:spPr>
           <a:xfrm>
-            <a:off x="685800" y="1042987"/>
-            <a:ext cx="7086600" cy="5510213"/>
+            <a:off x="609600" y="1219200"/>
+            <a:ext cx="7772400" cy="4876800"/>
           </a:xfrm>
         </p:spPr>
         <p:txBody>
@@ -15024,203 +15036,91 @@
           <a:lstStyle/>
           <a:p>
             <a:r>
-              <a:rPr lang="it-IT" sz="2400" dirty="0">
-                <a:solidFill>
-                  <a:schemeClr val="bg2">
-                    <a:lumMod val="40000"/>
-                    <a:lumOff val="60000"/>
-                  </a:schemeClr>
-                </a:solidFill>
-              </a:rPr>
-              <a:t>Interferometria</a:t>
+              <a:rPr lang="it-IT" sz="2400" dirty="0" smtClean="0"/>
+              <a:t>I risultati ottenuti hanno portato alla realizzazione di uno strumento di misura con buone prestazioni e a basso costo</a:t>
+            </a:r>
+          </a:p>
+          <a:p>
+            <a:r>
+              <a:rPr lang="it-IT" sz="2400" dirty="0" smtClean="0"/>
+              <a:t> Lo strumento mostra</a:t>
+            </a:r>
+            <a:br>
+              <a:rPr lang="it-IT" sz="2400" dirty="0" smtClean="0"/>
+            </a:br>
+            <a:r>
+              <a:rPr lang="it-IT" sz="2400" dirty="0" smtClean="0"/>
+              <a:t> ancora alcuni limiti:</a:t>
             </a:r>
           </a:p>
           <a:p>
             <a:pPr lvl="1"/>
             <a:r>
-              <a:rPr lang="it-IT" sz="2000" dirty="0">
-                <a:solidFill>
-                  <a:schemeClr val="bg2">
-                    <a:lumMod val="40000"/>
-                    <a:lumOff val="60000"/>
-                  </a:schemeClr>
-                </a:solidFill>
-              </a:rPr>
-              <a:t>Interferometria a self-mixing</a:t>
-            </a:r>
+              <a:rPr lang="it-IT" sz="2000" dirty="0" smtClean="0"/>
+              <a:t>Frequenza di misura reale</a:t>
+            </a:r>
+            <a:br>
+              <a:rPr lang="it-IT" sz="2000" dirty="0" smtClean="0"/>
+            </a:br>
+            <a:r>
+              <a:rPr lang="it-IT" sz="2000" dirty="0" smtClean="0"/>
+              <a:t>inferiore a quella teorica</a:t>
+            </a:r>
+            <a:endParaRPr lang="it-IT" sz="2000" dirty="0"/>
           </a:p>
           <a:p>
             <a:pPr lvl="1"/>
             <a:r>
-              <a:rPr lang="it-IT" sz="2000" dirty="0">
-                <a:solidFill>
-                  <a:schemeClr val="bg2">
-                    <a:lumMod val="40000"/>
-                    <a:lumOff val="60000"/>
-                  </a:schemeClr>
-                </a:solidFill>
-              </a:rPr>
-              <a:t>Misura della distanza</a:t>
-            </a:r>
-          </a:p>
-          <a:p>
-            <a:r>
-              <a:rPr lang="it-IT" sz="2400" dirty="0">
-                <a:solidFill>
-                  <a:schemeClr val="bg2">
-                    <a:lumMod val="40000"/>
-                    <a:lumOff val="60000"/>
-                  </a:schemeClr>
-                </a:solidFill>
-              </a:rPr>
-              <a:t>Architettura hardware</a:t>
+              <a:rPr lang="it-IT" sz="2000" dirty="0" smtClean="0"/>
+              <a:t>Deriva termica</a:t>
+            </a:r>
+            <a:endParaRPr lang="it-IT" sz="2400" dirty="0" smtClean="0"/>
+          </a:p>
+          <a:p>
+            <a:r>
+              <a:rPr lang="it-IT" sz="2400" dirty="0" smtClean="0"/>
+              <a:t>Sviluppi futuri:</a:t>
             </a:r>
           </a:p>
           <a:p>
             <a:pPr lvl="1"/>
             <a:r>
-              <a:rPr lang="it-IT" sz="2000" dirty="0">
-                <a:solidFill>
-                  <a:schemeClr val="bg2">
-                    <a:lumMod val="40000"/>
-                    <a:lumOff val="60000"/>
-                  </a:schemeClr>
-                </a:solidFill>
-              </a:rPr>
-              <a:t>Sistema analogico</a:t>
+              <a:rPr lang="it-IT" sz="2000" dirty="0" smtClean="0"/>
+              <a:t>Scheda di prototipazione </a:t>
+            </a:r>
+            <a:br>
+              <a:rPr lang="it-IT" sz="2000" dirty="0" smtClean="0"/>
+            </a:br>
+            <a:r>
+              <a:rPr lang="it-IT" sz="2000" dirty="0" smtClean="0"/>
+              <a:t>più performante</a:t>
             </a:r>
           </a:p>
           <a:p>
             <a:pPr lvl="1"/>
             <a:r>
-              <a:rPr lang="it-IT" sz="2000" dirty="0">
-                <a:solidFill>
-                  <a:schemeClr val="bg2">
-                    <a:lumMod val="40000"/>
-                    <a:lumOff val="60000"/>
-                  </a:schemeClr>
-                </a:solidFill>
-              </a:rPr>
-              <a:t>Sistema di conversione</a:t>
+              <a:rPr lang="it-IT" sz="2000" dirty="0" smtClean="0"/>
+              <a:t>Controllore di temperatura</a:t>
             </a:r>
           </a:p>
           <a:p>
             <a:pPr lvl="1"/>
             <a:r>
-              <a:rPr lang="it-IT" sz="2000" dirty="0">
-                <a:solidFill>
-                  <a:schemeClr val="bg2">
-                    <a:lumMod val="40000"/>
-                    <a:lumOff val="60000"/>
-                  </a:schemeClr>
-                </a:solidFill>
-              </a:rPr>
-              <a:t>Sistema digitale</a:t>
-            </a:r>
-          </a:p>
-          <a:p>
-            <a:r>
-              <a:rPr lang="it-IT" sz="2400" dirty="0">
-                <a:solidFill>
-                  <a:schemeClr val="bg2">
-                    <a:lumMod val="40000"/>
-                    <a:lumOff val="60000"/>
-                  </a:schemeClr>
-                </a:solidFill>
-              </a:rPr>
-              <a:t>Architettura software</a:t>
+              <a:rPr lang="it-IT" sz="2000" dirty="0" smtClean="0"/>
+              <a:t>Misura della velocità</a:t>
             </a:r>
           </a:p>
           <a:p>
             <a:pPr lvl="1"/>
-            <a:r>
-              <a:rPr lang="it-IT" sz="2000" dirty="0">
-                <a:solidFill>
-                  <a:schemeClr val="bg2">
-                    <a:lumMod val="40000"/>
-                    <a:lumOff val="60000"/>
-                  </a:schemeClr>
-                </a:solidFill>
-              </a:rPr>
-              <a:t>Dettagli implementativi</a:t>
-            </a:r>
+            <a:endParaRPr lang="it-IT" sz="2000" dirty="0" smtClean="0"/>
           </a:p>
           <a:p>
             <a:pPr lvl="1"/>
-            <a:r>
-              <a:rPr lang="it-IT" sz="2000" dirty="0" smtClean="0">
-                <a:solidFill>
-                  <a:schemeClr val="bg2">
-                    <a:lumMod val="40000"/>
-                    <a:lumOff val="60000"/>
-                  </a:schemeClr>
-                </a:solidFill>
-              </a:rPr>
-              <a:t>FPGA</a:t>
-            </a:r>
+            <a:endParaRPr lang="it-IT" sz="2000" dirty="0" smtClean="0"/>
           </a:p>
           <a:p>
             <a:pPr lvl="1"/>
-            <a:r>
-              <a:rPr lang="it-IT" sz="2000" dirty="0" smtClean="0">
-                <a:solidFill>
-                  <a:schemeClr val="bg2">
-                    <a:lumMod val="40000"/>
-                    <a:lumOff val="60000"/>
-                  </a:schemeClr>
-                </a:solidFill>
-              </a:rPr>
-              <a:t>Microcontrollore</a:t>
-            </a:r>
-            <a:endParaRPr lang="it-IT" sz="2000" dirty="0">
-              <a:solidFill>
-                <a:schemeClr val="bg2">
-                  <a:lumMod val="40000"/>
-                  <a:lumOff val="60000"/>
-                </a:schemeClr>
-              </a:solidFill>
-            </a:endParaRPr>
-          </a:p>
-          <a:p>
-            <a:pPr lvl="1"/>
-            <a:r>
-              <a:rPr lang="it-IT" sz="2000" dirty="0" smtClean="0">
-                <a:solidFill>
-                  <a:schemeClr val="bg2">
-                    <a:lumMod val="40000"/>
-                    <a:lumOff val="60000"/>
-                  </a:schemeClr>
-                </a:solidFill>
-              </a:rPr>
-              <a:t>Ottimizzazioni</a:t>
-            </a:r>
-            <a:endParaRPr lang="it-IT" sz="2000" dirty="0">
-              <a:solidFill>
-                <a:schemeClr val="bg2">
-                  <a:lumMod val="40000"/>
-                  <a:lumOff val="60000"/>
-                </a:schemeClr>
-              </a:solidFill>
-            </a:endParaRPr>
-          </a:p>
-          <a:p>
-            <a:r>
-              <a:rPr lang="it-IT" sz="2400" dirty="0">
-                <a:solidFill>
-                  <a:schemeClr val="bg2">
-                    <a:lumMod val="40000"/>
-                    <a:lumOff val="60000"/>
-                  </a:schemeClr>
-                </a:solidFill>
-              </a:rPr>
-              <a:t>Risultati sperimentali</a:t>
-            </a:r>
-          </a:p>
-          <a:p>
-            <a:r>
-              <a:rPr lang="it-IT" sz="2400" dirty="0"/>
-              <a:t>Conclusioni e sviluppi futuri</a:t>
-            </a:r>
+            <a:endParaRPr lang="it-IT" sz="2000" dirty="0" smtClean="0"/>
           </a:p>
         </p:txBody>
       </p:sp>
@@ -15248,10 +15148,86 @@
           </a:p>
         </p:txBody>
       </p:sp>
+      <p:pic>
+        <p:nvPicPr>
+          <p:cNvPr id="7" name="Immagine 6"/>
+          <p:cNvPicPr>
+            <a:picLocks noChangeAspect="1"/>
+          </p:cNvPicPr>
+          <p:nvPr/>
+        </p:nvPicPr>
+        <p:blipFill>
+          <a:blip r:embed="rId2">
+            <a:extLst>
+              <a:ext uri="{28A0092B-C50C-407E-A947-70E740481C1C}">
+                <a14:useLocalDpi xmlns:a14="http://schemas.microsoft.com/office/drawing/2010/main" val="0"/>
+              </a:ext>
+            </a:extLst>
+          </a:blip>
+          <a:stretch>
+            <a:fillRect/>
+          </a:stretch>
+        </p:blipFill>
+        <p:spPr>
+          <a:xfrm>
+            <a:off x="4777314" y="2471832"/>
+            <a:ext cx="4014653" cy="2727698"/>
+          </a:xfrm>
+          <a:prstGeom prst="rect">
+            <a:avLst/>
+          </a:prstGeom>
+        </p:spPr>
+      </p:pic>
+      <p:sp>
+        <p:nvSpPr>
+          <p:cNvPr id="6" name="Ovale 5"/>
+          <p:cNvSpPr/>
+          <p:nvPr/>
+        </p:nvSpPr>
+        <p:spPr>
+          <a:xfrm>
+            <a:off x="5978392" y="4163920"/>
+            <a:ext cx="824178" cy="823782"/>
+          </a:xfrm>
+          <a:prstGeom prst="ellipse">
+            <a:avLst/>
+          </a:prstGeom>
+          <a:noFill/>
+          <a:ln>
+            <a:solidFill>
+              <a:srgbClr val="FF0000"/>
+            </a:solidFill>
+          </a:ln>
+        </p:spPr>
+        <p:style>
+          <a:lnRef idx="2">
+            <a:schemeClr val="accent3">
+              <a:shade val="50000"/>
+            </a:schemeClr>
+          </a:lnRef>
+          <a:fillRef idx="1">
+            <a:schemeClr val="accent3"/>
+          </a:fillRef>
+          <a:effectRef idx="0">
+            <a:schemeClr val="accent3"/>
+          </a:effectRef>
+          <a:fontRef idx="minor">
+            <a:schemeClr val="lt1"/>
+          </a:fontRef>
+        </p:style>
+        <p:txBody>
+          <a:bodyPr rtlCol="0" anchor="ctr"/>
+          <a:lstStyle/>
+          <a:p>
+            <a:pPr algn="ctr"/>
+            <a:endParaRPr lang="it-IT"/>
+          </a:p>
+        </p:txBody>
+      </p:sp>
     </p:spTree>
     <p:extLst>
       <p:ext uri="{BB962C8B-B14F-4D97-AF65-F5344CB8AC3E}">
-        <p14:creationId xmlns:p14="http://schemas.microsoft.com/office/powerpoint/2010/main" val="2461533339"/>
+        <p14:creationId xmlns:p14="http://schemas.microsoft.com/office/powerpoint/2010/main" val="781321479"/>
       </p:ext>
     </p:extLst>
   </p:cSld>
@@ -15287,138 +15263,6 @@
       </p:grpSpPr>
       <p:sp>
         <p:nvSpPr>
-          <p:cNvPr id="2" name="Titolo 1"/>
-          <p:cNvSpPr>
-            <a:spLocks noGrp="1"/>
-          </p:cNvSpPr>
-          <p:nvPr>
-            <p:ph type="title"/>
-          </p:nvPr>
-        </p:nvSpPr>
-        <p:spPr/>
-        <p:txBody>
-          <a:bodyPr/>
-          <a:lstStyle/>
-          <a:p>
-            <a:r>
-              <a:rPr lang="it-IT" dirty="0" smtClean="0"/>
-              <a:t>Conclusioni e sviluppi futuri</a:t>
-            </a:r>
-            <a:endParaRPr lang="it-IT" dirty="0"/>
-          </a:p>
-        </p:txBody>
-      </p:sp>
-      <p:sp>
-        <p:nvSpPr>
-          <p:cNvPr id="3" name="Segnaposto contenuto 2"/>
-          <p:cNvSpPr>
-            <a:spLocks noGrp="1"/>
-          </p:cNvSpPr>
-          <p:nvPr>
-            <p:ph idx="1"/>
-          </p:nvPr>
-        </p:nvSpPr>
-        <p:spPr>
-          <a:xfrm>
-            <a:off x="609600" y="1219200"/>
-            <a:ext cx="7772400" cy="4876800"/>
-          </a:xfrm>
-        </p:spPr>
-        <p:txBody>
-          <a:bodyPr/>
-          <a:lstStyle/>
-          <a:p>
-            <a:r>
-              <a:rPr lang="it-IT" sz="2400" dirty="0" smtClean="0"/>
-              <a:t>I risultati ottenuti hanno portato alla realizzazione di uno strumento di misura con buone prestazioni e a basso costo</a:t>
-            </a:r>
-          </a:p>
-          <a:p>
-            <a:r>
-              <a:rPr lang="it-IT" sz="2400" dirty="0" smtClean="0"/>
-              <a:t> Lo strumento mostra</a:t>
-            </a:r>
-            <a:br>
-              <a:rPr lang="it-IT" sz="2400" dirty="0" smtClean="0"/>
-            </a:br>
-            <a:r>
-              <a:rPr lang="it-IT" sz="2400" dirty="0" smtClean="0"/>
-              <a:t> ancora alcuni limiti:</a:t>
-            </a:r>
-          </a:p>
-          <a:p>
-            <a:pPr lvl="1"/>
-            <a:r>
-              <a:rPr lang="it-IT" sz="2000" dirty="0" smtClean="0"/>
-              <a:t>Frequenza di misura reale</a:t>
-            </a:r>
-            <a:br>
-              <a:rPr lang="it-IT" sz="2000" dirty="0" smtClean="0"/>
-            </a:br>
-            <a:r>
-              <a:rPr lang="it-IT" sz="2000" dirty="0" smtClean="0"/>
-              <a:t>inferiore a quella teorica</a:t>
-            </a:r>
-            <a:endParaRPr lang="it-IT" sz="2000" dirty="0"/>
-          </a:p>
-          <a:p>
-            <a:pPr lvl="1"/>
-            <a:r>
-              <a:rPr lang="it-IT" sz="2000" dirty="0" smtClean="0"/>
-              <a:t>Deriva termica</a:t>
-            </a:r>
-            <a:endParaRPr lang="it-IT" sz="2400" dirty="0" smtClean="0"/>
-          </a:p>
-          <a:p>
-            <a:r>
-              <a:rPr lang="it-IT" sz="2400" dirty="0" smtClean="0"/>
-              <a:t>Sviluppi futuri:</a:t>
-            </a:r>
-          </a:p>
-          <a:p>
-            <a:pPr lvl="1"/>
-            <a:r>
-              <a:rPr lang="it-IT" sz="2000" dirty="0" smtClean="0"/>
-              <a:t>Scheda di prototipazione </a:t>
-            </a:r>
-            <a:br>
-              <a:rPr lang="it-IT" sz="2000" dirty="0" smtClean="0"/>
-            </a:br>
-            <a:r>
-              <a:rPr lang="it-IT" sz="2000" dirty="0" smtClean="0"/>
-              <a:t>più performante</a:t>
-            </a:r>
-          </a:p>
-          <a:p>
-            <a:pPr lvl="1"/>
-            <a:r>
-              <a:rPr lang="it-IT" sz="2000" dirty="0" smtClean="0"/>
-              <a:t>Controllore di temperatura</a:t>
-            </a:r>
-          </a:p>
-          <a:p>
-            <a:pPr lvl="1"/>
-            <a:r>
-              <a:rPr lang="it-IT" sz="2000" dirty="0" smtClean="0"/>
-              <a:t>Misura della velocità</a:t>
-            </a:r>
-          </a:p>
-          <a:p>
-            <a:pPr lvl="1"/>
-            <a:endParaRPr lang="it-IT" sz="2000" dirty="0" smtClean="0"/>
-          </a:p>
-          <a:p>
-            <a:pPr lvl="1"/>
-            <a:endParaRPr lang="it-IT" sz="2000" dirty="0" smtClean="0"/>
-          </a:p>
-          <a:p>
-            <a:pPr lvl="1"/>
-            <a:endParaRPr lang="it-IT" sz="2000" dirty="0" smtClean="0"/>
-          </a:p>
-        </p:txBody>
-      </p:sp>
-      <p:sp>
-        <p:nvSpPr>
           <p:cNvPr id="4" name="Segnaposto numero diapositiva 3"/>
           <p:cNvSpPr>
             <a:spLocks noGrp="1"/>
@@ -15441,97 +15285,41 @@
           </a:p>
         </p:txBody>
       </p:sp>
-      <p:pic>
-        <p:nvPicPr>
-          <p:cNvPr id="3074" name="Picture 2" descr="5_90cm_no_gauss.png"/>
-          <p:cNvPicPr>
-            <a:picLocks noChangeAspect="1" noChangeArrowheads="1"/>
-          </p:cNvPicPr>
-          <p:nvPr/>
-        </p:nvPicPr>
-        <p:blipFill>
-          <a:blip r:embed="rId2">
-            <a:extLst>
-              <a:ext uri="{28A0092B-C50C-407E-A947-70E740481C1C}">
-                <a14:useLocalDpi xmlns:a14="http://schemas.microsoft.com/office/drawing/2010/main" val="0"/>
-              </a:ext>
-            </a:extLst>
-          </a:blip>
-          <a:srcRect/>
-          <a:stretch>
-            <a:fillRect/>
-          </a:stretch>
-        </p:blipFill>
-        <p:spPr bwMode="auto">
-          <a:xfrm>
-            <a:off x="5016084" y="2511420"/>
-            <a:ext cx="3806939" cy="2542120"/>
-          </a:xfrm>
-          <a:prstGeom prst="rect">
-            <a:avLst/>
-          </a:prstGeom>
-          <a:noFill/>
-          <a:extLst>
-            <a:ext uri="{909E8E84-426E-40DD-AFC4-6F175D3DCCD1}">
-              <a14:hiddenFill xmlns:a14="http://schemas.microsoft.com/office/drawing/2010/main">
-                <a:solidFill>
-                  <a:srgbClr val="FFFFFF"/>
-                </a:solidFill>
-              </a14:hiddenFill>
-            </a:ext>
-          </a:extLst>
-        </p:spPr>
-      </p:pic>
-      <p:sp>
-        <p:nvSpPr>
-          <p:cNvPr id="6" name="Ovale 5"/>
-          <p:cNvSpPr/>
-          <p:nvPr/>
+      <p:sp>
+        <p:nvSpPr>
+          <p:cNvPr id="5" name="Segnaposto contenuto 4"/>
+          <p:cNvSpPr>
+            <a:spLocks noGrp="1"/>
+          </p:cNvSpPr>
+          <p:nvPr>
+            <p:ph idx="1"/>
+          </p:nvPr>
         </p:nvSpPr>
         <p:spPr>
           <a:xfrm>
-            <a:off x="5960463" y="4199778"/>
-            <a:ext cx="824178" cy="823782"/>
+            <a:off x="761219" y="4514383"/>
+            <a:ext cx="7158038" cy="985837"/>
           </a:xfrm>
-          <a:prstGeom prst="ellipse">
-            <a:avLst/>
-          </a:prstGeom>
-          <a:noFill/>
-          <a:ln>
-            <a:solidFill>
-              <a:schemeClr val="accent2"/>
-            </a:solidFill>
-          </a:ln>
         </p:spPr>
-        <p:style>
-          <a:lnRef idx="2">
-            <a:schemeClr val="accent3">
-              <a:shade val="50000"/>
-            </a:schemeClr>
-          </a:lnRef>
-          <a:fillRef idx="1">
-            <a:schemeClr val="accent3"/>
-          </a:fillRef>
-          <a:effectRef idx="0">
-            <a:schemeClr val="accent3"/>
-          </a:effectRef>
-          <a:fontRef idx="minor">
-            <a:schemeClr val="lt1"/>
-          </a:fontRef>
-        </p:style>
-        <p:txBody>
-          <a:bodyPr rtlCol="0" anchor="ctr"/>
+        <p:txBody>
+          <a:bodyPr/>
           <a:lstStyle/>
           <a:p>
-            <a:pPr algn="ctr"/>
-            <a:endParaRPr lang="it-IT"/>
+            <a:pPr marL="0" indent="0">
+              <a:buNone/>
+            </a:pPr>
+            <a:r>
+              <a:rPr lang="it-IT" sz="4800" dirty="0" smtClean="0"/>
+              <a:t>Grazie per l’attenzione</a:t>
+            </a:r>
+            <a:endParaRPr lang="it-IT" sz="2400" dirty="0"/>
           </a:p>
         </p:txBody>
       </p:sp>
     </p:spTree>
     <p:extLst>
       <p:ext uri="{BB962C8B-B14F-4D97-AF65-F5344CB8AC3E}">
-        <p14:creationId xmlns:p14="http://schemas.microsoft.com/office/powerpoint/2010/main" val="781321479"/>
+        <p14:creationId xmlns:p14="http://schemas.microsoft.com/office/powerpoint/2010/main" val="1960709859"/>
       </p:ext>
     </p:extLst>
   </p:cSld>
@@ -15988,9 +15776,10 @@
               <a:buChar char="•"/>
             </a:pPr>
             <a:r>
-              <a:rPr lang="it-IT" sz="2000" dirty="0"/>
-              <a:t>Fotodiodo</a:t>
-            </a:r>
+              <a:rPr lang="it-IT" sz="2000" dirty="0" smtClean="0"/>
+              <a:t>Fotodiodo di monitor</a:t>
+            </a:r>
+            <a:endParaRPr lang="it-IT" sz="2000" dirty="0"/>
           </a:p>
           <a:p>
             <a:r>
@@ -16007,11 +15796,7 @@
             </a:r>
             <a:r>
               <a:rPr lang="it-IT" sz="2400" dirty="0" smtClean="0"/>
-              <a:t>una corrente che contiene l’informazione sullo spostamento del </a:t>
-            </a:r>
-            <a:r>
-              <a:rPr lang="it-IT" sz="2400" dirty="0" smtClean="0"/>
-              <a:t>bersaglio</a:t>
+              <a:t>una corrente che contiene l’informazione sullo spostamento del bersaglio</a:t>
             </a:r>
             <a:endParaRPr lang="it-IT" sz="2400" kern="0" dirty="0"/>
           </a:p>
@@ -16244,11 +16029,11 @@
             </a:r>
             <a:r>
               <a:rPr lang="it-IT" sz="2400" b="1" kern="0" dirty="0" smtClean="0"/>
-              <a:t>Difficile</a:t>
+              <a:t>Difficile </a:t>
             </a:r>
             <a:r>
               <a:rPr lang="it-IT" sz="2400" kern="0" dirty="0" smtClean="0"/>
-              <a:t> realizzazione</a:t>
+              <a:t>da realizzare</a:t>
             </a:r>
             <a:endParaRPr lang="it-IT" sz="2400" kern="0" dirty="0"/>
           </a:p>
@@ -16258,98 +16043,6 @@
     <p:extLst>
       <p:ext uri="{BB962C8B-B14F-4D97-AF65-F5344CB8AC3E}">
         <p14:creationId xmlns:p14="http://schemas.microsoft.com/office/powerpoint/2010/main" val="4012385140"/>
-      </p:ext>
-    </p:extLst>
-  </p:cSld>
-  <p:clrMapOvr>
-    <a:masterClrMapping/>
-  </p:clrMapOvr>
-  <p:timing>
-    <p:tnLst>
-      <p:par>
-        <p:cTn id="1" dur="indefinite" restart="never" nodeType="tmRoot"/>
-      </p:par>
-    </p:tnLst>
-  </p:timing>
-</p:sld>
-</file>
-
-<file path=ppt/slides/slide30.xml><?xml version="1.0" encoding="utf-8"?>
-<p:sld xmlns:a="http://schemas.openxmlformats.org/drawingml/2006/main" xmlns:r="http://schemas.openxmlformats.org/officeDocument/2006/relationships" xmlns:p="http://schemas.openxmlformats.org/presentationml/2006/main">
-  <p:cSld>
-    <p:spTree>
-      <p:nvGrpSpPr>
-        <p:cNvPr id="1" name=""/>
-        <p:cNvGrpSpPr/>
-        <p:nvPr/>
-      </p:nvGrpSpPr>
-      <p:grpSpPr>
-        <a:xfrm>
-          <a:off x="0" y="0"/>
-          <a:ext cx="0" cy="0"/>
-          <a:chOff x="0" y="0"/>
-          <a:chExt cx="0" cy="0"/>
-        </a:xfrm>
-      </p:grpSpPr>
-      <p:sp>
-        <p:nvSpPr>
-          <p:cNvPr id="4" name="Segnaposto numero diapositiva 3"/>
-          <p:cNvSpPr>
-            <a:spLocks noGrp="1"/>
-          </p:cNvSpPr>
-          <p:nvPr>
-            <p:ph type="sldNum" sz="quarter" idx="11"/>
-          </p:nvPr>
-        </p:nvSpPr>
-        <p:spPr/>
-        <p:txBody>
-          <a:bodyPr/>
-          <a:lstStyle/>
-          <a:p>
-            <a:fld id="{C503DA3A-0C6B-48FC-931E-2C786AAFD5C1}" type="slidenum">
-              <a:rPr lang="en-US" altLang="nl-NL" smtClean="0"/>
-              <a:pPr/>
-              <a:t>30</a:t>
-            </a:fld>
-            <a:endParaRPr lang="en-US" altLang="nl-NL"/>
-          </a:p>
-        </p:txBody>
-      </p:sp>
-      <p:sp>
-        <p:nvSpPr>
-          <p:cNvPr id="5" name="Segnaposto contenuto 4"/>
-          <p:cNvSpPr>
-            <a:spLocks noGrp="1"/>
-          </p:cNvSpPr>
-          <p:nvPr>
-            <p:ph idx="1"/>
-          </p:nvPr>
-        </p:nvSpPr>
-        <p:spPr>
-          <a:xfrm>
-            <a:off x="761219" y="4514383"/>
-            <a:ext cx="7158038" cy="985837"/>
-          </a:xfrm>
-        </p:spPr>
-        <p:txBody>
-          <a:bodyPr/>
-          <a:lstStyle/>
-          <a:p>
-            <a:pPr marL="0" indent="0">
-              <a:buNone/>
-            </a:pPr>
-            <a:r>
-              <a:rPr lang="it-IT" sz="4800" dirty="0" smtClean="0"/>
-              <a:t>Grazie per l’attenzione</a:t>
-            </a:r>
-            <a:endParaRPr lang="it-IT" sz="2400" dirty="0"/>
-          </a:p>
-        </p:txBody>
-      </p:sp>
-    </p:spTree>
-    <p:extLst>
-      <p:ext uri="{BB962C8B-B14F-4D97-AF65-F5344CB8AC3E}">
-        <p14:creationId xmlns:p14="http://schemas.microsoft.com/office/powerpoint/2010/main" val="1960709859"/>
       </p:ext>
     </p:extLst>
   </p:cSld>
@@ -16498,7 +16191,6 @@
               <a:rPr lang="it-IT" sz="2000" dirty="0" smtClean="0"/>
               <a:t>di monitor</a:t>
             </a:r>
-            <a:endParaRPr lang="it-IT" sz="2000" dirty="0" smtClean="0"/>
           </a:p>
           <a:p>
             <a:pPr lvl="1"/>
@@ -16638,33 +16330,259 @@
           <a:chExt cx="0" cy="0"/>
         </a:xfrm>
       </p:grpSpPr>
-      <p:sp>
-        <p:nvSpPr>
-          <p:cNvPr id="3" name="Segnaposto contenuto 2"/>
-          <p:cNvSpPr>
-            <a:spLocks noGrp="1"/>
-          </p:cNvSpPr>
-          <p:nvPr>
-            <p:ph idx="1"/>
-          </p:nvPr>
-        </p:nvSpPr>
-        <p:spPr/>
-        <p:txBody>
-          <a:bodyPr/>
-          <a:lstStyle/>
-          <a:p>
-            <a:r>
-              <a:rPr lang="it-IT" sz="2400" dirty="0" smtClean="0"/>
-              <a:t>Il segnale di corrente generato dal fotodiodo di monitor è chiamato </a:t>
-            </a:r>
-            <a:r>
-              <a:rPr lang="it-IT" sz="2400" b="1" dirty="0" smtClean="0"/>
-              <a:t>segnale interferometrico</a:t>
-            </a:r>
-            <a:endParaRPr lang="it-IT" sz="2400" b="1" dirty="0"/>
-          </a:p>
-        </p:txBody>
-      </p:sp>
+      <mc:AlternateContent xmlns:mc="http://schemas.openxmlformats.org/markup-compatibility/2006">
+        <mc:Choice xmlns:a14="http://schemas.microsoft.com/office/drawing/2010/main" Requires="a14">
+          <p:sp>
+            <p:nvSpPr>
+              <p:cNvPr id="3" name="Segnaposto contenuto 2"/>
+              <p:cNvSpPr>
+                <a:spLocks noGrp="1"/>
+              </p:cNvSpPr>
+              <p:nvPr>
+                <p:ph idx="1"/>
+              </p:nvPr>
+            </p:nvSpPr>
+            <p:spPr>
+              <a:xfrm>
+                <a:off x="609600" y="952420"/>
+                <a:ext cx="8534400" cy="5403410"/>
+              </a:xfrm>
+            </p:spPr>
+            <p:txBody>
+              <a:bodyPr/>
+              <a:lstStyle/>
+              <a:p>
+                <a:r>
+                  <a:rPr lang="it-IT" sz="2400" dirty="0" smtClean="0"/>
+                  <a:t>Il segnale di corrente generato dal </a:t>
+                </a:r>
+                <a:r>
+                  <a:rPr lang="it-IT" sz="2400" dirty="0" smtClean="0"/>
+                  <a:t>fotodiodo è chiamato </a:t>
+                </a:r>
+                <a:r>
+                  <a:rPr lang="it-IT" sz="2400" b="1" dirty="0" smtClean="0"/>
+                  <a:t>segnale interferometrico</a:t>
+                </a:r>
+              </a:p>
+              <a:p>
+                <a:r>
+                  <a:rPr lang="it-IT" sz="2400" dirty="0" smtClean="0"/>
+                  <a:t>L’informazione </a:t>
+                </a:r>
+                <a:r>
+                  <a:rPr lang="it-IT" sz="2400" dirty="0"/>
+                  <a:t>sullo </a:t>
+                </a:r>
+                <a:r>
+                  <a:rPr lang="it-IT" sz="2400" dirty="0" smtClean="0"/>
+                  <a:t>spostamento del bersaglio è contenuta nel</a:t>
+                </a:r>
+                <a:r>
+                  <a:rPr lang="it-IT" sz="2400" dirty="0"/>
+                  <a:t>l</a:t>
+                </a:r>
+                <a:r>
+                  <a:rPr lang="it-IT" sz="2400" dirty="0" smtClean="0"/>
+                  <a:t>a </a:t>
+                </a:r>
+                <a:r>
+                  <a:rPr lang="it-IT" sz="2400" b="1" dirty="0" smtClean="0"/>
+                  <a:t>variazione di fase</a:t>
+                </a:r>
+              </a:p>
+              <a:p>
+                <a:pPr marL="0" indent="0" algn="ctr">
+                  <a:buNone/>
+                </a:pPr>
+                <a:r>
+                  <a:rPr lang="it-IT" sz="2400" b="1" dirty="0" smtClean="0"/>
+                  <a:t> </a:t>
+                </a:r>
+                <a:r>
+                  <a:rPr lang="it-IT" sz="2400" dirty="0" smtClean="0"/>
+                  <a:t> </a:t>
+                </a:r>
+                <a14:m>
+                  <m:oMath xmlns:m="http://schemas.openxmlformats.org/officeDocument/2006/math">
+                    <m:r>
+                      <a:rPr lang="it-IT" sz="2400" i="1">
+                        <a:latin typeface="Cambria Math" charset="0"/>
+                      </a:rPr>
+                      <m:t>𝜙</m:t>
+                    </m:r>
+                    <m:r>
+                      <a:rPr lang="it-IT" sz="2400" i="1">
+                        <a:latin typeface="Cambria Math" charset="0"/>
+                      </a:rPr>
+                      <m:t>=2</m:t>
+                    </m:r>
+                    <m:f>
+                      <m:fPr>
+                        <m:ctrlPr>
+                          <a:rPr lang="it-IT" sz="2400" i="1">
+                            <a:latin typeface="Cambria Math" charset="0"/>
+                          </a:rPr>
+                        </m:ctrlPr>
+                      </m:fPr>
+                      <m:num>
+                        <m:r>
+                          <a:rPr lang="it-IT" sz="2400" i="1">
+                            <a:latin typeface="Cambria Math" charset="0"/>
+                          </a:rPr>
+                          <m:t>2</m:t>
+                        </m:r>
+                        <m:r>
+                          <a:rPr lang="it-IT" sz="2400" i="1">
+                            <a:latin typeface="Cambria Math" charset="0"/>
+                          </a:rPr>
+                          <m:t>𝜋</m:t>
+                        </m:r>
+                      </m:num>
+                      <m:den>
+                        <m:r>
+                          <a:rPr lang="it-IT" sz="2400" i="1">
+                            <a:latin typeface="Cambria Math" charset="0"/>
+                          </a:rPr>
+                          <m:t>𝜆</m:t>
+                        </m:r>
+                      </m:den>
+                    </m:f>
+                    <m:r>
+                      <a:rPr lang="it-IT" sz="2400" i="1">
+                        <a:latin typeface="Cambria Math" charset="0"/>
+                      </a:rPr>
+                      <m:t>𝑠</m:t>
+                    </m:r>
+                  </m:oMath>
+                </a14:m>
+                <a:r>
+                  <a:rPr lang="it-IT" sz="2400" b="1" dirty="0" smtClean="0"/>
+                  <a:t>  </a:t>
+                </a:r>
+              </a:p>
+              <a:p>
+                <a:r>
+                  <a:rPr lang="it-IT" sz="2400" dirty="0" smtClean="0"/>
+                  <a:t>Il segnale è </a:t>
+                </a:r>
+                <a:r>
+                  <a:rPr lang="it-IT" sz="2400" b="1" dirty="0" smtClean="0"/>
+                  <a:t>periodico</a:t>
+                </a:r>
+                <a:r>
+                  <a:rPr lang="it-IT" sz="2400" dirty="0" smtClean="0"/>
+                  <a:t> per variazioni di fase </a:t>
+                </a:r>
+                <a:r>
+                  <a:rPr lang="it-IT" sz="2400" dirty="0"/>
+                  <a:t>pari a </a:t>
+                </a:r>
+                <a:r>
+                  <a:rPr lang="it-IT" sz="2400" b="1" dirty="0" smtClean="0"/>
+                  <a:t>2</a:t>
+                </a:r>
+                <a:r>
+                  <a:rPr lang="el-GR" sz="2400" b="1" dirty="0" smtClean="0"/>
+                  <a:t>π</a:t>
+                </a:r>
+                <a:endParaRPr lang="it-IT" sz="2400" b="1" dirty="0" smtClean="0"/>
+              </a:p>
+              <a:p>
+                <a:pPr marL="0" indent="0">
+                  <a:buNone/>
+                </a:pPr>
+                <a:endParaRPr lang="it-IT" sz="2400" dirty="0" smtClean="0"/>
+              </a:p>
+              <a:p>
+                <a:pPr marL="0" indent="0">
+                  <a:buNone/>
+                </a:pPr>
+                <a:endParaRPr lang="it-IT" sz="2400" dirty="0"/>
+              </a:p>
+              <a:p>
+                <a:pPr marL="0" indent="0">
+                  <a:buNone/>
+                </a:pPr>
+                <a:r>
+                  <a:rPr lang="it-IT" sz="2400" dirty="0"/>
+                  <a:t/>
+                </a:r>
+                <a:br>
+                  <a:rPr lang="it-IT" sz="2400" dirty="0"/>
+                </a:br>
+                <a:endParaRPr lang="it-IT" sz="2400" dirty="0" smtClean="0"/>
+              </a:p>
+              <a:p>
+                <a:pPr marL="0" indent="0">
+                  <a:buNone/>
+                </a:pPr>
+                <a:endParaRPr lang="it-IT" sz="2400" dirty="0" smtClean="0"/>
+              </a:p>
+              <a:p>
+                <a:r>
+                  <a:rPr lang="it-IT" sz="2400" dirty="0" smtClean="0"/>
+                  <a:t>Ogni </a:t>
+                </a:r>
+                <a:r>
+                  <a:rPr lang="it-IT" sz="2400" b="1" dirty="0"/>
+                  <a:t>frangia</a:t>
+                </a:r>
+                <a:r>
+                  <a:rPr lang="it-IT" sz="2400" dirty="0"/>
+                  <a:t> corrisponde ad uno spostamento di </a:t>
+                </a:r>
+                <a:r>
+                  <a:rPr lang="it-IT" sz="2400" b="1" dirty="0" err="1" smtClean="0"/>
+                  <a:t>λ</a:t>
+                </a:r>
+                <a:r>
+                  <a:rPr lang="it-IT" sz="2400" b="1" dirty="0" smtClean="0"/>
+                  <a:t>/2</a:t>
+                </a:r>
+                <a:endParaRPr lang="it-IT" sz="2400" dirty="0"/>
+              </a:p>
+            </p:txBody>
+          </p:sp>
+        </mc:Choice>
+        <mc:Fallback>
+          <p:sp>
+            <p:nvSpPr>
+              <p:cNvPr id="3" name="Segnaposto contenuto 2"/>
+              <p:cNvSpPr>
+                <a:spLocks noGrp="1" noRot="1" noChangeAspect="1" noMove="1" noResize="1" noEditPoints="1" noAdjustHandles="1" noChangeArrowheads="1" noChangeShapeType="1" noTextEdit="1"/>
+              </p:cNvSpPr>
+              <p:nvPr>
+                <p:ph idx="1"/>
+              </p:nvPr>
+            </p:nvSpPr>
+            <p:spPr>
+              <a:xfrm>
+                <a:off x="609600" y="952420"/>
+                <a:ext cx="8534400" cy="5403410"/>
+              </a:xfrm>
+              <a:blipFill rotWithShape="0">
+                <a:blip r:embed="rId2"/>
+                <a:stretch>
+                  <a:fillRect l="-1000" t="-902" r="-500"/>
+                </a:stretch>
+              </a:blipFill>
+            </p:spPr>
+            <p:txBody>
+              <a:bodyPr/>
+              <a:lstStyle/>
+              <a:p>
+                <a:r>
+                  <a:rPr lang="it-IT">
+                    <a:noFill/>
+                  </a:rPr>
+                  <a:t> </a:t>
+                </a:r>
+              </a:p>
+            </p:txBody>
+          </p:sp>
+        </mc:Fallback>
+      </mc:AlternateContent>
       <p:sp>
         <p:nvSpPr>
           <p:cNvPr id="4" name="Segnaposto numero diapositiva 3"/>
@@ -16716,16 +16634,167 @@
           </a:p>
         </p:txBody>
       </p:sp>
-      <p:sp>
-        <p:nvSpPr>
-          <p:cNvPr id="6" name="CasellaDiTesto 5"/>
+      <p:pic>
+        <p:nvPicPr>
+          <p:cNvPr id="7" name="Picture 2" descr="D:\Magnani\Dottorato\Corsi\Corso Matriciani\Pers_Matri_final\Immagine2.bmp"/>
+          <p:cNvPicPr>
+            <a:picLocks noChangeAspect="1" noChangeArrowheads="1"/>
+          </p:cNvPicPr>
+          <p:nvPr/>
+        </p:nvPicPr>
+        <p:blipFill>
+          <a:blip r:embed="rId3">
+            <a:extLst>
+              <a:ext uri="{28A0092B-C50C-407E-A947-70E740481C1C}">
+                <a14:useLocalDpi xmlns:a14="http://schemas.microsoft.com/office/drawing/2010/main" val="0"/>
+              </a:ext>
+            </a:extLst>
+          </a:blip>
+          <a:srcRect l="3043" r="2985" b="6091"/>
+          <a:stretch>
+            <a:fillRect/>
+          </a:stretch>
+        </p:blipFill>
+        <p:spPr bwMode="auto">
+          <a:xfrm>
+            <a:off x="656731" y="4029260"/>
+            <a:ext cx="3514025" cy="1552823"/>
+          </a:xfrm>
+          <a:prstGeom prst="rect">
+            <a:avLst/>
+          </a:prstGeom>
+          <a:noFill/>
+          <a:ln>
+            <a:noFill/>
+          </a:ln>
+          <a:extLst>
+            <a:ext uri="{909E8E84-426E-40DD-AFC4-6F175D3DCCD1}">
+              <a14:hiddenFill xmlns:a14="http://schemas.microsoft.com/office/drawing/2010/main">
+                <a:solidFill>
+                  <a:srgbClr val="FFFFFF"/>
+                </a:solidFill>
+              </a14:hiddenFill>
+            </a:ext>
+            <a:ext uri="{91240B29-F687-4F45-9708-019B960494DF}">
+              <a14:hiddenLine xmlns:a14="http://schemas.microsoft.com/office/drawing/2010/main" w="9525">
+                <a:solidFill>
+                  <a:srgbClr val="000000"/>
+                </a:solidFill>
+                <a:miter lim="800000"/>
+                <a:headEnd/>
+                <a:tailEnd/>
+              </a14:hiddenLine>
+            </a:ext>
+          </a:extLst>
+        </p:spPr>
+      </p:pic>
+      <p:pic>
+        <p:nvPicPr>
+          <p:cNvPr id="8" name="Picture 3" descr="D:\Magnani\Dottorato\Corsi\Corso Matriciani\Pers_Matri_final\Immagine4.bmp"/>
+          <p:cNvPicPr>
+            <a:picLocks noChangeAspect="1" noChangeArrowheads="1"/>
+          </p:cNvPicPr>
+          <p:nvPr/>
+        </p:nvPicPr>
+        <p:blipFill>
+          <a:blip r:embed="rId4">
+            <a:extLst>
+              <a:ext uri="{28A0092B-C50C-407E-A947-70E740481C1C}">
+                <a14:useLocalDpi xmlns:a14="http://schemas.microsoft.com/office/drawing/2010/main" val="0"/>
+              </a:ext>
+            </a:extLst>
+          </a:blip>
+          <a:srcRect l="2785" t="8304" r="2472"/>
+          <a:stretch>
+            <a:fillRect/>
+          </a:stretch>
+        </p:blipFill>
+        <p:spPr bwMode="auto">
+          <a:xfrm>
+            <a:off x="5346984" y="4171248"/>
+            <a:ext cx="3540937" cy="1489178"/>
+          </a:xfrm>
+          <a:prstGeom prst="rect">
+            <a:avLst/>
+          </a:prstGeom>
+          <a:noFill/>
+          <a:ln>
+            <a:noFill/>
+          </a:ln>
+          <a:extLst>
+            <a:ext uri="{909E8E84-426E-40DD-AFC4-6F175D3DCCD1}">
+              <a14:hiddenFill xmlns:a14="http://schemas.microsoft.com/office/drawing/2010/main">
+                <a:solidFill>
+                  <a:srgbClr val="FFFFFF"/>
+                </a:solidFill>
+              </a14:hiddenFill>
+            </a:ext>
+            <a:ext uri="{91240B29-F687-4F45-9708-019B960494DF}">
+              <a14:hiddenLine xmlns:a14="http://schemas.microsoft.com/office/drawing/2010/main" w="9525">
+                <a:solidFill>
+                  <a:srgbClr val="000000"/>
+                </a:solidFill>
+                <a:miter lim="800000"/>
+                <a:headEnd/>
+                <a:tailEnd/>
+              </a14:hiddenLine>
+            </a:ext>
+          </a:extLst>
+        </p:spPr>
+      </p:pic>
+      <p:sp>
+        <p:nvSpPr>
+          <p:cNvPr id="2" name="Freccia destra 1"/>
+          <p:cNvSpPr/>
+          <p:nvPr/>
+        </p:nvSpPr>
+        <p:spPr>
+          <a:xfrm>
+            <a:off x="4215726" y="4627743"/>
+            <a:ext cx="1176228" cy="514350"/>
+          </a:xfrm>
+          <a:prstGeom prst="rightArrow">
+            <a:avLst/>
+          </a:prstGeom>
+          <a:solidFill>
+            <a:srgbClr val="003266"/>
+          </a:solidFill>
+        </p:spPr>
+        <p:style>
+          <a:lnRef idx="2">
+            <a:schemeClr val="accent6">
+              <a:shade val="50000"/>
+            </a:schemeClr>
+          </a:lnRef>
+          <a:fillRef idx="1">
+            <a:schemeClr val="accent6"/>
+          </a:fillRef>
+          <a:effectRef idx="0">
+            <a:schemeClr val="accent6"/>
+          </a:effectRef>
+          <a:fontRef idx="minor">
+            <a:schemeClr val="lt1"/>
+          </a:fontRef>
+        </p:style>
+        <p:txBody>
+          <a:bodyPr rtlCol="0" anchor="ctr"/>
+          <a:lstStyle/>
+          <a:p>
+            <a:pPr algn="ctr"/>
+            <a:endParaRPr lang="it-IT"/>
+          </a:p>
+        </p:txBody>
+      </p:sp>
+      <p:sp>
+        <p:nvSpPr>
+          <p:cNvPr id="9" name="CasellaDiTesto 8"/>
           <p:cNvSpPr txBox="1"/>
           <p:nvPr/>
         </p:nvSpPr>
         <p:spPr>
           <a:xfrm>
-            <a:off x="1986643" y="3204001"/>
-            <a:ext cx="4408714" cy="1200329"/>
+            <a:off x="1063705" y="3751064"/>
+            <a:ext cx="2700076" cy="323165"/>
           </a:xfrm>
           <a:prstGeom prst="rect">
             <a:avLst/>
@@ -16739,41 +16808,99 @@
           <a:lstStyle/>
           <a:p>
             <a:r>
-              <a:rPr lang="it-IT" dirty="0" err="1" smtClean="0">
-                <a:solidFill>
-                  <a:srgbClr val="FF0000"/>
-                </a:solidFill>
-              </a:rPr>
-              <a:t>toDO</a:t>
-            </a:r>
-            <a:r>
-              <a:rPr lang="it-IT" dirty="0" smtClean="0">
-                <a:solidFill>
-                  <a:srgbClr val="FF0000"/>
-                </a:solidFill>
-              </a:rPr>
-              <a:t>: spiegare bene le caratteristiche del segnale </a:t>
-            </a:r>
-            <a:r>
-              <a:rPr lang="it-IT" dirty="0" err="1" smtClean="0">
-                <a:solidFill>
-                  <a:srgbClr val="FF0000"/>
-                </a:solidFill>
-              </a:rPr>
-              <a:t>inteferometrico</a:t>
-            </a:r>
-            <a:r>
-              <a:rPr lang="it-IT" dirty="0" smtClean="0">
-                <a:solidFill>
-                  <a:srgbClr val="FF0000"/>
-                </a:solidFill>
-              </a:rPr>
-              <a:t> e i vantaggi</a:t>
-            </a:r>
-            <a:endParaRPr lang="it-IT" dirty="0">
+              <a:rPr lang="it-IT" sz="1500" b="1" i="1" dirty="0" smtClean="0"/>
+              <a:t>Spostamento sinusoidale</a:t>
+            </a:r>
+            <a:endParaRPr lang="it-IT" sz="1500" b="1" i="1" dirty="0"/>
+          </a:p>
+        </p:txBody>
+      </p:sp>
+      <p:sp>
+        <p:nvSpPr>
+          <p:cNvPr id="10" name="CasellaDiTesto 9"/>
+          <p:cNvSpPr txBox="1"/>
+          <p:nvPr/>
+        </p:nvSpPr>
+        <p:spPr>
+          <a:xfrm>
+            <a:off x="5767414" y="3751064"/>
+            <a:ext cx="2700076" cy="323165"/>
+          </a:xfrm>
+          <a:prstGeom prst="rect">
+            <a:avLst/>
+          </a:prstGeom>
+          <a:noFill/>
+        </p:spPr>
+        <p:txBody>
+          <a:bodyPr wrap="square" rtlCol="0">
+            <a:spAutoFit/>
+          </a:bodyPr>
+          <a:lstStyle/>
+          <a:p>
+            <a:r>
+              <a:rPr lang="it-IT" sz="1500" b="1" i="1" smtClean="0"/>
+              <a:t>Segnale interferometrico</a:t>
+            </a:r>
+            <a:endParaRPr lang="it-IT" sz="1500" b="1" i="1" dirty="0"/>
+          </a:p>
+        </p:txBody>
+      </p:sp>
+      <p:sp>
+        <p:nvSpPr>
+          <p:cNvPr id="11" name="Anello 10"/>
+          <p:cNvSpPr/>
+          <p:nvPr/>
+        </p:nvSpPr>
+        <p:spPr>
+          <a:xfrm flipH="1" flipV="1">
+            <a:off x="5367185" y="2740866"/>
+            <a:ext cx="370249" cy="359764"/>
+          </a:xfrm>
+          <a:prstGeom prst="donut">
+            <a:avLst>
+              <a:gd name="adj" fmla="val 3324"/>
+            </a:avLst>
+          </a:prstGeom>
+          <a:solidFill>
+            <a:srgbClr val="FF0000"/>
+          </a:solidFill>
+          <a:ln w="3175">
+            <a:solidFill>
+              <a:srgbClr val="FF0000"/>
+            </a:solidFill>
+          </a:ln>
+        </p:spPr>
+        <p:style>
+          <a:lnRef idx="1">
+            <a:schemeClr val="accent1"/>
+          </a:lnRef>
+          <a:fillRef idx="3">
+            <a:schemeClr val="accent1"/>
+          </a:fillRef>
+          <a:effectRef idx="2">
+            <a:schemeClr val="accent1"/>
+          </a:effectRef>
+          <a:fontRef idx="minor">
+            <a:schemeClr val="lt1"/>
+          </a:fontRef>
+        </p:style>
+        <p:txBody>
+          <a:bodyPr rtlCol="0" anchor="ctr"/>
+          <a:lstStyle/>
+          <a:p>
+            <a:pPr algn="ctr"/>
+            <a:endParaRPr lang="it-IT">
+              <a:ln w="0"/>
               <a:solidFill>
-                <a:srgbClr val="FF0000"/>
+                <a:schemeClr val="tx1"/>
               </a:solidFill>
+              <a:effectLst>
+                <a:outerShdw blurRad="38100" dist="19050" dir="2700000" algn="tl" rotWithShape="0">
+                  <a:schemeClr val="dk1">
+                    <a:alpha val="40000"/>
+                  </a:schemeClr>
+                </a:outerShdw>
+              </a:effectLst>
             </a:endParaRPr>
           </a:p>
         </p:txBody>
@@ -16817,6 +16944,29 @@
       </p:grpSpPr>
       <p:sp>
         <p:nvSpPr>
+          <p:cNvPr id="2" name="Titolo 1"/>
+          <p:cNvSpPr>
+            <a:spLocks noGrp="1"/>
+          </p:cNvSpPr>
+          <p:nvPr>
+            <p:ph type="title"/>
+          </p:nvPr>
+        </p:nvSpPr>
+        <p:spPr/>
+        <p:txBody>
+          <a:bodyPr/>
+          <a:lstStyle/>
+          <a:p>
+            <a:r>
+              <a:rPr lang="it-IT" dirty="0" smtClean="0"/>
+              <a:t>Misura della distanza</a:t>
+            </a:r>
+            <a:endParaRPr lang="it-IT" dirty="0"/>
+          </a:p>
+        </p:txBody>
+      </p:sp>
+      <p:sp>
+        <p:nvSpPr>
           <p:cNvPr id="4" name="Segnaposto numero diapositiva 3"/>
           <p:cNvSpPr>
             <a:spLocks noGrp="1"/>
@@ -16839,291 +16989,8 @@
           </a:p>
         </p:txBody>
       </p:sp>
-      <p:sp>
-        <p:nvSpPr>
-          <p:cNvPr id="5" name="Titolo 1"/>
-          <p:cNvSpPr>
-            <a:spLocks noGrp="1"/>
-          </p:cNvSpPr>
-          <p:nvPr>
-            <p:ph type="title"/>
-          </p:nvPr>
-        </p:nvSpPr>
-        <p:spPr>
-          <a:xfrm>
-            <a:off x="609600" y="0"/>
-            <a:ext cx="7162800" cy="762000"/>
-          </a:xfrm>
-        </p:spPr>
-        <p:txBody>
-          <a:bodyPr/>
-          <a:lstStyle/>
-          <a:p>
-            <a:r>
-              <a:rPr lang="it-IT" dirty="0"/>
-              <a:t>Interferometria a self-mixing</a:t>
-            </a:r>
-          </a:p>
-        </p:txBody>
-      </p:sp>
-      <p:sp>
-        <p:nvSpPr>
-          <p:cNvPr id="7" name="CasellaDiTesto 6"/>
-          <p:cNvSpPr txBox="1"/>
-          <p:nvPr/>
-        </p:nvSpPr>
-        <p:spPr>
-          <a:xfrm>
-            <a:off x="1986643" y="3204001"/>
-            <a:ext cx="4408714" cy="1200329"/>
-          </a:xfrm>
-          <a:prstGeom prst="rect">
-            <a:avLst/>
-          </a:prstGeom>
-          <a:noFill/>
-        </p:spPr>
-        <p:txBody>
-          <a:bodyPr wrap="square" rtlCol="0">
-            <a:spAutoFit/>
-          </a:bodyPr>
-          <a:lstStyle/>
-          <a:p>
-            <a:r>
-              <a:rPr lang="it-IT" dirty="0" err="1" smtClean="0">
-                <a:solidFill>
-                  <a:srgbClr val="FF0000"/>
-                </a:solidFill>
-              </a:rPr>
-              <a:t>toDO</a:t>
-            </a:r>
-            <a:r>
-              <a:rPr lang="it-IT" dirty="0" smtClean="0">
-                <a:solidFill>
-                  <a:srgbClr val="FF0000"/>
-                </a:solidFill>
-              </a:rPr>
-              <a:t>: spiegare bene le caratteristiche del segnale </a:t>
-            </a:r>
-            <a:r>
-              <a:rPr lang="it-IT" dirty="0" err="1" smtClean="0">
-                <a:solidFill>
-                  <a:srgbClr val="FF0000"/>
-                </a:solidFill>
-              </a:rPr>
-              <a:t>inteferometrico</a:t>
-            </a:r>
-            <a:r>
-              <a:rPr lang="it-IT" dirty="0" smtClean="0">
-                <a:solidFill>
-                  <a:srgbClr val="FF0000"/>
-                </a:solidFill>
-              </a:rPr>
-              <a:t> e i vantaggi</a:t>
-            </a:r>
-            <a:endParaRPr lang="it-IT" dirty="0">
-              <a:solidFill>
-                <a:srgbClr val="FF0000"/>
-              </a:solidFill>
-            </a:endParaRPr>
-          </a:p>
-        </p:txBody>
-      </p:sp>
-    </p:spTree>
-    <p:extLst>
-      <p:ext uri="{BB962C8B-B14F-4D97-AF65-F5344CB8AC3E}">
-        <p14:creationId xmlns:p14="http://schemas.microsoft.com/office/powerpoint/2010/main" val="84353895"/>
-      </p:ext>
-    </p:extLst>
-  </p:cSld>
-  <p:clrMapOvr>
-    <a:masterClrMapping/>
-  </p:clrMapOvr>
-</p:sld>
-</file>
-
-<file path=ppt/slides/slide7.xml><?xml version="1.0" encoding="utf-8"?>
-<p:sld xmlns:a="http://schemas.openxmlformats.org/drawingml/2006/main" xmlns:r="http://schemas.openxmlformats.org/officeDocument/2006/relationships" xmlns:p="http://schemas.openxmlformats.org/presentationml/2006/main">
-  <p:cSld>
-    <p:spTree>
-      <p:nvGrpSpPr>
-        <p:cNvPr id="1" name=""/>
-        <p:cNvGrpSpPr/>
-        <p:nvPr/>
-      </p:nvGrpSpPr>
-      <p:grpSpPr>
-        <a:xfrm>
-          <a:off x="0" y="0"/>
-          <a:ext cx="0" cy="0"/>
-          <a:chOff x="0" y="0"/>
-          <a:chExt cx="0" cy="0"/>
-        </a:xfrm>
-      </p:grpSpPr>
-      <p:sp>
-        <p:nvSpPr>
-          <p:cNvPr id="2" name="Titolo 1"/>
-          <p:cNvSpPr>
-            <a:spLocks noGrp="1"/>
-          </p:cNvSpPr>
-          <p:nvPr>
-            <p:ph type="title"/>
-          </p:nvPr>
-        </p:nvSpPr>
-        <p:spPr/>
-        <p:txBody>
-          <a:bodyPr/>
-          <a:lstStyle/>
-          <a:p>
-            <a:r>
-              <a:rPr lang="it-IT" dirty="0" smtClean="0"/>
-              <a:t>Misura della distanza</a:t>
-            </a:r>
-            <a:endParaRPr lang="it-IT" dirty="0"/>
-          </a:p>
-        </p:txBody>
-      </p:sp>
-      <p:sp>
-        <p:nvSpPr>
-          <p:cNvPr id="4" name="Segnaposto numero diapositiva 3"/>
-          <p:cNvSpPr>
-            <a:spLocks noGrp="1"/>
-          </p:cNvSpPr>
-          <p:nvPr>
-            <p:ph type="sldNum" sz="quarter" idx="11"/>
-          </p:nvPr>
-        </p:nvSpPr>
-        <p:spPr/>
-        <p:txBody>
-          <a:bodyPr/>
-          <a:lstStyle/>
-          <a:p>
-            <a:fld id="{C503DA3A-0C6B-48FC-931E-2C786AAFD5C1}" type="slidenum">
-              <a:rPr lang="en-US" altLang="nl-NL" smtClean="0"/>
-              <a:pPr/>
-              <a:t>7</a:t>
-            </a:fld>
-            <a:endParaRPr lang="en-US" altLang="nl-NL"/>
-          </a:p>
-        </p:txBody>
-      </p:sp>
-      <mc:AlternateContent xmlns:mc="http://schemas.openxmlformats.org/markup-compatibility/2006" xmlns:a14="http://schemas.microsoft.com/office/drawing/2010/main">
-        <mc:Choice Requires="a14">
-          <p:sp>
-            <p:nvSpPr>
-              <p:cNvPr id="5" name="Segnaposto contenuto 2"/>
-              <p:cNvSpPr>
-                <a:spLocks noGrp="1"/>
-              </p:cNvSpPr>
-              <p:nvPr>
-                <p:ph idx="1"/>
-              </p:nvPr>
-            </p:nvSpPr>
-            <p:spPr>
-              <a:xfrm>
-                <a:off x="609600" y="1022506"/>
-                <a:ext cx="8405814" cy="1278257"/>
-              </a:xfrm>
-            </p:spPr>
-            <p:txBody>
-              <a:bodyPr/>
-              <a:lstStyle/>
-              <a:p>
-                <a:r>
-                  <a:rPr lang="it-IT" sz="2400" dirty="0" smtClean="0"/>
-                  <a:t>Modulando la corrente di pilotaggio del </a:t>
-                </a:r>
-                <a:r>
-                  <a:rPr lang="it-IT" sz="2400" dirty="0"/>
-                  <a:t>laser si </a:t>
-                </a:r>
-                <a:r>
-                  <a:rPr lang="it-IT" sz="2400" dirty="0" smtClean="0"/>
-                  <a:t>può̀ </a:t>
-                </a:r>
-                <a:r>
-                  <a:rPr lang="it-IT" sz="2400" dirty="0"/>
-                  <a:t>modulare la lunghezza </a:t>
-                </a:r>
-                <a:r>
-                  <a:rPr lang="it-IT" sz="2400" dirty="0" smtClean="0"/>
-                  <a:t>d'onda </a:t>
-                </a:r>
-                <a14:m>
-                  <m:oMath xmlns:m="http://schemas.openxmlformats.org/officeDocument/2006/math">
-                    <m:r>
-                      <a:rPr lang="it-IT" sz="2400" i="1" smtClean="0">
-                        <a:latin typeface="Cambria Math" charset="0"/>
-                        <a:ea typeface="Cambria Math" charset="0"/>
-                        <a:cs typeface="Cambria Math" charset="0"/>
-                      </a:rPr>
-                      <m:t>𝜆</m:t>
-                    </m:r>
-                  </m:oMath>
-                </a14:m>
-                <a:r>
-                  <a:rPr lang="it-IT" sz="2400" dirty="0" smtClean="0"/>
-                  <a:t> consentendo così di </a:t>
-                </a:r>
-                <a:r>
-                  <a:rPr lang="it-IT" sz="2400" dirty="0"/>
-                  <a:t>vedere </a:t>
-                </a:r>
-                <a:r>
-                  <a:rPr lang="it-IT" sz="2400" dirty="0" smtClean="0"/>
-                  <a:t>il </a:t>
-                </a:r>
-                <a:r>
-                  <a:rPr lang="it-IT" sz="2400" b="1" dirty="0" smtClean="0"/>
-                  <a:t>segnale </a:t>
-                </a:r>
-                <a:r>
-                  <a:rPr lang="it-IT" sz="2400" b="1" dirty="0" err="1" smtClean="0"/>
-                  <a:t>inteferometrico</a:t>
-                </a:r>
-                <a:endParaRPr lang="it-IT" sz="2400" b="1" dirty="0" smtClean="0"/>
-              </a:p>
-            </p:txBody>
-          </p:sp>
-        </mc:Choice>
-        <mc:Fallback xmlns="">
-          <p:sp>
-            <p:nvSpPr>
-              <p:cNvPr id="5" name="Segnaposto contenuto 2"/>
-              <p:cNvSpPr>
-                <a:spLocks noGrp="1" noRot="1" noChangeAspect="1" noMove="1" noResize="1" noEditPoints="1" noAdjustHandles="1" noChangeArrowheads="1" noChangeShapeType="1" noTextEdit="1"/>
-              </p:cNvSpPr>
-              <p:nvPr>
-                <p:ph idx="1"/>
-              </p:nvPr>
-            </p:nvSpPr>
-            <p:spPr>
-              <a:xfrm>
-                <a:off x="609600" y="1022506"/>
-                <a:ext cx="8405814" cy="1278257"/>
-              </a:xfrm>
-              <a:blipFill rotWithShape="0">
-                <a:blip r:embed="rId2"/>
-                <a:stretch>
-                  <a:fillRect l="-1015" t="-3828" r="-1305" b="-4306"/>
-                </a:stretch>
-              </a:blipFill>
-            </p:spPr>
-            <p:txBody>
-              <a:bodyPr/>
-              <a:lstStyle/>
-              <a:p>
-                <a:r>
-                  <a:rPr lang="it-IT">
-                    <a:noFill/>
-                  </a:rPr>
-                  <a:t> </a:t>
-                </a:r>
-              </a:p>
-            </p:txBody>
-          </p:sp>
-        </mc:Fallback>
-      </mc:AlternateContent>
-      <mc:AlternateContent xmlns:mc="http://schemas.openxmlformats.org/markup-compatibility/2006" xmlns:a14="http://schemas.microsoft.com/office/drawing/2010/main">
-        <mc:Choice Requires="a14">
+      <mc:AlternateContent xmlns:mc="http://schemas.openxmlformats.org/markup-compatibility/2006">
+        <mc:Choice xmlns:a14="http://schemas.microsoft.com/office/drawing/2010/main" Requires="a14">
           <p:sp>
             <p:nvSpPr>
               <p:cNvPr id="6" name="CasellaDiTesto 5"/>
@@ -17132,7 +16999,7 @@
             </p:nvSpPr>
             <p:spPr>
               <a:xfrm>
-                <a:off x="3246453" y="5665016"/>
+                <a:off x="6745523" y="5750544"/>
                 <a:ext cx="2503457" cy="733855"/>
               </a:xfrm>
               <a:prstGeom prst="rect">
@@ -17278,7 +17145,7 @@
             </p:txBody>
           </p:sp>
         </mc:Choice>
-        <mc:Fallback xmlns="">
+        <mc:Fallback>
           <p:sp>
             <p:nvSpPr>
               <p:cNvPr id="6" name="CasellaDiTesto 5"/>
@@ -17289,14 +17156,14 @@
             </p:nvSpPr>
             <p:spPr>
               <a:xfrm>
-                <a:off x="3246453" y="5665016"/>
+                <a:off x="6745523" y="5750544"/>
                 <a:ext cx="2503457" cy="733855"/>
               </a:xfrm>
               <a:prstGeom prst="rect">
                 <a:avLst/>
               </a:prstGeom>
               <a:blipFill rotWithShape="0">
-                <a:blip r:embed="rId3"/>
+                <a:blip r:embed="rId2"/>
                 <a:stretch>
                   <a:fillRect/>
                 </a:stretch>
@@ -17327,7 +17194,7 @@
         </p:nvSpPr>
         <p:spPr bwMode="auto">
           <a:xfrm>
-            <a:off x="609600" y="5013957"/>
+            <a:off x="419724" y="5918868"/>
             <a:ext cx="8248650" cy="496731"/>
           </a:xfrm>
           <a:prstGeom prst="rect">
@@ -17552,7 +17419,11 @@
             </a:r>
             <a:r>
               <a:rPr lang="it-IT" sz="2400" kern="0" dirty="0" smtClean="0"/>
-              <a:t>si ricava con la relazione:</a:t>
+              <a:t>si ricava </a:t>
+            </a:r>
+            <a:r>
+              <a:rPr lang="it-IT" sz="2400" kern="0" dirty="0" smtClean="0"/>
+              <a:t>con la relazione:</a:t>
             </a:r>
             <a:endParaRPr lang="it-IT" sz="2400" b="1" i="1" kern="0" dirty="0"/>
           </a:p>
@@ -17567,7 +17438,7 @@
           <p:nvPr/>
         </p:nvPicPr>
         <p:blipFill>
-          <a:blip r:embed="rId4">
+          <a:blip r:embed="rId3">
             <a:extLst>
               <a:ext uri="{28A0092B-C50C-407E-A947-70E740481C1C}">
                 <a14:useLocalDpi xmlns:a14="http://schemas.microsoft.com/office/drawing/2010/main" val="0"/>
@@ -17580,18 +17451,525 @@
         </p:blipFill>
         <p:spPr>
           <a:xfrm>
-            <a:off x="1942706" y="2300763"/>
-            <a:ext cx="5739602" cy="2613321"/>
+            <a:off x="2116548" y="3593335"/>
+            <a:ext cx="5045814" cy="2297429"/>
           </a:xfrm>
           <a:prstGeom prst="rect">
             <a:avLst/>
           </a:prstGeom>
         </p:spPr>
       </p:pic>
+      <mc:AlternateContent xmlns:mc="http://schemas.openxmlformats.org/markup-compatibility/2006">
+        <mc:Choice xmlns:a14="http://schemas.microsoft.com/office/drawing/2010/main" Requires="a14">
+          <p:sp>
+            <p:nvSpPr>
+              <p:cNvPr id="9" name="CasellaDiTesto 8"/>
+              <p:cNvSpPr txBox="1"/>
+              <p:nvPr/>
+            </p:nvSpPr>
+            <p:spPr>
+              <a:xfrm>
+                <a:off x="419724" y="960304"/>
+                <a:ext cx="8439463" cy="3371500"/>
+              </a:xfrm>
+              <a:prstGeom prst="rect">
+                <a:avLst/>
+              </a:prstGeom>
+              <a:noFill/>
+            </p:spPr>
+            <p:txBody>
+              <a:bodyPr wrap="square" rtlCol="0">
+                <a:spAutoFit/>
+              </a:bodyPr>
+              <a:lstStyle/>
+              <a:p>
+                <a:pPr marL="342900" indent="-342900">
+                  <a:buFont typeface="Arial" charset="0"/>
+                  <a:buChar char="•"/>
+                </a:pPr>
+                <a:r>
+                  <a:rPr lang="it-IT" dirty="0" smtClean="0"/>
+                  <a:t>È possibile generare frange interferometriche anche mantenendo </a:t>
+                </a:r>
+                <a:r>
+                  <a:rPr lang="it-IT" dirty="0"/>
+                  <a:t>il </a:t>
+                </a:r>
+                <a:r>
+                  <a:rPr lang="it-IT" b="1" dirty="0"/>
+                  <a:t>bersaglio </a:t>
+                </a:r>
+                <a:r>
+                  <a:rPr lang="it-IT" b="1" dirty="0" smtClean="0"/>
+                  <a:t>fisso </a:t>
+                </a:r>
+                <a:r>
+                  <a:rPr lang="it-IT" dirty="0" smtClean="0"/>
+                  <a:t>ma</a:t>
+                </a:r>
+                <a:r>
+                  <a:rPr lang="it-IT" b="1" dirty="0" smtClean="0"/>
+                  <a:t> </a:t>
+                </a:r>
+                <a:r>
+                  <a:rPr lang="it-IT" u="sng" dirty="0"/>
+                  <a:t>v</a:t>
+                </a:r>
+                <a:r>
+                  <a:rPr lang="it-IT" u="sng" dirty="0" smtClean="0"/>
+                  <a:t>ariando la lunghezza d’onda</a:t>
+                </a:r>
+                <a:r>
+                  <a:rPr lang="it-IT" dirty="0" smtClean="0"/>
+                  <a:t> </a:t>
+                </a:r>
+                <a:r>
+                  <a:rPr lang="it-IT" b="1" dirty="0" err="1" smtClean="0"/>
+                  <a:t>λ</a:t>
+                </a:r>
+                <a:r>
+                  <a:rPr lang="it-IT" b="1" dirty="0" smtClean="0"/>
+                  <a:t> </a:t>
+                </a:r>
+                <a:r>
+                  <a:rPr lang="it-IT" dirty="0" smtClean="0"/>
+                  <a:t>del fascio laser</a:t>
+                </a:r>
+                <a:endParaRPr lang="it-IT" b="1" dirty="0"/>
+              </a:p>
+              <a:p>
+                <a14:m>
+                  <m:oMathPara xmlns:m="http://schemas.openxmlformats.org/officeDocument/2006/math">
+                    <m:oMathParaPr>
+                      <m:jc m:val="centerGroup"/>
+                    </m:oMathParaPr>
+                    <m:oMath xmlns:m="http://schemas.openxmlformats.org/officeDocument/2006/math">
+                      <m:r>
+                        <a:rPr lang="it-IT" b="0" i="1" smtClean="0">
+                          <a:latin typeface="Cambria Math" charset="0"/>
+                        </a:rPr>
+                        <m:t>𝜙</m:t>
+                      </m:r>
+                      <m:r>
+                        <a:rPr lang="it-IT" b="0" i="1" smtClean="0">
+                          <a:latin typeface="Cambria Math" charset="0"/>
+                        </a:rPr>
+                        <m:t>=2</m:t>
+                      </m:r>
+                      <m:f>
+                        <m:fPr>
+                          <m:ctrlPr>
+                            <a:rPr lang="it-IT" b="0" i="1" smtClean="0">
+                              <a:latin typeface="Cambria Math" charset="0"/>
+                            </a:rPr>
+                          </m:ctrlPr>
+                        </m:fPr>
+                        <m:num>
+                          <m:r>
+                            <a:rPr lang="it-IT" b="0" i="1" smtClean="0">
+                              <a:latin typeface="Cambria Math" charset="0"/>
+                            </a:rPr>
+                            <m:t>2</m:t>
+                          </m:r>
+                          <m:r>
+                            <a:rPr lang="it-IT" b="0" i="1" smtClean="0">
+                              <a:latin typeface="Cambria Math" charset="0"/>
+                            </a:rPr>
+                            <m:t>𝜋</m:t>
+                          </m:r>
+                        </m:num>
+                        <m:den>
+                          <m:r>
+                            <a:rPr lang="it-IT" b="0" i="1" smtClean="0">
+                              <a:latin typeface="Cambria Math" charset="0"/>
+                            </a:rPr>
+                            <m:t>𝜆</m:t>
+                          </m:r>
+                        </m:den>
+                      </m:f>
+                      <m:r>
+                        <a:rPr lang="it-IT" b="0" i="1" smtClean="0">
+                          <a:latin typeface="Cambria Math" charset="0"/>
+                        </a:rPr>
+                        <m:t>𝑠</m:t>
+                      </m:r>
+                    </m:oMath>
+                  </m:oMathPara>
+                </a14:m>
+                <a:endParaRPr lang="it-IT" dirty="0" smtClean="0"/>
+              </a:p>
+              <a:p>
+                <a:pPr marL="342900" indent="-342900">
+                  <a:buFont typeface="Arial" charset="0"/>
+                  <a:buChar char="•"/>
+                </a:pPr>
+                <a:r>
+                  <a:rPr lang="it-IT" dirty="0"/>
+                  <a:t>Per variare la lunghezza </a:t>
+                </a:r>
+                <a:r>
+                  <a:rPr lang="it-IT" dirty="0" smtClean="0"/>
+                  <a:t>d’onda </a:t>
+                </a:r>
+                <a:r>
+                  <a:rPr lang="it-IT" b="1" dirty="0" err="1" smtClean="0"/>
+                  <a:t>λ</a:t>
+                </a:r>
+                <a:r>
+                  <a:rPr lang="it-IT" dirty="0" smtClean="0"/>
+                  <a:t>,</a:t>
+                </a:r>
+                <a:r>
+                  <a:rPr lang="it-IT" b="1" dirty="0" smtClean="0"/>
+                  <a:t> </a:t>
+                </a:r>
+                <a:r>
+                  <a:rPr lang="it-IT" dirty="0" smtClean="0"/>
+                  <a:t>il laser viene pilotato con una </a:t>
+                </a:r>
+                <a:r>
+                  <a:rPr lang="it-IT" b="1" dirty="0"/>
+                  <a:t>corrente di modulazione</a:t>
+                </a:r>
+              </a:p>
+              <a:p>
+                <a:endParaRPr lang="it-IT" dirty="0" smtClean="0"/>
+              </a:p>
+              <a:p>
+                <a:endParaRPr lang="it-IT" dirty="0"/>
+              </a:p>
+            </p:txBody>
+          </p:sp>
+        </mc:Choice>
+        <mc:Fallback>
+          <p:sp>
+            <p:nvSpPr>
+              <p:cNvPr id="9" name="CasellaDiTesto 8"/>
+              <p:cNvSpPr txBox="1">
+                <a:spLocks noRot="1" noChangeAspect="1" noMove="1" noResize="1" noEditPoints="1" noAdjustHandles="1" noChangeArrowheads="1" noChangeShapeType="1" noTextEdit="1"/>
+              </p:cNvSpPr>
+              <p:nvPr/>
+            </p:nvSpPr>
+            <p:spPr>
+              <a:xfrm>
+                <a:off x="419724" y="960304"/>
+                <a:ext cx="8439463" cy="3371500"/>
+              </a:xfrm>
+              <a:prstGeom prst="rect">
+                <a:avLst/>
+              </a:prstGeom>
+              <a:blipFill rotWithShape="0">
+                <a:blip r:embed="rId4"/>
+                <a:stretch>
+                  <a:fillRect l="-1012" t="-1447"/>
+                </a:stretch>
+              </a:blipFill>
+            </p:spPr>
+            <p:txBody>
+              <a:bodyPr/>
+              <a:lstStyle/>
+              <a:p>
+                <a:r>
+                  <a:rPr lang="it-IT">
+                    <a:noFill/>
+                  </a:rPr>
+                  <a:t> </a:t>
+                </a:r>
+              </a:p>
+            </p:txBody>
+          </p:sp>
+        </mc:Fallback>
+      </mc:AlternateContent>
+      <p:sp>
+        <p:nvSpPr>
+          <p:cNvPr id="11" name="Anello 10"/>
+          <p:cNvSpPr/>
+          <p:nvPr/>
+        </p:nvSpPr>
+        <p:spPr>
+          <a:xfrm flipH="1" flipV="1">
+            <a:off x="4774365" y="2519264"/>
+            <a:ext cx="370249" cy="359764"/>
+          </a:xfrm>
+          <a:prstGeom prst="donut">
+            <a:avLst>
+              <a:gd name="adj" fmla="val 3324"/>
+            </a:avLst>
+          </a:prstGeom>
+          <a:solidFill>
+            <a:srgbClr val="FF0000"/>
+          </a:solidFill>
+          <a:ln w="3175">
+            <a:solidFill>
+              <a:srgbClr val="FF0000"/>
+            </a:solidFill>
+          </a:ln>
+        </p:spPr>
+        <p:style>
+          <a:lnRef idx="1">
+            <a:schemeClr val="accent1"/>
+          </a:lnRef>
+          <a:fillRef idx="3">
+            <a:schemeClr val="accent1"/>
+          </a:fillRef>
+          <a:effectRef idx="2">
+            <a:schemeClr val="accent1"/>
+          </a:effectRef>
+          <a:fontRef idx="minor">
+            <a:schemeClr val="lt1"/>
+          </a:fontRef>
+        </p:style>
+        <p:txBody>
+          <a:bodyPr rtlCol="0" anchor="ctr"/>
+          <a:lstStyle/>
+          <a:p>
+            <a:pPr algn="ctr"/>
+            <a:endParaRPr lang="it-IT">
+              <a:ln w="0"/>
+              <a:solidFill>
+                <a:schemeClr val="tx1"/>
+              </a:solidFill>
+              <a:effectLst>
+                <a:outerShdw blurRad="38100" dist="19050" dir="2700000" algn="tl" rotWithShape="0">
+                  <a:schemeClr val="dk1">
+                    <a:alpha val="40000"/>
+                  </a:schemeClr>
+                </a:outerShdw>
+              </a:effectLst>
+            </a:endParaRPr>
+          </a:p>
+        </p:txBody>
+      </p:sp>
     </p:spTree>
     <p:extLst>
       <p:ext uri="{BB962C8B-B14F-4D97-AF65-F5344CB8AC3E}">
         <p14:creationId xmlns:p14="http://schemas.microsoft.com/office/powerpoint/2010/main" val="1000372555"/>
+      </p:ext>
+    </p:extLst>
+  </p:cSld>
+  <p:clrMapOvr>
+    <a:masterClrMapping/>
+  </p:clrMapOvr>
+  <p:timing>
+    <p:tnLst>
+      <p:par>
+        <p:cTn id="1" dur="indefinite" restart="never" nodeType="tmRoot"/>
+      </p:par>
+    </p:tnLst>
+  </p:timing>
+</p:sld>
+</file>
+
+<file path=ppt/slides/slide7.xml><?xml version="1.0" encoding="utf-8"?>
+<p:sld xmlns:a="http://schemas.openxmlformats.org/drawingml/2006/main" xmlns:r="http://schemas.openxmlformats.org/officeDocument/2006/relationships" xmlns:p="http://schemas.openxmlformats.org/presentationml/2006/main">
+  <p:cSld>
+    <p:spTree>
+      <p:nvGrpSpPr>
+        <p:cNvPr id="1" name=""/>
+        <p:cNvGrpSpPr/>
+        <p:nvPr/>
+      </p:nvGrpSpPr>
+      <p:grpSpPr>
+        <a:xfrm>
+          <a:off x="0" y="0"/>
+          <a:ext cx="0" cy="0"/>
+          <a:chOff x="0" y="0"/>
+          <a:chExt cx="0" cy="0"/>
+        </a:xfrm>
+      </p:grpSpPr>
+      <p:sp>
+        <p:nvSpPr>
+          <p:cNvPr id="2" name="Titolo 1"/>
+          <p:cNvSpPr>
+            <a:spLocks noGrp="1"/>
+          </p:cNvSpPr>
+          <p:nvPr>
+            <p:ph type="title"/>
+          </p:nvPr>
+        </p:nvSpPr>
+        <p:spPr/>
+        <p:txBody>
+          <a:bodyPr/>
+          <a:lstStyle/>
+          <a:p>
+            <a:r>
+              <a:rPr lang="it-IT" dirty="0" smtClean="0"/>
+              <a:t>Indice</a:t>
+            </a:r>
+            <a:endParaRPr lang="it-IT" dirty="0"/>
+          </a:p>
+        </p:txBody>
+      </p:sp>
+      <p:sp>
+        <p:nvSpPr>
+          <p:cNvPr id="4" name="Segnaposto numero diapositiva 3"/>
+          <p:cNvSpPr>
+            <a:spLocks noGrp="1"/>
+          </p:cNvSpPr>
+          <p:nvPr>
+            <p:ph type="sldNum" sz="quarter" idx="11"/>
+          </p:nvPr>
+        </p:nvSpPr>
+        <p:spPr/>
+        <p:txBody>
+          <a:bodyPr/>
+          <a:lstStyle/>
+          <a:p>
+            <a:fld id="{C503DA3A-0C6B-48FC-931E-2C786AAFD5C1}" type="slidenum">
+              <a:rPr lang="en-US" altLang="nl-NL" smtClean="0"/>
+              <a:pPr/>
+              <a:t>7</a:t>
+            </a:fld>
+            <a:endParaRPr lang="en-US" altLang="nl-NL"/>
+          </a:p>
+        </p:txBody>
+      </p:sp>
+      <p:sp>
+        <p:nvSpPr>
+          <p:cNvPr id="6" name="Segnaposto contenuto 2"/>
+          <p:cNvSpPr>
+            <a:spLocks noGrp="1"/>
+          </p:cNvSpPr>
+          <p:nvPr>
+            <p:ph idx="1"/>
+          </p:nvPr>
+        </p:nvSpPr>
+        <p:spPr>
+          <a:xfrm>
+            <a:off x="609600" y="891778"/>
+            <a:ext cx="7784892" cy="5531644"/>
+          </a:xfrm>
+        </p:spPr>
+        <p:txBody>
+          <a:bodyPr/>
+          <a:lstStyle/>
+          <a:p>
+            <a:r>
+              <a:rPr lang="it-IT" sz="2400" dirty="0">
+                <a:solidFill>
+                  <a:schemeClr val="bg2">
+                    <a:lumMod val="40000"/>
+                    <a:lumOff val="60000"/>
+                  </a:schemeClr>
+                </a:solidFill>
+              </a:rPr>
+              <a:t>Interferometria</a:t>
+            </a:r>
+          </a:p>
+          <a:p>
+            <a:pPr lvl="1"/>
+            <a:r>
+              <a:rPr lang="it-IT" sz="2000" dirty="0">
+                <a:solidFill>
+                  <a:schemeClr val="bg2">
+                    <a:lumMod val="40000"/>
+                    <a:lumOff val="60000"/>
+                  </a:schemeClr>
+                </a:solidFill>
+              </a:rPr>
+              <a:t>Interferometria a self-mixing</a:t>
+            </a:r>
+          </a:p>
+          <a:p>
+            <a:pPr lvl="1"/>
+            <a:r>
+              <a:rPr lang="it-IT" sz="2000" dirty="0">
+                <a:solidFill>
+                  <a:schemeClr val="bg2">
+                    <a:lumMod val="40000"/>
+                    <a:lumOff val="60000"/>
+                  </a:schemeClr>
+                </a:solidFill>
+              </a:rPr>
+              <a:t>Misura della distanza</a:t>
+            </a:r>
+          </a:p>
+          <a:p>
+            <a:r>
+              <a:rPr lang="it-IT" sz="2400" dirty="0"/>
+              <a:t>Architettura hardware</a:t>
+            </a:r>
+          </a:p>
+          <a:p>
+            <a:pPr lvl="1"/>
+            <a:r>
+              <a:rPr lang="it-IT" sz="2000" dirty="0" smtClean="0"/>
+              <a:t>Sistema analogico</a:t>
+            </a:r>
+          </a:p>
+          <a:p>
+            <a:pPr lvl="1"/>
+            <a:r>
+              <a:rPr lang="it-IT" sz="2000" dirty="0"/>
+              <a:t>Sistema di </a:t>
+            </a:r>
+            <a:r>
+              <a:rPr lang="it-IT" sz="2000" dirty="0" smtClean="0"/>
+              <a:t>conversione</a:t>
+            </a:r>
+            <a:endParaRPr lang="it-IT" sz="2000" dirty="0"/>
+          </a:p>
+          <a:p>
+            <a:pPr lvl="1"/>
+            <a:r>
+              <a:rPr lang="it-IT" sz="2000" dirty="0" smtClean="0"/>
+              <a:t>Sistema digitale</a:t>
+            </a:r>
+            <a:endParaRPr lang="it-IT" sz="2000" dirty="0"/>
+          </a:p>
+          <a:p>
+            <a:r>
+              <a:rPr lang="it-IT" sz="2400" dirty="0"/>
+              <a:t>Architettura software</a:t>
+            </a:r>
+          </a:p>
+          <a:p>
+            <a:pPr lvl="1"/>
+            <a:r>
+              <a:rPr lang="it-IT" sz="2000" dirty="0"/>
+              <a:t>Dettagli implementativi</a:t>
+            </a:r>
+          </a:p>
+          <a:p>
+            <a:pPr lvl="1"/>
+            <a:r>
+              <a:rPr lang="it-IT" sz="2000" dirty="0"/>
+              <a:t>FPGA</a:t>
+            </a:r>
+          </a:p>
+          <a:p>
+            <a:pPr lvl="1"/>
+            <a:r>
+              <a:rPr lang="it-IT" sz="2000" dirty="0"/>
+              <a:t>Microcontrollore</a:t>
+            </a:r>
+          </a:p>
+          <a:p>
+            <a:pPr lvl="1"/>
+            <a:r>
+              <a:rPr lang="it-IT" sz="2000" dirty="0"/>
+              <a:t>Ottimizzazioni</a:t>
+            </a:r>
+          </a:p>
+          <a:p>
+            <a:r>
+              <a:rPr lang="it-IT" sz="2400" dirty="0" smtClean="0"/>
+              <a:t>Risultati sperimentali</a:t>
+            </a:r>
+            <a:endParaRPr lang="it-IT" sz="2400" dirty="0"/>
+          </a:p>
+          <a:p>
+            <a:r>
+              <a:rPr lang="it-IT" sz="2400" dirty="0"/>
+              <a:t>Conclusioni e sviluppi futuri</a:t>
+            </a:r>
+          </a:p>
+        </p:txBody>
+      </p:sp>
+    </p:spTree>
+    <p:extLst>
+      <p:ext uri="{BB962C8B-B14F-4D97-AF65-F5344CB8AC3E}">
+        <p14:creationId xmlns:p14="http://schemas.microsoft.com/office/powerpoint/2010/main" val="2803583688"/>
       </p:ext>
     </p:extLst>
   </p:cSld>
@@ -17642,7 +18020,7 @@
           <a:p>
             <a:r>
               <a:rPr lang="it-IT" dirty="0" smtClean="0"/>
-              <a:t>Indice</a:t>
+              <a:t>Architettura hardware</a:t>
             </a:r>
             <a:endParaRPr lang="it-IT" dirty="0"/>
           </a:p>
@@ -17672,152 +18050,186 @@
           </a:p>
         </p:txBody>
       </p:sp>
-      <p:sp>
-        <p:nvSpPr>
-          <p:cNvPr id="6" name="Segnaposto contenuto 2"/>
-          <p:cNvSpPr>
-            <a:spLocks noGrp="1"/>
-          </p:cNvSpPr>
-          <p:nvPr>
-            <p:ph idx="1"/>
-          </p:nvPr>
-        </p:nvSpPr>
+      <p:pic>
+        <p:nvPicPr>
+          <p:cNvPr id="5" name="Immagine 4"/>
+          <p:cNvPicPr>
+            <a:picLocks noChangeAspect="1"/>
+          </p:cNvPicPr>
+          <p:nvPr/>
+        </p:nvPicPr>
+        <p:blipFill>
+          <a:blip r:embed="rId3">
+            <a:extLst>
+              <a:ext uri="{28A0092B-C50C-407E-A947-70E740481C1C}">
+                <a14:useLocalDpi xmlns:a14="http://schemas.microsoft.com/office/drawing/2010/main" val="0"/>
+              </a:ext>
+            </a:extLst>
+          </a:blip>
+          <a:stretch>
+            <a:fillRect/>
+          </a:stretch>
+        </p:blipFill>
         <p:spPr>
           <a:xfrm>
-            <a:off x="609600" y="891778"/>
-            <a:ext cx="7784892" cy="5531644"/>
+            <a:off x="1016794" y="2143595"/>
+            <a:ext cx="7162800" cy="4299442"/>
           </a:xfrm>
+          <a:prstGeom prst="rect">
+            <a:avLst/>
+          </a:prstGeom>
         </p:spPr>
-        <p:txBody>
-          <a:bodyPr/>
+      </p:pic>
+      <p:sp>
+        <p:nvSpPr>
+          <p:cNvPr id="6" name="CasellaDiTesto 5"/>
+          <p:cNvSpPr txBox="1"/>
+          <p:nvPr/>
+        </p:nvSpPr>
+        <p:spPr>
+          <a:xfrm>
+            <a:off x="609600" y="1032420"/>
+            <a:ext cx="7977188" cy="1200329"/>
+          </a:xfrm>
+          <a:prstGeom prst="rect">
+            <a:avLst/>
+          </a:prstGeom>
+          <a:noFill/>
+        </p:spPr>
+        <p:txBody>
+          <a:bodyPr wrap="square" rtlCol="0">
+            <a:spAutoFit/>
+          </a:bodyPr>
           <a:lstStyle/>
           <a:p>
-            <a:r>
-              <a:rPr lang="it-IT" sz="2400" dirty="0">
-                <a:solidFill>
-                  <a:schemeClr val="bg2">
-                    <a:lumMod val="40000"/>
-                    <a:lumOff val="60000"/>
-                  </a:schemeClr>
-                </a:solidFill>
-              </a:rPr>
-              <a:t>Interferometria</a:t>
-            </a:r>
-          </a:p>
-          <a:p>
-            <a:pPr lvl="1"/>
-            <a:r>
-              <a:rPr lang="it-IT" sz="2000" dirty="0">
-                <a:solidFill>
-                  <a:schemeClr val="bg2">
-                    <a:lumMod val="40000"/>
-                    <a:lumOff val="60000"/>
-                  </a:schemeClr>
-                </a:solidFill>
-              </a:rPr>
-              <a:t>Interferometria a self-mixing</a:t>
-            </a:r>
-          </a:p>
-          <a:p>
-            <a:pPr lvl="1"/>
-            <a:r>
-              <a:rPr lang="it-IT" sz="2000" dirty="0">
-                <a:solidFill>
-                  <a:schemeClr val="bg2">
-                    <a:lumMod val="40000"/>
-                    <a:lumOff val="60000"/>
-                  </a:schemeClr>
-                </a:solidFill>
-              </a:rPr>
-              <a:t>Misura della distanza</a:t>
-            </a:r>
-          </a:p>
-          <a:p>
-            <a:r>
-              <a:rPr lang="it-IT" sz="2400" dirty="0"/>
-              <a:t>Architettura hardware</a:t>
-            </a:r>
-          </a:p>
-          <a:p>
-            <a:pPr lvl="1"/>
-            <a:r>
-              <a:rPr lang="it-IT" sz="2000" dirty="0" smtClean="0"/>
-              <a:t>Sistema analogico</a:t>
-            </a:r>
-          </a:p>
-          <a:p>
-            <a:pPr lvl="1"/>
-            <a:r>
-              <a:rPr lang="it-IT" sz="2000" dirty="0"/>
-              <a:t>Sistema di </a:t>
-            </a:r>
-            <a:r>
-              <a:rPr lang="it-IT" sz="2000" dirty="0" smtClean="0"/>
-              <a:t>conversione</a:t>
-            </a:r>
-            <a:endParaRPr lang="it-IT" sz="2000" dirty="0"/>
-          </a:p>
-          <a:p>
-            <a:pPr lvl="1"/>
-            <a:r>
-              <a:rPr lang="it-IT" sz="2000" dirty="0" smtClean="0"/>
-              <a:t>Sistema digitale</a:t>
-            </a:r>
-            <a:endParaRPr lang="it-IT" sz="2000" dirty="0"/>
-          </a:p>
-          <a:p>
-            <a:r>
-              <a:rPr lang="it-IT" sz="2400" dirty="0"/>
-              <a:t>Architettura software</a:t>
-            </a:r>
-          </a:p>
-          <a:p>
-            <a:pPr lvl="1"/>
-            <a:r>
-              <a:rPr lang="it-IT" sz="2000" dirty="0"/>
-              <a:t>Dettagli implementativi</a:t>
-            </a:r>
-          </a:p>
-          <a:p>
-            <a:pPr lvl="1"/>
-            <a:r>
-              <a:rPr lang="it-IT" sz="2000" dirty="0"/>
-              <a:t>FPGA</a:t>
-            </a:r>
-          </a:p>
-          <a:p>
-            <a:pPr lvl="1"/>
-            <a:r>
-              <a:rPr lang="it-IT" sz="2000" dirty="0"/>
-              <a:t>Microcontrollore</a:t>
-            </a:r>
-          </a:p>
-          <a:p>
-            <a:pPr lvl="1"/>
-            <a:r>
-              <a:rPr lang="it-IT" sz="2000" dirty="0"/>
-              <a:t>Ottimizzazioni</a:t>
-            </a:r>
-          </a:p>
-          <a:p>
-            <a:r>
-              <a:rPr lang="it-IT" sz="2400" dirty="0" smtClean="0"/>
-              <a:t>Risultati sperimentali</a:t>
-            </a:r>
-            <a:endParaRPr lang="it-IT" sz="2400" dirty="0"/>
-          </a:p>
-          <a:p>
-            <a:r>
-              <a:rPr lang="it-IT" sz="2400" dirty="0"/>
-              <a:t>Conclusioni e sviluppi futuri</a:t>
-            </a:r>
+            <a:pPr marL="342900" indent="-342900">
+              <a:buFont typeface="Arial" panose="020B0604020202020204" pitchFamily="34" charset="0"/>
+              <a:buChar char="•"/>
+            </a:pPr>
+            <a:r>
+              <a:rPr lang="it-IT" dirty="0"/>
+              <a:t>Lo strumento è composto da </a:t>
+            </a:r>
+            <a:r>
+              <a:rPr lang="it-IT" dirty="0" smtClean="0"/>
+              <a:t>un </a:t>
+            </a:r>
+            <a:r>
+              <a:rPr lang="it-IT" b="1" dirty="0"/>
+              <a:t>sistema analogico</a:t>
+            </a:r>
+            <a:r>
+              <a:rPr lang="it-IT" dirty="0"/>
+              <a:t>, </a:t>
+            </a:r>
+            <a:r>
+              <a:rPr lang="it-IT" b="1" dirty="0"/>
+              <a:t>un’interfaccia</a:t>
+            </a:r>
+            <a:r>
+              <a:rPr lang="it-IT" dirty="0"/>
+              <a:t> </a:t>
+            </a:r>
+            <a:r>
+              <a:rPr lang="it-IT" b="1" dirty="0"/>
+              <a:t>di conversione</a:t>
+            </a:r>
+            <a:r>
+              <a:rPr lang="it-IT" dirty="0"/>
+              <a:t> e un </a:t>
+            </a:r>
+            <a:r>
+              <a:rPr lang="it-IT" b="1" dirty="0"/>
+              <a:t>sistema digitale </a:t>
+            </a:r>
+            <a:endParaRPr lang="it-IT" dirty="0"/>
+          </a:p>
+        </p:txBody>
+      </p:sp>
+      <p:sp>
+        <p:nvSpPr>
+          <p:cNvPr id="3" name="Rettangolo 2"/>
+          <p:cNvSpPr/>
+          <p:nvPr/>
+        </p:nvSpPr>
+        <p:spPr>
+          <a:xfrm>
+            <a:off x="1420176" y="2457642"/>
+            <a:ext cx="4572000" cy="1121664"/>
+          </a:xfrm>
+          <a:prstGeom prst="rect">
+            <a:avLst/>
+          </a:prstGeom>
+          <a:noFill/>
+          <a:ln/>
+        </p:spPr>
+        <p:style>
+          <a:lnRef idx="2">
+            <a:schemeClr val="accent4"/>
+          </a:lnRef>
+          <a:fillRef idx="1">
+            <a:schemeClr val="lt1"/>
+          </a:fillRef>
+          <a:effectRef idx="0">
+            <a:schemeClr val="accent4"/>
+          </a:effectRef>
+          <a:fontRef idx="minor">
+            <a:schemeClr val="dk1"/>
+          </a:fontRef>
+        </p:style>
+        <p:txBody>
+          <a:bodyPr rtlCol="0" anchor="ctr"/>
+          <a:lstStyle/>
+          <a:p>
+            <a:pPr algn="ctr"/>
+            <a:endParaRPr lang="it-IT"/>
+          </a:p>
+        </p:txBody>
+      </p:sp>
+      <p:sp>
+        <p:nvSpPr>
+          <p:cNvPr id="9" name="Rettangolo 8"/>
+          <p:cNvSpPr/>
+          <p:nvPr/>
+        </p:nvSpPr>
+        <p:spPr>
+          <a:xfrm>
+            <a:off x="3786189" y="4772025"/>
+            <a:ext cx="3586162" cy="1357314"/>
+          </a:xfrm>
+          <a:prstGeom prst="rect">
+            <a:avLst/>
+          </a:prstGeom>
+          <a:noFill/>
+          <a:ln/>
+        </p:spPr>
+        <p:style>
+          <a:lnRef idx="2">
+            <a:schemeClr val="accent4"/>
+          </a:lnRef>
+          <a:fillRef idx="1">
+            <a:schemeClr val="lt1"/>
+          </a:fillRef>
+          <a:effectRef idx="0">
+            <a:schemeClr val="accent4"/>
+          </a:effectRef>
+          <a:fontRef idx="minor">
+            <a:schemeClr val="dk1"/>
+          </a:fontRef>
+        </p:style>
+        <p:txBody>
+          <a:bodyPr rtlCol="0" anchor="ctr"/>
+          <a:lstStyle/>
+          <a:p>
+            <a:pPr algn="ctr"/>
+            <a:endParaRPr lang="it-IT"/>
           </a:p>
         </p:txBody>
       </p:sp>
     </p:spTree>
     <p:extLst>
       <p:ext uri="{BB962C8B-B14F-4D97-AF65-F5344CB8AC3E}">
-        <p14:creationId xmlns:p14="http://schemas.microsoft.com/office/powerpoint/2010/main" val="2803583688"/>
+        <p14:creationId xmlns:p14="http://schemas.microsoft.com/office/powerpoint/2010/main" val="161935272"/>
       </p:ext>
     </p:extLst>
   </p:cSld>
@@ -17868,8 +18280,133 @@
           <a:p>
             <a:r>
               <a:rPr lang="it-IT" dirty="0" smtClean="0"/>
-              <a:t>Architettura hardware</a:t>
-            </a:r>
+              <a:t>Sistema analogico</a:t>
+            </a:r>
+            <a:endParaRPr lang="it-IT" dirty="0"/>
+          </a:p>
+        </p:txBody>
+      </p:sp>
+      <p:sp>
+        <p:nvSpPr>
+          <p:cNvPr id="3" name="Segnaposto contenuto 2"/>
+          <p:cNvSpPr>
+            <a:spLocks noGrp="1"/>
+          </p:cNvSpPr>
+          <p:nvPr>
+            <p:ph idx="1"/>
+          </p:nvPr>
+        </p:nvSpPr>
+        <p:spPr>
+          <a:xfrm>
+            <a:off x="609600" y="1028700"/>
+            <a:ext cx="7686675" cy="5410200"/>
+          </a:xfrm>
+        </p:spPr>
+        <p:txBody>
+          <a:bodyPr/>
+          <a:lstStyle/>
+          <a:p>
+            <a:r>
+              <a:rPr lang="it-IT" sz="2400" dirty="0"/>
+              <a:t>Il sistema analogico </a:t>
+            </a:r>
+            <a:r>
+              <a:rPr lang="it-IT" sz="2400" dirty="0" smtClean="0"/>
+              <a:t>è costituito </a:t>
+            </a:r>
+            <a:r>
+              <a:rPr lang="it-IT" sz="2400" dirty="0"/>
+              <a:t>da una </a:t>
+            </a:r>
+            <a:r>
+              <a:rPr lang="it-IT" sz="2400" b="1" dirty="0"/>
+              <a:t>sezione ottica </a:t>
+            </a:r>
+            <a:r>
+              <a:rPr lang="it-IT" sz="2400" dirty="0"/>
+              <a:t>e una </a:t>
+            </a:r>
+            <a:r>
+              <a:rPr lang="it-IT" sz="2400" b="1" dirty="0"/>
+              <a:t>sezione </a:t>
+            </a:r>
+            <a:r>
+              <a:rPr lang="it-IT" sz="2400" b="1" dirty="0" smtClean="0"/>
+              <a:t>analogica</a:t>
+            </a:r>
+          </a:p>
+          <a:p>
+            <a:endParaRPr lang="it-IT" sz="2400" dirty="0"/>
+          </a:p>
+          <a:p>
+            <a:endParaRPr lang="it-IT" sz="2400" dirty="0" smtClean="0"/>
+          </a:p>
+          <a:p>
+            <a:endParaRPr lang="it-IT" sz="2400" dirty="0"/>
+          </a:p>
+          <a:p>
+            <a:endParaRPr lang="it-IT" sz="2400" dirty="0" smtClean="0"/>
+          </a:p>
+          <a:p>
+            <a:endParaRPr lang="it-IT" sz="2400" dirty="0"/>
+          </a:p>
+          <a:p>
+            <a:endParaRPr lang="it-IT" sz="2400" dirty="0" smtClean="0"/>
+          </a:p>
+          <a:p>
+            <a:r>
+              <a:rPr lang="it-IT" sz="2400" dirty="0" smtClean="0"/>
+              <a:t>La </a:t>
+            </a:r>
+            <a:r>
+              <a:rPr lang="it-IT" sz="2400" b="1" dirty="0"/>
+              <a:t>sezione ottica</a:t>
+            </a:r>
+            <a:r>
+              <a:rPr lang="it-IT" sz="2400" dirty="0"/>
+              <a:t> </a:t>
+            </a:r>
+            <a:r>
+              <a:rPr lang="it-IT" sz="2400" dirty="0" smtClean="0"/>
+              <a:t>comprende il package </a:t>
+            </a:r>
+            <a:r>
+              <a:rPr lang="it-IT" sz="2400" dirty="0"/>
+              <a:t>della sorgente </a:t>
+            </a:r>
+            <a:r>
+              <a:rPr lang="it-IT" sz="2400" dirty="0" smtClean="0"/>
+              <a:t>laser</a:t>
+            </a:r>
+          </a:p>
+          <a:p>
+            <a:r>
+              <a:rPr lang="it-IT" sz="2400" dirty="0" smtClean="0"/>
+              <a:t>La </a:t>
+            </a:r>
+            <a:r>
+              <a:rPr lang="it-IT" sz="2400" b="1" dirty="0"/>
+              <a:t>sezione analogica </a:t>
+            </a:r>
+            <a:r>
+              <a:rPr lang="it-IT" sz="2400" dirty="0"/>
+              <a:t>comprende </a:t>
+            </a:r>
+            <a:r>
+              <a:rPr lang="it-IT" sz="2400" dirty="0" smtClean="0"/>
+              <a:t>gli </a:t>
+            </a:r>
+            <a:r>
+              <a:rPr lang="it-IT" sz="2400" dirty="0"/>
+              <a:t>stadi di condizionamento e amplificazione del segnale </a:t>
+            </a:r>
+            <a:r>
+              <a:rPr lang="it-IT" sz="2400" dirty="0" smtClean="0"/>
+              <a:t>interferometrico </a:t>
+            </a:r>
+            <a:endParaRPr lang="it-IT" sz="2400" dirty="0"/>
+          </a:p>
+          <a:p>
             <a:endParaRPr lang="it-IT" dirty="0"/>
           </a:p>
         </p:txBody>
@@ -17900,7 +18437,37 @@
       </p:sp>
       <p:pic>
         <p:nvPicPr>
-          <p:cNvPr id="5" name="Immagine 4"/>
+          <p:cNvPr id="7" name="Immagine 6"/>
+          <p:cNvPicPr>
+            <a:picLocks noChangeAspect="1"/>
+          </p:cNvPicPr>
+          <p:nvPr/>
+        </p:nvPicPr>
+        <p:blipFill>
+          <a:blip r:embed="rId2">
+            <a:extLst>
+              <a:ext uri="{28A0092B-C50C-407E-A947-70E740481C1C}">
+                <a14:useLocalDpi xmlns:a14="http://schemas.microsoft.com/office/drawing/2010/main" val="0"/>
+              </a:ext>
+            </a:extLst>
+          </a:blip>
+          <a:stretch>
+            <a:fillRect/>
+          </a:stretch>
+        </p:blipFill>
+        <p:spPr>
+          <a:xfrm>
+            <a:off x="609600" y="2423974"/>
+            <a:ext cx="3945826" cy="1430482"/>
+          </a:xfrm>
+          <a:prstGeom prst="rect">
+            <a:avLst/>
+          </a:prstGeom>
+        </p:spPr>
+      </p:pic>
+      <p:pic>
+        <p:nvPicPr>
+          <p:cNvPr id="8" name="Immagine 7"/>
           <p:cNvPicPr>
             <a:picLocks noChangeAspect="1"/>
           </p:cNvPicPr>
@@ -17920,164 +18487,18 @@
         </p:blipFill>
         <p:spPr>
           <a:xfrm>
-            <a:off x="1016794" y="2143595"/>
-            <a:ext cx="7162800" cy="4299442"/>
+            <a:off x="4494890" y="1969776"/>
+            <a:ext cx="3801385" cy="2219839"/>
           </a:xfrm>
           <a:prstGeom prst="rect">
             <a:avLst/>
           </a:prstGeom>
         </p:spPr>
       </p:pic>
-      <p:sp>
-        <p:nvSpPr>
-          <p:cNvPr id="6" name="CasellaDiTesto 5"/>
-          <p:cNvSpPr txBox="1"/>
-          <p:nvPr/>
-        </p:nvSpPr>
-        <p:spPr>
-          <a:xfrm>
-            <a:off x="609600" y="1032420"/>
-            <a:ext cx="7977188" cy="1200329"/>
-          </a:xfrm>
-          <a:prstGeom prst="rect">
-            <a:avLst/>
-          </a:prstGeom>
-          <a:noFill/>
-        </p:spPr>
-        <p:txBody>
-          <a:bodyPr wrap="square" rtlCol="0">
-            <a:spAutoFit/>
-          </a:bodyPr>
-          <a:lstStyle/>
-          <a:p>
-            <a:pPr marL="342900" indent="-342900">
-              <a:buFont typeface="Arial" panose="020B0604020202020204" pitchFamily="34" charset="0"/>
-              <a:buChar char="•"/>
-            </a:pPr>
-            <a:r>
-              <a:rPr lang="it-IT" dirty="0"/>
-              <a:t>Lo strumento è composto da </a:t>
-            </a:r>
-            <a:r>
-              <a:rPr lang="it-IT" dirty="0" smtClean="0"/>
-              <a:t>un </a:t>
-            </a:r>
-            <a:r>
-              <a:rPr lang="it-IT" b="1" dirty="0"/>
-              <a:t>sistema analogico</a:t>
-            </a:r>
-            <a:r>
-              <a:rPr lang="it-IT" dirty="0"/>
-              <a:t>, </a:t>
-            </a:r>
-            <a:r>
-              <a:rPr lang="it-IT" b="1" dirty="0"/>
-              <a:t>un’interfaccia</a:t>
-            </a:r>
-            <a:r>
-              <a:rPr lang="it-IT" dirty="0"/>
-              <a:t> </a:t>
-            </a:r>
-            <a:r>
-              <a:rPr lang="it-IT" b="1" dirty="0"/>
-              <a:t>di conversione</a:t>
-            </a:r>
-            <a:r>
-              <a:rPr lang="it-IT" dirty="0"/>
-              <a:t> e un </a:t>
-            </a:r>
-            <a:r>
-              <a:rPr lang="it-IT" b="1" dirty="0"/>
-              <a:t>sistema digitale </a:t>
-            </a:r>
-            <a:endParaRPr lang="it-IT" dirty="0"/>
-          </a:p>
-        </p:txBody>
-      </p:sp>
-      <p:sp>
-        <p:nvSpPr>
-          <p:cNvPr id="3" name="Rettangolo 2"/>
-          <p:cNvSpPr/>
-          <p:nvPr/>
-        </p:nvSpPr>
-        <p:spPr>
-          <a:xfrm>
-            <a:off x="1420176" y="2457642"/>
-            <a:ext cx="4572000" cy="1121664"/>
-          </a:xfrm>
-          <a:prstGeom prst="rect">
-            <a:avLst/>
-          </a:prstGeom>
-          <a:noFill/>
-          <a:ln/>
-        </p:spPr>
-        <p:style>
-          <a:lnRef idx="2">
-            <a:schemeClr val="accent4"/>
-          </a:lnRef>
-          <a:fillRef idx="1">
-            <a:schemeClr val="lt1"/>
-          </a:fillRef>
-          <a:effectRef idx="0">
-            <a:schemeClr val="accent4"/>
-          </a:effectRef>
-          <a:fontRef idx="minor">
-            <a:schemeClr val="dk1"/>
-          </a:fontRef>
-        </p:style>
-        <p:txBody>
-          <a:bodyPr rtlCol="0" anchor="ctr"/>
-          <a:lstStyle/>
-          <a:p>
-            <a:pPr algn="ctr"/>
-            <a:endParaRPr lang="it-IT"/>
-          </a:p>
-        </p:txBody>
-      </p:sp>
-      <p:sp>
-        <p:nvSpPr>
-          <p:cNvPr id="9" name="Rettangolo 8"/>
-          <p:cNvSpPr/>
-          <p:nvPr/>
-        </p:nvSpPr>
-        <p:spPr>
-          <a:xfrm>
-            <a:off x="3786189" y="4772025"/>
-            <a:ext cx="3586162" cy="1357314"/>
-          </a:xfrm>
-          <a:prstGeom prst="rect">
-            <a:avLst/>
-          </a:prstGeom>
-          <a:noFill/>
-          <a:ln/>
-        </p:spPr>
-        <p:style>
-          <a:lnRef idx="2">
-            <a:schemeClr val="accent4"/>
-          </a:lnRef>
-          <a:fillRef idx="1">
-            <a:schemeClr val="lt1"/>
-          </a:fillRef>
-          <a:effectRef idx="0">
-            <a:schemeClr val="accent4"/>
-          </a:effectRef>
-          <a:fontRef idx="minor">
-            <a:schemeClr val="dk1"/>
-          </a:fontRef>
-        </p:style>
-        <p:txBody>
-          <a:bodyPr rtlCol="0" anchor="ctr"/>
-          <a:lstStyle/>
-          <a:p>
-            <a:pPr algn="ctr"/>
-            <a:endParaRPr lang="it-IT"/>
-          </a:p>
-        </p:txBody>
-      </p:sp>
     </p:spTree>
     <p:extLst>
       <p:ext uri="{BB962C8B-B14F-4D97-AF65-F5344CB8AC3E}">
-        <p14:creationId xmlns:p14="http://schemas.microsoft.com/office/powerpoint/2010/main" val="161935272"/>
+        <p14:creationId xmlns:p14="http://schemas.microsoft.com/office/powerpoint/2010/main" val="1662984036"/>
       </p:ext>
     </p:extLst>
   </p:cSld>

--- a/presentazione_discussione.pptx
+++ b/presentazione_discussione.pptx
@@ -16344,7 +16344,7 @@
             </p:nvSpPr>
             <p:spPr>
               <a:xfrm>
-                <a:off x="609600" y="952420"/>
+                <a:off x="609600" y="907450"/>
                 <a:ext cx="8534400" cy="5403410"/>
               </a:xfrm>
             </p:spPr>
@@ -16353,12 +16353,102 @@
               <a:lstStyle/>
               <a:p>
                 <a:r>
+                  <a:rPr lang="it-IT" sz="2400" dirty="0"/>
+                  <a:t>L’informazione </a:t>
+                </a:r>
+                <a:r>
+                  <a:rPr lang="it-IT" sz="2400" dirty="0"/>
+                  <a:t>sullo </a:t>
+                </a:r>
+                <a:r>
+                  <a:rPr lang="it-IT" sz="2400" dirty="0"/>
+                  <a:t>spostamento del bersaglio è contenuta nel</a:t>
+                </a:r>
+                <a:r>
+                  <a:rPr lang="it-IT" sz="2400" dirty="0"/>
+                  <a:t>l</a:t>
+                </a:r>
+                <a:r>
+                  <a:rPr lang="it-IT" sz="2400" dirty="0"/>
+                  <a:t>a </a:t>
+                </a:r>
+                <a:r>
+                  <a:rPr lang="it-IT" sz="2400" b="1" dirty="0"/>
+                  <a:t>variazione di fase</a:t>
+                </a:r>
+              </a:p>
+              <a:p>
+                <a:pPr marL="0" indent="0" algn="ctr">
+                  <a:buNone/>
+                </a:pPr>
+                <a14:m>
+                  <m:oMathPara xmlns:m="http://schemas.openxmlformats.org/officeDocument/2006/math">
+                    <m:oMathParaPr>
+                      <m:jc m:val="centerGroup"/>
+                    </m:oMathParaPr>
+                    <m:oMath xmlns:m="http://schemas.openxmlformats.org/officeDocument/2006/math">
+                      <m:r>
+                        <a:rPr lang="it-IT" sz="2400" i="1">
+                          <a:latin typeface="Cambria Math" charset="0"/>
+                        </a:rPr>
+                        <m:t>𝜙</m:t>
+                      </m:r>
+                      <m:r>
+                        <a:rPr lang="it-IT" sz="2400" i="1">
+                          <a:latin typeface="Cambria Math" charset="0"/>
+                        </a:rPr>
+                        <m:t>=2</m:t>
+                      </m:r>
+                      <m:f>
+                        <m:fPr>
+                          <m:ctrlPr>
+                            <a:rPr lang="it-IT" sz="2400" i="1">
+                              <a:latin typeface="Cambria Math" charset="0"/>
+                            </a:rPr>
+                          </m:ctrlPr>
+                        </m:fPr>
+                        <m:num>
+                          <m:r>
+                            <a:rPr lang="it-IT" sz="2400" i="1">
+                              <a:latin typeface="Cambria Math" charset="0"/>
+                            </a:rPr>
+                            <m:t>2</m:t>
+                          </m:r>
+                          <m:r>
+                            <a:rPr lang="it-IT" sz="2400" i="1">
+                              <a:latin typeface="Cambria Math" charset="0"/>
+                            </a:rPr>
+                            <m:t>𝜋</m:t>
+                          </m:r>
+                        </m:num>
+                        <m:den>
+                          <m:r>
+                            <a:rPr lang="it-IT" sz="2400" i="1">
+                              <a:latin typeface="Cambria Math" charset="0"/>
+                            </a:rPr>
+                            <m:t>𝜆</m:t>
+                          </m:r>
+                        </m:den>
+                      </m:f>
+                      <m:r>
+                        <a:rPr lang="it-IT" sz="2400" i="1" smtClean="0">
+                          <a:latin typeface="Cambria Math" charset="0"/>
+                        </a:rPr>
+                        <m:t>𝑠</m:t>
+                      </m:r>
+                    </m:oMath>
+                  </m:oMathPara>
+                </a14:m>
+                <a:endParaRPr lang="it-IT" sz="2400" dirty="0" smtClean="0"/>
+              </a:p>
+              <a:p>
+                <a:r>
                   <a:rPr lang="it-IT" sz="2400" dirty="0" smtClean="0"/>
-                  <a:t>Il segnale di corrente generato dal </a:t>
+                  <a:t>Il </a:t>
                 </a:r>
                 <a:r>
                   <a:rPr lang="it-IT" sz="2400" dirty="0" smtClean="0"/>
-                  <a:t>fotodiodo è chiamato </a:t>
+                  <a:t>segnale di corrente generato dal fotodiodo è chiamato </a:t>
                 </a:r>
                 <a:r>
                   <a:rPr lang="it-IT" sz="2400" b="1" dirty="0" smtClean="0"/>
@@ -16368,103 +16458,11 @@
               <a:p>
                 <a:r>
                   <a:rPr lang="it-IT" sz="2400" dirty="0" smtClean="0"/>
-                  <a:t>L’informazione </a:t>
-                </a:r>
-                <a:r>
-                  <a:rPr lang="it-IT" sz="2400" dirty="0"/>
-                  <a:t>sullo </a:t>
+                  <a:t>Il </a:t>
                 </a:r>
                 <a:r>
                   <a:rPr lang="it-IT" sz="2400" dirty="0" smtClean="0"/>
-                  <a:t>spostamento del bersaglio è contenuta nel</a:t>
-                </a:r>
-                <a:r>
-                  <a:rPr lang="it-IT" sz="2400" dirty="0"/>
-                  <a:t>l</a:t>
-                </a:r>
-                <a:r>
-                  <a:rPr lang="it-IT" sz="2400" dirty="0" smtClean="0"/>
-                  <a:t>a </a:t>
-                </a:r>
-                <a:r>
-                  <a:rPr lang="it-IT" sz="2400" b="1" dirty="0" smtClean="0"/>
-                  <a:t>variazione di fase</a:t>
-                </a:r>
-              </a:p>
-              <a:p>
-                <a:pPr marL="0" indent="0" algn="ctr">
-                  <a:buNone/>
-                </a:pPr>
-                <a:r>
-                  <a:rPr lang="it-IT" sz="2400" b="1" dirty="0" smtClean="0"/>
-                  <a:t> </a:t>
-                </a:r>
-                <a:r>
-                  <a:rPr lang="it-IT" sz="2400" dirty="0" smtClean="0"/>
-                  <a:t> </a:t>
-                </a:r>
-                <a14:m>
-                  <m:oMath xmlns:m="http://schemas.openxmlformats.org/officeDocument/2006/math">
-                    <m:r>
-                      <a:rPr lang="it-IT" sz="2400" i="1">
-                        <a:latin typeface="Cambria Math" charset="0"/>
-                      </a:rPr>
-                      <m:t>𝜙</m:t>
-                    </m:r>
-                    <m:r>
-                      <a:rPr lang="it-IT" sz="2400" i="1">
-                        <a:latin typeface="Cambria Math" charset="0"/>
-                      </a:rPr>
-                      <m:t>=2</m:t>
-                    </m:r>
-                    <m:f>
-                      <m:fPr>
-                        <m:ctrlPr>
-                          <a:rPr lang="it-IT" sz="2400" i="1">
-                            <a:latin typeface="Cambria Math" charset="0"/>
-                          </a:rPr>
-                        </m:ctrlPr>
-                      </m:fPr>
-                      <m:num>
-                        <m:r>
-                          <a:rPr lang="it-IT" sz="2400" i="1">
-                            <a:latin typeface="Cambria Math" charset="0"/>
-                          </a:rPr>
-                          <m:t>2</m:t>
-                        </m:r>
-                        <m:r>
-                          <a:rPr lang="it-IT" sz="2400" i="1">
-                            <a:latin typeface="Cambria Math" charset="0"/>
-                          </a:rPr>
-                          <m:t>𝜋</m:t>
-                        </m:r>
-                      </m:num>
-                      <m:den>
-                        <m:r>
-                          <a:rPr lang="it-IT" sz="2400" i="1">
-                            <a:latin typeface="Cambria Math" charset="0"/>
-                          </a:rPr>
-                          <m:t>𝜆</m:t>
-                        </m:r>
-                      </m:den>
-                    </m:f>
-                    <m:r>
-                      <a:rPr lang="it-IT" sz="2400" i="1">
-                        <a:latin typeface="Cambria Math" charset="0"/>
-                      </a:rPr>
-                      <m:t>𝑠</m:t>
-                    </m:r>
-                  </m:oMath>
-                </a14:m>
-                <a:r>
-                  <a:rPr lang="it-IT" sz="2400" b="1" dirty="0" smtClean="0"/>
-                  <a:t>  </a:t>
-                </a:r>
-              </a:p>
-              <a:p>
-                <a:r>
-                  <a:rPr lang="it-IT" sz="2400" dirty="0" smtClean="0"/>
-                  <a:t>Il segnale è </a:t>
+                  <a:t>segnale è </a:t>
                 </a:r>
                 <a:r>
                   <a:rPr lang="it-IT" sz="2400" b="1" dirty="0" smtClean="0"/>
@@ -16558,13 +16556,13 @@
             </p:nvSpPr>
             <p:spPr>
               <a:xfrm>
-                <a:off x="609600" y="952420"/>
+                <a:off x="609600" y="907450"/>
                 <a:ext cx="8534400" cy="5403410"/>
               </a:xfrm>
               <a:blipFill rotWithShape="0">
                 <a:blip r:embed="rId2"/>
                 <a:stretch>
-                  <a:fillRect l="-1000" t="-902" r="-500"/>
+                  <a:fillRect l="-1000" t="-903" r="-500" b="-1129"/>
                 </a:stretch>
               </a:blipFill>
             </p:spPr>
@@ -16657,7 +16655,7 @@
         </p:blipFill>
         <p:spPr bwMode="auto">
           <a:xfrm>
-            <a:off x="656731" y="4029260"/>
+            <a:off x="636496" y="4119201"/>
             <a:ext cx="3514025" cy="1552823"/>
           </a:xfrm>
           <a:prstGeom prst="rect">
@@ -16711,7 +16709,7 @@
         </p:blipFill>
         <p:spPr bwMode="auto">
           <a:xfrm>
-            <a:off x="5346984" y="4171248"/>
+            <a:off x="5296769" y="4246199"/>
             <a:ext cx="3540937" cy="1489178"/>
           </a:xfrm>
           <a:prstGeom prst="rect">
@@ -16750,7 +16748,7 @@
         </p:nvSpPr>
         <p:spPr>
           <a:xfrm>
-            <a:off x="4215726" y="4627743"/>
+            <a:off x="4195491" y="4702694"/>
             <a:ext cx="1176228" cy="514350"/>
           </a:xfrm>
           <a:prstGeom prst="rightArrow">
@@ -16793,7 +16791,7 @@
         </p:nvSpPr>
         <p:spPr>
           <a:xfrm>
-            <a:off x="1063705" y="3751064"/>
+            <a:off x="1043470" y="3826015"/>
             <a:ext cx="2700076" cy="323165"/>
           </a:xfrm>
           <a:prstGeom prst="rect">
@@ -16823,7 +16821,7 @@
         </p:nvSpPr>
         <p:spPr>
           <a:xfrm>
-            <a:off x="5767414" y="3751064"/>
+            <a:off x="5747179" y="3826015"/>
             <a:ext cx="2700076" cy="323165"/>
           </a:xfrm>
           <a:prstGeom prst="rect">
@@ -16853,7 +16851,7 @@
         </p:nvSpPr>
         <p:spPr>
           <a:xfrm flipH="1" flipV="1">
-            <a:off x="5367185" y="2740866"/>
+            <a:off x="5311759" y="1921358"/>
             <a:ext cx="370249" cy="359764"/>
           </a:xfrm>
           <a:prstGeom prst="donut">
@@ -16989,8 +16987,8 @@
           </a:p>
         </p:txBody>
       </p:sp>
-      <mc:AlternateContent xmlns:mc="http://schemas.openxmlformats.org/markup-compatibility/2006">
-        <mc:Choice xmlns:a14="http://schemas.microsoft.com/office/drawing/2010/main" Requires="a14">
+      <mc:AlternateContent xmlns:mc="http://schemas.openxmlformats.org/markup-compatibility/2006" xmlns:a14="http://schemas.microsoft.com/office/drawing/2010/main">
+        <mc:Choice Requires="a14">
           <p:sp>
             <p:nvSpPr>
               <p:cNvPr id="6" name="CasellaDiTesto 5"/>
@@ -17145,7 +17143,7 @@
             </p:txBody>
           </p:sp>
         </mc:Choice>
-        <mc:Fallback>
+        <mc:Fallback xmlns="">
           <p:sp>
             <p:nvSpPr>
               <p:cNvPr id="6" name="CasellaDiTesto 5"/>
@@ -17419,11 +17417,7 @@
             </a:r>
             <a:r>
               <a:rPr lang="it-IT" sz="2400" kern="0" dirty="0" smtClean="0"/>
-              <a:t>si ricava </a:t>
-            </a:r>
-            <a:r>
-              <a:rPr lang="it-IT" sz="2400" kern="0" dirty="0" smtClean="0"/>
-              <a:t>con la relazione:</a:t>
+              <a:t>si ricava con la relazione:</a:t>
             </a:r>
             <a:endParaRPr lang="it-IT" sz="2400" b="1" i="1" kern="0" dirty="0"/>
           </a:p>
@@ -17459,8 +17453,8 @@
           </a:prstGeom>
         </p:spPr>
       </p:pic>
-      <mc:AlternateContent xmlns:mc="http://schemas.openxmlformats.org/markup-compatibility/2006">
-        <mc:Choice xmlns:a14="http://schemas.microsoft.com/office/drawing/2010/main" Requires="a14">
+      <mc:AlternateContent xmlns:mc="http://schemas.openxmlformats.org/markup-compatibility/2006" xmlns:a14="http://schemas.microsoft.com/office/drawing/2010/main">
+        <mc:Choice Requires="a14">
           <p:sp>
             <p:nvSpPr>
               <p:cNvPr id="9" name="CasellaDiTesto 8"/>
@@ -17538,6 +17532,7 @@
                 <a:endParaRPr lang="it-IT" b="1" dirty="0"/>
               </a:p>
               <a:p>
+                <a:pPr/>
                 <a14:m>
                   <m:oMathPara xmlns:m="http://schemas.openxmlformats.org/officeDocument/2006/math">
                     <m:oMathParaPr>
@@ -17641,7 +17636,7 @@
             </p:txBody>
           </p:sp>
         </mc:Choice>
-        <mc:Fallback>
+        <mc:Fallback xmlns="">
           <p:sp>
             <p:nvSpPr>
               <p:cNvPr id="9" name="CasellaDiTesto 8"/>

--- a/presentazione_discussione.pptx
+++ b/presentazione_discussione.pptx
@@ -5,10 +5,10 @@
     <p:sldMasterId id="2147483652" r:id="rId4"/>
   </p:sldMasterIdLst>
   <p:notesMasterIdLst>
-    <p:notesMasterId r:id="rId34"/>
+    <p:notesMasterId r:id="rId35"/>
   </p:notesMasterIdLst>
   <p:handoutMasterIdLst>
-    <p:handoutMasterId r:id="rId35"/>
+    <p:handoutMasterId r:id="rId36"/>
   </p:handoutMasterIdLst>
   <p:sldIdLst>
     <p:sldId id="277" r:id="rId5"/>
@@ -25,26 +25,27 @@
     <p:sldId id="308" r:id="rId16"/>
     <p:sldId id="289" r:id="rId17"/>
     <p:sldId id="305" r:id="rId18"/>
-    <p:sldId id="314" r:id="rId19"/>
-    <p:sldId id="315" r:id="rId20"/>
-    <p:sldId id="316" r:id="rId21"/>
-    <p:sldId id="317" r:id="rId22"/>
-    <p:sldId id="291" r:id="rId23"/>
-    <p:sldId id="306" r:id="rId24"/>
-    <p:sldId id="312" r:id="rId25"/>
-    <p:sldId id="309" r:id="rId26"/>
-    <p:sldId id="294" r:id="rId27"/>
-    <p:sldId id="295" r:id="rId28"/>
-    <p:sldId id="303" r:id="rId29"/>
-    <p:sldId id="304" r:id="rId30"/>
-    <p:sldId id="297" r:id="rId31"/>
-    <p:sldId id="296" r:id="rId32"/>
-    <p:sldId id="300" r:id="rId33"/>
+    <p:sldId id="318" r:id="rId19"/>
+    <p:sldId id="314" r:id="rId20"/>
+    <p:sldId id="315" r:id="rId21"/>
+    <p:sldId id="316" r:id="rId22"/>
+    <p:sldId id="317" r:id="rId23"/>
+    <p:sldId id="291" r:id="rId24"/>
+    <p:sldId id="306" r:id="rId25"/>
+    <p:sldId id="312" r:id="rId26"/>
+    <p:sldId id="309" r:id="rId27"/>
+    <p:sldId id="294" r:id="rId28"/>
+    <p:sldId id="295" r:id="rId29"/>
+    <p:sldId id="303" r:id="rId30"/>
+    <p:sldId id="304" r:id="rId31"/>
+    <p:sldId id="297" r:id="rId32"/>
+    <p:sldId id="296" r:id="rId33"/>
+    <p:sldId id="300" r:id="rId34"/>
   </p:sldIdLst>
   <p:sldSz cx="9144000" cy="6858000" type="screen4x3"/>
   <p:notesSz cx="7099300" cy="10234613"/>
   <p:custDataLst>
-    <p:tags r:id="rId36"/>
+    <p:tags r:id="rId37"/>
   </p:custDataLst>
   <p:defaultTextStyle>
     <a:defPPr>
@@ -420,7 +421,7 @@
             <a:fld id="{09D1D7E3-DE3F-4B7A-BF5B-A3735BF12F5F}" type="slidenum">
               <a:rPr lang="en-US" altLang="nl-NL"/>
               <a:pPr/>
-              <a:t>‹n.›</a:t>
+              <a:t>‹N›</a:t>
             </a:fld>
             <a:endParaRPr lang="en-US" altLang="nl-NL"/>
           </a:p>
@@ -759,7 +760,7 @@
             <a:fld id="{88C0D9CF-78A8-4FBE-960E-41C6F5A4AF95}" type="slidenum">
               <a:rPr lang="en-US" altLang="nl-NL"/>
               <a:pPr/>
-              <a:t>‹n.›</a:t>
+              <a:t>‹N›</a:t>
             </a:fld>
             <a:endParaRPr lang="en-US" altLang="nl-NL"/>
           </a:p>
@@ -1748,7 +1749,7 @@
             <a:fld id="{88C0D9CF-78A8-4FBE-960E-41C6F5A4AF95}" type="slidenum">
               <a:rPr lang="en-US" altLang="nl-NL" smtClean="0"/>
               <a:pPr/>
-              <a:t>22</a:t>
+              <a:t>19</a:t>
             </a:fld>
             <a:endParaRPr lang="en-US" altLang="nl-NL"/>
           </a:p>
@@ -1757,7 +1758,7 @@
     </p:spTree>
     <p:extLst>
       <p:ext uri="{BB962C8B-B14F-4D97-AF65-F5344CB8AC3E}">
-        <p14:creationId xmlns:p14="http://schemas.microsoft.com/office/powerpoint/2010/main" val="3617987220"/>
+        <p14:creationId xmlns:p14="http://schemas.microsoft.com/office/powerpoint/2010/main" val="733450907"/>
       </p:ext>
     </p:extLst>
   </p:cSld>
@@ -1902,7 +1903,7 @@
             <a:fld id="{88C0D9CF-78A8-4FBE-960E-41C6F5A4AF95}" type="slidenum">
               <a:rPr lang="en-US" altLang="nl-NL" smtClean="0"/>
               <a:pPr/>
-              <a:t>24</a:t>
+              <a:t>23</a:t>
             </a:fld>
             <a:endParaRPr lang="en-US" altLang="nl-NL"/>
           </a:p>
@@ -1911,7 +1912,7 @@
     </p:spTree>
     <p:extLst>
       <p:ext uri="{BB962C8B-B14F-4D97-AF65-F5344CB8AC3E}">
-        <p14:creationId xmlns:p14="http://schemas.microsoft.com/office/powerpoint/2010/main" val="767066249"/>
+        <p14:creationId xmlns:p14="http://schemas.microsoft.com/office/powerpoint/2010/main" val="3617987220"/>
       </p:ext>
     </p:extLst>
   </p:cSld>
@@ -2065,7 +2066,7 @@
     </p:spTree>
     <p:extLst>
       <p:ext uri="{BB962C8B-B14F-4D97-AF65-F5344CB8AC3E}">
-        <p14:creationId xmlns:p14="http://schemas.microsoft.com/office/powerpoint/2010/main" val="2143493320"/>
+        <p14:creationId xmlns:p14="http://schemas.microsoft.com/office/powerpoint/2010/main" val="767066249"/>
       </p:ext>
     </p:extLst>
   </p:cSld>
@@ -2211,6 +2212,160 @@
               <a:rPr lang="en-US" altLang="nl-NL" smtClean="0"/>
               <a:pPr/>
               <a:t>26</a:t>
+            </a:fld>
+            <a:endParaRPr lang="en-US" altLang="nl-NL"/>
+          </a:p>
+        </p:txBody>
+      </p:sp>
+    </p:spTree>
+    <p:extLst>
+      <p:ext uri="{BB962C8B-B14F-4D97-AF65-F5344CB8AC3E}">
+        <p14:creationId xmlns:p14="http://schemas.microsoft.com/office/powerpoint/2010/main" val="2143493320"/>
+      </p:ext>
+    </p:extLst>
+  </p:cSld>
+  <p:clrMapOvr>
+    <a:masterClrMapping/>
+  </p:clrMapOvr>
+</p:notes>
+</file>
+
+<file path=ppt/notesSlides/notesSlide14.xml><?xml version="1.0" encoding="utf-8"?>
+<p:notes xmlns:a="http://schemas.openxmlformats.org/drawingml/2006/main" xmlns:r="http://schemas.openxmlformats.org/officeDocument/2006/relationships" xmlns:p="http://schemas.openxmlformats.org/presentationml/2006/main">
+  <p:cSld>
+    <p:spTree>
+      <p:nvGrpSpPr>
+        <p:cNvPr id="1" name=""/>
+        <p:cNvGrpSpPr/>
+        <p:nvPr/>
+      </p:nvGrpSpPr>
+      <p:grpSpPr>
+        <a:xfrm>
+          <a:off x="0" y="0"/>
+          <a:ext cx="0" cy="0"/>
+          <a:chOff x="0" y="0"/>
+          <a:chExt cx="0" cy="0"/>
+        </a:xfrm>
+      </p:grpSpPr>
+      <p:sp>
+        <p:nvSpPr>
+          <p:cNvPr id="2" name="Segnaposto immagine diapositiva 1"/>
+          <p:cNvSpPr>
+            <a:spLocks noGrp="1" noRot="1" noChangeAspect="1"/>
+          </p:cNvSpPr>
+          <p:nvPr>
+            <p:ph type="sldImg"/>
+          </p:nvPr>
+        </p:nvSpPr>
+        <p:spPr/>
+      </p:sp>
+      <p:sp>
+        <p:nvSpPr>
+          <p:cNvPr id="3" name="Segnaposto note 2"/>
+          <p:cNvSpPr>
+            <a:spLocks noGrp="1"/>
+          </p:cNvSpPr>
+          <p:nvPr>
+            <p:ph type="body" idx="1"/>
+          </p:nvPr>
+        </p:nvSpPr>
+        <p:spPr/>
+        <p:txBody>
+          <a:bodyPr/>
+          <a:lstStyle/>
+          <a:p>
+            <a:endParaRPr lang="it-IT" dirty="0"/>
+          </a:p>
+        </p:txBody>
+      </p:sp>
+      <p:sp>
+        <p:nvSpPr>
+          <p:cNvPr id="4" name="Segnaposto intestazione 3"/>
+          <p:cNvSpPr>
+            <a:spLocks noGrp="1"/>
+          </p:cNvSpPr>
+          <p:nvPr>
+            <p:ph type="hdr" sz="quarter" idx="10"/>
+          </p:nvPr>
+        </p:nvSpPr>
+        <p:spPr/>
+        <p:txBody>
+          <a:bodyPr/>
+          <a:lstStyle/>
+          <a:p>
+            <a:r>
+              <a:rPr lang="en-US" altLang="nl-NL" smtClean="0"/>
+              <a:t>Process synchronization</a:t>
+            </a:r>
+            <a:endParaRPr lang="en-US" altLang="nl-NL"/>
+          </a:p>
+        </p:txBody>
+      </p:sp>
+      <p:sp>
+        <p:nvSpPr>
+          <p:cNvPr id="5" name="Segnaposto data 4"/>
+          <p:cNvSpPr>
+            <a:spLocks noGrp="1"/>
+          </p:cNvSpPr>
+          <p:nvPr>
+            <p:ph type="dt" idx="11"/>
+          </p:nvPr>
+        </p:nvSpPr>
+        <p:spPr/>
+        <p:txBody>
+          <a:bodyPr/>
+          <a:lstStyle/>
+          <a:p>
+            <a:r>
+              <a:rPr lang="en-US" altLang="nl-NL" smtClean="0"/>
+              <a:t>Operating System</a:t>
+            </a:r>
+            <a:endParaRPr lang="en-US" altLang="nl-NL"/>
+          </a:p>
+        </p:txBody>
+      </p:sp>
+      <p:sp>
+        <p:nvSpPr>
+          <p:cNvPr id="6" name="Segnaposto piè di pagina 5"/>
+          <p:cNvSpPr>
+            <a:spLocks noGrp="1"/>
+          </p:cNvSpPr>
+          <p:nvPr>
+            <p:ph type="ftr" sz="quarter" idx="12"/>
+          </p:nvPr>
+        </p:nvSpPr>
+        <p:spPr/>
+        <p:txBody>
+          <a:bodyPr/>
+          <a:lstStyle/>
+          <a:p>
+            <a:r>
+              <a:rPr lang="en-US" altLang="nl-NL" smtClean="0"/>
+              <a:t>© 2005 William Fornaciari</a:t>
+            </a:r>
+            <a:endParaRPr lang="en-US" altLang="nl-NL"/>
+          </a:p>
+        </p:txBody>
+      </p:sp>
+      <p:sp>
+        <p:nvSpPr>
+          <p:cNvPr id="7" name="Segnaposto numero diapositiva 6"/>
+          <p:cNvSpPr>
+            <a:spLocks noGrp="1"/>
+          </p:cNvSpPr>
+          <p:nvPr>
+            <p:ph type="sldNum" sz="quarter" idx="13"/>
+          </p:nvPr>
+        </p:nvSpPr>
+        <p:spPr/>
+        <p:txBody>
+          <a:bodyPr/>
+          <a:lstStyle/>
+          <a:p>
+            <a:fld id="{88C0D9CF-78A8-4FBE-960E-41C6F5A4AF95}" type="slidenum">
+              <a:rPr lang="en-US" altLang="nl-NL" smtClean="0"/>
+              <a:pPr/>
+              <a:t>27</a:t>
             </a:fld>
             <a:endParaRPr lang="en-US" altLang="nl-NL"/>
           </a:p>
@@ -2989,7 +3144,7 @@
     </p:spTree>
     <p:extLst>
       <p:ext uri="{BB962C8B-B14F-4D97-AF65-F5344CB8AC3E}">
-        <p14:creationId xmlns:p14="http://schemas.microsoft.com/office/powerpoint/2010/main" val="94307398"/>
+        <p14:creationId xmlns:p14="http://schemas.microsoft.com/office/powerpoint/2010/main" val="3969629172"/>
       </p:ext>
     </p:extLst>
   </p:cSld>
@@ -3143,7 +3298,7 @@
     </p:spTree>
     <p:extLst>
       <p:ext uri="{BB962C8B-B14F-4D97-AF65-F5344CB8AC3E}">
-        <p14:creationId xmlns:p14="http://schemas.microsoft.com/office/powerpoint/2010/main" val="181271232"/>
+        <p14:creationId xmlns:p14="http://schemas.microsoft.com/office/powerpoint/2010/main" val="94307398"/>
       </p:ext>
     </p:extLst>
   </p:cSld>
@@ -3297,7 +3452,7 @@
     </p:spTree>
     <p:extLst>
       <p:ext uri="{BB962C8B-B14F-4D97-AF65-F5344CB8AC3E}">
-        <p14:creationId xmlns:p14="http://schemas.microsoft.com/office/powerpoint/2010/main" val="1597141723"/>
+        <p14:creationId xmlns:p14="http://schemas.microsoft.com/office/powerpoint/2010/main" val="181271232"/>
       </p:ext>
     </p:extLst>
   </p:cSld>
@@ -3451,7 +3606,7 @@
     </p:spTree>
     <p:extLst>
       <p:ext uri="{BB962C8B-B14F-4D97-AF65-F5344CB8AC3E}">
-        <p14:creationId xmlns:p14="http://schemas.microsoft.com/office/powerpoint/2010/main" val="733450907"/>
+        <p14:creationId xmlns:p14="http://schemas.microsoft.com/office/powerpoint/2010/main" val="1597141723"/>
       </p:ext>
     </p:extLst>
   </p:cSld>
@@ -3966,7 +4121,7 @@
             <a:fld id="{2A6090BC-14A4-4032-A8EA-D874EB653524}" type="slidenum">
               <a:rPr lang="en-US" altLang="nl-NL"/>
               <a:pPr/>
-              <a:t>‹n.›</a:t>
+              <a:t>‹N›</a:t>
             </a:fld>
             <a:endParaRPr lang="en-US" altLang="nl-NL"/>
           </a:p>
@@ -4114,7 +4269,7 @@
             <a:fld id="{BA594880-8A78-40E1-8D62-51F97D4059C0}" type="slidenum">
               <a:rPr lang="en-US" altLang="nl-NL"/>
               <a:pPr/>
-              <a:t>‹n.›</a:t>
+              <a:t>‹N›</a:t>
             </a:fld>
             <a:endParaRPr lang="en-US" altLang="nl-NL"/>
           </a:p>
@@ -4299,7 +4454,7 @@
             <a:fld id="{C503DA3A-0C6B-48FC-931E-2C786AAFD5C1}" type="slidenum">
               <a:rPr lang="en-US" altLang="nl-NL"/>
               <a:pPr/>
-              <a:t>‹n.›</a:t>
+              <a:t>‹N›</a:t>
             </a:fld>
             <a:endParaRPr lang="en-US" altLang="nl-NL"/>
           </a:p>
@@ -4489,7 +4644,7 @@
             <a:fld id="{22038E9A-44DA-4A7D-8119-4DEABABB9975}" type="slidenum">
               <a:rPr lang="en-US" altLang="nl-NL"/>
               <a:pPr/>
-              <a:t>‹n.›</a:t>
+              <a:t>‹N›</a:t>
             </a:fld>
             <a:endParaRPr lang="en-US" altLang="nl-NL"/>
           </a:p>
@@ -4745,7 +4900,7 @@
             <a:fld id="{003F0B5A-3573-418F-94B3-BD5F75DB60BD}" type="slidenum">
               <a:rPr lang="en-US" altLang="nl-NL"/>
               <a:pPr/>
-              <a:t>‹n.›</a:t>
+              <a:t>‹N›</a:t>
             </a:fld>
             <a:endParaRPr lang="en-US" altLang="nl-NL"/>
           </a:p>
@@ -5140,7 +5295,7 @@
             <a:fld id="{42D42EED-7338-48C6-AA31-2E9FCA4532B1}" type="slidenum">
               <a:rPr lang="en-US" altLang="nl-NL"/>
               <a:pPr/>
-              <a:t>‹n.›</a:t>
+              <a:t>‹N›</a:t>
             </a:fld>
             <a:endParaRPr lang="en-US" altLang="nl-NL"/>
           </a:p>
@@ -5226,7 +5381,7 @@
             <a:fld id="{BBD7032E-400A-4C6B-9075-7A7CB7960EE8}" type="slidenum">
               <a:rPr lang="en-US" altLang="nl-NL"/>
               <a:pPr/>
-              <a:t>‹n.›</a:t>
+              <a:t>‹N›</a:t>
             </a:fld>
             <a:endParaRPr lang="en-US" altLang="nl-NL"/>
           </a:p>
@@ -5289,7 +5444,7 @@
             <a:fld id="{ED3AC776-BC4C-444F-A902-0153286FE118}" type="slidenum">
               <a:rPr lang="en-US" altLang="nl-NL"/>
               <a:pPr/>
-              <a:t>‹n.›</a:t>
+              <a:t>‹N›</a:t>
             </a:fld>
             <a:endParaRPr lang="en-US" altLang="nl-NL"/>
           </a:p>
@@ -5534,7 +5689,7 @@
             <a:fld id="{E5F65DD3-3E3C-40FA-A044-BE029E819A96}" type="slidenum">
               <a:rPr lang="en-US" altLang="nl-NL"/>
               <a:pPr/>
-              <a:t>‹n.›</a:t>
+              <a:t>‹N›</a:t>
             </a:fld>
             <a:endParaRPr lang="en-US" altLang="nl-NL"/>
           </a:p>
@@ -5760,7 +5915,7 @@
             <a:fld id="{D32360F0-7900-4280-B4D3-DB562730877F}" type="slidenum">
               <a:rPr lang="en-US" altLang="nl-NL"/>
               <a:pPr/>
-              <a:t>‹n.›</a:t>
+              <a:t>‹N›</a:t>
             </a:fld>
             <a:endParaRPr lang="en-US" altLang="nl-NL"/>
           </a:p>
@@ -6104,7 +6259,7 @@
             <a:fld id="{D11F1AE1-4445-46D7-BD14-4F1456A53146}" type="slidenum">
               <a:rPr lang="en-US" altLang="nl-NL"/>
               <a:pPr/>
-              <a:t>‹n.›</a:t>
+              <a:t>‹N›</a:t>
             </a:fld>
             <a:endParaRPr lang="en-US" altLang="nl-NL"/>
           </a:p>
@@ -10071,7 +10226,7 @@
     </p:spTree>
     <p:extLst>
       <p:ext uri="{BB962C8B-B14F-4D97-AF65-F5344CB8AC3E}">
-        <p14:creationId xmlns:p14="http://schemas.microsoft.com/office/powerpoint/2010/main" val="772970072"/>
+        <p14:creationId xmlns:p14="http://schemas.microsoft.com/office/powerpoint/2010/main" val="3931982814"/>
       </p:ext>
     </p:extLst>
   </p:cSld>
@@ -10182,30 +10337,26 @@
           <a:p>
             <a:pPr lvl="1"/>
             <a:r>
-              <a:rPr lang="it-IT" sz="2000" b="1" dirty="0" smtClean="0"/>
+              <a:rPr lang="it-IT" sz="2000" dirty="0" smtClean="0"/>
               <a:t>Campionamento </a:t>
             </a:r>
             <a:br>
-              <a:rPr lang="it-IT" sz="2000" b="1" dirty="0" smtClean="0"/>
+              <a:rPr lang="it-IT" sz="2000" dirty="0" smtClean="0"/>
             </a:br>
             <a:r>
-              <a:rPr lang="it-IT" sz="2000" b="1" dirty="0" smtClean="0"/>
+              <a:rPr lang="it-IT" sz="2000" dirty="0" smtClean="0"/>
               <a:t>del segnale interferometrico </a:t>
             </a:r>
             <a:br>
-              <a:rPr lang="it-IT" sz="2000" b="1" dirty="0" smtClean="0"/>
+              <a:rPr lang="it-IT" sz="2000" dirty="0" smtClean="0"/>
             </a:br>
             <a:r>
-              <a:rPr lang="it-IT" sz="2000" b="1" dirty="0" smtClean="0"/>
+              <a:rPr lang="it-IT" sz="2000" dirty="0" smtClean="0"/>
               <a:t>a </a:t>
             </a:r>
             <a:r>
-              <a:rPr lang="it-IT" sz="2000" b="1" i="1" dirty="0" smtClean="0"/>
+              <a:rPr lang="it-IT" sz="2000" i="1" dirty="0" smtClean="0"/>
               <a:t>30MHz</a:t>
-            </a:r>
-            <a:r>
-              <a:rPr lang="it-IT" sz="2000" i="1" dirty="0" smtClean="0"/>
-              <a:t/>
             </a:r>
             <a:br>
               <a:rPr lang="it-IT" sz="2000" i="1" dirty="0" smtClean="0"/>
@@ -10284,6 +10435,257 @@
               <a:rPr lang="en-US" altLang="nl-NL" smtClean="0"/>
               <a:pPr/>
               <a:t>16</a:t>
+            </a:fld>
+            <a:endParaRPr lang="en-US" altLang="nl-NL" dirty="0"/>
+          </a:p>
+        </p:txBody>
+      </p:sp>
+      <p:pic>
+        <p:nvPicPr>
+          <p:cNvPr id="8" name="Immagine 7"/>
+          <p:cNvPicPr>
+            <a:picLocks noChangeAspect="1"/>
+          </p:cNvPicPr>
+          <p:nvPr/>
+        </p:nvPicPr>
+        <p:blipFill>
+          <a:blip r:embed="rId3">
+            <a:extLst>
+              <a:ext uri="{28A0092B-C50C-407E-A947-70E740481C1C}">
+                <a14:useLocalDpi xmlns:a14="http://schemas.microsoft.com/office/drawing/2010/main" val="0"/>
+              </a:ext>
+            </a:extLst>
+          </a:blip>
+          <a:stretch>
+            <a:fillRect/>
+          </a:stretch>
+        </p:blipFill>
+        <p:spPr>
+          <a:xfrm>
+            <a:off x="5020733" y="1494075"/>
+            <a:ext cx="3935109" cy="4623521"/>
+          </a:xfrm>
+          <a:prstGeom prst="rect">
+            <a:avLst/>
+          </a:prstGeom>
+        </p:spPr>
+      </p:pic>
+    </p:spTree>
+    <p:extLst>
+      <p:ext uri="{BB962C8B-B14F-4D97-AF65-F5344CB8AC3E}">
+        <p14:creationId xmlns:p14="http://schemas.microsoft.com/office/powerpoint/2010/main" val="772970072"/>
+      </p:ext>
+    </p:extLst>
+  </p:cSld>
+  <p:clrMapOvr>
+    <a:masterClrMapping/>
+  </p:clrMapOvr>
+  <p:timing>
+    <p:tnLst>
+      <p:par>
+        <p:cTn id="1" dur="indefinite" restart="never" nodeType="tmRoot"/>
+      </p:par>
+    </p:tnLst>
+  </p:timing>
+</p:sld>
+</file>
+
+<file path=ppt/slides/slide17.xml><?xml version="1.0" encoding="utf-8"?>
+<p:sld xmlns:a="http://schemas.openxmlformats.org/drawingml/2006/main" xmlns:r="http://schemas.openxmlformats.org/officeDocument/2006/relationships" xmlns:p="http://schemas.openxmlformats.org/presentationml/2006/main">
+  <p:cSld>
+    <p:spTree>
+      <p:nvGrpSpPr>
+        <p:cNvPr id="1" name=""/>
+        <p:cNvGrpSpPr/>
+        <p:nvPr/>
+      </p:nvGrpSpPr>
+      <p:grpSpPr>
+        <a:xfrm>
+          <a:off x="0" y="0"/>
+          <a:ext cx="0" cy="0"/>
+          <a:chOff x="0" y="0"/>
+          <a:chExt cx="0" cy="0"/>
+        </a:xfrm>
+      </p:grpSpPr>
+      <p:sp>
+        <p:nvSpPr>
+          <p:cNvPr id="2" name="Titolo 1"/>
+          <p:cNvSpPr>
+            <a:spLocks noGrp="1"/>
+          </p:cNvSpPr>
+          <p:nvPr>
+            <p:ph type="title"/>
+          </p:nvPr>
+        </p:nvSpPr>
+        <p:spPr/>
+        <p:txBody>
+          <a:bodyPr/>
+          <a:lstStyle/>
+          <a:p>
+            <a:r>
+              <a:rPr lang="it-IT" dirty="0" smtClean="0"/>
+              <a:t>FPGA</a:t>
+            </a:r>
+            <a:endParaRPr lang="it-IT" dirty="0"/>
+          </a:p>
+        </p:txBody>
+      </p:sp>
+      <p:sp>
+        <p:nvSpPr>
+          <p:cNvPr id="3" name="Segnaposto contenuto 2"/>
+          <p:cNvSpPr>
+            <a:spLocks noGrp="1"/>
+          </p:cNvSpPr>
+          <p:nvPr>
+            <p:ph idx="1"/>
+          </p:nvPr>
+        </p:nvSpPr>
+        <p:spPr>
+          <a:xfrm>
+            <a:off x="609600" y="1024102"/>
+            <a:ext cx="8120063" cy="5093494"/>
+          </a:xfrm>
+        </p:spPr>
+        <p:txBody>
+          <a:bodyPr/>
+          <a:lstStyle/>
+          <a:p>
+            <a:r>
+              <a:rPr lang="it-IT" sz="2400" dirty="0" smtClean="0"/>
+              <a:t>Le funzionalità svolte in hardware dal FPGA sono:</a:t>
+            </a:r>
+            <a:br>
+              <a:rPr lang="it-IT" sz="2400" dirty="0" smtClean="0"/>
+            </a:br>
+            <a:endParaRPr lang="it-IT" sz="2400" dirty="0" smtClean="0"/>
+          </a:p>
+          <a:p>
+            <a:pPr lvl="1"/>
+            <a:r>
+              <a:rPr lang="it-IT" sz="2000" dirty="0" smtClean="0"/>
+              <a:t>Generazione del </a:t>
+            </a:r>
+            <a:br>
+              <a:rPr lang="it-IT" sz="2000" dirty="0" smtClean="0"/>
+            </a:br>
+            <a:r>
+              <a:rPr lang="it-IT" sz="2000" dirty="0" smtClean="0"/>
+              <a:t>segnale di modulazione </a:t>
+            </a:r>
+            <a:r>
+              <a:rPr lang="it-IT" sz="2000" i="1" dirty="0" smtClean="0"/>
+              <a:t/>
+            </a:r>
+            <a:br>
+              <a:rPr lang="it-IT" sz="2000" i="1" dirty="0" smtClean="0"/>
+            </a:br>
+            <a:endParaRPr lang="it-IT" sz="2000" i="1" dirty="0" smtClean="0"/>
+          </a:p>
+          <a:p>
+            <a:pPr lvl="1"/>
+            <a:r>
+              <a:rPr lang="it-IT" sz="2000" b="1" dirty="0" smtClean="0"/>
+              <a:t>Campionamento </a:t>
+            </a:r>
+            <a:br>
+              <a:rPr lang="it-IT" sz="2000" b="1" dirty="0" smtClean="0"/>
+            </a:br>
+            <a:r>
+              <a:rPr lang="it-IT" sz="2000" b="1" dirty="0" smtClean="0"/>
+              <a:t>del segnale interferometrico </a:t>
+            </a:r>
+            <a:br>
+              <a:rPr lang="it-IT" sz="2000" b="1" dirty="0" smtClean="0"/>
+            </a:br>
+            <a:r>
+              <a:rPr lang="it-IT" sz="2000" b="1" dirty="0" smtClean="0"/>
+              <a:t>a </a:t>
+            </a:r>
+            <a:r>
+              <a:rPr lang="it-IT" sz="2000" b="1" i="1" dirty="0" smtClean="0"/>
+              <a:t>30MHz</a:t>
+            </a:r>
+            <a:r>
+              <a:rPr lang="it-IT" sz="2000" i="1" dirty="0" smtClean="0"/>
+              <a:t/>
+            </a:r>
+            <a:br>
+              <a:rPr lang="it-IT" sz="2000" i="1" dirty="0" smtClean="0"/>
+            </a:br>
+            <a:endParaRPr lang="it-IT" sz="2000" i="1" dirty="0" smtClean="0"/>
+          </a:p>
+          <a:p>
+            <a:pPr lvl="1"/>
+            <a:r>
+              <a:rPr lang="it-IT" sz="2000" dirty="0" smtClean="0"/>
+              <a:t>Calcolo </a:t>
+            </a:r>
+            <a:br>
+              <a:rPr lang="it-IT" sz="2000" dirty="0" smtClean="0"/>
+            </a:br>
+            <a:r>
+              <a:rPr lang="it-IT" sz="2000" dirty="0" smtClean="0"/>
+              <a:t>della Fast Fourier </a:t>
+            </a:r>
+            <a:r>
+              <a:rPr lang="it-IT" sz="2000" dirty="0" err="1" smtClean="0"/>
+              <a:t>Transform</a:t>
+            </a:r>
+            <a:r>
+              <a:rPr lang="it-IT" sz="2000" dirty="0" smtClean="0"/>
+              <a:t> </a:t>
+            </a:r>
+            <a:r>
+              <a:rPr lang="it-IT" sz="2000" b="1" dirty="0" smtClean="0"/>
+              <a:t/>
+            </a:r>
+            <a:br>
+              <a:rPr lang="it-IT" sz="2000" b="1" dirty="0" smtClean="0"/>
+            </a:br>
+            <a:r>
+              <a:rPr lang="it-IT" sz="2000" dirty="0" smtClean="0"/>
+              <a:t>(FFT)</a:t>
+            </a:r>
+            <a:br>
+              <a:rPr lang="it-IT" sz="2000" dirty="0" smtClean="0"/>
+            </a:br>
+            <a:endParaRPr lang="it-IT" sz="2000" dirty="0" smtClean="0"/>
+          </a:p>
+          <a:p>
+            <a:pPr lvl="1"/>
+            <a:r>
+              <a:rPr lang="it-IT" sz="2000" dirty="0" smtClean="0"/>
+              <a:t>Estrazione </a:t>
+            </a:r>
+            <a:br>
+              <a:rPr lang="it-IT" sz="2000" dirty="0" smtClean="0"/>
+            </a:br>
+            <a:r>
+              <a:rPr lang="it-IT" sz="2000" dirty="0" smtClean="0"/>
+              <a:t>del tono fondamentale dal FFT</a:t>
+            </a:r>
+          </a:p>
+        </p:txBody>
+      </p:sp>
+      <p:sp>
+        <p:nvSpPr>
+          <p:cNvPr id="4" name="Segnaposto numero diapositiva 3"/>
+          <p:cNvSpPr>
+            <a:spLocks noGrp="1"/>
+          </p:cNvSpPr>
+          <p:nvPr>
+            <p:ph type="sldNum" sz="quarter" idx="11"/>
+          </p:nvPr>
+        </p:nvSpPr>
+        <p:spPr/>
+        <p:txBody>
+          <a:bodyPr/>
+          <a:lstStyle/>
+          <a:p>
+            <a:fld id="{C503DA3A-0C6B-48FC-931E-2C786AAFD5C1}" type="slidenum">
+              <a:rPr lang="en-US" altLang="nl-NL" smtClean="0"/>
+              <a:pPr/>
+              <a:t>17</a:t>
             </a:fld>
             <a:endParaRPr lang="en-US" altLang="nl-NL" dirty="0"/>
           </a:p>
@@ -10339,7 +10741,7 @@
 </p:sld>
 </file>
 
-<file path=ppt/slides/slide17.xml><?xml version="1.0" encoding="utf-8"?>
+<file path=ppt/slides/slide18.xml><?xml version="1.0" encoding="utf-8"?>
 <p:sld xmlns:a="http://schemas.openxmlformats.org/drawingml/2006/main" xmlns:r="http://schemas.openxmlformats.org/officeDocument/2006/relationships" xmlns:p="http://schemas.openxmlformats.org/presentationml/2006/main">
   <p:cSld>
     <p:spTree>
@@ -10530,7 +10932,7 @@
             <a:fld id="{C503DA3A-0C6B-48FC-931E-2C786AAFD5C1}" type="slidenum">
               <a:rPr lang="en-US" altLang="nl-NL" smtClean="0"/>
               <a:pPr/>
-              <a:t>17</a:t>
+              <a:t>18</a:t>
             </a:fld>
             <a:endParaRPr lang="en-US" altLang="nl-NL" dirty="0"/>
           </a:p>
@@ -10586,7 +10988,7 @@
 </p:sld>
 </file>
 
-<file path=ppt/slides/slide18.xml><?xml version="1.0" encoding="utf-8"?>
+<file path=ppt/slides/slide19.xml><?xml version="1.0" encoding="utf-8"?>
 <p:sld xmlns:a="http://schemas.openxmlformats.org/drawingml/2006/main" xmlns:r="http://schemas.openxmlformats.org/officeDocument/2006/relationships" xmlns:p="http://schemas.openxmlformats.org/presentationml/2006/main">
   <p:cSld>
     <p:spTree>
@@ -10777,7 +11179,7 @@
             <a:fld id="{C503DA3A-0C6B-48FC-931E-2C786AAFD5C1}" type="slidenum">
               <a:rPr lang="en-US" altLang="nl-NL" smtClean="0"/>
               <a:pPr/>
-              <a:t>18</a:t>
+              <a:t>19</a:t>
             </a:fld>
             <a:endParaRPr lang="en-US" altLang="nl-NL" dirty="0"/>
           </a:p>
@@ -10880,7 +11282,226 @@
 </p:sld>
 </file>
 
-<file path=ppt/slides/slide19.xml><?xml version="1.0" encoding="utf-8"?>
+<file path=ppt/slides/slide2.xml><?xml version="1.0" encoding="utf-8"?>
+<p:sld xmlns:a="http://schemas.openxmlformats.org/drawingml/2006/main" xmlns:r="http://schemas.openxmlformats.org/officeDocument/2006/relationships" xmlns:p="http://schemas.openxmlformats.org/presentationml/2006/main">
+  <p:cSld>
+    <p:spTree>
+      <p:nvGrpSpPr>
+        <p:cNvPr id="1" name=""/>
+        <p:cNvGrpSpPr/>
+        <p:nvPr/>
+      </p:nvGrpSpPr>
+      <p:grpSpPr>
+        <a:xfrm>
+          <a:off x="0" y="0"/>
+          <a:ext cx="0" cy="0"/>
+          <a:chOff x="0" y="0"/>
+          <a:chExt cx="0" cy="0"/>
+        </a:xfrm>
+      </p:grpSpPr>
+      <p:sp>
+        <p:nvSpPr>
+          <p:cNvPr id="2" name="Titolo 1"/>
+          <p:cNvSpPr>
+            <a:spLocks noGrp="1"/>
+          </p:cNvSpPr>
+          <p:nvPr>
+            <p:ph type="title"/>
+          </p:nvPr>
+        </p:nvSpPr>
+        <p:spPr/>
+        <p:txBody>
+          <a:bodyPr/>
+          <a:lstStyle/>
+          <a:p>
+            <a:r>
+              <a:rPr lang="it-IT" dirty="0" smtClean="0"/>
+              <a:t>Indice</a:t>
+            </a:r>
+            <a:endParaRPr lang="it-IT" dirty="0"/>
+          </a:p>
+        </p:txBody>
+      </p:sp>
+      <p:sp>
+        <p:nvSpPr>
+          <p:cNvPr id="3" name="Segnaposto contenuto 2"/>
+          <p:cNvSpPr>
+            <a:spLocks noGrp="1"/>
+          </p:cNvSpPr>
+          <p:nvPr>
+            <p:ph idx="1"/>
+          </p:nvPr>
+        </p:nvSpPr>
+        <p:spPr>
+          <a:xfrm>
+            <a:off x="609600" y="891778"/>
+            <a:ext cx="7784892" cy="5531644"/>
+          </a:xfrm>
+        </p:spPr>
+        <p:txBody>
+          <a:bodyPr/>
+          <a:lstStyle/>
+          <a:p>
+            <a:r>
+              <a:rPr lang="it-IT" sz="2400" dirty="0"/>
+              <a:t>Interferometria</a:t>
+            </a:r>
+          </a:p>
+          <a:p>
+            <a:pPr lvl="1"/>
+            <a:r>
+              <a:rPr lang="it-IT" sz="2000" dirty="0"/>
+              <a:t>Interferometria a self-mixing</a:t>
+            </a:r>
+          </a:p>
+          <a:p>
+            <a:pPr lvl="1"/>
+            <a:r>
+              <a:rPr lang="it-IT" sz="2000" dirty="0"/>
+              <a:t>Misura della distanza</a:t>
+            </a:r>
+          </a:p>
+          <a:p>
+            <a:r>
+              <a:rPr lang="it-IT" sz="2400" dirty="0"/>
+              <a:t>Architettura hardware</a:t>
+            </a:r>
+          </a:p>
+          <a:p>
+            <a:pPr lvl="1"/>
+            <a:r>
+              <a:rPr lang="it-IT" sz="2000" dirty="0" smtClean="0"/>
+              <a:t>Sistema analogico</a:t>
+            </a:r>
+          </a:p>
+          <a:p>
+            <a:pPr lvl="1"/>
+            <a:r>
+              <a:rPr lang="it-IT" sz="2000" dirty="0"/>
+              <a:t>Sistema di </a:t>
+            </a:r>
+            <a:r>
+              <a:rPr lang="it-IT" sz="2000" dirty="0" smtClean="0"/>
+              <a:t>conversione</a:t>
+            </a:r>
+            <a:endParaRPr lang="it-IT" sz="2000" dirty="0"/>
+          </a:p>
+          <a:p>
+            <a:pPr lvl="1"/>
+            <a:r>
+              <a:rPr lang="it-IT" sz="2000" dirty="0" smtClean="0"/>
+              <a:t>Sistema digitale</a:t>
+            </a:r>
+            <a:endParaRPr lang="it-IT" sz="2000" dirty="0"/>
+          </a:p>
+          <a:p>
+            <a:r>
+              <a:rPr lang="it-IT" sz="2400" dirty="0" smtClean="0"/>
+              <a:t>Architettura </a:t>
+            </a:r>
+            <a:r>
+              <a:rPr lang="it-IT" sz="2400" dirty="0"/>
+              <a:t>software</a:t>
+            </a:r>
+          </a:p>
+          <a:p>
+            <a:pPr lvl="1"/>
+            <a:r>
+              <a:rPr lang="it-IT" sz="2000" dirty="0"/>
+              <a:t>Dettagli </a:t>
+            </a:r>
+            <a:r>
+              <a:rPr lang="it-IT" sz="2000" dirty="0" smtClean="0"/>
+              <a:t>implementativi</a:t>
+            </a:r>
+          </a:p>
+          <a:p>
+            <a:pPr lvl="1"/>
+            <a:r>
+              <a:rPr lang="it-IT" sz="2000" dirty="0" smtClean="0"/>
+              <a:t>FPGA</a:t>
+            </a:r>
+            <a:endParaRPr lang="it-IT" sz="2000" dirty="0"/>
+          </a:p>
+          <a:p>
+            <a:pPr lvl="1"/>
+            <a:r>
+              <a:rPr lang="it-IT" sz="2000" dirty="0" smtClean="0"/>
+              <a:t>Microcontrollore</a:t>
+            </a:r>
+          </a:p>
+          <a:p>
+            <a:pPr lvl="1"/>
+            <a:r>
+              <a:rPr lang="it-IT" sz="2000" dirty="0" smtClean="0"/>
+              <a:t>Ottimizzazioni</a:t>
+            </a:r>
+            <a:endParaRPr lang="it-IT" sz="2000" dirty="0"/>
+          </a:p>
+          <a:p>
+            <a:r>
+              <a:rPr lang="it-IT" sz="2400" dirty="0"/>
+              <a:t>Risultati </a:t>
+            </a:r>
+            <a:r>
+              <a:rPr lang="it-IT" sz="2400" dirty="0" smtClean="0"/>
+              <a:t>sperimentali</a:t>
+            </a:r>
+            <a:endParaRPr lang="it-IT" sz="2400" dirty="0"/>
+          </a:p>
+          <a:p>
+            <a:r>
+              <a:rPr lang="it-IT" sz="2400" dirty="0"/>
+              <a:t>Conclusioni e sviluppi futuri</a:t>
+            </a:r>
+          </a:p>
+        </p:txBody>
+      </p:sp>
+      <p:sp>
+        <p:nvSpPr>
+          <p:cNvPr id="4" name="Segnaposto numero diapositiva 3"/>
+          <p:cNvSpPr>
+            <a:spLocks noGrp="1"/>
+          </p:cNvSpPr>
+          <p:nvPr>
+            <p:ph type="sldNum" sz="quarter" idx="11"/>
+          </p:nvPr>
+        </p:nvSpPr>
+        <p:spPr/>
+        <p:txBody>
+          <a:bodyPr/>
+          <a:lstStyle/>
+          <a:p>
+            <a:fld id="{C503DA3A-0C6B-48FC-931E-2C786AAFD5C1}" type="slidenum">
+              <a:rPr lang="en-US" altLang="nl-NL" smtClean="0"/>
+              <a:pPr/>
+              <a:t>2</a:t>
+            </a:fld>
+            <a:endParaRPr lang="en-US" altLang="nl-NL"/>
+          </a:p>
+        </p:txBody>
+      </p:sp>
+    </p:spTree>
+    <p:extLst>
+      <p:ext uri="{BB962C8B-B14F-4D97-AF65-F5344CB8AC3E}">
+        <p14:creationId xmlns:p14="http://schemas.microsoft.com/office/powerpoint/2010/main" val="3953617699"/>
+      </p:ext>
+    </p:extLst>
+  </p:cSld>
+  <p:clrMapOvr>
+    <a:masterClrMapping/>
+  </p:clrMapOvr>
+  <p:timing>
+    <p:tnLst>
+      <p:par>
+        <p:cTn id="1" dur="indefinite" restart="never" nodeType="tmRoot"/>
+      </p:par>
+    </p:tnLst>
+  </p:timing>
+</p:sld>
+</file>
+
+<file path=ppt/slides/slide20.xml><?xml version="1.0" encoding="utf-8"?>
 <p:sld xmlns:a="http://schemas.openxmlformats.org/drawingml/2006/main" xmlns:r="http://schemas.openxmlformats.org/officeDocument/2006/relationships" xmlns:p="http://schemas.openxmlformats.org/presentationml/2006/main">
   <p:cSld>
     <p:spTree>
@@ -11024,7 +11645,13 @@
                       <a:rPr lang="it-IT" sz="1600" b="0" i="1" dirty="0" smtClean="0">
                         <a:latin typeface="Cambria Math" charset="0"/>
                       </a:rPr>
-                      <m:t>+1</m:t>
+                      <m:t>+</m:t>
+                    </m:r>
+                    <m:r>
+                      <a:rPr lang="it-IT" sz="1600" b="0" i="1" dirty="0" smtClean="0">
+                        <a:latin typeface="Cambria Math" charset="0"/>
+                      </a:rPr>
+                      <m:t>1</m:t>
                     </m:r>
                   </m:oMath>
                 </a14:m>
@@ -11047,7 +11674,7 @@
                         <m:endChr m:val="|"/>
                         <m:ctrlPr>
                           <a:rPr lang="it-IT" sz="1600" i="1">
-                            <a:latin typeface="Cambria Math" charset="0"/>
+                            <a:latin typeface="Cambria Math" panose="02040503050406030204" pitchFamily="18" charset="0"/>
                           </a:rPr>
                         </m:ctrlPr>
                       </m:dPr>
@@ -11056,7 +11683,7 @@
                           <m:sSubPr>
                             <m:ctrlPr>
                               <a:rPr lang="it-IT" sz="1600" i="1">
-                                <a:latin typeface="Cambria Math" charset="0"/>
+                                <a:latin typeface="Cambria Math" panose="02040503050406030204" pitchFamily="18" charset="0"/>
                               </a:rPr>
                             </m:ctrlPr>
                           </m:sSubPr>
@@ -11103,7 +11730,7 @@
                         <m:endChr m:val="|"/>
                         <m:ctrlPr>
                           <a:rPr lang="it-IT" sz="1600" i="1">
-                            <a:latin typeface="Cambria Math" charset="0"/>
+                            <a:latin typeface="Cambria Math" panose="02040503050406030204" pitchFamily="18" charset="0"/>
                           </a:rPr>
                         </m:ctrlPr>
                       </m:dPr>
@@ -11112,7 +11739,7 @@
                           <m:sSubPr>
                             <m:ctrlPr>
                               <a:rPr lang="it-IT" sz="1600" i="1">
-                                <a:latin typeface="Cambria Math" charset="0"/>
+                                <a:latin typeface="Cambria Math" panose="02040503050406030204" pitchFamily="18" charset="0"/>
                               </a:rPr>
                             </m:ctrlPr>
                           </m:sSubPr>
@@ -11135,7 +11762,13 @@
                               <a:rPr lang="it-IT" sz="1600" b="0" i="1" smtClean="0">
                                 <a:latin typeface="Cambria Math" charset="0"/>
                               </a:rPr>
-                              <m:t>+1</m:t>
+                              <m:t>+</m:t>
+                            </m:r>
+                            <m:r>
+                              <a:rPr lang="it-IT" sz="1600" b="0" i="1" smtClean="0">
+                                <a:latin typeface="Cambria Math" charset="0"/>
+                              </a:rPr>
+                              <m:t>1</m:t>
                             </m:r>
                           </m:sub>
                         </m:sSub>
@@ -11201,7 +11834,7 @@
                       <m:fPr>
                         <m:ctrlPr>
                           <a:rPr lang="it-IT" sz="1600" b="0" i="1" smtClean="0">
-                            <a:latin typeface="Cambria Math" charset="0"/>
+                            <a:latin typeface="Cambria Math" panose="02040503050406030204" pitchFamily="18" charset="0"/>
                           </a:rPr>
                         </m:ctrlPr>
                       </m:fPr>
@@ -11218,7 +11851,7 @@
                             <m:endChr m:val="|"/>
                             <m:ctrlPr>
                               <a:rPr lang="it-IT" sz="1600" b="0" i="1" smtClean="0">
-                                <a:latin typeface="Cambria Math" charset="0"/>
+                                <a:latin typeface="Cambria Math" panose="02040503050406030204" pitchFamily="18" charset="0"/>
                               </a:rPr>
                             </m:ctrlPr>
                           </m:dPr>
@@ -11227,7 +11860,7 @@
                               <m:sSubPr>
                                 <m:ctrlPr>
                                   <a:rPr lang="it-IT" sz="1600" b="0" i="1" smtClean="0">
-                                    <a:latin typeface="Cambria Math" charset="0"/>
+                                    <a:latin typeface="Cambria Math" panose="02040503050406030204" pitchFamily="18" charset="0"/>
                                   </a:rPr>
                                 </m:ctrlPr>
                               </m:sSubPr>
@@ -11250,7 +11883,13 @@
                                   <a:rPr lang="it-IT" sz="1600" b="0" i="1" smtClean="0">
                                     <a:latin typeface="Cambria Math" charset="0"/>
                                   </a:rPr>
-                                  <m:t>+1</m:t>
+                                  <m:t>+</m:t>
+                                </m:r>
+                                <m:r>
+                                  <a:rPr lang="it-IT" sz="1600" b="0" i="1" smtClean="0">
+                                    <a:latin typeface="Cambria Math" charset="0"/>
+                                  </a:rPr>
+                                  <m:t>1</m:t>
                                 </m:r>
                               </m:sub>
                             </m:sSub>
@@ -11268,7 +11907,7 @@
                             <m:endChr m:val="|"/>
                             <m:ctrlPr>
                               <a:rPr lang="it-IT" sz="1600" i="1">
-                                <a:latin typeface="Cambria Math" charset="0"/>
+                                <a:latin typeface="Cambria Math" panose="02040503050406030204" pitchFamily="18" charset="0"/>
                               </a:rPr>
                             </m:ctrlPr>
                           </m:dPr>
@@ -11277,7 +11916,7 @@
                               <m:sSubPr>
                                 <m:ctrlPr>
                                   <a:rPr lang="it-IT" sz="1600" i="1">
-                                    <a:latin typeface="Cambria Math" charset="0"/>
+                                    <a:latin typeface="Cambria Math" panose="02040503050406030204" pitchFamily="18" charset="0"/>
                                   </a:rPr>
                                 </m:ctrlPr>
                               </m:sSubPr>
@@ -11308,7 +11947,7 @@
                             <m:endChr m:val="|"/>
                             <m:ctrlPr>
                               <a:rPr lang="it-IT" sz="1600" i="1">
-                                <a:latin typeface="Cambria Math" charset="0"/>
+                                <a:latin typeface="Cambria Math" panose="02040503050406030204" pitchFamily="18" charset="0"/>
                               </a:rPr>
                             </m:ctrlPr>
                           </m:dPr>
@@ -11317,7 +11956,7 @@
                               <m:sSubPr>
                                 <m:ctrlPr>
                                   <a:rPr lang="it-IT" sz="1600" i="1">
-                                    <a:latin typeface="Cambria Math" charset="0"/>
+                                    <a:latin typeface="Cambria Math" panose="02040503050406030204" pitchFamily="18" charset="0"/>
                                   </a:rPr>
                                 </m:ctrlPr>
                               </m:sSubPr>
@@ -11340,7 +11979,13 @@
                                   <a:rPr lang="it-IT" sz="1600" i="1">
                                     <a:latin typeface="Cambria Math" charset="0"/>
                                   </a:rPr>
-                                  <m:t>+1</m:t>
+                                  <m:t>+</m:t>
+                                </m:r>
+                                <m:r>
+                                  <a:rPr lang="it-IT" sz="1600" i="1">
+                                    <a:latin typeface="Cambria Math" charset="0"/>
+                                  </a:rPr>
+                                  <m:t>1</m:t>
                                 </m:r>
                               </m:sub>
                             </m:sSub>
@@ -11358,7 +12003,7 @@
                             <m:endChr m:val="|"/>
                             <m:ctrlPr>
                               <a:rPr lang="it-IT" sz="1600" i="1">
-                                <a:latin typeface="Cambria Math" charset="0"/>
+                                <a:latin typeface="Cambria Math" panose="02040503050406030204" pitchFamily="18" charset="0"/>
                               </a:rPr>
                             </m:ctrlPr>
                           </m:dPr>
@@ -11367,7 +12012,7 @@
                               <m:sSubPr>
                                 <m:ctrlPr>
                                   <a:rPr lang="it-IT" sz="1600" i="1">
-                                    <a:latin typeface="Cambria Math" charset="0"/>
+                                    <a:latin typeface="Cambria Math" panose="02040503050406030204" pitchFamily="18" charset="0"/>
                                   </a:rPr>
                                 </m:ctrlPr>
                               </m:sSubPr>
@@ -11429,7 +12074,7 @@
                       <m:sSubPr>
                         <m:ctrlPr>
                           <a:rPr lang="it-IT" sz="1600" i="1" smtClean="0">
-                            <a:latin typeface="Cambria Math" charset="0"/>
+                            <a:latin typeface="Cambria Math" panose="02040503050406030204" pitchFamily="18" charset="0"/>
                           </a:rPr>
                         </m:ctrlPr>
                       </m:sSubPr>
@@ -11460,7 +12105,7 @@
                       <m:dPr>
                         <m:ctrlPr>
                           <a:rPr lang="it-IT" sz="1600" b="0" i="1" smtClean="0">
-                            <a:latin typeface="Cambria Math" charset="0"/>
+                            <a:latin typeface="Cambria Math" panose="02040503050406030204" pitchFamily="18" charset="0"/>
                           </a:rPr>
                         </m:ctrlPr>
                       </m:dPr>
@@ -11547,7 +12192,7 @@
                       <m:fPr>
                         <m:ctrlPr>
                           <a:rPr lang="it-IT" sz="1600" b="0" i="1" smtClean="0">
-                            <a:latin typeface="Cambria Math" charset="0"/>
+                            <a:latin typeface="Cambria Math" panose="02040503050406030204" pitchFamily="18" charset="0"/>
                           </a:rPr>
                         </m:ctrlPr>
                       </m:fPr>
@@ -11556,7 +12201,7 @@
                           <m:sSubPr>
                             <m:ctrlPr>
                               <a:rPr lang="it-IT" sz="1600" b="0" i="1" smtClean="0">
-                                <a:latin typeface="Cambria Math" charset="0"/>
+                                <a:latin typeface="Cambria Math" panose="02040503050406030204" pitchFamily="18" charset="0"/>
                               </a:rPr>
                             </m:ctrlPr>
                           </m:sSubPr>
@@ -11681,7 +12326,7 @@
             <a:fld id="{C503DA3A-0C6B-48FC-931E-2C786AAFD5C1}" type="slidenum">
               <a:rPr lang="en-US" altLang="nl-NL" smtClean="0"/>
               <a:pPr/>
-              <a:t>19</a:t>
+              <a:t>20</a:t>
             </a:fld>
             <a:endParaRPr lang="en-US" altLang="nl-NL"/>
           </a:p>
@@ -11746,7 +12391,7 @@
                         <m:fPr>
                           <m:ctrlPr>
                             <a:rPr lang="it-IT" i="1" smtClean="0">
-                              <a:latin typeface="Cambria Math" charset="0"/>
+                              <a:latin typeface="Cambria Math" panose="02040503050406030204" pitchFamily="18" charset="0"/>
                               <a:ea typeface="Cambria Math" charset="0"/>
                               <a:cs typeface="Cambria Math" charset="0"/>
                             </a:rPr>
@@ -11757,7 +12402,7 @@
                             <m:sSubPr>
                               <m:ctrlPr>
                                 <a:rPr lang="it-IT" i="1" smtClean="0">
-                                  <a:latin typeface="Cambria Math" charset="0"/>
+                                  <a:latin typeface="Cambria Math" panose="02040503050406030204" pitchFamily="18" charset="0"/>
                                   <a:ea typeface="Cambria Math" charset="0"/>
                                   <a:cs typeface="Cambria Math" charset="0"/>
                                 </a:rPr>
@@ -11796,7 +12441,7 @@
                             <m:sSubPr>
                               <m:ctrlPr>
                                 <a:rPr lang="it-IT" b="0" i="1" smtClean="0">
-                                  <a:latin typeface="Cambria Math" charset="0"/>
+                                  <a:latin typeface="Cambria Math" panose="02040503050406030204" pitchFamily="18" charset="0"/>
                                   <a:ea typeface="Cambria Math" charset="0"/>
                                   <a:cs typeface="Cambria Math" charset="0"/>
                                 </a:rPr>
@@ -11932,226 +12577,7 @@
 </p:sld>
 </file>
 
-<file path=ppt/slides/slide2.xml><?xml version="1.0" encoding="utf-8"?>
-<p:sld xmlns:a="http://schemas.openxmlformats.org/drawingml/2006/main" xmlns:r="http://schemas.openxmlformats.org/officeDocument/2006/relationships" xmlns:p="http://schemas.openxmlformats.org/presentationml/2006/main">
-  <p:cSld>
-    <p:spTree>
-      <p:nvGrpSpPr>
-        <p:cNvPr id="1" name=""/>
-        <p:cNvGrpSpPr/>
-        <p:nvPr/>
-      </p:nvGrpSpPr>
-      <p:grpSpPr>
-        <a:xfrm>
-          <a:off x="0" y="0"/>
-          <a:ext cx="0" cy="0"/>
-          <a:chOff x="0" y="0"/>
-          <a:chExt cx="0" cy="0"/>
-        </a:xfrm>
-      </p:grpSpPr>
-      <p:sp>
-        <p:nvSpPr>
-          <p:cNvPr id="2" name="Titolo 1"/>
-          <p:cNvSpPr>
-            <a:spLocks noGrp="1"/>
-          </p:cNvSpPr>
-          <p:nvPr>
-            <p:ph type="title"/>
-          </p:nvPr>
-        </p:nvSpPr>
-        <p:spPr/>
-        <p:txBody>
-          <a:bodyPr/>
-          <a:lstStyle/>
-          <a:p>
-            <a:r>
-              <a:rPr lang="it-IT" dirty="0" smtClean="0"/>
-              <a:t>Indice</a:t>
-            </a:r>
-            <a:endParaRPr lang="it-IT" dirty="0"/>
-          </a:p>
-        </p:txBody>
-      </p:sp>
-      <p:sp>
-        <p:nvSpPr>
-          <p:cNvPr id="3" name="Segnaposto contenuto 2"/>
-          <p:cNvSpPr>
-            <a:spLocks noGrp="1"/>
-          </p:cNvSpPr>
-          <p:nvPr>
-            <p:ph idx="1"/>
-          </p:nvPr>
-        </p:nvSpPr>
-        <p:spPr>
-          <a:xfrm>
-            <a:off x="609600" y="891778"/>
-            <a:ext cx="7784892" cy="5531644"/>
-          </a:xfrm>
-        </p:spPr>
-        <p:txBody>
-          <a:bodyPr/>
-          <a:lstStyle/>
-          <a:p>
-            <a:r>
-              <a:rPr lang="it-IT" sz="2400" dirty="0"/>
-              <a:t>Interferometria</a:t>
-            </a:r>
-          </a:p>
-          <a:p>
-            <a:pPr lvl="1"/>
-            <a:r>
-              <a:rPr lang="it-IT" sz="2000" dirty="0"/>
-              <a:t>Interferometria a self-mixing</a:t>
-            </a:r>
-          </a:p>
-          <a:p>
-            <a:pPr lvl="1"/>
-            <a:r>
-              <a:rPr lang="it-IT" sz="2000" dirty="0"/>
-              <a:t>Misura della distanza</a:t>
-            </a:r>
-          </a:p>
-          <a:p>
-            <a:r>
-              <a:rPr lang="it-IT" sz="2400" dirty="0"/>
-              <a:t>Architettura hardware</a:t>
-            </a:r>
-          </a:p>
-          <a:p>
-            <a:pPr lvl="1"/>
-            <a:r>
-              <a:rPr lang="it-IT" sz="2000" dirty="0" smtClean="0"/>
-              <a:t>Sistema analogico</a:t>
-            </a:r>
-          </a:p>
-          <a:p>
-            <a:pPr lvl="1"/>
-            <a:r>
-              <a:rPr lang="it-IT" sz="2000" dirty="0"/>
-              <a:t>Sistema di </a:t>
-            </a:r>
-            <a:r>
-              <a:rPr lang="it-IT" sz="2000" dirty="0" smtClean="0"/>
-              <a:t>conversione</a:t>
-            </a:r>
-            <a:endParaRPr lang="it-IT" sz="2000" dirty="0"/>
-          </a:p>
-          <a:p>
-            <a:pPr lvl="1"/>
-            <a:r>
-              <a:rPr lang="it-IT" sz="2000" dirty="0" smtClean="0"/>
-              <a:t>Sistema digitale</a:t>
-            </a:r>
-            <a:endParaRPr lang="it-IT" sz="2000" dirty="0"/>
-          </a:p>
-          <a:p>
-            <a:r>
-              <a:rPr lang="it-IT" sz="2400" dirty="0" smtClean="0"/>
-              <a:t>Architettura </a:t>
-            </a:r>
-            <a:r>
-              <a:rPr lang="it-IT" sz="2400" dirty="0"/>
-              <a:t>software</a:t>
-            </a:r>
-          </a:p>
-          <a:p>
-            <a:pPr lvl="1"/>
-            <a:r>
-              <a:rPr lang="it-IT" sz="2000" dirty="0"/>
-              <a:t>Dettagli </a:t>
-            </a:r>
-            <a:r>
-              <a:rPr lang="it-IT" sz="2000" dirty="0" smtClean="0"/>
-              <a:t>implementativi</a:t>
-            </a:r>
-          </a:p>
-          <a:p>
-            <a:pPr lvl="1"/>
-            <a:r>
-              <a:rPr lang="it-IT" sz="2000" dirty="0" smtClean="0"/>
-              <a:t>FPGA</a:t>
-            </a:r>
-            <a:endParaRPr lang="it-IT" sz="2000" dirty="0"/>
-          </a:p>
-          <a:p>
-            <a:pPr lvl="1"/>
-            <a:r>
-              <a:rPr lang="it-IT" sz="2000" dirty="0" smtClean="0"/>
-              <a:t>Microcontrollore</a:t>
-            </a:r>
-          </a:p>
-          <a:p>
-            <a:pPr lvl="1"/>
-            <a:r>
-              <a:rPr lang="it-IT" sz="2000" dirty="0" smtClean="0"/>
-              <a:t>Ottimizzazioni</a:t>
-            </a:r>
-            <a:endParaRPr lang="it-IT" sz="2000" dirty="0"/>
-          </a:p>
-          <a:p>
-            <a:r>
-              <a:rPr lang="it-IT" sz="2400" dirty="0"/>
-              <a:t>Risultati </a:t>
-            </a:r>
-            <a:r>
-              <a:rPr lang="it-IT" sz="2400" dirty="0" smtClean="0"/>
-              <a:t>sperimentali</a:t>
-            </a:r>
-            <a:endParaRPr lang="it-IT" sz="2400" dirty="0"/>
-          </a:p>
-          <a:p>
-            <a:r>
-              <a:rPr lang="it-IT" sz="2400" dirty="0"/>
-              <a:t>Conclusioni e sviluppi futuri</a:t>
-            </a:r>
-          </a:p>
-        </p:txBody>
-      </p:sp>
-      <p:sp>
-        <p:nvSpPr>
-          <p:cNvPr id="4" name="Segnaposto numero diapositiva 3"/>
-          <p:cNvSpPr>
-            <a:spLocks noGrp="1"/>
-          </p:cNvSpPr>
-          <p:nvPr>
-            <p:ph type="sldNum" sz="quarter" idx="11"/>
-          </p:nvPr>
-        </p:nvSpPr>
-        <p:spPr/>
-        <p:txBody>
-          <a:bodyPr/>
-          <a:lstStyle/>
-          <a:p>
-            <a:fld id="{C503DA3A-0C6B-48FC-931E-2C786AAFD5C1}" type="slidenum">
-              <a:rPr lang="en-US" altLang="nl-NL" smtClean="0"/>
-              <a:pPr/>
-              <a:t>2</a:t>
-            </a:fld>
-            <a:endParaRPr lang="en-US" altLang="nl-NL"/>
-          </a:p>
-        </p:txBody>
-      </p:sp>
-    </p:spTree>
-    <p:extLst>
-      <p:ext uri="{BB962C8B-B14F-4D97-AF65-F5344CB8AC3E}">
-        <p14:creationId xmlns:p14="http://schemas.microsoft.com/office/powerpoint/2010/main" val="3953617699"/>
-      </p:ext>
-    </p:extLst>
-  </p:cSld>
-  <p:clrMapOvr>
-    <a:masterClrMapping/>
-  </p:clrMapOvr>
-  <p:timing>
-    <p:tnLst>
-      <p:par>
-        <p:cTn id="1" dur="indefinite" restart="never" nodeType="tmRoot"/>
-      </p:par>
-    </p:tnLst>
-  </p:timing>
-</p:sld>
-</file>
-
-<file path=ppt/slides/slide20.xml><?xml version="1.0" encoding="utf-8"?>
+<file path=ppt/slides/slide21.xml><?xml version="1.0" encoding="utf-8"?>
 <p:sld xmlns:a="http://schemas.openxmlformats.org/drawingml/2006/main" xmlns:r="http://schemas.openxmlformats.org/officeDocument/2006/relationships" xmlns:p="http://schemas.openxmlformats.org/presentationml/2006/main">
   <p:cSld>
     <p:spTree>
@@ -12324,7 +12750,7 @@
             <a:fld id="{C503DA3A-0C6B-48FC-931E-2C786AAFD5C1}" type="slidenum">
               <a:rPr lang="en-US" altLang="nl-NL" smtClean="0"/>
               <a:pPr/>
-              <a:t>20</a:t>
+              <a:t>21</a:t>
             </a:fld>
             <a:endParaRPr lang="en-US" altLang="nl-NL"/>
           </a:p>
@@ -12522,7 +12948,7 @@
 </p:sld>
 </file>
 
-<file path=ppt/slides/slide21.xml><?xml version="1.0" encoding="utf-8"?>
+<file path=ppt/slides/slide22.xml><?xml version="1.0" encoding="utf-8"?>
 <p:sld xmlns:a="http://schemas.openxmlformats.org/drawingml/2006/main" xmlns:r="http://schemas.openxmlformats.org/officeDocument/2006/relationships" xmlns:p="http://schemas.openxmlformats.org/presentationml/2006/main">
   <p:cSld>
     <p:spTree>
@@ -12632,7 +13058,7 @@
             <a:fld id="{C503DA3A-0C6B-48FC-931E-2C786AAFD5C1}" type="slidenum">
               <a:rPr lang="en-US" altLang="nl-NL" smtClean="0"/>
               <a:pPr/>
-              <a:t>21</a:t>
+              <a:t>22</a:t>
             </a:fld>
             <a:endParaRPr lang="en-US" altLang="nl-NL"/>
           </a:p>
@@ -12809,7 +13235,7 @@
 </p:sld>
 </file>
 
-<file path=ppt/slides/slide22.xml><?xml version="1.0" encoding="utf-8"?>
+<file path=ppt/slides/slide23.xml><?xml version="1.0" encoding="utf-8"?>
 <p:sld xmlns:a="http://schemas.openxmlformats.org/drawingml/2006/main" xmlns:r="http://schemas.openxmlformats.org/officeDocument/2006/relationships" xmlns:p="http://schemas.openxmlformats.org/presentationml/2006/main">
   <p:cSld>
     <p:spTree>
@@ -13081,7 +13507,7 @@
             <a:fld id="{C503DA3A-0C6B-48FC-931E-2C786AAFD5C1}" type="slidenum">
               <a:rPr lang="en-US" altLang="nl-NL" smtClean="0"/>
               <a:pPr/>
-              <a:t>22</a:t>
+              <a:t>23</a:t>
             </a:fld>
             <a:endParaRPr lang="en-US" altLang="nl-NL"/>
           </a:p>
@@ -13107,7 +13533,7 @@
 </p:sld>
 </file>
 
-<file path=ppt/slides/slide23.xml><?xml version="1.0" encoding="utf-8"?>
+<file path=ppt/slides/slide24.xml><?xml version="1.0" encoding="utf-8"?>
 <p:sld xmlns:a="http://schemas.openxmlformats.org/drawingml/2006/main" xmlns:r="http://schemas.openxmlformats.org/officeDocument/2006/relationships" xmlns:p="http://schemas.openxmlformats.org/presentationml/2006/main">
   <p:cSld>
     <p:spTree>
@@ -13206,7 +13632,7 @@
             <a:fld id="{C503DA3A-0C6B-48FC-931E-2C786AAFD5C1}" type="slidenum">
               <a:rPr lang="en-US" altLang="nl-NL" smtClean="0"/>
               <a:pPr/>
-              <a:t>23</a:t>
+              <a:t>24</a:t>
             </a:fld>
             <a:endParaRPr lang="en-US" altLang="nl-NL"/>
           </a:p>
@@ -13262,7 +13688,7 @@
 </p:sld>
 </file>
 
-<file path=ppt/slides/slide24.xml><?xml version="1.0" encoding="utf-8"?>
+<file path=ppt/slides/slide25.xml><?xml version="1.0" encoding="utf-8"?>
 <p:sld xmlns:a="http://schemas.openxmlformats.org/drawingml/2006/main" xmlns:r="http://schemas.openxmlformats.org/officeDocument/2006/relationships" xmlns:p="http://schemas.openxmlformats.org/presentationml/2006/main">
   <p:cSld>
     <p:spTree>
@@ -13383,7 +13809,7 @@
                       <m:sSupPr>
                         <m:ctrlPr>
                           <a:rPr lang="it-IT" sz="2000" b="1" i="1">
-                            <a:latin typeface="Cambria Math" charset="0"/>
+                            <a:latin typeface="Cambria Math" panose="02040503050406030204" pitchFamily="18" charset="0"/>
                             <a:ea typeface="Lucida Grande" charset="0"/>
                             <a:cs typeface="Lucida Grande" charset="0"/>
                           </a:rPr>
@@ -13410,7 +13836,17 @@
                             <a:ea typeface="Lucida Grande" charset="0"/>
                             <a:cs typeface="Lucida Grande" charset="0"/>
                           </a:rPr>
-                          <m:t>−4</m:t>
+                          <m:t>−</m:t>
+                        </m:r>
+                        <m:r>
+                          <m:rPr>
+                            <m:nor/>
+                          </m:rPr>
+                          <a:rPr lang="it-IT" sz="2000" b="1">
+                            <a:ea typeface="Lucida Grande" charset="0"/>
+                            <a:cs typeface="Lucida Grande" charset="0"/>
+                          </a:rPr>
+                          <m:t>4</m:t>
                         </m:r>
                       </m:sup>
                     </m:sSup>
@@ -13434,7 +13870,7 @@
                       <m:sSupPr>
                         <m:ctrlPr>
                           <a:rPr lang="it-IT" sz="2000" b="1" i="1">
-                            <a:latin typeface="Cambria Math" charset="0"/>
+                            <a:latin typeface="Cambria Math" panose="02040503050406030204" pitchFamily="18" charset="0"/>
                             <a:ea typeface="Lucida Grande" charset="0"/>
                             <a:cs typeface="Lucida Grande" charset="0"/>
                           </a:rPr>
@@ -13461,7 +13897,17 @@
                             <a:ea typeface="Lucida Grande" charset="0"/>
                             <a:cs typeface="Lucida Grande" charset="0"/>
                           </a:rPr>
-                          <m:t>−4</m:t>
+                          <m:t>−</m:t>
+                        </m:r>
+                        <m:r>
+                          <m:rPr>
+                            <m:nor/>
+                          </m:rPr>
+                          <a:rPr lang="it-IT" sz="2000" b="1">
+                            <a:ea typeface="Lucida Grande" charset="0"/>
+                            <a:cs typeface="Lucida Grande" charset="0"/>
+                          </a:rPr>
+                          <m:t>4</m:t>
                         </m:r>
                       </m:sup>
                     </m:sSup>
@@ -13485,7 +13931,7 @@
                       <m:sSupPr>
                         <m:ctrlPr>
                           <a:rPr lang="it-IT" sz="2000" b="1" i="1">
-                            <a:latin typeface="Cambria Math" charset="0"/>
+                            <a:latin typeface="Cambria Math" panose="02040503050406030204" pitchFamily="18" charset="0"/>
                             <a:ea typeface="Lucida Grande" charset="0"/>
                             <a:cs typeface="Lucida Grande" charset="0"/>
                           </a:rPr>
@@ -13512,7 +13958,17 @@
                             <a:ea typeface="Lucida Grande" charset="0"/>
                             <a:cs typeface="Lucida Grande" charset="0"/>
                           </a:rPr>
-                          <m:t>−4</m:t>
+                          <m:t>−</m:t>
+                        </m:r>
+                        <m:r>
+                          <m:rPr>
+                            <m:nor/>
+                          </m:rPr>
+                          <a:rPr lang="it-IT" sz="2000" b="1">
+                            <a:ea typeface="Lucida Grande" charset="0"/>
+                            <a:cs typeface="Lucida Grande" charset="0"/>
+                          </a:rPr>
+                          <m:t>4</m:t>
                         </m:r>
                       </m:sup>
                     </m:sSup>
@@ -13579,7 +14035,7 @@
             <a:fld id="{C503DA3A-0C6B-48FC-931E-2C786AAFD5C1}" type="slidenum">
               <a:rPr lang="en-US" altLang="nl-NL" smtClean="0"/>
               <a:pPr/>
-              <a:t>24</a:t>
+              <a:t>25</a:t>
             </a:fld>
             <a:endParaRPr lang="en-US" altLang="nl-NL"/>
           </a:p>
@@ -13695,7 +14151,7 @@
 </p:sld>
 </file>
 
-<file path=ppt/slides/slide25.xml><?xml version="1.0" encoding="utf-8"?>
+<file path=ppt/slides/slide26.xml><?xml version="1.0" encoding="utf-8"?>
 <p:sld xmlns:a="http://schemas.openxmlformats.org/drawingml/2006/main" xmlns:r="http://schemas.openxmlformats.org/officeDocument/2006/relationships" xmlns:p="http://schemas.openxmlformats.org/presentationml/2006/main">
   <p:cSld>
     <p:spTree>
@@ -13828,7 +14284,7 @@
                       <m:sSupPr>
                         <m:ctrlPr>
                           <a:rPr lang="it-IT" sz="2000" b="1" i="1">
-                            <a:latin typeface="Cambria Math" charset="0"/>
+                            <a:latin typeface="Cambria Math" panose="02040503050406030204" pitchFamily="18" charset="0"/>
                             <a:ea typeface="Lucida Grande" charset="0"/>
                             <a:cs typeface="Lucida Grande" charset="0"/>
                           </a:rPr>
@@ -13891,7 +14347,7 @@
                       <m:sSupPr>
                         <m:ctrlPr>
                           <a:rPr lang="it-IT" sz="2000" b="1" i="1">
-                            <a:latin typeface="Cambria Math" charset="0"/>
+                            <a:latin typeface="Cambria Math" panose="02040503050406030204" pitchFamily="18" charset="0"/>
                             <a:ea typeface="Lucida Grande" charset="0"/>
                             <a:cs typeface="Lucida Grande" charset="0"/>
                           </a:rPr>
@@ -13954,7 +14410,7 @@
                       <m:sSupPr>
                         <m:ctrlPr>
                           <a:rPr lang="it-IT" sz="2000" b="1" i="1">
-                            <a:latin typeface="Cambria Math" charset="0"/>
+                            <a:latin typeface="Cambria Math" panose="02040503050406030204" pitchFamily="18" charset="0"/>
                             <a:ea typeface="Lucida Grande" charset="0"/>
                             <a:cs typeface="Lucida Grande" charset="0"/>
                           </a:rPr>
@@ -14060,7 +14516,7 @@
             <a:fld id="{C503DA3A-0C6B-48FC-931E-2C786AAFD5C1}" type="slidenum">
               <a:rPr lang="en-US" altLang="nl-NL" smtClean="0"/>
               <a:pPr/>
-              <a:t>25</a:t>
+              <a:t>26</a:t>
             </a:fld>
             <a:endParaRPr lang="en-US" altLang="nl-NL" dirty="0"/>
           </a:p>
@@ -14176,7 +14632,7 @@
 </p:sld>
 </file>
 
-<file path=ppt/slides/slide26.xml><?xml version="1.0" encoding="utf-8"?>
+<file path=ppt/slides/slide27.xml><?xml version="1.0" encoding="utf-8"?>
 <p:sld xmlns:a="http://schemas.openxmlformats.org/drawingml/2006/main" xmlns:r="http://schemas.openxmlformats.org/officeDocument/2006/relationships" xmlns:p="http://schemas.openxmlformats.org/presentationml/2006/main">
   <p:cSld>
     <p:spTree>
@@ -14277,7 +14733,7 @@
                       <m:sSupPr>
                         <m:ctrlPr>
                           <a:rPr lang="it-IT" sz="2400" b="1" i="1">
-                            <a:latin typeface="Cambria Math" charset="0"/>
+                            <a:latin typeface="Cambria Math" panose="02040503050406030204" pitchFamily="18" charset="0"/>
                           </a:rPr>
                         </m:ctrlPr>
                       </m:sSupPr>
@@ -14312,7 +14768,7 @@
                       <m:sSupPr>
                         <m:ctrlPr>
                           <a:rPr lang="it-IT" sz="2400" b="1" i="1">
-                            <a:latin typeface="Cambria Math" charset="0"/>
+                            <a:latin typeface="Cambria Math" panose="02040503050406030204" pitchFamily="18" charset="0"/>
                           </a:rPr>
                         </m:ctrlPr>
                       </m:sSupPr>
@@ -14588,7 +15044,7 @@
             <a:fld id="{C503DA3A-0C6B-48FC-931E-2C786AAFD5C1}" type="slidenum">
               <a:rPr lang="en-US" altLang="nl-NL" smtClean="0"/>
               <a:pPr/>
-              <a:t>26</a:t>
+              <a:t>27</a:t>
             </a:fld>
             <a:endParaRPr lang="en-US" altLang="nl-NL"/>
           </a:p>
@@ -14670,311 +15126,6 @@
 </p:sld>
 </file>
 
-<file path=ppt/slides/slide27.xml><?xml version="1.0" encoding="utf-8"?>
-<p:sld xmlns:a="http://schemas.openxmlformats.org/drawingml/2006/main" xmlns:r="http://schemas.openxmlformats.org/officeDocument/2006/relationships" xmlns:p="http://schemas.openxmlformats.org/presentationml/2006/main">
-  <p:cSld>
-    <p:spTree>
-      <p:nvGrpSpPr>
-        <p:cNvPr id="1" name=""/>
-        <p:cNvGrpSpPr/>
-        <p:nvPr/>
-      </p:nvGrpSpPr>
-      <p:grpSpPr>
-        <a:xfrm>
-          <a:off x="0" y="0"/>
-          <a:ext cx="0" cy="0"/>
-          <a:chOff x="0" y="0"/>
-          <a:chExt cx="0" cy="0"/>
-        </a:xfrm>
-      </p:grpSpPr>
-      <p:sp>
-        <p:nvSpPr>
-          <p:cNvPr id="2" name="Titolo 1"/>
-          <p:cNvSpPr>
-            <a:spLocks noGrp="1"/>
-          </p:cNvSpPr>
-          <p:nvPr>
-            <p:ph type="title"/>
-          </p:nvPr>
-        </p:nvSpPr>
-        <p:spPr/>
-        <p:txBody>
-          <a:bodyPr/>
-          <a:lstStyle/>
-          <a:p>
-            <a:r>
-              <a:rPr lang="it-IT" dirty="0" smtClean="0"/>
-              <a:t>Indice</a:t>
-            </a:r>
-            <a:endParaRPr lang="it-IT" dirty="0"/>
-          </a:p>
-        </p:txBody>
-      </p:sp>
-      <p:sp>
-        <p:nvSpPr>
-          <p:cNvPr id="3" name="Segnaposto contenuto 2"/>
-          <p:cNvSpPr>
-            <a:spLocks noGrp="1"/>
-          </p:cNvSpPr>
-          <p:nvPr>
-            <p:ph idx="1"/>
-          </p:nvPr>
-        </p:nvSpPr>
-        <p:spPr>
-          <a:xfrm>
-            <a:off x="685800" y="1042987"/>
-            <a:ext cx="7086600" cy="5510213"/>
-          </a:xfrm>
-        </p:spPr>
-        <p:txBody>
-          <a:bodyPr/>
-          <a:lstStyle/>
-          <a:p>
-            <a:r>
-              <a:rPr lang="it-IT" sz="2400" dirty="0">
-                <a:solidFill>
-                  <a:schemeClr val="bg2">
-                    <a:lumMod val="40000"/>
-                    <a:lumOff val="60000"/>
-                  </a:schemeClr>
-                </a:solidFill>
-              </a:rPr>
-              <a:t>Interferometria</a:t>
-            </a:r>
-          </a:p>
-          <a:p>
-            <a:pPr lvl="1"/>
-            <a:r>
-              <a:rPr lang="it-IT" sz="2000" dirty="0">
-                <a:solidFill>
-                  <a:schemeClr val="bg2">
-                    <a:lumMod val="40000"/>
-                    <a:lumOff val="60000"/>
-                  </a:schemeClr>
-                </a:solidFill>
-              </a:rPr>
-              <a:t>Interferometria a self-mixing</a:t>
-            </a:r>
-          </a:p>
-          <a:p>
-            <a:pPr lvl="1"/>
-            <a:r>
-              <a:rPr lang="it-IT" sz="2000" dirty="0">
-                <a:solidFill>
-                  <a:schemeClr val="bg2">
-                    <a:lumMod val="40000"/>
-                    <a:lumOff val="60000"/>
-                  </a:schemeClr>
-                </a:solidFill>
-              </a:rPr>
-              <a:t>Misura della distanza</a:t>
-            </a:r>
-          </a:p>
-          <a:p>
-            <a:r>
-              <a:rPr lang="it-IT" sz="2400" dirty="0">
-                <a:solidFill>
-                  <a:schemeClr val="bg2">
-                    <a:lumMod val="40000"/>
-                    <a:lumOff val="60000"/>
-                  </a:schemeClr>
-                </a:solidFill>
-              </a:rPr>
-              <a:t>Architettura hardware</a:t>
-            </a:r>
-          </a:p>
-          <a:p>
-            <a:pPr lvl="1"/>
-            <a:r>
-              <a:rPr lang="it-IT" sz="2000" dirty="0">
-                <a:solidFill>
-                  <a:schemeClr val="bg2">
-                    <a:lumMod val="40000"/>
-                    <a:lumOff val="60000"/>
-                  </a:schemeClr>
-                </a:solidFill>
-              </a:rPr>
-              <a:t>Sistema analogico</a:t>
-            </a:r>
-          </a:p>
-          <a:p>
-            <a:pPr lvl="1"/>
-            <a:r>
-              <a:rPr lang="it-IT" sz="2000" dirty="0">
-                <a:solidFill>
-                  <a:schemeClr val="bg2">
-                    <a:lumMod val="40000"/>
-                    <a:lumOff val="60000"/>
-                  </a:schemeClr>
-                </a:solidFill>
-              </a:rPr>
-              <a:t>Sistema di conversione</a:t>
-            </a:r>
-          </a:p>
-          <a:p>
-            <a:pPr lvl="1"/>
-            <a:r>
-              <a:rPr lang="it-IT" sz="2000" dirty="0">
-                <a:solidFill>
-                  <a:schemeClr val="bg2">
-                    <a:lumMod val="40000"/>
-                    <a:lumOff val="60000"/>
-                  </a:schemeClr>
-                </a:solidFill>
-              </a:rPr>
-              <a:t>Sistema digitale</a:t>
-            </a:r>
-          </a:p>
-          <a:p>
-            <a:r>
-              <a:rPr lang="it-IT" sz="2400" dirty="0">
-                <a:solidFill>
-                  <a:schemeClr val="bg2">
-                    <a:lumMod val="40000"/>
-                    <a:lumOff val="60000"/>
-                  </a:schemeClr>
-                </a:solidFill>
-              </a:rPr>
-              <a:t>Architettura software</a:t>
-            </a:r>
-          </a:p>
-          <a:p>
-            <a:pPr lvl="1"/>
-            <a:r>
-              <a:rPr lang="it-IT" sz="2000" dirty="0">
-                <a:solidFill>
-                  <a:schemeClr val="bg2">
-                    <a:lumMod val="40000"/>
-                    <a:lumOff val="60000"/>
-                  </a:schemeClr>
-                </a:solidFill>
-              </a:rPr>
-              <a:t>Dettagli implementativi</a:t>
-            </a:r>
-          </a:p>
-          <a:p>
-            <a:pPr lvl="1"/>
-            <a:r>
-              <a:rPr lang="it-IT" sz="2000" dirty="0" smtClean="0">
-                <a:solidFill>
-                  <a:schemeClr val="bg2">
-                    <a:lumMod val="40000"/>
-                    <a:lumOff val="60000"/>
-                  </a:schemeClr>
-                </a:solidFill>
-              </a:rPr>
-              <a:t>FPGA</a:t>
-            </a:r>
-          </a:p>
-          <a:p>
-            <a:pPr lvl="1"/>
-            <a:r>
-              <a:rPr lang="it-IT" sz="2000" dirty="0" smtClean="0">
-                <a:solidFill>
-                  <a:schemeClr val="bg2">
-                    <a:lumMod val="40000"/>
-                    <a:lumOff val="60000"/>
-                  </a:schemeClr>
-                </a:solidFill>
-              </a:rPr>
-              <a:t>Microcontrollore</a:t>
-            </a:r>
-            <a:endParaRPr lang="it-IT" sz="2000" dirty="0">
-              <a:solidFill>
-                <a:schemeClr val="bg2">
-                  <a:lumMod val="40000"/>
-                  <a:lumOff val="60000"/>
-                </a:schemeClr>
-              </a:solidFill>
-            </a:endParaRPr>
-          </a:p>
-          <a:p>
-            <a:pPr lvl="1"/>
-            <a:r>
-              <a:rPr lang="it-IT" sz="2000" dirty="0" smtClean="0">
-                <a:solidFill>
-                  <a:schemeClr val="bg2">
-                    <a:lumMod val="40000"/>
-                    <a:lumOff val="60000"/>
-                  </a:schemeClr>
-                </a:solidFill>
-              </a:rPr>
-              <a:t>Ottimizzazioni</a:t>
-            </a:r>
-            <a:endParaRPr lang="it-IT" sz="2000" dirty="0">
-              <a:solidFill>
-                <a:schemeClr val="bg2">
-                  <a:lumMod val="40000"/>
-                  <a:lumOff val="60000"/>
-                </a:schemeClr>
-              </a:solidFill>
-            </a:endParaRPr>
-          </a:p>
-          <a:p>
-            <a:r>
-              <a:rPr lang="it-IT" sz="2400" dirty="0">
-                <a:solidFill>
-                  <a:schemeClr val="bg2">
-                    <a:lumMod val="40000"/>
-                    <a:lumOff val="60000"/>
-                  </a:schemeClr>
-                </a:solidFill>
-              </a:rPr>
-              <a:t>Risultati sperimentali</a:t>
-            </a:r>
-          </a:p>
-          <a:p>
-            <a:r>
-              <a:rPr lang="it-IT" sz="2400" dirty="0"/>
-              <a:t>Conclusioni e sviluppi futuri</a:t>
-            </a:r>
-          </a:p>
-        </p:txBody>
-      </p:sp>
-      <p:sp>
-        <p:nvSpPr>
-          <p:cNvPr id="4" name="Segnaposto numero diapositiva 3"/>
-          <p:cNvSpPr>
-            <a:spLocks noGrp="1"/>
-          </p:cNvSpPr>
-          <p:nvPr>
-            <p:ph type="sldNum" sz="quarter" idx="11"/>
-          </p:nvPr>
-        </p:nvSpPr>
-        <p:spPr/>
-        <p:txBody>
-          <a:bodyPr/>
-          <a:lstStyle/>
-          <a:p>
-            <a:fld id="{C503DA3A-0C6B-48FC-931E-2C786AAFD5C1}" type="slidenum">
-              <a:rPr lang="en-US" altLang="nl-NL" smtClean="0"/>
-              <a:pPr/>
-              <a:t>27</a:t>
-            </a:fld>
-            <a:endParaRPr lang="en-US" altLang="nl-NL"/>
-          </a:p>
-        </p:txBody>
-      </p:sp>
-    </p:spTree>
-    <p:extLst>
-      <p:ext uri="{BB962C8B-B14F-4D97-AF65-F5344CB8AC3E}">
-        <p14:creationId xmlns:p14="http://schemas.microsoft.com/office/powerpoint/2010/main" val="2461533339"/>
-      </p:ext>
-    </p:extLst>
-  </p:cSld>
-  <p:clrMapOvr>
-    <a:masterClrMapping/>
-  </p:clrMapOvr>
-  <p:timing>
-    <p:tnLst>
-      <p:par>
-        <p:cTn id="1" dur="indefinite" restart="never" nodeType="tmRoot"/>
-      </p:par>
-    </p:tnLst>
-  </p:timing>
-</p:sld>
-</file>
-
 <file path=ppt/slides/slide28.xml><?xml version="1.0" encoding="utf-8"?>
 <p:sld xmlns:a="http://schemas.openxmlformats.org/drawingml/2006/main" xmlns:r="http://schemas.openxmlformats.org/officeDocument/2006/relationships" xmlns:p="http://schemas.openxmlformats.org/presentationml/2006/main">
   <p:cSld>
@@ -15009,7 +15160,7 @@
           <a:p>
             <a:r>
               <a:rPr lang="it-IT" dirty="0" smtClean="0"/>
-              <a:t>Conclusioni e sviluppi futuri</a:t>
+              <a:t>Indice</a:t>
             </a:r>
             <a:endParaRPr lang="it-IT" dirty="0"/>
           </a:p>
@@ -15027,8 +15178,8 @@
         </p:nvSpPr>
         <p:spPr>
           <a:xfrm>
-            <a:off x="609600" y="1219200"/>
-            <a:ext cx="7772400" cy="4876800"/>
+            <a:off x="685800" y="1042987"/>
+            <a:ext cx="7086600" cy="5510213"/>
           </a:xfrm>
         </p:spPr>
         <p:txBody>
@@ -15036,91 +15187,203 @@
           <a:lstStyle/>
           <a:p>
             <a:r>
-              <a:rPr lang="it-IT" sz="2400" dirty="0" smtClean="0"/>
-              <a:t>I risultati ottenuti hanno portato alla realizzazione di uno strumento di misura con buone prestazioni e a basso costo</a:t>
-            </a:r>
-          </a:p>
-          <a:p>
-            <a:r>
-              <a:rPr lang="it-IT" sz="2400" dirty="0" smtClean="0"/>
-              <a:t> Lo strumento mostra</a:t>
-            </a:r>
-            <a:br>
-              <a:rPr lang="it-IT" sz="2400" dirty="0" smtClean="0"/>
-            </a:br>
-            <a:r>
-              <a:rPr lang="it-IT" sz="2400" dirty="0" smtClean="0"/>
-              <a:t> ancora alcuni limiti:</a:t>
+              <a:rPr lang="it-IT" sz="2400" dirty="0">
+                <a:solidFill>
+                  <a:schemeClr val="bg2">
+                    <a:lumMod val="40000"/>
+                    <a:lumOff val="60000"/>
+                  </a:schemeClr>
+                </a:solidFill>
+              </a:rPr>
+              <a:t>Interferometria</a:t>
             </a:r>
           </a:p>
           <a:p>
             <a:pPr lvl="1"/>
             <a:r>
-              <a:rPr lang="it-IT" sz="2000" dirty="0" smtClean="0"/>
-              <a:t>Frequenza di misura reale</a:t>
-            </a:r>
-            <a:br>
-              <a:rPr lang="it-IT" sz="2000" dirty="0" smtClean="0"/>
-            </a:br>
-            <a:r>
-              <a:rPr lang="it-IT" sz="2000" dirty="0" smtClean="0"/>
-              <a:t>inferiore a quella teorica</a:t>
-            </a:r>
-            <a:endParaRPr lang="it-IT" sz="2000" dirty="0"/>
+              <a:rPr lang="it-IT" sz="2000" dirty="0">
+                <a:solidFill>
+                  <a:schemeClr val="bg2">
+                    <a:lumMod val="40000"/>
+                    <a:lumOff val="60000"/>
+                  </a:schemeClr>
+                </a:solidFill>
+              </a:rPr>
+              <a:t>Interferometria a self-mixing</a:t>
+            </a:r>
           </a:p>
           <a:p>
             <a:pPr lvl="1"/>
             <a:r>
-              <a:rPr lang="it-IT" sz="2000" dirty="0" smtClean="0"/>
-              <a:t>Deriva termica</a:t>
-            </a:r>
-            <a:endParaRPr lang="it-IT" sz="2400" dirty="0" smtClean="0"/>
-          </a:p>
-          <a:p>
-            <a:r>
-              <a:rPr lang="it-IT" sz="2400" dirty="0" smtClean="0"/>
-              <a:t>Sviluppi futuri:</a:t>
+              <a:rPr lang="it-IT" sz="2000" dirty="0">
+                <a:solidFill>
+                  <a:schemeClr val="bg2">
+                    <a:lumMod val="40000"/>
+                    <a:lumOff val="60000"/>
+                  </a:schemeClr>
+                </a:solidFill>
+              </a:rPr>
+              <a:t>Misura della distanza</a:t>
+            </a:r>
+          </a:p>
+          <a:p>
+            <a:r>
+              <a:rPr lang="it-IT" sz="2400" dirty="0">
+                <a:solidFill>
+                  <a:schemeClr val="bg2">
+                    <a:lumMod val="40000"/>
+                    <a:lumOff val="60000"/>
+                  </a:schemeClr>
+                </a:solidFill>
+              </a:rPr>
+              <a:t>Architettura hardware</a:t>
             </a:r>
           </a:p>
           <a:p>
             <a:pPr lvl="1"/>
             <a:r>
-              <a:rPr lang="it-IT" sz="2000" dirty="0" smtClean="0"/>
-              <a:t>Scheda di prototipazione </a:t>
-            </a:r>
-            <a:br>
-              <a:rPr lang="it-IT" sz="2000" dirty="0" smtClean="0"/>
-            </a:br>
-            <a:r>
-              <a:rPr lang="it-IT" sz="2000" dirty="0" smtClean="0"/>
-              <a:t>più performante</a:t>
+              <a:rPr lang="it-IT" sz="2000" dirty="0">
+                <a:solidFill>
+                  <a:schemeClr val="bg2">
+                    <a:lumMod val="40000"/>
+                    <a:lumOff val="60000"/>
+                  </a:schemeClr>
+                </a:solidFill>
+              </a:rPr>
+              <a:t>Sistema analogico</a:t>
             </a:r>
           </a:p>
           <a:p>
             <a:pPr lvl="1"/>
             <a:r>
-              <a:rPr lang="it-IT" sz="2000" dirty="0" smtClean="0"/>
-              <a:t>Controllore di temperatura</a:t>
+              <a:rPr lang="it-IT" sz="2000" dirty="0">
+                <a:solidFill>
+                  <a:schemeClr val="bg2">
+                    <a:lumMod val="40000"/>
+                    <a:lumOff val="60000"/>
+                  </a:schemeClr>
+                </a:solidFill>
+              </a:rPr>
+              <a:t>Sistema di conversione</a:t>
             </a:r>
           </a:p>
           <a:p>
             <a:pPr lvl="1"/>
             <a:r>
-              <a:rPr lang="it-IT" sz="2000" dirty="0" smtClean="0"/>
-              <a:t>Misura della velocità</a:t>
+              <a:rPr lang="it-IT" sz="2000" dirty="0">
+                <a:solidFill>
+                  <a:schemeClr val="bg2">
+                    <a:lumMod val="40000"/>
+                    <a:lumOff val="60000"/>
+                  </a:schemeClr>
+                </a:solidFill>
+              </a:rPr>
+              <a:t>Sistema digitale</a:t>
+            </a:r>
+          </a:p>
+          <a:p>
+            <a:r>
+              <a:rPr lang="it-IT" sz="2400" dirty="0">
+                <a:solidFill>
+                  <a:schemeClr val="bg2">
+                    <a:lumMod val="40000"/>
+                    <a:lumOff val="60000"/>
+                  </a:schemeClr>
+                </a:solidFill>
+              </a:rPr>
+              <a:t>Architettura software</a:t>
             </a:r>
           </a:p>
           <a:p>
             <a:pPr lvl="1"/>
-            <a:endParaRPr lang="it-IT" sz="2000" dirty="0" smtClean="0"/>
+            <a:r>
+              <a:rPr lang="it-IT" sz="2000" dirty="0">
+                <a:solidFill>
+                  <a:schemeClr val="bg2">
+                    <a:lumMod val="40000"/>
+                    <a:lumOff val="60000"/>
+                  </a:schemeClr>
+                </a:solidFill>
+              </a:rPr>
+              <a:t>Dettagli implementativi</a:t>
+            </a:r>
           </a:p>
           <a:p>
             <a:pPr lvl="1"/>
-            <a:endParaRPr lang="it-IT" sz="2000" dirty="0" smtClean="0"/>
+            <a:r>
+              <a:rPr lang="it-IT" sz="2000" dirty="0" smtClean="0">
+                <a:solidFill>
+                  <a:schemeClr val="bg2">
+                    <a:lumMod val="40000"/>
+                    <a:lumOff val="60000"/>
+                  </a:schemeClr>
+                </a:solidFill>
+              </a:rPr>
+              <a:t>FPGA</a:t>
+            </a:r>
           </a:p>
           <a:p>
             <a:pPr lvl="1"/>
-            <a:endParaRPr lang="it-IT" sz="2000" dirty="0" smtClean="0"/>
+            <a:r>
+              <a:rPr lang="it-IT" sz="2000" dirty="0" smtClean="0">
+                <a:solidFill>
+                  <a:schemeClr val="bg2">
+                    <a:lumMod val="40000"/>
+                    <a:lumOff val="60000"/>
+                  </a:schemeClr>
+                </a:solidFill>
+              </a:rPr>
+              <a:t>Microcontrollore</a:t>
+            </a:r>
+            <a:endParaRPr lang="it-IT" sz="2000" dirty="0">
+              <a:solidFill>
+                <a:schemeClr val="bg2">
+                  <a:lumMod val="40000"/>
+                  <a:lumOff val="60000"/>
+                </a:schemeClr>
+              </a:solidFill>
+            </a:endParaRPr>
+          </a:p>
+          <a:p>
+            <a:pPr lvl="1"/>
+            <a:r>
+              <a:rPr lang="it-IT" sz="2000" dirty="0" smtClean="0">
+                <a:solidFill>
+                  <a:schemeClr val="bg2">
+                    <a:lumMod val="40000"/>
+                    <a:lumOff val="60000"/>
+                  </a:schemeClr>
+                </a:solidFill>
+              </a:rPr>
+              <a:t>Ottimizzazioni</a:t>
+            </a:r>
+            <a:endParaRPr lang="it-IT" sz="2000" dirty="0">
+              <a:solidFill>
+                <a:schemeClr val="bg2">
+                  <a:lumMod val="40000"/>
+                  <a:lumOff val="60000"/>
+                </a:schemeClr>
+              </a:solidFill>
+            </a:endParaRPr>
+          </a:p>
+          <a:p>
+            <a:r>
+              <a:rPr lang="it-IT" sz="2400" dirty="0">
+                <a:solidFill>
+                  <a:schemeClr val="bg2">
+                    <a:lumMod val="40000"/>
+                    <a:lumOff val="60000"/>
+                  </a:schemeClr>
+                </a:solidFill>
+              </a:rPr>
+              <a:t>Risultati sperimentali</a:t>
+            </a:r>
+          </a:p>
+          <a:p>
+            <a:r>
+              <a:rPr lang="it-IT" sz="2400" dirty="0"/>
+              <a:t>Conclusioni e sviluppi futuri</a:t>
+            </a:r>
           </a:p>
         </p:txBody>
       </p:sp>
@@ -15148,86 +15411,10 @@
           </a:p>
         </p:txBody>
       </p:sp>
-      <p:pic>
-        <p:nvPicPr>
-          <p:cNvPr id="7" name="Immagine 6"/>
-          <p:cNvPicPr>
-            <a:picLocks noChangeAspect="1"/>
-          </p:cNvPicPr>
-          <p:nvPr/>
-        </p:nvPicPr>
-        <p:blipFill>
-          <a:blip r:embed="rId2">
-            <a:extLst>
-              <a:ext uri="{28A0092B-C50C-407E-A947-70E740481C1C}">
-                <a14:useLocalDpi xmlns:a14="http://schemas.microsoft.com/office/drawing/2010/main" val="0"/>
-              </a:ext>
-            </a:extLst>
-          </a:blip>
-          <a:stretch>
-            <a:fillRect/>
-          </a:stretch>
-        </p:blipFill>
-        <p:spPr>
-          <a:xfrm>
-            <a:off x="4777314" y="2471832"/>
-            <a:ext cx="4014653" cy="2727698"/>
-          </a:xfrm>
-          <a:prstGeom prst="rect">
-            <a:avLst/>
-          </a:prstGeom>
-        </p:spPr>
-      </p:pic>
-      <p:sp>
-        <p:nvSpPr>
-          <p:cNvPr id="6" name="Ovale 5"/>
-          <p:cNvSpPr/>
-          <p:nvPr/>
-        </p:nvSpPr>
-        <p:spPr>
-          <a:xfrm>
-            <a:off x="5978392" y="4163920"/>
-            <a:ext cx="824178" cy="823782"/>
-          </a:xfrm>
-          <a:prstGeom prst="ellipse">
-            <a:avLst/>
-          </a:prstGeom>
-          <a:noFill/>
-          <a:ln>
-            <a:solidFill>
-              <a:srgbClr val="FF0000"/>
-            </a:solidFill>
-          </a:ln>
-        </p:spPr>
-        <p:style>
-          <a:lnRef idx="2">
-            <a:schemeClr val="accent3">
-              <a:shade val="50000"/>
-            </a:schemeClr>
-          </a:lnRef>
-          <a:fillRef idx="1">
-            <a:schemeClr val="accent3"/>
-          </a:fillRef>
-          <a:effectRef idx="0">
-            <a:schemeClr val="accent3"/>
-          </a:effectRef>
-          <a:fontRef idx="minor">
-            <a:schemeClr val="lt1"/>
-          </a:fontRef>
-        </p:style>
-        <p:txBody>
-          <a:bodyPr rtlCol="0" anchor="ctr"/>
-          <a:lstStyle/>
-          <a:p>
-            <a:pPr algn="ctr"/>
-            <a:endParaRPr lang="it-IT"/>
-          </a:p>
-        </p:txBody>
-      </p:sp>
     </p:spTree>
     <p:extLst>
       <p:ext uri="{BB962C8B-B14F-4D97-AF65-F5344CB8AC3E}">
-        <p14:creationId xmlns:p14="http://schemas.microsoft.com/office/powerpoint/2010/main" val="781321479"/>
+        <p14:creationId xmlns:p14="http://schemas.microsoft.com/office/powerpoint/2010/main" val="2461533339"/>
       </p:ext>
     </p:extLst>
   </p:cSld>
@@ -15263,6 +15450,138 @@
       </p:grpSpPr>
       <p:sp>
         <p:nvSpPr>
+          <p:cNvPr id="2" name="Titolo 1"/>
+          <p:cNvSpPr>
+            <a:spLocks noGrp="1"/>
+          </p:cNvSpPr>
+          <p:nvPr>
+            <p:ph type="title"/>
+          </p:nvPr>
+        </p:nvSpPr>
+        <p:spPr/>
+        <p:txBody>
+          <a:bodyPr/>
+          <a:lstStyle/>
+          <a:p>
+            <a:r>
+              <a:rPr lang="it-IT" dirty="0" smtClean="0"/>
+              <a:t>Conclusioni e sviluppi futuri</a:t>
+            </a:r>
+            <a:endParaRPr lang="it-IT" dirty="0"/>
+          </a:p>
+        </p:txBody>
+      </p:sp>
+      <p:sp>
+        <p:nvSpPr>
+          <p:cNvPr id="3" name="Segnaposto contenuto 2"/>
+          <p:cNvSpPr>
+            <a:spLocks noGrp="1"/>
+          </p:cNvSpPr>
+          <p:nvPr>
+            <p:ph idx="1"/>
+          </p:nvPr>
+        </p:nvSpPr>
+        <p:spPr>
+          <a:xfrm>
+            <a:off x="609600" y="1219200"/>
+            <a:ext cx="7772400" cy="4876800"/>
+          </a:xfrm>
+        </p:spPr>
+        <p:txBody>
+          <a:bodyPr/>
+          <a:lstStyle/>
+          <a:p>
+            <a:r>
+              <a:rPr lang="it-IT" sz="2400" dirty="0" smtClean="0"/>
+              <a:t>I risultati ottenuti hanno portato alla realizzazione di uno strumento di misura con buone prestazioni e a basso costo</a:t>
+            </a:r>
+          </a:p>
+          <a:p>
+            <a:r>
+              <a:rPr lang="it-IT" sz="2400" dirty="0" smtClean="0"/>
+              <a:t> Lo strumento mostra</a:t>
+            </a:r>
+            <a:br>
+              <a:rPr lang="it-IT" sz="2400" dirty="0" smtClean="0"/>
+            </a:br>
+            <a:r>
+              <a:rPr lang="it-IT" sz="2400" dirty="0" smtClean="0"/>
+              <a:t> ancora alcuni limiti:</a:t>
+            </a:r>
+          </a:p>
+          <a:p>
+            <a:pPr lvl="1"/>
+            <a:r>
+              <a:rPr lang="it-IT" sz="2000" dirty="0" smtClean="0"/>
+              <a:t>Frequenza di misura reale</a:t>
+            </a:r>
+            <a:br>
+              <a:rPr lang="it-IT" sz="2000" dirty="0" smtClean="0"/>
+            </a:br>
+            <a:r>
+              <a:rPr lang="it-IT" sz="2000" dirty="0" smtClean="0"/>
+              <a:t>inferiore a quella teorica</a:t>
+            </a:r>
+            <a:endParaRPr lang="it-IT" sz="2000" dirty="0"/>
+          </a:p>
+          <a:p>
+            <a:pPr lvl="1"/>
+            <a:r>
+              <a:rPr lang="it-IT" sz="2000" dirty="0" smtClean="0"/>
+              <a:t>Deriva termica</a:t>
+            </a:r>
+            <a:endParaRPr lang="it-IT" sz="2400" dirty="0" smtClean="0"/>
+          </a:p>
+          <a:p>
+            <a:r>
+              <a:rPr lang="it-IT" sz="2400" dirty="0" smtClean="0"/>
+              <a:t>Sviluppi futuri:</a:t>
+            </a:r>
+          </a:p>
+          <a:p>
+            <a:pPr lvl="1"/>
+            <a:r>
+              <a:rPr lang="it-IT" sz="2000" dirty="0" smtClean="0"/>
+              <a:t>Scheda di prototipazione </a:t>
+            </a:r>
+            <a:br>
+              <a:rPr lang="it-IT" sz="2000" dirty="0" smtClean="0"/>
+            </a:br>
+            <a:r>
+              <a:rPr lang="it-IT" sz="2000" dirty="0" smtClean="0"/>
+              <a:t>più performante</a:t>
+            </a:r>
+          </a:p>
+          <a:p>
+            <a:pPr lvl="1"/>
+            <a:r>
+              <a:rPr lang="it-IT" sz="2000" dirty="0" smtClean="0"/>
+              <a:t>Controllore di temperatura</a:t>
+            </a:r>
+          </a:p>
+          <a:p>
+            <a:pPr lvl="1"/>
+            <a:r>
+              <a:rPr lang="it-IT" sz="2000" dirty="0" smtClean="0"/>
+              <a:t>Misura della velocità</a:t>
+            </a:r>
+          </a:p>
+          <a:p>
+            <a:pPr lvl="1"/>
+            <a:endParaRPr lang="it-IT" sz="2000" dirty="0" smtClean="0"/>
+          </a:p>
+          <a:p>
+            <a:pPr lvl="1"/>
+            <a:endParaRPr lang="it-IT" sz="2000" dirty="0" smtClean="0"/>
+          </a:p>
+          <a:p>
+            <a:pPr lvl="1"/>
+            <a:endParaRPr lang="it-IT" sz="2000" dirty="0" smtClean="0"/>
+          </a:p>
+        </p:txBody>
+      </p:sp>
+      <p:sp>
+        <p:nvSpPr>
           <p:cNvPr id="4" name="Segnaposto numero diapositiva 3"/>
           <p:cNvSpPr>
             <a:spLocks noGrp="1"/>
@@ -15285,41 +15604,86 @@
           </a:p>
         </p:txBody>
       </p:sp>
-      <p:sp>
-        <p:nvSpPr>
-          <p:cNvPr id="5" name="Segnaposto contenuto 4"/>
-          <p:cNvSpPr>
-            <a:spLocks noGrp="1"/>
-          </p:cNvSpPr>
-          <p:nvPr>
-            <p:ph idx="1"/>
-          </p:nvPr>
-        </p:nvSpPr>
+      <p:pic>
+        <p:nvPicPr>
+          <p:cNvPr id="7" name="Immagine 6"/>
+          <p:cNvPicPr>
+            <a:picLocks noChangeAspect="1"/>
+          </p:cNvPicPr>
+          <p:nvPr/>
+        </p:nvPicPr>
+        <p:blipFill>
+          <a:blip r:embed="rId2">
+            <a:extLst>
+              <a:ext uri="{28A0092B-C50C-407E-A947-70E740481C1C}">
+                <a14:useLocalDpi xmlns:a14="http://schemas.microsoft.com/office/drawing/2010/main" val="0"/>
+              </a:ext>
+            </a:extLst>
+          </a:blip>
+          <a:stretch>
+            <a:fillRect/>
+          </a:stretch>
+        </p:blipFill>
         <p:spPr>
           <a:xfrm>
-            <a:off x="761219" y="4514383"/>
-            <a:ext cx="7158038" cy="985837"/>
+            <a:off x="4777314" y="2471832"/>
+            <a:ext cx="4014653" cy="2727698"/>
           </a:xfrm>
+          <a:prstGeom prst="rect">
+            <a:avLst/>
+          </a:prstGeom>
         </p:spPr>
-        <p:txBody>
-          <a:bodyPr/>
+      </p:pic>
+      <p:sp>
+        <p:nvSpPr>
+          <p:cNvPr id="6" name="Ovale 5"/>
+          <p:cNvSpPr/>
+          <p:nvPr/>
+        </p:nvSpPr>
+        <p:spPr>
+          <a:xfrm>
+            <a:off x="5978392" y="4163920"/>
+            <a:ext cx="824178" cy="823782"/>
+          </a:xfrm>
+          <a:prstGeom prst="ellipse">
+            <a:avLst/>
+          </a:prstGeom>
+          <a:noFill/>
+          <a:ln>
+            <a:solidFill>
+              <a:srgbClr val="FF0000"/>
+            </a:solidFill>
+          </a:ln>
+        </p:spPr>
+        <p:style>
+          <a:lnRef idx="2">
+            <a:schemeClr val="accent3">
+              <a:shade val="50000"/>
+            </a:schemeClr>
+          </a:lnRef>
+          <a:fillRef idx="1">
+            <a:schemeClr val="accent3"/>
+          </a:fillRef>
+          <a:effectRef idx="0">
+            <a:schemeClr val="accent3"/>
+          </a:effectRef>
+          <a:fontRef idx="minor">
+            <a:schemeClr val="lt1"/>
+          </a:fontRef>
+        </p:style>
+        <p:txBody>
+          <a:bodyPr rtlCol="0" anchor="ctr"/>
           <a:lstStyle/>
           <a:p>
-            <a:pPr marL="0" indent="0">
-              <a:buNone/>
-            </a:pPr>
-            <a:r>
-              <a:rPr lang="it-IT" sz="4800" dirty="0" smtClean="0"/>
-              <a:t>Grazie per l’attenzione</a:t>
-            </a:r>
-            <a:endParaRPr lang="it-IT" sz="2400" dirty="0"/>
+            <a:pPr algn="ctr"/>
+            <a:endParaRPr lang="it-IT"/>
           </a:p>
         </p:txBody>
       </p:sp>
     </p:spTree>
     <p:extLst>
       <p:ext uri="{BB962C8B-B14F-4D97-AF65-F5344CB8AC3E}">
-        <p14:creationId xmlns:p14="http://schemas.microsoft.com/office/powerpoint/2010/main" val="1960709859"/>
+        <p14:creationId xmlns:p14="http://schemas.microsoft.com/office/powerpoint/2010/main" val="781321479"/>
       </p:ext>
     </p:extLst>
   </p:cSld>
@@ -16059,6 +16423,98 @@
 </p:sld>
 </file>
 
+<file path=ppt/slides/slide30.xml><?xml version="1.0" encoding="utf-8"?>
+<p:sld xmlns:a="http://schemas.openxmlformats.org/drawingml/2006/main" xmlns:r="http://schemas.openxmlformats.org/officeDocument/2006/relationships" xmlns:p="http://schemas.openxmlformats.org/presentationml/2006/main">
+  <p:cSld>
+    <p:spTree>
+      <p:nvGrpSpPr>
+        <p:cNvPr id="1" name=""/>
+        <p:cNvGrpSpPr/>
+        <p:nvPr/>
+      </p:nvGrpSpPr>
+      <p:grpSpPr>
+        <a:xfrm>
+          <a:off x="0" y="0"/>
+          <a:ext cx="0" cy="0"/>
+          <a:chOff x="0" y="0"/>
+          <a:chExt cx="0" cy="0"/>
+        </a:xfrm>
+      </p:grpSpPr>
+      <p:sp>
+        <p:nvSpPr>
+          <p:cNvPr id="4" name="Segnaposto numero diapositiva 3"/>
+          <p:cNvSpPr>
+            <a:spLocks noGrp="1"/>
+          </p:cNvSpPr>
+          <p:nvPr>
+            <p:ph type="sldNum" sz="quarter" idx="11"/>
+          </p:nvPr>
+        </p:nvSpPr>
+        <p:spPr/>
+        <p:txBody>
+          <a:bodyPr/>
+          <a:lstStyle/>
+          <a:p>
+            <a:fld id="{C503DA3A-0C6B-48FC-931E-2C786AAFD5C1}" type="slidenum">
+              <a:rPr lang="en-US" altLang="nl-NL" smtClean="0"/>
+              <a:pPr/>
+              <a:t>30</a:t>
+            </a:fld>
+            <a:endParaRPr lang="en-US" altLang="nl-NL"/>
+          </a:p>
+        </p:txBody>
+      </p:sp>
+      <p:sp>
+        <p:nvSpPr>
+          <p:cNvPr id="5" name="Segnaposto contenuto 4"/>
+          <p:cNvSpPr>
+            <a:spLocks noGrp="1"/>
+          </p:cNvSpPr>
+          <p:nvPr>
+            <p:ph idx="1"/>
+          </p:nvPr>
+        </p:nvSpPr>
+        <p:spPr>
+          <a:xfrm>
+            <a:off x="761219" y="4514383"/>
+            <a:ext cx="7158038" cy="985837"/>
+          </a:xfrm>
+        </p:spPr>
+        <p:txBody>
+          <a:bodyPr/>
+          <a:lstStyle/>
+          <a:p>
+            <a:pPr marL="0" indent="0">
+              <a:buNone/>
+            </a:pPr>
+            <a:r>
+              <a:rPr lang="it-IT" sz="4800" dirty="0" smtClean="0"/>
+              <a:t>Grazie per l’attenzione</a:t>
+            </a:r>
+            <a:endParaRPr lang="it-IT" sz="2400" dirty="0"/>
+          </a:p>
+        </p:txBody>
+      </p:sp>
+    </p:spTree>
+    <p:extLst>
+      <p:ext uri="{BB962C8B-B14F-4D97-AF65-F5344CB8AC3E}">
+        <p14:creationId xmlns:p14="http://schemas.microsoft.com/office/powerpoint/2010/main" val="1960709859"/>
+      </p:ext>
+    </p:extLst>
+  </p:cSld>
+  <p:clrMapOvr>
+    <a:masterClrMapping/>
+  </p:clrMapOvr>
+  <p:timing>
+    <p:tnLst>
+      <p:par>
+        <p:cTn id="1" dur="indefinite" restart="never" nodeType="tmRoot"/>
+      </p:par>
+    </p:tnLst>
+  </p:timing>
+</p:sld>
+</file>
+
 <file path=ppt/slides/slide4.xml><?xml version="1.0" encoding="utf-8"?>
 <p:sld xmlns:a="http://schemas.openxmlformats.org/drawingml/2006/main" xmlns:r="http://schemas.openxmlformats.org/officeDocument/2006/relationships" xmlns:p="http://schemas.openxmlformats.org/presentationml/2006/main">
   <p:cSld>
@@ -16330,8 +16786,8 @@
           <a:chExt cx="0" cy="0"/>
         </a:xfrm>
       </p:grpSpPr>
-      <mc:AlternateContent xmlns:mc="http://schemas.openxmlformats.org/markup-compatibility/2006">
-        <mc:Choice xmlns:a14="http://schemas.microsoft.com/office/drawing/2010/main" Requires="a14">
+      <mc:AlternateContent xmlns:mc="http://schemas.openxmlformats.org/markup-compatibility/2006" xmlns:a14="http://schemas.microsoft.com/office/drawing/2010/main">
+        <mc:Choice Requires="a14">
           <p:sp>
             <p:nvSpPr>
               <p:cNvPr id="3" name="Segnaposto contenuto 2"/>
@@ -16354,23 +16810,7 @@
               <a:p>
                 <a:r>
                   <a:rPr lang="it-IT" sz="2400" dirty="0"/>
-                  <a:t>L’informazione </a:t>
-                </a:r>
-                <a:r>
-                  <a:rPr lang="it-IT" sz="2400" dirty="0"/>
-                  <a:t>sullo </a:t>
-                </a:r>
-                <a:r>
-                  <a:rPr lang="it-IT" sz="2400" dirty="0"/>
-                  <a:t>spostamento del bersaglio è contenuta nel</a:t>
-                </a:r>
-                <a:r>
-                  <a:rPr lang="it-IT" sz="2400" dirty="0"/>
-                  <a:t>l</a:t>
-                </a:r>
-                <a:r>
-                  <a:rPr lang="it-IT" sz="2400" dirty="0"/>
-                  <a:t>a </a:t>
+                  <a:t>L’informazione sullo spostamento del bersaglio è contenuta nella </a:t>
                 </a:r>
                 <a:r>
                   <a:rPr lang="it-IT" sz="2400" b="1" dirty="0"/>
@@ -16397,13 +16837,19 @@
                         <a:rPr lang="it-IT" sz="2400" i="1">
                           <a:latin typeface="Cambria Math" charset="0"/>
                         </a:rPr>
-                        <m:t>=2</m:t>
+                        <m:t>=</m:t>
+                      </m:r>
+                      <m:r>
+                        <a:rPr lang="it-IT" sz="2400" i="1">
+                          <a:latin typeface="Cambria Math" charset="0"/>
+                        </a:rPr>
+                        <m:t>2</m:t>
                       </m:r>
                       <m:f>
                         <m:fPr>
                           <m:ctrlPr>
                             <a:rPr lang="it-IT" sz="2400" i="1">
-                              <a:latin typeface="Cambria Math" charset="0"/>
+                              <a:latin typeface="Cambria Math" panose="02040503050406030204" pitchFamily="18" charset="0"/>
                             </a:rPr>
                           </m:ctrlPr>
                         </m:fPr>
@@ -16444,11 +16890,7 @@
               <a:p>
                 <a:r>
                   <a:rPr lang="it-IT" sz="2400" dirty="0" smtClean="0"/>
-                  <a:t>Il </a:t>
-                </a:r>
-                <a:r>
-                  <a:rPr lang="it-IT" sz="2400" dirty="0" smtClean="0"/>
-                  <a:t>segnale di corrente generato dal fotodiodo è chiamato </a:t>
+                  <a:t>Il segnale di corrente generato dal fotodiodo è chiamato </a:t>
                 </a:r>
                 <a:r>
                   <a:rPr lang="it-IT" sz="2400" b="1" dirty="0" smtClean="0"/>
@@ -16458,11 +16900,7 @@
               <a:p>
                 <a:r>
                   <a:rPr lang="it-IT" sz="2400" dirty="0" smtClean="0"/>
-                  <a:t>Il </a:t>
-                </a:r>
-                <a:r>
-                  <a:rPr lang="it-IT" sz="2400" dirty="0" smtClean="0"/>
-                  <a:t>segnale è </a:t>
+                  <a:t>Il segnale è </a:t>
                 </a:r>
                 <a:r>
                   <a:rPr lang="it-IT" sz="2400" b="1" dirty="0" smtClean="0"/>
@@ -16543,7 +16981,7 @@
             </p:txBody>
           </p:sp>
         </mc:Choice>
-        <mc:Fallback>
+        <mc:Fallback xmlns="">
           <p:sp>
             <p:nvSpPr>
               <p:cNvPr id="3" name="Segnaposto contenuto 2"/>
@@ -17046,7 +17484,7 @@
                         <m:fPr>
                           <m:ctrlPr>
                             <a:rPr lang="it-IT" i="1" smtClean="0">
-                              <a:latin typeface="Cambria Math" charset="0"/>
+                              <a:latin typeface="Cambria Math" panose="02040503050406030204" pitchFamily="18" charset="0"/>
                               <a:ea typeface="Cambria Math" charset="0"/>
                               <a:cs typeface="Cambria Math" charset="0"/>
                             </a:rPr>
@@ -17057,7 +17495,7 @@
                             <m:sSubPr>
                               <m:ctrlPr>
                                 <a:rPr lang="it-IT" i="1" smtClean="0">
-                                  <a:latin typeface="Cambria Math" charset="0"/>
+                                  <a:latin typeface="Cambria Math" panose="02040503050406030204" pitchFamily="18" charset="0"/>
                                   <a:ea typeface="Cambria Math" charset="0"/>
                                   <a:cs typeface="Cambria Math" charset="0"/>
                                 </a:rPr>
@@ -17096,7 +17534,7 @@
                             <m:sSubPr>
                               <m:ctrlPr>
                                 <a:rPr lang="it-IT" b="0" i="1" smtClean="0">
-                                  <a:latin typeface="Cambria Math" charset="0"/>
+                                  <a:latin typeface="Cambria Math" panose="02040503050406030204" pitchFamily="18" charset="0"/>
                                   <a:ea typeface="Cambria Math" charset="0"/>
                                   <a:cs typeface="Cambria Math" charset="0"/>
                                 </a:rPr>
@@ -17555,7 +17993,7 @@
                         <m:fPr>
                           <m:ctrlPr>
                             <a:rPr lang="it-IT" b="0" i="1" smtClean="0">
-                              <a:latin typeface="Cambria Math" charset="0"/>
+                              <a:latin typeface="Cambria Math" panose="02040503050406030204" pitchFamily="18" charset="0"/>
                             </a:rPr>
                           </m:ctrlPr>
                         </m:fPr>
@@ -20055,15 +20493,6 @@
 </file>
 
 <file path=customXml/item1.xml><?xml version="1.0" encoding="utf-8"?>
-<?mso-contentType ?>
-<FormTemplates xmlns="http://schemas.microsoft.com/sharepoint/v3/contenttype/forms">
-  <Display>DocumentLibraryForm</Display>
-  <Edit>DocumentLibraryForm</Edit>
-  <New>DocumentLibraryForm</New>
-</FormTemplates>
-</file>
-
-<file path=customXml/item2.xml><?xml version="1.0" encoding="utf-8"?>
 <ct:contentTypeSchema xmlns:ct="http://schemas.microsoft.com/office/2006/metadata/contentType" xmlns:ma="http://schemas.microsoft.com/office/2006/metadata/properties/metaAttributes" ct:_="" ma:_="" ma:contentTypeName="Documento" ma:contentTypeID="0x010100DAC9E95AF84DC048A0D22167E412CEEC" ma:contentTypeVersion="0" ma:contentTypeDescription="Creare un nuovo documento." ma:contentTypeScope="" ma:versionID="77ab65c81d73c7b1811619c89623d2b9">
   <xsd:schema xmlns:xsd="http://www.w3.org/2001/XMLSchema" xmlns:xs="http://www.w3.org/2001/XMLSchema" xmlns:p="http://schemas.microsoft.com/office/2006/metadata/properties" targetNamespace="http://schemas.microsoft.com/office/2006/metadata/properties" ma:root="true" ma:fieldsID="8bf72f36140baa73d0623520154f6aaf">
     <xsd:element name="properties">
@@ -20177,6 +20606,15 @@
 </ct:contentTypeSchema>
 </file>
 
+<file path=customXml/item2.xml><?xml version="1.0" encoding="utf-8"?>
+<?mso-contentType ?>
+<FormTemplates xmlns="http://schemas.microsoft.com/sharepoint/v3/contenttype/forms">
+  <Display>DocumentLibraryForm</Display>
+  <Edit>DocumentLibraryForm</Edit>
+  <New>DocumentLibraryForm</New>
+</FormTemplates>
+</file>
+
 <file path=customXml/item3.xml><?xml version="1.0" encoding="utf-8"?>
 <p:properties xmlns:p="http://schemas.microsoft.com/office/2006/metadata/properties" xmlns:xsi="http://www.w3.org/2001/XMLSchema-instance" xmlns:pc="http://schemas.microsoft.com/office/infopath/2007/PartnerControls">
   <documentManagement/>
@@ -20184,14 +20622,6 @@
 </file>
 
 <file path=customXml/itemProps1.xml><?xml version="1.0" encoding="utf-8"?>
-<ds:datastoreItem xmlns:ds="http://schemas.openxmlformats.org/officeDocument/2006/customXml" ds:itemID="{642F071F-C090-42AB-8A40-E3A3A8F01244}">
-  <ds:schemaRefs>
-    <ds:schemaRef ds:uri="http://schemas.microsoft.com/sharepoint/v3/contenttype/forms"/>
-  </ds:schemaRefs>
-</ds:datastoreItem>
-</file>
-
-<file path=customXml/itemProps2.xml><?xml version="1.0" encoding="utf-8"?>
 <ds:datastoreItem xmlns:ds="http://schemas.openxmlformats.org/officeDocument/2006/customXml" ds:itemID="{B0C5135E-7452-41DD-A4B7-B217190CFF89}">
   <ds:schemaRefs>
     <ds:schemaRef ds:uri="http://schemas.microsoft.com/office/2006/metadata/contentType"/>
@@ -20203,6 +20633,14 @@
     <ds:schemaRef ds:uri="http://purl.org/dc/terms/"/>
     <ds:schemaRef ds:uri="http://schemas.microsoft.com/internal/obd"/>
     <ds:schemaRef ds:uri="http://schemas.microsoft.com/office/infopath/2007/PartnerControls"/>
+  </ds:schemaRefs>
+</ds:datastoreItem>
+</file>
+
+<file path=customXml/itemProps2.xml><?xml version="1.0" encoding="utf-8"?>
+<ds:datastoreItem xmlns:ds="http://schemas.openxmlformats.org/officeDocument/2006/customXml" ds:itemID="{642F071F-C090-42AB-8A40-E3A3A8F01244}">
+  <ds:schemaRefs>
+    <ds:schemaRef ds:uri="http://schemas.microsoft.com/sharepoint/v3/contenttype/forms"/>
   </ds:schemaRefs>
 </ds:datastoreItem>
 </file>

--- a/presentazione_discussione.pptx
+++ b/presentazione_discussione.pptx
@@ -25,8 +25,8 @@
     <p:sldId id="308" r:id="rId16"/>
     <p:sldId id="289" r:id="rId17"/>
     <p:sldId id="305" r:id="rId18"/>
-    <p:sldId id="318" r:id="rId19"/>
-    <p:sldId id="314" r:id="rId20"/>
+    <p:sldId id="314" r:id="rId19"/>
+    <p:sldId id="318" r:id="rId20"/>
     <p:sldId id="315" r:id="rId21"/>
     <p:sldId id="316" r:id="rId22"/>
     <p:sldId id="317" r:id="rId23"/>
@@ -3144,7 +3144,7 @@
     </p:spTree>
     <p:extLst>
       <p:ext uri="{BB962C8B-B14F-4D97-AF65-F5344CB8AC3E}">
-        <p14:creationId xmlns:p14="http://schemas.microsoft.com/office/powerpoint/2010/main" val="3969629172"/>
+        <p14:creationId xmlns:p14="http://schemas.microsoft.com/office/powerpoint/2010/main" val="94307398"/>
       </p:ext>
     </p:extLst>
   </p:cSld>
@@ -3298,7 +3298,7 @@
     </p:spTree>
     <p:extLst>
       <p:ext uri="{BB962C8B-B14F-4D97-AF65-F5344CB8AC3E}">
-        <p14:creationId xmlns:p14="http://schemas.microsoft.com/office/powerpoint/2010/main" val="94307398"/>
+        <p14:creationId xmlns:p14="http://schemas.microsoft.com/office/powerpoint/2010/main" val="3969629172"/>
       </p:ext>
     </p:extLst>
   </p:cSld>
@@ -10068,14 +10068,14 @@
           <a:p>
             <a:pPr lvl="1"/>
             <a:r>
-              <a:rPr lang="it-IT" sz="2000" b="1" dirty="0" smtClean="0"/>
+              <a:rPr lang="it-IT" sz="2000" dirty="0" smtClean="0"/>
               <a:t>Generazione del </a:t>
             </a:r>
             <a:br>
-              <a:rPr lang="it-IT" sz="2000" b="1" dirty="0" smtClean="0"/>
+              <a:rPr lang="it-IT" sz="2000" dirty="0" smtClean="0"/>
             </a:br>
             <a:r>
-              <a:rPr lang="it-IT" sz="2000" b="1" dirty="0" smtClean="0"/>
+              <a:rPr lang="it-IT" sz="2000" dirty="0" smtClean="0"/>
               <a:t>segnale di modulazione </a:t>
             </a:r>
             <a:r>
@@ -10188,253 +10188,6 @@
               <a:rPr lang="en-US" altLang="nl-NL" smtClean="0"/>
               <a:pPr/>
               <a:t>15</a:t>
-            </a:fld>
-            <a:endParaRPr lang="en-US" altLang="nl-NL" dirty="0"/>
-          </a:p>
-        </p:txBody>
-      </p:sp>
-      <p:pic>
-        <p:nvPicPr>
-          <p:cNvPr id="8" name="Immagine 7"/>
-          <p:cNvPicPr>
-            <a:picLocks noChangeAspect="1"/>
-          </p:cNvPicPr>
-          <p:nvPr/>
-        </p:nvPicPr>
-        <p:blipFill>
-          <a:blip r:embed="rId3">
-            <a:extLst>
-              <a:ext uri="{28A0092B-C50C-407E-A947-70E740481C1C}">
-                <a14:useLocalDpi xmlns:a14="http://schemas.microsoft.com/office/drawing/2010/main" val="0"/>
-              </a:ext>
-            </a:extLst>
-          </a:blip>
-          <a:stretch>
-            <a:fillRect/>
-          </a:stretch>
-        </p:blipFill>
-        <p:spPr>
-          <a:xfrm>
-            <a:off x="5483678" y="1447331"/>
-            <a:ext cx="3510643" cy="2508177"/>
-          </a:xfrm>
-          <a:prstGeom prst="rect">
-            <a:avLst/>
-          </a:prstGeom>
-        </p:spPr>
-      </p:pic>
-    </p:spTree>
-    <p:extLst>
-      <p:ext uri="{BB962C8B-B14F-4D97-AF65-F5344CB8AC3E}">
-        <p14:creationId xmlns:p14="http://schemas.microsoft.com/office/powerpoint/2010/main" val="3931982814"/>
-      </p:ext>
-    </p:extLst>
-  </p:cSld>
-  <p:clrMapOvr>
-    <a:masterClrMapping/>
-  </p:clrMapOvr>
-  <p:timing>
-    <p:tnLst>
-      <p:par>
-        <p:cTn id="1" dur="indefinite" restart="never" nodeType="tmRoot"/>
-      </p:par>
-    </p:tnLst>
-  </p:timing>
-</p:sld>
-</file>
-
-<file path=ppt/slides/slide16.xml><?xml version="1.0" encoding="utf-8"?>
-<p:sld xmlns:a="http://schemas.openxmlformats.org/drawingml/2006/main" xmlns:r="http://schemas.openxmlformats.org/officeDocument/2006/relationships" xmlns:p="http://schemas.openxmlformats.org/presentationml/2006/main">
-  <p:cSld>
-    <p:spTree>
-      <p:nvGrpSpPr>
-        <p:cNvPr id="1" name=""/>
-        <p:cNvGrpSpPr/>
-        <p:nvPr/>
-      </p:nvGrpSpPr>
-      <p:grpSpPr>
-        <a:xfrm>
-          <a:off x="0" y="0"/>
-          <a:ext cx="0" cy="0"/>
-          <a:chOff x="0" y="0"/>
-          <a:chExt cx="0" cy="0"/>
-        </a:xfrm>
-      </p:grpSpPr>
-      <p:sp>
-        <p:nvSpPr>
-          <p:cNvPr id="2" name="Titolo 1"/>
-          <p:cNvSpPr>
-            <a:spLocks noGrp="1"/>
-          </p:cNvSpPr>
-          <p:nvPr>
-            <p:ph type="title"/>
-          </p:nvPr>
-        </p:nvSpPr>
-        <p:spPr/>
-        <p:txBody>
-          <a:bodyPr/>
-          <a:lstStyle/>
-          <a:p>
-            <a:r>
-              <a:rPr lang="it-IT" dirty="0" smtClean="0"/>
-              <a:t>FPGA</a:t>
-            </a:r>
-            <a:endParaRPr lang="it-IT" dirty="0"/>
-          </a:p>
-        </p:txBody>
-      </p:sp>
-      <p:sp>
-        <p:nvSpPr>
-          <p:cNvPr id="3" name="Segnaposto contenuto 2"/>
-          <p:cNvSpPr>
-            <a:spLocks noGrp="1"/>
-          </p:cNvSpPr>
-          <p:nvPr>
-            <p:ph idx="1"/>
-          </p:nvPr>
-        </p:nvSpPr>
-        <p:spPr>
-          <a:xfrm>
-            <a:off x="609600" y="1024102"/>
-            <a:ext cx="8120063" cy="5093494"/>
-          </a:xfrm>
-        </p:spPr>
-        <p:txBody>
-          <a:bodyPr/>
-          <a:lstStyle/>
-          <a:p>
-            <a:r>
-              <a:rPr lang="it-IT" sz="2400" dirty="0" smtClean="0"/>
-              <a:t>Le funzionalità svolte in hardware dal FPGA sono:</a:t>
-            </a:r>
-            <a:br>
-              <a:rPr lang="it-IT" sz="2400" dirty="0" smtClean="0"/>
-            </a:br>
-            <a:endParaRPr lang="it-IT" sz="2400" dirty="0" smtClean="0"/>
-          </a:p>
-          <a:p>
-            <a:pPr lvl="1"/>
-            <a:r>
-              <a:rPr lang="it-IT" sz="2000" dirty="0" smtClean="0"/>
-              <a:t>Generazione del </a:t>
-            </a:r>
-            <a:br>
-              <a:rPr lang="it-IT" sz="2000" dirty="0" smtClean="0"/>
-            </a:br>
-            <a:r>
-              <a:rPr lang="it-IT" sz="2000" dirty="0" smtClean="0"/>
-              <a:t>segnale di modulazione </a:t>
-            </a:r>
-            <a:r>
-              <a:rPr lang="it-IT" sz="2000" i="1" dirty="0" smtClean="0"/>
-              <a:t/>
-            </a:r>
-            <a:br>
-              <a:rPr lang="it-IT" sz="2000" i="1" dirty="0" smtClean="0"/>
-            </a:br>
-            <a:endParaRPr lang="it-IT" sz="2000" i="1" dirty="0" smtClean="0"/>
-          </a:p>
-          <a:p>
-            <a:pPr lvl="1"/>
-            <a:r>
-              <a:rPr lang="it-IT" sz="2000" dirty="0" smtClean="0"/>
-              <a:t>Campionamento </a:t>
-            </a:r>
-            <a:br>
-              <a:rPr lang="it-IT" sz="2000" dirty="0" smtClean="0"/>
-            </a:br>
-            <a:r>
-              <a:rPr lang="it-IT" sz="2000" dirty="0" smtClean="0"/>
-              <a:t>del segnale interferometrico </a:t>
-            </a:r>
-            <a:br>
-              <a:rPr lang="it-IT" sz="2000" dirty="0" smtClean="0"/>
-            </a:br>
-            <a:r>
-              <a:rPr lang="it-IT" sz="2000" dirty="0" smtClean="0"/>
-              <a:t>a </a:t>
-            </a:r>
-            <a:r>
-              <a:rPr lang="it-IT" sz="2000" i="1" dirty="0" smtClean="0"/>
-              <a:t>30MHz</a:t>
-            </a:r>
-            <a:br>
-              <a:rPr lang="it-IT" sz="2000" i="1" dirty="0" smtClean="0"/>
-            </a:br>
-            <a:endParaRPr lang="it-IT" sz="2000" i="1" dirty="0" smtClean="0"/>
-          </a:p>
-          <a:p>
-            <a:pPr lvl="1"/>
-            <a:r>
-              <a:rPr lang="it-IT" sz="2000" dirty="0" smtClean="0"/>
-              <a:t>Calcolo </a:t>
-            </a:r>
-            <a:br>
-              <a:rPr lang="it-IT" sz="2000" dirty="0" smtClean="0"/>
-            </a:br>
-            <a:r>
-              <a:rPr lang="it-IT" sz="2000" dirty="0" smtClean="0"/>
-              <a:t>della Fast Fourier </a:t>
-            </a:r>
-            <a:r>
-              <a:rPr lang="it-IT" sz="2000" dirty="0" err="1" smtClean="0"/>
-              <a:t>Transform</a:t>
-            </a:r>
-            <a:r>
-              <a:rPr lang="it-IT" sz="2000" dirty="0" smtClean="0"/>
-              <a:t> </a:t>
-            </a:r>
-            <a:r>
-              <a:rPr lang="it-IT" sz="2000" b="1" dirty="0" smtClean="0"/>
-              <a:t/>
-            </a:r>
-            <a:br>
-              <a:rPr lang="it-IT" sz="2000" b="1" dirty="0" smtClean="0"/>
-            </a:br>
-            <a:r>
-              <a:rPr lang="it-IT" sz="2000" dirty="0" smtClean="0"/>
-              <a:t>(FFT)</a:t>
-            </a:r>
-            <a:br>
-              <a:rPr lang="it-IT" sz="2000" dirty="0" smtClean="0"/>
-            </a:br>
-            <a:endParaRPr lang="it-IT" sz="2000" dirty="0" smtClean="0"/>
-          </a:p>
-          <a:p>
-            <a:pPr lvl="1"/>
-            <a:r>
-              <a:rPr lang="it-IT" sz="2000" dirty="0" smtClean="0"/>
-              <a:t>Estrazione </a:t>
-            </a:r>
-            <a:br>
-              <a:rPr lang="it-IT" sz="2000" dirty="0" smtClean="0"/>
-            </a:br>
-            <a:r>
-              <a:rPr lang="it-IT" sz="2000" dirty="0" smtClean="0"/>
-              <a:t>del tono fondamentale dal FFT</a:t>
-            </a:r>
-          </a:p>
-        </p:txBody>
-      </p:sp>
-      <p:sp>
-        <p:nvSpPr>
-          <p:cNvPr id="4" name="Segnaposto numero diapositiva 3"/>
-          <p:cNvSpPr>
-            <a:spLocks noGrp="1"/>
-          </p:cNvSpPr>
-          <p:nvPr>
-            <p:ph type="sldNum" sz="quarter" idx="11"/>
-          </p:nvPr>
-        </p:nvSpPr>
-        <p:spPr/>
-        <p:txBody>
-          <a:bodyPr/>
-          <a:lstStyle/>
-          <a:p>
-            <a:fld id="{C503DA3A-0C6B-48FC-931E-2C786AAFD5C1}" type="slidenum">
-              <a:rPr lang="en-US" altLang="nl-NL" smtClean="0"/>
-              <a:pPr/>
-              <a:t>16</a:t>
             </a:fld>
             <a:endParaRPr lang="en-US" altLang="nl-NL" dirty="0"/>
           </a:p>
@@ -10490,6 +10243,257 @@
 </p:sld>
 </file>
 
+<file path=ppt/slides/slide16.xml><?xml version="1.0" encoding="utf-8"?>
+<p:sld xmlns:a="http://schemas.openxmlformats.org/drawingml/2006/main" xmlns:r="http://schemas.openxmlformats.org/officeDocument/2006/relationships" xmlns:p="http://schemas.openxmlformats.org/presentationml/2006/main">
+  <p:cSld>
+    <p:spTree>
+      <p:nvGrpSpPr>
+        <p:cNvPr id="1" name=""/>
+        <p:cNvGrpSpPr/>
+        <p:nvPr/>
+      </p:nvGrpSpPr>
+      <p:grpSpPr>
+        <a:xfrm>
+          <a:off x="0" y="0"/>
+          <a:ext cx="0" cy="0"/>
+          <a:chOff x="0" y="0"/>
+          <a:chExt cx="0" cy="0"/>
+        </a:xfrm>
+      </p:grpSpPr>
+      <p:sp>
+        <p:nvSpPr>
+          <p:cNvPr id="2" name="Titolo 1"/>
+          <p:cNvSpPr>
+            <a:spLocks noGrp="1"/>
+          </p:cNvSpPr>
+          <p:nvPr>
+            <p:ph type="title"/>
+          </p:nvPr>
+        </p:nvSpPr>
+        <p:spPr/>
+        <p:txBody>
+          <a:bodyPr/>
+          <a:lstStyle/>
+          <a:p>
+            <a:r>
+              <a:rPr lang="it-IT" dirty="0" smtClean="0"/>
+              <a:t>FPGA</a:t>
+            </a:r>
+            <a:endParaRPr lang="it-IT" dirty="0"/>
+          </a:p>
+        </p:txBody>
+      </p:sp>
+      <p:sp>
+        <p:nvSpPr>
+          <p:cNvPr id="3" name="Segnaposto contenuto 2"/>
+          <p:cNvSpPr>
+            <a:spLocks noGrp="1"/>
+          </p:cNvSpPr>
+          <p:nvPr>
+            <p:ph idx="1"/>
+          </p:nvPr>
+        </p:nvSpPr>
+        <p:spPr>
+          <a:xfrm>
+            <a:off x="609600" y="1024102"/>
+            <a:ext cx="8120063" cy="5093494"/>
+          </a:xfrm>
+        </p:spPr>
+        <p:txBody>
+          <a:bodyPr/>
+          <a:lstStyle/>
+          <a:p>
+            <a:r>
+              <a:rPr lang="it-IT" sz="2400" dirty="0" smtClean="0"/>
+              <a:t>Le funzionalità svolte in hardware dal FPGA sono:</a:t>
+            </a:r>
+            <a:br>
+              <a:rPr lang="it-IT" sz="2400" dirty="0" smtClean="0"/>
+            </a:br>
+            <a:endParaRPr lang="it-IT" sz="2400" dirty="0" smtClean="0"/>
+          </a:p>
+          <a:p>
+            <a:pPr lvl="1"/>
+            <a:r>
+              <a:rPr lang="it-IT" sz="2000" b="1" dirty="0" smtClean="0"/>
+              <a:t>Generazione del </a:t>
+            </a:r>
+            <a:br>
+              <a:rPr lang="it-IT" sz="2000" b="1" dirty="0" smtClean="0"/>
+            </a:br>
+            <a:r>
+              <a:rPr lang="it-IT" sz="2000" b="1" dirty="0" smtClean="0"/>
+              <a:t>segnale di modulazione </a:t>
+            </a:r>
+            <a:r>
+              <a:rPr lang="it-IT" sz="2000" i="1" dirty="0" smtClean="0"/>
+              <a:t/>
+            </a:r>
+            <a:br>
+              <a:rPr lang="it-IT" sz="2000" i="1" dirty="0" smtClean="0"/>
+            </a:br>
+            <a:endParaRPr lang="it-IT" sz="2000" i="1" dirty="0" smtClean="0"/>
+          </a:p>
+          <a:p>
+            <a:pPr lvl="1"/>
+            <a:r>
+              <a:rPr lang="it-IT" sz="2000" dirty="0" smtClean="0"/>
+              <a:t>Campionamento </a:t>
+            </a:r>
+            <a:br>
+              <a:rPr lang="it-IT" sz="2000" dirty="0" smtClean="0"/>
+            </a:br>
+            <a:r>
+              <a:rPr lang="it-IT" sz="2000" dirty="0" smtClean="0"/>
+              <a:t>del segnale interferometrico </a:t>
+            </a:r>
+            <a:br>
+              <a:rPr lang="it-IT" sz="2000" dirty="0" smtClean="0"/>
+            </a:br>
+            <a:r>
+              <a:rPr lang="it-IT" sz="2000" dirty="0" smtClean="0"/>
+              <a:t>a </a:t>
+            </a:r>
+            <a:r>
+              <a:rPr lang="it-IT" sz="2000" i="1" dirty="0" smtClean="0"/>
+              <a:t>30MHz</a:t>
+            </a:r>
+            <a:br>
+              <a:rPr lang="it-IT" sz="2000" i="1" dirty="0" smtClean="0"/>
+            </a:br>
+            <a:endParaRPr lang="it-IT" sz="2000" i="1" dirty="0" smtClean="0"/>
+          </a:p>
+          <a:p>
+            <a:pPr lvl="1"/>
+            <a:r>
+              <a:rPr lang="it-IT" sz="2000" dirty="0" smtClean="0"/>
+              <a:t>Calcolo </a:t>
+            </a:r>
+            <a:br>
+              <a:rPr lang="it-IT" sz="2000" dirty="0" smtClean="0"/>
+            </a:br>
+            <a:r>
+              <a:rPr lang="it-IT" sz="2000" dirty="0" smtClean="0"/>
+              <a:t>della Fast Fourier </a:t>
+            </a:r>
+            <a:r>
+              <a:rPr lang="it-IT" sz="2000" dirty="0" err="1" smtClean="0"/>
+              <a:t>Transform</a:t>
+            </a:r>
+            <a:r>
+              <a:rPr lang="it-IT" sz="2000" dirty="0" smtClean="0"/>
+              <a:t> </a:t>
+            </a:r>
+            <a:r>
+              <a:rPr lang="it-IT" sz="2000" b="1" dirty="0" smtClean="0"/>
+              <a:t/>
+            </a:r>
+            <a:br>
+              <a:rPr lang="it-IT" sz="2000" b="1" dirty="0" smtClean="0"/>
+            </a:br>
+            <a:r>
+              <a:rPr lang="it-IT" sz="2000" dirty="0" smtClean="0"/>
+              <a:t>a 512 campioni(FFT</a:t>
+            </a:r>
+            <a:r>
+              <a:rPr lang="it-IT" sz="2000" dirty="0" smtClean="0"/>
+              <a:t>)</a:t>
+            </a:r>
+            <a:br>
+              <a:rPr lang="it-IT" sz="2000" dirty="0" smtClean="0"/>
+            </a:br>
+            <a:endParaRPr lang="it-IT" sz="2000" dirty="0" smtClean="0"/>
+          </a:p>
+          <a:p>
+            <a:pPr lvl="1"/>
+            <a:r>
+              <a:rPr lang="it-IT" sz="2000" dirty="0" smtClean="0"/>
+              <a:t>Estrazione </a:t>
+            </a:r>
+            <a:br>
+              <a:rPr lang="it-IT" sz="2000" dirty="0" smtClean="0"/>
+            </a:br>
+            <a:r>
+              <a:rPr lang="it-IT" sz="2000" dirty="0" smtClean="0"/>
+              <a:t>del tono fondamentale dal FFT</a:t>
+            </a:r>
+          </a:p>
+        </p:txBody>
+      </p:sp>
+      <p:sp>
+        <p:nvSpPr>
+          <p:cNvPr id="4" name="Segnaposto numero diapositiva 3"/>
+          <p:cNvSpPr>
+            <a:spLocks noGrp="1"/>
+          </p:cNvSpPr>
+          <p:nvPr>
+            <p:ph type="sldNum" sz="quarter" idx="11"/>
+          </p:nvPr>
+        </p:nvSpPr>
+        <p:spPr/>
+        <p:txBody>
+          <a:bodyPr/>
+          <a:lstStyle/>
+          <a:p>
+            <a:fld id="{C503DA3A-0C6B-48FC-931E-2C786AAFD5C1}" type="slidenum">
+              <a:rPr lang="en-US" altLang="nl-NL" smtClean="0"/>
+              <a:pPr/>
+              <a:t>16</a:t>
+            </a:fld>
+            <a:endParaRPr lang="en-US" altLang="nl-NL" dirty="0"/>
+          </a:p>
+        </p:txBody>
+      </p:sp>
+      <p:pic>
+        <p:nvPicPr>
+          <p:cNvPr id="8" name="Immagine 7"/>
+          <p:cNvPicPr>
+            <a:picLocks noChangeAspect="1"/>
+          </p:cNvPicPr>
+          <p:nvPr/>
+        </p:nvPicPr>
+        <p:blipFill>
+          <a:blip r:embed="rId3">
+            <a:extLst>
+              <a:ext uri="{28A0092B-C50C-407E-A947-70E740481C1C}">
+                <a14:useLocalDpi xmlns:a14="http://schemas.microsoft.com/office/drawing/2010/main" val="0"/>
+              </a:ext>
+            </a:extLst>
+          </a:blip>
+          <a:stretch>
+            <a:fillRect/>
+          </a:stretch>
+        </p:blipFill>
+        <p:spPr>
+          <a:xfrm>
+            <a:off x="5219020" y="2316760"/>
+            <a:ext cx="3510643" cy="2508177"/>
+          </a:xfrm>
+          <a:prstGeom prst="rect">
+            <a:avLst/>
+          </a:prstGeom>
+        </p:spPr>
+      </p:pic>
+    </p:spTree>
+    <p:extLst>
+      <p:ext uri="{BB962C8B-B14F-4D97-AF65-F5344CB8AC3E}">
+        <p14:creationId xmlns:p14="http://schemas.microsoft.com/office/powerpoint/2010/main" val="3931982814"/>
+      </p:ext>
+    </p:extLst>
+  </p:cSld>
+  <p:clrMapOvr>
+    <a:masterClrMapping/>
+  </p:clrMapOvr>
+  <p:timing>
+    <p:tnLst>
+      <p:par>
+        <p:cTn id="1" dur="indefinite" restart="never" nodeType="tmRoot"/>
+      </p:par>
+    </p:tnLst>
+  </p:timing>
+</p:sld>
+</file>
+
 <file path=ppt/slides/slide17.xml><?xml version="1.0" encoding="utf-8"?>
 <p:sld xmlns:a="http://schemas.openxmlformats.org/drawingml/2006/main" xmlns:r="http://schemas.openxmlformats.org/officeDocument/2006/relationships" xmlns:p="http://schemas.openxmlformats.org/presentationml/2006/main">
   <p:cSld>
@@ -10713,7 +10717,7 @@
         </p:blipFill>
         <p:spPr>
           <a:xfrm>
-            <a:off x="5483678" y="2074475"/>
+            <a:off x="5219020" y="2254357"/>
             <a:ext cx="3510643" cy="2632983"/>
           </a:xfrm>
           <a:prstGeom prst="rect">
@@ -10783,139 +10787,6 @@
       </p:sp>
       <p:sp>
         <p:nvSpPr>
-          <p:cNvPr id="3" name="Segnaposto contenuto 2"/>
-          <p:cNvSpPr>
-            <a:spLocks noGrp="1"/>
-          </p:cNvSpPr>
-          <p:nvPr>
-            <p:ph idx="1"/>
-          </p:nvPr>
-        </p:nvSpPr>
-        <p:spPr>
-          <a:xfrm>
-            <a:off x="609600" y="1024102"/>
-            <a:ext cx="8120063" cy="5093494"/>
-          </a:xfrm>
-        </p:spPr>
-        <p:txBody>
-          <a:bodyPr/>
-          <a:lstStyle/>
-          <a:p>
-            <a:r>
-              <a:rPr lang="it-IT" sz="2400" dirty="0" smtClean="0"/>
-              <a:t>Le funzionalità svolte in hardware dal FPGA sono:</a:t>
-            </a:r>
-            <a:br>
-              <a:rPr lang="it-IT" sz="2400" dirty="0" smtClean="0"/>
-            </a:br>
-            <a:endParaRPr lang="it-IT" sz="2400" dirty="0" smtClean="0"/>
-          </a:p>
-          <a:p>
-            <a:pPr lvl="1"/>
-            <a:r>
-              <a:rPr lang="it-IT" sz="2000" dirty="0" smtClean="0"/>
-              <a:t>Generazione del </a:t>
-            </a:r>
-            <a:br>
-              <a:rPr lang="it-IT" sz="2000" dirty="0" smtClean="0"/>
-            </a:br>
-            <a:r>
-              <a:rPr lang="it-IT" sz="2000" dirty="0" smtClean="0"/>
-              <a:t>segnale di modulazione </a:t>
-            </a:r>
-            <a:r>
-              <a:rPr lang="it-IT" sz="2000" i="1" dirty="0" smtClean="0"/>
-              <a:t/>
-            </a:r>
-            <a:br>
-              <a:rPr lang="it-IT" sz="2000" i="1" dirty="0" smtClean="0"/>
-            </a:br>
-            <a:endParaRPr lang="it-IT" sz="2000" i="1" dirty="0" smtClean="0"/>
-          </a:p>
-          <a:p>
-            <a:pPr lvl="1"/>
-            <a:r>
-              <a:rPr lang="it-IT" sz="2000" dirty="0" smtClean="0"/>
-              <a:t>Campionamento </a:t>
-            </a:r>
-            <a:br>
-              <a:rPr lang="it-IT" sz="2000" dirty="0" smtClean="0"/>
-            </a:br>
-            <a:r>
-              <a:rPr lang="it-IT" sz="2000" dirty="0" smtClean="0"/>
-              <a:t>del segnale interferometrico </a:t>
-            </a:r>
-            <a:br>
-              <a:rPr lang="it-IT" sz="2000" dirty="0" smtClean="0"/>
-            </a:br>
-            <a:r>
-              <a:rPr lang="it-IT" sz="2000" dirty="0" smtClean="0"/>
-              <a:t>a </a:t>
-            </a:r>
-            <a:r>
-              <a:rPr lang="it-IT" sz="2000" i="1" dirty="0" smtClean="0"/>
-              <a:t>30MHz</a:t>
-            </a:r>
-            <a:br>
-              <a:rPr lang="it-IT" sz="2000" i="1" dirty="0" smtClean="0"/>
-            </a:br>
-            <a:endParaRPr lang="it-IT" sz="2000" i="1" dirty="0" smtClean="0"/>
-          </a:p>
-          <a:p>
-            <a:pPr lvl="1"/>
-            <a:r>
-              <a:rPr lang="it-IT" sz="2000" b="1" dirty="0" smtClean="0"/>
-              <a:t>Calcolo </a:t>
-            </a:r>
-            <a:br>
-              <a:rPr lang="it-IT" sz="2000" b="1" dirty="0" smtClean="0"/>
-            </a:br>
-            <a:r>
-              <a:rPr lang="it-IT" sz="2000" b="1" dirty="0" smtClean="0"/>
-              <a:t>della Fast Fourier </a:t>
-            </a:r>
-            <a:r>
-              <a:rPr lang="it-IT" sz="2000" b="1" dirty="0" err="1" smtClean="0"/>
-              <a:t>Transform</a:t>
-            </a:r>
-            <a:r>
-              <a:rPr lang="it-IT" sz="2000" b="1" dirty="0" smtClean="0"/>
-              <a:t> </a:t>
-            </a:r>
-            <a:br>
-              <a:rPr lang="it-IT" sz="2000" b="1" dirty="0" smtClean="0"/>
-            </a:br>
-            <a:r>
-              <a:rPr lang="it-IT" sz="2000" b="1" dirty="0" smtClean="0"/>
-              <a:t>(FFT)</a:t>
-            </a:r>
-            <a:r>
-              <a:rPr lang="it-IT" sz="2000" dirty="0" smtClean="0"/>
-              <a:t/>
-            </a:r>
-            <a:br>
-              <a:rPr lang="it-IT" sz="2000" dirty="0" smtClean="0"/>
-            </a:br>
-            <a:endParaRPr lang="it-IT" sz="2000" dirty="0" smtClean="0"/>
-          </a:p>
-          <a:p>
-            <a:pPr lvl="1"/>
-            <a:r>
-              <a:rPr lang="it-IT" sz="2000" dirty="0" smtClean="0"/>
-              <a:t>Estrazione </a:t>
-            </a:r>
-            <a:br>
-              <a:rPr lang="it-IT" sz="2000" dirty="0" smtClean="0"/>
-            </a:br>
-            <a:r>
-              <a:rPr lang="it-IT" sz="2000" dirty="0" smtClean="0"/>
-              <a:t>del tono fondamentale dal FFT</a:t>
-            </a:r>
-          </a:p>
-        </p:txBody>
-      </p:sp>
-      <p:sp>
-        <p:nvSpPr>
           <p:cNvPr id="4" name="Segnaposto numero diapositiva 3"/>
           <p:cNvSpPr>
             <a:spLocks noGrp="1"/>
@@ -10960,7 +10831,7 @@
         </p:blipFill>
         <p:spPr>
           <a:xfrm>
-            <a:off x="5515031" y="3808736"/>
+            <a:off x="5281726" y="2277873"/>
             <a:ext cx="3447937" cy="2585952"/>
           </a:xfrm>
           <a:prstGeom prst="rect">
@@ -10968,6 +10839,143 @@
           </a:prstGeom>
         </p:spPr>
       </p:pic>
+      <p:sp>
+        <p:nvSpPr>
+          <p:cNvPr id="9" name="Segnaposto contenuto 2"/>
+          <p:cNvSpPr>
+            <a:spLocks noGrp="1"/>
+          </p:cNvSpPr>
+          <p:nvPr>
+            <p:ph idx="1"/>
+          </p:nvPr>
+        </p:nvSpPr>
+        <p:spPr>
+          <a:xfrm>
+            <a:off x="609600" y="1024102"/>
+            <a:ext cx="8120063" cy="5093494"/>
+          </a:xfrm>
+        </p:spPr>
+        <p:txBody>
+          <a:bodyPr/>
+          <a:lstStyle/>
+          <a:p>
+            <a:r>
+              <a:rPr lang="it-IT" sz="2400" dirty="0" smtClean="0"/>
+              <a:t>Le funzionalità svolte in hardware dal FPGA sono:</a:t>
+            </a:r>
+            <a:br>
+              <a:rPr lang="it-IT" sz="2400" dirty="0" smtClean="0"/>
+            </a:br>
+            <a:endParaRPr lang="it-IT" sz="2400" dirty="0" smtClean="0"/>
+          </a:p>
+          <a:p>
+            <a:pPr lvl="1"/>
+            <a:r>
+              <a:rPr lang="it-IT" sz="2000" dirty="0" smtClean="0"/>
+              <a:t>Generazione del </a:t>
+            </a:r>
+            <a:br>
+              <a:rPr lang="it-IT" sz="2000" dirty="0" smtClean="0"/>
+            </a:br>
+            <a:r>
+              <a:rPr lang="it-IT" sz="2000" dirty="0" smtClean="0"/>
+              <a:t>segnale di modulazione </a:t>
+            </a:r>
+            <a:r>
+              <a:rPr lang="it-IT" sz="2000" i="1" dirty="0" smtClean="0"/>
+              <a:t/>
+            </a:r>
+            <a:br>
+              <a:rPr lang="it-IT" sz="2000" i="1" dirty="0" smtClean="0"/>
+            </a:br>
+            <a:endParaRPr lang="it-IT" sz="2000" i="1" dirty="0" smtClean="0"/>
+          </a:p>
+          <a:p>
+            <a:pPr lvl="1"/>
+            <a:r>
+              <a:rPr lang="it-IT" sz="2000" dirty="0" smtClean="0"/>
+              <a:t>Campionamento </a:t>
+            </a:r>
+            <a:br>
+              <a:rPr lang="it-IT" sz="2000" dirty="0" smtClean="0"/>
+            </a:br>
+            <a:r>
+              <a:rPr lang="it-IT" sz="2000" dirty="0" smtClean="0"/>
+              <a:t>del segnale interferometrico </a:t>
+            </a:r>
+            <a:br>
+              <a:rPr lang="it-IT" sz="2000" dirty="0" smtClean="0"/>
+            </a:br>
+            <a:r>
+              <a:rPr lang="it-IT" sz="2000" dirty="0" smtClean="0"/>
+              <a:t>a </a:t>
+            </a:r>
+            <a:r>
+              <a:rPr lang="it-IT" sz="2000" i="1" dirty="0" smtClean="0"/>
+              <a:t>30MHz</a:t>
+            </a:r>
+            <a:br>
+              <a:rPr lang="it-IT" sz="2000" i="1" dirty="0" smtClean="0"/>
+            </a:br>
+            <a:endParaRPr lang="it-IT" sz="2000" i="1" dirty="0" smtClean="0"/>
+          </a:p>
+          <a:p>
+            <a:pPr lvl="1"/>
+            <a:r>
+              <a:rPr lang="it-IT" sz="2000" b="1" dirty="0" smtClean="0"/>
+              <a:t>Calcolo </a:t>
+            </a:r>
+            <a:br>
+              <a:rPr lang="it-IT" sz="2000" b="1" dirty="0" smtClean="0"/>
+            </a:br>
+            <a:r>
+              <a:rPr lang="it-IT" sz="2000" b="1" dirty="0" smtClean="0"/>
+              <a:t>della Fast Fourier </a:t>
+            </a:r>
+            <a:r>
+              <a:rPr lang="it-IT" sz="2000" b="1" dirty="0" err="1" smtClean="0"/>
+              <a:t>Transform</a:t>
+            </a:r>
+            <a:r>
+              <a:rPr lang="it-IT" sz="2000" b="1" dirty="0" smtClean="0"/>
+              <a:t/>
+            </a:r>
+            <a:br>
+              <a:rPr lang="it-IT" sz="2000" b="1" dirty="0" smtClean="0"/>
+            </a:br>
+            <a:r>
+              <a:rPr lang="it-IT" sz="2000" b="1" dirty="0" smtClean="0"/>
+              <a:t>a 512 campioni (FFT</a:t>
+            </a:r>
+            <a:r>
+              <a:rPr lang="it-IT" sz="2000" b="1" dirty="0" smtClean="0"/>
+              <a:t>)</a:t>
+            </a:r>
+            <a:r>
+              <a:rPr lang="it-IT" sz="2000" dirty="0" smtClean="0"/>
+              <a:t/>
+            </a:r>
+            <a:br>
+              <a:rPr lang="it-IT" sz="2000" dirty="0" smtClean="0"/>
+            </a:br>
+            <a:endParaRPr lang="it-IT" sz="2000" dirty="0" smtClean="0"/>
+          </a:p>
+          <a:p>
+            <a:pPr lvl="1"/>
+            <a:r>
+              <a:rPr lang="it-IT" sz="2000" dirty="0" smtClean="0"/>
+              <a:t>Estrazione </a:t>
+            </a:r>
+            <a:br>
+              <a:rPr lang="it-IT" sz="2000" dirty="0" smtClean="0"/>
+            </a:br>
+            <a:r>
+              <a:rPr lang="it-IT" sz="2000" dirty="0" smtClean="0"/>
+              <a:t>del tono fondamentale dal FFT</a:t>
+            </a:r>
+          </a:p>
+        </p:txBody>
+      </p:sp>
     </p:spTree>
     <p:extLst>
       <p:ext uri="{BB962C8B-B14F-4D97-AF65-F5344CB8AC3E}">
@@ -11129,16 +11137,16 @@
               <a:rPr lang="it-IT" sz="2000" dirty="0" smtClean="0"/>
               <a:t> </a:t>
             </a:r>
-            <a:r>
-              <a:rPr lang="it-IT" sz="2000" b="1" dirty="0" smtClean="0"/>
-              <a:t/>
-            </a:r>
             <a:br>
-              <a:rPr lang="it-IT" sz="2000" b="1" dirty="0" smtClean="0"/>
+              <a:rPr lang="it-IT" sz="2000" dirty="0" smtClean="0"/>
             </a:br>
             <a:r>
               <a:rPr lang="it-IT" sz="2000" dirty="0" smtClean="0"/>
-              <a:t>(FFT)</a:t>
+              <a:t>a 512 campioni (</a:t>
+            </a:r>
+            <a:r>
+              <a:rPr lang="it-IT" sz="2000" dirty="0" smtClean="0"/>
+              <a:t>FFT)</a:t>
             </a:r>
             <a:br>
               <a:rPr lang="it-IT" sz="2000" dirty="0" smtClean="0"/>
@@ -11207,7 +11215,7 @@
         </p:blipFill>
         <p:spPr>
           <a:xfrm>
-            <a:off x="5515031" y="3793746"/>
+            <a:off x="5281726" y="2277873"/>
             <a:ext cx="3447937" cy="2585952"/>
           </a:xfrm>
           <a:prstGeom prst="rect">
@@ -11223,7 +11231,7 @@
         </p:nvSpPr>
         <p:spPr>
           <a:xfrm>
-            <a:off x="6385810" y="3823726"/>
+            <a:off x="6140277" y="2277873"/>
             <a:ext cx="539646" cy="508431"/>
           </a:xfrm>
           <a:prstGeom prst="donut">
@@ -11232,8 +11240,13 @@
             </a:avLst>
           </a:prstGeom>
           <a:solidFill>
-            <a:schemeClr val="tx1"/>
+            <a:schemeClr val="accent2"/>
           </a:solidFill>
+          <a:ln>
+            <a:solidFill>
+              <a:schemeClr val="tx1"/>
+            </a:solidFill>
+          </a:ln>
         </p:spPr>
         <p:style>
           <a:lnRef idx="2">
@@ -13836,17 +13849,7 @@
                             <a:ea typeface="Lucida Grande" charset="0"/>
                             <a:cs typeface="Lucida Grande" charset="0"/>
                           </a:rPr>
-                          <m:t>−</m:t>
-                        </m:r>
-                        <m:r>
-                          <m:rPr>
-                            <m:nor/>
-                          </m:rPr>
-                          <a:rPr lang="it-IT" sz="2000" b="1">
-                            <a:ea typeface="Lucida Grande" charset="0"/>
-                            <a:cs typeface="Lucida Grande" charset="0"/>
-                          </a:rPr>
-                          <m:t>4</m:t>
+                          <m:t>−4</m:t>
                         </m:r>
                       </m:sup>
                     </m:sSup>
@@ -13897,17 +13900,7 @@
                             <a:ea typeface="Lucida Grande" charset="0"/>
                             <a:cs typeface="Lucida Grande" charset="0"/>
                           </a:rPr>
-                          <m:t>−</m:t>
-                        </m:r>
-                        <m:r>
-                          <m:rPr>
-                            <m:nor/>
-                          </m:rPr>
-                          <a:rPr lang="it-IT" sz="2000" b="1">
-                            <a:ea typeface="Lucida Grande" charset="0"/>
-                            <a:cs typeface="Lucida Grande" charset="0"/>
-                          </a:rPr>
-                          <m:t>4</m:t>
+                          <m:t>−4</m:t>
                         </m:r>
                       </m:sup>
                     </m:sSup>
@@ -13958,17 +13951,7 @@
                             <a:ea typeface="Lucida Grande" charset="0"/>
                             <a:cs typeface="Lucida Grande" charset="0"/>
                           </a:rPr>
-                          <m:t>−</m:t>
-                        </m:r>
-                        <m:r>
-                          <m:rPr>
-                            <m:nor/>
-                          </m:rPr>
-                          <a:rPr lang="it-IT" sz="2000" b="1">
-                            <a:ea typeface="Lucida Grande" charset="0"/>
-                            <a:cs typeface="Lucida Grande" charset="0"/>
-                          </a:rPr>
-                          <m:t>4</m:t>
+                          <m:t>−4</m:t>
                         </m:r>
                       </m:sup>
                     </m:sSup>
@@ -14311,7 +14294,17 @@
                             <a:ea typeface="Lucida Grande" charset="0"/>
                             <a:cs typeface="Lucida Grande" charset="0"/>
                           </a:rPr>
-                          <m:t>−4</m:t>
+                          <m:t>−</m:t>
+                        </m:r>
+                        <m:r>
+                          <m:rPr>
+                            <m:nor/>
+                          </m:rPr>
+                          <a:rPr lang="it-IT" sz="2000" b="1">
+                            <a:ea typeface="Lucida Grande" charset="0"/>
+                            <a:cs typeface="Lucida Grande" charset="0"/>
+                          </a:rPr>
+                          <m:t>4</m:t>
                         </m:r>
                       </m:sup>
                     </m:sSup>
@@ -14374,7 +14367,17 @@
                             <a:ea typeface="Lucida Grande" charset="0"/>
                             <a:cs typeface="Lucida Grande" charset="0"/>
                           </a:rPr>
-                          <m:t>−4</m:t>
+                          <m:t>−</m:t>
+                        </m:r>
+                        <m:r>
+                          <m:rPr>
+                            <m:nor/>
+                          </m:rPr>
+                          <a:rPr lang="it-IT" sz="2000" b="1">
+                            <a:ea typeface="Lucida Grande" charset="0"/>
+                            <a:cs typeface="Lucida Grande" charset="0"/>
+                          </a:rPr>
+                          <m:t>4</m:t>
                         </m:r>
                       </m:sup>
                     </m:sSup>
@@ -14437,7 +14440,17 @@
                             <a:ea typeface="Lucida Grande" charset="0"/>
                             <a:cs typeface="Lucida Grande" charset="0"/>
                           </a:rPr>
-                          <m:t>−4</m:t>
+                          <m:t>−</m:t>
+                        </m:r>
+                        <m:r>
+                          <m:rPr>
+                            <m:nor/>
+                          </m:rPr>
+                          <a:rPr lang="it-IT" sz="2000" b="1">
+                            <a:ea typeface="Lucida Grande" charset="0"/>
+                            <a:cs typeface="Lucida Grande" charset="0"/>
+                          </a:rPr>
+                          <m:t>4</m:t>
                         </m:r>
                       </m:sup>
                     </m:sSup>
@@ -20607,18 +20620,18 @@
 </file>
 
 <file path=customXml/item2.xml><?xml version="1.0" encoding="utf-8"?>
+<p:properties xmlns:p="http://schemas.microsoft.com/office/2006/metadata/properties" xmlns:xsi="http://www.w3.org/2001/XMLSchema-instance" xmlns:pc="http://schemas.microsoft.com/office/infopath/2007/PartnerControls">
+  <documentManagement/>
+</p:properties>
+</file>
+
+<file path=customXml/item3.xml><?xml version="1.0" encoding="utf-8"?>
 <?mso-contentType ?>
 <FormTemplates xmlns="http://schemas.microsoft.com/sharepoint/v3/contenttype/forms">
   <Display>DocumentLibraryForm</Display>
   <Edit>DocumentLibraryForm</Edit>
   <New>DocumentLibraryForm</New>
 </FormTemplates>
-</file>
-
-<file path=customXml/item3.xml><?xml version="1.0" encoding="utf-8"?>
-<p:properties xmlns:p="http://schemas.microsoft.com/office/2006/metadata/properties" xmlns:xsi="http://www.w3.org/2001/XMLSchema-instance" xmlns:pc="http://schemas.microsoft.com/office/infopath/2007/PartnerControls">
-  <documentManagement/>
-</p:properties>
 </file>
 
 <file path=customXml/itemProps1.xml><?xml version="1.0" encoding="utf-8"?>
@@ -20638,14 +20651,6 @@
 </file>
 
 <file path=customXml/itemProps2.xml><?xml version="1.0" encoding="utf-8"?>
-<ds:datastoreItem xmlns:ds="http://schemas.openxmlformats.org/officeDocument/2006/customXml" ds:itemID="{642F071F-C090-42AB-8A40-E3A3A8F01244}">
-  <ds:schemaRefs>
-    <ds:schemaRef ds:uri="http://schemas.microsoft.com/sharepoint/v3/contenttype/forms"/>
-  </ds:schemaRefs>
-</ds:datastoreItem>
-</file>
-
-<file path=customXml/itemProps3.xml><?xml version="1.0" encoding="utf-8"?>
 <ds:datastoreItem xmlns:ds="http://schemas.openxmlformats.org/officeDocument/2006/customXml" ds:itemID="{D68A92BA-7E37-44ED-84AE-4BD8BD74DC1F}">
   <ds:schemaRefs>
     <ds:schemaRef ds:uri="http://purl.org/dc/terms/"/>
@@ -20658,4 +20663,12 @@
     <ds:schemaRef ds:uri="http://purl.org/dc/dcmitype/"/>
   </ds:schemaRefs>
 </ds:datastoreItem>
+</file>
+
+<file path=customXml/itemProps3.xml><?xml version="1.0" encoding="utf-8"?>
+<ds:datastoreItem xmlns:ds="http://schemas.openxmlformats.org/officeDocument/2006/customXml" ds:itemID="{642F071F-C090-42AB-8A40-E3A3A8F01244}">
+  <ds:schemaRefs>
+    <ds:schemaRef ds:uri="http://schemas.microsoft.com/sharepoint/v3/contenttype/forms"/>
+  </ds:schemaRefs>
+</ds:datastoreItem>
 </file>
--- a/presentazione_discussione.pptx
+++ b/presentazione_discussione.pptx
@@ -421,7 +421,7 @@
             <a:fld id="{09D1D7E3-DE3F-4B7A-BF5B-A3735BF12F5F}" type="slidenum">
               <a:rPr lang="en-US" altLang="nl-NL"/>
               <a:pPr/>
-              <a:t>‹N›</a:t>
+              <a:t>‹n.›</a:t>
             </a:fld>
             <a:endParaRPr lang="en-US" altLang="nl-NL"/>
           </a:p>
@@ -760,7 +760,7 @@
             <a:fld id="{88C0D9CF-78A8-4FBE-960E-41C6F5A4AF95}" type="slidenum">
               <a:rPr lang="en-US" altLang="nl-NL"/>
               <a:pPr/>
-              <a:t>‹N›</a:t>
+              <a:t>‹n.›</a:t>
             </a:fld>
             <a:endParaRPr lang="en-US" altLang="nl-NL"/>
           </a:p>
@@ -4121,7 +4121,7 @@
             <a:fld id="{2A6090BC-14A4-4032-A8EA-D874EB653524}" type="slidenum">
               <a:rPr lang="en-US" altLang="nl-NL"/>
               <a:pPr/>
-              <a:t>‹N›</a:t>
+              <a:t>‹n.›</a:t>
             </a:fld>
             <a:endParaRPr lang="en-US" altLang="nl-NL"/>
           </a:p>
@@ -4269,7 +4269,7 @@
             <a:fld id="{BA594880-8A78-40E1-8D62-51F97D4059C0}" type="slidenum">
               <a:rPr lang="en-US" altLang="nl-NL"/>
               <a:pPr/>
-              <a:t>‹N›</a:t>
+              <a:t>‹n.›</a:t>
             </a:fld>
             <a:endParaRPr lang="en-US" altLang="nl-NL"/>
           </a:p>
@@ -4454,7 +4454,7 @@
             <a:fld id="{C503DA3A-0C6B-48FC-931E-2C786AAFD5C1}" type="slidenum">
               <a:rPr lang="en-US" altLang="nl-NL"/>
               <a:pPr/>
-              <a:t>‹N›</a:t>
+              <a:t>‹n.›</a:t>
             </a:fld>
             <a:endParaRPr lang="en-US" altLang="nl-NL"/>
           </a:p>
@@ -4644,7 +4644,7 @@
             <a:fld id="{22038E9A-44DA-4A7D-8119-4DEABABB9975}" type="slidenum">
               <a:rPr lang="en-US" altLang="nl-NL"/>
               <a:pPr/>
-              <a:t>‹N›</a:t>
+              <a:t>‹n.›</a:t>
             </a:fld>
             <a:endParaRPr lang="en-US" altLang="nl-NL"/>
           </a:p>
@@ -4900,7 +4900,7 @@
             <a:fld id="{003F0B5A-3573-418F-94B3-BD5F75DB60BD}" type="slidenum">
               <a:rPr lang="en-US" altLang="nl-NL"/>
               <a:pPr/>
-              <a:t>‹N›</a:t>
+              <a:t>‹n.›</a:t>
             </a:fld>
             <a:endParaRPr lang="en-US" altLang="nl-NL"/>
           </a:p>
@@ -5295,7 +5295,7 @@
             <a:fld id="{42D42EED-7338-48C6-AA31-2E9FCA4532B1}" type="slidenum">
               <a:rPr lang="en-US" altLang="nl-NL"/>
               <a:pPr/>
-              <a:t>‹N›</a:t>
+              <a:t>‹n.›</a:t>
             </a:fld>
             <a:endParaRPr lang="en-US" altLang="nl-NL"/>
           </a:p>
@@ -5381,7 +5381,7 @@
             <a:fld id="{BBD7032E-400A-4C6B-9075-7A7CB7960EE8}" type="slidenum">
               <a:rPr lang="en-US" altLang="nl-NL"/>
               <a:pPr/>
-              <a:t>‹N›</a:t>
+              <a:t>‹n.›</a:t>
             </a:fld>
             <a:endParaRPr lang="en-US" altLang="nl-NL"/>
           </a:p>
@@ -5444,7 +5444,7 @@
             <a:fld id="{ED3AC776-BC4C-444F-A902-0153286FE118}" type="slidenum">
               <a:rPr lang="en-US" altLang="nl-NL"/>
               <a:pPr/>
-              <a:t>‹N›</a:t>
+              <a:t>‹n.›</a:t>
             </a:fld>
             <a:endParaRPr lang="en-US" altLang="nl-NL"/>
           </a:p>
@@ -5689,7 +5689,7 @@
             <a:fld id="{E5F65DD3-3E3C-40FA-A044-BE029E819A96}" type="slidenum">
               <a:rPr lang="en-US" altLang="nl-NL"/>
               <a:pPr/>
-              <a:t>‹N›</a:t>
+              <a:t>‹n.›</a:t>
             </a:fld>
             <a:endParaRPr lang="en-US" altLang="nl-NL"/>
           </a:p>
@@ -5915,7 +5915,7 @@
             <a:fld id="{D32360F0-7900-4280-B4D3-DB562730877F}" type="slidenum">
               <a:rPr lang="en-US" altLang="nl-NL"/>
               <a:pPr/>
-              <a:t>‹N›</a:t>
+              <a:t>‹n.›</a:t>
             </a:fld>
             <a:endParaRPr lang="en-US" altLang="nl-NL"/>
           </a:p>
@@ -6259,7 +6259,7 @@
             <a:fld id="{D11F1AE1-4445-46D7-BD14-4F1456A53146}" type="slidenum">
               <a:rPr lang="en-US" altLang="nl-NL"/>
               <a:pPr/>
-              <a:t>‹N›</a:t>
+              <a:t>‹n.›</a:t>
             </a:fld>
             <a:endParaRPr lang="en-US" altLang="nl-NL"/>
           </a:p>
@@ -10215,8 +10215,8 @@
         </p:blipFill>
         <p:spPr>
           <a:xfrm>
-            <a:off x="5020733" y="1494075"/>
-            <a:ext cx="3935109" cy="4623521"/>
+            <a:off x="5387001" y="1771662"/>
+            <a:ext cx="3634149" cy="4269911"/>
           </a:xfrm>
           <a:prstGeom prst="rect">
             <a:avLst/>
@@ -10393,11 +10393,7 @@
             </a:br>
             <a:r>
               <a:rPr lang="it-IT" sz="2000" dirty="0" smtClean="0"/>
-              <a:t>a 512 campioni(FFT</a:t>
-            </a:r>
-            <a:r>
-              <a:rPr lang="it-IT" sz="2000" dirty="0" smtClean="0"/>
-              <a:t>)</a:t>
+              <a:t>a 512 campioni(FFT)</a:t>
             </a:r>
             <a:br>
               <a:rPr lang="it-IT" sz="2000" dirty="0" smtClean="0"/>
@@ -10945,11 +10941,7 @@
             </a:br>
             <a:r>
               <a:rPr lang="it-IT" sz="2000" b="1" dirty="0" smtClean="0"/>
-              <a:t>a 512 campioni (FFT</a:t>
-            </a:r>
-            <a:r>
-              <a:rPr lang="it-IT" sz="2000" b="1" dirty="0" smtClean="0"/>
-              <a:t>)</a:t>
+              <a:t>a 512 campioni (FFT)</a:t>
             </a:r>
             <a:r>
               <a:rPr lang="it-IT" sz="2000" dirty="0" smtClean="0"/>
@@ -11142,11 +11134,7 @@
             </a:br>
             <a:r>
               <a:rPr lang="it-IT" sz="2000" dirty="0" smtClean="0"/>
-              <a:t>a 512 campioni (</a:t>
-            </a:r>
-            <a:r>
-              <a:rPr lang="it-IT" sz="2000" dirty="0" smtClean="0"/>
-              <a:t>FFT)</a:t>
+              <a:t>a 512 campioni (FFT)</a:t>
             </a:r>
             <a:br>
               <a:rPr lang="it-IT" sz="2000" dirty="0" smtClean="0"/>
@@ -11658,13 +11646,7 @@
                       <a:rPr lang="it-IT" sz="1600" b="0" i="1" dirty="0" smtClean="0">
                         <a:latin typeface="Cambria Math" charset="0"/>
                       </a:rPr>
-                      <m:t>+</m:t>
-                    </m:r>
-                    <m:r>
-                      <a:rPr lang="it-IT" sz="1600" b="0" i="1" dirty="0" smtClean="0">
-                        <a:latin typeface="Cambria Math" charset="0"/>
-                      </a:rPr>
-                      <m:t>1</m:t>
+                      <m:t>+1</m:t>
                     </m:r>
                   </m:oMath>
                 </a14:m>
@@ -11687,7 +11669,7 @@
                         <m:endChr m:val="|"/>
                         <m:ctrlPr>
                           <a:rPr lang="it-IT" sz="1600" i="1">
-                            <a:latin typeface="Cambria Math" panose="02040503050406030204" pitchFamily="18" charset="0"/>
+                            <a:latin typeface="Cambria Math" charset="0"/>
                           </a:rPr>
                         </m:ctrlPr>
                       </m:dPr>
@@ -11696,7 +11678,7 @@
                           <m:sSubPr>
                             <m:ctrlPr>
                               <a:rPr lang="it-IT" sz="1600" i="1">
-                                <a:latin typeface="Cambria Math" panose="02040503050406030204" pitchFamily="18" charset="0"/>
+                                <a:latin typeface="Cambria Math" charset="0"/>
                               </a:rPr>
                             </m:ctrlPr>
                           </m:sSubPr>
@@ -11743,7 +11725,7 @@
                         <m:endChr m:val="|"/>
                         <m:ctrlPr>
                           <a:rPr lang="it-IT" sz="1600" i="1">
-                            <a:latin typeface="Cambria Math" panose="02040503050406030204" pitchFamily="18" charset="0"/>
+                            <a:latin typeface="Cambria Math" charset="0"/>
                           </a:rPr>
                         </m:ctrlPr>
                       </m:dPr>
@@ -11752,7 +11734,7 @@
                           <m:sSubPr>
                             <m:ctrlPr>
                               <a:rPr lang="it-IT" sz="1600" i="1">
-                                <a:latin typeface="Cambria Math" panose="02040503050406030204" pitchFamily="18" charset="0"/>
+                                <a:latin typeface="Cambria Math" charset="0"/>
                               </a:rPr>
                             </m:ctrlPr>
                           </m:sSubPr>
@@ -11775,13 +11757,7 @@
                               <a:rPr lang="it-IT" sz="1600" b="0" i="1" smtClean="0">
                                 <a:latin typeface="Cambria Math" charset="0"/>
                               </a:rPr>
-                              <m:t>+</m:t>
-                            </m:r>
-                            <m:r>
-                              <a:rPr lang="it-IT" sz="1600" b="0" i="1" smtClean="0">
-                                <a:latin typeface="Cambria Math" charset="0"/>
-                              </a:rPr>
-                              <m:t>1</m:t>
+                              <m:t>+1</m:t>
                             </m:r>
                           </m:sub>
                         </m:sSub>
@@ -11847,7 +11823,7 @@
                       <m:fPr>
                         <m:ctrlPr>
                           <a:rPr lang="it-IT" sz="1600" b="0" i="1" smtClean="0">
-                            <a:latin typeface="Cambria Math" panose="02040503050406030204" pitchFamily="18" charset="0"/>
+                            <a:latin typeface="Cambria Math" charset="0"/>
                           </a:rPr>
                         </m:ctrlPr>
                       </m:fPr>
@@ -11864,7 +11840,7 @@
                             <m:endChr m:val="|"/>
                             <m:ctrlPr>
                               <a:rPr lang="it-IT" sz="1600" b="0" i="1" smtClean="0">
-                                <a:latin typeface="Cambria Math" panose="02040503050406030204" pitchFamily="18" charset="0"/>
+                                <a:latin typeface="Cambria Math" charset="0"/>
                               </a:rPr>
                             </m:ctrlPr>
                           </m:dPr>
@@ -11873,7 +11849,7 @@
                               <m:sSubPr>
                                 <m:ctrlPr>
                                   <a:rPr lang="it-IT" sz="1600" b="0" i="1" smtClean="0">
-                                    <a:latin typeface="Cambria Math" panose="02040503050406030204" pitchFamily="18" charset="0"/>
+                                    <a:latin typeface="Cambria Math" charset="0"/>
                                   </a:rPr>
                                 </m:ctrlPr>
                               </m:sSubPr>
@@ -11896,13 +11872,7 @@
                                   <a:rPr lang="it-IT" sz="1600" b="0" i="1" smtClean="0">
                                     <a:latin typeface="Cambria Math" charset="0"/>
                                   </a:rPr>
-                                  <m:t>+</m:t>
-                                </m:r>
-                                <m:r>
-                                  <a:rPr lang="it-IT" sz="1600" b="0" i="1" smtClean="0">
-                                    <a:latin typeface="Cambria Math" charset="0"/>
-                                  </a:rPr>
-                                  <m:t>1</m:t>
+                                  <m:t>+1</m:t>
                                 </m:r>
                               </m:sub>
                             </m:sSub>
@@ -11920,7 +11890,7 @@
                             <m:endChr m:val="|"/>
                             <m:ctrlPr>
                               <a:rPr lang="it-IT" sz="1600" i="1">
-                                <a:latin typeface="Cambria Math" panose="02040503050406030204" pitchFamily="18" charset="0"/>
+                                <a:latin typeface="Cambria Math" charset="0"/>
                               </a:rPr>
                             </m:ctrlPr>
                           </m:dPr>
@@ -11929,7 +11899,7 @@
                               <m:sSubPr>
                                 <m:ctrlPr>
                                   <a:rPr lang="it-IT" sz="1600" i="1">
-                                    <a:latin typeface="Cambria Math" panose="02040503050406030204" pitchFamily="18" charset="0"/>
+                                    <a:latin typeface="Cambria Math" charset="0"/>
                                   </a:rPr>
                                 </m:ctrlPr>
                               </m:sSubPr>
@@ -11960,7 +11930,7 @@
                             <m:endChr m:val="|"/>
                             <m:ctrlPr>
                               <a:rPr lang="it-IT" sz="1600" i="1">
-                                <a:latin typeface="Cambria Math" panose="02040503050406030204" pitchFamily="18" charset="0"/>
+                                <a:latin typeface="Cambria Math" charset="0"/>
                               </a:rPr>
                             </m:ctrlPr>
                           </m:dPr>
@@ -11969,7 +11939,7 @@
                               <m:sSubPr>
                                 <m:ctrlPr>
                                   <a:rPr lang="it-IT" sz="1600" i="1">
-                                    <a:latin typeface="Cambria Math" panose="02040503050406030204" pitchFamily="18" charset="0"/>
+                                    <a:latin typeface="Cambria Math" charset="0"/>
                                   </a:rPr>
                                 </m:ctrlPr>
                               </m:sSubPr>
@@ -11992,13 +11962,7 @@
                                   <a:rPr lang="it-IT" sz="1600" i="1">
                                     <a:latin typeface="Cambria Math" charset="0"/>
                                   </a:rPr>
-                                  <m:t>+</m:t>
-                                </m:r>
-                                <m:r>
-                                  <a:rPr lang="it-IT" sz="1600" i="1">
-                                    <a:latin typeface="Cambria Math" charset="0"/>
-                                  </a:rPr>
-                                  <m:t>1</m:t>
+                                  <m:t>+1</m:t>
                                 </m:r>
                               </m:sub>
                             </m:sSub>
@@ -12016,7 +11980,7 @@
                             <m:endChr m:val="|"/>
                             <m:ctrlPr>
                               <a:rPr lang="it-IT" sz="1600" i="1">
-                                <a:latin typeface="Cambria Math" panose="02040503050406030204" pitchFamily="18" charset="0"/>
+                                <a:latin typeface="Cambria Math" charset="0"/>
                               </a:rPr>
                             </m:ctrlPr>
                           </m:dPr>
@@ -12025,7 +11989,7 @@
                               <m:sSubPr>
                                 <m:ctrlPr>
                                   <a:rPr lang="it-IT" sz="1600" i="1">
-                                    <a:latin typeface="Cambria Math" panose="02040503050406030204" pitchFamily="18" charset="0"/>
+                                    <a:latin typeface="Cambria Math" charset="0"/>
                                   </a:rPr>
                                 </m:ctrlPr>
                               </m:sSubPr>
@@ -12087,7 +12051,7 @@
                       <m:sSubPr>
                         <m:ctrlPr>
                           <a:rPr lang="it-IT" sz="1600" i="1" smtClean="0">
-                            <a:latin typeface="Cambria Math" panose="02040503050406030204" pitchFamily="18" charset="0"/>
+                            <a:latin typeface="Cambria Math" charset="0"/>
                           </a:rPr>
                         </m:ctrlPr>
                       </m:sSubPr>
@@ -12118,7 +12082,7 @@
                       <m:dPr>
                         <m:ctrlPr>
                           <a:rPr lang="it-IT" sz="1600" b="0" i="1" smtClean="0">
-                            <a:latin typeface="Cambria Math" panose="02040503050406030204" pitchFamily="18" charset="0"/>
+                            <a:latin typeface="Cambria Math" charset="0"/>
                           </a:rPr>
                         </m:ctrlPr>
                       </m:dPr>
@@ -12205,7 +12169,7 @@
                       <m:fPr>
                         <m:ctrlPr>
                           <a:rPr lang="it-IT" sz="1600" b="0" i="1" smtClean="0">
-                            <a:latin typeface="Cambria Math" panose="02040503050406030204" pitchFamily="18" charset="0"/>
+                            <a:latin typeface="Cambria Math" charset="0"/>
                           </a:rPr>
                         </m:ctrlPr>
                       </m:fPr>
@@ -12214,7 +12178,7 @@
                           <m:sSubPr>
                             <m:ctrlPr>
                               <a:rPr lang="it-IT" sz="1600" b="0" i="1" smtClean="0">
-                                <a:latin typeface="Cambria Math" panose="02040503050406030204" pitchFamily="18" charset="0"/>
+                                <a:latin typeface="Cambria Math" charset="0"/>
                               </a:rPr>
                             </m:ctrlPr>
                           </m:sSubPr>
@@ -12404,7 +12368,7 @@
                         <m:fPr>
                           <m:ctrlPr>
                             <a:rPr lang="it-IT" i="1" smtClean="0">
-                              <a:latin typeface="Cambria Math" panose="02040503050406030204" pitchFamily="18" charset="0"/>
+                              <a:latin typeface="Cambria Math" charset="0"/>
                               <a:ea typeface="Cambria Math" charset="0"/>
                               <a:cs typeface="Cambria Math" charset="0"/>
                             </a:rPr>
@@ -12415,7 +12379,7 @@
                             <m:sSubPr>
                               <m:ctrlPr>
                                 <a:rPr lang="it-IT" i="1" smtClean="0">
-                                  <a:latin typeface="Cambria Math" panose="02040503050406030204" pitchFamily="18" charset="0"/>
+                                  <a:latin typeface="Cambria Math" charset="0"/>
                                   <a:ea typeface="Cambria Math" charset="0"/>
                                   <a:cs typeface="Cambria Math" charset="0"/>
                                 </a:rPr>
@@ -12454,7 +12418,7 @@
                             <m:sSubPr>
                               <m:ctrlPr>
                                 <a:rPr lang="it-IT" b="0" i="1" smtClean="0">
-                                  <a:latin typeface="Cambria Math" panose="02040503050406030204" pitchFamily="18" charset="0"/>
+                                  <a:latin typeface="Cambria Math" charset="0"/>
                                   <a:ea typeface="Cambria Math" charset="0"/>
                                   <a:cs typeface="Cambria Math" charset="0"/>
                                 </a:rPr>
@@ -13822,7 +13786,7 @@
                       <m:sSupPr>
                         <m:ctrlPr>
                           <a:rPr lang="it-IT" sz="2000" b="1" i="1">
-                            <a:latin typeface="Cambria Math" panose="02040503050406030204" pitchFamily="18" charset="0"/>
+                            <a:latin typeface="Cambria Math" charset="0"/>
                             <a:ea typeface="Lucida Grande" charset="0"/>
                             <a:cs typeface="Lucida Grande" charset="0"/>
                           </a:rPr>
@@ -13873,7 +13837,7 @@
                       <m:sSupPr>
                         <m:ctrlPr>
                           <a:rPr lang="it-IT" sz="2000" b="1" i="1">
-                            <a:latin typeface="Cambria Math" panose="02040503050406030204" pitchFamily="18" charset="0"/>
+                            <a:latin typeface="Cambria Math" charset="0"/>
                             <a:ea typeface="Lucida Grande" charset="0"/>
                             <a:cs typeface="Lucida Grande" charset="0"/>
                           </a:rPr>
@@ -13924,7 +13888,7 @@
                       <m:sSupPr>
                         <m:ctrlPr>
                           <a:rPr lang="it-IT" sz="2000" b="1" i="1">
-                            <a:latin typeface="Cambria Math" panose="02040503050406030204" pitchFamily="18" charset="0"/>
+                            <a:latin typeface="Cambria Math" charset="0"/>
                             <a:ea typeface="Lucida Grande" charset="0"/>
                             <a:cs typeface="Lucida Grande" charset="0"/>
                           </a:rPr>
@@ -14267,7 +14231,7 @@
                       <m:sSupPr>
                         <m:ctrlPr>
                           <a:rPr lang="it-IT" sz="2000" b="1" i="1">
-                            <a:latin typeface="Cambria Math" panose="02040503050406030204" pitchFamily="18" charset="0"/>
+                            <a:latin typeface="Cambria Math" charset="0"/>
                             <a:ea typeface="Lucida Grande" charset="0"/>
                             <a:cs typeface="Lucida Grande" charset="0"/>
                           </a:rPr>
@@ -14294,17 +14258,7 @@
                             <a:ea typeface="Lucida Grande" charset="0"/>
                             <a:cs typeface="Lucida Grande" charset="0"/>
                           </a:rPr>
-                          <m:t>−</m:t>
-                        </m:r>
-                        <m:r>
-                          <m:rPr>
-                            <m:nor/>
-                          </m:rPr>
-                          <a:rPr lang="it-IT" sz="2000" b="1">
-                            <a:ea typeface="Lucida Grande" charset="0"/>
-                            <a:cs typeface="Lucida Grande" charset="0"/>
-                          </a:rPr>
-                          <m:t>4</m:t>
+                          <m:t>−4</m:t>
                         </m:r>
                       </m:sup>
                     </m:sSup>
@@ -14340,7 +14294,7 @@
                       <m:sSupPr>
                         <m:ctrlPr>
                           <a:rPr lang="it-IT" sz="2000" b="1" i="1">
-                            <a:latin typeface="Cambria Math" panose="02040503050406030204" pitchFamily="18" charset="0"/>
+                            <a:latin typeface="Cambria Math" charset="0"/>
                             <a:ea typeface="Lucida Grande" charset="0"/>
                             <a:cs typeface="Lucida Grande" charset="0"/>
                           </a:rPr>
@@ -14367,17 +14321,7 @@
                             <a:ea typeface="Lucida Grande" charset="0"/>
                             <a:cs typeface="Lucida Grande" charset="0"/>
                           </a:rPr>
-                          <m:t>−</m:t>
-                        </m:r>
-                        <m:r>
-                          <m:rPr>
-                            <m:nor/>
-                          </m:rPr>
-                          <a:rPr lang="it-IT" sz="2000" b="1">
-                            <a:ea typeface="Lucida Grande" charset="0"/>
-                            <a:cs typeface="Lucida Grande" charset="0"/>
-                          </a:rPr>
-                          <m:t>4</m:t>
+                          <m:t>−4</m:t>
                         </m:r>
                       </m:sup>
                     </m:sSup>
@@ -14413,7 +14357,7 @@
                       <m:sSupPr>
                         <m:ctrlPr>
                           <a:rPr lang="it-IT" sz="2000" b="1" i="1">
-                            <a:latin typeface="Cambria Math" panose="02040503050406030204" pitchFamily="18" charset="0"/>
+                            <a:latin typeface="Cambria Math" charset="0"/>
                             <a:ea typeface="Lucida Grande" charset="0"/>
                             <a:cs typeface="Lucida Grande" charset="0"/>
                           </a:rPr>
@@ -14440,17 +14384,7 @@
                             <a:ea typeface="Lucida Grande" charset="0"/>
                             <a:cs typeface="Lucida Grande" charset="0"/>
                           </a:rPr>
-                          <m:t>−</m:t>
-                        </m:r>
-                        <m:r>
-                          <m:rPr>
-                            <m:nor/>
-                          </m:rPr>
-                          <a:rPr lang="it-IT" sz="2000" b="1">
-                            <a:ea typeface="Lucida Grande" charset="0"/>
-                            <a:cs typeface="Lucida Grande" charset="0"/>
-                          </a:rPr>
-                          <m:t>4</m:t>
+                          <m:t>−4</m:t>
                         </m:r>
                       </m:sup>
                     </m:sSup>
@@ -14746,7 +14680,7 @@
                       <m:sSupPr>
                         <m:ctrlPr>
                           <a:rPr lang="it-IT" sz="2400" b="1" i="1">
-                            <a:latin typeface="Cambria Math" panose="02040503050406030204" pitchFamily="18" charset="0"/>
+                            <a:latin typeface="Cambria Math" charset="0"/>
                           </a:rPr>
                         </m:ctrlPr>
                       </m:sSupPr>
@@ -14781,7 +14715,7 @@
                       <m:sSupPr>
                         <m:ctrlPr>
                           <a:rPr lang="it-IT" sz="2400" b="1" i="1">
-                            <a:latin typeface="Cambria Math" panose="02040503050406030204" pitchFamily="18" charset="0"/>
+                            <a:latin typeface="Cambria Math" charset="0"/>
                           </a:rPr>
                         </m:ctrlPr>
                       </m:sSupPr>
@@ -16823,12 +16757,77 @@
               <a:p>
                 <a:r>
                   <a:rPr lang="it-IT" sz="2400" dirty="0"/>
-                  <a:t>L’informazione sullo spostamento del bersaglio è contenuta nella </a:t>
+                  <a:t>Il segnale di corrente generato dal fotodiodo è chiamato </a:t>
+                </a:r>
+                <a:r>
+                  <a:rPr lang="it-IT" sz="2400" b="1" dirty="0"/>
+                  <a:t>segnale </a:t>
+                </a:r>
+                <a:r>
+                  <a:rPr lang="it-IT" sz="2400" b="1" dirty="0" smtClean="0"/>
+                  <a:t>interferometrico</a:t>
+                </a:r>
+                <a:endParaRPr lang="it-IT" sz="2400" dirty="0" smtClean="0"/>
+              </a:p>
+              <a:p>
+                <a:r>
+                  <a:rPr lang="it-IT" sz="2400" dirty="0" smtClean="0"/>
+                  <a:t>Il segnale interferometrico è un segnale </a:t>
+                </a:r>
+                <a:r>
+                  <a:rPr lang="it-IT" sz="2400" b="1" dirty="0" smtClean="0"/>
+                  <a:t>periodico</a:t>
+                </a:r>
+                <a:r>
+                  <a:rPr lang="it-IT" sz="2400" dirty="0" smtClean="0"/>
+                  <a:t> a </a:t>
+                </a:r>
+                <a:r>
+                  <a:rPr lang="it-IT" sz="2400" b="1" dirty="0" smtClean="0"/>
+                  <a:t>frange:</a:t>
+                </a:r>
+              </a:p>
+              <a:p>
+                <a:pPr lvl="1"/>
+                <a:r>
+                  <a:rPr lang="it-IT" sz="2000" dirty="0"/>
+                  <a:t>O</a:t>
+                </a:r>
+                <a:r>
+                  <a:rPr lang="it-IT" sz="2000" dirty="0" smtClean="0"/>
+                  <a:t>gni </a:t>
+                </a:r>
+                <a:r>
+                  <a:rPr lang="it-IT" sz="2000" b="1" dirty="0"/>
+                  <a:t>frangia</a:t>
+                </a:r>
+                <a:r>
+                  <a:rPr lang="it-IT" sz="2000" dirty="0"/>
+                  <a:t> corrisponde ad uno spostamento di </a:t>
+                </a:r>
+                <a:r>
+                  <a:rPr lang="it-IT" sz="2000" b="1" dirty="0" err="1" smtClean="0"/>
+                  <a:t>λ</a:t>
+                </a:r>
+                <a:r>
+                  <a:rPr lang="it-IT" sz="2000" b="1" dirty="0" smtClean="0"/>
+                  <a:t>/2</a:t>
+                </a:r>
+              </a:p>
+              <a:p>
+                <a:r>
+                  <a:rPr lang="it-IT" sz="2400" dirty="0"/>
+                  <a:t>Un segnale interferometrico è caratterizzato dalla </a:t>
                 </a:r>
                 <a:r>
                   <a:rPr lang="it-IT" sz="2400" b="1" dirty="0"/>
                   <a:t>variazione di fase</a:t>
                 </a:r>
+                <a:r>
+                  <a:rPr lang="it-IT" sz="2400" dirty="0"/>
+                  <a:t>:</a:t>
+                </a:r>
+                <a:endParaRPr lang="it-IT" sz="2400" b="1" dirty="0"/>
               </a:p>
               <a:p>
                 <a:pPr marL="0" indent="0" algn="ctr">
@@ -16850,19 +16849,13 @@
                         <a:rPr lang="it-IT" sz="2400" i="1">
                           <a:latin typeface="Cambria Math" charset="0"/>
                         </a:rPr>
-                        <m:t>=</m:t>
-                      </m:r>
-                      <m:r>
-                        <a:rPr lang="it-IT" sz="2400" i="1">
-                          <a:latin typeface="Cambria Math" charset="0"/>
-                        </a:rPr>
-                        <m:t>2</m:t>
+                        <m:t>=2</m:t>
                       </m:r>
                       <m:f>
                         <m:fPr>
                           <m:ctrlPr>
                             <a:rPr lang="it-IT" sz="2400" i="1">
-                              <a:latin typeface="Cambria Math" panose="02040503050406030204" pitchFamily="18" charset="0"/>
+                              <a:latin typeface="Cambria Math" charset="0"/>
                             </a:rPr>
                           </m:ctrlPr>
                         </m:fPr>
@@ -16890,7 +16883,7 @@
                         </m:den>
                       </m:f>
                       <m:r>
-                        <a:rPr lang="it-IT" sz="2400" i="1" smtClean="0">
+                        <a:rPr lang="it-IT" sz="2400" i="1">
                           <a:latin typeface="Cambria Math" charset="0"/>
                         </a:rPr>
                         <m:t>𝑠</m:t>
@@ -16898,44 +16891,7 @@
                     </m:oMath>
                   </m:oMathPara>
                 </a14:m>
-                <a:endParaRPr lang="it-IT" sz="2400" dirty="0" smtClean="0"/>
-              </a:p>
-              <a:p>
-                <a:r>
-                  <a:rPr lang="it-IT" sz="2400" dirty="0" smtClean="0"/>
-                  <a:t>Il segnale di corrente generato dal fotodiodo è chiamato </a:t>
-                </a:r>
-                <a:r>
-                  <a:rPr lang="it-IT" sz="2400" b="1" dirty="0" smtClean="0"/>
-                  <a:t>segnale interferometrico</a:t>
-                </a:r>
-              </a:p>
-              <a:p>
-                <a:r>
-                  <a:rPr lang="it-IT" sz="2400" dirty="0" smtClean="0"/>
-                  <a:t>Il segnale è </a:t>
-                </a:r>
-                <a:r>
-                  <a:rPr lang="it-IT" sz="2400" b="1" dirty="0" smtClean="0"/>
-                  <a:t>periodico</a:t>
-                </a:r>
-                <a:r>
-                  <a:rPr lang="it-IT" sz="2400" dirty="0" smtClean="0"/>
-                  <a:t> per variazioni di fase </a:t>
-                </a:r>
-                <a:r>
-                  <a:rPr lang="it-IT" sz="2400" dirty="0"/>
-                  <a:t>pari a </a:t>
-                </a:r>
-                <a:r>
-                  <a:rPr lang="it-IT" sz="2400" b="1" dirty="0" smtClean="0"/>
-                  <a:t>2</a:t>
-                </a:r>
-                <a:r>
-                  <a:rPr lang="el-GR" sz="2400" b="1" dirty="0" smtClean="0"/>
-                  <a:t>π</a:t>
-                </a:r>
-                <a:endParaRPr lang="it-IT" sz="2400" b="1" dirty="0" smtClean="0"/>
+                <a:endParaRPr lang="it-IT" sz="2400" dirty="0"/>
               </a:p>
               <a:p>
                 <a:pPr marL="0" indent="0">
@@ -16968,29 +16924,6 @@
                 </a:pPr>
                 <a:endParaRPr lang="it-IT" sz="2400" dirty="0" smtClean="0"/>
               </a:p>
-              <a:p>
-                <a:r>
-                  <a:rPr lang="it-IT" sz="2400" dirty="0" smtClean="0"/>
-                  <a:t>Ogni </a:t>
-                </a:r>
-                <a:r>
-                  <a:rPr lang="it-IT" sz="2400" b="1" dirty="0"/>
-                  <a:t>frangia</a:t>
-                </a:r>
-                <a:r>
-                  <a:rPr lang="it-IT" sz="2400" dirty="0"/>
-                  <a:t> corrisponde ad uno spostamento di </a:t>
-                </a:r>
-                <a:r>
-                  <a:rPr lang="it-IT" sz="2400" b="1" dirty="0" err="1" smtClean="0"/>
-                  <a:t>λ</a:t>
-                </a:r>
-                <a:r>
-                  <a:rPr lang="it-IT" sz="2400" b="1" dirty="0" smtClean="0"/>
-                  <a:t>/2</a:t>
-                </a:r>
-                <a:endParaRPr lang="it-IT" sz="2400" dirty="0"/>
-              </a:p>
             </p:txBody>
           </p:sp>
         </mc:Choice>
@@ -17013,7 +16946,7 @@
               <a:blipFill rotWithShape="0">
                 <a:blip r:embed="rId2"/>
                 <a:stretch>
-                  <a:fillRect l="-1000" t="-903" r="-500" b="-1129"/>
+                  <a:fillRect l="-1000" t="-903"/>
                 </a:stretch>
               </a:blipFill>
             </p:spPr>
@@ -17106,7 +17039,7 @@
         </p:blipFill>
         <p:spPr bwMode="auto">
           <a:xfrm>
-            <a:off x="636496" y="4119201"/>
+            <a:off x="669154" y="4674378"/>
             <a:ext cx="3514025" cy="1552823"/>
           </a:xfrm>
           <a:prstGeom prst="rect">
@@ -17160,7 +17093,7 @@
         </p:blipFill>
         <p:spPr bwMode="auto">
           <a:xfrm>
-            <a:off x="5296769" y="4246199"/>
+            <a:off x="5329427" y="4801376"/>
             <a:ext cx="3540937" cy="1489178"/>
           </a:xfrm>
           <a:prstGeom prst="rect">
@@ -17199,7 +17132,7 @@
         </p:nvSpPr>
         <p:spPr>
           <a:xfrm>
-            <a:off x="4195491" y="4702694"/>
+            <a:off x="4228149" y="5339516"/>
             <a:ext cx="1176228" cy="514350"/>
           </a:xfrm>
           <a:prstGeom prst="rightArrow">
@@ -17242,7 +17175,7 @@
         </p:nvSpPr>
         <p:spPr>
           <a:xfrm>
-            <a:off x="1043470" y="3826015"/>
+            <a:off x="1076128" y="4610573"/>
             <a:ext cx="2700076" cy="323165"/>
           </a:xfrm>
           <a:prstGeom prst="rect">
@@ -17256,6 +17189,7 @@
           </a:bodyPr>
           <a:lstStyle/>
           <a:p>
+            <a:pPr algn="ctr"/>
             <a:r>
               <a:rPr lang="it-IT" sz="1500" b="1" i="1" dirty="0" smtClean="0"/>
               <a:t>Spostamento sinusoidale</a:t>
@@ -17272,7 +17206,7 @@
         </p:nvSpPr>
         <p:spPr>
           <a:xfrm>
-            <a:off x="5747179" y="3826015"/>
+            <a:off x="5749857" y="4610573"/>
             <a:ext cx="2700076" cy="323165"/>
           </a:xfrm>
           <a:prstGeom prst="rect">
@@ -17286,6 +17220,7 @@
           </a:bodyPr>
           <a:lstStyle/>
           <a:p>
+            <a:pPr algn="ctr"/>
             <a:r>
               <a:rPr lang="it-IT" sz="1500" b="1" i="1" smtClean="0"/>
               <a:t>Segnale interferometrico</a:t>
@@ -17302,7 +17237,7 @@
         </p:nvSpPr>
         <p:spPr>
           <a:xfrm flipH="1" flipV="1">
-            <a:off x="5311759" y="1921358"/>
+            <a:off x="5313098" y="3866218"/>
             <a:ext cx="370249" cy="359764"/>
           </a:xfrm>
           <a:prstGeom prst="donut">
@@ -17497,7 +17432,7 @@
                         <m:fPr>
                           <m:ctrlPr>
                             <a:rPr lang="it-IT" i="1" smtClean="0">
-                              <a:latin typeface="Cambria Math" panose="02040503050406030204" pitchFamily="18" charset="0"/>
+                              <a:latin typeface="Cambria Math" charset="0"/>
                               <a:ea typeface="Cambria Math" charset="0"/>
                               <a:cs typeface="Cambria Math" charset="0"/>
                             </a:rPr>
@@ -17508,7 +17443,7 @@
                             <m:sSubPr>
                               <m:ctrlPr>
                                 <a:rPr lang="it-IT" i="1" smtClean="0">
-                                  <a:latin typeface="Cambria Math" panose="02040503050406030204" pitchFamily="18" charset="0"/>
+                                  <a:latin typeface="Cambria Math" charset="0"/>
                                   <a:ea typeface="Cambria Math" charset="0"/>
                                   <a:cs typeface="Cambria Math" charset="0"/>
                                 </a:rPr>
@@ -17547,7 +17482,7 @@
                             <m:sSubPr>
                               <m:ctrlPr>
                                 <a:rPr lang="it-IT" b="0" i="1" smtClean="0">
-                                  <a:latin typeface="Cambria Math" panose="02040503050406030204" pitchFamily="18" charset="0"/>
+                                  <a:latin typeface="Cambria Math" charset="0"/>
                                   <a:ea typeface="Cambria Math" charset="0"/>
                                   <a:cs typeface="Cambria Math" charset="0"/>
                                 </a:rPr>
@@ -17644,7 +17579,7 @@
         <p:spPr bwMode="auto">
           <a:xfrm>
             <a:off x="419724" y="5918868"/>
-            <a:ext cx="8248650" cy="496731"/>
+            <a:ext cx="6454605" cy="496731"/>
           </a:xfrm>
           <a:prstGeom prst="rect">
             <a:avLst/>
@@ -18006,7 +17941,7 @@
                         <m:fPr>
                           <m:ctrlPr>
                             <a:rPr lang="it-IT" b="0" i="1" smtClean="0">
-                              <a:latin typeface="Cambria Math" panose="02040503050406030204" pitchFamily="18" charset="0"/>
+                              <a:latin typeface="Cambria Math" charset="0"/>
                             </a:rPr>
                           </m:ctrlPr>
                         </m:fPr>
@@ -18186,6 +18121,222 @@
           </a:p>
         </p:txBody>
       </p:sp>
+      <mc:AlternateContent xmlns:mc="http://schemas.openxmlformats.org/markup-compatibility/2006" xmlns:a14="http://schemas.microsoft.com/office/drawing/2010/main">
+        <mc:Choice Requires="a14">
+          <p:sp>
+            <p:nvSpPr>
+              <p:cNvPr id="5" name="Rettangolo 4"/>
+              <p:cNvSpPr/>
+              <p:nvPr/>
+            </p:nvSpPr>
+            <p:spPr>
+              <a:xfrm>
+                <a:off x="2801474" y="5221473"/>
+                <a:ext cx="845552" cy="491288"/>
+              </a:xfrm>
+              <a:prstGeom prst="rect">
+                <a:avLst/>
+              </a:prstGeom>
+            </p:spPr>
+            <p:txBody>
+              <a:bodyPr wrap="none">
+                <a:spAutoFit/>
+              </a:bodyPr>
+              <a:lstStyle/>
+              <a:p>
+                <a:pPr/>
+                <a14:m>
+                  <m:oMathPara xmlns:m="http://schemas.openxmlformats.org/officeDocument/2006/math">
+                    <m:oMathParaPr>
+                      <m:jc m:val="centerGroup"/>
+                    </m:oMathParaPr>
+                    <m:oMath xmlns:m="http://schemas.openxmlformats.org/officeDocument/2006/math">
+                      <m:sSub>
+                        <m:sSubPr>
+                          <m:ctrlPr>
+                            <a:rPr lang="it-IT" i="1">
+                              <a:latin typeface="Cambria Math" charset="0"/>
+                              <a:ea typeface="Cambria Math" charset="0"/>
+                              <a:cs typeface="Cambria Math" charset="0"/>
+                            </a:rPr>
+                          </m:ctrlPr>
+                        </m:sSubPr>
+                        <m:e>
+                          <m:r>
+                            <a:rPr lang="it-IT" i="1">
+                              <a:latin typeface="Cambria Math" charset="0"/>
+                              <a:ea typeface="Cambria Math" charset="0"/>
+                              <a:cs typeface="Cambria Math" charset="0"/>
+                            </a:rPr>
+                            <m:t>𝑓</m:t>
+                          </m:r>
+                        </m:e>
+                        <m:sub>
+                          <m:r>
+                            <a:rPr lang="it-IT" i="1">
+                              <a:latin typeface="Cambria Math" charset="0"/>
+                              <a:ea typeface="Cambria Math" charset="0"/>
+                              <a:cs typeface="Cambria Math" charset="0"/>
+                            </a:rPr>
+                            <m:t>𝑓𝑎𝑙𝑙</m:t>
+                          </m:r>
+                        </m:sub>
+                      </m:sSub>
+                    </m:oMath>
+                  </m:oMathPara>
+                </a14:m>
+                <a:endParaRPr lang="it-IT" dirty="0"/>
+              </a:p>
+            </p:txBody>
+          </p:sp>
+        </mc:Choice>
+        <mc:Fallback xmlns="">
+          <p:sp>
+            <p:nvSpPr>
+              <p:cNvPr id="5" name="Rettangolo 4"/>
+              <p:cNvSpPr>
+                <a:spLocks noRot="1" noChangeAspect="1" noMove="1" noResize="1" noEditPoints="1" noAdjustHandles="1" noChangeArrowheads="1" noChangeShapeType="1" noTextEdit="1"/>
+              </p:cNvSpPr>
+              <p:nvPr/>
+            </p:nvSpPr>
+            <p:spPr>
+              <a:xfrm>
+                <a:off x="2801474" y="5221473"/>
+                <a:ext cx="845552" cy="491288"/>
+              </a:xfrm>
+              <a:prstGeom prst="rect">
+                <a:avLst/>
+              </a:prstGeom>
+              <a:blipFill rotWithShape="0">
+                <a:blip r:embed="rId5"/>
+                <a:stretch>
+                  <a:fillRect b="-12500"/>
+                </a:stretch>
+              </a:blipFill>
+            </p:spPr>
+            <p:txBody>
+              <a:bodyPr/>
+              <a:lstStyle/>
+              <a:p>
+                <a:r>
+                  <a:rPr lang="it-IT">
+                    <a:noFill/>
+                  </a:rPr>
+                  <a:t> </a:t>
+                </a:r>
+              </a:p>
+            </p:txBody>
+          </p:sp>
+        </mc:Fallback>
+      </mc:AlternateContent>
+      <mc:AlternateContent xmlns:mc="http://schemas.openxmlformats.org/markup-compatibility/2006" xmlns:a14="http://schemas.microsoft.com/office/drawing/2010/main">
+        <mc:Choice Requires="a14">
+          <p:sp>
+            <p:nvSpPr>
+              <p:cNvPr id="13" name="Rettangolo 12"/>
+              <p:cNvSpPr/>
+              <p:nvPr/>
+            </p:nvSpPr>
+            <p:spPr>
+              <a:xfrm>
+                <a:off x="5680746" y="5221473"/>
+                <a:ext cx="851836" cy="461665"/>
+              </a:xfrm>
+              <a:prstGeom prst="rect">
+                <a:avLst/>
+              </a:prstGeom>
+            </p:spPr>
+            <p:txBody>
+              <a:bodyPr wrap="none">
+                <a:spAutoFit/>
+              </a:bodyPr>
+              <a:lstStyle/>
+              <a:p>
+                <a:pPr/>
+                <a14:m>
+                  <m:oMathPara xmlns:m="http://schemas.openxmlformats.org/officeDocument/2006/math">
+                    <m:oMathParaPr>
+                      <m:jc m:val="centerGroup"/>
+                    </m:oMathParaPr>
+                    <m:oMath xmlns:m="http://schemas.openxmlformats.org/officeDocument/2006/math">
+                      <m:sSub>
+                        <m:sSubPr>
+                          <m:ctrlPr>
+                            <a:rPr lang="it-IT" i="1" smtClean="0">
+                              <a:latin typeface="Cambria Math" charset="0"/>
+                              <a:ea typeface="Cambria Math" charset="0"/>
+                              <a:cs typeface="Cambria Math" charset="0"/>
+                            </a:rPr>
+                          </m:ctrlPr>
+                        </m:sSubPr>
+                        <m:e>
+                          <m:r>
+                            <a:rPr lang="it-IT" i="1">
+                              <a:latin typeface="Cambria Math" charset="0"/>
+                              <a:ea typeface="Cambria Math" charset="0"/>
+                              <a:cs typeface="Cambria Math" charset="0"/>
+                            </a:rPr>
+                            <m:t>𝑓</m:t>
+                          </m:r>
+                        </m:e>
+                        <m:sub>
+                          <m:r>
+                            <a:rPr lang="it-IT" b="0" i="1" smtClean="0">
+                              <a:latin typeface="Cambria Math" charset="0"/>
+                              <a:ea typeface="Cambria Math" charset="0"/>
+                              <a:cs typeface="Cambria Math" charset="0"/>
+                            </a:rPr>
+                            <m:t>𝑟𝑖𝑠𝑒</m:t>
+                          </m:r>
+                        </m:sub>
+                      </m:sSub>
+                    </m:oMath>
+                  </m:oMathPara>
+                </a14:m>
+                <a:endParaRPr lang="it-IT" dirty="0"/>
+              </a:p>
+            </p:txBody>
+          </p:sp>
+        </mc:Choice>
+        <mc:Fallback xmlns="">
+          <p:sp>
+            <p:nvSpPr>
+              <p:cNvPr id="13" name="Rettangolo 12"/>
+              <p:cNvSpPr>
+                <a:spLocks noRot="1" noChangeAspect="1" noMove="1" noResize="1" noEditPoints="1" noAdjustHandles="1" noChangeArrowheads="1" noChangeShapeType="1" noTextEdit="1"/>
+              </p:cNvSpPr>
+              <p:nvPr/>
+            </p:nvSpPr>
+            <p:spPr>
+              <a:xfrm>
+                <a:off x="5680746" y="5221473"/>
+                <a:ext cx="851836" cy="461665"/>
+              </a:xfrm>
+              <a:prstGeom prst="rect">
+                <a:avLst/>
+              </a:prstGeom>
+              <a:blipFill rotWithShape="0">
+                <a:blip r:embed="rId6"/>
+                <a:stretch>
+                  <a:fillRect b="-21333"/>
+                </a:stretch>
+              </a:blipFill>
+            </p:spPr>
+            <p:txBody>
+              <a:bodyPr/>
+              <a:lstStyle/>
+              <a:p>
+                <a:r>
+                  <a:rPr lang="it-IT">
+                    <a:noFill/>
+                  </a:rPr>
+                  <a:t> </a:t>
+                </a:r>
+              </a:p>
+            </p:txBody>
+          </p:sp>
+        </mc:Fallback>
+      </mc:AlternateContent>
     </p:spTree>
     <p:extLst>
       <p:ext uri="{BB962C8B-B14F-4D97-AF65-F5344CB8AC3E}">
@@ -20506,6 +20657,21 @@
 </file>
 
 <file path=customXml/item1.xml><?xml version="1.0" encoding="utf-8"?>
+<p:properties xmlns:p="http://schemas.microsoft.com/office/2006/metadata/properties" xmlns:xsi="http://www.w3.org/2001/XMLSchema-instance" xmlns:pc="http://schemas.microsoft.com/office/infopath/2007/PartnerControls">
+  <documentManagement/>
+</p:properties>
+</file>
+
+<file path=customXml/item2.xml><?xml version="1.0" encoding="utf-8"?>
+<?mso-contentType ?>
+<FormTemplates xmlns="http://schemas.microsoft.com/sharepoint/v3/contenttype/forms">
+  <Display>DocumentLibraryForm</Display>
+  <Edit>DocumentLibraryForm</Edit>
+  <New>DocumentLibraryForm</New>
+</FormTemplates>
+</file>
+
+<file path=customXml/item3.xml><?xml version="1.0" encoding="utf-8"?>
 <ct:contentTypeSchema xmlns:ct="http://schemas.microsoft.com/office/2006/metadata/contentType" xmlns:ma="http://schemas.microsoft.com/office/2006/metadata/properties/metaAttributes" ct:_="" ma:_="" ma:contentTypeName="Documento" ma:contentTypeID="0x010100DAC9E95AF84DC048A0D22167E412CEEC" ma:contentTypeVersion="0" ma:contentTypeDescription="Creare un nuovo documento." ma:contentTypeScope="" ma:versionID="77ab65c81d73c7b1811619c89623d2b9">
   <xsd:schema xmlns:xsd="http://www.w3.org/2001/XMLSchema" xmlns:xs="http://www.w3.org/2001/XMLSchema" xmlns:p="http://schemas.microsoft.com/office/2006/metadata/properties" targetNamespace="http://schemas.microsoft.com/office/2006/metadata/properties" ma:root="true" ma:fieldsID="8bf72f36140baa73d0623520154f6aaf">
     <xsd:element name="properties">
@@ -20619,38 +20785,7 @@
 </ct:contentTypeSchema>
 </file>
 
-<file path=customXml/item2.xml><?xml version="1.0" encoding="utf-8"?>
-<p:properties xmlns:p="http://schemas.microsoft.com/office/2006/metadata/properties" xmlns:xsi="http://www.w3.org/2001/XMLSchema-instance" xmlns:pc="http://schemas.microsoft.com/office/infopath/2007/PartnerControls">
-  <documentManagement/>
-</p:properties>
-</file>
-
-<file path=customXml/item3.xml><?xml version="1.0" encoding="utf-8"?>
-<?mso-contentType ?>
-<FormTemplates xmlns="http://schemas.microsoft.com/sharepoint/v3/contenttype/forms">
-  <Display>DocumentLibraryForm</Display>
-  <Edit>DocumentLibraryForm</Edit>
-  <New>DocumentLibraryForm</New>
-</FormTemplates>
-</file>
-
 <file path=customXml/itemProps1.xml><?xml version="1.0" encoding="utf-8"?>
-<ds:datastoreItem xmlns:ds="http://schemas.openxmlformats.org/officeDocument/2006/customXml" ds:itemID="{B0C5135E-7452-41DD-A4B7-B217190CFF89}">
-  <ds:schemaRefs>
-    <ds:schemaRef ds:uri="http://schemas.microsoft.com/office/2006/metadata/contentType"/>
-    <ds:schemaRef ds:uri="http://schemas.microsoft.com/office/2006/metadata/properties/metaAttributes"/>
-    <ds:schemaRef ds:uri="http://www.w3.org/2001/XMLSchema"/>
-    <ds:schemaRef ds:uri="http://schemas.microsoft.com/office/2006/metadata/properties"/>
-    <ds:schemaRef ds:uri="http://schemas.openxmlformats.org/package/2006/metadata/core-properties"/>
-    <ds:schemaRef ds:uri="http://purl.org/dc/elements/1.1/"/>
-    <ds:schemaRef ds:uri="http://purl.org/dc/terms/"/>
-    <ds:schemaRef ds:uri="http://schemas.microsoft.com/internal/obd"/>
-    <ds:schemaRef ds:uri="http://schemas.microsoft.com/office/infopath/2007/PartnerControls"/>
-  </ds:schemaRefs>
-</ds:datastoreItem>
-</file>
-
-<file path=customXml/itemProps2.xml><?xml version="1.0" encoding="utf-8"?>
 <ds:datastoreItem xmlns:ds="http://schemas.openxmlformats.org/officeDocument/2006/customXml" ds:itemID="{D68A92BA-7E37-44ED-84AE-4BD8BD74DC1F}">
   <ds:schemaRefs>
     <ds:schemaRef ds:uri="http://purl.org/dc/terms/"/>
@@ -20665,10 +20800,26 @@
 </ds:datastoreItem>
 </file>
 
-<file path=customXml/itemProps3.xml><?xml version="1.0" encoding="utf-8"?>
+<file path=customXml/itemProps2.xml><?xml version="1.0" encoding="utf-8"?>
 <ds:datastoreItem xmlns:ds="http://schemas.openxmlformats.org/officeDocument/2006/customXml" ds:itemID="{642F071F-C090-42AB-8A40-E3A3A8F01244}">
   <ds:schemaRefs>
     <ds:schemaRef ds:uri="http://schemas.microsoft.com/sharepoint/v3/contenttype/forms"/>
   </ds:schemaRefs>
 </ds:datastoreItem>
+</file>
+
+<file path=customXml/itemProps3.xml><?xml version="1.0" encoding="utf-8"?>
+<ds:datastoreItem xmlns:ds="http://schemas.openxmlformats.org/officeDocument/2006/customXml" ds:itemID="{B0C5135E-7452-41DD-A4B7-B217190CFF89}">
+  <ds:schemaRefs>
+    <ds:schemaRef ds:uri="http://schemas.microsoft.com/office/2006/metadata/contentType"/>
+    <ds:schemaRef ds:uri="http://schemas.microsoft.com/office/2006/metadata/properties/metaAttributes"/>
+    <ds:schemaRef ds:uri="http://www.w3.org/2001/XMLSchema"/>
+    <ds:schemaRef ds:uri="http://schemas.microsoft.com/office/2006/metadata/properties"/>
+    <ds:schemaRef ds:uri="http://schemas.openxmlformats.org/package/2006/metadata/core-properties"/>
+    <ds:schemaRef ds:uri="http://purl.org/dc/elements/1.1/"/>
+    <ds:schemaRef ds:uri="http://purl.org/dc/terms/"/>
+    <ds:schemaRef ds:uri="http://schemas.microsoft.com/internal/obd"/>
+    <ds:schemaRef ds:uri="http://schemas.microsoft.com/office/infopath/2007/PartnerControls"/>
+  </ds:schemaRefs>
+</ds:datastoreItem>
 </file>